--- a/slides/05_games.pptx
+++ b/slides/05_games.pptx
@@ -245,7 +245,7 @@
             <a:fld id="{46E2045A-045A-4BC7-A4D3-1395440B1C3D}" type="datetimeFigureOut">
               <a:rPr lang="en-US" smtClean="0"/>
               <a:pPr/>
-              <a:t>4/8/2021</a:t>
+              <a:t>9/1/2021</a:t>
             </a:fld>
             <a:endParaRPr lang="en-US"/>
           </a:p>
@@ -3642,26 +3642,37 @@
           <a:p>
             <a:pPr algn="l"/>
             <a:r>
-              <a:rPr lang="en-US" sz="2900"/>
+              <a:rPr lang="en-US" sz="2900" dirty="0"/>
               <a:t>CS 5/7320 </a:t>
             </a:r>
             <a:br>
-              <a:rPr lang="en-US" sz="2900"/>
+              <a:rPr lang="en-US" sz="2900" dirty="0"/>
             </a:br>
             <a:r>
-              <a:rPr lang="en-US" sz="2900"/>
+              <a:rPr lang="en-US" sz="2400" dirty="0"/>
               <a:t>Artificial Intelligence</a:t>
             </a:r>
             <a:br>
-              <a:rPr lang="en-US" sz="2900"/>
+              <a:rPr lang="en-US" sz="2900" dirty="0"/>
             </a:br>
             <a:br>
-              <a:rPr lang="en-US" sz="2900" b="1"/>
+              <a:rPr lang="en-US" sz="2900" dirty="0"/>
             </a:br>
-            <a:r>
-              <a:rPr lang="en-US" sz="2900" b="1"/>
+            <a:br>
+              <a:rPr lang="en-US" sz="2900" b="1" dirty="0"/>
+            </a:br>
+            <a:r>
+              <a:rPr lang="en-US" sz="2900" b="1" dirty="0"/>
               <a:t>Adversarial Search and Games</a:t>
             </a:r>
+            <a:br>
+              <a:rPr lang="en-US" sz="2900" b="1" dirty="0"/>
+            </a:br>
+            <a:r>
+              <a:rPr lang="en-US" sz="2000" dirty="0"/>
+              <a:t>AIMA Chapter 5</a:t>
+            </a:r>
+            <a:endParaRPr lang="en-US" sz="2900" b="1" dirty="0"/>
           </a:p>
         </p:txBody>
       </p:sp>
@@ -3695,23 +3706,15 @@
           <a:p>
             <a:pPr algn="l"/>
             <a:r>
-              <a:rPr lang="en-US" sz="1700"/>
-              <a:t>AIMA Chapter 5</a:t>
-            </a:r>
-          </a:p>
-          <a:p>
-            <a:pPr algn="l"/>
-            <a:endParaRPr lang="en-US" sz="1700" dirty="0"/>
-          </a:p>
-          <a:p>
-            <a:pPr algn="l"/>
-            <a:r>
               <a:rPr lang="en-US" sz="1700" dirty="0"/>
-              <a:t>Slides by </a:t>
-            </a:r>
-            <a:r>
-              <a:rPr lang="en-US" sz="1700"/>
-              <a:t>Michael Hahsler</a:t>
+              <a:t>Slides by Michael Hahsler</a:t>
+            </a:r>
+            <a:br>
+              <a:rPr lang="en-US" sz="1700" dirty="0"/>
+            </a:br>
+            <a:r>
+              <a:rPr lang="en-US" sz="1400" dirty="0"/>
+              <a:t>with figures from the AIMA textbook</a:t>
             </a:r>
             <a:endParaRPr lang="en-US" sz="1700" dirty="0"/>
           </a:p>
@@ -18629,8 +18632,8 @@
           </a:p>
         </p:txBody>
       </p:sp>
-      <mc:AlternateContent xmlns:mc="http://schemas.openxmlformats.org/markup-compatibility/2006">
-        <mc:Choice xmlns:a14="http://schemas.microsoft.com/office/drawing/2010/main" Requires="a14">
+      <mc:AlternateContent xmlns:mc="http://schemas.openxmlformats.org/markup-compatibility/2006" xmlns:a14="http://schemas.microsoft.com/office/drawing/2010/main">
+        <mc:Choice Requires="a14">
           <p:sp>
             <p:nvSpPr>
               <p:cNvPr id="5" name="Content Placeholder 4">
@@ -18713,7 +18716,7 @@
             </p:txBody>
           </p:sp>
         </mc:Choice>
-        <mc:Fallback>
+        <mc:Fallback xmlns="">
           <p:sp>
             <p:nvSpPr>
               <p:cNvPr id="5" name="Content Placeholder 4">
@@ -18912,8 +18915,8 @@
           </a:p>
         </p:txBody>
       </p:sp>
-      <mc:AlternateContent xmlns:mc="http://schemas.openxmlformats.org/markup-compatibility/2006">
-        <mc:Choice xmlns:a14="http://schemas.microsoft.com/office/drawing/2010/main" Requires="a14">
+      <mc:AlternateContent xmlns:mc="http://schemas.openxmlformats.org/markup-compatibility/2006" xmlns:a14="http://schemas.microsoft.com/office/drawing/2010/main">
+        <mc:Choice Requires="a14">
           <p:sp>
             <p:nvSpPr>
               <p:cNvPr id="5" name="Content Placeholder 4">
@@ -19715,7 +19718,7 @@
             </p:txBody>
           </p:sp>
         </mc:Choice>
-        <mc:Fallback>
+        <mc:Fallback xmlns="">
           <p:sp>
             <p:nvSpPr>
               <p:cNvPr id="5" name="Content Placeholder 4">
@@ -21365,7 +21368,7 @@
           <p:nvPr/>
         </p:nvPicPr>
         <p:blipFill rotWithShape="1">
-          <a:blip r:embed="rId3"/>
+          <a:blip r:embed="rId4"/>
           <a:srcRect l="21698" t="53075" r="71698" b="36069"/>
           <a:stretch/>
         </p:blipFill>

--- a/slides/05_games.pptx
+++ b/slides/05_games.pptx
@@ -5,7 +5,7 @@
     <p:sldMasterId id="2147483708" r:id="rId1"/>
   </p:sldMasterIdLst>
   <p:notesMasterIdLst>
-    <p:notesMasterId r:id="rId39"/>
+    <p:notesMasterId r:id="rId40"/>
   </p:notesMasterIdLst>
   <p:sldIdLst>
     <p:sldId id="256" r:id="rId2"/>
@@ -18,33 +18,34 @@
     <p:sldId id="290" r:id="rId9"/>
     <p:sldId id="260" r:id="rId10"/>
     <p:sldId id="264" r:id="rId11"/>
-    <p:sldId id="270" r:id="rId12"/>
-    <p:sldId id="291" r:id="rId13"/>
-    <p:sldId id="271" r:id="rId14"/>
-    <p:sldId id="296" r:id="rId15"/>
-    <p:sldId id="294" r:id="rId16"/>
-    <p:sldId id="295" r:id="rId17"/>
-    <p:sldId id="272" r:id="rId18"/>
-    <p:sldId id="274" r:id="rId19"/>
-    <p:sldId id="275" r:id="rId20"/>
-    <p:sldId id="276" r:id="rId21"/>
-    <p:sldId id="277" r:id="rId22"/>
-    <p:sldId id="292" r:id="rId23"/>
-    <p:sldId id="289" r:id="rId24"/>
-    <p:sldId id="297" r:id="rId25"/>
-    <p:sldId id="278" r:id="rId26"/>
-    <p:sldId id="298" r:id="rId27"/>
-    <p:sldId id="279" r:id="rId28"/>
-    <p:sldId id="293" r:id="rId29"/>
-    <p:sldId id="280" r:id="rId30"/>
-    <p:sldId id="281" r:id="rId31"/>
-    <p:sldId id="282" r:id="rId32"/>
-    <p:sldId id="284" r:id="rId33"/>
-    <p:sldId id="283" r:id="rId34"/>
-    <p:sldId id="286" r:id="rId35"/>
-    <p:sldId id="287" r:id="rId36"/>
-    <p:sldId id="300" r:id="rId37"/>
-    <p:sldId id="288" r:id="rId38"/>
+    <p:sldId id="301" r:id="rId12"/>
+    <p:sldId id="270" r:id="rId13"/>
+    <p:sldId id="291" r:id="rId14"/>
+    <p:sldId id="271" r:id="rId15"/>
+    <p:sldId id="296" r:id="rId16"/>
+    <p:sldId id="294" r:id="rId17"/>
+    <p:sldId id="295" r:id="rId18"/>
+    <p:sldId id="272" r:id="rId19"/>
+    <p:sldId id="274" r:id="rId20"/>
+    <p:sldId id="275" r:id="rId21"/>
+    <p:sldId id="276" r:id="rId22"/>
+    <p:sldId id="277" r:id="rId23"/>
+    <p:sldId id="292" r:id="rId24"/>
+    <p:sldId id="289" r:id="rId25"/>
+    <p:sldId id="297" r:id="rId26"/>
+    <p:sldId id="278" r:id="rId27"/>
+    <p:sldId id="298" r:id="rId28"/>
+    <p:sldId id="279" r:id="rId29"/>
+    <p:sldId id="293" r:id="rId30"/>
+    <p:sldId id="280" r:id="rId31"/>
+    <p:sldId id="281" r:id="rId32"/>
+    <p:sldId id="282" r:id="rId33"/>
+    <p:sldId id="284" r:id="rId34"/>
+    <p:sldId id="283" r:id="rId35"/>
+    <p:sldId id="286" r:id="rId36"/>
+    <p:sldId id="287" r:id="rId37"/>
+    <p:sldId id="300" r:id="rId38"/>
+    <p:sldId id="288" r:id="rId39"/>
   </p:sldIdLst>
   <p:sldSz cx="9144000" cy="6858000" type="screen4x3"/>
   <p:notesSz cx="7315200" cy="9601200"/>
@@ -245,7 +246,7 @@
             <a:fld id="{46E2045A-045A-4BC7-A4D3-1395440B1C3D}" type="datetimeFigureOut">
               <a:rPr lang="en-US" smtClean="0"/>
               <a:pPr/>
-              <a:t>9/1/2021</a:t>
+              <a:t>10/25/2021</a:t>
             </a:fld>
             <a:endParaRPr lang="en-US"/>
           </a:p>
@@ -4235,6 +4236,20 @@
             <a:avLst/>
           </a:prstGeom>
         </p:spPr>
+        <p:style>
+          <a:lnRef idx="2">
+            <a:schemeClr val="accent2"/>
+          </a:lnRef>
+          <a:fillRef idx="1">
+            <a:schemeClr val="lt1"/>
+          </a:fillRef>
+          <a:effectRef idx="0">
+            <a:schemeClr val="accent2"/>
+          </a:effectRef>
+          <a:fontRef idx="minor">
+            <a:schemeClr val="dk1"/>
+          </a:fontRef>
+        </p:style>
       </p:pic>
       <p:sp>
         <p:nvSpPr>
@@ -4250,8 +4265,8 @@
         </p:nvSpPr>
         <p:spPr>
           <a:xfrm>
-            <a:off x="500748" y="5842752"/>
-            <a:ext cx="7798394" cy="923330"/>
+            <a:off x="402774" y="6072624"/>
+            <a:ext cx="8338452" cy="584775"/>
           </a:xfrm>
           <a:prstGeom prst="rect">
             <a:avLst/>
@@ -4269,7 +4284,7 @@
               <a:buChar char="•"/>
             </a:pPr>
             <a:r>
-              <a:rPr lang="en-US" dirty="0"/>
+              <a:rPr lang="en-US" sz="1600" dirty="0"/>
               <a:t>And-Or Search searches the whole tree till it finds a subtree that leads only to goal nodes. </a:t>
             </a:r>
           </a:p>
@@ -4279,7 +4294,7 @@
               <a:buChar char="•"/>
             </a:pPr>
             <a:r>
-              <a:rPr lang="en-US" dirty="0"/>
+              <a:rPr lang="en-US" sz="1600" dirty="0"/>
               <a:t>BFS and A* search can also be used to search an AND-OR tree.</a:t>
             </a:r>
           </a:p>
@@ -4477,7 +4492,7 @@
         <p:spPr>
           <a:xfrm>
             <a:off x="7924800" y="2438400"/>
-            <a:ext cx="152400" cy="1600200"/>
+            <a:ext cx="152400" cy="1532278"/>
           </a:xfrm>
           <a:prstGeom prst="rightBrace">
             <a:avLst/>
@@ -4687,6 +4702,361 @@
 </file>
 
 <file path=ppt/slides/slide11.xml><?xml version="1.0" encoding="utf-8"?>
+<p:sld xmlns:a="http://schemas.openxmlformats.org/drawingml/2006/main" xmlns:r="http://schemas.openxmlformats.org/officeDocument/2006/relationships" xmlns:p="http://schemas.openxmlformats.org/presentationml/2006/main">
+  <p:cSld>
+    <p:spTree>
+      <p:nvGrpSpPr>
+        <p:cNvPr id="1" name=""/>
+        <p:cNvGrpSpPr/>
+        <p:nvPr/>
+      </p:nvGrpSpPr>
+      <p:grpSpPr>
+        <a:xfrm>
+          <a:off x="0" y="0"/>
+          <a:ext cx="0" cy="0"/>
+          <a:chOff x="0" y="0"/>
+          <a:chExt cx="0" cy="0"/>
+        </a:xfrm>
+      </p:grpSpPr>
+      <p:sp>
+        <p:nvSpPr>
+          <p:cNvPr id="2" name="Title 1">
+            <a:extLst>
+              <a:ext uri="{FF2B5EF4-FFF2-40B4-BE49-F238E27FC236}">
+                <a16:creationId xmlns:a16="http://schemas.microsoft.com/office/drawing/2014/main" id="{0F77C296-F01D-4BAB-9B55-FE15FB171381}"/>
+              </a:ext>
+            </a:extLst>
+          </p:cNvPr>
+          <p:cNvSpPr>
+            <a:spLocks noGrp="1"/>
+          </p:cNvSpPr>
+          <p:nvPr>
+            <p:ph type="title"/>
+          </p:nvPr>
+        </p:nvSpPr>
+        <p:spPr/>
+        <p:txBody>
+          <a:bodyPr/>
+          <a:lstStyle/>
+          <a:p>
+            <a:r>
+              <a:rPr lang="en-US" dirty="0"/>
+              <a:t>Tic-tac-toe: AND-OR Search</a:t>
+            </a:r>
+          </a:p>
+        </p:txBody>
+      </p:sp>
+      <p:pic>
+        <p:nvPicPr>
+          <p:cNvPr id="4" name="Picture 3">
+            <a:extLst>
+              <a:ext uri="{FF2B5EF4-FFF2-40B4-BE49-F238E27FC236}">
+                <a16:creationId xmlns:a16="http://schemas.microsoft.com/office/drawing/2014/main" id="{32E6B034-CBF7-42C6-9AEA-D6DBE98BDD35}"/>
+              </a:ext>
+            </a:extLst>
+          </p:cNvPr>
+          <p:cNvPicPr>
+            <a:picLocks noChangeAspect="1"/>
+          </p:cNvPicPr>
+          <p:nvPr/>
+        </p:nvPicPr>
+        <p:blipFill>
+          <a:blip r:embed="rId2"/>
+          <a:stretch>
+            <a:fillRect/>
+          </a:stretch>
+        </p:blipFill>
+        <p:spPr>
+          <a:xfrm>
+            <a:off x="228600" y="1944883"/>
+            <a:ext cx="8077200" cy="4913117"/>
+          </a:xfrm>
+          <a:prstGeom prst="rect">
+            <a:avLst/>
+          </a:prstGeom>
+        </p:spPr>
+      </p:pic>
+      <p:sp>
+        <p:nvSpPr>
+          <p:cNvPr id="5" name="TextBox 4">
+            <a:extLst>
+              <a:ext uri="{FF2B5EF4-FFF2-40B4-BE49-F238E27FC236}">
+                <a16:creationId xmlns:a16="http://schemas.microsoft.com/office/drawing/2014/main" id="{B9B0BC67-69C8-4361-B2E7-F6E793D32569}"/>
+              </a:ext>
+            </a:extLst>
+          </p:cNvPr>
+          <p:cNvSpPr txBox="1"/>
+          <p:nvPr/>
+        </p:nvSpPr>
+        <p:spPr>
+          <a:xfrm>
+            <a:off x="4702225" y="2512497"/>
+            <a:ext cx="470000" cy="369332"/>
+          </a:xfrm>
+          <a:prstGeom prst="rect">
+            <a:avLst/>
+          </a:prstGeom>
+          <a:noFill/>
+        </p:spPr>
+        <p:txBody>
+          <a:bodyPr wrap="none" rtlCol="0">
+            <a:spAutoFit/>
+          </a:bodyPr>
+          <a:lstStyle/>
+          <a:p>
+            <a:r>
+              <a:rPr lang="en-US" b="1" dirty="0">
+                <a:solidFill>
+                  <a:srgbClr val="FF0000"/>
+                </a:solidFill>
+              </a:rPr>
+              <a:t>OR</a:t>
+            </a:r>
+          </a:p>
+        </p:txBody>
+      </p:sp>
+      <p:sp>
+        <p:nvSpPr>
+          <p:cNvPr id="8" name="TextBox 7">
+            <a:extLst>
+              <a:ext uri="{FF2B5EF4-FFF2-40B4-BE49-F238E27FC236}">
+                <a16:creationId xmlns:a16="http://schemas.microsoft.com/office/drawing/2014/main" id="{4AD88662-0EB7-4188-BB26-F76C0548822A}"/>
+              </a:ext>
+            </a:extLst>
+          </p:cNvPr>
+          <p:cNvSpPr txBox="1"/>
+          <p:nvPr/>
+        </p:nvSpPr>
+        <p:spPr>
+          <a:xfrm>
+            <a:off x="2213827" y="4216587"/>
+            <a:ext cx="470000" cy="369332"/>
+          </a:xfrm>
+          <a:prstGeom prst="rect">
+            <a:avLst/>
+          </a:prstGeom>
+          <a:noFill/>
+        </p:spPr>
+        <p:txBody>
+          <a:bodyPr wrap="none" rtlCol="0">
+            <a:spAutoFit/>
+          </a:bodyPr>
+          <a:lstStyle/>
+          <a:p>
+            <a:r>
+              <a:rPr lang="en-US" b="1" dirty="0">
+                <a:solidFill>
+                  <a:srgbClr val="FF0000"/>
+                </a:solidFill>
+              </a:rPr>
+              <a:t>OR</a:t>
+            </a:r>
+          </a:p>
+        </p:txBody>
+      </p:sp>
+      <p:sp>
+        <p:nvSpPr>
+          <p:cNvPr id="9" name="TextBox 8">
+            <a:extLst>
+              <a:ext uri="{FF2B5EF4-FFF2-40B4-BE49-F238E27FC236}">
+                <a16:creationId xmlns:a16="http://schemas.microsoft.com/office/drawing/2014/main" id="{115740FD-7633-45E8-9B0D-DF295806A6AF}"/>
+              </a:ext>
+            </a:extLst>
+          </p:cNvPr>
+          <p:cNvSpPr txBox="1"/>
+          <p:nvPr/>
+        </p:nvSpPr>
+        <p:spPr>
+          <a:xfrm>
+            <a:off x="2362200" y="3395172"/>
+            <a:ext cx="622286" cy="369332"/>
+          </a:xfrm>
+          <a:prstGeom prst="rect">
+            <a:avLst/>
+          </a:prstGeom>
+          <a:noFill/>
+        </p:spPr>
+        <p:txBody>
+          <a:bodyPr wrap="none" rtlCol="0">
+            <a:spAutoFit/>
+          </a:bodyPr>
+          <a:lstStyle/>
+          <a:p>
+            <a:r>
+              <a:rPr lang="en-US" b="1" dirty="0">
+                <a:solidFill>
+                  <a:srgbClr val="FF0000"/>
+                </a:solidFill>
+              </a:rPr>
+              <a:t>AND</a:t>
+            </a:r>
+          </a:p>
+        </p:txBody>
+      </p:sp>
+      <p:sp>
+        <p:nvSpPr>
+          <p:cNvPr id="10" name="TextBox 9">
+            <a:extLst>
+              <a:ext uri="{FF2B5EF4-FFF2-40B4-BE49-F238E27FC236}">
+                <a16:creationId xmlns:a16="http://schemas.microsoft.com/office/drawing/2014/main" id="{5033FC70-D0C8-4CF4-A2CF-28426323ED4C}"/>
+              </a:ext>
+            </a:extLst>
+          </p:cNvPr>
+          <p:cNvSpPr txBox="1"/>
+          <p:nvPr/>
+        </p:nvSpPr>
+        <p:spPr>
+          <a:xfrm>
+            <a:off x="2310626" y="5038002"/>
+            <a:ext cx="622286" cy="369332"/>
+          </a:xfrm>
+          <a:prstGeom prst="rect">
+            <a:avLst/>
+          </a:prstGeom>
+          <a:noFill/>
+        </p:spPr>
+        <p:txBody>
+          <a:bodyPr wrap="none" rtlCol="0">
+            <a:spAutoFit/>
+          </a:bodyPr>
+          <a:lstStyle/>
+          <a:p>
+            <a:r>
+              <a:rPr lang="en-US" b="1" dirty="0">
+                <a:solidFill>
+                  <a:srgbClr val="FF0000"/>
+                </a:solidFill>
+              </a:rPr>
+              <a:t>AND</a:t>
+            </a:r>
+          </a:p>
+        </p:txBody>
+      </p:sp>
+      <p:sp>
+        <p:nvSpPr>
+          <p:cNvPr id="6" name="TextBox 5">
+            <a:extLst>
+              <a:ext uri="{FF2B5EF4-FFF2-40B4-BE49-F238E27FC236}">
+                <a16:creationId xmlns:a16="http://schemas.microsoft.com/office/drawing/2014/main" id="{D822E5E1-295D-4775-89BF-A824458BFCA3}"/>
+              </a:ext>
+            </a:extLst>
+          </p:cNvPr>
+          <p:cNvSpPr txBox="1"/>
+          <p:nvPr/>
+        </p:nvSpPr>
+        <p:spPr>
+          <a:xfrm>
+            <a:off x="4669054" y="4207005"/>
+            <a:ext cx="3718367" cy="2031325"/>
+          </a:xfrm>
+          <a:prstGeom prst="rect">
+            <a:avLst/>
+          </a:prstGeom>
+        </p:spPr>
+        <p:style>
+          <a:lnRef idx="3">
+            <a:schemeClr val="lt1"/>
+          </a:lnRef>
+          <a:fillRef idx="1">
+            <a:schemeClr val="accent6"/>
+          </a:fillRef>
+          <a:effectRef idx="1">
+            <a:schemeClr val="accent6"/>
+          </a:effectRef>
+          <a:fontRef idx="minor">
+            <a:schemeClr val="lt1"/>
+          </a:fontRef>
+        </p:style>
+        <p:txBody>
+          <a:bodyPr wrap="square" rtlCol="0">
+            <a:spAutoFit/>
+          </a:bodyPr>
+          <a:lstStyle/>
+          <a:p>
+            <a:r>
+              <a:rPr lang="en-US" b="1" dirty="0"/>
+              <a:t>Objective</a:t>
+            </a:r>
+            <a:r>
+              <a:rPr lang="en-US" dirty="0"/>
+              <a:t>: Find a subtree that has only win leaf nodes (utility +1).</a:t>
+            </a:r>
+          </a:p>
+          <a:p>
+            <a:endParaRPr lang="en-US" dirty="0"/>
+          </a:p>
+          <a:p>
+            <a:r>
+              <a:rPr lang="en-US" dirty="0"/>
+              <a:t>We consider all opponent’s moves in the AND stage. This includes MIN’s best move. We call playing always the best move </a:t>
+            </a:r>
+            <a:r>
+              <a:rPr lang="en-US" b="1" dirty="0"/>
+              <a:t>playing optimally</a:t>
+            </a:r>
+            <a:r>
+              <a:rPr lang="en-US" dirty="0"/>
+              <a:t>.</a:t>
+            </a:r>
+          </a:p>
+        </p:txBody>
+      </p:sp>
+      <p:sp>
+        <p:nvSpPr>
+          <p:cNvPr id="11" name="TextBox 10">
+            <a:extLst>
+              <a:ext uri="{FF2B5EF4-FFF2-40B4-BE49-F238E27FC236}">
+                <a16:creationId xmlns:a16="http://schemas.microsoft.com/office/drawing/2014/main" id="{5370D82A-5AA7-4A00-B604-4A0BF28B483B}"/>
+              </a:ext>
+            </a:extLst>
+          </p:cNvPr>
+          <p:cNvSpPr txBox="1"/>
+          <p:nvPr/>
+        </p:nvSpPr>
+        <p:spPr>
+          <a:xfrm>
+            <a:off x="628650" y="1371600"/>
+            <a:ext cx="8147150" cy="646331"/>
+          </a:xfrm>
+          <a:prstGeom prst="rect">
+            <a:avLst/>
+          </a:prstGeom>
+          <a:noFill/>
+        </p:spPr>
+        <p:txBody>
+          <a:bodyPr wrap="square" rtlCol="0">
+            <a:spAutoFit/>
+          </a:bodyPr>
+          <a:lstStyle/>
+          <a:p>
+            <a:r>
+              <a:rPr lang="en-US" dirty="0"/>
+              <a:t>We play MAX and decide on our actions (OR). </a:t>
+            </a:r>
+            <a:br>
+              <a:rPr lang="en-US" dirty="0"/>
+            </a:br>
+            <a:r>
+              <a:rPr lang="en-US" dirty="0"/>
+              <a:t>MIN’s actions introduce non-determinism (AND).</a:t>
+            </a:r>
+          </a:p>
+        </p:txBody>
+      </p:sp>
+    </p:spTree>
+    <p:extLst>
+      <p:ext uri="{BB962C8B-B14F-4D97-AF65-F5344CB8AC3E}">
+        <p14:creationId xmlns:p14="http://schemas.microsoft.com/office/powerpoint/2010/main" val="4129302237"/>
+      </p:ext>
+    </p:extLst>
+  </p:cSld>
+  <p:clrMapOvr>
+    <a:masterClrMapping/>
+  </p:clrMapOvr>
+</p:sld>
+</file>
+
+<file path=ppt/slides/slide12.xml><?xml version="1.0" encoding="utf-8"?>
 <p:sld xmlns:a="http://schemas.openxmlformats.org/drawingml/2006/main" xmlns:r="http://schemas.openxmlformats.org/officeDocument/2006/relationships" xmlns:p="http://schemas.openxmlformats.org/presentationml/2006/main">
   <p:cSld>
     <p:bg>
@@ -5012,7 +5382,7 @@
 </p:sld>
 </file>
 
-<file path=ppt/slides/slide12.xml><?xml version="1.0" encoding="utf-8"?>
+<file path=ppt/slides/slide13.xml><?xml version="1.0" encoding="utf-8"?>
 <p:sld xmlns:a="http://schemas.openxmlformats.org/drawingml/2006/main" xmlns:r="http://schemas.openxmlformats.org/officeDocument/2006/relationships" xmlns:p="http://schemas.openxmlformats.org/presentationml/2006/main">
   <p:cSld>
     <p:bg>
@@ -5531,7 +5901,7 @@
                   </a:schemeClr>
                 </a:solidFill>
               </a:rPr>
-              <a:t>(state space is too large)</a:t>
+              <a:t>(game tree is too large)</a:t>
             </a:r>
           </a:p>
           <a:p>
@@ -5569,7 +5939,7 @@
                   </a:schemeClr>
                 </a:solidFill>
               </a:rPr>
-              <a:t>Cut off search tree and use heuristic for utility. </a:t>
+              <a:t>Cut off game tree and use heuristic for utility. </a:t>
             </a:r>
           </a:p>
           <a:p>
@@ -5628,7 +5998,7 @@
 </p:sld>
 </file>
 
-<file path=ppt/slides/slide13.xml><?xml version="1.0" encoding="utf-8"?>
+<file path=ppt/slides/slide14.xml><?xml version="1.0" encoding="utf-8"?>
 <p:sld xmlns:a="http://schemas.openxmlformats.org/drawingml/2006/main" xmlns:r="http://schemas.openxmlformats.org/officeDocument/2006/relationships" xmlns:p="http://schemas.openxmlformats.org/presentationml/2006/main">
   <p:cSld>
     <p:spTree>
@@ -6351,7 +6721,7 @@
 </p:sld>
 </file>
 
-<file path=ppt/slides/slide14.xml><?xml version="1.0" encoding="utf-8"?>
+<file path=ppt/slides/slide15.xml><?xml version="1.0" encoding="utf-8"?>
 <p:sld xmlns:a="http://schemas.openxmlformats.org/drawingml/2006/main" xmlns:r="http://schemas.openxmlformats.org/officeDocument/2006/relationships" xmlns:p="http://schemas.openxmlformats.org/presentationml/2006/main">
   <p:cSld>
     <p:spTree>
@@ -6634,7 +7004,7 @@
 </p:sld>
 </file>
 
-<file path=ppt/slides/slide15.xml><?xml version="1.0" encoding="utf-8"?>
+<file path=ppt/slides/slide16.xml><?xml version="1.0" encoding="utf-8"?>
 <p:sld xmlns:a="http://schemas.openxmlformats.org/drawingml/2006/main" xmlns:r="http://schemas.openxmlformats.org/officeDocument/2006/relationships" xmlns:p="http://schemas.openxmlformats.org/presentationml/2006/main">
   <p:cSld>
     <p:spTree>
@@ -8215,943 +8585,6 @@
 </p:sld>
 </file>
 
-<file path=ppt/slides/slide16.xml><?xml version="1.0" encoding="utf-8"?>
-<p:sld xmlns:a="http://schemas.openxmlformats.org/drawingml/2006/main" xmlns:r="http://schemas.openxmlformats.org/officeDocument/2006/relationships" xmlns:p="http://schemas.openxmlformats.org/presentationml/2006/main">
-  <p:cSld>
-    <p:spTree>
-      <p:nvGrpSpPr>
-        <p:cNvPr id="1" name=""/>
-        <p:cNvGrpSpPr/>
-        <p:nvPr/>
-      </p:nvGrpSpPr>
-      <p:grpSpPr>
-        <a:xfrm>
-          <a:off x="0" y="0"/>
-          <a:ext cx="0" cy="0"/>
-          <a:chOff x="0" y="0"/>
-          <a:chExt cx="0" cy="0"/>
-        </a:xfrm>
-      </p:grpSpPr>
-      <p:sp>
-        <p:nvSpPr>
-          <p:cNvPr id="2" name="Title 1">
-            <a:extLst>
-              <a:ext uri="{FF2B5EF4-FFF2-40B4-BE49-F238E27FC236}">
-                <a16:creationId xmlns:a16="http://schemas.microsoft.com/office/drawing/2014/main" id="{0F77C296-F01D-4BAB-9B55-FE15FB171381}"/>
-              </a:ext>
-            </a:extLst>
-          </p:cNvPr>
-          <p:cNvSpPr>
-            <a:spLocks noGrp="1"/>
-          </p:cNvSpPr>
-          <p:nvPr>
-            <p:ph type="title"/>
-          </p:nvPr>
-        </p:nvSpPr>
-        <p:spPr/>
-        <p:txBody>
-          <a:bodyPr/>
-          <a:lstStyle/>
-          <a:p>
-            <a:r>
-              <a:rPr lang="en-US" dirty="0"/>
-              <a:t>Minimax Search: Decision</a:t>
-            </a:r>
-          </a:p>
-        </p:txBody>
-      </p:sp>
-      <p:pic>
-        <p:nvPicPr>
-          <p:cNvPr id="4" name="Picture 3">
-            <a:extLst>
-              <a:ext uri="{FF2B5EF4-FFF2-40B4-BE49-F238E27FC236}">
-                <a16:creationId xmlns:a16="http://schemas.microsoft.com/office/drawing/2014/main" id="{32E6B034-CBF7-42C6-9AEA-D6DBE98BDD35}"/>
-              </a:ext>
-            </a:extLst>
-          </p:cNvPr>
-          <p:cNvPicPr>
-            <a:picLocks noChangeAspect="1"/>
-          </p:cNvPicPr>
-          <p:nvPr/>
-        </p:nvPicPr>
-        <p:blipFill>
-          <a:blip r:embed="rId2"/>
-          <a:stretch>
-            <a:fillRect/>
-          </a:stretch>
-        </p:blipFill>
-        <p:spPr>
-          <a:xfrm>
-            <a:off x="228600" y="1690689"/>
-            <a:ext cx="8077200" cy="4913117"/>
-          </a:xfrm>
-          <a:prstGeom prst="rect">
-            <a:avLst/>
-          </a:prstGeom>
-        </p:spPr>
-      </p:pic>
-      <p:sp>
-        <p:nvSpPr>
-          <p:cNvPr id="6" name="TextBox 5">
-            <a:extLst>
-              <a:ext uri="{FF2B5EF4-FFF2-40B4-BE49-F238E27FC236}">
-                <a16:creationId xmlns:a16="http://schemas.microsoft.com/office/drawing/2014/main" id="{6113F6D8-6C9F-42D0-900A-574210CA5C13}"/>
-              </a:ext>
-            </a:extLst>
-          </p:cNvPr>
-          <p:cNvSpPr txBox="1"/>
-          <p:nvPr/>
-        </p:nvSpPr>
-        <p:spPr>
-          <a:xfrm>
-            <a:off x="3886200" y="6172200"/>
-            <a:ext cx="2283895" cy="369332"/>
-          </a:xfrm>
-          <a:prstGeom prst="rect">
-            <a:avLst/>
-          </a:prstGeom>
-          <a:noFill/>
-        </p:spPr>
-        <p:txBody>
-          <a:bodyPr wrap="none" rtlCol="0">
-            <a:spAutoFit/>
-          </a:bodyPr>
-          <a:lstStyle/>
-          <a:p>
-            <a:r>
-              <a:rPr lang="en-US" b="1" dirty="0">
-                <a:solidFill>
-                  <a:srgbClr val="FF0000"/>
-                </a:solidFill>
-              </a:rPr>
-              <a:t>= minimax value (MV)</a:t>
-            </a:r>
-          </a:p>
-        </p:txBody>
-      </p:sp>
-      <p:sp>
-        <p:nvSpPr>
-          <p:cNvPr id="17" name="TextBox 16">
-            <a:extLst>
-              <a:ext uri="{FF2B5EF4-FFF2-40B4-BE49-F238E27FC236}">
-                <a16:creationId xmlns:a16="http://schemas.microsoft.com/office/drawing/2014/main" id="{859BBD4E-5181-40B7-983C-577CD944142A}"/>
-              </a:ext>
-            </a:extLst>
-          </p:cNvPr>
-          <p:cNvSpPr txBox="1"/>
-          <p:nvPr/>
-        </p:nvSpPr>
-        <p:spPr>
-          <a:xfrm>
-            <a:off x="2047876" y="4375025"/>
-            <a:ext cx="542924" cy="369332"/>
-          </a:xfrm>
-          <a:prstGeom prst="rect">
-            <a:avLst/>
-          </a:prstGeom>
-          <a:noFill/>
-        </p:spPr>
-        <p:txBody>
-          <a:bodyPr wrap="square">
-            <a:spAutoFit/>
-          </a:bodyPr>
-          <a:lstStyle/>
-          <a:p>
-            <a:pPr algn="ctr"/>
-            <a:r>
-              <a:rPr lang="en-US" b="1" dirty="0">
-                <a:solidFill>
-                  <a:srgbClr val="FF0000"/>
-                </a:solidFill>
-              </a:rPr>
-              <a:t>MV</a:t>
-            </a:r>
-            <a:endParaRPr lang="en-US" dirty="0"/>
-          </a:p>
-        </p:txBody>
-      </p:sp>
-      <p:sp>
-        <p:nvSpPr>
-          <p:cNvPr id="18" name="TextBox 17">
-            <a:extLst>
-              <a:ext uri="{FF2B5EF4-FFF2-40B4-BE49-F238E27FC236}">
-                <a16:creationId xmlns:a16="http://schemas.microsoft.com/office/drawing/2014/main" id="{7693144F-D9DD-4B81-BBD5-4D7C7337FDF9}"/>
-              </a:ext>
-            </a:extLst>
-          </p:cNvPr>
-          <p:cNvSpPr txBox="1"/>
-          <p:nvPr/>
-        </p:nvSpPr>
-        <p:spPr>
-          <a:xfrm>
-            <a:off x="2624138" y="4375025"/>
-            <a:ext cx="542924" cy="369332"/>
-          </a:xfrm>
-          <a:prstGeom prst="rect">
-            <a:avLst/>
-          </a:prstGeom>
-          <a:noFill/>
-        </p:spPr>
-        <p:txBody>
-          <a:bodyPr wrap="square">
-            <a:spAutoFit/>
-          </a:bodyPr>
-          <a:lstStyle/>
-          <a:p>
-            <a:pPr algn="ctr"/>
-            <a:r>
-              <a:rPr lang="en-US" b="1" dirty="0">
-                <a:solidFill>
-                  <a:srgbClr val="FF0000"/>
-                </a:solidFill>
-              </a:rPr>
-              <a:t>MV</a:t>
-            </a:r>
-            <a:endParaRPr lang="en-US" dirty="0"/>
-          </a:p>
-        </p:txBody>
-      </p:sp>
-      <p:sp>
-        <p:nvSpPr>
-          <p:cNvPr id="19" name="TextBox 18">
-            <a:extLst>
-              <a:ext uri="{FF2B5EF4-FFF2-40B4-BE49-F238E27FC236}">
-                <a16:creationId xmlns:a16="http://schemas.microsoft.com/office/drawing/2014/main" id="{5AE735A0-FF2F-45F0-BFFD-DA2B683D5B15}"/>
-              </a:ext>
-            </a:extLst>
-          </p:cNvPr>
-          <p:cNvSpPr txBox="1"/>
-          <p:nvPr/>
-        </p:nvSpPr>
-        <p:spPr>
-          <a:xfrm>
-            <a:off x="3245645" y="4375025"/>
-            <a:ext cx="542924" cy="369332"/>
-          </a:xfrm>
-          <a:prstGeom prst="rect">
-            <a:avLst/>
-          </a:prstGeom>
-          <a:noFill/>
-        </p:spPr>
-        <p:txBody>
-          <a:bodyPr wrap="square">
-            <a:spAutoFit/>
-          </a:bodyPr>
-          <a:lstStyle/>
-          <a:p>
-            <a:pPr algn="ctr"/>
-            <a:r>
-              <a:rPr lang="en-US" b="1" dirty="0">
-                <a:solidFill>
-                  <a:srgbClr val="FF0000"/>
-                </a:solidFill>
-              </a:rPr>
-              <a:t>MV</a:t>
-            </a:r>
-            <a:endParaRPr lang="en-US" dirty="0"/>
-          </a:p>
-        </p:txBody>
-      </p:sp>
-      <p:sp>
-        <p:nvSpPr>
-          <p:cNvPr id="20" name="TextBox 19">
-            <a:extLst>
-              <a:ext uri="{FF2B5EF4-FFF2-40B4-BE49-F238E27FC236}">
-                <a16:creationId xmlns:a16="http://schemas.microsoft.com/office/drawing/2014/main" id="{EBB1A0A8-C82E-466F-AEC2-85F567829D2D}"/>
-              </a:ext>
-            </a:extLst>
-          </p:cNvPr>
-          <p:cNvSpPr txBox="1"/>
-          <p:nvPr/>
-        </p:nvSpPr>
-        <p:spPr>
-          <a:xfrm>
-            <a:off x="2014538" y="3556907"/>
-            <a:ext cx="542924" cy="369332"/>
-          </a:xfrm>
-          <a:prstGeom prst="rect">
-            <a:avLst/>
-          </a:prstGeom>
-          <a:noFill/>
-        </p:spPr>
-        <p:txBody>
-          <a:bodyPr wrap="square">
-            <a:spAutoFit/>
-          </a:bodyPr>
-          <a:lstStyle/>
-          <a:p>
-            <a:pPr algn="ctr"/>
-            <a:r>
-              <a:rPr lang="en-US" b="1" dirty="0">
-                <a:solidFill>
-                  <a:srgbClr val="FF0000"/>
-                </a:solidFill>
-              </a:rPr>
-              <a:t>MV</a:t>
-            </a:r>
-            <a:endParaRPr lang="en-US" dirty="0"/>
-          </a:p>
-        </p:txBody>
-      </p:sp>
-      <p:sp>
-        <p:nvSpPr>
-          <p:cNvPr id="42" name="Rectangle 41">
-            <a:extLst>
-              <a:ext uri="{FF2B5EF4-FFF2-40B4-BE49-F238E27FC236}">
-                <a16:creationId xmlns:a16="http://schemas.microsoft.com/office/drawing/2014/main" id="{FCA61693-F267-4AC1-B4EA-5560944D0903}"/>
-              </a:ext>
-            </a:extLst>
-          </p:cNvPr>
-          <p:cNvSpPr/>
-          <p:nvPr/>
-        </p:nvSpPr>
-        <p:spPr>
-          <a:xfrm>
-            <a:off x="2047876" y="6220154"/>
-            <a:ext cx="380991" cy="321378"/>
-          </a:xfrm>
-          <a:prstGeom prst="rect">
-            <a:avLst/>
-          </a:prstGeom>
-          <a:noFill/>
-          <a:ln w="28575">
-            <a:solidFill>
-              <a:srgbClr val="FF0000"/>
-            </a:solidFill>
-          </a:ln>
-        </p:spPr>
-        <p:style>
-          <a:lnRef idx="2">
-            <a:schemeClr val="accent1">
-              <a:shade val="50000"/>
-            </a:schemeClr>
-          </a:lnRef>
-          <a:fillRef idx="1">
-            <a:schemeClr val="accent1"/>
-          </a:fillRef>
-          <a:effectRef idx="0">
-            <a:schemeClr val="accent1"/>
-          </a:effectRef>
-          <a:fontRef idx="minor">
-            <a:schemeClr val="lt1"/>
-          </a:fontRef>
-        </p:style>
-        <p:txBody>
-          <a:bodyPr rtlCol="0" anchor="ctr"/>
-          <a:lstStyle/>
-          <a:p>
-            <a:pPr algn="ctr"/>
-            <a:endParaRPr lang="en-US"/>
-          </a:p>
-        </p:txBody>
-      </p:sp>
-      <p:sp>
-        <p:nvSpPr>
-          <p:cNvPr id="43" name="Rectangle 42">
-            <a:extLst>
-              <a:ext uri="{FF2B5EF4-FFF2-40B4-BE49-F238E27FC236}">
-                <a16:creationId xmlns:a16="http://schemas.microsoft.com/office/drawing/2014/main" id="{85047A4D-CD73-4DDE-B47C-E0284B45D85A}"/>
-              </a:ext>
-            </a:extLst>
-          </p:cNvPr>
-          <p:cNvSpPr/>
-          <p:nvPr/>
-        </p:nvSpPr>
-        <p:spPr>
-          <a:xfrm>
-            <a:off x="2743209" y="6231822"/>
-            <a:ext cx="380991" cy="321378"/>
-          </a:xfrm>
-          <a:prstGeom prst="rect">
-            <a:avLst/>
-          </a:prstGeom>
-          <a:noFill/>
-          <a:ln w="28575">
-            <a:solidFill>
-              <a:srgbClr val="FF0000"/>
-            </a:solidFill>
-          </a:ln>
-        </p:spPr>
-        <p:style>
-          <a:lnRef idx="2">
-            <a:schemeClr val="accent1">
-              <a:shade val="50000"/>
-            </a:schemeClr>
-          </a:lnRef>
-          <a:fillRef idx="1">
-            <a:schemeClr val="accent1"/>
-          </a:fillRef>
-          <a:effectRef idx="0">
-            <a:schemeClr val="accent1"/>
-          </a:effectRef>
-          <a:fontRef idx="minor">
-            <a:schemeClr val="lt1"/>
-          </a:fontRef>
-        </p:style>
-        <p:txBody>
-          <a:bodyPr rtlCol="0" anchor="ctr"/>
-          <a:lstStyle/>
-          <a:p>
-            <a:pPr algn="ctr"/>
-            <a:endParaRPr lang="en-US"/>
-          </a:p>
-        </p:txBody>
-      </p:sp>
-      <p:sp>
-        <p:nvSpPr>
-          <p:cNvPr id="44" name="Rectangle 43">
-            <a:extLst>
-              <a:ext uri="{FF2B5EF4-FFF2-40B4-BE49-F238E27FC236}">
-                <a16:creationId xmlns:a16="http://schemas.microsoft.com/office/drawing/2014/main" id="{2DADC650-3890-4CC9-975C-8C4E6C2B75C7}"/>
-              </a:ext>
-            </a:extLst>
-          </p:cNvPr>
-          <p:cNvSpPr/>
-          <p:nvPr/>
-        </p:nvSpPr>
-        <p:spPr>
-          <a:xfrm>
-            <a:off x="3352800" y="6231822"/>
-            <a:ext cx="380991" cy="321378"/>
-          </a:xfrm>
-          <a:prstGeom prst="rect">
-            <a:avLst/>
-          </a:prstGeom>
-          <a:noFill/>
-          <a:ln w="28575">
-            <a:solidFill>
-              <a:srgbClr val="FF0000"/>
-            </a:solidFill>
-          </a:ln>
-        </p:spPr>
-        <p:style>
-          <a:lnRef idx="2">
-            <a:schemeClr val="accent1">
-              <a:shade val="50000"/>
-            </a:schemeClr>
-          </a:lnRef>
-          <a:fillRef idx="1">
-            <a:schemeClr val="accent1"/>
-          </a:fillRef>
-          <a:effectRef idx="0">
-            <a:schemeClr val="accent1"/>
-          </a:effectRef>
-          <a:fontRef idx="minor">
-            <a:schemeClr val="lt1"/>
-          </a:fontRef>
-        </p:style>
-        <p:txBody>
-          <a:bodyPr rtlCol="0" anchor="ctr"/>
-          <a:lstStyle/>
-          <a:p>
-            <a:pPr algn="ctr"/>
-            <a:endParaRPr lang="en-US"/>
-          </a:p>
-        </p:txBody>
-      </p:sp>
-      <p:sp>
-        <p:nvSpPr>
-          <p:cNvPr id="45" name="TextBox 44">
-            <a:extLst>
-              <a:ext uri="{FF2B5EF4-FFF2-40B4-BE49-F238E27FC236}">
-                <a16:creationId xmlns:a16="http://schemas.microsoft.com/office/drawing/2014/main" id="{D4F158BB-FF30-4F4A-8A75-C6DE3C0FA9E2}"/>
-              </a:ext>
-            </a:extLst>
-          </p:cNvPr>
-          <p:cNvSpPr txBox="1"/>
-          <p:nvPr/>
-        </p:nvSpPr>
-        <p:spPr>
-          <a:xfrm>
-            <a:off x="2662242" y="3556907"/>
-            <a:ext cx="542924" cy="369332"/>
-          </a:xfrm>
-          <a:prstGeom prst="rect">
-            <a:avLst/>
-          </a:prstGeom>
-          <a:noFill/>
-        </p:spPr>
-        <p:txBody>
-          <a:bodyPr wrap="square">
-            <a:spAutoFit/>
-          </a:bodyPr>
-          <a:lstStyle/>
-          <a:p>
-            <a:pPr algn="ctr"/>
-            <a:r>
-              <a:rPr lang="en-US" b="1" dirty="0">
-                <a:solidFill>
-                  <a:srgbClr val="FF0000"/>
-                </a:solidFill>
-              </a:rPr>
-              <a:t>MV</a:t>
-            </a:r>
-            <a:endParaRPr lang="en-US" dirty="0"/>
-          </a:p>
-        </p:txBody>
-      </p:sp>
-      <p:sp>
-        <p:nvSpPr>
-          <p:cNvPr id="46" name="TextBox 45">
-            <a:extLst>
-              <a:ext uri="{FF2B5EF4-FFF2-40B4-BE49-F238E27FC236}">
-                <a16:creationId xmlns:a16="http://schemas.microsoft.com/office/drawing/2014/main" id="{DA029377-D3C9-404A-AD68-C1761FF2A3FD}"/>
-              </a:ext>
-            </a:extLst>
-          </p:cNvPr>
-          <p:cNvSpPr txBox="1"/>
-          <p:nvPr/>
-        </p:nvSpPr>
-        <p:spPr>
-          <a:xfrm>
-            <a:off x="3293152" y="3556907"/>
-            <a:ext cx="542924" cy="369332"/>
-          </a:xfrm>
-          <a:prstGeom prst="rect">
-            <a:avLst/>
-          </a:prstGeom>
-          <a:noFill/>
-        </p:spPr>
-        <p:txBody>
-          <a:bodyPr wrap="square">
-            <a:spAutoFit/>
-          </a:bodyPr>
-          <a:lstStyle/>
-          <a:p>
-            <a:pPr algn="ctr"/>
-            <a:r>
-              <a:rPr lang="en-US" b="1" dirty="0">
-                <a:solidFill>
-                  <a:srgbClr val="FF0000"/>
-                </a:solidFill>
-              </a:rPr>
-              <a:t>MV</a:t>
-            </a:r>
-            <a:endParaRPr lang="en-US" dirty="0"/>
-          </a:p>
-        </p:txBody>
-      </p:sp>
-      <p:sp>
-        <p:nvSpPr>
-          <p:cNvPr id="47" name="TextBox 46">
-            <a:extLst>
-              <a:ext uri="{FF2B5EF4-FFF2-40B4-BE49-F238E27FC236}">
-                <a16:creationId xmlns:a16="http://schemas.microsoft.com/office/drawing/2014/main" id="{0FACFD4C-EA7D-4078-80F3-98047EEE4FB3}"/>
-              </a:ext>
-            </a:extLst>
-          </p:cNvPr>
-          <p:cNvSpPr txBox="1"/>
-          <p:nvPr/>
-        </p:nvSpPr>
-        <p:spPr>
-          <a:xfrm>
-            <a:off x="2014538" y="2760982"/>
-            <a:ext cx="542924" cy="369332"/>
-          </a:xfrm>
-          <a:prstGeom prst="rect">
-            <a:avLst/>
-          </a:prstGeom>
-          <a:noFill/>
-        </p:spPr>
-        <p:txBody>
-          <a:bodyPr wrap="square">
-            <a:spAutoFit/>
-          </a:bodyPr>
-          <a:lstStyle/>
-          <a:p>
-            <a:pPr algn="ctr"/>
-            <a:r>
-              <a:rPr lang="en-US" b="1" dirty="0">
-                <a:solidFill>
-                  <a:srgbClr val="FF0000"/>
-                </a:solidFill>
-              </a:rPr>
-              <a:t>MV</a:t>
-            </a:r>
-            <a:endParaRPr lang="en-US" dirty="0"/>
-          </a:p>
-        </p:txBody>
-      </p:sp>
-      <p:sp>
-        <p:nvSpPr>
-          <p:cNvPr id="48" name="TextBox 47">
-            <a:extLst>
-              <a:ext uri="{FF2B5EF4-FFF2-40B4-BE49-F238E27FC236}">
-                <a16:creationId xmlns:a16="http://schemas.microsoft.com/office/drawing/2014/main" id="{F9F63EE9-6F0C-457B-919A-9E6472C52602}"/>
-              </a:ext>
-            </a:extLst>
-          </p:cNvPr>
-          <p:cNvSpPr txBox="1"/>
-          <p:nvPr/>
-        </p:nvSpPr>
-        <p:spPr>
-          <a:xfrm>
-            <a:off x="2662242" y="2760982"/>
-            <a:ext cx="542924" cy="369332"/>
-          </a:xfrm>
-          <a:prstGeom prst="rect">
-            <a:avLst/>
-          </a:prstGeom>
-          <a:noFill/>
-        </p:spPr>
-        <p:txBody>
-          <a:bodyPr wrap="square">
-            <a:spAutoFit/>
-          </a:bodyPr>
-          <a:lstStyle/>
-          <a:p>
-            <a:pPr algn="ctr"/>
-            <a:r>
-              <a:rPr lang="en-US" b="1" dirty="0">
-                <a:solidFill>
-                  <a:srgbClr val="FF0000"/>
-                </a:solidFill>
-              </a:rPr>
-              <a:t>MV</a:t>
-            </a:r>
-            <a:endParaRPr lang="en-US" dirty="0"/>
-          </a:p>
-        </p:txBody>
-      </p:sp>
-      <p:sp>
-        <p:nvSpPr>
-          <p:cNvPr id="49" name="TextBox 48">
-            <a:extLst>
-              <a:ext uri="{FF2B5EF4-FFF2-40B4-BE49-F238E27FC236}">
-                <a16:creationId xmlns:a16="http://schemas.microsoft.com/office/drawing/2014/main" id="{F2512936-6E20-4069-B3C1-BD513DAE7A0D}"/>
-              </a:ext>
-            </a:extLst>
-          </p:cNvPr>
-          <p:cNvSpPr txBox="1"/>
-          <p:nvPr/>
-        </p:nvSpPr>
-        <p:spPr>
-          <a:xfrm>
-            <a:off x="3293152" y="2760982"/>
-            <a:ext cx="542924" cy="369332"/>
-          </a:xfrm>
-          <a:prstGeom prst="rect">
-            <a:avLst/>
-          </a:prstGeom>
-          <a:noFill/>
-        </p:spPr>
-        <p:txBody>
-          <a:bodyPr wrap="square">
-            <a:spAutoFit/>
-          </a:bodyPr>
-          <a:lstStyle/>
-          <a:p>
-            <a:pPr algn="ctr"/>
-            <a:r>
-              <a:rPr lang="en-US" b="1" dirty="0">
-                <a:solidFill>
-                  <a:srgbClr val="FF0000"/>
-                </a:solidFill>
-              </a:rPr>
-              <a:t>MV</a:t>
-            </a:r>
-            <a:endParaRPr lang="en-US" dirty="0"/>
-          </a:p>
-        </p:txBody>
-      </p:sp>
-      <p:sp>
-        <p:nvSpPr>
-          <p:cNvPr id="50" name="TextBox 49">
-            <a:extLst>
-              <a:ext uri="{FF2B5EF4-FFF2-40B4-BE49-F238E27FC236}">
-                <a16:creationId xmlns:a16="http://schemas.microsoft.com/office/drawing/2014/main" id="{B5F4A74E-CBDA-4336-A5A2-2A828FD67B95}"/>
-              </a:ext>
-            </a:extLst>
-          </p:cNvPr>
-          <p:cNvSpPr txBox="1"/>
-          <p:nvPr/>
-        </p:nvSpPr>
-        <p:spPr>
-          <a:xfrm>
-            <a:off x="3969662" y="2760982"/>
-            <a:ext cx="542924" cy="369332"/>
-          </a:xfrm>
-          <a:prstGeom prst="rect">
-            <a:avLst/>
-          </a:prstGeom>
-          <a:noFill/>
-        </p:spPr>
-        <p:txBody>
-          <a:bodyPr wrap="square">
-            <a:spAutoFit/>
-          </a:bodyPr>
-          <a:lstStyle/>
-          <a:p>
-            <a:pPr algn="ctr"/>
-            <a:r>
-              <a:rPr lang="en-US" b="1" dirty="0">
-                <a:solidFill>
-                  <a:srgbClr val="FF0000"/>
-                </a:solidFill>
-              </a:rPr>
-              <a:t>MV</a:t>
-            </a:r>
-            <a:endParaRPr lang="en-US" dirty="0"/>
-          </a:p>
-        </p:txBody>
-      </p:sp>
-      <p:sp>
-        <p:nvSpPr>
-          <p:cNvPr id="51" name="TextBox 50">
-            <a:extLst>
-              <a:ext uri="{FF2B5EF4-FFF2-40B4-BE49-F238E27FC236}">
-                <a16:creationId xmlns:a16="http://schemas.microsoft.com/office/drawing/2014/main" id="{DC8C9B1A-0932-457D-9DF2-0C8D9ED801AE}"/>
-              </a:ext>
-            </a:extLst>
-          </p:cNvPr>
-          <p:cNvSpPr txBox="1"/>
-          <p:nvPr/>
-        </p:nvSpPr>
-        <p:spPr>
-          <a:xfrm>
-            <a:off x="4617366" y="2760982"/>
-            <a:ext cx="542924" cy="369332"/>
-          </a:xfrm>
-          <a:prstGeom prst="rect">
-            <a:avLst/>
-          </a:prstGeom>
-          <a:noFill/>
-        </p:spPr>
-        <p:txBody>
-          <a:bodyPr wrap="square">
-            <a:spAutoFit/>
-          </a:bodyPr>
-          <a:lstStyle/>
-          <a:p>
-            <a:pPr algn="ctr"/>
-            <a:r>
-              <a:rPr lang="en-US" b="1" dirty="0">
-                <a:solidFill>
-                  <a:srgbClr val="FF0000"/>
-                </a:solidFill>
-              </a:rPr>
-              <a:t>MV</a:t>
-            </a:r>
-            <a:endParaRPr lang="en-US" dirty="0"/>
-          </a:p>
-        </p:txBody>
-      </p:sp>
-      <p:sp>
-        <p:nvSpPr>
-          <p:cNvPr id="52" name="TextBox 51">
-            <a:extLst>
-              <a:ext uri="{FF2B5EF4-FFF2-40B4-BE49-F238E27FC236}">
-                <a16:creationId xmlns:a16="http://schemas.microsoft.com/office/drawing/2014/main" id="{D5CAE364-E55F-4A85-B7FD-6CDEE6609C42}"/>
-              </a:ext>
-            </a:extLst>
-          </p:cNvPr>
-          <p:cNvSpPr txBox="1"/>
-          <p:nvPr/>
-        </p:nvSpPr>
-        <p:spPr>
-          <a:xfrm>
-            <a:off x="5248276" y="2760982"/>
-            <a:ext cx="542924" cy="369332"/>
-          </a:xfrm>
-          <a:prstGeom prst="rect">
-            <a:avLst/>
-          </a:prstGeom>
-          <a:noFill/>
-        </p:spPr>
-        <p:txBody>
-          <a:bodyPr wrap="square">
-            <a:spAutoFit/>
-          </a:bodyPr>
-          <a:lstStyle/>
-          <a:p>
-            <a:pPr algn="ctr"/>
-            <a:r>
-              <a:rPr lang="en-US" b="1" dirty="0">
-                <a:solidFill>
-                  <a:srgbClr val="FF0000"/>
-                </a:solidFill>
-              </a:rPr>
-              <a:t>MV</a:t>
-            </a:r>
-            <a:endParaRPr lang="en-US" dirty="0"/>
-          </a:p>
-        </p:txBody>
-      </p:sp>
-      <p:sp>
-        <p:nvSpPr>
-          <p:cNvPr id="53" name="TextBox 52">
-            <a:extLst>
-              <a:ext uri="{FF2B5EF4-FFF2-40B4-BE49-F238E27FC236}">
-                <a16:creationId xmlns:a16="http://schemas.microsoft.com/office/drawing/2014/main" id="{0F0C2DFF-1583-407B-9772-44CBFE66E1C3}"/>
-              </a:ext>
-            </a:extLst>
-          </p:cNvPr>
-          <p:cNvSpPr txBox="1"/>
-          <p:nvPr/>
-        </p:nvSpPr>
-        <p:spPr>
-          <a:xfrm>
-            <a:off x="5897345" y="2760982"/>
-            <a:ext cx="542924" cy="369332"/>
-          </a:xfrm>
-          <a:prstGeom prst="rect">
-            <a:avLst/>
-          </a:prstGeom>
-          <a:noFill/>
-        </p:spPr>
-        <p:txBody>
-          <a:bodyPr wrap="square">
-            <a:spAutoFit/>
-          </a:bodyPr>
-          <a:lstStyle/>
-          <a:p>
-            <a:pPr algn="ctr"/>
-            <a:r>
-              <a:rPr lang="en-US" b="1" dirty="0">
-                <a:solidFill>
-                  <a:srgbClr val="FF0000"/>
-                </a:solidFill>
-              </a:rPr>
-              <a:t>MV</a:t>
-            </a:r>
-            <a:endParaRPr lang="en-US" dirty="0"/>
-          </a:p>
-        </p:txBody>
-      </p:sp>
-      <p:sp>
-        <p:nvSpPr>
-          <p:cNvPr id="54" name="TextBox 53">
-            <a:extLst>
-              <a:ext uri="{FF2B5EF4-FFF2-40B4-BE49-F238E27FC236}">
-                <a16:creationId xmlns:a16="http://schemas.microsoft.com/office/drawing/2014/main" id="{721B600C-2014-49A1-8A44-763FA05DAF3E}"/>
-              </a:ext>
-            </a:extLst>
-          </p:cNvPr>
-          <p:cNvSpPr txBox="1"/>
-          <p:nvPr/>
-        </p:nvSpPr>
-        <p:spPr>
-          <a:xfrm>
-            <a:off x="6545049" y="2760982"/>
-            <a:ext cx="542924" cy="369332"/>
-          </a:xfrm>
-          <a:prstGeom prst="rect">
-            <a:avLst/>
-          </a:prstGeom>
-          <a:noFill/>
-        </p:spPr>
-        <p:txBody>
-          <a:bodyPr wrap="square">
-            <a:spAutoFit/>
-          </a:bodyPr>
-          <a:lstStyle/>
-          <a:p>
-            <a:pPr algn="ctr"/>
-            <a:r>
-              <a:rPr lang="en-US" b="1" dirty="0">
-                <a:solidFill>
-                  <a:srgbClr val="FF0000"/>
-                </a:solidFill>
-              </a:rPr>
-              <a:t>MV</a:t>
-            </a:r>
-            <a:endParaRPr lang="en-US" dirty="0"/>
-          </a:p>
-        </p:txBody>
-      </p:sp>
-      <p:sp>
-        <p:nvSpPr>
-          <p:cNvPr id="55" name="TextBox 54">
-            <a:extLst>
-              <a:ext uri="{FF2B5EF4-FFF2-40B4-BE49-F238E27FC236}">
-                <a16:creationId xmlns:a16="http://schemas.microsoft.com/office/drawing/2014/main" id="{72EC5A9C-BB8A-4B5D-B737-B9A5FE000BEE}"/>
-              </a:ext>
-            </a:extLst>
-          </p:cNvPr>
-          <p:cNvSpPr txBox="1"/>
-          <p:nvPr/>
-        </p:nvSpPr>
-        <p:spPr>
-          <a:xfrm>
-            <a:off x="7175959" y="2760982"/>
-            <a:ext cx="542924" cy="369332"/>
-          </a:xfrm>
-          <a:prstGeom prst="rect">
-            <a:avLst/>
-          </a:prstGeom>
-          <a:noFill/>
-        </p:spPr>
-        <p:txBody>
-          <a:bodyPr wrap="square">
-            <a:spAutoFit/>
-          </a:bodyPr>
-          <a:lstStyle/>
-          <a:p>
-            <a:pPr algn="ctr"/>
-            <a:r>
-              <a:rPr lang="en-US" b="1" dirty="0">
-                <a:solidFill>
-                  <a:srgbClr val="FF0000"/>
-                </a:solidFill>
-              </a:rPr>
-              <a:t>MV</a:t>
-            </a:r>
-            <a:endParaRPr lang="en-US" dirty="0"/>
-          </a:p>
-        </p:txBody>
-      </p:sp>
-      <p:sp>
-        <p:nvSpPr>
-          <p:cNvPr id="57" name="TextBox 56">
-            <a:extLst>
-              <a:ext uri="{FF2B5EF4-FFF2-40B4-BE49-F238E27FC236}">
-                <a16:creationId xmlns:a16="http://schemas.microsoft.com/office/drawing/2014/main" id="{A20A04FC-A147-4099-9C02-52956A8C7FCD}"/>
-              </a:ext>
-            </a:extLst>
-          </p:cNvPr>
-          <p:cNvSpPr txBox="1"/>
-          <p:nvPr/>
-        </p:nvSpPr>
-        <p:spPr>
-          <a:xfrm>
-            <a:off x="3005137" y="2265437"/>
-            <a:ext cx="3928383" cy="369332"/>
-          </a:xfrm>
-          <a:prstGeom prst="rect">
-            <a:avLst/>
-          </a:prstGeom>
-          <a:noFill/>
-        </p:spPr>
-        <p:txBody>
-          <a:bodyPr wrap="none" rtlCol="0">
-            <a:spAutoFit/>
-          </a:bodyPr>
-          <a:lstStyle/>
-          <a:p>
-            <a:r>
-              <a:rPr lang="en-US" b="1" dirty="0">
-                <a:solidFill>
-                  <a:srgbClr val="FF0000"/>
-                </a:solidFill>
-              </a:rPr>
-              <a:t>Pick action that leads to the largest MV</a:t>
-            </a:r>
-          </a:p>
-        </p:txBody>
-      </p:sp>
-    </p:spTree>
-    <p:extLst>
-      <p:ext uri="{BB962C8B-B14F-4D97-AF65-F5344CB8AC3E}">
-        <p14:creationId xmlns:p14="http://schemas.microsoft.com/office/powerpoint/2010/main" val="3701403061"/>
-      </p:ext>
-    </p:extLst>
-  </p:cSld>
-  <p:clrMapOvr>
-    <a:masterClrMapping/>
-  </p:clrMapOvr>
-</p:sld>
-</file>
-
 <file path=ppt/slides/slide17.xml><?xml version="1.0" encoding="utf-8"?>
 <p:sld xmlns:a="http://schemas.openxmlformats.org/drawingml/2006/main" xmlns:r="http://schemas.openxmlformats.org/officeDocument/2006/relationships" xmlns:p="http://schemas.openxmlformats.org/presentationml/2006/main">
   <p:cSld>
@@ -9169,21 +8602,47 @@
           <a:chExt cx="0" cy="0"/>
         </a:xfrm>
       </p:grpSpPr>
+      <p:sp>
+        <p:nvSpPr>
+          <p:cNvPr id="2" name="Title 1">
+            <a:extLst>
+              <a:ext uri="{FF2B5EF4-FFF2-40B4-BE49-F238E27FC236}">
+                <a16:creationId xmlns:a16="http://schemas.microsoft.com/office/drawing/2014/main" id="{0F77C296-F01D-4BAB-9B55-FE15FB171381}"/>
+              </a:ext>
+            </a:extLst>
+          </p:cNvPr>
+          <p:cNvSpPr>
+            <a:spLocks noGrp="1"/>
+          </p:cNvSpPr>
+          <p:nvPr>
+            <p:ph type="title"/>
+          </p:nvPr>
+        </p:nvSpPr>
+        <p:spPr/>
+        <p:txBody>
+          <a:bodyPr/>
+          <a:lstStyle/>
+          <a:p>
+            <a:r>
+              <a:rPr lang="en-US" dirty="0"/>
+              <a:t>Minimax Search: Decision</a:t>
+            </a:r>
+          </a:p>
+        </p:txBody>
+      </p:sp>
       <p:pic>
         <p:nvPicPr>
-          <p:cNvPr id="4" name="Content Placeholder 3">
-            <a:extLst>
-              <a:ext uri="{FF2B5EF4-FFF2-40B4-BE49-F238E27FC236}">
-                <a16:creationId xmlns:a16="http://schemas.microsoft.com/office/drawing/2014/main" id="{6DA9C6A5-02AE-489A-B876-51C3B526B722}"/>
+          <p:cNvPr id="4" name="Picture 3">
+            <a:extLst>
+              <a:ext uri="{FF2B5EF4-FFF2-40B4-BE49-F238E27FC236}">
+                <a16:creationId xmlns:a16="http://schemas.microsoft.com/office/drawing/2014/main" id="{32E6B034-CBF7-42C6-9AEA-D6DBE98BDD35}"/>
               </a:ext>
             </a:extLst>
           </p:cNvPr>
           <p:cNvPicPr>
-            <a:picLocks noGrp="1" noChangeAspect="1"/>
+            <a:picLocks noChangeAspect="1"/>
           </p:cNvPicPr>
-          <p:nvPr>
-            <p:ph idx="4294967295"/>
-          </p:nvPr>
+          <p:nvPr/>
         </p:nvPicPr>
         <p:blipFill>
           <a:blip r:embed="rId2"/>
@@ -9193,8 +8652,8 @@
         </p:blipFill>
         <p:spPr>
           <a:xfrm>
-            <a:off x="228600" y="939085"/>
-            <a:ext cx="7422872" cy="5614115"/>
+            <a:off x="228600" y="1690689"/>
+            <a:ext cx="8077200" cy="4913117"/>
           </a:xfrm>
           <a:prstGeom prst="rect">
             <a:avLst/>
@@ -9203,10 +8662,10 @@
       </p:pic>
       <p:sp>
         <p:nvSpPr>
-          <p:cNvPr id="5" name="TextBox 4">
-            <a:extLst>
-              <a:ext uri="{FF2B5EF4-FFF2-40B4-BE49-F238E27FC236}">
-                <a16:creationId xmlns:a16="http://schemas.microsoft.com/office/drawing/2014/main" id="{13747615-7F67-47DB-9DFD-4EEBE17E4EE4}"/>
+          <p:cNvPr id="6" name="TextBox 5">
+            <a:extLst>
+              <a:ext uri="{FF2B5EF4-FFF2-40B4-BE49-F238E27FC236}">
+                <a16:creationId xmlns:a16="http://schemas.microsoft.com/office/drawing/2014/main" id="{6113F6D8-6C9F-42D0-900A-574210CA5C13}"/>
               </a:ext>
             </a:extLst>
           </p:cNvPr>
@@ -9215,97 +8674,236 @@
         </p:nvSpPr>
         <p:spPr>
           <a:xfrm>
-            <a:off x="5867400" y="152400"/>
-            <a:ext cx="3048000" cy="2062103"/>
+            <a:off x="3886200" y="6172200"/>
+            <a:ext cx="2283895" cy="369332"/>
           </a:xfrm>
           <a:prstGeom prst="rect">
             <a:avLst/>
           </a:prstGeom>
+          <a:noFill/>
+        </p:spPr>
+        <p:txBody>
+          <a:bodyPr wrap="none" rtlCol="0">
+            <a:spAutoFit/>
+          </a:bodyPr>
+          <a:lstStyle/>
+          <a:p>
+            <a:r>
+              <a:rPr lang="en-US" b="1" dirty="0">
+                <a:solidFill>
+                  <a:srgbClr val="FF0000"/>
+                </a:solidFill>
+              </a:rPr>
+              <a:t>= minimax value (MV)</a:t>
+            </a:r>
+          </a:p>
+        </p:txBody>
+      </p:sp>
+      <p:sp>
+        <p:nvSpPr>
+          <p:cNvPr id="17" name="TextBox 16">
+            <a:extLst>
+              <a:ext uri="{FF2B5EF4-FFF2-40B4-BE49-F238E27FC236}">
+                <a16:creationId xmlns:a16="http://schemas.microsoft.com/office/drawing/2014/main" id="{859BBD4E-5181-40B7-983C-577CD944142A}"/>
+              </a:ext>
+            </a:extLst>
+          </p:cNvPr>
+          <p:cNvSpPr txBox="1"/>
+          <p:nvPr/>
+        </p:nvSpPr>
+        <p:spPr>
+          <a:xfrm>
+            <a:off x="2047876" y="4375025"/>
+            <a:ext cx="542924" cy="369332"/>
+          </a:xfrm>
+          <a:prstGeom prst="rect">
+            <a:avLst/>
+          </a:prstGeom>
+          <a:noFill/>
+        </p:spPr>
+        <p:txBody>
+          <a:bodyPr wrap="square">
+            <a:spAutoFit/>
+          </a:bodyPr>
+          <a:lstStyle/>
+          <a:p>
+            <a:pPr algn="ctr"/>
+            <a:r>
+              <a:rPr lang="en-US" b="1" dirty="0">
+                <a:solidFill>
+                  <a:srgbClr val="FF0000"/>
+                </a:solidFill>
+              </a:rPr>
+              <a:t>MV</a:t>
+            </a:r>
+            <a:endParaRPr lang="en-US" dirty="0"/>
+          </a:p>
+        </p:txBody>
+      </p:sp>
+      <p:sp>
+        <p:nvSpPr>
+          <p:cNvPr id="18" name="TextBox 17">
+            <a:extLst>
+              <a:ext uri="{FF2B5EF4-FFF2-40B4-BE49-F238E27FC236}">
+                <a16:creationId xmlns:a16="http://schemas.microsoft.com/office/drawing/2014/main" id="{7693144F-D9DD-4B81-BBD5-4D7C7337FDF9}"/>
+              </a:ext>
+            </a:extLst>
+          </p:cNvPr>
+          <p:cNvSpPr txBox="1"/>
+          <p:nvPr/>
+        </p:nvSpPr>
+        <p:spPr>
+          <a:xfrm>
+            <a:off x="2624138" y="4375025"/>
+            <a:ext cx="542924" cy="369332"/>
+          </a:xfrm>
+          <a:prstGeom prst="rect">
+            <a:avLst/>
+          </a:prstGeom>
+          <a:noFill/>
+        </p:spPr>
+        <p:txBody>
+          <a:bodyPr wrap="square">
+            <a:spAutoFit/>
+          </a:bodyPr>
+          <a:lstStyle/>
+          <a:p>
+            <a:pPr algn="ctr"/>
+            <a:r>
+              <a:rPr lang="en-US" b="1" dirty="0">
+                <a:solidFill>
+                  <a:srgbClr val="FF0000"/>
+                </a:solidFill>
+              </a:rPr>
+              <a:t>MV</a:t>
+            </a:r>
+            <a:endParaRPr lang="en-US" dirty="0"/>
+          </a:p>
+        </p:txBody>
+      </p:sp>
+      <p:sp>
+        <p:nvSpPr>
+          <p:cNvPr id="19" name="TextBox 18">
+            <a:extLst>
+              <a:ext uri="{FF2B5EF4-FFF2-40B4-BE49-F238E27FC236}">
+                <a16:creationId xmlns:a16="http://schemas.microsoft.com/office/drawing/2014/main" id="{5AE735A0-FF2F-45F0-BFFD-DA2B683D5B15}"/>
+              </a:ext>
+            </a:extLst>
+          </p:cNvPr>
+          <p:cNvSpPr txBox="1"/>
+          <p:nvPr/>
+        </p:nvSpPr>
+        <p:spPr>
+          <a:xfrm>
+            <a:off x="3245645" y="4375025"/>
+            <a:ext cx="542924" cy="369332"/>
+          </a:xfrm>
+          <a:prstGeom prst="rect">
+            <a:avLst/>
+          </a:prstGeom>
+          <a:noFill/>
+        </p:spPr>
+        <p:txBody>
+          <a:bodyPr wrap="square">
+            <a:spAutoFit/>
+          </a:bodyPr>
+          <a:lstStyle/>
+          <a:p>
+            <a:pPr algn="ctr"/>
+            <a:r>
+              <a:rPr lang="en-US" b="1" dirty="0">
+                <a:solidFill>
+                  <a:srgbClr val="FF0000"/>
+                </a:solidFill>
+              </a:rPr>
+              <a:t>MV</a:t>
+            </a:r>
+            <a:endParaRPr lang="en-US" dirty="0"/>
+          </a:p>
+        </p:txBody>
+      </p:sp>
+      <p:sp>
+        <p:nvSpPr>
+          <p:cNvPr id="20" name="TextBox 19">
+            <a:extLst>
+              <a:ext uri="{FF2B5EF4-FFF2-40B4-BE49-F238E27FC236}">
+                <a16:creationId xmlns:a16="http://schemas.microsoft.com/office/drawing/2014/main" id="{EBB1A0A8-C82E-466F-AEC2-85F567829D2D}"/>
+              </a:ext>
+            </a:extLst>
+          </p:cNvPr>
+          <p:cNvSpPr txBox="1"/>
+          <p:nvPr/>
+        </p:nvSpPr>
+        <p:spPr>
+          <a:xfrm>
+            <a:off x="2014538" y="3556907"/>
+            <a:ext cx="542924" cy="369332"/>
+          </a:xfrm>
+          <a:prstGeom prst="rect">
+            <a:avLst/>
+          </a:prstGeom>
+          <a:noFill/>
+        </p:spPr>
+        <p:txBody>
+          <a:bodyPr wrap="square">
+            <a:spAutoFit/>
+          </a:bodyPr>
+          <a:lstStyle/>
+          <a:p>
+            <a:pPr algn="ctr"/>
+            <a:r>
+              <a:rPr lang="en-US" b="1" dirty="0">
+                <a:solidFill>
+                  <a:srgbClr val="FF0000"/>
+                </a:solidFill>
+              </a:rPr>
+              <a:t>MV</a:t>
+            </a:r>
+            <a:endParaRPr lang="en-US" dirty="0"/>
+          </a:p>
+        </p:txBody>
+      </p:sp>
+      <p:sp>
+        <p:nvSpPr>
+          <p:cNvPr id="42" name="Rectangle 41">
+            <a:extLst>
+              <a:ext uri="{FF2B5EF4-FFF2-40B4-BE49-F238E27FC236}">
+                <a16:creationId xmlns:a16="http://schemas.microsoft.com/office/drawing/2014/main" id="{FCA61693-F267-4AC1-B4EA-5560944D0903}"/>
+              </a:ext>
+            </a:extLst>
+          </p:cNvPr>
+          <p:cNvSpPr/>
+          <p:nvPr/>
+        </p:nvSpPr>
+        <p:spPr>
+          <a:xfrm>
+            <a:off x="2047876" y="6220154"/>
+            <a:ext cx="380991" cy="321378"/>
+          </a:xfrm>
+          <a:prstGeom prst="rect">
+            <a:avLst/>
+          </a:prstGeom>
+          <a:noFill/>
+          <a:ln w="28575">
+            <a:solidFill>
+              <a:srgbClr val="FF0000"/>
+            </a:solidFill>
+          </a:ln>
         </p:spPr>
         <p:style>
-          <a:lnRef idx="3">
-            <a:schemeClr val="lt1"/>
+          <a:lnRef idx="2">
+            <a:schemeClr val="accent1">
+              <a:shade val="50000"/>
+            </a:schemeClr>
           </a:lnRef>
           <a:fillRef idx="1">
-            <a:schemeClr val="accent6"/>
-          </a:fillRef>
-          <a:effectRef idx="1">
-            <a:schemeClr val="accent6"/>
-          </a:effectRef>
-          <a:fontRef idx="minor">
-            <a:schemeClr val="lt1"/>
-          </a:fontRef>
-        </p:style>
-        <p:txBody>
-          <a:bodyPr wrap="square" rtlCol="0">
-            <a:spAutoFit/>
-          </a:bodyPr>
-          <a:lstStyle/>
-          <a:p>
-            <a:r>
-              <a:rPr lang="en-US" sz="1600" b="1" dirty="0"/>
-              <a:t>Approach</a:t>
-            </a:r>
-            <a:r>
-              <a:rPr lang="en-US" sz="1600" dirty="0"/>
-              <a:t>: Follow tree to each terminal node and back up minimax value.</a:t>
-            </a:r>
-          </a:p>
-          <a:p>
-            <a:endParaRPr lang="en-US" sz="1600" dirty="0"/>
-          </a:p>
-          <a:p>
-            <a:r>
-              <a:rPr lang="en-US" sz="1600" b="1" dirty="0"/>
-              <a:t>Note</a:t>
-            </a:r>
-            <a:r>
-              <a:rPr lang="en-US" sz="1600" dirty="0"/>
-              <a:t>: This is just a generalization of the And-Or Tree Search and returns first action of the conditional plan.</a:t>
-            </a:r>
-          </a:p>
-        </p:txBody>
-      </p:sp>
-      <p:sp>
-        <p:nvSpPr>
-          <p:cNvPr id="2" name="Right Brace 1">
-            <a:extLst>
-              <a:ext uri="{FF2B5EF4-FFF2-40B4-BE49-F238E27FC236}">
-                <a16:creationId xmlns:a16="http://schemas.microsoft.com/office/drawing/2014/main" id="{CFC34563-2773-479D-A0EC-56E98D37FEB1}"/>
-              </a:ext>
-            </a:extLst>
-          </p:cNvPr>
-          <p:cNvSpPr/>
-          <p:nvPr/>
-        </p:nvSpPr>
-        <p:spPr>
-          <a:xfrm>
-            <a:off x="7467600" y="2438400"/>
-            <a:ext cx="183872" cy="1600200"/>
-          </a:xfrm>
-          <a:prstGeom prst="rightBrace">
-            <a:avLst/>
-          </a:prstGeom>
-          <a:ln>
-            <a:solidFill>
-              <a:schemeClr val="bg2">
-                <a:lumMod val="50000"/>
-              </a:schemeClr>
-            </a:solidFill>
-          </a:ln>
-        </p:spPr>
-        <p:style>
-          <a:lnRef idx="1">
-            <a:schemeClr val="accent1"/>
-          </a:lnRef>
-          <a:fillRef idx="0">
             <a:schemeClr val="accent1"/>
           </a:fillRef>
           <a:effectRef idx="0">
             <a:schemeClr val="accent1"/>
           </a:effectRef>
           <a:fontRef idx="minor">
-            <a:schemeClr val="tx1"/>
+            <a:schemeClr val="lt1"/>
           </a:fontRef>
         </p:style>
         <p:txBody>
@@ -9313,100 +8911,51 @@
           <a:lstStyle/>
           <a:p>
             <a:pPr algn="ctr"/>
-            <a:endParaRPr lang="en-US">
-              <a:solidFill>
-                <a:schemeClr val="bg2">
-                  <a:lumMod val="50000"/>
-                </a:schemeClr>
-              </a:solidFill>
-            </a:endParaRPr>
-          </a:p>
-        </p:txBody>
-      </p:sp>
-      <p:sp>
-        <p:nvSpPr>
-          <p:cNvPr id="3" name="TextBox 2">
-            <a:extLst>
-              <a:ext uri="{FF2B5EF4-FFF2-40B4-BE49-F238E27FC236}">
-                <a16:creationId xmlns:a16="http://schemas.microsoft.com/office/drawing/2014/main" id="{827CE9C1-39FB-479F-80EC-30A76A3A7F43}"/>
-              </a:ext>
-            </a:extLst>
-          </p:cNvPr>
-          <p:cNvSpPr txBox="1"/>
+            <a:endParaRPr lang="en-US"/>
+          </a:p>
+        </p:txBody>
+      </p:sp>
+      <p:sp>
+        <p:nvSpPr>
+          <p:cNvPr id="43" name="Rectangle 42">
+            <a:extLst>
+              <a:ext uri="{FF2B5EF4-FFF2-40B4-BE49-F238E27FC236}">
+                <a16:creationId xmlns:a16="http://schemas.microsoft.com/office/drawing/2014/main" id="{85047A4D-CD73-4DDE-B47C-E0284B45D85A}"/>
+              </a:ext>
+            </a:extLst>
+          </p:cNvPr>
+          <p:cNvSpPr/>
           <p:nvPr/>
         </p:nvSpPr>
         <p:spPr>
           <a:xfrm>
-            <a:off x="7848600" y="3001188"/>
-            <a:ext cx="1066800" cy="523220"/>
+            <a:off x="2743209" y="6231822"/>
+            <a:ext cx="380991" cy="321378"/>
           </a:xfrm>
           <a:prstGeom prst="rect">
             <a:avLst/>
           </a:prstGeom>
           <a:noFill/>
-          <a:ln>
-            <a:noFill/>
-          </a:ln>
-        </p:spPr>
-        <p:txBody>
-          <a:bodyPr wrap="square" rtlCol="0">
-            <a:spAutoFit/>
-          </a:bodyPr>
-          <a:lstStyle/>
-          <a:p>
-            <a:r>
-              <a:rPr lang="en-US" sz="1400" dirty="0">
-                <a:solidFill>
-                  <a:schemeClr val="bg2">
-                    <a:lumMod val="50000"/>
-                  </a:schemeClr>
-                </a:solidFill>
-              </a:rPr>
-              <a:t>Represents OR Search</a:t>
-            </a:r>
-          </a:p>
-        </p:txBody>
-      </p:sp>
-      <p:sp>
-        <p:nvSpPr>
-          <p:cNvPr id="6" name="Right Brace 5">
-            <a:extLst>
-              <a:ext uri="{FF2B5EF4-FFF2-40B4-BE49-F238E27FC236}">
-                <a16:creationId xmlns:a16="http://schemas.microsoft.com/office/drawing/2014/main" id="{EE2759D0-0019-4177-9480-CCF48BD9CC73}"/>
-              </a:ext>
-            </a:extLst>
-          </p:cNvPr>
-          <p:cNvSpPr/>
-          <p:nvPr/>
-        </p:nvSpPr>
-        <p:spPr>
-          <a:xfrm>
-            <a:off x="7467600" y="4495800"/>
-            <a:ext cx="183872" cy="1600200"/>
-          </a:xfrm>
-          <a:prstGeom prst="rightBrace">
-            <a:avLst/>
-          </a:prstGeom>
-          <a:ln>
+          <a:ln w="28575">
             <a:solidFill>
-              <a:schemeClr val="bg2">
-                <a:lumMod val="50000"/>
-              </a:schemeClr>
+              <a:srgbClr val="FF0000"/>
             </a:solidFill>
           </a:ln>
         </p:spPr>
         <p:style>
-          <a:lnRef idx="1">
-            <a:schemeClr val="accent1"/>
+          <a:lnRef idx="2">
+            <a:schemeClr val="accent1">
+              <a:shade val="50000"/>
+            </a:schemeClr>
           </a:lnRef>
-          <a:fillRef idx="0">
+          <a:fillRef idx="1">
             <a:schemeClr val="accent1"/>
           </a:fillRef>
           <a:effectRef idx="0">
             <a:schemeClr val="accent1"/>
           </a:effectRef>
           <a:fontRef idx="minor">
-            <a:schemeClr val="tx1"/>
+            <a:schemeClr val="lt1"/>
           </a:fontRef>
         </p:style>
         <p:txBody>
@@ -9414,56 +8963,548 @@
           <a:lstStyle/>
           <a:p>
             <a:pPr algn="ctr"/>
-            <a:endParaRPr lang="en-US">
-              <a:solidFill>
-                <a:schemeClr val="bg2">
-                  <a:lumMod val="50000"/>
-                </a:schemeClr>
-              </a:solidFill>
-            </a:endParaRPr>
-          </a:p>
-        </p:txBody>
-      </p:sp>
-      <p:sp>
-        <p:nvSpPr>
-          <p:cNvPr id="7" name="TextBox 6">
-            <a:extLst>
-              <a:ext uri="{FF2B5EF4-FFF2-40B4-BE49-F238E27FC236}">
-                <a16:creationId xmlns:a16="http://schemas.microsoft.com/office/drawing/2014/main" id="{FD1F39E6-ED40-4E46-AAA9-9E1C7475DC2E}"/>
-              </a:ext>
-            </a:extLst>
-          </p:cNvPr>
-          <p:cNvSpPr txBox="1"/>
+            <a:endParaRPr lang="en-US"/>
+          </a:p>
+        </p:txBody>
+      </p:sp>
+      <p:sp>
+        <p:nvSpPr>
+          <p:cNvPr id="44" name="Rectangle 43">
+            <a:extLst>
+              <a:ext uri="{FF2B5EF4-FFF2-40B4-BE49-F238E27FC236}">
+                <a16:creationId xmlns:a16="http://schemas.microsoft.com/office/drawing/2014/main" id="{2DADC650-3890-4CC9-975C-8C4E6C2B75C7}"/>
+              </a:ext>
+            </a:extLst>
+          </p:cNvPr>
+          <p:cNvSpPr/>
           <p:nvPr/>
         </p:nvSpPr>
         <p:spPr>
           <a:xfrm>
-            <a:off x="7848600" y="5058588"/>
-            <a:ext cx="1066800" cy="523220"/>
+            <a:off x="3352800" y="6231822"/>
+            <a:ext cx="380991" cy="321378"/>
           </a:xfrm>
           <a:prstGeom prst="rect">
             <a:avLst/>
           </a:prstGeom>
           <a:noFill/>
-          <a:ln>
-            <a:noFill/>
+          <a:ln w="28575">
+            <a:solidFill>
+              <a:srgbClr val="FF0000"/>
+            </a:solidFill>
           </a:ln>
         </p:spPr>
-        <p:txBody>
-          <a:bodyPr wrap="square" rtlCol="0">
+        <p:style>
+          <a:lnRef idx="2">
+            <a:schemeClr val="accent1">
+              <a:shade val="50000"/>
+            </a:schemeClr>
+          </a:lnRef>
+          <a:fillRef idx="1">
+            <a:schemeClr val="accent1"/>
+          </a:fillRef>
+          <a:effectRef idx="0">
+            <a:schemeClr val="accent1"/>
+          </a:effectRef>
+          <a:fontRef idx="minor">
+            <a:schemeClr val="lt1"/>
+          </a:fontRef>
+        </p:style>
+        <p:txBody>
+          <a:bodyPr rtlCol="0" anchor="ctr"/>
+          <a:lstStyle/>
+          <a:p>
+            <a:pPr algn="ctr"/>
+            <a:endParaRPr lang="en-US"/>
+          </a:p>
+        </p:txBody>
+      </p:sp>
+      <p:sp>
+        <p:nvSpPr>
+          <p:cNvPr id="45" name="TextBox 44">
+            <a:extLst>
+              <a:ext uri="{FF2B5EF4-FFF2-40B4-BE49-F238E27FC236}">
+                <a16:creationId xmlns:a16="http://schemas.microsoft.com/office/drawing/2014/main" id="{D4F158BB-FF30-4F4A-8A75-C6DE3C0FA9E2}"/>
+              </a:ext>
+            </a:extLst>
+          </p:cNvPr>
+          <p:cNvSpPr txBox="1"/>
+          <p:nvPr/>
+        </p:nvSpPr>
+        <p:spPr>
+          <a:xfrm>
+            <a:off x="2662242" y="3556907"/>
+            <a:ext cx="542924" cy="369332"/>
+          </a:xfrm>
+          <a:prstGeom prst="rect">
+            <a:avLst/>
+          </a:prstGeom>
+          <a:noFill/>
+        </p:spPr>
+        <p:txBody>
+          <a:bodyPr wrap="square">
             <a:spAutoFit/>
           </a:bodyPr>
           <a:lstStyle/>
           <a:p>
-            <a:r>
-              <a:rPr lang="en-US" sz="1400" dirty="0">
+            <a:pPr algn="ctr"/>
+            <a:r>
+              <a:rPr lang="en-US" b="1" dirty="0">
                 <a:solidFill>
-                  <a:schemeClr val="bg2">
-                    <a:lumMod val="50000"/>
-                  </a:schemeClr>
+                  <a:srgbClr val="FF0000"/>
                 </a:solidFill>
               </a:rPr>
-              <a:t>Represents AND Search</a:t>
+              <a:t>MV</a:t>
+            </a:r>
+            <a:endParaRPr lang="en-US" dirty="0"/>
+          </a:p>
+        </p:txBody>
+      </p:sp>
+      <p:sp>
+        <p:nvSpPr>
+          <p:cNvPr id="46" name="TextBox 45">
+            <a:extLst>
+              <a:ext uri="{FF2B5EF4-FFF2-40B4-BE49-F238E27FC236}">
+                <a16:creationId xmlns:a16="http://schemas.microsoft.com/office/drawing/2014/main" id="{DA029377-D3C9-404A-AD68-C1761FF2A3FD}"/>
+              </a:ext>
+            </a:extLst>
+          </p:cNvPr>
+          <p:cNvSpPr txBox="1"/>
+          <p:nvPr/>
+        </p:nvSpPr>
+        <p:spPr>
+          <a:xfrm>
+            <a:off x="3293152" y="3556907"/>
+            <a:ext cx="542924" cy="369332"/>
+          </a:xfrm>
+          <a:prstGeom prst="rect">
+            <a:avLst/>
+          </a:prstGeom>
+          <a:noFill/>
+        </p:spPr>
+        <p:txBody>
+          <a:bodyPr wrap="square">
+            <a:spAutoFit/>
+          </a:bodyPr>
+          <a:lstStyle/>
+          <a:p>
+            <a:pPr algn="ctr"/>
+            <a:r>
+              <a:rPr lang="en-US" b="1" dirty="0">
+                <a:solidFill>
+                  <a:srgbClr val="FF0000"/>
+                </a:solidFill>
+              </a:rPr>
+              <a:t>MV</a:t>
+            </a:r>
+            <a:endParaRPr lang="en-US" dirty="0"/>
+          </a:p>
+        </p:txBody>
+      </p:sp>
+      <p:sp>
+        <p:nvSpPr>
+          <p:cNvPr id="47" name="TextBox 46">
+            <a:extLst>
+              <a:ext uri="{FF2B5EF4-FFF2-40B4-BE49-F238E27FC236}">
+                <a16:creationId xmlns:a16="http://schemas.microsoft.com/office/drawing/2014/main" id="{0FACFD4C-EA7D-4078-80F3-98047EEE4FB3}"/>
+              </a:ext>
+            </a:extLst>
+          </p:cNvPr>
+          <p:cNvSpPr txBox="1"/>
+          <p:nvPr/>
+        </p:nvSpPr>
+        <p:spPr>
+          <a:xfrm>
+            <a:off x="2014538" y="2760982"/>
+            <a:ext cx="542924" cy="369332"/>
+          </a:xfrm>
+          <a:prstGeom prst="rect">
+            <a:avLst/>
+          </a:prstGeom>
+          <a:noFill/>
+        </p:spPr>
+        <p:txBody>
+          <a:bodyPr wrap="square">
+            <a:spAutoFit/>
+          </a:bodyPr>
+          <a:lstStyle/>
+          <a:p>
+            <a:pPr algn="ctr"/>
+            <a:r>
+              <a:rPr lang="en-US" b="1" dirty="0">
+                <a:solidFill>
+                  <a:srgbClr val="FF0000"/>
+                </a:solidFill>
+              </a:rPr>
+              <a:t>MV</a:t>
+            </a:r>
+            <a:endParaRPr lang="en-US" dirty="0"/>
+          </a:p>
+        </p:txBody>
+      </p:sp>
+      <p:sp>
+        <p:nvSpPr>
+          <p:cNvPr id="48" name="TextBox 47">
+            <a:extLst>
+              <a:ext uri="{FF2B5EF4-FFF2-40B4-BE49-F238E27FC236}">
+                <a16:creationId xmlns:a16="http://schemas.microsoft.com/office/drawing/2014/main" id="{F9F63EE9-6F0C-457B-919A-9E6472C52602}"/>
+              </a:ext>
+            </a:extLst>
+          </p:cNvPr>
+          <p:cNvSpPr txBox="1"/>
+          <p:nvPr/>
+        </p:nvSpPr>
+        <p:spPr>
+          <a:xfrm>
+            <a:off x="2662242" y="2760982"/>
+            <a:ext cx="542924" cy="369332"/>
+          </a:xfrm>
+          <a:prstGeom prst="rect">
+            <a:avLst/>
+          </a:prstGeom>
+          <a:noFill/>
+        </p:spPr>
+        <p:txBody>
+          <a:bodyPr wrap="square">
+            <a:spAutoFit/>
+          </a:bodyPr>
+          <a:lstStyle/>
+          <a:p>
+            <a:pPr algn="ctr"/>
+            <a:r>
+              <a:rPr lang="en-US" b="1" dirty="0">
+                <a:solidFill>
+                  <a:srgbClr val="FF0000"/>
+                </a:solidFill>
+              </a:rPr>
+              <a:t>MV</a:t>
+            </a:r>
+            <a:endParaRPr lang="en-US" dirty="0"/>
+          </a:p>
+        </p:txBody>
+      </p:sp>
+      <p:sp>
+        <p:nvSpPr>
+          <p:cNvPr id="49" name="TextBox 48">
+            <a:extLst>
+              <a:ext uri="{FF2B5EF4-FFF2-40B4-BE49-F238E27FC236}">
+                <a16:creationId xmlns:a16="http://schemas.microsoft.com/office/drawing/2014/main" id="{F2512936-6E20-4069-B3C1-BD513DAE7A0D}"/>
+              </a:ext>
+            </a:extLst>
+          </p:cNvPr>
+          <p:cNvSpPr txBox="1"/>
+          <p:nvPr/>
+        </p:nvSpPr>
+        <p:spPr>
+          <a:xfrm>
+            <a:off x="3293152" y="2760982"/>
+            <a:ext cx="542924" cy="369332"/>
+          </a:xfrm>
+          <a:prstGeom prst="rect">
+            <a:avLst/>
+          </a:prstGeom>
+          <a:noFill/>
+        </p:spPr>
+        <p:txBody>
+          <a:bodyPr wrap="square">
+            <a:spAutoFit/>
+          </a:bodyPr>
+          <a:lstStyle/>
+          <a:p>
+            <a:pPr algn="ctr"/>
+            <a:r>
+              <a:rPr lang="en-US" b="1" dirty="0">
+                <a:solidFill>
+                  <a:srgbClr val="FF0000"/>
+                </a:solidFill>
+              </a:rPr>
+              <a:t>MV</a:t>
+            </a:r>
+            <a:endParaRPr lang="en-US" dirty="0"/>
+          </a:p>
+        </p:txBody>
+      </p:sp>
+      <p:sp>
+        <p:nvSpPr>
+          <p:cNvPr id="50" name="TextBox 49">
+            <a:extLst>
+              <a:ext uri="{FF2B5EF4-FFF2-40B4-BE49-F238E27FC236}">
+                <a16:creationId xmlns:a16="http://schemas.microsoft.com/office/drawing/2014/main" id="{B5F4A74E-CBDA-4336-A5A2-2A828FD67B95}"/>
+              </a:ext>
+            </a:extLst>
+          </p:cNvPr>
+          <p:cNvSpPr txBox="1"/>
+          <p:nvPr/>
+        </p:nvSpPr>
+        <p:spPr>
+          <a:xfrm>
+            <a:off x="3969662" y="2760982"/>
+            <a:ext cx="542924" cy="369332"/>
+          </a:xfrm>
+          <a:prstGeom prst="rect">
+            <a:avLst/>
+          </a:prstGeom>
+          <a:noFill/>
+        </p:spPr>
+        <p:txBody>
+          <a:bodyPr wrap="square">
+            <a:spAutoFit/>
+          </a:bodyPr>
+          <a:lstStyle/>
+          <a:p>
+            <a:pPr algn="ctr"/>
+            <a:r>
+              <a:rPr lang="en-US" b="1" dirty="0">
+                <a:solidFill>
+                  <a:srgbClr val="FF0000"/>
+                </a:solidFill>
+              </a:rPr>
+              <a:t>MV</a:t>
+            </a:r>
+            <a:endParaRPr lang="en-US" dirty="0"/>
+          </a:p>
+        </p:txBody>
+      </p:sp>
+      <p:sp>
+        <p:nvSpPr>
+          <p:cNvPr id="51" name="TextBox 50">
+            <a:extLst>
+              <a:ext uri="{FF2B5EF4-FFF2-40B4-BE49-F238E27FC236}">
+                <a16:creationId xmlns:a16="http://schemas.microsoft.com/office/drawing/2014/main" id="{DC8C9B1A-0932-457D-9DF2-0C8D9ED801AE}"/>
+              </a:ext>
+            </a:extLst>
+          </p:cNvPr>
+          <p:cNvSpPr txBox="1"/>
+          <p:nvPr/>
+        </p:nvSpPr>
+        <p:spPr>
+          <a:xfrm>
+            <a:off x="4617366" y="2760982"/>
+            <a:ext cx="542924" cy="369332"/>
+          </a:xfrm>
+          <a:prstGeom prst="rect">
+            <a:avLst/>
+          </a:prstGeom>
+          <a:noFill/>
+        </p:spPr>
+        <p:txBody>
+          <a:bodyPr wrap="square">
+            <a:spAutoFit/>
+          </a:bodyPr>
+          <a:lstStyle/>
+          <a:p>
+            <a:pPr algn="ctr"/>
+            <a:r>
+              <a:rPr lang="en-US" b="1" dirty="0">
+                <a:solidFill>
+                  <a:srgbClr val="FF0000"/>
+                </a:solidFill>
+              </a:rPr>
+              <a:t>MV</a:t>
+            </a:r>
+            <a:endParaRPr lang="en-US" dirty="0"/>
+          </a:p>
+        </p:txBody>
+      </p:sp>
+      <p:sp>
+        <p:nvSpPr>
+          <p:cNvPr id="52" name="TextBox 51">
+            <a:extLst>
+              <a:ext uri="{FF2B5EF4-FFF2-40B4-BE49-F238E27FC236}">
+                <a16:creationId xmlns:a16="http://schemas.microsoft.com/office/drawing/2014/main" id="{D5CAE364-E55F-4A85-B7FD-6CDEE6609C42}"/>
+              </a:ext>
+            </a:extLst>
+          </p:cNvPr>
+          <p:cNvSpPr txBox="1"/>
+          <p:nvPr/>
+        </p:nvSpPr>
+        <p:spPr>
+          <a:xfrm>
+            <a:off x="5248276" y="2760982"/>
+            <a:ext cx="542924" cy="369332"/>
+          </a:xfrm>
+          <a:prstGeom prst="rect">
+            <a:avLst/>
+          </a:prstGeom>
+          <a:noFill/>
+        </p:spPr>
+        <p:txBody>
+          <a:bodyPr wrap="square">
+            <a:spAutoFit/>
+          </a:bodyPr>
+          <a:lstStyle/>
+          <a:p>
+            <a:pPr algn="ctr"/>
+            <a:r>
+              <a:rPr lang="en-US" b="1" dirty="0">
+                <a:solidFill>
+                  <a:srgbClr val="FF0000"/>
+                </a:solidFill>
+              </a:rPr>
+              <a:t>MV</a:t>
+            </a:r>
+            <a:endParaRPr lang="en-US" dirty="0"/>
+          </a:p>
+        </p:txBody>
+      </p:sp>
+      <p:sp>
+        <p:nvSpPr>
+          <p:cNvPr id="53" name="TextBox 52">
+            <a:extLst>
+              <a:ext uri="{FF2B5EF4-FFF2-40B4-BE49-F238E27FC236}">
+                <a16:creationId xmlns:a16="http://schemas.microsoft.com/office/drawing/2014/main" id="{0F0C2DFF-1583-407B-9772-44CBFE66E1C3}"/>
+              </a:ext>
+            </a:extLst>
+          </p:cNvPr>
+          <p:cNvSpPr txBox="1"/>
+          <p:nvPr/>
+        </p:nvSpPr>
+        <p:spPr>
+          <a:xfrm>
+            <a:off x="5897345" y="2760982"/>
+            <a:ext cx="542924" cy="369332"/>
+          </a:xfrm>
+          <a:prstGeom prst="rect">
+            <a:avLst/>
+          </a:prstGeom>
+          <a:noFill/>
+        </p:spPr>
+        <p:txBody>
+          <a:bodyPr wrap="square">
+            <a:spAutoFit/>
+          </a:bodyPr>
+          <a:lstStyle/>
+          <a:p>
+            <a:pPr algn="ctr"/>
+            <a:r>
+              <a:rPr lang="en-US" b="1" dirty="0">
+                <a:solidFill>
+                  <a:srgbClr val="FF0000"/>
+                </a:solidFill>
+              </a:rPr>
+              <a:t>MV</a:t>
+            </a:r>
+            <a:endParaRPr lang="en-US" dirty="0"/>
+          </a:p>
+        </p:txBody>
+      </p:sp>
+      <p:sp>
+        <p:nvSpPr>
+          <p:cNvPr id="54" name="TextBox 53">
+            <a:extLst>
+              <a:ext uri="{FF2B5EF4-FFF2-40B4-BE49-F238E27FC236}">
+                <a16:creationId xmlns:a16="http://schemas.microsoft.com/office/drawing/2014/main" id="{721B600C-2014-49A1-8A44-763FA05DAF3E}"/>
+              </a:ext>
+            </a:extLst>
+          </p:cNvPr>
+          <p:cNvSpPr txBox="1"/>
+          <p:nvPr/>
+        </p:nvSpPr>
+        <p:spPr>
+          <a:xfrm>
+            <a:off x="6545049" y="2760982"/>
+            <a:ext cx="542924" cy="369332"/>
+          </a:xfrm>
+          <a:prstGeom prst="rect">
+            <a:avLst/>
+          </a:prstGeom>
+          <a:noFill/>
+        </p:spPr>
+        <p:txBody>
+          <a:bodyPr wrap="square">
+            <a:spAutoFit/>
+          </a:bodyPr>
+          <a:lstStyle/>
+          <a:p>
+            <a:pPr algn="ctr"/>
+            <a:r>
+              <a:rPr lang="en-US" b="1" dirty="0">
+                <a:solidFill>
+                  <a:srgbClr val="FF0000"/>
+                </a:solidFill>
+              </a:rPr>
+              <a:t>MV</a:t>
+            </a:r>
+            <a:endParaRPr lang="en-US" dirty="0"/>
+          </a:p>
+        </p:txBody>
+      </p:sp>
+      <p:sp>
+        <p:nvSpPr>
+          <p:cNvPr id="55" name="TextBox 54">
+            <a:extLst>
+              <a:ext uri="{FF2B5EF4-FFF2-40B4-BE49-F238E27FC236}">
+                <a16:creationId xmlns:a16="http://schemas.microsoft.com/office/drawing/2014/main" id="{72EC5A9C-BB8A-4B5D-B737-B9A5FE000BEE}"/>
+              </a:ext>
+            </a:extLst>
+          </p:cNvPr>
+          <p:cNvSpPr txBox="1"/>
+          <p:nvPr/>
+        </p:nvSpPr>
+        <p:spPr>
+          <a:xfrm>
+            <a:off x="7175959" y="2760982"/>
+            <a:ext cx="542924" cy="369332"/>
+          </a:xfrm>
+          <a:prstGeom prst="rect">
+            <a:avLst/>
+          </a:prstGeom>
+          <a:noFill/>
+        </p:spPr>
+        <p:txBody>
+          <a:bodyPr wrap="square">
+            <a:spAutoFit/>
+          </a:bodyPr>
+          <a:lstStyle/>
+          <a:p>
+            <a:pPr algn="ctr"/>
+            <a:r>
+              <a:rPr lang="en-US" b="1" dirty="0">
+                <a:solidFill>
+                  <a:srgbClr val="FF0000"/>
+                </a:solidFill>
+              </a:rPr>
+              <a:t>MV</a:t>
+            </a:r>
+            <a:endParaRPr lang="en-US" dirty="0"/>
+          </a:p>
+        </p:txBody>
+      </p:sp>
+      <p:sp>
+        <p:nvSpPr>
+          <p:cNvPr id="57" name="TextBox 56">
+            <a:extLst>
+              <a:ext uri="{FF2B5EF4-FFF2-40B4-BE49-F238E27FC236}">
+                <a16:creationId xmlns:a16="http://schemas.microsoft.com/office/drawing/2014/main" id="{A20A04FC-A147-4099-9C02-52956A8C7FCD}"/>
+              </a:ext>
+            </a:extLst>
+          </p:cNvPr>
+          <p:cNvSpPr txBox="1"/>
+          <p:nvPr/>
+        </p:nvSpPr>
+        <p:spPr>
+          <a:xfrm>
+            <a:off x="3005137" y="2265437"/>
+            <a:ext cx="3928383" cy="369332"/>
+          </a:xfrm>
+          <a:prstGeom prst="rect">
+            <a:avLst/>
+          </a:prstGeom>
+          <a:noFill/>
+        </p:spPr>
+        <p:txBody>
+          <a:bodyPr wrap="none" rtlCol="0">
+            <a:spAutoFit/>
+          </a:bodyPr>
+          <a:lstStyle/>
+          <a:p>
+            <a:r>
+              <a:rPr lang="en-US" b="1" dirty="0">
+                <a:solidFill>
+                  <a:srgbClr val="FF0000"/>
+                </a:solidFill>
+              </a:rPr>
+              <a:t>Pick action that leads to the largest MV</a:t>
             </a:r>
           </a:p>
         </p:txBody>
@@ -9471,7 +9512,7 @@
     </p:spTree>
     <p:extLst>
       <p:ext uri="{BB962C8B-B14F-4D97-AF65-F5344CB8AC3E}">
-        <p14:creationId xmlns:p14="http://schemas.microsoft.com/office/powerpoint/2010/main" val="628902824"/>
+        <p14:creationId xmlns:p14="http://schemas.microsoft.com/office/powerpoint/2010/main" val="3701403061"/>
       </p:ext>
     </p:extLst>
   </p:cSld>
@@ -9498,6 +9539,349 @@
           <a:chExt cx="0" cy="0"/>
         </a:xfrm>
       </p:grpSpPr>
+      <p:pic>
+        <p:nvPicPr>
+          <p:cNvPr id="4" name="Content Placeholder 3">
+            <a:extLst>
+              <a:ext uri="{FF2B5EF4-FFF2-40B4-BE49-F238E27FC236}">
+                <a16:creationId xmlns:a16="http://schemas.microsoft.com/office/drawing/2014/main" id="{6DA9C6A5-02AE-489A-B876-51C3B526B722}"/>
+              </a:ext>
+            </a:extLst>
+          </p:cNvPr>
+          <p:cNvPicPr>
+            <a:picLocks noGrp="1" noChangeAspect="1"/>
+          </p:cNvPicPr>
+          <p:nvPr>
+            <p:ph idx="4294967295"/>
+          </p:nvPr>
+        </p:nvPicPr>
+        <p:blipFill>
+          <a:blip r:embed="rId2"/>
+          <a:stretch>
+            <a:fillRect/>
+          </a:stretch>
+        </p:blipFill>
+        <p:spPr>
+          <a:xfrm>
+            <a:off x="228600" y="939085"/>
+            <a:ext cx="7422872" cy="5614115"/>
+          </a:xfrm>
+          <a:prstGeom prst="rect">
+            <a:avLst/>
+          </a:prstGeom>
+        </p:spPr>
+        <p:style>
+          <a:lnRef idx="2">
+            <a:schemeClr val="accent2"/>
+          </a:lnRef>
+          <a:fillRef idx="1">
+            <a:schemeClr val="lt1"/>
+          </a:fillRef>
+          <a:effectRef idx="0">
+            <a:schemeClr val="accent2"/>
+          </a:effectRef>
+          <a:fontRef idx="minor">
+            <a:schemeClr val="dk1"/>
+          </a:fontRef>
+        </p:style>
+      </p:pic>
+      <p:sp>
+        <p:nvSpPr>
+          <p:cNvPr id="5" name="TextBox 4">
+            <a:extLst>
+              <a:ext uri="{FF2B5EF4-FFF2-40B4-BE49-F238E27FC236}">
+                <a16:creationId xmlns:a16="http://schemas.microsoft.com/office/drawing/2014/main" id="{13747615-7F67-47DB-9DFD-4EEBE17E4EE4}"/>
+              </a:ext>
+            </a:extLst>
+          </p:cNvPr>
+          <p:cNvSpPr txBox="1"/>
+          <p:nvPr/>
+        </p:nvSpPr>
+        <p:spPr>
+          <a:xfrm>
+            <a:off x="5867400" y="152400"/>
+            <a:ext cx="3048000" cy="2062103"/>
+          </a:xfrm>
+          <a:prstGeom prst="rect">
+            <a:avLst/>
+          </a:prstGeom>
+        </p:spPr>
+        <p:style>
+          <a:lnRef idx="3">
+            <a:schemeClr val="lt1"/>
+          </a:lnRef>
+          <a:fillRef idx="1">
+            <a:schemeClr val="accent6"/>
+          </a:fillRef>
+          <a:effectRef idx="1">
+            <a:schemeClr val="accent6"/>
+          </a:effectRef>
+          <a:fontRef idx="minor">
+            <a:schemeClr val="lt1"/>
+          </a:fontRef>
+        </p:style>
+        <p:txBody>
+          <a:bodyPr wrap="square" rtlCol="0">
+            <a:spAutoFit/>
+          </a:bodyPr>
+          <a:lstStyle/>
+          <a:p>
+            <a:r>
+              <a:rPr lang="en-US" sz="1600" b="1" dirty="0"/>
+              <a:t>Approach</a:t>
+            </a:r>
+            <a:r>
+              <a:rPr lang="en-US" sz="1600" dirty="0"/>
+              <a:t>: Follow tree to each terminal node and back up minimax value.</a:t>
+            </a:r>
+          </a:p>
+          <a:p>
+            <a:endParaRPr lang="en-US" sz="1600" dirty="0"/>
+          </a:p>
+          <a:p>
+            <a:r>
+              <a:rPr lang="en-US" sz="1600" b="1" dirty="0"/>
+              <a:t>Note</a:t>
+            </a:r>
+            <a:r>
+              <a:rPr lang="en-US" sz="1600" dirty="0"/>
+              <a:t>: This is just a generalization of the AND-OR Tree Search and returns first action of the conditional plan.</a:t>
+            </a:r>
+          </a:p>
+        </p:txBody>
+      </p:sp>
+      <p:sp>
+        <p:nvSpPr>
+          <p:cNvPr id="2" name="Right Brace 1">
+            <a:extLst>
+              <a:ext uri="{FF2B5EF4-FFF2-40B4-BE49-F238E27FC236}">
+                <a16:creationId xmlns:a16="http://schemas.microsoft.com/office/drawing/2014/main" id="{CFC34563-2773-479D-A0EC-56E98D37FEB1}"/>
+              </a:ext>
+            </a:extLst>
+          </p:cNvPr>
+          <p:cNvSpPr/>
+          <p:nvPr/>
+        </p:nvSpPr>
+        <p:spPr>
+          <a:xfrm>
+            <a:off x="7467600" y="2438400"/>
+            <a:ext cx="183872" cy="1600200"/>
+          </a:xfrm>
+          <a:prstGeom prst="rightBrace">
+            <a:avLst/>
+          </a:prstGeom>
+          <a:ln>
+            <a:solidFill>
+              <a:schemeClr val="bg2">
+                <a:lumMod val="50000"/>
+              </a:schemeClr>
+            </a:solidFill>
+          </a:ln>
+        </p:spPr>
+        <p:style>
+          <a:lnRef idx="1">
+            <a:schemeClr val="accent1"/>
+          </a:lnRef>
+          <a:fillRef idx="0">
+            <a:schemeClr val="accent1"/>
+          </a:fillRef>
+          <a:effectRef idx="0">
+            <a:schemeClr val="accent1"/>
+          </a:effectRef>
+          <a:fontRef idx="minor">
+            <a:schemeClr val="tx1"/>
+          </a:fontRef>
+        </p:style>
+        <p:txBody>
+          <a:bodyPr rtlCol="0" anchor="ctr"/>
+          <a:lstStyle/>
+          <a:p>
+            <a:pPr algn="ctr"/>
+            <a:endParaRPr lang="en-US">
+              <a:solidFill>
+                <a:schemeClr val="bg2">
+                  <a:lumMod val="50000"/>
+                </a:schemeClr>
+              </a:solidFill>
+            </a:endParaRPr>
+          </a:p>
+        </p:txBody>
+      </p:sp>
+      <p:sp>
+        <p:nvSpPr>
+          <p:cNvPr id="3" name="TextBox 2">
+            <a:extLst>
+              <a:ext uri="{FF2B5EF4-FFF2-40B4-BE49-F238E27FC236}">
+                <a16:creationId xmlns:a16="http://schemas.microsoft.com/office/drawing/2014/main" id="{827CE9C1-39FB-479F-80EC-30A76A3A7F43}"/>
+              </a:ext>
+            </a:extLst>
+          </p:cNvPr>
+          <p:cNvSpPr txBox="1"/>
+          <p:nvPr/>
+        </p:nvSpPr>
+        <p:spPr>
+          <a:xfrm>
+            <a:off x="7848600" y="3001188"/>
+            <a:ext cx="1066800" cy="523220"/>
+          </a:xfrm>
+          <a:prstGeom prst="rect">
+            <a:avLst/>
+          </a:prstGeom>
+          <a:noFill/>
+          <a:ln>
+            <a:noFill/>
+          </a:ln>
+        </p:spPr>
+        <p:txBody>
+          <a:bodyPr wrap="square" rtlCol="0">
+            <a:spAutoFit/>
+          </a:bodyPr>
+          <a:lstStyle/>
+          <a:p>
+            <a:r>
+              <a:rPr lang="en-US" sz="1400" dirty="0">
+                <a:solidFill>
+                  <a:schemeClr val="bg2">
+                    <a:lumMod val="50000"/>
+                  </a:schemeClr>
+                </a:solidFill>
+              </a:rPr>
+              <a:t>Represents OR Search</a:t>
+            </a:r>
+          </a:p>
+        </p:txBody>
+      </p:sp>
+      <p:sp>
+        <p:nvSpPr>
+          <p:cNvPr id="6" name="Right Brace 5">
+            <a:extLst>
+              <a:ext uri="{FF2B5EF4-FFF2-40B4-BE49-F238E27FC236}">
+                <a16:creationId xmlns:a16="http://schemas.microsoft.com/office/drawing/2014/main" id="{EE2759D0-0019-4177-9480-CCF48BD9CC73}"/>
+              </a:ext>
+            </a:extLst>
+          </p:cNvPr>
+          <p:cNvSpPr/>
+          <p:nvPr/>
+        </p:nvSpPr>
+        <p:spPr>
+          <a:xfrm>
+            <a:off x="7467600" y="4495800"/>
+            <a:ext cx="183872" cy="1600200"/>
+          </a:xfrm>
+          <a:prstGeom prst="rightBrace">
+            <a:avLst/>
+          </a:prstGeom>
+          <a:ln>
+            <a:solidFill>
+              <a:schemeClr val="bg2">
+                <a:lumMod val="50000"/>
+              </a:schemeClr>
+            </a:solidFill>
+          </a:ln>
+        </p:spPr>
+        <p:style>
+          <a:lnRef idx="1">
+            <a:schemeClr val="accent1"/>
+          </a:lnRef>
+          <a:fillRef idx="0">
+            <a:schemeClr val="accent1"/>
+          </a:fillRef>
+          <a:effectRef idx="0">
+            <a:schemeClr val="accent1"/>
+          </a:effectRef>
+          <a:fontRef idx="minor">
+            <a:schemeClr val="tx1"/>
+          </a:fontRef>
+        </p:style>
+        <p:txBody>
+          <a:bodyPr rtlCol="0" anchor="ctr"/>
+          <a:lstStyle/>
+          <a:p>
+            <a:pPr algn="ctr"/>
+            <a:endParaRPr lang="en-US">
+              <a:solidFill>
+                <a:schemeClr val="bg2">
+                  <a:lumMod val="50000"/>
+                </a:schemeClr>
+              </a:solidFill>
+            </a:endParaRPr>
+          </a:p>
+        </p:txBody>
+      </p:sp>
+      <p:sp>
+        <p:nvSpPr>
+          <p:cNvPr id="7" name="TextBox 6">
+            <a:extLst>
+              <a:ext uri="{FF2B5EF4-FFF2-40B4-BE49-F238E27FC236}">
+                <a16:creationId xmlns:a16="http://schemas.microsoft.com/office/drawing/2014/main" id="{FD1F39E6-ED40-4E46-AAA9-9E1C7475DC2E}"/>
+              </a:ext>
+            </a:extLst>
+          </p:cNvPr>
+          <p:cNvSpPr txBox="1"/>
+          <p:nvPr/>
+        </p:nvSpPr>
+        <p:spPr>
+          <a:xfrm>
+            <a:off x="7848600" y="5058588"/>
+            <a:ext cx="1066800" cy="523220"/>
+          </a:xfrm>
+          <a:prstGeom prst="rect">
+            <a:avLst/>
+          </a:prstGeom>
+          <a:noFill/>
+          <a:ln>
+            <a:noFill/>
+          </a:ln>
+        </p:spPr>
+        <p:txBody>
+          <a:bodyPr wrap="square" rtlCol="0">
+            <a:spAutoFit/>
+          </a:bodyPr>
+          <a:lstStyle/>
+          <a:p>
+            <a:r>
+              <a:rPr lang="en-US" sz="1400" dirty="0">
+                <a:solidFill>
+                  <a:schemeClr val="bg2">
+                    <a:lumMod val="50000"/>
+                  </a:schemeClr>
+                </a:solidFill>
+              </a:rPr>
+              <a:t>Represents AND Search</a:t>
+            </a:r>
+          </a:p>
+        </p:txBody>
+      </p:sp>
+    </p:spTree>
+    <p:extLst>
+      <p:ext uri="{BB962C8B-B14F-4D97-AF65-F5344CB8AC3E}">
+        <p14:creationId xmlns:p14="http://schemas.microsoft.com/office/powerpoint/2010/main" val="628902824"/>
+      </p:ext>
+    </p:extLst>
+  </p:cSld>
+  <p:clrMapOvr>
+    <a:masterClrMapping/>
+  </p:clrMapOvr>
+</p:sld>
+</file>
+
+<file path=ppt/slides/slide19.xml><?xml version="1.0" encoding="utf-8"?>
+<p:sld xmlns:a="http://schemas.openxmlformats.org/drawingml/2006/main" xmlns:r="http://schemas.openxmlformats.org/officeDocument/2006/relationships" xmlns:p="http://schemas.openxmlformats.org/presentationml/2006/main">
+  <p:cSld>
+    <p:spTree>
+      <p:nvGrpSpPr>
+        <p:cNvPr id="1" name=""/>
+        <p:cNvGrpSpPr/>
+        <p:nvPr/>
+      </p:nvGrpSpPr>
+      <p:grpSpPr>
+        <a:xfrm>
+          <a:off x="0" y="0"/>
+          <a:ext cx="0" cy="0"/>
+          <a:chOff x="0" y="0"/>
+          <a:chExt cx="0" cy="0"/>
+        </a:xfrm>
+      </p:grpSpPr>
       <p:sp>
         <p:nvSpPr>
           <p:cNvPr id="2" name="Title 1">
@@ -9547,7 +9931,7 @@
             <p:spPr/>
             <p:txBody>
               <a:bodyPr>
-                <a:normAutofit fontScale="92500" lnSpcReduction="20000"/>
+                <a:normAutofit fontScale="85000" lnSpcReduction="20000"/>
               </a:bodyPr>
               <a:lstStyle/>
               <a:p>
@@ -9634,6 +10018,9 @@
                   <a:rPr lang="en-US" dirty="0"/>
                   <a:t>Only feasible for very simple games!</a:t>
                 </a:r>
+              </a:p>
+              <a:p>
+                <a:endParaRPr lang="en-US" dirty="0"/>
               </a:p>
               <a:p>
                 <a:r>
@@ -9736,7 +10123,7 @@
                 </a:br>
                 <a:r>
                   <a:rPr lang="en-US" dirty="0"/>
-                  <a:t>       </a:t>
+                  <a:t>           </a:t>
                 </a:r>
                 <a14:m>
                   <m:oMath xmlns:m="http://schemas.openxmlformats.org/officeDocument/2006/math">
@@ -9771,7 +10158,7 @@
                 </a14:m>
                 <a:r>
                   <a:rPr lang="en-US" dirty="0"/>
-                  <a:t> actually less than </a:t>
+                  <a:t> we get less than </a:t>
                 </a:r>
                 <a14:m>
                   <m:oMath xmlns:m="http://schemas.openxmlformats.org/officeDocument/2006/math">
@@ -9830,7 +10217,28 @@
                       <a:srgbClr val="FF0000"/>
                     </a:solidFill>
                   </a:rPr>
-                  <a:t>We need to reduce the search space! -&gt; Pruning</a:t>
+                  <a:t>We need to reduce the search space! </a:t>
+                </a:r>
+                <a14:m>
+                  <m:oMath xmlns:m="http://schemas.openxmlformats.org/officeDocument/2006/math">
+                    <m:r>
+                      <a:rPr lang="en-US" b="0" i="1" smtClean="0">
+                        <a:solidFill>
+                          <a:srgbClr val="FF0000"/>
+                        </a:solidFill>
+                        <a:latin typeface="Cambria Math" panose="02040503050406030204" pitchFamily="18" charset="0"/>
+                      </a:rPr>
+                      <m:t>→ </m:t>
+                    </m:r>
+                  </m:oMath>
+                </a14:m>
+                <a:r>
+                  <a:rPr lang="en-US" b="1" dirty="0">
+                    <a:solidFill>
+                      <a:srgbClr val="FF0000"/>
+                    </a:solidFill>
+                  </a:rPr>
+                  <a:t>Game tree pruning</a:t>
                 </a:r>
               </a:p>
             </p:txBody>
@@ -9857,7 +10265,7 @@
               <a:blipFill>
                 <a:blip r:embed="rId2"/>
                 <a:stretch>
-                  <a:fillRect l="-1159" t="-3501"/>
+                  <a:fillRect l="-1005" t="-3221"/>
                 </a:stretch>
               </a:blipFill>
             </p:spPr>
@@ -9876,6 +10284,60 @@
           </p:sp>
         </mc:Fallback>
       </mc:AlternateContent>
+      <p:sp>
+        <p:nvSpPr>
+          <p:cNvPr id="4" name="TextBox 3">
+            <a:extLst>
+              <a:ext uri="{FF2B5EF4-FFF2-40B4-BE49-F238E27FC236}">
+                <a16:creationId xmlns:a16="http://schemas.microsoft.com/office/drawing/2014/main" id="{E79ABD67-815A-4C06-B4FF-90B31818E319}"/>
+              </a:ext>
+            </a:extLst>
+          </p:cNvPr>
+          <p:cNvSpPr txBox="1"/>
+          <p:nvPr/>
+        </p:nvSpPr>
+        <p:spPr>
+          <a:xfrm>
+            <a:off x="6248400" y="365126"/>
+            <a:ext cx="2169440" cy="646331"/>
+          </a:xfrm>
+          <a:prstGeom prst="rect">
+            <a:avLst/>
+          </a:prstGeom>
+        </p:spPr>
+        <p:style>
+          <a:lnRef idx="3">
+            <a:schemeClr val="lt1"/>
+          </a:lnRef>
+          <a:fillRef idx="1">
+            <a:schemeClr val="accent6"/>
+          </a:fillRef>
+          <a:effectRef idx="1">
+            <a:schemeClr val="accent6"/>
+          </a:effectRef>
+          <a:fontRef idx="minor">
+            <a:schemeClr val="lt1"/>
+          </a:fontRef>
+        </p:style>
+        <p:txBody>
+          <a:bodyPr wrap="none" rtlCol="0">
+            <a:spAutoFit/>
+          </a:bodyPr>
+          <a:lstStyle/>
+          <a:p>
+            <a:r>
+              <a:rPr lang="en-US" dirty="0"/>
+              <a:t>b: branching factor</a:t>
+            </a:r>
+          </a:p>
+          <a:p>
+            <a:r>
+              <a:rPr lang="en-US" dirty="0"/>
+              <a:t>m: max depth of tree</a:t>
+            </a:r>
+          </a:p>
+        </p:txBody>
+      </p:sp>
     </p:spTree>
     <p:extLst>
       <p:ext uri="{BB962C8B-B14F-4D97-AF65-F5344CB8AC3E}">
@@ -9889,7 +10351,255 @@
 </p:sld>
 </file>
 
-<file path=ppt/slides/slide19.xml><?xml version="1.0" encoding="utf-8"?>
+<file path=ppt/slides/slide2.xml><?xml version="1.0" encoding="utf-8"?>
+<p:sld xmlns:a="http://schemas.openxmlformats.org/drawingml/2006/main" xmlns:r="http://schemas.openxmlformats.org/officeDocument/2006/relationships" xmlns:p="http://schemas.openxmlformats.org/presentationml/2006/main">
+  <p:cSld>
+    <p:bg>
+      <p:bgPr>
+        <a:solidFill>
+          <a:schemeClr val="bg1"/>
+        </a:solidFill>
+        <a:effectLst/>
+      </p:bgPr>
+    </p:bg>
+    <p:spTree>
+      <p:nvGrpSpPr>
+        <p:cNvPr id="1" name=""/>
+        <p:cNvGrpSpPr/>
+        <p:nvPr/>
+      </p:nvGrpSpPr>
+      <p:grpSpPr>
+        <a:xfrm>
+          <a:off x="0" y="0"/>
+          <a:ext cx="0" cy="0"/>
+          <a:chOff x="0" y="0"/>
+          <a:chExt cx="0" cy="0"/>
+        </a:xfrm>
+      </p:grpSpPr>
+      <p:sp>
+        <p:nvSpPr>
+          <p:cNvPr id="4" name="Title 3">
+            <a:extLst>
+              <a:ext uri="{FF2B5EF4-FFF2-40B4-BE49-F238E27FC236}">
+                <a16:creationId xmlns:a16="http://schemas.microsoft.com/office/drawing/2014/main" id="{673AB63A-583D-4BBD-914A-0A8056D0F4A2}"/>
+              </a:ext>
+            </a:extLst>
+          </p:cNvPr>
+          <p:cNvSpPr>
+            <a:spLocks noGrp="1"/>
+          </p:cNvSpPr>
+          <p:nvPr>
+            <p:ph type="title"/>
+          </p:nvPr>
+        </p:nvSpPr>
+        <p:spPr>
+          <a:xfrm>
+            <a:off x="3724072" y="629268"/>
+            <a:ext cx="4939868" cy="1286160"/>
+          </a:xfrm>
+        </p:spPr>
+        <p:txBody>
+          <a:bodyPr anchor="b">
+            <a:normAutofit/>
+          </a:bodyPr>
+          <a:lstStyle/>
+          <a:p>
+            <a:r>
+              <a:rPr lang="en-US" dirty="0"/>
+              <a:t>Games</a:t>
+            </a:r>
+          </a:p>
+        </p:txBody>
+      </p:sp>
+      <p:sp>
+        <p:nvSpPr>
+          <p:cNvPr id="5" name="Content Placeholder 4">
+            <a:extLst>
+              <a:ext uri="{FF2B5EF4-FFF2-40B4-BE49-F238E27FC236}">
+                <a16:creationId xmlns:a16="http://schemas.microsoft.com/office/drawing/2014/main" id="{3C1F6EBF-AF35-4215-9C0C-E67FFF86834E}"/>
+              </a:ext>
+            </a:extLst>
+          </p:cNvPr>
+          <p:cNvSpPr>
+            <a:spLocks noGrp="1"/>
+          </p:cNvSpPr>
+          <p:nvPr>
+            <p:ph idx="1"/>
+          </p:nvPr>
+        </p:nvSpPr>
+        <p:spPr>
+          <a:xfrm>
+            <a:off x="3724073" y="2438400"/>
+            <a:ext cx="4939867" cy="3785419"/>
+          </a:xfrm>
+        </p:spPr>
+        <p:txBody>
+          <a:bodyPr>
+            <a:normAutofit/>
+          </a:bodyPr>
+          <a:lstStyle/>
+          <a:p>
+            <a:r>
+              <a:rPr lang="en-US" sz="2000" dirty="0"/>
+              <a:t>Games typically confront the agent with a competitive (adversarial) environment affected by an opponent.</a:t>
+            </a:r>
+          </a:p>
+          <a:p>
+            <a:endParaRPr lang="en-US" sz="2000" dirty="0"/>
+          </a:p>
+          <a:p>
+            <a:r>
+              <a:rPr lang="en-US" sz="2000" dirty="0"/>
+              <a:t>We will focus on deterministic two-player zero-sum games with perfect information.</a:t>
+            </a:r>
+          </a:p>
+          <a:p>
+            <a:endParaRPr lang="en-US" sz="2000" dirty="0"/>
+          </a:p>
+          <a:p>
+            <a:r>
+              <a:rPr lang="en-US" sz="2000" dirty="0"/>
+              <a:t>We call the two players: </a:t>
+            </a:r>
+          </a:p>
+          <a:p>
+            <a:pPr marL="914400" lvl="1" indent="-457200">
+              <a:buFont typeface="+mj-lt"/>
+              <a:buAutoNum type="arabicParenR"/>
+            </a:pPr>
+            <a:r>
+              <a:rPr lang="en-US" sz="2000" b="1" dirty="0"/>
+              <a:t>Max</a:t>
+            </a:r>
+            <a:r>
+              <a:rPr lang="en-US" sz="2000" dirty="0"/>
+              <a:t> tries to maximize his utility.</a:t>
+            </a:r>
+          </a:p>
+          <a:p>
+            <a:pPr marL="914400" lvl="1" indent="-457200">
+              <a:buFont typeface="+mj-lt"/>
+              <a:buAutoNum type="arabicParenR"/>
+            </a:pPr>
+            <a:r>
+              <a:rPr lang="en-US" sz="2000" b="1" dirty="0"/>
+              <a:t>Min</a:t>
+            </a:r>
+            <a:r>
+              <a:rPr lang="en-US" sz="2000" dirty="0"/>
+              <a:t> tries to minimize Max’s utility since it is a zero-sum game.</a:t>
+            </a:r>
+          </a:p>
+        </p:txBody>
+      </p:sp>
+      <p:pic>
+        <p:nvPicPr>
+          <p:cNvPr id="7" name="Picture 6" descr="Metal tic-tac-toe game pieces">
+            <a:extLst>
+              <a:ext uri="{FF2B5EF4-FFF2-40B4-BE49-F238E27FC236}">
+                <a16:creationId xmlns:a16="http://schemas.microsoft.com/office/drawing/2014/main" id="{175FC947-2DD1-4775-8699-AB039B7D98A1}"/>
+              </a:ext>
+            </a:extLst>
+          </p:cNvPr>
+          <p:cNvPicPr>
+            <a:picLocks noChangeAspect="1"/>
+          </p:cNvPicPr>
+          <p:nvPr/>
+        </p:nvPicPr>
+        <p:blipFill rotWithShape="1">
+          <a:blip r:embed="rId2">
+            <a:extLst>
+              <a:ext uri="{BEBA8EAE-BF5A-486C-A8C5-ECC9F3942E4B}">
+                <a14:imgProps xmlns:a14="http://schemas.microsoft.com/office/drawing/2010/main">
+                  <a14:imgLayer r:embed="rId3">
+                    <a14:imgEffect>
+                      <a14:saturation sat="0"/>
+                    </a14:imgEffect>
+                  </a14:imgLayer>
+                </a14:imgProps>
+              </a:ext>
+            </a:extLst>
+          </a:blip>
+          <a:srcRect l="24221" r="37758"/>
+          <a:stretch/>
+        </p:blipFill>
+        <p:spPr>
+          <a:xfrm>
+            <a:off x="20" y="10"/>
+            <a:ext cx="3476673" cy="6857990"/>
+          </a:xfrm>
+          <a:prstGeom prst="rect">
+            <a:avLst/>
+          </a:prstGeom>
+          <a:effectLst/>
+        </p:spPr>
+      </p:pic>
+      <p:cxnSp>
+        <p:nvCxnSpPr>
+          <p:cNvPr id="11" name="Straight Connector 10">
+            <a:extLst>
+              <a:ext uri="{FF2B5EF4-FFF2-40B4-BE49-F238E27FC236}">
+                <a16:creationId xmlns:a16="http://schemas.microsoft.com/office/drawing/2014/main" id="{A7F400EE-A8A5-48AF-B4D6-291B52C6F0B0}"/>
+              </a:ext>
+              <a:ext uri="{C183D7F6-B498-43B3-948B-1728B52AA6E4}">
+                <adec:decorative xmlns:adec="http://schemas.microsoft.com/office/drawing/2017/decorative" val="1"/>
+              </a:ext>
+            </a:extLst>
+          </p:cNvPr>
+          <p:cNvCxnSpPr>
+            <a:cxnSpLocks noGrp="1" noRot="1" noChangeAspect="1" noMove="1" noResize="1" noEditPoints="1" noAdjustHandles="1" noChangeArrowheads="1" noChangeShapeType="1"/>
+          </p:cNvCxnSpPr>
+          <p:nvPr>
+            <p:extLst>
+              <p:ext uri="{386F3935-93C4-4BCD-93E2-E3B085C9AB24}">
+                <p16:designElem xmlns:p16="http://schemas.microsoft.com/office/powerpoint/2015/main" val="1"/>
+              </p:ext>
+            </p:extLst>
+          </p:nvPr>
+        </p:nvCxnSpPr>
+        <p:spPr>
+          <a:xfrm>
+            <a:off x="3810700" y="2115117"/>
+            <a:ext cx="4732020" cy="0"/>
+          </a:xfrm>
+          <a:prstGeom prst="line">
+            <a:avLst/>
+          </a:prstGeom>
+          <a:ln w="19050">
+            <a:solidFill>
+              <a:srgbClr val="5C8BBB"/>
+            </a:solidFill>
+          </a:ln>
+        </p:spPr>
+        <p:style>
+          <a:lnRef idx="1">
+            <a:schemeClr val="accent1"/>
+          </a:lnRef>
+          <a:fillRef idx="0">
+            <a:schemeClr val="accent1"/>
+          </a:fillRef>
+          <a:effectRef idx="0">
+            <a:schemeClr val="accent1"/>
+          </a:effectRef>
+          <a:fontRef idx="minor">
+            <a:schemeClr val="tx1"/>
+          </a:fontRef>
+        </p:style>
+      </p:cxnSp>
+    </p:spTree>
+    <p:extLst>
+      <p:ext uri="{BB962C8B-B14F-4D97-AF65-F5344CB8AC3E}">
+        <p14:creationId xmlns:p14="http://schemas.microsoft.com/office/powerpoint/2010/main" val="1068800212"/>
+      </p:ext>
+    </p:extLst>
+  </p:cSld>
+  <p:clrMapOvr>
+    <a:masterClrMapping/>
+  </p:clrMapOvr>
+</p:sld>
+</file>
+
+<file path=ppt/slides/slide20.xml><?xml version="1.0" encoding="utf-8"?>
 <p:sld xmlns:a="http://schemas.openxmlformats.org/drawingml/2006/main" xmlns:r="http://schemas.openxmlformats.org/officeDocument/2006/relationships" xmlns:p="http://schemas.openxmlformats.org/presentationml/2006/main">
   <p:cSld>
     <p:spTree>
@@ -9955,7 +10665,7 @@
             <p:spPr/>
             <p:txBody>
               <a:bodyPr>
-                <a:normAutofit fontScale="92500" lnSpcReduction="10000"/>
+                <a:normAutofit fontScale="85000" lnSpcReduction="20000"/>
               </a:bodyPr>
               <a:lstStyle/>
               <a:p>
@@ -9967,6 +10677,9 @@
                   <a:rPr lang="en-US" dirty="0"/>
                   <a:t>: Do not search parts of the tree if they do not make a difference to the outcome.</a:t>
                 </a:r>
+              </a:p>
+              <a:p>
+                <a:endParaRPr lang="en-US" b="1" dirty="0"/>
               </a:p>
               <a:p>
                 <a:r>
@@ -10132,13 +10845,16 @@
                 </a:r>
               </a:p>
               <a:p>
+                <a:endParaRPr lang="en-US" b="1" dirty="0"/>
+              </a:p>
+              <a:p>
                 <a:r>
                   <a:rPr lang="en-US" b="1" dirty="0"/>
                   <a:t>Approach</a:t>
                 </a:r>
                 <a:r>
                   <a:rPr lang="en-US" dirty="0"/>
-                  <a:t>: maintain for each state bounds for the minimax value </a:t>
+                  <a:t>: maintain for each node bounds for the minimax value </a:t>
                 </a:r>
                 <a14:m>
                   <m:oMath xmlns:m="http://schemas.openxmlformats.org/officeDocument/2006/math">
@@ -10215,7 +10931,7 @@
                 </a14:m>
                 <a:r>
                   <a:rPr lang="en-US" dirty="0"/>
-                  <a:t>is at least.”</a:t>
+                  <a:t>is at least alpha.”</a:t>
                 </a:r>
               </a:p>
               <a:p>
@@ -10254,7 +10970,7 @@
                 </a14:m>
                 <a:r>
                   <a:rPr lang="en-US" dirty="0"/>
-                  <a:t>is at most.”</a:t>
+                  <a:t>is at most beta.”</a:t>
                 </a:r>
               </a:p>
               <a:p>
@@ -10284,7 +11000,7 @@
               <a:blipFill>
                 <a:blip r:embed="rId2"/>
                 <a:stretch>
-                  <a:fillRect l="-1159" t="-2801"/>
+                  <a:fillRect l="-1005" t="-3221" r="-1082"/>
                 </a:stretch>
               </a:blipFill>
             </p:spPr>
@@ -10316,255 +11032,7 @@
 </p:sld>
 </file>
 
-<file path=ppt/slides/slide2.xml><?xml version="1.0" encoding="utf-8"?>
-<p:sld xmlns:a="http://schemas.openxmlformats.org/drawingml/2006/main" xmlns:r="http://schemas.openxmlformats.org/officeDocument/2006/relationships" xmlns:p="http://schemas.openxmlformats.org/presentationml/2006/main">
-  <p:cSld>
-    <p:bg>
-      <p:bgPr>
-        <a:solidFill>
-          <a:schemeClr val="bg1"/>
-        </a:solidFill>
-        <a:effectLst/>
-      </p:bgPr>
-    </p:bg>
-    <p:spTree>
-      <p:nvGrpSpPr>
-        <p:cNvPr id="1" name=""/>
-        <p:cNvGrpSpPr/>
-        <p:nvPr/>
-      </p:nvGrpSpPr>
-      <p:grpSpPr>
-        <a:xfrm>
-          <a:off x="0" y="0"/>
-          <a:ext cx="0" cy="0"/>
-          <a:chOff x="0" y="0"/>
-          <a:chExt cx="0" cy="0"/>
-        </a:xfrm>
-      </p:grpSpPr>
-      <p:sp>
-        <p:nvSpPr>
-          <p:cNvPr id="4" name="Title 3">
-            <a:extLst>
-              <a:ext uri="{FF2B5EF4-FFF2-40B4-BE49-F238E27FC236}">
-                <a16:creationId xmlns:a16="http://schemas.microsoft.com/office/drawing/2014/main" id="{673AB63A-583D-4BBD-914A-0A8056D0F4A2}"/>
-              </a:ext>
-            </a:extLst>
-          </p:cNvPr>
-          <p:cNvSpPr>
-            <a:spLocks noGrp="1"/>
-          </p:cNvSpPr>
-          <p:nvPr>
-            <p:ph type="title"/>
-          </p:nvPr>
-        </p:nvSpPr>
-        <p:spPr>
-          <a:xfrm>
-            <a:off x="3724072" y="629268"/>
-            <a:ext cx="4939868" cy="1286160"/>
-          </a:xfrm>
-        </p:spPr>
-        <p:txBody>
-          <a:bodyPr anchor="b">
-            <a:normAutofit/>
-          </a:bodyPr>
-          <a:lstStyle/>
-          <a:p>
-            <a:r>
-              <a:rPr lang="en-US" dirty="0"/>
-              <a:t>Games</a:t>
-            </a:r>
-          </a:p>
-        </p:txBody>
-      </p:sp>
-      <p:sp>
-        <p:nvSpPr>
-          <p:cNvPr id="5" name="Content Placeholder 4">
-            <a:extLst>
-              <a:ext uri="{FF2B5EF4-FFF2-40B4-BE49-F238E27FC236}">
-                <a16:creationId xmlns:a16="http://schemas.microsoft.com/office/drawing/2014/main" id="{3C1F6EBF-AF35-4215-9C0C-E67FFF86834E}"/>
-              </a:ext>
-            </a:extLst>
-          </p:cNvPr>
-          <p:cNvSpPr>
-            <a:spLocks noGrp="1"/>
-          </p:cNvSpPr>
-          <p:nvPr>
-            <p:ph idx="1"/>
-          </p:nvPr>
-        </p:nvSpPr>
-        <p:spPr>
-          <a:xfrm>
-            <a:off x="3724073" y="2438400"/>
-            <a:ext cx="4939867" cy="3785419"/>
-          </a:xfrm>
-        </p:spPr>
-        <p:txBody>
-          <a:bodyPr>
-            <a:normAutofit/>
-          </a:bodyPr>
-          <a:lstStyle/>
-          <a:p>
-            <a:r>
-              <a:rPr lang="en-US" sz="2000" dirty="0"/>
-              <a:t>Games typically confront the agent with a competitive (adversarial) environment affected by an opponent.</a:t>
-            </a:r>
-          </a:p>
-          <a:p>
-            <a:endParaRPr lang="en-US" sz="2000" dirty="0"/>
-          </a:p>
-          <a:p>
-            <a:r>
-              <a:rPr lang="en-US" sz="2000" dirty="0"/>
-              <a:t>We will focus on deterministic two-player zero-sum games with perfect information.</a:t>
-            </a:r>
-          </a:p>
-          <a:p>
-            <a:endParaRPr lang="en-US" sz="2000" dirty="0"/>
-          </a:p>
-          <a:p>
-            <a:r>
-              <a:rPr lang="en-US" sz="2000" dirty="0"/>
-              <a:t>We call the two players: </a:t>
-            </a:r>
-          </a:p>
-          <a:p>
-            <a:pPr marL="914400" lvl="1" indent="-457200">
-              <a:buFont typeface="+mj-lt"/>
-              <a:buAutoNum type="arabicParenR"/>
-            </a:pPr>
-            <a:r>
-              <a:rPr lang="en-US" sz="2000" b="1" dirty="0"/>
-              <a:t>Max</a:t>
-            </a:r>
-            <a:r>
-              <a:rPr lang="en-US" sz="2000" dirty="0"/>
-              <a:t> tries to maximize his utility.</a:t>
-            </a:r>
-          </a:p>
-          <a:p>
-            <a:pPr marL="914400" lvl="1" indent="-457200">
-              <a:buFont typeface="+mj-lt"/>
-              <a:buAutoNum type="arabicParenR"/>
-            </a:pPr>
-            <a:r>
-              <a:rPr lang="en-US" sz="2000" b="1" dirty="0"/>
-              <a:t>Min</a:t>
-            </a:r>
-            <a:r>
-              <a:rPr lang="en-US" sz="2000" dirty="0"/>
-              <a:t> tries to minimize Max’s utility since it is a zero-sum game.</a:t>
-            </a:r>
-          </a:p>
-        </p:txBody>
-      </p:sp>
-      <p:pic>
-        <p:nvPicPr>
-          <p:cNvPr id="7" name="Picture 6" descr="Metal tic-tac-toe game pieces">
-            <a:extLst>
-              <a:ext uri="{FF2B5EF4-FFF2-40B4-BE49-F238E27FC236}">
-                <a16:creationId xmlns:a16="http://schemas.microsoft.com/office/drawing/2014/main" id="{175FC947-2DD1-4775-8699-AB039B7D98A1}"/>
-              </a:ext>
-            </a:extLst>
-          </p:cNvPr>
-          <p:cNvPicPr>
-            <a:picLocks noChangeAspect="1"/>
-          </p:cNvPicPr>
-          <p:nvPr/>
-        </p:nvPicPr>
-        <p:blipFill rotWithShape="1">
-          <a:blip r:embed="rId2">
-            <a:extLst>
-              <a:ext uri="{BEBA8EAE-BF5A-486C-A8C5-ECC9F3942E4B}">
-                <a14:imgProps xmlns:a14="http://schemas.microsoft.com/office/drawing/2010/main">
-                  <a14:imgLayer r:embed="rId3">
-                    <a14:imgEffect>
-                      <a14:saturation sat="0"/>
-                    </a14:imgEffect>
-                  </a14:imgLayer>
-                </a14:imgProps>
-              </a:ext>
-            </a:extLst>
-          </a:blip>
-          <a:srcRect l="24221" r="37758"/>
-          <a:stretch/>
-        </p:blipFill>
-        <p:spPr>
-          <a:xfrm>
-            <a:off x="20" y="10"/>
-            <a:ext cx="3476673" cy="6857990"/>
-          </a:xfrm>
-          <a:prstGeom prst="rect">
-            <a:avLst/>
-          </a:prstGeom>
-          <a:effectLst/>
-        </p:spPr>
-      </p:pic>
-      <p:cxnSp>
-        <p:nvCxnSpPr>
-          <p:cNvPr id="11" name="Straight Connector 10">
-            <a:extLst>
-              <a:ext uri="{FF2B5EF4-FFF2-40B4-BE49-F238E27FC236}">
-                <a16:creationId xmlns:a16="http://schemas.microsoft.com/office/drawing/2014/main" id="{A7F400EE-A8A5-48AF-B4D6-291B52C6F0B0}"/>
-              </a:ext>
-              <a:ext uri="{C183D7F6-B498-43B3-948B-1728B52AA6E4}">
-                <adec:decorative xmlns:adec="http://schemas.microsoft.com/office/drawing/2017/decorative" val="1"/>
-              </a:ext>
-            </a:extLst>
-          </p:cNvPr>
-          <p:cNvCxnSpPr>
-            <a:cxnSpLocks noGrp="1" noRot="1" noChangeAspect="1" noMove="1" noResize="1" noEditPoints="1" noAdjustHandles="1" noChangeArrowheads="1" noChangeShapeType="1"/>
-          </p:cNvCxnSpPr>
-          <p:nvPr>
-            <p:extLst>
-              <p:ext uri="{386F3935-93C4-4BCD-93E2-E3B085C9AB24}">
-                <p16:designElem xmlns:p16="http://schemas.microsoft.com/office/powerpoint/2015/main" val="1"/>
-              </p:ext>
-            </p:extLst>
-          </p:nvPr>
-        </p:nvCxnSpPr>
-        <p:spPr>
-          <a:xfrm>
-            <a:off x="3810700" y="2115117"/>
-            <a:ext cx="4732020" cy="0"/>
-          </a:xfrm>
-          <a:prstGeom prst="line">
-            <a:avLst/>
-          </a:prstGeom>
-          <a:ln w="19050">
-            <a:solidFill>
-              <a:srgbClr val="5C8BBB"/>
-            </a:solidFill>
-          </a:ln>
-        </p:spPr>
-        <p:style>
-          <a:lnRef idx="1">
-            <a:schemeClr val="accent1"/>
-          </a:lnRef>
-          <a:fillRef idx="0">
-            <a:schemeClr val="accent1"/>
-          </a:fillRef>
-          <a:effectRef idx="0">
-            <a:schemeClr val="accent1"/>
-          </a:effectRef>
-          <a:fontRef idx="minor">
-            <a:schemeClr val="tx1"/>
-          </a:fontRef>
-        </p:style>
-      </p:cxnSp>
-    </p:spTree>
-    <p:extLst>
-      <p:ext uri="{BB962C8B-B14F-4D97-AF65-F5344CB8AC3E}">
-        <p14:creationId xmlns:p14="http://schemas.microsoft.com/office/powerpoint/2010/main" val="1068800212"/>
-      </p:ext>
-    </p:extLst>
-  </p:cSld>
-  <p:clrMapOvr>
-    <a:masterClrMapping/>
-  </p:clrMapOvr>
-</p:sld>
-</file>
-
-<file path=ppt/slides/slide20.xml><?xml version="1.0" encoding="utf-8"?>
+<file path=ppt/slides/slide21.xml><?xml version="1.0" encoding="utf-8"?>
 <p:sld xmlns:a="http://schemas.openxmlformats.org/drawingml/2006/main" xmlns:r="http://schemas.openxmlformats.org/officeDocument/2006/relationships" xmlns:p="http://schemas.openxmlformats.org/presentationml/2006/main">
   <p:cSld>
     <p:spTree>
@@ -10610,6 +11078,20 @@
             <a:avLst/>
           </a:prstGeom>
         </p:spPr>
+        <p:style>
+          <a:lnRef idx="2">
+            <a:schemeClr val="accent2"/>
+          </a:lnRef>
+          <a:fillRef idx="1">
+            <a:schemeClr val="lt1"/>
+          </a:fillRef>
+          <a:effectRef idx="0">
+            <a:schemeClr val="accent2"/>
+          </a:effectRef>
+          <a:fontRef idx="minor">
+            <a:schemeClr val="dk1"/>
+          </a:fontRef>
+        </p:style>
       </p:pic>
       <p:sp>
         <p:nvSpPr>
@@ -10762,12 +11244,9 @@
           <a:p>
             <a:r>
               <a:rPr lang="en-US" b="1" dirty="0"/>
-              <a:t>=minimax search + pruning</a:t>
-            </a:r>
-            <a:r>
-              <a:rPr lang="en-US" dirty="0"/>
-              <a:t>.</a:t>
-            </a:r>
+              <a:t>= minimax search + pruning</a:t>
+            </a:r>
+            <a:endParaRPr lang="en-US" dirty="0"/>
           </a:p>
         </p:txBody>
       </p:sp>
@@ -10785,8 +11264,8 @@
         </p:nvSpPr>
         <p:spPr>
           <a:xfrm>
-            <a:off x="6019800" y="4724400"/>
-            <a:ext cx="2928976" cy="2031325"/>
+            <a:off x="7086600" y="3443279"/>
+            <a:ext cx="1862176" cy="3077766"/>
           </a:xfrm>
           <a:prstGeom prst="rect">
             <a:avLst/>
@@ -10814,24 +11293,38 @@
           <a:p>
             <a:r>
               <a:rPr lang="en-US" b="1" dirty="0"/>
-              <a:t>Note</a:t>
+              <a:t>Notes</a:t>
             </a:r>
             <a:r>
               <a:rPr lang="en-US" dirty="0"/>
-              <a:t>: Pruning can be made more effective by </a:t>
-            </a:r>
-            <a:r>
-              <a:rPr lang="en-US" b="1" dirty="0"/>
+              <a:t>: </a:t>
+            </a:r>
+          </a:p>
+          <a:p>
+            <a:pPr marL="285750" indent="-285750">
+              <a:buFont typeface="Arial" panose="020B0604020202020204" pitchFamily="34" charset="0"/>
+              <a:buChar char="•"/>
+            </a:pPr>
+            <a:r>
+              <a:rPr lang="en-US" sz="1600" dirty="0"/>
+              <a:t>Pruning can be made more effective by </a:t>
+            </a:r>
+            <a:r>
+              <a:rPr lang="en-US" sz="1600" b="1" dirty="0"/>
               <a:t>move ordering</a:t>
             </a:r>
             <a:r>
-              <a:rPr lang="en-US" dirty="0"/>
+              <a:rPr lang="en-US" sz="1600" dirty="0"/>
               <a:t>: Check known good moves first to get a good bound early.</a:t>
             </a:r>
           </a:p>
           <a:p>
-            <a:r>
-              <a:rPr lang="en-US" dirty="0"/>
+            <a:pPr marL="285750" indent="-285750">
+              <a:buFont typeface="Arial" panose="020B0604020202020204" pitchFamily="34" charset="0"/>
+              <a:buChar char="•"/>
+            </a:pPr>
+            <a:r>
+              <a:rPr lang="en-US" sz="1600" dirty="0"/>
               <a:t>Optimal decision algorithms still scale poorly!</a:t>
             </a:r>
           </a:p>
@@ -10850,7 +11343,7 @@
 </p:sld>
 </file>
 
-<file path=ppt/slides/slide21.xml><?xml version="1.0" encoding="utf-8"?>
+<file path=ppt/slides/slide22.xml><?xml version="1.0" encoding="utf-8"?>
 <p:sld xmlns:a="http://schemas.openxmlformats.org/drawingml/2006/main" xmlns:r="http://schemas.openxmlformats.org/officeDocument/2006/relationships" xmlns:p="http://schemas.openxmlformats.org/presentationml/2006/main">
   <p:cSld>
     <p:bg>
@@ -11078,7 +11571,7 @@
 </p:sld>
 </file>
 
-<file path=ppt/slides/slide22.xml><?xml version="1.0" encoding="utf-8"?>
+<file path=ppt/slides/slide23.xml><?xml version="1.0" encoding="utf-8"?>
 <p:sld xmlns:a="http://schemas.openxmlformats.org/drawingml/2006/main" xmlns:r="http://schemas.openxmlformats.org/officeDocument/2006/relationships" xmlns:p="http://schemas.openxmlformats.org/presentationml/2006/main">
   <p:cSld>
     <p:bg>
@@ -11615,7 +12108,7 @@
             </a:br>
             <a:r>
               <a:rPr lang="en-US" sz="1600" dirty="0"/>
-              <a:t>(state space is too large)</a:t>
+              <a:t>(game tree is too large)</a:t>
             </a:r>
           </a:p>
           <a:p>
@@ -11635,7 +12128,7 @@
             </a:pPr>
             <a:r>
               <a:rPr lang="en-US" sz="1600" dirty="0"/>
-              <a:t>Cut off search tree and use heuristic for utility. </a:t>
+              <a:t>Cut off game tree and use heuristic for utility. </a:t>
             </a:r>
           </a:p>
           <a:p>
@@ -11688,7 +12181,7 @@
 </p:sld>
 </file>
 
-<file path=ppt/slides/slide23.xml><?xml version="1.0" encoding="utf-8"?>
+<file path=ppt/slides/slide24.xml><?xml version="1.0" encoding="utf-8"?>
 <p:sld xmlns:a="http://schemas.openxmlformats.org/drawingml/2006/main" xmlns:r="http://schemas.openxmlformats.org/officeDocument/2006/relationships" xmlns:p="http://schemas.openxmlformats.org/presentationml/2006/main">
   <p:cSld>
     <p:spTree>
@@ -11754,7 +12247,7 @@
             <p:spPr/>
             <p:txBody>
               <a:bodyPr>
-                <a:normAutofit fontScale="92500" lnSpcReduction="20000"/>
+                <a:normAutofit fontScale="85000" lnSpcReduction="20000"/>
               </a:bodyPr>
               <a:lstStyle/>
               <a:p>
@@ -11763,7 +12256,7 @@
                 </a:pPr>
                 <a:r>
                   <a:rPr lang="en-US" dirty="0"/>
-                  <a:t>Stop search in a state before the terminal node is reached. Use a heuristic evaluation function </a:t>
+                  <a:t>Stop search at a node before the terminal node is reached. Use a heuristic evaluation function </a:t>
                 </a:r>
                 <a14:m>
                   <m:oMath xmlns:m="http://schemas.openxmlformats.org/officeDocument/2006/math">
@@ -11794,7 +12287,7 @@
                 </a14:m>
                 <a:r>
                   <a:rPr lang="en-US" dirty="0"/>
-                  <a:t> to approximate the utility for that state. </a:t>
+                  <a:t> to approximate the utility for that node/state. </a:t>
                 </a:r>
                 <a:br>
                   <a:rPr lang="en-US" dirty="0"/>
@@ -12255,7 +12748,7 @@
                 </a14:m>
                 <a:r>
                   <a:rPr lang="en-US" sz="2400" dirty="0"/>
-                  <a:t>is a feature of the state.</a:t>
+                  <a:t>is a feature of the state (e.g., # of pieces captured in chess).</a:t>
                 </a:r>
               </a:p>
               <a:p>
@@ -12295,7 +12788,7 @@
               <a:blipFill>
                 <a:blip r:embed="rId2"/>
                 <a:stretch>
-                  <a:fillRect l="-1391" t="-3501" b="-1261"/>
+                  <a:fillRect l="-1159" t="-3221" r="-1159"/>
                 </a:stretch>
               </a:blipFill>
             </p:spPr>
@@ -12327,7 +12820,7 @@
 </p:sld>
 </file>
 
-<file path=ppt/slides/slide24.xml><?xml version="1.0" encoding="utf-8"?>
+<file path=ppt/slides/slide25.xml><?xml version="1.0" encoding="utf-8"?>
 <p:sld xmlns:a="http://schemas.openxmlformats.org/drawingml/2006/main" xmlns:r="http://schemas.openxmlformats.org/officeDocument/2006/relationships" xmlns:p="http://schemas.openxmlformats.org/presentationml/2006/main">
   <p:cSld>
     <p:spTree>
@@ -12697,7 +13190,7 @@
                   <a:srgbClr val="FF0000"/>
                 </a:solidFill>
               </a:rPr>
-              <a:t>Eval = heuristic to estimate of the minimax value/ utility of the state.</a:t>
+              <a:t>Eval = heuristic to estimate of the minimax value/utility of the state.</a:t>
             </a:r>
             <a:endParaRPr lang="en-US" dirty="0"/>
           </a:p>
@@ -13330,160 +13823,185 @@
           </a:p>
         </p:txBody>
       </p:sp>
+      <p:sp>
+        <p:nvSpPr>
+          <p:cNvPr id="3" name="TextBox 2">
+            <a:extLst>
+              <a:ext uri="{FF2B5EF4-FFF2-40B4-BE49-F238E27FC236}">
+                <a16:creationId xmlns:a16="http://schemas.microsoft.com/office/drawing/2014/main" id="{E40CBF41-0CC1-482A-B6F1-CD7079A0C405}"/>
+              </a:ext>
+            </a:extLst>
+          </p:cNvPr>
+          <p:cNvSpPr txBox="1"/>
+          <p:nvPr/>
+        </p:nvSpPr>
+        <p:spPr>
+          <a:xfrm>
+            <a:off x="731861" y="2724615"/>
+            <a:ext cx="301686" cy="369332"/>
+          </a:xfrm>
+          <a:prstGeom prst="rect">
+            <a:avLst/>
+          </a:prstGeom>
+          <a:noFill/>
+        </p:spPr>
+        <p:txBody>
+          <a:bodyPr wrap="none" rtlCol="0">
+            <a:spAutoFit/>
+          </a:bodyPr>
+          <a:lstStyle/>
+          <a:p>
+            <a:r>
+              <a:rPr lang="en-US" dirty="0"/>
+              <a:t>1</a:t>
+            </a:r>
+          </a:p>
+        </p:txBody>
+      </p:sp>
+      <p:sp>
+        <p:nvSpPr>
+          <p:cNvPr id="31" name="TextBox 30">
+            <a:extLst>
+              <a:ext uri="{FF2B5EF4-FFF2-40B4-BE49-F238E27FC236}">
+                <a16:creationId xmlns:a16="http://schemas.microsoft.com/office/drawing/2014/main" id="{5586ADA7-DF86-4108-9030-3D95B77559BF}"/>
+              </a:ext>
+            </a:extLst>
+          </p:cNvPr>
+          <p:cNvSpPr txBox="1"/>
+          <p:nvPr/>
+        </p:nvSpPr>
+        <p:spPr>
+          <a:xfrm>
+            <a:off x="728577" y="3577780"/>
+            <a:ext cx="301686" cy="369332"/>
+          </a:xfrm>
+          <a:prstGeom prst="rect">
+            <a:avLst/>
+          </a:prstGeom>
+          <a:noFill/>
+        </p:spPr>
+        <p:txBody>
+          <a:bodyPr wrap="none" rtlCol="0">
+            <a:spAutoFit/>
+          </a:bodyPr>
+          <a:lstStyle/>
+          <a:p>
+            <a:r>
+              <a:rPr lang="en-US" dirty="0"/>
+              <a:t>2</a:t>
+            </a:r>
+          </a:p>
+        </p:txBody>
+      </p:sp>
+      <p:sp>
+        <p:nvSpPr>
+          <p:cNvPr id="33" name="TextBox 32">
+            <a:extLst>
+              <a:ext uri="{FF2B5EF4-FFF2-40B4-BE49-F238E27FC236}">
+                <a16:creationId xmlns:a16="http://schemas.microsoft.com/office/drawing/2014/main" id="{4FF2C1FE-2B3E-4EE2-AC9C-048BC4D36B11}"/>
+              </a:ext>
+            </a:extLst>
+          </p:cNvPr>
+          <p:cNvSpPr txBox="1"/>
+          <p:nvPr/>
+        </p:nvSpPr>
+        <p:spPr>
+          <a:xfrm>
+            <a:off x="728577" y="4374996"/>
+            <a:ext cx="301686" cy="369332"/>
+          </a:xfrm>
+          <a:prstGeom prst="rect">
+            <a:avLst/>
+          </a:prstGeom>
+          <a:noFill/>
+        </p:spPr>
+        <p:txBody>
+          <a:bodyPr wrap="none" rtlCol="0">
+            <a:spAutoFit/>
+          </a:bodyPr>
+          <a:lstStyle/>
+          <a:p>
+            <a:r>
+              <a:rPr lang="en-US" dirty="0"/>
+              <a:t>3</a:t>
+            </a:r>
+          </a:p>
+        </p:txBody>
+      </p:sp>
+      <p:sp>
+        <p:nvSpPr>
+          <p:cNvPr id="34" name="TextBox 33">
+            <a:extLst>
+              <a:ext uri="{FF2B5EF4-FFF2-40B4-BE49-F238E27FC236}">
+                <a16:creationId xmlns:a16="http://schemas.microsoft.com/office/drawing/2014/main" id="{94A810CC-EB23-4015-BD97-84DE0DC9055E}"/>
+              </a:ext>
+            </a:extLst>
+          </p:cNvPr>
+          <p:cNvSpPr txBox="1"/>
+          <p:nvPr/>
+        </p:nvSpPr>
+        <p:spPr>
+          <a:xfrm>
+            <a:off x="504605" y="1473576"/>
+            <a:ext cx="749629" cy="369332"/>
+          </a:xfrm>
+          <a:prstGeom prst="rect">
+            <a:avLst/>
+          </a:prstGeom>
+          <a:noFill/>
+        </p:spPr>
+        <p:txBody>
+          <a:bodyPr wrap="none" rtlCol="0">
+            <a:spAutoFit/>
+          </a:bodyPr>
+          <a:lstStyle/>
+          <a:p>
+            <a:r>
+              <a:rPr lang="en-US" dirty="0"/>
+              <a:t>depth</a:t>
+            </a:r>
+          </a:p>
+        </p:txBody>
+      </p:sp>
+      <p:sp>
+        <p:nvSpPr>
+          <p:cNvPr id="35" name="TextBox 34">
+            <a:extLst>
+              <a:ext uri="{FF2B5EF4-FFF2-40B4-BE49-F238E27FC236}">
+                <a16:creationId xmlns:a16="http://schemas.microsoft.com/office/drawing/2014/main" id="{19D49B5D-BE90-4983-85E6-8C78DFC3E830}"/>
+              </a:ext>
+            </a:extLst>
+          </p:cNvPr>
+          <p:cNvSpPr txBox="1"/>
+          <p:nvPr/>
+        </p:nvSpPr>
+        <p:spPr>
+          <a:xfrm>
+            <a:off x="741196" y="1850929"/>
+            <a:ext cx="301686" cy="369332"/>
+          </a:xfrm>
+          <a:prstGeom prst="rect">
+            <a:avLst/>
+          </a:prstGeom>
+          <a:noFill/>
+        </p:spPr>
+        <p:txBody>
+          <a:bodyPr wrap="none" rtlCol="0">
+            <a:spAutoFit/>
+          </a:bodyPr>
+          <a:lstStyle/>
+          <a:p>
+            <a:r>
+              <a:rPr lang="en-US" dirty="0"/>
+              <a:t>0</a:t>
+            </a:r>
+          </a:p>
+        </p:txBody>
+      </p:sp>
     </p:spTree>
     <p:extLst>
       <p:ext uri="{BB962C8B-B14F-4D97-AF65-F5344CB8AC3E}">
         <p14:creationId xmlns:p14="http://schemas.microsoft.com/office/powerpoint/2010/main" val="688209942"/>
-      </p:ext>
-    </p:extLst>
-  </p:cSld>
-  <p:clrMapOvr>
-    <a:masterClrMapping/>
-  </p:clrMapOvr>
-</p:sld>
-</file>
-
-<file path=ppt/slides/slide25.xml><?xml version="1.0" encoding="utf-8"?>
-<p:sld xmlns:a="http://schemas.openxmlformats.org/drawingml/2006/main" xmlns:r="http://schemas.openxmlformats.org/officeDocument/2006/relationships" xmlns:p="http://schemas.openxmlformats.org/presentationml/2006/main">
-  <p:cSld>
-    <p:spTree>
-      <p:nvGrpSpPr>
-        <p:cNvPr id="1" name=""/>
-        <p:cNvGrpSpPr/>
-        <p:nvPr/>
-      </p:nvGrpSpPr>
-      <p:grpSpPr>
-        <a:xfrm>
-          <a:off x="0" y="0"/>
-          <a:ext cx="0" cy="0"/>
-          <a:chOff x="0" y="0"/>
-          <a:chExt cx="0" cy="0"/>
-        </a:xfrm>
-      </p:grpSpPr>
-      <p:sp>
-        <p:nvSpPr>
-          <p:cNvPr id="4" name="Title 3">
-            <a:extLst>
-              <a:ext uri="{FF2B5EF4-FFF2-40B4-BE49-F238E27FC236}">
-                <a16:creationId xmlns:a16="http://schemas.microsoft.com/office/drawing/2014/main" id="{88FA1E8F-C7CE-4612-AADE-D5EE0193870F}"/>
-              </a:ext>
-            </a:extLst>
-          </p:cNvPr>
-          <p:cNvSpPr>
-            <a:spLocks noGrp="1"/>
-          </p:cNvSpPr>
-          <p:nvPr>
-            <p:ph type="title"/>
-          </p:nvPr>
-        </p:nvSpPr>
-        <p:spPr/>
-        <p:txBody>
-          <a:bodyPr/>
-          <a:lstStyle/>
-          <a:p>
-            <a:r>
-              <a:rPr lang="en-US" dirty="0"/>
-              <a:t>Idea: Forward pruning</a:t>
-            </a:r>
-          </a:p>
-        </p:txBody>
-      </p:sp>
-      <p:sp>
-        <p:nvSpPr>
-          <p:cNvPr id="5" name="Content Placeholder 4">
-            <a:extLst>
-              <a:ext uri="{FF2B5EF4-FFF2-40B4-BE49-F238E27FC236}">
-                <a16:creationId xmlns:a16="http://schemas.microsoft.com/office/drawing/2014/main" id="{72E9FF16-3582-40D1-A77B-69BFE9567D61}"/>
-              </a:ext>
-            </a:extLst>
-          </p:cNvPr>
-          <p:cNvSpPr>
-            <a:spLocks noGrp="1"/>
-          </p:cNvSpPr>
-          <p:nvPr>
-            <p:ph idx="1"/>
-          </p:nvPr>
-        </p:nvSpPr>
-        <p:spPr/>
-        <p:txBody>
-          <a:bodyPr>
-            <a:normAutofit fontScale="92500" lnSpcReduction="10000"/>
-          </a:bodyPr>
-          <a:lstStyle/>
-          <a:p>
-            <a:pPr marL="514350" indent="-514350">
-              <a:buFont typeface="+mj-lt"/>
-              <a:buAutoNum type="alphaLcPeriod"/>
-            </a:pPr>
-            <a:endParaRPr lang="en-US" b="1" dirty="0"/>
-          </a:p>
-          <a:p>
-            <a:pPr marL="0" indent="0">
-              <a:buNone/>
-            </a:pPr>
-            <a:r>
-              <a:rPr lang="en-US" dirty="0"/>
-              <a:t>Prune moves that appear poor. Poor can be evaluated in several ways:</a:t>
-            </a:r>
-          </a:p>
-          <a:p>
-            <a:r>
-              <a:rPr lang="en-US" dirty="0"/>
-              <a:t>Low evaluation value after shallow search.</a:t>
-            </a:r>
-          </a:p>
-          <a:p>
-            <a:r>
-              <a:rPr lang="en-US" dirty="0"/>
-              <a:t>Past experience.</a:t>
-            </a:r>
-          </a:p>
-          <a:p>
-            <a:pPr marL="0" indent="0">
-              <a:buNone/>
-            </a:pPr>
-            <a:endParaRPr lang="en-US" dirty="0"/>
-          </a:p>
-          <a:p>
-            <a:pPr marL="0" indent="0">
-              <a:buNone/>
-            </a:pPr>
-            <a:endParaRPr lang="en-US" dirty="0"/>
-          </a:p>
-          <a:p>
-            <a:pPr marL="0" indent="0">
-              <a:buNone/>
-            </a:pPr>
-            <a:endParaRPr lang="en-US" dirty="0"/>
-          </a:p>
-          <a:p>
-            <a:pPr marL="0" indent="0">
-              <a:buNone/>
-            </a:pPr>
-            <a:br>
-              <a:rPr lang="en-US" dirty="0"/>
-            </a:br>
-            <a:r>
-              <a:rPr lang="en-US" b="1" dirty="0"/>
-              <a:t>Issue</a:t>
-            </a:r>
-            <a:r>
-              <a:rPr lang="en-US" dirty="0"/>
-              <a:t>: May prune important moves.</a:t>
-            </a:r>
-          </a:p>
-          <a:p>
-            <a:endParaRPr lang="en-US" dirty="0"/>
-          </a:p>
-          <a:p>
-            <a:endParaRPr lang="en-US" dirty="0"/>
-          </a:p>
-        </p:txBody>
-      </p:sp>
-    </p:spTree>
-    <p:extLst>
-      <p:ext uri="{BB962C8B-B14F-4D97-AF65-F5344CB8AC3E}">
-        <p14:creationId xmlns:p14="http://schemas.microsoft.com/office/powerpoint/2010/main" val="3779540540"/>
       </p:ext>
     </p:extLst>
   </p:cSld>
@@ -13512,6 +14030,162 @@
       </p:grpSpPr>
       <p:sp>
         <p:nvSpPr>
+          <p:cNvPr id="4" name="Title 3">
+            <a:extLst>
+              <a:ext uri="{FF2B5EF4-FFF2-40B4-BE49-F238E27FC236}">
+                <a16:creationId xmlns:a16="http://schemas.microsoft.com/office/drawing/2014/main" id="{88FA1E8F-C7CE-4612-AADE-D5EE0193870F}"/>
+              </a:ext>
+            </a:extLst>
+          </p:cNvPr>
+          <p:cNvSpPr>
+            <a:spLocks noGrp="1"/>
+          </p:cNvSpPr>
+          <p:nvPr>
+            <p:ph type="title"/>
+          </p:nvPr>
+        </p:nvSpPr>
+        <p:spPr/>
+        <p:txBody>
+          <a:bodyPr/>
+          <a:lstStyle/>
+          <a:p>
+            <a:r>
+              <a:rPr lang="en-US" dirty="0"/>
+              <a:t>Idea: Forward pruning</a:t>
+            </a:r>
+          </a:p>
+        </p:txBody>
+      </p:sp>
+      <p:sp>
+        <p:nvSpPr>
+          <p:cNvPr id="5" name="Content Placeholder 4">
+            <a:extLst>
+              <a:ext uri="{FF2B5EF4-FFF2-40B4-BE49-F238E27FC236}">
+                <a16:creationId xmlns:a16="http://schemas.microsoft.com/office/drawing/2014/main" id="{72E9FF16-3582-40D1-A77B-69BFE9567D61}"/>
+              </a:ext>
+            </a:extLst>
+          </p:cNvPr>
+          <p:cNvSpPr>
+            <a:spLocks noGrp="1"/>
+          </p:cNvSpPr>
+          <p:nvPr>
+            <p:ph idx="1"/>
+          </p:nvPr>
+        </p:nvSpPr>
+        <p:spPr/>
+        <p:txBody>
+          <a:bodyPr>
+            <a:normAutofit fontScale="92500" lnSpcReduction="20000"/>
+          </a:bodyPr>
+          <a:lstStyle/>
+          <a:p>
+            <a:pPr marL="514350" indent="-514350">
+              <a:buFont typeface="+mj-lt"/>
+              <a:buAutoNum type="alphaLcPeriod"/>
+            </a:pPr>
+            <a:endParaRPr lang="en-US" b="1" dirty="0"/>
+          </a:p>
+          <a:p>
+            <a:pPr marL="0" indent="0">
+              <a:buNone/>
+            </a:pPr>
+            <a:r>
+              <a:rPr lang="en-US" dirty="0"/>
+              <a:t>Prune moves that appear poor. Poor can be evaluated in several ways:</a:t>
+            </a:r>
+          </a:p>
+          <a:p>
+            <a:pPr marL="0" indent="0">
+              <a:buNone/>
+            </a:pPr>
+            <a:endParaRPr lang="en-US" dirty="0"/>
+          </a:p>
+          <a:p>
+            <a:r>
+              <a:rPr lang="en-US" dirty="0"/>
+              <a:t>Low evaluation value after shallow search.</a:t>
+            </a:r>
+          </a:p>
+          <a:p>
+            <a:r>
+              <a:rPr lang="en-US" dirty="0"/>
+              <a:t>Past experience.</a:t>
+            </a:r>
+          </a:p>
+          <a:p>
+            <a:pPr marL="0" indent="0">
+              <a:buNone/>
+            </a:pPr>
+            <a:endParaRPr lang="en-US" dirty="0"/>
+          </a:p>
+          <a:p>
+            <a:pPr marL="0" indent="0">
+              <a:buNone/>
+            </a:pPr>
+            <a:endParaRPr lang="en-US" dirty="0"/>
+          </a:p>
+          <a:p>
+            <a:pPr marL="0" indent="0">
+              <a:buNone/>
+            </a:pPr>
+            <a:endParaRPr lang="en-US" dirty="0"/>
+          </a:p>
+          <a:p>
+            <a:pPr marL="0" indent="0">
+              <a:buNone/>
+            </a:pPr>
+            <a:br>
+              <a:rPr lang="en-US" dirty="0"/>
+            </a:br>
+            <a:r>
+              <a:rPr lang="en-US" b="1" dirty="0"/>
+              <a:t>Issue</a:t>
+            </a:r>
+            <a:r>
+              <a:rPr lang="en-US" dirty="0"/>
+              <a:t>: May prune important moves.</a:t>
+            </a:r>
+          </a:p>
+          <a:p>
+            <a:endParaRPr lang="en-US" dirty="0"/>
+          </a:p>
+          <a:p>
+            <a:endParaRPr lang="en-US" dirty="0"/>
+          </a:p>
+        </p:txBody>
+      </p:sp>
+    </p:spTree>
+    <p:extLst>
+      <p:ext uri="{BB962C8B-B14F-4D97-AF65-F5344CB8AC3E}">
+        <p14:creationId xmlns:p14="http://schemas.microsoft.com/office/powerpoint/2010/main" val="3779540540"/>
+      </p:ext>
+    </p:extLst>
+  </p:cSld>
+  <p:clrMapOvr>
+    <a:masterClrMapping/>
+  </p:clrMapOvr>
+</p:sld>
+</file>
+
+<file path=ppt/slides/slide27.xml><?xml version="1.0" encoding="utf-8"?>
+<p:sld xmlns:a="http://schemas.openxmlformats.org/drawingml/2006/main" xmlns:r="http://schemas.openxmlformats.org/officeDocument/2006/relationships" xmlns:p="http://schemas.openxmlformats.org/presentationml/2006/main">
+  <p:cSld>
+    <p:spTree>
+      <p:nvGrpSpPr>
+        <p:cNvPr id="1" name=""/>
+        <p:cNvGrpSpPr/>
+        <p:nvPr/>
+      </p:nvGrpSpPr>
+      <p:grpSpPr>
+        <a:xfrm>
+          <a:off x="0" y="0"/>
+          <a:ext cx="0" cy="0"/>
+          <a:chOff x="0" y="0"/>
+          <a:chExt cx="0" cy="0"/>
+        </a:xfrm>
+      </p:grpSpPr>
+      <p:sp>
+        <p:nvSpPr>
           <p:cNvPr id="2" name="Title 1">
             <a:extLst>
               <a:ext uri="{FF2B5EF4-FFF2-40B4-BE49-F238E27FC236}">
@@ -13575,171 +14249,6 @@
           </a:prstGeom>
         </p:spPr>
       </p:pic>
-      <p:cxnSp>
-        <p:nvCxnSpPr>
-          <p:cNvPr id="5" name="Straight Connector 4">
-            <a:extLst>
-              <a:ext uri="{FF2B5EF4-FFF2-40B4-BE49-F238E27FC236}">
-                <a16:creationId xmlns:a16="http://schemas.microsoft.com/office/drawing/2014/main" id="{15481C51-76E6-4579-AC5D-C606AE5CFD6A}"/>
-              </a:ext>
-            </a:extLst>
-          </p:cNvPr>
-          <p:cNvCxnSpPr/>
-          <p:nvPr/>
-        </p:nvCxnSpPr>
-        <p:spPr>
-          <a:xfrm>
-            <a:off x="762000" y="4114800"/>
-            <a:ext cx="7315200" cy="0"/>
-          </a:xfrm>
-          <a:prstGeom prst="line">
-            <a:avLst/>
-          </a:prstGeom>
-          <a:ln w="28575">
-            <a:solidFill>
-              <a:srgbClr val="FF0000"/>
-            </a:solidFill>
-            <a:prstDash val="dash"/>
-          </a:ln>
-        </p:spPr>
-        <p:style>
-          <a:lnRef idx="1">
-            <a:schemeClr val="accent1"/>
-          </a:lnRef>
-          <a:fillRef idx="0">
-            <a:schemeClr val="accent1"/>
-          </a:fillRef>
-          <a:effectRef idx="0">
-            <a:schemeClr val="accent1"/>
-          </a:effectRef>
-          <a:fontRef idx="minor">
-            <a:schemeClr val="tx1"/>
-          </a:fontRef>
-        </p:style>
-      </p:cxnSp>
-      <p:sp>
-        <p:nvSpPr>
-          <p:cNvPr id="10" name="TextBox 9">
-            <a:extLst>
-              <a:ext uri="{FF2B5EF4-FFF2-40B4-BE49-F238E27FC236}">
-                <a16:creationId xmlns:a16="http://schemas.microsoft.com/office/drawing/2014/main" id="{EB1D654E-0FE0-49EF-B360-842F865DCE58}"/>
-              </a:ext>
-            </a:extLst>
-          </p:cNvPr>
-          <p:cNvSpPr txBox="1"/>
-          <p:nvPr/>
-        </p:nvSpPr>
-        <p:spPr>
-          <a:xfrm>
-            <a:off x="1905000" y="3593249"/>
-            <a:ext cx="695324" cy="369332"/>
-          </a:xfrm>
-          <a:prstGeom prst="rect">
-            <a:avLst/>
-          </a:prstGeom>
-          <a:noFill/>
-        </p:spPr>
-        <p:txBody>
-          <a:bodyPr wrap="square">
-            <a:spAutoFit/>
-          </a:bodyPr>
-          <a:lstStyle/>
-          <a:p>
-            <a:pPr algn="ctr"/>
-            <a:r>
-              <a:rPr lang="en-US" b="1" dirty="0">
-                <a:solidFill>
-                  <a:srgbClr val="FF0000"/>
-                </a:solidFill>
-              </a:rPr>
-              <a:t>Eval</a:t>
-            </a:r>
-            <a:endParaRPr lang="en-US" dirty="0"/>
-          </a:p>
-        </p:txBody>
-      </p:sp>
-      <p:sp>
-        <p:nvSpPr>
-          <p:cNvPr id="11" name="TextBox 10">
-            <a:extLst>
-              <a:ext uri="{FF2B5EF4-FFF2-40B4-BE49-F238E27FC236}">
-                <a16:creationId xmlns:a16="http://schemas.microsoft.com/office/drawing/2014/main" id="{9C4C2AE2-BD95-48AF-804E-D28124CFED4E}"/>
-              </a:ext>
-            </a:extLst>
-          </p:cNvPr>
-          <p:cNvSpPr txBox="1"/>
-          <p:nvPr/>
-        </p:nvSpPr>
-        <p:spPr>
-          <a:xfrm>
-            <a:off x="2577012" y="3585228"/>
-            <a:ext cx="695324" cy="369332"/>
-          </a:xfrm>
-          <a:prstGeom prst="rect">
-            <a:avLst/>
-          </a:prstGeom>
-          <a:noFill/>
-        </p:spPr>
-        <p:txBody>
-          <a:bodyPr wrap="square">
-            <a:spAutoFit/>
-          </a:bodyPr>
-          <a:lstStyle/>
-          <a:p>
-            <a:pPr algn="ctr"/>
-            <a:r>
-              <a:rPr lang="en-US" b="1" dirty="0">
-                <a:solidFill>
-                  <a:srgbClr val="FF0000"/>
-                </a:solidFill>
-              </a:rPr>
-              <a:t>Eval</a:t>
-            </a:r>
-            <a:endParaRPr lang="en-US" dirty="0"/>
-          </a:p>
-        </p:txBody>
-      </p:sp>
-      <p:sp>
-        <p:nvSpPr>
-          <p:cNvPr id="12" name="TextBox 11">
-            <a:extLst>
-              <a:ext uri="{FF2B5EF4-FFF2-40B4-BE49-F238E27FC236}">
-                <a16:creationId xmlns:a16="http://schemas.microsoft.com/office/drawing/2014/main" id="{DE8805C0-F235-49E5-9491-7516C5F95B0B}"/>
-              </a:ext>
-            </a:extLst>
-          </p:cNvPr>
-          <p:cNvSpPr txBox="1"/>
-          <p:nvPr/>
-        </p:nvSpPr>
-        <p:spPr>
-          <a:xfrm>
-            <a:off x="3249024" y="3577207"/>
-            <a:ext cx="695324" cy="369332"/>
-          </a:xfrm>
-          <a:prstGeom prst="rect">
-            <a:avLst/>
-          </a:prstGeom>
-          <a:noFill/>
-        </p:spPr>
-        <p:txBody>
-          <a:bodyPr wrap="square">
-            <a:spAutoFit/>
-          </a:bodyPr>
-          <a:lstStyle/>
-          <a:p>
-            <a:pPr algn="ctr"/>
-            <a:r>
-              <a:rPr lang="en-US" b="1" dirty="0">
-                <a:solidFill>
-                  <a:srgbClr val="FF0000"/>
-                </a:solidFill>
-              </a:rPr>
-              <a:t>Eval</a:t>
-            </a:r>
-            <a:endParaRPr lang="en-US" dirty="0"/>
-          </a:p>
-        </p:txBody>
-      </p:sp>
       <p:cxnSp>
         <p:nvCxnSpPr>
           <p:cNvPr id="13" name="Straight Connector 12">
@@ -13869,12 +14378,537 @@
           </a:p>
         </p:txBody>
       </p:sp>
+      <p:sp>
+        <p:nvSpPr>
+          <p:cNvPr id="3" name="TextBox 2">
+            <a:extLst>
+              <a:ext uri="{FF2B5EF4-FFF2-40B4-BE49-F238E27FC236}">
+                <a16:creationId xmlns:a16="http://schemas.microsoft.com/office/drawing/2014/main" id="{AE1564EC-32F0-4BD3-BD2F-944D3383E766}"/>
+              </a:ext>
+            </a:extLst>
+          </p:cNvPr>
+          <p:cNvSpPr txBox="1"/>
+          <p:nvPr/>
+        </p:nvSpPr>
+        <p:spPr>
+          <a:xfrm>
+            <a:off x="3241686" y="2307098"/>
+            <a:ext cx="304800" cy="523220"/>
+          </a:xfrm>
+          <a:prstGeom prst="rect">
+            <a:avLst/>
+          </a:prstGeom>
+          <a:noFill/>
+        </p:spPr>
+        <p:txBody>
+          <a:bodyPr wrap="square" rtlCol="0">
+            <a:spAutoFit/>
+          </a:bodyPr>
+          <a:lstStyle/>
+          <a:p>
+            <a:r>
+              <a:rPr lang="en-US" sz="2800" b="1" dirty="0">
+                <a:solidFill>
+                  <a:srgbClr val="FF0000"/>
+                </a:solidFill>
+              </a:rPr>
+              <a:t>x</a:t>
+            </a:r>
+          </a:p>
+        </p:txBody>
+      </p:sp>
+      <p:sp>
+        <p:nvSpPr>
+          <p:cNvPr id="17" name="TextBox 16">
+            <a:extLst>
+              <a:ext uri="{FF2B5EF4-FFF2-40B4-BE49-F238E27FC236}">
+                <a16:creationId xmlns:a16="http://schemas.microsoft.com/office/drawing/2014/main" id="{59610883-F018-4BB0-90B3-1F4F8724FD38}"/>
+              </a:ext>
+            </a:extLst>
+          </p:cNvPr>
+          <p:cNvSpPr txBox="1"/>
+          <p:nvPr/>
+        </p:nvSpPr>
+        <p:spPr>
+          <a:xfrm>
+            <a:off x="2711053" y="2307098"/>
+            <a:ext cx="304800" cy="523220"/>
+          </a:xfrm>
+          <a:prstGeom prst="rect">
+            <a:avLst/>
+          </a:prstGeom>
+          <a:noFill/>
+        </p:spPr>
+        <p:txBody>
+          <a:bodyPr wrap="square" rtlCol="0">
+            <a:spAutoFit/>
+          </a:bodyPr>
+          <a:lstStyle/>
+          <a:p>
+            <a:r>
+              <a:rPr lang="en-US" sz="2800" b="1" dirty="0">
+                <a:solidFill>
+                  <a:srgbClr val="FF0000"/>
+                </a:solidFill>
+              </a:rPr>
+              <a:t>x</a:t>
+            </a:r>
+          </a:p>
+        </p:txBody>
+      </p:sp>
+      <p:sp>
+        <p:nvSpPr>
+          <p:cNvPr id="24" name="TextBox 23">
+            <a:extLst>
+              <a:ext uri="{FF2B5EF4-FFF2-40B4-BE49-F238E27FC236}">
+                <a16:creationId xmlns:a16="http://schemas.microsoft.com/office/drawing/2014/main" id="{473198B7-E442-4F64-AE84-4C6D11F80452}"/>
+              </a:ext>
+            </a:extLst>
+          </p:cNvPr>
+          <p:cNvSpPr txBox="1"/>
+          <p:nvPr/>
+        </p:nvSpPr>
+        <p:spPr>
+          <a:xfrm>
+            <a:off x="4343400" y="2255792"/>
+            <a:ext cx="304800" cy="523220"/>
+          </a:xfrm>
+          <a:prstGeom prst="rect">
+            <a:avLst/>
+          </a:prstGeom>
+          <a:noFill/>
+        </p:spPr>
+        <p:txBody>
+          <a:bodyPr wrap="square" rtlCol="0">
+            <a:spAutoFit/>
+          </a:bodyPr>
+          <a:lstStyle/>
+          <a:p>
+            <a:r>
+              <a:rPr lang="en-US" sz="2800" b="1" dirty="0">
+                <a:solidFill>
+                  <a:srgbClr val="FF0000"/>
+                </a:solidFill>
+              </a:rPr>
+              <a:t>x</a:t>
+            </a:r>
+          </a:p>
+        </p:txBody>
+      </p:sp>
+      <p:sp>
+        <p:nvSpPr>
+          <p:cNvPr id="25" name="TextBox 24">
+            <a:extLst>
+              <a:ext uri="{FF2B5EF4-FFF2-40B4-BE49-F238E27FC236}">
+                <a16:creationId xmlns:a16="http://schemas.microsoft.com/office/drawing/2014/main" id="{78DA649C-D279-4E9C-ADBC-54702561CD40}"/>
+              </a:ext>
+            </a:extLst>
+          </p:cNvPr>
+          <p:cNvSpPr txBox="1"/>
+          <p:nvPr/>
+        </p:nvSpPr>
+        <p:spPr>
+          <a:xfrm>
+            <a:off x="6805765" y="2300230"/>
+            <a:ext cx="304800" cy="523220"/>
+          </a:xfrm>
+          <a:prstGeom prst="rect">
+            <a:avLst/>
+          </a:prstGeom>
+          <a:noFill/>
+        </p:spPr>
+        <p:txBody>
+          <a:bodyPr wrap="square" rtlCol="0">
+            <a:spAutoFit/>
+          </a:bodyPr>
+          <a:lstStyle/>
+          <a:p>
+            <a:r>
+              <a:rPr lang="en-US" sz="2800" b="1" dirty="0">
+                <a:solidFill>
+                  <a:srgbClr val="FF0000"/>
+                </a:solidFill>
+              </a:rPr>
+              <a:t>x</a:t>
+            </a:r>
+          </a:p>
+        </p:txBody>
+      </p:sp>
+      <p:sp>
+        <p:nvSpPr>
+          <p:cNvPr id="26" name="TextBox 25">
+            <a:extLst>
+              <a:ext uri="{FF2B5EF4-FFF2-40B4-BE49-F238E27FC236}">
+                <a16:creationId xmlns:a16="http://schemas.microsoft.com/office/drawing/2014/main" id="{3414FB3B-3BFA-4891-8CD4-95C2E53A8768}"/>
+              </a:ext>
+            </a:extLst>
+          </p:cNvPr>
+          <p:cNvSpPr txBox="1"/>
+          <p:nvPr/>
+        </p:nvSpPr>
+        <p:spPr>
+          <a:xfrm>
+            <a:off x="6122732" y="2300230"/>
+            <a:ext cx="304800" cy="523220"/>
+          </a:xfrm>
+          <a:prstGeom prst="rect">
+            <a:avLst/>
+          </a:prstGeom>
+          <a:noFill/>
+        </p:spPr>
+        <p:txBody>
+          <a:bodyPr wrap="square" rtlCol="0">
+            <a:spAutoFit/>
+          </a:bodyPr>
+          <a:lstStyle/>
+          <a:p>
+            <a:r>
+              <a:rPr lang="en-US" sz="2800" b="1" dirty="0">
+                <a:solidFill>
+                  <a:srgbClr val="FF0000"/>
+                </a:solidFill>
+              </a:rPr>
+              <a:t>x</a:t>
+            </a:r>
+          </a:p>
+        </p:txBody>
+      </p:sp>
+      <p:sp>
+        <p:nvSpPr>
+          <p:cNvPr id="27" name="TextBox 26">
+            <a:extLst>
+              <a:ext uri="{FF2B5EF4-FFF2-40B4-BE49-F238E27FC236}">
+                <a16:creationId xmlns:a16="http://schemas.microsoft.com/office/drawing/2014/main" id="{EEA76646-E2A1-4394-BDB2-77CB22B91A60}"/>
+              </a:ext>
+            </a:extLst>
+          </p:cNvPr>
+          <p:cNvSpPr txBox="1"/>
+          <p:nvPr/>
+        </p:nvSpPr>
+        <p:spPr>
+          <a:xfrm>
+            <a:off x="3842982" y="2255792"/>
+            <a:ext cx="304800" cy="523220"/>
+          </a:xfrm>
+          <a:prstGeom prst="rect">
+            <a:avLst/>
+          </a:prstGeom>
+          <a:noFill/>
+        </p:spPr>
+        <p:txBody>
+          <a:bodyPr wrap="square" rtlCol="0">
+            <a:spAutoFit/>
+          </a:bodyPr>
+          <a:lstStyle/>
+          <a:p>
+            <a:r>
+              <a:rPr lang="en-US" sz="2800" b="1" dirty="0">
+                <a:solidFill>
+                  <a:srgbClr val="FF0000"/>
+                </a:solidFill>
+              </a:rPr>
+              <a:t>x</a:t>
+            </a:r>
+          </a:p>
+        </p:txBody>
+      </p:sp>
+      <p:sp>
+        <p:nvSpPr>
+          <p:cNvPr id="6" name="TextBox 5">
+            <a:extLst>
+              <a:ext uri="{FF2B5EF4-FFF2-40B4-BE49-F238E27FC236}">
+                <a16:creationId xmlns:a16="http://schemas.microsoft.com/office/drawing/2014/main" id="{61EC5E31-C58E-4CB1-A2DF-8328D849C1E8}"/>
+              </a:ext>
+            </a:extLst>
+          </p:cNvPr>
+          <p:cNvSpPr txBox="1"/>
+          <p:nvPr/>
+        </p:nvSpPr>
+        <p:spPr>
+          <a:xfrm>
+            <a:off x="5223390" y="4267200"/>
+            <a:ext cx="3086265" cy="2308324"/>
+          </a:xfrm>
+          <a:prstGeom prst="rect">
+            <a:avLst/>
+          </a:prstGeom>
+        </p:spPr>
+        <p:style>
+          <a:lnRef idx="3">
+            <a:schemeClr val="lt1"/>
+          </a:lnRef>
+          <a:fillRef idx="1">
+            <a:schemeClr val="accent6"/>
+          </a:fillRef>
+          <a:effectRef idx="1">
+            <a:schemeClr val="accent6"/>
+          </a:effectRef>
+          <a:fontRef idx="minor">
+            <a:schemeClr val="lt1"/>
+          </a:fontRef>
+        </p:style>
+        <p:txBody>
+          <a:bodyPr wrap="square" rtlCol="0">
+            <a:spAutoFit/>
+          </a:bodyPr>
+          <a:lstStyle/>
+          <a:p>
+            <a:pPr marL="342900" indent="-342900">
+              <a:buFont typeface="+mj-lt"/>
+              <a:buAutoNum type="arabicPeriod"/>
+            </a:pPr>
+            <a:r>
+              <a:rPr lang="en-US" dirty="0"/>
+              <a:t>Perform Cut-off search.</a:t>
+            </a:r>
+          </a:p>
+          <a:p>
+            <a:pPr marL="342900" indent="-342900">
+              <a:buFont typeface="+mj-lt"/>
+              <a:buAutoNum type="arabicPeriod"/>
+            </a:pPr>
+            <a:r>
+              <a:rPr lang="en-US" dirty="0"/>
+              <a:t>Choose the n  best actions using the heuristic minimax value and prune the rest.</a:t>
+            </a:r>
+          </a:p>
+          <a:p>
+            <a:pPr marL="342900" indent="-342900">
+              <a:buFont typeface="+mj-lt"/>
+              <a:buAutoNum type="arabicPeriod"/>
+            </a:pPr>
+            <a:r>
+              <a:rPr lang="en-US" dirty="0"/>
+              <a:t>Explore the chosen actions using regular Alpha-Beta Tree search with move ordering.</a:t>
+            </a:r>
+          </a:p>
+        </p:txBody>
+      </p:sp>
+      <p:sp>
+        <p:nvSpPr>
+          <p:cNvPr id="28" name="TextBox 27">
+            <a:extLst>
+              <a:ext uri="{FF2B5EF4-FFF2-40B4-BE49-F238E27FC236}">
+                <a16:creationId xmlns:a16="http://schemas.microsoft.com/office/drawing/2014/main" id="{28040BD7-D022-4B86-8ECF-7B8895AFCB67}"/>
+              </a:ext>
+            </a:extLst>
+          </p:cNvPr>
+          <p:cNvSpPr txBox="1"/>
+          <p:nvPr/>
+        </p:nvSpPr>
+        <p:spPr>
+          <a:xfrm>
+            <a:off x="6751457" y="1428343"/>
+            <a:ext cx="1552173" cy="523220"/>
+          </a:xfrm>
+          <a:prstGeom prst="rect">
+            <a:avLst/>
+          </a:prstGeom>
+          <a:noFill/>
+        </p:spPr>
+        <p:txBody>
+          <a:bodyPr wrap="square" rtlCol="0">
+            <a:spAutoFit/>
+          </a:bodyPr>
+          <a:lstStyle/>
+          <a:p>
+            <a:r>
+              <a:rPr lang="en-US" sz="2800" b="1" dirty="0">
+                <a:solidFill>
+                  <a:srgbClr val="FF0000"/>
+                </a:solidFill>
+              </a:rPr>
+              <a:t>x </a:t>
+            </a:r>
+            <a:r>
+              <a:rPr lang="en-US" sz="2000" dirty="0">
+                <a:solidFill>
+                  <a:srgbClr val="FF0000"/>
+                </a:solidFill>
+              </a:rPr>
+              <a:t>… pruned</a:t>
+            </a:r>
+            <a:endParaRPr lang="en-US" sz="2800" dirty="0">
+              <a:solidFill>
+                <a:srgbClr val="FF0000"/>
+              </a:solidFill>
+            </a:endParaRPr>
+          </a:p>
+        </p:txBody>
+      </p:sp>
       <p:cxnSp>
         <p:nvCxnSpPr>
-          <p:cNvPr id="20" name="Straight Arrow Connector 19">
-            <a:extLst>
-              <a:ext uri="{FF2B5EF4-FFF2-40B4-BE49-F238E27FC236}">
-                <a16:creationId xmlns:a16="http://schemas.microsoft.com/office/drawing/2014/main" id="{342EE419-54FE-4FC8-8D2E-4C8046ED215E}"/>
+          <p:cNvPr id="29" name="Straight Connector 28">
+            <a:extLst>
+              <a:ext uri="{FF2B5EF4-FFF2-40B4-BE49-F238E27FC236}">
+                <a16:creationId xmlns:a16="http://schemas.microsoft.com/office/drawing/2014/main" id="{7C4978D6-0214-4C2F-961F-179357651FF2}"/>
+              </a:ext>
+            </a:extLst>
+          </p:cNvPr>
+          <p:cNvCxnSpPr>
+            <a:cxnSpLocks/>
+          </p:cNvCxnSpPr>
+          <p:nvPr/>
+        </p:nvCxnSpPr>
+        <p:spPr>
+          <a:xfrm>
+            <a:off x="762000" y="4114801"/>
+            <a:ext cx="4218785" cy="9278"/>
+          </a:xfrm>
+          <a:prstGeom prst="line">
+            <a:avLst/>
+          </a:prstGeom>
+          <a:ln w="28575">
+            <a:solidFill>
+              <a:srgbClr val="FF0000"/>
+            </a:solidFill>
+            <a:prstDash val="dash"/>
+          </a:ln>
+        </p:spPr>
+        <p:style>
+          <a:lnRef idx="1">
+            <a:schemeClr val="accent1"/>
+          </a:lnRef>
+          <a:fillRef idx="0">
+            <a:schemeClr val="accent1"/>
+          </a:fillRef>
+          <a:effectRef idx="0">
+            <a:schemeClr val="accent1"/>
+          </a:effectRef>
+          <a:fontRef idx="minor">
+            <a:schemeClr val="tx1"/>
+          </a:fontRef>
+        </p:style>
+      </p:cxnSp>
+      <p:sp>
+        <p:nvSpPr>
+          <p:cNvPr id="30" name="TextBox 29">
+            <a:extLst>
+              <a:ext uri="{FF2B5EF4-FFF2-40B4-BE49-F238E27FC236}">
+                <a16:creationId xmlns:a16="http://schemas.microsoft.com/office/drawing/2014/main" id="{5F3371EA-5F71-4328-8FED-3E53449FA058}"/>
+              </a:ext>
+            </a:extLst>
+          </p:cNvPr>
+          <p:cNvSpPr txBox="1"/>
+          <p:nvPr/>
+        </p:nvSpPr>
+        <p:spPr>
+          <a:xfrm>
+            <a:off x="1905000" y="3593249"/>
+            <a:ext cx="695324" cy="369332"/>
+          </a:xfrm>
+          <a:prstGeom prst="rect">
+            <a:avLst/>
+          </a:prstGeom>
+          <a:noFill/>
+        </p:spPr>
+        <p:txBody>
+          <a:bodyPr wrap="square">
+            <a:spAutoFit/>
+          </a:bodyPr>
+          <a:lstStyle/>
+          <a:p>
+            <a:pPr algn="ctr"/>
+            <a:r>
+              <a:rPr lang="en-US" b="1" dirty="0">
+                <a:solidFill>
+                  <a:srgbClr val="FF0000"/>
+                </a:solidFill>
+              </a:rPr>
+              <a:t>Eval</a:t>
+            </a:r>
+            <a:endParaRPr lang="en-US" dirty="0"/>
+          </a:p>
+        </p:txBody>
+      </p:sp>
+      <p:sp>
+        <p:nvSpPr>
+          <p:cNvPr id="32" name="TextBox 31">
+            <a:extLst>
+              <a:ext uri="{FF2B5EF4-FFF2-40B4-BE49-F238E27FC236}">
+                <a16:creationId xmlns:a16="http://schemas.microsoft.com/office/drawing/2014/main" id="{BD879DE6-E552-4DE7-A089-D81961B2E2FE}"/>
+              </a:ext>
+            </a:extLst>
+          </p:cNvPr>
+          <p:cNvSpPr txBox="1"/>
+          <p:nvPr/>
+        </p:nvSpPr>
+        <p:spPr>
+          <a:xfrm>
+            <a:off x="2577012" y="3585228"/>
+            <a:ext cx="695324" cy="369332"/>
+          </a:xfrm>
+          <a:prstGeom prst="rect">
+            <a:avLst/>
+          </a:prstGeom>
+          <a:noFill/>
+        </p:spPr>
+        <p:txBody>
+          <a:bodyPr wrap="square">
+            <a:spAutoFit/>
+          </a:bodyPr>
+          <a:lstStyle/>
+          <a:p>
+            <a:pPr algn="ctr"/>
+            <a:r>
+              <a:rPr lang="en-US" b="1" dirty="0">
+                <a:solidFill>
+                  <a:srgbClr val="FF0000"/>
+                </a:solidFill>
+              </a:rPr>
+              <a:t>Eval</a:t>
+            </a:r>
+            <a:endParaRPr lang="en-US" dirty="0"/>
+          </a:p>
+        </p:txBody>
+      </p:sp>
+      <p:sp>
+        <p:nvSpPr>
+          <p:cNvPr id="36" name="TextBox 35">
+            <a:extLst>
+              <a:ext uri="{FF2B5EF4-FFF2-40B4-BE49-F238E27FC236}">
+                <a16:creationId xmlns:a16="http://schemas.microsoft.com/office/drawing/2014/main" id="{04BCA742-29BB-41FA-889F-900090AFDB5B}"/>
+              </a:ext>
+            </a:extLst>
+          </p:cNvPr>
+          <p:cNvSpPr txBox="1"/>
+          <p:nvPr/>
+        </p:nvSpPr>
+        <p:spPr>
+          <a:xfrm>
+            <a:off x="3249024" y="3577207"/>
+            <a:ext cx="695324" cy="369332"/>
+          </a:xfrm>
+          <a:prstGeom prst="rect">
+            <a:avLst/>
+          </a:prstGeom>
+          <a:noFill/>
+        </p:spPr>
+        <p:txBody>
+          <a:bodyPr wrap="square">
+            <a:spAutoFit/>
+          </a:bodyPr>
+          <a:lstStyle/>
+          <a:p>
+            <a:pPr algn="ctr"/>
+            <a:r>
+              <a:rPr lang="en-US" b="1" dirty="0">
+                <a:solidFill>
+                  <a:srgbClr val="FF0000"/>
+                </a:solidFill>
+              </a:rPr>
+              <a:t>Eval</a:t>
+            </a:r>
+            <a:endParaRPr lang="en-US" dirty="0"/>
+          </a:p>
+        </p:txBody>
+      </p:sp>
+      <p:cxnSp>
+        <p:nvCxnSpPr>
+          <p:cNvPr id="38" name="Straight Arrow Connector 37">
+            <a:extLst>
+              <a:ext uri="{FF2B5EF4-FFF2-40B4-BE49-F238E27FC236}">
+                <a16:creationId xmlns:a16="http://schemas.microsoft.com/office/drawing/2014/main" id="{B703D8E3-753D-4181-9530-FA6FC3BFE9D5}"/>
               </a:ext>
             </a:extLst>
           </p:cNvPr>
@@ -13915,10 +14949,10 @@
       </p:cxnSp>
       <p:cxnSp>
         <p:nvCxnSpPr>
-          <p:cNvPr id="21" name="Straight Arrow Connector 20">
-            <a:extLst>
-              <a:ext uri="{FF2B5EF4-FFF2-40B4-BE49-F238E27FC236}">
-                <a16:creationId xmlns:a16="http://schemas.microsoft.com/office/drawing/2014/main" id="{8EA69C08-8138-40D6-90B7-3046F7F5B0CB}"/>
+          <p:cNvPr id="39" name="Straight Arrow Connector 38">
+            <a:extLst>
+              <a:ext uri="{FF2B5EF4-FFF2-40B4-BE49-F238E27FC236}">
+                <a16:creationId xmlns:a16="http://schemas.microsoft.com/office/drawing/2014/main" id="{AAEA87E6-CEDC-4E3E-BC54-CF5EC4FA6335}"/>
               </a:ext>
             </a:extLst>
           </p:cNvPr>
@@ -13959,10 +14993,10 @@
       </p:cxnSp>
       <p:cxnSp>
         <p:nvCxnSpPr>
-          <p:cNvPr id="22" name="Straight Arrow Connector 21">
-            <a:extLst>
-              <a:ext uri="{FF2B5EF4-FFF2-40B4-BE49-F238E27FC236}">
-                <a16:creationId xmlns:a16="http://schemas.microsoft.com/office/drawing/2014/main" id="{5A994E61-CA1D-4058-BC12-B95E93A64F4E}"/>
+          <p:cNvPr id="40" name="Straight Arrow Connector 39">
+            <a:extLst>
+              <a:ext uri="{FF2B5EF4-FFF2-40B4-BE49-F238E27FC236}">
+                <a16:creationId xmlns:a16="http://schemas.microsoft.com/office/drawing/2014/main" id="{DD1088A1-7320-4D2A-AAB7-6385A5CD3413}"/>
               </a:ext>
             </a:extLst>
           </p:cNvPr>
@@ -14003,10 +15037,10 @@
       </p:cxnSp>
       <p:cxnSp>
         <p:nvCxnSpPr>
-          <p:cNvPr id="23" name="Straight Arrow Connector 22">
-            <a:extLst>
-              <a:ext uri="{FF2B5EF4-FFF2-40B4-BE49-F238E27FC236}">
-                <a16:creationId xmlns:a16="http://schemas.microsoft.com/office/drawing/2014/main" id="{ADA1D77A-1868-4BA0-8E5C-D3A1AD70BE7E}"/>
+          <p:cNvPr id="44" name="Straight Arrow Connector 43">
+            <a:extLst>
+              <a:ext uri="{FF2B5EF4-FFF2-40B4-BE49-F238E27FC236}">
+                <a16:creationId xmlns:a16="http://schemas.microsoft.com/office/drawing/2014/main" id="{618F6ABC-5B33-4702-B364-09278CBCE785}"/>
               </a:ext>
             </a:extLst>
           </p:cNvPr>
@@ -14047,316 +15081,10 @@
       </p:cxnSp>
       <p:sp>
         <p:nvSpPr>
-          <p:cNvPr id="3" name="TextBox 2">
-            <a:extLst>
-              <a:ext uri="{FF2B5EF4-FFF2-40B4-BE49-F238E27FC236}">
-                <a16:creationId xmlns:a16="http://schemas.microsoft.com/office/drawing/2014/main" id="{AE1564EC-32F0-4BD3-BD2F-944D3383E766}"/>
-              </a:ext>
-            </a:extLst>
-          </p:cNvPr>
-          <p:cNvSpPr txBox="1"/>
-          <p:nvPr/>
-        </p:nvSpPr>
-        <p:spPr>
-          <a:xfrm>
-            <a:off x="3241686" y="2307098"/>
-            <a:ext cx="304800" cy="523220"/>
-          </a:xfrm>
-          <a:prstGeom prst="rect">
-            <a:avLst/>
-          </a:prstGeom>
-          <a:noFill/>
-        </p:spPr>
-        <p:txBody>
-          <a:bodyPr wrap="square" rtlCol="0">
-            <a:spAutoFit/>
-          </a:bodyPr>
-          <a:lstStyle/>
-          <a:p>
-            <a:r>
-              <a:rPr lang="en-US" sz="2800" b="1" dirty="0">
-                <a:solidFill>
-                  <a:srgbClr val="FF0000"/>
-                </a:solidFill>
-              </a:rPr>
-              <a:t>x</a:t>
-            </a:r>
-          </a:p>
-        </p:txBody>
-      </p:sp>
-      <p:sp>
-        <p:nvSpPr>
-          <p:cNvPr id="17" name="TextBox 16">
-            <a:extLst>
-              <a:ext uri="{FF2B5EF4-FFF2-40B4-BE49-F238E27FC236}">
-                <a16:creationId xmlns:a16="http://schemas.microsoft.com/office/drawing/2014/main" id="{59610883-F018-4BB0-90B3-1F4F8724FD38}"/>
-              </a:ext>
-            </a:extLst>
-          </p:cNvPr>
-          <p:cNvSpPr txBox="1"/>
-          <p:nvPr/>
-        </p:nvSpPr>
-        <p:spPr>
-          <a:xfrm>
-            <a:off x="2711053" y="2307098"/>
-            <a:ext cx="304800" cy="523220"/>
-          </a:xfrm>
-          <a:prstGeom prst="rect">
-            <a:avLst/>
-          </a:prstGeom>
-          <a:noFill/>
-        </p:spPr>
-        <p:txBody>
-          <a:bodyPr wrap="square" rtlCol="0">
-            <a:spAutoFit/>
-          </a:bodyPr>
-          <a:lstStyle/>
-          <a:p>
-            <a:r>
-              <a:rPr lang="en-US" sz="2800" b="1" dirty="0">
-                <a:solidFill>
-                  <a:srgbClr val="FF0000"/>
-                </a:solidFill>
-              </a:rPr>
-              <a:t>x</a:t>
-            </a:r>
-          </a:p>
-        </p:txBody>
-      </p:sp>
-      <p:sp>
-        <p:nvSpPr>
-          <p:cNvPr id="24" name="TextBox 23">
-            <a:extLst>
-              <a:ext uri="{FF2B5EF4-FFF2-40B4-BE49-F238E27FC236}">
-                <a16:creationId xmlns:a16="http://schemas.microsoft.com/office/drawing/2014/main" id="{473198B7-E442-4F64-AE84-4C6D11F80452}"/>
-              </a:ext>
-            </a:extLst>
-          </p:cNvPr>
-          <p:cNvSpPr txBox="1"/>
-          <p:nvPr/>
-        </p:nvSpPr>
-        <p:spPr>
-          <a:xfrm>
-            <a:off x="4343400" y="2255792"/>
-            <a:ext cx="304800" cy="523220"/>
-          </a:xfrm>
-          <a:prstGeom prst="rect">
-            <a:avLst/>
-          </a:prstGeom>
-          <a:noFill/>
-        </p:spPr>
-        <p:txBody>
-          <a:bodyPr wrap="square" rtlCol="0">
-            <a:spAutoFit/>
-          </a:bodyPr>
-          <a:lstStyle/>
-          <a:p>
-            <a:r>
-              <a:rPr lang="en-US" sz="2800" b="1" dirty="0">
-                <a:solidFill>
-                  <a:srgbClr val="FF0000"/>
-                </a:solidFill>
-              </a:rPr>
-              <a:t>x</a:t>
-            </a:r>
-          </a:p>
-        </p:txBody>
-      </p:sp>
-      <p:sp>
-        <p:nvSpPr>
-          <p:cNvPr id="25" name="TextBox 24">
-            <a:extLst>
-              <a:ext uri="{FF2B5EF4-FFF2-40B4-BE49-F238E27FC236}">
-                <a16:creationId xmlns:a16="http://schemas.microsoft.com/office/drawing/2014/main" id="{78DA649C-D279-4E9C-ADBC-54702561CD40}"/>
-              </a:ext>
-            </a:extLst>
-          </p:cNvPr>
-          <p:cNvSpPr txBox="1"/>
-          <p:nvPr/>
-        </p:nvSpPr>
-        <p:spPr>
-          <a:xfrm>
-            <a:off x="6805765" y="2300230"/>
-            <a:ext cx="304800" cy="523220"/>
-          </a:xfrm>
-          <a:prstGeom prst="rect">
-            <a:avLst/>
-          </a:prstGeom>
-          <a:noFill/>
-        </p:spPr>
-        <p:txBody>
-          <a:bodyPr wrap="square" rtlCol="0">
-            <a:spAutoFit/>
-          </a:bodyPr>
-          <a:lstStyle/>
-          <a:p>
-            <a:r>
-              <a:rPr lang="en-US" sz="2800" b="1" dirty="0">
-                <a:solidFill>
-                  <a:srgbClr val="FF0000"/>
-                </a:solidFill>
-              </a:rPr>
-              <a:t>x</a:t>
-            </a:r>
-          </a:p>
-        </p:txBody>
-      </p:sp>
-      <p:sp>
-        <p:nvSpPr>
-          <p:cNvPr id="26" name="TextBox 25">
-            <a:extLst>
-              <a:ext uri="{FF2B5EF4-FFF2-40B4-BE49-F238E27FC236}">
-                <a16:creationId xmlns:a16="http://schemas.microsoft.com/office/drawing/2014/main" id="{3414FB3B-3BFA-4891-8CD4-95C2E53A8768}"/>
-              </a:ext>
-            </a:extLst>
-          </p:cNvPr>
-          <p:cNvSpPr txBox="1"/>
-          <p:nvPr/>
-        </p:nvSpPr>
-        <p:spPr>
-          <a:xfrm>
-            <a:off x="6122732" y="2300230"/>
-            <a:ext cx="304800" cy="523220"/>
-          </a:xfrm>
-          <a:prstGeom prst="rect">
-            <a:avLst/>
-          </a:prstGeom>
-          <a:noFill/>
-        </p:spPr>
-        <p:txBody>
-          <a:bodyPr wrap="square" rtlCol="0">
-            <a:spAutoFit/>
-          </a:bodyPr>
-          <a:lstStyle/>
-          <a:p>
-            <a:r>
-              <a:rPr lang="en-US" sz="2800" b="1" dirty="0">
-                <a:solidFill>
-                  <a:srgbClr val="FF0000"/>
-                </a:solidFill>
-              </a:rPr>
-              <a:t>x</a:t>
-            </a:r>
-          </a:p>
-        </p:txBody>
-      </p:sp>
-      <p:sp>
-        <p:nvSpPr>
-          <p:cNvPr id="27" name="TextBox 26">
-            <a:extLst>
-              <a:ext uri="{FF2B5EF4-FFF2-40B4-BE49-F238E27FC236}">
-                <a16:creationId xmlns:a16="http://schemas.microsoft.com/office/drawing/2014/main" id="{EEA76646-E2A1-4394-BDB2-77CB22B91A60}"/>
-              </a:ext>
-            </a:extLst>
-          </p:cNvPr>
-          <p:cNvSpPr txBox="1"/>
-          <p:nvPr/>
-        </p:nvSpPr>
-        <p:spPr>
-          <a:xfrm>
-            <a:off x="3842982" y="2255792"/>
-            <a:ext cx="304800" cy="523220"/>
-          </a:xfrm>
-          <a:prstGeom prst="rect">
-            <a:avLst/>
-          </a:prstGeom>
-          <a:noFill/>
-        </p:spPr>
-        <p:txBody>
-          <a:bodyPr wrap="square" rtlCol="0">
-            <a:spAutoFit/>
-          </a:bodyPr>
-          <a:lstStyle/>
-          <a:p>
-            <a:r>
-              <a:rPr lang="en-US" sz="2800" b="1" dirty="0">
-                <a:solidFill>
-                  <a:srgbClr val="FF0000"/>
-                </a:solidFill>
-              </a:rPr>
-              <a:t>x</a:t>
-            </a:r>
-          </a:p>
-        </p:txBody>
-      </p:sp>
-      <p:sp>
-        <p:nvSpPr>
-          <p:cNvPr id="6" name="TextBox 5">
-            <a:extLst>
-              <a:ext uri="{FF2B5EF4-FFF2-40B4-BE49-F238E27FC236}">
-                <a16:creationId xmlns:a16="http://schemas.microsoft.com/office/drawing/2014/main" id="{61EC5E31-C58E-4CB1-A2DF-8328D849C1E8}"/>
-              </a:ext>
-            </a:extLst>
-          </p:cNvPr>
-          <p:cNvSpPr txBox="1"/>
-          <p:nvPr/>
-        </p:nvSpPr>
-        <p:spPr>
-          <a:xfrm>
-            <a:off x="5223390" y="4267200"/>
-            <a:ext cx="3086265" cy="2308324"/>
-          </a:xfrm>
-          <a:prstGeom prst="rect">
-            <a:avLst/>
-          </a:prstGeom>
-        </p:spPr>
-        <p:style>
-          <a:lnRef idx="3">
-            <a:schemeClr val="lt1"/>
-          </a:lnRef>
-          <a:fillRef idx="1">
-            <a:schemeClr val="accent6"/>
-          </a:fillRef>
-          <a:effectRef idx="1">
-            <a:schemeClr val="accent6"/>
-          </a:effectRef>
-          <a:fontRef idx="minor">
-            <a:schemeClr val="lt1"/>
-          </a:fontRef>
-        </p:style>
-        <p:txBody>
-          <a:bodyPr wrap="square" rtlCol="0">
-            <a:spAutoFit/>
-          </a:bodyPr>
-          <a:lstStyle/>
-          <a:p>
-            <a:pPr marL="342900" indent="-342900">
-              <a:buFont typeface="+mj-lt"/>
-              <a:buAutoNum type="arabicPeriod"/>
-            </a:pPr>
-            <a:r>
-              <a:rPr lang="en-US" dirty="0"/>
-              <a:t>Perform Cut-off search.</a:t>
-            </a:r>
-          </a:p>
-          <a:p>
-            <a:pPr marL="342900" indent="-342900">
-              <a:buFont typeface="+mj-lt"/>
-              <a:buAutoNum type="arabicPeriod"/>
-            </a:pPr>
-            <a:r>
-              <a:rPr lang="en-US" dirty="0"/>
-              <a:t>Choose the x best actions using the heuristic minimax value.</a:t>
-            </a:r>
-          </a:p>
-          <a:p>
-            <a:pPr marL="342900" indent="-342900">
-              <a:buFont typeface="+mj-lt"/>
-              <a:buAutoNum type="arabicPeriod"/>
-            </a:pPr>
-            <a:r>
-              <a:rPr lang="en-US" dirty="0"/>
-              <a:t>Explore the chosen actions using regular Alpha-Beta Tree search with move ordering.</a:t>
-            </a:r>
-          </a:p>
-        </p:txBody>
-      </p:sp>
-      <p:sp>
-        <p:nvSpPr>
-          <p:cNvPr id="37" name="TextBox 36">
-            <a:extLst>
-              <a:ext uri="{FF2B5EF4-FFF2-40B4-BE49-F238E27FC236}">
-                <a16:creationId xmlns:a16="http://schemas.microsoft.com/office/drawing/2014/main" id="{9B27F7D5-3205-4382-9446-7ABBDFBBBF1F}"/>
+          <p:cNvPr id="45" name="TextBox 44">
+            <a:extLst>
+              <a:ext uri="{FF2B5EF4-FFF2-40B4-BE49-F238E27FC236}">
+                <a16:creationId xmlns:a16="http://schemas.microsoft.com/office/drawing/2014/main" id="{5E60EC96-4EEA-4A95-A8B8-7A8BE40C13D1}"/>
               </a:ext>
             </a:extLst>
           </p:cNvPr>
@@ -14394,10 +15122,10 @@
       </p:sp>
       <p:sp>
         <p:nvSpPr>
-          <p:cNvPr id="38" name="TextBox 37">
-            <a:extLst>
-              <a:ext uri="{FF2B5EF4-FFF2-40B4-BE49-F238E27FC236}">
-                <a16:creationId xmlns:a16="http://schemas.microsoft.com/office/drawing/2014/main" id="{F1C861F9-5BC7-4143-B122-8651236D8238}"/>
+          <p:cNvPr id="50" name="TextBox 49">
+            <a:extLst>
+              <a:ext uri="{FF2B5EF4-FFF2-40B4-BE49-F238E27FC236}">
+                <a16:creationId xmlns:a16="http://schemas.microsoft.com/office/drawing/2014/main" id="{28268601-3341-4957-BFA6-B2D6806CD094}"/>
               </a:ext>
             </a:extLst>
           </p:cNvPr>
@@ -14435,10 +15163,10 @@
       </p:sp>
       <p:sp>
         <p:nvSpPr>
-          <p:cNvPr id="39" name="TextBox 38">
-            <a:extLst>
-              <a:ext uri="{FF2B5EF4-FFF2-40B4-BE49-F238E27FC236}">
-                <a16:creationId xmlns:a16="http://schemas.microsoft.com/office/drawing/2014/main" id="{41ED188B-6F71-4A31-A67F-B4503627A77A}"/>
+          <p:cNvPr id="51" name="TextBox 50">
+            <a:extLst>
+              <a:ext uri="{FF2B5EF4-FFF2-40B4-BE49-F238E27FC236}">
+                <a16:creationId xmlns:a16="http://schemas.microsoft.com/office/drawing/2014/main" id="{23A488A7-A6A2-484D-857C-43C0C0FF481D}"/>
               </a:ext>
             </a:extLst>
           </p:cNvPr>
@@ -14476,10 +15204,10 @@
       </p:sp>
       <p:sp>
         <p:nvSpPr>
-          <p:cNvPr id="40" name="TextBox 39">
-            <a:extLst>
-              <a:ext uri="{FF2B5EF4-FFF2-40B4-BE49-F238E27FC236}">
-                <a16:creationId xmlns:a16="http://schemas.microsoft.com/office/drawing/2014/main" id="{B16B5264-7BC2-497C-B583-58F40C1CF963}"/>
+          <p:cNvPr id="52" name="TextBox 51">
+            <a:extLst>
+              <a:ext uri="{FF2B5EF4-FFF2-40B4-BE49-F238E27FC236}">
+                <a16:creationId xmlns:a16="http://schemas.microsoft.com/office/drawing/2014/main" id="{5DAC18C4-5C4D-40B0-8CCA-6660F14CDD2B}"/>
               </a:ext>
             </a:extLst>
           </p:cNvPr>
@@ -14517,10 +15245,10 @@
       </p:sp>
       <p:sp>
         <p:nvSpPr>
-          <p:cNvPr id="41" name="TextBox 40">
-            <a:extLst>
-              <a:ext uri="{FF2B5EF4-FFF2-40B4-BE49-F238E27FC236}">
-                <a16:creationId xmlns:a16="http://schemas.microsoft.com/office/drawing/2014/main" id="{AB461082-0028-400F-881D-C96D331FD10A}"/>
+          <p:cNvPr id="53" name="TextBox 52">
+            <a:extLst>
+              <a:ext uri="{FF2B5EF4-FFF2-40B4-BE49-F238E27FC236}">
+                <a16:creationId xmlns:a16="http://schemas.microsoft.com/office/drawing/2014/main" id="{0FB1A57F-69FD-4291-ADE1-0BDD68868B78}"/>
               </a:ext>
             </a:extLst>
           </p:cNvPr>
@@ -14558,10 +15286,10 @@
       </p:sp>
       <p:sp>
         <p:nvSpPr>
-          <p:cNvPr id="42" name="TextBox 41">
-            <a:extLst>
-              <a:ext uri="{FF2B5EF4-FFF2-40B4-BE49-F238E27FC236}">
-                <a16:creationId xmlns:a16="http://schemas.microsoft.com/office/drawing/2014/main" id="{8CBA46EE-7312-4ED0-8A04-17CE1C864B22}"/>
+          <p:cNvPr id="54" name="TextBox 53">
+            <a:extLst>
+              <a:ext uri="{FF2B5EF4-FFF2-40B4-BE49-F238E27FC236}">
+                <a16:creationId xmlns:a16="http://schemas.microsoft.com/office/drawing/2014/main" id="{BB532C75-A08A-4D32-85FA-C4A0BAB98C2D}"/>
               </a:ext>
             </a:extLst>
           </p:cNvPr>
@@ -14599,10 +15327,10 @@
       </p:sp>
       <p:sp>
         <p:nvSpPr>
-          <p:cNvPr id="43" name="TextBox 42">
-            <a:extLst>
-              <a:ext uri="{FF2B5EF4-FFF2-40B4-BE49-F238E27FC236}">
-                <a16:creationId xmlns:a16="http://schemas.microsoft.com/office/drawing/2014/main" id="{66F8C872-EEE8-4D75-BFD8-18F15C0AC8E8}"/>
+          <p:cNvPr id="55" name="TextBox 54">
+            <a:extLst>
+              <a:ext uri="{FF2B5EF4-FFF2-40B4-BE49-F238E27FC236}">
+                <a16:creationId xmlns:a16="http://schemas.microsoft.com/office/drawing/2014/main" id="{55775291-791D-4335-A68F-D92010A98B56}"/>
               </a:ext>
             </a:extLst>
           </p:cNvPr>
@@ -14640,10 +15368,10 @@
       </p:sp>
       <p:sp>
         <p:nvSpPr>
-          <p:cNvPr id="44" name="TextBox 43">
-            <a:extLst>
-              <a:ext uri="{FF2B5EF4-FFF2-40B4-BE49-F238E27FC236}">
-                <a16:creationId xmlns:a16="http://schemas.microsoft.com/office/drawing/2014/main" id="{339ADD5D-014F-4951-90A1-86F64CC0F4B8}"/>
+          <p:cNvPr id="56" name="TextBox 55">
+            <a:extLst>
+              <a:ext uri="{FF2B5EF4-FFF2-40B4-BE49-F238E27FC236}">
+                <a16:creationId xmlns:a16="http://schemas.microsoft.com/office/drawing/2014/main" id="{9A9A4EF0-979D-4D57-9091-5B68DB36C91C}"/>
               </a:ext>
             </a:extLst>
           </p:cNvPr>
@@ -14681,10 +15409,10 @@
       </p:sp>
       <p:sp>
         <p:nvSpPr>
-          <p:cNvPr id="45" name="TextBox 44">
-            <a:extLst>
-              <a:ext uri="{FF2B5EF4-FFF2-40B4-BE49-F238E27FC236}">
-                <a16:creationId xmlns:a16="http://schemas.microsoft.com/office/drawing/2014/main" id="{5EB9286D-EBEA-4FC9-9C9D-7DFAC41A571C}"/>
+          <p:cNvPr id="57" name="TextBox 56">
+            <a:extLst>
+              <a:ext uri="{FF2B5EF4-FFF2-40B4-BE49-F238E27FC236}">
+                <a16:creationId xmlns:a16="http://schemas.microsoft.com/office/drawing/2014/main" id="{6B7B9C6B-069A-414B-8BAB-84F4BE1F0E44}"/>
               </a:ext>
             </a:extLst>
           </p:cNvPr>
@@ -14717,6 +15445,86 @@
               <a:t>HMV</a:t>
             </a:r>
             <a:endParaRPr lang="en-US" dirty="0"/>
+          </a:p>
+        </p:txBody>
+      </p:sp>
+      <p:sp>
+        <p:nvSpPr>
+          <p:cNvPr id="9" name="Right Brace 8">
+            <a:extLst>
+              <a:ext uri="{FF2B5EF4-FFF2-40B4-BE49-F238E27FC236}">
+                <a16:creationId xmlns:a16="http://schemas.microsoft.com/office/drawing/2014/main" id="{5AD0988B-B84F-479E-B50E-EB4DFF1C3F0C}"/>
+              </a:ext>
+            </a:extLst>
+          </p:cNvPr>
+          <p:cNvSpPr/>
+          <p:nvPr/>
+        </p:nvSpPr>
+        <p:spPr>
+          <a:xfrm rot="5400000">
+            <a:off x="5444940" y="2508850"/>
+            <a:ext cx="216271" cy="1809752"/>
+          </a:xfrm>
+          <a:prstGeom prst="rightBrace">
+            <a:avLst/>
+          </a:prstGeom>
+        </p:spPr>
+        <p:style>
+          <a:lnRef idx="1">
+            <a:schemeClr val="accent1"/>
+          </a:lnRef>
+          <a:fillRef idx="0">
+            <a:schemeClr val="accent1"/>
+          </a:fillRef>
+          <a:effectRef idx="0">
+            <a:schemeClr val="accent1"/>
+          </a:effectRef>
+          <a:fontRef idx="minor">
+            <a:schemeClr val="tx1"/>
+          </a:fontRef>
+        </p:style>
+        <p:txBody>
+          <a:bodyPr rtlCol="0" anchor="ctr"/>
+          <a:lstStyle/>
+          <a:p>
+            <a:pPr algn="ctr"/>
+            <a:endParaRPr lang="en-US"/>
+          </a:p>
+        </p:txBody>
+      </p:sp>
+      <p:sp>
+        <p:nvSpPr>
+          <p:cNvPr id="10" name="TextBox 9">
+            <a:extLst>
+              <a:ext uri="{FF2B5EF4-FFF2-40B4-BE49-F238E27FC236}">
+                <a16:creationId xmlns:a16="http://schemas.microsoft.com/office/drawing/2014/main" id="{EF0778B7-8807-4036-ABC5-E26565F440FB}"/>
+              </a:ext>
+            </a:extLst>
+          </p:cNvPr>
+          <p:cNvSpPr txBox="1"/>
+          <p:nvPr/>
+        </p:nvSpPr>
+        <p:spPr>
+          <a:xfrm>
+            <a:off x="4782659" y="3463928"/>
+            <a:ext cx="1641958" cy="646331"/>
+          </a:xfrm>
+          <a:prstGeom prst="rect">
+            <a:avLst/>
+          </a:prstGeom>
+          <a:noFill/>
+        </p:spPr>
+        <p:txBody>
+          <a:bodyPr wrap="square" rtlCol="0">
+            <a:spAutoFit/>
+          </a:bodyPr>
+          <a:lstStyle/>
+          <a:p>
+            <a:pPr algn="ctr"/>
+            <a:r>
+              <a:rPr lang="en-US" dirty="0"/>
+              <a:t>Perform search on these.</a:t>
+            </a:r>
           </a:p>
         </p:txBody>
       </p:sp>
@@ -14733,7 +15541,7 @@
 </p:sld>
 </file>
 
-<file path=ppt/slides/slide27.xml><?xml version="1.0" encoding="utf-8"?>
+<file path=ppt/slides/slide28.xml><?xml version="1.0" encoding="utf-8"?>
 <p:sld xmlns:a="http://schemas.openxmlformats.org/drawingml/2006/main" xmlns:r="http://schemas.openxmlformats.org/officeDocument/2006/relationships" xmlns:p="http://schemas.openxmlformats.org/presentationml/2006/main">
   <p:cSld>
     <p:bg>
@@ -14964,7 +15772,7 @@
 </p:sld>
 </file>
 
-<file path=ppt/slides/slide28.xml><?xml version="1.0" encoding="utf-8"?>
+<file path=ppt/slides/slide29.xml><?xml version="1.0" encoding="utf-8"?>
 <p:sld xmlns:a="http://schemas.openxmlformats.org/drawingml/2006/main" xmlns:r="http://schemas.openxmlformats.org/officeDocument/2006/relationships" xmlns:p="http://schemas.openxmlformats.org/presentationml/2006/main">
   <p:cSld>
     <p:bg>
@@ -15501,7 +16309,7 @@
             </a:br>
             <a:r>
               <a:rPr lang="en-US" sz="1600" dirty="0"/>
-              <a:t>(state space is too large)</a:t>
+              <a:t>(game tree is too large)</a:t>
             </a:r>
           </a:p>
           <a:p>
@@ -15539,7 +16347,7 @@
                   </a:schemeClr>
                 </a:solidFill>
               </a:rPr>
-              <a:t>Cut off search tree and use heuristic for utility. </a:t>
+              <a:t>Cut off game tree and use heuristic for utility. </a:t>
             </a:r>
           </a:p>
           <a:p>
@@ -15577,253 +16385,6 @@
     <p:extLst>
       <p:ext uri="{BB962C8B-B14F-4D97-AF65-F5344CB8AC3E}">
         <p14:creationId xmlns:p14="http://schemas.microsoft.com/office/powerpoint/2010/main" val="1559709888"/>
-      </p:ext>
-    </p:extLst>
-  </p:cSld>
-  <p:clrMapOvr>
-    <a:masterClrMapping/>
-  </p:clrMapOvr>
-</p:sld>
-</file>
-
-<file path=ppt/slides/slide29.xml><?xml version="1.0" encoding="utf-8"?>
-<p:sld xmlns:a="http://schemas.openxmlformats.org/drawingml/2006/main" xmlns:r="http://schemas.openxmlformats.org/officeDocument/2006/relationships" xmlns:p="http://schemas.openxmlformats.org/presentationml/2006/main">
-  <p:cSld>
-    <p:spTree>
-      <p:nvGrpSpPr>
-        <p:cNvPr id="1" name=""/>
-        <p:cNvGrpSpPr/>
-        <p:nvPr/>
-      </p:nvGrpSpPr>
-      <p:grpSpPr>
-        <a:xfrm>
-          <a:off x="0" y="0"/>
-          <a:ext cx="0" cy="0"/>
-          <a:chOff x="0" y="0"/>
-          <a:chExt cx="0" cy="0"/>
-        </a:xfrm>
-      </p:grpSpPr>
-      <p:sp>
-        <p:nvSpPr>
-          <p:cNvPr id="2" name="Title 1">
-            <a:extLst>
-              <a:ext uri="{FF2B5EF4-FFF2-40B4-BE49-F238E27FC236}">
-                <a16:creationId xmlns:a16="http://schemas.microsoft.com/office/drawing/2014/main" id="{AB04E43B-925E-4BA3-8C88-AED93840BDC2}"/>
-              </a:ext>
-            </a:extLst>
-          </p:cNvPr>
-          <p:cNvSpPr>
-            <a:spLocks noGrp="1"/>
-          </p:cNvSpPr>
-          <p:nvPr>
-            <p:ph type="title"/>
-          </p:nvPr>
-        </p:nvSpPr>
-        <p:spPr/>
-        <p:txBody>
-          <a:bodyPr/>
-          <a:lstStyle/>
-          <a:p>
-            <a:r>
-              <a:rPr lang="en-US" dirty="0"/>
-              <a:t>Idea</a:t>
-            </a:r>
-          </a:p>
-        </p:txBody>
-      </p:sp>
-      <mc:AlternateContent xmlns:mc="http://schemas.openxmlformats.org/markup-compatibility/2006" xmlns:a14="http://schemas.microsoft.com/office/drawing/2010/main">
-        <mc:Choice Requires="a14">
-          <p:sp>
-            <p:nvSpPr>
-              <p:cNvPr id="3" name="Content Placeholder 2">
-                <a:extLst>
-                  <a:ext uri="{FF2B5EF4-FFF2-40B4-BE49-F238E27FC236}">
-                    <a16:creationId xmlns:a16="http://schemas.microsoft.com/office/drawing/2014/main" id="{8EAECEB3-7119-43D5-8AA6-90FA1D677946}"/>
-                  </a:ext>
-                </a:extLst>
-              </p:cNvPr>
-              <p:cNvSpPr>
-                <a:spLocks noGrp="1"/>
-              </p:cNvSpPr>
-              <p:nvPr>
-                <p:ph idx="1"/>
-              </p:nvPr>
-            </p:nvSpPr>
-            <p:spPr/>
-            <p:txBody>
-              <a:bodyPr>
-                <a:normAutofit fontScale="70000" lnSpcReduction="20000"/>
-              </a:bodyPr>
-              <a:lstStyle/>
-              <a:p>
-                <a:r>
-                  <a:rPr lang="en-US" b="1" dirty="0"/>
-                  <a:t>Approximate </a:t>
-                </a:r>
-                <a14:m>
-                  <m:oMath xmlns:m="http://schemas.openxmlformats.org/officeDocument/2006/math">
-                    <m:r>
-                      <a:rPr lang="en-US" b="1" i="1">
-                        <a:latin typeface="Cambria Math" panose="02040503050406030204" pitchFamily="18" charset="0"/>
-                      </a:rPr>
-                      <m:t>𝑬𝒗𝒂𝒍</m:t>
-                    </m:r>
-                    <m:d>
-                      <m:dPr>
-                        <m:ctrlPr>
-                          <a:rPr lang="en-US" b="1" i="1">
-                            <a:latin typeface="Cambria Math" panose="02040503050406030204" pitchFamily="18" charset="0"/>
-                          </a:rPr>
-                        </m:ctrlPr>
-                      </m:dPr>
-                      <m:e>
-                        <m:r>
-                          <a:rPr lang="en-US" b="1" i="1">
-                            <a:latin typeface="Cambria Math" panose="02040503050406030204" pitchFamily="18" charset="0"/>
-                          </a:rPr>
-                          <m:t>𝒔</m:t>
-                        </m:r>
-                      </m:e>
-                    </m:d>
-                  </m:oMath>
-                </a14:m>
-                <a:r>
-                  <a:rPr lang="en-US" b="1" dirty="0"/>
-                  <a:t> </a:t>
-                </a:r>
-                <a:r>
-                  <a:rPr lang="en-US" dirty="0"/>
-                  <a:t>as the average utility of a number of simulation runs to the terminal state (called playouts).</a:t>
-                </a:r>
-              </a:p>
-              <a:p>
-                <a:r>
-                  <a:rPr lang="en-US" b="1" dirty="0"/>
-                  <a:t>Playout policy</a:t>
-                </a:r>
-                <a:r>
-                  <a:rPr lang="en-US" dirty="0"/>
-                  <a:t>: How to choose moves during the simulation runs? Example policies: </a:t>
-                </a:r>
-              </a:p>
-              <a:p>
-                <a:pPr lvl="1"/>
-                <a:r>
-                  <a:rPr lang="en-US" dirty="0"/>
-                  <a:t>Random.</a:t>
-                </a:r>
-              </a:p>
-              <a:p>
-                <a:pPr lvl="1"/>
-                <a:r>
-                  <a:rPr lang="en-US" dirty="0"/>
-                  <a:t>Heuristics for good moves developed by experts.</a:t>
-                </a:r>
-              </a:p>
-              <a:p>
-                <a:pPr lvl="1"/>
-                <a:r>
-                  <a:rPr lang="en-US" dirty="0"/>
-                  <a:t>Learn good moves from self-play (e.g., with deep neural networks).</a:t>
-                </a:r>
-              </a:p>
-              <a:p>
-                <a:endParaRPr lang="en-US" dirty="0"/>
-              </a:p>
-              <a:p>
-                <a:r>
-                  <a:rPr lang="en-US" dirty="0"/>
-                  <a:t>Typically used for problems with</a:t>
-                </a:r>
-              </a:p>
-              <a:p>
-                <a:pPr lvl="1"/>
-                <a:r>
-                  <a:rPr lang="en-US" dirty="0"/>
-                  <a:t>High branching factor (many possible moves).</a:t>
-                </a:r>
-              </a:p>
-              <a:p>
-                <a:pPr lvl="1"/>
-                <a:r>
-                  <a:rPr lang="en-US" dirty="0"/>
-                  <a:t>Unknown or hard to define good evaluation functions.</a:t>
-                </a:r>
-              </a:p>
-              <a:p>
-                <a:endParaRPr lang="en-US" dirty="0"/>
-              </a:p>
-              <a:p>
-                <a:r>
-                  <a:rPr lang="en-US" b="1" dirty="0"/>
-                  <a:t>Questions</a:t>
-                </a:r>
-                <a:r>
-                  <a:rPr lang="en-US" dirty="0"/>
-                  <a:t>:</a:t>
-                </a:r>
-              </a:p>
-              <a:p>
-                <a:pPr lvl="1"/>
-                <a:r>
-                  <a:rPr lang="en-US" dirty="0"/>
-                  <a:t>How many simulations/playouts should we run each time?</a:t>
-                </a:r>
-              </a:p>
-              <a:p>
-                <a:pPr lvl="1"/>
-                <a:r>
-                  <a:rPr lang="en-US" dirty="0"/>
-                  <a:t>From what state should the playouts start?</a:t>
-                </a:r>
-              </a:p>
-            </p:txBody>
-          </p:sp>
-        </mc:Choice>
-        <mc:Fallback xmlns="">
-          <p:sp>
-            <p:nvSpPr>
-              <p:cNvPr id="3" name="Content Placeholder 2">
-                <a:extLst>
-                  <a:ext uri="{FF2B5EF4-FFF2-40B4-BE49-F238E27FC236}">
-                    <a16:creationId xmlns:a16="http://schemas.microsoft.com/office/drawing/2014/main" id="{8EAECEB3-7119-43D5-8AA6-90FA1D677946}"/>
-                  </a:ext>
-                </a:extLst>
-              </p:cNvPr>
-              <p:cNvSpPr>
-                <a:spLocks noGrp="1" noRot="1" noChangeAspect="1" noMove="1" noResize="1" noEditPoints="1" noAdjustHandles="1" noChangeArrowheads="1" noChangeShapeType="1" noTextEdit="1"/>
-              </p:cNvSpPr>
-              <p:nvPr>
-                <p:ph idx="1"/>
-              </p:nvPr>
-            </p:nvSpPr>
-            <p:spPr>
-              <a:blipFill>
-                <a:blip r:embed="rId2"/>
-                <a:stretch>
-                  <a:fillRect l="-696" t="-2521"/>
-                </a:stretch>
-              </a:blipFill>
-            </p:spPr>
-            <p:txBody>
-              <a:bodyPr/>
-              <a:lstStyle/>
-              <a:p>
-                <a:r>
-                  <a:rPr lang="en-US">
-                    <a:noFill/>
-                  </a:rPr>
-                  <a:t> </a:t>
-                </a:r>
-              </a:p>
-            </p:txBody>
-          </p:sp>
-        </mc:Fallback>
-      </mc:AlternateContent>
-    </p:spTree>
-    <p:extLst>
-      <p:ext uri="{BB962C8B-B14F-4D97-AF65-F5344CB8AC3E}">
-        <p14:creationId xmlns:p14="http://schemas.microsoft.com/office/powerpoint/2010/main" val="346883335"/>
       </p:ext>
     </p:extLst>
   </p:cSld>
@@ -16219,48 +16780,6 @@
           </p:sp>
         </mc:Fallback>
       </mc:AlternateContent>
-      <p:pic>
-        <p:nvPicPr>
-          <p:cNvPr id="5" name="Picture 4" descr="Jigsaw piece bridging the gap">
-            <a:extLst>
-              <a:ext uri="{FF2B5EF4-FFF2-40B4-BE49-F238E27FC236}">
-                <a16:creationId xmlns:a16="http://schemas.microsoft.com/office/drawing/2014/main" id="{5631F5C8-36EB-414D-B076-3BB116400890}"/>
-              </a:ext>
-            </a:extLst>
-          </p:cNvPr>
-          <p:cNvPicPr>
-            <a:picLocks noChangeAspect="1"/>
-          </p:cNvPicPr>
-          <p:nvPr/>
-        </p:nvPicPr>
-        <p:blipFill rotWithShape="1">
-          <a:blip r:embed="rId3">
-            <a:extLst>
-              <a:ext uri="{BEBA8EAE-BF5A-486C-A8C5-ECC9F3942E4B}">
-                <a14:imgProps xmlns:a14="http://schemas.microsoft.com/office/drawing/2010/main">
-                  <a14:imgLayer r:embed="rId4">
-                    <a14:imgEffect>
-                      <a14:saturation sat="0"/>
-                    </a14:imgEffect>
-                  </a14:imgLayer>
-                </a14:imgProps>
-              </a:ext>
-            </a:extLst>
-          </a:blip>
-          <a:srcRect l="17917" r="44062"/>
-          <a:stretch/>
-        </p:blipFill>
-        <p:spPr>
-          <a:xfrm>
-            <a:off x="20" y="10"/>
-            <a:ext cx="3476673" cy="6857990"/>
-          </a:xfrm>
-          <a:prstGeom prst="rect">
-            <a:avLst/>
-          </a:prstGeom>
-          <a:effectLst/>
-        </p:spPr>
-      </p:pic>
       <p:cxnSp>
         <p:nvCxnSpPr>
           <p:cNvPr id="9" name="Straight Connector 8">
@@ -16313,6 +16832,51 @@
           </a:fontRef>
         </p:style>
       </p:cxnSp>
+      <p:pic>
+        <p:nvPicPr>
+          <p:cNvPr id="6" name="Picture 2" descr="Reflected Chess pieces">
+            <a:extLst>
+              <a:ext uri="{FF2B5EF4-FFF2-40B4-BE49-F238E27FC236}">
+                <a16:creationId xmlns:a16="http://schemas.microsoft.com/office/drawing/2014/main" id="{932AC7A2-B898-4053-9E19-C47E7A2F3659}"/>
+              </a:ext>
+            </a:extLst>
+          </p:cNvPr>
+          <p:cNvPicPr>
+            <a:picLocks noChangeAspect="1" noChangeArrowheads="1"/>
+          </p:cNvPicPr>
+          <p:nvPr/>
+        </p:nvPicPr>
+        <p:blipFill rotWithShape="1">
+          <a:blip r:embed="rId3">
+            <a:extLst>
+              <a:ext uri="{28A0092B-C50C-407E-A947-70E740481C1C}">
+                <a14:useLocalDpi xmlns:a14="http://schemas.microsoft.com/office/drawing/2010/main" val="0"/>
+              </a:ext>
+            </a:extLst>
+          </a:blip>
+          <a:srcRect l="47863" t="1982" r="19372" b="938"/>
+          <a:stretch/>
+        </p:blipFill>
+        <p:spPr bwMode="auto">
+          <a:xfrm>
+            <a:off x="0" y="0"/>
+            <a:ext cx="3384395" cy="6842361"/>
+          </a:xfrm>
+          <a:prstGeom prst="rect">
+            <a:avLst/>
+          </a:prstGeom>
+          <a:noFill/>
+          <a:extLst>
+            <a:ext uri="{909E8E84-426E-40DD-AFC4-6F175D3DCCD1}">
+              <a14:hiddenFill xmlns:a14="http://schemas.microsoft.com/office/drawing/2010/main">
+                <a:solidFill>
+                  <a:srgbClr val="FFFFFF"/>
+                </a:solidFill>
+              </a14:hiddenFill>
+            </a:ext>
+          </a:extLst>
+        </p:spPr>
+      </p:pic>
     </p:spTree>
     <p:extLst>
       <p:ext uri="{BB962C8B-B14F-4D97-AF65-F5344CB8AC3E}">
@@ -16348,7 +16912,7 @@
           <p:cNvPr id="2" name="Title 1">
             <a:extLst>
               <a:ext uri="{FF2B5EF4-FFF2-40B4-BE49-F238E27FC236}">
-                <a16:creationId xmlns:a16="http://schemas.microsoft.com/office/drawing/2014/main" id="{E8FF6DBF-B9CA-44E6-95FD-A1C8CEF53349}"/>
+                <a16:creationId xmlns:a16="http://schemas.microsoft.com/office/drawing/2014/main" id="{AB04E43B-925E-4BA3-8C88-AED93840BDC2}"/>
               </a:ext>
             </a:extLst>
           </p:cNvPr>
@@ -16366,13 +16930,239 @@
           <a:p>
             <a:r>
               <a:rPr lang="en-US" dirty="0"/>
+              <a:t>Idea</a:t>
+            </a:r>
+          </a:p>
+        </p:txBody>
+      </p:sp>
+      <mc:AlternateContent xmlns:mc="http://schemas.openxmlformats.org/markup-compatibility/2006">
+        <mc:Choice xmlns:a14="http://schemas.microsoft.com/office/drawing/2010/main" Requires="a14">
+          <p:sp>
+            <p:nvSpPr>
+              <p:cNvPr id="3" name="Content Placeholder 2">
+                <a:extLst>
+                  <a:ext uri="{FF2B5EF4-FFF2-40B4-BE49-F238E27FC236}">
+                    <a16:creationId xmlns:a16="http://schemas.microsoft.com/office/drawing/2014/main" id="{8EAECEB3-7119-43D5-8AA6-90FA1D677946}"/>
+                  </a:ext>
+                </a:extLst>
+              </p:cNvPr>
+              <p:cNvSpPr>
+                <a:spLocks noGrp="1"/>
+              </p:cNvSpPr>
+              <p:nvPr>
+                <p:ph idx="1"/>
+              </p:nvPr>
+            </p:nvSpPr>
+            <p:spPr/>
+            <p:txBody>
+              <a:bodyPr>
+                <a:normAutofit fontScale="92500" lnSpcReduction="20000"/>
+              </a:bodyPr>
+              <a:lstStyle/>
+              <a:p>
+                <a:r>
+                  <a:rPr lang="en-US" b="1" dirty="0"/>
+                  <a:t>Approximate </a:t>
+                </a:r>
+                <a14:m>
+                  <m:oMath xmlns:m="http://schemas.openxmlformats.org/officeDocument/2006/math">
+                    <m:r>
+                      <a:rPr lang="en-US" b="1" i="1">
+                        <a:latin typeface="Cambria Math" panose="02040503050406030204" pitchFamily="18" charset="0"/>
+                      </a:rPr>
+                      <m:t>𝑬𝒗𝒂𝒍</m:t>
+                    </m:r>
+                    <m:d>
+                      <m:dPr>
+                        <m:ctrlPr>
+                          <a:rPr lang="en-US" b="1" i="1">
+                            <a:latin typeface="Cambria Math" panose="02040503050406030204" pitchFamily="18" charset="0"/>
+                          </a:rPr>
+                        </m:ctrlPr>
+                      </m:dPr>
+                      <m:e>
+                        <m:r>
+                          <a:rPr lang="en-US" b="1" i="1">
+                            <a:latin typeface="Cambria Math" panose="02040503050406030204" pitchFamily="18" charset="0"/>
+                          </a:rPr>
+                          <m:t>𝒔</m:t>
+                        </m:r>
+                      </m:e>
+                    </m:d>
+                  </m:oMath>
+                </a14:m>
+                <a:r>
+                  <a:rPr lang="en-US" b="1" dirty="0"/>
+                  <a:t> </a:t>
+                </a:r>
+                <a:r>
+                  <a:rPr lang="en-US" dirty="0"/>
+                  <a:t>as the average utility of several simulation runs to the terminal state (called playouts).</a:t>
+                </a:r>
+              </a:p>
+              <a:p>
+                <a:endParaRPr lang="en-US" b="1" dirty="0"/>
+              </a:p>
+              <a:p>
+                <a:r>
+                  <a:rPr lang="en-US" b="1" dirty="0"/>
+                  <a:t>Playout policy</a:t>
+                </a:r>
+                <a:r>
+                  <a:rPr lang="en-US" dirty="0"/>
+                  <a:t>: How to choose moves during the simulation runs? Example policies: </a:t>
+                </a:r>
+              </a:p>
+              <a:p>
+                <a:pPr lvl="1"/>
+                <a:r>
+                  <a:rPr lang="en-US" dirty="0"/>
+                  <a:t>Random.</a:t>
+                </a:r>
+              </a:p>
+              <a:p>
+                <a:pPr lvl="1"/>
+                <a:r>
+                  <a:rPr lang="en-US" dirty="0"/>
+                  <a:t>Heuristics for good moves developed by experts.</a:t>
+                </a:r>
+              </a:p>
+              <a:p>
+                <a:pPr lvl="1"/>
+                <a:r>
+                  <a:rPr lang="en-US" dirty="0"/>
+                  <a:t>Learn good moves from self-play (e.g., with deep neural networks).</a:t>
+                </a:r>
+              </a:p>
+              <a:p>
+                <a:endParaRPr lang="en-US" dirty="0"/>
+              </a:p>
+              <a:p>
+                <a:r>
+                  <a:rPr lang="en-US" dirty="0"/>
+                  <a:t>Typically used for problems with</a:t>
+                </a:r>
+              </a:p>
+              <a:p>
+                <a:pPr lvl="1"/>
+                <a:r>
+                  <a:rPr lang="en-US" dirty="0"/>
+                  <a:t>High branching factor (many possible moves).</a:t>
+                </a:r>
+              </a:p>
+              <a:p>
+                <a:pPr lvl="1"/>
+                <a:r>
+                  <a:rPr lang="en-US" dirty="0"/>
+                  <a:t>Unknown or hard to define good evaluation functions.</a:t>
+                </a:r>
+              </a:p>
+              <a:p>
+                <a:endParaRPr lang="en-US" dirty="0"/>
+              </a:p>
+            </p:txBody>
+          </p:sp>
+        </mc:Choice>
+        <mc:Fallback>
+          <p:sp>
+            <p:nvSpPr>
+              <p:cNvPr id="3" name="Content Placeholder 2">
+                <a:extLst>
+                  <a:ext uri="{FF2B5EF4-FFF2-40B4-BE49-F238E27FC236}">
+                    <a16:creationId xmlns:a16="http://schemas.microsoft.com/office/drawing/2014/main" id="{8EAECEB3-7119-43D5-8AA6-90FA1D677946}"/>
+                  </a:ext>
+                </a:extLst>
+              </p:cNvPr>
+              <p:cNvSpPr>
+                <a:spLocks noGrp="1" noRot="1" noChangeAspect="1" noMove="1" noResize="1" noEditPoints="1" noAdjustHandles="1" noChangeArrowheads="1" noChangeShapeType="1" noTextEdit="1"/>
+              </p:cNvSpPr>
+              <p:nvPr>
+                <p:ph idx="1"/>
+              </p:nvPr>
+            </p:nvSpPr>
+            <p:spPr>
+              <a:blipFill>
+                <a:blip r:embed="rId2"/>
+                <a:stretch>
+                  <a:fillRect l="-1159" t="-3501" b="-1261"/>
+                </a:stretch>
+              </a:blipFill>
+            </p:spPr>
+            <p:txBody>
+              <a:bodyPr/>
+              <a:lstStyle/>
+              <a:p>
+                <a:r>
+                  <a:rPr lang="en-US">
+                    <a:noFill/>
+                  </a:rPr>
+                  <a:t> </a:t>
+                </a:r>
+              </a:p>
+            </p:txBody>
+          </p:sp>
+        </mc:Fallback>
+      </mc:AlternateContent>
+    </p:spTree>
+    <p:extLst>
+      <p:ext uri="{BB962C8B-B14F-4D97-AF65-F5344CB8AC3E}">
+        <p14:creationId xmlns:p14="http://schemas.microsoft.com/office/powerpoint/2010/main" val="346883335"/>
+      </p:ext>
+    </p:extLst>
+  </p:cSld>
+  <p:clrMapOvr>
+    <a:masterClrMapping/>
+  </p:clrMapOvr>
+</p:sld>
+</file>
+
+<file path=ppt/slides/slide31.xml><?xml version="1.0" encoding="utf-8"?>
+<p:sld xmlns:a="http://schemas.openxmlformats.org/drawingml/2006/main" xmlns:r="http://schemas.openxmlformats.org/officeDocument/2006/relationships" xmlns:p="http://schemas.openxmlformats.org/presentationml/2006/main">
+  <p:cSld>
+    <p:spTree>
+      <p:nvGrpSpPr>
+        <p:cNvPr id="1" name=""/>
+        <p:cNvGrpSpPr/>
+        <p:nvPr/>
+      </p:nvGrpSpPr>
+      <p:grpSpPr>
+        <a:xfrm>
+          <a:off x="0" y="0"/>
+          <a:ext cx="0" cy="0"/>
+          <a:chOff x="0" y="0"/>
+          <a:chExt cx="0" cy="0"/>
+        </a:xfrm>
+      </p:grpSpPr>
+      <p:sp>
+        <p:nvSpPr>
+          <p:cNvPr id="2" name="Title 1">
+            <a:extLst>
+              <a:ext uri="{FF2B5EF4-FFF2-40B4-BE49-F238E27FC236}">
+                <a16:creationId xmlns:a16="http://schemas.microsoft.com/office/drawing/2014/main" id="{E8FF6DBF-B9CA-44E6-95FD-A1C8CEF53349}"/>
+              </a:ext>
+            </a:extLst>
+          </p:cNvPr>
+          <p:cNvSpPr>
+            <a:spLocks noGrp="1"/>
+          </p:cNvSpPr>
+          <p:nvPr>
+            <p:ph type="title"/>
+          </p:nvPr>
+        </p:nvSpPr>
+        <p:spPr/>
+        <p:txBody>
+          <a:bodyPr/>
+          <a:lstStyle/>
+          <a:p>
+            <a:r>
+              <a:rPr lang="en-US" dirty="0"/>
               <a:t>Pure Monte Carlo Search</a:t>
             </a:r>
           </a:p>
         </p:txBody>
       </p:sp>
-      <mc:AlternateContent xmlns:mc="http://schemas.openxmlformats.org/markup-compatibility/2006" xmlns:a14="http://schemas.microsoft.com/office/drawing/2010/main">
-        <mc:Choice Requires="a14">
+      <mc:AlternateContent xmlns:mc="http://schemas.openxmlformats.org/markup-compatibility/2006">
+        <mc:Choice xmlns:a14="http://schemas.microsoft.com/office/drawing/2010/main" Requires="a14">
           <p:sp>
             <p:nvSpPr>
               <p:cNvPr id="3" name="Content Placeholder 2">
@@ -16391,8 +17181,22 @@
             </p:nvSpPr>
             <p:spPr/>
             <p:txBody>
-              <a:bodyPr/>
+              <a:bodyPr>
+                <a:normAutofit lnSpcReduction="10000"/>
+              </a:bodyPr>
               <a:lstStyle/>
+              <a:p>
+                <a:pPr marL="0" indent="0">
+                  <a:buNone/>
+                </a:pPr>
+                <a:r>
+                  <a:rPr lang="en-US" dirty="0"/>
+                  <a:t>Find the next best move.</a:t>
+                </a:r>
+              </a:p>
+              <a:p>
+                <a:endParaRPr lang="en-US" dirty="0"/>
+              </a:p>
               <a:p>
                 <a:r>
                   <a:rPr lang="en-US" dirty="0"/>
@@ -16486,7 +17290,7 @@
             </p:txBody>
           </p:sp>
         </mc:Choice>
-        <mc:Fallback xmlns="">
+        <mc:Fallback>
           <p:sp>
             <p:nvSpPr>
               <p:cNvPr id="3" name="Content Placeholder 2">
@@ -16507,7 +17311,7 @@
               <a:blipFill>
                 <a:blip r:embed="rId2"/>
                 <a:stretch>
-                  <a:fillRect l="-1391" t="-2241" r="-2087"/>
+                  <a:fillRect l="-1546" t="-3081" r="-2087"/>
                 </a:stretch>
               </a:blipFill>
             </p:spPr>
@@ -16539,7 +17343,7 @@
 </p:sld>
 </file>
 
-<file path=ppt/slides/slide31.xml><?xml version="1.0" encoding="utf-8"?>
+<file path=ppt/slides/slide32.xml><?xml version="1.0" encoding="utf-8"?>
 <p:sld xmlns:a="http://schemas.openxmlformats.org/drawingml/2006/main" xmlns:r="http://schemas.openxmlformats.org/officeDocument/2006/relationships" xmlns:p="http://schemas.openxmlformats.org/presentationml/2006/main">
   <p:cSld>
     <p:spTree>
@@ -16579,7 +17383,7 @@
           <a:p>
             <a:r>
               <a:rPr lang="en-US" dirty="0"/>
-              <a:t>Selection Policy</a:t>
+              <a:t>Monte Carlo Tree Search</a:t>
             </a:r>
           </a:p>
         </p:txBody>
@@ -16607,15 +17411,17 @@
           <a:p>
             <a:r>
               <a:rPr lang="en-US" dirty="0"/>
-              <a:t>Select the starting state for playouts to </a:t>
-            </a:r>
+              <a:t>Plan ahead and build a game tree using simulation. </a:t>
+            </a:r>
+          </a:p>
+          <a:p>
             <a:r>
               <a:rPr lang="en-US" b="1" dirty="0"/>
-              <a:t>focus</a:t>
+              <a:t>Select the starting state </a:t>
             </a:r>
             <a:r>
               <a:rPr lang="en-US" dirty="0"/>
-              <a:t> on important parts of the game tree. It is a tradeoff between:</a:t>
+              <a:t>for playouts to focus on important parts of the game tree. It is a tradeoff between:</a:t>
             </a:r>
           </a:p>
           <a:p>
@@ -16632,7 +17438,7 @@
             </a:r>
             <a:r>
               <a:rPr lang="en-US" dirty="0"/>
-              <a:t>: search from states that have few playouts.</a:t>
+              <a:t>: search from states that currently have few playouts.</a:t>
             </a:r>
           </a:p>
           <a:p>
@@ -16683,7 +17489,7 @@
 </p:sld>
 </file>
 
-<file path=ppt/slides/slide32.xml><?xml version="1.0" encoding="utf-8"?>
+<file path=ppt/slides/slide33.xml><?xml version="1.0" encoding="utf-8"?>
 <p:sld xmlns:a="http://schemas.openxmlformats.org/drawingml/2006/main" xmlns:r="http://schemas.openxmlformats.org/officeDocument/2006/relationships" xmlns:p="http://schemas.openxmlformats.org/presentationml/2006/main">
   <p:cSld>
     <p:spTree>
@@ -17463,7 +18269,7 @@
 </p:sld>
 </file>
 
-<file path=ppt/slides/slide33.xml><?xml version="1.0" encoding="utf-8"?>
+<file path=ppt/slides/slide34.xml><?xml version="1.0" encoding="utf-8"?>
 <p:sld xmlns:a="http://schemas.openxmlformats.org/drawingml/2006/main" xmlns:r="http://schemas.openxmlformats.org/officeDocument/2006/relationships" xmlns:p="http://schemas.openxmlformats.org/presentationml/2006/main">
   <p:cSld>
     <p:spTree>
@@ -17509,6 +18315,20 @@
             <a:avLst/>
           </a:prstGeom>
         </p:spPr>
+        <p:style>
+          <a:lnRef idx="2">
+            <a:schemeClr val="accent2"/>
+          </a:lnRef>
+          <a:fillRef idx="1">
+            <a:schemeClr val="lt1"/>
+          </a:fillRef>
+          <a:effectRef idx="0">
+            <a:schemeClr val="accent2"/>
+          </a:effectRef>
+          <a:fontRef idx="minor">
+            <a:schemeClr val="dk1"/>
+          </a:fontRef>
+        </p:style>
       </p:pic>
       <p:pic>
         <p:nvPicPr>
@@ -17655,7 +18475,7 @@
         <p:spPr>
           <a:xfrm>
             <a:off x="5105400" y="1676400"/>
-            <a:ext cx="3447426" cy="643689"/>
+            <a:ext cx="3352800" cy="643689"/>
           </a:xfrm>
           <a:prstGeom prst="wedgeRectCallout">
             <a:avLst>
@@ -18353,7 +19173,7 @@
 </p:sld>
 </file>
 
-<file path=ppt/slides/slide34.xml><?xml version="1.0" encoding="utf-8"?>
+<file path=ppt/slides/slide35.xml><?xml version="1.0" encoding="utf-8"?>
 <p:sld xmlns:a="http://schemas.openxmlformats.org/drawingml/2006/main" xmlns:r="http://schemas.openxmlformats.org/officeDocument/2006/relationships" xmlns:p="http://schemas.openxmlformats.org/presentationml/2006/main">
   <p:cSld>
     <p:bg>
@@ -18587,7 +19407,7 @@
 </p:sld>
 </file>
 
-<file path=ppt/slides/slide35.xml><?xml version="1.0" encoding="utf-8"?>
+<file path=ppt/slides/slide36.xml><?xml version="1.0" encoding="utf-8"?>
 <p:sld xmlns:a="http://schemas.openxmlformats.org/drawingml/2006/main" xmlns:r="http://schemas.openxmlformats.org/officeDocument/2006/relationships" xmlns:p="http://schemas.openxmlformats.org/presentationml/2006/main">
   <p:cSld>
     <p:spTree>
@@ -18869,7 +19689,7 @@
 </p:sld>
 </file>
 
-<file path=ppt/slides/slide36.xml><?xml version="1.0" encoding="utf-8"?>
+<file path=ppt/slides/slide37.xml><?xml version="1.0" encoding="utf-8"?>
 <p:sld xmlns:a="http://schemas.openxmlformats.org/drawingml/2006/main" xmlns:r="http://schemas.openxmlformats.org/officeDocument/2006/relationships" xmlns:p="http://schemas.openxmlformats.org/presentationml/2006/main">
   <p:cSld>
     <p:spTree>
@@ -18915,8 +19735,8 @@
           </a:p>
         </p:txBody>
       </p:sp>
-      <mc:AlternateContent xmlns:mc="http://schemas.openxmlformats.org/markup-compatibility/2006" xmlns:a14="http://schemas.microsoft.com/office/drawing/2010/main">
-        <mc:Choice Requires="a14">
+      <mc:AlternateContent xmlns:mc="http://schemas.openxmlformats.org/markup-compatibility/2006">
+        <mc:Choice xmlns:a14="http://schemas.microsoft.com/office/drawing/2010/main" Requires="a14">
           <p:sp>
             <p:nvSpPr>
               <p:cNvPr id="5" name="Content Placeholder 4">
@@ -18967,7 +19787,7 @@
               <a:p>
                 <a:r>
                   <a:rPr lang="en-US" dirty="0"/>
-                  <a:t>Add </a:t>
+                  <a:t>For </a:t>
                 </a:r>
                 <a:r>
                   <a:rPr lang="en-US" b="1" dirty="0"/>
@@ -18975,7 +19795,7 @@
                 </a:r>
                 <a:r>
                   <a:rPr lang="en-US" dirty="0"/>
-                  <a:t>that calculate the expected value.</a:t>
+                  <a:t>we calculate the expected minimax value.</a:t>
                 </a:r>
               </a:p>
               <a:p>
@@ -19684,7 +20504,7 @@
                 <a:pPr lvl="1"/>
                 <a:r>
                   <a:rPr lang="en-US" dirty="0"/>
-                  <a:t>Use Minimax algorithm. Issue: Search tree size explodes if the number of “random actions” is large. Think of drawing cards!</a:t>
+                  <a:t>Use Minimax algorithm. Issue: Search tree size explodes if the number of “random actions” is large. Think of drawing cards for poker!</a:t>
                 </a:r>
               </a:p>
               <a:p>
@@ -19718,7 +20538,7 @@
             </p:txBody>
           </p:sp>
         </mc:Choice>
-        <mc:Fallback xmlns="">
+        <mc:Fallback>
           <p:sp>
             <p:nvSpPr>
               <p:cNvPr id="5" name="Content Placeholder 4">
@@ -19827,7 +20647,7 @@
 </p:sld>
 </file>
 
-<file path=ppt/slides/slide37.xml><?xml version="1.0" encoding="utf-8"?>
+<file path=ppt/slides/slide38.xml><?xml version="1.0" encoding="utf-8"?>
 <p:sld xmlns:a="http://schemas.openxmlformats.org/drawingml/2006/main" xmlns:r="http://schemas.openxmlformats.org/officeDocument/2006/relationships" xmlns:p="http://schemas.openxmlformats.org/presentationml/2006/main">
   <p:cSld>
     <p:bg>
@@ -20231,8 +21051,8 @@
         </p:nvSpPr>
         <p:spPr>
           <a:xfrm>
-            <a:off x="4018788" y="640263"/>
-            <a:ext cx="3819289" cy="5254510"/>
+            <a:off x="4018788" y="640262"/>
+            <a:ext cx="3819289" cy="5760537"/>
           </a:xfrm>
         </p:spPr>
         <p:txBody>
@@ -20269,7 +21089,23 @@
                   <a:schemeClr val="bg1"/>
                 </a:solidFill>
               </a:rPr>
-              <a:t>The opponent is seen as part of an environment with nondeterministic actions. Non-determinism is the result of the unknown moves by the opponent.</a:t>
+              <a:t>The opponent is seen as part of an environment with nondeterministic actions. Non-determinism is the result of the unknown moves by the opponent. </a:t>
+            </a:r>
+            <a:r>
+              <a:rPr lang="en-US" sz="1600" i="1" dirty="0">
+                <a:solidFill>
+                  <a:schemeClr val="bg1"/>
+                </a:solidFill>
+              </a:rPr>
+              <a:t>All possible moves are considered</a:t>
+            </a:r>
+            <a:r>
+              <a:rPr lang="en-US" sz="1600" dirty="0">
+                <a:solidFill>
+                  <a:schemeClr val="bg1"/>
+                </a:solidFill>
+              </a:rPr>
+              <a:t>.</a:t>
             </a:r>
           </a:p>
           <a:p>
@@ -20301,7 +21137,23 @@
                   <a:schemeClr val="bg1"/>
                 </a:solidFill>
               </a:rPr>
-              <a:t>Minimax search and Alpha-Beta pruning where each player plays optimal to the end of the game.</a:t>
+              <a:t>Minimax search and Alpha-Beta pruning where </a:t>
+            </a:r>
+            <a:r>
+              <a:rPr lang="en-US" sz="1600" i="1" dirty="0">
+                <a:solidFill>
+                  <a:schemeClr val="bg1"/>
+                </a:solidFill>
+              </a:rPr>
+              <a:t>each player plays optimal </a:t>
+            </a:r>
+            <a:r>
+              <a:rPr lang="en-US" sz="1600" dirty="0">
+                <a:solidFill>
+                  <a:schemeClr val="bg1"/>
+                </a:solidFill>
+              </a:rPr>
+              <a:t>to the end of the game.</a:t>
             </a:r>
           </a:p>
           <a:p>
@@ -20370,7 +21222,23 @@
                   <a:schemeClr val="bg1"/>
                 </a:solidFill>
               </a:rPr>
-              <a:t>Cut off search tree and use heuristic evaluation function for utility (based on state features). </a:t>
+              <a:t>Cut off game tree and use </a:t>
+            </a:r>
+            <a:r>
+              <a:rPr lang="en-US" sz="1600" i="1" dirty="0">
+                <a:solidFill>
+                  <a:schemeClr val="bg1"/>
+                </a:solidFill>
+              </a:rPr>
+              <a:t>heuristic evaluation function </a:t>
+            </a:r>
+            <a:r>
+              <a:rPr lang="en-US" sz="1600" dirty="0">
+                <a:solidFill>
+                  <a:schemeClr val="bg1"/>
+                </a:solidFill>
+              </a:rPr>
+              <a:t>for utility (based on state features). </a:t>
             </a:r>
           </a:p>
           <a:p>
@@ -20423,7 +21291,7 @@
                   <a:schemeClr val="bg1"/>
                 </a:solidFill>
               </a:rPr>
-              <a:t>Simulate complete games and average the results.</a:t>
+              <a:t>Simulate complete games and calculate proportion of wins.</a:t>
             </a:r>
           </a:p>
           <a:p>
@@ -20445,7 +21313,7 @@
                   <a:schemeClr val="bg1"/>
                 </a:solidFill>
               </a:rPr>
-              <a:t>Use modified UCB1 scores.</a:t>
+              <a:t>Use modified UCB1 scores to expand the game tree.</a:t>
             </a:r>
           </a:p>
           <a:p>
@@ -20557,7 +21425,7 @@
         </p:nvSpPr>
         <p:spPr>
           <a:xfrm rot="5400000">
-            <a:off x="7664343" y="5161410"/>
+            <a:off x="7664343" y="5365858"/>
             <a:ext cx="1652247" cy="369332"/>
           </a:xfrm>
           <a:prstGeom prst="rect">
@@ -20596,7 +21464,7 @@
         </p:nvSpPr>
         <p:spPr>
           <a:xfrm>
-            <a:off x="7924802" y="4742041"/>
+            <a:off x="7924802" y="4946489"/>
             <a:ext cx="76198" cy="997111"/>
           </a:xfrm>
           <a:prstGeom prst="rightBrace">
@@ -21185,8 +22053,8 @@
             </p:nvSpPr>
             <p:spPr>
               <a:xfrm>
-                <a:off x="5667375" y="3824082"/>
-                <a:ext cx="2743200" cy="2031325"/>
+                <a:off x="5667375" y="3657600"/>
+                <a:ext cx="2743200" cy="2862322"/>
               </a:xfrm>
               <a:prstGeom prst="rect">
                 <a:avLst/>
@@ -21214,7 +22082,7 @@
               <a:p>
                 <a:r>
                   <a:rPr lang="en-US" dirty="0"/>
-                  <a:t>The state space is:</a:t>
+                  <a:t>The state space is a little smaller than:</a:t>
                 </a:r>
               </a:p>
               <a:p>
@@ -21305,6 +22173,15 @@
                 </a14:m>
                 <a:endParaRPr lang="en-US" dirty="0"/>
               </a:p>
+              <a:p>
+                <a:endParaRPr lang="en-US" dirty="0"/>
+              </a:p>
+              <a:p>
+                <a:r>
+                  <a:rPr lang="en-US" dirty="0"/>
+                  <a:t>What can we do?</a:t>
+                </a:r>
+              </a:p>
             </p:txBody>
           </p:sp>
         </mc:Choice>
@@ -21325,8 +22202,8 @@
             </p:nvSpPr>
             <p:spPr>
               <a:xfrm>
-                <a:off x="5667375" y="3824082"/>
-                <a:ext cx="2743200" cy="2031325"/>
+                <a:off x="5667375" y="3657600"/>
+                <a:ext cx="2743200" cy="2862322"/>
               </a:xfrm>
               <a:prstGeom prst="rect">
                 <a:avLst/>
@@ -21334,7 +22211,7 @@
               <a:blipFill>
                 <a:blip r:embed="rId3"/>
                 <a:stretch>
-                  <a:fillRect l="-1766" t="-1187"/>
+                  <a:fillRect l="-1766" t="-846" b="-1903"/>
                 </a:stretch>
               </a:blipFill>
             </p:spPr>
@@ -21353,35 +22230,6 @@
           </p:sp>
         </mc:Fallback>
       </mc:AlternateContent>
-      <p:pic>
-        <p:nvPicPr>
-          <p:cNvPr id="5" name="Picture 4">
-            <a:extLst>
-              <a:ext uri="{FF2B5EF4-FFF2-40B4-BE49-F238E27FC236}">
-                <a16:creationId xmlns:a16="http://schemas.microsoft.com/office/drawing/2014/main" id="{36413BAA-B254-4479-8C8B-717C112B7526}"/>
-              </a:ext>
-            </a:extLst>
-          </p:cNvPr>
-          <p:cNvPicPr>
-            <a:picLocks noChangeAspect="1"/>
-          </p:cNvPicPr>
-          <p:nvPr/>
-        </p:nvPicPr>
-        <p:blipFill rotWithShape="1">
-          <a:blip r:embed="rId4"/>
-          <a:srcRect l="21698" t="53075" r="71698" b="36069"/>
-          <a:stretch/>
-        </p:blipFill>
-        <p:spPr>
-          <a:xfrm>
-            <a:off x="4800600" y="4343399"/>
-            <a:ext cx="533400" cy="533401"/>
-          </a:xfrm>
-          <a:prstGeom prst="rect">
-            <a:avLst/>
-          </a:prstGeom>
-        </p:spPr>
-      </p:pic>
       <p:sp>
         <p:nvSpPr>
           <p:cNvPr id="16" name="Freeform: Shape 15">
@@ -21478,6 +22326,35 @@
           </a:p>
         </p:txBody>
       </p:sp>
+      <p:pic>
+        <p:nvPicPr>
+          <p:cNvPr id="7" name="Picture 6">
+            <a:extLst>
+              <a:ext uri="{FF2B5EF4-FFF2-40B4-BE49-F238E27FC236}">
+                <a16:creationId xmlns:a16="http://schemas.microsoft.com/office/drawing/2014/main" id="{FC81C63D-4E67-4F6A-A5B3-A9BAA1F5F24B}"/>
+              </a:ext>
+            </a:extLst>
+          </p:cNvPr>
+          <p:cNvPicPr>
+            <a:picLocks noChangeAspect="1"/>
+          </p:cNvPicPr>
+          <p:nvPr/>
+        </p:nvPicPr>
+        <p:blipFill rotWithShape="1">
+          <a:blip r:embed="rId2"/>
+          <a:srcRect l="20780" t="50229" r="70729" b="24293"/>
+          <a:stretch/>
+        </p:blipFill>
+        <p:spPr>
+          <a:xfrm>
+            <a:off x="4648200" y="4158344"/>
+            <a:ext cx="685799" cy="1251856"/>
+          </a:xfrm>
+          <a:prstGeom prst="rect">
+            <a:avLst/>
+          </a:prstGeom>
+        </p:spPr>
+      </p:pic>
     </p:spTree>
     <p:extLst>
       <p:ext uri="{BB962C8B-B14F-4D97-AF65-F5344CB8AC3E}">
@@ -22020,7 +22897,7 @@
                   <a:schemeClr val="bg1"/>
                 </a:solidFill>
               </a:rPr>
-              <a:t>(state space is too large)</a:t>
+              <a:t>(game tree is too large)</a:t>
             </a:r>
             <a:endParaRPr lang="en-US" sz="2600" dirty="0">
               <a:solidFill>
@@ -22057,7 +22934,7 @@
                   <a:schemeClr val="bg1"/>
                 </a:solidFill>
               </a:rPr>
-              <a:t>Cut off search tree and use heuristic for utility. </a:t>
+              <a:t>Cut off game tree and use heuristic for utility. </a:t>
             </a:r>
           </a:p>
           <a:p>
@@ -22965,7 +23842,7 @@
                   </a:schemeClr>
                 </a:solidFill>
               </a:rPr>
-              <a:t>(state space is too large)</a:t>
+              <a:t>(game tree is too large)</a:t>
             </a:r>
           </a:p>
           <a:p>
@@ -23003,7 +23880,7 @@
                   </a:schemeClr>
                 </a:solidFill>
               </a:rPr>
-              <a:t>Cut off search tree and use heuristic for utility. </a:t>
+              <a:t>Cut off game tree and use heuristic for utility. </a:t>
             </a:r>
           </a:p>
           <a:p>
@@ -23093,7 +23970,7 @@
         </p:nvSpPr>
         <p:spPr>
           <a:xfrm>
-            <a:off x="5791200" y="228600"/>
+            <a:off x="5791200" y="384175"/>
             <a:ext cx="3228975" cy="1597025"/>
           </a:xfrm>
           <a:prstGeom prst="wedgeRectCallout">
@@ -23179,10 +24056,15 @@
                 <p:ph idx="1"/>
               </p:nvPr>
             </p:nvSpPr>
-            <p:spPr/>
+            <p:spPr>
+              <a:xfrm>
+                <a:off x="628650" y="2057399"/>
+                <a:ext cx="7886700" cy="4119563"/>
+              </a:xfrm>
+            </p:spPr>
             <p:txBody>
               <a:bodyPr>
-                <a:normAutofit fontScale="92500"/>
+                <a:normAutofit/>
               </a:bodyPr>
               <a:lstStyle/>
               <a:p>
@@ -23458,159 +24340,6 @@
                   <a:latin typeface="Cambria Math" panose="02040503050406030204" pitchFamily="18" charset="0"/>
                 </a:endParaRPr>
               </a:p>
-              <a:p>
-                <a:pPr marL="0" indent="0">
-                  <a:buNone/>
-                </a:pPr>
-                <a:r>
-                  <a:rPr lang="en-US" dirty="0"/>
-                  <a:t>The set of possible states </a:t>
-                </a:r>
-                <a14:m>
-                  <m:oMath xmlns:m="http://schemas.openxmlformats.org/officeDocument/2006/math">
-                    <m:r>
-                      <m:rPr>
-                        <m:sty m:val="p"/>
-                      </m:rPr>
-                      <a:rPr lang="en-US" b="0" i="0" smtClean="0">
-                        <a:latin typeface="Cambria Math" panose="02040503050406030204" pitchFamily="18" charset="0"/>
-                      </a:rPr>
-                      <m:t>b</m:t>
-                    </m:r>
-                    <m:r>
-                      <a:rPr lang="en-US" b="0" i="0" smtClean="0">
-                        <a:latin typeface="Cambria Math" panose="02040503050406030204" pitchFamily="18" charset="0"/>
-                      </a:rPr>
-                      <m:t>=</m:t>
-                    </m:r>
-                    <m:d>
-                      <m:dPr>
-                        <m:begChr m:val="{"/>
-                        <m:endChr m:val="}"/>
-                        <m:ctrlPr>
-                          <a:rPr lang="en-US" i="1">
-                            <a:latin typeface="Cambria Math" panose="02040503050406030204" pitchFamily="18" charset="0"/>
-                          </a:rPr>
-                        </m:ctrlPr>
-                      </m:dPr>
-                      <m:e>
-                        <m:sSub>
-                          <m:sSubPr>
-                            <m:ctrlPr>
-                              <a:rPr lang="en-US" i="1">
-                                <a:latin typeface="Cambria Math" panose="02040503050406030204" pitchFamily="18" charset="0"/>
-                              </a:rPr>
-                            </m:ctrlPr>
-                          </m:sSubPr>
-                          <m:e>
-                            <m:r>
-                              <a:rPr lang="en-US" i="1">
-                                <a:latin typeface="Cambria Math" panose="02040503050406030204" pitchFamily="18" charset="0"/>
-                              </a:rPr>
-                              <m:t>𝑠</m:t>
-                            </m:r>
-                          </m:e>
-                          <m:sub>
-                            <m:r>
-                              <a:rPr lang="en-US" i="1">
-                                <a:latin typeface="Cambria Math" panose="02040503050406030204" pitchFamily="18" charset="0"/>
-                              </a:rPr>
-                              <m:t>2</m:t>
-                            </m:r>
-                          </m:sub>
-                        </m:sSub>
-                        <m:r>
-                          <a:rPr lang="en-US" i="1">
-                            <a:latin typeface="Cambria Math" panose="02040503050406030204" pitchFamily="18" charset="0"/>
-                          </a:rPr>
-                          <m:t>,</m:t>
-                        </m:r>
-                        <m:sSub>
-                          <m:sSubPr>
-                            <m:ctrlPr>
-                              <a:rPr lang="en-US" i="1">
-                                <a:latin typeface="Cambria Math" panose="02040503050406030204" pitchFamily="18" charset="0"/>
-                              </a:rPr>
-                            </m:ctrlPr>
-                          </m:sSubPr>
-                          <m:e>
-                            <m:r>
-                              <a:rPr lang="en-US" i="1">
-                                <a:latin typeface="Cambria Math" panose="02040503050406030204" pitchFamily="18" charset="0"/>
-                              </a:rPr>
-                              <m:t>𝑠</m:t>
-                            </m:r>
-                          </m:e>
-                          <m:sub>
-                            <m:r>
-                              <a:rPr lang="en-US" i="1">
-                                <a:latin typeface="Cambria Math" panose="02040503050406030204" pitchFamily="18" charset="0"/>
-                              </a:rPr>
-                              <m:t>4</m:t>
-                            </m:r>
-                          </m:sub>
-                        </m:sSub>
-                        <m:r>
-                          <a:rPr lang="en-US" i="1">
-                            <a:latin typeface="Cambria Math" panose="02040503050406030204" pitchFamily="18" charset="0"/>
-                          </a:rPr>
-                          <m:t>,</m:t>
-                        </m:r>
-                        <m:sSub>
-                          <m:sSubPr>
-                            <m:ctrlPr>
-                              <a:rPr lang="en-US" i="1">
-                                <a:latin typeface="Cambria Math" panose="02040503050406030204" pitchFamily="18" charset="0"/>
-                              </a:rPr>
-                            </m:ctrlPr>
-                          </m:sSubPr>
-                          <m:e>
-                            <m:r>
-                              <a:rPr lang="en-US" i="1">
-                                <a:latin typeface="Cambria Math" panose="02040503050406030204" pitchFamily="18" charset="0"/>
-                              </a:rPr>
-                              <m:t>𝑠</m:t>
-                            </m:r>
-                          </m:e>
-                          <m:sub>
-                            <m:r>
-                              <a:rPr lang="en-US" i="1">
-                                <a:latin typeface="Cambria Math" panose="02040503050406030204" pitchFamily="18" charset="0"/>
-                              </a:rPr>
-                              <m:t>5</m:t>
-                            </m:r>
-                          </m:sub>
-                        </m:sSub>
-                      </m:e>
-                    </m:d>
-                  </m:oMath>
-                </a14:m>
-                <a:r>
-                  <a:rPr lang="en-US" dirty="0"/>
-                  <a:t> is called a </a:t>
-                </a:r>
-                <a:r>
-                  <a:rPr lang="en-US" b="1" dirty="0">
-                    <a:solidFill>
-                      <a:srgbClr val="FF0000"/>
-                    </a:solidFill>
-                  </a:rPr>
-                  <a:t>belief state</a:t>
-                </a:r>
-                <a:r>
-                  <a:rPr lang="en-US" dirty="0">
-                    <a:solidFill>
-                      <a:srgbClr val="FF0000"/>
-                    </a:solidFill>
-                  </a:rPr>
-                  <a:t> </a:t>
-                </a:r>
-                <a:r>
-                  <a:rPr lang="en-US" dirty="0"/>
-                  <a:t>of the agent. </a:t>
-                </a:r>
-                <a:endParaRPr lang="en-US" b="1" dirty="0"/>
-              </a:p>
             </p:txBody>
           </p:sp>
         </mc:Choice>
@@ -23632,10 +24361,14 @@
               </p:nvPr>
             </p:nvSpPr>
             <p:spPr>
+              <a:xfrm>
+                <a:off x="628650" y="2057399"/>
+                <a:ext cx="7886700" cy="4119563"/>
+              </a:xfrm>
               <a:blipFill>
                 <a:blip r:embed="rId2"/>
                 <a:stretch>
-                  <a:fillRect l="-1391" t="-2101" r="-1623"/>
+                  <a:fillRect l="-1546" t="-2367"/>
                 </a:stretch>
               </a:blipFill>
             </p:spPr>

--- a/slides/05_games.pptx
+++ b/slides/05_games.pptx
@@ -246,7 +246,7 @@
             <a:fld id="{46E2045A-045A-4BC7-A4D3-1395440B1C3D}" type="datetimeFigureOut">
               <a:rPr lang="en-US" smtClean="0"/>
               <a:pPr/>
-              <a:t>10/25/2021</a:t>
+              <a:t>10/27/2021</a:t>
             </a:fld>
             <a:endParaRPr lang="en-US"/>
           </a:p>
@@ -4418,7 +4418,7 @@
                   </a:schemeClr>
                 </a:solidFill>
               </a:rPr>
-              <a:t>// check all states in belief state</a:t>
+              <a:t>// check all possible current states</a:t>
             </a:r>
           </a:p>
         </p:txBody>
@@ -4648,7 +4648,7 @@
         <p:spPr>
           <a:xfrm>
             <a:off x="8001000" y="4901625"/>
-            <a:ext cx="1219200" cy="584775"/>
+            <a:ext cx="1219200" cy="830997"/>
           </a:xfrm>
           <a:prstGeom prst="rect">
             <a:avLst/>
@@ -4660,6 +4660,19 @@
             <a:spAutoFit/>
           </a:bodyPr>
           <a:lstStyle/>
+          <a:p>
+            <a:pPr algn="ctr"/>
+            <a:r>
+              <a:rPr lang="en-US" sz="1600" dirty="0">
+                <a:solidFill>
+                  <a:schemeClr val="bg2">
+                    <a:lumMod val="50000"/>
+                  </a:schemeClr>
+                </a:solidFill>
+              </a:rPr>
+              <a:t>Go through</a:t>
+            </a:r>
+          </a:p>
           <a:p>
             <a:pPr algn="ctr"/>
             <a:r>
@@ -4684,6 +4697,60 @@
                 </a:solidFill>
               </a:rPr>
               <a:t>moves</a:t>
+            </a:r>
+          </a:p>
+        </p:txBody>
+      </p:sp>
+      <p:sp>
+        <p:nvSpPr>
+          <p:cNvPr id="14" name="Callout: Line 13">
+            <a:extLst>
+              <a:ext uri="{FF2B5EF4-FFF2-40B4-BE49-F238E27FC236}">
+                <a16:creationId xmlns:a16="http://schemas.microsoft.com/office/drawing/2014/main" id="{8DF35C95-703F-430B-B3B0-C746EC644F6A}"/>
+              </a:ext>
+            </a:extLst>
+          </p:cNvPr>
+          <p:cNvSpPr/>
+          <p:nvPr/>
+        </p:nvSpPr>
+        <p:spPr>
+          <a:xfrm>
+            <a:off x="5678663" y="3844830"/>
+            <a:ext cx="3276600" cy="557504"/>
+          </a:xfrm>
+          <a:prstGeom prst="borderCallout1">
+            <a:avLst>
+              <a:gd name="adj1" fmla="val 54831"/>
+              <a:gd name="adj2" fmla="val -989"/>
+              <a:gd name="adj3" fmla="val -32077"/>
+              <a:gd name="adj4" fmla="val -23965"/>
+            </a:avLst>
+          </a:prstGeom>
+        </p:spPr>
+        <p:style>
+          <a:lnRef idx="2">
+            <a:schemeClr val="accent1">
+              <a:shade val="50000"/>
+            </a:schemeClr>
+          </a:lnRef>
+          <a:fillRef idx="1">
+            <a:schemeClr val="accent1"/>
+          </a:fillRef>
+          <a:effectRef idx="0">
+            <a:schemeClr val="accent1"/>
+          </a:effectRef>
+          <a:fontRef idx="minor">
+            <a:schemeClr val="lt1"/>
+          </a:fontRef>
+        </p:style>
+        <p:txBody>
+          <a:bodyPr rtlCol="0" anchor="ctr"/>
+          <a:lstStyle/>
+          <a:p>
+            <a:pPr algn="ctr"/>
+            <a:r>
+              <a:rPr lang="en-US" dirty="0"/>
+              <a:t>all states that can result from opponent’s moves</a:t>
             </a:r>
           </a:p>
         </p:txBody>
@@ -10435,13 +10502,13 @@
         </p:spPr>
         <p:txBody>
           <a:bodyPr>
-            <a:normAutofit/>
+            <a:normAutofit fontScale="85000" lnSpcReduction="10000"/>
           </a:bodyPr>
           <a:lstStyle/>
           <a:p>
             <a:r>
               <a:rPr lang="en-US" sz="2000" dirty="0"/>
-              <a:t>Games typically confront the agent with a competitive (adversarial) environment affected by an opponent.</a:t>
+              <a:t>Games typically confront the agent with a competitive (adversarial) environment affected by an opponent (strategic environment).</a:t>
             </a:r>
           </a:p>
           <a:p>
@@ -10450,7 +10517,28 @@
           <a:p>
             <a:r>
               <a:rPr lang="en-US" sz="2000" dirty="0"/>
-              <a:t>We will focus on deterministic two-player zero-sum games with perfect information.</a:t>
+              <a:t>We will focus on</a:t>
+            </a:r>
+          </a:p>
+          <a:p>
+            <a:pPr lvl="1"/>
+            <a:r>
+              <a:rPr lang="en-US" sz="1600" dirty="0"/>
+              <a:t>two-player zero-sum games with </a:t>
+            </a:r>
+          </a:p>
+          <a:p>
+            <a:pPr lvl="1"/>
+            <a:r>
+              <a:rPr lang="en-US" sz="1600" dirty="0"/>
+              <a:t>deterministic game mechanics and </a:t>
+            </a:r>
+          </a:p>
+          <a:p>
+            <a:pPr lvl="1"/>
+            <a:r>
+              <a:rPr lang="en-US" sz="1600" dirty="0"/>
+              <a:t>perfect information (i.e., fully observable environment).</a:t>
             </a:r>
           </a:p>
           <a:p>
@@ -16935,8 +17023,8 @@
           </a:p>
         </p:txBody>
       </p:sp>
-      <mc:AlternateContent xmlns:mc="http://schemas.openxmlformats.org/markup-compatibility/2006">
-        <mc:Choice xmlns:a14="http://schemas.microsoft.com/office/drawing/2010/main" Requires="a14">
+      <mc:AlternateContent xmlns:mc="http://schemas.openxmlformats.org/markup-compatibility/2006" xmlns:a14="http://schemas.microsoft.com/office/drawing/2010/main">
+        <mc:Choice Requires="a14">
           <p:sp>
             <p:nvSpPr>
               <p:cNvPr id="3" name="Content Placeholder 2">
@@ -17063,7 +17151,7 @@
             </p:txBody>
           </p:sp>
         </mc:Choice>
-        <mc:Fallback>
+        <mc:Fallback xmlns="">
           <p:sp>
             <p:nvSpPr>
               <p:cNvPr id="3" name="Content Placeholder 2">
@@ -17161,8 +17249,8 @@
           </a:p>
         </p:txBody>
       </p:sp>
-      <mc:AlternateContent xmlns:mc="http://schemas.openxmlformats.org/markup-compatibility/2006">
-        <mc:Choice xmlns:a14="http://schemas.microsoft.com/office/drawing/2010/main" Requires="a14">
+      <mc:AlternateContent xmlns:mc="http://schemas.openxmlformats.org/markup-compatibility/2006" xmlns:a14="http://schemas.microsoft.com/office/drawing/2010/main">
+        <mc:Choice Requires="a14">
           <p:sp>
             <p:nvSpPr>
               <p:cNvPr id="3" name="Content Placeholder 2">
@@ -17290,7 +17378,7 @@
             </p:txBody>
           </p:sp>
         </mc:Choice>
-        <mc:Fallback>
+        <mc:Fallback xmlns="">
           <p:sp>
             <p:nvSpPr>
               <p:cNvPr id="3" name="Content Placeholder 2">
@@ -19735,8 +19823,8 @@
           </a:p>
         </p:txBody>
       </p:sp>
-      <mc:AlternateContent xmlns:mc="http://schemas.openxmlformats.org/markup-compatibility/2006">
-        <mc:Choice xmlns:a14="http://schemas.microsoft.com/office/drawing/2010/main" Requires="a14">
+      <mc:AlternateContent xmlns:mc="http://schemas.openxmlformats.org/markup-compatibility/2006" xmlns:a14="http://schemas.microsoft.com/office/drawing/2010/main">
+        <mc:Choice Requires="a14">
           <p:sp>
             <p:nvSpPr>
               <p:cNvPr id="5" name="Content Placeholder 4">
@@ -20538,7 +20626,7 @@
             </p:txBody>
           </p:sp>
         </mc:Choice>
-        <mc:Fallback>
+        <mc:Fallback xmlns="">
           <p:sp>
             <p:nvSpPr>
               <p:cNvPr id="5" name="Content Placeholder 4">
@@ -23299,7 +23387,7 @@
                   </a:outerShdw>
                 </a:effectLst>
               </a:rPr>
-              <a:t>Recall And-Or Search from AIMA Chapter 4</a:t>
+              <a:t>Recall AND-OR Search from AIMA Chapter 4</a:t>
             </a:r>
           </a:p>
         </p:txBody>

--- a/slides/05_games.pptx
+++ b/slides/05_games.pptx
@@ -246,7 +246,7 @@
             <a:fld id="{46E2045A-045A-4BC7-A4D3-1395440B1C3D}" type="datetimeFigureOut">
               <a:rPr lang="en-US" smtClean="0"/>
               <a:pPr/>
-              <a:t>10/27/2021</a:t>
+              <a:t>11/1/2021</a:t>
             </a:fld>
             <a:endParaRPr lang="en-US"/>
           </a:p>
@@ -4755,6 +4755,60 @@
           </a:p>
         </p:txBody>
       </p:sp>
+      <p:sp>
+        <p:nvSpPr>
+          <p:cNvPr id="15" name="Callout: Line 14">
+            <a:extLst>
+              <a:ext uri="{FF2B5EF4-FFF2-40B4-BE49-F238E27FC236}">
+                <a16:creationId xmlns:a16="http://schemas.microsoft.com/office/drawing/2014/main" id="{4916C582-6F81-4FB7-8A93-69B2C345120C}"/>
+              </a:ext>
+            </a:extLst>
+          </p:cNvPr>
+          <p:cNvSpPr/>
+          <p:nvPr/>
+        </p:nvSpPr>
+        <p:spPr>
+          <a:xfrm>
+            <a:off x="4844820" y="4998880"/>
+            <a:ext cx="3061678" cy="370322"/>
+          </a:xfrm>
+          <a:prstGeom prst="borderCallout1">
+            <a:avLst>
+              <a:gd name="adj1" fmla="val 54831"/>
+              <a:gd name="adj2" fmla="val -989"/>
+              <a:gd name="adj3" fmla="val 88967"/>
+              <a:gd name="adj4" fmla="val -19654"/>
+            </a:avLst>
+          </a:prstGeom>
+        </p:spPr>
+        <p:style>
+          <a:lnRef idx="2">
+            <a:schemeClr val="accent1">
+              <a:shade val="50000"/>
+            </a:schemeClr>
+          </a:lnRef>
+          <a:fillRef idx="1">
+            <a:schemeClr val="accent1"/>
+          </a:fillRef>
+          <a:effectRef idx="0">
+            <a:schemeClr val="accent1"/>
+          </a:effectRef>
+          <a:fontRef idx="minor">
+            <a:schemeClr val="lt1"/>
+          </a:fontRef>
+        </p:style>
+        <p:txBody>
+          <a:bodyPr rtlCol="0" anchor="ctr"/>
+          <a:lstStyle/>
+          <a:p>
+            <a:pPr algn="ctr"/>
+            <a:r>
+              <a:rPr lang="en-US" sz="1600" dirty="0"/>
+              <a:t>abandon subtree if a loss is found</a:t>
+            </a:r>
+          </a:p>
+        </p:txBody>
+      </p:sp>
     </p:spTree>
     <p:extLst>
       <p:ext uri="{BB962C8B-B14F-4D97-AF65-F5344CB8AC3E}">
@@ -5013,8 +5067,8 @@
         </p:nvSpPr>
         <p:spPr>
           <a:xfrm>
-            <a:off x="4669054" y="4207005"/>
-            <a:ext cx="3718367" cy="2031325"/>
+            <a:off x="4669054" y="3962400"/>
+            <a:ext cx="3718367" cy="2585323"/>
           </a:xfrm>
           <a:prstGeom prst="rect">
             <a:avLst/>
@@ -5046,7 +5100,7 @@
             </a:r>
             <a:r>
               <a:rPr lang="en-US" dirty="0"/>
-              <a:t>: Find a subtree that has only win leaf nodes (utility +1).</a:t>
+              <a:t>: Find a subtree that has only win leaf nodes (utility +1). We can abandon the subtree if we find a loss (utility -1).</a:t>
             </a:r>
           </a:p>
           <a:p>
@@ -5106,6 +5160,56 @@
             <a:r>
               <a:rPr lang="en-US" dirty="0"/>
               <a:t>MIN’s actions introduce non-determinism (AND).</a:t>
+            </a:r>
+          </a:p>
+        </p:txBody>
+      </p:sp>
+      <p:sp>
+        <p:nvSpPr>
+          <p:cNvPr id="12" name="TextBox 11">
+            <a:extLst>
+              <a:ext uri="{FF2B5EF4-FFF2-40B4-BE49-F238E27FC236}">
+                <a16:creationId xmlns:a16="http://schemas.microsoft.com/office/drawing/2014/main" id="{49723AB9-BDC0-4100-BB0D-CDB4036CFABE}"/>
+              </a:ext>
+            </a:extLst>
+          </p:cNvPr>
+          <p:cNvSpPr txBox="1"/>
+          <p:nvPr/>
+        </p:nvSpPr>
+        <p:spPr>
+          <a:xfrm>
+            <a:off x="6283245" y="2215627"/>
+            <a:ext cx="2508507" cy="646331"/>
+          </a:xfrm>
+          <a:prstGeom prst="rect">
+            <a:avLst/>
+          </a:prstGeom>
+          <a:noFill/>
+        </p:spPr>
+        <p:txBody>
+          <a:bodyPr wrap="none" rtlCol="0">
+            <a:spAutoFit/>
+          </a:bodyPr>
+          <a:lstStyle/>
+          <a:p>
+            <a:r>
+              <a:rPr lang="en-US" b="1" dirty="0">
+                <a:solidFill>
+                  <a:srgbClr val="FF0000"/>
+                </a:solidFill>
+              </a:rPr>
+              <a:t>Pick an action that leads</a:t>
+            </a:r>
+          </a:p>
+          <a:p>
+            <a:pPr algn="ctr"/>
+            <a:r>
+              <a:rPr lang="en-US" b="1" dirty="0">
+                <a:solidFill>
+                  <a:srgbClr val="FF0000"/>
+                </a:solidFill>
+              </a:rPr>
+              <a:t> to only win leaves.</a:t>
             </a:r>
           </a:p>
         </p:txBody>
@@ -22117,7 +22221,7 @@
         </p:blipFill>
         <p:spPr>
           <a:xfrm>
-            <a:off x="228600" y="1690689"/>
+            <a:off x="228601" y="1690689"/>
             <a:ext cx="8077200" cy="4913117"/>
           </a:xfrm>
           <a:prstGeom prst="rect">
@@ -22125,8 +22229,8 @@
           </a:prstGeom>
         </p:spPr>
       </p:pic>
-      <mc:AlternateContent xmlns:mc="http://schemas.openxmlformats.org/markup-compatibility/2006" xmlns:a14="http://schemas.microsoft.com/office/drawing/2010/main">
-        <mc:Choice Requires="a14">
+      <mc:AlternateContent xmlns:mc="http://schemas.openxmlformats.org/markup-compatibility/2006">
+        <mc:Choice xmlns:a14="http://schemas.microsoft.com/office/drawing/2010/main" Requires="a14">
           <p:sp>
             <p:nvSpPr>
               <p:cNvPr id="3" name="TextBox 2">
@@ -22141,8 +22245,8 @@
             </p:nvSpPr>
             <p:spPr>
               <a:xfrm>
-                <a:off x="5667375" y="3657600"/>
-                <a:ext cx="2743200" cy="2862322"/>
+                <a:off x="5667374" y="3906892"/>
+                <a:ext cx="3248025" cy="2578976"/>
               </a:xfrm>
               <a:prstGeom prst="rect">
                 <a:avLst/>
@@ -22231,7 +22335,6 @@
                 </a:r>
               </a:p>
               <a:p>
-                <a:pPr/>
                 <a14:m>
                   <m:oMathPara xmlns:m="http://schemas.openxmlformats.org/officeDocument/2006/math">
                     <m:oMathParaPr>
@@ -22239,41 +22342,107 @@
                     </m:oMathParaPr>
                     <m:oMath xmlns:m="http://schemas.openxmlformats.org/officeDocument/2006/math">
                       <m:r>
-                        <a:rPr lang="en-US" i="1">
+                        <a:rPr lang="en-US" b="0" i="0" smtClean="0">
                           <a:latin typeface="Cambria Math" panose="02040503050406030204" pitchFamily="18" charset="0"/>
                         </a:rPr>
-                        <m:t>9!=362</m:t>
+                        <m:t>1</m:t>
                       </m:r>
+                      <m:d>
+                        <m:dPr>
+                          <m:ctrlPr>
+                            <a:rPr lang="en-US" b="0" i="1" smtClean="0">
+                              <a:latin typeface="Cambria Math" panose="02040503050406030204" pitchFamily="18" charset="0"/>
+                            </a:rPr>
+                          </m:ctrlPr>
+                        </m:dPr>
+                        <m:e>
+                          <m:r>
+                            <a:rPr lang="en-US" b="0" i="1" smtClean="0">
+                              <a:latin typeface="Cambria Math" panose="02040503050406030204" pitchFamily="18" charset="0"/>
+                            </a:rPr>
+                            <m:t>9</m:t>
+                          </m:r>
+                        </m:e>
+                      </m:d>
+                      <m:d>
+                        <m:dPr>
+                          <m:ctrlPr>
+                            <a:rPr lang="en-US" b="0" i="1" smtClean="0">
+                              <a:latin typeface="Cambria Math" panose="02040503050406030204" pitchFamily="18" charset="0"/>
+                            </a:rPr>
+                          </m:ctrlPr>
+                        </m:dPr>
+                        <m:e>
+                          <m:r>
+                            <a:rPr lang="en-US" b="0" i="1" smtClean="0">
+                              <a:latin typeface="Cambria Math" panose="02040503050406030204" pitchFamily="18" charset="0"/>
+                            </a:rPr>
+                            <m:t>9× 8</m:t>
+                          </m:r>
+                        </m:e>
+                      </m:d>
+                      <m:d>
+                        <m:dPr>
+                          <m:ctrlPr>
+                            <a:rPr lang="en-US" b="0" i="1" smtClean="0">
+                              <a:latin typeface="Cambria Math" panose="02040503050406030204" pitchFamily="18" charset="0"/>
+                            </a:rPr>
+                          </m:ctrlPr>
+                        </m:dPr>
+                        <m:e>
+                          <m:r>
+                            <a:rPr lang="en-US" b="0" i="1" smtClean="0">
+                              <a:latin typeface="Cambria Math" panose="02040503050406030204" pitchFamily="18" charset="0"/>
+                            </a:rPr>
+                            <m:t>9×8×7</m:t>
+                          </m:r>
+                        </m:e>
+                      </m:d>
                       <m:r>
                         <a:rPr lang="en-US" b="0" i="1" smtClean="0">
                           <a:latin typeface="Cambria Math" panose="02040503050406030204" pitchFamily="18" charset="0"/>
                         </a:rPr>
-                        <m:t>,</m:t>
+                        <m:t>…</m:t>
                       </m:r>
+                      <m:d>
+                        <m:dPr>
+                          <m:ctrlPr>
+                            <a:rPr lang="en-US" b="0" i="1" smtClean="0">
+                              <a:latin typeface="Cambria Math" panose="02040503050406030204" pitchFamily="18" charset="0"/>
+                            </a:rPr>
+                          </m:ctrlPr>
+                        </m:dPr>
+                        <m:e>
+                          <m:r>
+                            <a:rPr lang="en-US" i="1">
+                              <a:latin typeface="Cambria Math" panose="02040503050406030204" pitchFamily="18" charset="0"/>
+                            </a:rPr>
+                            <m:t>9!</m:t>
+                          </m:r>
+                        </m:e>
+                      </m:d>
                       <m:r>
                         <a:rPr lang="en-US" i="1">
                           <a:latin typeface="Cambria Math" panose="02040503050406030204" pitchFamily="18" charset="0"/>
                         </a:rPr>
-                        <m:t>880</m:t>
+                        <m:t>=</m:t>
+                      </m:r>
+                      <m:r>
+                        <m:rPr>
+                          <m:nor/>
+                        </m:rPr>
+                        <a:rPr lang="en-US" dirty="0"/>
+                        <m:t>986,409</m:t>
                       </m:r>
                     </m:oMath>
                   </m:oMathPara>
                 </a14:m>
                 <a:endParaRPr lang="en-US" dirty="0"/>
               </a:p>
-              <a:p>
-                <a:endParaRPr lang="en-US" dirty="0"/>
-              </a:p>
-              <a:p>
-                <a:r>
-                  <a:rPr lang="en-US" dirty="0"/>
-                  <a:t>What can we do?</a:t>
-                </a:r>
-              </a:p>
             </p:txBody>
           </p:sp>
         </mc:Choice>
-        <mc:Fallback xmlns="">
+        <mc:Fallback>
           <p:sp>
             <p:nvSpPr>
               <p:cNvPr id="3" name="TextBox 2">
@@ -22290,8 +22459,8 @@
             </p:nvSpPr>
             <p:spPr>
               <a:xfrm>
-                <a:off x="5667375" y="3657600"/>
-                <a:ext cx="2743200" cy="2862322"/>
+                <a:off x="5667374" y="3906892"/>
+                <a:ext cx="3248025" cy="2578976"/>
               </a:xfrm>
               <a:prstGeom prst="rect">
                 <a:avLst/>
@@ -22299,7 +22468,7 @@
               <a:blipFill>
                 <a:blip r:embed="rId3"/>
                 <a:stretch>
-                  <a:fillRect l="-1766" t="-846" b="-1903"/>
+                  <a:fillRect l="-1495" t="-1174" r="-935"/>
                 </a:stretch>
               </a:blipFill>
             </p:spPr>
@@ -22443,6 +22612,206 @@
           </a:prstGeom>
         </p:spPr>
       </p:pic>
+      <p:sp>
+        <p:nvSpPr>
+          <p:cNvPr id="5" name="TextBox 4">
+            <a:extLst>
+              <a:ext uri="{FF2B5EF4-FFF2-40B4-BE49-F238E27FC236}">
+                <a16:creationId xmlns:a16="http://schemas.microsoft.com/office/drawing/2014/main" id="{F7B16DBF-E91D-4E6F-8287-E3D79BA3D854}"/>
+              </a:ext>
+            </a:extLst>
+          </p:cNvPr>
+          <p:cNvSpPr txBox="1"/>
+          <p:nvPr/>
+        </p:nvSpPr>
+        <p:spPr>
+          <a:xfrm>
+            <a:off x="8333679" y="1887741"/>
+            <a:ext cx="301686" cy="369332"/>
+          </a:xfrm>
+          <a:prstGeom prst="rect">
+            <a:avLst/>
+          </a:prstGeom>
+          <a:noFill/>
+        </p:spPr>
+        <p:txBody>
+          <a:bodyPr wrap="none" rtlCol="0">
+            <a:spAutoFit/>
+          </a:bodyPr>
+          <a:lstStyle/>
+          <a:p>
+            <a:r>
+              <a:rPr lang="en-US" dirty="0"/>
+              <a:t>1</a:t>
+            </a:r>
+          </a:p>
+        </p:txBody>
+      </p:sp>
+      <p:sp>
+        <p:nvSpPr>
+          <p:cNvPr id="8" name="TextBox 7">
+            <a:extLst>
+              <a:ext uri="{FF2B5EF4-FFF2-40B4-BE49-F238E27FC236}">
+                <a16:creationId xmlns:a16="http://schemas.microsoft.com/office/drawing/2014/main" id="{3D204637-4DE1-4B4C-ADAF-BF4747C36F31}"/>
+              </a:ext>
+            </a:extLst>
+          </p:cNvPr>
+          <p:cNvSpPr txBox="1"/>
+          <p:nvPr/>
+        </p:nvSpPr>
+        <p:spPr>
+          <a:xfrm>
+            <a:off x="8332425" y="2741545"/>
+            <a:ext cx="301686" cy="369332"/>
+          </a:xfrm>
+          <a:prstGeom prst="rect">
+            <a:avLst/>
+          </a:prstGeom>
+          <a:noFill/>
+        </p:spPr>
+        <p:txBody>
+          <a:bodyPr wrap="none" rtlCol="0">
+            <a:spAutoFit/>
+          </a:bodyPr>
+          <a:lstStyle/>
+          <a:p>
+            <a:r>
+              <a:rPr lang="en-US" dirty="0"/>
+              <a:t>9</a:t>
+            </a:r>
+          </a:p>
+        </p:txBody>
+      </p:sp>
+      <mc:AlternateContent xmlns:mc="http://schemas.openxmlformats.org/markup-compatibility/2006">
+        <mc:Choice xmlns:a14="http://schemas.microsoft.com/office/drawing/2010/main" Requires="a14">
+          <p:sp>
+            <p:nvSpPr>
+              <p:cNvPr id="10" name="TextBox 9">
+                <a:extLst>
+                  <a:ext uri="{FF2B5EF4-FFF2-40B4-BE49-F238E27FC236}">
+                    <a16:creationId xmlns:a16="http://schemas.microsoft.com/office/drawing/2014/main" id="{3D4F050A-6F0B-4BA0-836E-21A35B502F69}"/>
+                  </a:ext>
+                </a:extLst>
+              </p:cNvPr>
+              <p:cNvSpPr txBox="1"/>
+              <p:nvPr/>
+            </p:nvSpPr>
+            <p:spPr>
+              <a:xfrm>
+                <a:off x="8134476" y="3410683"/>
+                <a:ext cx="761747" cy="369332"/>
+              </a:xfrm>
+              <a:prstGeom prst="rect">
+                <a:avLst/>
+              </a:prstGeom>
+              <a:noFill/>
+            </p:spPr>
+            <p:txBody>
+              <a:bodyPr wrap="none" rtlCol="0">
+                <a:spAutoFit/>
+              </a:bodyPr>
+              <a:lstStyle/>
+              <a:p>
+                <a14:m>
+                  <m:oMathPara xmlns:m="http://schemas.openxmlformats.org/officeDocument/2006/math">
+                    <m:oMathParaPr>
+                      <m:jc m:val="centerGroup"/>
+                    </m:oMathParaPr>
+                    <m:oMath xmlns:m="http://schemas.openxmlformats.org/officeDocument/2006/math">
+                      <m:r>
+                        <a:rPr lang="en-US" b="0" i="1" smtClean="0">
+                          <a:latin typeface="Cambria Math" panose="02040503050406030204" pitchFamily="18" charset="0"/>
+                        </a:rPr>
+                        <m:t>9×8</m:t>
+                      </m:r>
+                    </m:oMath>
+                  </m:oMathPara>
+                </a14:m>
+                <a:endParaRPr lang="en-US" dirty="0"/>
+              </a:p>
+            </p:txBody>
+          </p:sp>
+        </mc:Choice>
+        <mc:Fallback>
+          <p:sp>
+            <p:nvSpPr>
+              <p:cNvPr id="10" name="TextBox 9">
+                <a:extLst>
+                  <a:ext uri="{FF2B5EF4-FFF2-40B4-BE49-F238E27FC236}">
+                    <a16:creationId xmlns:a16="http://schemas.microsoft.com/office/drawing/2014/main" id="{3D4F050A-6F0B-4BA0-836E-21A35B502F69}"/>
+                  </a:ext>
+                </a:extLst>
+              </p:cNvPr>
+              <p:cNvSpPr txBox="1">
+                <a:spLocks noRot="1" noChangeAspect="1" noMove="1" noResize="1" noEditPoints="1" noAdjustHandles="1" noChangeArrowheads="1" noChangeShapeType="1" noTextEdit="1"/>
+              </p:cNvSpPr>
+              <p:nvPr/>
+            </p:nvSpPr>
+            <p:spPr>
+              <a:xfrm>
+                <a:off x="8134476" y="3410683"/>
+                <a:ext cx="761747" cy="369332"/>
+              </a:xfrm>
+              <a:prstGeom prst="rect">
+                <a:avLst/>
+              </a:prstGeom>
+              <a:blipFill>
+                <a:blip r:embed="rId4"/>
+                <a:stretch>
+                  <a:fillRect/>
+                </a:stretch>
+              </a:blipFill>
+            </p:spPr>
+            <p:txBody>
+              <a:bodyPr/>
+              <a:lstStyle/>
+              <a:p>
+                <a:r>
+                  <a:rPr lang="en-US">
+                    <a:noFill/>
+                  </a:rPr>
+                  <a:t> </a:t>
+                </a:r>
+              </a:p>
+            </p:txBody>
+          </p:sp>
+        </mc:Fallback>
+      </mc:AlternateContent>
+      <p:sp>
+        <p:nvSpPr>
+          <p:cNvPr id="11" name="TextBox 10">
+            <a:extLst>
+              <a:ext uri="{FF2B5EF4-FFF2-40B4-BE49-F238E27FC236}">
+                <a16:creationId xmlns:a16="http://schemas.microsoft.com/office/drawing/2014/main" id="{CA637269-6CB1-4A37-B8A8-DE11D4614771}"/>
+              </a:ext>
+            </a:extLst>
+          </p:cNvPr>
+          <p:cNvSpPr txBox="1"/>
+          <p:nvPr/>
+        </p:nvSpPr>
+        <p:spPr>
+          <a:xfrm>
+            <a:off x="7826121" y="1391532"/>
+            <a:ext cx="1168910" cy="369332"/>
+          </a:xfrm>
+          <a:prstGeom prst="rect">
+            <a:avLst/>
+          </a:prstGeom>
+          <a:noFill/>
+        </p:spPr>
+        <p:txBody>
+          <a:bodyPr wrap="none" rtlCol="0">
+            <a:spAutoFit/>
+          </a:bodyPr>
+          <a:lstStyle/>
+          <a:p>
+            <a:r>
+              <a:rPr lang="en-US" dirty="0"/>
+              <a:t># of nodes</a:t>
+            </a:r>
+          </a:p>
+        </p:txBody>
+      </p:sp>
     </p:spTree>
     <p:extLst>
       <p:ext uri="{BB962C8B-B14F-4D97-AF65-F5344CB8AC3E}">

--- a/slides/05_games.pptx
+++ b/slides/05_games.pptx
@@ -5,7 +5,7 @@
     <p:sldMasterId id="2147483708" r:id="rId1"/>
   </p:sldMasterIdLst>
   <p:notesMasterIdLst>
-    <p:notesMasterId r:id="rId40"/>
+    <p:notesMasterId r:id="rId42"/>
   </p:notesMasterIdLst>
   <p:sldIdLst>
     <p:sldId id="256" r:id="rId2"/>
@@ -28,24 +28,26 @@
     <p:sldId id="272" r:id="rId19"/>
     <p:sldId id="274" r:id="rId20"/>
     <p:sldId id="275" r:id="rId21"/>
-    <p:sldId id="276" r:id="rId22"/>
-    <p:sldId id="277" r:id="rId23"/>
-    <p:sldId id="292" r:id="rId24"/>
-    <p:sldId id="289" r:id="rId25"/>
-    <p:sldId id="297" r:id="rId26"/>
-    <p:sldId id="278" r:id="rId27"/>
-    <p:sldId id="298" r:id="rId28"/>
-    <p:sldId id="279" r:id="rId29"/>
-    <p:sldId id="293" r:id="rId30"/>
-    <p:sldId id="280" r:id="rId31"/>
-    <p:sldId id="281" r:id="rId32"/>
-    <p:sldId id="282" r:id="rId33"/>
-    <p:sldId id="284" r:id="rId34"/>
-    <p:sldId id="283" r:id="rId35"/>
-    <p:sldId id="286" r:id="rId36"/>
-    <p:sldId id="287" r:id="rId37"/>
-    <p:sldId id="300" r:id="rId38"/>
-    <p:sldId id="288" r:id="rId39"/>
+    <p:sldId id="302" r:id="rId22"/>
+    <p:sldId id="276" r:id="rId23"/>
+    <p:sldId id="277" r:id="rId24"/>
+    <p:sldId id="292" r:id="rId25"/>
+    <p:sldId id="289" r:id="rId26"/>
+    <p:sldId id="297" r:id="rId27"/>
+    <p:sldId id="278" r:id="rId28"/>
+    <p:sldId id="298" r:id="rId29"/>
+    <p:sldId id="279" r:id="rId30"/>
+    <p:sldId id="293" r:id="rId31"/>
+    <p:sldId id="280" r:id="rId32"/>
+    <p:sldId id="281" r:id="rId33"/>
+    <p:sldId id="282" r:id="rId34"/>
+    <p:sldId id="284" r:id="rId35"/>
+    <p:sldId id="283" r:id="rId36"/>
+    <p:sldId id="303" r:id="rId37"/>
+    <p:sldId id="286" r:id="rId38"/>
+    <p:sldId id="287" r:id="rId39"/>
+    <p:sldId id="300" r:id="rId40"/>
+    <p:sldId id="288" r:id="rId41"/>
   </p:sldIdLst>
   <p:sldSz cx="9144000" cy="6858000" type="screen4x3"/>
   <p:notesSz cx="7315200" cy="9601200"/>
@@ -5136,8 +5138,8 @@
         </p:nvSpPr>
         <p:spPr>
           <a:xfrm>
-            <a:off x="628650" y="1371600"/>
-            <a:ext cx="8147150" cy="646331"/>
+            <a:off x="685884" y="1276031"/>
+            <a:ext cx="8264002" cy="646331"/>
           </a:xfrm>
           <a:prstGeom prst="rect">
             <a:avLst/>
@@ -5178,8 +5180,8 @@
         </p:nvSpPr>
         <p:spPr>
           <a:xfrm>
-            <a:off x="6283245" y="2215627"/>
-            <a:ext cx="2508507" cy="646331"/>
+            <a:off x="5984890" y="2000199"/>
+            <a:ext cx="2930510" cy="646331"/>
           </a:xfrm>
           <a:prstGeom prst="rect">
             <a:avLst/>
@@ -5187,29 +5189,229 @@
           <a:noFill/>
         </p:spPr>
         <p:txBody>
-          <a:bodyPr wrap="none" rtlCol="0">
+          <a:bodyPr wrap="square" rtlCol="0">
             <a:spAutoFit/>
           </a:bodyPr>
           <a:lstStyle/>
           <a:p>
+            <a:pPr algn="ctr"/>
             <a:r>
               <a:rPr lang="en-US" b="1" dirty="0">
                 <a:solidFill>
                   <a:srgbClr val="FF0000"/>
                 </a:solidFill>
               </a:rPr>
-              <a:t>Pick an action that leads</a:t>
-            </a:r>
-          </a:p>
-          <a:p>
-            <a:pPr algn="ctr"/>
-            <a:r>
-              <a:rPr lang="en-US" b="1" dirty="0">
-                <a:solidFill>
-                  <a:srgbClr val="FF0000"/>
-                </a:solidFill>
-              </a:rPr>
-              <a:t> to only win leaves.</a:t>
+              <a:t>Pick an action that leads to a subtree that only win leaves.</a:t>
+            </a:r>
+          </a:p>
+        </p:txBody>
+      </p:sp>
+      <p:sp>
+        <p:nvSpPr>
+          <p:cNvPr id="18" name="TextBox 17">
+            <a:extLst>
+              <a:ext uri="{FF2B5EF4-FFF2-40B4-BE49-F238E27FC236}">
+                <a16:creationId xmlns:a16="http://schemas.microsoft.com/office/drawing/2014/main" id="{92ADDFD1-E049-4946-B73D-8C74745CA60B}"/>
+              </a:ext>
+            </a:extLst>
+          </p:cNvPr>
+          <p:cNvSpPr txBox="1"/>
+          <p:nvPr/>
+        </p:nvSpPr>
+        <p:spPr>
+          <a:xfrm>
+            <a:off x="515082" y="3005023"/>
+            <a:ext cx="288862" cy="338554"/>
+          </a:xfrm>
+          <a:prstGeom prst="rect">
+            <a:avLst/>
+          </a:prstGeom>
+          <a:noFill/>
+        </p:spPr>
+        <p:txBody>
+          <a:bodyPr wrap="none" rtlCol="0">
+            <a:spAutoFit/>
+          </a:bodyPr>
+          <a:lstStyle/>
+          <a:p>
+            <a:r>
+              <a:rPr lang="en-US" sz="1600" dirty="0"/>
+              <a:t>1</a:t>
+            </a:r>
+          </a:p>
+        </p:txBody>
+      </p:sp>
+      <p:sp>
+        <p:nvSpPr>
+          <p:cNvPr id="19" name="TextBox 18">
+            <a:extLst>
+              <a:ext uri="{FF2B5EF4-FFF2-40B4-BE49-F238E27FC236}">
+                <a16:creationId xmlns:a16="http://schemas.microsoft.com/office/drawing/2014/main" id="{E6B106E0-E402-45B4-8263-65BF10E3D431}"/>
+              </a:ext>
+            </a:extLst>
+          </p:cNvPr>
+          <p:cNvSpPr txBox="1"/>
+          <p:nvPr/>
+        </p:nvSpPr>
+        <p:spPr>
+          <a:xfrm>
+            <a:off x="511798" y="3858188"/>
+            <a:ext cx="288862" cy="338554"/>
+          </a:xfrm>
+          <a:prstGeom prst="rect">
+            <a:avLst/>
+          </a:prstGeom>
+          <a:noFill/>
+        </p:spPr>
+        <p:txBody>
+          <a:bodyPr wrap="none" rtlCol="0">
+            <a:spAutoFit/>
+          </a:bodyPr>
+          <a:lstStyle/>
+          <a:p>
+            <a:r>
+              <a:rPr lang="en-US" sz="1600" dirty="0"/>
+              <a:t>2</a:t>
+            </a:r>
+          </a:p>
+        </p:txBody>
+      </p:sp>
+      <p:sp>
+        <p:nvSpPr>
+          <p:cNvPr id="20" name="TextBox 19">
+            <a:extLst>
+              <a:ext uri="{FF2B5EF4-FFF2-40B4-BE49-F238E27FC236}">
+                <a16:creationId xmlns:a16="http://schemas.microsoft.com/office/drawing/2014/main" id="{3D43D1CA-0C31-479D-8285-7685974A51E3}"/>
+              </a:ext>
+            </a:extLst>
+          </p:cNvPr>
+          <p:cNvSpPr txBox="1"/>
+          <p:nvPr/>
+        </p:nvSpPr>
+        <p:spPr>
+          <a:xfrm>
+            <a:off x="511798" y="4655404"/>
+            <a:ext cx="288862" cy="338554"/>
+          </a:xfrm>
+          <a:prstGeom prst="rect">
+            <a:avLst/>
+          </a:prstGeom>
+          <a:noFill/>
+        </p:spPr>
+        <p:txBody>
+          <a:bodyPr wrap="none" rtlCol="0">
+            <a:spAutoFit/>
+          </a:bodyPr>
+          <a:lstStyle/>
+          <a:p>
+            <a:r>
+              <a:rPr lang="en-US" sz="1600" dirty="0"/>
+              <a:t>3</a:t>
+            </a:r>
+          </a:p>
+        </p:txBody>
+      </p:sp>
+      <p:sp>
+        <p:nvSpPr>
+          <p:cNvPr id="21" name="TextBox 20">
+            <a:extLst>
+              <a:ext uri="{FF2B5EF4-FFF2-40B4-BE49-F238E27FC236}">
+                <a16:creationId xmlns:a16="http://schemas.microsoft.com/office/drawing/2014/main" id="{5AA2A575-7ED8-4147-B71F-76906B17E31E}"/>
+              </a:ext>
+            </a:extLst>
+          </p:cNvPr>
+          <p:cNvSpPr txBox="1"/>
+          <p:nvPr/>
+        </p:nvSpPr>
+        <p:spPr>
+          <a:xfrm>
+            <a:off x="104087" y="1905000"/>
+            <a:ext cx="1115113" cy="338554"/>
+          </a:xfrm>
+          <a:prstGeom prst="rect">
+            <a:avLst/>
+          </a:prstGeom>
+          <a:noFill/>
+        </p:spPr>
+        <p:txBody>
+          <a:bodyPr wrap="none" rtlCol="0">
+            <a:spAutoFit/>
+          </a:bodyPr>
+          <a:lstStyle/>
+          <a:p>
+            <a:r>
+              <a:rPr lang="en-US" sz="1600" dirty="0"/>
+              <a:t>Depth (ply)</a:t>
+            </a:r>
+          </a:p>
+        </p:txBody>
+      </p:sp>
+      <p:sp>
+        <p:nvSpPr>
+          <p:cNvPr id="22" name="TextBox 21">
+            <a:extLst>
+              <a:ext uri="{FF2B5EF4-FFF2-40B4-BE49-F238E27FC236}">
+                <a16:creationId xmlns:a16="http://schemas.microsoft.com/office/drawing/2014/main" id="{024CA421-25DA-4944-8F0D-3FDF0F312C00}"/>
+              </a:ext>
+            </a:extLst>
+          </p:cNvPr>
+          <p:cNvSpPr txBox="1"/>
+          <p:nvPr/>
+        </p:nvSpPr>
+        <p:spPr>
+          <a:xfrm>
+            <a:off x="511798" y="2163814"/>
+            <a:ext cx="288862" cy="338554"/>
+          </a:xfrm>
+          <a:prstGeom prst="rect">
+            <a:avLst/>
+          </a:prstGeom>
+          <a:noFill/>
+        </p:spPr>
+        <p:txBody>
+          <a:bodyPr wrap="none" rtlCol="0">
+            <a:spAutoFit/>
+          </a:bodyPr>
+          <a:lstStyle/>
+          <a:p>
+            <a:r>
+              <a:rPr lang="en-US" sz="1600" dirty="0"/>
+              <a:t>0</a:t>
+            </a:r>
+          </a:p>
+        </p:txBody>
+      </p:sp>
+      <p:sp>
+        <p:nvSpPr>
+          <p:cNvPr id="23" name="TextBox 22">
+            <a:extLst>
+              <a:ext uri="{FF2B5EF4-FFF2-40B4-BE49-F238E27FC236}">
+                <a16:creationId xmlns:a16="http://schemas.microsoft.com/office/drawing/2014/main" id="{4BC75445-FFC9-4774-A98B-DEAABF782BF8}"/>
+              </a:ext>
+            </a:extLst>
+          </p:cNvPr>
+          <p:cNvSpPr txBox="1"/>
+          <p:nvPr/>
+        </p:nvSpPr>
+        <p:spPr>
+          <a:xfrm>
+            <a:off x="511798" y="6019800"/>
+            <a:ext cx="348172" cy="338554"/>
+          </a:xfrm>
+          <a:prstGeom prst="rect">
+            <a:avLst/>
+          </a:prstGeom>
+          <a:noFill/>
+        </p:spPr>
+        <p:txBody>
+          <a:bodyPr wrap="none" rtlCol="0">
+            <a:spAutoFit/>
+          </a:bodyPr>
+          <a:lstStyle/>
+          <a:p>
+            <a:r>
+              <a:rPr lang="en-US" sz="1600" dirty="0"/>
+              <a:t>m</a:t>
             </a:r>
           </a:p>
         </p:txBody>
@@ -8743,6 +8945,63 @@
           </a:fontRef>
         </p:style>
       </p:cxnSp>
+      <p:sp>
+        <p:nvSpPr>
+          <p:cNvPr id="3" name="TextBox 2">
+            <a:extLst>
+              <a:ext uri="{FF2B5EF4-FFF2-40B4-BE49-F238E27FC236}">
+                <a16:creationId xmlns:a16="http://schemas.microsoft.com/office/drawing/2014/main" id="{6B85CB61-B664-4099-86DB-62DF5F2E405E}"/>
+              </a:ext>
+            </a:extLst>
+          </p:cNvPr>
+          <p:cNvSpPr txBox="1"/>
+          <p:nvPr/>
+        </p:nvSpPr>
+        <p:spPr>
+          <a:xfrm>
+            <a:off x="5248276" y="3904298"/>
+            <a:ext cx="2470607" cy="2031325"/>
+          </a:xfrm>
+          <a:prstGeom prst="rect">
+            <a:avLst/>
+          </a:prstGeom>
+        </p:spPr>
+        <p:style>
+          <a:lnRef idx="3">
+            <a:schemeClr val="lt1"/>
+          </a:lnRef>
+          <a:fillRef idx="1">
+            <a:schemeClr val="accent6"/>
+          </a:fillRef>
+          <a:effectRef idx="1">
+            <a:schemeClr val="accent6"/>
+          </a:effectRef>
+          <a:fontRef idx="minor">
+            <a:schemeClr val="lt1"/>
+          </a:fontRef>
+        </p:style>
+        <p:txBody>
+          <a:bodyPr wrap="square" rtlCol="0">
+            <a:spAutoFit/>
+          </a:bodyPr>
+          <a:lstStyle/>
+          <a:p>
+            <a:r>
+              <a:rPr lang="en-US" dirty="0"/>
+              <a:t>Max always picks the action that has the largest value.</a:t>
+            </a:r>
+          </a:p>
+          <a:p>
+            <a:endParaRPr lang="en-US" dirty="0"/>
+          </a:p>
+          <a:p>
+            <a:r>
+              <a:rPr lang="en-US" dirty="0"/>
+              <a:t>Min always picks the action that has the smallest value.</a:t>
+            </a:r>
+          </a:p>
+        </p:txBody>
+      </p:sp>
     </p:spTree>
     <p:extLst>
       <p:ext uri="{BB962C8B-B14F-4D97-AF65-F5344CB8AC3E}">
@@ -10023,6 +10282,110 @@
           </a:p>
         </p:txBody>
       </p:sp>
+      <p:sp>
+        <p:nvSpPr>
+          <p:cNvPr id="8" name="Speech Bubble: Rectangle 7">
+            <a:extLst>
+              <a:ext uri="{FF2B5EF4-FFF2-40B4-BE49-F238E27FC236}">
+                <a16:creationId xmlns:a16="http://schemas.microsoft.com/office/drawing/2014/main" id="{5BD1ECE8-256A-43B1-B2E9-D5D989C7A526}"/>
+              </a:ext>
+            </a:extLst>
+          </p:cNvPr>
+          <p:cNvSpPr/>
+          <p:nvPr/>
+        </p:nvSpPr>
+        <p:spPr>
+          <a:xfrm>
+            <a:off x="2971800" y="3612798"/>
+            <a:ext cx="2438400" cy="266687"/>
+          </a:xfrm>
+          <a:prstGeom prst="wedgeRectCallout">
+            <a:avLst>
+              <a:gd name="adj1" fmla="val -80742"/>
+              <a:gd name="adj2" fmla="val -37506"/>
+            </a:avLst>
+          </a:prstGeom>
+        </p:spPr>
+        <p:style>
+          <a:lnRef idx="2">
+            <a:schemeClr val="accent1">
+              <a:shade val="50000"/>
+            </a:schemeClr>
+          </a:lnRef>
+          <a:fillRef idx="1">
+            <a:schemeClr val="accent1"/>
+          </a:fillRef>
+          <a:effectRef idx="0">
+            <a:schemeClr val="accent1"/>
+          </a:effectRef>
+          <a:fontRef idx="minor">
+            <a:schemeClr val="lt1"/>
+          </a:fontRef>
+        </p:style>
+        <p:txBody>
+          <a:bodyPr rtlCol="0" anchor="ctr"/>
+          <a:lstStyle/>
+          <a:p>
+            <a:pPr algn="ctr"/>
+            <a:r>
+              <a:rPr lang="en-US" dirty="0"/>
+              <a:t>Found a better action?</a:t>
+            </a:r>
+          </a:p>
+        </p:txBody>
+      </p:sp>
+      <p:sp>
+        <p:nvSpPr>
+          <p:cNvPr id="9" name="Speech Bubble: Rectangle 8">
+            <a:extLst>
+              <a:ext uri="{FF2B5EF4-FFF2-40B4-BE49-F238E27FC236}">
+                <a16:creationId xmlns:a16="http://schemas.microsoft.com/office/drawing/2014/main" id="{AF5EA241-61A6-49F9-9962-CFEED31B432F}"/>
+              </a:ext>
+            </a:extLst>
+          </p:cNvPr>
+          <p:cNvSpPr/>
+          <p:nvPr/>
+        </p:nvSpPr>
+        <p:spPr>
+          <a:xfrm>
+            <a:off x="2971800" y="5848840"/>
+            <a:ext cx="2438400" cy="266687"/>
+          </a:xfrm>
+          <a:prstGeom prst="wedgeRectCallout">
+            <a:avLst>
+              <a:gd name="adj1" fmla="val -80742"/>
+              <a:gd name="adj2" fmla="val -37506"/>
+            </a:avLst>
+          </a:prstGeom>
+        </p:spPr>
+        <p:style>
+          <a:lnRef idx="2">
+            <a:schemeClr val="accent1">
+              <a:shade val="50000"/>
+            </a:schemeClr>
+          </a:lnRef>
+          <a:fillRef idx="1">
+            <a:schemeClr val="accent1"/>
+          </a:fillRef>
+          <a:effectRef idx="0">
+            <a:schemeClr val="accent1"/>
+          </a:effectRef>
+          <a:fontRef idx="minor">
+            <a:schemeClr val="lt1"/>
+          </a:fontRef>
+        </p:style>
+        <p:txBody>
+          <a:bodyPr rtlCol="0" anchor="ctr"/>
+          <a:lstStyle/>
+          <a:p>
+            <a:pPr algn="ctr"/>
+            <a:r>
+              <a:rPr lang="en-US" dirty="0"/>
+              <a:t>Found a better action?</a:t>
+            </a:r>
+          </a:p>
+        </p:txBody>
+      </p:sp>
     </p:spTree>
     <p:extLst>
       <p:ext uri="{BB962C8B-B14F-4D97-AF65-F5344CB8AC3E}">
@@ -10081,8 +10444,8 @@
           </a:p>
         </p:txBody>
       </p:sp>
-      <mc:AlternateContent xmlns:mc="http://schemas.openxmlformats.org/markup-compatibility/2006" xmlns:a14="http://schemas.microsoft.com/office/drawing/2010/main">
-        <mc:Choice Requires="a14">
+      <mc:AlternateContent xmlns:mc="http://schemas.openxmlformats.org/markup-compatibility/2006">
+        <mc:Choice xmlns:a14="http://schemas.microsoft.com/office/drawing/2010/main" Requires="a14">
           <p:sp>
             <p:nvSpPr>
               <p:cNvPr id="3" name="Content Placeholder 2">
@@ -10102,13 +10465,17 @@
             <p:spPr/>
             <p:txBody>
               <a:bodyPr>
-                <a:normAutofit fontScale="85000" lnSpcReduction="20000"/>
+                <a:normAutofit fontScale="77500" lnSpcReduction="20000"/>
               </a:bodyPr>
               <a:lstStyle/>
               <a:p>
                 <a:r>
-                  <a:rPr lang="en-US" dirty="0"/>
-                  <a:t>This traverses the complete game tree using DFS!</a:t>
+                  <a:rPr lang="en-US" b="1" dirty="0">
+                    <a:solidFill>
+                      <a:srgbClr val="FF0000"/>
+                    </a:solidFill>
+                  </a:rPr>
+                  <a:t>Minimax search traverses the complete game tree using DFS!</a:t>
                 </a:r>
               </a:p>
               <a:p>
@@ -10187,7 +10554,7 @@
               <a:p>
                 <a:r>
                   <a:rPr lang="en-US" dirty="0"/>
-                  <a:t>Only feasible for very simple games!</a:t>
+                  <a:t>Only feasible for very simple games with small branching factor!</a:t>
                 </a:r>
               </a:p>
               <a:p>
@@ -10294,7 +10661,14 @@
                 </a:br>
                 <a:r>
                   <a:rPr lang="en-US" dirty="0"/>
-                  <a:t>           </a:t>
+                  <a:t>          </a:t>
+                </a:r>
+                <a:br>
+                  <a:rPr lang="en-US" dirty="0"/>
+                </a:br>
+                <a:r>
+                  <a:rPr lang="en-US" dirty="0"/>
+                  <a:t> </a:t>
                 </a:r>
                 <a14:m>
                   <m:oMath xmlns:m="http://schemas.openxmlformats.org/officeDocument/2006/math">
@@ -10308,48 +10682,89 @@
                 </a14:m>
                 <a:r>
                   <a:rPr lang="en-US" dirty="0"/>
-                  <a:t> decreases from 9 to 8, 7, … </a:t>
+                  <a:t> decreases from 9 to 8, 7, … the actual size is smaller than:</a:t>
                 </a:r>
-                <a:br>
-                  <a:rPr lang="en-US" dirty="0"/>
-                </a:br>
-                <a:r>
-                  <a:rPr lang="en-US" dirty="0"/>
-                  <a:t>		</a:t>
-                </a:r>
+              </a:p>
+              <a:p>
+                <a:pPr marL="0" indent="0" algn="ctr">
+                  <a:buNone/>
+                </a:pPr>
                 <a14:m>
                   <m:oMath xmlns:m="http://schemas.openxmlformats.org/officeDocument/2006/math">
                     <m:r>
-                      <a:rPr lang="en-US" b="0" i="1" smtClean="0">
+                      <a:rPr lang="en-US">
                         <a:latin typeface="Cambria Math" panose="02040503050406030204" pitchFamily="18" charset="0"/>
                       </a:rPr>
-                      <m:t>→ </m:t>
-                    </m:r>
-                  </m:oMath>
-                </a14:m>
-                <a:r>
-                  <a:rPr lang="en-US" dirty="0"/>
-                  <a:t> we get less than </a:t>
-                </a:r>
-                <a14:m>
-                  <m:oMath xmlns:m="http://schemas.openxmlformats.org/officeDocument/2006/math">
-                    <m:r>
-                      <a:rPr lang="en-US" b="0" i="1" smtClean="0">
-                        <a:latin typeface="Cambria Math" panose="02040503050406030204" pitchFamily="18" charset="0"/>
-                      </a:rPr>
-                      <m:t>𝑂</m:t>
+                      <m:t>1</m:t>
                     </m:r>
                     <m:d>
                       <m:dPr>
                         <m:ctrlPr>
-                          <a:rPr lang="en-US" b="0" i="1" smtClean="0">
+                          <a:rPr lang="en-US" i="1">
                             <a:latin typeface="Cambria Math" panose="02040503050406030204" pitchFamily="18" charset="0"/>
                           </a:rPr>
                         </m:ctrlPr>
                       </m:dPr>
                       <m:e>
                         <m:r>
-                          <a:rPr lang="en-US" b="0" i="1" smtClean="0">
+                          <a:rPr lang="en-US" i="1">
+                            <a:latin typeface="Cambria Math" panose="02040503050406030204" pitchFamily="18" charset="0"/>
+                          </a:rPr>
+                          <m:t>9</m:t>
+                        </m:r>
+                      </m:e>
+                    </m:d>
+                    <m:d>
+                      <m:dPr>
+                        <m:ctrlPr>
+                          <a:rPr lang="en-US" i="1">
+                            <a:latin typeface="Cambria Math" panose="02040503050406030204" pitchFamily="18" charset="0"/>
+                          </a:rPr>
+                        </m:ctrlPr>
+                      </m:dPr>
+                      <m:e>
+                        <m:r>
+                          <a:rPr lang="en-US" i="1">
+                            <a:latin typeface="Cambria Math" panose="02040503050406030204" pitchFamily="18" charset="0"/>
+                          </a:rPr>
+                          <m:t>9× 8</m:t>
+                        </m:r>
+                      </m:e>
+                    </m:d>
+                    <m:d>
+                      <m:dPr>
+                        <m:ctrlPr>
+                          <a:rPr lang="en-US" i="1">
+                            <a:latin typeface="Cambria Math" panose="02040503050406030204" pitchFamily="18" charset="0"/>
+                          </a:rPr>
+                        </m:ctrlPr>
+                      </m:dPr>
+                      <m:e>
+                        <m:r>
+                          <a:rPr lang="en-US" i="1">
+                            <a:latin typeface="Cambria Math" panose="02040503050406030204" pitchFamily="18" charset="0"/>
+                          </a:rPr>
+                          <m:t>9×8×7</m:t>
+                        </m:r>
+                      </m:e>
+                    </m:d>
+                    <m:r>
+                      <a:rPr lang="en-US" i="1">
+                        <a:latin typeface="Cambria Math" panose="02040503050406030204" pitchFamily="18" charset="0"/>
+                      </a:rPr>
+                      <m:t>…</m:t>
+                    </m:r>
+                    <m:d>
+                      <m:dPr>
+                        <m:ctrlPr>
+                          <a:rPr lang="en-US" i="1">
+                            <a:latin typeface="Cambria Math" panose="02040503050406030204" pitchFamily="18" charset="0"/>
+                          </a:rPr>
+                        </m:ctrlPr>
+                      </m:dPr>
+                      <m:e>
+                        <m:r>
+                          <a:rPr lang="en-US" i="1">
                             <a:latin typeface="Cambria Math" panose="02040503050406030204" pitchFamily="18" charset="0"/>
                           </a:rPr>
                           <m:t>9!</m:t>
@@ -10357,29 +10772,31 @@
                       </m:e>
                     </m:d>
                     <m:r>
-                      <a:rPr lang="en-US" b="0" i="1" smtClean="0">
+                      <a:rPr lang="en-US" i="1">
                         <a:latin typeface="Cambria Math" panose="02040503050406030204" pitchFamily="18" charset="0"/>
                       </a:rPr>
                       <m:t>=</m:t>
                     </m:r>
                     <m:r>
-                      <a:rPr lang="en-US" b="0" i="1" smtClean="0">
-                        <a:latin typeface="Cambria Math" panose="02040503050406030204" pitchFamily="18" charset="0"/>
-                      </a:rPr>
-                      <m:t>𝑂</m:t>
-                    </m:r>
-                    <m:r>
-                      <a:rPr lang="en-US" b="0" i="1" smtClean="0">
-                        <a:latin typeface="Cambria Math" panose="02040503050406030204" pitchFamily="18" charset="0"/>
-                      </a:rPr>
-                      <m:t>(362,880)</m:t>
+                      <m:rPr>
+                        <m:nor/>
+                      </m:rPr>
+                      <a:rPr lang="en-US" dirty="0"/>
+                      <m:t>986,409</m:t>
                     </m:r>
                   </m:oMath>
                 </a14:m>
-                <a:endParaRPr lang="en-US" dirty="0"/>
+                <a:r>
+                  <a:rPr lang="en-US" dirty="0"/>
+                  <a:t> nodes</a:t>
+                </a:r>
               </a:p>
               <a:p>
-                <a:endParaRPr lang="en-US" dirty="0"/>
+                <a:endParaRPr lang="en-US" dirty="0">
+                  <a:solidFill>
+                    <a:srgbClr val="FF0000"/>
+                  </a:solidFill>
+                </a:endParaRPr>
               </a:p>
               <a:p>
                 <a:r>
@@ -10415,7 +10832,7 @@
             </p:txBody>
           </p:sp>
         </mc:Choice>
-        <mc:Fallback xmlns="">
+        <mc:Fallback>
           <p:sp>
             <p:nvSpPr>
               <p:cNvPr id="3" name="Content Placeholder 2">
@@ -10436,7 +10853,7 @@
               <a:blipFill>
                 <a:blip r:embed="rId2"/>
                 <a:stretch>
-                  <a:fillRect l="-1005" t="-3221"/>
+                  <a:fillRect l="-850" t="-2801" b="-1681"/>
                 </a:stretch>
               </a:blipFill>
             </p:spPr>
@@ -10621,7 +11038,7 @@
           <a:p>
             <a:r>
               <a:rPr lang="en-US" sz="2000" dirty="0"/>
-              <a:t>We will focus on</a:t>
+              <a:t>We will focus on planning for</a:t>
             </a:r>
           </a:p>
           <a:p>
@@ -10836,8 +11253,8 @@
           </a:p>
         </p:txBody>
       </p:sp>
-      <mc:AlternateContent xmlns:mc="http://schemas.openxmlformats.org/markup-compatibility/2006" xmlns:a14="http://schemas.microsoft.com/office/drawing/2010/main">
-        <mc:Choice Requires="a14">
+      <mc:AlternateContent xmlns:mc="http://schemas.openxmlformats.org/markup-compatibility/2006">
+        <mc:Choice xmlns:a14="http://schemas.microsoft.com/office/drawing/2010/main" Requires="a14">
           <p:sp>
             <p:nvSpPr>
               <p:cNvPr id="3" name="Content Placeholder 2">
@@ -11046,7 +11463,7 @@
                 </a:r>
                 <a:r>
                   <a:rPr lang="en-US" dirty="0"/>
-                  <a:t>: maintain for each node bounds for the minimax value </a:t>
+                  <a:t>: maintain bounds for the minimax value </a:t>
                 </a:r>
                 <a14:m>
                   <m:oMath xmlns:m="http://schemas.openxmlformats.org/officeDocument/2006/math">
@@ -11057,10 +11474,10 @@
                       <m:t>[</m:t>
                     </m:r>
                     <m:r>
-                      <a:rPr lang="en-US" i="1" dirty="0" smtClean="0">
+                      <a:rPr lang="en-US" b="0" i="1" dirty="0" smtClean="0">
                         <a:latin typeface="Cambria Math" panose="02040503050406030204" pitchFamily="18" charset="0"/>
                       </a:rPr>
-                      <m:t>𝑎𝑙𝑝h𝑎</m:t>
+                      <m:t>𝛼</m:t>
                     </m:r>
                     <m:r>
                       <a:rPr lang="en-US" i="1" dirty="0" smtClean="0">
@@ -11069,10 +11486,10 @@
                       <m:t>, </m:t>
                     </m:r>
                     <m:r>
-                      <a:rPr lang="en-US" i="1" dirty="0" smtClean="0">
+                      <a:rPr lang="en-US" b="0" i="1" dirty="0" smtClean="0">
                         <a:latin typeface="Cambria Math" panose="02040503050406030204" pitchFamily="18" charset="0"/>
                       </a:rPr>
-                      <m:t>𝑏𝑒𝑡𝑎</m:t>
+                      <m:t>𝛽</m:t>
                     </m:r>
                     <m:r>
                       <a:rPr lang="en-US" i="1" dirty="0" smtClean="0">
@@ -11084,7 +11501,7 @@
                 </a14:m>
                 <a:r>
                   <a:rPr lang="en-US" dirty="0"/>
-                  <a:t>and prune subtrees that cannot be part of the solution.</a:t>
+                  <a:t>and prune subtrees (i.e., don’t follow actions) that do not affect the current minimax value bound.</a:t>
                 </a:r>
               </a:p>
               <a:p>
@@ -11123,7 +11540,21 @@
                 </a14:m>
                 <a:r>
                   <a:rPr lang="en-US" dirty="0"/>
-                  <a:t>is at least alpha.”</a:t>
+                  <a:t>is at least </a:t>
+                </a:r>
+                <a14:m>
+                  <m:oMath xmlns:m="http://schemas.openxmlformats.org/officeDocument/2006/math">
+                    <m:r>
+                      <a:rPr lang="en-US" b="0" i="1" smtClean="0">
+                        <a:latin typeface="Cambria Math" panose="02040503050406030204" pitchFamily="18" charset="0"/>
+                      </a:rPr>
+                      <m:t>𝛼</m:t>
+                    </m:r>
+                  </m:oMath>
+                </a14:m>
+                <a:r>
+                  <a:rPr lang="en-US" dirty="0"/>
+                  <a:t>.”</a:t>
                 </a:r>
               </a:p>
               <a:p>
@@ -11162,7 +11593,21 @@
                 </a14:m>
                 <a:r>
                   <a:rPr lang="en-US" dirty="0"/>
-                  <a:t>is at most beta.”</a:t>
+                  <a:t>is at most </a:t>
+                </a:r>
+                <a14:m>
+                  <m:oMath xmlns:m="http://schemas.openxmlformats.org/officeDocument/2006/math">
+                    <m:r>
+                      <a:rPr lang="en-US" b="0" i="1" smtClean="0">
+                        <a:latin typeface="Cambria Math" panose="02040503050406030204" pitchFamily="18" charset="0"/>
+                      </a:rPr>
+                      <m:t>𝛽</m:t>
+                    </m:r>
+                  </m:oMath>
+                </a14:m>
+                <a:r>
+                  <a:rPr lang="en-US" dirty="0"/>
+                  <a:t>.”</a:t>
                 </a:r>
               </a:p>
               <a:p>
@@ -11171,7 +11616,7 @@
             </p:txBody>
           </p:sp>
         </mc:Choice>
-        <mc:Fallback xmlns="">
+        <mc:Fallback>
           <p:sp>
             <p:nvSpPr>
               <p:cNvPr id="3" name="Content Placeholder 2">
@@ -11192,7 +11637,7 @@
               <a:blipFill>
                 <a:blip r:embed="rId2"/>
                 <a:stretch>
-                  <a:fillRect l="-1005" t="-3221" r="-1082"/>
+                  <a:fillRect l="-1005" t="-3221" r="-773"/>
                 </a:stretch>
               </a:blipFill>
             </p:spPr>
@@ -11241,6 +11686,2602 @@
           <a:chExt cx="0" cy="0"/>
         </a:xfrm>
       </p:grpSpPr>
+      <p:sp>
+        <p:nvSpPr>
+          <p:cNvPr id="6" name="Title 5">
+            <a:extLst>
+              <a:ext uri="{FF2B5EF4-FFF2-40B4-BE49-F238E27FC236}">
+                <a16:creationId xmlns:a16="http://schemas.microsoft.com/office/drawing/2014/main" id="{82E5E6B7-130E-4761-A806-BA49A4F8F5DE}"/>
+              </a:ext>
+            </a:extLst>
+          </p:cNvPr>
+          <p:cNvSpPr>
+            <a:spLocks noGrp="1"/>
+          </p:cNvSpPr>
+          <p:nvPr>
+            <p:ph type="title"/>
+          </p:nvPr>
+        </p:nvSpPr>
+        <p:spPr/>
+        <p:txBody>
+          <a:bodyPr/>
+          <a:lstStyle/>
+          <a:p>
+            <a:r>
+              <a:rPr lang="en-US" dirty="0"/>
+              <a:t>Example: Alpha-Beta Search</a:t>
+            </a:r>
+          </a:p>
+        </p:txBody>
+      </p:sp>
+      <p:pic>
+        <p:nvPicPr>
+          <p:cNvPr id="5" name="Picture 4">
+            <a:extLst>
+              <a:ext uri="{FF2B5EF4-FFF2-40B4-BE49-F238E27FC236}">
+                <a16:creationId xmlns:a16="http://schemas.microsoft.com/office/drawing/2014/main" id="{78F42AA0-9CC9-45C2-B945-D00E33E99D75}"/>
+              </a:ext>
+            </a:extLst>
+          </p:cNvPr>
+          <p:cNvPicPr>
+            <a:picLocks noChangeAspect="1"/>
+          </p:cNvPicPr>
+          <p:nvPr/>
+        </p:nvPicPr>
+        <p:blipFill>
+          <a:blip r:embed="rId2"/>
+          <a:stretch>
+            <a:fillRect/>
+          </a:stretch>
+        </p:blipFill>
+        <p:spPr>
+          <a:xfrm>
+            <a:off x="152400" y="1600200"/>
+            <a:ext cx="7010400" cy="4905375"/>
+          </a:xfrm>
+          <a:prstGeom prst="rect">
+            <a:avLst/>
+          </a:prstGeom>
+        </p:spPr>
+      </p:pic>
+      <p:sp>
+        <p:nvSpPr>
+          <p:cNvPr id="7" name="TextBox 6">
+            <a:extLst>
+              <a:ext uri="{FF2B5EF4-FFF2-40B4-BE49-F238E27FC236}">
+                <a16:creationId xmlns:a16="http://schemas.microsoft.com/office/drawing/2014/main" id="{73EDFC9A-DBD7-47AC-A8BF-0C96EC8EA48C}"/>
+              </a:ext>
+            </a:extLst>
+          </p:cNvPr>
+          <p:cNvSpPr txBox="1"/>
+          <p:nvPr/>
+        </p:nvSpPr>
+        <p:spPr>
+          <a:xfrm>
+            <a:off x="2286000" y="1504713"/>
+            <a:ext cx="589713" cy="369332"/>
+          </a:xfrm>
+          <a:prstGeom prst="rect">
+            <a:avLst/>
+          </a:prstGeom>
+          <a:noFill/>
+        </p:spPr>
+        <p:txBody>
+          <a:bodyPr wrap="none" rtlCol="0">
+            <a:spAutoFit/>
+          </a:bodyPr>
+          <a:lstStyle/>
+          <a:p>
+            <a:r>
+              <a:rPr lang="en-US" dirty="0">
+                <a:solidFill>
+                  <a:srgbClr val="FF0000"/>
+                </a:solidFill>
+              </a:rPr>
+              <a:t>Max</a:t>
+            </a:r>
+          </a:p>
+        </p:txBody>
+      </p:sp>
+      <p:sp>
+        <p:nvSpPr>
+          <p:cNvPr id="8" name="TextBox 7">
+            <a:extLst>
+              <a:ext uri="{FF2B5EF4-FFF2-40B4-BE49-F238E27FC236}">
+                <a16:creationId xmlns:a16="http://schemas.microsoft.com/office/drawing/2014/main" id="{1052F1C5-3157-48A7-AE01-A73BA28C97B1}"/>
+              </a:ext>
+            </a:extLst>
+          </p:cNvPr>
+          <p:cNvSpPr txBox="1"/>
+          <p:nvPr/>
+        </p:nvSpPr>
+        <p:spPr>
+          <a:xfrm>
+            <a:off x="1371600" y="2057400"/>
+            <a:ext cx="556563" cy="369332"/>
+          </a:xfrm>
+          <a:prstGeom prst="rect">
+            <a:avLst/>
+          </a:prstGeom>
+          <a:noFill/>
+        </p:spPr>
+        <p:txBody>
+          <a:bodyPr wrap="none" rtlCol="0">
+            <a:spAutoFit/>
+          </a:bodyPr>
+          <a:lstStyle/>
+          <a:p>
+            <a:r>
+              <a:rPr lang="en-US" dirty="0">
+                <a:solidFill>
+                  <a:srgbClr val="FF0000"/>
+                </a:solidFill>
+              </a:rPr>
+              <a:t>Min</a:t>
+            </a:r>
+          </a:p>
+        </p:txBody>
+      </p:sp>
+      <mc:AlternateContent xmlns:mc="http://schemas.openxmlformats.org/markup-compatibility/2006">
+        <mc:Choice xmlns:a14="http://schemas.microsoft.com/office/drawing/2010/main" Requires="a14">
+          <p:sp>
+            <p:nvSpPr>
+              <p:cNvPr id="9" name="TextBox 8">
+                <a:extLst>
+                  <a:ext uri="{FF2B5EF4-FFF2-40B4-BE49-F238E27FC236}">
+                    <a16:creationId xmlns:a16="http://schemas.microsoft.com/office/drawing/2014/main" id="{9BE03826-FDE5-49C4-BB7C-E515016AC6D2}"/>
+                  </a:ext>
+                </a:extLst>
+              </p:cNvPr>
+              <p:cNvSpPr txBox="1"/>
+              <p:nvPr/>
+            </p:nvSpPr>
+            <p:spPr>
+              <a:xfrm>
+                <a:off x="1523389" y="1350824"/>
+                <a:ext cx="572721" cy="307777"/>
+              </a:xfrm>
+              <a:prstGeom prst="rect">
+                <a:avLst/>
+              </a:prstGeom>
+              <a:noFill/>
+            </p:spPr>
+            <p:txBody>
+              <a:bodyPr wrap="none" rtlCol="0">
+                <a:spAutoFit/>
+              </a:bodyPr>
+              <a:lstStyle/>
+              <a:p>
+                <a:r>
+                  <a:rPr lang="en-US" sz="1400" dirty="0">
+                    <a:solidFill>
+                      <a:srgbClr val="FF0000"/>
+                    </a:solidFill>
+                  </a:rPr>
+                  <a:t>[</a:t>
+                </a:r>
+                <a14:m>
+                  <m:oMath xmlns:m="http://schemas.openxmlformats.org/officeDocument/2006/math">
+                    <m:r>
+                      <a:rPr lang="en-US" sz="1400" b="0" i="1" smtClean="0">
+                        <a:solidFill>
+                          <a:srgbClr val="FF0000"/>
+                        </a:solidFill>
+                        <a:latin typeface="Cambria Math" panose="02040503050406030204" pitchFamily="18" charset="0"/>
+                      </a:rPr>
+                      <m:t>𝛼</m:t>
+                    </m:r>
+                    <m:r>
+                      <a:rPr lang="en-US" sz="1400" b="0" i="1" smtClean="0">
+                        <a:solidFill>
+                          <a:srgbClr val="FF0000"/>
+                        </a:solidFill>
+                        <a:latin typeface="Cambria Math" panose="02040503050406030204" pitchFamily="18" charset="0"/>
+                      </a:rPr>
+                      <m:t>,</m:t>
+                    </m:r>
+                    <m:r>
+                      <m:rPr>
+                        <m:sty m:val="p"/>
+                      </m:rPr>
+                      <a:rPr lang="en-US" sz="1400" b="0" i="1" smtClean="0">
+                        <a:solidFill>
+                          <a:srgbClr val="FF0000"/>
+                        </a:solidFill>
+                        <a:latin typeface="Cambria Math" panose="02040503050406030204" pitchFamily="18" charset="0"/>
+                      </a:rPr>
+                      <m:t>β</m:t>
+                    </m:r>
+                  </m:oMath>
+                </a14:m>
+                <a:r>
+                  <a:rPr lang="en-US" sz="1400" dirty="0">
+                    <a:solidFill>
+                      <a:srgbClr val="FF0000"/>
+                    </a:solidFill>
+                  </a:rPr>
+                  <a:t>]</a:t>
+                </a:r>
+              </a:p>
+            </p:txBody>
+          </p:sp>
+        </mc:Choice>
+        <mc:Fallback>
+          <p:sp>
+            <p:nvSpPr>
+              <p:cNvPr id="9" name="TextBox 8">
+                <a:extLst>
+                  <a:ext uri="{FF2B5EF4-FFF2-40B4-BE49-F238E27FC236}">
+                    <a16:creationId xmlns:a16="http://schemas.microsoft.com/office/drawing/2014/main" id="{9BE03826-FDE5-49C4-BB7C-E515016AC6D2}"/>
+                  </a:ext>
+                </a:extLst>
+              </p:cNvPr>
+              <p:cNvSpPr txBox="1">
+                <a:spLocks noRot="1" noChangeAspect="1" noMove="1" noResize="1" noEditPoints="1" noAdjustHandles="1" noChangeArrowheads="1" noChangeShapeType="1" noTextEdit="1"/>
+              </p:cNvSpPr>
+              <p:nvPr/>
+            </p:nvSpPr>
+            <p:spPr>
+              <a:xfrm>
+                <a:off x="1523389" y="1350824"/>
+                <a:ext cx="572721" cy="307777"/>
+              </a:xfrm>
+              <a:prstGeom prst="rect">
+                <a:avLst/>
+              </a:prstGeom>
+              <a:blipFill>
+                <a:blip r:embed="rId3"/>
+                <a:stretch>
+                  <a:fillRect l="-3191" t="-4000" r="-2128" b="-20000"/>
+                </a:stretch>
+              </a:blipFill>
+            </p:spPr>
+            <p:txBody>
+              <a:bodyPr/>
+              <a:lstStyle/>
+              <a:p>
+                <a:r>
+                  <a:rPr lang="en-US">
+                    <a:noFill/>
+                  </a:rPr>
+                  <a:t> </a:t>
+                </a:r>
+              </a:p>
+            </p:txBody>
+          </p:sp>
+        </mc:Fallback>
+      </mc:AlternateContent>
+      <mc:AlternateContent xmlns:mc="http://schemas.openxmlformats.org/markup-compatibility/2006">
+        <mc:Choice xmlns:a14="http://schemas.microsoft.com/office/drawing/2010/main" Requires="a14">
+          <p:sp>
+            <p:nvSpPr>
+              <p:cNvPr id="10" name="TextBox 9">
+                <a:extLst>
+                  <a:ext uri="{FF2B5EF4-FFF2-40B4-BE49-F238E27FC236}">
+                    <a16:creationId xmlns:a16="http://schemas.microsoft.com/office/drawing/2014/main" id="{69E60352-5C17-4A50-A199-6E12D5DEA741}"/>
+                  </a:ext>
+                </a:extLst>
+              </p:cNvPr>
+              <p:cNvSpPr txBox="1"/>
+              <p:nvPr/>
+            </p:nvSpPr>
+            <p:spPr>
+              <a:xfrm>
+                <a:off x="7289396" y="1295400"/>
+                <a:ext cx="1702204" cy="1323439"/>
+              </a:xfrm>
+              <a:prstGeom prst="rect">
+                <a:avLst/>
+              </a:prstGeom>
+            </p:spPr>
+            <p:style>
+              <a:lnRef idx="3">
+                <a:schemeClr val="lt1"/>
+              </a:lnRef>
+              <a:fillRef idx="1">
+                <a:schemeClr val="accent6"/>
+              </a:fillRef>
+              <a:effectRef idx="1">
+                <a:schemeClr val="accent6"/>
+              </a:effectRef>
+              <a:fontRef idx="minor">
+                <a:schemeClr val="lt1"/>
+              </a:fontRef>
+            </p:style>
+            <p:txBody>
+              <a:bodyPr wrap="square" rtlCol="0">
+                <a:spAutoFit/>
+              </a:bodyPr>
+              <a:lstStyle/>
+              <a:p>
+                <a:r>
+                  <a:rPr lang="en-US" sz="1600" dirty="0"/>
+                  <a:t>Max updates </a:t>
+                </a:r>
+                <a14:m>
+                  <m:oMath xmlns:m="http://schemas.openxmlformats.org/officeDocument/2006/math">
+                    <m:r>
+                      <m:rPr>
+                        <m:sty m:val="p"/>
+                      </m:rPr>
+                      <a:rPr lang="en-US" sz="1600" b="0" i="1" smtClean="0">
+                        <a:latin typeface="Cambria Math" panose="02040503050406030204" pitchFamily="18" charset="0"/>
+                      </a:rPr>
+                      <m:t>α</m:t>
+                    </m:r>
+                  </m:oMath>
+                </a14:m>
+                <a:r>
+                  <a:rPr lang="en-US" sz="1600" dirty="0"/>
+                  <a:t> </a:t>
+                </a:r>
+              </a:p>
+              <a:p>
+                <a:r>
+                  <a:rPr lang="en-US" sz="1600" dirty="0"/>
+                  <a:t>(utility is at least)</a:t>
+                </a:r>
+              </a:p>
+              <a:p>
+                <a:endParaRPr lang="en-US" sz="1600" dirty="0"/>
+              </a:p>
+              <a:p>
+                <a:r>
+                  <a:rPr lang="en-US" sz="1600" dirty="0"/>
+                  <a:t>Min updates </a:t>
+                </a:r>
+                <a14:m>
+                  <m:oMath xmlns:m="http://schemas.openxmlformats.org/officeDocument/2006/math">
+                    <m:r>
+                      <a:rPr lang="en-US" sz="1600" b="0" i="1" smtClean="0">
+                        <a:latin typeface="Cambria Math" panose="02040503050406030204" pitchFamily="18" charset="0"/>
+                      </a:rPr>
+                      <m:t>𝛽</m:t>
+                    </m:r>
+                  </m:oMath>
+                </a14:m>
+                <a:endParaRPr lang="en-US" sz="1600" b="0" dirty="0"/>
+              </a:p>
+              <a:p>
+                <a:r>
+                  <a:rPr lang="en-US" sz="1600" b="0" dirty="0"/>
+                  <a:t>(utility is at most)</a:t>
+                </a:r>
+              </a:p>
+            </p:txBody>
+          </p:sp>
+        </mc:Choice>
+        <mc:Fallback>
+          <p:sp>
+            <p:nvSpPr>
+              <p:cNvPr id="10" name="TextBox 9">
+                <a:extLst>
+                  <a:ext uri="{FF2B5EF4-FFF2-40B4-BE49-F238E27FC236}">
+                    <a16:creationId xmlns:a16="http://schemas.microsoft.com/office/drawing/2014/main" id="{69E60352-5C17-4A50-A199-6E12D5DEA741}"/>
+                  </a:ext>
+                </a:extLst>
+              </p:cNvPr>
+              <p:cNvSpPr txBox="1">
+                <a:spLocks noRot="1" noChangeAspect="1" noMove="1" noResize="1" noEditPoints="1" noAdjustHandles="1" noChangeArrowheads="1" noChangeShapeType="1" noTextEdit="1"/>
+              </p:cNvSpPr>
+              <p:nvPr/>
+            </p:nvSpPr>
+            <p:spPr>
+              <a:xfrm>
+                <a:off x="7289396" y="1295400"/>
+                <a:ext cx="1702204" cy="1323439"/>
+              </a:xfrm>
+              <a:prstGeom prst="rect">
+                <a:avLst/>
+              </a:prstGeom>
+              <a:blipFill>
+                <a:blip r:embed="rId4"/>
+                <a:stretch>
+                  <a:fillRect l="-1773" t="-909" b="-3636"/>
+                </a:stretch>
+              </a:blipFill>
+            </p:spPr>
+            <p:txBody>
+              <a:bodyPr/>
+              <a:lstStyle/>
+              <a:p>
+                <a:r>
+                  <a:rPr lang="en-US">
+                    <a:noFill/>
+                  </a:rPr>
+                  <a:t> </a:t>
+                </a:r>
+              </a:p>
+            </p:txBody>
+          </p:sp>
+        </mc:Fallback>
+      </mc:AlternateContent>
+      <p:cxnSp>
+        <p:nvCxnSpPr>
+          <p:cNvPr id="15" name="Straight Arrow Connector 14">
+            <a:extLst>
+              <a:ext uri="{FF2B5EF4-FFF2-40B4-BE49-F238E27FC236}">
+                <a16:creationId xmlns:a16="http://schemas.microsoft.com/office/drawing/2014/main" id="{F6FF2B32-8E0A-4422-8F71-697ED929E0D8}"/>
+              </a:ext>
+            </a:extLst>
+          </p:cNvPr>
+          <p:cNvCxnSpPr>
+            <a:cxnSpLocks/>
+          </p:cNvCxnSpPr>
+          <p:nvPr/>
+        </p:nvCxnSpPr>
+        <p:spPr>
+          <a:xfrm flipV="1">
+            <a:off x="990600" y="2242066"/>
+            <a:ext cx="76200" cy="577334"/>
+          </a:xfrm>
+          <a:prstGeom prst="straightConnector1">
+            <a:avLst/>
+          </a:prstGeom>
+          <a:ln>
+            <a:solidFill>
+              <a:srgbClr val="FF0000"/>
+            </a:solidFill>
+            <a:tailEnd type="triangle"/>
+          </a:ln>
+        </p:spPr>
+        <p:style>
+          <a:lnRef idx="1">
+            <a:schemeClr val="accent1"/>
+          </a:lnRef>
+          <a:fillRef idx="0">
+            <a:schemeClr val="accent1"/>
+          </a:fillRef>
+          <a:effectRef idx="0">
+            <a:schemeClr val="accent1"/>
+          </a:effectRef>
+          <a:fontRef idx="minor">
+            <a:schemeClr val="tx1"/>
+          </a:fontRef>
+        </p:style>
+      </p:cxnSp>
+      <p:cxnSp>
+        <p:nvCxnSpPr>
+          <p:cNvPr id="16" name="Straight Arrow Connector 15">
+            <a:extLst>
+              <a:ext uri="{FF2B5EF4-FFF2-40B4-BE49-F238E27FC236}">
+                <a16:creationId xmlns:a16="http://schemas.microsoft.com/office/drawing/2014/main" id="{DF09C91F-B4D4-4D66-AEEC-6C9041418839}"/>
+              </a:ext>
+            </a:extLst>
+          </p:cNvPr>
+          <p:cNvCxnSpPr>
+            <a:cxnSpLocks/>
+          </p:cNvCxnSpPr>
+          <p:nvPr/>
+        </p:nvCxnSpPr>
+        <p:spPr>
+          <a:xfrm flipV="1">
+            <a:off x="1143000" y="3490912"/>
+            <a:ext cx="589875" cy="319088"/>
+          </a:xfrm>
+          <a:prstGeom prst="straightConnector1">
+            <a:avLst/>
+          </a:prstGeom>
+          <a:ln>
+            <a:solidFill>
+              <a:srgbClr val="FF0000"/>
+            </a:solidFill>
+            <a:tailEnd type="triangle"/>
+          </a:ln>
+        </p:spPr>
+        <p:style>
+          <a:lnRef idx="1">
+            <a:schemeClr val="accent1"/>
+          </a:lnRef>
+          <a:fillRef idx="0">
+            <a:schemeClr val="accent1"/>
+          </a:fillRef>
+          <a:effectRef idx="0">
+            <a:schemeClr val="accent1"/>
+          </a:effectRef>
+          <a:fontRef idx="minor">
+            <a:schemeClr val="tx1"/>
+          </a:fontRef>
+        </p:style>
+      </p:cxnSp>
+      <p:sp>
+        <p:nvSpPr>
+          <p:cNvPr id="23" name="Speech Bubble: Rectangle 22">
+            <a:extLst>
+              <a:ext uri="{FF2B5EF4-FFF2-40B4-BE49-F238E27FC236}">
+                <a16:creationId xmlns:a16="http://schemas.microsoft.com/office/drawing/2014/main" id="{B2E8DC4F-E86D-4602-A53F-5AAE8881E109}"/>
+              </a:ext>
+            </a:extLst>
+          </p:cNvPr>
+          <p:cNvSpPr/>
+          <p:nvPr/>
+        </p:nvSpPr>
+        <p:spPr>
+          <a:xfrm>
+            <a:off x="7177668" y="2841702"/>
+            <a:ext cx="1776606" cy="1702846"/>
+          </a:xfrm>
+          <a:prstGeom prst="wedgeRectCallout">
+            <a:avLst>
+              <a:gd name="adj1" fmla="val -128601"/>
+              <a:gd name="adj2" fmla="val 32105"/>
+            </a:avLst>
+          </a:prstGeom>
+        </p:spPr>
+        <p:style>
+          <a:lnRef idx="2">
+            <a:schemeClr val="accent1">
+              <a:shade val="50000"/>
+            </a:schemeClr>
+          </a:lnRef>
+          <a:fillRef idx="1">
+            <a:schemeClr val="accent1"/>
+          </a:fillRef>
+          <a:effectRef idx="0">
+            <a:schemeClr val="accent1"/>
+          </a:effectRef>
+          <a:fontRef idx="minor">
+            <a:schemeClr val="lt1"/>
+          </a:fontRef>
+        </p:style>
+        <p:txBody>
+          <a:bodyPr rtlCol="0" anchor="ctr"/>
+          <a:lstStyle/>
+          <a:p>
+            <a:pPr algn="ctr"/>
+            <a:r>
+              <a:rPr lang="en-US" sz="1600" dirty="0"/>
+              <a:t>Utility cannot be more than 2 in the subtree, but we already can get 3 from the first subtree. Prune the rest.</a:t>
+            </a:r>
+          </a:p>
+        </p:txBody>
+      </p:sp>
+      <p:sp>
+        <p:nvSpPr>
+          <p:cNvPr id="27" name="TextBox 26">
+            <a:extLst>
+              <a:ext uri="{FF2B5EF4-FFF2-40B4-BE49-F238E27FC236}">
+                <a16:creationId xmlns:a16="http://schemas.microsoft.com/office/drawing/2014/main" id="{76F03D90-6D40-469A-8295-BFF682739914}"/>
+              </a:ext>
+            </a:extLst>
+          </p:cNvPr>
+          <p:cNvSpPr txBox="1"/>
+          <p:nvPr/>
+        </p:nvSpPr>
+        <p:spPr>
+          <a:xfrm>
+            <a:off x="5615636" y="3722449"/>
+            <a:ext cx="556563" cy="369332"/>
+          </a:xfrm>
+          <a:prstGeom prst="rect">
+            <a:avLst/>
+          </a:prstGeom>
+          <a:noFill/>
+        </p:spPr>
+        <p:txBody>
+          <a:bodyPr wrap="none" rtlCol="0">
+            <a:spAutoFit/>
+          </a:bodyPr>
+          <a:lstStyle/>
+          <a:p>
+            <a:r>
+              <a:rPr lang="en-US" dirty="0">
+                <a:solidFill>
+                  <a:srgbClr val="FF0000"/>
+                </a:solidFill>
+              </a:rPr>
+              <a:t>Min</a:t>
+            </a:r>
+          </a:p>
+        </p:txBody>
+      </p:sp>
+      <p:sp>
+        <p:nvSpPr>
+          <p:cNvPr id="28" name="TextBox 27">
+            <a:extLst>
+              <a:ext uri="{FF2B5EF4-FFF2-40B4-BE49-F238E27FC236}">
+                <a16:creationId xmlns:a16="http://schemas.microsoft.com/office/drawing/2014/main" id="{DF558B00-BC2D-4B7D-B496-540A7EA23542}"/>
+              </a:ext>
+            </a:extLst>
+          </p:cNvPr>
+          <p:cNvSpPr txBox="1"/>
+          <p:nvPr/>
+        </p:nvSpPr>
+        <p:spPr>
+          <a:xfrm>
+            <a:off x="5635662" y="3199089"/>
+            <a:ext cx="589713" cy="369332"/>
+          </a:xfrm>
+          <a:prstGeom prst="rect">
+            <a:avLst/>
+          </a:prstGeom>
+          <a:noFill/>
+        </p:spPr>
+        <p:txBody>
+          <a:bodyPr wrap="none" rtlCol="0">
+            <a:spAutoFit/>
+          </a:bodyPr>
+          <a:lstStyle/>
+          <a:p>
+            <a:r>
+              <a:rPr lang="en-US" dirty="0">
+                <a:solidFill>
+                  <a:srgbClr val="FF0000"/>
+                </a:solidFill>
+              </a:rPr>
+              <a:t>Max</a:t>
+            </a:r>
+          </a:p>
+        </p:txBody>
+      </p:sp>
+      <p:sp>
+        <p:nvSpPr>
+          <p:cNvPr id="30" name="TextBox 29">
+            <a:extLst>
+              <a:ext uri="{FF2B5EF4-FFF2-40B4-BE49-F238E27FC236}">
+                <a16:creationId xmlns:a16="http://schemas.microsoft.com/office/drawing/2014/main" id="{5EB48EF1-8EBA-48F4-BBCD-F6DE17058E24}"/>
+              </a:ext>
+            </a:extLst>
+          </p:cNvPr>
+          <p:cNvSpPr txBox="1"/>
+          <p:nvPr/>
+        </p:nvSpPr>
+        <p:spPr>
+          <a:xfrm>
+            <a:off x="4710319" y="2039578"/>
+            <a:ext cx="556563" cy="369332"/>
+          </a:xfrm>
+          <a:prstGeom prst="rect">
+            <a:avLst/>
+          </a:prstGeom>
+          <a:noFill/>
+        </p:spPr>
+        <p:txBody>
+          <a:bodyPr wrap="none" rtlCol="0">
+            <a:spAutoFit/>
+          </a:bodyPr>
+          <a:lstStyle/>
+          <a:p>
+            <a:r>
+              <a:rPr lang="en-US" dirty="0">
+                <a:solidFill>
+                  <a:srgbClr val="FF0000"/>
+                </a:solidFill>
+              </a:rPr>
+              <a:t>Min</a:t>
+            </a:r>
+          </a:p>
+        </p:txBody>
+      </p:sp>
+      <p:sp>
+        <p:nvSpPr>
+          <p:cNvPr id="31" name="TextBox 30">
+            <a:extLst>
+              <a:ext uri="{FF2B5EF4-FFF2-40B4-BE49-F238E27FC236}">
+                <a16:creationId xmlns:a16="http://schemas.microsoft.com/office/drawing/2014/main" id="{BF59D424-611E-4028-AE3E-A5ABA4E34A3C}"/>
+              </a:ext>
+            </a:extLst>
+          </p:cNvPr>
+          <p:cNvSpPr txBox="1"/>
+          <p:nvPr/>
+        </p:nvSpPr>
+        <p:spPr>
+          <a:xfrm>
+            <a:off x="1323637" y="3722449"/>
+            <a:ext cx="556563" cy="369332"/>
+          </a:xfrm>
+          <a:prstGeom prst="rect">
+            <a:avLst/>
+          </a:prstGeom>
+          <a:noFill/>
+        </p:spPr>
+        <p:txBody>
+          <a:bodyPr wrap="none" rtlCol="0">
+            <a:spAutoFit/>
+          </a:bodyPr>
+          <a:lstStyle/>
+          <a:p>
+            <a:r>
+              <a:rPr lang="en-US" dirty="0">
+                <a:solidFill>
+                  <a:srgbClr val="FF0000"/>
+                </a:solidFill>
+              </a:rPr>
+              <a:t>Min</a:t>
+            </a:r>
+          </a:p>
+        </p:txBody>
+      </p:sp>
+      <p:sp>
+        <p:nvSpPr>
+          <p:cNvPr id="32" name="TextBox 31">
+            <a:extLst>
+              <a:ext uri="{FF2B5EF4-FFF2-40B4-BE49-F238E27FC236}">
+                <a16:creationId xmlns:a16="http://schemas.microsoft.com/office/drawing/2014/main" id="{571B77FD-1E51-462A-9BD0-43B8C8523F16}"/>
+              </a:ext>
+            </a:extLst>
+          </p:cNvPr>
+          <p:cNvSpPr txBox="1"/>
+          <p:nvPr/>
+        </p:nvSpPr>
+        <p:spPr>
+          <a:xfrm>
+            <a:off x="3200400" y="5410200"/>
+            <a:ext cx="556563" cy="369332"/>
+          </a:xfrm>
+          <a:prstGeom prst="rect">
+            <a:avLst/>
+          </a:prstGeom>
+          <a:noFill/>
+        </p:spPr>
+        <p:txBody>
+          <a:bodyPr wrap="none" rtlCol="0">
+            <a:spAutoFit/>
+          </a:bodyPr>
+          <a:lstStyle/>
+          <a:p>
+            <a:r>
+              <a:rPr lang="en-US" dirty="0">
+                <a:solidFill>
+                  <a:srgbClr val="FF0000"/>
+                </a:solidFill>
+              </a:rPr>
+              <a:t>Min</a:t>
+            </a:r>
+          </a:p>
+        </p:txBody>
+      </p:sp>
+      <p:sp>
+        <p:nvSpPr>
+          <p:cNvPr id="33" name="TextBox 32">
+            <a:extLst>
+              <a:ext uri="{FF2B5EF4-FFF2-40B4-BE49-F238E27FC236}">
+                <a16:creationId xmlns:a16="http://schemas.microsoft.com/office/drawing/2014/main" id="{254390A4-A349-446D-A3CC-5EA3E0207105}"/>
+              </a:ext>
+            </a:extLst>
+          </p:cNvPr>
+          <p:cNvSpPr txBox="1"/>
+          <p:nvPr/>
+        </p:nvSpPr>
+        <p:spPr>
+          <a:xfrm>
+            <a:off x="6526681" y="5407745"/>
+            <a:ext cx="556563" cy="369332"/>
+          </a:xfrm>
+          <a:prstGeom prst="rect">
+            <a:avLst/>
+          </a:prstGeom>
+          <a:noFill/>
+        </p:spPr>
+        <p:txBody>
+          <a:bodyPr wrap="none" rtlCol="0">
+            <a:spAutoFit/>
+          </a:bodyPr>
+          <a:lstStyle/>
+          <a:p>
+            <a:r>
+              <a:rPr lang="en-US" dirty="0">
+                <a:solidFill>
+                  <a:srgbClr val="FF0000"/>
+                </a:solidFill>
+              </a:rPr>
+              <a:t>Min</a:t>
+            </a:r>
+          </a:p>
+        </p:txBody>
+      </p:sp>
+      <p:sp>
+        <p:nvSpPr>
+          <p:cNvPr id="34" name="TextBox 33">
+            <a:extLst>
+              <a:ext uri="{FF2B5EF4-FFF2-40B4-BE49-F238E27FC236}">
+                <a16:creationId xmlns:a16="http://schemas.microsoft.com/office/drawing/2014/main" id="{7432D100-B7AB-4818-B2C6-BB3F840852DB}"/>
+              </a:ext>
+            </a:extLst>
+          </p:cNvPr>
+          <p:cNvSpPr txBox="1"/>
+          <p:nvPr/>
+        </p:nvSpPr>
+        <p:spPr>
+          <a:xfrm>
+            <a:off x="2286000" y="4884442"/>
+            <a:ext cx="589713" cy="369332"/>
+          </a:xfrm>
+          <a:prstGeom prst="rect">
+            <a:avLst/>
+          </a:prstGeom>
+          <a:noFill/>
+        </p:spPr>
+        <p:txBody>
+          <a:bodyPr wrap="none" rtlCol="0">
+            <a:spAutoFit/>
+          </a:bodyPr>
+          <a:lstStyle/>
+          <a:p>
+            <a:r>
+              <a:rPr lang="en-US" dirty="0">
+                <a:solidFill>
+                  <a:srgbClr val="FF0000"/>
+                </a:solidFill>
+              </a:rPr>
+              <a:t>Max</a:t>
+            </a:r>
+          </a:p>
+        </p:txBody>
+      </p:sp>
+      <p:sp>
+        <p:nvSpPr>
+          <p:cNvPr id="35" name="TextBox 34">
+            <a:extLst>
+              <a:ext uri="{FF2B5EF4-FFF2-40B4-BE49-F238E27FC236}">
+                <a16:creationId xmlns:a16="http://schemas.microsoft.com/office/drawing/2014/main" id="{7EBCB69C-7E0F-4F42-A368-33D9EB950B98}"/>
+              </a:ext>
+            </a:extLst>
+          </p:cNvPr>
+          <p:cNvSpPr txBox="1"/>
+          <p:nvPr/>
+        </p:nvSpPr>
+        <p:spPr>
+          <a:xfrm>
+            <a:off x="5678576" y="1509710"/>
+            <a:ext cx="589713" cy="369332"/>
+          </a:xfrm>
+          <a:prstGeom prst="rect">
+            <a:avLst/>
+          </a:prstGeom>
+          <a:noFill/>
+        </p:spPr>
+        <p:txBody>
+          <a:bodyPr wrap="none" rtlCol="0">
+            <a:spAutoFit/>
+          </a:bodyPr>
+          <a:lstStyle/>
+          <a:p>
+            <a:r>
+              <a:rPr lang="en-US" dirty="0">
+                <a:solidFill>
+                  <a:srgbClr val="FF0000"/>
+                </a:solidFill>
+              </a:rPr>
+              <a:t>Max</a:t>
+            </a:r>
+          </a:p>
+        </p:txBody>
+      </p:sp>
+      <p:sp>
+        <p:nvSpPr>
+          <p:cNvPr id="36" name="TextBox 35">
+            <a:extLst>
+              <a:ext uri="{FF2B5EF4-FFF2-40B4-BE49-F238E27FC236}">
+                <a16:creationId xmlns:a16="http://schemas.microsoft.com/office/drawing/2014/main" id="{7FCB512E-6655-47DC-B8FB-B7FB817E9DA9}"/>
+              </a:ext>
+            </a:extLst>
+          </p:cNvPr>
+          <p:cNvSpPr txBox="1"/>
+          <p:nvPr/>
+        </p:nvSpPr>
+        <p:spPr>
+          <a:xfrm>
+            <a:off x="2285999" y="3194577"/>
+            <a:ext cx="589713" cy="369332"/>
+          </a:xfrm>
+          <a:prstGeom prst="rect">
+            <a:avLst/>
+          </a:prstGeom>
+          <a:noFill/>
+        </p:spPr>
+        <p:txBody>
+          <a:bodyPr wrap="none" rtlCol="0">
+            <a:spAutoFit/>
+          </a:bodyPr>
+          <a:lstStyle/>
+          <a:p>
+            <a:r>
+              <a:rPr lang="en-US" dirty="0">
+                <a:solidFill>
+                  <a:srgbClr val="FF0000"/>
+                </a:solidFill>
+              </a:rPr>
+              <a:t>Max</a:t>
+            </a:r>
+          </a:p>
+        </p:txBody>
+      </p:sp>
+      <p:sp>
+        <p:nvSpPr>
+          <p:cNvPr id="37" name="TextBox 36">
+            <a:extLst>
+              <a:ext uri="{FF2B5EF4-FFF2-40B4-BE49-F238E27FC236}">
+                <a16:creationId xmlns:a16="http://schemas.microsoft.com/office/drawing/2014/main" id="{87AC7E1A-C4EF-4AA4-A0B5-5DCB6D2446DA}"/>
+              </a:ext>
+            </a:extLst>
+          </p:cNvPr>
+          <p:cNvSpPr txBox="1"/>
+          <p:nvPr/>
+        </p:nvSpPr>
+        <p:spPr>
+          <a:xfrm>
+            <a:off x="5582486" y="4881919"/>
+            <a:ext cx="589713" cy="369332"/>
+          </a:xfrm>
+          <a:prstGeom prst="rect">
+            <a:avLst/>
+          </a:prstGeom>
+          <a:noFill/>
+        </p:spPr>
+        <p:txBody>
+          <a:bodyPr wrap="none" rtlCol="0">
+            <a:spAutoFit/>
+          </a:bodyPr>
+          <a:lstStyle/>
+          <a:p>
+            <a:r>
+              <a:rPr lang="en-US" dirty="0">
+                <a:solidFill>
+                  <a:srgbClr val="FF0000"/>
+                </a:solidFill>
+              </a:rPr>
+              <a:t>Max</a:t>
+            </a:r>
+          </a:p>
+        </p:txBody>
+      </p:sp>
+      <p:cxnSp>
+        <p:nvCxnSpPr>
+          <p:cNvPr id="45" name="Straight Arrow Connector 44">
+            <a:extLst>
+              <a:ext uri="{FF2B5EF4-FFF2-40B4-BE49-F238E27FC236}">
+                <a16:creationId xmlns:a16="http://schemas.microsoft.com/office/drawing/2014/main" id="{80FAFBFB-1554-4203-AF6C-9D250D66639C}"/>
+              </a:ext>
+            </a:extLst>
+          </p:cNvPr>
+          <p:cNvCxnSpPr>
+            <a:cxnSpLocks/>
+          </p:cNvCxnSpPr>
+          <p:nvPr/>
+        </p:nvCxnSpPr>
+        <p:spPr>
+          <a:xfrm flipH="1">
+            <a:off x="4724401" y="5181600"/>
+            <a:ext cx="778529" cy="304800"/>
+          </a:xfrm>
+          <a:prstGeom prst="straightConnector1">
+            <a:avLst/>
+          </a:prstGeom>
+          <a:ln w="38100">
+            <a:tailEnd type="triangle"/>
+          </a:ln>
+        </p:spPr>
+        <p:style>
+          <a:lnRef idx="3">
+            <a:schemeClr val="dk1"/>
+          </a:lnRef>
+          <a:fillRef idx="0">
+            <a:schemeClr val="dk1"/>
+          </a:fillRef>
+          <a:effectRef idx="2">
+            <a:schemeClr val="dk1"/>
+          </a:effectRef>
+          <a:fontRef idx="minor">
+            <a:schemeClr val="tx1"/>
+          </a:fontRef>
+        </p:style>
+      </p:cxnSp>
+      <p:cxnSp>
+        <p:nvCxnSpPr>
+          <p:cNvPr id="46" name="Straight Arrow Connector 45">
+            <a:extLst>
+              <a:ext uri="{FF2B5EF4-FFF2-40B4-BE49-F238E27FC236}">
+                <a16:creationId xmlns:a16="http://schemas.microsoft.com/office/drawing/2014/main" id="{47459342-C1F5-4C0F-B5C0-30433B707BAE}"/>
+              </a:ext>
+            </a:extLst>
+          </p:cNvPr>
+          <p:cNvCxnSpPr>
+            <a:cxnSpLocks/>
+          </p:cNvCxnSpPr>
+          <p:nvPr/>
+        </p:nvCxnSpPr>
+        <p:spPr>
+          <a:xfrm flipH="1">
+            <a:off x="4343400" y="5670704"/>
+            <a:ext cx="271348" cy="349096"/>
+          </a:xfrm>
+          <a:prstGeom prst="straightConnector1">
+            <a:avLst/>
+          </a:prstGeom>
+          <a:ln w="38100">
+            <a:tailEnd type="triangle"/>
+          </a:ln>
+        </p:spPr>
+        <p:style>
+          <a:lnRef idx="3">
+            <a:schemeClr val="dk1"/>
+          </a:lnRef>
+          <a:fillRef idx="0">
+            <a:schemeClr val="dk1"/>
+          </a:fillRef>
+          <a:effectRef idx="2">
+            <a:schemeClr val="dk1"/>
+          </a:effectRef>
+          <a:fontRef idx="minor">
+            <a:schemeClr val="tx1"/>
+          </a:fontRef>
+        </p:style>
+      </p:cxnSp>
+      <mc:AlternateContent xmlns:mc="http://schemas.openxmlformats.org/markup-compatibility/2006">
+        <mc:Choice xmlns:a14="http://schemas.microsoft.com/office/drawing/2010/main" Requires="a14">
+          <p:sp>
+            <p:nvSpPr>
+              <p:cNvPr id="51" name="TextBox 50">
+                <a:extLst>
+                  <a:ext uri="{FF2B5EF4-FFF2-40B4-BE49-F238E27FC236}">
+                    <a16:creationId xmlns:a16="http://schemas.microsoft.com/office/drawing/2014/main" id="{A81252B3-3CC3-4D36-9470-AF5FCCA9E12B}"/>
+                  </a:ext>
+                </a:extLst>
+              </p:cNvPr>
+              <p:cNvSpPr txBox="1"/>
+              <p:nvPr/>
+            </p:nvSpPr>
+            <p:spPr>
+              <a:xfrm>
+                <a:off x="7289396" y="4924961"/>
+                <a:ext cx="1652521" cy="1323439"/>
+              </a:xfrm>
+              <a:prstGeom prst="rect">
+                <a:avLst/>
+              </a:prstGeom>
+            </p:spPr>
+            <p:style>
+              <a:lnRef idx="3">
+                <a:schemeClr val="lt1"/>
+              </a:lnRef>
+              <a:fillRef idx="1">
+                <a:schemeClr val="accent1"/>
+              </a:fillRef>
+              <a:effectRef idx="1">
+                <a:schemeClr val="accent1"/>
+              </a:effectRef>
+              <a:fontRef idx="minor">
+                <a:schemeClr val="lt1"/>
+              </a:fontRef>
+            </p:style>
+            <p:txBody>
+              <a:bodyPr wrap="square" rtlCol="0">
+                <a:spAutoFit/>
+              </a:bodyPr>
+              <a:lstStyle/>
+              <a:p>
+                <a:r>
+                  <a:rPr lang="en-US" sz="1600" dirty="0"/>
+                  <a:t>Once a subtree is fully evaluated, the interval has a length of 0 (</a:t>
+                </a:r>
+                <a14:m>
+                  <m:oMath xmlns:m="http://schemas.openxmlformats.org/officeDocument/2006/math">
+                    <m:r>
+                      <a:rPr lang="en-US" sz="1600" b="0" i="1" smtClean="0">
+                        <a:latin typeface="Cambria Math" panose="02040503050406030204" pitchFamily="18" charset="0"/>
+                      </a:rPr>
+                      <m:t>𝛼</m:t>
+                    </m:r>
+                    <m:r>
+                      <a:rPr lang="en-US" sz="1600" b="0" i="1" smtClean="0">
+                        <a:latin typeface="Cambria Math" panose="02040503050406030204" pitchFamily="18" charset="0"/>
+                      </a:rPr>
+                      <m:t>=</m:t>
+                    </m:r>
+                    <m:r>
+                      <a:rPr lang="en-US" sz="1600" b="0" i="1" smtClean="0">
+                        <a:latin typeface="Cambria Math" panose="02040503050406030204" pitchFamily="18" charset="0"/>
+                      </a:rPr>
+                      <m:t>𝛽</m:t>
+                    </m:r>
+                  </m:oMath>
+                </a14:m>
+                <a:r>
+                  <a:rPr lang="en-US" sz="1600" dirty="0"/>
+                  <a:t>).</a:t>
+                </a:r>
+              </a:p>
+            </p:txBody>
+          </p:sp>
+        </mc:Choice>
+        <mc:Fallback>
+          <p:sp>
+            <p:nvSpPr>
+              <p:cNvPr id="51" name="TextBox 50">
+                <a:extLst>
+                  <a:ext uri="{FF2B5EF4-FFF2-40B4-BE49-F238E27FC236}">
+                    <a16:creationId xmlns:a16="http://schemas.microsoft.com/office/drawing/2014/main" id="{A81252B3-3CC3-4D36-9470-AF5FCCA9E12B}"/>
+                  </a:ext>
+                </a:extLst>
+              </p:cNvPr>
+              <p:cNvSpPr txBox="1">
+                <a:spLocks noRot="1" noChangeAspect="1" noMove="1" noResize="1" noEditPoints="1" noAdjustHandles="1" noChangeArrowheads="1" noChangeShapeType="1" noTextEdit="1"/>
+              </p:cNvSpPr>
+              <p:nvPr/>
+            </p:nvSpPr>
+            <p:spPr>
+              <a:xfrm>
+                <a:off x="7289396" y="4924961"/>
+                <a:ext cx="1652521" cy="1323439"/>
+              </a:xfrm>
+              <a:prstGeom prst="rect">
+                <a:avLst/>
+              </a:prstGeom>
+              <a:blipFill>
+                <a:blip r:embed="rId5"/>
+                <a:stretch>
+                  <a:fillRect l="-1825" t="-909" r="-1095" b="-4091"/>
+                </a:stretch>
+              </a:blipFill>
+            </p:spPr>
+            <p:txBody>
+              <a:bodyPr/>
+              <a:lstStyle/>
+              <a:p>
+                <a:r>
+                  <a:rPr lang="en-US">
+                    <a:noFill/>
+                  </a:rPr>
+                  <a:t> </a:t>
+                </a:r>
+              </a:p>
+            </p:txBody>
+          </p:sp>
+        </mc:Fallback>
+      </mc:AlternateContent>
+      <mc:AlternateContent xmlns:mc="http://schemas.openxmlformats.org/markup-compatibility/2006">
+        <mc:Choice xmlns:a14="http://schemas.microsoft.com/office/drawing/2010/main" Requires="a14">
+          <p:sp>
+            <p:nvSpPr>
+              <p:cNvPr id="56" name="TextBox 55">
+                <a:extLst>
+                  <a:ext uri="{FF2B5EF4-FFF2-40B4-BE49-F238E27FC236}">
+                    <a16:creationId xmlns:a16="http://schemas.microsoft.com/office/drawing/2014/main" id="{78CC5FD0-47C7-4534-85F5-8EA51DE81693}"/>
+                  </a:ext>
+                </a:extLst>
+              </p:cNvPr>
+              <p:cNvSpPr txBox="1"/>
+              <p:nvPr/>
+            </p:nvSpPr>
+            <p:spPr>
+              <a:xfrm>
+                <a:off x="641343" y="3593956"/>
+                <a:ext cx="593689" cy="276999"/>
+              </a:xfrm>
+              <a:prstGeom prst="rect">
+                <a:avLst/>
+              </a:prstGeom>
+              <a:noFill/>
+            </p:spPr>
+            <p:txBody>
+              <a:bodyPr wrap="none" rtlCol="0">
+                <a:spAutoFit/>
+              </a:bodyPr>
+              <a:lstStyle/>
+              <a:p>
+                <a14:m>
+                  <m:oMathPara xmlns:m="http://schemas.openxmlformats.org/officeDocument/2006/math">
+                    <m:oMathParaPr>
+                      <m:jc m:val="centerGroup"/>
+                    </m:oMathParaPr>
+                    <m:oMath xmlns:m="http://schemas.openxmlformats.org/officeDocument/2006/math">
+                      <m:r>
+                        <a:rPr lang="en-US" sz="1200" i="1" dirty="0" smtClean="0">
+                          <a:solidFill>
+                            <a:srgbClr val="FF0000"/>
+                          </a:solidFill>
+                          <a:latin typeface="Cambria Math" panose="02040503050406030204" pitchFamily="18" charset="0"/>
+                        </a:rPr>
+                        <m:t>𝑣</m:t>
+                      </m:r>
+                      <m:r>
+                        <a:rPr lang="en-US" sz="1200" i="1" dirty="0" smtClean="0">
+                          <a:solidFill>
+                            <a:srgbClr val="FF0000"/>
+                          </a:solidFill>
+                          <a:latin typeface="Cambria Math" panose="02040503050406030204" pitchFamily="18" charset="0"/>
+                        </a:rPr>
+                        <m:t>=3</m:t>
+                      </m:r>
+                    </m:oMath>
+                  </m:oMathPara>
+                </a14:m>
+                <a:endParaRPr lang="en-US" sz="1200" dirty="0">
+                  <a:solidFill>
+                    <a:srgbClr val="FF0000"/>
+                  </a:solidFill>
+                </a:endParaRPr>
+              </a:p>
+            </p:txBody>
+          </p:sp>
+        </mc:Choice>
+        <mc:Fallback>
+          <p:sp>
+            <p:nvSpPr>
+              <p:cNvPr id="56" name="TextBox 55">
+                <a:extLst>
+                  <a:ext uri="{FF2B5EF4-FFF2-40B4-BE49-F238E27FC236}">
+                    <a16:creationId xmlns:a16="http://schemas.microsoft.com/office/drawing/2014/main" id="{78CC5FD0-47C7-4534-85F5-8EA51DE81693}"/>
+                  </a:ext>
+                </a:extLst>
+              </p:cNvPr>
+              <p:cNvSpPr txBox="1">
+                <a:spLocks noRot="1" noChangeAspect="1" noMove="1" noResize="1" noEditPoints="1" noAdjustHandles="1" noChangeArrowheads="1" noChangeShapeType="1" noTextEdit="1"/>
+              </p:cNvSpPr>
+              <p:nvPr/>
+            </p:nvSpPr>
+            <p:spPr>
+              <a:xfrm>
+                <a:off x="641343" y="3593956"/>
+                <a:ext cx="593689" cy="276999"/>
+              </a:xfrm>
+              <a:prstGeom prst="rect">
+                <a:avLst/>
+              </a:prstGeom>
+              <a:blipFill>
+                <a:blip r:embed="rId6"/>
+                <a:stretch>
+                  <a:fillRect/>
+                </a:stretch>
+              </a:blipFill>
+            </p:spPr>
+            <p:txBody>
+              <a:bodyPr/>
+              <a:lstStyle/>
+              <a:p>
+                <a:r>
+                  <a:rPr lang="en-US">
+                    <a:noFill/>
+                  </a:rPr>
+                  <a:t> </a:t>
+                </a:r>
+              </a:p>
+            </p:txBody>
+          </p:sp>
+        </mc:Fallback>
+      </mc:AlternateContent>
+      <mc:AlternateContent xmlns:mc="http://schemas.openxmlformats.org/markup-compatibility/2006">
+        <mc:Choice xmlns:a14="http://schemas.microsoft.com/office/drawing/2010/main" Requires="a14">
+          <p:sp>
+            <p:nvSpPr>
+              <p:cNvPr id="57" name="TextBox 56">
+                <a:extLst>
+                  <a:ext uri="{FF2B5EF4-FFF2-40B4-BE49-F238E27FC236}">
+                    <a16:creationId xmlns:a16="http://schemas.microsoft.com/office/drawing/2014/main" id="{3960D56E-122B-433F-BF17-027098594E72}"/>
+                  </a:ext>
+                </a:extLst>
+              </p:cNvPr>
+              <p:cNvSpPr txBox="1"/>
+              <p:nvPr/>
+            </p:nvSpPr>
+            <p:spPr>
+              <a:xfrm>
+                <a:off x="6101216" y="5200001"/>
+                <a:ext cx="593689" cy="276999"/>
+              </a:xfrm>
+              <a:prstGeom prst="rect">
+                <a:avLst/>
+              </a:prstGeom>
+              <a:noFill/>
+            </p:spPr>
+            <p:txBody>
+              <a:bodyPr wrap="none" rtlCol="0">
+                <a:spAutoFit/>
+              </a:bodyPr>
+              <a:lstStyle/>
+              <a:p>
+                <a14:m>
+                  <m:oMathPara xmlns:m="http://schemas.openxmlformats.org/officeDocument/2006/math">
+                    <m:oMathParaPr>
+                      <m:jc m:val="centerGroup"/>
+                    </m:oMathParaPr>
+                    <m:oMath xmlns:m="http://schemas.openxmlformats.org/officeDocument/2006/math">
+                      <m:r>
+                        <a:rPr lang="en-US" sz="1200" i="1" dirty="0" smtClean="0">
+                          <a:solidFill>
+                            <a:srgbClr val="FF0000"/>
+                          </a:solidFill>
+                          <a:latin typeface="Cambria Math" panose="02040503050406030204" pitchFamily="18" charset="0"/>
+                        </a:rPr>
+                        <m:t>𝑣</m:t>
+                      </m:r>
+                      <m:r>
+                        <a:rPr lang="en-US" sz="1200" i="1" dirty="0" smtClean="0">
+                          <a:solidFill>
+                            <a:srgbClr val="FF0000"/>
+                          </a:solidFill>
+                          <a:latin typeface="Cambria Math" panose="02040503050406030204" pitchFamily="18" charset="0"/>
+                        </a:rPr>
+                        <m:t>=2</m:t>
+                      </m:r>
+                    </m:oMath>
+                  </m:oMathPara>
+                </a14:m>
+                <a:endParaRPr lang="en-US" sz="1200" dirty="0">
+                  <a:solidFill>
+                    <a:srgbClr val="FF0000"/>
+                  </a:solidFill>
+                </a:endParaRPr>
+              </a:p>
+            </p:txBody>
+          </p:sp>
+        </mc:Choice>
+        <mc:Fallback>
+          <p:sp>
+            <p:nvSpPr>
+              <p:cNvPr id="57" name="TextBox 56">
+                <a:extLst>
+                  <a:ext uri="{FF2B5EF4-FFF2-40B4-BE49-F238E27FC236}">
+                    <a16:creationId xmlns:a16="http://schemas.microsoft.com/office/drawing/2014/main" id="{3960D56E-122B-433F-BF17-027098594E72}"/>
+                  </a:ext>
+                </a:extLst>
+              </p:cNvPr>
+              <p:cNvSpPr txBox="1">
+                <a:spLocks noRot="1" noChangeAspect="1" noMove="1" noResize="1" noEditPoints="1" noAdjustHandles="1" noChangeArrowheads="1" noChangeShapeType="1" noTextEdit="1"/>
+              </p:cNvSpPr>
+              <p:nvPr/>
+            </p:nvSpPr>
+            <p:spPr>
+              <a:xfrm>
+                <a:off x="6101216" y="5200001"/>
+                <a:ext cx="593689" cy="276999"/>
+              </a:xfrm>
+              <a:prstGeom prst="rect">
+                <a:avLst/>
+              </a:prstGeom>
+              <a:blipFill>
+                <a:blip r:embed="rId7"/>
+                <a:stretch>
+                  <a:fillRect/>
+                </a:stretch>
+              </a:blipFill>
+            </p:spPr>
+            <p:txBody>
+              <a:bodyPr/>
+              <a:lstStyle/>
+              <a:p>
+                <a:r>
+                  <a:rPr lang="en-US">
+                    <a:noFill/>
+                  </a:rPr>
+                  <a:t> </a:t>
+                </a:r>
+              </a:p>
+            </p:txBody>
+          </p:sp>
+        </mc:Fallback>
+      </mc:AlternateContent>
+      <mc:AlternateContent xmlns:mc="http://schemas.openxmlformats.org/markup-compatibility/2006">
+        <mc:Choice xmlns:a14="http://schemas.microsoft.com/office/drawing/2010/main" Requires="a14">
+          <p:sp>
+            <p:nvSpPr>
+              <p:cNvPr id="58" name="TextBox 57">
+                <a:extLst>
+                  <a:ext uri="{FF2B5EF4-FFF2-40B4-BE49-F238E27FC236}">
+                    <a16:creationId xmlns:a16="http://schemas.microsoft.com/office/drawing/2014/main" id="{D8703911-F380-4E5C-B526-11F000F3523A}"/>
+                  </a:ext>
+                </a:extLst>
+              </p:cNvPr>
+              <p:cNvSpPr txBox="1"/>
+              <p:nvPr/>
+            </p:nvSpPr>
+            <p:spPr>
+              <a:xfrm>
+                <a:off x="4949019" y="4757931"/>
+                <a:ext cx="593689" cy="276999"/>
+              </a:xfrm>
+              <a:prstGeom prst="rect">
+                <a:avLst/>
+              </a:prstGeom>
+              <a:noFill/>
+            </p:spPr>
+            <p:txBody>
+              <a:bodyPr wrap="none" rtlCol="0">
+                <a:spAutoFit/>
+              </a:bodyPr>
+              <a:lstStyle/>
+              <a:p>
+                <a14:m>
+                  <m:oMathPara xmlns:m="http://schemas.openxmlformats.org/officeDocument/2006/math">
+                    <m:oMathParaPr>
+                      <m:jc m:val="centerGroup"/>
+                    </m:oMathParaPr>
+                    <m:oMath xmlns:m="http://schemas.openxmlformats.org/officeDocument/2006/math">
+                      <m:r>
+                        <a:rPr lang="en-US" sz="1200" i="1" dirty="0" smtClean="0">
+                          <a:solidFill>
+                            <a:srgbClr val="FF0000"/>
+                          </a:solidFill>
+                          <a:latin typeface="Cambria Math" panose="02040503050406030204" pitchFamily="18" charset="0"/>
+                        </a:rPr>
+                        <m:t>𝑣</m:t>
+                      </m:r>
+                      <m:r>
+                        <a:rPr lang="en-US" sz="1200" i="1" dirty="0" smtClean="0">
+                          <a:solidFill>
+                            <a:srgbClr val="FF0000"/>
+                          </a:solidFill>
+                          <a:latin typeface="Cambria Math" panose="02040503050406030204" pitchFamily="18" charset="0"/>
+                        </a:rPr>
+                        <m:t>=3</m:t>
+                      </m:r>
+                    </m:oMath>
+                  </m:oMathPara>
+                </a14:m>
+                <a:endParaRPr lang="en-US" sz="1200" dirty="0">
+                  <a:solidFill>
+                    <a:srgbClr val="FF0000"/>
+                  </a:solidFill>
+                </a:endParaRPr>
+              </a:p>
+            </p:txBody>
+          </p:sp>
+        </mc:Choice>
+        <mc:Fallback>
+          <p:sp>
+            <p:nvSpPr>
+              <p:cNvPr id="58" name="TextBox 57">
+                <a:extLst>
+                  <a:ext uri="{FF2B5EF4-FFF2-40B4-BE49-F238E27FC236}">
+                    <a16:creationId xmlns:a16="http://schemas.microsoft.com/office/drawing/2014/main" id="{D8703911-F380-4E5C-B526-11F000F3523A}"/>
+                  </a:ext>
+                </a:extLst>
+              </p:cNvPr>
+              <p:cNvSpPr txBox="1">
+                <a:spLocks noRot="1" noChangeAspect="1" noMove="1" noResize="1" noEditPoints="1" noAdjustHandles="1" noChangeArrowheads="1" noChangeShapeType="1" noTextEdit="1"/>
+              </p:cNvSpPr>
+              <p:nvPr/>
+            </p:nvSpPr>
+            <p:spPr>
+              <a:xfrm>
+                <a:off x="4949019" y="4757931"/>
+                <a:ext cx="593689" cy="276999"/>
+              </a:xfrm>
+              <a:prstGeom prst="rect">
+                <a:avLst/>
+              </a:prstGeom>
+              <a:blipFill>
+                <a:blip r:embed="rId8"/>
+                <a:stretch>
+                  <a:fillRect/>
+                </a:stretch>
+              </a:blipFill>
+            </p:spPr>
+            <p:txBody>
+              <a:bodyPr/>
+              <a:lstStyle/>
+              <a:p>
+                <a:r>
+                  <a:rPr lang="en-US">
+                    <a:noFill/>
+                  </a:rPr>
+                  <a:t> </a:t>
+                </a:r>
+              </a:p>
+            </p:txBody>
+          </p:sp>
+        </mc:Fallback>
+      </mc:AlternateContent>
+      <mc:AlternateContent xmlns:mc="http://schemas.openxmlformats.org/markup-compatibility/2006">
+        <mc:Choice xmlns:a14="http://schemas.microsoft.com/office/drawing/2010/main" Requires="a14">
+          <p:sp>
+            <p:nvSpPr>
+              <p:cNvPr id="60" name="TextBox 59">
+                <a:extLst>
+                  <a:ext uri="{FF2B5EF4-FFF2-40B4-BE49-F238E27FC236}">
+                    <a16:creationId xmlns:a16="http://schemas.microsoft.com/office/drawing/2014/main" id="{4E011972-2701-43D3-A2DB-9C23C3ADD87F}"/>
+                  </a:ext>
+                </a:extLst>
+              </p:cNvPr>
+              <p:cNvSpPr txBox="1"/>
+              <p:nvPr/>
+            </p:nvSpPr>
+            <p:spPr>
+              <a:xfrm>
+                <a:off x="4975899" y="3731246"/>
+                <a:ext cx="492412" cy="276999"/>
+              </a:xfrm>
+              <a:prstGeom prst="rect">
+                <a:avLst/>
+              </a:prstGeom>
+              <a:solidFill>
+                <a:schemeClr val="bg1"/>
+              </a:solidFill>
+            </p:spPr>
+            <p:txBody>
+              <a:bodyPr wrap="square" rtlCol="0">
+                <a:spAutoFit/>
+              </a:bodyPr>
+              <a:lstStyle/>
+              <a:p>
+                <a14:m>
+                  <m:oMathPara xmlns:m="http://schemas.openxmlformats.org/officeDocument/2006/math">
+                    <m:oMathParaPr>
+                      <m:jc m:val="centerGroup"/>
+                    </m:oMathParaPr>
+                    <m:oMath xmlns:m="http://schemas.openxmlformats.org/officeDocument/2006/math">
+                      <m:r>
+                        <a:rPr lang="en-US" sz="1200" b="0" i="1" dirty="0" smtClean="0">
+                          <a:latin typeface="Cambria Math" panose="02040503050406030204" pitchFamily="18" charset="0"/>
+                        </a:rPr>
+                        <m:t>[ </m:t>
+                      </m:r>
+                      <m:r>
+                        <a:rPr lang="en-US" sz="1200" i="1" dirty="0" smtClean="0">
+                          <a:latin typeface="Cambria Math" panose="02040503050406030204" pitchFamily="18" charset="0"/>
+                        </a:rPr>
+                        <m:t>3</m:t>
+                      </m:r>
+                      <m:r>
+                        <a:rPr lang="en-US" sz="1200" b="0" i="1" dirty="0" smtClean="0">
+                          <a:latin typeface="Cambria Math" panose="02040503050406030204" pitchFamily="18" charset="0"/>
+                        </a:rPr>
+                        <m:t>, 2 ]</m:t>
+                      </m:r>
+                    </m:oMath>
+                  </m:oMathPara>
+                </a14:m>
+                <a:endParaRPr lang="en-US" sz="1200" dirty="0"/>
+              </a:p>
+            </p:txBody>
+          </p:sp>
+        </mc:Choice>
+        <mc:Fallback>
+          <p:sp>
+            <p:nvSpPr>
+              <p:cNvPr id="60" name="TextBox 59">
+                <a:extLst>
+                  <a:ext uri="{FF2B5EF4-FFF2-40B4-BE49-F238E27FC236}">
+                    <a16:creationId xmlns:a16="http://schemas.microsoft.com/office/drawing/2014/main" id="{4E011972-2701-43D3-A2DB-9C23C3ADD87F}"/>
+                  </a:ext>
+                </a:extLst>
+              </p:cNvPr>
+              <p:cNvSpPr txBox="1">
+                <a:spLocks noRot="1" noChangeAspect="1" noMove="1" noResize="1" noEditPoints="1" noAdjustHandles="1" noChangeArrowheads="1" noChangeShapeType="1" noTextEdit="1"/>
+              </p:cNvSpPr>
+              <p:nvPr/>
+            </p:nvSpPr>
+            <p:spPr>
+              <a:xfrm>
+                <a:off x="4975899" y="3731246"/>
+                <a:ext cx="492412" cy="276999"/>
+              </a:xfrm>
+              <a:prstGeom prst="rect">
+                <a:avLst/>
+              </a:prstGeom>
+              <a:blipFill>
+                <a:blip r:embed="rId9"/>
+                <a:stretch>
+                  <a:fillRect r="-17284" b="-6522"/>
+                </a:stretch>
+              </a:blipFill>
+            </p:spPr>
+            <p:txBody>
+              <a:bodyPr/>
+              <a:lstStyle/>
+              <a:p>
+                <a:r>
+                  <a:rPr lang="en-US">
+                    <a:noFill/>
+                  </a:rPr>
+                  <a:t> </a:t>
+                </a:r>
+              </a:p>
+            </p:txBody>
+          </p:sp>
+        </mc:Fallback>
+      </mc:AlternateContent>
+      <p:cxnSp>
+        <p:nvCxnSpPr>
+          <p:cNvPr id="20" name="Straight Arrow Connector 19">
+            <a:extLst>
+              <a:ext uri="{FF2B5EF4-FFF2-40B4-BE49-F238E27FC236}">
+                <a16:creationId xmlns:a16="http://schemas.microsoft.com/office/drawing/2014/main" id="{21A6F816-CCA5-4793-A17F-140AA8B5162A}"/>
+              </a:ext>
+            </a:extLst>
+          </p:cNvPr>
+          <p:cNvCxnSpPr>
+            <a:cxnSpLocks/>
+          </p:cNvCxnSpPr>
+          <p:nvPr/>
+        </p:nvCxnSpPr>
+        <p:spPr>
+          <a:xfrm flipV="1">
+            <a:off x="5257800" y="3932237"/>
+            <a:ext cx="76200" cy="577853"/>
+          </a:xfrm>
+          <a:prstGeom prst="straightConnector1">
+            <a:avLst/>
+          </a:prstGeom>
+          <a:ln>
+            <a:solidFill>
+              <a:srgbClr val="FF0000"/>
+            </a:solidFill>
+            <a:tailEnd type="triangle"/>
+          </a:ln>
+        </p:spPr>
+        <p:style>
+          <a:lnRef idx="1">
+            <a:schemeClr val="accent1"/>
+          </a:lnRef>
+          <a:fillRef idx="0">
+            <a:schemeClr val="accent1"/>
+          </a:fillRef>
+          <a:effectRef idx="0">
+            <a:schemeClr val="accent1"/>
+          </a:effectRef>
+          <a:fontRef idx="minor">
+            <a:schemeClr val="tx1"/>
+          </a:fontRef>
+        </p:style>
+      </p:cxnSp>
+      <p:sp>
+        <p:nvSpPr>
+          <p:cNvPr id="26" name="Oval 25">
+            <a:extLst>
+              <a:ext uri="{FF2B5EF4-FFF2-40B4-BE49-F238E27FC236}">
+                <a16:creationId xmlns:a16="http://schemas.microsoft.com/office/drawing/2014/main" id="{1B5BDB4D-F32A-4D20-9AAF-8AA8B74945C0}"/>
+              </a:ext>
+            </a:extLst>
+          </p:cNvPr>
+          <p:cNvSpPr/>
+          <p:nvPr/>
+        </p:nvSpPr>
+        <p:spPr>
+          <a:xfrm>
+            <a:off x="5257800" y="3770315"/>
+            <a:ext cx="228600" cy="214311"/>
+          </a:xfrm>
+          <a:prstGeom prst="ellipse">
+            <a:avLst/>
+          </a:prstGeom>
+          <a:noFill/>
+          <a:ln>
+            <a:solidFill>
+              <a:srgbClr val="FF0000"/>
+            </a:solidFill>
+          </a:ln>
+        </p:spPr>
+        <p:style>
+          <a:lnRef idx="2">
+            <a:schemeClr val="accent1">
+              <a:shade val="50000"/>
+            </a:schemeClr>
+          </a:lnRef>
+          <a:fillRef idx="1">
+            <a:schemeClr val="accent1"/>
+          </a:fillRef>
+          <a:effectRef idx="0">
+            <a:schemeClr val="accent1"/>
+          </a:effectRef>
+          <a:fontRef idx="minor">
+            <a:schemeClr val="lt1"/>
+          </a:fontRef>
+        </p:style>
+        <p:txBody>
+          <a:bodyPr rtlCol="0" anchor="ctr"/>
+          <a:lstStyle/>
+          <a:p>
+            <a:pPr algn="ctr"/>
+            <a:endParaRPr lang="en-US"/>
+          </a:p>
+        </p:txBody>
+      </p:sp>
+      <mc:AlternateContent xmlns:mc="http://schemas.openxmlformats.org/markup-compatibility/2006">
+        <mc:Choice xmlns:a14="http://schemas.microsoft.com/office/drawing/2010/main" Requires="a14">
+          <p:sp>
+            <p:nvSpPr>
+              <p:cNvPr id="63" name="TextBox 62">
+                <a:extLst>
+                  <a:ext uri="{FF2B5EF4-FFF2-40B4-BE49-F238E27FC236}">
+                    <a16:creationId xmlns:a16="http://schemas.microsoft.com/office/drawing/2014/main" id="{C3CBC97D-7CD6-4777-AC2A-3571C1220065}"/>
+                  </a:ext>
+                </a:extLst>
+              </p:cNvPr>
+              <p:cNvSpPr txBox="1"/>
+              <p:nvPr/>
+            </p:nvSpPr>
+            <p:spPr>
+              <a:xfrm>
+                <a:off x="2464996" y="5445096"/>
+                <a:ext cx="542982" cy="276999"/>
+              </a:xfrm>
+              <a:prstGeom prst="rect">
+                <a:avLst/>
+              </a:prstGeom>
+              <a:solidFill>
+                <a:schemeClr val="bg1"/>
+              </a:solidFill>
+            </p:spPr>
+            <p:txBody>
+              <a:bodyPr wrap="square" rtlCol="0">
+                <a:spAutoFit/>
+              </a:bodyPr>
+              <a:lstStyle/>
+              <a:p>
+                <a14:m>
+                  <m:oMathPara xmlns:m="http://schemas.openxmlformats.org/officeDocument/2006/math">
+                    <m:oMathParaPr>
+                      <m:jc m:val="centerGroup"/>
+                    </m:oMathParaPr>
+                    <m:oMath xmlns:m="http://schemas.openxmlformats.org/officeDocument/2006/math">
+                      <m:r>
+                        <a:rPr lang="en-US" sz="1200" b="0" i="1" dirty="0" smtClean="0">
+                          <a:latin typeface="Cambria Math" panose="02040503050406030204" pitchFamily="18" charset="0"/>
+                        </a:rPr>
+                        <m:t>[ </m:t>
+                      </m:r>
+                      <m:r>
+                        <a:rPr lang="en-US" sz="1200" i="1" dirty="0" smtClean="0">
+                          <a:latin typeface="Cambria Math" panose="02040503050406030204" pitchFamily="18" charset="0"/>
+                        </a:rPr>
+                        <m:t>3</m:t>
+                      </m:r>
+                      <m:r>
+                        <a:rPr lang="en-US" sz="1200" b="0" i="1" dirty="0" smtClean="0">
+                          <a:latin typeface="Cambria Math" panose="02040503050406030204" pitchFamily="18" charset="0"/>
+                        </a:rPr>
+                        <m:t>, 14 ]</m:t>
+                      </m:r>
+                    </m:oMath>
+                  </m:oMathPara>
+                </a14:m>
+                <a:endParaRPr lang="en-US" sz="1200" dirty="0"/>
+              </a:p>
+            </p:txBody>
+          </p:sp>
+        </mc:Choice>
+        <mc:Fallback>
+          <p:sp>
+            <p:nvSpPr>
+              <p:cNvPr id="63" name="TextBox 62">
+                <a:extLst>
+                  <a:ext uri="{FF2B5EF4-FFF2-40B4-BE49-F238E27FC236}">
+                    <a16:creationId xmlns:a16="http://schemas.microsoft.com/office/drawing/2014/main" id="{C3CBC97D-7CD6-4777-AC2A-3571C1220065}"/>
+                  </a:ext>
+                </a:extLst>
+              </p:cNvPr>
+              <p:cNvSpPr txBox="1">
+                <a:spLocks noRot="1" noChangeAspect="1" noMove="1" noResize="1" noEditPoints="1" noAdjustHandles="1" noChangeArrowheads="1" noChangeShapeType="1" noTextEdit="1"/>
+              </p:cNvSpPr>
+              <p:nvPr/>
+            </p:nvSpPr>
+            <p:spPr>
+              <a:xfrm>
+                <a:off x="2464996" y="5445096"/>
+                <a:ext cx="542982" cy="276999"/>
+              </a:xfrm>
+              <a:prstGeom prst="rect">
+                <a:avLst/>
+              </a:prstGeom>
+              <a:blipFill>
+                <a:blip r:embed="rId10"/>
+                <a:stretch>
+                  <a:fillRect r="-21348" b="-6522"/>
+                </a:stretch>
+              </a:blipFill>
+            </p:spPr>
+            <p:txBody>
+              <a:bodyPr/>
+              <a:lstStyle/>
+              <a:p>
+                <a:r>
+                  <a:rPr lang="en-US">
+                    <a:noFill/>
+                  </a:rPr>
+                  <a:t> </a:t>
+                </a:r>
+              </a:p>
+            </p:txBody>
+          </p:sp>
+        </mc:Fallback>
+      </mc:AlternateContent>
+      <p:cxnSp>
+        <p:nvCxnSpPr>
+          <p:cNvPr id="64" name="Straight Arrow Connector 63">
+            <a:extLst>
+              <a:ext uri="{FF2B5EF4-FFF2-40B4-BE49-F238E27FC236}">
+                <a16:creationId xmlns:a16="http://schemas.microsoft.com/office/drawing/2014/main" id="{E2238B48-9E8D-4E23-A7EA-DC0F806A43FB}"/>
+              </a:ext>
+            </a:extLst>
+          </p:cNvPr>
+          <p:cNvCxnSpPr>
+            <a:cxnSpLocks/>
+          </p:cNvCxnSpPr>
+          <p:nvPr/>
+        </p:nvCxnSpPr>
+        <p:spPr>
+          <a:xfrm>
+            <a:off x="5102361" y="3505200"/>
+            <a:ext cx="79239" cy="328307"/>
+          </a:xfrm>
+          <a:prstGeom prst="straightConnector1">
+            <a:avLst/>
+          </a:prstGeom>
+          <a:ln>
+            <a:solidFill>
+              <a:srgbClr val="FF0000"/>
+            </a:solidFill>
+            <a:tailEnd type="triangle"/>
+          </a:ln>
+        </p:spPr>
+        <p:style>
+          <a:lnRef idx="1">
+            <a:schemeClr val="accent1"/>
+          </a:lnRef>
+          <a:fillRef idx="0">
+            <a:schemeClr val="accent1"/>
+          </a:fillRef>
+          <a:effectRef idx="0">
+            <a:schemeClr val="accent1"/>
+          </a:effectRef>
+          <a:fontRef idx="minor">
+            <a:schemeClr val="tx1"/>
+          </a:fontRef>
+        </p:style>
+      </p:cxnSp>
+      <mc:AlternateContent xmlns:mc="http://schemas.openxmlformats.org/markup-compatibility/2006">
+        <mc:Choice xmlns:a14="http://schemas.microsoft.com/office/drawing/2010/main" Requires="a14">
+          <p:sp>
+            <p:nvSpPr>
+              <p:cNvPr id="67" name="TextBox 66">
+                <a:extLst>
+                  <a:ext uri="{FF2B5EF4-FFF2-40B4-BE49-F238E27FC236}">
+                    <a16:creationId xmlns:a16="http://schemas.microsoft.com/office/drawing/2014/main" id="{288BB839-8C0E-4BA9-B7E4-A1BA04A93F41}"/>
+                  </a:ext>
+                </a:extLst>
+              </p:cNvPr>
+              <p:cNvSpPr txBox="1"/>
+              <p:nvPr/>
+            </p:nvSpPr>
+            <p:spPr>
+              <a:xfrm>
+                <a:off x="1616246" y="5425048"/>
+                <a:ext cx="492412" cy="276999"/>
+              </a:xfrm>
+              <a:prstGeom prst="rect">
+                <a:avLst/>
+              </a:prstGeom>
+              <a:solidFill>
+                <a:schemeClr val="bg1"/>
+              </a:solidFill>
+            </p:spPr>
+            <p:txBody>
+              <a:bodyPr wrap="square" rtlCol="0">
+                <a:spAutoFit/>
+              </a:bodyPr>
+              <a:lstStyle/>
+              <a:p>
+                <a14:m>
+                  <m:oMathPara xmlns:m="http://schemas.openxmlformats.org/officeDocument/2006/math">
+                    <m:oMathParaPr>
+                      <m:jc m:val="centerGroup"/>
+                    </m:oMathParaPr>
+                    <m:oMath xmlns:m="http://schemas.openxmlformats.org/officeDocument/2006/math">
+                      <m:r>
+                        <a:rPr lang="en-US" sz="1200" b="0" i="1" dirty="0" smtClean="0">
+                          <a:latin typeface="Cambria Math" panose="02040503050406030204" pitchFamily="18" charset="0"/>
+                        </a:rPr>
+                        <m:t>[ </m:t>
+                      </m:r>
+                      <m:r>
+                        <a:rPr lang="en-US" sz="1200" i="1" dirty="0" smtClean="0">
+                          <a:latin typeface="Cambria Math" panose="02040503050406030204" pitchFamily="18" charset="0"/>
+                        </a:rPr>
+                        <m:t>3</m:t>
+                      </m:r>
+                      <m:r>
+                        <a:rPr lang="en-US" sz="1200" b="0" i="1" dirty="0" smtClean="0">
+                          <a:latin typeface="Cambria Math" panose="02040503050406030204" pitchFamily="18" charset="0"/>
+                        </a:rPr>
+                        <m:t>, 2 ]</m:t>
+                      </m:r>
+                    </m:oMath>
+                  </m:oMathPara>
+                </a14:m>
+                <a:endParaRPr lang="en-US" sz="1200" dirty="0"/>
+              </a:p>
+            </p:txBody>
+          </p:sp>
+        </mc:Choice>
+        <mc:Fallback>
+          <p:sp>
+            <p:nvSpPr>
+              <p:cNvPr id="67" name="TextBox 66">
+                <a:extLst>
+                  <a:ext uri="{FF2B5EF4-FFF2-40B4-BE49-F238E27FC236}">
+                    <a16:creationId xmlns:a16="http://schemas.microsoft.com/office/drawing/2014/main" id="{288BB839-8C0E-4BA9-B7E4-A1BA04A93F41}"/>
+                  </a:ext>
+                </a:extLst>
+              </p:cNvPr>
+              <p:cNvSpPr txBox="1">
+                <a:spLocks noRot="1" noChangeAspect="1" noMove="1" noResize="1" noEditPoints="1" noAdjustHandles="1" noChangeArrowheads="1" noChangeShapeType="1" noTextEdit="1"/>
+              </p:cNvSpPr>
+              <p:nvPr/>
+            </p:nvSpPr>
+            <p:spPr>
+              <a:xfrm>
+                <a:off x="1616246" y="5425048"/>
+                <a:ext cx="492412" cy="276999"/>
+              </a:xfrm>
+              <a:prstGeom prst="rect">
+                <a:avLst/>
+              </a:prstGeom>
+              <a:blipFill>
+                <a:blip r:embed="rId11"/>
+                <a:stretch>
+                  <a:fillRect r="-17284" b="-8889"/>
+                </a:stretch>
+              </a:blipFill>
+            </p:spPr>
+            <p:txBody>
+              <a:bodyPr/>
+              <a:lstStyle/>
+              <a:p>
+                <a:r>
+                  <a:rPr lang="en-US">
+                    <a:noFill/>
+                  </a:rPr>
+                  <a:t> </a:t>
+                </a:r>
+              </a:p>
+            </p:txBody>
+          </p:sp>
+        </mc:Fallback>
+      </mc:AlternateContent>
+      <mc:AlternateContent xmlns:mc="http://schemas.openxmlformats.org/markup-compatibility/2006">
+        <mc:Choice xmlns:a14="http://schemas.microsoft.com/office/drawing/2010/main" Requires="a14">
+          <p:sp>
+            <p:nvSpPr>
+              <p:cNvPr id="68" name="TextBox 67">
+                <a:extLst>
+                  <a:ext uri="{FF2B5EF4-FFF2-40B4-BE49-F238E27FC236}">
+                    <a16:creationId xmlns:a16="http://schemas.microsoft.com/office/drawing/2014/main" id="{1B40DC27-6679-4EEA-BEC2-F47E589B69B5}"/>
+                  </a:ext>
+                </a:extLst>
+              </p:cNvPr>
+              <p:cNvSpPr txBox="1"/>
+              <p:nvPr/>
+            </p:nvSpPr>
+            <p:spPr>
+              <a:xfrm>
+                <a:off x="4993988" y="5438001"/>
+                <a:ext cx="492412" cy="276999"/>
+              </a:xfrm>
+              <a:prstGeom prst="rect">
+                <a:avLst/>
+              </a:prstGeom>
+              <a:solidFill>
+                <a:schemeClr val="bg1"/>
+              </a:solidFill>
+            </p:spPr>
+            <p:txBody>
+              <a:bodyPr wrap="square" rtlCol="0">
+                <a:spAutoFit/>
+              </a:bodyPr>
+              <a:lstStyle/>
+              <a:p>
+                <a14:m>
+                  <m:oMathPara xmlns:m="http://schemas.openxmlformats.org/officeDocument/2006/math">
+                    <m:oMathParaPr>
+                      <m:jc m:val="centerGroup"/>
+                    </m:oMathParaPr>
+                    <m:oMath xmlns:m="http://schemas.openxmlformats.org/officeDocument/2006/math">
+                      <m:r>
+                        <a:rPr lang="en-US" sz="1200" b="0" i="1" dirty="0" smtClean="0">
+                          <a:latin typeface="Cambria Math" panose="02040503050406030204" pitchFamily="18" charset="0"/>
+                        </a:rPr>
+                        <m:t>[ </m:t>
+                      </m:r>
+                      <m:r>
+                        <a:rPr lang="en-US" sz="1200" i="1" dirty="0" smtClean="0">
+                          <a:latin typeface="Cambria Math" panose="02040503050406030204" pitchFamily="18" charset="0"/>
+                        </a:rPr>
+                        <m:t>3</m:t>
+                      </m:r>
+                      <m:r>
+                        <a:rPr lang="en-US" sz="1200" b="0" i="1" dirty="0" smtClean="0">
+                          <a:latin typeface="Cambria Math" panose="02040503050406030204" pitchFamily="18" charset="0"/>
+                        </a:rPr>
+                        <m:t>, 2 ]</m:t>
+                      </m:r>
+                    </m:oMath>
+                  </m:oMathPara>
+                </a14:m>
+                <a:endParaRPr lang="en-US" sz="1200" dirty="0"/>
+              </a:p>
+            </p:txBody>
+          </p:sp>
+        </mc:Choice>
+        <mc:Fallback>
+          <p:sp>
+            <p:nvSpPr>
+              <p:cNvPr id="68" name="TextBox 67">
+                <a:extLst>
+                  <a:ext uri="{FF2B5EF4-FFF2-40B4-BE49-F238E27FC236}">
+                    <a16:creationId xmlns:a16="http://schemas.microsoft.com/office/drawing/2014/main" id="{1B40DC27-6679-4EEA-BEC2-F47E589B69B5}"/>
+                  </a:ext>
+                </a:extLst>
+              </p:cNvPr>
+              <p:cNvSpPr txBox="1">
+                <a:spLocks noRot="1" noChangeAspect="1" noMove="1" noResize="1" noEditPoints="1" noAdjustHandles="1" noChangeArrowheads="1" noChangeShapeType="1" noTextEdit="1"/>
+              </p:cNvSpPr>
+              <p:nvPr/>
+            </p:nvSpPr>
+            <p:spPr>
+              <a:xfrm>
+                <a:off x="4993988" y="5438001"/>
+                <a:ext cx="492412" cy="276999"/>
+              </a:xfrm>
+              <a:prstGeom prst="rect">
+                <a:avLst/>
+              </a:prstGeom>
+              <a:blipFill>
+                <a:blip r:embed="rId9"/>
+                <a:stretch>
+                  <a:fillRect r="-17284" b="-6522"/>
+                </a:stretch>
+              </a:blipFill>
+            </p:spPr>
+            <p:txBody>
+              <a:bodyPr/>
+              <a:lstStyle/>
+              <a:p>
+                <a:r>
+                  <a:rPr lang="en-US">
+                    <a:noFill/>
+                  </a:rPr>
+                  <a:t> </a:t>
+                </a:r>
+              </a:p>
+            </p:txBody>
+          </p:sp>
+        </mc:Fallback>
+      </mc:AlternateContent>
+      <p:cxnSp>
+        <p:nvCxnSpPr>
+          <p:cNvPr id="38" name="Straight Arrow Connector 37">
+            <a:extLst>
+              <a:ext uri="{FF2B5EF4-FFF2-40B4-BE49-F238E27FC236}">
+                <a16:creationId xmlns:a16="http://schemas.microsoft.com/office/drawing/2014/main" id="{F420A9C7-A97F-4A49-8188-B7AC171EFA14}"/>
+              </a:ext>
+            </a:extLst>
+          </p:cNvPr>
+          <p:cNvCxnSpPr>
+            <a:cxnSpLocks/>
+          </p:cNvCxnSpPr>
+          <p:nvPr/>
+        </p:nvCxnSpPr>
+        <p:spPr>
+          <a:xfrm flipV="1">
+            <a:off x="2837612" y="5602663"/>
+            <a:ext cx="76200" cy="577853"/>
+          </a:xfrm>
+          <a:prstGeom prst="straightConnector1">
+            <a:avLst/>
+          </a:prstGeom>
+          <a:ln>
+            <a:solidFill>
+              <a:srgbClr val="FF0000"/>
+            </a:solidFill>
+            <a:tailEnd type="triangle"/>
+          </a:ln>
+        </p:spPr>
+        <p:style>
+          <a:lnRef idx="1">
+            <a:schemeClr val="accent1"/>
+          </a:lnRef>
+          <a:fillRef idx="0">
+            <a:schemeClr val="accent1"/>
+          </a:fillRef>
+          <a:effectRef idx="0">
+            <a:schemeClr val="accent1"/>
+          </a:effectRef>
+          <a:fontRef idx="minor">
+            <a:schemeClr val="tx1"/>
+          </a:fontRef>
+        </p:style>
+      </p:cxnSp>
+      <mc:AlternateContent xmlns:mc="http://schemas.openxmlformats.org/markup-compatibility/2006">
+        <mc:Choice xmlns:a14="http://schemas.microsoft.com/office/drawing/2010/main" Requires="a14">
+          <p:sp>
+            <p:nvSpPr>
+              <p:cNvPr id="72" name="TextBox 71">
+                <a:extLst>
+                  <a:ext uri="{FF2B5EF4-FFF2-40B4-BE49-F238E27FC236}">
+                    <a16:creationId xmlns:a16="http://schemas.microsoft.com/office/drawing/2014/main" id="{7B7D0CFD-5914-40C2-9110-DD0349EFE15E}"/>
+                  </a:ext>
+                </a:extLst>
+              </p:cNvPr>
+              <p:cNvSpPr txBox="1"/>
+              <p:nvPr/>
+            </p:nvSpPr>
+            <p:spPr>
+              <a:xfrm>
+                <a:off x="1447800" y="4904601"/>
+                <a:ext cx="666031" cy="276999"/>
+              </a:xfrm>
+              <a:prstGeom prst="rect">
+                <a:avLst/>
+              </a:prstGeom>
+              <a:solidFill>
+                <a:schemeClr val="bg1"/>
+              </a:solidFill>
+            </p:spPr>
+            <p:txBody>
+              <a:bodyPr wrap="square" rtlCol="0">
+                <a:spAutoFit/>
+              </a:bodyPr>
+              <a:lstStyle/>
+              <a:p>
+                <a14:m>
+                  <m:oMathPara xmlns:m="http://schemas.openxmlformats.org/officeDocument/2006/math">
+                    <m:oMathParaPr>
+                      <m:jc m:val="centerGroup"/>
+                    </m:oMathParaPr>
+                    <m:oMath xmlns:m="http://schemas.openxmlformats.org/officeDocument/2006/math">
+                      <m:r>
+                        <a:rPr lang="en-US" sz="1200" b="0" i="1" dirty="0" smtClean="0">
+                          <a:latin typeface="Cambria Math" panose="02040503050406030204" pitchFamily="18" charset="0"/>
+                        </a:rPr>
+                        <m:t>[ </m:t>
+                      </m:r>
+                      <m:r>
+                        <a:rPr lang="en-US" sz="1200" i="1" dirty="0" smtClean="0">
+                          <a:latin typeface="Cambria Math" panose="02040503050406030204" pitchFamily="18" charset="0"/>
+                        </a:rPr>
+                        <m:t>3</m:t>
+                      </m:r>
+                      <m:r>
+                        <a:rPr lang="en-US" sz="1200" b="0" i="1" dirty="0" smtClean="0">
+                          <a:latin typeface="Cambria Math" panose="02040503050406030204" pitchFamily="18" charset="0"/>
+                        </a:rPr>
+                        <m:t>, +∞ ]</m:t>
+                      </m:r>
+                    </m:oMath>
+                  </m:oMathPara>
+                </a14:m>
+                <a:endParaRPr lang="en-US" sz="1200" dirty="0"/>
+              </a:p>
+            </p:txBody>
+          </p:sp>
+        </mc:Choice>
+        <mc:Fallback>
+          <p:sp>
+            <p:nvSpPr>
+              <p:cNvPr id="72" name="TextBox 71">
+                <a:extLst>
+                  <a:ext uri="{FF2B5EF4-FFF2-40B4-BE49-F238E27FC236}">
+                    <a16:creationId xmlns:a16="http://schemas.microsoft.com/office/drawing/2014/main" id="{7B7D0CFD-5914-40C2-9110-DD0349EFE15E}"/>
+                  </a:ext>
+                </a:extLst>
+              </p:cNvPr>
+              <p:cNvSpPr txBox="1">
+                <a:spLocks noRot="1" noChangeAspect="1" noMove="1" noResize="1" noEditPoints="1" noAdjustHandles="1" noChangeArrowheads="1" noChangeShapeType="1" noTextEdit="1"/>
+              </p:cNvSpPr>
+              <p:nvPr/>
+            </p:nvSpPr>
+            <p:spPr>
+              <a:xfrm>
+                <a:off x="1447800" y="4904601"/>
+                <a:ext cx="666031" cy="276999"/>
+              </a:xfrm>
+              <a:prstGeom prst="rect">
+                <a:avLst/>
+              </a:prstGeom>
+              <a:blipFill>
+                <a:blip r:embed="rId12"/>
+                <a:stretch>
+                  <a:fillRect r="-10092" b="-8889"/>
+                </a:stretch>
+              </a:blipFill>
+            </p:spPr>
+            <p:txBody>
+              <a:bodyPr/>
+              <a:lstStyle/>
+              <a:p>
+                <a:r>
+                  <a:rPr lang="en-US">
+                    <a:noFill/>
+                  </a:rPr>
+                  <a:t> </a:t>
+                </a:r>
+              </a:p>
+            </p:txBody>
+          </p:sp>
+        </mc:Fallback>
+      </mc:AlternateContent>
+      <p:cxnSp>
+        <p:nvCxnSpPr>
+          <p:cNvPr id="69" name="Straight Arrow Connector 68">
+            <a:extLst>
+              <a:ext uri="{FF2B5EF4-FFF2-40B4-BE49-F238E27FC236}">
+                <a16:creationId xmlns:a16="http://schemas.microsoft.com/office/drawing/2014/main" id="{9451B220-548A-4DAC-B95E-454C8C657702}"/>
+              </a:ext>
+            </a:extLst>
+          </p:cNvPr>
+          <p:cNvCxnSpPr>
+            <a:cxnSpLocks/>
+          </p:cNvCxnSpPr>
+          <p:nvPr/>
+        </p:nvCxnSpPr>
+        <p:spPr>
+          <a:xfrm>
+            <a:off x="1699563" y="5105400"/>
+            <a:ext cx="914400" cy="445532"/>
+          </a:xfrm>
+          <a:prstGeom prst="straightConnector1">
+            <a:avLst/>
+          </a:prstGeom>
+          <a:ln>
+            <a:solidFill>
+              <a:srgbClr val="FF0000"/>
+            </a:solidFill>
+            <a:tailEnd type="triangle"/>
+          </a:ln>
+        </p:spPr>
+        <p:style>
+          <a:lnRef idx="1">
+            <a:schemeClr val="accent1"/>
+          </a:lnRef>
+          <a:fillRef idx="0">
+            <a:schemeClr val="accent1"/>
+          </a:fillRef>
+          <a:effectRef idx="0">
+            <a:schemeClr val="accent1"/>
+          </a:effectRef>
+          <a:fontRef idx="minor">
+            <a:schemeClr val="tx1"/>
+          </a:fontRef>
+        </p:style>
+      </p:cxnSp>
+      <mc:AlternateContent xmlns:mc="http://schemas.openxmlformats.org/markup-compatibility/2006">
+        <mc:Choice xmlns:a14="http://schemas.microsoft.com/office/drawing/2010/main" Requires="a14">
+          <p:sp>
+            <p:nvSpPr>
+              <p:cNvPr id="78" name="TextBox 77">
+                <a:extLst>
+                  <a:ext uri="{FF2B5EF4-FFF2-40B4-BE49-F238E27FC236}">
+                    <a16:creationId xmlns:a16="http://schemas.microsoft.com/office/drawing/2014/main" id="{47271CAF-4E6C-4E7D-8159-44D9C1CBF223}"/>
+                  </a:ext>
+                </a:extLst>
+              </p:cNvPr>
+              <p:cNvSpPr txBox="1"/>
+              <p:nvPr/>
+            </p:nvSpPr>
+            <p:spPr>
+              <a:xfrm>
+                <a:off x="5919167" y="5453911"/>
+                <a:ext cx="492412" cy="276999"/>
+              </a:xfrm>
+              <a:prstGeom prst="rect">
+                <a:avLst/>
+              </a:prstGeom>
+              <a:solidFill>
+                <a:schemeClr val="bg1"/>
+              </a:solidFill>
+            </p:spPr>
+            <p:txBody>
+              <a:bodyPr wrap="square" rtlCol="0">
+                <a:spAutoFit/>
+              </a:bodyPr>
+              <a:lstStyle/>
+              <a:p>
+                <a14:m>
+                  <m:oMathPara xmlns:m="http://schemas.openxmlformats.org/officeDocument/2006/math">
+                    <m:oMathParaPr>
+                      <m:jc m:val="centerGroup"/>
+                    </m:oMathParaPr>
+                    <m:oMath xmlns:m="http://schemas.openxmlformats.org/officeDocument/2006/math">
+                      <m:r>
+                        <a:rPr lang="en-US" sz="1200" b="0" i="1" dirty="0" smtClean="0">
+                          <a:latin typeface="Cambria Math" panose="02040503050406030204" pitchFamily="18" charset="0"/>
+                        </a:rPr>
+                        <m:t>[ </m:t>
+                      </m:r>
+                      <m:r>
+                        <a:rPr lang="en-US" sz="1200" i="1" dirty="0" smtClean="0">
+                          <a:latin typeface="Cambria Math" panose="02040503050406030204" pitchFamily="18" charset="0"/>
+                        </a:rPr>
+                        <m:t>3</m:t>
+                      </m:r>
+                      <m:r>
+                        <a:rPr lang="en-US" sz="1200" b="0" i="1" dirty="0" smtClean="0">
+                          <a:latin typeface="Cambria Math" panose="02040503050406030204" pitchFamily="18" charset="0"/>
+                        </a:rPr>
+                        <m:t>, 2 ]</m:t>
+                      </m:r>
+                    </m:oMath>
+                  </m:oMathPara>
+                </a14:m>
+                <a:endParaRPr lang="en-US" sz="1200" dirty="0"/>
+              </a:p>
+            </p:txBody>
+          </p:sp>
+        </mc:Choice>
+        <mc:Fallback>
+          <p:sp>
+            <p:nvSpPr>
+              <p:cNvPr id="78" name="TextBox 77">
+                <a:extLst>
+                  <a:ext uri="{FF2B5EF4-FFF2-40B4-BE49-F238E27FC236}">
+                    <a16:creationId xmlns:a16="http://schemas.microsoft.com/office/drawing/2014/main" id="{47271CAF-4E6C-4E7D-8159-44D9C1CBF223}"/>
+                  </a:ext>
+                </a:extLst>
+              </p:cNvPr>
+              <p:cNvSpPr txBox="1">
+                <a:spLocks noRot="1" noChangeAspect="1" noMove="1" noResize="1" noEditPoints="1" noAdjustHandles="1" noChangeArrowheads="1" noChangeShapeType="1" noTextEdit="1"/>
+              </p:cNvSpPr>
+              <p:nvPr/>
+            </p:nvSpPr>
+            <p:spPr>
+              <a:xfrm>
+                <a:off x="5919167" y="5453911"/>
+                <a:ext cx="492412" cy="276999"/>
+              </a:xfrm>
+              <a:prstGeom prst="rect">
+                <a:avLst/>
+              </a:prstGeom>
+              <a:blipFill>
+                <a:blip r:embed="rId13"/>
+                <a:stretch>
+                  <a:fillRect r="-16049" b="-8889"/>
+                </a:stretch>
+              </a:blipFill>
+            </p:spPr>
+            <p:txBody>
+              <a:bodyPr/>
+              <a:lstStyle/>
+              <a:p>
+                <a:r>
+                  <a:rPr lang="en-US">
+                    <a:noFill/>
+                  </a:rPr>
+                  <a:t> </a:t>
+                </a:r>
+              </a:p>
+            </p:txBody>
+          </p:sp>
+        </mc:Fallback>
+      </mc:AlternateContent>
+      <p:sp>
+        <p:nvSpPr>
+          <p:cNvPr id="54" name="Oval 53">
+            <a:extLst>
+              <a:ext uri="{FF2B5EF4-FFF2-40B4-BE49-F238E27FC236}">
+                <a16:creationId xmlns:a16="http://schemas.microsoft.com/office/drawing/2014/main" id="{4A5E8237-6F29-4330-9EFB-13238BE4F4FE}"/>
+              </a:ext>
+            </a:extLst>
+          </p:cNvPr>
+          <p:cNvSpPr/>
+          <p:nvPr/>
+        </p:nvSpPr>
+        <p:spPr>
+          <a:xfrm>
+            <a:off x="6186519" y="5500689"/>
+            <a:ext cx="228600" cy="214311"/>
+          </a:xfrm>
+          <a:prstGeom prst="ellipse">
+            <a:avLst/>
+          </a:prstGeom>
+          <a:noFill/>
+          <a:ln>
+            <a:solidFill>
+              <a:srgbClr val="FF0000"/>
+            </a:solidFill>
+          </a:ln>
+        </p:spPr>
+        <p:style>
+          <a:lnRef idx="2">
+            <a:schemeClr val="accent1">
+              <a:shade val="50000"/>
+            </a:schemeClr>
+          </a:lnRef>
+          <a:fillRef idx="1">
+            <a:schemeClr val="accent1"/>
+          </a:fillRef>
+          <a:effectRef idx="0">
+            <a:schemeClr val="accent1"/>
+          </a:effectRef>
+          <a:fontRef idx="minor">
+            <a:schemeClr val="lt1"/>
+          </a:fontRef>
+        </p:style>
+        <p:txBody>
+          <a:bodyPr rtlCol="0" anchor="ctr"/>
+          <a:lstStyle/>
+          <a:p>
+            <a:pPr algn="ctr"/>
+            <a:endParaRPr lang="en-US"/>
+          </a:p>
+        </p:txBody>
+      </p:sp>
+      <p:cxnSp>
+        <p:nvCxnSpPr>
+          <p:cNvPr id="39" name="Straight Arrow Connector 38">
+            <a:extLst>
+              <a:ext uri="{FF2B5EF4-FFF2-40B4-BE49-F238E27FC236}">
+                <a16:creationId xmlns:a16="http://schemas.microsoft.com/office/drawing/2014/main" id="{00927C6C-F948-4054-A16E-9E197F92E563}"/>
+              </a:ext>
+            </a:extLst>
+          </p:cNvPr>
+          <p:cNvCxnSpPr>
+            <a:cxnSpLocks/>
+          </p:cNvCxnSpPr>
+          <p:nvPr/>
+        </p:nvCxnSpPr>
+        <p:spPr>
+          <a:xfrm flipH="1" flipV="1">
+            <a:off x="6300819" y="5638577"/>
+            <a:ext cx="514434" cy="471930"/>
+          </a:xfrm>
+          <a:prstGeom prst="straightConnector1">
+            <a:avLst/>
+          </a:prstGeom>
+          <a:ln>
+            <a:solidFill>
+              <a:srgbClr val="FF0000"/>
+            </a:solidFill>
+            <a:tailEnd type="triangle"/>
+          </a:ln>
+        </p:spPr>
+        <p:style>
+          <a:lnRef idx="1">
+            <a:schemeClr val="accent1"/>
+          </a:lnRef>
+          <a:fillRef idx="0">
+            <a:schemeClr val="accent1"/>
+          </a:fillRef>
+          <a:effectRef idx="0">
+            <a:schemeClr val="accent1"/>
+          </a:effectRef>
+          <a:fontRef idx="minor">
+            <a:schemeClr val="tx1"/>
+          </a:fontRef>
+        </p:style>
+      </p:cxnSp>
+      <mc:AlternateContent xmlns:mc="http://schemas.openxmlformats.org/markup-compatibility/2006">
+        <mc:Choice xmlns:a14="http://schemas.microsoft.com/office/drawing/2010/main" Requires="a14">
+          <p:sp>
+            <p:nvSpPr>
+              <p:cNvPr id="79" name="TextBox 78">
+                <a:extLst>
+                  <a:ext uri="{FF2B5EF4-FFF2-40B4-BE49-F238E27FC236}">
+                    <a16:creationId xmlns:a16="http://schemas.microsoft.com/office/drawing/2014/main" id="{1B7D9237-9B72-4ABC-9A00-9848503D0663}"/>
+                  </a:ext>
+                </a:extLst>
+              </p:cNvPr>
+              <p:cNvSpPr txBox="1"/>
+              <p:nvPr/>
+            </p:nvSpPr>
+            <p:spPr>
+              <a:xfrm>
+                <a:off x="5307308" y="4004808"/>
+                <a:ext cx="593688" cy="276999"/>
+              </a:xfrm>
+              <a:prstGeom prst="rect">
+                <a:avLst/>
+              </a:prstGeom>
+              <a:noFill/>
+            </p:spPr>
+            <p:txBody>
+              <a:bodyPr wrap="none" rtlCol="0">
+                <a:spAutoFit/>
+              </a:bodyPr>
+              <a:lstStyle/>
+              <a:p>
+                <a14:m>
+                  <m:oMathPara xmlns:m="http://schemas.openxmlformats.org/officeDocument/2006/math">
+                    <m:oMathParaPr>
+                      <m:jc m:val="centerGroup"/>
+                    </m:oMathParaPr>
+                    <m:oMath xmlns:m="http://schemas.openxmlformats.org/officeDocument/2006/math">
+                      <m:r>
+                        <a:rPr lang="en-US" sz="1200" i="1" dirty="0" smtClean="0">
+                          <a:solidFill>
+                            <a:srgbClr val="FF0000"/>
+                          </a:solidFill>
+                          <a:latin typeface="Cambria Math" panose="02040503050406030204" pitchFamily="18" charset="0"/>
+                        </a:rPr>
+                        <m:t>𝑣</m:t>
+                      </m:r>
+                      <m:r>
+                        <a:rPr lang="en-US" sz="1200" b="0" i="1" dirty="0" smtClean="0">
+                          <a:solidFill>
+                            <a:srgbClr val="FF0000"/>
+                          </a:solidFill>
+                          <a:latin typeface="Cambria Math" panose="02040503050406030204" pitchFamily="18" charset="0"/>
+                        </a:rPr>
+                        <m:t>≤2</m:t>
+                      </m:r>
+                    </m:oMath>
+                  </m:oMathPara>
+                </a14:m>
+                <a:endParaRPr lang="en-US" sz="1200" dirty="0">
+                  <a:solidFill>
+                    <a:srgbClr val="FF0000"/>
+                  </a:solidFill>
+                </a:endParaRPr>
+              </a:p>
+            </p:txBody>
+          </p:sp>
+        </mc:Choice>
+        <mc:Fallback>
+          <p:sp>
+            <p:nvSpPr>
+              <p:cNvPr id="79" name="TextBox 78">
+                <a:extLst>
+                  <a:ext uri="{FF2B5EF4-FFF2-40B4-BE49-F238E27FC236}">
+                    <a16:creationId xmlns:a16="http://schemas.microsoft.com/office/drawing/2014/main" id="{1B7D9237-9B72-4ABC-9A00-9848503D0663}"/>
+                  </a:ext>
+                </a:extLst>
+              </p:cNvPr>
+              <p:cNvSpPr txBox="1">
+                <a:spLocks noRot="1" noChangeAspect="1" noMove="1" noResize="1" noEditPoints="1" noAdjustHandles="1" noChangeArrowheads="1" noChangeShapeType="1" noTextEdit="1"/>
+              </p:cNvSpPr>
+              <p:nvPr/>
+            </p:nvSpPr>
+            <p:spPr>
+              <a:xfrm>
+                <a:off x="5307308" y="4004808"/>
+                <a:ext cx="593688" cy="276999"/>
+              </a:xfrm>
+              <a:prstGeom prst="rect">
+                <a:avLst/>
+              </a:prstGeom>
+              <a:blipFill>
+                <a:blip r:embed="rId14"/>
+                <a:stretch>
+                  <a:fillRect/>
+                </a:stretch>
+              </a:blipFill>
+            </p:spPr>
+            <p:txBody>
+              <a:bodyPr/>
+              <a:lstStyle/>
+              <a:p>
+                <a:r>
+                  <a:rPr lang="en-US">
+                    <a:noFill/>
+                  </a:rPr>
+                  <a:t> </a:t>
+                </a:r>
+              </a:p>
+            </p:txBody>
+          </p:sp>
+        </mc:Fallback>
+      </mc:AlternateContent>
+    </p:spTree>
+    <p:extLst>
+      <p:ext uri="{BB962C8B-B14F-4D97-AF65-F5344CB8AC3E}">
+        <p14:creationId xmlns:p14="http://schemas.microsoft.com/office/powerpoint/2010/main" val="2279752440"/>
+      </p:ext>
+    </p:extLst>
+  </p:cSld>
+  <p:clrMapOvr>
+    <a:masterClrMapping/>
+  </p:clrMapOvr>
+</p:sld>
+</file>
+
+<file path=ppt/slides/slide22.xml><?xml version="1.0" encoding="utf-8"?>
+<p:sld xmlns:a="http://schemas.openxmlformats.org/drawingml/2006/main" xmlns:r="http://schemas.openxmlformats.org/officeDocument/2006/relationships" xmlns:p="http://schemas.openxmlformats.org/presentationml/2006/main">
+  <p:cSld>
+    <p:spTree>
+      <p:nvGrpSpPr>
+        <p:cNvPr id="1" name=""/>
+        <p:cNvGrpSpPr/>
+        <p:nvPr/>
+      </p:nvGrpSpPr>
+      <p:grpSpPr>
+        <a:xfrm>
+          <a:off x="0" y="0"/>
+          <a:ext cx="0" cy="0"/>
+          <a:chOff x="0" y="0"/>
+          <a:chExt cx="0" cy="0"/>
+        </a:xfrm>
+      </p:grpSpPr>
       <p:pic>
         <p:nvPicPr>
           <p:cNvPr id="9" name="Picture 8">
@@ -11353,8 +14394,8 @@
         </p:nvSpPr>
         <p:spPr>
           <a:xfrm>
-            <a:off x="609600" y="5715000"/>
-            <a:ext cx="3429000" cy="533400"/>
+            <a:off x="609600" y="5791200"/>
+            <a:ext cx="3429000" cy="457200"/>
           </a:xfrm>
           <a:prstGeom prst="rect">
             <a:avLst/>
@@ -11456,7 +14497,7 @@
         </p:nvSpPr>
         <p:spPr>
           <a:xfrm>
-            <a:off x="7086600" y="3443279"/>
+            <a:off x="7239000" y="3443279"/>
             <a:ext cx="1862176" cy="3077766"/>
           </a:xfrm>
           <a:prstGeom prst="rect">
@@ -11522,6 +14563,256 @@
           </a:p>
         </p:txBody>
       </p:sp>
+      <p:sp>
+        <p:nvSpPr>
+          <p:cNvPr id="2" name="Speech Bubble: Rectangle 1">
+            <a:extLst>
+              <a:ext uri="{FF2B5EF4-FFF2-40B4-BE49-F238E27FC236}">
+                <a16:creationId xmlns:a16="http://schemas.microsoft.com/office/drawing/2014/main" id="{735E5797-5355-47EA-B335-D622AE8C2F45}"/>
+              </a:ext>
+            </a:extLst>
+          </p:cNvPr>
+          <p:cNvSpPr/>
+          <p:nvPr/>
+        </p:nvSpPr>
+        <p:spPr>
+          <a:xfrm>
+            <a:off x="4191000" y="3276600"/>
+            <a:ext cx="2928976" cy="838200"/>
+          </a:xfrm>
+          <a:prstGeom prst="wedgeRectCallout">
+            <a:avLst>
+              <a:gd name="adj1" fmla="val -74645"/>
+              <a:gd name="adj2" fmla="val -12206"/>
+            </a:avLst>
+          </a:prstGeom>
+        </p:spPr>
+        <p:style>
+          <a:lnRef idx="2">
+            <a:schemeClr val="accent1">
+              <a:shade val="50000"/>
+            </a:schemeClr>
+          </a:lnRef>
+          <a:fillRef idx="1">
+            <a:schemeClr val="accent1"/>
+          </a:fillRef>
+          <a:effectRef idx="0">
+            <a:schemeClr val="accent1"/>
+          </a:effectRef>
+          <a:fontRef idx="minor">
+            <a:schemeClr val="lt1"/>
+          </a:fontRef>
+        </p:style>
+        <p:txBody>
+          <a:bodyPr rtlCol="0" anchor="ctr"/>
+          <a:lstStyle/>
+          <a:p>
+            <a:pPr algn="ctr"/>
+            <a:r>
+              <a:rPr lang="en-US" sz="1400" dirty="0"/>
+              <a:t>Stop searching if Man finds an actions that has more value than the best move Mix has in another subtree.</a:t>
+            </a:r>
+          </a:p>
+        </p:txBody>
+      </p:sp>
+      <p:sp>
+        <p:nvSpPr>
+          <p:cNvPr id="3" name="TextBox 2">
+            <a:extLst>
+              <a:ext uri="{FF2B5EF4-FFF2-40B4-BE49-F238E27FC236}">
+                <a16:creationId xmlns:a16="http://schemas.microsoft.com/office/drawing/2014/main" id="{73B8F34A-38B9-4F94-BC3E-13899506DCFB}"/>
+              </a:ext>
+            </a:extLst>
+          </p:cNvPr>
+          <p:cNvSpPr txBox="1"/>
+          <p:nvPr/>
+        </p:nvSpPr>
+        <p:spPr>
+          <a:xfrm>
+            <a:off x="1641088" y="1981200"/>
+            <a:ext cx="2895600" cy="307777"/>
+          </a:xfrm>
+          <a:prstGeom prst="rect">
+            <a:avLst/>
+          </a:prstGeom>
+          <a:noFill/>
+        </p:spPr>
+        <p:txBody>
+          <a:bodyPr wrap="square" rtlCol="0">
+            <a:spAutoFit/>
+          </a:bodyPr>
+          <a:lstStyle/>
+          <a:p>
+            <a:r>
+              <a:rPr lang="en-US" sz="1400" dirty="0">
+                <a:solidFill>
+                  <a:schemeClr val="tx1">
+                    <a:lumMod val="50000"/>
+                    <a:lumOff val="50000"/>
+                  </a:schemeClr>
+                </a:solidFill>
+              </a:rPr>
+              <a:t>// v is the minimax value</a:t>
+            </a:r>
+          </a:p>
+        </p:txBody>
+      </p:sp>
+      <p:sp>
+        <p:nvSpPr>
+          <p:cNvPr id="11" name="Speech Bubble: Rectangle 10">
+            <a:extLst>
+              <a:ext uri="{FF2B5EF4-FFF2-40B4-BE49-F238E27FC236}">
+                <a16:creationId xmlns:a16="http://schemas.microsoft.com/office/drawing/2014/main" id="{B80E1A95-65E1-4D51-846D-347C755D0B1B}"/>
+              </a:ext>
+            </a:extLst>
+          </p:cNvPr>
+          <p:cNvSpPr/>
+          <p:nvPr/>
+        </p:nvSpPr>
+        <p:spPr>
+          <a:xfrm>
+            <a:off x="3036851" y="2803339"/>
+            <a:ext cx="2438400" cy="266687"/>
+          </a:xfrm>
+          <a:prstGeom prst="wedgeRectCallout">
+            <a:avLst>
+              <a:gd name="adj1" fmla="val -80742"/>
+              <a:gd name="adj2" fmla="val -37506"/>
+            </a:avLst>
+          </a:prstGeom>
+        </p:spPr>
+        <p:style>
+          <a:lnRef idx="2">
+            <a:schemeClr val="accent1">
+              <a:shade val="50000"/>
+            </a:schemeClr>
+          </a:lnRef>
+          <a:fillRef idx="1">
+            <a:schemeClr val="accent1"/>
+          </a:fillRef>
+          <a:effectRef idx="0">
+            <a:schemeClr val="accent1"/>
+          </a:effectRef>
+          <a:fontRef idx="minor">
+            <a:schemeClr val="lt1"/>
+          </a:fontRef>
+        </p:style>
+        <p:txBody>
+          <a:bodyPr rtlCol="0" anchor="ctr"/>
+          <a:lstStyle/>
+          <a:p>
+            <a:pPr algn="ctr"/>
+            <a:r>
+              <a:rPr lang="en-US" sz="1600" dirty="0"/>
+              <a:t>Found a better action?</a:t>
+            </a:r>
+          </a:p>
+        </p:txBody>
+      </p:sp>
+      <p:sp>
+        <p:nvSpPr>
+          <p:cNvPr id="12" name="Speech Bubble: Rectangle 11">
+            <a:extLst>
+              <a:ext uri="{FF2B5EF4-FFF2-40B4-BE49-F238E27FC236}">
+                <a16:creationId xmlns:a16="http://schemas.microsoft.com/office/drawing/2014/main" id="{D4EEC333-75EF-4A02-8E6D-79CE7098B993}"/>
+              </a:ext>
+            </a:extLst>
+          </p:cNvPr>
+          <p:cNvSpPr/>
+          <p:nvPr/>
+        </p:nvSpPr>
+        <p:spPr>
+          <a:xfrm>
+            <a:off x="3200400" y="5356040"/>
+            <a:ext cx="2438400" cy="266687"/>
+          </a:xfrm>
+          <a:prstGeom prst="wedgeRectCallout">
+            <a:avLst>
+              <a:gd name="adj1" fmla="val -80742"/>
+              <a:gd name="adj2" fmla="val -37506"/>
+            </a:avLst>
+          </a:prstGeom>
+        </p:spPr>
+        <p:style>
+          <a:lnRef idx="2">
+            <a:schemeClr val="accent1">
+              <a:shade val="50000"/>
+            </a:schemeClr>
+          </a:lnRef>
+          <a:fillRef idx="1">
+            <a:schemeClr val="accent1"/>
+          </a:fillRef>
+          <a:effectRef idx="0">
+            <a:schemeClr val="accent1"/>
+          </a:effectRef>
+          <a:fontRef idx="minor">
+            <a:schemeClr val="lt1"/>
+          </a:fontRef>
+        </p:style>
+        <p:txBody>
+          <a:bodyPr rtlCol="0" anchor="ctr"/>
+          <a:lstStyle/>
+          <a:p>
+            <a:pPr algn="ctr"/>
+            <a:r>
+              <a:rPr lang="en-US" sz="1600" dirty="0"/>
+              <a:t>Found a better action?</a:t>
+            </a:r>
+          </a:p>
+        </p:txBody>
+      </p:sp>
+      <p:sp>
+        <p:nvSpPr>
+          <p:cNvPr id="13" name="Speech Bubble: Rectangle 12">
+            <a:extLst>
+              <a:ext uri="{FF2B5EF4-FFF2-40B4-BE49-F238E27FC236}">
+                <a16:creationId xmlns:a16="http://schemas.microsoft.com/office/drawing/2014/main" id="{2AEDDF7D-75F5-4B92-9012-ACB5B966A331}"/>
+              </a:ext>
+            </a:extLst>
+          </p:cNvPr>
+          <p:cNvSpPr/>
+          <p:nvPr/>
+        </p:nvSpPr>
+        <p:spPr>
+          <a:xfrm>
+            <a:off x="4152012" y="5815297"/>
+            <a:ext cx="2928976" cy="838200"/>
+          </a:xfrm>
+          <a:prstGeom prst="wedgeRectCallout">
+            <a:avLst>
+              <a:gd name="adj1" fmla="val -74645"/>
+              <a:gd name="adj2" fmla="val -12206"/>
+            </a:avLst>
+          </a:prstGeom>
+        </p:spPr>
+        <p:style>
+          <a:lnRef idx="2">
+            <a:schemeClr val="accent1">
+              <a:shade val="50000"/>
+            </a:schemeClr>
+          </a:lnRef>
+          <a:fillRef idx="1">
+            <a:schemeClr val="accent1"/>
+          </a:fillRef>
+          <a:effectRef idx="0">
+            <a:schemeClr val="accent1"/>
+          </a:effectRef>
+          <a:fontRef idx="minor">
+            <a:schemeClr val="lt1"/>
+          </a:fontRef>
+        </p:style>
+        <p:txBody>
+          <a:bodyPr rtlCol="0" anchor="ctr"/>
+          <a:lstStyle/>
+          <a:p>
+            <a:pPr algn="ctr"/>
+            <a:r>
+              <a:rPr lang="en-US" sz="1400" dirty="0"/>
+              <a:t>Stop searching if Min finds an actions that has less value than the best move Max has in another subtree.</a:t>
+            </a:r>
+          </a:p>
+        </p:txBody>
+      </p:sp>
     </p:spTree>
     <p:extLst>
       <p:ext uri="{BB962C8B-B14F-4D97-AF65-F5344CB8AC3E}">
@@ -11535,7 +14826,7 @@
 </p:sld>
 </file>
 
-<file path=ppt/slides/slide22.xml><?xml version="1.0" encoding="utf-8"?>
+<file path=ppt/slides/slide23.xml><?xml version="1.0" encoding="utf-8"?>
 <p:sld xmlns:a="http://schemas.openxmlformats.org/drawingml/2006/main" xmlns:r="http://schemas.openxmlformats.org/officeDocument/2006/relationships" xmlns:p="http://schemas.openxmlformats.org/presentationml/2006/main">
   <p:cSld>
     <p:bg>
@@ -11763,7 +15054,7 @@
 </p:sld>
 </file>
 
-<file path=ppt/slides/slide23.xml><?xml version="1.0" encoding="utf-8"?>
+<file path=ppt/slides/slide24.xml><?xml version="1.0" encoding="utf-8"?>
 <p:sld xmlns:a="http://schemas.openxmlformats.org/drawingml/2006/main" xmlns:r="http://schemas.openxmlformats.org/officeDocument/2006/relationships" xmlns:p="http://schemas.openxmlformats.org/presentationml/2006/main">
   <p:cSld>
     <p:bg>
@@ -12300,7 +15591,7 @@
             </a:br>
             <a:r>
               <a:rPr lang="en-US" sz="1600" dirty="0"/>
-              <a:t>(game tree is too large)</a:t>
+              <a:t>(game tree is too large or search takes to long)</a:t>
             </a:r>
           </a:p>
           <a:p>
@@ -12373,7 +15664,7 @@
 </p:sld>
 </file>
 
-<file path=ppt/slides/slide24.xml><?xml version="1.0" encoding="utf-8"?>
+<file path=ppt/slides/slide25.xml><?xml version="1.0" encoding="utf-8"?>
 <p:sld xmlns:a="http://schemas.openxmlformats.org/drawingml/2006/main" xmlns:r="http://schemas.openxmlformats.org/officeDocument/2006/relationships" xmlns:p="http://schemas.openxmlformats.org/presentationml/2006/main">
   <p:cSld>
     <p:spTree>
@@ -12413,13 +15704,13 @@
           <a:p>
             <a:r>
               <a:rPr lang="en-US" dirty="0"/>
-              <a:t>Idea: Cutting off search</a:t>
-            </a:r>
-          </a:p>
-        </p:txBody>
-      </p:sp>
-      <mc:AlternateContent xmlns:mc="http://schemas.openxmlformats.org/markup-compatibility/2006" xmlns:a14="http://schemas.microsoft.com/office/drawing/2010/main">
-        <mc:Choice Requires="a14">
+              <a:t>Cutting off search</a:t>
+            </a:r>
+          </a:p>
+        </p:txBody>
+      </p:sp>
+      <mc:AlternateContent xmlns:mc="http://schemas.openxmlformats.org/markup-compatibility/2006">
+        <mc:Choice xmlns:a14="http://schemas.microsoft.com/office/drawing/2010/main" Requires="a14">
           <p:sp>
             <p:nvSpPr>
               <p:cNvPr id="5" name="Content Placeholder 4">
@@ -12443,12 +15734,23 @@
               </a:bodyPr>
               <a:lstStyle/>
               <a:p>
-                <a:pPr marL="0" indent="0">
-                  <a:buNone/>
+                <a:pPr marL="514350" indent="-514350">
+                  <a:buFont typeface="+mj-lt"/>
+                  <a:buAutoNum type="arabicPeriod"/>
                 </a:pPr>
                 <a:r>
                   <a:rPr lang="en-US" dirty="0"/>
-                  <a:t>Stop search at a node before the terminal node is reached. Use a heuristic evaluation function </a:t>
+                  <a:t>Stop search at a non-terminal node.</a:t>
+                </a:r>
+              </a:p>
+              <a:p>
+                <a:pPr marL="514350" indent="-514350">
+                  <a:buFont typeface="+mj-lt"/>
+                  <a:buAutoNum type="arabicPeriod"/>
+                </a:pPr>
+                <a:r>
+                  <a:rPr lang="en-US" dirty="0"/>
+                  <a:t>Use a heuristic evaluation function </a:t>
                 </a:r>
                 <a14:m>
                   <m:oMath xmlns:m="http://schemas.openxmlformats.org/officeDocument/2006/math">
@@ -12959,7 +16261,7 @@
             </p:txBody>
           </p:sp>
         </mc:Choice>
-        <mc:Fallback xmlns="">
+        <mc:Fallback>
           <p:sp>
             <p:nvSpPr>
               <p:cNvPr id="5" name="Content Placeholder 4">
@@ -12980,7 +16282,7 @@
               <a:blipFill>
                 <a:blip r:embed="rId2"/>
                 <a:stretch>
-                  <a:fillRect l="-1159" t="-3221" r="-1159"/>
+                  <a:fillRect l="-1236" t="-3361" r="-1159"/>
                 </a:stretch>
               </a:blipFill>
             </p:spPr>
@@ -13012,7 +16314,7 @@
 </p:sld>
 </file>
 
-<file path=ppt/slides/slide25.xml><?xml version="1.0" encoding="utf-8"?>
+<file path=ppt/slides/slide26.xml><?xml version="1.0" encoding="utf-8"?>
 <p:sld xmlns:a="http://schemas.openxmlformats.org/drawingml/2006/main" xmlns:r="http://schemas.openxmlformats.org/officeDocument/2006/relationships" xmlns:p="http://schemas.openxmlformats.org/presentationml/2006/main">
   <p:cSld>
     <p:spTree>
@@ -13988,7 +17290,7 @@
         </p:nvSpPr>
         <p:spPr>
           <a:xfrm>
-            <a:off x="5257800" y="1735595"/>
+            <a:off x="5257800" y="1323807"/>
             <a:ext cx="4292008" cy="369332"/>
           </a:xfrm>
           <a:prstGeom prst="rect">
@@ -14134,8 +17436,8 @@
         </p:nvSpPr>
         <p:spPr>
           <a:xfrm>
-            <a:off x="504605" y="1473576"/>
-            <a:ext cx="749629" cy="369332"/>
+            <a:off x="296795" y="1526177"/>
+            <a:ext cx="1235210" cy="369332"/>
           </a:xfrm>
           <a:prstGeom prst="rect">
             <a:avLst/>
@@ -14150,7 +17452,7 @@
           <a:p>
             <a:r>
               <a:rPr lang="en-US" dirty="0"/>
-              <a:t>depth</a:t>
+              <a:t>Depth (ply)</a:t>
             </a:r>
           </a:p>
         </p:txBody>
@@ -14169,7 +17471,7 @@
         </p:nvSpPr>
         <p:spPr>
           <a:xfrm>
-            <a:off x="741196" y="1850929"/>
+            <a:off x="728577" y="1883406"/>
             <a:ext cx="301686" cy="369332"/>
           </a:xfrm>
           <a:prstGeom prst="rect">
@@ -14190,166 +17492,66 @@
           </a:p>
         </p:txBody>
       </p:sp>
+      <p:sp>
+        <p:nvSpPr>
+          <p:cNvPr id="36" name="TextBox 35">
+            <a:extLst>
+              <a:ext uri="{FF2B5EF4-FFF2-40B4-BE49-F238E27FC236}">
+                <a16:creationId xmlns:a16="http://schemas.microsoft.com/office/drawing/2014/main" id="{915FE87E-BB60-4C35-9595-C3958FD75F93}"/>
+              </a:ext>
+            </a:extLst>
+          </p:cNvPr>
+          <p:cNvSpPr txBox="1"/>
+          <p:nvPr/>
+        </p:nvSpPr>
+        <p:spPr>
+          <a:xfrm>
+            <a:off x="5576001" y="1998483"/>
+            <a:ext cx="3567999" cy="584775"/>
+          </a:xfrm>
+          <a:prstGeom prst="rect">
+            <a:avLst/>
+          </a:prstGeom>
+          <a:noFill/>
+        </p:spPr>
+        <p:txBody>
+          <a:bodyPr wrap="square">
+            <a:spAutoFit/>
+          </a:bodyPr>
+          <a:lstStyle/>
+          <a:p>
+            <a:pPr algn="ctr"/>
+            <a:r>
+              <a:rPr lang="en-US" sz="1600" b="1" dirty="0">
+                <a:solidFill>
+                  <a:srgbClr val="FF0000"/>
+                </a:solidFill>
+              </a:rPr>
+              <a:t>Pick the action with</a:t>
+            </a:r>
+            <a:br>
+              <a:rPr lang="en-US" sz="1600" b="1" dirty="0">
+                <a:solidFill>
+                  <a:srgbClr val="FF0000"/>
+                </a:solidFill>
+              </a:rPr>
+            </a:br>
+            <a:r>
+              <a:rPr lang="en-US" sz="1600" b="1" dirty="0">
+                <a:solidFill>
+                  <a:srgbClr val="FF0000"/>
+                </a:solidFill>
+              </a:rPr>
+              <a:t> the highest HMV</a:t>
+            </a:r>
+            <a:endParaRPr lang="en-US" sz="1600" dirty="0"/>
+          </a:p>
+        </p:txBody>
+      </p:sp>
     </p:spTree>
     <p:extLst>
       <p:ext uri="{BB962C8B-B14F-4D97-AF65-F5344CB8AC3E}">
         <p14:creationId xmlns:p14="http://schemas.microsoft.com/office/powerpoint/2010/main" val="688209942"/>
-      </p:ext>
-    </p:extLst>
-  </p:cSld>
-  <p:clrMapOvr>
-    <a:masterClrMapping/>
-  </p:clrMapOvr>
-</p:sld>
-</file>
-
-<file path=ppt/slides/slide26.xml><?xml version="1.0" encoding="utf-8"?>
-<p:sld xmlns:a="http://schemas.openxmlformats.org/drawingml/2006/main" xmlns:r="http://schemas.openxmlformats.org/officeDocument/2006/relationships" xmlns:p="http://schemas.openxmlformats.org/presentationml/2006/main">
-  <p:cSld>
-    <p:spTree>
-      <p:nvGrpSpPr>
-        <p:cNvPr id="1" name=""/>
-        <p:cNvGrpSpPr/>
-        <p:nvPr/>
-      </p:nvGrpSpPr>
-      <p:grpSpPr>
-        <a:xfrm>
-          <a:off x="0" y="0"/>
-          <a:ext cx="0" cy="0"/>
-          <a:chOff x="0" y="0"/>
-          <a:chExt cx="0" cy="0"/>
-        </a:xfrm>
-      </p:grpSpPr>
-      <p:sp>
-        <p:nvSpPr>
-          <p:cNvPr id="4" name="Title 3">
-            <a:extLst>
-              <a:ext uri="{FF2B5EF4-FFF2-40B4-BE49-F238E27FC236}">
-                <a16:creationId xmlns:a16="http://schemas.microsoft.com/office/drawing/2014/main" id="{88FA1E8F-C7CE-4612-AADE-D5EE0193870F}"/>
-              </a:ext>
-            </a:extLst>
-          </p:cNvPr>
-          <p:cNvSpPr>
-            <a:spLocks noGrp="1"/>
-          </p:cNvSpPr>
-          <p:nvPr>
-            <p:ph type="title"/>
-          </p:nvPr>
-        </p:nvSpPr>
-        <p:spPr/>
-        <p:txBody>
-          <a:bodyPr/>
-          <a:lstStyle/>
-          <a:p>
-            <a:r>
-              <a:rPr lang="en-US" dirty="0"/>
-              <a:t>Idea: Forward pruning</a:t>
-            </a:r>
-          </a:p>
-        </p:txBody>
-      </p:sp>
-      <p:sp>
-        <p:nvSpPr>
-          <p:cNvPr id="5" name="Content Placeholder 4">
-            <a:extLst>
-              <a:ext uri="{FF2B5EF4-FFF2-40B4-BE49-F238E27FC236}">
-                <a16:creationId xmlns:a16="http://schemas.microsoft.com/office/drawing/2014/main" id="{72E9FF16-3582-40D1-A77B-69BFE9567D61}"/>
-              </a:ext>
-            </a:extLst>
-          </p:cNvPr>
-          <p:cNvSpPr>
-            <a:spLocks noGrp="1"/>
-          </p:cNvSpPr>
-          <p:nvPr>
-            <p:ph idx="1"/>
-          </p:nvPr>
-        </p:nvSpPr>
-        <p:spPr/>
-        <p:txBody>
-          <a:bodyPr>
-            <a:normAutofit fontScale="92500" lnSpcReduction="20000"/>
-          </a:bodyPr>
-          <a:lstStyle/>
-          <a:p>
-            <a:pPr marL="514350" indent="-514350">
-              <a:buFont typeface="+mj-lt"/>
-              <a:buAutoNum type="alphaLcPeriod"/>
-            </a:pPr>
-            <a:endParaRPr lang="en-US" b="1" dirty="0"/>
-          </a:p>
-          <a:p>
-            <a:pPr marL="0" indent="0">
-              <a:buNone/>
-            </a:pPr>
-            <a:r>
-              <a:rPr lang="en-US" dirty="0"/>
-              <a:t>Prune moves that appear poor. Poor can be evaluated in several ways:</a:t>
-            </a:r>
-          </a:p>
-          <a:p>
-            <a:pPr marL="0" indent="0">
-              <a:buNone/>
-            </a:pPr>
-            <a:endParaRPr lang="en-US" dirty="0"/>
-          </a:p>
-          <a:p>
-            <a:r>
-              <a:rPr lang="en-US" dirty="0"/>
-              <a:t>Low evaluation value after shallow search.</a:t>
-            </a:r>
-          </a:p>
-          <a:p>
-            <a:r>
-              <a:rPr lang="en-US" dirty="0"/>
-              <a:t>Past experience.</a:t>
-            </a:r>
-          </a:p>
-          <a:p>
-            <a:pPr marL="0" indent="0">
-              <a:buNone/>
-            </a:pPr>
-            <a:endParaRPr lang="en-US" dirty="0"/>
-          </a:p>
-          <a:p>
-            <a:pPr marL="0" indent="0">
-              <a:buNone/>
-            </a:pPr>
-            <a:endParaRPr lang="en-US" dirty="0"/>
-          </a:p>
-          <a:p>
-            <a:pPr marL="0" indent="0">
-              <a:buNone/>
-            </a:pPr>
-            <a:endParaRPr lang="en-US" dirty="0"/>
-          </a:p>
-          <a:p>
-            <a:pPr marL="0" indent="0">
-              <a:buNone/>
-            </a:pPr>
-            <a:br>
-              <a:rPr lang="en-US" dirty="0"/>
-            </a:br>
-            <a:r>
-              <a:rPr lang="en-US" b="1" dirty="0"/>
-              <a:t>Issue</a:t>
-            </a:r>
-            <a:r>
-              <a:rPr lang="en-US" dirty="0"/>
-              <a:t>: May prune important moves.</a:t>
-            </a:r>
-          </a:p>
-          <a:p>
-            <a:endParaRPr lang="en-US" dirty="0"/>
-          </a:p>
-          <a:p>
-            <a:endParaRPr lang="en-US" dirty="0"/>
-          </a:p>
-        </p:txBody>
-      </p:sp>
-    </p:spTree>
-    <p:extLst>
-      <p:ext uri="{BB962C8B-B14F-4D97-AF65-F5344CB8AC3E}">
-        <p14:creationId xmlns:p14="http://schemas.microsoft.com/office/powerpoint/2010/main" val="3779540540"/>
       </p:ext>
     </p:extLst>
   </p:cSld>
@@ -14378,10 +17580,10 @@
       </p:grpSpPr>
       <p:sp>
         <p:nvSpPr>
-          <p:cNvPr id="2" name="Title 1">
-            <a:extLst>
-              <a:ext uri="{FF2B5EF4-FFF2-40B4-BE49-F238E27FC236}">
-                <a16:creationId xmlns:a16="http://schemas.microsoft.com/office/drawing/2014/main" id="{0F77C296-F01D-4BAB-9B55-FE15FB171381}"/>
+          <p:cNvPr id="4" name="Title 3">
+            <a:extLst>
+              <a:ext uri="{FF2B5EF4-FFF2-40B4-BE49-F238E27FC236}">
+                <a16:creationId xmlns:a16="http://schemas.microsoft.com/office/drawing/2014/main" id="{88FA1E8F-C7CE-4612-AADE-D5EE0193870F}"/>
               </a:ext>
             </a:extLst>
           </p:cNvPr>
@@ -14399,14 +17601,188 @@
           <a:p>
             <a:r>
               <a:rPr lang="en-US" dirty="0"/>
-              <a:t>Heuristic Alpha-Beta Tree Search:</a:t>
-            </a:r>
+              <a:t>Forward pruning</a:t>
+            </a:r>
+          </a:p>
+        </p:txBody>
+      </p:sp>
+      <p:sp>
+        <p:nvSpPr>
+          <p:cNvPr id="5" name="Content Placeholder 4">
+            <a:extLst>
+              <a:ext uri="{FF2B5EF4-FFF2-40B4-BE49-F238E27FC236}">
+                <a16:creationId xmlns:a16="http://schemas.microsoft.com/office/drawing/2014/main" id="{72E9FF16-3582-40D1-A77B-69BFE9567D61}"/>
+              </a:ext>
+            </a:extLst>
+          </p:cNvPr>
+          <p:cNvSpPr>
+            <a:spLocks noGrp="1"/>
+          </p:cNvSpPr>
+          <p:nvPr>
+            <p:ph idx="1"/>
+          </p:nvPr>
+        </p:nvSpPr>
+        <p:spPr/>
+        <p:txBody>
+          <a:bodyPr>
+            <a:normAutofit fontScale="85000" lnSpcReduction="20000"/>
+          </a:bodyPr>
+          <a:lstStyle/>
+          <a:p>
+            <a:pPr marL="514350" indent="-514350">
+              <a:buFont typeface="+mj-lt"/>
+              <a:buAutoNum type="alphaLcPeriod"/>
+            </a:pPr>
+            <a:endParaRPr lang="en-US" b="1" dirty="0"/>
+          </a:p>
+          <a:p>
+            <a:pPr marL="0" indent="0">
+              <a:buNone/>
+            </a:pPr>
+            <a:r>
+              <a:rPr lang="en-US" dirty="0"/>
+              <a:t>Prune moves that appear poor to save time. </a:t>
+            </a:r>
+          </a:p>
+          <a:p>
+            <a:pPr marL="0" indent="0">
+              <a:buNone/>
+            </a:pPr>
+            <a:endParaRPr lang="en-US" dirty="0"/>
+          </a:p>
+          <a:p>
+            <a:pPr marL="0" indent="0">
+              <a:buNone/>
+            </a:pPr>
+            <a:r>
+              <a:rPr lang="en-US" dirty="0"/>
+              <a:t>There are many ways move quality can be evaluated:</a:t>
+            </a:r>
+          </a:p>
+          <a:p>
+            <a:pPr marL="0" indent="0">
+              <a:buNone/>
+            </a:pPr>
+            <a:endParaRPr lang="en-US" dirty="0"/>
+          </a:p>
+          <a:p>
+            <a:pPr lvl="1"/>
+            <a:r>
+              <a:rPr lang="en-US" dirty="0"/>
+              <a:t>Low heuristic value.</a:t>
+            </a:r>
+          </a:p>
+          <a:p>
+            <a:pPr lvl="1"/>
+            <a:r>
+              <a:rPr lang="en-US" dirty="0"/>
+              <a:t>Low evaluation value after shallow search (cut-off search).</a:t>
+            </a:r>
+          </a:p>
+          <a:p>
+            <a:pPr lvl="1"/>
+            <a:r>
+              <a:rPr lang="en-US" dirty="0"/>
+              <a:t>Past experience.</a:t>
+            </a:r>
+          </a:p>
+          <a:p>
+            <a:pPr marL="0" indent="0">
+              <a:buNone/>
+            </a:pPr>
+            <a:endParaRPr lang="en-US" dirty="0"/>
+          </a:p>
+          <a:p>
+            <a:pPr marL="0" indent="0">
+              <a:buNone/>
+            </a:pPr>
+            <a:endParaRPr lang="en-US" dirty="0"/>
+          </a:p>
+          <a:p>
+            <a:pPr marL="0" indent="0">
+              <a:buNone/>
+            </a:pPr>
             <a:br>
               <a:rPr lang="en-US" dirty="0"/>
             </a:br>
             <a:r>
+              <a:rPr lang="en-US" b="1" dirty="0"/>
+              <a:t>Issue</a:t>
+            </a:r>
+            <a:r>
               <a:rPr lang="en-US" dirty="0"/>
-              <a:t>Forward Pruning Example</a:t>
+              <a:t>: May prune important moves.</a:t>
+            </a:r>
+          </a:p>
+          <a:p>
+            <a:endParaRPr lang="en-US" dirty="0"/>
+          </a:p>
+          <a:p>
+            <a:endParaRPr lang="en-US" dirty="0"/>
+          </a:p>
+        </p:txBody>
+      </p:sp>
+    </p:spTree>
+    <p:extLst>
+      <p:ext uri="{BB962C8B-B14F-4D97-AF65-F5344CB8AC3E}">
+        <p14:creationId xmlns:p14="http://schemas.microsoft.com/office/powerpoint/2010/main" val="3779540540"/>
+      </p:ext>
+    </p:extLst>
+  </p:cSld>
+  <p:clrMapOvr>
+    <a:masterClrMapping/>
+  </p:clrMapOvr>
+</p:sld>
+</file>
+
+<file path=ppt/slides/slide28.xml><?xml version="1.0" encoding="utf-8"?>
+<p:sld xmlns:a="http://schemas.openxmlformats.org/drawingml/2006/main" xmlns:r="http://schemas.openxmlformats.org/officeDocument/2006/relationships" xmlns:p="http://schemas.openxmlformats.org/presentationml/2006/main">
+  <p:cSld>
+    <p:spTree>
+      <p:nvGrpSpPr>
+        <p:cNvPr id="1" name=""/>
+        <p:cNvGrpSpPr/>
+        <p:nvPr/>
+      </p:nvGrpSpPr>
+      <p:grpSpPr>
+        <a:xfrm>
+          <a:off x="0" y="0"/>
+          <a:ext cx="0" cy="0"/>
+          <a:chOff x="0" y="0"/>
+          <a:chExt cx="0" cy="0"/>
+        </a:xfrm>
+      </p:grpSpPr>
+      <p:sp>
+        <p:nvSpPr>
+          <p:cNvPr id="2" name="Title 1">
+            <a:extLst>
+              <a:ext uri="{FF2B5EF4-FFF2-40B4-BE49-F238E27FC236}">
+                <a16:creationId xmlns:a16="http://schemas.microsoft.com/office/drawing/2014/main" id="{0F77C296-F01D-4BAB-9B55-FE15FB171381}"/>
+              </a:ext>
+            </a:extLst>
+          </p:cNvPr>
+          <p:cNvSpPr>
+            <a:spLocks noGrp="1"/>
+          </p:cNvSpPr>
+          <p:nvPr>
+            <p:ph type="title"/>
+          </p:nvPr>
+        </p:nvSpPr>
+        <p:spPr/>
+        <p:txBody>
+          <a:bodyPr/>
+          <a:lstStyle/>
+          <a:p>
+            <a:r>
+              <a:rPr lang="en-US" dirty="0"/>
+              <a:t>Heuristic Alpha-Beta Tree Search:</a:t>
+            </a:r>
+            <a:br>
+              <a:rPr lang="en-US" dirty="0"/>
+            </a:br>
+            <a:r>
+              <a:rPr lang="en-US" dirty="0"/>
+              <a:t>Example for Forward Pruning</a:t>
             </a:r>
           </a:p>
         </p:txBody>
@@ -14890,7 +18266,7 @@
         </p:nvSpPr>
         <p:spPr>
           <a:xfrm>
-            <a:off x="6751457" y="1428343"/>
+            <a:off x="6906027" y="1686580"/>
             <a:ext cx="1552173" cy="523220"/>
           </a:xfrm>
           <a:prstGeom prst="rect">
@@ -15654,7 +19030,7 @@
         </p:nvSpPr>
         <p:spPr>
           <a:xfrm rot="5400000">
-            <a:off x="5444940" y="2508850"/>
+            <a:off x="5444940" y="2403660"/>
             <a:ext cx="216271" cy="1809752"/>
           </a:xfrm>
           <a:prstGeom prst="rightBrace">
@@ -15698,14 +19074,27 @@
         </p:nvSpPr>
         <p:spPr>
           <a:xfrm>
-            <a:off x="4782659" y="3463928"/>
-            <a:ext cx="1641958" cy="646331"/>
+            <a:off x="4343400" y="3429000"/>
+            <a:ext cx="2518170" cy="646331"/>
           </a:xfrm>
           <a:prstGeom prst="rect">
             <a:avLst/>
           </a:prstGeom>
-          <a:noFill/>
-        </p:spPr>
+        </p:spPr>
+        <p:style>
+          <a:lnRef idx="3">
+            <a:schemeClr val="lt1"/>
+          </a:lnRef>
+          <a:fillRef idx="1">
+            <a:schemeClr val="accent1"/>
+          </a:fillRef>
+          <a:effectRef idx="1">
+            <a:schemeClr val="accent1"/>
+          </a:effectRef>
+          <a:fontRef idx="minor">
+            <a:schemeClr val="lt1"/>
+          </a:fontRef>
+        </p:style>
         <p:txBody>
           <a:bodyPr wrap="square" rtlCol="0">
             <a:spAutoFit/>
@@ -15715,7 +19104,7 @@
             <a:pPr algn="ctr"/>
             <a:r>
               <a:rPr lang="en-US" dirty="0"/>
-              <a:t>Perform search on these.</a:t>
+              <a:t>Perform complete alpha-beta search on these.</a:t>
             </a:r>
           </a:p>
         </p:txBody>
@@ -15733,7 +19122,7 @@
 </p:sld>
 </file>
 
-<file path=ppt/slides/slide28.xml><?xml version="1.0" encoding="utf-8"?>
+<file path=ppt/slides/slide29.xml><?xml version="1.0" encoding="utf-8"?>
 <p:sld xmlns:a="http://schemas.openxmlformats.org/drawingml/2006/main" xmlns:r="http://schemas.openxmlformats.org/officeDocument/2006/relationships" xmlns:p="http://schemas.openxmlformats.org/presentationml/2006/main">
   <p:cSld>
     <p:bg>
@@ -15960,628 +19349,6 @@
   </p:cSld>
   <p:clrMapOvr>
     <a:overrideClrMapping bg1="dk1" tx1="lt1" bg2="dk2" tx2="lt2" accent1="accent1" accent2="accent2" accent3="accent3" accent4="accent4" accent5="accent5" accent6="accent6" hlink="hlink" folHlink="folHlink"/>
-  </p:clrMapOvr>
-</p:sld>
-</file>
-
-<file path=ppt/slides/slide29.xml><?xml version="1.0" encoding="utf-8"?>
-<p:sld xmlns:a="http://schemas.openxmlformats.org/drawingml/2006/main" xmlns:r="http://schemas.openxmlformats.org/officeDocument/2006/relationships" xmlns:p="http://schemas.openxmlformats.org/presentationml/2006/main">
-  <p:cSld>
-    <p:bg>
-      <p:bgPr>
-        <a:solidFill>
-          <a:schemeClr val="bg1"/>
-        </a:solidFill>
-        <a:effectLst/>
-      </p:bgPr>
-    </p:bg>
-    <p:spTree>
-      <p:nvGrpSpPr>
-        <p:cNvPr id="1" name=""/>
-        <p:cNvGrpSpPr/>
-        <p:nvPr/>
-      </p:nvGrpSpPr>
-      <p:grpSpPr>
-        <a:xfrm>
-          <a:off x="0" y="0"/>
-          <a:ext cx="0" cy="0"/>
-          <a:chOff x="0" y="0"/>
-          <a:chExt cx="0" cy="0"/>
-        </a:xfrm>
-      </p:grpSpPr>
-      <p:sp useBgFill="1">
-        <p:nvSpPr>
-          <p:cNvPr id="8" name="Rectangle 7">
-            <a:extLst>
-              <a:ext uri="{FF2B5EF4-FFF2-40B4-BE49-F238E27FC236}">
-                <a16:creationId xmlns:a16="http://schemas.microsoft.com/office/drawing/2014/main" id="{C7FA33FF-088D-4F16-95A2-2C64D353DEA8}"/>
-              </a:ext>
-              <a:ext uri="{C183D7F6-B498-43B3-948B-1728B52AA6E4}">
-                <adec:decorative xmlns:adec="http://schemas.microsoft.com/office/drawing/2017/decorative" val="1"/>
-              </a:ext>
-            </a:extLst>
-          </p:cNvPr>
-          <p:cNvSpPr>
-            <a:spLocks noGrp="1" noRot="1" noChangeAspect="1" noMove="1" noResize="1" noEditPoints="1" noAdjustHandles="1" noChangeArrowheads="1" noChangeShapeType="1" noTextEdit="1"/>
-          </p:cNvSpPr>
-          <p:nvPr>
-            <p:extLst>
-              <p:ext uri="{386F3935-93C4-4BCD-93E2-E3B085C9AB24}">
-                <p16:designElem xmlns:p16="http://schemas.microsoft.com/office/powerpoint/2015/main" val="1"/>
-              </p:ext>
-            </p:extLst>
-          </p:nvPr>
-        </p:nvSpPr>
-        <p:spPr>
-          <a:xfrm>
-            <a:off x="1143" y="0"/>
-            <a:ext cx="9141714" cy="6858000"/>
-          </a:xfrm>
-          <a:prstGeom prst="rect">
-            <a:avLst/>
-          </a:prstGeom>
-          <a:ln>
-            <a:noFill/>
-          </a:ln>
-        </p:spPr>
-        <p:style>
-          <a:lnRef idx="2">
-            <a:schemeClr val="accent1">
-              <a:shade val="50000"/>
-            </a:schemeClr>
-          </a:lnRef>
-          <a:fillRef idx="1">
-            <a:schemeClr val="accent1"/>
-          </a:fillRef>
-          <a:effectRef idx="0">
-            <a:schemeClr val="accent1"/>
-          </a:effectRef>
-          <a:fontRef idx="minor">
-            <a:schemeClr val="lt1"/>
-          </a:fontRef>
-        </p:style>
-        <p:txBody>
-          <a:bodyPr rtlCol="0" anchor="ctr"/>
-          <a:lstStyle/>
-          <a:p>
-            <a:pPr marL="0" marR="0" lvl="0" indent="0" algn="ctr" defTabSz="914400" rtl="0" eaLnBrk="1" fontAlgn="auto" latinLnBrk="0" hangingPunct="1">
-              <a:lnSpc>
-                <a:spcPct val="100000"/>
-              </a:lnSpc>
-              <a:spcBef>
-                <a:spcPts val="0"/>
-              </a:spcBef>
-              <a:spcAft>
-                <a:spcPts val="0"/>
-              </a:spcAft>
-              <a:buClrTx/>
-              <a:buSzTx/>
-              <a:buFontTx/>
-              <a:buNone/>
-              <a:tabLst/>
-              <a:defRPr/>
-            </a:pPr>
-            <a:endParaRPr kumimoji="0" lang="en-US" sz="1800" b="0" i="0" u="none" strike="noStrike" kern="1200" cap="none" spc="0" normalizeH="0" baseline="0" noProof="0">
-              <a:ln>
-                <a:noFill/>
-              </a:ln>
-              <a:solidFill>
-                <a:prstClr val="white"/>
-              </a:solidFill>
-              <a:effectLst/>
-              <a:uLnTx/>
-              <a:uFillTx/>
-              <a:latin typeface="Calibri" panose="020F0502020204030204"/>
-              <a:ea typeface="+mn-ea"/>
-              <a:cs typeface="+mn-cs"/>
-            </a:endParaRPr>
-          </a:p>
-        </p:txBody>
-      </p:sp>
-      <p:sp>
-        <p:nvSpPr>
-          <p:cNvPr id="10" name="Rectangle 9">
-            <a:extLst>
-              <a:ext uri="{FF2B5EF4-FFF2-40B4-BE49-F238E27FC236}">
-                <a16:creationId xmlns:a16="http://schemas.microsoft.com/office/drawing/2014/main" id="{A376EFB1-01CF-419F-ABF1-2AF02BBFCBD1}"/>
-              </a:ext>
-              <a:ext uri="{C183D7F6-B498-43B3-948B-1728B52AA6E4}">
-                <adec:decorative xmlns:adec="http://schemas.microsoft.com/office/drawing/2017/decorative" val="1"/>
-              </a:ext>
-            </a:extLst>
-          </p:cNvPr>
-          <p:cNvSpPr>
-            <a:spLocks noGrp="1" noRot="1" noChangeAspect="1" noMove="1" noResize="1" noEditPoints="1" noAdjustHandles="1" noChangeArrowheads="1" noChangeShapeType="1" noTextEdit="1"/>
-          </p:cNvSpPr>
-          <p:nvPr>
-            <p:extLst>
-              <p:ext uri="{386F3935-93C4-4BCD-93E2-E3B085C9AB24}">
-                <p16:designElem xmlns:p16="http://schemas.microsoft.com/office/powerpoint/2015/main" val="1"/>
-              </p:ext>
-            </p:extLst>
-          </p:nvPr>
-        </p:nvSpPr>
-        <p:spPr>
-          <a:xfrm>
-            <a:off x="0" y="0"/>
-            <a:ext cx="3531870" cy="6858000"/>
-          </a:xfrm>
-          <a:prstGeom prst="rect">
-            <a:avLst/>
-          </a:prstGeom>
-          <a:solidFill>
-            <a:schemeClr val="tx1">
-              <a:alpha val="81000"/>
-            </a:schemeClr>
-          </a:solidFill>
-          <a:ln>
-            <a:noFill/>
-          </a:ln>
-        </p:spPr>
-        <p:style>
-          <a:lnRef idx="2">
-            <a:schemeClr val="accent1">
-              <a:shade val="50000"/>
-            </a:schemeClr>
-          </a:lnRef>
-          <a:fillRef idx="1">
-            <a:schemeClr val="accent1"/>
-          </a:fillRef>
-          <a:effectRef idx="0">
-            <a:schemeClr val="accent1"/>
-          </a:effectRef>
-          <a:fontRef idx="minor">
-            <a:schemeClr val="lt1"/>
-          </a:fontRef>
-        </p:style>
-        <p:txBody>
-          <a:bodyPr rtlCol="0" anchor="ctr"/>
-          <a:lstStyle/>
-          <a:p>
-            <a:pPr marL="0" marR="0" lvl="0" indent="0" algn="ctr" defTabSz="914400" rtl="0" eaLnBrk="1" fontAlgn="auto" latinLnBrk="0" hangingPunct="1">
-              <a:lnSpc>
-                <a:spcPct val="100000"/>
-              </a:lnSpc>
-              <a:spcBef>
-                <a:spcPts val="0"/>
-              </a:spcBef>
-              <a:spcAft>
-                <a:spcPts val="0"/>
-              </a:spcAft>
-              <a:buClrTx/>
-              <a:buSzTx/>
-              <a:buFontTx/>
-              <a:buNone/>
-              <a:tabLst/>
-              <a:defRPr/>
-            </a:pPr>
-            <a:endParaRPr kumimoji="0" lang="en-US" sz="1800" b="0" i="0" u="none" strike="noStrike" kern="1200" cap="none" spc="0" normalizeH="0" baseline="0" noProof="0">
-              <a:ln>
-                <a:noFill/>
-              </a:ln>
-              <a:solidFill>
-                <a:prstClr val="white"/>
-              </a:solidFill>
-              <a:effectLst/>
-              <a:uLnTx/>
-              <a:uFillTx/>
-              <a:latin typeface="Calibri" panose="020F0502020204030204"/>
-              <a:ea typeface="+mn-ea"/>
-              <a:cs typeface="+mn-cs"/>
-            </a:endParaRPr>
-          </a:p>
-        </p:txBody>
-      </p:sp>
-      <p:sp>
-        <p:nvSpPr>
-          <p:cNvPr id="12" name="Freeform: Shape 11">
-            <a:extLst>
-              <a:ext uri="{FF2B5EF4-FFF2-40B4-BE49-F238E27FC236}">
-                <a16:creationId xmlns:a16="http://schemas.microsoft.com/office/drawing/2014/main" id="{FF9DEA15-78BD-4750-AA18-B9F28A6D5AB8}"/>
-              </a:ext>
-              <a:ext uri="{C183D7F6-B498-43B3-948B-1728B52AA6E4}">
-                <adec:decorative xmlns:adec="http://schemas.microsoft.com/office/drawing/2017/decorative" val="1"/>
-              </a:ext>
-            </a:extLst>
-          </p:cNvPr>
-          <p:cNvSpPr>
-            <a:spLocks noGrp="1" noRot="1" noChangeAspect="1" noMove="1" noResize="1" noEditPoints="1" noAdjustHandles="1" noChangeArrowheads="1" noChangeShapeType="1" noTextEdit="1"/>
-          </p:cNvSpPr>
-          <p:nvPr>
-            <p:extLst>
-              <p:ext uri="{386F3935-93C4-4BCD-93E2-E3B085C9AB24}">
-                <p16:designElem xmlns:p16="http://schemas.microsoft.com/office/powerpoint/2015/main" val="1"/>
-              </p:ext>
-            </p:extLst>
-          </p:nvPr>
-        </p:nvSpPr>
-        <p:spPr>
-          <a:xfrm>
-            <a:off x="0" y="0"/>
-            <a:ext cx="2463248" cy="6858000"/>
-          </a:xfrm>
-          <a:custGeom>
-            <a:avLst/>
-            <a:gdLst>
-              <a:gd name="connsiteX0" fmla="*/ 0 w 4319042"/>
-              <a:gd name="connsiteY0" fmla="*/ 0 h 6858000"/>
-              <a:gd name="connsiteX1" fmla="*/ 1142888 w 4319042"/>
-              <a:gd name="connsiteY1" fmla="*/ 0 h 6858000"/>
-              <a:gd name="connsiteX2" fmla="*/ 4319042 w 4319042"/>
-              <a:gd name="connsiteY2" fmla="*/ 6858000 h 6858000"/>
-              <a:gd name="connsiteX3" fmla="*/ 0 w 4319042"/>
-              <a:gd name="connsiteY3" fmla="*/ 6858000 h 6858000"/>
-            </a:gdLst>
-            <a:ahLst/>
-            <a:cxnLst>
-              <a:cxn ang="0">
-                <a:pos x="connsiteX0" y="connsiteY0"/>
-              </a:cxn>
-              <a:cxn ang="0">
-                <a:pos x="connsiteX1" y="connsiteY1"/>
-              </a:cxn>
-              <a:cxn ang="0">
-                <a:pos x="connsiteX2" y="connsiteY2"/>
-              </a:cxn>
-              <a:cxn ang="0">
-                <a:pos x="connsiteX3" y="connsiteY3"/>
-              </a:cxn>
-            </a:cxnLst>
-            <a:rect l="l" t="t" r="r" b="b"/>
-            <a:pathLst>
-              <a:path w="4319042" h="6858000">
-                <a:moveTo>
-                  <a:pt x="0" y="0"/>
-                </a:moveTo>
-                <a:lnTo>
-                  <a:pt x="1142888" y="0"/>
-                </a:lnTo>
-                <a:lnTo>
-                  <a:pt x="4319042" y="6858000"/>
-                </a:lnTo>
-                <a:lnTo>
-                  <a:pt x="0" y="6858000"/>
-                </a:lnTo>
-                <a:close/>
-              </a:path>
-            </a:pathLst>
-          </a:custGeom>
-          <a:solidFill>
-            <a:schemeClr val="tx1">
-              <a:alpha val="35000"/>
-            </a:schemeClr>
-          </a:solidFill>
-          <a:ln>
-            <a:noFill/>
-          </a:ln>
-        </p:spPr>
-        <p:style>
-          <a:lnRef idx="2">
-            <a:schemeClr val="accent1">
-              <a:shade val="50000"/>
-            </a:schemeClr>
-          </a:lnRef>
-          <a:fillRef idx="1">
-            <a:schemeClr val="accent1"/>
-          </a:fillRef>
-          <a:effectRef idx="0">
-            <a:schemeClr val="accent1"/>
-          </a:effectRef>
-          <a:fontRef idx="minor">
-            <a:schemeClr val="lt1"/>
-          </a:fontRef>
-        </p:style>
-        <p:txBody>
-          <a:bodyPr wrap="square" rtlCol="0" anchor="ctr">
-            <a:noAutofit/>
-          </a:bodyPr>
-          <a:lstStyle/>
-          <a:p>
-            <a:pPr marL="0" marR="0" lvl="0" indent="0" algn="ctr" defTabSz="914400" rtl="0" eaLnBrk="1" fontAlgn="auto" latinLnBrk="0" hangingPunct="1">
-              <a:lnSpc>
-                <a:spcPct val="100000"/>
-              </a:lnSpc>
-              <a:spcBef>
-                <a:spcPts val="0"/>
-              </a:spcBef>
-              <a:spcAft>
-                <a:spcPts val="0"/>
-              </a:spcAft>
-              <a:buClrTx/>
-              <a:buSzTx/>
-              <a:buFontTx/>
-              <a:buNone/>
-              <a:tabLst/>
-              <a:defRPr/>
-            </a:pPr>
-            <a:endParaRPr kumimoji="0" lang="en-US" sz="1800" b="0" i="0" u="none" strike="noStrike" kern="1200" cap="none" spc="0" normalizeH="0" baseline="0" noProof="0">
-              <a:ln>
-                <a:noFill/>
-              </a:ln>
-              <a:solidFill>
-                <a:prstClr val="white"/>
-              </a:solidFill>
-              <a:effectLst/>
-              <a:uLnTx/>
-              <a:uFillTx/>
-              <a:latin typeface="Calibri" panose="020F0502020204030204"/>
-              <a:ea typeface="+mn-ea"/>
-              <a:cs typeface="+mn-cs"/>
-            </a:endParaRPr>
-          </a:p>
-        </p:txBody>
-      </p:sp>
-      <p:sp>
-        <p:nvSpPr>
-          <p:cNvPr id="2" name="Title 1">
-            <a:extLst>
-              <a:ext uri="{FF2B5EF4-FFF2-40B4-BE49-F238E27FC236}">
-                <a16:creationId xmlns:a16="http://schemas.microsoft.com/office/drawing/2014/main" id="{B97AF7D7-48F3-4CC0-89F9-14A70C49FFC5}"/>
-              </a:ext>
-            </a:extLst>
-          </p:cNvPr>
-          <p:cNvSpPr>
-            <a:spLocks noGrp="1"/>
-          </p:cNvSpPr>
-          <p:nvPr>
-            <p:ph type="title"/>
-          </p:nvPr>
-        </p:nvSpPr>
-        <p:spPr>
-          <a:xfrm>
-            <a:off x="603504" y="640080"/>
-            <a:ext cx="2462022" cy="5257800"/>
-          </a:xfrm>
-        </p:spPr>
-        <p:txBody>
-          <a:bodyPr>
-            <a:normAutofit/>
-          </a:bodyPr>
-          <a:lstStyle/>
-          <a:p>
-            <a:r>
-              <a:rPr lang="en-US" sz="3700">
-                <a:solidFill>
-                  <a:schemeClr val="bg1"/>
-                </a:solidFill>
-              </a:rPr>
-              <a:t>Methods for Adversarial Games</a:t>
-            </a:r>
-          </a:p>
-        </p:txBody>
-      </p:sp>
-      <p:sp>
-        <p:nvSpPr>
-          <p:cNvPr id="3" name="Content Placeholder 2">
-            <a:extLst>
-              <a:ext uri="{FF2B5EF4-FFF2-40B4-BE49-F238E27FC236}">
-                <a16:creationId xmlns:a16="http://schemas.microsoft.com/office/drawing/2014/main" id="{60DC2DFB-044D-434A-9634-A2762FA456AE}"/>
-              </a:ext>
-            </a:extLst>
-          </p:cNvPr>
-          <p:cNvSpPr>
-            <a:spLocks noGrp="1"/>
-          </p:cNvSpPr>
-          <p:nvPr>
-            <p:ph idx="1"/>
-          </p:nvPr>
-        </p:nvSpPr>
-        <p:spPr>
-          <a:xfrm>
-            <a:off x="4018788" y="640081"/>
-            <a:ext cx="4518490" cy="5257800"/>
-          </a:xfrm>
-        </p:spPr>
-        <p:txBody>
-          <a:bodyPr anchor="ctr">
-            <a:normAutofit/>
-          </a:bodyPr>
-          <a:lstStyle/>
-          <a:p>
-            <a:pPr marL="0" indent="0">
-              <a:buNone/>
-            </a:pPr>
-            <a:r>
-              <a:rPr lang="en-US" sz="1600" b="1" dirty="0">
-                <a:solidFill>
-                  <a:schemeClr val="bg1">
-                    <a:lumMod val="75000"/>
-                  </a:schemeClr>
-                </a:solidFill>
-              </a:rPr>
-              <a:t>Exact Methods</a:t>
-            </a:r>
-          </a:p>
-          <a:p>
-            <a:r>
-              <a:rPr lang="en-US" sz="1600" b="1" dirty="0">
-                <a:solidFill>
-                  <a:schemeClr val="bg1">
-                    <a:lumMod val="75000"/>
-                  </a:schemeClr>
-                </a:solidFill>
-              </a:rPr>
-              <a:t>Model as nondeterministic actions</a:t>
-            </a:r>
-            <a:r>
-              <a:rPr lang="en-US" sz="1600" dirty="0">
-                <a:solidFill>
-                  <a:schemeClr val="bg1">
-                    <a:lumMod val="75000"/>
-                  </a:schemeClr>
-                </a:solidFill>
-              </a:rPr>
-              <a:t>: The opponent is seen as part of an environment with nondeterministic actions. Non-determinism is the result of the unknown moves by the opponent. We</a:t>
-            </a:r>
-            <a:r>
-              <a:rPr lang="en-US" sz="1600" b="1" dirty="0">
-                <a:solidFill>
-                  <a:schemeClr val="bg1">
-                    <a:lumMod val="75000"/>
-                  </a:schemeClr>
-                </a:solidFill>
-              </a:rPr>
-              <a:t> consider all possible moves</a:t>
-            </a:r>
-            <a:r>
-              <a:rPr lang="en-US" sz="1600" dirty="0">
-                <a:solidFill>
-                  <a:schemeClr val="bg1">
-                    <a:lumMod val="75000"/>
-                  </a:schemeClr>
-                </a:solidFill>
-              </a:rPr>
-              <a:t> by the opponent.</a:t>
-            </a:r>
-          </a:p>
-          <a:p>
-            <a:r>
-              <a:rPr lang="en-US" sz="1600" b="1" dirty="0">
-                <a:solidFill>
-                  <a:schemeClr val="bg1">
-                    <a:lumMod val="75000"/>
-                  </a:schemeClr>
-                </a:solidFill>
-              </a:rPr>
-              <a:t>Find optimal decisions</a:t>
-            </a:r>
-            <a:r>
-              <a:rPr lang="en-US" sz="1600" dirty="0">
-                <a:solidFill>
-                  <a:schemeClr val="bg1">
-                    <a:lumMod val="75000"/>
-                  </a:schemeClr>
-                </a:solidFill>
-              </a:rPr>
-              <a:t>: Minimax search and Alpha-Beta pruning where </a:t>
-            </a:r>
-            <a:r>
-              <a:rPr lang="en-US" sz="1600" b="1" dirty="0">
-                <a:solidFill>
-                  <a:schemeClr val="bg1">
-                    <a:lumMod val="75000"/>
-                  </a:schemeClr>
-                </a:solidFill>
-              </a:rPr>
-              <a:t>each player plays optimal </a:t>
-            </a:r>
-            <a:r>
-              <a:rPr lang="en-US" sz="1600" dirty="0">
-                <a:solidFill>
-                  <a:schemeClr val="bg1">
-                    <a:lumMod val="75000"/>
-                  </a:schemeClr>
-                </a:solidFill>
-              </a:rPr>
-              <a:t>to the end of the game.</a:t>
-            </a:r>
-          </a:p>
-          <a:p>
-            <a:pPr marL="0" indent="0">
-              <a:buNone/>
-            </a:pPr>
-            <a:endParaRPr lang="en-US" sz="1600" b="1" dirty="0">
-              <a:solidFill>
-                <a:schemeClr val="bg1">
-                  <a:lumMod val="75000"/>
-                </a:schemeClr>
-              </a:solidFill>
-            </a:endParaRPr>
-          </a:p>
-          <a:p>
-            <a:pPr marL="0" indent="0">
-              <a:buNone/>
-            </a:pPr>
-            <a:r>
-              <a:rPr lang="en-US" sz="1600" b="1" dirty="0"/>
-              <a:t>Heuristic Methods </a:t>
-            </a:r>
-            <a:br>
-              <a:rPr lang="en-US" sz="1600" b="1" dirty="0"/>
-            </a:br>
-            <a:r>
-              <a:rPr lang="en-US" sz="1600" dirty="0"/>
-              <a:t>(game tree is too large)</a:t>
-            </a:r>
-          </a:p>
-          <a:p>
-            <a:r>
-              <a:rPr lang="en-US" sz="1600" b="1" dirty="0">
-                <a:solidFill>
-                  <a:schemeClr val="bg1">
-                    <a:lumMod val="75000"/>
-                  </a:schemeClr>
-                </a:solidFill>
-              </a:rPr>
-              <a:t>Heuristic Alpha-Beta Tree Search</a:t>
-            </a:r>
-            <a:r>
-              <a:rPr lang="en-US" sz="1600" dirty="0">
-                <a:solidFill>
-                  <a:schemeClr val="bg1">
-                    <a:lumMod val="75000"/>
-                  </a:schemeClr>
-                </a:solidFill>
-              </a:rPr>
-              <a:t>: </a:t>
-            </a:r>
-          </a:p>
-          <a:p>
-            <a:pPr marL="914400" lvl="1" indent="-457200">
-              <a:buFont typeface="+mj-lt"/>
-              <a:buAutoNum type="alphaLcPeriod"/>
-            </a:pPr>
-            <a:r>
-              <a:rPr lang="en-US" sz="1600" dirty="0">
-                <a:solidFill>
-                  <a:schemeClr val="bg1">
-                    <a:lumMod val="75000"/>
-                  </a:schemeClr>
-                </a:solidFill>
-              </a:rPr>
-              <a:t>Cut off game tree and use heuristic for utility. </a:t>
-            </a:r>
-          </a:p>
-          <a:p>
-            <a:pPr marL="914400" lvl="1" indent="-457200">
-              <a:buFont typeface="+mj-lt"/>
-              <a:buAutoNum type="alphaLcPeriod"/>
-            </a:pPr>
-            <a:r>
-              <a:rPr lang="en-US" sz="1600" dirty="0">
-                <a:solidFill>
-                  <a:schemeClr val="bg1">
-                    <a:lumMod val="75000"/>
-                  </a:schemeClr>
-                </a:solidFill>
-              </a:rPr>
-              <a:t>Forward Pruning: ignore poor moves.</a:t>
-            </a:r>
-          </a:p>
-          <a:p>
-            <a:r>
-              <a:rPr lang="en-US" sz="1600" b="1" dirty="0"/>
-              <a:t>Monte Carlo Tree search</a:t>
-            </a:r>
-            <a:r>
-              <a:rPr lang="en-US" sz="1600" dirty="0"/>
-              <a:t>: Estimate utility of a state by simulating complete games and average the utility.</a:t>
-            </a:r>
-          </a:p>
-          <a:p>
-            <a:endParaRPr lang="en-US" sz="1600" dirty="0"/>
-          </a:p>
-        </p:txBody>
-      </p:sp>
-    </p:spTree>
-    <p:extLst>
-      <p:ext uri="{BB962C8B-B14F-4D97-AF65-F5344CB8AC3E}">
-        <p14:creationId xmlns:p14="http://schemas.microsoft.com/office/powerpoint/2010/main" val="1559709888"/>
-      </p:ext>
-    </p:extLst>
-  </p:cSld>
-  <p:clrMapOvr>
-    <a:masterClrMapping/>
   </p:clrMapOvr>
 </p:sld>
 </file>
@@ -17085,6 +19852,14 @@
 <file path=ppt/slides/slide30.xml><?xml version="1.0" encoding="utf-8"?>
 <p:sld xmlns:a="http://schemas.openxmlformats.org/drawingml/2006/main" xmlns:r="http://schemas.openxmlformats.org/officeDocument/2006/relationships" xmlns:p="http://schemas.openxmlformats.org/presentationml/2006/main">
   <p:cSld>
+    <p:bg>
+      <p:bgPr>
+        <a:solidFill>
+          <a:schemeClr val="bg1"/>
+        </a:solidFill>
+        <a:effectLst/>
+      </p:bgPr>
+    </p:bg>
     <p:spTree>
       <p:nvGrpSpPr>
         <p:cNvPr id="1" name=""/>
@@ -17099,12 +19874,334 @@
           <a:chExt cx="0" cy="0"/>
         </a:xfrm>
       </p:grpSpPr>
+      <p:sp useBgFill="1">
+        <p:nvSpPr>
+          <p:cNvPr id="8" name="Rectangle 7">
+            <a:extLst>
+              <a:ext uri="{FF2B5EF4-FFF2-40B4-BE49-F238E27FC236}">
+                <a16:creationId xmlns:a16="http://schemas.microsoft.com/office/drawing/2014/main" id="{C7FA33FF-088D-4F16-95A2-2C64D353DEA8}"/>
+              </a:ext>
+              <a:ext uri="{C183D7F6-B498-43B3-948B-1728B52AA6E4}">
+                <adec:decorative xmlns:adec="http://schemas.microsoft.com/office/drawing/2017/decorative" val="1"/>
+              </a:ext>
+            </a:extLst>
+          </p:cNvPr>
+          <p:cNvSpPr>
+            <a:spLocks noGrp="1" noRot="1" noChangeAspect="1" noMove="1" noResize="1" noEditPoints="1" noAdjustHandles="1" noChangeArrowheads="1" noChangeShapeType="1" noTextEdit="1"/>
+          </p:cNvSpPr>
+          <p:nvPr>
+            <p:extLst>
+              <p:ext uri="{386F3935-93C4-4BCD-93E2-E3B085C9AB24}">
+                <p16:designElem xmlns:p16="http://schemas.microsoft.com/office/powerpoint/2015/main" val="1"/>
+              </p:ext>
+            </p:extLst>
+          </p:nvPr>
+        </p:nvSpPr>
+        <p:spPr>
+          <a:xfrm>
+            <a:off x="1143" y="0"/>
+            <a:ext cx="9141714" cy="6858000"/>
+          </a:xfrm>
+          <a:prstGeom prst="rect">
+            <a:avLst/>
+          </a:prstGeom>
+          <a:ln>
+            <a:noFill/>
+          </a:ln>
+        </p:spPr>
+        <p:style>
+          <a:lnRef idx="2">
+            <a:schemeClr val="accent1">
+              <a:shade val="50000"/>
+            </a:schemeClr>
+          </a:lnRef>
+          <a:fillRef idx="1">
+            <a:schemeClr val="accent1"/>
+          </a:fillRef>
+          <a:effectRef idx="0">
+            <a:schemeClr val="accent1"/>
+          </a:effectRef>
+          <a:fontRef idx="minor">
+            <a:schemeClr val="lt1"/>
+          </a:fontRef>
+        </p:style>
+        <p:txBody>
+          <a:bodyPr rtlCol="0" anchor="ctr"/>
+          <a:lstStyle/>
+          <a:p>
+            <a:pPr marL="0" marR="0" lvl="0" indent="0" algn="ctr" defTabSz="914400" rtl="0" eaLnBrk="1" fontAlgn="auto" latinLnBrk="0" hangingPunct="1">
+              <a:lnSpc>
+                <a:spcPct val="100000"/>
+              </a:lnSpc>
+              <a:spcBef>
+                <a:spcPts val="0"/>
+              </a:spcBef>
+              <a:spcAft>
+                <a:spcPts val="0"/>
+              </a:spcAft>
+              <a:buClrTx/>
+              <a:buSzTx/>
+              <a:buFontTx/>
+              <a:buNone/>
+              <a:tabLst/>
+              <a:defRPr/>
+            </a:pPr>
+            <a:endParaRPr kumimoji="0" lang="en-US" sz="1800" b="0" i="0" u="none" strike="noStrike" kern="1200" cap="none" spc="0" normalizeH="0" baseline="0" noProof="0">
+              <a:ln>
+                <a:noFill/>
+              </a:ln>
+              <a:solidFill>
+                <a:prstClr val="white"/>
+              </a:solidFill>
+              <a:effectLst/>
+              <a:uLnTx/>
+              <a:uFillTx/>
+              <a:latin typeface="Calibri" panose="020F0502020204030204"/>
+              <a:ea typeface="+mn-ea"/>
+              <a:cs typeface="+mn-cs"/>
+            </a:endParaRPr>
+          </a:p>
+        </p:txBody>
+      </p:sp>
+      <p:sp>
+        <p:nvSpPr>
+          <p:cNvPr id="10" name="Rectangle 9">
+            <a:extLst>
+              <a:ext uri="{FF2B5EF4-FFF2-40B4-BE49-F238E27FC236}">
+                <a16:creationId xmlns:a16="http://schemas.microsoft.com/office/drawing/2014/main" id="{A376EFB1-01CF-419F-ABF1-2AF02BBFCBD1}"/>
+              </a:ext>
+              <a:ext uri="{C183D7F6-B498-43B3-948B-1728B52AA6E4}">
+                <adec:decorative xmlns:adec="http://schemas.microsoft.com/office/drawing/2017/decorative" val="1"/>
+              </a:ext>
+            </a:extLst>
+          </p:cNvPr>
+          <p:cNvSpPr>
+            <a:spLocks noGrp="1" noRot="1" noChangeAspect="1" noMove="1" noResize="1" noEditPoints="1" noAdjustHandles="1" noChangeArrowheads="1" noChangeShapeType="1" noTextEdit="1"/>
+          </p:cNvSpPr>
+          <p:nvPr>
+            <p:extLst>
+              <p:ext uri="{386F3935-93C4-4BCD-93E2-E3B085C9AB24}">
+                <p16:designElem xmlns:p16="http://schemas.microsoft.com/office/powerpoint/2015/main" val="1"/>
+              </p:ext>
+            </p:extLst>
+          </p:nvPr>
+        </p:nvSpPr>
+        <p:spPr>
+          <a:xfrm>
+            <a:off x="0" y="0"/>
+            <a:ext cx="3531870" cy="6858000"/>
+          </a:xfrm>
+          <a:prstGeom prst="rect">
+            <a:avLst/>
+          </a:prstGeom>
+          <a:solidFill>
+            <a:schemeClr val="tx1">
+              <a:alpha val="81000"/>
+            </a:schemeClr>
+          </a:solidFill>
+          <a:ln>
+            <a:noFill/>
+          </a:ln>
+        </p:spPr>
+        <p:style>
+          <a:lnRef idx="2">
+            <a:schemeClr val="accent1">
+              <a:shade val="50000"/>
+            </a:schemeClr>
+          </a:lnRef>
+          <a:fillRef idx="1">
+            <a:schemeClr val="accent1"/>
+          </a:fillRef>
+          <a:effectRef idx="0">
+            <a:schemeClr val="accent1"/>
+          </a:effectRef>
+          <a:fontRef idx="minor">
+            <a:schemeClr val="lt1"/>
+          </a:fontRef>
+        </p:style>
+        <p:txBody>
+          <a:bodyPr rtlCol="0" anchor="ctr"/>
+          <a:lstStyle/>
+          <a:p>
+            <a:pPr marL="0" marR="0" lvl="0" indent="0" algn="ctr" defTabSz="914400" rtl="0" eaLnBrk="1" fontAlgn="auto" latinLnBrk="0" hangingPunct="1">
+              <a:lnSpc>
+                <a:spcPct val="100000"/>
+              </a:lnSpc>
+              <a:spcBef>
+                <a:spcPts val="0"/>
+              </a:spcBef>
+              <a:spcAft>
+                <a:spcPts val="0"/>
+              </a:spcAft>
+              <a:buClrTx/>
+              <a:buSzTx/>
+              <a:buFontTx/>
+              <a:buNone/>
+              <a:tabLst/>
+              <a:defRPr/>
+            </a:pPr>
+            <a:endParaRPr kumimoji="0" lang="en-US" sz="1800" b="0" i="0" u="none" strike="noStrike" kern="1200" cap="none" spc="0" normalizeH="0" baseline="0" noProof="0">
+              <a:ln>
+                <a:noFill/>
+              </a:ln>
+              <a:solidFill>
+                <a:prstClr val="white"/>
+              </a:solidFill>
+              <a:effectLst/>
+              <a:uLnTx/>
+              <a:uFillTx/>
+              <a:latin typeface="Calibri" panose="020F0502020204030204"/>
+              <a:ea typeface="+mn-ea"/>
+              <a:cs typeface="+mn-cs"/>
+            </a:endParaRPr>
+          </a:p>
+        </p:txBody>
+      </p:sp>
+      <p:sp>
+        <p:nvSpPr>
+          <p:cNvPr id="12" name="Freeform: Shape 11">
+            <a:extLst>
+              <a:ext uri="{FF2B5EF4-FFF2-40B4-BE49-F238E27FC236}">
+                <a16:creationId xmlns:a16="http://schemas.microsoft.com/office/drawing/2014/main" id="{FF9DEA15-78BD-4750-AA18-B9F28A6D5AB8}"/>
+              </a:ext>
+              <a:ext uri="{C183D7F6-B498-43B3-948B-1728B52AA6E4}">
+                <adec:decorative xmlns:adec="http://schemas.microsoft.com/office/drawing/2017/decorative" val="1"/>
+              </a:ext>
+            </a:extLst>
+          </p:cNvPr>
+          <p:cNvSpPr>
+            <a:spLocks noGrp="1" noRot="1" noChangeAspect="1" noMove="1" noResize="1" noEditPoints="1" noAdjustHandles="1" noChangeArrowheads="1" noChangeShapeType="1" noTextEdit="1"/>
+          </p:cNvSpPr>
+          <p:nvPr>
+            <p:extLst>
+              <p:ext uri="{386F3935-93C4-4BCD-93E2-E3B085C9AB24}">
+                <p16:designElem xmlns:p16="http://schemas.microsoft.com/office/powerpoint/2015/main" val="1"/>
+              </p:ext>
+            </p:extLst>
+          </p:nvPr>
+        </p:nvSpPr>
+        <p:spPr>
+          <a:xfrm>
+            <a:off x="0" y="0"/>
+            <a:ext cx="2463248" cy="6858000"/>
+          </a:xfrm>
+          <a:custGeom>
+            <a:avLst/>
+            <a:gdLst>
+              <a:gd name="connsiteX0" fmla="*/ 0 w 4319042"/>
+              <a:gd name="connsiteY0" fmla="*/ 0 h 6858000"/>
+              <a:gd name="connsiteX1" fmla="*/ 1142888 w 4319042"/>
+              <a:gd name="connsiteY1" fmla="*/ 0 h 6858000"/>
+              <a:gd name="connsiteX2" fmla="*/ 4319042 w 4319042"/>
+              <a:gd name="connsiteY2" fmla="*/ 6858000 h 6858000"/>
+              <a:gd name="connsiteX3" fmla="*/ 0 w 4319042"/>
+              <a:gd name="connsiteY3" fmla="*/ 6858000 h 6858000"/>
+            </a:gdLst>
+            <a:ahLst/>
+            <a:cxnLst>
+              <a:cxn ang="0">
+                <a:pos x="connsiteX0" y="connsiteY0"/>
+              </a:cxn>
+              <a:cxn ang="0">
+                <a:pos x="connsiteX1" y="connsiteY1"/>
+              </a:cxn>
+              <a:cxn ang="0">
+                <a:pos x="connsiteX2" y="connsiteY2"/>
+              </a:cxn>
+              <a:cxn ang="0">
+                <a:pos x="connsiteX3" y="connsiteY3"/>
+              </a:cxn>
+            </a:cxnLst>
+            <a:rect l="l" t="t" r="r" b="b"/>
+            <a:pathLst>
+              <a:path w="4319042" h="6858000">
+                <a:moveTo>
+                  <a:pt x="0" y="0"/>
+                </a:moveTo>
+                <a:lnTo>
+                  <a:pt x="1142888" y="0"/>
+                </a:lnTo>
+                <a:lnTo>
+                  <a:pt x="4319042" y="6858000"/>
+                </a:lnTo>
+                <a:lnTo>
+                  <a:pt x="0" y="6858000"/>
+                </a:lnTo>
+                <a:close/>
+              </a:path>
+            </a:pathLst>
+          </a:custGeom>
+          <a:solidFill>
+            <a:schemeClr val="tx1">
+              <a:alpha val="35000"/>
+            </a:schemeClr>
+          </a:solidFill>
+          <a:ln>
+            <a:noFill/>
+          </a:ln>
+        </p:spPr>
+        <p:style>
+          <a:lnRef idx="2">
+            <a:schemeClr val="accent1">
+              <a:shade val="50000"/>
+            </a:schemeClr>
+          </a:lnRef>
+          <a:fillRef idx="1">
+            <a:schemeClr val="accent1"/>
+          </a:fillRef>
+          <a:effectRef idx="0">
+            <a:schemeClr val="accent1"/>
+          </a:effectRef>
+          <a:fontRef idx="minor">
+            <a:schemeClr val="lt1"/>
+          </a:fontRef>
+        </p:style>
+        <p:txBody>
+          <a:bodyPr wrap="square" rtlCol="0" anchor="ctr">
+            <a:noAutofit/>
+          </a:bodyPr>
+          <a:lstStyle/>
+          <a:p>
+            <a:pPr marL="0" marR="0" lvl="0" indent="0" algn="ctr" defTabSz="914400" rtl="0" eaLnBrk="1" fontAlgn="auto" latinLnBrk="0" hangingPunct="1">
+              <a:lnSpc>
+                <a:spcPct val="100000"/>
+              </a:lnSpc>
+              <a:spcBef>
+                <a:spcPts val="0"/>
+              </a:spcBef>
+              <a:spcAft>
+                <a:spcPts val="0"/>
+              </a:spcAft>
+              <a:buClrTx/>
+              <a:buSzTx/>
+              <a:buFontTx/>
+              <a:buNone/>
+              <a:tabLst/>
+              <a:defRPr/>
+            </a:pPr>
+            <a:endParaRPr kumimoji="0" lang="en-US" sz="1800" b="0" i="0" u="none" strike="noStrike" kern="1200" cap="none" spc="0" normalizeH="0" baseline="0" noProof="0">
+              <a:ln>
+                <a:noFill/>
+              </a:ln>
+              <a:solidFill>
+                <a:prstClr val="white"/>
+              </a:solidFill>
+              <a:effectLst/>
+              <a:uLnTx/>
+              <a:uFillTx/>
+              <a:latin typeface="Calibri" panose="020F0502020204030204"/>
+              <a:ea typeface="+mn-ea"/>
+              <a:cs typeface="+mn-cs"/>
+            </a:endParaRPr>
+          </a:p>
+        </p:txBody>
+      </p:sp>
       <p:sp>
         <p:nvSpPr>
           <p:cNvPr id="2" name="Title 1">
             <a:extLst>
               <a:ext uri="{FF2B5EF4-FFF2-40B4-BE49-F238E27FC236}">
-                <a16:creationId xmlns:a16="http://schemas.microsoft.com/office/drawing/2014/main" id="{AB04E43B-925E-4BA3-8C88-AED93840BDC2}"/>
+                <a16:creationId xmlns:a16="http://schemas.microsoft.com/office/drawing/2014/main" id="{B97AF7D7-48F3-4CC0-89F9-14A70C49FFC5}"/>
               </a:ext>
             </a:extLst>
           </p:cNvPr>
@@ -17115,6 +20212,298 @@
             <p:ph type="title"/>
           </p:nvPr>
         </p:nvSpPr>
+        <p:spPr>
+          <a:xfrm>
+            <a:off x="603504" y="640080"/>
+            <a:ext cx="2462022" cy="5257800"/>
+          </a:xfrm>
+        </p:spPr>
+        <p:txBody>
+          <a:bodyPr>
+            <a:normAutofit/>
+          </a:bodyPr>
+          <a:lstStyle/>
+          <a:p>
+            <a:r>
+              <a:rPr lang="en-US" sz="3700">
+                <a:solidFill>
+                  <a:schemeClr val="bg1"/>
+                </a:solidFill>
+              </a:rPr>
+              <a:t>Methods for Adversarial Games</a:t>
+            </a:r>
+          </a:p>
+        </p:txBody>
+      </p:sp>
+      <p:sp>
+        <p:nvSpPr>
+          <p:cNvPr id="3" name="Content Placeholder 2">
+            <a:extLst>
+              <a:ext uri="{FF2B5EF4-FFF2-40B4-BE49-F238E27FC236}">
+                <a16:creationId xmlns:a16="http://schemas.microsoft.com/office/drawing/2014/main" id="{60DC2DFB-044D-434A-9634-A2762FA456AE}"/>
+              </a:ext>
+            </a:extLst>
+          </p:cNvPr>
+          <p:cNvSpPr>
+            <a:spLocks noGrp="1"/>
+          </p:cNvSpPr>
+          <p:nvPr>
+            <p:ph idx="1"/>
+          </p:nvPr>
+        </p:nvSpPr>
+        <p:spPr>
+          <a:xfrm>
+            <a:off x="4018788" y="640081"/>
+            <a:ext cx="4518490" cy="5257800"/>
+          </a:xfrm>
+        </p:spPr>
+        <p:txBody>
+          <a:bodyPr anchor="ctr">
+            <a:normAutofit/>
+          </a:bodyPr>
+          <a:lstStyle/>
+          <a:p>
+            <a:pPr marL="0" indent="0">
+              <a:buNone/>
+            </a:pPr>
+            <a:r>
+              <a:rPr lang="en-US" sz="1600" b="1" dirty="0">
+                <a:solidFill>
+                  <a:schemeClr val="bg1">
+                    <a:lumMod val="75000"/>
+                  </a:schemeClr>
+                </a:solidFill>
+              </a:rPr>
+              <a:t>Exact Methods</a:t>
+            </a:r>
+          </a:p>
+          <a:p>
+            <a:r>
+              <a:rPr lang="en-US" sz="1600" b="1" dirty="0">
+                <a:solidFill>
+                  <a:schemeClr val="bg1">
+                    <a:lumMod val="75000"/>
+                  </a:schemeClr>
+                </a:solidFill>
+              </a:rPr>
+              <a:t>Model as nondeterministic actions</a:t>
+            </a:r>
+            <a:r>
+              <a:rPr lang="en-US" sz="1600" dirty="0">
+                <a:solidFill>
+                  <a:schemeClr val="bg1">
+                    <a:lumMod val="75000"/>
+                  </a:schemeClr>
+                </a:solidFill>
+              </a:rPr>
+              <a:t>: The opponent is seen as part of an environment with nondeterministic actions. Non-determinism is the result of the unknown moves by the opponent. We</a:t>
+            </a:r>
+            <a:r>
+              <a:rPr lang="en-US" sz="1600" b="1" dirty="0">
+                <a:solidFill>
+                  <a:schemeClr val="bg1">
+                    <a:lumMod val="75000"/>
+                  </a:schemeClr>
+                </a:solidFill>
+              </a:rPr>
+              <a:t> consider all possible moves</a:t>
+            </a:r>
+            <a:r>
+              <a:rPr lang="en-US" sz="1600" dirty="0">
+                <a:solidFill>
+                  <a:schemeClr val="bg1">
+                    <a:lumMod val="75000"/>
+                  </a:schemeClr>
+                </a:solidFill>
+              </a:rPr>
+              <a:t> by the opponent.</a:t>
+            </a:r>
+          </a:p>
+          <a:p>
+            <a:r>
+              <a:rPr lang="en-US" sz="1600" b="1" dirty="0">
+                <a:solidFill>
+                  <a:schemeClr val="bg1">
+                    <a:lumMod val="75000"/>
+                  </a:schemeClr>
+                </a:solidFill>
+              </a:rPr>
+              <a:t>Find optimal decisions</a:t>
+            </a:r>
+            <a:r>
+              <a:rPr lang="en-US" sz="1600" dirty="0">
+                <a:solidFill>
+                  <a:schemeClr val="bg1">
+                    <a:lumMod val="75000"/>
+                  </a:schemeClr>
+                </a:solidFill>
+              </a:rPr>
+              <a:t>: Minimax search and Alpha-Beta pruning where </a:t>
+            </a:r>
+            <a:r>
+              <a:rPr lang="en-US" sz="1600" b="1" dirty="0">
+                <a:solidFill>
+                  <a:schemeClr val="bg1">
+                    <a:lumMod val="75000"/>
+                  </a:schemeClr>
+                </a:solidFill>
+              </a:rPr>
+              <a:t>each player plays optimal </a:t>
+            </a:r>
+            <a:r>
+              <a:rPr lang="en-US" sz="1600" dirty="0">
+                <a:solidFill>
+                  <a:schemeClr val="bg1">
+                    <a:lumMod val="75000"/>
+                  </a:schemeClr>
+                </a:solidFill>
+              </a:rPr>
+              <a:t>to the end of the game.</a:t>
+            </a:r>
+          </a:p>
+          <a:p>
+            <a:pPr marL="0" indent="0">
+              <a:buNone/>
+            </a:pPr>
+            <a:endParaRPr lang="en-US" sz="1600" b="1" dirty="0">
+              <a:solidFill>
+                <a:schemeClr val="bg1">
+                  <a:lumMod val="75000"/>
+                </a:schemeClr>
+              </a:solidFill>
+            </a:endParaRPr>
+          </a:p>
+          <a:p>
+            <a:pPr marL="0" indent="0">
+              <a:buNone/>
+            </a:pPr>
+            <a:r>
+              <a:rPr lang="en-US" sz="1600" b="1" dirty="0"/>
+              <a:t>Heuristic Methods </a:t>
+            </a:r>
+            <a:br>
+              <a:rPr lang="en-US" sz="1600" b="1" dirty="0"/>
+            </a:br>
+            <a:r>
+              <a:rPr lang="en-US" sz="1600" dirty="0"/>
+              <a:t>(game tree is too large or search takes too long)</a:t>
+            </a:r>
+          </a:p>
+          <a:p>
+            <a:r>
+              <a:rPr lang="en-US" sz="1600" b="1" dirty="0">
+                <a:solidFill>
+                  <a:schemeClr val="bg1">
+                    <a:lumMod val="75000"/>
+                  </a:schemeClr>
+                </a:solidFill>
+              </a:rPr>
+              <a:t>Heuristic Alpha-Beta Tree Search</a:t>
+            </a:r>
+            <a:r>
+              <a:rPr lang="en-US" sz="1600" dirty="0">
+                <a:solidFill>
+                  <a:schemeClr val="bg1">
+                    <a:lumMod val="75000"/>
+                  </a:schemeClr>
+                </a:solidFill>
+              </a:rPr>
+              <a:t>: </a:t>
+            </a:r>
+          </a:p>
+          <a:p>
+            <a:pPr marL="914400" lvl="1" indent="-457200">
+              <a:buFont typeface="+mj-lt"/>
+              <a:buAutoNum type="alphaLcPeriod"/>
+            </a:pPr>
+            <a:r>
+              <a:rPr lang="en-US" sz="1600" dirty="0">
+                <a:solidFill>
+                  <a:schemeClr val="bg1">
+                    <a:lumMod val="75000"/>
+                  </a:schemeClr>
+                </a:solidFill>
+              </a:rPr>
+              <a:t>Cut off game tree and use heuristic for utility. </a:t>
+            </a:r>
+          </a:p>
+          <a:p>
+            <a:pPr marL="914400" lvl="1" indent="-457200">
+              <a:buFont typeface="+mj-lt"/>
+              <a:buAutoNum type="alphaLcPeriod"/>
+            </a:pPr>
+            <a:r>
+              <a:rPr lang="en-US" sz="1600" dirty="0">
+                <a:solidFill>
+                  <a:schemeClr val="bg1">
+                    <a:lumMod val="75000"/>
+                  </a:schemeClr>
+                </a:solidFill>
+              </a:rPr>
+              <a:t>Forward Pruning: ignore poor moves.</a:t>
+            </a:r>
+          </a:p>
+          <a:p>
+            <a:r>
+              <a:rPr lang="en-US" sz="1600" b="1" dirty="0"/>
+              <a:t>Monte Carlo Tree search</a:t>
+            </a:r>
+            <a:r>
+              <a:rPr lang="en-US" sz="1600" dirty="0"/>
+              <a:t>: Estimate utility of a state by simulating complete games and average the utility.</a:t>
+            </a:r>
+          </a:p>
+          <a:p>
+            <a:endParaRPr lang="en-US" sz="1600" dirty="0"/>
+          </a:p>
+        </p:txBody>
+      </p:sp>
+    </p:spTree>
+    <p:extLst>
+      <p:ext uri="{BB962C8B-B14F-4D97-AF65-F5344CB8AC3E}">
+        <p14:creationId xmlns:p14="http://schemas.microsoft.com/office/powerpoint/2010/main" val="1559709888"/>
+      </p:ext>
+    </p:extLst>
+  </p:cSld>
+  <p:clrMapOvr>
+    <a:masterClrMapping/>
+  </p:clrMapOvr>
+</p:sld>
+</file>
+
+<file path=ppt/slides/slide31.xml><?xml version="1.0" encoding="utf-8"?>
+<p:sld xmlns:a="http://schemas.openxmlformats.org/drawingml/2006/main" xmlns:r="http://schemas.openxmlformats.org/officeDocument/2006/relationships" xmlns:p="http://schemas.openxmlformats.org/presentationml/2006/main">
+  <p:cSld>
+    <p:spTree>
+      <p:nvGrpSpPr>
+        <p:cNvPr id="1" name=""/>
+        <p:cNvGrpSpPr/>
+        <p:nvPr/>
+      </p:nvGrpSpPr>
+      <p:grpSpPr>
+        <a:xfrm>
+          <a:off x="0" y="0"/>
+          <a:ext cx="0" cy="0"/>
+          <a:chOff x="0" y="0"/>
+          <a:chExt cx="0" cy="0"/>
+        </a:xfrm>
+      </p:grpSpPr>
+      <p:sp>
+        <p:nvSpPr>
+          <p:cNvPr id="2" name="Title 1">
+            <a:extLst>
+              <a:ext uri="{FF2B5EF4-FFF2-40B4-BE49-F238E27FC236}">
+                <a16:creationId xmlns:a16="http://schemas.microsoft.com/office/drawing/2014/main" id="{AB04E43B-925E-4BA3-8C88-AED93840BDC2}"/>
+              </a:ext>
+            </a:extLst>
+          </p:cNvPr>
+          <p:cNvSpPr>
+            <a:spLocks noGrp="1"/>
+          </p:cNvSpPr>
+          <p:nvPr>
+            <p:ph type="title"/>
+          </p:nvPr>
+        </p:nvSpPr>
         <p:spPr/>
         <p:txBody>
           <a:bodyPr/>
@@ -17127,8 +20516,8 @@
           </a:p>
         </p:txBody>
       </p:sp>
-      <mc:AlternateContent xmlns:mc="http://schemas.openxmlformats.org/markup-compatibility/2006" xmlns:a14="http://schemas.microsoft.com/office/drawing/2010/main">
-        <mc:Choice Requires="a14">
+      <mc:AlternateContent xmlns:mc="http://schemas.openxmlformats.org/markup-compatibility/2006">
+        <mc:Choice xmlns:a14="http://schemas.microsoft.com/office/drawing/2010/main" Requires="a14">
           <p:sp>
             <p:nvSpPr>
               <p:cNvPr id="3" name="Content Placeholder 2">
@@ -17148,7 +20537,7 @@
             <p:spPr/>
             <p:txBody>
               <a:bodyPr>
-                <a:normAutofit fontScale="92500" lnSpcReduction="20000"/>
+                <a:normAutofit fontScale="85000" lnSpcReduction="20000"/>
               </a:bodyPr>
               <a:lstStyle/>
               <a:p>
@@ -17223,7 +20612,7 @@
                 <a:pPr lvl="1"/>
                 <a:r>
                   <a:rPr lang="en-US" dirty="0"/>
-                  <a:t>Learn good moves from self-play (e.g., with deep neural networks).</a:t>
+                  <a:t>Learn good moves from self-play (e.g., with deep neural networks). We will talk about this when we talk about “Learning from Examples.”</a:t>
                 </a:r>
               </a:p>
               <a:p>
@@ -17255,7 +20644,7 @@
             </p:txBody>
           </p:sp>
         </mc:Choice>
-        <mc:Fallback xmlns="">
+        <mc:Fallback>
           <p:sp>
             <p:nvSpPr>
               <p:cNvPr id="3" name="Content Placeholder 2">
@@ -17276,7 +20665,7 @@
               <a:blipFill>
                 <a:blip r:embed="rId2"/>
                 <a:stretch>
-                  <a:fillRect l="-1159" t="-3501" b="-1261"/>
+                  <a:fillRect l="-1005" t="-3221" r="-618"/>
                 </a:stretch>
               </a:blipFill>
             </p:spPr>
@@ -17308,7 +20697,7 @@
 </p:sld>
 </file>
 
-<file path=ppt/slides/slide31.xml><?xml version="1.0" encoding="utf-8"?>
+<file path=ppt/slides/slide32.xml><?xml version="1.0" encoding="utf-8"?>
 <p:sld xmlns:a="http://schemas.openxmlformats.org/drawingml/2006/main" xmlns:r="http://schemas.openxmlformats.org/officeDocument/2006/relationships" xmlns:p="http://schemas.openxmlformats.org/presentationml/2006/main">
   <p:cSld>
     <p:spTree>
@@ -17353,8 +20742,8 @@
           </a:p>
         </p:txBody>
       </p:sp>
-      <mc:AlternateContent xmlns:mc="http://schemas.openxmlformats.org/markup-compatibility/2006" xmlns:a14="http://schemas.microsoft.com/office/drawing/2010/main">
-        <mc:Choice Requires="a14">
+      <mc:AlternateContent xmlns:mc="http://schemas.openxmlformats.org/markup-compatibility/2006">
+        <mc:Choice xmlns:a14="http://schemas.microsoft.com/office/drawing/2010/main" Requires="a14">
           <p:sp>
             <p:nvSpPr>
               <p:cNvPr id="3" name="Content Placeholder 2">
@@ -17445,8 +20834,12 @@
               </a:p>
               <a:p>
                 <a:r>
+                  <a:rPr lang="en-US" b="1" dirty="0"/>
+                  <a:t>Guarantee</a:t>
+                </a:r>
+                <a:r>
                   <a:rPr lang="en-US" dirty="0"/>
-                  <a:t>Converges to optimal play for stochastic games as </a:t>
+                  <a:t>: Converges to optimal play for stochastic games as </a:t>
                 </a:r>
                 <a14:m>
                   <m:oMath xmlns:m="http://schemas.openxmlformats.org/officeDocument/2006/math">
@@ -17482,7 +20875,7 @@
             </p:txBody>
           </p:sp>
         </mc:Choice>
-        <mc:Fallback xmlns="">
+        <mc:Fallback>
           <p:sp>
             <p:nvSpPr>
               <p:cNvPr id="3" name="Content Placeholder 2">
@@ -17503,7 +20896,7 @@
               <a:blipFill>
                 <a:blip r:embed="rId2"/>
                 <a:stretch>
-                  <a:fillRect l="-1546" t="-3081" r="-2087"/>
+                  <a:fillRect l="-1546" t="-3081" r="-2628"/>
                 </a:stretch>
               </a:blipFill>
             </p:spPr>
@@ -17535,152 +20928,6 @@
 </p:sld>
 </file>
 
-<file path=ppt/slides/slide32.xml><?xml version="1.0" encoding="utf-8"?>
-<p:sld xmlns:a="http://schemas.openxmlformats.org/drawingml/2006/main" xmlns:r="http://schemas.openxmlformats.org/officeDocument/2006/relationships" xmlns:p="http://schemas.openxmlformats.org/presentationml/2006/main">
-  <p:cSld>
-    <p:spTree>
-      <p:nvGrpSpPr>
-        <p:cNvPr id="1" name=""/>
-        <p:cNvGrpSpPr/>
-        <p:nvPr/>
-      </p:nvGrpSpPr>
-      <p:grpSpPr>
-        <a:xfrm>
-          <a:off x="0" y="0"/>
-          <a:ext cx="0" cy="0"/>
-          <a:chOff x="0" y="0"/>
-          <a:chExt cx="0" cy="0"/>
-        </a:xfrm>
-      </p:grpSpPr>
-      <p:sp>
-        <p:nvSpPr>
-          <p:cNvPr id="2" name="Title 1">
-            <a:extLst>
-              <a:ext uri="{FF2B5EF4-FFF2-40B4-BE49-F238E27FC236}">
-                <a16:creationId xmlns:a16="http://schemas.microsoft.com/office/drawing/2014/main" id="{ED8F6362-78DE-4B11-A986-49F3288E37DF}"/>
-              </a:ext>
-            </a:extLst>
-          </p:cNvPr>
-          <p:cNvSpPr>
-            <a:spLocks noGrp="1"/>
-          </p:cNvSpPr>
-          <p:nvPr>
-            <p:ph type="title"/>
-          </p:nvPr>
-        </p:nvSpPr>
-        <p:spPr/>
-        <p:txBody>
-          <a:bodyPr/>
-          <a:lstStyle/>
-          <a:p>
-            <a:r>
-              <a:rPr lang="en-US" dirty="0"/>
-              <a:t>Monte Carlo Tree Search</a:t>
-            </a:r>
-          </a:p>
-        </p:txBody>
-      </p:sp>
-      <p:sp>
-        <p:nvSpPr>
-          <p:cNvPr id="3" name="Content Placeholder 2">
-            <a:extLst>
-              <a:ext uri="{FF2B5EF4-FFF2-40B4-BE49-F238E27FC236}">
-                <a16:creationId xmlns:a16="http://schemas.microsoft.com/office/drawing/2014/main" id="{E59D83B2-A943-493B-9F5A-702E32A14ADF}"/>
-              </a:ext>
-            </a:extLst>
-          </p:cNvPr>
-          <p:cNvSpPr>
-            <a:spLocks noGrp="1"/>
-          </p:cNvSpPr>
-          <p:nvPr>
-            <p:ph idx="1"/>
-          </p:nvPr>
-        </p:nvSpPr>
-        <p:spPr/>
-        <p:txBody>
-          <a:bodyPr/>
-          <a:lstStyle/>
-          <a:p>
-            <a:r>
-              <a:rPr lang="en-US" dirty="0"/>
-              <a:t>Plan ahead and build a game tree using simulation. </a:t>
-            </a:r>
-          </a:p>
-          <a:p>
-            <a:r>
-              <a:rPr lang="en-US" b="1" dirty="0"/>
-              <a:t>Select the starting state </a:t>
-            </a:r>
-            <a:r>
-              <a:rPr lang="en-US" dirty="0"/>
-              <a:t>for playouts to focus on important parts of the game tree. It is a tradeoff between:</a:t>
-            </a:r>
-          </a:p>
-          <a:p>
-            <a:endParaRPr lang="en-US" dirty="0"/>
-          </a:p>
-          <a:p>
-            <a:pPr marL="914400" lvl="1" indent="-457200">
-              <a:buFont typeface="+mj-lt"/>
-              <a:buAutoNum type="alphaLcParenR"/>
-            </a:pPr>
-            <a:r>
-              <a:rPr lang="en-US" b="1" dirty="0"/>
-              <a:t>Exploration</a:t>
-            </a:r>
-            <a:r>
-              <a:rPr lang="en-US" dirty="0"/>
-              <a:t>: search from states that currently have few playouts.</a:t>
-            </a:r>
-          </a:p>
-          <a:p>
-            <a:pPr marL="914400" lvl="1" indent="-457200">
-              <a:buFont typeface="+mj-lt"/>
-              <a:buAutoNum type="alphaLcParenR"/>
-            </a:pPr>
-            <a:endParaRPr lang="en-US" dirty="0"/>
-          </a:p>
-          <a:p>
-            <a:pPr marL="914400" lvl="1" indent="-457200">
-              <a:buFont typeface="+mj-lt"/>
-              <a:buAutoNum type="alphaLcParenR"/>
-            </a:pPr>
-            <a:r>
-              <a:rPr lang="en-US" b="1" dirty="0"/>
-              <a:t>Exploitation</a:t>
-            </a:r>
-            <a:r>
-              <a:rPr lang="en-US" dirty="0"/>
-              <a:t>: more playouts for states that have done well to get more accurate estimates.</a:t>
-            </a:r>
-          </a:p>
-          <a:p>
-            <a:endParaRPr lang="en-US" dirty="0"/>
-          </a:p>
-          <a:p>
-            <a:pPr marL="0" indent="0">
-              <a:buNone/>
-            </a:pPr>
-            <a:endParaRPr lang="en-US" dirty="0"/>
-          </a:p>
-          <a:p>
-            <a:endParaRPr lang="en-US" dirty="0"/>
-          </a:p>
-        </p:txBody>
-      </p:sp>
-    </p:spTree>
-    <p:extLst>
-      <p:ext uri="{BB962C8B-B14F-4D97-AF65-F5344CB8AC3E}">
-        <p14:creationId xmlns:p14="http://schemas.microsoft.com/office/powerpoint/2010/main" val="1763036518"/>
-      </p:ext>
-    </p:extLst>
-  </p:cSld>
-  <p:clrMapOvr>
-    <a:masterClrMapping/>
-  </p:clrMapOvr>
-</p:sld>
-</file>
-
 <file path=ppt/slides/slide33.xml><?xml version="1.0" encoding="utf-8"?>
 <p:sld xmlns:a="http://schemas.openxmlformats.org/drawingml/2006/main" xmlns:r="http://schemas.openxmlformats.org/officeDocument/2006/relationships" xmlns:p="http://schemas.openxmlformats.org/presentationml/2006/main">
   <p:cSld>
@@ -17703,7 +20950,7 @@
           <p:cNvPr id="2" name="Title 1">
             <a:extLst>
               <a:ext uri="{FF2B5EF4-FFF2-40B4-BE49-F238E27FC236}">
-                <a16:creationId xmlns:a16="http://schemas.microsoft.com/office/drawing/2014/main" id="{9392A115-CA84-4314-ADF4-A2113A317493}"/>
+                <a16:creationId xmlns:a16="http://schemas.microsoft.com/office/drawing/2014/main" id="{ED8F6362-78DE-4B11-A986-49F3288E37DF}"/>
               </a:ext>
             </a:extLst>
           </p:cNvPr>
@@ -17716,6 +20963,154 @@
         </p:nvSpPr>
         <p:spPr/>
         <p:txBody>
+          <a:bodyPr/>
+          <a:lstStyle/>
+          <a:p>
+            <a:r>
+              <a:rPr lang="en-US" dirty="0"/>
+              <a:t>Monte Carlo Tree Search</a:t>
+            </a:r>
+          </a:p>
+        </p:txBody>
+      </p:sp>
+      <p:sp>
+        <p:nvSpPr>
+          <p:cNvPr id="3" name="Content Placeholder 2">
+            <a:extLst>
+              <a:ext uri="{FF2B5EF4-FFF2-40B4-BE49-F238E27FC236}">
+                <a16:creationId xmlns:a16="http://schemas.microsoft.com/office/drawing/2014/main" id="{E59D83B2-A943-493B-9F5A-702E32A14ADF}"/>
+              </a:ext>
+            </a:extLst>
+          </p:cNvPr>
+          <p:cNvSpPr>
+            <a:spLocks noGrp="1"/>
+          </p:cNvSpPr>
+          <p:nvPr>
+            <p:ph idx="1"/>
+          </p:nvPr>
+        </p:nvSpPr>
+        <p:spPr/>
+        <p:txBody>
+          <a:bodyPr>
+            <a:normAutofit lnSpcReduction="10000"/>
+          </a:bodyPr>
+          <a:lstStyle/>
+          <a:p>
+            <a:r>
+              <a:rPr lang="en-US" dirty="0"/>
+              <a:t>Plan ahead and build a partial game tree using simulation. </a:t>
+            </a:r>
+          </a:p>
+          <a:p>
+            <a:r>
+              <a:rPr lang="en-US" b="1" dirty="0"/>
+              <a:t>Select the starting state </a:t>
+            </a:r>
+            <a:r>
+              <a:rPr lang="en-US" dirty="0"/>
+              <a:t>for playouts to focus on building important parts of the game tree. It is a tradeoff between:</a:t>
+            </a:r>
+          </a:p>
+          <a:p>
+            <a:endParaRPr lang="en-US" dirty="0"/>
+          </a:p>
+          <a:p>
+            <a:pPr marL="914400" lvl="1" indent="-457200">
+              <a:buFont typeface="+mj-lt"/>
+              <a:buAutoNum type="alphaLcParenR"/>
+            </a:pPr>
+            <a:r>
+              <a:rPr lang="en-US" b="1" dirty="0"/>
+              <a:t>Exploration</a:t>
+            </a:r>
+            <a:r>
+              <a:rPr lang="en-US" dirty="0"/>
+              <a:t>: expand from states that currently have no or few playouts.</a:t>
+            </a:r>
+          </a:p>
+          <a:p>
+            <a:pPr marL="914400" lvl="1" indent="-457200">
+              <a:buFont typeface="+mj-lt"/>
+              <a:buAutoNum type="alphaLcParenR"/>
+            </a:pPr>
+            <a:endParaRPr lang="en-US" dirty="0"/>
+          </a:p>
+          <a:p>
+            <a:pPr marL="914400" lvl="1" indent="-457200">
+              <a:buFont typeface="+mj-lt"/>
+              <a:buAutoNum type="alphaLcParenR"/>
+            </a:pPr>
+            <a:r>
+              <a:rPr lang="en-US" b="1" dirty="0"/>
+              <a:t>Exploitation</a:t>
+            </a:r>
+            <a:r>
+              <a:rPr lang="en-US" dirty="0"/>
+              <a:t>: more playouts for states that have done well to get more accurate estimates.</a:t>
+            </a:r>
+          </a:p>
+          <a:p>
+            <a:endParaRPr lang="en-US" dirty="0"/>
+          </a:p>
+          <a:p>
+            <a:pPr marL="0" indent="0">
+              <a:buNone/>
+            </a:pPr>
+            <a:endParaRPr lang="en-US" dirty="0"/>
+          </a:p>
+          <a:p>
+            <a:endParaRPr lang="en-US" dirty="0"/>
+          </a:p>
+        </p:txBody>
+      </p:sp>
+    </p:spTree>
+    <p:extLst>
+      <p:ext uri="{BB962C8B-B14F-4D97-AF65-F5344CB8AC3E}">
+        <p14:creationId xmlns:p14="http://schemas.microsoft.com/office/powerpoint/2010/main" val="1763036518"/>
+      </p:ext>
+    </p:extLst>
+  </p:cSld>
+  <p:clrMapOvr>
+    <a:masterClrMapping/>
+  </p:clrMapOvr>
+</p:sld>
+</file>
+
+<file path=ppt/slides/slide34.xml><?xml version="1.0" encoding="utf-8"?>
+<p:sld xmlns:a="http://schemas.openxmlformats.org/drawingml/2006/main" xmlns:r="http://schemas.openxmlformats.org/officeDocument/2006/relationships" xmlns:p="http://schemas.openxmlformats.org/presentationml/2006/main">
+  <p:cSld>
+    <p:spTree>
+      <p:nvGrpSpPr>
+        <p:cNvPr id="1" name=""/>
+        <p:cNvGrpSpPr/>
+        <p:nvPr/>
+      </p:nvGrpSpPr>
+      <p:grpSpPr>
+        <a:xfrm>
+          <a:off x="0" y="0"/>
+          <a:ext cx="0" cy="0"/>
+          <a:chOff x="0" y="0"/>
+          <a:chExt cx="0" cy="0"/>
+        </a:xfrm>
+      </p:grpSpPr>
+      <p:sp>
+        <p:nvSpPr>
+          <p:cNvPr id="2" name="Title 1">
+            <a:extLst>
+              <a:ext uri="{FF2B5EF4-FFF2-40B4-BE49-F238E27FC236}">
+                <a16:creationId xmlns:a16="http://schemas.microsoft.com/office/drawing/2014/main" id="{9392A115-CA84-4314-ADF4-A2113A317493}"/>
+              </a:ext>
+            </a:extLst>
+          </p:cNvPr>
+          <p:cNvSpPr>
+            <a:spLocks noGrp="1"/>
+          </p:cNvSpPr>
+          <p:nvPr>
+            <p:ph type="title"/>
+          </p:nvPr>
+        </p:nvSpPr>
+        <p:spPr/>
+        <p:txBody>
           <a:bodyPr>
             <a:normAutofit/>
           </a:bodyPr>
@@ -17747,8 +21142,8 @@
           </a:xfrm>
           <a:prstGeom prst="wedgeRectCallout">
             <a:avLst>
-              <a:gd name="adj1" fmla="val 37412"/>
-              <a:gd name="adj2" fmla="val -114341"/>
+              <a:gd name="adj1" fmla="val 31952"/>
+              <a:gd name="adj2" fmla="val -97597"/>
             </a:avLst>
           </a:prstGeom>
         </p:spPr>
@@ -17785,8 +21180,8 @@
           </a:p>
         </p:txBody>
       </p:sp>
-      <mc:AlternateContent xmlns:mc="http://schemas.openxmlformats.org/markup-compatibility/2006" xmlns:a14="http://schemas.microsoft.com/office/drawing/2010/main">
-        <mc:Choice Requires="a14">
+      <mc:AlternateContent xmlns:mc="http://schemas.openxmlformats.org/markup-compatibility/2006">
+        <mc:Choice xmlns:a14="http://schemas.microsoft.com/office/drawing/2010/main" Requires="a14">
           <p:sp>
             <p:nvSpPr>
               <p:cNvPr id="5" name="Speech Bubble: Rectangle 4">
@@ -17802,12 +21197,12 @@
             <p:spPr>
               <a:xfrm>
                 <a:off x="3048000" y="1770192"/>
-                <a:ext cx="3124199" cy="762000"/>
+                <a:ext cx="3505200" cy="762000"/>
               </a:xfrm>
               <a:prstGeom prst="wedgeRectCallout">
                 <a:avLst>
-                  <a:gd name="adj1" fmla="val -7736"/>
-                  <a:gd name="adj2" fmla="val 119343"/>
+                  <a:gd name="adj1" fmla="val -15319"/>
+                  <a:gd name="adj2" fmla="val 120738"/>
                 </a:avLst>
               </a:prstGeom>
             </p:spPr>
@@ -17832,7 +21227,7 @@
                 <a:pPr algn="ctr"/>
                 <a:r>
                   <a:rPr lang="en-US" dirty="0"/>
-                  <a:t>Tradeoff constant (</a:t>
+                  <a:t>Tradeoff constant </a:t>
                 </a:r>
                 <a14:m>
                   <m:oMath xmlns:m="http://schemas.openxmlformats.org/officeDocument/2006/math">
@@ -17863,15 +21258,18 @@
                     </m:rad>
                   </m:oMath>
                 </a14:m>
+                <a:br>
+                  <a:rPr lang="en-US" dirty="0"/>
+                </a:br>
                 <a:r>
                   <a:rPr lang="en-US" dirty="0"/>
-                  <a:t>) can be optimizes using experiments</a:t>
+                  <a:t>can be optimizes using experiments</a:t>
                 </a:r>
               </a:p>
             </p:txBody>
           </p:sp>
         </mc:Choice>
-        <mc:Fallback xmlns="">
+        <mc:Fallback>
           <p:sp>
             <p:nvSpPr>
               <p:cNvPr id="5" name="Speech Bubble: Rectangle 4">
@@ -17889,18 +21287,18 @@
             <p:spPr>
               <a:xfrm>
                 <a:off x="3048000" y="1770192"/>
-                <a:ext cx="3124199" cy="762000"/>
+                <a:ext cx="3505200" cy="762000"/>
               </a:xfrm>
               <a:prstGeom prst="wedgeRectCallout">
                 <a:avLst>
-                  <a:gd name="adj1" fmla="val -7736"/>
-                  <a:gd name="adj2" fmla="val 119343"/>
+                  <a:gd name="adj1" fmla="val -15319"/>
+                  <a:gd name="adj2" fmla="val 120738"/>
                 </a:avLst>
               </a:prstGeom>
               <a:blipFill>
                 <a:blip r:embed="rId2"/>
                 <a:stretch>
-                  <a:fillRect l="-1359" r="-1359"/>
+                  <a:fillRect l="-1211" r="-1211"/>
                 </a:stretch>
               </a:blipFill>
             </p:spPr>
@@ -18075,13 +21473,13 @@
         </p:nvSpPr>
         <p:spPr>
           <a:xfrm>
-            <a:off x="5256463" y="4080797"/>
-            <a:ext cx="2590800" cy="762000"/>
+            <a:off x="4114800" y="4080797"/>
+            <a:ext cx="4190999" cy="762000"/>
           </a:xfrm>
           <a:prstGeom prst="wedgeRectCallout">
             <a:avLst>
-              <a:gd name="adj1" fmla="val -44535"/>
-              <a:gd name="adj2" fmla="val -117793"/>
+              <a:gd name="adj1" fmla="val -5987"/>
+              <a:gd name="adj2" fmla="val -98258"/>
             </a:avLst>
           </a:prstGeom>
         </p:spPr>
@@ -18106,7 +21504,7 @@
             <a:pPr algn="ctr"/>
             <a:r>
               <a:rPr lang="en-US" dirty="0"/>
-              <a:t>High for nodes with few playouts (=exploration)</a:t>
+              <a:t>High for nodes with few playouts relative to the parent node (=exploration)</a:t>
             </a:r>
           </a:p>
         </p:txBody>
@@ -18424,7 +21822,7 @@
         <p:spPr>
           <a:xfrm>
             <a:off x="685800" y="6031468"/>
-            <a:ext cx="5606856" cy="461665"/>
+            <a:ext cx="5781776" cy="461665"/>
           </a:xfrm>
           <a:prstGeom prst="rect">
             <a:avLst/>
@@ -18443,7 +21841,7 @@
             </a:r>
             <a:r>
               <a:rPr lang="en-US" sz="2400" dirty="0"/>
-              <a:t>: Select leaf with highest UCB1 score. </a:t>
+              <a:t>: Select node with highest UCB1 score. </a:t>
             </a:r>
           </a:p>
         </p:txBody>
@@ -18461,7 +21859,7 @@
 </p:sld>
 </file>
 
-<file path=ppt/slides/slide34.xml><?xml version="1.0" encoding="utf-8"?>
+<file path=ppt/slides/slide35.xml><?xml version="1.0" encoding="utf-8"?>
 <p:sld xmlns:a="http://schemas.openxmlformats.org/drawingml/2006/main" xmlns:r="http://schemas.openxmlformats.org/officeDocument/2006/relationships" xmlns:p="http://schemas.openxmlformats.org/presentationml/2006/main">
   <p:cSld>
     <p:spTree>
@@ -18566,7 +21964,7 @@
         </p:nvSpPr>
         <p:spPr>
           <a:xfrm>
-            <a:off x="6312352" y="5943600"/>
+            <a:off x="3962400" y="6019800"/>
             <a:ext cx="2286000" cy="762000"/>
           </a:xfrm>
           <a:prstGeom prst="wedgeRectCallout">
@@ -19352,6 +22750,58 @@
           </a:p>
         </p:txBody>
       </p:sp>
+      <p:sp>
+        <p:nvSpPr>
+          <p:cNvPr id="2" name="Rectangle 1">
+            <a:extLst>
+              <a:ext uri="{FF2B5EF4-FFF2-40B4-BE49-F238E27FC236}">
+                <a16:creationId xmlns:a16="http://schemas.microsoft.com/office/drawing/2014/main" id="{1516C8A5-634E-42CD-8F82-EA0BA9FFDD98}"/>
+              </a:ext>
+            </a:extLst>
+          </p:cNvPr>
+          <p:cNvSpPr/>
+          <p:nvPr/>
+        </p:nvSpPr>
+        <p:spPr>
+          <a:xfrm>
+            <a:off x="4800600" y="2362200"/>
+            <a:ext cx="3581400" cy="341000"/>
+          </a:xfrm>
+          <a:prstGeom prst="rect">
+            <a:avLst/>
+          </a:prstGeom>
+          <a:noFill/>
+          <a:ln w="28575">
+            <a:solidFill>
+              <a:srgbClr val="FF0000"/>
+            </a:solidFill>
+          </a:ln>
+        </p:spPr>
+        <p:style>
+          <a:lnRef idx="2">
+            <a:schemeClr val="accent1">
+              <a:shade val="50000"/>
+            </a:schemeClr>
+          </a:lnRef>
+          <a:fillRef idx="1">
+            <a:schemeClr val="accent1"/>
+          </a:fillRef>
+          <a:effectRef idx="0">
+            <a:schemeClr val="accent1"/>
+          </a:effectRef>
+          <a:fontRef idx="minor">
+            <a:schemeClr val="lt1"/>
+          </a:fontRef>
+        </p:style>
+        <p:txBody>
+          <a:bodyPr rtlCol="0" anchor="ctr"/>
+          <a:lstStyle/>
+          <a:p>
+            <a:pPr algn="ctr"/>
+            <a:endParaRPr lang="en-US"/>
+          </a:p>
+        </p:txBody>
+      </p:sp>
     </p:spTree>
     <p:extLst>
       <p:ext uri="{BB962C8B-B14F-4D97-AF65-F5344CB8AC3E}">
@@ -19365,7 +22815,822 @@
 </p:sld>
 </file>
 
-<file path=ppt/slides/slide35.xml><?xml version="1.0" encoding="utf-8"?>
+<file path=ppt/slides/slide36.xml><?xml version="1.0" encoding="utf-8"?>
+<p:sld xmlns:a="http://schemas.openxmlformats.org/drawingml/2006/main" xmlns:r="http://schemas.openxmlformats.org/officeDocument/2006/relationships" xmlns:p="http://schemas.openxmlformats.org/presentationml/2006/main">
+  <p:cSld>
+    <p:spTree>
+      <p:nvGrpSpPr>
+        <p:cNvPr id="1" name=""/>
+        <p:cNvGrpSpPr/>
+        <p:nvPr/>
+      </p:nvGrpSpPr>
+      <p:grpSpPr>
+        <a:xfrm>
+          <a:off x="0" y="0"/>
+          <a:ext cx="0" cy="0"/>
+          <a:chOff x="0" y="0"/>
+          <a:chExt cx="0" cy="0"/>
+        </a:xfrm>
+      </p:grpSpPr>
+      <p:pic>
+        <p:nvPicPr>
+          <p:cNvPr id="21" name="Picture 20">
+            <a:extLst>
+              <a:ext uri="{FF2B5EF4-FFF2-40B4-BE49-F238E27FC236}">
+                <a16:creationId xmlns:a16="http://schemas.microsoft.com/office/drawing/2014/main" id="{D8CDA9E5-7EB9-4881-BA15-9A3CD6FA4BD3}"/>
+              </a:ext>
+            </a:extLst>
+          </p:cNvPr>
+          <p:cNvPicPr>
+            <a:picLocks noChangeAspect="1"/>
+          </p:cNvPicPr>
+          <p:nvPr/>
+        </p:nvPicPr>
+        <p:blipFill rotWithShape="1">
+          <a:blip r:embed="rId2"/>
+          <a:srcRect l="30794" t="20380" r="53544" b="-927"/>
+          <a:stretch/>
+        </p:blipFill>
+        <p:spPr>
+          <a:xfrm>
+            <a:off x="5410200" y="4136546"/>
+            <a:ext cx="1219200" cy="2569054"/>
+          </a:xfrm>
+          <a:prstGeom prst="rect">
+            <a:avLst/>
+          </a:prstGeom>
+        </p:spPr>
+      </p:pic>
+      <p:sp>
+        <p:nvSpPr>
+          <p:cNvPr id="2" name="Title 1">
+            <a:extLst>
+              <a:ext uri="{FF2B5EF4-FFF2-40B4-BE49-F238E27FC236}">
+                <a16:creationId xmlns:a16="http://schemas.microsoft.com/office/drawing/2014/main" id="{F3741C36-4793-4B2D-A960-99B1AE10AE78}"/>
+              </a:ext>
+            </a:extLst>
+          </p:cNvPr>
+          <p:cNvSpPr>
+            <a:spLocks noGrp="1"/>
+          </p:cNvSpPr>
+          <p:nvPr>
+            <p:ph type="title"/>
+          </p:nvPr>
+        </p:nvSpPr>
+        <p:spPr/>
+        <p:txBody>
+          <a:bodyPr/>
+          <a:lstStyle/>
+          <a:p>
+            <a:r>
+              <a:rPr lang="en-US" dirty="0"/>
+              <a:t>Online Play Using MCTS </a:t>
+            </a:r>
+          </a:p>
+        </p:txBody>
+      </p:sp>
+      <p:sp>
+        <p:nvSpPr>
+          <p:cNvPr id="3" name="Content Placeholder 2">
+            <a:extLst>
+              <a:ext uri="{FF2B5EF4-FFF2-40B4-BE49-F238E27FC236}">
+                <a16:creationId xmlns:a16="http://schemas.microsoft.com/office/drawing/2014/main" id="{F0F4C6B4-6097-495A-ACDA-8BFF347C47E8}"/>
+              </a:ext>
+            </a:extLst>
+          </p:cNvPr>
+          <p:cNvSpPr>
+            <a:spLocks noGrp="1"/>
+          </p:cNvSpPr>
+          <p:nvPr>
+            <p:ph idx="1"/>
+          </p:nvPr>
+        </p:nvSpPr>
+        <p:spPr>
+          <a:xfrm>
+            <a:off x="584889" y="1514068"/>
+            <a:ext cx="7886700" cy="1215289"/>
+          </a:xfrm>
+        </p:spPr>
+        <p:txBody>
+          <a:bodyPr>
+            <a:normAutofit fontScale="92500" lnSpcReduction="10000"/>
+          </a:bodyPr>
+          <a:lstStyle/>
+          <a:p>
+            <a:r>
+              <a:rPr lang="en-US" dirty="0"/>
+              <a:t>Search to use up the time budget for the move.</a:t>
+            </a:r>
+          </a:p>
+          <a:p>
+            <a:r>
+              <a:rPr lang="en-US" dirty="0"/>
+              <a:t>Keep the relevant subtree from move to move and expand from there.</a:t>
+            </a:r>
+          </a:p>
+        </p:txBody>
+      </p:sp>
+      <p:pic>
+        <p:nvPicPr>
+          <p:cNvPr id="4" name="Picture 3">
+            <a:extLst>
+              <a:ext uri="{FF2B5EF4-FFF2-40B4-BE49-F238E27FC236}">
+                <a16:creationId xmlns:a16="http://schemas.microsoft.com/office/drawing/2014/main" id="{294BD157-563B-4CFC-B261-2D2C767F02BC}"/>
+              </a:ext>
+            </a:extLst>
+          </p:cNvPr>
+          <p:cNvPicPr>
+            <a:picLocks noChangeAspect="1"/>
+          </p:cNvPicPr>
+          <p:nvPr/>
+        </p:nvPicPr>
+        <p:blipFill rotWithShape="1">
+          <a:blip r:embed="rId2"/>
+          <a:srcRect l="1507" r="67541" b="26004"/>
+          <a:stretch/>
+        </p:blipFill>
+        <p:spPr>
+          <a:xfrm>
+            <a:off x="2086294" y="3468209"/>
+            <a:ext cx="2409506" cy="2360094"/>
+          </a:xfrm>
+          <a:prstGeom prst="rect">
+            <a:avLst/>
+          </a:prstGeom>
+        </p:spPr>
+      </p:pic>
+      <p:sp>
+        <p:nvSpPr>
+          <p:cNvPr id="5" name="TextBox 4">
+            <a:extLst>
+              <a:ext uri="{FF2B5EF4-FFF2-40B4-BE49-F238E27FC236}">
+                <a16:creationId xmlns:a16="http://schemas.microsoft.com/office/drawing/2014/main" id="{D9C6CDF0-7537-4464-AAB5-9848F2F2DDF3}"/>
+              </a:ext>
+            </a:extLst>
+          </p:cNvPr>
+          <p:cNvSpPr txBox="1"/>
+          <p:nvPr/>
+        </p:nvSpPr>
+        <p:spPr>
+          <a:xfrm>
+            <a:off x="3733800" y="3544409"/>
+            <a:ext cx="1084079" cy="276999"/>
+          </a:xfrm>
+          <a:prstGeom prst="rect">
+            <a:avLst/>
+          </a:prstGeom>
+          <a:noFill/>
+        </p:spPr>
+        <p:txBody>
+          <a:bodyPr wrap="none" rtlCol="0">
+            <a:spAutoFit/>
+          </a:bodyPr>
+          <a:lstStyle/>
+          <a:p>
+            <a:r>
+              <a:rPr lang="en-US" sz="1200" dirty="0"/>
+              <a:t>Wins/Playouts</a:t>
+            </a:r>
+          </a:p>
+        </p:txBody>
+      </p:sp>
+      <p:sp>
+        <p:nvSpPr>
+          <p:cNvPr id="11" name="TextBox 10">
+            <a:extLst>
+              <a:ext uri="{FF2B5EF4-FFF2-40B4-BE49-F238E27FC236}">
+                <a16:creationId xmlns:a16="http://schemas.microsoft.com/office/drawing/2014/main" id="{637800D4-EB2B-4F2F-A983-871DAD06DD41}"/>
+              </a:ext>
+            </a:extLst>
+          </p:cNvPr>
+          <p:cNvSpPr txBox="1"/>
+          <p:nvPr/>
+        </p:nvSpPr>
+        <p:spPr>
+          <a:xfrm>
+            <a:off x="1548198" y="3648410"/>
+            <a:ext cx="562911" cy="276999"/>
+          </a:xfrm>
+          <a:prstGeom prst="rect">
+            <a:avLst/>
+          </a:prstGeom>
+          <a:noFill/>
+        </p:spPr>
+        <p:txBody>
+          <a:bodyPr wrap="none" rtlCol="0">
+            <a:spAutoFit/>
+          </a:bodyPr>
+          <a:lstStyle/>
+          <a:p>
+            <a:r>
+              <a:rPr lang="en-US" sz="1200" dirty="0"/>
+              <a:t>White</a:t>
+            </a:r>
+          </a:p>
+        </p:txBody>
+      </p:sp>
+      <p:sp>
+        <p:nvSpPr>
+          <p:cNvPr id="12" name="TextBox 11">
+            <a:extLst>
+              <a:ext uri="{FF2B5EF4-FFF2-40B4-BE49-F238E27FC236}">
+                <a16:creationId xmlns:a16="http://schemas.microsoft.com/office/drawing/2014/main" id="{A9011DD6-44C7-4555-8B58-468ACAA74C94}"/>
+              </a:ext>
+            </a:extLst>
+          </p:cNvPr>
+          <p:cNvSpPr txBox="1"/>
+          <p:nvPr/>
+        </p:nvSpPr>
+        <p:spPr>
+          <a:xfrm>
+            <a:off x="1548198" y="4738358"/>
+            <a:ext cx="562911" cy="276999"/>
+          </a:xfrm>
+          <a:prstGeom prst="rect">
+            <a:avLst/>
+          </a:prstGeom>
+          <a:noFill/>
+        </p:spPr>
+        <p:txBody>
+          <a:bodyPr wrap="none" rtlCol="0">
+            <a:spAutoFit/>
+          </a:bodyPr>
+          <a:lstStyle/>
+          <a:p>
+            <a:r>
+              <a:rPr lang="en-US" sz="1200" dirty="0"/>
+              <a:t>White</a:t>
+            </a:r>
+          </a:p>
+        </p:txBody>
+      </p:sp>
+      <p:sp>
+        <p:nvSpPr>
+          <p:cNvPr id="13" name="TextBox 12">
+            <a:extLst>
+              <a:ext uri="{FF2B5EF4-FFF2-40B4-BE49-F238E27FC236}">
+                <a16:creationId xmlns:a16="http://schemas.microsoft.com/office/drawing/2014/main" id="{CE0F6557-AD74-4A7F-9DE7-2C34EF5D068A}"/>
+              </a:ext>
+            </a:extLst>
+          </p:cNvPr>
+          <p:cNvSpPr txBox="1"/>
+          <p:nvPr/>
+        </p:nvSpPr>
+        <p:spPr>
+          <a:xfrm>
+            <a:off x="1548198" y="5828306"/>
+            <a:ext cx="562911" cy="276999"/>
+          </a:xfrm>
+          <a:prstGeom prst="rect">
+            <a:avLst/>
+          </a:prstGeom>
+          <a:noFill/>
+        </p:spPr>
+        <p:txBody>
+          <a:bodyPr wrap="none" rtlCol="0">
+            <a:spAutoFit/>
+          </a:bodyPr>
+          <a:lstStyle/>
+          <a:p>
+            <a:r>
+              <a:rPr lang="en-US" sz="1200" dirty="0"/>
+              <a:t>White</a:t>
+            </a:r>
+          </a:p>
+        </p:txBody>
+      </p:sp>
+      <p:cxnSp>
+        <p:nvCxnSpPr>
+          <p:cNvPr id="14" name="Straight Connector 13">
+            <a:extLst>
+              <a:ext uri="{FF2B5EF4-FFF2-40B4-BE49-F238E27FC236}">
+                <a16:creationId xmlns:a16="http://schemas.microsoft.com/office/drawing/2014/main" id="{D63B5DDF-CBB5-4C59-8F2D-B0C63FB1BCDF}"/>
+              </a:ext>
+            </a:extLst>
+          </p:cNvPr>
+          <p:cNvCxnSpPr>
+            <a:cxnSpLocks/>
+          </p:cNvCxnSpPr>
+          <p:nvPr/>
+        </p:nvCxnSpPr>
+        <p:spPr>
+          <a:xfrm>
+            <a:off x="1676400" y="4001609"/>
+            <a:ext cx="5105400" cy="0"/>
+          </a:xfrm>
+          <a:prstGeom prst="line">
+            <a:avLst/>
+          </a:prstGeom>
+          <a:ln w="9525" cap="flat" cmpd="sng" algn="ctr">
+            <a:solidFill>
+              <a:schemeClr val="accent3"/>
+            </a:solidFill>
+            <a:prstDash val="dash"/>
+            <a:round/>
+            <a:headEnd type="none" w="med" len="med"/>
+            <a:tailEnd type="none" w="med" len="med"/>
+          </a:ln>
+        </p:spPr>
+        <p:style>
+          <a:lnRef idx="0">
+            <a:scrgbClr r="0" g="0" b="0"/>
+          </a:lnRef>
+          <a:fillRef idx="0">
+            <a:scrgbClr r="0" g="0" b="0"/>
+          </a:fillRef>
+          <a:effectRef idx="0">
+            <a:scrgbClr r="0" g="0" b="0"/>
+          </a:effectRef>
+          <a:fontRef idx="minor">
+            <a:schemeClr val="tx1"/>
+          </a:fontRef>
+        </p:style>
+      </p:cxnSp>
+      <p:cxnSp>
+        <p:nvCxnSpPr>
+          <p:cNvPr id="15" name="Straight Connector 14">
+            <a:extLst>
+              <a:ext uri="{FF2B5EF4-FFF2-40B4-BE49-F238E27FC236}">
+                <a16:creationId xmlns:a16="http://schemas.microsoft.com/office/drawing/2014/main" id="{68A2646B-6B54-4AAF-8F9C-6811D611A407}"/>
+              </a:ext>
+            </a:extLst>
+          </p:cNvPr>
+          <p:cNvCxnSpPr>
+            <a:cxnSpLocks/>
+          </p:cNvCxnSpPr>
+          <p:nvPr/>
+        </p:nvCxnSpPr>
+        <p:spPr>
+          <a:xfrm>
+            <a:off x="1676400" y="4611209"/>
+            <a:ext cx="5105400" cy="0"/>
+          </a:xfrm>
+          <a:prstGeom prst="line">
+            <a:avLst/>
+          </a:prstGeom>
+          <a:ln w="9525" cap="flat" cmpd="sng" algn="ctr">
+            <a:solidFill>
+              <a:schemeClr val="accent3"/>
+            </a:solidFill>
+            <a:prstDash val="dash"/>
+            <a:round/>
+            <a:headEnd type="none" w="med" len="med"/>
+            <a:tailEnd type="none" w="med" len="med"/>
+          </a:ln>
+        </p:spPr>
+        <p:style>
+          <a:lnRef idx="0">
+            <a:scrgbClr r="0" g="0" b="0"/>
+          </a:lnRef>
+          <a:fillRef idx="0">
+            <a:scrgbClr r="0" g="0" b="0"/>
+          </a:fillRef>
+          <a:effectRef idx="0">
+            <a:scrgbClr r="0" g="0" b="0"/>
+          </a:effectRef>
+          <a:fontRef idx="minor">
+            <a:schemeClr val="tx1"/>
+          </a:fontRef>
+        </p:style>
+      </p:cxnSp>
+      <p:cxnSp>
+        <p:nvCxnSpPr>
+          <p:cNvPr id="16" name="Straight Connector 15">
+            <a:extLst>
+              <a:ext uri="{FF2B5EF4-FFF2-40B4-BE49-F238E27FC236}">
+                <a16:creationId xmlns:a16="http://schemas.microsoft.com/office/drawing/2014/main" id="{10B1D00E-6F31-4A75-8EE4-3A0D26796EA8}"/>
+              </a:ext>
+            </a:extLst>
+          </p:cNvPr>
+          <p:cNvCxnSpPr>
+            <a:cxnSpLocks/>
+          </p:cNvCxnSpPr>
+          <p:nvPr/>
+        </p:nvCxnSpPr>
+        <p:spPr>
+          <a:xfrm>
+            <a:off x="1676400" y="5220809"/>
+            <a:ext cx="5105400" cy="0"/>
+          </a:xfrm>
+          <a:prstGeom prst="line">
+            <a:avLst/>
+          </a:prstGeom>
+          <a:ln w="9525" cap="flat" cmpd="sng" algn="ctr">
+            <a:solidFill>
+              <a:schemeClr val="accent3"/>
+            </a:solidFill>
+            <a:prstDash val="dash"/>
+            <a:round/>
+            <a:headEnd type="none" w="med" len="med"/>
+            <a:tailEnd type="none" w="med" len="med"/>
+          </a:ln>
+        </p:spPr>
+        <p:style>
+          <a:lnRef idx="0">
+            <a:scrgbClr r="0" g="0" b="0"/>
+          </a:lnRef>
+          <a:fillRef idx="0">
+            <a:scrgbClr r="0" g="0" b="0"/>
+          </a:fillRef>
+          <a:effectRef idx="0">
+            <a:scrgbClr r="0" g="0" b="0"/>
+          </a:effectRef>
+          <a:fontRef idx="minor">
+            <a:schemeClr val="tx1"/>
+          </a:fontRef>
+        </p:style>
+      </p:cxnSp>
+      <p:cxnSp>
+        <p:nvCxnSpPr>
+          <p:cNvPr id="17" name="Straight Connector 16">
+            <a:extLst>
+              <a:ext uri="{FF2B5EF4-FFF2-40B4-BE49-F238E27FC236}">
+                <a16:creationId xmlns:a16="http://schemas.microsoft.com/office/drawing/2014/main" id="{4D13A7CA-6EE8-4676-9037-513BC0262C37}"/>
+              </a:ext>
+            </a:extLst>
+          </p:cNvPr>
+          <p:cNvCxnSpPr>
+            <a:cxnSpLocks/>
+          </p:cNvCxnSpPr>
+          <p:nvPr/>
+        </p:nvCxnSpPr>
+        <p:spPr>
+          <a:xfrm>
+            <a:off x="1688648" y="5754209"/>
+            <a:ext cx="5093152" cy="0"/>
+          </a:xfrm>
+          <a:prstGeom prst="line">
+            <a:avLst/>
+          </a:prstGeom>
+          <a:ln w="9525" cap="flat" cmpd="sng" algn="ctr">
+            <a:solidFill>
+              <a:schemeClr val="accent3"/>
+            </a:solidFill>
+            <a:prstDash val="dash"/>
+            <a:round/>
+            <a:headEnd type="none" w="med" len="med"/>
+            <a:tailEnd type="none" w="med" len="med"/>
+          </a:ln>
+        </p:spPr>
+        <p:style>
+          <a:lnRef idx="0">
+            <a:scrgbClr r="0" g="0" b="0"/>
+          </a:lnRef>
+          <a:fillRef idx="0">
+            <a:scrgbClr r="0" g="0" b="0"/>
+          </a:fillRef>
+          <a:effectRef idx="0">
+            <a:scrgbClr r="0" g="0" b="0"/>
+          </a:effectRef>
+          <a:fontRef idx="minor">
+            <a:schemeClr val="tx1"/>
+          </a:fontRef>
+        </p:style>
+      </p:cxnSp>
+      <p:sp>
+        <p:nvSpPr>
+          <p:cNvPr id="18" name="TextBox 17">
+            <a:extLst>
+              <a:ext uri="{FF2B5EF4-FFF2-40B4-BE49-F238E27FC236}">
+                <a16:creationId xmlns:a16="http://schemas.microsoft.com/office/drawing/2014/main" id="{E0210DDB-502E-4743-8498-E16E6FC9D3E7}"/>
+              </a:ext>
+            </a:extLst>
+          </p:cNvPr>
+          <p:cNvSpPr txBox="1"/>
+          <p:nvPr/>
+        </p:nvSpPr>
+        <p:spPr>
+          <a:xfrm>
+            <a:off x="1573012" y="4159921"/>
+            <a:ext cx="513282" cy="276999"/>
+          </a:xfrm>
+          <a:prstGeom prst="rect">
+            <a:avLst/>
+          </a:prstGeom>
+          <a:noFill/>
+        </p:spPr>
+        <p:txBody>
+          <a:bodyPr wrap="none" rtlCol="0">
+            <a:spAutoFit/>
+          </a:bodyPr>
+          <a:lstStyle/>
+          <a:p>
+            <a:r>
+              <a:rPr lang="en-US" sz="1200" dirty="0"/>
+              <a:t>Black</a:t>
+            </a:r>
+          </a:p>
+        </p:txBody>
+      </p:sp>
+      <p:sp>
+        <p:nvSpPr>
+          <p:cNvPr id="19" name="TextBox 18">
+            <a:extLst>
+              <a:ext uri="{FF2B5EF4-FFF2-40B4-BE49-F238E27FC236}">
+                <a16:creationId xmlns:a16="http://schemas.microsoft.com/office/drawing/2014/main" id="{452E4798-B143-4A76-81C1-F9669949F3E3}"/>
+              </a:ext>
+            </a:extLst>
+          </p:cNvPr>
+          <p:cNvSpPr txBox="1"/>
+          <p:nvPr/>
+        </p:nvSpPr>
+        <p:spPr>
+          <a:xfrm>
+            <a:off x="1573012" y="5324810"/>
+            <a:ext cx="513282" cy="276999"/>
+          </a:xfrm>
+          <a:prstGeom prst="rect">
+            <a:avLst/>
+          </a:prstGeom>
+          <a:noFill/>
+        </p:spPr>
+        <p:txBody>
+          <a:bodyPr wrap="none" rtlCol="0">
+            <a:spAutoFit/>
+          </a:bodyPr>
+          <a:lstStyle/>
+          <a:p>
+            <a:r>
+              <a:rPr lang="en-US" sz="1200" dirty="0"/>
+              <a:t>Black</a:t>
+            </a:r>
+          </a:p>
+        </p:txBody>
+      </p:sp>
+      <p:sp>
+        <p:nvSpPr>
+          <p:cNvPr id="22" name="Oval 21">
+            <a:extLst>
+              <a:ext uri="{FF2B5EF4-FFF2-40B4-BE49-F238E27FC236}">
+                <a16:creationId xmlns:a16="http://schemas.microsoft.com/office/drawing/2014/main" id="{4BDEA557-D92A-4B77-8FF2-F288DD6AAC35}"/>
+              </a:ext>
+            </a:extLst>
+          </p:cNvPr>
+          <p:cNvSpPr/>
+          <p:nvPr/>
+        </p:nvSpPr>
+        <p:spPr>
+          <a:xfrm>
+            <a:off x="2728407" y="4149247"/>
+            <a:ext cx="381000" cy="381000"/>
+          </a:xfrm>
+          <a:prstGeom prst="ellipse">
+            <a:avLst/>
+          </a:prstGeom>
+          <a:noFill/>
+          <a:ln w="38100">
+            <a:solidFill>
+              <a:srgbClr val="FF0000"/>
+            </a:solidFill>
+          </a:ln>
+        </p:spPr>
+        <p:style>
+          <a:lnRef idx="2">
+            <a:schemeClr val="accent1">
+              <a:shade val="50000"/>
+            </a:schemeClr>
+          </a:lnRef>
+          <a:fillRef idx="1">
+            <a:schemeClr val="accent1"/>
+          </a:fillRef>
+          <a:effectRef idx="0">
+            <a:schemeClr val="accent1"/>
+          </a:effectRef>
+          <a:fontRef idx="minor">
+            <a:schemeClr val="lt1"/>
+          </a:fontRef>
+        </p:style>
+        <p:txBody>
+          <a:bodyPr rtlCol="0" anchor="ctr"/>
+          <a:lstStyle/>
+          <a:p>
+            <a:pPr algn="ctr"/>
+            <a:endParaRPr lang="en-US"/>
+          </a:p>
+        </p:txBody>
+      </p:sp>
+      <p:sp>
+        <p:nvSpPr>
+          <p:cNvPr id="24" name="Speech Bubble: Rectangle 23">
+            <a:extLst>
+              <a:ext uri="{FF2B5EF4-FFF2-40B4-BE49-F238E27FC236}">
+                <a16:creationId xmlns:a16="http://schemas.microsoft.com/office/drawing/2014/main" id="{D0DD4E19-FE85-4452-B75D-769195E79710}"/>
+              </a:ext>
+            </a:extLst>
+          </p:cNvPr>
+          <p:cNvSpPr/>
+          <p:nvPr/>
+        </p:nvSpPr>
+        <p:spPr>
+          <a:xfrm>
+            <a:off x="1981200" y="2934809"/>
+            <a:ext cx="1524000" cy="567956"/>
+          </a:xfrm>
+          <a:prstGeom prst="wedgeRectCallout">
+            <a:avLst>
+              <a:gd name="adj1" fmla="val 7911"/>
+              <a:gd name="adj2" fmla="val 156104"/>
+            </a:avLst>
+          </a:prstGeom>
+        </p:spPr>
+        <p:style>
+          <a:lnRef idx="2">
+            <a:schemeClr val="accent1">
+              <a:shade val="50000"/>
+            </a:schemeClr>
+          </a:lnRef>
+          <a:fillRef idx="1">
+            <a:schemeClr val="accent1"/>
+          </a:fillRef>
+          <a:effectRef idx="0">
+            <a:schemeClr val="accent1"/>
+          </a:effectRef>
+          <a:fontRef idx="minor">
+            <a:schemeClr val="lt1"/>
+          </a:fontRef>
+        </p:style>
+        <p:txBody>
+          <a:bodyPr rtlCol="0" anchor="ctr"/>
+          <a:lstStyle/>
+          <a:p>
+            <a:pPr algn="ctr"/>
+            <a:r>
+              <a:rPr lang="en-US" dirty="0"/>
+              <a:t>Do highest playout move</a:t>
+            </a:r>
+          </a:p>
+        </p:txBody>
+      </p:sp>
+      <p:sp>
+        <p:nvSpPr>
+          <p:cNvPr id="25" name="Speech Bubble: Rectangle 24">
+            <a:extLst>
+              <a:ext uri="{FF2B5EF4-FFF2-40B4-BE49-F238E27FC236}">
+                <a16:creationId xmlns:a16="http://schemas.microsoft.com/office/drawing/2014/main" id="{B1C7F673-9814-41D9-B7A5-A415DB600D8D}"/>
+              </a:ext>
+            </a:extLst>
+          </p:cNvPr>
+          <p:cNvSpPr/>
+          <p:nvPr/>
+        </p:nvSpPr>
+        <p:spPr>
+          <a:xfrm>
+            <a:off x="5381306" y="2920632"/>
+            <a:ext cx="2086294" cy="567956"/>
+          </a:xfrm>
+          <a:prstGeom prst="wedgeRectCallout">
+            <a:avLst>
+              <a:gd name="adj1" fmla="val -243"/>
+              <a:gd name="adj2" fmla="val 152360"/>
+            </a:avLst>
+          </a:prstGeom>
+        </p:spPr>
+        <p:style>
+          <a:lnRef idx="2">
+            <a:schemeClr val="accent1">
+              <a:shade val="50000"/>
+            </a:schemeClr>
+          </a:lnRef>
+          <a:fillRef idx="1">
+            <a:schemeClr val="accent1"/>
+          </a:fillRef>
+          <a:effectRef idx="0">
+            <a:schemeClr val="accent1"/>
+          </a:effectRef>
+          <a:fontRef idx="minor">
+            <a:schemeClr val="lt1"/>
+          </a:fontRef>
+        </p:style>
+        <p:txBody>
+          <a:bodyPr rtlCol="0" anchor="ctr"/>
+          <a:lstStyle/>
+          <a:p>
+            <a:pPr algn="ctr"/>
+            <a:r>
+              <a:rPr lang="en-US" dirty="0"/>
+              <a:t>Keep subtree and explore/exploit.</a:t>
+            </a:r>
+          </a:p>
+        </p:txBody>
+      </p:sp>
+      <p:sp>
+        <p:nvSpPr>
+          <p:cNvPr id="26" name="Oval 25">
+            <a:extLst>
+              <a:ext uri="{FF2B5EF4-FFF2-40B4-BE49-F238E27FC236}">
+                <a16:creationId xmlns:a16="http://schemas.microsoft.com/office/drawing/2014/main" id="{96F24901-0BC2-4F9F-ACC6-C3F0A40D4CED}"/>
+              </a:ext>
+            </a:extLst>
+          </p:cNvPr>
+          <p:cNvSpPr/>
+          <p:nvPr/>
+        </p:nvSpPr>
+        <p:spPr>
+          <a:xfrm>
+            <a:off x="6217998" y="4162741"/>
+            <a:ext cx="381000" cy="381000"/>
+          </a:xfrm>
+          <a:prstGeom prst="ellipse">
+            <a:avLst/>
+          </a:prstGeom>
+          <a:noFill/>
+          <a:ln w="38100">
+            <a:solidFill>
+              <a:srgbClr val="FF0000"/>
+            </a:solidFill>
+          </a:ln>
+        </p:spPr>
+        <p:style>
+          <a:lnRef idx="2">
+            <a:schemeClr val="accent1">
+              <a:shade val="50000"/>
+            </a:schemeClr>
+          </a:lnRef>
+          <a:fillRef idx="1">
+            <a:schemeClr val="accent1"/>
+          </a:fillRef>
+          <a:effectRef idx="0">
+            <a:schemeClr val="accent1"/>
+          </a:effectRef>
+          <a:fontRef idx="minor">
+            <a:schemeClr val="lt1"/>
+          </a:fontRef>
+        </p:style>
+        <p:txBody>
+          <a:bodyPr rtlCol="0" anchor="ctr"/>
+          <a:lstStyle/>
+          <a:p>
+            <a:pPr algn="ctr"/>
+            <a:endParaRPr lang="en-US"/>
+          </a:p>
+        </p:txBody>
+      </p:sp>
+      <p:sp>
+        <p:nvSpPr>
+          <p:cNvPr id="27" name="Rectangle 26">
+            <a:extLst>
+              <a:ext uri="{FF2B5EF4-FFF2-40B4-BE49-F238E27FC236}">
+                <a16:creationId xmlns:a16="http://schemas.microsoft.com/office/drawing/2014/main" id="{701E09B8-0808-4AF9-BAC0-AA8FF703C420}"/>
+              </a:ext>
+            </a:extLst>
+          </p:cNvPr>
+          <p:cNvSpPr/>
+          <p:nvPr/>
+        </p:nvSpPr>
+        <p:spPr>
+          <a:xfrm>
+            <a:off x="6248400" y="6105305"/>
+            <a:ext cx="762000" cy="578309"/>
+          </a:xfrm>
+          <a:prstGeom prst="rect">
+            <a:avLst/>
+          </a:prstGeom>
+          <a:solidFill>
+            <a:schemeClr val="bg1"/>
+          </a:solidFill>
+          <a:ln>
+            <a:noFill/>
+          </a:ln>
+        </p:spPr>
+        <p:style>
+          <a:lnRef idx="2">
+            <a:schemeClr val="accent1">
+              <a:shade val="50000"/>
+            </a:schemeClr>
+          </a:lnRef>
+          <a:fillRef idx="1">
+            <a:schemeClr val="accent1"/>
+          </a:fillRef>
+          <a:effectRef idx="0">
+            <a:schemeClr val="accent1"/>
+          </a:effectRef>
+          <a:fontRef idx="minor">
+            <a:schemeClr val="lt1"/>
+          </a:fontRef>
+        </p:style>
+        <p:txBody>
+          <a:bodyPr rtlCol="0" anchor="ctr"/>
+          <a:lstStyle/>
+          <a:p>
+            <a:pPr algn="ctr"/>
+            <a:endParaRPr lang="en-US"/>
+          </a:p>
+        </p:txBody>
+      </p:sp>
+    </p:spTree>
+    <p:extLst>
+      <p:ext uri="{BB962C8B-B14F-4D97-AF65-F5344CB8AC3E}">
+        <p14:creationId xmlns:p14="http://schemas.microsoft.com/office/powerpoint/2010/main" val="1256741350"/>
+      </p:ext>
+    </p:extLst>
+  </p:cSld>
+  <p:clrMapOvr>
+    <a:masterClrMapping/>
+  </p:clrMapOvr>
+</p:sld>
+</file>
+
+<file path=ppt/slides/slide37.xml><?xml version="1.0" encoding="utf-8"?>
 <p:sld xmlns:a="http://schemas.openxmlformats.org/drawingml/2006/main" xmlns:r="http://schemas.openxmlformats.org/officeDocument/2006/relationships" xmlns:p="http://schemas.openxmlformats.org/presentationml/2006/main">
   <p:cSld>
     <p:bg>
@@ -19599,7 +23864,7 @@
 </p:sld>
 </file>
 
-<file path=ppt/slides/slide36.xml><?xml version="1.0" encoding="utf-8"?>
+<file path=ppt/slides/slide38.xml><?xml version="1.0" encoding="utf-8"?>
 <p:sld xmlns:a="http://schemas.openxmlformats.org/drawingml/2006/main" xmlns:r="http://schemas.openxmlformats.org/officeDocument/2006/relationships" xmlns:p="http://schemas.openxmlformats.org/presentationml/2006/main">
   <p:cSld>
     <p:spTree>
@@ -19881,7 +24146,7 @@
 </p:sld>
 </file>
 
-<file path=ppt/slides/slide37.xml><?xml version="1.0" encoding="utf-8"?>
+<file path=ppt/slides/slide39.xml><?xml version="1.0" encoding="utf-8"?>
 <p:sld xmlns:a="http://schemas.openxmlformats.org/drawingml/2006/main" xmlns:r="http://schemas.openxmlformats.org/officeDocument/2006/relationships" xmlns:p="http://schemas.openxmlformats.org/presentationml/2006/main">
   <p:cSld>
     <p:spTree>
@@ -20839,874 +25104,6 @@
 </p:sld>
 </file>
 
-<file path=ppt/slides/slide38.xml><?xml version="1.0" encoding="utf-8"?>
-<p:sld xmlns:a="http://schemas.openxmlformats.org/drawingml/2006/main" xmlns:r="http://schemas.openxmlformats.org/officeDocument/2006/relationships" xmlns:p="http://schemas.openxmlformats.org/presentationml/2006/main">
-  <p:cSld>
-    <p:bg>
-      <p:bgPr>
-        <a:solidFill>
-          <a:schemeClr val="bg1"/>
-        </a:solidFill>
-        <a:effectLst/>
-      </p:bgPr>
-    </p:bg>
-    <p:spTree>
-      <p:nvGrpSpPr>
-        <p:cNvPr id="1" name=""/>
-        <p:cNvGrpSpPr/>
-        <p:nvPr/>
-      </p:nvGrpSpPr>
-      <p:grpSpPr>
-        <a:xfrm>
-          <a:off x="0" y="0"/>
-          <a:ext cx="0" cy="0"/>
-          <a:chOff x="0" y="0"/>
-          <a:chExt cx="0" cy="0"/>
-        </a:xfrm>
-      </p:grpSpPr>
-      <p:sp>
-        <p:nvSpPr>
-          <p:cNvPr id="8" name="Rectangle 7">
-            <a:extLst>
-              <a:ext uri="{FF2B5EF4-FFF2-40B4-BE49-F238E27FC236}">
-                <a16:creationId xmlns:a16="http://schemas.microsoft.com/office/drawing/2014/main" id="{C7FA33FF-088D-4F16-95A2-2C64D353DEA8}"/>
-              </a:ext>
-              <a:ext uri="{C183D7F6-B498-43B3-948B-1728B52AA6E4}">
-                <adec:decorative xmlns:adec="http://schemas.microsoft.com/office/drawing/2017/decorative" val="1"/>
-              </a:ext>
-            </a:extLst>
-          </p:cNvPr>
-          <p:cNvSpPr>
-            <a:spLocks noGrp="1" noRot="1" noChangeAspect="1" noMove="1" noResize="1" noEditPoints="1" noAdjustHandles="1" noChangeArrowheads="1" noChangeShapeType="1" noTextEdit="1"/>
-          </p:cNvSpPr>
-          <p:nvPr>
-            <p:extLst>
-              <p:ext uri="{386F3935-93C4-4BCD-93E2-E3B085C9AB24}">
-                <p16:designElem xmlns:p16="http://schemas.microsoft.com/office/powerpoint/2015/main" val="1"/>
-              </p:ext>
-            </p:extLst>
-          </p:nvPr>
-        </p:nvSpPr>
-        <p:spPr>
-          <a:xfrm>
-            <a:off x="1143" y="0"/>
-            <a:ext cx="9141714" cy="6858000"/>
-          </a:xfrm>
-          <a:prstGeom prst="rect">
-            <a:avLst/>
-          </a:prstGeom>
-          <a:solidFill>
-            <a:schemeClr val="tx1"/>
-          </a:solidFill>
-          <a:ln>
-            <a:noFill/>
-          </a:ln>
-        </p:spPr>
-        <p:style>
-          <a:lnRef idx="2">
-            <a:schemeClr val="accent1">
-              <a:shade val="50000"/>
-            </a:schemeClr>
-          </a:lnRef>
-          <a:fillRef idx="1">
-            <a:schemeClr val="accent1"/>
-          </a:fillRef>
-          <a:effectRef idx="0">
-            <a:schemeClr val="accent1"/>
-          </a:effectRef>
-          <a:fontRef idx="minor">
-            <a:schemeClr val="lt1"/>
-          </a:fontRef>
-        </p:style>
-        <p:txBody>
-          <a:bodyPr rtlCol="0" anchor="ctr"/>
-          <a:lstStyle/>
-          <a:p>
-            <a:pPr marL="0" marR="0" lvl="0" indent="0" algn="ctr" defTabSz="914400" rtl="0" eaLnBrk="1" fontAlgn="auto" latinLnBrk="0" hangingPunct="1">
-              <a:lnSpc>
-                <a:spcPct val="100000"/>
-              </a:lnSpc>
-              <a:spcBef>
-                <a:spcPts val="0"/>
-              </a:spcBef>
-              <a:spcAft>
-                <a:spcPts val="0"/>
-              </a:spcAft>
-              <a:buClrTx/>
-              <a:buSzTx/>
-              <a:buFontTx/>
-              <a:buNone/>
-              <a:tabLst/>
-              <a:defRPr/>
-            </a:pPr>
-            <a:endParaRPr kumimoji="0" lang="en-US" sz="1800" b="0" i="0" u="none" strike="noStrike" kern="1200" cap="none" spc="0" normalizeH="0" baseline="0" noProof="0">
-              <a:ln>
-                <a:noFill/>
-              </a:ln>
-              <a:solidFill>
-                <a:prstClr val="white"/>
-              </a:solidFill>
-              <a:effectLst/>
-              <a:uLnTx/>
-              <a:uFillTx/>
-              <a:latin typeface="Calibri" panose="020F0502020204030204"/>
-              <a:ea typeface="+mn-ea"/>
-              <a:cs typeface="+mn-cs"/>
-            </a:endParaRPr>
-          </a:p>
-        </p:txBody>
-      </p:sp>
-      <p:sp>
-        <p:nvSpPr>
-          <p:cNvPr id="10" name="Rectangle 9">
-            <a:extLst>
-              <a:ext uri="{FF2B5EF4-FFF2-40B4-BE49-F238E27FC236}">
-                <a16:creationId xmlns:a16="http://schemas.microsoft.com/office/drawing/2014/main" id="{A376EFB1-01CF-419F-ABF1-2AF02BBFCBD1}"/>
-              </a:ext>
-              <a:ext uri="{C183D7F6-B498-43B3-948B-1728B52AA6E4}">
-                <adec:decorative xmlns:adec="http://schemas.microsoft.com/office/drawing/2017/decorative" val="1"/>
-              </a:ext>
-            </a:extLst>
-          </p:cNvPr>
-          <p:cNvSpPr>
-            <a:spLocks noGrp="1" noRot="1" noChangeAspect="1" noMove="1" noResize="1" noEditPoints="1" noAdjustHandles="1" noChangeArrowheads="1" noChangeShapeType="1" noTextEdit="1"/>
-          </p:cNvSpPr>
-          <p:nvPr>
-            <p:extLst>
-              <p:ext uri="{386F3935-93C4-4BCD-93E2-E3B085C9AB24}">
-                <p16:designElem xmlns:p16="http://schemas.microsoft.com/office/powerpoint/2015/main" val="1"/>
-              </p:ext>
-            </p:extLst>
-          </p:nvPr>
-        </p:nvSpPr>
-        <p:spPr>
-          <a:xfrm>
-            <a:off x="0" y="0"/>
-            <a:ext cx="3531870" cy="6858000"/>
-          </a:xfrm>
-          <a:prstGeom prst="rect">
-            <a:avLst/>
-          </a:prstGeom>
-          <a:solidFill>
-            <a:schemeClr val="bg1">
-              <a:alpha val="81000"/>
-            </a:schemeClr>
-          </a:solidFill>
-          <a:ln>
-            <a:noFill/>
-          </a:ln>
-        </p:spPr>
-        <p:style>
-          <a:lnRef idx="2">
-            <a:schemeClr val="accent1">
-              <a:shade val="50000"/>
-            </a:schemeClr>
-          </a:lnRef>
-          <a:fillRef idx="1">
-            <a:schemeClr val="accent1"/>
-          </a:fillRef>
-          <a:effectRef idx="0">
-            <a:schemeClr val="accent1"/>
-          </a:effectRef>
-          <a:fontRef idx="minor">
-            <a:schemeClr val="lt1"/>
-          </a:fontRef>
-        </p:style>
-        <p:txBody>
-          <a:bodyPr rtlCol="0" anchor="ctr"/>
-          <a:lstStyle/>
-          <a:p>
-            <a:pPr marL="0" marR="0" lvl="0" indent="0" algn="ctr" defTabSz="914400" rtl="0" eaLnBrk="1" fontAlgn="auto" latinLnBrk="0" hangingPunct="1">
-              <a:lnSpc>
-                <a:spcPct val="100000"/>
-              </a:lnSpc>
-              <a:spcBef>
-                <a:spcPts val="0"/>
-              </a:spcBef>
-              <a:spcAft>
-                <a:spcPts val="0"/>
-              </a:spcAft>
-              <a:buClrTx/>
-              <a:buSzTx/>
-              <a:buFontTx/>
-              <a:buNone/>
-              <a:tabLst/>
-              <a:defRPr/>
-            </a:pPr>
-            <a:endParaRPr kumimoji="0" lang="en-US" sz="1800" b="0" i="0" u="none" strike="noStrike" kern="1200" cap="none" spc="0" normalizeH="0" baseline="0" noProof="0">
-              <a:ln>
-                <a:noFill/>
-              </a:ln>
-              <a:solidFill>
-                <a:prstClr val="white"/>
-              </a:solidFill>
-              <a:effectLst/>
-              <a:uLnTx/>
-              <a:uFillTx/>
-              <a:latin typeface="Calibri" panose="020F0502020204030204"/>
-              <a:ea typeface="+mn-ea"/>
-              <a:cs typeface="+mn-cs"/>
-            </a:endParaRPr>
-          </a:p>
-        </p:txBody>
-      </p:sp>
-      <p:sp>
-        <p:nvSpPr>
-          <p:cNvPr id="12" name="Freeform: Shape 11">
-            <a:extLst>
-              <a:ext uri="{FF2B5EF4-FFF2-40B4-BE49-F238E27FC236}">
-                <a16:creationId xmlns:a16="http://schemas.microsoft.com/office/drawing/2014/main" id="{FF9DEA15-78BD-4750-AA18-B9F28A6D5AB8}"/>
-              </a:ext>
-              <a:ext uri="{C183D7F6-B498-43B3-948B-1728B52AA6E4}">
-                <adec:decorative xmlns:adec="http://schemas.microsoft.com/office/drawing/2017/decorative" val="1"/>
-              </a:ext>
-            </a:extLst>
-          </p:cNvPr>
-          <p:cNvSpPr>
-            <a:spLocks noGrp="1" noRot="1" noChangeAspect="1" noMove="1" noResize="1" noEditPoints="1" noAdjustHandles="1" noChangeArrowheads="1" noChangeShapeType="1" noTextEdit="1"/>
-          </p:cNvSpPr>
-          <p:nvPr>
-            <p:extLst>
-              <p:ext uri="{386F3935-93C4-4BCD-93E2-E3B085C9AB24}">
-                <p16:designElem xmlns:p16="http://schemas.microsoft.com/office/powerpoint/2015/main" val="1"/>
-              </p:ext>
-            </p:extLst>
-          </p:nvPr>
-        </p:nvSpPr>
-        <p:spPr>
-          <a:xfrm>
-            <a:off x="0" y="0"/>
-            <a:ext cx="2463248" cy="6858000"/>
-          </a:xfrm>
-          <a:custGeom>
-            <a:avLst/>
-            <a:gdLst>
-              <a:gd name="connsiteX0" fmla="*/ 0 w 4319042"/>
-              <a:gd name="connsiteY0" fmla="*/ 0 h 6858000"/>
-              <a:gd name="connsiteX1" fmla="*/ 1142888 w 4319042"/>
-              <a:gd name="connsiteY1" fmla="*/ 0 h 6858000"/>
-              <a:gd name="connsiteX2" fmla="*/ 4319042 w 4319042"/>
-              <a:gd name="connsiteY2" fmla="*/ 6858000 h 6858000"/>
-              <a:gd name="connsiteX3" fmla="*/ 0 w 4319042"/>
-              <a:gd name="connsiteY3" fmla="*/ 6858000 h 6858000"/>
-            </a:gdLst>
-            <a:ahLst/>
-            <a:cxnLst>
-              <a:cxn ang="0">
-                <a:pos x="connsiteX0" y="connsiteY0"/>
-              </a:cxn>
-              <a:cxn ang="0">
-                <a:pos x="connsiteX1" y="connsiteY1"/>
-              </a:cxn>
-              <a:cxn ang="0">
-                <a:pos x="connsiteX2" y="connsiteY2"/>
-              </a:cxn>
-              <a:cxn ang="0">
-                <a:pos x="connsiteX3" y="connsiteY3"/>
-              </a:cxn>
-            </a:cxnLst>
-            <a:rect l="l" t="t" r="r" b="b"/>
-            <a:pathLst>
-              <a:path w="4319042" h="6858000">
-                <a:moveTo>
-                  <a:pt x="0" y="0"/>
-                </a:moveTo>
-                <a:lnTo>
-                  <a:pt x="1142888" y="0"/>
-                </a:lnTo>
-                <a:lnTo>
-                  <a:pt x="4319042" y="6858000"/>
-                </a:lnTo>
-                <a:lnTo>
-                  <a:pt x="0" y="6858000"/>
-                </a:lnTo>
-                <a:close/>
-              </a:path>
-            </a:pathLst>
-          </a:custGeom>
-          <a:solidFill>
-            <a:schemeClr val="bg1">
-              <a:alpha val="35000"/>
-            </a:schemeClr>
-          </a:solidFill>
-          <a:ln>
-            <a:noFill/>
-          </a:ln>
-        </p:spPr>
-        <p:style>
-          <a:lnRef idx="2">
-            <a:schemeClr val="accent1">
-              <a:shade val="50000"/>
-            </a:schemeClr>
-          </a:lnRef>
-          <a:fillRef idx="1">
-            <a:schemeClr val="accent1"/>
-          </a:fillRef>
-          <a:effectRef idx="0">
-            <a:schemeClr val="accent1"/>
-          </a:effectRef>
-          <a:fontRef idx="minor">
-            <a:schemeClr val="lt1"/>
-          </a:fontRef>
-        </p:style>
-        <p:txBody>
-          <a:bodyPr wrap="square" rtlCol="0" anchor="ctr">
-            <a:noAutofit/>
-          </a:bodyPr>
-          <a:lstStyle/>
-          <a:p>
-            <a:pPr marL="0" marR="0" lvl="0" indent="0" algn="ctr" defTabSz="914400" rtl="0" eaLnBrk="1" fontAlgn="auto" latinLnBrk="0" hangingPunct="1">
-              <a:lnSpc>
-                <a:spcPct val="100000"/>
-              </a:lnSpc>
-              <a:spcBef>
-                <a:spcPts val="0"/>
-              </a:spcBef>
-              <a:spcAft>
-                <a:spcPts val="0"/>
-              </a:spcAft>
-              <a:buClrTx/>
-              <a:buSzTx/>
-              <a:buFontTx/>
-              <a:buNone/>
-              <a:tabLst/>
-              <a:defRPr/>
-            </a:pPr>
-            <a:endParaRPr kumimoji="0" lang="en-US" sz="1800" b="0" i="0" u="none" strike="noStrike" kern="1200" cap="none" spc="0" normalizeH="0" baseline="0" noProof="0">
-              <a:ln>
-                <a:noFill/>
-              </a:ln>
-              <a:solidFill>
-                <a:prstClr val="white"/>
-              </a:solidFill>
-              <a:effectLst/>
-              <a:uLnTx/>
-              <a:uFillTx/>
-              <a:latin typeface="Calibri" panose="020F0502020204030204"/>
-              <a:ea typeface="+mn-ea"/>
-              <a:cs typeface="+mn-cs"/>
-            </a:endParaRPr>
-          </a:p>
-        </p:txBody>
-      </p:sp>
-      <p:sp>
-        <p:nvSpPr>
-          <p:cNvPr id="2" name="Title 1">
-            <a:extLst>
-              <a:ext uri="{FF2B5EF4-FFF2-40B4-BE49-F238E27FC236}">
-                <a16:creationId xmlns:a16="http://schemas.microsoft.com/office/drawing/2014/main" id="{B97AF7D7-48F3-4CC0-89F9-14A70C49FFC5}"/>
-              </a:ext>
-            </a:extLst>
-          </p:cNvPr>
-          <p:cNvSpPr>
-            <a:spLocks noGrp="1"/>
-          </p:cNvSpPr>
-          <p:nvPr>
-            <p:ph type="title"/>
-          </p:nvPr>
-        </p:nvSpPr>
-        <p:spPr>
-          <a:xfrm>
-            <a:off x="603503" y="640263"/>
-            <a:ext cx="2463248" cy="5254510"/>
-          </a:xfrm>
-        </p:spPr>
-        <p:txBody>
-          <a:bodyPr>
-            <a:normAutofit/>
-          </a:bodyPr>
-          <a:lstStyle/>
-          <a:p>
-            <a:r>
-              <a:rPr lang="en-US" sz="4000" b="1" dirty="0"/>
-              <a:t>Conclusion</a:t>
-            </a:r>
-            <a:endParaRPr lang="en-US" sz="3700" b="1" dirty="0"/>
-          </a:p>
-        </p:txBody>
-      </p:sp>
-      <p:sp>
-        <p:nvSpPr>
-          <p:cNvPr id="3" name="Content Placeholder 2">
-            <a:extLst>
-              <a:ext uri="{FF2B5EF4-FFF2-40B4-BE49-F238E27FC236}">
-                <a16:creationId xmlns:a16="http://schemas.microsoft.com/office/drawing/2014/main" id="{60DC2DFB-044D-434A-9634-A2762FA456AE}"/>
-              </a:ext>
-            </a:extLst>
-          </p:cNvPr>
-          <p:cNvSpPr>
-            <a:spLocks noGrp="1"/>
-          </p:cNvSpPr>
-          <p:nvPr>
-            <p:ph idx="1"/>
-          </p:nvPr>
-        </p:nvSpPr>
-        <p:spPr>
-          <a:xfrm>
-            <a:off x="4018788" y="640262"/>
-            <a:ext cx="3819289" cy="5760537"/>
-          </a:xfrm>
-        </p:spPr>
-        <p:txBody>
-          <a:bodyPr anchor="ctr">
-            <a:normAutofit fontScale="92500" lnSpcReduction="20000"/>
-          </a:bodyPr>
-          <a:lstStyle/>
-          <a:p>
-            <a:pPr marL="0" indent="0">
-              <a:buNone/>
-            </a:pPr>
-            <a:r>
-              <a:rPr lang="en-US" sz="1600" b="1" dirty="0">
-                <a:solidFill>
-                  <a:schemeClr val="bg1"/>
-                </a:solidFill>
-              </a:rPr>
-              <a:t>Nondeterministic actions</a:t>
-            </a:r>
-            <a:r>
-              <a:rPr lang="en-US" sz="1600" dirty="0">
-                <a:solidFill>
-                  <a:schemeClr val="bg1"/>
-                </a:solidFill>
-              </a:rPr>
-              <a:t>: </a:t>
-            </a:r>
-          </a:p>
-          <a:p>
-            <a:pPr lvl="1"/>
-            <a:r>
-              <a:rPr lang="en-US" sz="1600" dirty="0">
-                <a:solidFill>
-                  <a:schemeClr val="bg1"/>
-                </a:solidFill>
-              </a:rPr>
-              <a:t>The opponent is seen as part of an environment with nondeterministic actions. Non-determinism is the result of the unknown moves by the opponent. </a:t>
-            </a:r>
-            <a:r>
-              <a:rPr lang="en-US" sz="1600" i="1" dirty="0">
-                <a:solidFill>
-                  <a:schemeClr val="bg1"/>
-                </a:solidFill>
-              </a:rPr>
-              <a:t>All possible moves are considered</a:t>
-            </a:r>
-            <a:r>
-              <a:rPr lang="en-US" sz="1600" dirty="0">
-                <a:solidFill>
-                  <a:schemeClr val="bg1"/>
-                </a:solidFill>
-              </a:rPr>
-              <a:t>.</a:t>
-            </a:r>
-          </a:p>
-          <a:p>
-            <a:pPr marL="0" indent="0">
-              <a:buNone/>
-            </a:pPr>
-            <a:r>
-              <a:rPr lang="en-US" sz="1600" b="1" dirty="0">
-                <a:solidFill>
-                  <a:schemeClr val="bg1"/>
-                </a:solidFill>
-              </a:rPr>
-              <a:t>Optimal decisions</a:t>
-            </a:r>
-            <a:r>
-              <a:rPr lang="en-US" sz="1600" dirty="0">
-                <a:solidFill>
-                  <a:schemeClr val="bg1"/>
-                </a:solidFill>
-              </a:rPr>
-              <a:t>: </a:t>
-            </a:r>
-          </a:p>
-          <a:p>
-            <a:pPr lvl="1"/>
-            <a:r>
-              <a:rPr lang="en-US" sz="1600" dirty="0">
-                <a:solidFill>
-                  <a:schemeClr val="bg1"/>
-                </a:solidFill>
-              </a:rPr>
-              <a:t>Minimax search and Alpha-Beta pruning where </a:t>
-            </a:r>
-            <a:r>
-              <a:rPr lang="en-US" sz="1600" i="1" dirty="0">
-                <a:solidFill>
-                  <a:schemeClr val="bg1"/>
-                </a:solidFill>
-              </a:rPr>
-              <a:t>each player plays optimal </a:t>
-            </a:r>
-            <a:r>
-              <a:rPr lang="en-US" sz="1600" dirty="0">
-                <a:solidFill>
-                  <a:schemeClr val="bg1"/>
-                </a:solidFill>
-              </a:rPr>
-              <a:t>to the end of the game.</a:t>
-            </a:r>
-          </a:p>
-          <a:p>
-            <a:pPr lvl="1"/>
-            <a:r>
-              <a:rPr lang="en-US" sz="1600" dirty="0">
-                <a:solidFill>
-                  <a:schemeClr val="bg1"/>
-                </a:solidFill>
-              </a:rPr>
-              <a:t>Choice nodes and </a:t>
-            </a:r>
-            <a:r>
-              <a:rPr lang="en-US" sz="1600" dirty="0" err="1">
-                <a:solidFill>
-                  <a:schemeClr val="bg1"/>
-                </a:solidFill>
-              </a:rPr>
-              <a:t>Expectiminimax</a:t>
-            </a:r>
-            <a:r>
-              <a:rPr lang="en-US" sz="1600" dirty="0">
-                <a:solidFill>
-                  <a:schemeClr val="bg1"/>
-                </a:solidFill>
-              </a:rPr>
-              <a:t> for stochastic games.</a:t>
-            </a:r>
-          </a:p>
-          <a:p>
-            <a:pPr marL="0" indent="0">
-              <a:buNone/>
-            </a:pPr>
-            <a:endParaRPr lang="en-US" sz="1600" b="1" dirty="0">
-              <a:solidFill>
-                <a:schemeClr val="bg1"/>
-              </a:solidFill>
-            </a:endParaRPr>
-          </a:p>
-          <a:p>
-            <a:pPr marL="0" indent="0">
-              <a:buNone/>
-            </a:pPr>
-            <a:r>
-              <a:rPr lang="en-US" sz="1600" b="1" dirty="0">
-                <a:solidFill>
-                  <a:schemeClr val="bg1"/>
-                </a:solidFill>
-              </a:rPr>
-              <a:t>Heuristic Alpha-Beta Tree Search</a:t>
-            </a:r>
-            <a:r>
-              <a:rPr lang="en-US" sz="1600" dirty="0">
-                <a:solidFill>
-                  <a:schemeClr val="bg1"/>
-                </a:solidFill>
-              </a:rPr>
-              <a:t>: </a:t>
-            </a:r>
-          </a:p>
-          <a:p>
-            <a:pPr lvl="1"/>
-            <a:r>
-              <a:rPr lang="en-US" sz="1600" dirty="0">
-                <a:solidFill>
-                  <a:schemeClr val="bg1"/>
-                </a:solidFill>
-              </a:rPr>
-              <a:t>Cut off game tree and use </a:t>
-            </a:r>
-            <a:r>
-              <a:rPr lang="en-US" sz="1600" i="1" dirty="0">
-                <a:solidFill>
-                  <a:schemeClr val="bg1"/>
-                </a:solidFill>
-              </a:rPr>
-              <a:t>heuristic evaluation function </a:t>
-            </a:r>
-            <a:r>
-              <a:rPr lang="en-US" sz="1600" dirty="0">
-                <a:solidFill>
-                  <a:schemeClr val="bg1"/>
-                </a:solidFill>
-              </a:rPr>
-              <a:t>for utility (based on state features). </a:t>
-            </a:r>
-          </a:p>
-          <a:p>
-            <a:pPr lvl="1"/>
-            <a:r>
-              <a:rPr lang="en-US" sz="1600" dirty="0">
-                <a:solidFill>
-                  <a:schemeClr val="bg1"/>
-                </a:solidFill>
-              </a:rPr>
-              <a:t>Forward Pruning: ignore poor moves.</a:t>
-            </a:r>
-          </a:p>
-          <a:p>
-            <a:pPr marL="0" indent="0">
-              <a:buNone/>
-            </a:pPr>
-            <a:endParaRPr lang="en-US" sz="1600" b="1" dirty="0">
-              <a:solidFill>
-                <a:schemeClr val="bg1"/>
-              </a:solidFill>
-            </a:endParaRPr>
-          </a:p>
-          <a:p>
-            <a:pPr marL="0" indent="0">
-              <a:buNone/>
-            </a:pPr>
-            <a:r>
-              <a:rPr lang="en-US" sz="1600" b="1" dirty="0">
-                <a:solidFill>
-                  <a:schemeClr val="bg1"/>
-                </a:solidFill>
-              </a:rPr>
-              <a:t>Monte Carlo Tree search</a:t>
-            </a:r>
-            <a:r>
-              <a:rPr lang="en-US" sz="1600" dirty="0">
-                <a:solidFill>
-                  <a:schemeClr val="bg1"/>
-                </a:solidFill>
-              </a:rPr>
-              <a:t>: </a:t>
-            </a:r>
-          </a:p>
-          <a:p>
-            <a:pPr lvl="1"/>
-            <a:r>
-              <a:rPr lang="en-US" sz="1600" dirty="0">
-                <a:solidFill>
-                  <a:schemeClr val="bg1"/>
-                </a:solidFill>
-              </a:rPr>
-              <a:t>Simulate complete games and calculate proportion of wins.</a:t>
-            </a:r>
-          </a:p>
-          <a:p>
-            <a:pPr lvl="1"/>
-            <a:r>
-              <a:rPr lang="en-US" sz="1600" dirty="0">
-                <a:solidFill>
-                  <a:schemeClr val="bg1"/>
-                </a:solidFill>
-              </a:rPr>
-              <a:t>Learn playout policy using self-play and deep learning.</a:t>
-            </a:r>
-          </a:p>
-          <a:p>
-            <a:pPr lvl="1"/>
-            <a:r>
-              <a:rPr lang="en-US" sz="1600" dirty="0">
-                <a:solidFill>
-                  <a:schemeClr val="bg1"/>
-                </a:solidFill>
-              </a:rPr>
-              <a:t>Use modified UCB1 scores to expand the game tree.</a:t>
-            </a:r>
-          </a:p>
-          <a:p>
-            <a:endParaRPr lang="en-US" sz="1600" dirty="0">
-              <a:solidFill>
-                <a:schemeClr val="bg1"/>
-              </a:solidFill>
-            </a:endParaRPr>
-          </a:p>
-        </p:txBody>
-      </p:sp>
-      <p:sp>
-        <p:nvSpPr>
-          <p:cNvPr id="11" name="Right Brace 10">
-            <a:extLst>
-              <a:ext uri="{FF2B5EF4-FFF2-40B4-BE49-F238E27FC236}">
-                <a16:creationId xmlns:a16="http://schemas.microsoft.com/office/drawing/2014/main" id="{BE6DD0B3-8EDB-4CB9-81F2-CC4AA7B3B085}"/>
-              </a:ext>
-            </a:extLst>
-          </p:cNvPr>
-          <p:cNvSpPr/>
-          <p:nvPr/>
-        </p:nvSpPr>
-        <p:spPr>
-          <a:xfrm>
-            <a:off x="7924802" y="640262"/>
-            <a:ext cx="76198" cy="2331538"/>
-          </a:xfrm>
-          <a:prstGeom prst="rightBrace">
-            <a:avLst>
-              <a:gd name="adj1" fmla="val 8333"/>
-              <a:gd name="adj2" fmla="val 50863"/>
-            </a:avLst>
-          </a:prstGeom>
-        </p:spPr>
-        <p:style>
-          <a:lnRef idx="3">
-            <a:schemeClr val="accent6"/>
-          </a:lnRef>
-          <a:fillRef idx="0">
-            <a:schemeClr val="accent6"/>
-          </a:fillRef>
-          <a:effectRef idx="2">
-            <a:schemeClr val="accent6"/>
-          </a:effectRef>
-          <a:fontRef idx="minor">
-            <a:schemeClr val="tx1"/>
-          </a:fontRef>
-        </p:style>
-        <p:txBody>
-          <a:bodyPr rtlCol="0" anchor="ctr"/>
-          <a:lstStyle/>
-          <a:p>
-            <a:pPr algn="ctr"/>
-            <a:endParaRPr lang="en-US"/>
-          </a:p>
-        </p:txBody>
-      </p:sp>
-      <p:sp>
-        <p:nvSpPr>
-          <p:cNvPr id="13" name="TextBox 12">
-            <a:extLst>
-              <a:ext uri="{FF2B5EF4-FFF2-40B4-BE49-F238E27FC236}">
-                <a16:creationId xmlns:a16="http://schemas.microsoft.com/office/drawing/2014/main" id="{AA84DA2C-954E-4264-84F7-640F093895A6}"/>
-              </a:ext>
-            </a:extLst>
-          </p:cNvPr>
-          <p:cNvSpPr txBox="1"/>
-          <p:nvPr/>
-        </p:nvSpPr>
-        <p:spPr>
-          <a:xfrm rot="5400000">
-            <a:off x="7034267" y="1576334"/>
-            <a:ext cx="2912400" cy="369332"/>
-          </a:xfrm>
-          <a:prstGeom prst="rect">
-            <a:avLst/>
-          </a:prstGeom>
-          <a:noFill/>
-        </p:spPr>
-        <p:txBody>
-          <a:bodyPr wrap="none" rtlCol="0">
-            <a:spAutoFit/>
-          </a:bodyPr>
-          <a:lstStyle/>
-          <a:p>
-            <a:r>
-              <a:rPr lang="en-US" b="1" dirty="0">
-                <a:solidFill>
-                  <a:schemeClr val="accent6"/>
-                </a:solidFill>
-              </a:rPr>
-              <a:t>Scale only for tiny problems!</a:t>
-            </a:r>
-          </a:p>
-        </p:txBody>
-      </p:sp>
-      <p:sp>
-        <p:nvSpPr>
-          <p:cNvPr id="4" name="TextBox 3">
-            <a:extLst>
-              <a:ext uri="{FF2B5EF4-FFF2-40B4-BE49-F238E27FC236}">
-                <a16:creationId xmlns:a16="http://schemas.microsoft.com/office/drawing/2014/main" id="{536F8B9D-4311-4F59-A0A9-E15D4F9D7AB4}"/>
-              </a:ext>
-            </a:extLst>
-          </p:cNvPr>
-          <p:cNvSpPr txBox="1"/>
-          <p:nvPr/>
-        </p:nvSpPr>
-        <p:spPr>
-          <a:xfrm rot="5400000">
-            <a:off x="7664343" y="5365858"/>
-            <a:ext cx="1652247" cy="369332"/>
-          </a:xfrm>
-          <a:prstGeom prst="rect">
-            <a:avLst/>
-          </a:prstGeom>
-          <a:noFill/>
-        </p:spPr>
-        <p:txBody>
-          <a:bodyPr wrap="none" rtlCol="0">
-            <a:spAutoFit/>
-          </a:bodyPr>
-          <a:lstStyle/>
-          <a:p>
-            <a:r>
-              <a:rPr lang="en-US" b="1" dirty="0">
-                <a:solidFill>
-                  <a:schemeClr val="accent2"/>
-                </a:solidFill>
-              </a:rPr>
-              <a:t>State of the Art</a:t>
-            </a:r>
-          </a:p>
-        </p:txBody>
-      </p:sp>
-      <p:sp>
-        <p:nvSpPr>
-          <p:cNvPr id="14" name="Right Brace 13">
-            <a:extLst>
-              <a:ext uri="{FF2B5EF4-FFF2-40B4-BE49-F238E27FC236}">
-                <a16:creationId xmlns:a16="http://schemas.microsoft.com/office/drawing/2014/main" id="{14C9196E-32CA-46BC-A4BE-A6B56A398053}"/>
-              </a:ext>
-            </a:extLst>
-          </p:cNvPr>
-          <p:cNvSpPr/>
-          <p:nvPr/>
-        </p:nvSpPr>
-        <p:spPr>
-          <a:xfrm>
-            <a:off x="7924802" y="4946489"/>
-            <a:ext cx="76198" cy="997111"/>
-          </a:xfrm>
-          <a:prstGeom prst="rightBrace">
-            <a:avLst>
-              <a:gd name="adj1" fmla="val 8333"/>
-              <a:gd name="adj2" fmla="val 50863"/>
-            </a:avLst>
-          </a:prstGeom>
-          <a:ln>
-            <a:solidFill>
-              <a:schemeClr val="accent2"/>
-            </a:solidFill>
-          </a:ln>
-        </p:spPr>
-        <p:style>
-          <a:lnRef idx="3">
-            <a:schemeClr val="accent6"/>
-          </a:lnRef>
-          <a:fillRef idx="0">
-            <a:schemeClr val="accent6"/>
-          </a:fillRef>
-          <a:effectRef idx="2">
-            <a:schemeClr val="accent6"/>
-          </a:effectRef>
-          <a:fontRef idx="minor">
-            <a:schemeClr val="tx1"/>
-          </a:fontRef>
-        </p:style>
-        <p:txBody>
-          <a:bodyPr rtlCol="0" anchor="ctr"/>
-          <a:lstStyle/>
-          <a:p>
-            <a:pPr algn="ctr"/>
-            <a:endParaRPr lang="en-US"/>
-          </a:p>
-        </p:txBody>
-      </p:sp>
-    </p:spTree>
-    <p:extLst>
-      <p:ext uri="{BB962C8B-B14F-4D97-AF65-F5344CB8AC3E}">
-        <p14:creationId xmlns:p14="http://schemas.microsoft.com/office/powerpoint/2010/main" val="3130233832"/>
-      </p:ext>
-    </p:extLst>
-  </p:cSld>
-  <p:clrMapOvr>
-    <a:overrideClrMapping bg1="dk1" tx1="lt1" bg2="dk2" tx2="lt2" accent1="accent1" accent2="accent2" accent3="accent3" accent4="accent4" accent5="accent5" accent6="accent6" hlink="hlink" folHlink="folHlink"/>
-  </p:clrMapOvr>
-</p:sld>
-</file>
-
 <file path=ppt/slides/slide4.xml><?xml version="1.0" encoding="utf-8"?>
 <p:sld xmlns:a="http://schemas.openxmlformats.org/drawingml/2006/main" xmlns:r="http://schemas.openxmlformats.org/officeDocument/2006/relationships" xmlns:p="http://schemas.openxmlformats.org/presentationml/2006/main">
   <p:cSld>
@@ -22154,6 +25551,874 @@
 </p:sld>
 </file>
 
+<file path=ppt/slides/slide40.xml><?xml version="1.0" encoding="utf-8"?>
+<p:sld xmlns:a="http://schemas.openxmlformats.org/drawingml/2006/main" xmlns:r="http://schemas.openxmlformats.org/officeDocument/2006/relationships" xmlns:p="http://schemas.openxmlformats.org/presentationml/2006/main">
+  <p:cSld>
+    <p:bg>
+      <p:bgPr>
+        <a:solidFill>
+          <a:schemeClr val="bg1"/>
+        </a:solidFill>
+        <a:effectLst/>
+      </p:bgPr>
+    </p:bg>
+    <p:spTree>
+      <p:nvGrpSpPr>
+        <p:cNvPr id="1" name=""/>
+        <p:cNvGrpSpPr/>
+        <p:nvPr/>
+      </p:nvGrpSpPr>
+      <p:grpSpPr>
+        <a:xfrm>
+          <a:off x="0" y="0"/>
+          <a:ext cx="0" cy="0"/>
+          <a:chOff x="0" y="0"/>
+          <a:chExt cx="0" cy="0"/>
+        </a:xfrm>
+      </p:grpSpPr>
+      <p:sp>
+        <p:nvSpPr>
+          <p:cNvPr id="8" name="Rectangle 7">
+            <a:extLst>
+              <a:ext uri="{FF2B5EF4-FFF2-40B4-BE49-F238E27FC236}">
+                <a16:creationId xmlns:a16="http://schemas.microsoft.com/office/drawing/2014/main" id="{C7FA33FF-088D-4F16-95A2-2C64D353DEA8}"/>
+              </a:ext>
+              <a:ext uri="{C183D7F6-B498-43B3-948B-1728B52AA6E4}">
+                <adec:decorative xmlns:adec="http://schemas.microsoft.com/office/drawing/2017/decorative" val="1"/>
+              </a:ext>
+            </a:extLst>
+          </p:cNvPr>
+          <p:cNvSpPr>
+            <a:spLocks noGrp="1" noRot="1" noChangeAspect="1" noMove="1" noResize="1" noEditPoints="1" noAdjustHandles="1" noChangeArrowheads="1" noChangeShapeType="1" noTextEdit="1"/>
+          </p:cNvSpPr>
+          <p:nvPr>
+            <p:extLst>
+              <p:ext uri="{386F3935-93C4-4BCD-93E2-E3B085C9AB24}">
+                <p16:designElem xmlns:p16="http://schemas.microsoft.com/office/powerpoint/2015/main" val="1"/>
+              </p:ext>
+            </p:extLst>
+          </p:nvPr>
+        </p:nvSpPr>
+        <p:spPr>
+          <a:xfrm>
+            <a:off x="1143" y="0"/>
+            <a:ext cx="9141714" cy="6858000"/>
+          </a:xfrm>
+          <a:prstGeom prst="rect">
+            <a:avLst/>
+          </a:prstGeom>
+          <a:solidFill>
+            <a:schemeClr val="tx1"/>
+          </a:solidFill>
+          <a:ln>
+            <a:noFill/>
+          </a:ln>
+        </p:spPr>
+        <p:style>
+          <a:lnRef idx="2">
+            <a:schemeClr val="accent1">
+              <a:shade val="50000"/>
+            </a:schemeClr>
+          </a:lnRef>
+          <a:fillRef idx="1">
+            <a:schemeClr val="accent1"/>
+          </a:fillRef>
+          <a:effectRef idx="0">
+            <a:schemeClr val="accent1"/>
+          </a:effectRef>
+          <a:fontRef idx="minor">
+            <a:schemeClr val="lt1"/>
+          </a:fontRef>
+        </p:style>
+        <p:txBody>
+          <a:bodyPr rtlCol="0" anchor="ctr"/>
+          <a:lstStyle/>
+          <a:p>
+            <a:pPr marL="0" marR="0" lvl="0" indent="0" algn="ctr" defTabSz="914400" rtl="0" eaLnBrk="1" fontAlgn="auto" latinLnBrk="0" hangingPunct="1">
+              <a:lnSpc>
+                <a:spcPct val="100000"/>
+              </a:lnSpc>
+              <a:spcBef>
+                <a:spcPts val="0"/>
+              </a:spcBef>
+              <a:spcAft>
+                <a:spcPts val="0"/>
+              </a:spcAft>
+              <a:buClrTx/>
+              <a:buSzTx/>
+              <a:buFontTx/>
+              <a:buNone/>
+              <a:tabLst/>
+              <a:defRPr/>
+            </a:pPr>
+            <a:endParaRPr kumimoji="0" lang="en-US" sz="1800" b="0" i="0" u="none" strike="noStrike" kern="1200" cap="none" spc="0" normalizeH="0" baseline="0" noProof="0">
+              <a:ln>
+                <a:noFill/>
+              </a:ln>
+              <a:solidFill>
+                <a:prstClr val="white"/>
+              </a:solidFill>
+              <a:effectLst/>
+              <a:uLnTx/>
+              <a:uFillTx/>
+              <a:latin typeface="Calibri" panose="020F0502020204030204"/>
+              <a:ea typeface="+mn-ea"/>
+              <a:cs typeface="+mn-cs"/>
+            </a:endParaRPr>
+          </a:p>
+        </p:txBody>
+      </p:sp>
+      <p:sp>
+        <p:nvSpPr>
+          <p:cNvPr id="10" name="Rectangle 9">
+            <a:extLst>
+              <a:ext uri="{FF2B5EF4-FFF2-40B4-BE49-F238E27FC236}">
+                <a16:creationId xmlns:a16="http://schemas.microsoft.com/office/drawing/2014/main" id="{A376EFB1-01CF-419F-ABF1-2AF02BBFCBD1}"/>
+              </a:ext>
+              <a:ext uri="{C183D7F6-B498-43B3-948B-1728B52AA6E4}">
+                <adec:decorative xmlns:adec="http://schemas.microsoft.com/office/drawing/2017/decorative" val="1"/>
+              </a:ext>
+            </a:extLst>
+          </p:cNvPr>
+          <p:cNvSpPr>
+            <a:spLocks noGrp="1" noRot="1" noChangeAspect="1" noMove="1" noResize="1" noEditPoints="1" noAdjustHandles="1" noChangeArrowheads="1" noChangeShapeType="1" noTextEdit="1"/>
+          </p:cNvSpPr>
+          <p:nvPr>
+            <p:extLst>
+              <p:ext uri="{386F3935-93C4-4BCD-93E2-E3B085C9AB24}">
+                <p16:designElem xmlns:p16="http://schemas.microsoft.com/office/powerpoint/2015/main" val="1"/>
+              </p:ext>
+            </p:extLst>
+          </p:nvPr>
+        </p:nvSpPr>
+        <p:spPr>
+          <a:xfrm>
+            <a:off x="0" y="0"/>
+            <a:ext cx="3531870" cy="6858000"/>
+          </a:xfrm>
+          <a:prstGeom prst="rect">
+            <a:avLst/>
+          </a:prstGeom>
+          <a:solidFill>
+            <a:schemeClr val="bg1">
+              <a:alpha val="81000"/>
+            </a:schemeClr>
+          </a:solidFill>
+          <a:ln>
+            <a:noFill/>
+          </a:ln>
+        </p:spPr>
+        <p:style>
+          <a:lnRef idx="2">
+            <a:schemeClr val="accent1">
+              <a:shade val="50000"/>
+            </a:schemeClr>
+          </a:lnRef>
+          <a:fillRef idx="1">
+            <a:schemeClr val="accent1"/>
+          </a:fillRef>
+          <a:effectRef idx="0">
+            <a:schemeClr val="accent1"/>
+          </a:effectRef>
+          <a:fontRef idx="minor">
+            <a:schemeClr val="lt1"/>
+          </a:fontRef>
+        </p:style>
+        <p:txBody>
+          <a:bodyPr rtlCol="0" anchor="ctr"/>
+          <a:lstStyle/>
+          <a:p>
+            <a:pPr marL="0" marR="0" lvl="0" indent="0" algn="ctr" defTabSz="914400" rtl="0" eaLnBrk="1" fontAlgn="auto" latinLnBrk="0" hangingPunct="1">
+              <a:lnSpc>
+                <a:spcPct val="100000"/>
+              </a:lnSpc>
+              <a:spcBef>
+                <a:spcPts val="0"/>
+              </a:spcBef>
+              <a:spcAft>
+                <a:spcPts val="0"/>
+              </a:spcAft>
+              <a:buClrTx/>
+              <a:buSzTx/>
+              <a:buFontTx/>
+              <a:buNone/>
+              <a:tabLst/>
+              <a:defRPr/>
+            </a:pPr>
+            <a:endParaRPr kumimoji="0" lang="en-US" sz="1800" b="0" i="0" u="none" strike="noStrike" kern="1200" cap="none" spc="0" normalizeH="0" baseline="0" noProof="0">
+              <a:ln>
+                <a:noFill/>
+              </a:ln>
+              <a:solidFill>
+                <a:prstClr val="white"/>
+              </a:solidFill>
+              <a:effectLst/>
+              <a:uLnTx/>
+              <a:uFillTx/>
+              <a:latin typeface="Calibri" panose="020F0502020204030204"/>
+              <a:ea typeface="+mn-ea"/>
+              <a:cs typeface="+mn-cs"/>
+            </a:endParaRPr>
+          </a:p>
+        </p:txBody>
+      </p:sp>
+      <p:sp>
+        <p:nvSpPr>
+          <p:cNvPr id="12" name="Freeform: Shape 11">
+            <a:extLst>
+              <a:ext uri="{FF2B5EF4-FFF2-40B4-BE49-F238E27FC236}">
+                <a16:creationId xmlns:a16="http://schemas.microsoft.com/office/drawing/2014/main" id="{FF9DEA15-78BD-4750-AA18-B9F28A6D5AB8}"/>
+              </a:ext>
+              <a:ext uri="{C183D7F6-B498-43B3-948B-1728B52AA6E4}">
+                <adec:decorative xmlns:adec="http://schemas.microsoft.com/office/drawing/2017/decorative" val="1"/>
+              </a:ext>
+            </a:extLst>
+          </p:cNvPr>
+          <p:cNvSpPr>
+            <a:spLocks noGrp="1" noRot="1" noChangeAspect="1" noMove="1" noResize="1" noEditPoints="1" noAdjustHandles="1" noChangeArrowheads="1" noChangeShapeType="1" noTextEdit="1"/>
+          </p:cNvSpPr>
+          <p:nvPr>
+            <p:extLst>
+              <p:ext uri="{386F3935-93C4-4BCD-93E2-E3B085C9AB24}">
+                <p16:designElem xmlns:p16="http://schemas.microsoft.com/office/powerpoint/2015/main" val="1"/>
+              </p:ext>
+            </p:extLst>
+          </p:nvPr>
+        </p:nvSpPr>
+        <p:spPr>
+          <a:xfrm>
+            <a:off x="0" y="0"/>
+            <a:ext cx="2463248" cy="6858000"/>
+          </a:xfrm>
+          <a:custGeom>
+            <a:avLst/>
+            <a:gdLst>
+              <a:gd name="connsiteX0" fmla="*/ 0 w 4319042"/>
+              <a:gd name="connsiteY0" fmla="*/ 0 h 6858000"/>
+              <a:gd name="connsiteX1" fmla="*/ 1142888 w 4319042"/>
+              <a:gd name="connsiteY1" fmla="*/ 0 h 6858000"/>
+              <a:gd name="connsiteX2" fmla="*/ 4319042 w 4319042"/>
+              <a:gd name="connsiteY2" fmla="*/ 6858000 h 6858000"/>
+              <a:gd name="connsiteX3" fmla="*/ 0 w 4319042"/>
+              <a:gd name="connsiteY3" fmla="*/ 6858000 h 6858000"/>
+            </a:gdLst>
+            <a:ahLst/>
+            <a:cxnLst>
+              <a:cxn ang="0">
+                <a:pos x="connsiteX0" y="connsiteY0"/>
+              </a:cxn>
+              <a:cxn ang="0">
+                <a:pos x="connsiteX1" y="connsiteY1"/>
+              </a:cxn>
+              <a:cxn ang="0">
+                <a:pos x="connsiteX2" y="connsiteY2"/>
+              </a:cxn>
+              <a:cxn ang="0">
+                <a:pos x="connsiteX3" y="connsiteY3"/>
+              </a:cxn>
+            </a:cxnLst>
+            <a:rect l="l" t="t" r="r" b="b"/>
+            <a:pathLst>
+              <a:path w="4319042" h="6858000">
+                <a:moveTo>
+                  <a:pt x="0" y="0"/>
+                </a:moveTo>
+                <a:lnTo>
+                  <a:pt x="1142888" y="0"/>
+                </a:lnTo>
+                <a:lnTo>
+                  <a:pt x="4319042" y="6858000"/>
+                </a:lnTo>
+                <a:lnTo>
+                  <a:pt x="0" y="6858000"/>
+                </a:lnTo>
+                <a:close/>
+              </a:path>
+            </a:pathLst>
+          </a:custGeom>
+          <a:solidFill>
+            <a:schemeClr val="bg1">
+              <a:alpha val="35000"/>
+            </a:schemeClr>
+          </a:solidFill>
+          <a:ln>
+            <a:noFill/>
+          </a:ln>
+        </p:spPr>
+        <p:style>
+          <a:lnRef idx="2">
+            <a:schemeClr val="accent1">
+              <a:shade val="50000"/>
+            </a:schemeClr>
+          </a:lnRef>
+          <a:fillRef idx="1">
+            <a:schemeClr val="accent1"/>
+          </a:fillRef>
+          <a:effectRef idx="0">
+            <a:schemeClr val="accent1"/>
+          </a:effectRef>
+          <a:fontRef idx="minor">
+            <a:schemeClr val="lt1"/>
+          </a:fontRef>
+        </p:style>
+        <p:txBody>
+          <a:bodyPr wrap="square" rtlCol="0" anchor="ctr">
+            <a:noAutofit/>
+          </a:bodyPr>
+          <a:lstStyle/>
+          <a:p>
+            <a:pPr marL="0" marR="0" lvl="0" indent="0" algn="ctr" defTabSz="914400" rtl="0" eaLnBrk="1" fontAlgn="auto" latinLnBrk="0" hangingPunct="1">
+              <a:lnSpc>
+                <a:spcPct val="100000"/>
+              </a:lnSpc>
+              <a:spcBef>
+                <a:spcPts val="0"/>
+              </a:spcBef>
+              <a:spcAft>
+                <a:spcPts val="0"/>
+              </a:spcAft>
+              <a:buClrTx/>
+              <a:buSzTx/>
+              <a:buFontTx/>
+              <a:buNone/>
+              <a:tabLst/>
+              <a:defRPr/>
+            </a:pPr>
+            <a:endParaRPr kumimoji="0" lang="en-US" sz="1800" b="0" i="0" u="none" strike="noStrike" kern="1200" cap="none" spc="0" normalizeH="0" baseline="0" noProof="0">
+              <a:ln>
+                <a:noFill/>
+              </a:ln>
+              <a:solidFill>
+                <a:prstClr val="white"/>
+              </a:solidFill>
+              <a:effectLst/>
+              <a:uLnTx/>
+              <a:uFillTx/>
+              <a:latin typeface="Calibri" panose="020F0502020204030204"/>
+              <a:ea typeface="+mn-ea"/>
+              <a:cs typeface="+mn-cs"/>
+            </a:endParaRPr>
+          </a:p>
+        </p:txBody>
+      </p:sp>
+      <p:sp>
+        <p:nvSpPr>
+          <p:cNvPr id="2" name="Title 1">
+            <a:extLst>
+              <a:ext uri="{FF2B5EF4-FFF2-40B4-BE49-F238E27FC236}">
+                <a16:creationId xmlns:a16="http://schemas.microsoft.com/office/drawing/2014/main" id="{B97AF7D7-48F3-4CC0-89F9-14A70C49FFC5}"/>
+              </a:ext>
+            </a:extLst>
+          </p:cNvPr>
+          <p:cNvSpPr>
+            <a:spLocks noGrp="1"/>
+          </p:cNvSpPr>
+          <p:nvPr>
+            <p:ph type="title"/>
+          </p:nvPr>
+        </p:nvSpPr>
+        <p:spPr>
+          <a:xfrm>
+            <a:off x="603503" y="640263"/>
+            <a:ext cx="2463248" cy="5254510"/>
+          </a:xfrm>
+        </p:spPr>
+        <p:txBody>
+          <a:bodyPr>
+            <a:normAutofit/>
+          </a:bodyPr>
+          <a:lstStyle/>
+          <a:p>
+            <a:r>
+              <a:rPr lang="en-US" sz="4000" b="1" dirty="0"/>
+              <a:t>Conclusion</a:t>
+            </a:r>
+            <a:endParaRPr lang="en-US" sz="3700" b="1" dirty="0"/>
+          </a:p>
+        </p:txBody>
+      </p:sp>
+      <p:sp>
+        <p:nvSpPr>
+          <p:cNvPr id="3" name="Content Placeholder 2">
+            <a:extLst>
+              <a:ext uri="{FF2B5EF4-FFF2-40B4-BE49-F238E27FC236}">
+                <a16:creationId xmlns:a16="http://schemas.microsoft.com/office/drawing/2014/main" id="{60DC2DFB-044D-434A-9634-A2762FA456AE}"/>
+              </a:ext>
+            </a:extLst>
+          </p:cNvPr>
+          <p:cNvSpPr>
+            <a:spLocks noGrp="1"/>
+          </p:cNvSpPr>
+          <p:nvPr>
+            <p:ph idx="1"/>
+          </p:nvPr>
+        </p:nvSpPr>
+        <p:spPr>
+          <a:xfrm>
+            <a:off x="4018788" y="640262"/>
+            <a:ext cx="3819289" cy="5760537"/>
+          </a:xfrm>
+        </p:spPr>
+        <p:txBody>
+          <a:bodyPr anchor="ctr">
+            <a:normAutofit fontScale="92500" lnSpcReduction="20000"/>
+          </a:bodyPr>
+          <a:lstStyle/>
+          <a:p>
+            <a:pPr marL="0" indent="0">
+              <a:buNone/>
+            </a:pPr>
+            <a:r>
+              <a:rPr lang="en-US" sz="1600" b="1" dirty="0">
+                <a:solidFill>
+                  <a:schemeClr val="bg1"/>
+                </a:solidFill>
+              </a:rPr>
+              <a:t>Nondeterministic actions</a:t>
+            </a:r>
+            <a:r>
+              <a:rPr lang="en-US" sz="1600" dirty="0">
+                <a:solidFill>
+                  <a:schemeClr val="bg1"/>
+                </a:solidFill>
+              </a:rPr>
+              <a:t>: </a:t>
+            </a:r>
+          </a:p>
+          <a:p>
+            <a:pPr lvl="1"/>
+            <a:r>
+              <a:rPr lang="en-US" sz="1600" dirty="0">
+                <a:solidFill>
+                  <a:schemeClr val="bg1"/>
+                </a:solidFill>
+              </a:rPr>
+              <a:t>The opponent is seen as part of an environment with nondeterministic actions. Non-determinism is the result of the unknown moves by the opponent. </a:t>
+            </a:r>
+            <a:r>
+              <a:rPr lang="en-US" sz="1600" i="1" dirty="0">
+                <a:solidFill>
+                  <a:schemeClr val="bg1"/>
+                </a:solidFill>
+              </a:rPr>
+              <a:t>All possible moves are considered</a:t>
+            </a:r>
+            <a:r>
+              <a:rPr lang="en-US" sz="1600" dirty="0">
+                <a:solidFill>
+                  <a:schemeClr val="bg1"/>
+                </a:solidFill>
+              </a:rPr>
+              <a:t>.</a:t>
+            </a:r>
+          </a:p>
+          <a:p>
+            <a:pPr marL="0" indent="0">
+              <a:buNone/>
+            </a:pPr>
+            <a:r>
+              <a:rPr lang="en-US" sz="1600" b="1" dirty="0">
+                <a:solidFill>
+                  <a:schemeClr val="bg1"/>
+                </a:solidFill>
+              </a:rPr>
+              <a:t>Optimal decisions</a:t>
+            </a:r>
+            <a:r>
+              <a:rPr lang="en-US" sz="1600" dirty="0">
+                <a:solidFill>
+                  <a:schemeClr val="bg1"/>
+                </a:solidFill>
+              </a:rPr>
+              <a:t>: </a:t>
+            </a:r>
+          </a:p>
+          <a:p>
+            <a:pPr lvl="1"/>
+            <a:r>
+              <a:rPr lang="en-US" sz="1600" dirty="0">
+                <a:solidFill>
+                  <a:schemeClr val="bg1"/>
+                </a:solidFill>
+              </a:rPr>
+              <a:t>Minimax search and Alpha-Beta pruning where </a:t>
+            </a:r>
+            <a:r>
+              <a:rPr lang="en-US" sz="1600" i="1" dirty="0">
+                <a:solidFill>
+                  <a:schemeClr val="bg1"/>
+                </a:solidFill>
+              </a:rPr>
+              <a:t>each player plays optimal </a:t>
+            </a:r>
+            <a:r>
+              <a:rPr lang="en-US" sz="1600" dirty="0">
+                <a:solidFill>
+                  <a:schemeClr val="bg1"/>
+                </a:solidFill>
+              </a:rPr>
+              <a:t>to the end of the game.</a:t>
+            </a:r>
+          </a:p>
+          <a:p>
+            <a:pPr lvl="1"/>
+            <a:r>
+              <a:rPr lang="en-US" sz="1600" dirty="0">
+                <a:solidFill>
+                  <a:schemeClr val="bg1"/>
+                </a:solidFill>
+              </a:rPr>
+              <a:t>Choice nodes and </a:t>
+            </a:r>
+            <a:r>
+              <a:rPr lang="en-US" sz="1600" dirty="0" err="1">
+                <a:solidFill>
+                  <a:schemeClr val="bg1"/>
+                </a:solidFill>
+              </a:rPr>
+              <a:t>Expectiminimax</a:t>
+            </a:r>
+            <a:r>
+              <a:rPr lang="en-US" sz="1600" dirty="0">
+                <a:solidFill>
+                  <a:schemeClr val="bg1"/>
+                </a:solidFill>
+              </a:rPr>
+              <a:t> for stochastic games.</a:t>
+            </a:r>
+          </a:p>
+          <a:p>
+            <a:pPr marL="0" indent="0">
+              <a:buNone/>
+            </a:pPr>
+            <a:endParaRPr lang="en-US" sz="1600" b="1" dirty="0">
+              <a:solidFill>
+                <a:schemeClr val="bg1"/>
+              </a:solidFill>
+            </a:endParaRPr>
+          </a:p>
+          <a:p>
+            <a:pPr marL="0" indent="0">
+              <a:buNone/>
+            </a:pPr>
+            <a:r>
+              <a:rPr lang="en-US" sz="1600" b="1" dirty="0">
+                <a:solidFill>
+                  <a:schemeClr val="bg1"/>
+                </a:solidFill>
+              </a:rPr>
+              <a:t>Heuristic Alpha-Beta Tree Search</a:t>
+            </a:r>
+            <a:r>
+              <a:rPr lang="en-US" sz="1600" dirty="0">
+                <a:solidFill>
+                  <a:schemeClr val="bg1"/>
+                </a:solidFill>
+              </a:rPr>
+              <a:t>: </a:t>
+            </a:r>
+          </a:p>
+          <a:p>
+            <a:pPr lvl="1"/>
+            <a:r>
+              <a:rPr lang="en-US" sz="1600" dirty="0">
+                <a:solidFill>
+                  <a:schemeClr val="bg1"/>
+                </a:solidFill>
+              </a:rPr>
+              <a:t>Cut off game tree and use </a:t>
+            </a:r>
+            <a:r>
+              <a:rPr lang="en-US" sz="1600" i="1" dirty="0">
+                <a:solidFill>
+                  <a:schemeClr val="bg1"/>
+                </a:solidFill>
+              </a:rPr>
+              <a:t>heuristic evaluation function </a:t>
+            </a:r>
+            <a:r>
+              <a:rPr lang="en-US" sz="1600" dirty="0">
+                <a:solidFill>
+                  <a:schemeClr val="bg1"/>
+                </a:solidFill>
+              </a:rPr>
+              <a:t>for utility (based on state features). </a:t>
+            </a:r>
+          </a:p>
+          <a:p>
+            <a:pPr lvl="1"/>
+            <a:r>
+              <a:rPr lang="en-US" sz="1600" dirty="0">
+                <a:solidFill>
+                  <a:schemeClr val="bg1"/>
+                </a:solidFill>
+              </a:rPr>
+              <a:t>Forward Pruning: ignore poor moves.</a:t>
+            </a:r>
+          </a:p>
+          <a:p>
+            <a:pPr marL="0" indent="0">
+              <a:buNone/>
+            </a:pPr>
+            <a:endParaRPr lang="en-US" sz="1600" b="1" dirty="0">
+              <a:solidFill>
+                <a:schemeClr val="bg1"/>
+              </a:solidFill>
+            </a:endParaRPr>
+          </a:p>
+          <a:p>
+            <a:pPr marL="0" indent="0">
+              <a:buNone/>
+            </a:pPr>
+            <a:r>
+              <a:rPr lang="en-US" sz="1600" b="1" dirty="0">
+                <a:solidFill>
+                  <a:schemeClr val="bg1"/>
+                </a:solidFill>
+              </a:rPr>
+              <a:t>Monte Carlo Tree search</a:t>
+            </a:r>
+            <a:r>
+              <a:rPr lang="en-US" sz="1600" dirty="0">
+                <a:solidFill>
+                  <a:schemeClr val="bg1"/>
+                </a:solidFill>
+              </a:rPr>
+              <a:t>: </a:t>
+            </a:r>
+          </a:p>
+          <a:p>
+            <a:pPr lvl="1"/>
+            <a:r>
+              <a:rPr lang="en-US" sz="1600" dirty="0">
+                <a:solidFill>
+                  <a:schemeClr val="bg1"/>
+                </a:solidFill>
+              </a:rPr>
+              <a:t>Simulate complete games and calculate proportion of wins.</a:t>
+            </a:r>
+          </a:p>
+          <a:p>
+            <a:pPr lvl="1"/>
+            <a:r>
+              <a:rPr lang="en-US" sz="1600" dirty="0">
+                <a:solidFill>
+                  <a:schemeClr val="bg1"/>
+                </a:solidFill>
+              </a:rPr>
+              <a:t>Learn playout policy using self-play and deep learning.</a:t>
+            </a:r>
+          </a:p>
+          <a:p>
+            <a:pPr lvl="1"/>
+            <a:r>
+              <a:rPr lang="en-US" sz="1600" dirty="0">
+                <a:solidFill>
+                  <a:schemeClr val="bg1"/>
+                </a:solidFill>
+              </a:rPr>
+              <a:t>Use modified UCB1 scores to expand the game tree.</a:t>
+            </a:r>
+          </a:p>
+          <a:p>
+            <a:endParaRPr lang="en-US" sz="1600" dirty="0">
+              <a:solidFill>
+                <a:schemeClr val="bg1"/>
+              </a:solidFill>
+            </a:endParaRPr>
+          </a:p>
+        </p:txBody>
+      </p:sp>
+      <p:sp>
+        <p:nvSpPr>
+          <p:cNvPr id="11" name="Right Brace 10">
+            <a:extLst>
+              <a:ext uri="{FF2B5EF4-FFF2-40B4-BE49-F238E27FC236}">
+                <a16:creationId xmlns:a16="http://schemas.microsoft.com/office/drawing/2014/main" id="{BE6DD0B3-8EDB-4CB9-81F2-CC4AA7B3B085}"/>
+              </a:ext>
+            </a:extLst>
+          </p:cNvPr>
+          <p:cNvSpPr/>
+          <p:nvPr/>
+        </p:nvSpPr>
+        <p:spPr>
+          <a:xfrm>
+            <a:off x="7924802" y="640262"/>
+            <a:ext cx="76198" cy="2331538"/>
+          </a:xfrm>
+          <a:prstGeom prst="rightBrace">
+            <a:avLst>
+              <a:gd name="adj1" fmla="val 8333"/>
+              <a:gd name="adj2" fmla="val 50863"/>
+            </a:avLst>
+          </a:prstGeom>
+        </p:spPr>
+        <p:style>
+          <a:lnRef idx="3">
+            <a:schemeClr val="accent6"/>
+          </a:lnRef>
+          <a:fillRef idx="0">
+            <a:schemeClr val="accent6"/>
+          </a:fillRef>
+          <a:effectRef idx="2">
+            <a:schemeClr val="accent6"/>
+          </a:effectRef>
+          <a:fontRef idx="minor">
+            <a:schemeClr val="tx1"/>
+          </a:fontRef>
+        </p:style>
+        <p:txBody>
+          <a:bodyPr rtlCol="0" anchor="ctr"/>
+          <a:lstStyle/>
+          <a:p>
+            <a:pPr algn="ctr"/>
+            <a:endParaRPr lang="en-US"/>
+          </a:p>
+        </p:txBody>
+      </p:sp>
+      <p:sp>
+        <p:nvSpPr>
+          <p:cNvPr id="13" name="TextBox 12">
+            <a:extLst>
+              <a:ext uri="{FF2B5EF4-FFF2-40B4-BE49-F238E27FC236}">
+                <a16:creationId xmlns:a16="http://schemas.microsoft.com/office/drawing/2014/main" id="{AA84DA2C-954E-4264-84F7-640F093895A6}"/>
+              </a:ext>
+            </a:extLst>
+          </p:cNvPr>
+          <p:cNvSpPr txBox="1"/>
+          <p:nvPr/>
+        </p:nvSpPr>
+        <p:spPr>
+          <a:xfrm rot="5400000">
+            <a:off x="7034267" y="1576334"/>
+            <a:ext cx="2912400" cy="369332"/>
+          </a:xfrm>
+          <a:prstGeom prst="rect">
+            <a:avLst/>
+          </a:prstGeom>
+          <a:noFill/>
+        </p:spPr>
+        <p:txBody>
+          <a:bodyPr wrap="none" rtlCol="0">
+            <a:spAutoFit/>
+          </a:bodyPr>
+          <a:lstStyle/>
+          <a:p>
+            <a:r>
+              <a:rPr lang="en-US" b="1" dirty="0">
+                <a:solidFill>
+                  <a:schemeClr val="accent6"/>
+                </a:solidFill>
+              </a:rPr>
+              <a:t>Scale only for tiny problems!</a:t>
+            </a:r>
+          </a:p>
+        </p:txBody>
+      </p:sp>
+      <p:sp>
+        <p:nvSpPr>
+          <p:cNvPr id="4" name="TextBox 3">
+            <a:extLst>
+              <a:ext uri="{FF2B5EF4-FFF2-40B4-BE49-F238E27FC236}">
+                <a16:creationId xmlns:a16="http://schemas.microsoft.com/office/drawing/2014/main" id="{536F8B9D-4311-4F59-A0A9-E15D4F9D7AB4}"/>
+              </a:ext>
+            </a:extLst>
+          </p:cNvPr>
+          <p:cNvSpPr txBox="1"/>
+          <p:nvPr/>
+        </p:nvSpPr>
+        <p:spPr>
+          <a:xfrm rot="5400000">
+            <a:off x="7664343" y="5365858"/>
+            <a:ext cx="1652247" cy="369332"/>
+          </a:xfrm>
+          <a:prstGeom prst="rect">
+            <a:avLst/>
+          </a:prstGeom>
+          <a:noFill/>
+        </p:spPr>
+        <p:txBody>
+          <a:bodyPr wrap="none" rtlCol="0">
+            <a:spAutoFit/>
+          </a:bodyPr>
+          <a:lstStyle/>
+          <a:p>
+            <a:r>
+              <a:rPr lang="en-US" b="1" dirty="0">
+                <a:solidFill>
+                  <a:schemeClr val="accent2"/>
+                </a:solidFill>
+              </a:rPr>
+              <a:t>State of the Art</a:t>
+            </a:r>
+          </a:p>
+        </p:txBody>
+      </p:sp>
+      <p:sp>
+        <p:nvSpPr>
+          <p:cNvPr id="14" name="Right Brace 13">
+            <a:extLst>
+              <a:ext uri="{FF2B5EF4-FFF2-40B4-BE49-F238E27FC236}">
+                <a16:creationId xmlns:a16="http://schemas.microsoft.com/office/drawing/2014/main" id="{14C9196E-32CA-46BC-A4BE-A6B56A398053}"/>
+              </a:ext>
+            </a:extLst>
+          </p:cNvPr>
+          <p:cNvSpPr/>
+          <p:nvPr/>
+        </p:nvSpPr>
+        <p:spPr>
+          <a:xfrm>
+            <a:off x="7924802" y="4946489"/>
+            <a:ext cx="76198" cy="997111"/>
+          </a:xfrm>
+          <a:prstGeom prst="rightBrace">
+            <a:avLst>
+              <a:gd name="adj1" fmla="val 8333"/>
+              <a:gd name="adj2" fmla="val 50863"/>
+            </a:avLst>
+          </a:prstGeom>
+          <a:ln>
+            <a:solidFill>
+              <a:schemeClr val="accent2"/>
+            </a:solidFill>
+          </a:ln>
+        </p:spPr>
+        <p:style>
+          <a:lnRef idx="3">
+            <a:schemeClr val="accent6"/>
+          </a:lnRef>
+          <a:fillRef idx="0">
+            <a:schemeClr val="accent6"/>
+          </a:fillRef>
+          <a:effectRef idx="2">
+            <a:schemeClr val="accent6"/>
+          </a:effectRef>
+          <a:fontRef idx="minor">
+            <a:schemeClr val="tx1"/>
+          </a:fontRef>
+        </p:style>
+        <p:txBody>
+          <a:bodyPr rtlCol="0" anchor="ctr"/>
+          <a:lstStyle/>
+          <a:p>
+            <a:pPr algn="ctr"/>
+            <a:endParaRPr lang="en-US"/>
+          </a:p>
+        </p:txBody>
+      </p:sp>
+    </p:spTree>
+    <p:extLst>
+      <p:ext uri="{BB962C8B-B14F-4D97-AF65-F5344CB8AC3E}">
+        <p14:creationId xmlns:p14="http://schemas.microsoft.com/office/powerpoint/2010/main" val="3130233832"/>
+      </p:ext>
+    </p:extLst>
+  </p:cSld>
+  <p:clrMapOvr>
+    <a:overrideClrMapping bg1="dk1" tx1="lt1" bg2="dk2" tx2="lt2" accent1="accent1" accent2="accent2" accent3="accent3" accent4="accent4" accent5="accent5" accent6="accent6" hlink="hlink" folHlink="folHlink"/>
+  </p:clrMapOvr>
+</p:sld>
+</file>
+
 <file path=ppt/slides/slide5.xml><?xml version="1.0" encoding="utf-8"?>
 <p:sld xmlns:a="http://schemas.openxmlformats.org/drawingml/2006/main" xmlns:r="http://schemas.openxmlformats.org/officeDocument/2006/relationships" xmlns:p="http://schemas.openxmlformats.org/presentationml/2006/main">
   <p:cSld>
@@ -22246,7 +26511,7 @@
             <p:spPr>
               <a:xfrm>
                 <a:off x="5667374" y="3906892"/>
-                <a:ext cx="3248025" cy="2578976"/>
+                <a:ext cx="3248025" cy="2855975"/>
               </a:xfrm>
               <a:prstGeom prst="rect">
                 <a:avLst/>
@@ -22273,68 +26538,73 @@
               <a:lstStyle/>
               <a:p>
                 <a:r>
-                  <a:rPr lang="en-US" dirty="0"/>
+                  <a:rPr lang="en-US" sz="1600" dirty="0"/>
                   <a:t>The state space is a little smaller than:</a:t>
                 </a:r>
               </a:p>
               <a:p>
-                <a:pPr/>
+                <a:pPr algn="ctr"/>
                 <a14:m>
-                  <m:oMathPara xmlns:m="http://schemas.openxmlformats.org/officeDocument/2006/math">
-                    <m:oMathParaPr>
-                      <m:jc m:val="centerGroup"/>
-                    </m:oMathParaPr>
-                    <m:oMath xmlns:m="http://schemas.openxmlformats.org/officeDocument/2006/math">
-                      <m:sSup>
-                        <m:sSupPr>
-                          <m:ctrlPr>
-                            <a:rPr lang="en-US" b="0" i="1" smtClean="0">
-                              <a:latin typeface="Cambria Math" panose="02040503050406030204" pitchFamily="18" charset="0"/>
-                            </a:rPr>
-                          </m:ctrlPr>
-                        </m:sSupPr>
-                        <m:e>
-                          <m:r>
-                            <a:rPr lang="en-US" b="0" i="1" smtClean="0">
-                              <a:latin typeface="Cambria Math" panose="02040503050406030204" pitchFamily="18" charset="0"/>
-                            </a:rPr>
-                            <m:t>3</m:t>
-                          </m:r>
-                        </m:e>
-                        <m:sup>
-                          <m:r>
-                            <a:rPr lang="en-US" b="0" i="1" smtClean="0">
-                              <a:latin typeface="Cambria Math" panose="02040503050406030204" pitchFamily="18" charset="0"/>
-                            </a:rPr>
-                            <m:t>9</m:t>
-                          </m:r>
-                        </m:sup>
-                      </m:sSup>
-                      <m:r>
-                        <a:rPr lang="en-US" b="0" i="0" smtClean="0">
-                          <a:latin typeface="Cambria Math" panose="02040503050406030204" pitchFamily="18" charset="0"/>
-                        </a:rPr>
-                        <m:t>=19,683  </m:t>
-                      </m:r>
-                    </m:oMath>
-                  </m:oMathPara>
+                  <m:oMath xmlns:m="http://schemas.openxmlformats.org/officeDocument/2006/math">
+                    <m:sSup>
+                      <m:sSupPr>
+                        <m:ctrlPr>
+                          <a:rPr lang="en-US" sz="1600" b="0" i="1" smtClean="0">
+                            <a:latin typeface="Cambria Math" panose="02040503050406030204" pitchFamily="18" charset="0"/>
+                          </a:rPr>
+                        </m:ctrlPr>
+                      </m:sSupPr>
+                      <m:e>
+                        <m:r>
+                          <a:rPr lang="en-US" sz="1600" b="0" i="1" smtClean="0">
+                            <a:latin typeface="Cambria Math" panose="02040503050406030204" pitchFamily="18" charset="0"/>
+                          </a:rPr>
+                          <m:t>3</m:t>
+                        </m:r>
+                      </m:e>
+                      <m:sup>
+                        <m:r>
+                          <a:rPr lang="en-US" sz="1600" b="0" i="1" smtClean="0">
+                            <a:latin typeface="Cambria Math" panose="02040503050406030204" pitchFamily="18" charset="0"/>
+                          </a:rPr>
+                          <m:t>9</m:t>
+                        </m:r>
+                      </m:sup>
+                    </m:sSup>
+                    <m:r>
+                      <a:rPr lang="en-US" sz="1600" b="0" i="0" smtClean="0">
+                        <a:latin typeface="Cambria Math" panose="02040503050406030204" pitchFamily="18" charset="0"/>
+                      </a:rPr>
+                      <m:t>=19,683  </m:t>
+                    </m:r>
+                  </m:oMath>
                 </a14:m>
-                <a:endParaRPr lang="en-US" b="0" i="0" dirty="0">
-                  <a:latin typeface="Cambria Math" panose="02040503050406030204" pitchFamily="18" charset="0"/>
-                </a:endParaRPr>
+                <a:r>
+                  <a:rPr lang="en-US" sz="1600" b="0" i="0" dirty="0">
+                    <a:latin typeface="Cambria Math" panose="02040503050406030204" pitchFamily="18" charset="0"/>
+                  </a:rPr>
+                  <a:t>boards</a:t>
+                </a:r>
               </a:p>
               <a:p>
-                <a:endParaRPr lang="en-US" b="0" i="0" dirty="0">
+                <a:endParaRPr lang="en-US" sz="1600" dirty="0">
                   <a:latin typeface="Cambria Math" panose="02040503050406030204" pitchFamily="18" charset="0"/>
                 </a:endParaRPr>
               </a:p>
               <a:p>
                 <a:r>
-                  <a:rPr lang="en-US" dirty="0"/>
-                  <a:t>Why is the complete game tree size much larger? A little smaller than:</a:t>
+                  <a:rPr lang="en-US" sz="1600" dirty="0">
+                    <a:latin typeface="Cambria Math" panose="02040503050406030204" pitchFamily="18" charset="0"/>
+                  </a:rPr>
+                  <a:t>T</a:t>
+                </a:r>
+                <a:r>
+                  <a:rPr lang="en-US" sz="1600" dirty="0"/>
+                  <a:t>he complete game tree size much larger because the same state (board) can be reached in different subtrees. The game tree here is a little smaller than:</a:t>
                 </a:r>
               </a:p>
               <a:p>
+                <a:pPr algn="ctr"/>
                 <a14:m>
                   <m:oMathPara xmlns:m="http://schemas.openxmlformats.org/officeDocument/2006/math">
                     <m:oMathParaPr>
@@ -22342,7 +26612,7 @@
                     </m:oMathParaPr>
                     <m:oMath xmlns:m="http://schemas.openxmlformats.org/officeDocument/2006/math">
                       <m:r>
-                        <a:rPr lang="en-US" b="0" i="0" smtClean="0">
+                        <a:rPr lang="en-US" sz="1600" b="0" i="0" smtClean="0">
                           <a:latin typeface="Cambria Math" panose="02040503050406030204" pitchFamily="18" charset="0"/>
                         </a:rPr>
                         <m:t>1</m:t>
@@ -22350,14 +26620,14 @@
                       <m:d>
                         <m:dPr>
                           <m:ctrlPr>
-                            <a:rPr lang="en-US" b="0" i="1" smtClean="0">
+                            <a:rPr lang="en-US" sz="1600" b="0" i="1" smtClean="0">
                               <a:latin typeface="Cambria Math" panose="02040503050406030204" pitchFamily="18" charset="0"/>
                             </a:rPr>
                           </m:ctrlPr>
                         </m:dPr>
                         <m:e>
                           <m:r>
-                            <a:rPr lang="en-US" b="0" i="1" smtClean="0">
+                            <a:rPr lang="en-US" sz="1600" b="0" i="1" smtClean="0">
                               <a:latin typeface="Cambria Math" panose="02040503050406030204" pitchFamily="18" charset="0"/>
                             </a:rPr>
                             <m:t>9</m:t>
@@ -22367,14 +26637,14 @@
                       <m:d>
                         <m:dPr>
                           <m:ctrlPr>
-                            <a:rPr lang="en-US" b="0" i="1" smtClean="0">
+                            <a:rPr lang="en-US" sz="1600" b="0" i="1" smtClean="0">
                               <a:latin typeface="Cambria Math" panose="02040503050406030204" pitchFamily="18" charset="0"/>
                             </a:rPr>
                           </m:ctrlPr>
                         </m:dPr>
                         <m:e>
                           <m:r>
-                            <a:rPr lang="en-US" b="0" i="1" smtClean="0">
+                            <a:rPr lang="en-US" sz="1600" b="0" i="1" smtClean="0">
                               <a:latin typeface="Cambria Math" panose="02040503050406030204" pitchFamily="18" charset="0"/>
                             </a:rPr>
                             <m:t>9× 8</m:t>
@@ -22384,14 +26654,14 @@
                       <m:d>
                         <m:dPr>
                           <m:ctrlPr>
-                            <a:rPr lang="en-US" b="0" i="1" smtClean="0">
+                            <a:rPr lang="en-US" sz="1600" b="0" i="1" smtClean="0">
                               <a:latin typeface="Cambria Math" panose="02040503050406030204" pitchFamily="18" charset="0"/>
                             </a:rPr>
                           </m:ctrlPr>
                         </m:dPr>
                         <m:e>
                           <m:r>
-                            <a:rPr lang="en-US" b="0" i="1" smtClean="0">
+                            <a:rPr lang="en-US" sz="1600" b="0" i="1" smtClean="0">
                               <a:latin typeface="Cambria Math" panose="02040503050406030204" pitchFamily="18" charset="0"/>
                             </a:rPr>
                             <m:t>9×8×7</m:t>
@@ -22399,7 +26669,7 @@
                         </m:e>
                       </m:d>
                       <m:r>
-                        <a:rPr lang="en-US" b="0" i="1" smtClean="0">
+                        <a:rPr lang="en-US" sz="1600" b="0" i="1" smtClean="0">
                           <a:latin typeface="Cambria Math" panose="02040503050406030204" pitchFamily="18" charset="0"/>
                         </a:rPr>
                         <m:t>…</m:t>
@@ -22407,37 +26677,49 @@
                       <m:d>
                         <m:dPr>
                           <m:ctrlPr>
-                            <a:rPr lang="en-US" b="0" i="1" smtClean="0">
+                            <a:rPr lang="en-US" sz="1600" b="0" i="1" smtClean="0">
                               <a:latin typeface="Cambria Math" panose="02040503050406030204" pitchFamily="18" charset="0"/>
                             </a:rPr>
                           </m:ctrlPr>
                         </m:dPr>
                         <m:e>
                           <m:r>
-                            <a:rPr lang="en-US" i="1">
+                            <a:rPr lang="en-US" sz="1600" i="1">
                               <a:latin typeface="Cambria Math" panose="02040503050406030204" pitchFamily="18" charset="0"/>
                             </a:rPr>
                             <m:t>9!</m:t>
                           </m:r>
                         </m:e>
                       </m:d>
-                      <m:r>
-                        <a:rPr lang="en-US" i="1">
-                          <a:latin typeface="Cambria Math" panose="02040503050406030204" pitchFamily="18" charset="0"/>
-                        </a:rPr>
-                        <m:t>=</m:t>
-                      </m:r>
-                      <m:r>
-                        <m:rPr>
-                          <m:nor/>
-                        </m:rPr>
-                        <a:rPr lang="en-US" dirty="0"/>
-                        <m:t>986,409</m:t>
-                      </m:r>
                     </m:oMath>
                   </m:oMathPara>
                 </a14:m>
-                <a:endParaRPr lang="en-US" dirty="0"/>
+                <a:br>
+                  <a:rPr lang="en-US" sz="1600" i="1" dirty="0">
+                    <a:latin typeface="Cambria Math" panose="02040503050406030204" pitchFamily="18" charset="0"/>
+                  </a:rPr>
+                </a:br>
+                <a14:m>
+                  <m:oMath xmlns:m="http://schemas.openxmlformats.org/officeDocument/2006/math">
+                    <m:r>
+                      <a:rPr lang="en-US" sz="1600" i="1">
+                        <a:latin typeface="Cambria Math" panose="02040503050406030204" pitchFamily="18" charset="0"/>
+                      </a:rPr>
+                      <m:t>=</m:t>
+                    </m:r>
+                    <m:r>
+                      <m:rPr>
+                        <m:nor/>
+                      </m:rPr>
+                      <a:rPr lang="en-US" sz="1600" dirty="0"/>
+                      <m:t>986,409</m:t>
+                    </m:r>
+                  </m:oMath>
+                </a14:m>
+                <a:r>
+                  <a:rPr lang="en-US" sz="1600" dirty="0"/>
+                  <a:t> nodes</a:t>
+                </a:r>
               </a:p>
             </p:txBody>
           </p:sp>
@@ -22460,7 +26742,7 @@
             <p:spPr>
               <a:xfrm>
                 <a:off x="5667374" y="3906892"/>
-                <a:ext cx="3248025" cy="2578976"/>
+                <a:ext cx="3248025" cy="2855975"/>
               </a:xfrm>
               <a:prstGeom prst="rect">
                 <a:avLst/>
@@ -22468,7 +26750,7 @@
               <a:blipFill>
                 <a:blip r:embed="rId3"/>
                 <a:stretch>
-                  <a:fillRect l="-1495" t="-1174" r="-935"/>
+                  <a:fillRect l="-935" t="-425"/>
                 </a:stretch>
               </a:blipFill>
             </p:spPr>
@@ -22682,8 +26964,8 @@
           </a:p>
         </p:txBody>
       </p:sp>
-      <mc:AlternateContent xmlns:mc="http://schemas.openxmlformats.org/markup-compatibility/2006">
-        <mc:Choice xmlns:a14="http://schemas.microsoft.com/office/drawing/2010/main" Requires="a14">
+      <mc:AlternateContent xmlns:mc="http://schemas.openxmlformats.org/markup-compatibility/2006" xmlns:a14="http://schemas.microsoft.com/office/drawing/2010/main">
+        <mc:Choice Requires="a14">
           <p:sp>
             <p:nvSpPr>
               <p:cNvPr id="10" name="TextBox 9">
@@ -22712,6 +26994,7 @@
               </a:bodyPr>
               <a:lstStyle/>
               <a:p>
+                <a:pPr/>
                 <a14:m>
                   <m:oMathPara xmlns:m="http://schemas.openxmlformats.org/officeDocument/2006/math">
                     <m:oMathParaPr>
@@ -22732,7 +27015,7 @@
             </p:txBody>
           </p:sp>
         </mc:Choice>
-        <mc:Fallback>
+        <mc:Fallback xmlns="">
           <p:sp>
             <p:nvSpPr>
               <p:cNvPr id="10" name="TextBox 9">
@@ -22809,6 +27092,56 @@
               <a:rPr lang="en-US" dirty="0"/>
               <a:t># of nodes</a:t>
             </a:r>
+          </a:p>
+        </p:txBody>
+      </p:sp>
+      <p:sp>
+        <p:nvSpPr>
+          <p:cNvPr id="6" name="Rectangle 5">
+            <a:extLst>
+              <a:ext uri="{FF2B5EF4-FFF2-40B4-BE49-F238E27FC236}">
+                <a16:creationId xmlns:a16="http://schemas.microsoft.com/office/drawing/2014/main" id="{691274E8-62E8-488C-B7EB-3624AA4714D6}"/>
+              </a:ext>
+            </a:extLst>
+          </p:cNvPr>
+          <p:cNvSpPr/>
+          <p:nvPr/>
+        </p:nvSpPr>
+        <p:spPr>
+          <a:xfrm>
+            <a:off x="1219200" y="6248400"/>
+            <a:ext cx="2590800" cy="244474"/>
+          </a:xfrm>
+          <a:prstGeom prst="rect">
+            <a:avLst/>
+          </a:prstGeom>
+          <a:noFill/>
+          <a:ln>
+            <a:solidFill>
+              <a:srgbClr val="FF0000"/>
+            </a:solidFill>
+          </a:ln>
+        </p:spPr>
+        <p:style>
+          <a:lnRef idx="2">
+            <a:schemeClr val="accent2"/>
+          </a:lnRef>
+          <a:fillRef idx="1">
+            <a:schemeClr val="lt1"/>
+          </a:fillRef>
+          <a:effectRef idx="0">
+            <a:schemeClr val="accent2"/>
+          </a:effectRef>
+          <a:fontRef idx="minor">
+            <a:schemeClr val="dk1"/>
+          </a:fontRef>
+        </p:style>
+        <p:txBody>
+          <a:bodyPr rtlCol="0" anchor="ctr"/>
+          <a:lstStyle/>
+          <a:p>
+            <a:pPr algn="ctr"/>
+            <a:endParaRPr lang="en-US"/>
           </a:p>
         </p:txBody>
       </p:sp>
@@ -24427,13 +28760,13 @@
         </p:nvSpPr>
         <p:spPr>
           <a:xfrm>
-            <a:off x="5791200" y="384175"/>
-            <a:ext cx="3228975" cy="1597025"/>
+            <a:off x="4575717" y="2667000"/>
+            <a:ext cx="4419600" cy="900111"/>
           </a:xfrm>
           <a:prstGeom prst="wedgeRectCallout">
             <a:avLst>
-              <a:gd name="adj1" fmla="val -71263"/>
-              <a:gd name="adj2" fmla="val 56355"/>
+              <a:gd name="adj1" fmla="val -19287"/>
+              <a:gd name="adj2" fmla="val 91043"/>
             </a:avLst>
           </a:prstGeom>
         </p:spPr>
@@ -24456,7 +28789,7 @@
           <a:lstStyle/>
           <a:p>
             <a:r>
-              <a:rPr lang="en-US" sz="2000" dirty="0"/>
+              <a:rPr lang="en-US" dirty="0"/>
               <a:t>Each action consists of the move by the player and all possible (i.e., nondeterministic) responses by the opponent.</a:t>
             </a:r>
           </a:p>
@@ -24481,7 +28814,7 @@
         <p:spPr>
           <a:xfrm>
             <a:off x="628650" y="365126"/>
-            <a:ext cx="4781550" cy="1325563"/>
+            <a:ext cx="7219950" cy="1325563"/>
           </a:xfrm>
         </p:spPr>
         <p:txBody>
@@ -24495,8 +28828,8 @@
           </a:p>
         </p:txBody>
       </p:sp>
-      <mc:AlternateContent xmlns:mc="http://schemas.openxmlformats.org/markup-compatibility/2006" xmlns:a14="http://schemas.microsoft.com/office/drawing/2010/main">
-        <mc:Choice Requires="a14">
+      <mc:AlternateContent xmlns:mc="http://schemas.openxmlformats.org/markup-compatibility/2006">
+        <mc:Choice xmlns:a14="http://schemas.microsoft.com/office/drawing/2010/main" Requires="a14">
           <p:sp>
             <p:nvSpPr>
               <p:cNvPr id="5" name="Content Placeholder 4">
@@ -24515,15 +28848,50 @@
             </p:nvSpPr>
             <p:spPr>
               <a:xfrm>
-                <a:off x="628650" y="2057399"/>
-                <a:ext cx="7886700" cy="4119563"/>
+                <a:off x="628650" y="1690689"/>
+                <a:ext cx="7886700" cy="4802185"/>
               </a:xfrm>
             </p:spPr>
             <p:txBody>
               <a:bodyPr>
-                <a:normAutofit/>
+                <a:normAutofit fontScale="77500" lnSpcReduction="20000"/>
               </a:bodyPr>
               <a:lstStyle/>
+              <a:p>
+                <a:pPr marL="0" indent="0">
+                  <a:buNone/>
+                </a:pPr>
+                <a:r>
+                  <a:rPr lang="en-US" dirty="0"/>
+                  <a:t>For </a:t>
+                </a:r>
+                <a:r>
+                  <a:rPr lang="en-US" b="1" dirty="0"/>
+                  <a:t>planning</a:t>
+                </a:r>
+                <a:r>
+                  <a:rPr lang="en-US" dirty="0"/>
+                  <a:t>, we do not know what the opponents moves will be. This is the same situation as not being to sense the opponents moves during a real game which we have already modeled using nondeterministic actions.</a:t>
+                </a:r>
+              </a:p>
+              <a:p>
+                <a:pPr marL="0" indent="0">
+                  <a:buNone/>
+                </a:pPr>
+                <a:endParaRPr lang="en-US" dirty="0"/>
+              </a:p>
+              <a:p>
+                <a:pPr marL="0" indent="0">
+                  <a:buNone/>
+                </a:pPr>
+                <a:endParaRPr lang="en-US" dirty="0"/>
+              </a:p>
+              <a:p>
+                <a:pPr marL="0" indent="0">
+                  <a:buNone/>
+                </a:pPr>
+                <a:endParaRPr lang="en-US" dirty="0"/>
+              </a:p>
               <a:p>
                 <a:pPr marL="0" indent="0">
                   <a:buNone/>
@@ -24540,11 +28908,6 @@
                   </a:rPr>
                   <a:t>transition model need to describe uncertainty about the opponent's behavior.</a:t>
                 </a:r>
-              </a:p>
-              <a:p>
-                <a:pPr marL="0" indent="0">
-                  <a:buNone/>
-                </a:pPr>
                 <a:endParaRPr lang="en-US" dirty="0"/>
               </a:p>
               <a:p>
@@ -24555,6 +28918,9 @@
                   <a:rPr lang="en-US" dirty="0"/>
                   <a:t>Example transition: </a:t>
                 </a:r>
+                <a:br>
+                  <a:rPr lang="en-US" dirty="0"/>
+                </a:br>
                 <a:br>
                   <a:rPr lang="en-US" b="0" i="1" dirty="0">
                     <a:latin typeface="Cambria Math" panose="02040503050406030204" pitchFamily="18" charset="0"/>
@@ -24737,6 +29103,9 @@
                 <a:br>
                   <a:rPr lang="en-US" dirty="0"/>
                 </a:br>
+                <a:br>
+                  <a:rPr lang="en-US" dirty="0"/>
+                </a:br>
                 <a:r>
                   <a:rPr lang="en-US" dirty="0"/>
                   <a:t>i.e., action </a:t>
@@ -24786,21 +29155,13 @@
                 </a14:m>
                 <a:r>
                   <a:rPr lang="en-US" dirty="0"/>
-                  <a:t> can lead to one of several states. </a:t>
+                  <a:t> can lead to one of several states (which is called a belief state of the agent). </a:t>
                 </a:r>
-              </a:p>
-              <a:p>
-                <a:pPr marL="0" indent="0">
-                  <a:buNone/>
-                </a:pPr>
-                <a:endParaRPr lang="en-US" i="1" dirty="0">
-                  <a:latin typeface="Cambria Math" panose="02040503050406030204" pitchFamily="18" charset="0"/>
-                </a:endParaRPr>
               </a:p>
             </p:txBody>
           </p:sp>
         </mc:Choice>
-        <mc:Fallback xmlns="">
+        <mc:Fallback>
           <p:sp>
             <p:nvSpPr>
               <p:cNvPr id="5" name="Content Placeholder 4">
@@ -24819,13 +29180,13 @@
             </p:nvSpPr>
             <p:spPr>
               <a:xfrm>
-                <a:off x="628650" y="2057399"/>
-                <a:ext cx="7886700" cy="4119563"/>
+                <a:off x="628650" y="1690689"/>
+                <a:ext cx="7886700" cy="4802185"/>
               </a:xfrm>
               <a:blipFill>
                 <a:blip r:embed="rId2"/>
                 <a:stretch>
-                  <a:fillRect l="-1546" t="-2367"/>
+                  <a:fillRect l="-1005" t="-2538" r="-1236"/>
                 </a:stretch>
               </a:blipFill>
             </p:spPr>

--- a/slides/05_games.pptx
+++ b/slides/05_games.pptx
@@ -5,7 +5,7 @@
     <p:sldMasterId id="2147483708" r:id="rId1"/>
   </p:sldMasterIdLst>
   <p:notesMasterIdLst>
-    <p:notesMasterId r:id="rId42"/>
+    <p:notesMasterId r:id="rId44"/>
   </p:notesMasterIdLst>
   <p:sldIdLst>
     <p:sldId id="256" r:id="rId2"/>
@@ -42,12 +42,14 @@
     <p:sldId id="281" r:id="rId33"/>
     <p:sldId id="282" r:id="rId34"/>
     <p:sldId id="284" r:id="rId35"/>
-    <p:sldId id="283" r:id="rId36"/>
-    <p:sldId id="303" r:id="rId37"/>
-    <p:sldId id="286" r:id="rId38"/>
-    <p:sldId id="287" r:id="rId39"/>
-    <p:sldId id="300" r:id="rId40"/>
-    <p:sldId id="288" r:id="rId41"/>
+    <p:sldId id="304" r:id="rId36"/>
+    <p:sldId id="283" r:id="rId37"/>
+    <p:sldId id="303" r:id="rId38"/>
+    <p:sldId id="286" r:id="rId39"/>
+    <p:sldId id="287" r:id="rId40"/>
+    <p:sldId id="300" r:id="rId41"/>
+    <p:sldId id="305" r:id="rId42"/>
+    <p:sldId id="288" r:id="rId43"/>
   </p:sldIdLst>
   <p:sldSz cx="9144000" cy="6858000" type="screen4x3"/>
   <p:notesSz cx="7315200" cy="9601200"/>
@@ -165,6 +167,2528 @@
 </p:presentation>
 </file>
 
+<file path=ppt/diagrams/colors1.xml><?xml version="1.0" encoding="utf-8"?>
+<dgm:colorsDef xmlns:dgm="http://schemas.openxmlformats.org/drawingml/2006/diagram" xmlns:a="http://schemas.openxmlformats.org/drawingml/2006/main" uniqueId="urn:microsoft.com/office/officeart/2005/8/colors/colorful5">
+  <dgm:title val=""/>
+  <dgm:desc val=""/>
+  <dgm:catLst>
+    <dgm:cat type="colorful" pri="10500"/>
+  </dgm:catLst>
+  <dgm:styleLbl name="node0">
+    <dgm:fillClrLst meth="repeat">
+      <a:schemeClr val="accent4"/>
+    </dgm:fillClrLst>
+    <dgm:linClrLst meth="repeat">
+      <a:schemeClr val="lt1"/>
+    </dgm:linClrLst>
+    <dgm:effectClrLst/>
+    <dgm:txLinClrLst/>
+    <dgm:txFillClrLst/>
+    <dgm:txEffectClrLst/>
+  </dgm:styleLbl>
+  <dgm:styleLbl name="node1">
+    <dgm:fillClrLst>
+      <a:schemeClr val="accent5"/>
+      <a:schemeClr val="accent6"/>
+    </dgm:fillClrLst>
+    <dgm:linClrLst meth="repeat">
+      <a:schemeClr val="lt1"/>
+    </dgm:linClrLst>
+    <dgm:effectClrLst/>
+    <dgm:txLinClrLst/>
+    <dgm:txFillClrLst/>
+    <dgm:txEffectClrLst/>
+  </dgm:styleLbl>
+  <dgm:styleLbl name="alignNode1">
+    <dgm:fillClrLst>
+      <a:schemeClr val="accent5"/>
+      <a:schemeClr val="accent6"/>
+    </dgm:fillClrLst>
+    <dgm:linClrLst>
+      <a:schemeClr val="accent5"/>
+      <a:schemeClr val="accent6"/>
+    </dgm:linClrLst>
+    <dgm:effectClrLst/>
+    <dgm:txLinClrLst/>
+    <dgm:txFillClrLst/>
+    <dgm:txEffectClrLst/>
+  </dgm:styleLbl>
+  <dgm:styleLbl name="lnNode1">
+    <dgm:fillClrLst>
+      <a:schemeClr val="accent5"/>
+      <a:schemeClr val="accent6"/>
+    </dgm:fillClrLst>
+    <dgm:linClrLst meth="repeat">
+      <a:schemeClr val="lt1"/>
+    </dgm:linClrLst>
+    <dgm:effectClrLst/>
+    <dgm:txLinClrLst/>
+    <dgm:txFillClrLst/>
+    <dgm:txEffectClrLst/>
+  </dgm:styleLbl>
+  <dgm:styleLbl name="vennNode1">
+    <dgm:fillClrLst>
+      <a:schemeClr val="accent5">
+        <a:alpha val="50000"/>
+      </a:schemeClr>
+      <a:schemeClr val="accent6">
+        <a:alpha val="50000"/>
+      </a:schemeClr>
+    </dgm:fillClrLst>
+    <dgm:linClrLst meth="repeat">
+      <a:schemeClr val="lt1"/>
+    </dgm:linClrLst>
+    <dgm:effectClrLst/>
+    <dgm:txLinClrLst/>
+    <dgm:txFillClrLst/>
+    <dgm:txEffectClrLst/>
+  </dgm:styleLbl>
+  <dgm:styleLbl name="node2">
+    <dgm:fillClrLst>
+      <a:schemeClr val="accent6"/>
+    </dgm:fillClrLst>
+    <dgm:linClrLst meth="repeat">
+      <a:schemeClr val="lt1"/>
+    </dgm:linClrLst>
+    <dgm:effectClrLst/>
+    <dgm:txLinClrLst/>
+    <dgm:txFillClrLst/>
+    <dgm:txEffectClrLst/>
+  </dgm:styleLbl>
+  <dgm:styleLbl name="node3">
+    <dgm:fillClrLst>
+      <a:schemeClr val="accent1"/>
+    </dgm:fillClrLst>
+    <dgm:linClrLst meth="repeat">
+      <a:schemeClr val="lt1"/>
+    </dgm:linClrLst>
+    <dgm:effectClrLst/>
+    <dgm:txLinClrLst/>
+    <dgm:txFillClrLst/>
+    <dgm:txEffectClrLst/>
+  </dgm:styleLbl>
+  <dgm:styleLbl name="node4">
+    <dgm:fillClrLst>
+      <a:schemeClr val="accent2"/>
+    </dgm:fillClrLst>
+    <dgm:linClrLst meth="repeat">
+      <a:schemeClr val="lt1"/>
+    </dgm:linClrLst>
+    <dgm:effectClrLst/>
+    <dgm:txLinClrLst/>
+    <dgm:txFillClrLst/>
+    <dgm:txEffectClrLst/>
+  </dgm:styleLbl>
+  <dgm:styleLbl name="fgImgPlace1">
+    <dgm:fillClrLst>
+      <a:schemeClr val="accent5">
+        <a:tint val="50000"/>
+      </a:schemeClr>
+      <a:schemeClr val="accent6">
+        <a:tint val="50000"/>
+      </a:schemeClr>
+    </dgm:fillClrLst>
+    <dgm:linClrLst meth="repeat">
+      <a:schemeClr val="lt1"/>
+    </dgm:linClrLst>
+    <dgm:effectClrLst/>
+    <dgm:txLinClrLst/>
+    <dgm:txFillClrLst meth="repeat">
+      <a:schemeClr val="lt1"/>
+    </dgm:txFillClrLst>
+    <dgm:txEffectClrLst/>
+  </dgm:styleLbl>
+  <dgm:styleLbl name="alignImgPlace1">
+    <dgm:fillClrLst>
+      <a:schemeClr val="accent5">
+        <a:tint val="50000"/>
+      </a:schemeClr>
+      <a:schemeClr val="accent6">
+        <a:tint val="20000"/>
+      </a:schemeClr>
+    </dgm:fillClrLst>
+    <dgm:linClrLst meth="repeat">
+      <a:schemeClr val="lt1"/>
+    </dgm:linClrLst>
+    <dgm:effectClrLst/>
+    <dgm:txLinClrLst/>
+    <dgm:txFillClrLst meth="repeat">
+      <a:schemeClr val="lt1"/>
+    </dgm:txFillClrLst>
+    <dgm:txEffectClrLst/>
+  </dgm:styleLbl>
+  <dgm:styleLbl name="bgImgPlace1">
+    <dgm:fillClrLst>
+      <a:schemeClr val="accent5">
+        <a:tint val="50000"/>
+      </a:schemeClr>
+      <a:schemeClr val="accent6">
+        <a:tint val="20000"/>
+      </a:schemeClr>
+    </dgm:fillClrLst>
+    <dgm:linClrLst meth="repeat">
+      <a:schemeClr val="lt1"/>
+    </dgm:linClrLst>
+    <dgm:effectClrLst/>
+    <dgm:txLinClrLst/>
+    <dgm:txFillClrLst meth="repeat">
+      <a:schemeClr val="lt1"/>
+    </dgm:txFillClrLst>
+    <dgm:txEffectClrLst/>
+  </dgm:styleLbl>
+  <dgm:styleLbl name="sibTrans2D1">
+    <dgm:fillClrLst>
+      <a:schemeClr val="accent5"/>
+      <a:schemeClr val="accent6"/>
+    </dgm:fillClrLst>
+    <dgm:linClrLst meth="repeat">
+      <a:schemeClr val="lt1"/>
+    </dgm:linClrLst>
+    <dgm:effectClrLst/>
+    <dgm:txLinClrLst/>
+    <dgm:txFillClrLst/>
+    <dgm:txEffectClrLst/>
+  </dgm:styleLbl>
+  <dgm:styleLbl name="fgSibTrans2D1">
+    <dgm:fillClrLst>
+      <a:schemeClr val="accent5"/>
+      <a:schemeClr val="accent6"/>
+    </dgm:fillClrLst>
+    <dgm:linClrLst meth="repeat">
+      <a:schemeClr val="lt1"/>
+    </dgm:linClrLst>
+    <dgm:effectClrLst/>
+    <dgm:txLinClrLst/>
+    <dgm:txFillClrLst meth="repeat">
+      <a:schemeClr val="lt1"/>
+    </dgm:txFillClrLst>
+    <dgm:txEffectClrLst/>
+  </dgm:styleLbl>
+  <dgm:styleLbl name="bgSibTrans2D1">
+    <dgm:fillClrLst>
+      <a:schemeClr val="accent5"/>
+      <a:schemeClr val="accent6"/>
+    </dgm:fillClrLst>
+    <dgm:linClrLst meth="repeat">
+      <a:schemeClr val="lt1"/>
+    </dgm:linClrLst>
+    <dgm:effectClrLst/>
+    <dgm:txLinClrLst/>
+    <dgm:txFillClrLst meth="repeat">
+      <a:schemeClr val="lt1"/>
+    </dgm:txFillClrLst>
+    <dgm:txEffectClrLst/>
+  </dgm:styleLbl>
+  <dgm:styleLbl name="sibTrans1D1">
+    <dgm:fillClrLst/>
+    <dgm:linClrLst>
+      <a:schemeClr val="accent5"/>
+      <a:schemeClr val="accent6"/>
+    </dgm:linClrLst>
+    <dgm:effectClrLst/>
+    <dgm:txLinClrLst/>
+    <dgm:txFillClrLst meth="repeat">
+      <a:schemeClr val="tx1"/>
+    </dgm:txFillClrLst>
+    <dgm:txEffectClrLst/>
+  </dgm:styleLbl>
+  <dgm:styleLbl name="callout">
+    <dgm:fillClrLst meth="repeat">
+      <a:schemeClr val="accent5"/>
+    </dgm:fillClrLst>
+    <dgm:linClrLst meth="repeat">
+      <a:schemeClr val="accent5">
+        <a:tint val="50000"/>
+      </a:schemeClr>
+    </dgm:linClrLst>
+    <dgm:effectClrLst/>
+    <dgm:txLinClrLst/>
+    <dgm:txFillClrLst meth="repeat">
+      <a:schemeClr val="tx1"/>
+    </dgm:txFillClrLst>
+    <dgm:txEffectClrLst/>
+  </dgm:styleLbl>
+  <dgm:styleLbl name="asst0">
+    <dgm:fillClrLst meth="repeat">
+      <a:schemeClr val="accent5"/>
+    </dgm:fillClrLst>
+    <dgm:linClrLst meth="repeat">
+      <a:schemeClr val="lt1">
+        <a:shade val="80000"/>
+      </a:schemeClr>
+    </dgm:linClrLst>
+    <dgm:effectClrLst/>
+    <dgm:txLinClrLst/>
+    <dgm:txFillClrLst/>
+    <dgm:txEffectClrLst/>
+  </dgm:styleLbl>
+  <dgm:styleLbl name="asst1">
+    <dgm:fillClrLst meth="repeat">
+      <a:schemeClr val="accent6"/>
+    </dgm:fillClrLst>
+    <dgm:linClrLst meth="repeat">
+      <a:schemeClr val="lt1">
+        <a:shade val="80000"/>
+      </a:schemeClr>
+    </dgm:linClrLst>
+    <dgm:effectClrLst/>
+    <dgm:txLinClrLst/>
+    <dgm:txFillClrLst/>
+    <dgm:txEffectClrLst/>
+  </dgm:styleLbl>
+  <dgm:styleLbl name="asst2">
+    <dgm:fillClrLst>
+      <a:schemeClr val="accent1"/>
+    </dgm:fillClrLst>
+    <dgm:linClrLst meth="repeat">
+      <a:schemeClr val="lt1"/>
+    </dgm:linClrLst>
+    <dgm:effectClrLst/>
+    <dgm:txLinClrLst/>
+    <dgm:txFillClrLst/>
+    <dgm:txEffectClrLst/>
+  </dgm:styleLbl>
+  <dgm:styleLbl name="asst3">
+    <dgm:fillClrLst>
+      <a:schemeClr val="accent2"/>
+    </dgm:fillClrLst>
+    <dgm:linClrLst meth="repeat">
+      <a:schemeClr val="lt1"/>
+    </dgm:linClrLst>
+    <dgm:effectClrLst/>
+    <dgm:txLinClrLst/>
+    <dgm:txFillClrLst/>
+    <dgm:txEffectClrLst/>
+  </dgm:styleLbl>
+  <dgm:styleLbl name="asst4">
+    <dgm:fillClrLst>
+      <a:schemeClr val="accent3"/>
+    </dgm:fillClrLst>
+    <dgm:linClrLst meth="repeat">
+      <a:schemeClr val="lt1"/>
+    </dgm:linClrLst>
+    <dgm:effectClrLst/>
+    <dgm:txLinClrLst/>
+    <dgm:txFillClrLst/>
+    <dgm:txEffectClrLst/>
+  </dgm:styleLbl>
+  <dgm:styleLbl name="parChTrans2D1">
+    <dgm:fillClrLst meth="repeat">
+      <a:schemeClr val="accent5"/>
+    </dgm:fillClrLst>
+    <dgm:linClrLst meth="repeat">
+      <a:schemeClr val="lt1"/>
+    </dgm:linClrLst>
+    <dgm:effectClrLst/>
+    <dgm:txLinClrLst/>
+    <dgm:txFillClrLst meth="repeat">
+      <a:schemeClr val="lt1"/>
+    </dgm:txFillClrLst>
+    <dgm:txEffectClrLst/>
+  </dgm:styleLbl>
+  <dgm:styleLbl name="parChTrans2D2">
+    <dgm:fillClrLst meth="repeat">
+      <a:schemeClr val="accent6"/>
+    </dgm:fillClrLst>
+    <dgm:linClrLst meth="repeat">
+      <a:schemeClr val="lt1"/>
+    </dgm:linClrLst>
+    <dgm:effectClrLst/>
+    <dgm:txLinClrLst/>
+    <dgm:txFillClrLst/>
+    <dgm:txEffectClrLst/>
+  </dgm:styleLbl>
+  <dgm:styleLbl name="parChTrans2D3">
+    <dgm:fillClrLst meth="repeat">
+      <a:schemeClr val="accent6"/>
+    </dgm:fillClrLst>
+    <dgm:linClrLst meth="repeat">
+      <a:schemeClr val="lt1"/>
+    </dgm:linClrLst>
+    <dgm:effectClrLst/>
+    <dgm:txLinClrLst/>
+    <dgm:txFillClrLst/>
+    <dgm:txEffectClrLst/>
+  </dgm:styleLbl>
+  <dgm:styleLbl name="parChTrans2D4">
+    <dgm:fillClrLst meth="repeat">
+      <a:schemeClr val="accent1"/>
+    </dgm:fillClrLst>
+    <dgm:linClrLst meth="repeat">
+      <a:schemeClr val="lt1"/>
+    </dgm:linClrLst>
+    <dgm:effectClrLst/>
+    <dgm:txLinClrLst/>
+    <dgm:txFillClrLst meth="repeat">
+      <a:schemeClr val="lt1"/>
+    </dgm:txFillClrLst>
+    <dgm:txEffectClrLst/>
+  </dgm:styleLbl>
+  <dgm:styleLbl name="parChTrans1D1">
+    <dgm:fillClrLst meth="repeat">
+      <a:schemeClr val="accent5"/>
+    </dgm:fillClrLst>
+    <dgm:linClrLst meth="repeat">
+      <a:schemeClr val="accent5"/>
+    </dgm:linClrLst>
+    <dgm:effectClrLst/>
+    <dgm:txLinClrLst/>
+    <dgm:txFillClrLst meth="repeat">
+      <a:schemeClr val="tx1"/>
+    </dgm:txFillClrLst>
+    <dgm:txEffectClrLst/>
+  </dgm:styleLbl>
+  <dgm:styleLbl name="parChTrans1D2">
+    <dgm:fillClrLst meth="repeat">
+      <a:schemeClr val="accent6">
+        <a:tint val="90000"/>
+      </a:schemeClr>
+    </dgm:fillClrLst>
+    <dgm:linClrLst meth="repeat">
+      <a:schemeClr val="accent6"/>
+    </dgm:linClrLst>
+    <dgm:effectClrLst/>
+    <dgm:txLinClrLst/>
+    <dgm:txFillClrLst meth="repeat">
+      <a:schemeClr val="tx1"/>
+    </dgm:txFillClrLst>
+    <dgm:txEffectClrLst/>
+  </dgm:styleLbl>
+  <dgm:styleLbl name="parChTrans1D3">
+    <dgm:fillClrLst meth="repeat">
+      <a:schemeClr val="accent6">
+        <a:tint val="70000"/>
+      </a:schemeClr>
+    </dgm:fillClrLst>
+    <dgm:linClrLst meth="repeat">
+      <a:schemeClr val="accent1"/>
+    </dgm:linClrLst>
+    <dgm:effectClrLst/>
+    <dgm:txLinClrLst/>
+    <dgm:txFillClrLst meth="repeat">
+      <a:schemeClr val="tx1"/>
+    </dgm:txFillClrLst>
+    <dgm:txEffectClrLst/>
+  </dgm:styleLbl>
+  <dgm:styleLbl name="parChTrans1D4">
+    <dgm:fillClrLst meth="repeat">
+      <a:schemeClr val="accent6">
+        <a:tint val="50000"/>
+      </a:schemeClr>
+    </dgm:fillClrLst>
+    <dgm:linClrLst meth="repeat">
+      <a:schemeClr val="accent2"/>
+    </dgm:linClrLst>
+    <dgm:effectClrLst/>
+    <dgm:txLinClrLst/>
+    <dgm:txFillClrLst meth="repeat">
+      <a:schemeClr val="tx1"/>
+    </dgm:txFillClrLst>
+    <dgm:txEffectClrLst/>
+  </dgm:styleLbl>
+  <dgm:styleLbl name="fgAcc1">
+    <dgm:fillClrLst meth="repeat">
+      <a:schemeClr val="lt1">
+        <a:alpha val="90000"/>
+      </a:schemeClr>
+    </dgm:fillClrLst>
+    <dgm:linClrLst>
+      <a:schemeClr val="accent5"/>
+      <a:schemeClr val="accent6"/>
+    </dgm:linClrLst>
+    <dgm:effectClrLst/>
+    <dgm:txLinClrLst/>
+    <dgm:txFillClrLst meth="repeat">
+      <a:schemeClr val="dk1"/>
+    </dgm:txFillClrLst>
+    <dgm:txEffectClrLst/>
+  </dgm:styleLbl>
+  <dgm:styleLbl name="conFgAcc1">
+    <dgm:fillClrLst meth="repeat">
+      <a:schemeClr val="lt1">
+        <a:alpha val="90000"/>
+      </a:schemeClr>
+    </dgm:fillClrLst>
+    <dgm:linClrLst>
+      <a:schemeClr val="accent5"/>
+      <a:schemeClr val="accent6"/>
+    </dgm:linClrLst>
+    <dgm:effectClrLst/>
+    <dgm:txLinClrLst/>
+    <dgm:txFillClrLst meth="repeat">
+      <a:schemeClr val="dk1"/>
+    </dgm:txFillClrLst>
+    <dgm:txEffectClrLst/>
+  </dgm:styleLbl>
+  <dgm:styleLbl name="alignAcc1">
+    <dgm:fillClrLst meth="repeat">
+      <a:schemeClr val="lt1">
+        <a:alpha val="90000"/>
+      </a:schemeClr>
+    </dgm:fillClrLst>
+    <dgm:linClrLst>
+      <a:schemeClr val="accent5"/>
+      <a:schemeClr val="accent6"/>
+    </dgm:linClrLst>
+    <dgm:effectClrLst/>
+    <dgm:txLinClrLst/>
+    <dgm:txFillClrLst meth="repeat">
+      <a:schemeClr val="dk1"/>
+    </dgm:txFillClrLst>
+    <dgm:txEffectClrLst/>
+  </dgm:styleLbl>
+  <dgm:styleLbl name="trAlignAcc1">
+    <dgm:fillClrLst meth="repeat">
+      <a:schemeClr val="lt1">
+        <a:alpha val="40000"/>
+      </a:schemeClr>
+    </dgm:fillClrLst>
+    <dgm:linClrLst meth="repeat">
+      <a:schemeClr val="accent5"/>
+    </dgm:linClrLst>
+    <dgm:effectClrLst/>
+    <dgm:txLinClrLst/>
+    <dgm:txFillClrLst meth="repeat">
+      <a:schemeClr val="dk1"/>
+    </dgm:txFillClrLst>
+    <dgm:txEffectClrLst/>
+  </dgm:styleLbl>
+  <dgm:styleLbl name="bgAcc1">
+    <dgm:fillClrLst meth="repeat">
+      <a:schemeClr val="lt1">
+        <a:alpha val="90000"/>
+      </a:schemeClr>
+    </dgm:fillClrLst>
+    <dgm:linClrLst>
+      <a:schemeClr val="accent5"/>
+      <a:schemeClr val="accent6"/>
+    </dgm:linClrLst>
+    <dgm:effectClrLst/>
+    <dgm:txLinClrLst/>
+    <dgm:txFillClrLst meth="repeat">
+      <a:schemeClr val="dk1"/>
+    </dgm:txFillClrLst>
+    <dgm:txEffectClrLst/>
+  </dgm:styleLbl>
+  <dgm:styleLbl name="solidFgAcc1">
+    <dgm:fillClrLst meth="repeat">
+      <a:schemeClr val="lt1"/>
+    </dgm:fillClrLst>
+    <dgm:linClrLst>
+      <a:schemeClr val="accent5"/>
+      <a:schemeClr val="accent6"/>
+    </dgm:linClrLst>
+    <dgm:effectClrLst/>
+    <dgm:txLinClrLst/>
+    <dgm:txFillClrLst meth="repeat">
+      <a:schemeClr val="dk1"/>
+    </dgm:txFillClrLst>
+    <dgm:txEffectClrLst/>
+  </dgm:styleLbl>
+  <dgm:styleLbl name="solidAlignAcc1">
+    <dgm:fillClrLst meth="repeat">
+      <a:schemeClr val="lt1"/>
+    </dgm:fillClrLst>
+    <dgm:linClrLst>
+      <a:schemeClr val="accent5"/>
+      <a:schemeClr val="accent6"/>
+    </dgm:linClrLst>
+    <dgm:effectClrLst/>
+    <dgm:txLinClrLst/>
+    <dgm:txFillClrLst meth="repeat">
+      <a:schemeClr val="dk1"/>
+    </dgm:txFillClrLst>
+    <dgm:txEffectClrLst/>
+  </dgm:styleLbl>
+  <dgm:styleLbl name="solidBgAcc1">
+    <dgm:fillClrLst meth="repeat">
+      <a:schemeClr val="lt1"/>
+    </dgm:fillClrLst>
+    <dgm:linClrLst>
+      <a:schemeClr val="accent5"/>
+      <a:schemeClr val="accent6"/>
+    </dgm:linClrLst>
+    <dgm:effectClrLst/>
+    <dgm:txLinClrLst/>
+    <dgm:txFillClrLst meth="repeat">
+      <a:schemeClr val="dk1"/>
+    </dgm:txFillClrLst>
+    <dgm:txEffectClrLst/>
+  </dgm:styleLbl>
+  <dgm:styleLbl name="fgAccFollowNode1">
+    <dgm:fillClrLst>
+      <a:schemeClr val="accent5">
+        <a:tint val="40000"/>
+        <a:alpha val="90000"/>
+      </a:schemeClr>
+      <a:schemeClr val="accent6">
+        <a:tint val="40000"/>
+        <a:alpha val="90000"/>
+      </a:schemeClr>
+    </dgm:fillClrLst>
+    <dgm:linClrLst>
+      <a:schemeClr val="accent5">
+        <a:tint val="40000"/>
+        <a:alpha val="90000"/>
+      </a:schemeClr>
+      <a:schemeClr val="accent5">
+        <a:tint val="40000"/>
+        <a:alpha val="90000"/>
+      </a:schemeClr>
+    </dgm:linClrLst>
+    <dgm:effectClrLst/>
+    <dgm:txLinClrLst/>
+    <dgm:txFillClrLst meth="repeat">
+      <a:schemeClr val="dk1"/>
+    </dgm:txFillClrLst>
+    <dgm:txEffectClrLst/>
+  </dgm:styleLbl>
+  <dgm:styleLbl name="alignAccFollowNode1">
+    <dgm:fillClrLst>
+      <a:schemeClr val="accent5">
+        <a:tint val="40000"/>
+        <a:alpha val="90000"/>
+      </a:schemeClr>
+      <a:schemeClr val="accent6">
+        <a:tint val="40000"/>
+        <a:alpha val="90000"/>
+      </a:schemeClr>
+    </dgm:fillClrLst>
+    <dgm:linClrLst>
+      <a:schemeClr val="accent5">
+        <a:tint val="40000"/>
+        <a:alpha val="90000"/>
+      </a:schemeClr>
+      <a:schemeClr val="accent6">
+        <a:tint val="40000"/>
+        <a:alpha val="90000"/>
+      </a:schemeClr>
+    </dgm:linClrLst>
+    <dgm:effectClrLst/>
+    <dgm:txLinClrLst/>
+    <dgm:txFillClrLst meth="repeat">
+      <a:schemeClr val="dk1"/>
+    </dgm:txFillClrLst>
+    <dgm:txEffectClrLst/>
+  </dgm:styleLbl>
+  <dgm:styleLbl name="bgAccFollowNode1">
+    <dgm:fillClrLst>
+      <a:schemeClr val="accent5">
+        <a:tint val="40000"/>
+        <a:alpha val="90000"/>
+      </a:schemeClr>
+      <a:schemeClr val="accent6">
+        <a:tint val="40000"/>
+        <a:alpha val="90000"/>
+      </a:schemeClr>
+    </dgm:fillClrLst>
+    <dgm:linClrLst>
+      <a:schemeClr val="accent5">
+        <a:tint val="40000"/>
+        <a:alpha val="90000"/>
+      </a:schemeClr>
+      <a:schemeClr val="accent6">
+        <a:tint val="40000"/>
+        <a:alpha val="90000"/>
+      </a:schemeClr>
+    </dgm:linClrLst>
+    <dgm:effectClrLst/>
+    <dgm:txLinClrLst/>
+    <dgm:txFillClrLst meth="repeat">
+      <a:schemeClr val="dk1"/>
+    </dgm:txFillClrLst>
+    <dgm:txEffectClrLst/>
+  </dgm:styleLbl>
+  <dgm:styleLbl name="fgAcc0">
+    <dgm:fillClrLst meth="repeat">
+      <a:schemeClr val="lt1">
+        <a:alpha val="90000"/>
+      </a:schemeClr>
+    </dgm:fillClrLst>
+    <dgm:linClrLst>
+      <a:schemeClr val="accent4"/>
+    </dgm:linClrLst>
+    <dgm:effectClrLst/>
+    <dgm:txLinClrLst/>
+    <dgm:txFillClrLst meth="repeat">
+      <a:schemeClr val="dk1"/>
+    </dgm:txFillClrLst>
+    <dgm:txEffectClrLst/>
+  </dgm:styleLbl>
+  <dgm:styleLbl name="fgAcc2">
+    <dgm:fillClrLst meth="repeat">
+      <a:schemeClr val="lt1">
+        <a:alpha val="90000"/>
+      </a:schemeClr>
+    </dgm:fillClrLst>
+    <dgm:linClrLst>
+      <a:schemeClr val="accent6"/>
+    </dgm:linClrLst>
+    <dgm:effectClrLst/>
+    <dgm:txLinClrLst/>
+    <dgm:txFillClrLst meth="repeat">
+      <a:schemeClr val="dk1"/>
+    </dgm:txFillClrLst>
+    <dgm:txEffectClrLst/>
+  </dgm:styleLbl>
+  <dgm:styleLbl name="fgAcc3">
+    <dgm:fillClrLst meth="repeat">
+      <a:schemeClr val="lt1">
+        <a:alpha val="90000"/>
+      </a:schemeClr>
+    </dgm:fillClrLst>
+    <dgm:linClrLst>
+      <a:schemeClr val="accent1"/>
+    </dgm:linClrLst>
+    <dgm:effectClrLst/>
+    <dgm:txLinClrLst/>
+    <dgm:txFillClrLst meth="repeat">
+      <a:schemeClr val="dk1"/>
+    </dgm:txFillClrLst>
+    <dgm:txEffectClrLst/>
+  </dgm:styleLbl>
+  <dgm:styleLbl name="fgAcc4">
+    <dgm:fillClrLst meth="repeat">
+      <a:schemeClr val="lt1">
+        <a:alpha val="90000"/>
+      </a:schemeClr>
+    </dgm:fillClrLst>
+    <dgm:linClrLst>
+      <a:schemeClr val="accent2"/>
+    </dgm:linClrLst>
+    <dgm:effectClrLst/>
+    <dgm:txLinClrLst/>
+    <dgm:txFillClrLst meth="repeat">
+      <a:schemeClr val="dk1"/>
+    </dgm:txFillClrLst>
+    <dgm:txEffectClrLst/>
+  </dgm:styleLbl>
+  <dgm:styleLbl name="bgShp">
+    <dgm:fillClrLst meth="repeat">
+      <a:schemeClr val="accent5">
+        <a:tint val="40000"/>
+      </a:schemeClr>
+    </dgm:fillClrLst>
+    <dgm:linClrLst meth="repeat">
+      <a:schemeClr val="dk1"/>
+    </dgm:linClrLst>
+    <dgm:effectClrLst/>
+    <dgm:txLinClrLst/>
+    <dgm:txFillClrLst meth="repeat">
+      <a:schemeClr val="dk1"/>
+    </dgm:txFillClrLst>
+    <dgm:txEffectClrLst/>
+  </dgm:styleLbl>
+  <dgm:styleLbl name="dkBgShp">
+    <dgm:fillClrLst meth="repeat">
+      <a:schemeClr val="accent5">
+        <a:shade val="90000"/>
+      </a:schemeClr>
+    </dgm:fillClrLst>
+    <dgm:linClrLst meth="repeat">
+      <a:schemeClr val="dk1"/>
+    </dgm:linClrLst>
+    <dgm:effectClrLst/>
+    <dgm:txLinClrLst/>
+    <dgm:txFillClrLst meth="repeat">
+      <a:schemeClr val="lt1"/>
+    </dgm:txFillClrLst>
+    <dgm:txEffectClrLst/>
+  </dgm:styleLbl>
+  <dgm:styleLbl name="trBgShp">
+    <dgm:fillClrLst meth="repeat">
+      <a:schemeClr val="accent5">
+        <a:tint val="50000"/>
+        <a:alpha val="40000"/>
+      </a:schemeClr>
+    </dgm:fillClrLst>
+    <dgm:linClrLst meth="repeat">
+      <a:schemeClr val="accent5"/>
+    </dgm:linClrLst>
+    <dgm:effectClrLst/>
+    <dgm:txLinClrLst/>
+    <dgm:txFillClrLst meth="repeat">
+      <a:schemeClr val="lt1"/>
+    </dgm:txFillClrLst>
+    <dgm:txEffectClrLst/>
+  </dgm:styleLbl>
+  <dgm:styleLbl name="fgShp">
+    <dgm:fillClrLst meth="repeat">
+      <a:schemeClr val="accent5">
+        <a:tint val="40000"/>
+      </a:schemeClr>
+    </dgm:fillClrLst>
+    <dgm:linClrLst meth="repeat">
+      <a:schemeClr val="lt1"/>
+    </dgm:linClrLst>
+    <dgm:effectClrLst/>
+    <dgm:txLinClrLst/>
+    <dgm:txFillClrLst meth="repeat">
+      <a:schemeClr val="dk1"/>
+    </dgm:txFillClrLst>
+    <dgm:txEffectClrLst/>
+  </dgm:styleLbl>
+  <dgm:styleLbl name="revTx">
+    <dgm:fillClrLst meth="repeat">
+      <a:schemeClr val="lt1">
+        <a:alpha val="0"/>
+      </a:schemeClr>
+    </dgm:fillClrLst>
+    <dgm:linClrLst meth="repeat">
+      <a:schemeClr val="dk1">
+        <a:alpha val="0"/>
+      </a:schemeClr>
+    </dgm:linClrLst>
+    <dgm:effectClrLst/>
+    <dgm:txLinClrLst/>
+    <dgm:txFillClrLst meth="repeat">
+      <a:schemeClr val="tx1"/>
+    </dgm:txFillClrLst>
+    <dgm:txEffectClrLst/>
+  </dgm:styleLbl>
+</dgm:colorsDef>
+</file>
+
+<file path=ppt/diagrams/data1.xml><?xml version="1.0" encoding="utf-8"?>
+<dgm:dataModel xmlns:dgm="http://schemas.openxmlformats.org/drawingml/2006/diagram" xmlns:a="http://schemas.openxmlformats.org/drawingml/2006/main">
+  <dgm:ptLst>
+    <dgm:pt modelId="{9011FFE4-074F-49F2-B536-C057DBA83543}" type="doc">
+      <dgm:prSet loTypeId="urn:microsoft.com/office/officeart/2005/8/layout/arrow3" loCatId="relationship" qsTypeId="urn:microsoft.com/office/officeart/2005/8/quickstyle/simple1" qsCatId="simple" csTypeId="urn:microsoft.com/office/officeart/2005/8/colors/colorful5" csCatId="colorful" phldr="1"/>
+      <dgm:spPr/>
+      <dgm:t>
+        <a:bodyPr/>
+        <a:lstStyle/>
+        <a:p>
+          <a:endParaRPr lang="en-US"/>
+        </a:p>
+      </dgm:t>
+    </dgm:pt>
+    <dgm:pt modelId="{C7B5598F-73EB-4086-9D15-AF21D84F01EB}">
+      <dgm:prSet phldrT="[Text]"/>
+      <dgm:spPr/>
+      <dgm:t>
+        <a:bodyPr/>
+        <a:lstStyle/>
+        <a:p>
+          <a:pPr algn="ctr">
+            <a:buFont typeface="+mj-lt"/>
+            <a:buAutoNum type="alphaLcParenR"/>
+          </a:pPr>
+          <a:r>
+            <a:rPr lang="en-US" b="1" dirty="0"/>
+            <a:t>Exploration</a:t>
+          </a:r>
+          <a:r>
+            <a:rPr lang="en-US" dirty="0"/>
+            <a:t>: expand from states that currently have no or few playouts.</a:t>
+          </a:r>
+        </a:p>
+      </dgm:t>
+    </dgm:pt>
+    <dgm:pt modelId="{35184A8B-0A83-41D2-A908-50848EE3D926}" type="parTrans" cxnId="{FFB7963A-9C7D-499E-B549-7910A0F2F13B}">
+      <dgm:prSet/>
+      <dgm:spPr/>
+      <dgm:t>
+        <a:bodyPr/>
+        <a:lstStyle/>
+        <a:p>
+          <a:pPr algn="r"/>
+          <a:endParaRPr lang="en-US"/>
+        </a:p>
+      </dgm:t>
+    </dgm:pt>
+    <dgm:pt modelId="{7063981B-22F4-4A0F-A5A9-DB73DAB928BE}" type="sibTrans" cxnId="{FFB7963A-9C7D-499E-B549-7910A0F2F13B}">
+      <dgm:prSet/>
+      <dgm:spPr/>
+      <dgm:t>
+        <a:bodyPr/>
+        <a:lstStyle/>
+        <a:p>
+          <a:pPr algn="r"/>
+          <a:endParaRPr lang="en-US"/>
+        </a:p>
+      </dgm:t>
+    </dgm:pt>
+    <dgm:pt modelId="{66875ED1-75C0-4ADD-A11A-6945BE084A09}">
+      <dgm:prSet phldrT="[Text]"/>
+      <dgm:spPr/>
+      <dgm:t>
+        <a:bodyPr/>
+        <a:lstStyle/>
+        <a:p>
+          <a:pPr algn="ctr">
+            <a:buFont typeface="+mj-lt"/>
+            <a:buAutoNum type="alphaLcParenR"/>
+          </a:pPr>
+          <a:r>
+            <a:rPr lang="en-US" b="1" dirty="0"/>
+            <a:t>Exploitation</a:t>
+          </a:r>
+          <a:r>
+            <a:rPr lang="en-US" dirty="0"/>
+            <a:t>: more playouts for states that have done well to get more accurate estimates.</a:t>
+          </a:r>
+        </a:p>
+      </dgm:t>
+    </dgm:pt>
+    <dgm:pt modelId="{E4BC8588-2C5C-4F69-9DCD-38814EE5D0D5}" type="parTrans" cxnId="{41A8DCA8-7894-4CC3-98D1-8E1D6EF8011C}">
+      <dgm:prSet/>
+      <dgm:spPr/>
+      <dgm:t>
+        <a:bodyPr/>
+        <a:lstStyle/>
+        <a:p>
+          <a:pPr algn="r"/>
+          <a:endParaRPr lang="en-US"/>
+        </a:p>
+      </dgm:t>
+    </dgm:pt>
+    <dgm:pt modelId="{1088B430-2FAC-4E9A-9AA5-B784B5A97F07}" type="sibTrans" cxnId="{41A8DCA8-7894-4CC3-98D1-8E1D6EF8011C}">
+      <dgm:prSet/>
+      <dgm:spPr/>
+      <dgm:t>
+        <a:bodyPr/>
+        <a:lstStyle/>
+        <a:p>
+          <a:pPr algn="r"/>
+          <a:endParaRPr lang="en-US"/>
+        </a:p>
+      </dgm:t>
+    </dgm:pt>
+    <dgm:pt modelId="{388A663A-0857-4F9C-8427-5385EE64B421}" type="pres">
+      <dgm:prSet presAssocID="{9011FFE4-074F-49F2-B536-C057DBA83543}" presName="compositeShape" presStyleCnt="0">
+        <dgm:presLayoutVars>
+          <dgm:chMax val="2"/>
+          <dgm:dir/>
+          <dgm:resizeHandles val="exact"/>
+        </dgm:presLayoutVars>
+      </dgm:prSet>
+      <dgm:spPr/>
+    </dgm:pt>
+    <dgm:pt modelId="{5BBECE53-31E9-45C1-9C99-E6FED15FF303}" type="pres">
+      <dgm:prSet presAssocID="{9011FFE4-074F-49F2-B536-C057DBA83543}" presName="divider" presStyleLbl="fgShp" presStyleIdx="0" presStyleCnt="1"/>
+      <dgm:spPr/>
+    </dgm:pt>
+    <dgm:pt modelId="{C0EAA83E-FCA4-41B8-B9C4-1FFFC2767C9D}" type="pres">
+      <dgm:prSet presAssocID="{C7B5598F-73EB-4086-9D15-AF21D84F01EB}" presName="downArrow" presStyleLbl="node1" presStyleIdx="0" presStyleCnt="2"/>
+      <dgm:spPr/>
+    </dgm:pt>
+    <dgm:pt modelId="{67A1BF2C-5C08-487D-9939-E0054ADCF853}" type="pres">
+      <dgm:prSet presAssocID="{C7B5598F-73EB-4086-9D15-AF21D84F01EB}" presName="downArrowText" presStyleLbl="revTx" presStyleIdx="0" presStyleCnt="2">
+        <dgm:presLayoutVars>
+          <dgm:bulletEnabled val="1"/>
+        </dgm:presLayoutVars>
+      </dgm:prSet>
+      <dgm:spPr/>
+    </dgm:pt>
+    <dgm:pt modelId="{EC55A2F8-97C2-4D3B-ADF8-DBE6FB6A38DF}" type="pres">
+      <dgm:prSet presAssocID="{66875ED1-75C0-4ADD-A11A-6945BE084A09}" presName="upArrow" presStyleLbl="node1" presStyleIdx="1" presStyleCnt="2"/>
+      <dgm:spPr/>
+    </dgm:pt>
+    <dgm:pt modelId="{6BD5FF6F-C06C-42AF-A022-734E57BE2E2B}" type="pres">
+      <dgm:prSet presAssocID="{66875ED1-75C0-4ADD-A11A-6945BE084A09}" presName="upArrowText" presStyleLbl="revTx" presStyleIdx="1" presStyleCnt="2">
+        <dgm:presLayoutVars>
+          <dgm:bulletEnabled val="1"/>
+        </dgm:presLayoutVars>
+      </dgm:prSet>
+      <dgm:spPr/>
+    </dgm:pt>
+  </dgm:ptLst>
+  <dgm:cxnLst>
+    <dgm:cxn modelId="{FFB7963A-9C7D-499E-B549-7910A0F2F13B}" srcId="{9011FFE4-074F-49F2-B536-C057DBA83543}" destId="{C7B5598F-73EB-4086-9D15-AF21D84F01EB}" srcOrd="0" destOrd="0" parTransId="{35184A8B-0A83-41D2-A908-50848EE3D926}" sibTransId="{7063981B-22F4-4A0F-A5A9-DB73DAB928BE}"/>
+    <dgm:cxn modelId="{7B0F204B-C6DC-4C4D-A1AD-9EF60A00E72C}" type="presOf" srcId="{66875ED1-75C0-4ADD-A11A-6945BE084A09}" destId="{6BD5FF6F-C06C-42AF-A022-734E57BE2E2B}" srcOrd="0" destOrd="0" presId="urn:microsoft.com/office/officeart/2005/8/layout/arrow3"/>
+    <dgm:cxn modelId="{04BF2150-FA8E-4647-8811-A29E30D0A6E9}" type="presOf" srcId="{9011FFE4-074F-49F2-B536-C057DBA83543}" destId="{388A663A-0857-4F9C-8427-5385EE64B421}" srcOrd="0" destOrd="0" presId="urn:microsoft.com/office/officeart/2005/8/layout/arrow3"/>
+    <dgm:cxn modelId="{41A8DCA8-7894-4CC3-98D1-8E1D6EF8011C}" srcId="{9011FFE4-074F-49F2-B536-C057DBA83543}" destId="{66875ED1-75C0-4ADD-A11A-6945BE084A09}" srcOrd="1" destOrd="0" parTransId="{E4BC8588-2C5C-4F69-9DCD-38814EE5D0D5}" sibTransId="{1088B430-2FAC-4E9A-9AA5-B784B5A97F07}"/>
+    <dgm:cxn modelId="{839049F2-A0DF-4F49-8503-5FA5B3D2E44F}" type="presOf" srcId="{C7B5598F-73EB-4086-9D15-AF21D84F01EB}" destId="{67A1BF2C-5C08-487D-9939-E0054ADCF853}" srcOrd="0" destOrd="0" presId="urn:microsoft.com/office/officeart/2005/8/layout/arrow3"/>
+    <dgm:cxn modelId="{4E893338-3B84-48BA-835F-D61CD9362690}" type="presParOf" srcId="{388A663A-0857-4F9C-8427-5385EE64B421}" destId="{5BBECE53-31E9-45C1-9C99-E6FED15FF303}" srcOrd="0" destOrd="0" presId="urn:microsoft.com/office/officeart/2005/8/layout/arrow3"/>
+    <dgm:cxn modelId="{1B54C8EF-77AB-440B-B805-91D94F88E42C}" type="presParOf" srcId="{388A663A-0857-4F9C-8427-5385EE64B421}" destId="{C0EAA83E-FCA4-41B8-B9C4-1FFFC2767C9D}" srcOrd="1" destOrd="0" presId="urn:microsoft.com/office/officeart/2005/8/layout/arrow3"/>
+    <dgm:cxn modelId="{20383821-AA1B-42B6-82EE-3CE604BFC218}" type="presParOf" srcId="{388A663A-0857-4F9C-8427-5385EE64B421}" destId="{67A1BF2C-5C08-487D-9939-E0054ADCF853}" srcOrd="2" destOrd="0" presId="urn:microsoft.com/office/officeart/2005/8/layout/arrow3"/>
+    <dgm:cxn modelId="{AF7052B3-389F-4879-AA2D-2A087CB65866}" type="presParOf" srcId="{388A663A-0857-4F9C-8427-5385EE64B421}" destId="{EC55A2F8-97C2-4D3B-ADF8-DBE6FB6A38DF}" srcOrd="3" destOrd="0" presId="urn:microsoft.com/office/officeart/2005/8/layout/arrow3"/>
+    <dgm:cxn modelId="{78C67B63-775A-4F15-9409-F459BEC24907}" type="presParOf" srcId="{388A663A-0857-4F9C-8427-5385EE64B421}" destId="{6BD5FF6F-C06C-42AF-A022-734E57BE2E2B}" srcOrd="4" destOrd="0" presId="urn:microsoft.com/office/officeart/2005/8/layout/arrow3"/>
+  </dgm:cxnLst>
+  <dgm:bg/>
+  <dgm:whole/>
+  <dgm:extLst>
+    <a:ext uri="http://schemas.microsoft.com/office/drawing/2008/diagram">
+      <dsp:dataModelExt xmlns:dsp="http://schemas.microsoft.com/office/drawing/2008/diagram" relId="rId6" minVer="http://schemas.openxmlformats.org/drawingml/2006/diagram"/>
+    </a:ext>
+  </dgm:extLst>
+</dgm:dataModel>
+</file>
+
+<file path=ppt/diagrams/drawing1.xml><?xml version="1.0" encoding="utf-8"?>
+<dsp:drawing xmlns:dgm="http://schemas.openxmlformats.org/drawingml/2006/diagram" xmlns:dsp="http://schemas.microsoft.com/office/drawing/2008/diagram" xmlns:a="http://schemas.openxmlformats.org/drawingml/2006/main">
+  <dsp:spTree>
+    <dsp:nvGrpSpPr>
+      <dsp:cNvPr id="0" name=""/>
+      <dsp:cNvGrpSpPr/>
+    </dsp:nvGrpSpPr>
+    <dsp:grpSpPr/>
+    <dsp:sp modelId="{5BBECE53-31E9-45C1-9C99-E6FED15FF303}">
+      <dsp:nvSpPr>
+        <dsp:cNvPr id="0" name=""/>
+        <dsp:cNvSpPr/>
+      </dsp:nvSpPr>
+      <dsp:spPr>
+        <a:xfrm rot="21300000">
+          <a:off x="19057" y="1378257"/>
+          <a:ext cx="6172184" cy="706808"/>
+        </a:xfrm>
+        <a:prstGeom prst="mathMinus">
+          <a:avLst/>
+        </a:prstGeom>
+        <a:solidFill>
+          <a:schemeClr val="accent5">
+            <a:tint val="40000"/>
+            <a:hueOff val="0"/>
+            <a:satOff val="0"/>
+            <a:lumOff val="0"/>
+            <a:alphaOff val="0"/>
+          </a:schemeClr>
+        </a:solidFill>
+        <a:ln w="12700" cap="flat" cmpd="sng" algn="ctr">
+          <a:solidFill>
+            <a:schemeClr val="lt1">
+              <a:hueOff val="0"/>
+              <a:satOff val="0"/>
+              <a:lumOff val="0"/>
+              <a:alphaOff val="0"/>
+            </a:schemeClr>
+          </a:solidFill>
+          <a:prstDash val="solid"/>
+          <a:miter lim="800000"/>
+        </a:ln>
+        <a:effectLst/>
+      </dsp:spPr>
+      <dsp:style>
+        <a:lnRef idx="2">
+          <a:scrgbClr r="0" g="0" b="0"/>
+        </a:lnRef>
+        <a:fillRef idx="1">
+          <a:scrgbClr r="0" g="0" b="0"/>
+        </a:fillRef>
+        <a:effectRef idx="0">
+          <a:scrgbClr r="0" g="0" b="0"/>
+        </a:effectRef>
+        <a:fontRef idx="minor"/>
+      </dsp:style>
+    </dsp:sp>
+    <dsp:sp modelId="{C0EAA83E-FCA4-41B8-B9C4-1FFFC2767C9D}">
+      <dsp:nvSpPr>
+        <dsp:cNvPr id="0" name=""/>
+        <dsp:cNvSpPr/>
+      </dsp:nvSpPr>
+      <dsp:spPr>
+        <a:xfrm>
+          <a:off x="745236" y="173166"/>
+          <a:ext cx="1863090" cy="1385329"/>
+        </a:xfrm>
+        <a:prstGeom prst="downArrow">
+          <a:avLst/>
+        </a:prstGeom>
+        <a:solidFill>
+          <a:schemeClr val="accent5">
+            <a:hueOff val="0"/>
+            <a:satOff val="0"/>
+            <a:lumOff val="0"/>
+            <a:alphaOff val="0"/>
+          </a:schemeClr>
+        </a:solidFill>
+        <a:ln w="12700" cap="flat" cmpd="sng" algn="ctr">
+          <a:solidFill>
+            <a:schemeClr val="lt1">
+              <a:hueOff val="0"/>
+              <a:satOff val="0"/>
+              <a:lumOff val="0"/>
+              <a:alphaOff val="0"/>
+            </a:schemeClr>
+          </a:solidFill>
+          <a:prstDash val="solid"/>
+          <a:miter lim="800000"/>
+        </a:ln>
+        <a:effectLst/>
+      </dsp:spPr>
+      <dsp:style>
+        <a:lnRef idx="2">
+          <a:scrgbClr r="0" g="0" b="0"/>
+        </a:lnRef>
+        <a:fillRef idx="1">
+          <a:scrgbClr r="0" g="0" b="0"/>
+        </a:fillRef>
+        <a:effectRef idx="0">
+          <a:scrgbClr r="0" g="0" b="0"/>
+        </a:effectRef>
+        <a:fontRef idx="minor">
+          <a:schemeClr val="lt1"/>
+        </a:fontRef>
+      </dsp:style>
+    </dsp:sp>
+    <dsp:sp modelId="{67A1BF2C-5C08-487D-9939-E0054ADCF853}">
+      <dsp:nvSpPr>
+        <dsp:cNvPr id="0" name=""/>
+        <dsp:cNvSpPr/>
+      </dsp:nvSpPr>
+      <dsp:spPr>
+        <a:xfrm>
+          <a:off x="3291459" y="0"/>
+          <a:ext cx="1987296" cy="1454595"/>
+        </a:xfrm>
+        <a:prstGeom prst="rect">
+          <a:avLst/>
+        </a:prstGeom>
+        <a:noFill/>
+        <a:ln>
+          <a:noFill/>
+        </a:ln>
+        <a:effectLst/>
+      </dsp:spPr>
+      <dsp:style>
+        <a:lnRef idx="0">
+          <a:scrgbClr r="0" g="0" b="0"/>
+        </a:lnRef>
+        <a:fillRef idx="0">
+          <a:scrgbClr r="0" g="0" b="0"/>
+        </a:fillRef>
+        <a:effectRef idx="0">
+          <a:scrgbClr r="0" g="0" b="0"/>
+        </a:effectRef>
+        <a:fontRef idx="minor"/>
+      </dsp:style>
+      <dsp:txBody>
+        <a:bodyPr spcFirstLastPara="0" vert="horz" wrap="square" lIns="120904" tIns="120904" rIns="120904" bIns="120904" numCol="1" spcCol="1270" anchor="ctr" anchorCtr="0">
+          <a:noAutofit/>
+        </a:bodyPr>
+        <a:lstStyle/>
+        <a:p>
+          <a:pPr marL="0" lvl="0" indent="0" algn="ctr" defTabSz="755650">
+            <a:lnSpc>
+              <a:spcPct val="90000"/>
+            </a:lnSpc>
+            <a:spcBef>
+              <a:spcPct val="0"/>
+            </a:spcBef>
+            <a:spcAft>
+              <a:spcPct val="35000"/>
+            </a:spcAft>
+            <a:buFont typeface="+mj-lt"/>
+            <a:buNone/>
+          </a:pPr>
+          <a:r>
+            <a:rPr lang="en-US" sz="1700" b="1" kern="1200" dirty="0"/>
+            <a:t>Exploration</a:t>
+          </a:r>
+          <a:r>
+            <a:rPr lang="en-US" sz="1700" kern="1200" dirty="0"/>
+            <a:t>: expand from states that currently have no or few playouts.</a:t>
+          </a:r>
+        </a:p>
+      </dsp:txBody>
+      <dsp:txXfrm>
+        <a:off x="3291459" y="0"/>
+        <a:ext cx="1987296" cy="1454595"/>
+      </dsp:txXfrm>
+    </dsp:sp>
+    <dsp:sp modelId="{EC55A2F8-97C2-4D3B-ADF8-DBE6FB6A38DF}">
+      <dsp:nvSpPr>
+        <dsp:cNvPr id="0" name=""/>
+        <dsp:cNvSpPr/>
+      </dsp:nvSpPr>
+      <dsp:spPr>
+        <a:xfrm>
+          <a:off x="3601974" y="1904827"/>
+          <a:ext cx="1863090" cy="1385329"/>
+        </a:xfrm>
+        <a:prstGeom prst="upArrow">
+          <a:avLst/>
+        </a:prstGeom>
+        <a:solidFill>
+          <a:schemeClr val="accent5">
+            <a:hueOff val="-6758543"/>
+            <a:satOff val="-17419"/>
+            <a:lumOff val="-11765"/>
+            <a:alphaOff val="0"/>
+          </a:schemeClr>
+        </a:solidFill>
+        <a:ln w="12700" cap="flat" cmpd="sng" algn="ctr">
+          <a:solidFill>
+            <a:schemeClr val="lt1">
+              <a:hueOff val="0"/>
+              <a:satOff val="0"/>
+              <a:lumOff val="0"/>
+              <a:alphaOff val="0"/>
+            </a:schemeClr>
+          </a:solidFill>
+          <a:prstDash val="solid"/>
+          <a:miter lim="800000"/>
+        </a:ln>
+        <a:effectLst/>
+      </dsp:spPr>
+      <dsp:style>
+        <a:lnRef idx="2">
+          <a:scrgbClr r="0" g="0" b="0"/>
+        </a:lnRef>
+        <a:fillRef idx="1">
+          <a:scrgbClr r="0" g="0" b="0"/>
+        </a:fillRef>
+        <a:effectRef idx="0">
+          <a:scrgbClr r="0" g="0" b="0"/>
+        </a:effectRef>
+        <a:fontRef idx="minor">
+          <a:schemeClr val="lt1"/>
+        </a:fontRef>
+      </dsp:style>
+    </dsp:sp>
+    <dsp:sp modelId="{6BD5FF6F-C06C-42AF-A022-734E57BE2E2B}">
+      <dsp:nvSpPr>
+        <dsp:cNvPr id="0" name=""/>
+        <dsp:cNvSpPr/>
+      </dsp:nvSpPr>
+      <dsp:spPr>
+        <a:xfrm>
+          <a:off x="931545" y="2008727"/>
+          <a:ext cx="1987296" cy="1454595"/>
+        </a:xfrm>
+        <a:prstGeom prst="rect">
+          <a:avLst/>
+        </a:prstGeom>
+        <a:noFill/>
+        <a:ln>
+          <a:noFill/>
+        </a:ln>
+        <a:effectLst/>
+      </dsp:spPr>
+      <dsp:style>
+        <a:lnRef idx="0">
+          <a:scrgbClr r="0" g="0" b="0"/>
+        </a:lnRef>
+        <a:fillRef idx="0">
+          <a:scrgbClr r="0" g="0" b="0"/>
+        </a:fillRef>
+        <a:effectRef idx="0">
+          <a:scrgbClr r="0" g="0" b="0"/>
+        </a:effectRef>
+        <a:fontRef idx="minor"/>
+      </dsp:style>
+      <dsp:txBody>
+        <a:bodyPr spcFirstLastPara="0" vert="horz" wrap="square" lIns="120904" tIns="120904" rIns="120904" bIns="120904" numCol="1" spcCol="1270" anchor="ctr" anchorCtr="0">
+          <a:noAutofit/>
+        </a:bodyPr>
+        <a:lstStyle/>
+        <a:p>
+          <a:pPr marL="0" lvl="0" indent="0" algn="ctr" defTabSz="755650">
+            <a:lnSpc>
+              <a:spcPct val="90000"/>
+            </a:lnSpc>
+            <a:spcBef>
+              <a:spcPct val="0"/>
+            </a:spcBef>
+            <a:spcAft>
+              <a:spcPct val="35000"/>
+            </a:spcAft>
+            <a:buFont typeface="+mj-lt"/>
+            <a:buNone/>
+          </a:pPr>
+          <a:r>
+            <a:rPr lang="en-US" sz="1700" b="1" kern="1200" dirty="0"/>
+            <a:t>Exploitation</a:t>
+          </a:r>
+          <a:r>
+            <a:rPr lang="en-US" sz="1700" kern="1200" dirty="0"/>
+            <a:t>: more playouts for states that have done well to get more accurate estimates.</a:t>
+          </a:r>
+        </a:p>
+      </dsp:txBody>
+      <dsp:txXfrm>
+        <a:off x="931545" y="2008727"/>
+        <a:ext cx="1987296" cy="1454595"/>
+      </dsp:txXfrm>
+    </dsp:sp>
+  </dsp:spTree>
+</dsp:drawing>
+</file>
+
+<file path=ppt/diagrams/layout1.xml><?xml version="1.0" encoding="utf-8"?>
+<dgm:layoutDef xmlns:dgm="http://schemas.openxmlformats.org/drawingml/2006/diagram" xmlns:a="http://schemas.openxmlformats.org/drawingml/2006/main" uniqueId="urn:microsoft.com/office/officeart/2005/8/layout/arrow3">
+  <dgm:title val=""/>
+  <dgm:desc val=""/>
+  <dgm:catLst>
+    <dgm:cat type="relationship" pri="5000"/>
+  </dgm:catLst>
+  <dgm:sampData>
+    <dgm:dataModel>
+      <dgm:ptLst>
+        <dgm:pt modelId="0" type="doc"/>
+        <dgm:pt modelId="1">
+          <dgm:prSet phldr="1"/>
+        </dgm:pt>
+        <dgm:pt modelId="2">
+          <dgm:prSet phldr="1"/>
+        </dgm:pt>
+      </dgm:ptLst>
+      <dgm:cxnLst>
+        <dgm:cxn modelId="4" srcId="0" destId="1" srcOrd="0" destOrd="0"/>
+        <dgm:cxn modelId="5" srcId="0" destId="2" srcOrd="1" destOrd="0"/>
+      </dgm:cxnLst>
+      <dgm:bg/>
+      <dgm:whole/>
+    </dgm:dataModel>
+  </dgm:sampData>
+  <dgm:styleData>
+    <dgm:dataModel>
+      <dgm:ptLst>
+        <dgm:pt modelId="0" type="doc"/>
+        <dgm:pt modelId="1"/>
+        <dgm:pt modelId="2"/>
+      </dgm:ptLst>
+      <dgm:cxnLst>
+        <dgm:cxn modelId="3" srcId="0" destId="1" srcOrd="0" destOrd="0"/>
+        <dgm:cxn modelId="4" srcId="0" destId="2" srcOrd="1" destOrd="0"/>
+      </dgm:cxnLst>
+      <dgm:bg/>
+      <dgm:whole/>
+    </dgm:dataModel>
+  </dgm:styleData>
+  <dgm:clrData>
+    <dgm:dataModel>
+      <dgm:ptLst>
+        <dgm:pt modelId="0" type="doc"/>
+        <dgm:pt modelId="1"/>
+        <dgm:pt modelId="2"/>
+      </dgm:ptLst>
+      <dgm:cxnLst>
+        <dgm:cxn modelId="3" srcId="0" destId="1" srcOrd="0" destOrd="0"/>
+        <dgm:cxn modelId="4" srcId="0" destId="2" srcOrd="1" destOrd="0"/>
+      </dgm:cxnLst>
+      <dgm:bg/>
+      <dgm:whole/>
+    </dgm:dataModel>
+  </dgm:clrData>
+  <dgm:layoutNode name="compositeShape">
+    <dgm:varLst>
+      <dgm:chMax val="2"/>
+      <dgm:dir/>
+      <dgm:resizeHandles val="exact"/>
+    </dgm:varLst>
+    <dgm:alg type="composite">
+      <dgm:param type="horzAlign" val="none"/>
+      <dgm:param type="vertAlign" val="none"/>
+    </dgm:alg>
+    <dgm:shape xmlns:r="http://schemas.openxmlformats.org/officeDocument/2006/relationships" r:blip="">
+      <dgm:adjLst/>
+    </dgm:shape>
+    <dgm:presOf/>
+    <dgm:choose name="Name0">
+      <dgm:if name="Name1" func="var" arg="dir" op="equ" val="norm">
+        <dgm:choose name="Name2">
+          <dgm:if name="Name3" axis="ch" ptType="node" func="cnt" op="gte" val="2">
+            <dgm:constrLst>
+              <dgm:constr type="w" for="ch" forName="divider" refType="w"/>
+              <dgm:constr type="h" for="ch" forName="divider" refType="w" fact="0.2"/>
+              <dgm:constr type="h" for="ch" forName="divider" refType="h" op="gte" fact="0.2"/>
+              <dgm:constr type="h" for="ch" forName="divider" refType="h" op="lte" fact="0.4"/>
+              <dgm:constr type="ctrX" for="ch" forName="divider" refType="w" fact="0.5"/>
+              <dgm:constr type="ctrY" for="ch" forName="divider" refType="h" fact="0.5"/>
+              <dgm:constr type="w" for="ch" forName="downArrow" refType="w" fact="0.3"/>
+              <dgm:constr type="h" for="ch" forName="downArrow" refType="h" fact="0.4"/>
+              <dgm:constr type="l" for="ch" forName="downArrow" refType="w" fact="0.1"/>
+              <dgm:constr type="t" for="ch" forName="downArrow" refType="h" fact="0.05"/>
+              <dgm:constr type="lOff" for="ch" forName="downArrow" refType="w" fact="0.02"/>
+              <dgm:constr type="w" for="ch" forName="downArrowText" refType="w" fact="0.32"/>
+              <dgm:constr type="h" for="ch" forName="downArrowText" refType="h" fact="0.42"/>
+              <dgm:constr type="t" for="ch" forName="downArrowText"/>
+              <dgm:constr type="r" for="ch" forName="downArrowText" refType="w" fact="0.85"/>
+              <dgm:constr type="w" for="ch" forName="upArrow" refType="w" fact="0.3"/>
+              <dgm:constr type="h" for="ch" forName="upArrow" refType="h" fact="0.4"/>
+              <dgm:constr type="b" for="ch" forName="upArrow" refType="h" fact="0.95"/>
+              <dgm:constr type="r" for="ch" forName="upArrow" refType="w" fact="0.9"/>
+              <dgm:constr type="rOff" for="ch" forName="upArrow" refType="w" fact="-0.02"/>
+              <dgm:constr type="w" for="ch" forName="upArrowText" refType="w" fact="0.32"/>
+              <dgm:constr type="h" for="ch" forName="upArrowText" refType="h" fact="0.42"/>
+              <dgm:constr type="b" for="ch" forName="upArrowText" refType="h"/>
+              <dgm:constr type="l" for="ch" forName="upArrowText" refType="w" fact="0.15"/>
+              <dgm:constr type="primFontSz" for="ch" ptType="node" op="equ" val="65"/>
+            </dgm:constrLst>
+          </dgm:if>
+          <dgm:else name="Name4">
+            <dgm:constrLst>
+              <dgm:constr type="w" for="ch" forName="downArrow" refType="w" fact="0.4"/>
+              <dgm:constr type="h" for="ch" forName="downArrow" refType="h" fact="0.8"/>
+              <dgm:constr type="l" for="ch" forName="downArrow" refType="w" fact="0.02"/>
+              <dgm:constr type="t" for="ch" forName="downArrow" refType="h" fact="0.05"/>
+              <dgm:constr type="lOff" for="ch" forName="downArrow" refType="w" fact="0.02"/>
+              <dgm:constr type="w" for="ch" forName="downArrowText" refType="w" fact="0.5"/>
+              <dgm:constr type="h" for="ch" forName="downArrowText" refType="h"/>
+              <dgm:constr type="t" for="ch" forName="downArrowText"/>
+              <dgm:constr type="r" for="ch" forName="downArrowText" refType="w"/>
+              <dgm:constr type="primFontSz" for="ch" ptType="node" op="equ" val="65"/>
+            </dgm:constrLst>
+          </dgm:else>
+        </dgm:choose>
+      </dgm:if>
+      <dgm:else name="Name5">
+        <dgm:choose name="Name6">
+          <dgm:if name="Name7" axis="ch" ptType="node" func="cnt" op="gte" val="2">
+            <dgm:constrLst>
+              <dgm:constr type="w" for="ch" forName="divider" refType="w"/>
+              <dgm:constr type="h" for="ch" forName="divider" refType="w" fact="0.2"/>
+              <dgm:constr type="h" for="ch" forName="divider" refType="h" op="gte" fact="0.2"/>
+              <dgm:constr type="h" for="ch" forName="divider" refType="h" op="lte" fact="0.4"/>
+              <dgm:constr type="ctrX" for="ch" forName="divider" refType="w" fact="0.5"/>
+              <dgm:constr type="ctrY" for="ch" forName="divider" refType="h" fact="0.5"/>
+              <dgm:constr type="w" for="ch" forName="downArrow" refType="w" fact="0.3"/>
+              <dgm:constr type="h" for="ch" forName="downArrow" refType="h" fact="0.4"/>
+              <dgm:constr type="r" for="ch" forName="downArrow" refType="w" fact="0.9"/>
+              <dgm:constr type="t" for="ch" forName="downArrow" refType="h" fact="0.05"/>
+              <dgm:constr type="rOff" for="ch" forName="downArrow" refType="w" fact="-0.02"/>
+              <dgm:constr type="w" for="ch" forName="downArrowText" refType="w" fact="0.32"/>
+              <dgm:constr type="h" for="ch" forName="downArrowText" refType="h" fact="0.42"/>
+              <dgm:constr type="t" for="ch" forName="downArrowText"/>
+              <dgm:constr type="l" for="ch" forName="downArrowText" refType="w" fact="0.15"/>
+              <dgm:constr type="w" for="ch" forName="upArrow" refType="w" fact="0.3"/>
+              <dgm:constr type="h" for="ch" forName="upArrow" refType="h" fact="0.4"/>
+              <dgm:constr type="b" for="ch" forName="upArrow" refType="h" fact="0.95"/>
+              <dgm:constr type="l" for="ch" forName="upArrow" refType="w" fact="0.1"/>
+              <dgm:constr type="lOff" for="ch" forName="upArrow" refType="w" fact="0.02"/>
+              <dgm:constr type="w" for="ch" forName="upArrowText" refType="w" fact="0.32"/>
+              <dgm:constr type="h" for="ch" forName="upArrowText" refType="h" fact="0.42"/>
+              <dgm:constr type="b" for="ch" forName="upArrowText" refType="h"/>
+              <dgm:constr type="r" for="ch" forName="upArrowText" refType="w" fact="0.85"/>
+              <dgm:constr type="primFontSz" for="ch" ptType="node" op="equ" val="65"/>
+            </dgm:constrLst>
+          </dgm:if>
+          <dgm:else name="Name8">
+            <dgm:constrLst>
+              <dgm:constr type="w" for="ch" forName="downArrow" refType="w" fact="0.4"/>
+              <dgm:constr type="h" for="ch" forName="downArrow" refType="h" fact="0.8"/>
+              <dgm:constr type="r" for="ch" forName="downArrow" refType="w" fact="0.98"/>
+              <dgm:constr type="t" for="ch" forName="downArrow" refType="h" fact="0.05"/>
+              <dgm:constr type="rOff" for="ch" forName="downArrow" refType="w" fact="-0.02"/>
+              <dgm:constr type="w" for="ch" forName="downArrowText" refType="w" fact="0.5"/>
+              <dgm:constr type="h" for="ch" forName="downArrowText" refType="h"/>
+              <dgm:constr type="t" for="ch" forName="downArrowText"/>
+              <dgm:constr type="l" for="ch" forName="downArrowText"/>
+              <dgm:constr type="primFontSz" for="ch" ptType="node" op="equ" val="65"/>
+            </dgm:constrLst>
+          </dgm:else>
+        </dgm:choose>
+      </dgm:else>
+    </dgm:choose>
+    <dgm:ruleLst/>
+    <dgm:choose name="Name9">
+      <dgm:if name="Name10" axis="ch" ptType="node" func="cnt" op="gte" val="2">
+        <dgm:layoutNode name="divider" styleLbl="fgShp">
+          <dgm:alg type="sp"/>
+          <dgm:choose name="Name11">
+            <dgm:if name="Name12" func="var" arg="dir" op="equ" val="norm">
+              <dgm:shape xmlns:r="http://schemas.openxmlformats.org/officeDocument/2006/relationships" rot="-5" type="mathMinus" r:blip="">
+                <dgm:adjLst/>
+              </dgm:shape>
+            </dgm:if>
+            <dgm:else name="Name13">
+              <dgm:shape xmlns:r="http://schemas.openxmlformats.org/officeDocument/2006/relationships" rot="5" type="mathMinus" r:blip="">
+                <dgm:adjLst/>
+              </dgm:shape>
+            </dgm:else>
+          </dgm:choose>
+          <dgm:presOf/>
+          <dgm:constrLst/>
+          <dgm:ruleLst/>
+        </dgm:layoutNode>
+      </dgm:if>
+      <dgm:else name="Name14"/>
+    </dgm:choose>
+    <dgm:forEach name="Name15" axis="ch" ptType="node" cnt="1">
+      <dgm:layoutNode name="downArrow" styleLbl="node1">
+        <dgm:alg type="sp"/>
+        <dgm:shape xmlns:r="http://schemas.openxmlformats.org/officeDocument/2006/relationships" type="downArrow" r:blip="">
+          <dgm:adjLst/>
+        </dgm:shape>
+        <dgm:presOf/>
+        <dgm:constrLst/>
+        <dgm:ruleLst/>
+      </dgm:layoutNode>
+      <dgm:layoutNode name="downArrowText" styleLbl="revTx">
+        <dgm:varLst>
+          <dgm:bulletEnabled val="1"/>
+        </dgm:varLst>
+        <dgm:alg type="tx">
+          <dgm:param type="txAnchorVertCh" val="mid"/>
+        </dgm:alg>
+        <dgm:shape xmlns:r="http://schemas.openxmlformats.org/officeDocument/2006/relationships" type="rect" r:blip="">
+          <dgm:adjLst/>
+        </dgm:shape>
+        <dgm:presOf axis="desOrSelf" ptType="node"/>
+        <dgm:constrLst/>
+        <dgm:ruleLst>
+          <dgm:rule type="primFontSz" val="5" fact="NaN" max="NaN"/>
+        </dgm:ruleLst>
+      </dgm:layoutNode>
+    </dgm:forEach>
+    <dgm:forEach name="Name16" axis="ch" ptType="node" st="2" cnt="1">
+      <dgm:layoutNode name="upArrow" styleLbl="node1">
+        <dgm:alg type="sp"/>
+        <dgm:shape xmlns:r="http://schemas.openxmlformats.org/officeDocument/2006/relationships" type="upArrow" r:blip="">
+          <dgm:adjLst/>
+        </dgm:shape>
+        <dgm:presOf/>
+        <dgm:constrLst/>
+        <dgm:ruleLst/>
+      </dgm:layoutNode>
+      <dgm:layoutNode name="upArrowText" styleLbl="revTx">
+        <dgm:varLst>
+          <dgm:bulletEnabled val="1"/>
+        </dgm:varLst>
+        <dgm:alg type="tx">
+          <dgm:param type="txAnchorVertCh" val="mid"/>
+        </dgm:alg>
+        <dgm:shape xmlns:r="http://schemas.openxmlformats.org/officeDocument/2006/relationships" type="rect" r:blip="">
+          <dgm:adjLst/>
+        </dgm:shape>
+        <dgm:presOf axis="desOrSelf" ptType="node"/>
+        <dgm:constrLst/>
+        <dgm:ruleLst>
+          <dgm:rule type="primFontSz" val="5" fact="NaN" max="NaN"/>
+        </dgm:ruleLst>
+      </dgm:layoutNode>
+    </dgm:forEach>
+  </dgm:layoutNode>
+</dgm:layoutDef>
+</file>
+
+<file path=ppt/diagrams/quickStyle1.xml><?xml version="1.0" encoding="utf-8"?>
+<dgm:styleDef xmlns:dgm="http://schemas.openxmlformats.org/drawingml/2006/diagram" xmlns:a="http://schemas.openxmlformats.org/drawingml/2006/main" uniqueId="urn:microsoft.com/office/officeart/2005/8/quickstyle/simple1">
+  <dgm:title val=""/>
+  <dgm:desc val=""/>
+  <dgm:catLst>
+    <dgm:cat type="simple" pri="10100"/>
+  </dgm:catLst>
+  <dgm:scene3d>
+    <a:camera prst="orthographicFront"/>
+    <a:lightRig rig="threePt" dir="t"/>
+  </dgm:scene3d>
+  <dgm:styleLbl name="node0">
+    <dgm:scene3d>
+      <a:camera prst="orthographicFront"/>
+      <a:lightRig rig="threePt" dir="t"/>
+    </dgm:scene3d>
+    <dgm:sp3d/>
+    <dgm:txPr/>
+    <dgm:style>
+      <a:lnRef idx="2">
+        <a:scrgbClr r="0" g="0" b="0"/>
+      </a:lnRef>
+      <a:fillRef idx="1">
+        <a:scrgbClr r="0" g="0" b="0"/>
+      </a:fillRef>
+      <a:effectRef idx="0">
+        <a:scrgbClr r="0" g="0" b="0"/>
+      </a:effectRef>
+      <a:fontRef idx="minor">
+        <a:schemeClr val="lt1"/>
+      </a:fontRef>
+    </dgm:style>
+  </dgm:styleLbl>
+  <dgm:styleLbl name="lnNode1">
+    <dgm:scene3d>
+      <a:camera prst="orthographicFront"/>
+      <a:lightRig rig="threePt" dir="t"/>
+    </dgm:scene3d>
+    <dgm:sp3d/>
+    <dgm:txPr/>
+    <dgm:style>
+      <a:lnRef idx="2">
+        <a:scrgbClr r="0" g="0" b="0"/>
+      </a:lnRef>
+      <a:fillRef idx="1">
+        <a:scrgbClr r="0" g="0" b="0"/>
+      </a:fillRef>
+      <a:effectRef idx="0">
+        <a:scrgbClr r="0" g="0" b="0"/>
+      </a:effectRef>
+      <a:fontRef idx="minor">
+        <a:schemeClr val="lt1"/>
+      </a:fontRef>
+    </dgm:style>
+  </dgm:styleLbl>
+  <dgm:styleLbl name="vennNode1">
+    <dgm:scene3d>
+      <a:camera prst="orthographicFront"/>
+      <a:lightRig rig="threePt" dir="t"/>
+    </dgm:scene3d>
+    <dgm:sp3d/>
+    <dgm:txPr/>
+    <dgm:style>
+      <a:lnRef idx="2">
+        <a:scrgbClr r="0" g="0" b="0"/>
+      </a:lnRef>
+      <a:fillRef idx="1">
+        <a:scrgbClr r="0" g="0" b="0"/>
+      </a:fillRef>
+      <a:effectRef idx="0">
+        <a:scrgbClr r="0" g="0" b="0"/>
+      </a:effectRef>
+      <a:fontRef idx="minor">
+        <a:schemeClr val="tx1"/>
+      </a:fontRef>
+    </dgm:style>
+  </dgm:styleLbl>
+  <dgm:styleLbl name="alignNode1">
+    <dgm:scene3d>
+      <a:camera prst="orthographicFront"/>
+      <a:lightRig rig="threePt" dir="t"/>
+    </dgm:scene3d>
+    <dgm:sp3d/>
+    <dgm:txPr/>
+    <dgm:style>
+      <a:lnRef idx="2">
+        <a:scrgbClr r="0" g="0" b="0"/>
+      </a:lnRef>
+      <a:fillRef idx="1">
+        <a:scrgbClr r="0" g="0" b="0"/>
+      </a:fillRef>
+      <a:effectRef idx="0">
+        <a:scrgbClr r="0" g="0" b="0"/>
+      </a:effectRef>
+      <a:fontRef idx="minor">
+        <a:schemeClr val="lt1"/>
+      </a:fontRef>
+    </dgm:style>
+  </dgm:styleLbl>
+  <dgm:styleLbl name="node1">
+    <dgm:scene3d>
+      <a:camera prst="orthographicFront"/>
+      <a:lightRig rig="threePt" dir="t"/>
+    </dgm:scene3d>
+    <dgm:sp3d/>
+    <dgm:txPr/>
+    <dgm:style>
+      <a:lnRef idx="2">
+        <a:scrgbClr r="0" g="0" b="0"/>
+      </a:lnRef>
+      <a:fillRef idx="1">
+        <a:scrgbClr r="0" g="0" b="0"/>
+      </a:fillRef>
+      <a:effectRef idx="0">
+        <a:scrgbClr r="0" g="0" b="0"/>
+      </a:effectRef>
+      <a:fontRef idx="minor">
+        <a:schemeClr val="lt1"/>
+      </a:fontRef>
+    </dgm:style>
+  </dgm:styleLbl>
+  <dgm:styleLbl name="node2">
+    <dgm:scene3d>
+      <a:camera prst="orthographicFront"/>
+      <a:lightRig rig="threePt" dir="t"/>
+    </dgm:scene3d>
+    <dgm:sp3d/>
+    <dgm:txPr/>
+    <dgm:style>
+      <a:lnRef idx="2">
+        <a:scrgbClr r="0" g="0" b="0"/>
+      </a:lnRef>
+      <a:fillRef idx="1">
+        <a:scrgbClr r="0" g="0" b="0"/>
+      </a:fillRef>
+      <a:effectRef idx="0">
+        <a:scrgbClr r="0" g="0" b="0"/>
+      </a:effectRef>
+      <a:fontRef idx="minor">
+        <a:schemeClr val="lt1"/>
+      </a:fontRef>
+    </dgm:style>
+  </dgm:styleLbl>
+  <dgm:styleLbl name="node3">
+    <dgm:scene3d>
+      <a:camera prst="orthographicFront"/>
+      <a:lightRig rig="threePt" dir="t"/>
+    </dgm:scene3d>
+    <dgm:sp3d/>
+    <dgm:txPr/>
+    <dgm:style>
+      <a:lnRef idx="2">
+        <a:scrgbClr r="0" g="0" b="0"/>
+      </a:lnRef>
+      <a:fillRef idx="1">
+        <a:scrgbClr r="0" g="0" b="0"/>
+      </a:fillRef>
+      <a:effectRef idx="0">
+        <a:scrgbClr r="0" g="0" b="0"/>
+      </a:effectRef>
+      <a:fontRef idx="minor">
+        <a:schemeClr val="lt1"/>
+      </a:fontRef>
+    </dgm:style>
+  </dgm:styleLbl>
+  <dgm:styleLbl name="node4">
+    <dgm:scene3d>
+      <a:camera prst="orthographicFront"/>
+      <a:lightRig rig="threePt" dir="t"/>
+    </dgm:scene3d>
+    <dgm:sp3d/>
+    <dgm:txPr/>
+    <dgm:style>
+      <a:lnRef idx="2">
+        <a:scrgbClr r="0" g="0" b="0"/>
+      </a:lnRef>
+      <a:fillRef idx="1">
+        <a:scrgbClr r="0" g="0" b="0"/>
+      </a:fillRef>
+      <a:effectRef idx="0">
+        <a:scrgbClr r="0" g="0" b="0"/>
+      </a:effectRef>
+      <a:fontRef idx="minor">
+        <a:schemeClr val="lt1"/>
+      </a:fontRef>
+    </dgm:style>
+  </dgm:styleLbl>
+  <dgm:styleLbl name="fgImgPlace1">
+    <dgm:scene3d>
+      <a:camera prst="orthographicFront"/>
+      <a:lightRig rig="threePt" dir="t"/>
+    </dgm:scene3d>
+    <dgm:sp3d/>
+    <dgm:txPr/>
+    <dgm:style>
+      <a:lnRef idx="2">
+        <a:scrgbClr r="0" g="0" b="0"/>
+      </a:lnRef>
+      <a:fillRef idx="1">
+        <a:scrgbClr r="0" g="0" b="0"/>
+      </a:fillRef>
+      <a:effectRef idx="0">
+        <a:scrgbClr r="0" g="0" b="0"/>
+      </a:effectRef>
+      <a:fontRef idx="minor"/>
+    </dgm:style>
+  </dgm:styleLbl>
+  <dgm:styleLbl name="alignImgPlace1">
+    <dgm:scene3d>
+      <a:camera prst="orthographicFront"/>
+      <a:lightRig rig="threePt" dir="t"/>
+    </dgm:scene3d>
+    <dgm:sp3d/>
+    <dgm:txPr/>
+    <dgm:style>
+      <a:lnRef idx="2">
+        <a:scrgbClr r="0" g="0" b="0"/>
+      </a:lnRef>
+      <a:fillRef idx="1">
+        <a:scrgbClr r="0" g="0" b="0"/>
+      </a:fillRef>
+      <a:effectRef idx="0">
+        <a:scrgbClr r="0" g="0" b="0"/>
+      </a:effectRef>
+      <a:fontRef idx="minor"/>
+    </dgm:style>
+  </dgm:styleLbl>
+  <dgm:styleLbl name="bgImgPlace1">
+    <dgm:scene3d>
+      <a:camera prst="orthographicFront"/>
+      <a:lightRig rig="threePt" dir="t"/>
+    </dgm:scene3d>
+    <dgm:sp3d/>
+    <dgm:txPr/>
+    <dgm:style>
+      <a:lnRef idx="2">
+        <a:scrgbClr r="0" g="0" b="0"/>
+      </a:lnRef>
+      <a:fillRef idx="1">
+        <a:scrgbClr r="0" g="0" b="0"/>
+      </a:fillRef>
+      <a:effectRef idx="0">
+        <a:scrgbClr r="0" g="0" b="0"/>
+      </a:effectRef>
+      <a:fontRef idx="minor"/>
+    </dgm:style>
+  </dgm:styleLbl>
+  <dgm:styleLbl name="sibTrans2D1">
+    <dgm:scene3d>
+      <a:camera prst="orthographicFront"/>
+      <a:lightRig rig="threePt" dir="t"/>
+    </dgm:scene3d>
+    <dgm:sp3d/>
+    <dgm:txPr/>
+    <dgm:style>
+      <a:lnRef idx="0">
+        <a:scrgbClr r="0" g="0" b="0"/>
+      </a:lnRef>
+      <a:fillRef idx="1">
+        <a:scrgbClr r="0" g="0" b="0"/>
+      </a:fillRef>
+      <a:effectRef idx="0">
+        <a:scrgbClr r="0" g="0" b="0"/>
+      </a:effectRef>
+      <a:fontRef idx="minor">
+        <a:schemeClr val="lt1"/>
+      </a:fontRef>
+    </dgm:style>
+  </dgm:styleLbl>
+  <dgm:styleLbl name="fgSibTrans2D1">
+    <dgm:scene3d>
+      <a:camera prst="orthographicFront"/>
+      <a:lightRig rig="threePt" dir="t"/>
+    </dgm:scene3d>
+    <dgm:sp3d/>
+    <dgm:txPr/>
+    <dgm:style>
+      <a:lnRef idx="0">
+        <a:scrgbClr r="0" g="0" b="0"/>
+      </a:lnRef>
+      <a:fillRef idx="1">
+        <a:scrgbClr r="0" g="0" b="0"/>
+      </a:fillRef>
+      <a:effectRef idx="0">
+        <a:scrgbClr r="0" g="0" b="0"/>
+      </a:effectRef>
+      <a:fontRef idx="minor">
+        <a:schemeClr val="lt1"/>
+      </a:fontRef>
+    </dgm:style>
+  </dgm:styleLbl>
+  <dgm:styleLbl name="bgSibTrans2D1">
+    <dgm:scene3d>
+      <a:camera prst="orthographicFront"/>
+      <a:lightRig rig="threePt" dir="t"/>
+    </dgm:scene3d>
+    <dgm:sp3d/>
+    <dgm:txPr/>
+    <dgm:style>
+      <a:lnRef idx="0">
+        <a:scrgbClr r="0" g="0" b="0"/>
+      </a:lnRef>
+      <a:fillRef idx="1">
+        <a:scrgbClr r="0" g="0" b="0"/>
+      </a:fillRef>
+      <a:effectRef idx="0">
+        <a:scrgbClr r="0" g="0" b="0"/>
+      </a:effectRef>
+      <a:fontRef idx="minor">
+        <a:schemeClr val="lt1"/>
+      </a:fontRef>
+    </dgm:style>
+  </dgm:styleLbl>
+  <dgm:styleLbl name="sibTrans1D1">
+    <dgm:scene3d>
+      <a:camera prst="orthographicFront"/>
+      <a:lightRig rig="threePt" dir="t"/>
+    </dgm:scene3d>
+    <dgm:sp3d/>
+    <dgm:txPr/>
+    <dgm:style>
+      <a:lnRef idx="1">
+        <a:scrgbClr r="0" g="0" b="0"/>
+      </a:lnRef>
+      <a:fillRef idx="0">
+        <a:scrgbClr r="0" g="0" b="0"/>
+      </a:fillRef>
+      <a:effectRef idx="0">
+        <a:scrgbClr r="0" g="0" b="0"/>
+      </a:effectRef>
+      <a:fontRef idx="minor"/>
+    </dgm:style>
+  </dgm:styleLbl>
+  <dgm:styleLbl name="callout">
+    <dgm:scene3d>
+      <a:camera prst="orthographicFront"/>
+      <a:lightRig rig="threePt" dir="t"/>
+    </dgm:scene3d>
+    <dgm:sp3d/>
+    <dgm:txPr/>
+    <dgm:style>
+      <a:lnRef idx="2">
+        <a:scrgbClr r="0" g="0" b="0"/>
+      </a:lnRef>
+      <a:fillRef idx="1">
+        <a:scrgbClr r="0" g="0" b="0"/>
+      </a:fillRef>
+      <a:effectRef idx="0">
+        <a:scrgbClr r="0" g="0" b="0"/>
+      </a:effectRef>
+      <a:fontRef idx="minor"/>
+    </dgm:style>
+  </dgm:styleLbl>
+  <dgm:styleLbl name="asst0">
+    <dgm:scene3d>
+      <a:camera prst="orthographicFront"/>
+      <a:lightRig rig="threePt" dir="t"/>
+    </dgm:scene3d>
+    <dgm:sp3d/>
+    <dgm:txPr/>
+    <dgm:style>
+      <a:lnRef idx="2">
+        <a:scrgbClr r="0" g="0" b="0"/>
+      </a:lnRef>
+      <a:fillRef idx="1">
+        <a:scrgbClr r="0" g="0" b="0"/>
+      </a:fillRef>
+      <a:effectRef idx="0">
+        <a:scrgbClr r="0" g="0" b="0"/>
+      </a:effectRef>
+      <a:fontRef idx="minor">
+        <a:schemeClr val="lt1"/>
+      </a:fontRef>
+    </dgm:style>
+  </dgm:styleLbl>
+  <dgm:styleLbl name="asst1">
+    <dgm:scene3d>
+      <a:camera prst="orthographicFront"/>
+      <a:lightRig rig="threePt" dir="t"/>
+    </dgm:scene3d>
+    <dgm:sp3d/>
+    <dgm:txPr/>
+    <dgm:style>
+      <a:lnRef idx="2">
+        <a:scrgbClr r="0" g="0" b="0"/>
+      </a:lnRef>
+      <a:fillRef idx="1">
+        <a:scrgbClr r="0" g="0" b="0"/>
+      </a:fillRef>
+      <a:effectRef idx="0">
+        <a:scrgbClr r="0" g="0" b="0"/>
+      </a:effectRef>
+      <a:fontRef idx="minor">
+        <a:schemeClr val="lt1"/>
+      </a:fontRef>
+    </dgm:style>
+  </dgm:styleLbl>
+  <dgm:styleLbl name="asst2">
+    <dgm:scene3d>
+      <a:camera prst="orthographicFront"/>
+      <a:lightRig rig="threePt" dir="t"/>
+    </dgm:scene3d>
+    <dgm:sp3d/>
+    <dgm:txPr/>
+    <dgm:style>
+      <a:lnRef idx="2">
+        <a:scrgbClr r="0" g="0" b="0"/>
+      </a:lnRef>
+      <a:fillRef idx="1">
+        <a:scrgbClr r="0" g="0" b="0"/>
+      </a:fillRef>
+      <a:effectRef idx="0">
+        <a:scrgbClr r="0" g="0" b="0"/>
+      </a:effectRef>
+      <a:fontRef idx="minor">
+        <a:schemeClr val="lt1"/>
+      </a:fontRef>
+    </dgm:style>
+  </dgm:styleLbl>
+  <dgm:styleLbl name="asst3">
+    <dgm:scene3d>
+      <a:camera prst="orthographicFront"/>
+      <a:lightRig rig="threePt" dir="t"/>
+    </dgm:scene3d>
+    <dgm:sp3d/>
+    <dgm:txPr/>
+    <dgm:style>
+      <a:lnRef idx="2">
+        <a:scrgbClr r="0" g="0" b="0"/>
+      </a:lnRef>
+      <a:fillRef idx="1">
+        <a:scrgbClr r="0" g="0" b="0"/>
+      </a:fillRef>
+      <a:effectRef idx="0">
+        <a:scrgbClr r="0" g="0" b="0"/>
+      </a:effectRef>
+      <a:fontRef idx="minor">
+        <a:schemeClr val="lt1"/>
+      </a:fontRef>
+    </dgm:style>
+  </dgm:styleLbl>
+  <dgm:styleLbl name="asst4">
+    <dgm:scene3d>
+      <a:camera prst="orthographicFront"/>
+      <a:lightRig rig="threePt" dir="t"/>
+    </dgm:scene3d>
+    <dgm:sp3d/>
+    <dgm:txPr/>
+    <dgm:style>
+      <a:lnRef idx="2">
+        <a:scrgbClr r="0" g="0" b="0"/>
+      </a:lnRef>
+      <a:fillRef idx="1">
+        <a:scrgbClr r="0" g="0" b="0"/>
+      </a:fillRef>
+      <a:effectRef idx="0">
+        <a:scrgbClr r="0" g="0" b="0"/>
+      </a:effectRef>
+      <a:fontRef idx="minor">
+        <a:schemeClr val="lt1"/>
+      </a:fontRef>
+    </dgm:style>
+  </dgm:styleLbl>
+  <dgm:styleLbl name="parChTrans2D1">
+    <dgm:scene3d>
+      <a:camera prst="orthographicFront"/>
+      <a:lightRig rig="threePt" dir="t"/>
+    </dgm:scene3d>
+    <dgm:sp3d/>
+    <dgm:txPr/>
+    <dgm:style>
+      <a:lnRef idx="2">
+        <a:scrgbClr r="0" g="0" b="0"/>
+      </a:lnRef>
+      <a:fillRef idx="1">
+        <a:scrgbClr r="0" g="0" b="0"/>
+      </a:fillRef>
+      <a:effectRef idx="0">
+        <a:scrgbClr r="0" g="0" b="0"/>
+      </a:effectRef>
+      <a:fontRef idx="minor">
+        <a:schemeClr val="lt1"/>
+      </a:fontRef>
+    </dgm:style>
+  </dgm:styleLbl>
+  <dgm:styleLbl name="parChTrans2D2">
+    <dgm:scene3d>
+      <a:camera prst="orthographicFront"/>
+      <a:lightRig rig="threePt" dir="t"/>
+    </dgm:scene3d>
+    <dgm:sp3d/>
+    <dgm:txPr/>
+    <dgm:style>
+      <a:lnRef idx="2">
+        <a:scrgbClr r="0" g="0" b="0"/>
+      </a:lnRef>
+      <a:fillRef idx="1">
+        <a:scrgbClr r="0" g="0" b="0"/>
+      </a:fillRef>
+      <a:effectRef idx="0">
+        <a:scrgbClr r="0" g="0" b="0"/>
+      </a:effectRef>
+      <a:fontRef idx="minor">
+        <a:schemeClr val="lt1"/>
+      </a:fontRef>
+    </dgm:style>
+  </dgm:styleLbl>
+  <dgm:styleLbl name="parChTrans2D3">
+    <dgm:scene3d>
+      <a:camera prst="orthographicFront"/>
+      <a:lightRig rig="threePt" dir="t"/>
+    </dgm:scene3d>
+    <dgm:sp3d/>
+    <dgm:txPr/>
+    <dgm:style>
+      <a:lnRef idx="2">
+        <a:scrgbClr r="0" g="0" b="0"/>
+      </a:lnRef>
+      <a:fillRef idx="1">
+        <a:scrgbClr r="0" g="0" b="0"/>
+      </a:fillRef>
+      <a:effectRef idx="0">
+        <a:scrgbClr r="0" g="0" b="0"/>
+      </a:effectRef>
+      <a:fontRef idx="minor">
+        <a:schemeClr val="lt1"/>
+      </a:fontRef>
+    </dgm:style>
+  </dgm:styleLbl>
+  <dgm:styleLbl name="parChTrans2D4">
+    <dgm:scene3d>
+      <a:camera prst="orthographicFront"/>
+      <a:lightRig rig="threePt" dir="t"/>
+    </dgm:scene3d>
+    <dgm:sp3d/>
+    <dgm:txPr/>
+    <dgm:style>
+      <a:lnRef idx="2">
+        <a:scrgbClr r="0" g="0" b="0"/>
+      </a:lnRef>
+      <a:fillRef idx="1">
+        <a:scrgbClr r="0" g="0" b="0"/>
+      </a:fillRef>
+      <a:effectRef idx="0">
+        <a:scrgbClr r="0" g="0" b="0"/>
+      </a:effectRef>
+      <a:fontRef idx="minor">
+        <a:schemeClr val="lt1"/>
+      </a:fontRef>
+    </dgm:style>
+  </dgm:styleLbl>
+  <dgm:styleLbl name="parChTrans1D1">
+    <dgm:scene3d>
+      <a:camera prst="orthographicFront"/>
+      <a:lightRig rig="threePt" dir="t"/>
+    </dgm:scene3d>
+    <dgm:sp3d/>
+    <dgm:txPr/>
+    <dgm:style>
+      <a:lnRef idx="2">
+        <a:scrgbClr r="0" g="0" b="0"/>
+      </a:lnRef>
+      <a:fillRef idx="0">
+        <a:scrgbClr r="0" g="0" b="0"/>
+      </a:fillRef>
+      <a:effectRef idx="0">
+        <a:scrgbClr r="0" g="0" b="0"/>
+      </a:effectRef>
+      <a:fontRef idx="minor"/>
+    </dgm:style>
+  </dgm:styleLbl>
+  <dgm:styleLbl name="parChTrans1D2">
+    <dgm:scene3d>
+      <a:camera prst="orthographicFront"/>
+      <a:lightRig rig="threePt" dir="t"/>
+    </dgm:scene3d>
+    <dgm:sp3d/>
+    <dgm:txPr/>
+    <dgm:style>
+      <a:lnRef idx="2">
+        <a:scrgbClr r="0" g="0" b="0"/>
+      </a:lnRef>
+      <a:fillRef idx="0">
+        <a:scrgbClr r="0" g="0" b="0"/>
+      </a:fillRef>
+      <a:effectRef idx="0">
+        <a:scrgbClr r="0" g="0" b="0"/>
+      </a:effectRef>
+      <a:fontRef idx="minor"/>
+    </dgm:style>
+  </dgm:styleLbl>
+  <dgm:styleLbl name="parChTrans1D3">
+    <dgm:scene3d>
+      <a:camera prst="orthographicFront"/>
+      <a:lightRig rig="threePt" dir="t"/>
+    </dgm:scene3d>
+    <dgm:sp3d/>
+    <dgm:txPr/>
+    <dgm:style>
+      <a:lnRef idx="2">
+        <a:scrgbClr r="0" g="0" b="0"/>
+      </a:lnRef>
+      <a:fillRef idx="0">
+        <a:scrgbClr r="0" g="0" b="0"/>
+      </a:fillRef>
+      <a:effectRef idx="0">
+        <a:scrgbClr r="0" g="0" b="0"/>
+      </a:effectRef>
+      <a:fontRef idx="minor"/>
+    </dgm:style>
+  </dgm:styleLbl>
+  <dgm:styleLbl name="parChTrans1D4">
+    <dgm:scene3d>
+      <a:camera prst="orthographicFront"/>
+      <a:lightRig rig="threePt" dir="t"/>
+    </dgm:scene3d>
+    <dgm:sp3d/>
+    <dgm:txPr/>
+    <dgm:style>
+      <a:lnRef idx="2">
+        <a:scrgbClr r="0" g="0" b="0"/>
+      </a:lnRef>
+      <a:fillRef idx="0">
+        <a:scrgbClr r="0" g="0" b="0"/>
+      </a:fillRef>
+      <a:effectRef idx="0">
+        <a:scrgbClr r="0" g="0" b="0"/>
+      </a:effectRef>
+      <a:fontRef idx="minor"/>
+    </dgm:style>
+  </dgm:styleLbl>
+  <dgm:styleLbl name="fgAcc1">
+    <dgm:scene3d>
+      <a:camera prst="orthographicFront"/>
+      <a:lightRig rig="threePt" dir="t"/>
+    </dgm:scene3d>
+    <dgm:sp3d/>
+    <dgm:txPr/>
+    <dgm:style>
+      <a:lnRef idx="2">
+        <a:scrgbClr r="0" g="0" b="0"/>
+      </a:lnRef>
+      <a:fillRef idx="1">
+        <a:scrgbClr r="0" g="0" b="0"/>
+      </a:fillRef>
+      <a:effectRef idx="0">
+        <a:scrgbClr r="0" g="0" b="0"/>
+      </a:effectRef>
+      <a:fontRef idx="minor"/>
+    </dgm:style>
+  </dgm:styleLbl>
+  <dgm:styleLbl name="conFgAcc1">
+    <dgm:scene3d>
+      <a:camera prst="orthographicFront"/>
+      <a:lightRig rig="threePt" dir="t"/>
+    </dgm:scene3d>
+    <dgm:sp3d/>
+    <dgm:txPr/>
+    <dgm:style>
+      <a:lnRef idx="2">
+        <a:scrgbClr r="0" g="0" b="0"/>
+      </a:lnRef>
+      <a:fillRef idx="1">
+        <a:scrgbClr r="0" g="0" b="0"/>
+      </a:fillRef>
+      <a:effectRef idx="0">
+        <a:scrgbClr r="0" g="0" b="0"/>
+      </a:effectRef>
+      <a:fontRef idx="minor"/>
+    </dgm:style>
+  </dgm:styleLbl>
+  <dgm:styleLbl name="alignAcc1">
+    <dgm:scene3d>
+      <a:camera prst="orthographicFront"/>
+      <a:lightRig rig="threePt" dir="t"/>
+    </dgm:scene3d>
+    <dgm:sp3d/>
+    <dgm:txPr/>
+    <dgm:style>
+      <a:lnRef idx="2">
+        <a:scrgbClr r="0" g="0" b="0"/>
+      </a:lnRef>
+      <a:fillRef idx="1">
+        <a:scrgbClr r="0" g="0" b="0"/>
+      </a:fillRef>
+      <a:effectRef idx="0">
+        <a:scrgbClr r="0" g="0" b="0"/>
+      </a:effectRef>
+      <a:fontRef idx="minor"/>
+    </dgm:style>
+  </dgm:styleLbl>
+  <dgm:styleLbl name="trAlignAcc1">
+    <dgm:scene3d>
+      <a:camera prst="orthographicFront"/>
+      <a:lightRig rig="threePt" dir="t"/>
+    </dgm:scene3d>
+    <dgm:sp3d/>
+    <dgm:txPr/>
+    <dgm:style>
+      <a:lnRef idx="1">
+        <a:scrgbClr r="0" g="0" b="0"/>
+      </a:lnRef>
+      <a:fillRef idx="1">
+        <a:scrgbClr r="0" g="0" b="0"/>
+      </a:fillRef>
+      <a:effectRef idx="0">
+        <a:scrgbClr r="0" g="0" b="0"/>
+      </a:effectRef>
+      <a:fontRef idx="minor"/>
+    </dgm:style>
+  </dgm:styleLbl>
+  <dgm:styleLbl name="bgAcc1">
+    <dgm:scene3d>
+      <a:camera prst="orthographicFront"/>
+      <a:lightRig rig="threePt" dir="t"/>
+    </dgm:scene3d>
+    <dgm:sp3d/>
+    <dgm:txPr/>
+    <dgm:style>
+      <a:lnRef idx="2">
+        <a:scrgbClr r="0" g="0" b="0"/>
+      </a:lnRef>
+      <a:fillRef idx="1">
+        <a:scrgbClr r="0" g="0" b="0"/>
+      </a:fillRef>
+      <a:effectRef idx="0">
+        <a:scrgbClr r="0" g="0" b="0"/>
+      </a:effectRef>
+      <a:fontRef idx="minor"/>
+    </dgm:style>
+  </dgm:styleLbl>
+  <dgm:styleLbl name="solidFgAcc1">
+    <dgm:scene3d>
+      <a:camera prst="orthographicFront"/>
+      <a:lightRig rig="threePt" dir="t"/>
+    </dgm:scene3d>
+    <dgm:sp3d/>
+    <dgm:txPr/>
+    <dgm:style>
+      <a:lnRef idx="2">
+        <a:scrgbClr r="0" g="0" b="0"/>
+      </a:lnRef>
+      <a:fillRef idx="1">
+        <a:scrgbClr r="0" g="0" b="0"/>
+      </a:fillRef>
+      <a:effectRef idx="0">
+        <a:scrgbClr r="0" g="0" b="0"/>
+      </a:effectRef>
+      <a:fontRef idx="minor"/>
+    </dgm:style>
+  </dgm:styleLbl>
+  <dgm:styleLbl name="solidAlignAcc1">
+    <dgm:scene3d>
+      <a:camera prst="orthographicFront"/>
+      <a:lightRig rig="threePt" dir="t"/>
+    </dgm:scene3d>
+    <dgm:sp3d/>
+    <dgm:txPr/>
+    <dgm:style>
+      <a:lnRef idx="2">
+        <a:scrgbClr r="0" g="0" b="0"/>
+      </a:lnRef>
+      <a:fillRef idx="1">
+        <a:scrgbClr r="0" g="0" b="0"/>
+      </a:fillRef>
+      <a:effectRef idx="0">
+        <a:scrgbClr r="0" g="0" b="0"/>
+      </a:effectRef>
+      <a:fontRef idx="minor"/>
+    </dgm:style>
+  </dgm:styleLbl>
+  <dgm:styleLbl name="solidBgAcc1">
+    <dgm:scene3d>
+      <a:camera prst="orthographicFront"/>
+      <a:lightRig rig="threePt" dir="t"/>
+    </dgm:scene3d>
+    <dgm:sp3d/>
+    <dgm:txPr/>
+    <dgm:style>
+      <a:lnRef idx="2">
+        <a:scrgbClr r="0" g="0" b="0"/>
+      </a:lnRef>
+      <a:fillRef idx="1">
+        <a:scrgbClr r="0" g="0" b="0"/>
+      </a:fillRef>
+      <a:effectRef idx="0">
+        <a:scrgbClr r="0" g="0" b="0"/>
+      </a:effectRef>
+      <a:fontRef idx="minor"/>
+    </dgm:style>
+  </dgm:styleLbl>
+  <dgm:styleLbl name="fgAccFollowNode1">
+    <dgm:scene3d>
+      <a:camera prst="orthographicFront"/>
+      <a:lightRig rig="threePt" dir="t"/>
+    </dgm:scene3d>
+    <dgm:sp3d/>
+    <dgm:txPr/>
+    <dgm:style>
+      <a:lnRef idx="2">
+        <a:scrgbClr r="0" g="0" b="0"/>
+      </a:lnRef>
+      <a:fillRef idx="1">
+        <a:scrgbClr r="0" g="0" b="0"/>
+      </a:fillRef>
+      <a:effectRef idx="0">
+        <a:scrgbClr r="0" g="0" b="0"/>
+      </a:effectRef>
+      <a:fontRef idx="minor"/>
+    </dgm:style>
+  </dgm:styleLbl>
+  <dgm:styleLbl name="alignAccFollowNode1">
+    <dgm:scene3d>
+      <a:camera prst="orthographicFront"/>
+      <a:lightRig rig="threePt" dir="t"/>
+    </dgm:scene3d>
+    <dgm:sp3d/>
+    <dgm:txPr/>
+    <dgm:style>
+      <a:lnRef idx="2">
+        <a:scrgbClr r="0" g="0" b="0"/>
+      </a:lnRef>
+      <a:fillRef idx="1">
+        <a:scrgbClr r="0" g="0" b="0"/>
+      </a:fillRef>
+      <a:effectRef idx="0">
+        <a:scrgbClr r="0" g="0" b="0"/>
+      </a:effectRef>
+      <a:fontRef idx="minor"/>
+    </dgm:style>
+  </dgm:styleLbl>
+  <dgm:styleLbl name="bgAccFollowNode1">
+    <dgm:scene3d>
+      <a:camera prst="orthographicFront"/>
+      <a:lightRig rig="threePt" dir="t"/>
+    </dgm:scene3d>
+    <dgm:sp3d/>
+    <dgm:txPr/>
+    <dgm:style>
+      <a:lnRef idx="2">
+        <a:scrgbClr r="0" g="0" b="0"/>
+      </a:lnRef>
+      <a:fillRef idx="1">
+        <a:scrgbClr r="0" g="0" b="0"/>
+      </a:fillRef>
+      <a:effectRef idx="0">
+        <a:scrgbClr r="0" g="0" b="0"/>
+      </a:effectRef>
+      <a:fontRef idx="minor"/>
+    </dgm:style>
+  </dgm:styleLbl>
+  <dgm:styleLbl name="fgAcc0">
+    <dgm:scene3d>
+      <a:camera prst="orthographicFront"/>
+      <a:lightRig rig="threePt" dir="t"/>
+    </dgm:scene3d>
+    <dgm:sp3d/>
+    <dgm:txPr/>
+    <dgm:style>
+      <a:lnRef idx="2">
+        <a:scrgbClr r="0" g="0" b="0"/>
+      </a:lnRef>
+      <a:fillRef idx="1">
+        <a:scrgbClr r="0" g="0" b="0"/>
+      </a:fillRef>
+      <a:effectRef idx="0">
+        <a:scrgbClr r="0" g="0" b="0"/>
+      </a:effectRef>
+      <a:fontRef idx="minor"/>
+    </dgm:style>
+  </dgm:styleLbl>
+  <dgm:styleLbl name="fgAcc2">
+    <dgm:scene3d>
+      <a:camera prst="orthographicFront"/>
+      <a:lightRig rig="threePt" dir="t"/>
+    </dgm:scene3d>
+    <dgm:sp3d/>
+    <dgm:txPr/>
+    <dgm:style>
+      <a:lnRef idx="2">
+        <a:scrgbClr r="0" g="0" b="0"/>
+      </a:lnRef>
+      <a:fillRef idx="1">
+        <a:scrgbClr r="0" g="0" b="0"/>
+      </a:fillRef>
+      <a:effectRef idx="0">
+        <a:scrgbClr r="0" g="0" b="0"/>
+      </a:effectRef>
+      <a:fontRef idx="minor"/>
+    </dgm:style>
+  </dgm:styleLbl>
+  <dgm:styleLbl name="fgAcc3">
+    <dgm:scene3d>
+      <a:camera prst="orthographicFront"/>
+      <a:lightRig rig="threePt" dir="t"/>
+    </dgm:scene3d>
+    <dgm:sp3d/>
+    <dgm:txPr/>
+    <dgm:style>
+      <a:lnRef idx="2">
+        <a:scrgbClr r="0" g="0" b="0"/>
+      </a:lnRef>
+      <a:fillRef idx="1">
+        <a:scrgbClr r="0" g="0" b="0"/>
+      </a:fillRef>
+      <a:effectRef idx="0">
+        <a:scrgbClr r="0" g="0" b="0"/>
+      </a:effectRef>
+      <a:fontRef idx="minor"/>
+    </dgm:style>
+  </dgm:styleLbl>
+  <dgm:styleLbl name="fgAcc4">
+    <dgm:scene3d>
+      <a:camera prst="orthographicFront"/>
+      <a:lightRig rig="threePt" dir="t"/>
+    </dgm:scene3d>
+    <dgm:sp3d/>
+    <dgm:txPr/>
+    <dgm:style>
+      <a:lnRef idx="2">
+        <a:scrgbClr r="0" g="0" b="0"/>
+      </a:lnRef>
+      <a:fillRef idx="1">
+        <a:scrgbClr r="0" g="0" b="0"/>
+      </a:fillRef>
+      <a:effectRef idx="0">
+        <a:scrgbClr r="0" g="0" b="0"/>
+      </a:effectRef>
+      <a:fontRef idx="minor"/>
+    </dgm:style>
+  </dgm:styleLbl>
+  <dgm:styleLbl name="bgShp">
+    <dgm:scene3d>
+      <a:camera prst="orthographicFront"/>
+      <a:lightRig rig="threePt" dir="t"/>
+    </dgm:scene3d>
+    <dgm:sp3d/>
+    <dgm:txPr/>
+    <dgm:style>
+      <a:lnRef idx="0">
+        <a:scrgbClr r="0" g="0" b="0"/>
+      </a:lnRef>
+      <a:fillRef idx="1">
+        <a:scrgbClr r="0" g="0" b="0"/>
+      </a:fillRef>
+      <a:effectRef idx="0">
+        <a:scrgbClr r="0" g="0" b="0"/>
+      </a:effectRef>
+      <a:fontRef idx="minor"/>
+    </dgm:style>
+  </dgm:styleLbl>
+  <dgm:styleLbl name="dkBgShp">
+    <dgm:scene3d>
+      <a:camera prst="orthographicFront"/>
+      <a:lightRig rig="threePt" dir="t"/>
+    </dgm:scene3d>
+    <dgm:sp3d/>
+    <dgm:txPr/>
+    <dgm:style>
+      <a:lnRef idx="0">
+        <a:scrgbClr r="0" g="0" b="0"/>
+      </a:lnRef>
+      <a:fillRef idx="1">
+        <a:scrgbClr r="0" g="0" b="0"/>
+      </a:fillRef>
+      <a:effectRef idx="0">
+        <a:scrgbClr r="0" g="0" b="0"/>
+      </a:effectRef>
+      <a:fontRef idx="minor"/>
+    </dgm:style>
+  </dgm:styleLbl>
+  <dgm:styleLbl name="trBgShp">
+    <dgm:scene3d>
+      <a:camera prst="orthographicFront"/>
+      <a:lightRig rig="threePt" dir="t"/>
+    </dgm:scene3d>
+    <dgm:sp3d/>
+    <dgm:txPr/>
+    <dgm:style>
+      <a:lnRef idx="0">
+        <a:scrgbClr r="0" g="0" b="0"/>
+      </a:lnRef>
+      <a:fillRef idx="1">
+        <a:scrgbClr r="0" g="0" b="0"/>
+      </a:fillRef>
+      <a:effectRef idx="0">
+        <a:scrgbClr r="0" g="0" b="0"/>
+      </a:effectRef>
+      <a:fontRef idx="minor"/>
+    </dgm:style>
+  </dgm:styleLbl>
+  <dgm:styleLbl name="fgShp">
+    <dgm:scene3d>
+      <a:camera prst="orthographicFront"/>
+      <a:lightRig rig="threePt" dir="t"/>
+    </dgm:scene3d>
+    <dgm:sp3d/>
+    <dgm:txPr/>
+    <dgm:style>
+      <a:lnRef idx="2">
+        <a:scrgbClr r="0" g="0" b="0"/>
+      </a:lnRef>
+      <a:fillRef idx="1">
+        <a:scrgbClr r="0" g="0" b="0"/>
+      </a:fillRef>
+      <a:effectRef idx="0">
+        <a:scrgbClr r="0" g="0" b="0"/>
+      </a:effectRef>
+      <a:fontRef idx="minor"/>
+    </dgm:style>
+  </dgm:styleLbl>
+  <dgm:styleLbl name="revTx">
+    <dgm:scene3d>
+      <a:camera prst="orthographicFront"/>
+      <a:lightRig rig="threePt" dir="t"/>
+    </dgm:scene3d>
+    <dgm:sp3d/>
+    <dgm:txPr/>
+    <dgm:style>
+      <a:lnRef idx="0">
+        <a:scrgbClr r="0" g="0" b="0"/>
+      </a:lnRef>
+      <a:fillRef idx="0">
+        <a:scrgbClr r="0" g="0" b="0"/>
+      </a:fillRef>
+      <a:effectRef idx="0">
+        <a:scrgbClr r="0" g="0" b="0"/>
+      </a:effectRef>
+      <a:fontRef idx="minor"/>
+    </dgm:style>
+  </dgm:styleLbl>
+</dgm:styleDef>
+</file>
+
 <file path=ppt/notesMasters/notesMaster1.xml><?xml version="1.0" encoding="utf-8"?>
 <p:notesMaster xmlns:a="http://schemas.openxmlformats.org/drawingml/2006/main" xmlns:r="http://schemas.openxmlformats.org/officeDocument/2006/relationships" xmlns:p="http://schemas.openxmlformats.org/presentationml/2006/main">
   <p:cSld>
@@ -248,7 +2772,7 @@
             <a:fld id="{46E2045A-045A-4BC7-A4D3-1395440B1C3D}" type="datetimeFigureOut">
               <a:rPr lang="en-US" smtClean="0"/>
               <a:pPr/>
-              <a:t>11/1/2021</a:t>
+              <a:t>4/14/2022</a:t>
             </a:fld>
             <a:endParaRPr lang="en-US"/>
           </a:p>
@@ -7635,7 +10159,48 @@
         </p:nvSpPr>
         <p:spPr>
           <a:xfrm>
-            <a:off x="2047876" y="4375025"/>
+            <a:off x="1977461" y="4371519"/>
+            <a:ext cx="542924" cy="369332"/>
+          </a:xfrm>
+          <a:prstGeom prst="rect">
+            <a:avLst/>
+          </a:prstGeom>
+          <a:noFill/>
+        </p:spPr>
+        <p:txBody>
+          <a:bodyPr wrap="square">
+            <a:spAutoFit/>
+          </a:bodyPr>
+          <a:lstStyle/>
+          <a:p>
+            <a:pPr algn="ctr"/>
+            <a:r>
+              <a:rPr lang="en-US" b="1" dirty="0">
+                <a:solidFill>
+                  <a:srgbClr val="FF0000"/>
+                </a:solidFill>
+              </a:rPr>
+              <a:t>-1 </a:t>
+            </a:r>
+            <a:endParaRPr lang="en-US" dirty="0"/>
+          </a:p>
+        </p:txBody>
+      </p:sp>
+      <p:sp>
+        <p:nvSpPr>
+          <p:cNvPr id="18" name="TextBox 17">
+            <a:extLst>
+              <a:ext uri="{FF2B5EF4-FFF2-40B4-BE49-F238E27FC236}">
+                <a16:creationId xmlns:a16="http://schemas.microsoft.com/office/drawing/2014/main" id="{7693144F-D9DD-4B81-BBD5-4D7C7337FDF9}"/>
+              </a:ext>
+            </a:extLst>
+          </p:cNvPr>
+          <p:cNvSpPr txBox="1"/>
+          <p:nvPr/>
+        </p:nvSpPr>
+        <p:spPr>
+          <a:xfrm>
+            <a:off x="2645734" y="4374127"/>
             <a:ext cx="542924" cy="369332"/>
           </a:xfrm>
           <a:prstGeom prst="rect">
@@ -7664,10 +10229,10 @@
       </p:sp>
       <p:sp>
         <p:nvSpPr>
-          <p:cNvPr id="18" name="TextBox 17">
-            <a:extLst>
-              <a:ext uri="{FF2B5EF4-FFF2-40B4-BE49-F238E27FC236}">
-                <a16:creationId xmlns:a16="http://schemas.microsoft.com/office/drawing/2014/main" id="{7693144F-D9DD-4B81-BBD5-4D7C7337FDF9}"/>
+          <p:cNvPr id="19" name="TextBox 18">
+            <a:extLst>
+              <a:ext uri="{FF2B5EF4-FFF2-40B4-BE49-F238E27FC236}">
+                <a16:creationId xmlns:a16="http://schemas.microsoft.com/office/drawing/2014/main" id="{5AE735A0-FF2F-45F0-BFFD-DA2B683D5B15}"/>
               </a:ext>
             </a:extLst>
           </p:cNvPr>
@@ -7676,7 +10241,7 @@
         </p:nvSpPr>
         <p:spPr>
           <a:xfrm>
-            <a:off x="2624138" y="4375025"/>
+            <a:off x="3245645" y="4375025"/>
             <a:ext cx="542924" cy="369332"/>
           </a:xfrm>
           <a:prstGeom prst="rect">
@@ -7705,10 +10270,10 @@
       </p:sp>
       <p:sp>
         <p:nvSpPr>
-          <p:cNvPr id="19" name="TextBox 18">
-            <a:extLst>
-              <a:ext uri="{FF2B5EF4-FFF2-40B4-BE49-F238E27FC236}">
-                <a16:creationId xmlns:a16="http://schemas.microsoft.com/office/drawing/2014/main" id="{5AE735A0-FF2F-45F0-BFFD-DA2B683D5B15}"/>
+          <p:cNvPr id="20" name="TextBox 19">
+            <a:extLst>
+              <a:ext uri="{FF2B5EF4-FFF2-40B4-BE49-F238E27FC236}">
+                <a16:creationId xmlns:a16="http://schemas.microsoft.com/office/drawing/2014/main" id="{EBB1A0A8-C82E-466F-AEC2-85F567829D2D}"/>
               </a:ext>
             </a:extLst>
           </p:cNvPr>
@@ -7717,7 +10282,7 @@
         </p:nvSpPr>
         <p:spPr>
           <a:xfrm>
-            <a:off x="3245645" y="4375025"/>
+            <a:off x="2014538" y="3556907"/>
             <a:ext cx="542924" cy="369332"/>
           </a:xfrm>
           <a:prstGeom prst="rect">
@@ -7744,47 +10309,6 @@
           </a:p>
         </p:txBody>
       </p:sp>
-      <p:sp>
-        <p:nvSpPr>
-          <p:cNvPr id="20" name="TextBox 19">
-            <a:extLst>
-              <a:ext uri="{FF2B5EF4-FFF2-40B4-BE49-F238E27FC236}">
-                <a16:creationId xmlns:a16="http://schemas.microsoft.com/office/drawing/2014/main" id="{EBB1A0A8-C82E-466F-AEC2-85F567829D2D}"/>
-              </a:ext>
-            </a:extLst>
-          </p:cNvPr>
-          <p:cNvSpPr txBox="1"/>
-          <p:nvPr/>
-        </p:nvSpPr>
-        <p:spPr>
-          <a:xfrm>
-            <a:off x="2014538" y="3556907"/>
-            <a:ext cx="542924" cy="369332"/>
-          </a:xfrm>
-          <a:prstGeom prst="rect">
-            <a:avLst/>
-          </a:prstGeom>
-          <a:noFill/>
-        </p:spPr>
-        <p:txBody>
-          <a:bodyPr wrap="square">
-            <a:spAutoFit/>
-          </a:bodyPr>
-          <a:lstStyle/>
-          <a:p>
-            <a:pPr algn="ctr"/>
-            <a:r>
-              <a:rPr lang="en-US" b="1" dirty="0">
-                <a:solidFill>
-                  <a:srgbClr val="FF0000"/>
-                </a:solidFill>
-              </a:rPr>
-              <a:t>MV</a:t>
-            </a:r>
-            <a:endParaRPr lang="en-US" dirty="0"/>
-          </a:p>
-        </p:txBody>
-      </p:sp>
       <p:cxnSp>
         <p:nvCxnSpPr>
           <p:cNvPr id="21" name="Straight Arrow Connector 20">
@@ -7802,8 +10326,8 @@
         </p:nvCxnSpPr>
         <p:spPr>
           <a:xfrm flipH="1" flipV="1">
-            <a:off x="2286000" y="3861582"/>
-            <a:ext cx="33338" cy="513443"/>
+            <a:off x="2215585" y="3858077"/>
+            <a:ext cx="33338" cy="513442"/>
           </a:xfrm>
           <a:prstGeom prst="straightConnector1">
             <a:avLst/>
@@ -7936,50 +10460,6 @@
           <a:xfrm flipH="1" flipV="1">
             <a:off x="2428875" y="3904298"/>
             <a:ext cx="1947863" cy="450770"/>
-          </a:xfrm>
-          <a:prstGeom prst="straightConnector1">
-            <a:avLst/>
-          </a:prstGeom>
-          <a:ln w="38100">
-            <a:solidFill>
-              <a:srgbClr val="FF0000"/>
-            </a:solidFill>
-            <a:tailEnd type="triangle"/>
-          </a:ln>
-        </p:spPr>
-        <p:style>
-          <a:lnRef idx="1">
-            <a:schemeClr val="accent1"/>
-          </a:lnRef>
-          <a:fillRef idx="0">
-            <a:schemeClr val="accent1"/>
-          </a:fillRef>
-          <a:effectRef idx="0">
-            <a:schemeClr val="accent1"/>
-          </a:effectRef>
-          <a:fontRef idx="minor">
-            <a:schemeClr val="tx1"/>
-          </a:fontRef>
-        </p:style>
-      </p:cxnSp>
-      <p:cxnSp>
-        <p:nvCxnSpPr>
-          <p:cNvPr id="35" name="Straight Arrow Connector 34">
-            <a:extLst>
-              <a:ext uri="{FF2B5EF4-FFF2-40B4-BE49-F238E27FC236}">
-                <a16:creationId xmlns:a16="http://schemas.microsoft.com/office/drawing/2014/main" id="{00DC5FE9-A39B-40B1-8610-707FE281FE45}"/>
-              </a:ext>
-            </a:extLst>
-          </p:cNvPr>
-          <p:cNvCxnSpPr>
-            <a:cxnSpLocks/>
-          </p:cNvCxnSpPr>
-          <p:nvPr/>
-        </p:nvCxnSpPr>
-        <p:spPr>
-          <a:xfrm flipH="1" flipV="1">
-            <a:off x="2428875" y="4639911"/>
-            <a:ext cx="1838325" cy="541689"/>
           </a:xfrm>
           <a:prstGeom prst="straightConnector1">
             <a:avLst/>
@@ -10444,8 +12924,8 @@
           </a:p>
         </p:txBody>
       </p:sp>
-      <mc:AlternateContent xmlns:mc="http://schemas.openxmlformats.org/markup-compatibility/2006">
-        <mc:Choice xmlns:a14="http://schemas.microsoft.com/office/drawing/2010/main" Requires="a14">
+      <mc:AlternateContent xmlns:mc="http://schemas.openxmlformats.org/markup-compatibility/2006" xmlns:a14="http://schemas.microsoft.com/office/drawing/2010/main">
+        <mc:Choice Requires="a14">
           <p:sp>
             <p:nvSpPr>
               <p:cNvPr id="3" name="Content Placeholder 2">
@@ -10832,7 +13312,7 @@
             </p:txBody>
           </p:sp>
         </mc:Choice>
-        <mc:Fallback>
+        <mc:Fallback xmlns="">
           <p:sp>
             <p:nvSpPr>
               <p:cNvPr id="3" name="Content Placeholder 2">
@@ -11822,8 +14302,8 @@
           </a:p>
         </p:txBody>
       </p:sp>
-      <mc:AlternateContent xmlns:mc="http://schemas.openxmlformats.org/markup-compatibility/2006">
-        <mc:Choice xmlns:a14="http://schemas.microsoft.com/office/drawing/2010/main" Requires="a14">
+      <mc:AlternateContent xmlns:mc="http://schemas.openxmlformats.org/markup-compatibility/2006" xmlns:a14="http://schemas.microsoft.com/office/drawing/2010/main">
+        <mc:Choice Requires="a14">
           <p:sp>
             <p:nvSpPr>
               <p:cNvPr id="9" name="TextBox 8">
@@ -11906,7 +14386,7 @@
             </p:txBody>
           </p:sp>
         </mc:Choice>
-        <mc:Fallback>
+        <mc:Fallback xmlns="">
           <p:sp>
             <p:nvSpPr>
               <p:cNvPr id="9" name="TextBox 8">
@@ -11951,8 +14431,8 @@
           </p:sp>
         </mc:Fallback>
       </mc:AlternateContent>
-      <mc:AlternateContent xmlns:mc="http://schemas.openxmlformats.org/markup-compatibility/2006">
-        <mc:Choice xmlns:a14="http://schemas.microsoft.com/office/drawing/2010/main" Requires="a14">
+      <mc:AlternateContent xmlns:mc="http://schemas.openxmlformats.org/markup-compatibility/2006" xmlns:a14="http://schemas.microsoft.com/office/drawing/2010/main">
+        <mc:Choice Requires="a14">
           <p:sp>
             <p:nvSpPr>
               <p:cNvPr id="10" name="TextBox 9">
@@ -12051,7 +14531,7 @@
             </p:txBody>
           </p:sp>
         </mc:Choice>
-        <mc:Fallback>
+        <mc:Fallback xmlns="">
           <p:sp>
             <p:nvSpPr>
               <p:cNvPr id="10" name="TextBox 9">
@@ -12708,8 +15188,8 @@
           </a:fontRef>
         </p:style>
       </p:cxnSp>
-      <mc:AlternateContent xmlns:mc="http://schemas.openxmlformats.org/markup-compatibility/2006">
-        <mc:Choice xmlns:a14="http://schemas.microsoft.com/office/drawing/2010/main" Requires="a14">
+      <mc:AlternateContent xmlns:mc="http://schemas.openxmlformats.org/markup-compatibility/2006" xmlns:a14="http://schemas.microsoft.com/office/drawing/2010/main">
+        <mc:Choice Requires="a14">
           <p:sp>
             <p:nvSpPr>
               <p:cNvPr id="51" name="TextBox 50">
@@ -12785,7 +15265,7 @@
             </p:txBody>
           </p:sp>
         </mc:Choice>
-        <mc:Fallback>
+        <mc:Fallback xmlns="">
           <p:sp>
             <p:nvSpPr>
               <p:cNvPr id="51" name="TextBox 50">
@@ -12830,8 +15310,8 @@
           </p:sp>
         </mc:Fallback>
       </mc:AlternateContent>
-      <mc:AlternateContent xmlns:mc="http://schemas.openxmlformats.org/markup-compatibility/2006">
-        <mc:Choice xmlns:a14="http://schemas.microsoft.com/office/drawing/2010/main" Requires="a14">
+      <mc:AlternateContent xmlns:mc="http://schemas.openxmlformats.org/markup-compatibility/2006" xmlns:a14="http://schemas.microsoft.com/office/drawing/2010/main">
+        <mc:Choice Requires="a14">
           <p:sp>
             <p:nvSpPr>
               <p:cNvPr id="56" name="TextBox 55">
@@ -12860,6 +15340,7 @@
               </a:bodyPr>
               <a:lstStyle/>
               <a:p>
+                <a:pPr/>
                 <a14:m>
                   <m:oMathPara xmlns:m="http://schemas.openxmlformats.org/officeDocument/2006/math">
                     <m:oMathParaPr>
@@ -12896,7 +15377,7 @@
             </p:txBody>
           </p:sp>
         </mc:Choice>
-        <mc:Fallback>
+        <mc:Fallback xmlns="">
           <p:sp>
             <p:nvSpPr>
               <p:cNvPr id="56" name="TextBox 55">
@@ -12941,8 +15422,8 @@
           </p:sp>
         </mc:Fallback>
       </mc:AlternateContent>
-      <mc:AlternateContent xmlns:mc="http://schemas.openxmlformats.org/markup-compatibility/2006">
-        <mc:Choice xmlns:a14="http://schemas.microsoft.com/office/drawing/2010/main" Requires="a14">
+      <mc:AlternateContent xmlns:mc="http://schemas.openxmlformats.org/markup-compatibility/2006" xmlns:a14="http://schemas.microsoft.com/office/drawing/2010/main">
+        <mc:Choice Requires="a14">
           <p:sp>
             <p:nvSpPr>
               <p:cNvPr id="57" name="TextBox 56">
@@ -12971,6 +15452,7 @@
               </a:bodyPr>
               <a:lstStyle/>
               <a:p>
+                <a:pPr/>
                 <a14:m>
                   <m:oMathPara xmlns:m="http://schemas.openxmlformats.org/officeDocument/2006/math">
                     <m:oMathParaPr>
@@ -13007,7 +15489,7 @@
             </p:txBody>
           </p:sp>
         </mc:Choice>
-        <mc:Fallback>
+        <mc:Fallback xmlns="">
           <p:sp>
             <p:nvSpPr>
               <p:cNvPr id="57" name="TextBox 56">
@@ -13052,8 +15534,8 @@
           </p:sp>
         </mc:Fallback>
       </mc:AlternateContent>
-      <mc:AlternateContent xmlns:mc="http://schemas.openxmlformats.org/markup-compatibility/2006">
-        <mc:Choice xmlns:a14="http://schemas.microsoft.com/office/drawing/2010/main" Requires="a14">
+      <mc:AlternateContent xmlns:mc="http://schemas.openxmlformats.org/markup-compatibility/2006" xmlns:a14="http://schemas.microsoft.com/office/drawing/2010/main">
+        <mc:Choice Requires="a14">
           <p:sp>
             <p:nvSpPr>
               <p:cNvPr id="58" name="TextBox 57">
@@ -13082,6 +15564,7 @@
               </a:bodyPr>
               <a:lstStyle/>
               <a:p>
+                <a:pPr/>
                 <a14:m>
                   <m:oMathPara xmlns:m="http://schemas.openxmlformats.org/officeDocument/2006/math">
                     <m:oMathParaPr>
@@ -13118,7 +15601,7 @@
             </p:txBody>
           </p:sp>
         </mc:Choice>
-        <mc:Fallback>
+        <mc:Fallback xmlns="">
           <p:sp>
             <p:nvSpPr>
               <p:cNvPr id="58" name="TextBox 57">
@@ -13163,8 +15646,8 @@
           </p:sp>
         </mc:Fallback>
       </mc:AlternateContent>
-      <mc:AlternateContent xmlns:mc="http://schemas.openxmlformats.org/markup-compatibility/2006">
-        <mc:Choice xmlns:a14="http://schemas.microsoft.com/office/drawing/2010/main" Requires="a14">
+      <mc:AlternateContent xmlns:mc="http://schemas.openxmlformats.org/markup-compatibility/2006" xmlns:a14="http://schemas.microsoft.com/office/drawing/2010/main">
+        <mc:Choice Requires="a14">
           <p:sp>
             <p:nvSpPr>
               <p:cNvPr id="60" name="TextBox 59">
@@ -13195,6 +15678,7 @@
               </a:bodyPr>
               <a:lstStyle/>
               <a:p>
+                <a:pPr/>
                 <a14:m>
                   <m:oMathPara xmlns:m="http://schemas.openxmlformats.org/officeDocument/2006/math">
                     <m:oMathParaPr>
@@ -13227,7 +15711,7 @@
             </p:txBody>
           </p:sp>
         </mc:Choice>
-        <mc:Fallback>
+        <mc:Fallback xmlns="">
           <p:sp>
             <p:nvSpPr>
               <p:cNvPr id="60" name="TextBox 59">
@@ -13368,8 +15852,8 @@
           </a:p>
         </p:txBody>
       </p:sp>
-      <mc:AlternateContent xmlns:mc="http://schemas.openxmlformats.org/markup-compatibility/2006">
-        <mc:Choice xmlns:a14="http://schemas.microsoft.com/office/drawing/2010/main" Requires="a14">
+      <mc:AlternateContent xmlns:mc="http://schemas.openxmlformats.org/markup-compatibility/2006" xmlns:a14="http://schemas.microsoft.com/office/drawing/2010/main">
+        <mc:Choice Requires="a14">
           <p:sp>
             <p:nvSpPr>
               <p:cNvPr id="63" name="TextBox 62">
@@ -13400,6 +15884,7 @@
               </a:bodyPr>
               <a:lstStyle/>
               <a:p>
+                <a:pPr/>
                 <a14:m>
                   <m:oMathPara xmlns:m="http://schemas.openxmlformats.org/officeDocument/2006/math">
                     <m:oMathParaPr>
@@ -13432,7 +15917,7 @@
             </p:txBody>
           </p:sp>
         </mc:Choice>
-        <mc:Fallback>
+        <mc:Fallback xmlns="">
           <p:sp>
             <p:nvSpPr>
               <p:cNvPr id="63" name="TextBox 62">
@@ -13521,8 +16006,8 @@
           </a:fontRef>
         </p:style>
       </p:cxnSp>
-      <mc:AlternateContent xmlns:mc="http://schemas.openxmlformats.org/markup-compatibility/2006">
-        <mc:Choice xmlns:a14="http://schemas.microsoft.com/office/drawing/2010/main" Requires="a14">
+      <mc:AlternateContent xmlns:mc="http://schemas.openxmlformats.org/markup-compatibility/2006" xmlns:a14="http://schemas.microsoft.com/office/drawing/2010/main">
+        <mc:Choice Requires="a14">
           <p:sp>
             <p:nvSpPr>
               <p:cNvPr id="67" name="TextBox 66">
@@ -13553,6 +16038,7 @@
               </a:bodyPr>
               <a:lstStyle/>
               <a:p>
+                <a:pPr/>
                 <a14:m>
                   <m:oMathPara xmlns:m="http://schemas.openxmlformats.org/officeDocument/2006/math">
                     <m:oMathParaPr>
@@ -13585,7 +16071,7 @@
             </p:txBody>
           </p:sp>
         </mc:Choice>
-        <mc:Fallback>
+        <mc:Fallback xmlns="">
           <p:sp>
             <p:nvSpPr>
               <p:cNvPr id="67" name="TextBox 66">
@@ -13630,8 +16116,8 @@
           </p:sp>
         </mc:Fallback>
       </mc:AlternateContent>
-      <mc:AlternateContent xmlns:mc="http://schemas.openxmlformats.org/markup-compatibility/2006">
-        <mc:Choice xmlns:a14="http://schemas.microsoft.com/office/drawing/2010/main" Requires="a14">
+      <mc:AlternateContent xmlns:mc="http://schemas.openxmlformats.org/markup-compatibility/2006" xmlns:a14="http://schemas.microsoft.com/office/drawing/2010/main">
+        <mc:Choice Requires="a14">
           <p:sp>
             <p:nvSpPr>
               <p:cNvPr id="68" name="TextBox 67">
@@ -13662,6 +16148,7 @@
               </a:bodyPr>
               <a:lstStyle/>
               <a:p>
+                <a:pPr/>
                 <a14:m>
                   <m:oMathPara xmlns:m="http://schemas.openxmlformats.org/officeDocument/2006/math">
                     <m:oMathParaPr>
@@ -13694,7 +16181,7 @@
             </p:txBody>
           </p:sp>
         </mc:Choice>
-        <mc:Fallback>
+        <mc:Fallback xmlns="">
           <p:sp>
             <p:nvSpPr>
               <p:cNvPr id="68" name="TextBox 67">
@@ -13783,8 +16270,8 @@
           </a:fontRef>
         </p:style>
       </p:cxnSp>
-      <mc:AlternateContent xmlns:mc="http://schemas.openxmlformats.org/markup-compatibility/2006">
-        <mc:Choice xmlns:a14="http://schemas.microsoft.com/office/drawing/2010/main" Requires="a14">
+      <mc:AlternateContent xmlns:mc="http://schemas.openxmlformats.org/markup-compatibility/2006" xmlns:a14="http://schemas.microsoft.com/office/drawing/2010/main">
+        <mc:Choice Requires="a14">
           <p:sp>
             <p:nvSpPr>
               <p:cNvPr id="72" name="TextBox 71">
@@ -13815,6 +16302,7 @@
               </a:bodyPr>
               <a:lstStyle/>
               <a:p>
+                <a:pPr/>
                 <a14:m>
                   <m:oMathPara xmlns:m="http://schemas.openxmlformats.org/officeDocument/2006/math">
                     <m:oMathParaPr>
@@ -13847,7 +16335,7 @@
             </p:txBody>
           </p:sp>
         </mc:Choice>
-        <mc:Fallback>
+        <mc:Fallback xmlns="">
           <p:sp>
             <p:nvSpPr>
               <p:cNvPr id="72" name="TextBox 71">
@@ -13936,8 +16424,8 @@
           </a:fontRef>
         </p:style>
       </p:cxnSp>
-      <mc:AlternateContent xmlns:mc="http://schemas.openxmlformats.org/markup-compatibility/2006">
-        <mc:Choice xmlns:a14="http://schemas.microsoft.com/office/drawing/2010/main" Requires="a14">
+      <mc:AlternateContent xmlns:mc="http://schemas.openxmlformats.org/markup-compatibility/2006" xmlns:a14="http://schemas.microsoft.com/office/drawing/2010/main">
+        <mc:Choice Requires="a14">
           <p:sp>
             <p:nvSpPr>
               <p:cNvPr id="78" name="TextBox 77">
@@ -13968,6 +16456,7 @@
               </a:bodyPr>
               <a:lstStyle/>
               <a:p>
+                <a:pPr/>
                 <a14:m>
                   <m:oMathPara xmlns:m="http://schemas.openxmlformats.org/officeDocument/2006/math">
                     <m:oMathParaPr>
@@ -14000,7 +16489,7 @@
             </p:txBody>
           </p:sp>
         </mc:Choice>
-        <mc:Fallback>
+        <mc:Fallback xmlns="">
           <p:sp>
             <p:nvSpPr>
               <p:cNvPr id="78" name="TextBox 77">
@@ -14141,8 +16630,8 @@
           </a:fontRef>
         </p:style>
       </p:cxnSp>
-      <mc:AlternateContent xmlns:mc="http://schemas.openxmlformats.org/markup-compatibility/2006">
-        <mc:Choice xmlns:a14="http://schemas.microsoft.com/office/drawing/2010/main" Requires="a14">
+      <mc:AlternateContent xmlns:mc="http://schemas.openxmlformats.org/markup-compatibility/2006" xmlns:a14="http://schemas.microsoft.com/office/drawing/2010/main">
+        <mc:Choice Requires="a14">
           <p:sp>
             <p:nvSpPr>
               <p:cNvPr id="79" name="TextBox 78">
@@ -14171,6 +16660,7 @@
               </a:bodyPr>
               <a:lstStyle/>
               <a:p>
+                <a:pPr/>
                 <a14:m>
                   <m:oMathPara xmlns:m="http://schemas.openxmlformats.org/officeDocument/2006/math">
                     <m:oMathParaPr>
@@ -14207,7 +16697,7 @@
             </p:txBody>
           </p:sp>
         </mc:Choice>
-        <mc:Fallback>
+        <mc:Fallback xmlns="">
           <p:sp>
             <p:nvSpPr>
               <p:cNvPr id="79" name="TextBox 78">
@@ -15591,7 +18081,7 @@
             </a:br>
             <a:r>
               <a:rPr lang="en-US" sz="1600" dirty="0"/>
-              <a:t>(game tree is too large or search takes to long)</a:t>
+              <a:t>(game tree is too large or search takes too long)</a:t>
             </a:r>
           </a:p>
           <a:p>
@@ -15730,9 +18220,18 @@
             <p:spPr/>
             <p:txBody>
               <a:bodyPr>
-                <a:normAutofit fontScale="85000" lnSpcReduction="20000"/>
+                <a:normAutofit fontScale="77500" lnSpcReduction="20000"/>
               </a:bodyPr>
               <a:lstStyle/>
+              <a:p>
+                <a:pPr marL="0" indent="0">
+                  <a:buNone/>
+                </a:pPr>
+                <a:r>
+                  <a:rPr lang="en-US" dirty="0"/>
+                  <a:t>Reduce the search cost by restricting the search depth:</a:t>
+                </a:r>
+              </a:p>
               <a:p>
                 <a:pPr marL="514350" indent="-514350">
                   <a:buFont typeface="+mj-lt"/>
@@ -16282,7 +18781,7 @@
               <a:blipFill>
                 <a:blip r:embed="rId2"/>
                 <a:stretch>
-                  <a:fillRect l="-1236" t="-3361" r="-1159"/>
+                  <a:fillRect l="-1005" t="-2801" r="-1468" b="-700"/>
                 </a:stretch>
               </a:blipFill>
             </p:spPr>
@@ -17641,7 +20140,7 @@
             </a:pPr>
             <a:r>
               <a:rPr lang="en-US" dirty="0"/>
-              <a:t>Prune moves that appear poor to save time. </a:t>
+              <a:t>To save time, we can prune moves that appear bad. </a:t>
             </a:r>
           </a:p>
           <a:p>
@@ -20516,8 +23015,8 @@
           </a:p>
         </p:txBody>
       </p:sp>
-      <mc:AlternateContent xmlns:mc="http://schemas.openxmlformats.org/markup-compatibility/2006">
-        <mc:Choice xmlns:a14="http://schemas.microsoft.com/office/drawing/2010/main" Requires="a14">
+      <mc:AlternateContent xmlns:mc="http://schemas.openxmlformats.org/markup-compatibility/2006" xmlns:a14="http://schemas.microsoft.com/office/drawing/2010/main">
+        <mc:Choice Requires="a14">
           <p:sp>
             <p:nvSpPr>
               <p:cNvPr id="3" name="Content Placeholder 2">
@@ -20644,7 +23143,7 @@
             </p:txBody>
           </p:sp>
         </mc:Choice>
-        <mc:Fallback>
+        <mc:Fallback xmlns="">
           <p:sp>
             <p:nvSpPr>
               <p:cNvPr id="3" name="Content Placeholder 2">
@@ -20823,7 +23322,7 @@
                 </a:pPr>
                 <a:r>
                   <a:rPr lang="en-US" dirty="0"/>
-                  <a:t>Select the move with the highest win percentage.</a:t>
+                  <a:t>Select the move that leads the highest win percentage.</a:t>
                 </a:r>
               </a:p>
               <a:p>
@@ -20869,7 +23368,7 @@
                 </a:r>
                 <a:r>
                   <a:rPr lang="en-US" dirty="0"/>
-                  <a:t>given the available time.</a:t>
+                  <a:t>given the available time. </a:t>
                 </a:r>
               </a:p>
             </p:txBody>
@@ -20968,7 +23467,7 @@
           <a:p>
             <a:r>
               <a:rPr lang="en-US" dirty="0"/>
-              <a:t>Monte Carlo Tree Search</a:t>
+              <a:t>Playout Selection Strategy</a:t>
             </a:r>
           </a:p>
         </p:txBody>
@@ -20989,80 +23488,72 @@
             <p:ph idx="1"/>
           </p:nvPr>
         </p:nvSpPr>
-        <p:spPr/>
+        <p:spPr>
+          <a:xfrm>
+            <a:off x="762000" y="1532041"/>
+            <a:ext cx="7886700" cy="1325563"/>
+          </a:xfrm>
+        </p:spPr>
         <p:txBody>
           <a:bodyPr>
-            <a:normAutofit lnSpcReduction="10000"/>
+            <a:normAutofit fontScale="62500" lnSpcReduction="20000"/>
           </a:bodyPr>
           <a:lstStyle/>
-          <a:p>
-            <a:r>
-              <a:rPr lang="en-US" dirty="0"/>
-              <a:t>Plan ahead and build a partial game tree using simulation. </a:t>
-            </a:r>
-          </a:p>
-          <a:p>
-            <a:r>
-              <a:rPr lang="en-US" b="1" dirty="0"/>
-              <a:t>Select the starting state </a:t>
-            </a:r>
-            <a:r>
-              <a:rPr lang="en-US" dirty="0"/>
-              <a:t>for playouts to focus on building important parts of the game tree. It is a tradeoff between:</a:t>
-            </a:r>
-          </a:p>
-          <a:p>
-            <a:endParaRPr lang="en-US" dirty="0"/>
-          </a:p>
-          <a:p>
-            <a:pPr marL="914400" lvl="1" indent="-457200">
-              <a:buFont typeface="+mj-lt"/>
-              <a:buAutoNum type="alphaLcParenR"/>
-            </a:pPr>
-            <a:r>
-              <a:rPr lang="en-US" b="1" dirty="0"/>
-              <a:t>Exploration</a:t>
-            </a:r>
-            <a:r>
-              <a:rPr lang="en-US" dirty="0"/>
-              <a:t>: expand from states that currently have no or few playouts.</a:t>
-            </a:r>
-          </a:p>
-          <a:p>
-            <a:pPr marL="914400" lvl="1" indent="-457200">
-              <a:buFont typeface="+mj-lt"/>
-              <a:buAutoNum type="alphaLcParenR"/>
-            </a:pPr>
-            <a:endParaRPr lang="en-US" dirty="0"/>
-          </a:p>
-          <a:p>
-            <a:pPr marL="914400" lvl="1" indent="-457200">
-              <a:buFont typeface="+mj-lt"/>
-              <a:buAutoNum type="alphaLcParenR"/>
-            </a:pPr>
-            <a:r>
-              <a:rPr lang="en-US" b="1" dirty="0"/>
-              <a:t>Exploitation</a:t>
-            </a:r>
-            <a:r>
-              <a:rPr lang="en-US" dirty="0"/>
-              <a:t>: more playouts for states that have done well to get more accurate estimates.</a:t>
-            </a:r>
-          </a:p>
-          <a:p>
-            <a:endParaRPr lang="en-US" dirty="0"/>
-          </a:p>
           <a:p>
             <a:pPr marL="0" indent="0">
               <a:buNone/>
             </a:pPr>
-            <a:endParaRPr lang="en-US" dirty="0"/>
-          </a:p>
-          <a:p>
-            <a:endParaRPr lang="en-US" dirty="0"/>
-          </a:p>
-        </p:txBody>
-      </p:sp>
+            <a:r>
+              <a:rPr lang="en-US" dirty="0"/>
+              <a:t>Pure Monte Carlo Search spends a lot of time to create playouts for bad moves.</a:t>
+            </a:r>
+          </a:p>
+          <a:p>
+            <a:endParaRPr lang="en-US" b="1" dirty="0"/>
+          </a:p>
+          <a:p>
+            <a:pPr marL="0" indent="0">
+              <a:buNone/>
+            </a:pPr>
+            <a:r>
+              <a:rPr lang="en-US" b="1" dirty="0"/>
+              <a:t>Select the starting state </a:t>
+            </a:r>
+            <a:r>
+              <a:rPr lang="en-US" dirty="0"/>
+              <a:t>for playouts to focus on important parts of the game tree. It is a tradeoff between:</a:t>
+            </a:r>
+          </a:p>
+        </p:txBody>
+      </p:sp>
+      <p:graphicFrame>
+        <p:nvGraphicFramePr>
+          <p:cNvPr id="6" name="Diagram 5">
+            <a:extLst>
+              <a:ext uri="{FF2B5EF4-FFF2-40B4-BE49-F238E27FC236}">
+                <a16:creationId xmlns:a16="http://schemas.microsoft.com/office/drawing/2014/main" id="{68B08A81-C176-41CC-BF6E-21270F85C5BA}"/>
+              </a:ext>
+            </a:extLst>
+          </p:cNvPr>
+          <p:cNvGraphicFramePr/>
+          <p:nvPr>
+            <p:extLst>
+              <p:ext uri="{D42A27DB-BD31-4B8C-83A1-F6EECF244321}">
+                <p14:modId xmlns:p14="http://schemas.microsoft.com/office/powerpoint/2010/main" val="3350527145"/>
+              </p:ext>
+            </p:extLst>
+          </p:nvPr>
+        </p:nvGraphicFramePr>
+        <p:xfrm>
+          <a:off x="1466850" y="3089877"/>
+          <a:ext cx="6210300" cy="3463323"/>
+        </p:xfrm>
+        <a:graphic>
+          <a:graphicData uri="http://schemas.openxmlformats.org/drawingml/2006/diagram">
+            <dgm:relIds xmlns:dgm="http://schemas.openxmlformats.org/drawingml/2006/diagram" xmlns:r="http://schemas.openxmlformats.org/officeDocument/2006/relationships" r:dm="rId2" r:lo="rId3" r:qs="rId4" r:cs="rId5"/>
+          </a:graphicData>
+        </a:graphic>
+      </p:graphicFrame>
     </p:spTree>
     <p:extLst>
       <p:ext uri="{BB962C8B-B14F-4D97-AF65-F5344CB8AC3E}">
@@ -21118,7 +23609,7 @@
           <a:p>
             <a:r>
               <a:rPr lang="en-US" sz="4000" dirty="0"/>
-              <a:t>Selection using Upper Confidence Bounds applied to Trees (UCT)</a:t>
+              <a:t>Selection using Upper Confidence Bounds (UCB1)</a:t>
             </a:r>
           </a:p>
         </p:txBody>
@@ -21180,8 +23671,8 @@
           </a:p>
         </p:txBody>
       </p:sp>
-      <mc:AlternateContent xmlns:mc="http://schemas.openxmlformats.org/markup-compatibility/2006">
-        <mc:Choice xmlns:a14="http://schemas.microsoft.com/office/drawing/2010/main" Requires="a14">
+      <mc:AlternateContent xmlns:mc="http://schemas.openxmlformats.org/markup-compatibility/2006" xmlns:a14="http://schemas.microsoft.com/office/drawing/2010/main">
+        <mc:Choice Requires="a14">
           <p:sp>
             <p:nvSpPr>
               <p:cNvPr id="5" name="Speech Bubble: Rectangle 4">
@@ -21269,7 +23760,7 @@
             </p:txBody>
           </p:sp>
         </mc:Choice>
-        <mc:Fallback>
+        <mc:Fallback xmlns="">
           <p:sp>
             <p:nvSpPr>
               <p:cNvPr id="5" name="Speech Bubble: Rectangle 4">
@@ -21317,8 +23808,8 @@
           </p:sp>
         </mc:Fallback>
       </mc:AlternateContent>
-      <mc:AlternateContent xmlns:mc="http://schemas.openxmlformats.org/markup-compatibility/2006" xmlns:a14="http://schemas.microsoft.com/office/drawing/2010/main">
-        <mc:Choice Requires="a14">
+      <mc:AlternateContent xmlns:mc="http://schemas.openxmlformats.org/markup-compatibility/2006">
+        <mc:Choice xmlns:a14="http://schemas.microsoft.com/office/drawing/2010/main" Requires="a14">
           <p:sp>
             <p:nvSpPr>
               <p:cNvPr id="6" name="Rectangle 5">
@@ -21333,8 +23824,8 @@
             </p:nvSpPr>
             <p:spPr>
               <a:xfrm>
-                <a:off x="3358186" y="5119983"/>
-                <a:ext cx="5456878" cy="646331"/>
+                <a:off x="3276600" y="5153188"/>
+                <a:ext cx="5456878" cy="923330"/>
               </a:xfrm>
               <a:prstGeom prst="rect">
                 <a:avLst/>
@@ -21345,6 +23836,25 @@
                 <a:spAutoFit/>
               </a:bodyPr>
               <a:lstStyle/>
+              <a:p>
+                <a14:m>
+                  <m:oMath xmlns:m="http://schemas.openxmlformats.org/officeDocument/2006/math">
+                    <m:r>
+                      <a:rPr lang="en-US" sz="1800" b="0" i="1" smtClean="0">
+                        <a:latin typeface="Cambria Math" panose="02040503050406030204" pitchFamily="18" charset="0"/>
+                      </a:rPr>
+                      <m:t>𝑛</m:t>
+                    </m:r>
+                  </m:oMath>
+                </a14:m>
+                <a:r>
+                  <a:rPr lang="en-US" dirty="0"/>
+                  <a:t>         … node in the game tree</a:t>
+                </a:r>
+                <a:endParaRPr lang="en-US" i="1" dirty="0">
+                  <a:latin typeface="Cambria Math" panose="02040503050406030204" pitchFamily="18" charset="0"/>
+                </a:endParaRPr>
+              </a:p>
               <a:p>
                 <a14:m>
                   <m:oMath xmlns:m="http://schemas.openxmlformats.org/officeDocument/2006/math">
@@ -21408,13 +23918,13 @@
                 </a14:m>
                 <a:r>
                   <a:rPr lang="en-US" dirty="0"/>
-                  <a:t> … number of playouts through n</a:t>
+                  <a:t>  … number of playouts through n</a:t>
                 </a:r>
               </a:p>
             </p:txBody>
           </p:sp>
         </mc:Choice>
-        <mc:Fallback xmlns="">
+        <mc:Fallback>
           <p:sp>
             <p:nvSpPr>
               <p:cNvPr id="6" name="Rectangle 5">
@@ -21431,8 +23941,8 @@
             </p:nvSpPr>
             <p:spPr>
               <a:xfrm>
-                <a:off x="3358186" y="5119983"/>
-                <a:ext cx="5456878" cy="646331"/>
+                <a:off x="3276600" y="5153188"/>
+                <a:ext cx="5456878" cy="923330"/>
               </a:xfrm>
               <a:prstGeom prst="rect">
                 <a:avLst/>
@@ -21440,7 +23950,7 @@
               <a:blipFill>
                 <a:blip r:embed="rId3"/>
                 <a:stretch>
-                  <a:fillRect t="-5660" b="-14151"/>
+                  <a:fillRect t="-3289" b="-9211"/>
                 </a:stretch>
               </a:blipFill>
             </p:spPr>
@@ -21821,8 +24331,8 @@
         </p:nvSpPr>
         <p:spPr>
           <a:xfrm>
-            <a:off x="685800" y="6031468"/>
-            <a:ext cx="5781776" cy="461665"/>
+            <a:off x="628650" y="6193031"/>
+            <a:ext cx="7097840" cy="461665"/>
           </a:xfrm>
           <a:prstGeom prst="rect">
             <a:avLst/>
@@ -21837,7 +24347,7 @@
           <a:p>
             <a:r>
               <a:rPr lang="en-US" sz="2400" b="1" dirty="0"/>
-              <a:t>Policy</a:t>
+              <a:t>Playout strategy</a:t>
             </a:r>
             <a:r>
               <a:rPr lang="en-US" sz="2400" dirty="0"/>
@@ -21876,246 +24386,54 @@
           <a:chExt cx="0" cy="0"/>
         </a:xfrm>
       </p:grpSpPr>
-      <p:pic>
-        <p:nvPicPr>
-          <p:cNvPr id="4" name="Picture 3">
-            <a:extLst>
-              <a:ext uri="{FF2B5EF4-FFF2-40B4-BE49-F238E27FC236}">
-                <a16:creationId xmlns:a16="http://schemas.microsoft.com/office/drawing/2014/main" id="{A2183ED0-97C8-46A9-ACE4-0AB43323E179}"/>
-              </a:ext>
-            </a:extLst>
-          </p:cNvPr>
-          <p:cNvPicPr>
-            <a:picLocks noChangeAspect="1"/>
-          </p:cNvPicPr>
-          <p:nvPr/>
-        </p:nvPicPr>
-        <p:blipFill>
-          <a:blip r:embed="rId2"/>
-          <a:stretch>
-            <a:fillRect/>
-          </a:stretch>
-        </p:blipFill>
+      <p:sp>
+        <p:nvSpPr>
+          <p:cNvPr id="2" name="Title 1">
+            <a:extLst>
+              <a:ext uri="{FF2B5EF4-FFF2-40B4-BE49-F238E27FC236}">
+                <a16:creationId xmlns:a16="http://schemas.microsoft.com/office/drawing/2014/main" id="{880227DC-69CE-4119-811C-2E2E6619AC91}"/>
+              </a:ext>
+            </a:extLst>
+          </p:cNvPr>
+          <p:cNvSpPr>
+            <a:spLocks noGrp="1"/>
+          </p:cNvSpPr>
+          <p:nvPr>
+            <p:ph type="title"/>
+          </p:nvPr>
+        </p:nvSpPr>
+        <p:spPr/>
+        <p:txBody>
+          <a:bodyPr/>
+          <a:lstStyle/>
+          <a:p>
+            <a:r>
+              <a:rPr lang="en-US" dirty="0"/>
+              <a:t>Monte Carlo Tree Search</a:t>
+            </a:r>
+          </a:p>
+        </p:txBody>
+      </p:sp>
+      <p:sp>
+        <p:nvSpPr>
+          <p:cNvPr id="4" name="Content Placeholder 3">
+            <a:extLst>
+              <a:ext uri="{FF2B5EF4-FFF2-40B4-BE49-F238E27FC236}">
+                <a16:creationId xmlns:a16="http://schemas.microsoft.com/office/drawing/2014/main" id="{C361553B-AF17-4D46-85D3-15DB5C1790F2}"/>
+              </a:ext>
+            </a:extLst>
+          </p:cNvPr>
+          <p:cNvSpPr txBox="1">
+            <a:spLocks noGrp="1"/>
+          </p:cNvSpPr>
+          <p:nvPr>
+            <p:ph idx="1"/>
+          </p:nvPr>
+        </p:nvSpPr>
         <p:spPr>
           <a:xfrm>
-            <a:off x="381000" y="354114"/>
-            <a:ext cx="8171826" cy="2437212"/>
-          </a:xfrm>
-          <a:prstGeom prst="rect">
-            <a:avLst/>
-          </a:prstGeom>
-        </p:spPr>
-        <p:style>
-          <a:lnRef idx="2">
-            <a:schemeClr val="accent2"/>
-          </a:lnRef>
-          <a:fillRef idx="1">
-            <a:schemeClr val="lt1"/>
-          </a:fillRef>
-          <a:effectRef idx="0">
-            <a:schemeClr val="accent2"/>
-          </a:effectRef>
-          <a:fontRef idx="minor">
-            <a:schemeClr val="dk1"/>
-          </a:fontRef>
-        </p:style>
-      </p:pic>
-      <p:pic>
-        <p:nvPicPr>
-          <p:cNvPr id="5" name="Picture 4">
-            <a:extLst>
-              <a:ext uri="{FF2B5EF4-FFF2-40B4-BE49-F238E27FC236}">
-                <a16:creationId xmlns:a16="http://schemas.microsoft.com/office/drawing/2014/main" id="{FF83E86E-0770-4D97-B52D-C26C85CF9C39}"/>
-              </a:ext>
-            </a:extLst>
-          </p:cNvPr>
-          <p:cNvPicPr>
-            <a:picLocks noChangeAspect="1"/>
-          </p:cNvPicPr>
-          <p:nvPr/>
-        </p:nvPicPr>
-        <p:blipFill>
-          <a:blip r:embed="rId3"/>
-          <a:stretch>
-            <a:fillRect/>
-          </a:stretch>
-        </p:blipFill>
-        <p:spPr>
-          <a:xfrm>
-            <a:off x="978351" y="2819400"/>
-            <a:ext cx="7784649" cy="3189476"/>
-          </a:xfrm>
-          <a:prstGeom prst="rect">
-            <a:avLst/>
-          </a:prstGeom>
-        </p:spPr>
-      </p:pic>
-      <p:sp>
-        <p:nvSpPr>
-          <p:cNvPr id="6" name="Speech Bubble: Rectangle 5">
-            <a:extLst>
-              <a:ext uri="{FF2B5EF4-FFF2-40B4-BE49-F238E27FC236}">
-                <a16:creationId xmlns:a16="http://schemas.microsoft.com/office/drawing/2014/main" id="{559D4B9A-014D-421F-AD0F-76EDEBC51C3A}"/>
-              </a:ext>
-            </a:extLst>
-          </p:cNvPr>
-          <p:cNvSpPr/>
-          <p:nvPr/>
-        </p:nvSpPr>
-        <p:spPr>
-          <a:xfrm>
-            <a:off x="3962400" y="6019800"/>
-            <a:ext cx="2286000" cy="762000"/>
-          </a:xfrm>
-          <a:prstGeom prst="wedgeRectCallout">
-            <a:avLst>
-              <a:gd name="adj1" fmla="val -47565"/>
-              <a:gd name="adj2" fmla="val -93817"/>
-            </a:avLst>
-          </a:prstGeom>
-        </p:spPr>
-        <p:style>
-          <a:lnRef idx="3">
-            <a:schemeClr val="lt1"/>
-          </a:lnRef>
-          <a:fillRef idx="1">
-            <a:schemeClr val="accent6"/>
-          </a:fillRef>
-          <a:effectRef idx="1">
-            <a:schemeClr val="accent6"/>
-          </a:effectRef>
-          <a:fontRef idx="minor">
-            <a:schemeClr val="lt1"/>
-          </a:fontRef>
-        </p:style>
-        <p:txBody>
-          <a:bodyPr rtlCol="0" anchor="ctr"/>
-          <a:lstStyle/>
-          <a:p>
-            <a:pPr algn="ctr"/>
-            <a:r>
-              <a:rPr lang="en-US" dirty="0"/>
-              <a:t>Note: the simulation path is not recorded!</a:t>
-            </a:r>
-          </a:p>
-        </p:txBody>
-      </p:sp>
-      <p:sp>
-        <p:nvSpPr>
-          <p:cNvPr id="7" name="Speech Bubble: Rectangle 6">
-            <a:extLst>
-              <a:ext uri="{FF2B5EF4-FFF2-40B4-BE49-F238E27FC236}">
-                <a16:creationId xmlns:a16="http://schemas.microsoft.com/office/drawing/2014/main" id="{8384930E-C4A4-4194-BB17-475E43E41D5F}"/>
-              </a:ext>
-            </a:extLst>
-          </p:cNvPr>
-          <p:cNvSpPr/>
-          <p:nvPr/>
-        </p:nvSpPr>
-        <p:spPr>
-          <a:xfrm>
-            <a:off x="3400113" y="1295400"/>
-            <a:ext cx="2133600" cy="381000"/>
-          </a:xfrm>
-          <a:prstGeom prst="wedgeRectCallout">
-            <a:avLst>
-              <a:gd name="adj1" fmla="val -71362"/>
-              <a:gd name="adj2" fmla="val -25922"/>
-            </a:avLst>
-          </a:prstGeom>
-        </p:spPr>
-        <p:style>
-          <a:lnRef idx="3">
-            <a:schemeClr val="lt1"/>
-          </a:lnRef>
-          <a:fillRef idx="1">
-            <a:schemeClr val="accent6"/>
-          </a:fillRef>
-          <a:effectRef idx="1">
-            <a:schemeClr val="accent6"/>
-          </a:effectRef>
-          <a:fontRef idx="minor">
-            <a:schemeClr val="lt1"/>
-          </a:fontRef>
-        </p:style>
-        <p:txBody>
-          <a:bodyPr rtlCol="0" anchor="ctr"/>
-          <a:lstStyle/>
-          <a:p>
-            <a:pPr algn="ctr"/>
-            <a:r>
-              <a:rPr lang="en-US" dirty="0"/>
-              <a:t>Highest UCB1 score</a:t>
-            </a:r>
-          </a:p>
-        </p:txBody>
-      </p:sp>
-      <p:sp>
-        <p:nvSpPr>
-          <p:cNvPr id="8" name="Speech Bubble: Rectangle 7">
-            <a:extLst>
-              <a:ext uri="{FF2B5EF4-FFF2-40B4-BE49-F238E27FC236}">
-                <a16:creationId xmlns:a16="http://schemas.microsoft.com/office/drawing/2014/main" id="{F14742F9-67BA-4ED1-A2CE-411A6E61255D}"/>
-              </a:ext>
-            </a:extLst>
-          </p:cNvPr>
-          <p:cNvSpPr/>
-          <p:nvPr/>
-        </p:nvSpPr>
-        <p:spPr>
-          <a:xfrm>
-            <a:off x="5105400" y="1676400"/>
-            <a:ext cx="3352800" cy="643689"/>
-          </a:xfrm>
-          <a:prstGeom prst="wedgeRectCallout">
-            <a:avLst>
-              <a:gd name="adj1" fmla="val -70802"/>
-              <a:gd name="adj2" fmla="val 66494"/>
-            </a:avLst>
-          </a:prstGeom>
-        </p:spPr>
-        <p:style>
-          <a:lnRef idx="3">
-            <a:schemeClr val="lt1"/>
-          </a:lnRef>
-          <a:fillRef idx="1">
-            <a:schemeClr val="accent6"/>
-          </a:fillRef>
-          <a:effectRef idx="1">
-            <a:schemeClr val="accent6"/>
-          </a:effectRef>
-          <a:fontRef idx="minor">
-            <a:schemeClr val="lt1"/>
-          </a:fontRef>
-        </p:style>
-        <p:txBody>
-          <a:bodyPr rtlCol="0" anchor="ctr"/>
-          <a:lstStyle/>
-          <a:p>
-            <a:pPr algn="ctr"/>
-            <a:r>
-              <a:rPr lang="en-US" dirty="0"/>
-              <a:t>UCB1 selection favors win percentage more and more.</a:t>
-            </a:r>
-          </a:p>
-        </p:txBody>
-      </p:sp>
-      <p:sp>
-        <p:nvSpPr>
-          <p:cNvPr id="9" name="TextBox 8">
-            <a:extLst>
-              <a:ext uri="{FF2B5EF4-FFF2-40B4-BE49-F238E27FC236}">
-                <a16:creationId xmlns:a16="http://schemas.microsoft.com/office/drawing/2014/main" id="{E49ADF20-5360-4C46-9A0F-C4AC022BFFB2}"/>
-              </a:ext>
-            </a:extLst>
-          </p:cNvPr>
-          <p:cNvSpPr txBox="1"/>
-          <p:nvPr/>
-        </p:nvSpPr>
-        <p:spPr>
-          <a:xfrm>
-            <a:off x="2743200" y="2895600"/>
-            <a:ext cx="1084079" cy="276999"/>
+            <a:off x="628650" y="1825625"/>
+            <a:ext cx="7886700" cy="3707682"/>
           </a:xfrm>
           <a:prstGeom prst="rect">
             <a:avLst/>
@@ -22123,689 +24441,52 @@
           <a:noFill/>
         </p:spPr>
         <p:txBody>
-          <a:bodyPr wrap="none" rtlCol="0">
+          <a:bodyPr wrap="square">
             <a:spAutoFit/>
           </a:bodyPr>
           <a:lstStyle/>
           <a:p>
-            <a:r>
-              <a:rPr lang="en-US" sz="1200" dirty="0"/>
-              <a:t>Wins/Playouts</a:t>
-            </a:r>
-          </a:p>
-        </p:txBody>
-      </p:sp>
-      <p:sp>
-        <p:nvSpPr>
-          <p:cNvPr id="10" name="Oval 9">
-            <a:extLst>
-              <a:ext uri="{FF2B5EF4-FFF2-40B4-BE49-F238E27FC236}">
-                <a16:creationId xmlns:a16="http://schemas.microsoft.com/office/drawing/2014/main" id="{15C69B09-9D37-4124-A65C-8B45BABCAFB7}"/>
-              </a:ext>
-            </a:extLst>
-          </p:cNvPr>
-          <p:cNvSpPr/>
-          <p:nvPr/>
-        </p:nvSpPr>
-        <p:spPr>
-          <a:xfrm>
-            <a:off x="1128530" y="4648200"/>
-            <a:ext cx="381000" cy="381000"/>
-          </a:xfrm>
-          <a:prstGeom prst="ellipse">
-            <a:avLst/>
-          </a:prstGeom>
-          <a:noFill/>
-          <a:ln w="38100">
-            <a:solidFill>
-              <a:srgbClr val="FF0000"/>
-            </a:solidFill>
-          </a:ln>
-        </p:spPr>
-        <p:style>
-          <a:lnRef idx="2">
-            <a:schemeClr val="accent1">
-              <a:shade val="50000"/>
-            </a:schemeClr>
-          </a:lnRef>
-          <a:fillRef idx="1">
-            <a:schemeClr val="accent1"/>
-          </a:fillRef>
-          <a:effectRef idx="0">
-            <a:schemeClr val="accent1"/>
-          </a:effectRef>
-          <a:fontRef idx="minor">
-            <a:schemeClr val="lt1"/>
-          </a:fontRef>
-        </p:style>
-        <p:txBody>
-          <a:bodyPr rtlCol="0" anchor="ctr"/>
-          <a:lstStyle/>
-          <a:p>
-            <a:pPr algn="ctr"/>
-            <a:endParaRPr lang="en-US"/>
-          </a:p>
-        </p:txBody>
-      </p:sp>
-      <p:sp>
-        <p:nvSpPr>
-          <p:cNvPr id="11" name="Oval 10">
-            <a:extLst>
-              <a:ext uri="{FF2B5EF4-FFF2-40B4-BE49-F238E27FC236}">
-                <a16:creationId xmlns:a16="http://schemas.microsoft.com/office/drawing/2014/main" id="{8CA756EA-5537-4B96-9E24-93C99C7BC71F}"/>
-              </a:ext>
-            </a:extLst>
-          </p:cNvPr>
-          <p:cNvSpPr/>
-          <p:nvPr/>
-        </p:nvSpPr>
-        <p:spPr>
-          <a:xfrm>
-            <a:off x="6693352" y="4089549"/>
-            <a:ext cx="381000" cy="381000"/>
-          </a:xfrm>
-          <a:prstGeom prst="ellipse">
-            <a:avLst/>
-          </a:prstGeom>
-          <a:noFill/>
-          <a:ln w="38100">
-            <a:solidFill>
-              <a:srgbClr val="FF0000"/>
-            </a:solidFill>
-          </a:ln>
-        </p:spPr>
-        <p:style>
-          <a:lnRef idx="2">
-            <a:schemeClr val="accent1">
-              <a:shade val="50000"/>
-            </a:schemeClr>
-          </a:lnRef>
-          <a:fillRef idx="1">
-            <a:schemeClr val="accent1"/>
-          </a:fillRef>
-          <a:effectRef idx="0">
-            <a:schemeClr val="accent1"/>
-          </a:effectRef>
-          <a:fontRef idx="minor">
-            <a:schemeClr val="lt1"/>
-          </a:fontRef>
-        </p:style>
-        <p:txBody>
-          <a:bodyPr rtlCol="0" anchor="ctr"/>
-          <a:lstStyle/>
-          <a:p>
-            <a:pPr algn="ctr"/>
-            <a:endParaRPr lang="en-US"/>
-          </a:p>
-        </p:txBody>
-      </p:sp>
-      <p:sp>
-        <p:nvSpPr>
-          <p:cNvPr id="12" name="Oval 11">
-            <a:extLst>
-              <a:ext uri="{FF2B5EF4-FFF2-40B4-BE49-F238E27FC236}">
-                <a16:creationId xmlns:a16="http://schemas.microsoft.com/office/drawing/2014/main" id="{51D6C00C-0565-4048-9352-92A781CD61BC}"/>
-              </a:ext>
-            </a:extLst>
-          </p:cNvPr>
-          <p:cNvSpPr/>
-          <p:nvPr/>
-        </p:nvSpPr>
-        <p:spPr>
-          <a:xfrm>
-            <a:off x="6693352" y="3504012"/>
-            <a:ext cx="381000" cy="381000"/>
-          </a:xfrm>
-          <a:prstGeom prst="ellipse">
-            <a:avLst/>
-          </a:prstGeom>
-          <a:noFill/>
-          <a:ln w="38100">
-            <a:solidFill>
-              <a:srgbClr val="FF0000"/>
-            </a:solidFill>
-          </a:ln>
-        </p:spPr>
-        <p:style>
-          <a:lnRef idx="2">
-            <a:schemeClr val="accent1">
-              <a:shade val="50000"/>
-            </a:schemeClr>
-          </a:lnRef>
-          <a:fillRef idx="1">
-            <a:schemeClr val="accent1"/>
-          </a:fillRef>
-          <a:effectRef idx="0">
-            <a:schemeClr val="accent1"/>
-          </a:effectRef>
-          <a:fontRef idx="minor">
-            <a:schemeClr val="lt1"/>
-          </a:fontRef>
-        </p:style>
-        <p:txBody>
-          <a:bodyPr rtlCol="0" anchor="ctr"/>
-          <a:lstStyle/>
-          <a:p>
-            <a:pPr algn="ctr"/>
-            <a:endParaRPr lang="en-US"/>
-          </a:p>
-        </p:txBody>
-      </p:sp>
-      <p:sp>
-        <p:nvSpPr>
-          <p:cNvPr id="13" name="Oval 12">
-            <a:extLst>
-              <a:ext uri="{FF2B5EF4-FFF2-40B4-BE49-F238E27FC236}">
-                <a16:creationId xmlns:a16="http://schemas.microsoft.com/office/drawing/2014/main" id="{86018CB8-30CF-469B-8288-0444EE3BCAD4}"/>
-              </a:ext>
-            </a:extLst>
-          </p:cNvPr>
-          <p:cNvSpPr/>
-          <p:nvPr/>
-        </p:nvSpPr>
-        <p:spPr>
-          <a:xfrm>
-            <a:off x="7302952" y="2895600"/>
-            <a:ext cx="381000" cy="381000"/>
-          </a:xfrm>
-          <a:prstGeom prst="ellipse">
-            <a:avLst/>
-          </a:prstGeom>
-          <a:noFill/>
-          <a:ln w="38100">
-            <a:solidFill>
-              <a:srgbClr val="FF0000"/>
-            </a:solidFill>
-          </a:ln>
-        </p:spPr>
-        <p:style>
-          <a:lnRef idx="2">
-            <a:schemeClr val="accent1">
-              <a:shade val="50000"/>
-            </a:schemeClr>
-          </a:lnRef>
-          <a:fillRef idx="1">
-            <a:schemeClr val="accent1"/>
-          </a:fillRef>
-          <a:effectRef idx="0">
-            <a:schemeClr val="accent1"/>
-          </a:effectRef>
-          <a:fontRef idx="minor">
-            <a:schemeClr val="lt1"/>
-          </a:fontRef>
-        </p:style>
-        <p:txBody>
-          <a:bodyPr rtlCol="0" anchor="ctr"/>
-          <a:lstStyle/>
-          <a:p>
-            <a:pPr algn="ctr"/>
-            <a:endParaRPr lang="en-US"/>
-          </a:p>
-        </p:txBody>
-      </p:sp>
-      <p:sp>
-        <p:nvSpPr>
-          <p:cNvPr id="14" name="Oval 13">
-            <a:extLst>
-              <a:ext uri="{FF2B5EF4-FFF2-40B4-BE49-F238E27FC236}">
-                <a16:creationId xmlns:a16="http://schemas.microsoft.com/office/drawing/2014/main" id="{90B203F2-B256-499E-968C-FBC9A0FAC327}"/>
-              </a:ext>
-            </a:extLst>
-          </p:cNvPr>
-          <p:cNvSpPr/>
-          <p:nvPr/>
-        </p:nvSpPr>
-        <p:spPr>
-          <a:xfrm>
-            <a:off x="6121852" y="4635575"/>
-            <a:ext cx="381000" cy="381000"/>
-          </a:xfrm>
-          <a:prstGeom prst="ellipse">
-            <a:avLst/>
-          </a:prstGeom>
-          <a:noFill/>
-          <a:ln w="38100">
-            <a:solidFill>
-              <a:srgbClr val="FF0000"/>
-            </a:solidFill>
-          </a:ln>
-        </p:spPr>
-        <p:style>
-          <a:lnRef idx="2">
-            <a:schemeClr val="accent1">
-              <a:shade val="50000"/>
-            </a:schemeClr>
-          </a:lnRef>
-          <a:fillRef idx="1">
-            <a:schemeClr val="accent1"/>
-          </a:fillRef>
-          <a:effectRef idx="0">
-            <a:schemeClr val="accent1"/>
-          </a:effectRef>
-          <a:fontRef idx="minor">
-            <a:schemeClr val="lt1"/>
-          </a:fontRef>
-        </p:style>
-        <p:txBody>
-          <a:bodyPr rtlCol="0" anchor="ctr"/>
-          <a:lstStyle/>
-          <a:p>
-            <a:pPr algn="ctr"/>
-            <a:endParaRPr lang="en-US"/>
-          </a:p>
-        </p:txBody>
-      </p:sp>
-      <p:sp>
-        <p:nvSpPr>
-          <p:cNvPr id="15" name="TextBox 14">
-            <a:extLst>
-              <a:ext uri="{FF2B5EF4-FFF2-40B4-BE49-F238E27FC236}">
-                <a16:creationId xmlns:a16="http://schemas.microsoft.com/office/drawing/2014/main" id="{599F4839-3EDC-4379-B9CC-63887372CCD6}"/>
-              </a:ext>
-            </a:extLst>
-          </p:cNvPr>
-          <p:cNvSpPr txBox="1"/>
-          <p:nvPr/>
-        </p:nvSpPr>
-        <p:spPr>
-          <a:xfrm>
-            <a:off x="557598" y="2999601"/>
-            <a:ext cx="562911" cy="276999"/>
-          </a:xfrm>
-          <a:prstGeom prst="rect">
-            <a:avLst/>
-          </a:prstGeom>
-          <a:noFill/>
-        </p:spPr>
-        <p:txBody>
-          <a:bodyPr wrap="none" rtlCol="0">
-            <a:spAutoFit/>
-          </a:bodyPr>
-          <a:lstStyle/>
-          <a:p>
-            <a:r>
-              <a:rPr lang="en-US" sz="1200" dirty="0"/>
-              <a:t>White</a:t>
-            </a:r>
-          </a:p>
-        </p:txBody>
-      </p:sp>
-      <p:sp>
-        <p:nvSpPr>
-          <p:cNvPr id="16" name="TextBox 15">
-            <a:extLst>
-              <a:ext uri="{FF2B5EF4-FFF2-40B4-BE49-F238E27FC236}">
-                <a16:creationId xmlns:a16="http://schemas.microsoft.com/office/drawing/2014/main" id="{4DEA6A0B-F53D-480C-99D5-82DB6899E24E}"/>
-              </a:ext>
-            </a:extLst>
-          </p:cNvPr>
-          <p:cNvSpPr txBox="1"/>
-          <p:nvPr/>
-        </p:nvSpPr>
-        <p:spPr>
-          <a:xfrm>
-            <a:off x="557598" y="4089549"/>
-            <a:ext cx="562911" cy="276999"/>
-          </a:xfrm>
-          <a:prstGeom prst="rect">
-            <a:avLst/>
-          </a:prstGeom>
-          <a:noFill/>
-        </p:spPr>
-        <p:txBody>
-          <a:bodyPr wrap="none" rtlCol="0">
-            <a:spAutoFit/>
-          </a:bodyPr>
-          <a:lstStyle/>
-          <a:p>
-            <a:r>
-              <a:rPr lang="en-US" sz="1200" dirty="0"/>
-              <a:t>White</a:t>
-            </a:r>
-          </a:p>
-        </p:txBody>
-      </p:sp>
-      <p:sp>
-        <p:nvSpPr>
-          <p:cNvPr id="17" name="TextBox 16">
-            <a:extLst>
-              <a:ext uri="{FF2B5EF4-FFF2-40B4-BE49-F238E27FC236}">
-                <a16:creationId xmlns:a16="http://schemas.microsoft.com/office/drawing/2014/main" id="{4FB26089-CE33-4440-8867-7A807316C56E}"/>
-              </a:ext>
-            </a:extLst>
-          </p:cNvPr>
-          <p:cNvSpPr txBox="1"/>
-          <p:nvPr/>
-        </p:nvSpPr>
-        <p:spPr>
-          <a:xfrm>
-            <a:off x="557598" y="5179497"/>
-            <a:ext cx="562911" cy="276999"/>
-          </a:xfrm>
-          <a:prstGeom prst="rect">
-            <a:avLst/>
-          </a:prstGeom>
-          <a:noFill/>
-        </p:spPr>
-        <p:txBody>
-          <a:bodyPr wrap="none" rtlCol="0">
-            <a:spAutoFit/>
-          </a:bodyPr>
-          <a:lstStyle/>
-          <a:p>
-            <a:r>
-              <a:rPr lang="en-US" sz="1200" dirty="0"/>
-              <a:t>White</a:t>
-            </a:r>
-          </a:p>
-        </p:txBody>
-      </p:sp>
-      <p:cxnSp>
-        <p:nvCxnSpPr>
-          <p:cNvPr id="21" name="Straight Connector 20">
-            <a:extLst>
-              <a:ext uri="{FF2B5EF4-FFF2-40B4-BE49-F238E27FC236}">
-                <a16:creationId xmlns:a16="http://schemas.microsoft.com/office/drawing/2014/main" id="{D5A7904B-BA97-438D-83FF-897983384C78}"/>
-              </a:ext>
-            </a:extLst>
-          </p:cNvPr>
-          <p:cNvCxnSpPr/>
-          <p:nvPr/>
-        </p:nvCxnSpPr>
-        <p:spPr>
-          <a:xfrm>
-            <a:off x="685800" y="3352800"/>
-            <a:ext cx="7912552" cy="0"/>
-          </a:xfrm>
-          <a:prstGeom prst="line">
-            <a:avLst/>
-          </a:prstGeom>
-          <a:ln w="9525" cap="flat" cmpd="sng" algn="ctr">
-            <a:solidFill>
-              <a:schemeClr val="accent3"/>
-            </a:solidFill>
-            <a:prstDash val="dash"/>
-            <a:round/>
-            <a:headEnd type="none" w="med" len="med"/>
-            <a:tailEnd type="none" w="med" len="med"/>
-          </a:ln>
-        </p:spPr>
-        <p:style>
-          <a:lnRef idx="0">
-            <a:scrgbClr r="0" g="0" b="0"/>
-          </a:lnRef>
-          <a:fillRef idx="0">
-            <a:scrgbClr r="0" g="0" b="0"/>
-          </a:fillRef>
-          <a:effectRef idx="0">
-            <a:scrgbClr r="0" g="0" b="0"/>
-          </a:effectRef>
-          <a:fontRef idx="minor">
-            <a:schemeClr val="tx1"/>
-          </a:fontRef>
-        </p:style>
-      </p:cxnSp>
-      <p:cxnSp>
-        <p:nvCxnSpPr>
-          <p:cNvPr id="23" name="Straight Connector 22">
-            <a:extLst>
-              <a:ext uri="{FF2B5EF4-FFF2-40B4-BE49-F238E27FC236}">
-                <a16:creationId xmlns:a16="http://schemas.microsoft.com/office/drawing/2014/main" id="{84117894-7786-4518-8579-1E6221DB0E65}"/>
-              </a:ext>
-            </a:extLst>
-          </p:cNvPr>
-          <p:cNvCxnSpPr/>
-          <p:nvPr/>
-        </p:nvCxnSpPr>
-        <p:spPr>
-          <a:xfrm>
-            <a:off x="685800" y="3962400"/>
-            <a:ext cx="7912552" cy="0"/>
-          </a:xfrm>
-          <a:prstGeom prst="line">
-            <a:avLst/>
-          </a:prstGeom>
-          <a:ln w="9525" cap="flat" cmpd="sng" algn="ctr">
-            <a:solidFill>
-              <a:schemeClr val="accent3"/>
-            </a:solidFill>
-            <a:prstDash val="dash"/>
-            <a:round/>
-            <a:headEnd type="none" w="med" len="med"/>
-            <a:tailEnd type="none" w="med" len="med"/>
-          </a:ln>
-        </p:spPr>
-        <p:style>
-          <a:lnRef idx="0">
-            <a:scrgbClr r="0" g="0" b="0"/>
-          </a:lnRef>
-          <a:fillRef idx="0">
-            <a:scrgbClr r="0" g="0" b="0"/>
-          </a:fillRef>
-          <a:effectRef idx="0">
-            <a:scrgbClr r="0" g="0" b="0"/>
-          </a:effectRef>
-          <a:fontRef idx="minor">
-            <a:schemeClr val="tx1"/>
-          </a:fontRef>
-        </p:style>
-      </p:cxnSp>
-      <p:cxnSp>
-        <p:nvCxnSpPr>
-          <p:cNvPr id="24" name="Straight Connector 23">
-            <a:extLst>
-              <a:ext uri="{FF2B5EF4-FFF2-40B4-BE49-F238E27FC236}">
-                <a16:creationId xmlns:a16="http://schemas.microsoft.com/office/drawing/2014/main" id="{2AEADF8D-FF0D-4751-9CC4-1349724322A9}"/>
-              </a:ext>
-            </a:extLst>
-          </p:cNvPr>
-          <p:cNvCxnSpPr/>
-          <p:nvPr/>
-        </p:nvCxnSpPr>
-        <p:spPr>
-          <a:xfrm>
-            <a:off x="685800" y="4572000"/>
-            <a:ext cx="7912552" cy="0"/>
-          </a:xfrm>
-          <a:prstGeom prst="line">
-            <a:avLst/>
-          </a:prstGeom>
-          <a:ln w="9525" cap="flat" cmpd="sng" algn="ctr">
-            <a:solidFill>
-              <a:schemeClr val="accent3"/>
-            </a:solidFill>
-            <a:prstDash val="dash"/>
-            <a:round/>
-            <a:headEnd type="none" w="med" len="med"/>
-            <a:tailEnd type="none" w="med" len="med"/>
-          </a:ln>
-        </p:spPr>
-        <p:style>
-          <a:lnRef idx="0">
-            <a:scrgbClr r="0" g="0" b="0"/>
-          </a:lnRef>
-          <a:fillRef idx="0">
-            <a:scrgbClr r="0" g="0" b="0"/>
-          </a:fillRef>
-          <a:effectRef idx="0">
-            <a:scrgbClr r="0" g="0" b="0"/>
-          </a:effectRef>
-          <a:fontRef idx="minor">
-            <a:schemeClr val="tx1"/>
-          </a:fontRef>
-        </p:style>
-      </p:cxnSp>
-      <p:cxnSp>
-        <p:nvCxnSpPr>
-          <p:cNvPr id="25" name="Straight Connector 24">
-            <a:extLst>
-              <a:ext uri="{FF2B5EF4-FFF2-40B4-BE49-F238E27FC236}">
-                <a16:creationId xmlns:a16="http://schemas.microsoft.com/office/drawing/2014/main" id="{FE0ADEEF-F66F-4D2B-A3EA-DBA44B3245A7}"/>
-              </a:ext>
-            </a:extLst>
-          </p:cNvPr>
-          <p:cNvCxnSpPr/>
-          <p:nvPr/>
-        </p:nvCxnSpPr>
-        <p:spPr>
-          <a:xfrm>
-            <a:off x="698048" y="5105400"/>
-            <a:ext cx="7912552" cy="0"/>
-          </a:xfrm>
-          <a:prstGeom prst="line">
-            <a:avLst/>
-          </a:prstGeom>
-          <a:ln w="9525" cap="flat" cmpd="sng" algn="ctr">
-            <a:solidFill>
-              <a:schemeClr val="accent3"/>
-            </a:solidFill>
-            <a:prstDash val="dash"/>
-            <a:round/>
-            <a:headEnd type="none" w="med" len="med"/>
-            <a:tailEnd type="none" w="med" len="med"/>
-          </a:ln>
-        </p:spPr>
-        <p:style>
-          <a:lnRef idx="0">
-            <a:scrgbClr r="0" g="0" b="0"/>
-          </a:lnRef>
-          <a:fillRef idx="0">
-            <a:scrgbClr r="0" g="0" b="0"/>
-          </a:fillRef>
-          <a:effectRef idx="0">
-            <a:scrgbClr r="0" g="0" b="0"/>
-          </a:effectRef>
-          <a:fontRef idx="minor">
-            <a:schemeClr val="tx1"/>
-          </a:fontRef>
-        </p:style>
-      </p:cxnSp>
-      <p:sp>
-        <p:nvSpPr>
-          <p:cNvPr id="26" name="TextBox 25">
-            <a:extLst>
-              <a:ext uri="{FF2B5EF4-FFF2-40B4-BE49-F238E27FC236}">
-                <a16:creationId xmlns:a16="http://schemas.microsoft.com/office/drawing/2014/main" id="{75F504AB-4225-404B-8E4F-67D9B559C564}"/>
-              </a:ext>
-            </a:extLst>
-          </p:cNvPr>
-          <p:cNvSpPr txBox="1"/>
-          <p:nvPr/>
-        </p:nvSpPr>
-        <p:spPr>
-          <a:xfrm>
-            <a:off x="582412" y="3511112"/>
-            <a:ext cx="513282" cy="276999"/>
-          </a:xfrm>
-          <a:prstGeom prst="rect">
-            <a:avLst/>
-          </a:prstGeom>
-          <a:noFill/>
-        </p:spPr>
-        <p:txBody>
-          <a:bodyPr wrap="none" rtlCol="0">
-            <a:spAutoFit/>
-          </a:bodyPr>
-          <a:lstStyle/>
-          <a:p>
-            <a:r>
-              <a:rPr lang="en-US" sz="1200" dirty="0"/>
-              <a:t>Black</a:t>
-            </a:r>
-          </a:p>
-        </p:txBody>
-      </p:sp>
-      <p:sp>
-        <p:nvSpPr>
-          <p:cNvPr id="27" name="TextBox 26">
-            <a:extLst>
-              <a:ext uri="{FF2B5EF4-FFF2-40B4-BE49-F238E27FC236}">
-                <a16:creationId xmlns:a16="http://schemas.microsoft.com/office/drawing/2014/main" id="{1A7FB683-F9F5-43B3-8589-DE698C4B78D0}"/>
-              </a:ext>
-            </a:extLst>
-          </p:cNvPr>
-          <p:cNvSpPr txBox="1"/>
-          <p:nvPr/>
-        </p:nvSpPr>
-        <p:spPr>
-          <a:xfrm>
-            <a:off x="582412" y="4676001"/>
-            <a:ext cx="513282" cy="276999"/>
-          </a:xfrm>
-          <a:prstGeom prst="rect">
-            <a:avLst/>
-          </a:prstGeom>
-          <a:noFill/>
-        </p:spPr>
-        <p:txBody>
-          <a:bodyPr wrap="none" rtlCol="0">
-            <a:spAutoFit/>
-          </a:bodyPr>
-          <a:lstStyle/>
-          <a:p>
-            <a:r>
-              <a:rPr lang="en-US" sz="1200" dirty="0"/>
-              <a:t>Black</a:t>
-            </a:r>
-          </a:p>
-        </p:txBody>
-      </p:sp>
-      <p:sp>
-        <p:nvSpPr>
-          <p:cNvPr id="2" name="Rectangle 1">
-            <a:extLst>
-              <a:ext uri="{FF2B5EF4-FFF2-40B4-BE49-F238E27FC236}">
-                <a16:creationId xmlns:a16="http://schemas.microsoft.com/office/drawing/2014/main" id="{1516C8A5-634E-42CD-8F82-EA0BA9FFDD98}"/>
-              </a:ext>
-            </a:extLst>
-          </p:cNvPr>
-          <p:cNvSpPr/>
-          <p:nvPr/>
-        </p:nvSpPr>
-        <p:spPr>
-          <a:xfrm>
-            <a:off x="4800600" y="2362200"/>
-            <a:ext cx="3581400" cy="341000"/>
-          </a:xfrm>
-          <a:prstGeom prst="rect">
-            <a:avLst/>
-          </a:prstGeom>
-          <a:noFill/>
-          <a:ln w="28575">
-            <a:solidFill>
-              <a:srgbClr val="FF0000"/>
-            </a:solidFill>
-          </a:ln>
-        </p:spPr>
-        <p:style>
-          <a:lnRef idx="2">
-            <a:schemeClr val="accent1">
-              <a:shade val="50000"/>
-            </a:schemeClr>
-          </a:lnRef>
-          <a:fillRef idx="1">
-            <a:schemeClr val="accent1"/>
-          </a:fillRef>
-          <a:effectRef idx="0">
-            <a:schemeClr val="accent1"/>
-          </a:effectRef>
-          <a:fontRef idx="minor">
-            <a:schemeClr val="lt1"/>
-          </a:fontRef>
-        </p:style>
-        <p:txBody>
-          <a:bodyPr rtlCol="0" anchor="ctr"/>
-          <a:lstStyle/>
-          <a:p>
-            <a:pPr algn="ctr"/>
-            <a:endParaRPr lang="en-US"/>
+            <a:pPr marL="0" indent="0">
+              <a:buNone/>
+            </a:pPr>
+            <a:r>
+              <a:rPr lang="en-US" dirty="0"/>
+              <a:t>We do not want to always start playouts from the current node, so we build a partial game tree and simulate from a node in that tree. </a:t>
+            </a:r>
+          </a:p>
+          <a:p>
+            <a:pPr marL="0" indent="0">
+              <a:buNone/>
+            </a:pPr>
+            <a:endParaRPr lang="en-US" dirty="0"/>
+          </a:p>
+          <a:p>
+            <a:pPr marL="0" indent="0">
+              <a:buNone/>
+            </a:pPr>
+            <a:r>
+              <a:rPr lang="en-US" dirty="0"/>
+              <a:t>Important considerations:</a:t>
+            </a:r>
+          </a:p>
+          <a:p>
+            <a:r>
+              <a:rPr lang="en-US" dirty="0"/>
+              <a:t>We can only store a small part of the game tree.</a:t>
+            </a:r>
+          </a:p>
+          <a:p>
+            <a:r>
+              <a:rPr lang="en-US" dirty="0"/>
+              <a:t>We can use UCB1 so decide what part of the tree should focus on.</a:t>
+            </a:r>
           </a:p>
         </p:txBody>
       </p:sp>
     </p:spTree>
     <p:extLst>
       <p:ext uri="{BB962C8B-B14F-4D97-AF65-F5344CB8AC3E}">
-        <p14:creationId xmlns:p14="http://schemas.microsoft.com/office/powerpoint/2010/main" val="1770306866"/>
+        <p14:creationId xmlns:p14="http://schemas.microsoft.com/office/powerpoint/2010/main" val="1280639319"/>
       </p:ext>
     </p:extLst>
   </p:cSld>
@@ -22834,6 +24515,1298 @@
       </p:grpSpPr>
       <p:pic>
         <p:nvPicPr>
+          <p:cNvPr id="4" name="Picture 3">
+            <a:extLst>
+              <a:ext uri="{FF2B5EF4-FFF2-40B4-BE49-F238E27FC236}">
+                <a16:creationId xmlns:a16="http://schemas.microsoft.com/office/drawing/2014/main" id="{A2183ED0-97C8-46A9-ACE4-0AB43323E179}"/>
+              </a:ext>
+            </a:extLst>
+          </p:cNvPr>
+          <p:cNvPicPr>
+            <a:picLocks noChangeAspect="1"/>
+          </p:cNvPicPr>
+          <p:nvPr/>
+        </p:nvPicPr>
+        <p:blipFill>
+          <a:blip r:embed="rId2"/>
+          <a:stretch>
+            <a:fillRect/>
+          </a:stretch>
+        </p:blipFill>
+        <p:spPr>
+          <a:xfrm>
+            <a:off x="381000" y="354114"/>
+            <a:ext cx="8171826" cy="2437212"/>
+          </a:xfrm>
+          <a:prstGeom prst="rect">
+            <a:avLst/>
+          </a:prstGeom>
+        </p:spPr>
+        <p:style>
+          <a:lnRef idx="2">
+            <a:schemeClr val="accent2"/>
+          </a:lnRef>
+          <a:fillRef idx="1">
+            <a:schemeClr val="lt1"/>
+          </a:fillRef>
+          <a:effectRef idx="0">
+            <a:schemeClr val="accent2"/>
+          </a:effectRef>
+          <a:fontRef idx="minor">
+            <a:schemeClr val="dk1"/>
+          </a:fontRef>
+        </p:style>
+      </p:pic>
+      <p:pic>
+        <p:nvPicPr>
+          <p:cNvPr id="5" name="Picture 4">
+            <a:extLst>
+              <a:ext uri="{FF2B5EF4-FFF2-40B4-BE49-F238E27FC236}">
+                <a16:creationId xmlns:a16="http://schemas.microsoft.com/office/drawing/2014/main" id="{FF83E86E-0770-4D97-B52D-C26C85CF9C39}"/>
+              </a:ext>
+            </a:extLst>
+          </p:cNvPr>
+          <p:cNvPicPr>
+            <a:picLocks noChangeAspect="1"/>
+          </p:cNvPicPr>
+          <p:nvPr/>
+        </p:nvPicPr>
+        <p:blipFill>
+          <a:blip r:embed="rId3"/>
+          <a:stretch>
+            <a:fillRect/>
+          </a:stretch>
+        </p:blipFill>
+        <p:spPr>
+          <a:xfrm>
+            <a:off x="978351" y="2819400"/>
+            <a:ext cx="7784649" cy="3189476"/>
+          </a:xfrm>
+          <a:prstGeom prst="rect">
+            <a:avLst/>
+          </a:prstGeom>
+        </p:spPr>
+      </p:pic>
+      <p:sp>
+        <p:nvSpPr>
+          <p:cNvPr id="6" name="Speech Bubble: Rectangle 5">
+            <a:extLst>
+              <a:ext uri="{FF2B5EF4-FFF2-40B4-BE49-F238E27FC236}">
+                <a16:creationId xmlns:a16="http://schemas.microsoft.com/office/drawing/2014/main" id="{559D4B9A-014D-421F-AD0F-76EDEBC51C3A}"/>
+              </a:ext>
+            </a:extLst>
+          </p:cNvPr>
+          <p:cNvSpPr/>
+          <p:nvPr/>
+        </p:nvSpPr>
+        <p:spPr>
+          <a:xfrm>
+            <a:off x="3901408" y="5961528"/>
+            <a:ext cx="2286000" cy="838200"/>
+          </a:xfrm>
+          <a:prstGeom prst="wedgeRectCallout">
+            <a:avLst>
+              <a:gd name="adj1" fmla="val -47565"/>
+              <a:gd name="adj2" fmla="val -93817"/>
+            </a:avLst>
+          </a:prstGeom>
+        </p:spPr>
+        <p:style>
+          <a:lnRef idx="3">
+            <a:schemeClr val="lt1"/>
+          </a:lnRef>
+          <a:fillRef idx="1">
+            <a:schemeClr val="accent6"/>
+          </a:fillRef>
+          <a:effectRef idx="1">
+            <a:schemeClr val="accent6"/>
+          </a:effectRef>
+          <a:fontRef idx="minor">
+            <a:schemeClr val="lt1"/>
+          </a:fontRef>
+        </p:style>
+        <p:txBody>
+          <a:bodyPr rtlCol="0" anchor="ctr"/>
+          <a:lstStyle/>
+          <a:p>
+            <a:pPr algn="ctr"/>
+            <a:r>
+              <a:rPr lang="en-US" sz="1600" dirty="0"/>
+              <a:t>Note: the simulation path is not recorded to preserve memory!</a:t>
+            </a:r>
+          </a:p>
+        </p:txBody>
+      </p:sp>
+      <p:sp>
+        <p:nvSpPr>
+          <p:cNvPr id="7" name="Speech Bubble: Rectangle 6">
+            <a:extLst>
+              <a:ext uri="{FF2B5EF4-FFF2-40B4-BE49-F238E27FC236}">
+                <a16:creationId xmlns:a16="http://schemas.microsoft.com/office/drawing/2014/main" id="{8384930E-C4A4-4194-BB17-475E43E41D5F}"/>
+              </a:ext>
+            </a:extLst>
+          </p:cNvPr>
+          <p:cNvSpPr/>
+          <p:nvPr/>
+        </p:nvSpPr>
+        <p:spPr>
+          <a:xfrm>
+            <a:off x="3400113" y="1295400"/>
+            <a:ext cx="2133600" cy="381000"/>
+          </a:xfrm>
+          <a:prstGeom prst="wedgeRectCallout">
+            <a:avLst>
+              <a:gd name="adj1" fmla="val -71362"/>
+              <a:gd name="adj2" fmla="val -25922"/>
+            </a:avLst>
+          </a:prstGeom>
+        </p:spPr>
+        <p:style>
+          <a:lnRef idx="3">
+            <a:schemeClr val="lt1"/>
+          </a:lnRef>
+          <a:fillRef idx="1">
+            <a:schemeClr val="accent6"/>
+          </a:fillRef>
+          <a:effectRef idx="1">
+            <a:schemeClr val="accent6"/>
+          </a:effectRef>
+          <a:fontRef idx="minor">
+            <a:schemeClr val="lt1"/>
+          </a:fontRef>
+        </p:style>
+        <p:txBody>
+          <a:bodyPr rtlCol="0" anchor="ctr"/>
+          <a:lstStyle/>
+          <a:p>
+            <a:pPr algn="ctr"/>
+            <a:r>
+              <a:rPr lang="en-US" dirty="0"/>
+              <a:t>Highest UCB1 score</a:t>
+            </a:r>
+          </a:p>
+        </p:txBody>
+      </p:sp>
+      <p:sp>
+        <p:nvSpPr>
+          <p:cNvPr id="8" name="Speech Bubble: Rectangle 7">
+            <a:extLst>
+              <a:ext uri="{FF2B5EF4-FFF2-40B4-BE49-F238E27FC236}">
+                <a16:creationId xmlns:a16="http://schemas.microsoft.com/office/drawing/2014/main" id="{F14742F9-67BA-4ED1-A2CE-411A6E61255D}"/>
+              </a:ext>
+            </a:extLst>
+          </p:cNvPr>
+          <p:cNvSpPr/>
+          <p:nvPr/>
+        </p:nvSpPr>
+        <p:spPr>
+          <a:xfrm>
+            <a:off x="5105400" y="1676400"/>
+            <a:ext cx="3352800" cy="643689"/>
+          </a:xfrm>
+          <a:prstGeom prst="wedgeRectCallout">
+            <a:avLst>
+              <a:gd name="adj1" fmla="val -70802"/>
+              <a:gd name="adj2" fmla="val 66494"/>
+            </a:avLst>
+          </a:prstGeom>
+        </p:spPr>
+        <p:style>
+          <a:lnRef idx="3">
+            <a:schemeClr val="lt1"/>
+          </a:lnRef>
+          <a:fillRef idx="1">
+            <a:schemeClr val="accent6"/>
+          </a:fillRef>
+          <a:effectRef idx="1">
+            <a:schemeClr val="accent6"/>
+          </a:effectRef>
+          <a:fontRef idx="minor">
+            <a:schemeClr val="lt1"/>
+          </a:fontRef>
+        </p:style>
+        <p:txBody>
+          <a:bodyPr rtlCol="0" anchor="ctr"/>
+          <a:lstStyle/>
+          <a:p>
+            <a:pPr algn="ctr"/>
+            <a:r>
+              <a:rPr lang="en-US" dirty="0"/>
+              <a:t>UCB1 selection favors win percentage more and more.</a:t>
+            </a:r>
+          </a:p>
+        </p:txBody>
+      </p:sp>
+      <p:sp>
+        <p:nvSpPr>
+          <p:cNvPr id="9" name="TextBox 8">
+            <a:extLst>
+              <a:ext uri="{FF2B5EF4-FFF2-40B4-BE49-F238E27FC236}">
+                <a16:creationId xmlns:a16="http://schemas.microsoft.com/office/drawing/2014/main" id="{E49ADF20-5360-4C46-9A0F-C4AC022BFFB2}"/>
+              </a:ext>
+            </a:extLst>
+          </p:cNvPr>
+          <p:cNvSpPr txBox="1"/>
+          <p:nvPr/>
+        </p:nvSpPr>
+        <p:spPr>
+          <a:xfrm>
+            <a:off x="2743200" y="2895600"/>
+            <a:ext cx="1084079" cy="276999"/>
+          </a:xfrm>
+          <a:prstGeom prst="rect">
+            <a:avLst/>
+          </a:prstGeom>
+          <a:noFill/>
+        </p:spPr>
+        <p:txBody>
+          <a:bodyPr wrap="none" rtlCol="0">
+            <a:spAutoFit/>
+          </a:bodyPr>
+          <a:lstStyle/>
+          <a:p>
+            <a:r>
+              <a:rPr lang="en-US" sz="1200" dirty="0"/>
+              <a:t>Wins/Playouts</a:t>
+            </a:r>
+          </a:p>
+        </p:txBody>
+      </p:sp>
+      <p:sp>
+        <p:nvSpPr>
+          <p:cNvPr id="10" name="Oval 9">
+            <a:extLst>
+              <a:ext uri="{FF2B5EF4-FFF2-40B4-BE49-F238E27FC236}">
+                <a16:creationId xmlns:a16="http://schemas.microsoft.com/office/drawing/2014/main" id="{15C69B09-9D37-4124-A65C-8B45BABCAFB7}"/>
+              </a:ext>
+            </a:extLst>
+          </p:cNvPr>
+          <p:cNvSpPr/>
+          <p:nvPr/>
+        </p:nvSpPr>
+        <p:spPr>
+          <a:xfrm>
+            <a:off x="1128530" y="4648200"/>
+            <a:ext cx="381000" cy="381000"/>
+          </a:xfrm>
+          <a:prstGeom prst="ellipse">
+            <a:avLst/>
+          </a:prstGeom>
+          <a:noFill/>
+          <a:ln w="38100">
+            <a:solidFill>
+              <a:srgbClr val="FF0000"/>
+            </a:solidFill>
+          </a:ln>
+        </p:spPr>
+        <p:style>
+          <a:lnRef idx="2">
+            <a:schemeClr val="accent1">
+              <a:shade val="50000"/>
+            </a:schemeClr>
+          </a:lnRef>
+          <a:fillRef idx="1">
+            <a:schemeClr val="accent1"/>
+          </a:fillRef>
+          <a:effectRef idx="0">
+            <a:schemeClr val="accent1"/>
+          </a:effectRef>
+          <a:fontRef idx="minor">
+            <a:schemeClr val="lt1"/>
+          </a:fontRef>
+        </p:style>
+        <p:txBody>
+          <a:bodyPr rtlCol="0" anchor="ctr"/>
+          <a:lstStyle/>
+          <a:p>
+            <a:pPr algn="ctr"/>
+            <a:endParaRPr lang="en-US"/>
+          </a:p>
+        </p:txBody>
+      </p:sp>
+      <p:sp>
+        <p:nvSpPr>
+          <p:cNvPr id="11" name="Oval 10">
+            <a:extLst>
+              <a:ext uri="{FF2B5EF4-FFF2-40B4-BE49-F238E27FC236}">
+                <a16:creationId xmlns:a16="http://schemas.microsoft.com/office/drawing/2014/main" id="{8CA756EA-5537-4B96-9E24-93C99C7BC71F}"/>
+              </a:ext>
+            </a:extLst>
+          </p:cNvPr>
+          <p:cNvSpPr/>
+          <p:nvPr/>
+        </p:nvSpPr>
+        <p:spPr>
+          <a:xfrm>
+            <a:off x="6693352" y="4089549"/>
+            <a:ext cx="381000" cy="381000"/>
+          </a:xfrm>
+          <a:prstGeom prst="ellipse">
+            <a:avLst/>
+          </a:prstGeom>
+          <a:noFill/>
+          <a:ln w="38100">
+            <a:solidFill>
+              <a:srgbClr val="FF0000"/>
+            </a:solidFill>
+          </a:ln>
+        </p:spPr>
+        <p:style>
+          <a:lnRef idx="2">
+            <a:schemeClr val="accent1">
+              <a:shade val="50000"/>
+            </a:schemeClr>
+          </a:lnRef>
+          <a:fillRef idx="1">
+            <a:schemeClr val="accent1"/>
+          </a:fillRef>
+          <a:effectRef idx="0">
+            <a:schemeClr val="accent1"/>
+          </a:effectRef>
+          <a:fontRef idx="minor">
+            <a:schemeClr val="lt1"/>
+          </a:fontRef>
+        </p:style>
+        <p:txBody>
+          <a:bodyPr rtlCol="0" anchor="ctr"/>
+          <a:lstStyle/>
+          <a:p>
+            <a:pPr algn="ctr"/>
+            <a:endParaRPr lang="en-US"/>
+          </a:p>
+        </p:txBody>
+      </p:sp>
+      <p:sp>
+        <p:nvSpPr>
+          <p:cNvPr id="12" name="Oval 11">
+            <a:extLst>
+              <a:ext uri="{FF2B5EF4-FFF2-40B4-BE49-F238E27FC236}">
+                <a16:creationId xmlns:a16="http://schemas.microsoft.com/office/drawing/2014/main" id="{51D6C00C-0565-4048-9352-92A781CD61BC}"/>
+              </a:ext>
+            </a:extLst>
+          </p:cNvPr>
+          <p:cNvSpPr/>
+          <p:nvPr/>
+        </p:nvSpPr>
+        <p:spPr>
+          <a:xfrm>
+            <a:off x="6693352" y="3504012"/>
+            <a:ext cx="381000" cy="381000"/>
+          </a:xfrm>
+          <a:prstGeom prst="ellipse">
+            <a:avLst/>
+          </a:prstGeom>
+          <a:noFill/>
+          <a:ln w="38100">
+            <a:solidFill>
+              <a:srgbClr val="FF0000"/>
+            </a:solidFill>
+          </a:ln>
+        </p:spPr>
+        <p:style>
+          <a:lnRef idx="2">
+            <a:schemeClr val="accent1">
+              <a:shade val="50000"/>
+            </a:schemeClr>
+          </a:lnRef>
+          <a:fillRef idx="1">
+            <a:schemeClr val="accent1"/>
+          </a:fillRef>
+          <a:effectRef idx="0">
+            <a:schemeClr val="accent1"/>
+          </a:effectRef>
+          <a:fontRef idx="minor">
+            <a:schemeClr val="lt1"/>
+          </a:fontRef>
+        </p:style>
+        <p:txBody>
+          <a:bodyPr rtlCol="0" anchor="ctr"/>
+          <a:lstStyle/>
+          <a:p>
+            <a:pPr algn="ctr"/>
+            <a:endParaRPr lang="en-US"/>
+          </a:p>
+        </p:txBody>
+      </p:sp>
+      <p:sp>
+        <p:nvSpPr>
+          <p:cNvPr id="13" name="Oval 12">
+            <a:extLst>
+              <a:ext uri="{FF2B5EF4-FFF2-40B4-BE49-F238E27FC236}">
+                <a16:creationId xmlns:a16="http://schemas.microsoft.com/office/drawing/2014/main" id="{86018CB8-30CF-469B-8288-0444EE3BCAD4}"/>
+              </a:ext>
+            </a:extLst>
+          </p:cNvPr>
+          <p:cNvSpPr/>
+          <p:nvPr/>
+        </p:nvSpPr>
+        <p:spPr>
+          <a:xfrm>
+            <a:off x="7315200" y="2908652"/>
+            <a:ext cx="381000" cy="396026"/>
+          </a:xfrm>
+          <a:prstGeom prst="ellipse">
+            <a:avLst/>
+          </a:prstGeom>
+          <a:noFill/>
+          <a:ln w="38100">
+            <a:solidFill>
+              <a:srgbClr val="FF0000"/>
+            </a:solidFill>
+          </a:ln>
+        </p:spPr>
+        <p:style>
+          <a:lnRef idx="2">
+            <a:schemeClr val="accent1">
+              <a:shade val="50000"/>
+            </a:schemeClr>
+          </a:lnRef>
+          <a:fillRef idx="1">
+            <a:schemeClr val="accent1"/>
+          </a:fillRef>
+          <a:effectRef idx="0">
+            <a:schemeClr val="accent1"/>
+          </a:effectRef>
+          <a:fontRef idx="minor">
+            <a:schemeClr val="lt1"/>
+          </a:fontRef>
+        </p:style>
+        <p:txBody>
+          <a:bodyPr rtlCol="0" anchor="ctr"/>
+          <a:lstStyle/>
+          <a:p>
+            <a:pPr algn="ctr"/>
+            <a:endParaRPr lang="en-US"/>
+          </a:p>
+        </p:txBody>
+      </p:sp>
+      <p:sp>
+        <p:nvSpPr>
+          <p:cNvPr id="14" name="Oval 13">
+            <a:extLst>
+              <a:ext uri="{FF2B5EF4-FFF2-40B4-BE49-F238E27FC236}">
+                <a16:creationId xmlns:a16="http://schemas.microsoft.com/office/drawing/2014/main" id="{90B203F2-B256-499E-968C-FBC9A0FAC327}"/>
+              </a:ext>
+            </a:extLst>
+          </p:cNvPr>
+          <p:cNvSpPr/>
+          <p:nvPr/>
+        </p:nvSpPr>
+        <p:spPr>
+          <a:xfrm>
+            <a:off x="6121852" y="4635575"/>
+            <a:ext cx="381000" cy="381000"/>
+          </a:xfrm>
+          <a:prstGeom prst="ellipse">
+            <a:avLst/>
+          </a:prstGeom>
+          <a:noFill/>
+          <a:ln w="38100">
+            <a:solidFill>
+              <a:srgbClr val="FF0000"/>
+            </a:solidFill>
+          </a:ln>
+        </p:spPr>
+        <p:style>
+          <a:lnRef idx="2">
+            <a:schemeClr val="accent1">
+              <a:shade val="50000"/>
+            </a:schemeClr>
+          </a:lnRef>
+          <a:fillRef idx="1">
+            <a:schemeClr val="accent1"/>
+          </a:fillRef>
+          <a:effectRef idx="0">
+            <a:schemeClr val="accent1"/>
+          </a:effectRef>
+          <a:fontRef idx="minor">
+            <a:schemeClr val="lt1"/>
+          </a:fontRef>
+        </p:style>
+        <p:txBody>
+          <a:bodyPr rtlCol="0" anchor="ctr"/>
+          <a:lstStyle/>
+          <a:p>
+            <a:pPr algn="ctr"/>
+            <a:endParaRPr lang="en-US"/>
+          </a:p>
+        </p:txBody>
+      </p:sp>
+      <p:sp>
+        <p:nvSpPr>
+          <p:cNvPr id="15" name="TextBox 14">
+            <a:extLst>
+              <a:ext uri="{FF2B5EF4-FFF2-40B4-BE49-F238E27FC236}">
+                <a16:creationId xmlns:a16="http://schemas.microsoft.com/office/drawing/2014/main" id="{599F4839-3EDC-4379-B9CC-63887372CCD6}"/>
+              </a:ext>
+            </a:extLst>
+          </p:cNvPr>
+          <p:cNvSpPr txBox="1"/>
+          <p:nvPr/>
+        </p:nvSpPr>
+        <p:spPr>
+          <a:xfrm>
+            <a:off x="557598" y="2999601"/>
+            <a:ext cx="562911" cy="276999"/>
+          </a:xfrm>
+          <a:prstGeom prst="rect">
+            <a:avLst/>
+          </a:prstGeom>
+          <a:noFill/>
+        </p:spPr>
+        <p:txBody>
+          <a:bodyPr wrap="none" rtlCol="0">
+            <a:spAutoFit/>
+          </a:bodyPr>
+          <a:lstStyle/>
+          <a:p>
+            <a:r>
+              <a:rPr lang="en-US" sz="1200" dirty="0"/>
+              <a:t>White</a:t>
+            </a:r>
+          </a:p>
+        </p:txBody>
+      </p:sp>
+      <p:sp>
+        <p:nvSpPr>
+          <p:cNvPr id="16" name="TextBox 15">
+            <a:extLst>
+              <a:ext uri="{FF2B5EF4-FFF2-40B4-BE49-F238E27FC236}">
+                <a16:creationId xmlns:a16="http://schemas.microsoft.com/office/drawing/2014/main" id="{4DEA6A0B-F53D-480C-99D5-82DB6899E24E}"/>
+              </a:ext>
+            </a:extLst>
+          </p:cNvPr>
+          <p:cNvSpPr txBox="1"/>
+          <p:nvPr/>
+        </p:nvSpPr>
+        <p:spPr>
+          <a:xfrm>
+            <a:off x="557598" y="4089549"/>
+            <a:ext cx="562911" cy="276999"/>
+          </a:xfrm>
+          <a:prstGeom prst="rect">
+            <a:avLst/>
+          </a:prstGeom>
+          <a:noFill/>
+        </p:spPr>
+        <p:txBody>
+          <a:bodyPr wrap="none" rtlCol="0">
+            <a:spAutoFit/>
+          </a:bodyPr>
+          <a:lstStyle/>
+          <a:p>
+            <a:r>
+              <a:rPr lang="en-US" sz="1200" dirty="0"/>
+              <a:t>White</a:t>
+            </a:r>
+          </a:p>
+        </p:txBody>
+      </p:sp>
+      <p:sp>
+        <p:nvSpPr>
+          <p:cNvPr id="17" name="TextBox 16">
+            <a:extLst>
+              <a:ext uri="{FF2B5EF4-FFF2-40B4-BE49-F238E27FC236}">
+                <a16:creationId xmlns:a16="http://schemas.microsoft.com/office/drawing/2014/main" id="{4FB26089-CE33-4440-8867-7A807316C56E}"/>
+              </a:ext>
+            </a:extLst>
+          </p:cNvPr>
+          <p:cNvSpPr txBox="1"/>
+          <p:nvPr/>
+        </p:nvSpPr>
+        <p:spPr>
+          <a:xfrm>
+            <a:off x="557598" y="5179497"/>
+            <a:ext cx="562911" cy="276999"/>
+          </a:xfrm>
+          <a:prstGeom prst="rect">
+            <a:avLst/>
+          </a:prstGeom>
+          <a:noFill/>
+        </p:spPr>
+        <p:txBody>
+          <a:bodyPr wrap="none" rtlCol="0">
+            <a:spAutoFit/>
+          </a:bodyPr>
+          <a:lstStyle/>
+          <a:p>
+            <a:r>
+              <a:rPr lang="en-US" sz="1200" dirty="0"/>
+              <a:t>White</a:t>
+            </a:r>
+          </a:p>
+        </p:txBody>
+      </p:sp>
+      <p:cxnSp>
+        <p:nvCxnSpPr>
+          <p:cNvPr id="21" name="Straight Connector 20">
+            <a:extLst>
+              <a:ext uri="{FF2B5EF4-FFF2-40B4-BE49-F238E27FC236}">
+                <a16:creationId xmlns:a16="http://schemas.microsoft.com/office/drawing/2014/main" id="{D5A7904B-BA97-438D-83FF-897983384C78}"/>
+              </a:ext>
+            </a:extLst>
+          </p:cNvPr>
+          <p:cNvCxnSpPr/>
+          <p:nvPr/>
+        </p:nvCxnSpPr>
+        <p:spPr>
+          <a:xfrm>
+            <a:off x="685800" y="3352800"/>
+            <a:ext cx="7912552" cy="0"/>
+          </a:xfrm>
+          <a:prstGeom prst="line">
+            <a:avLst/>
+          </a:prstGeom>
+          <a:ln w="9525" cap="flat" cmpd="sng" algn="ctr">
+            <a:solidFill>
+              <a:schemeClr val="accent3"/>
+            </a:solidFill>
+            <a:prstDash val="dash"/>
+            <a:round/>
+            <a:headEnd type="none" w="med" len="med"/>
+            <a:tailEnd type="none" w="med" len="med"/>
+          </a:ln>
+        </p:spPr>
+        <p:style>
+          <a:lnRef idx="0">
+            <a:scrgbClr r="0" g="0" b="0"/>
+          </a:lnRef>
+          <a:fillRef idx="0">
+            <a:scrgbClr r="0" g="0" b="0"/>
+          </a:fillRef>
+          <a:effectRef idx="0">
+            <a:scrgbClr r="0" g="0" b="0"/>
+          </a:effectRef>
+          <a:fontRef idx="minor">
+            <a:schemeClr val="tx1"/>
+          </a:fontRef>
+        </p:style>
+      </p:cxnSp>
+      <p:cxnSp>
+        <p:nvCxnSpPr>
+          <p:cNvPr id="23" name="Straight Connector 22">
+            <a:extLst>
+              <a:ext uri="{FF2B5EF4-FFF2-40B4-BE49-F238E27FC236}">
+                <a16:creationId xmlns:a16="http://schemas.microsoft.com/office/drawing/2014/main" id="{84117894-7786-4518-8579-1E6221DB0E65}"/>
+              </a:ext>
+            </a:extLst>
+          </p:cNvPr>
+          <p:cNvCxnSpPr/>
+          <p:nvPr/>
+        </p:nvCxnSpPr>
+        <p:spPr>
+          <a:xfrm>
+            <a:off x="685800" y="3962400"/>
+            <a:ext cx="7912552" cy="0"/>
+          </a:xfrm>
+          <a:prstGeom prst="line">
+            <a:avLst/>
+          </a:prstGeom>
+          <a:ln w="9525" cap="flat" cmpd="sng" algn="ctr">
+            <a:solidFill>
+              <a:schemeClr val="accent3"/>
+            </a:solidFill>
+            <a:prstDash val="dash"/>
+            <a:round/>
+            <a:headEnd type="none" w="med" len="med"/>
+            <a:tailEnd type="none" w="med" len="med"/>
+          </a:ln>
+        </p:spPr>
+        <p:style>
+          <a:lnRef idx="0">
+            <a:scrgbClr r="0" g="0" b="0"/>
+          </a:lnRef>
+          <a:fillRef idx="0">
+            <a:scrgbClr r="0" g="0" b="0"/>
+          </a:fillRef>
+          <a:effectRef idx="0">
+            <a:scrgbClr r="0" g="0" b="0"/>
+          </a:effectRef>
+          <a:fontRef idx="minor">
+            <a:schemeClr val="tx1"/>
+          </a:fontRef>
+        </p:style>
+      </p:cxnSp>
+      <p:cxnSp>
+        <p:nvCxnSpPr>
+          <p:cNvPr id="24" name="Straight Connector 23">
+            <a:extLst>
+              <a:ext uri="{FF2B5EF4-FFF2-40B4-BE49-F238E27FC236}">
+                <a16:creationId xmlns:a16="http://schemas.microsoft.com/office/drawing/2014/main" id="{2AEADF8D-FF0D-4751-9CC4-1349724322A9}"/>
+              </a:ext>
+            </a:extLst>
+          </p:cNvPr>
+          <p:cNvCxnSpPr/>
+          <p:nvPr/>
+        </p:nvCxnSpPr>
+        <p:spPr>
+          <a:xfrm>
+            <a:off x="685800" y="4572000"/>
+            <a:ext cx="7912552" cy="0"/>
+          </a:xfrm>
+          <a:prstGeom prst="line">
+            <a:avLst/>
+          </a:prstGeom>
+          <a:ln w="9525" cap="flat" cmpd="sng" algn="ctr">
+            <a:solidFill>
+              <a:schemeClr val="accent3"/>
+            </a:solidFill>
+            <a:prstDash val="dash"/>
+            <a:round/>
+            <a:headEnd type="none" w="med" len="med"/>
+            <a:tailEnd type="none" w="med" len="med"/>
+          </a:ln>
+        </p:spPr>
+        <p:style>
+          <a:lnRef idx="0">
+            <a:scrgbClr r="0" g="0" b="0"/>
+          </a:lnRef>
+          <a:fillRef idx="0">
+            <a:scrgbClr r="0" g="0" b="0"/>
+          </a:fillRef>
+          <a:effectRef idx="0">
+            <a:scrgbClr r="0" g="0" b="0"/>
+          </a:effectRef>
+          <a:fontRef idx="minor">
+            <a:schemeClr val="tx1"/>
+          </a:fontRef>
+        </p:style>
+      </p:cxnSp>
+      <p:cxnSp>
+        <p:nvCxnSpPr>
+          <p:cNvPr id="25" name="Straight Connector 24">
+            <a:extLst>
+              <a:ext uri="{FF2B5EF4-FFF2-40B4-BE49-F238E27FC236}">
+                <a16:creationId xmlns:a16="http://schemas.microsoft.com/office/drawing/2014/main" id="{FE0ADEEF-F66F-4D2B-A3EA-DBA44B3245A7}"/>
+              </a:ext>
+            </a:extLst>
+          </p:cNvPr>
+          <p:cNvCxnSpPr/>
+          <p:nvPr/>
+        </p:nvCxnSpPr>
+        <p:spPr>
+          <a:xfrm>
+            <a:off x="698048" y="5105400"/>
+            <a:ext cx="7912552" cy="0"/>
+          </a:xfrm>
+          <a:prstGeom prst="line">
+            <a:avLst/>
+          </a:prstGeom>
+          <a:ln w="9525" cap="flat" cmpd="sng" algn="ctr">
+            <a:solidFill>
+              <a:schemeClr val="accent3"/>
+            </a:solidFill>
+            <a:prstDash val="dash"/>
+            <a:round/>
+            <a:headEnd type="none" w="med" len="med"/>
+            <a:tailEnd type="none" w="med" len="med"/>
+          </a:ln>
+        </p:spPr>
+        <p:style>
+          <a:lnRef idx="0">
+            <a:scrgbClr r="0" g="0" b="0"/>
+          </a:lnRef>
+          <a:fillRef idx="0">
+            <a:scrgbClr r="0" g="0" b="0"/>
+          </a:fillRef>
+          <a:effectRef idx="0">
+            <a:scrgbClr r="0" g="0" b="0"/>
+          </a:effectRef>
+          <a:fontRef idx="minor">
+            <a:schemeClr val="tx1"/>
+          </a:fontRef>
+        </p:style>
+      </p:cxnSp>
+      <p:sp>
+        <p:nvSpPr>
+          <p:cNvPr id="26" name="TextBox 25">
+            <a:extLst>
+              <a:ext uri="{FF2B5EF4-FFF2-40B4-BE49-F238E27FC236}">
+                <a16:creationId xmlns:a16="http://schemas.microsoft.com/office/drawing/2014/main" id="{75F504AB-4225-404B-8E4F-67D9B559C564}"/>
+              </a:ext>
+            </a:extLst>
+          </p:cNvPr>
+          <p:cNvSpPr txBox="1"/>
+          <p:nvPr/>
+        </p:nvSpPr>
+        <p:spPr>
+          <a:xfrm>
+            <a:off x="582412" y="3511112"/>
+            <a:ext cx="513282" cy="276999"/>
+          </a:xfrm>
+          <a:prstGeom prst="rect">
+            <a:avLst/>
+          </a:prstGeom>
+          <a:noFill/>
+        </p:spPr>
+        <p:txBody>
+          <a:bodyPr wrap="none" rtlCol="0">
+            <a:spAutoFit/>
+          </a:bodyPr>
+          <a:lstStyle/>
+          <a:p>
+            <a:r>
+              <a:rPr lang="en-US" sz="1200" dirty="0"/>
+              <a:t>Black</a:t>
+            </a:r>
+          </a:p>
+        </p:txBody>
+      </p:sp>
+      <p:sp>
+        <p:nvSpPr>
+          <p:cNvPr id="27" name="TextBox 26">
+            <a:extLst>
+              <a:ext uri="{FF2B5EF4-FFF2-40B4-BE49-F238E27FC236}">
+                <a16:creationId xmlns:a16="http://schemas.microsoft.com/office/drawing/2014/main" id="{1A7FB683-F9F5-43B3-8589-DE698C4B78D0}"/>
+              </a:ext>
+            </a:extLst>
+          </p:cNvPr>
+          <p:cNvSpPr txBox="1"/>
+          <p:nvPr/>
+        </p:nvSpPr>
+        <p:spPr>
+          <a:xfrm>
+            <a:off x="582412" y="4676001"/>
+            <a:ext cx="513282" cy="276999"/>
+          </a:xfrm>
+          <a:prstGeom prst="rect">
+            <a:avLst/>
+          </a:prstGeom>
+          <a:noFill/>
+        </p:spPr>
+        <p:txBody>
+          <a:bodyPr wrap="none" rtlCol="0">
+            <a:spAutoFit/>
+          </a:bodyPr>
+          <a:lstStyle/>
+          <a:p>
+            <a:r>
+              <a:rPr lang="en-US" sz="1200" dirty="0"/>
+              <a:t>Black</a:t>
+            </a:r>
+          </a:p>
+        </p:txBody>
+      </p:sp>
+      <p:sp>
+        <p:nvSpPr>
+          <p:cNvPr id="2" name="Rectangle 1">
+            <a:extLst>
+              <a:ext uri="{FF2B5EF4-FFF2-40B4-BE49-F238E27FC236}">
+                <a16:creationId xmlns:a16="http://schemas.microsoft.com/office/drawing/2014/main" id="{1516C8A5-634E-42CD-8F82-EA0BA9FFDD98}"/>
+              </a:ext>
+            </a:extLst>
+          </p:cNvPr>
+          <p:cNvSpPr/>
+          <p:nvPr/>
+        </p:nvSpPr>
+        <p:spPr>
+          <a:xfrm>
+            <a:off x="4800600" y="2362200"/>
+            <a:ext cx="3581400" cy="341000"/>
+          </a:xfrm>
+          <a:prstGeom prst="rect">
+            <a:avLst/>
+          </a:prstGeom>
+          <a:noFill/>
+          <a:ln w="28575">
+            <a:solidFill>
+              <a:srgbClr val="FF0000"/>
+            </a:solidFill>
+          </a:ln>
+        </p:spPr>
+        <p:style>
+          <a:lnRef idx="2">
+            <a:schemeClr val="accent1">
+              <a:shade val="50000"/>
+            </a:schemeClr>
+          </a:lnRef>
+          <a:fillRef idx="1">
+            <a:schemeClr val="accent1"/>
+          </a:fillRef>
+          <a:effectRef idx="0">
+            <a:schemeClr val="accent1"/>
+          </a:effectRef>
+          <a:fontRef idx="minor">
+            <a:schemeClr val="lt1"/>
+          </a:fontRef>
+        </p:style>
+        <p:txBody>
+          <a:bodyPr rtlCol="0" anchor="ctr"/>
+          <a:lstStyle/>
+          <a:p>
+            <a:pPr algn="ctr"/>
+            <a:endParaRPr lang="en-US"/>
+          </a:p>
+        </p:txBody>
+      </p:sp>
+      <p:sp>
+        <p:nvSpPr>
+          <p:cNvPr id="30" name="Speech Bubble: Rectangle 29">
+            <a:extLst>
+              <a:ext uri="{FF2B5EF4-FFF2-40B4-BE49-F238E27FC236}">
+                <a16:creationId xmlns:a16="http://schemas.microsoft.com/office/drawing/2014/main" id="{C9BDF8D7-13E9-4165-B976-38B6BC431C55}"/>
+              </a:ext>
+            </a:extLst>
+          </p:cNvPr>
+          <p:cNvSpPr/>
+          <p:nvPr/>
+        </p:nvSpPr>
+        <p:spPr>
+          <a:xfrm>
+            <a:off x="381000" y="5891549"/>
+            <a:ext cx="1673507" cy="838200"/>
+          </a:xfrm>
+          <a:prstGeom prst="wedgeRectCallout">
+            <a:avLst>
+              <a:gd name="adj1" fmla="val 4728"/>
+              <a:gd name="adj2" fmla="val -156247"/>
+            </a:avLst>
+          </a:prstGeom>
+        </p:spPr>
+        <p:style>
+          <a:lnRef idx="3">
+            <a:schemeClr val="lt1"/>
+          </a:lnRef>
+          <a:fillRef idx="1">
+            <a:schemeClr val="accent6"/>
+          </a:fillRef>
+          <a:effectRef idx="1">
+            <a:schemeClr val="accent6"/>
+          </a:effectRef>
+          <a:fontRef idx="minor">
+            <a:schemeClr val="lt1"/>
+          </a:fontRef>
+        </p:style>
+        <p:txBody>
+          <a:bodyPr rtlCol="0" anchor="ctr"/>
+          <a:lstStyle/>
+          <a:p>
+            <a:pPr algn="ctr"/>
+            <a:r>
+              <a:rPr lang="en-US" sz="1600" dirty="0"/>
+              <a:t>Select highest UCB1 score node</a:t>
+            </a:r>
+          </a:p>
+        </p:txBody>
+      </p:sp>
+      <p:cxnSp>
+        <p:nvCxnSpPr>
+          <p:cNvPr id="20" name="Straight Arrow Connector 19">
+            <a:extLst>
+              <a:ext uri="{FF2B5EF4-FFF2-40B4-BE49-F238E27FC236}">
+                <a16:creationId xmlns:a16="http://schemas.microsoft.com/office/drawing/2014/main" id="{B53CBDDA-6B85-4575-A1E1-1B7BBBAB1E91}"/>
+              </a:ext>
+            </a:extLst>
+          </p:cNvPr>
+          <p:cNvCxnSpPr>
+            <a:cxnSpLocks/>
+            <a:endCxn id="11" idx="3"/>
+          </p:cNvCxnSpPr>
+          <p:nvPr/>
+        </p:nvCxnSpPr>
+        <p:spPr>
+          <a:xfrm flipV="1">
+            <a:off x="6462028" y="4414753"/>
+            <a:ext cx="287120" cy="261248"/>
+          </a:xfrm>
+          <a:prstGeom prst="straightConnector1">
+            <a:avLst/>
+          </a:prstGeom>
+          <a:ln w="38100">
+            <a:solidFill>
+              <a:srgbClr val="FF0000"/>
+            </a:solidFill>
+            <a:tailEnd type="triangle"/>
+          </a:ln>
+        </p:spPr>
+        <p:style>
+          <a:lnRef idx="1">
+            <a:schemeClr val="accent1"/>
+          </a:lnRef>
+          <a:fillRef idx="0">
+            <a:schemeClr val="accent1"/>
+          </a:fillRef>
+          <a:effectRef idx="0">
+            <a:schemeClr val="accent1"/>
+          </a:effectRef>
+          <a:fontRef idx="minor">
+            <a:schemeClr val="tx1"/>
+          </a:fontRef>
+        </p:style>
+      </p:cxnSp>
+      <p:cxnSp>
+        <p:nvCxnSpPr>
+          <p:cNvPr id="31" name="Straight Arrow Connector 30">
+            <a:extLst>
+              <a:ext uri="{FF2B5EF4-FFF2-40B4-BE49-F238E27FC236}">
+                <a16:creationId xmlns:a16="http://schemas.microsoft.com/office/drawing/2014/main" id="{31C6647B-D2E9-4088-B616-4526DFA01760}"/>
+              </a:ext>
+            </a:extLst>
+          </p:cNvPr>
+          <p:cNvCxnSpPr>
+            <a:cxnSpLocks/>
+            <a:endCxn id="12" idx="4"/>
+          </p:cNvCxnSpPr>
+          <p:nvPr/>
+        </p:nvCxnSpPr>
+        <p:spPr>
+          <a:xfrm flipV="1">
+            <a:off x="6856599" y="3885012"/>
+            <a:ext cx="27253" cy="194624"/>
+          </a:xfrm>
+          <a:prstGeom prst="straightConnector1">
+            <a:avLst/>
+          </a:prstGeom>
+          <a:ln w="38100">
+            <a:solidFill>
+              <a:srgbClr val="FF0000"/>
+            </a:solidFill>
+            <a:tailEnd type="triangle"/>
+          </a:ln>
+        </p:spPr>
+        <p:style>
+          <a:lnRef idx="1">
+            <a:schemeClr val="accent1"/>
+          </a:lnRef>
+          <a:fillRef idx="0">
+            <a:schemeClr val="accent1"/>
+          </a:fillRef>
+          <a:effectRef idx="0">
+            <a:schemeClr val="accent1"/>
+          </a:effectRef>
+          <a:fontRef idx="minor">
+            <a:schemeClr val="tx1"/>
+          </a:fontRef>
+        </p:style>
+      </p:cxnSp>
+      <p:cxnSp>
+        <p:nvCxnSpPr>
+          <p:cNvPr id="33" name="Straight Arrow Connector 32">
+            <a:extLst>
+              <a:ext uri="{FF2B5EF4-FFF2-40B4-BE49-F238E27FC236}">
+                <a16:creationId xmlns:a16="http://schemas.microsoft.com/office/drawing/2014/main" id="{30872F81-6E7B-4D9A-AC33-1362C71DE966}"/>
+              </a:ext>
+            </a:extLst>
+          </p:cNvPr>
+          <p:cNvCxnSpPr>
+            <a:cxnSpLocks/>
+            <a:stCxn id="12" idx="7"/>
+            <a:endCxn id="13" idx="3"/>
+          </p:cNvCxnSpPr>
+          <p:nvPr/>
+        </p:nvCxnSpPr>
+        <p:spPr>
+          <a:xfrm flipV="1">
+            <a:off x="7018556" y="3246681"/>
+            <a:ext cx="352440" cy="313127"/>
+          </a:xfrm>
+          <a:prstGeom prst="straightConnector1">
+            <a:avLst/>
+          </a:prstGeom>
+          <a:ln w="38100">
+            <a:solidFill>
+              <a:srgbClr val="FF0000"/>
+            </a:solidFill>
+            <a:tailEnd type="triangle"/>
+          </a:ln>
+        </p:spPr>
+        <p:style>
+          <a:lnRef idx="1">
+            <a:schemeClr val="accent1"/>
+          </a:lnRef>
+          <a:fillRef idx="0">
+            <a:schemeClr val="accent1"/>
+          </a:fillRef>
+          <a:effectRef idx="0">
+            <a:schemeClr val="accent1"/>
+          </a:effectRef>
+          <a:fontRef idx="minor">
+            <a:schemeClr val="tx1"/>
+          </a:fontRef>
+        </p:style>
+      </p:cxnSp>
+      <p:sp>
+        <p:nvSpPr>
+          <p:cNvPr id="44" name="Oval 43">
+            <a:extLst>
+              <a:ext uri="{FF2B5EF4-FFF2-40B4-BE49-F238E27FC236}">
+                <a16:creationId xmlns:a16="http://schemas.microsoft.com/office/drawing/2014/main" id="{F6965377-92F5-478D-86E0-6BC8DC756AFF}"/>
+              </a:ext>
+            </a:extLst>
+          </p:cNvPr>
+          <p:cNvSpPr/>
+          <p:nvPr/>
+        </p:nvSpPr>
+        <p:spPr>
+          <a:xfrm>
+            <a:off x="6121852" y="5183508"/>
+            <a:ext cx="381000" cy="381000"/>
+          </a:xfrm>
+          <a:prstGeom prst="ellipse">
+            <a:avLst/>
+          </a:prstGeom>
+          <a:noFill/>
+          <a:ln w="38100">
+            <a:solidFill>
+              <a:srgbClr val="FF0000"/>
+            </a:solidFill>
+          </a:ln>
+        </p:spPr>
+        <p:style>
+          <a:lnRef idx="2">
+            <a:schemeClr val="accent1">
+              <a:shade val="50000"/>
+            </a:schemeClr>
+          </a:lnRef>
+          <a:fillRef idx="1">
+            <a:schemeClr val="accent1"/>
+          </a:fillRef>
+          <a:effectRef idx="0">
+            <a:schemeClr val="accent1"/>
+          </a:effectRef>
+          <a:fontRef idx="minor">
+            <a:schemeClr val="lt1"/>
+          </a:fontRef>
+        </p:style>
+        <p:txBody>
+          <a:bodyPr rtlCol="0" anchor="ctr"/>
+          <a:lstStyle/>
+          <a:p>
+            <a:pPr algn="ctr"/>
+            <a:endParaRPr lang="en-US"/>
+          </a:p>
+        </p:txBody>
+      </p:sp>
+      <p:cxnSp>
+        <p:nvCxnSpPr>
+          <p:cNvPr id="45" name="Straight Arrow Connector 44">
+            <a:extLst>
+              <a:ext uri="{FF2B5EF4-FFF2-40B4-BE49-F238E27FC236}">
+                <a16:creationId xmlns:a16="http://schemas.microsoft.com/office/drawing/2014/main" id="{A7BF5870-B5EE-44E4-A1B1-B29644B74F68}"/>
+              </a:ext>
+            </a:extLst>
+          </p:cNvPr>
+          <p:cNvCxnSpPr>
+            <a:cxnSpLocks/>
+            <a:stCxn id="44" idx="0"/>
+            <a:endCxn id="14" idx="4"/>
+          </p:cNvCxnSpPr>
+          <p:nvPr/>
+        </p:nvCxnSpPr>
+        <p:spPr>
+          <a:xfrm flipV="1">
+            <a:off x="6312352" y="5016575"/>
+            <a:ext cx="0" cy="166933"/>
+          </a:xfrm>
+          <a:prstGeom prst="straightConnector1">
+            <a:avLst/>
+          </a:prstGeom>
+          <a:ln w="38100">
+            <a:solidFill>
+              <a:srgbClr val="FF0000"/>
+            </a:solidFill>
+            <a:tailEnd type="triangle"/>
+          </a:ln>
+        </p:spPr>
+        <p:style>
+          <a:lnRef idx="1">
+            <a:schemeClr val="accent1"/>
+          </a:lnRef>
+          <a:fillRef idx="0">
+            <a:schemeClr val="accent1"/>
+          </a:fillRef>
+          <a:effectRef idx="0">
+            <a:schemeClr val="accent1"/>
+          </a:effectRef>
+          <a:fontRef idx="minor">
+            <a:schemeClr val="tx1"/>
+          </a:fontRef>
+        </p:style>
+      </p:cxnSp>
+      <p:sp>
+        <p:nvSpPr>
+          <p:cNvPr id="48" name="Oval 47">
+            <a:extLst>
+              <a:ext uri="{FF2B5EF4-FFF2-40B4-BE49-F238E27FC236}">
+                <a16:creationId xmlns:a16="http://schemas.microsoft.com/office/drawing/2014/main" id="{83CCEF06-F7F5-4DE5-9901-29E2DFF7A679}"/>
+              </a:ext>
+            </a:extLst>
+          </p:cNvPr>
+          <p:cNvSpPr/>
+          <p:nvPr/>
+        </p:nvSpPr>
+        <p:spPr>
+          <a:xfrm>
+            <a:off x="3633105" y="5194226"/>
+            <a:ext cx="381000" cy="381000"/>
+          </a:xfrm>
+          <a:prstGeom prst="ellipse">
+            <a:avLst/>
+          </a:prstGeom>
+          <a:noFill/>
+          <a:ln w="38100">
+            <a:solidFill>
+              <a:srgbClr val="FF0000"/>
+            </a:solidFill>
+          </a:ln>
+        </p:spPr>
+        <p:style>
+          <a:lnRef idx="2">
+            <a:schemeClr val="accent1">
+              <a:shade val="50000"/>
+            </a:schemeClr>
+          </a:lnRef>
+          <a:fillRef idx="1">
+            <a:schemeClr val="accent1"/>
+          </a:fillRef>
+          <a:effectRef idx="0">
+            <a:schemeClr val="accent1"/>
+          </a:effectRef>
+          <a:fontRef idx="minor">
+            <a:schemeClr val="lt1"/>
+          </a:fontRef>
+        </p:style>
+        <p:txBody>
+          <a:bodyPr rtlCol="0" anchor="ctr"/>
+          <a:lstStyle/>
+          <a:p>
+            <a:pPr algn="ctr"/>
+            <a:endParaRPr lang="en-US"/>
+          </a:p>
+        </p:txBody>
+      </p:sp>
+    </p:spTree>
+    <p:extLst>
+      <p:ext uri="{BB962C8B-B14F-4D97-AF65-F5344CB8AC3E}">
+        <p14:creationId xmlns:p14="http://schemas.microsoft.com/office/powerpoint/2010/main" val="1770306866"/>
+      </p:ext>
+    </p:extLst>
+  </p:cSld>
+  <p:clrMapOvr>
+    <a:masterClrMapping/>
+  </p:clrMapOvr>
+</p:sld>
+</file>
+
+<file path=ppt/slides/slide37.xml><?xml version="1.0" encoding="utf-8"?>
+<p:sld xmlns:a="http://schemas.openxmlformats.org/drawingml/2006/main" xmlns:r="http://schemas.openxmlformats.org/officeDocument/2006/relationships" xmlns:p="http://schemas.openxmlformats.org/presentationml/2006/main">
+  <p:cSld>
+    <p:spTree>
+      <p:nvGrpSpPr>
+        <p:cNvPr id="1" name=""/>
+        <p:cNvGrpSpPr/>
+        <p:nvPr/>
+      </p:nvGrpSpPr>
+      <p:grpSpPr>
+        <a:xfrm>
+          <a:off x="0" y="0"/>
+          <a:ext cx="0" cy="0"/>
+          <a:chOff x="0" y="0"/>
+          <a:chExt cx="0" cy="0"/>
+        </a:xfrm>
+      </p:grpSpPr>
+      <p:pic>
+        <p:nvPicPr>
           <p:cNvPr id="21" name="Picture 20">
             <a:extLst>
               <a:ext uri="{FF2B5EF4-FFF2-40B4-BE49-F238E27FC236}">
@@ -23630,7 +26603,7 @@
 </p:sld>
 </file>
 
-<file path=ppt/slides/slide37.xml><?xml version="1.0" encoding="utf-8"?>
+<file path=ppt/slides/slide38.xml><?xml version="1.0" encoding="utf-8"?>
 <p:sld xmlns:a="http://schemas.openxmlformats.org/drawingml/2006/main" xmlns:r="http://schemas.openxmlformats.org/officeDocument/2006/relationships" xmlns:p="http://schemas.openxmlformats.org/presentationml/2006/main">
   <p:cSld>
     <p:bg>
@@ -23864,7 +26837,7 @@
 </p:sld>
 </file>
 
-<file path=ppt/slides/slide38.xml><?xml version="1.0" encoding="utf-8"?>
+<file path=ppt/slides/slide39.xml><?xml version="1.0" encoding="utf-8"?>
 <p:sld xmlns:a="http://schemas.openxmlformats.org/drawingml/2006/main" xmlns:r="http://schemas.openxmlformats.org/officeDocument/2006/relationships" xmlns:p="http://schemas.openxmlformats.org/presentationml/2006/main">
   <p:cSld>
     <p:spTree>
@@ -24146,7 +27119,7 @@
 </p:sld>
 </file>
 
-<file path=ppt/slides/slide39.xml><?xml version="1.0" encoding="utf-8"?>
+<file path=ppt/slides/slide4.xml><?xml version="1.0" encoding="utf-8"?>
 <p:sld xmlns:a="http://schemas.openxmlformats.org/drawingml/2006/main" xmlns:r="http://schemas.openxmlformats.org/officeDocument/2006/relationships" xmlns:p="http://schemas.openxmlformats.org/presentationml/2006/main">
   <p:cSld>
     <p:spTree>
@@ -24165,10 +27138,10 @@
       </p:grpSpPr>
       <p:sp>
         <p:nvSpPr>
-          <p:cNvPr id="4" name="Title 3">
-            <a:extLst>
-              <a:ext uri="{FF2B5EF4-FFF2-40B4-BE49-F238E27FC236}">
-                <a16:creationId xmlns:a16="http://schemas.microsoft.com/office/drawing/2014/main" id="{525AB14B-7B11-4861-A0E3-8B3461489556}"/>
+          <p:cNvPr id="2" name="Title 1">
+            <a:extLst>
+              <a:ext uri="{FF2B5EF4-FFF2-40B4-BE49-F238E27FC236}">
+                <a16:creationId xmlns:a16="http://schemas.microsoft.com/office/drawing/2014/main" id="{F0EB8DA0-F19D-42E7-B106-99DA6BC8B3C0}"/>
               </a:ext>
             </a:extLst>
           </p:cNvPr>
@@ -24185,6 +27158,453 @@
           <a:lstStyle/>
           <a:p>
             <a:r>
+              <a:rPr lang="en-US" dirty="0"/>
+              <a:t>Example: Tic-tac-toe</a:t>
+            </a:r>
+          </a:p>
+        </p:txBody>
+      </p:sp>
+      <mc:AlternateContent xmlns:mc="http://schemas.openxmlformats.org/markup-compatibility/2006" xmlns:a14="http://schemas.microsoft.com/office/drawing/2010/main">
+        <mc:Choice Requires="a14">
+          <p:sp>
+            <p:nvSpPr>
+              <p:cNvPr id="3" name="Content Placeholder 2">
+                <a:extLst>
+                  <a:ext uri="{FF2B5EF4-FFF2-40B4-BE49-F238E27FC236}">
+                    <a16:creationId xmlns:a16="http://schemas.microsoft.com/office/drawing/2014/main" id="{5EF77323-E4B1-4168-B791-DFDF7C7ADB94}"/>
+                  </a:ext>
+                </a:extLst>
+              </p:cNvPr>
+              <p:cNvSpPr>
+                <a:spLocks noGrp="1"/>
+              </p:cNvSpPr>
+              <p:nvPr>
+                <p:ph idx="1"/>
+              </p:nvPr>
+            </p:nvSpPr>
+            <p:spPr>
+              <a:xfrm>
+                <a:off x="628650" y="2362199"/>
+                <a:ext cx="7981950" cy="3814763"/>
+              </a:xfrm>
+            </p:spPr>
+            <p:txBody>
+              <a:bodyPr>
+                <a:normAutofit/>
+              </a:bodyPr>
+              <a:lstStyle/>
+              <a:p>
+                <a:pPr marL="0" indent="0">
+                  <a:buNone/>
+                </a:pPr>
+                <a14:m>
+                  <m:oMath xmlns:m="http://schemas.openxmlformats.org/officeDocument/2006/math">
+                    <m:sSub>
+                      <m:sSubPr>
+                        <m:ctrlPr>
+                          <a:rPr lang="en-US" sz="2400" i="1" smtClean="0">
+                            <a:latin typeface="Cambria Math" panose="02040503050406030204" pitchFamily="18" charset="0"/>
+                          </a:rPr>
+                        </m:ctrlPr>
+                      </m:sSubPr>
+                      <m:e>
+                        <m:r>
+                          <a:rPr lang="en-US" sz="2400" i="1">
+                            <a:latin typeface="Cambria Math" panose="02040503050406030204" pitchFamily="18" charset="0"/>
+                          </a:rPr>
+                          <m:t>𝑠</m:t>
+                        </m:r>
+                      </m:e>
+                      <m:sub>
+                        <m:r>
+                          <a:rPr lang="en-US" sz="2400" i="1">
+                            <a:latin typeface="Cambria Math" panose="02040503050406030204" pitchFamily="18" charset="0"/>
+                          </a:rPr>
+                          <m:t>0</m:t>
+                        </m:r>
+                      </m:sub>
+                    </m:sSub>
+                  </m:oMath>
+                </a14:m>
+                <a:r>
+                  <a:rPr lang="en-US" sz="2400" dirty="0"/>
+                  <a:t> 			Empty board.</a:t>
+                </a:r>
+              </a:p>
+              <a:p>
+                <a:pPr marL="0" indent="0">
+                  <a:buNone/>
+                </a:pPr>
+                <a14:m>
+                  <m:oMath xmlns:m="http://schemas.openxmlformats.org/officeDocument/2006/math">
+                    <m:r>
+                      <a:rPr lang="en-US" sz="2400" i="1">
+                        <a:latin typeface="Cambria Math" panose="02040503050406030204" pitchFamily="18" charset="0"/>
+                      </a:rPr>
+                      <m:t>𝐴𝑐𝑡𝑖𝑜𝑛𝑠</m:t>
+                    </m:r>
+                    <m:r>
+                      <a:rPr lang="en-US" sz="2400" i="1">
+                        <a:latin typeface="Cambria Math" panose="02040503050406030204" pitchFamily="18" charset="0"/>
+                      </a:rPr>
+                      <m:t>(</m:t>
+                    </m:r>
+                    <m:r>
+                      <a:rPr lang="en-US" sz="2400" i="1">
+                        <a:latin typeface="Cambria Math" panose="02040503050406030204" pitchFamily="18" charset="0"/>
+                      </a:rPr>
+                      <m:t>𝑠</m:t>
+                    </m:r>
+                    <m:r>
+                      <a:rPr lang="en-US" sz="2400" i="1">
+                        <a:latin typeface="Cambria Math" panose="02040503050406030204" pitchFamily="18" charset="0"/>
+                      </a:rPr>
+                      <m:t>)</m:t>
+                    </m:r>
+                  </m:oMath>
+                </a14:m>
+                <a:r>
+                  <a:rPr lang="en-US" sz="2400" dirty="0"/>
+                  <a:t>		Empty squares.</a:t>
+                </a:r>
+              </a:p>
+              <a:p>
+                <a:pPr marL="0" indent="0">
+                  <a:buNone/>
+                </a:pPr>
+                <a14:m>
+                  <m:oMath xmlns:m="http://schemas.openxmlformats.org/officeDocument/2006/math">
+                    <m:r>
+                      <a:rPr lang="en-US" sz="2400" i="1">
+                        <a:latin typeface="Cambria Math" panose="02040503050406030204" pitchFamily="18" charset="0"/>
+                      </a:rPr>
+                      <m:t>𝑅𝑒𝑠𝑢𝑙𝑡</m:t>
+                    </m:r>
+                    <m:r>
+                      <a:rPr lang="en-US" sz="2400" i="1">
+                        <a:latin typeface="Cambria Math" panose="02040503050406030204" pitchFamily="18" charset="0"/>
+                      </a:rPr>
+                      <m:t>(</m:t>
+                    </m:r>
+                    <m:r>
+                      <a:rPr lang="en-US" sz="2400" i="1">
+                        <a:latin typeface="Cambria Math" panose="02040503050406030204" pitchFamily="18" charset="0"/>
+                      </a:rPr>
+                      <m:t>𝑠</m:t>
+                    </m:r>
+                    <m:r>
+                      <a:rPr lang="en-US" sz="2400" i="1">
+                        <a:latin typeface="Cambria Math" panose="02040503050406030204" pitchFamily="18" charset="0"/>
+                      </a:rPr>
+                      <m:t>,</m:t>
+                    </m:r>
+                    <m:r>
+                      <a:rPr lang="en-US" sz="2400" i="1">
+                        <a:latin typeface="Cambria Math" panose="02040503050406030204" pitchFamily="18" charset="0"/>
+                      </a:rPr>
+                      <m:t>𝑎</m:t>
+                    </m:r>
+                    <m:r>
+                      <a:rPr lang="en-US" sz="2400" i="1">
+                        <a:latin typeface="Cambria Math" panose="02040503050406030204" pitchFamily="18" charset="0"/>
+                      </a:rPr>
+                      <m:t>)</m:t>
+                    </m:r>
+                  </m:oMath>
+                </a14:m>
+                <a:r>
+                  <a:rPr lang="en-US" sz="2400" dirty="0"/>
+                  <a:t>		Place symbol (x/o) on empty square.</a:t>
+                </a:r>
+              </a:p>
+              <a:p>
+                <a:pPr marL="0" indent="0">
+                  <a:buNone/>
+                </a:pPr>
+                <a14:m>
+                  <m:oMath xmlns:m="http://schemas.openxmlformats.org/officeDocument/2006/math">
+                    <m:r>
+                      <a:rPr lang="en-US" sz="2400" b="0" i="1" smtClean="0">
+                        <a:latin typeface="Cambria Math" panose="02040503050406030204" pitchFamily="18" charset="0"/>
+                      </a:rPr>
+                      <m:t>𝑇𝑒</m:t>
+                    </m:r>
+                    <m:r>
+                      <a:rPr lang="en-US" sz="2400" i="1">
+                        <a:latin typeface="Cambria Math" panose="02040503050406030204" pitchFamily="18" charset="0"/>
+                      </a:rPr>
+                      <m:t>𝑟𝑚𝑖𝑛𝑎𝑙</m:t>
+                    </m:r>
+                    <m:r>
+                      <a:rPr lang="en-US" sz="2400" i="1">
+                        <a:latin typeface="Cambria Math" panose="02040503050406030204" pitchFamily="18" charset="0"/>
+                      </a:rPr>
+                      <m:t>(</m:t>
+                    </m:r>
+                    <m:r>
+                      <a:rPr lang="en-US" sz="2400" i="1">
+                        <a:latin typeface="Cambria Math" panose="02040503050406030204" pitchFamily="18" charset="0"/>
+                      </a:rPr>
+                      <m:t>𝑠</m:t>
+                    </m:r>
+                    <m:r>
+                      <a:rPr lang="en-US" sz="2400" i="1">
+                        <a:latin typeface="Cambria Math" panose="02040503050406030204" pitchFamily="18" charset="0"/>
+                      </a:rPr>
+                      <m:t>)</m:t>
+                    </m:r>
+                  </m:oMath>
+                </a14:m>
+                <a:r>
+                  <a:rPr lang="en-US" sz="2400" dirty="0"/>
+                  <a:t>	 	Did a player win or is the game a draw?</a:t>
+                </a:r>
+              </a:p>
+              <a:p>
+                <a:pPr marL="0" indent="0">
+                  <a:buNone/>
+                </a:pPr>
+                <a14:m>
+                  <m:oMath xmlns:m="http://schemas.openxmlformats.org/officeDocument/2006/math">
+                    <m:r>
+                      <a:rPr lang="en-US" sz="2400" i="1">
+                        <a:latin typeface="Cambria Math" panose="02040503050406030204" pitchFamily="18" charset="0"/>
+                      </a:rPr>
+                      <m:t>𝑈𝑡𝑖𝑙𝑖𝑡𝑦</m:t>
+                    </m:r>
+                    <m:r>
+                      <a:rPr lang="en-US" sz="2400" i="1">
+                        <a:latin typeface="Cambria Math" panose="02040503050406030204" pitchFamily="18" charset="0"/>
+                      </a:rPr>
+                      <m:t>(</m:t>
+                    </m:r>
+                    <m:r>
+                      <a:rPr lang="en-US" sz="2400" i="1">
+                        <a:latin typeface="Cambria Math" panose="02040503050406030204" pitchFamily="18" charset="0"/>
+                      </a:rPr>
+                      <m:t>𝑠</m:t>
+                    </m:r>
+                    <m:r>
+                      <a:rPr lang="en-US" sz="2400" i="1">
+                        <a:latin typeface="Cambria Math" panose="02040503050406030204" pitchFamily="18" charset="0"/>
+                      </a:rPr>
+                      <m:t>)</m:t>
+                    </m:r>
+                  </m:oMath>
+                </a14:m>
+                <a:r>
+                  <a:rPr lang="en-US" sz="2400" dirty="0"/>
+                  <a:t>		+1 if x wins, -1 if o wins and 0 for a draw.</a:t>
+                </a:r>
+              </a:p>
+              <a:p>
+                <a:pPr marL="0" indent="0">
+                  <a:buNone/>
+                </a:pPr>
+                <a:r>
+                  <a:rPr lang="en-US" sz="2400" dirty="0"/>
+                  <a:t>			Utility is only defined for terminal states.</a:t>
+                </a:r>
+              </a:p>
+              <a:p>
+                <a:endParaRPr lang="en-US" sz="2400" dirty="0"/>
+              </a:p>
+            </p:txBody>
+          </p:sp>
+        </mc:Choice>
+        <mc:Fallback xmlns="">
+          <p:sp>
+            <p:nvSpPr>
+              <p:cNvPr id="3" name="Content Placeholder 2">
+                <a:extLst>
+                  <a:ext uri="{FF2B5EF4-FFF2-40B4-BE49-F238E27FC236}">
+                    <a16:creationId xmlns:a16="http://schemas.microsoft.com/office/drawing/2014/main" id="{5EF77323-E4B1-4168-B791-DFDF7C7ADB94}"/>
+                  </a:ext>
+                </a:extLst>
+              </p:cNvPr>
+              <p:cNvSpPr>
+                <a:spLocks noGrp="1" noRot="1" noChangeAspect="1" noMove="1" noResize="1" noEditPoints="1" noAdjustHandles="1" noChangeArrowheads="1" noChangeShapeType="1" noTextEdit="1"/>
+              </p:cNvSpPr>
+              <p:nvPr>
+                <p:ph idx="1"/>
+              </p:nvPr>
+            </p:nvSpPr>
+            <p:spPr>
+              <a:xfrm>
+                <a:off x="628650" y="2362199"/>
+                <a:ext cx="7981950" cy="3814763"/>
+              </a:xfrm>
+              <a:blipFill>
+                <a:blip r:embed="rId2"/>
+                <a:stretch>
+                  <a:fillRect l="-611" t="-2077" r="-840"/>
+                </a:stretch>
+              </a:blipFill>
+            </p:spPr>
+            <p:txBody>
+              <a:bodyPr/>
+              <a:lstStyle/>
+              <a:p>
+                <a:r>
+                  <a:rPr lang="en-US">
+                    <a:noFill/>
+                  </a:rPr>
+                  <a:t> </a:t>
+                </a:r>
+              </a:p>
+            </p:txBody>
+          </p:sp>
+        </mc:Fallback>
+      </mc:AlternateContent>
+      <p:pic>
+        <p:nvPicPr>
+          <p:cNvPr id="2050" name="Picture 2" descr="Image result for tic tac toe">
+            <a:extLst>
+              <a:ext uri="{FF2B5EF4-FFF2-40B4-BE49-F238E27FC236}">
+                <a16:creationId xmlns:a16="http://schemas.microsoft.com/office/drawing/2014/main" id="{F68A6481-403B-4C1E-92D1-373A514882D5}"/>
+              </a:ext>
+            </a:extLst>
+          </p:cNvPr>
+          <p:cNvPicPr>
+            <a:picLocks noChangeAspect="1" noChangeArrowheads="1"/>
+          </p:cNvPicPr>
+          <p:nvPr/>
+        </p:nvPicPr>
+        <p:blipFill>
+          <a:blip r:embed="rId3" cstate="print">
+            <a:extLst>
+              <a:ext uri="{28A0092B-C50C-407E-A947-70E740481C1C}">
+                <a14:useLocalDpi xmlns:a14="http://schemas.microsoft.com/office/drawing/2010/main" val="0"/>
+              </a:ext>
+            </a:extLst>
+          </a:blip>
+          <a:srcRect/>
+          <a:stretch>
+            <a:fillRect/>
+          </a:stretch>
+        </p:blipFill>
+        <p:spPr bwMode="auto">
+          <a:xfrm>
+            <a:off x="5967397" y="401221"/>
+            <a:ext cx="2547953" cy="2265779"/>
+          </a:xfrm>
+          <a:prstGeom prst="rect">
+            <a:avLst/>
+          </a:prstGeom>
+          <a:noFill/>
+          <a:extLst>
+            <a:ext uri="{909E8E84-426E-40DD-AFC4-6F175D3DCCD1}">
+              <a14:hiddenFill xmlns:a14="http://schemas.microsoft.com/office/drawing/2010/main">
+                <a:solidFill>
+                  <a:srgbClr val="FFFFFF"/>
+                </a:solidFill>
+              </a14:hiddenFill>
+            </a:ext>
+          </a:extLst>
+        </p:spPr>
+      </p:pic>
+      <p:sp>
+        <p:nvSpPr>
+          <p:cNvPr id="4" name="Speech Bubble: Rectangle 3">
+            <a:extLst>
+              <a:ext uri="{FF2B5EF4-FFF2-40B4-BE49-F238E27FC236}">
+                <a16:creationId xmlns:a16="http://schemas.microsoft.com/office/drawing/2014/main" id="{FC16888F-411D-4B9A-B95F-9197D878E77C}"/>
+              </a:ext>
+            </a:extLst>
+          </p:cNvPr>
+          <p:cNvSpPr/>
+          <p:nvPr/>
+        </p:nvSpPr>
+        <p:spPr>
+          <a:xfrm>
+            <a:off x="838200" y="5414962"/>
+            <a:ext cx="2514600" cy="762000"/>
+          </a:xfrm>
+          <a:prstGeom prst="wedgeRectCallout">
+            <a:avLst>
+              <a:gd name="adj1" fmla="val 53330"/>
+              <a:gd name="adj2" fmla="val -187640"/>
+            </a:avLst>
+          </a:prstGeom>
+        </p:spPr>
+        <p:style>
+          <a:lnRef idx="3">
+            <a:schemeClr val="lt1"/>
+          </a:lnRef>
+          <a:fillRef idx="1">
+            <a:schemeClr val="accent6"/>
+          </a:fillRef>
+          <a:effectRef idx="1">
+            <a:schemeClr val="accent6"/>
+          </a:effectRef>
+          <a:fontRef idx="minor">
+            <a:schemeClr val="lt1"/>
+          </a:fontRef>
+        </p:style>
+        <p:txBody>
+          <a:bodyPr rtlCol="0" anchor="ctr"/>
+          <a:lstStyle/>
+          <a:p>
+            <a:pPr algn="ctr"/>
+            <a:r>
+              <a:rPr lang="en-US" sz="2000" dirty="0"/>
+              <a:t>Here player x is Max and player o is Min.</a:t>
+            </a:r>
+          </a:p>
+        </p:txBody>
+      </p:sp>
+    </p:spTree>
+    <p:extLst>
+      <p:ext uri="{BB962C8B-B14F-4D97-AF65-F5344CB8AC3E}">
+        <p14:creationId xmlns:p14="http://schemas.microsoft.com/office/powerpoint/2010/main" val="872051194"/>
+      </p:ext>
+    </p:extLst>
+  </p:cSld>
+  <p:clrMapOvr>
+    <a:masterClrMapping/>
+  </p:clrMapOvr>
+</p:sld>
+</file>
+
+<file path=ppt/slides/slide40.xml><?xml version="1.0" encoding="utf-8"?>
+<p:sld xmlns:a="http://schemas.openxmlformats.org/drawingml/2006/main" xmlns:r="http://schemas.openxmlformats.org/officeDocument/2006/relationships" xmlns:p="http://schemas.openxmlformats.org/presentationml/2006/main">
+  <p:cSld>
+    <p:spTree>
+      <p:nvGrpSpPr>
+        <p:cNvPr id="1" name=""/>
+        <p:cNvGrpSpPr/>
+        <p:nvPr/>
+      </p:nvGrpSpPr>
+      <p:grpSpPr>
+        <a:xfrm>
+          <a:off x="0" y="0"/>
+          <a:ext cx="0" cy="0"/>
+          <a:chOff x="0" y="0"/>
+          <a:chExt cx="0" cy="0"/>
+        </a:xfrm>
+      </p:grpSpPr>
+      <p:sp>
+        <p:nvSpPr>
+          <p:cNvPr id="4" name="Title 3">
+            <a:extLst>
+              <a:ext uri="{FF2B5EF4-FFF2-40B4-BE49-F238E27FC236}">
+                <a16:creationId xmlns:a16="http://schemas.microsoft.com/office/drawing/2014/main" id="{525AB14B-7B11-4861-A0E3-8B3461489556}"/>
+              </a:ext>
+            </a:extLst>
+          </p:cNvPr>
+          <p:cNvSpPr>
+            <a:spLocks noGrp="1"/>
+          </p:cNvSpPr>
+          <p:nvPr>
+            <p:ph type="title"/>
+          </p:nvPr>
+        </p:nvSpPr>
+        <p:spPr/>
+        <p:txBody>
+          <a:bodyPr/>
+          <a:lstStyle/>
+          <a:p>
+            <a:r>
               <a:rPr lang="en-US" dirty="0" err="1"/>
               <a:t>Expectiminimax</a:t>
             </a:r>
@@ -24192,8 +27612,8 @@
           </a:p>
         </p:txBody>
       </p:sp>
-      <mc:AlternateContent xmlns:mc="http://schemas.openxmlformats.org/markup-compatibility/2006" xmlns:a14="http://schemas.microsoft.com/office/drawing/2010/main">
-        <mc:Choice Requires="a14">
+      <mc:AlternateContent xmlns:mc="http://schemas.openxmlformats.org/markup-compatibility/2006">
+        <mc:Choice xmlns:a14="http://schemas.microsoft.com/office/drawing/2010/main" Requires="a14">
           <p:sp>
             <p:nvSpPr>
               <p:cNvPr id="5" name="Content Placeholder 4">
@@ -24995,7 +28415,7 @@
             </p:txBody>
           </p:sp>
         </mc:Choice>
-        <mc:Fallback xmlns="">
+        <mc:Fallback>
           <p:sp>
             <p:nvSpPr>
               <p:cNvPr id="5" name="Content Placeholder 4">
@@ -25104,7 +28524,7 @@
 </p:sld>
 </file>
 
-<file path=ppt/slides/slide4.xml><?xml version="1.0" encoding="utf-8"?>
+<file path=ppt/slides/slide41.xml><?xml version="1.0" encoding="utf-8"?>
 <p:sld xmlns:a="http://schemas.openxmlformats.org/drawingml/2006/main" xmlns:r="http://schemas.openxmlformats.org/officeDocument/2006/relationships" xmlns:p="http://schemas.openxmlformats.org/presentationml/2006/main">
   <p:cSld>
     <p:spTree>
@@ -25126,7 +28546,7 @@
           <p:cNvPr id="2" name="Title 1">
             <a:extLst>
               <a:ext uri="{FF2B5EF4-FFF2-40B4-BE49-F238E27FC236}">
-                <a16:creationId xmlns:a16="http://schemas.microsoft.com/office/drawing/2014/main" id="{F0EB8DA0-F19D-42E7-B106-99DA6BC8B3C0}"/>
+                <a16:creationId xmlns:a16="http://schemas.microsoft.com/office/drawing/2014/main" id="{47F07165-16F2-40C2-BF6A-4E8074FA9BDB}"/>
               </a:ext>
             </a:extLst>
           </p:cNvPr>
@@ -25144,404 +28564,81 @@
           <a:p>
             <a:r>
               <a:rPr lang="en-US" dirty="0"/>
-              <a:t>Example: Tic-tac-toe</a:t>
-            </a:r>
-          </a:p>
-        </p:txBody>
-      </p:sp>
-      <mc:AlternateContent xmlns:mc="http://schemas.openxmlformats.org/markup-compatibility/2006" xmlns:a14="http://schemas.microsoft.com/office/drawing/2010/main">
-        <mc:Choice Requires="a14">
-          <p:sp>
-            <p:nvSpPr>
-              <p:cNvPr id="3" name="Content Placeholder 2">
-                <a:extLst>
-                  <a:ext uri="{FF2B5EF4-FFF2-40B4-BE49-F238E27FC236}">
-                    <a16:creationId xmlns:a16="http://schemas.microsoft.com/office/drawing/2014/main" id="{5EF77323-E4B1-4168-B791-DFDF7C7ADB94}"/>
-                  </a:ext>
-                </a:extLst>
-              </p:cNvPr>
-              <p:cNvSpPr>
-                <a:spLocks noGrp="1"/>
-              </p:cNvSpPr>
-              <p:nvPr>
-                <p:ph idx="1"/>
-              </p:nvPr>
-            </p:nvSpPr>
-            <p:spPr>
-              <a:xfrm>
-                <a:off x="628650" y="2362199"/>
-                <a:ext cx="7981950" cy="3814763"/>
-              </a:xfrm>
-            </p:spPr>
-            <p:txBody>
-              <a:bodyPr>
-                <a:normAutofit/>
-              </a:bodyPr>
-              <a:lstStyle/>
-              <a:p>
-                <a:pPr marL="0" indent="0">
-                  <a:buNone/>
-                </a:pPr>
-                <a14:m>
-                  <m:oMath xmlns:m="http://schemas.openxmlformats.org/officeDocument/2006/math">
-                    <m:sSub>
-                      <m:sSubPr>
-                        <m:ctrlPr>
-                          <a:rPr lang="en-US" sz="2400" i="1" smtClean="0">
-                            <a:latin typeface="Cambria Math" panose="02040503050406030204" pitchFamily="18" charset="0"/>
-                          </a:rPr>
-                        </m:ctrlPr>
-                      </m:sSubPr>
-                      <m:e>
-                        <m:r>
-                          <a:rPr lang="en-US" sz="2400" i="1">
-                            <a:latin typeface="Cambria Math" panose="02040503050406030204" pitchFamily="18" charset="0"/>
-                          </a:rPr>
-                          <m:t>𝑠</m:t>
-                        </m:r>
-                      </m:e>
-                      <m:sub>
-                        <m:r>
-                          <a:rPr lang="en-US" sz="2400" i="1">
-                            <a:latin typeface="Cambria Math" panose="02040503050406030204" pitchFamily="18" charset="0"/>
-                          </a:rPr>
-                          <m:t>0</m:t>
-                        </m:r>
-                      </m:sub>
-                    </m:sSub>
-                  </m:oMath>
-                </a14:m>
-                <a:r>
-                  <a:rPr lang="en-US" sz="2400" dirty="0"/>
-                  <a:t> 			Empty board.</a:t>
-                </a:r>
-              </a:p>
-              <a:p>
-                <a:pPr marL="0" indent="0">
-                  <a:buNone/>
-                </a:pPr>
-                <a14:m>
-                  <m:oMath xmlns:m="http://schemas.openxmlformats.org/officeDocument/2006/math">
-                    <m:r>
-                      <a:rPr lang="en-US" sz="2400" i="1">
-                        <a:latin typeface="Cambria Math" panose="02040503050406030204" pitchFamily="18" charset="0"/>
-                      </a:rPr>
-                      <m:t>𝐴𝑐𝑡𝑖𝑜𝑛𝑠</m:t>
-                    </m:r>
-                    <m:r>
-                      <a:rPr lang="en-US" sz="2400" i="1">
-                        <a:latin typeface="Cambria Math" panose="02040503050406030204" pitchFamily="18" charset="0"/>
-                      </a:rPr>
-                      <m:t>(</m:t>
-                    </m:r>
-                    <m:r>
-                      <a:rPr lang="en-US" sz="2400" i="1">
-                        <a:latin typeface="Cambria Math" panose="02040503050406030204" pitchFamily="18" charset="0"/>
-                      </a:rPr>
-                      <m:t>𝑠</m:t>
-                    </m:r>
-                    <m:r>
-                      <a:rPr lang="en-US" sz="2400" i="1">
-                        <a:latin typeface="Cambria Math" panose="02040503050406030204" pitchFamily="18" charset="0"/>
-                      </a:rPr>
-                      <m:t>)</m:t>
-                    </m:r>
-                  </m:oMath>
-                </a14:m>
-                <a:r>
-                  <a:rPr lang="en-US" sz="2400" dirty="0"/>
-                  <a:t>		Empty squares.</a:t>
-                </a:r>
-              </a:p>
-              <a:p>
-                <a:pPr marL="0" indent="0">
-                  <a:buNone/>
-                </a:pPr>
-                <a14:m>
-                  <m:oMath xmlns:m="http://schemas.openxmlformats.org/officeDocument/2006/math">
-                    <m:r>
-                      <a:rPr lang="en-US" sz="2400" i="1">
-                        <a:latin typeface="Cambria Math" panose="02040503050406030204" pitchFamily="18" charset="0"/>
-                      </a:rPr>
-                      <m:t>𝑅𝑒𝑠𝑢𝑙𝑡</m:t>
-                    </m:r>
-                    <m:r>
-                      <a:rPr lang="en-US" sz="2400" i="1">
-                        <a:latin typeface="Cambria Math" panose="02040503050406030204" pitchFamily="18" charset="0"/>
-                      </a:rPr>
-                      <m:t>(</m:t>
-                    </m:r>
-                    <m:r>
-                      <a:rPr lang="en-US" sz="2400" i="1">
-                        <a:latin typeface="Cambria Math" panose="02040503050406030204" pitchFamily="18" charset="0"/>
-                      </a:rPr>
-                      <m:t>𝑠</m:t>
-                    </m:r>
-                    <m:r>
-                      <a:rPr lang="en-US" sz="2400" i="1">
-                        <a:latin typeface="Cambria Math" panose="02040503050406030204" pitchFamily="18" charset="0"/>
-                      </a:rPr>
-                      <m:t>,</m:t>
-                    </m:r>
-                    <m:r>
-                      <a:rPr lang="en-US" sz="2400" i="1">
-                        <a:latin typeface="Cambria Math" panose="02040503050406030204" pitchFamily="18" charset="0"/>
-                      </a:rPr>
-                      <m:t>𝑎</m:t>
-                    </m:r>
-                    <m:r>
-                      <a:rPr lang="en-US" sz="2400" i="1">
-                        <a:latin typeface="Cambria Math" panose="02040503050406030204" pitchFamily="18" charset="0"/>
-                      </a:rPr>
-                      <m:t>)</m:t>
-                    </m:r>
-                  </m:oMath>
-                </a14:m>
-                <a:r>
-                  <a:rPr lang="en-US" sz="2400" dirty="0"/>
-                  <a:t>		Place symbol (x/o) on empty square.</a:t>
-                </a:r>
-              </a:p>
-              <a:p>
-                <a:pPr marL="0" indent="0">
-                  <a:buNone/>
-                </a:pPr>
-                <a14:m>
-                  <m:oMath xmlns:m="http://schemas.openxmlformats.org/officeDocument/2006/math">
-                    <m:r>
-                      <a:rPr lang="en-US" sz="2400" b="0" i="1" smtClean="0">
-                        <a:latin typeface="Cambria Math" panose="02040503050406030204" pitchFamily="18" charset="0"/>
-                      </a:rPr>
-                      <m:t>𝑇𝑒</m:t>
-                    </m:r>
-                    <m:r>
-                      <a:rPr lang="en-US" sz="2400" i="1">
-                        <a:latin typeface="Cambria Math" panose="02040503050406030204" pitchFamily="18" charset="0"/>
-                      </a:rPr>
-                      <m:t>𝑟𝑚𝑖𝑛𝑎𝑙</m:t>
-                    </m:r>
-                    <m:r>
-                      <a:rPr lang="en-US" sz="2400" i="1">
-                        <a:latin typeface="Cambria Math" panose="02040503050406030204" pitchFamily="18" charset="0"/>
-                      </a:rPr>
-                      <m:t>(</m:t>
-                    </m:r>
-                    <m:r>
-                      <a:rPr lang="en-US" sz="2400" i="1">
-                        <a:latin typeface="Cambria Math" panose="02040503050406030204" pitchFamily="18" charset="0"/>
-                      </a:rPr>
-                      <m:t>𝑠</m:t>
-                    </m:r>
-                    <m:r>
-                      <a:rPr lang="en-US" sz="2400" i="1">
-                        <a:latin typeface="Cambria Math" panose="02040503050406030204" pitchFamily="18" charset="0"/>
-                      </a:rPr>
-                      <m:t>)</m:t>
-                    </m:r>
-                  </m:oMath>
-                </a14:m>
-                <a:r>
-                  <a:rPr lang="en-US" sz="2400" dirty="0"/>
-                  <a:t>	 	Did a player win or is the game a draw?</a:t>
-                </a:r>
-              </a:p>
-              <a:p>
-                <a:pPr marL="0" indent="0">
-                  <a:buNone/>
-                </a:pPr>
-                <a14:m>
-                  <m:oMath xmlns:m="http://schemas.openxmlformats.org/officeDocument/2006/math">
-                    <m:r>
-                      <a:rPr lang="en-US" sz="2400" i="1">
-                        <a:latin typeface="Cambria Math" panose="02040503050406030204" pitchFamily="18" charset="0"/>
-                      </a:rPr>
-                      <m:t>𝑈𝑡𝑖𝑙𝑖𝑡𝑦</m:t>
-                    </m:r>
-                    <m:r>
-                      <a:rPr lang="en-US" sz="2400" i="1">
-                        <a:latin typeface="Cambria Math" panose="02040503050406030204" pitchFamily="18" charset="0"/>
-                      </a:rPr>
-                      <m:t>(</m:t>
-                    </m:r>
-                    <m:r>
-                      <a:rPr lang="en-US" sz="2400" i="1">
-                        <a:latin typeface="Cambria Math" panose="02040503050406030204" pitchFamily="18" charset="0"/>
-                      </a:rPr>
-                      <m:t>𝑠</m:t>
-                    </m:r>
-                    <m:r>
-                      <a:rPr lang="en-US" sz="2400" i="1">
-                        <a:latin typeface="Cambria Math" panose="02040503050406030204" pitchFamily="18" charset="0"/>
-                      </a:rPr>
-                      <m:t>)</m:t>
-                    </m:r>
-                  </m:oMath>
-                </a14:m>
-                <a:r>
-                  <a:rPr lang="en-US" sz="2400" dirty="0"/>
-                  <a:t>		+1 if x wins, -1 if o wins and 0 for a draw.</a:t>
-                </a:r>
-              </a:p>
-              <a:p>
-                <a:pPr marL="0" indent="0">
-                  <a:buNone/>
-                </a:pPr>
-                <a:r>
-                  <a:rPr lang="en-US" sz="2400" dirty="0"/>
-                  <a:t>			Utility is only defined for terminal states.</a:t>
-                </a:r>
-              </a:p>
-              <a:p>
-                <a:endParaRPr lang="en-US" sz="2400" dirty="0"/>
-              </a:p>
-            </p:txBody>
-          </p:sp>
-        </mc:Choice>
-        <mc:Fallback xmlns="">
-          <p:sp>
-            <p:nvSpPr>
-              <p:cNvPr id="3" name="Content Placeholder 2">
-                <a:extLst>
-                  <a:ext uri="{FF2B5EF4-FFF2-40B4-BE49-F238E27FC236}">
-                    <a16:creationId xmlns:a16="http://schemas.microsoft.com/office/drawing/2014/main" id="{5EF77323-E4B1-4168-B791-DFDF7C7ADB94}"/>
-                  </a:ext>
-                </a:extLst>
-              </p:cNvPr>
-              <p:cNvSpPr>
-                <a:spLocks noGrp="1" noRot="1" noChangeAspect="1" noMove="1" noResize="1" noEditPoints="1" noAdjustHandles="1" noChangeArrowheads="1" noChangeShapeType="1" noTextEdit="1"/>
-              </p:cNvSpPr>
-              <p:nvPr>
-                <p:ph idx="1"/>
-              </p:nvPr>
-            </p:nvSpPr>
-            <p:spPr>
-              <a:xfrm>
-                <a:off x="628650" y="2362199"/>
-                <a:ext cx="7981950" cy="3814763"/>
-              </a:xfrm>
-              <a:blipFill>
-                <a:blip r:embed="rId2"/>
-                <a:stretch>
-                  <a:fillRect l="-611" t="-2077" r="-840"/>
-                </a:stretch>
-              </a:blipFill>
-            </p:spPr>
-            <p:txBody>
-              <a:bodyPr/>
-              <a:lstStyle/>
-              <a:p>
-                <a:r>
-                  <a:rPr lang="en-US">
-                    <a:noFill/>
-                  </a:rPr>
-                  <a:t> </a:t>
-                </a:r>
-              </a:p>
-            </p:txBody>
-          </p:sp>
-        </mc:Fallback>
-      </mc:AlternateContent>
-      <p:pic>
-        <p:nvPicPr>
-          <p:cNvPr id="2050" name="Picture 2" descr="Image result for tic tac toe">
-            <a:extLst>
-              <a:ext uri="{FF2B5EF4-FFF2-40B4-BE49-F238E27FC236}">
-                <a16:creationId xmlns:a16="http://schemas.microsoft.com/office/drawing/2014/main" id="{F68A6481-403B-4C1E-92D1-373A514882D5}"/>
-              </a:ext>
-            </a:extLst>
-          </p:cNvPr>
-          <p:cNvPicPr>
-            <a:picLocks noChangeAspect="1" noChangeArrowheads="1"/>
-          </p:cNvPicPr>
-          <p:nvPr/>
-        </p:nvPicPr>
-        <p:blipFill>
-          <a:blip r:embed="rId3" cstate="print">
-            <a:extLst>
-              <a:ext uri="{28A0092B-C50C-407E-A947-70E740481C1C}">
-                <a14:useLocalDpi xmlns:a14="http://schemas.microsoft.com/office/drawing/2010/main" val="0"/>
-              </a:ext>
-            </a:extLst>
-          </a:blip>
-          <a:srcRect/>
-          <a:stretch>
-            <a:fillRect/>
-          </a:stretch>
-        </p:blipFill>
-        <p:spPr bwMode="auto">
-          <a:xfrm>
-            <a:off x="5967397" y="401221"/>
-            <a:ext cx="2547953" cy="2265779"/>
-          </a:xfrm>
-          <a:prstGeom prst="rect">
-            <a:avLst/>
-          </a:prstGeom>
-          <a:noFill/>
-          <a:extLst>
-            <a:ext uri="{909E8E84-426E-40DD-AFC4-6F175D3DCCD1}">
-              <a14:hiddenFill xmlns:a14="http://schemas.microsoft.com/office/drawing/2010/main">
-                <a:solidFill>
-                  <a:srgbClr val="FFFFFF"/>
-                </a:solidFill>
-              </a14:hiddenFill>
-            </a:ext>
-          </a:extLst>
-        </p:spPr>
-      </p:pic>
-      <p:sp>
-        <p:nvSpPr>
-          <p:cNvPr id="4" name="Speech Bubble: Rectangle 3">
-            <a:extLst>
-              <a:ext uri="{FF2B5EF4-FFF2-40B4-BE49-F238E27FC236}">
-                <a16:creationId xmlns:a16="http://schemas.microsoft.com/office/drawing/2014/main" id="{FC16888F-411D-4B9A-B95F-9197D878E77C}"/>
-              </a:ext>
-            </a:extLst>
-          </p:cNvPr>
-          <p:cNvSpPr/>
-          <p:nvPr/>
-        </p:nvSpPr>
-        <p:spPr>
-          <a:xfrm>
-            <a:off x="838200" y="5414962"/>
-            <a:ext cx="2514600" cy="762000"/>
-          </a:xfrm>
-          <a:prstGeom prst="wedgeRectCallout">
-            <a:avLst>
-              <a:gd name="adj1" fmla="val 53330"/>
-              <a:gd name="adj2" fmla="val -187640"/>
-            </a:avLst>
-          </a:prstGeom>
-        </p:spPr>
-        <p:style>
-          <a:lnRef idx="3">
-            <a:schemeClr val="lt1"/>
-          </a:lnRef>
-          <a:fillRef idx="1">
-            <a:schemeClr val="accent6"/>
-          </a:fillRef>
-          <a:effectRef idx="1">
-            <a:schemeClr val="accent6"/>
-          </a:effectRef>
-          <a:fontRef idx="minor">
-            <a:schemeClr val="lt1"/>
-          </a:fontRef>
-        </p:style>
-        <p:txBody>
-          <a:bodyPr rtlCol="0" anchor="ctr"/>
-          <a:lstStyle/>
-          <a:p>
-            <a:pPr algn="ctr"/>
-            <a:r>
-              <a:rPr lang="en-US" sz="2000" dirty="0"/>
-              <a:t>Here player x is Max and player o is Min.</a:t>
-            </a:r>
+              <a:t>Other approaches</a:t>
+            </a:r>
+          </a:p>
+        </p:txBody>
+      </p:sp>
+      <p:sp>
+        <p:nvSpPr>
+          <p:cNvPr id="3" name="Content Placeholder 2">
+            <a:extLst>
+              <a:ext uri="{FF2B5EF4-FFF2-40B4-BE49-F238E27FC236}">
+                <a16:creationId xmlns:a16="http://schemas.microsoft.com/office/drawing/2014/main" id="{87EC6C22-F7E3-4510-BA9E-688BABDA6E18}"/>
+              </a:ext>
+            </a:extLst>
+          </p:cNvPr>
+          <p:cNvSpPr>
+            <a:spLocks noGrp="1"/>
+          </p:cNvSpPr>
+          <p:nvPr>
+            <p:ph idx="1"/>
+          </p:nvPr>
+        </p:nvSpPr>
+        <p:spPr/>
+        <p:txBody>
+          <a:bodyPr/>
+          <a:lstStyle/>
+          <a:p>
+            <a:pPr marL="0" indent="0">
+              <a:buNone/>
+            </a:pPr>
+            <a:r>
+              <a:rPr lang="en-US" dirty="0"/>
+              <a:t>The high branching factor favors:</a:t>
+            </a:r>
+          </a:p>
+          <a:p>
+            <a:pPr marL="0" indent="0">
+              <a:buNone/>
+            </a:pPr>
+            <a:endParaRPr lang="en-US" dirty="0"/>
+          </a:p>
+          <a:p>
+            <a:r>
+              <a:rPr lang="en-US" dirty="0"/>
+              <a:t>Heuristic </a:t>
+            </a:r>
+            <a:r>
+              <a:rPr lang="en-US" dirty="0" err="1"/>
+              <a:t>Expectiminimax</a:t>
+            </a:r>
+            <a:r>
+              <a:rPr lang="en-US" dirty="0"/>
+              <a:t> Search</a:t>
+            </a:r>
+          </a:p>
+          <a:p>
+            <a:r>
+              <a:rPr lang="en-US" dirty="0"/>
+              <a:t>Monte Carlo Tree Search</a:t>
+            </a:r>
+          </a:p>
+          <a:p>
+            <a:r>
+              <a:rPr lang="en-US" dirty="0"/>
+              <a:t>Learning evaluation functions from data with self-play (see machine learning).</a:t>
+            </a:r>
+          </a:p>
+          <a:p>
+            <a:endParaRPr lang="en-US" dirty="0"/>
           </a:p>
         </p:txBody>
       </p:sp>
     </p:spTree>
     <p:extLst>
       <p:ext uri="{BB962C8B-B14F-4D97-AF65-F5344CB8AC3E}">
-        <p14:creationId xmlns:p14="http://schemas.microsoft.com/office/powerpoint/2010/main" val="872051194"/>
+        <p14:creationId xmlns:p14="http://schemas.microsoft.com/office/powerpoint/2010/main" val="334533638"/>
       </p:ext>
     </p:extLst>
   </p:cSld>
@@ -25551,7 +28648,7 @@
 </p:sld>
 </file>
 
-<file path=ppt/slides/slide40.xml><?xml version="1.0" encoding="utf-8"?>
+<file path=ppt/slides/slide42.xml><?xml version="1.0" encoding="utf-8"?>
 <p:sld xmlns:a="http://schemas.openxmlformats.org/drawingml/2006/main" xmlns:r="http://schemas.openxmlformats.org/officeDocument/2006/relationships" xmlns:p="http://schemas.openxmlformats.org/presentationml/2006/main">
   <p:cSld>
     <p:bg>
@@ -26206,7 +29303,7 @@
                   <a:schemeClr val="bg1"/>
                 </a:solidFill>
               </a:rPr>
-              <a:t>Learn playout policy using self-play and deep learning.</a:t>
+              <a:t>Use modified UCB1 scores to expand the game tree.</a:t>
             </a:r>
           </a:p>
           <a:p>
@@ -26217,8 +29314,18 @@
                   <a:schemeClr val="bg1"/>
                 </a:solidFill>
               </a:rPr>
-              <a:t>Use modified UCB1 scores to expand the game tree.</a:t>
-            </a:r>
+              <a:t>Learn playout policy using self-play and deep learning.</a:t>
+            </a:r>
+          </a:p>
+          <a:p>
+            <a:pPr marL="457200" lvl="1" indent="0">
+              <a:buNone/>
+            </a:pPr>
+            <a:endParaRPr lang="en-US" sz="1600" dirty="0">
+              <a:solidFill>
+                <a:schemeClr val="bg1"/>
+              </a:solidFill>
+            </a:endParaRPr>
           </a:p>
           <a:p>
             <a:endParaRPr lang="en-US" sz="1600" dirty="0">
@@ -26494,8 +29601,8 @@
           </a:prstGeom>
         </p:spPr>
       </p:pic>
-      <mc:AlternateContent xmlns:mc="http://schemas.openxmlformats.org/markup-compatibility/2006">
-        <mc:Choice xmlns:a14="http://schemas.microsoft.com/office/drawing/2010/main" Requires="a14">
+      <mc:AlternateContent xmlns:mc="http://schemas.openxmlformats.org/markup-compatibility/2006" xmlns:a14="http://schemas.microsoft.com/office/drawing/2010/main">
+        <mc:Choice Requires="a14">
           <p:sp>
             <p:nvSpPr>
               <p:cNvPr id="3" name="TextBox 2">
@@ -26724,7 +29831,7 @@
             </p:txBody>
           </p:sp>
         </mc:Choice>
-        <mc:Fallback>
+        <mc:Fallback xmlns="">
           <p:sp>
             <p:nvSpPr>
               <p:cNvPr id="3" name="TextBox 2">
@@ -28828,8 +31935,8 @@
           </a:p>
         </p:txBody>
       </p:sp>
-      <mc:AlternateContent xmlns:mc="http://schemas.openxmlformats.org/markup-compatibility/2006">
-        <mc:Choice xmlns:a14="http://schemas.microsoft.com/office/drawing/2010/main" Requires="a14">
+      <mc:AlternateContent xmlns:mc="http://schemas.openxmlformats.org/markup-compatibility/2006" xmlns:a14="http://schemas.microsoft.com/office/drawing/2010/main">
+        <mc:Choice Requires="a14">
           <p:sp>
             <p:nvSpPr>
               <p:cNvPr id="5" name="Content Placeholder 4">
@@ -29161,7 +32268,7 @@
             </p:txBody>
           </p:sp>
         </mc:Choice>
-        <mc:Fallback>
+        <mc:Fallback xmlns="">
           <p:sp>
             <p:nvSpPr>
               <p:cNvPr id="5" name="Content Placeholder 4">

--- a/slides/05_games.pptx
+++ b/slides/05_games.pptx
@@ -2772,7 +2772,7 @@
             <a:fld id="{46E2045A-045A-4BC7-A4D3-1395440B1C3D}" type="datetimeFigureOut">
               <a:rPr lang="en-US" smtClean="0"/>
               <a:pPr/>
-              <a:t>4/14/2022</a:t>
+              <a:t>10/18/2022</a:t>
             </a:fld>
             <a:endParaRPr lang="en-US"/>
           </a:p>
@@ -13733,8 +13733,8 @@
           </a:p>
         </p:txBody>
       </p:sp>
-      <mc:AlternateContent xmlns:mc="http://schemas.openxmlformats.org/markup-compatibility/2006">
-        <mc:Choice xmlns:a14="http://schemas.microsoft.com/office/drawing/2010/main" Requires="a14">
+      <mc:AlternateContent xmlns:mc="http://schemas.openxmlformats.org/markup-compatibility/2006" xmlns:a14="http://schemas.microsoft.com/office/drawing/2010/main">
+        <mc:Choice Requires="a14">
           <p:sp>
             <p:nvSpPr>
               <p:cNvPr id="3" name="Content Placeholder 2">
@@ -14096,7 +14096,7 @@
             </p:txBody>
           </p:sp>
         </mc:Choice>
-        <mc:Fallback>
+        <mc:Fallback xmlns="">
           <p:sp>
             <p:nvSpPr>
               <p:cNvPr id="3" name="Content Placeholder 2">
@@ -18199,8 +18199,8 @@
           </a:p>
         </p:txBody>
       </p:sp>
-      <mc:AlternateContent xmlns:mc="http://schemas.openxmlformats.org/markup-compatibility/2006">
-        <mc:Choice xmlns:a14="http://schemas.microsoft.com/office/drawing/2010/main" Requires="a14">
+      <mc:AlternateContent xmlns:mc="http://schemas.openxmlformats.org/markup-compatibility/2006" xmlns:a14="http://schemas.microsoft.com/office/drawing/2010/main">
+        <mc:Choice Requires="a14">
           <p:sp>
             <p:nvSpPr>
               <p:cNvPr id="5" name="Content Placeholder 4">
@@ -18760,7 +18760,7 @@
             </p:txBody>
           </p:sp>
         </mc:Choice>
-        <mc:Fallback>
+        <mc:Fallback xmlns="">
           <p:sp>
             <p:nvSpPr>
               <p:cNvPr id="5" name="Content Placeholder 4">
@@ -23241,8 +23241,8 @@
           </a:p>
         </p:txBody>
       </p:sp>
-      <mc:AlternateContent xmlns:mc="http://schemas.openxmlformats.org/markup-compatibility/2006">
-        <mc:Choice xmlns:a14="http://schemas.microsoft.com/office/drawing/2010/main" Requires="a14">
+      <mc:AlternateContent xmlns:mc="http://schemas.openxmlformats.org/markup-compatibility/2006" xmlns:a14="http://schemas.microsoft.com/office/drawing/2010/main">
+        <mc:Choice Requires="a14">
           <p:sp>
             <p:nvSpPr>
               <p:cNvPr id="3" name="Content Placeholder 2">
@@ -23374,7 +23374,7 @@
             </p:txBody>
           </p:sp>
         </mc:Choice>
-        <mc:Fallback>
+        <mc:Fallback xmlns="">
           <p:sp>
             <p:nvSpPr>
               <p:cNvPr id="3" name="Content Placeholder 2">
@@ -23808,8 +23808,8 @@
           </p:sp>
         </mc:Fallback>
       </mc:AlternateContent>
-      <mc:AlternateContent xmlns:mc="http://schemas.openxmlformats.org/markup-compatibility/2006">
-        <mc:Choice xmlns:a14="http://schemas.microsoft.com/office/drawing/2010/main" Requires="a14">
+      <mc:AlternateContent xmlns:mc="http://schemas.openxmlformats.org/markup-compatibility/2006" xmlns:a14="http://schemas.microsoft.com/office/drawing/2010/main">
+        <mc:Choice Requires="a14">
           <p:sp>
             <p:nvSpPr>
               <p:cNvPr id="6" name="Rectangle 5">
@@ -23924,7 +23924,7 @@
             </p:txBody>
           </p:sp>
         </mc:Choice>
-        <mc:Fallback>
+        <mc:Fallback xmlns="">
           <p:sp>
             <p:nvSpPr>
               <p:cNvPr id="6" name="Rectangle 5">
@@ -27612,8 +27612,8 @@
           </a:p>
         </p:txBody>
       </p:sp>
-      <mc:AlternateContent xmlns:mc="http://schemas.openxmlformats.org/markup-compatibility/2006">
-        <mc:Choice xmlns:a14="http://schemas.microsoft.com/office/drawing/2010/main" Requires="a14">
+      <mc:AlternateContent xmlns:mc="http://schemas.openxmlformats.org/markup-compatibility/2006" xmlns:a14="http://schemas.microsoft.com/office/drawing/2010/main">
+        <mc:Choice Requires="a14">
           <p:sp>
             <p:nvSpPr>
               <p:cNvPr id="5" name="Content Placeholder 4">
@@ -28415,7 +28415,7 @@
             </p:txBody>
           </p:sp>
         </mc:Choice>
-        <mc:Fallback>
+        <mc:Fallback xmlns="">
           <p:sp>
             <p:nvSpPr>
               <p:cNvPr id="5" name="Content Placeholder 4">
@@ -29601,8 +29601,8 @@
           </a:prstGeom>
         </p:spPr>
       </p:pic>
-      <mc:AlternateContent xmlns:mc="http://schemas.openxmlformats.org/markup-compatibility/2006" xmlns:a14="http://schemas.microsoft.com/office/drawing/2010/main">
-        <mc:Choice Requires="a14">
+      <mc:AlternateContent xmlns:mc="http://schemas.openxmlformats.org/markup-compatibility/2006">
+        <mc:Choice xmlns:a14="http://schemas.microsoft.com/office/drawing/2010/main" Requires="a14">
           <p:sp>
             <p:nvSpPr>
               <p:cNvPr id="3" name="TextBox 2">
@@ -29617,8 +29617,8 @@
             </p:nvSpPr>
             <p:spPr>
               <a:xfrm>
-                <a:off x="5667374" y="3906892"/>
-                <a:ext cx="3248025" cy="2855975"/>
+                <a:off x="5445464" y="3810240"/>
+                <a:ext cx="3470955" cy="1815882"/>
               </a:xfrm>
               <a:prstGeom prst="rect">
                 <a:avLst/>
@@ -29645,61 +29645,6 @@
               <a:lstStyle/>
               <a:p>
                 <a:r>
-                  <a:rPr lang="en-US" sz="1600" dirty="0"/>
-                  <a:t>The state space is a little smaller than:</a:t>
-                </a:r>
-              </a:p>
-              <a:p>
-                <a:pPr algn="ctr"/>
-                <a14:m>
-                  <m:oMath xmlns:m="http://schemas.openxmlformats.org/officeDocument/2006/math">
-                    <m:sSup>
-                      <m:sSupPr>
-                        <m:ctrlPr>
-                          <a:rPr lang="en-US" sz="1600" b="0" i="1" smtClean="0">
-                            <a:latin typeface="Cambria Math" panose="02040503050406030204" pitchFamily="18" charset="0"/>
-                          </a:rPr>
-                        </m:ctrlPr>
-                      </m:sSupPr>
-                      <m:e>
-                        <m:r>
-                          <a:rPr lang="en-US" sz="1600" b="0" i="1" smtClean="0">
-                            <a:latin typeface="Cambria Math" panose="02040503050406030204" pitchFamily="18" charset="0"/>
-                          </a:rPr>
-                          <m:t>3</m:t>
-                        </m:r>
-                      </m:e>
-                      <m:sup>
-                        <m:r>
-                          <a:rPr lang="en-US" sz="1600" b="0" i="1" smtClean="0">
-                            <a:latin typeface="Cambria Math" panose="02040503050406030204" pitchFamily="18" charset="0"/>
-                          </a:rPr>
-                          <m:t>9</m:t>
-                        </m:r>
-                      </m:sup>
-                    </m:sSup>
-                    <m:r>
-                      <a:rPr lang="en-US" sz="1600" b="0" i="0" smtClean="0">
-                        <a:latin typeface="Cambria Math" panose="02040503050406030204" pitchFamily="18" charset="0"/>
-                      </a:rPr>
-                      <m:t>=19,683  </m:t>
-                    </m:r>
-                  </m:oMath>
-                </a14:m>
-                <a:r>
-                  <a:rPr lang="en-US" sz="1600" b="0" i="0" dirty="0">
-                    <a:latin typeface="Cambria Math" panose="02040503050406030204" pitchFamily="18" charset="0"/>
-                  </a:rPr>
-                  <a:t>boards</a:t>
-                </a:r>
-              </a:p>
-              <a:p>
-                <a:endParaRPr lang="en-US" sz="1600" dirty="0">
-                  <a:latin typeface="Cambria Math" panose="02040503050406030204" pitchFamily="18" charset="0"/>
-                </a:endParaRPr>
-              </a:p>
-              <a:p>
-                <a:r>
                   <a:rPr lang="en-US" sz="1600" dirty="0">
                     <a:latin typeface="Cambria Math" panose="02040503050406030204" pitchFamily="18" charset="0"/>
                   </a:rPr>
@@ -29707,7 +29652,15 @@
                 </a:r>
                 <a:r>
                   <a:rPr lang="en-US" sz="1600" dirty="0"/>
-                  <a:t>he complete game tree size much larger because the same state (board) can be reached in different subtrees. The game tree here is a little smaller than:</a:t>
+                  <a:t>he complete game tree size is much larger because the same state (board) can be reached in different subtrees (</a:t>
+                </a:r>
+                <a:r>
+                  <a:rPr lang="en-US" sz="1600" b="1" dirty="0"/>
+                  <a:t>redundant paths</a:t>
+                </a:r>
+                <a:r>
+                  <a:rPr lang="en-US" sz="1600" dirty="0"/>
+                  <a:t>). The game tree here is a little smaller than:</a:t>
                 </a:r>
               </a:p>
               <a:p>
@@ -29724,23 +29677,12 @@
                         </a:rPr>
                         <m:t>1</m:t>
                       </m:r>
-                      <m:d>
-                        <m:dPr>
-                          <m:ctrlPr>
-                            <a:rPr lang="en-US" sz="1600" b="0" i="1" smtClean="0">
-                              <a:latin typeface="Cambria Math" panose="02040503050406030204" pitchFamily="18" charset="0"/>
-                            </a:rPr>
-                          </m:ctrlPr>
-                        </m:dPr>
-                        <m:e>
-                          <m:r>
-                            <a:rPr lang="en-US" sz="1600" b="0" i="1" smtClean="0">
-                              <a:latin typeface="Cambria Math" panose="02040503050406030204" pitchFamily="18" charset="0"/>
-                            </a:rPr>
-                            <m:t>9</m:t>
-                          </m:r>
-                        </m:e>
-                      </m:d>
+                      <m:r>
+                        <a:rPr lang="en-US" sz="1600" b="0" i="1" smtClean="0">
+                          <a:latin typeface="Cambria Math" panose="02040503050406030204" pitchFamily="18" charset="0"/>
+                        </a:rPr>
+                        <m:t>+</m:t>
+                      </m:r>
                       <m:d>
                         <m:dPr>
                           <m:ctrlPr>
@@ -29758,6 +29700,12 @@
                           </m:r>
                         </m:e>
                       </m:d>
+                      <m:r>
+                        <a:rPr lang="en-US" sz="1600" b="0" i="1" smtClean="0">
+                          <a:latin typeface="Cambria Math" panose="02040503050406030204" pitchFamily="18" charset="0"/>
+                        </a:rPr>
+                        <m:t>+</m:t>
+                      </m:r>
                       <m:d>
                         <m:dPr>
                           <m:ctrlPr>
@@ -29775,6 +29723,12 @@
                           </m:r>
                         </m:e>
                       </m:d>
+                      <m:r>
+                        <a:rPr lang="en-US" sz="1600" b="0" i="1" smtClean="0">
+                          <a:latin typeface="Cambria Math" panose="02040503050406030204" pitchFamily="18" charset="0"/>
+                        </a:rPr>
+                        <m:t>+</m:t>
+                      </m:r>
                       <m:r>
                         <a:rPr lang="en-US" sz="1600" b="0" i="1" smtClean="0">
                           <a:latin typeface="Cambria Math" panose="02040503050406030204" pitchFamily="18" charset="0"/>
@@ -29831,7 +29785,7 @@
             </p:txBody>
           </p:sp>
         </mc:Choice>
-        <mc:Fallback xmlns="">
+        <mc:Fallback>
           <p:sp>
             <p:nvSpPr>
               <p:cNvPr id="3" name="TextBox 2">
@@ -29848,8 +29802,8 @@
             </p:nvSpPr>
             <p:spPr>
               <a:xfrm>
-                <a:off x="5667374" y="3906892"/>
-                <a:ext cx="3248025" cy="2855975"/>
+                <a:off x="5445464" y="3810240"/>
+                <a:ext cx="3470955" cy="1815882"/>
               </a:xfrm>
               <a:prstGeom prst="rect">
                 <a:avLst/>
@@ -29857,7 +29811,7 @@
               <a:blipFill>
                 <a:blip r:embed="rId3"/>
                 <a:stretch>
-                  <a:fillRect l="-935" t="-425"/>
+                  <a:fillRect l="-698" t="-1329" r="-524" b="-2658"/>
                 </a:stretch>
               </a:blipFill>
             </p:spPr>
@@ -29944,7 +29898,10 @@
               </a:path>
             </a:pathLst>
           </a:custGeom>
-          <a:ln>
+          <a:ln w="28575">
+            <a:solidFill>
+              <a:srgbClr val="FF0000"/>
+            </a:solidFill>
             <a:headEnd type="none" w="med" len="med"/>
             <a:tailEnd type="triangle" w="med" len="med"/>
           </a:ln>
@@ -30071,8 +30028,8 @@
           </a:p>
         </p:txBody>
       </p:sp>
-      <mc:AlternateContent xmlns:mc="http://schemas.openxmlformats.org/markup-compatibility/2006" xmlns:a14="http://schemas.microsoft.com/office/drawing/2010/main">
-        <mc:Choice Requires="a14">
+      <mc:AlternateContent xmlns:mc="http://schemas.openxmlformats.org/markup-compatibility/2006">
+        <mc:Choice xmlns:a14="http://schemas.microsoft.com/office/drawing/2010/main" Requires="a14">
           <p:sp>
             <p:nvSpPr>
               <p:cNvPr id="10" name="TextBox 9">
@@ -30088,7 +30045,7 @@
             <p:spPr>
               <a:xfrm>
                 <a:off x="8134476" y="3410683"/>
-                <a:ext cx="761747" cy="369332"/>
+                <a:ext cx="813813" cy="646331"/>
               </a:xfrm>
               <a:prstGeom prst="rect">
                 <a:avLst/>
@@ -30119,10 +30076,17 @@
                 </a14:m>
                 <a:endParaRPr lang="en-US" dirty="0"/>
               </a:p>
+              <a:p>
+                <a:pPr/>
+                <a:r>
+                  <a:rPr lang="en-US" dirty="0"/>
+                  <a:t>  </a:t>
+                </a:r>
+              </a:p>
             </p:txBody>
           </p:sp>
         </mc:Choice>
-        <mc:Fallback xmlns="">
+        <mc:Fallback>
           <p:sp>
             <p:nvSpPr>
               <p:cNvPr id="10" name="TextBox 9">
@@ -30140,7 +30104,7 @@
             <p:spPr>
               <a:xfrm>
                 <a:off x="8134476" y="3410683"/>
-                <a:ext cx="761747" cy="369332"/>
+                <a:ext cx="813813" cy="646331"/>
               </a:xfrm>
               <a:prstGeom prst="rect">
                 <a:avLst/>
@@ -30249,6 +30213,131 @@
           <a:p>
             <a:pPr algn="ctr"/>
             <a:endParaRPr lang="en-US"/>
+          </a:p>
+        </p:txBody>
+      </p:sp>
+      <p:cxnSp>
+        <p:nvCxnSpPr>
+          <p:cNvPr id="12" name="Straight Arrow Connector 11">
+            <a:extLst>
+              <a:ext uri="{FF2B5EF4-FFF2-40B4-BE49-F238E27FC236}">
+                <a16:creationId xmlns:a16="http://schemas.microsoft.com/office/drawing/2014/main" id="{8B086F7E-51D6-0CCE-22B6-FE8EB02F2B6F}"/>
+              </a:ext>
+            </a:extLst>
+          </p:cNvPr>
+          <p:cNvCxnSpPr/>
+          <p:nvPr/>
+        </p:nvCxnSpPr>
+        <p:spPr>
+          <a:xfrm>
+            <a:off x="2286000" y="4022224"/>
+            <a:ext cx="0" cy="303033"/>
+          </a:xfrm>
+          <a:prstGeom prst="straightConnector1">
+            <a:avLst/>
+          </a:prstGeom>
+          <a:ln w="38100">
+            <a:solidFill>
+              <a:srgbClr val="FF0000"/>
+            </a:solidFill>
+            <a:tailEnd type="triangle"/>
+          </a:ln>
+        </p:spPr>
+        <p:style>
+          <a:lnRef idx="1">
+            <a:schemeClr val="accent1"/>
+          </a:lnRef>
+          <a:fillRef idx="0">
+            <a:schemeClr val="accent1"/>
+          </a:fillRef>
+          <a:effectRef idx="0">
+            <a:schemeClr val="accent1"/>
+          </a:effectRef>
+          <a:fontRef idx="minor">
+            <a:schemeClr val="tx1"/>
+          </a:fontRef>
+        </p:style>
+      </p:cxnSp>
+      <p:cxnSp>
+        <p:nvCxnSpPr>
+          <p:cNvPr id="13" name="Straight Arrow Connector 12">
+            <a:extLst>
+              <a:ext uri="{FF2B5EF4-FFF2-40B4-BE49-F238E27FC236}">
+                <a16:creationId xmlns:a16="http://schemas.microsoft.com/office/drawing/2014/main" id="{96D846CA-2030-E9AF-834C-0199CD9E2FAE}"/>
+              </a:ext>
+            </a:extLst>
+          </p:cNvPr>
+          <p:cNvCxnSpPr>
+            <a:cxnSpLocks/>
+          </p:cNvCxnSpPr>
+          <p:nvPr/>
+        </p:nvCxnSpPr>
+        <p:spPr>
+          <a:xfrm>
+            <a:off x="5032808" y="4147247"/>
+            <a:ext cx="0" cy="212800"/>
+          </a:xfrm>
+          <a:prstGeom prst="straightConnector1">
+            <a:avLst/>
+          </a:prstGeom>
+          <a:ln w="38100">
+            <a:solidFill>
+              <a:srgbClr val="FF0000"/>
+            </a:solidFill>
+            <a:tailEnd type="triangle"/>
+          </a:ln>
+        </p:spPr>
+        <p:style>
+          <a:lnRef idx="1">
+            <a:schemeClr val="accent1"/>
+          </a:lnRef>
+          <a:fillRef idx="0">
+            <a:schemeClr val="accent1"/>
+          </a:fillRef>
+          <a:effectRef idx="0">
+            <a:schemeClr val="accent1"/>
+          </a:effectRef>
+          <a:fontRef idx="minor">
+            <a:schemeClr val="tx1"/>
+          </a:fontRef>
+        </p:style>
+      </p:cxnSp>
+      <p:sp>
+        <p:nvSpPr>
+          <p:cNvPr id="15" name="TextBox 14">
+            <a:extLst>
+              <a:ext uri="{FF2B5EF4-FFF2-40B4-BE49-F238E27FC236}">
+                <a16:creationId xmlns:a16="http://schemas.microsoft.com/office/drawing/2014/main" id="{9C4D8F49-6842-C5E4-7AC4-5CF2DE69C347}"/>
+              </a:ext>
+            </a:extLst>
+          </p:cNvPr>
+          <p:cNvSpPr txBox="1"/>
+          <p:nvPr/>
+        </p:nvSpPr>
+        <p:spPr>
+          <a:xfrm>
+            <a:off x="4800600" y="3344447"/>
+            <a:ext cx="1523750" cy="338554"/>
+          </a:xfrm>
+          <a:prstGeom prst="rect">
+            <a:avLst/>
+          </a:prstGeom>
+          <a:noFill/>
+        </p:spPr>
+        <p:txBody>
+          <a:bodyPr wrap="none" rtlCol="0">
+            <a:spAutoFit/>
+          </a:bodyPr>
+          <a:lstStyle/>
+          <a:p>
+            <a:r>
+              <a:rPr lang="en-US" sz="1600" dirty="0">
+                <a:solidFill>
+                  <a:srgbClr val="FF0000"/>
+                </a:solidFill>
+              </a:rPr>
+              <a:t>Redundant path</a:t>
+            </a:r>
           </a:p>
         </p:txBody>
       </p:sp>

--- a/slides/05_games.pptx
+++ b/slides/05_games.pptx
@@ -2772,7 +2772,7 @@
             <a:fld id="{46E2045A-045A-4BC7-A4D3-1395440B1C3D}" type="datetimeFigureOut">
               <a:rPr lang="en-US" smtClean="0"/>
               <a:pPr/>
-              <a:t>10/18/2022</a:t>
+              <a:t>10/26/2022</a:t>
             </a:fld>
             <a:endParaRPr lang="en-US"/>
           </a:p>
@@ -6721,14 +6721,19 @@
             <p:ph type="title"/>
           </p:nvPr>
         </p:nvSpPr>
-        <p:spPr/>
+        <p:spPr>
+          <a:xfrm>
+            <a:off x="304799" y="365126"/>
+            <a:ext cx="8650463" cy="1325563"/>
+          </a:xfrm>
+        </p:spPr>
         <p:txBody>
           <a:bodyPr/>
           <a:lstStyle/>
           <a:p>
             <a:r>
               <a:rPr lang="en-US" dirty="0"/>
-              <a:t>AND-OR DFS Search Algorithm</a:t>
+              <a:t>Recall: AND-OR DFS Search Algorithm</a:t>
             </a:r>
           </a:p>
         </p:txBody>
@@ -6777,55 +6782,6 @@
           </a:fontRef>
         </p:style>
       </p:pic>
-      <p:sp>
-        <p:nvSpPr>
-          <p:cNvPr id="5" name="TextBox 4">
-            <a:extLst>
-              <a:ext uri="{FF2B5EF4-FFF2-40B4-BE49-F238E27FC236}">
-                <a16:creationId xmlns:a16="http://schemas.microsoft.com/office/drawing/2014/main" id="{9A45A4F1-358F-4D50-A8C5-804E04EB394F}"/>
-              </a:ext>
-            </a:extLst>
-          </p:cNvPr>
-          <p:cNvSpPr txBox="1"/>
-          <p:nvPr/>
-        </p:nvSpPr>
-        <p:spPr>
-          <a:xfrm>
-            <a:off x="402774" y="6072624"/>
-            <a:ext cx="8338452" cy="584775"/>
-          </a:xfrm>
-          <a:prstGeom prst="rect">
-            <a:avLst/>
-          </a:prstGeom>
-          <a:noFill/>
-        </p:spPr>
-        <p:txBody>
-          <a:bodyPr wrap="square" rtlCol="0">
-            <a:spAutoFit/>
-          </a:bodyPr>
-          <a:lstStyle/>
-          <a:p>
-            <a:pPr marL="285750" indent="-285750">
-              <a:buFont typeface="Arial" panose="020B0604020202020204" pitchFamily="34" charset="0"/>
-              <a:buChar char="•"/>
-            </a:pPr>
-            <a:r>
-              <a:rPr lang="en-US" sz="1600" dirty="0"/>
-              <a:t>And-Or Search searches the whole tree till it finds a subtree that leads only to goal nodes. </a:t>
-            </a:r>
-          </a:p>
-          <a:p>
-            <a:pPr marL="285750" indent="-285750">
-              <a:buFont typeface="Arial" panose="020B0604020202020204" pitchFamily="34" charset="0"/>
-              <a:buChar char="•"/>
-            </a:pPr>
-            <a:r>
-              <a:rPr lang="en-US" sz="1600" dirty="0"/>
-              <a:t>BFS and A* search can also be used to search an AND-OR tree.</a:t>
-            </a:r>
-          </a:p>
-        </p:txBody>
-      </p:sp>
       <p:sp>
         <p:nvSpPr>
           <p:cNvPr id="6" name="TextBox 5">
@@ -7593,8 +7549,8 @@
         </p:nvSpPr>
         <p:spPr>
           <a:xfrm>
-            <a:off x="4669054" y="3962400"/>
-            <a:ext cx="3718367" cy="2585323"/>
+            <a:off x="4669054" y="3849365"/>
+            <a:ext cx="4186444" cy="2585323"/>
           </a:xfrm>
           <a:prstGeom prst="rect">
             <a:avLst/>
@@ -7626,7 +7582,7 @@
             </a:r>
             <a:r>
               <a:rPr lang="en-US" dirty="0"/>
-              <a:t>: Find a subtree that has only win leaf nodes (utility +1). We can abandon the subtree if we find a loss (utility -1).</a:t>
+              <a:t>: Find a subtree that has only win leaf nodes (utility +1). We can abandon a subtree if we find a single loss (utility -1).</a:t>
             </a:r>
           </a:p>
           <a:p>
@@ -7635,7 +7591,7 @@
           <a:p>
             <a:r>
               <a:rPr lang="en-US" dirty="0"/>
-              <a:t>We consider all opponent’s moves in the AND stage. This includes MIN’s best move. We call playing always the best move </a:t>
+              <a:t>We call playing always the best move </a:t>
             </a:r>
             <a:r>
               <a:rPr lang="en-US" b="1" dirty="0"/>
@@ -7643,7 +7599,7 @@
             </a:r>
             <a:r>
               <a:rPr lang="en-US" dirty="0"/>
-              <a:t>.</a:t>
+              <a:t>. Since we consider all the opponent’s moves in the AND stage, we also  includes MIN’s best move. This means we consider MIN playing optimally.</a:t>
             </a:r>
           </a:p>
         </p:txBody>
@@ -7704,8 +7660,8 @@
         </p:nvSpPr>
         <p:spPr>
           <a:xfrm>
-            <a:off x="5984890" y="2000199"/>
-            <a:ext cx="2930510" cy="646331"/>
+            <a:off x="5867400" y="2000199"/>
+            <a:ext cx="3048000" cy="646331"/>
           </a:xfrm>
           <a:prstGeom prst="rect">
             <a:avLst/>
@@ -7725,7 +7681,7 @@
                   <a:srgbClr val="FF0000"/>
                 </a:solidFill>
               </a:rPr>
-              <a:t>Pick an action that leads to a subtree that only win leaves.</a:t>
+              <a:t>Pick an action that leads to a subtree with only win leaves.</a:t>
             </a:r>
           </a:p>
         </p:txBody>
@@ -8940,8 +8896,8 @@
           </a:p>
         </p:txBody>
       </p:sp>
-      <mc:AlternateContent xmlns:mc="http://schemas.openxmlformats.org/markup-compatibility/2006" xmlns:a14="http://schemas.microsoft.com/office/drawing/2010/main">
-        <mc:Choice Requires="a14">
+      <mc:AlternateContent xmlns:mc="http://schemas.openxmlformats.org/markup-compatibility/2006">
+        <mc:Choice xmlns:a14="http://schemas.microsoft.com/office/drawing/2010/main" Requires="a14">
           <p:sp>
             <p:nvSpPr>
               <p:cNvPr id="5" name="Content Placeholder 4">
@@ -9541,7 +9497,7 @@
                 </a14:m>
                 <a:r>
                   <a:rPr lang="en-US" dirty="0"/>
-                  <a:t> to the end of the game.</a:t>
+                  <a:t> to the end of the game written as a recursion.</a:t>
                 </a:r>
               </a:p>
               <a:p>
@@ -9565,7 +9521,7 @@
             </p:txBody>
           </p:sp>
         </mc:Choice>
-        <mc:Fallback xmlns="">
+        <mc:Fallback>
           <p:sp>
             <p:nvSpPr>
               <p:cNvPr id="5" name="Content Placeholder 4">
@@ -9658,7 +9614,14 @@
           <a:p>
             <a:r>
               <a:rPr lang="en-US" dirty="0"/>
-              <a:t>Minimax Search</a:t>
+              <a:t>Minimax Search: </a:t>
+            </a:r>
+            <a:br>
+              <a:rPr lang="en-US" dirty="0"/>
+            </a:br>
+            <a:r>
+              <a:rPr lang="en-US" dirty="0"/>
+              <a:t>Determining MV Values</a:t>
             </a:r>
           </a:p>
         </p:txBody>
@@ -9874,6 +9837,268 @@
           </a:fillRef>
           <a:effectRef idx="0">
             <a:schemeClr val="accent1"/>
+          </a:effectRef>
+          <a:fontRef idx="minor">
+            <a:schemeClr val="lt1"/>
+          </a:fontRef>
+        </p:style>
+        <p:txBody>
+          <a:bodyPr rtlCol="0" anchor="ctr"/>
+          <a:lstStyle/>
+          <a:p>
+            <a:pPr algn="ctr"/>
+            <a:endParaRPr lang="en-US"/>
+          </a:p>
+        </p:txBody>
+      </p:sp>
+      <p:cxnSp>
+        <p:nvCxnSpPr>
+          <p:cNvPr id="3" name="Straight Arrow Connector 2">
+            <a:extLst>
+              <a:ext uri="{FF2B5EF4-FFF2-40B4-BE49-F238E27FC236}">
+                <a16:creationId xmlns:a16="http://schemas.microsoft.com/office/drawing/2014/main" id="{824E5006-E9A0-AB2A-3485-48CBE6BDC800}"/>
+              </a:ext>
+            </a:extLst>
+          </p:cNvPr>
+          <p:cNvCxnSpPr/>
+          <p:nvPr/>
+        </p:nvCxnSpPr>
+        <p:spPr>
+          <a:xfrm flipV="1">
+            <a:off x="2286000" y="4648200"/>
+            <a:ext cx="0" cy="1066800"/>
+          </a:xfrm>
+          <a:prstGeom prst="straightConnector1">
+            <a:avLst/>
+          </a:prstGeom>
+          <a:ln w="38100">
+            <a:solidFill>
+              <a:srgbClr val="FF0000"/>
+            </a:solidFill>
+            <a:tailEnd type="triangle"/>
+          </a:ln>
+        </p:spPr>
+        <p:style>
+          <a:lnRef idx="1">
+            <a:schemeClr val="accent1"/>
+          </a:lnRef>
+          <a:fillRef idx="0">
+            <a:schemeClr val="accent1"/>
+          </a:fillRef>
+          <a:effectRef idx="0">
+            <a:schemeClr val="accent1"/>
+          </a:effectRef>
+          <a:fontRef idx="minor">
+            <a:schemeClr val="tx1"/>
+          </a:fontRef>
+        </p:style>
+      </p:cxnSp>
+      <p:cxnSp>
+        <p:nvCxnSpPr>
+          <p:cNvPr id="5" name="Straight Arrow Connector 4">
+            <a:extLst>
+              <a:ext uri="{FF2B5EF4-FFF2-40B4-BE49-F238E27FC236}">
+                <a16:creationId xmlns:a16="http://schemas.microsoft.com/office/drawing/2014/main" id="{DEA7A600-94A4-5988-CD96-8E6E9F4B35E7}"/>
+              </a:ext>
+            </a:extLst>
+          </p:cNvPr>
+          <p:cNvCxnSpPr>
+            <a:cxnSpLocks/>
+          </p:cNvCxnSpPr>
+          <p:nvPr/>
+        </p:nvCxnSpPr>
+        <p:spPr>
+          <a:xfrm flipH="1" flipV="1">
+            <a:off x="2362200" y="4648200"/>
+            <a:ext cx="533400" cy="1066800"/>
+          </a:xfrm>
+          <a:prstGeom prst="straightConnector1">
+            <a:avLst/>
+          </a:prstGeom>
+          <a:ln w="38100">
+            <a:solidFill>
+              <a:srgbClr val="FF0000"/>
+            </a:solidFill>
+            <a:tailEnd type="triangle"/>
+          </a:ln>
+        </p:spPr>
+        <p:style>
+          <a:lnRef idx="1">
+            <a:schemeClr val="accent1"/>
+          </a:lnRef>
+          <a:fillRef idx="0">
+            <a:schemeClr val="accent1"/>
+          </a:fillRef>
+          <a:effectRef idx="0">
+            <a:schemeClr val="accent1"/>
+          </a:effectRef>
+          <a:fontRef idx="minor">
+            <a:schemeClr val="tx1"/>
+          </a:fontRef>
+        </p:style>
+      </p:cxnSp>
+      <p:cxnSp>
+        <p:nvCxnSpPr>
+          <p:cNvPr id="7" name="Straight Arrow Connector 6">
+            <a:extLst>
+              <a:ext uri="{FF2B5EF4-FFF2-40B4-BE49-F238E27FC236}">
+                <a16:creationId xmlns:a16="http://schemas.microsoft.com/office/drawing/2014/main" id="{76D3B910-985A-F12D-15D2-756F454C3AFE}"/>
+              </a:ext>
+            </a:extLst>
+          </p:cNvPr>
+          <p:cNvCxnSpPr>
+            <a:cxnSpLocks/>
+          </p:cNvCxnSpPr>
+          <p:nvPr/>
+        </p:nvCxnSpPr>
+        <p:spPr>
+          <a:xfrm flipH="1" flipV="1">
+            <a:off x="2428875" y="4648200"/>
+            <a:ext cx="1152525" cy="1066800"/>
+          </a:xfrm>
+          <a:prstGeom prst="straightConnector1">
+            <a:avLst/>
+          </a:prstGeom>
+          <a:ln w="38100">
+            <a:solidFill>
+              <a:srgbClr val="FF0000"/>
+            </a:solidFill>
+            <a:tailEnd type="triangle"/>
+          </a:ln>
+        </p:spPr>
+        <p:style>
+          <a:lnRef idx="1">
+            <a:schemeClr val="accent1"/>
+          </a:lnRef>
+          <a:fillRef idx="0">
+            <a:schemeClr val="accent1"/>
+          </a:fillRef>
+          <a:effectRef idx="0">
+            <a:schemeClr val="accent1"/>
+          </a:effectRef>
+          <a:fontRef idx="minor">
+            <a:schemeClr val="tx1"/>
+          </a:fontRef>
+        </p:style>
+      </p:cxnSp>
+      <p:sp>
+        <p:nvSpPr>
+          <p:cNvPr id="8" name="TextBox 7">
+            <a:extLst>
+              <a:ext uri="{FF2B5EF4-FFF2-40B4-BE49-F238E27FC236}">
+                <a16:creationId xmlns:a16="http://schemas.microsoft.com/office/drawing/2014/main" id="{FFF21AE6-24E2-1087-9BDA-986ADAAC60CE}"/>
+              </a:ext>
+            </a:extLst>
+          </p:cNvPr>
+          <p:cNvSpPr txBox="1"/>
+          <p:nvPr/>
+        </p:nvSpPr>
+        <p:spPr>
+          <a:xfrm>
+            <a:off x="1977461" y="4371519"/>
+            <a:ext cx="542924" cy="369332"/>
+          </a:xfrm>
+          <a:prstGeom prst="rect">
+            <a:avLst/>
+          </a:prstGeom>
+          <a:noFill/>
+        </p:spPr>
+        <p:txBody>
+          <a:bodyPr wrap="square">
+            <a:spAutoFit/>
+          </a:bodyPr>
+          <a:lstStyle/>
+          <a:p>
+            <a:pPr algn="ctr"/>
+            <a:r>
+              <a:rPr lang="en-US" b="1" dirty="0">
+                <a:solidFill>
+                  <a:srgbClr val="FF0000"/>
+                </a:solidFill>
+              </a:rPr>
+              <a:t>-1 </a:t>
+            </a:r>
+            <a:endParaRPr lang="en-US" dirty="0"/>
+          </a:p>
+        </p:txBody>
+      </p:sp>
+      <p:sp>
+        <p:nvSpPr>
+          <p:cNvPr id="11" name="TextBox 10">
+            <a:extLst>
+              <a:ext uri="{FF2B5EF4-FFF2-40B4-BE49-F238E27FC236}">
+                <a16:creationId xmlns:a16="http://schemas.microsoft.com/office/drawing/2014/main" id="{975D4BE9-8E2D-316D-6DDD-849E3FB8858D}"/>
+              </a:ext>
+            </a:extLst>
+          </p:cNvPr>
+          <p:cNvSpPr txBox="1"/>
+          <p:nvPr/>
+        </p:nvSpPr>
+        <p:spPr>
+          <a:xfrm>
+            <a:off x="1579977" y="5043259"/>
+            <a:ext cx="551754" cy="369332"/>
+          </a:xfrm>
+          <a:prstGeom prst="rect">
+            <a:avLst/>
+          </a:prstGeom>
+          <a:noFill/>
+        </p:spPr>
+        <p:txBody>
+          <a:bodyPr wrap="none" rtlCol="0">
+            <a:spAutoFit/>
+          </a:bodyPr>
+          <a:lstStyle/>
+          <a:p>
+            <a:r>
+              <a:rPr lang="en-US" b="1" dirty="0">
+                <a:solidFill>
+                  <a:srgbClr val="FF0000"/>
+                </a:solidFill>
+              </a:rPr>
+              <a:t>min</a:t>
+            </a:r>
+          </a:p>
+        </p:txBody>
+      </p:sp>
+      <p:sp>
+        <p:nvSpPr>
+          <p:cNvPr id="13" name="Rectangle 12">
+            <a:extLst>
+              <a:ext uri="{FF2B5EF4-FFF2-40B4-BE49-F238E27FC236}">
+                <a16:creationId xmlns:a16="http://schemas.microsoft.com/office/drawing/2014/main" id="{A4214171-BE8C-2F8D-8B61-9E76B61F5E9B}"/>
+              </a:ext>
+            </a:extLst>
+          </p:cNvPr>
+          <p:cNvSpPr/>
+          <p:nvPr/>
+        </p:nvSpPr>
+        <p:spPr>
+          <a:xfrm>
+            <a:off x="990600" y="4371519"/>
+            <a:ext cx="910662" cy="429081"/>
+          </a:xfrm>
+          <a:prstGeom prst="rect">
+            <a:avLst/>
+          </a:prstGeom>
+          <a:solidFill>
+            <a:schemeClr val="accent2">
+              <a:alpha val="50000"/>
+            </a:schemeClr>
+          </a:solidFill>
+          <a:ln>
+            <a:noFill/>
+          </a:ln>
+        </p:spPr>
+        <p:style>
+          <a:lnRef idx="0">
+            <a:scrgbClr r="0" g="0" b="0"/>
+          </a:lnRef>
+          <a:fillRef idx="0">
+            <a:scrgbClr r="0" g="0" b="0"/>
+          </a:fillRef>
+          <a:effectRef idx="0">
+            <a:scrgbClr r="0" g="0" b="0"/>
           </a:effectRef>
           <a:fontRef idx="minor">
             <a:schemeClr val="lt1"/>
@@ -9941,7 +10166,7 @@
           <a:p>
             <a:r>
               <a:rPr lang="en-US" dirty="0"/>
-              <a:t>Minimax Search : Back-up Minimax Values</a:t>
+              <a:t>Minimax Search: Back-up Minimax Values</a:t>
             </a:r>
           </a:p>
         </p:txBody>
@@ -11439,8 +11664,8 @@
         </p:nvSpPr>
         <p:spPr>
           <a:xfrm>
-            <a:off x="5248276" y="3904298"/>
-            <a:ext cx="2470607" cy="2031325"/>
+            <a:off x="4810983" y="3632855"/>
+            <a:ext cx="3258571" cy="2308324"/>
           </a:xfrm>
           <a:prstGeom prst="rect">
             <a:avLst/>
@@ -11465,6 +11690,15 @@
             <a:spAutoFit/>
           </a:bodyPr>
           <a:lstStyle/>
+          <a:p>
+            <a:r>
+              <a:rPr lang="en-US" dirty="0"/>
+              <a:t>Determine MVs using a bottom-up strategy</a:t>
+            </a:r>
+          </a:p>
+          <a:p>
+            <a:endParaRPr lang="en-US" dirty="0"/>
+          </a:p>
           <a:p>
             <a:r>
               <a:rPr lang="en-US" dirty="0"/>
@@ -12555,7 +12789,7 @@
             </a:r>
             <a:r>
               <a:rPr lang="en-US" sz="1600" dirty="0"/>
-              <a:t>: This is just a generalization of the AND-OR Tree Search and returns first action of the conditional plan.</a:t>
+              <a:t>: This is just a generalization of the AND-OR Tree Search and returns the first action of the conditional plan.</a:t>
             </a:r>
           </a:p>
         </p:txBody>
@@ -12924,8 +13158,8 @@
           </a:p>
         </p:txBody>
       </p:sp>
-      <mc:AlternateContent xmlns:mc="http://schemas.openxmlformats.org/markup-compatibility/2006" xmlns:a14="http://schemas.microsoft.com/office/drawing/2010/main">
-        <mc:Choice Requires="a14">
+      <mc:AlternateContent xmlns:mc="http://schemas.openxmlformats.org/markup-compatibility/2006">
+        <mc:Choice xmlns:a14="http://schemas.microsoft.com/office/drawing/2010/main" Requires="a14">
           <p:sp>
             <p:nvSpPr>
               <p:cNvPr id="3" name="Content Placeholder 2">
@@ -12945,7 +13179,7 @@
             <p:spPr/>
             <p:txBody>
               <a:bodyPr>
-                <a:normAutofit fontScale="77500" lnSpcReduction="20000"/>
+                <a:normAutofit fontScale="62500" lnSpcReduction="20000"/>
               </a:bodyPr>
               <a:lstStyle/>
               <a:p>
@@ -12960,6 +13194,43 @@
               </a:p>
               <a:p>
                 <a:endParaRPr lang="en-US" dirty="0"/>
+              </a:p>
+              <a:p>
+                <a:pPr marL="0" indent="0" algn="ctr">
+                  <a:buNone/>
+                </a:pPr>
+                <a:r>
+                  <a:rPr lang="en-US" b="0" dirty="0"/>
+                  <a:t>Space complexity: </a:t>
+                </a:r>
+                <a14:m>
+                  <m:oMath xmlns:m="http://schemas.openxmlformats.org/officeDocument/2006/math">
+                    <m:r>
+                      <a:rPr lang="en-US" b="0" i="1" smtClean="0">
+                        <a:latin typeface="Cambria Math" panose="02040503050406030204" pitchFamily="18" charset="0"/>
+                      </a:rPr>
+                      <m:t>𝑂</m:t>
+                    </m:r>
+                    <m:d>
+                      <m:dPr>
+                        <m:ctrlPr>
+                          <a:rPr lang="en-US" b="0" i="1" smtClean="0">
+                            <a:latin typeface="Cambria Math" panose="02040503050406030204" pitchFamily="18" charset="0"/>
+                          </a:rPr>
+                        </m:ctrlPr>
+                      </m:dPr>
+                      <m:e>
+                        <m:r>
+                          <a:rPr lang="en-US" b="0" i="1" smtClean="0">
+                            <a:latin typeface="Cambria Math" panose="02040503050406030204" pitchFamily="18" charset="0"/>
+                          </a:rPr>
+                          <m:t>𝑏𝑚</m:t>
+                        </m:r>
+                      </m:e>
+                    </m:d>
+                  </m:oMath>
+                </a14:m>
+                <a:endParaRPr lang="en-US" b="0" dirty="0"/>
               </a:p>
               <a:p>
                 <a:pPr marL="0" indent="0" algn="ctr">
@@ -13034,7 +13305,7 @@
               <a:p>
                 <a:r>
                   <a:rPr lang="en-US" dirty="0"/>
-                  <a:t>Only feasible for very simple games with small branching factor!</a:t>
+                  <a:t>Fast solution is only feasible for very simple games with small branching factor!</a:t>
                 </a:r>
               </a:p>
               <a:p>
@@ -13312,7 +13583,7 @@
             </p:txBody>
           </p:sp>
         </mc:Choice>
-        <mc:Fallback xmlns="">
+        <mc:Fallback>
           <p:sp>
             <p:nvSpPr>
               <p:cNvPr id="3" name="Content Placeholder 2">
@@ -13333,7 +13604,7 @@
               <a:blipFill>
                 <a:blip r:embed="rId2"/>
                 <a:stretch>
-                  <a:fillRect l="-850" t="-2801" b="-1681"/>
+                  <a:fillRect l="-464" t="-2241"/>
                 </a:stretch>
               </a:blipFill>
             </p:spPr>
@@ -13367,7 +13638,7 @@
         <p:spPr>
           <a:xfrm>
             <a:off x="6248400" y="365126"/>
-            <a:ext cx="2169440" cy="646331"/>
+            <a:ext cx="2404056" cy="646331"/>
           </a:xfrm>
           <a:prstGeom prst="rect">
             <a:avLst/>
@@ -13395,7 +13666,7 @@
           <a:p>
             <a:r>
               <a:rPr lang="en-US" dirty="0"/>
-              <a:t>b: branching factor</a:t>
+              <a:t>b: max branching factor</a:t>
             </a:r>
           </a:p>
           <a:p>
@@ -29617,8 +29888,8 @@
             </p:nvSpPr>
             <p:spPr>
               <a:xfrm>
-                <a:off x="5445464" y="3810240"/>
-                <a:ext cx="3470955" cy="1815882"/>
+                <a:off x="5445464" y="3732410"/>
+                <a:ext cx="3470955" cy="3046988"/>
               </a:xfrm>
               <a:prstGeom prst="rect">
                 <a:avLst/>
@@ -29648,11 +29919,100 @@
                   <a:rPr lang="en-US" sz="1600" dirty="0">
                     <a:latin typeface="Cambria Math" panose="02040503050406030204" pitchFamily="18" charset="0"/>
                   </a:rPr>
-                  <a:t>T</a:t>
+                  <a:t>The </a:t>
+                </a:r>
+                <a:r>
+                  <a:rPr lang="en-US" sz="1600" b="1" dirty="0">
+                    <a:latin typeface="Cambria Math" panose="02040503050406030204" pitchFamily="18" charset="0"/>
+                  </a:rPr>
+                  <a:t>state space </a:t>
+                </a:r>
+                <a:r>
+                  <a:rPr lang="en-US" sz="1600" dirty="0">
+                    <a:latin typeface="Cambria Math" panose="02040503050406030204" pitchFamily="18" charset="0"/>
+                  </a:rPr>
+                  <a:t>size (number of possible boards) is much smaller than:</a:t>
+                </a:r>
+              </a:p>
+              <a:p>
+                <a:pPr algn="ctr"/>
+                <a14:m>
+                  <m:oMath xmlns:m="http://schemas.openxmlformats.org/officeDocument/2006/math">
+                    <m:sSup>
+                      <m:sSupPr>
+                        <m:ctrlPr>
+                          <a:rPr lang="en-US" sz="1600" b="0" i="1" smtClean="0">
+                            <a:latin typeface="Cambria Math" panose="02040503050406030204" pitchFamily="18" charset="0"/>
+                          </a:rPr>
+                        </m:ctrlPr>
+                      </m:sSupPr>
+                      <m:e>
+                        <m:r>
+                          <a:rPr lang="en-US" sz="1600" b="0" i="1" smtClean="0">
+                            <a:latin typeface="Cambria Math" panose="02040503050406030204" pitchFamily="18" charset="0"/>
+                          </a:rPr>
+                          <m:t>3</m:t>
+                        </m:r>
+                      </m:e>
+                      <m:sup>
+                        <m:r>
+                          <a:rPr lang="en-US" sz="1600" b="0" i="1" smtClean="0">
+                            <a:latin typeface="Cambria Math" panose="02040503050406030204" pitchFamily="18" charset="0"/>
+                          </a:rPr>
+                          <m:t>9</m:t>
+                        </m:r>
+                      </m:sup>
+                    </m:sSup>
+                    <m:r>
+                      <a:rPr lang="en-US" sz="1600" i="1">
+                        <a:latin typeface="Cambria Math" panose="02040503050406030204" pitchFamily="18" charset="0"/>
+                      </a:rPr>
+                      <m:t>=19</m:t>
+                    </m:r>
+                    <m:r>
+                      <a:rPr lang="en-US" sz="1600" b="0" i="1" smtClean="0">
+                        <a:latin typeface="Cambria Math" panose="02040503050406030204" pitchFamily="18" charset="0"/>
+                      </a:rPr>
+                      <m:t>,</m:t>
+                    </m:r>
+                    <m:r>
+                      <a:rPr lang="en-US" sz="1600" i="1">
+                        <a:latin typeface="Cambria Math" panose="02040503050406030204" pitchFamily="18" charset="0"/>
+                      </a:rPr>
+                      <m:t>683</m:t>
+                    </m:r>
+                  </m:oMath>
+                </a14:m>
+                <a:r>
+                  <a:rPr lang="en-US" sz="1600" dirty="0">
+                    <a:latin typeface="Cambria Math" panose="02040503050406030204" pitchFamily="18" charset="0"/>
+                  </a:rPr>
+                  <a:t> states.</a:t>
+                </a:r>
+              </a:p>
+              <a:p>
+                <a:endParaRPr lang="en-US" sz="1600" dirty="0">
+                  <a:latin typeface="Cambria Math" panose="02040503050406030204" pitchFamily="18" charset="0"/>
+                </a:endParaRPr>
+              </a:p>
+              <a:p>
+                <a:r>
+                  <a:rPr lang="en-US" sz="1600" dirty="0">
+                    <a:latin typeface="Cambria Math" panose="02040503050406030204" pitchFamily="18" charset="0"/>
+                  </a:rPr>
+                  <a:t>However, t</a:t>
                 </a:r>
                 <a:r>
                   <a:rPr lang="en-US" sz="1600" dirty="0"/>
-                  <a:t>he complete game tree size is much larger because the same state (board) can be reached in different subtrees (</a:t>
+                  <a:t>he complete </a:t>
+                </a:r>
+                <a:r>
+                  <a:rPr lang="en-US" sz="1600" b="1" dirty="0"/>
+                  <a:t>game tree </a:t>
+                </a:r>
+                <a:r>
+                  <a:rPr lang="en-US" sz="1600" dirty="0"/>
+                  <a:t>is much larger because the same state (board) can be reached in different subtrees (</a:t>
                 </a:r>
                 <a:r>
                   <a:rPr lang="en-US" sz="1600" b="1" dirty="0"/>
@@ -29727,13 +30087,7 @@
                         <a:rPr lang="en-US" sz="1600" b="0" i="1" smtClean="0">
                           <a:latin typeface="Cambria Math" panose="02040503050406030204" pitchFamily="18" charset="0"/>
                         </a:rPr>
-                        <m:t>+</m:t>
-                      </m:r>
-                      <m:r>
-                        <a:rPr lang="en-US" sz="1600" b="0" i="1" smtClean="0">
-                          <a:latin typeface="Cambria Math" panose="02040503050406030204" pitchFamily="18" charset="0"/>
-                        </a:rPr>
-                        <m:t>…</m:t>
+                        <m:t>+…</m:t>
                       </m:r>
                       <m:d>
                         <m:dPr>
@@ -29802,8 +30156,8 @@
             </p:nvSpPr>
             <p:spPr>
               <a:xfrm>
-                <a:off x="5445464" y="3810240"/>
-                <a:ext cx="3470955" cy="1815882"/>
+                <a:off x="5445464" y="3732410"/>
+                <a:ext cx="3470955" cy="3046988"/>
               </a:xfrm>
               <a:prstGeom prst="rect">
                 <a:avLst/>
@@ -29811,7 +30165,7 @@
               <a:blipFill>
                 <a:blip r:embed="rId3"/>
                 <a:stretch>
-                  <a:fillRect l="-698" t="-1329" r="-524" b="-2658"/>
+                  <a:fillRect l="-698" t="-596" b="-1193"/>
                 </a:stretch>
               </a:blipFill>
             </p:spPr>
@@ -30028,8 +30382,8 @@
           </a:p>
         </p:txBody>
       </p:sp>
-      <mc:AlternateContent xmlns:mc="http://schemas.openxmlformats.org/markup-compatibility/2006">
-        <mc:Choice xmlns:a14="http://schemas.microsoft.com/office/drawing/2010/main" Requires="a14">
+      <mc:AlternateContent xmlns:mc="http://schemas.openxmlformats.org/markup-compatibility/2006" xmlns:a14="http://schemas.microsoft.com/office/drawing/2010/main">
+        <mc:Choice Requires="a14">
           <p:sp>
             <p:nvSpPr>
               <p:cNvPr id="10" name="TextBox 9">
@@ -30077,7 +30431,6 @@
                 <a:endParaRPr lang="en-US" dirty="0"/>
               </a:p>
               <a:p>
-                <a:pPr/>
                 <a:r>
                   <a:rPr lang="en-US" dirty="0"/>
                   <a:t>  </a:t>
@@ -30086,7 +30439,7 @@
             </p:txBody>
           </p:sp>
         </mc:Choice>
-        <mc:Fallback>
+        <mc:Fallback xmlns="">
           <p:sp>
             <p:nvSpPr>
               <p:cNvPr id="10" name="TextBox 9">
@@ -30304,39 +30657,208 @@
       </p:cxnSp>
       <p:sp>
         <p:nvSpPr>
-          <p:cNvPr id="15" name="TextBox 14">
-            <a:extLst>
-              <a:ext uri="{FF2B5EF4-FFF2-40B4-BE49-F238E27FC236}">
-                <a16:creationId xmlns:a16="http://schemas.microsoft.com/office/drawing/2014/main" id="{9C4D8F49-6842-C5E4-7AC4-5CF2DE69C347}"/>
-              </a:ext>
-            </a:extLst>
-          </p:cNvPr>
-          <p:cNvSpPr txBox="1"/>
+          <p:cNvPr id="14" name="Speech Bubble: Rectangle 13">
+            <a:extLst>
+              <a:ext uri="{FF2B5EF4-FFF2-40B4-BE49-F238E27FC236}">
+                <a16:creationId xmlns:a16="http://schemas.microsoft.com/office/drawing/2014/main" id="{B87BE115-C9B6-0E65-60D8-4A694BC8B79C}"/>
+              </a:ext>
+            </a:extLst>
+          </p:cNvPr>
+          <p:cNvSpPr/>
           <p:nvPr/>
         </p:nvSpPr>
         <p:spPr>
           <a:xfrm>
-            <a:off x="4800600" y="3344447"/>
-            <a:ext cx="1523750" cy="338554"/>
-          </a:xfrm>
-          <a:prstGeom prst="rect">
-            <a:avLst/>
+            <a:off x="2667000" y="2020216"/>
+            <a:ext cx="1451427" cy="244474"/>
+          </a:xfrm>
+          <a:prstGeom prst="wedgeRectCallout">
+            <a:avLst>
+              <a:gd name="adj1" fmla="val 11252"/>
+              <a:gd name="adj2" fmla="val 129431"/>
+            </a:avLst>
           </a:prstGeom>
-          <a:noFill/>
-        </p:spPr>
-        <p:txBody>
-          <a:bodyPr wrap="none" rtlCol="0">
-            <a:spAutoFit/>
-          </a:bodyPr>
-          <a:lstStyle/>
-          <a:p>
-            <a:r>
-              <a:rPr lang="en-US" sz="1600" dirty="0">
-                <a:solidFill>
-                  <a:srgbClr val="FF0000"/>
-                </a:solidFill>
-              </a:rPr>
-              <a:t>Redundant path</a:t>
+        </p:spPr>
+        <p:style>
+          <a:lnRef idx="2">
+            <a:schemeClr val="accent6">
+              <a:shade val="50000"/>
+            </a:schemeClr>
+          </a:lnRef>
+          <a:fillRef idx="1">
+            <a:schemeClr val="accent6"/>
+          </a:fillRef>
+          <a:effectRef idx="0">
+            <a:schemeClr val="accent6"/>
+          </a:effectRef>
+          <a:fontRef idx="minor">
+            <a:schemeClr val="lt1"/>
+          </a:fontRef>
+        </p:style>
+        <p:txBody>
+          <a:bodyPr rtlCol="0" anchor="ctr"/>
+          <a:lstStyle/>
+          <a:p>
+            <a:pPr algn="ctr"/>
+            <a:r>
+              <a:rPr lang="en-US" sz="1400" dirty="0"/>
+              <a:t>action / result</a:t>
+            </a:r>
+          </a:p>
+        </p:txBody>
+      </p:sp>
+      <p:sp>
+        <p:nvSpPr>
+          <p:cNvPr id="17" name="Speech Bubble: Rectangle 16">
+            <a:extLst>
+              <a:ext uri="{FF2B5EF4-FFF2-40B4-BE49-F238E27FC236}">
+                <a16:creationId xmlns:a16="http://schemas.microsoft.com/office/drawing/2014/main" id="{B61BE1DD-B522-5179-407A-1FE133605FBA}"/>
+              </a:ext>
+            </a:extLst>
+          </p:cNvPr>
+          <p:cNvSpPr/>
+          <p:nvPr/>
+        </p:nvSpPr>
+        <p:spPr>
+          <a:xfrm>
+            <a:off x="4370948" y="1359066"/>
+            <a:ext cx="1168910" cy="244474"/>
+          </a:xfrm>
+          <a:prstGeom prst="wedgeRectCallout">
+            <a:avLst>
+              <a:gd name="adj1" fmla="val -182"/>
+              <a:gd name="adj2" fmla="val 109746"/>
+            </a:avLst>
+          </a:prstGeom>
+        </p:spPr>
+        <p:style>
+          <a:lnRef idx="2">
+            <a:schemeClr val="accent6">
+              <a:shade val="50000"/>
+            </a:schemeClr>
+          </a:lnRef>
+          <a:fillRef idx="1">
+            <a:schemeClr val="accent6"/>
+          </a:fillRef>
+          <a:effectRef idx="0">
+            <a:schemeClr val="accent6"/>
+          </a:effectRef>
+          <a:fontRef idx="minor">
+            <a:schemeClr val="lt1"/>
+          </a:fontRef>
+        </p:style>
+        <p:txBody>
+          <a:bodyPr rtlCol="0" anchor="ctr"/>
+          <a:lstStyle/>
+          <a:p>
+            <a:pPr algn="ctr"/>
+            <a:r>
+              <a:rPr lang="en-US" sz="1400" dirty="0"/>
+              <a:t>state / node</a:t>
+            </a:r>
+          </a:p>
+        </p:txBody>
+      </p:sp>
+      <p:sp>
+        <p:nvSpPr>
+          <p:cNvPr id="20" name="Speech Bubble: Rectangle 19">
+            <a:extLst>
+              <a:ext uri="{FF2B5EF4-FFF2-40B4-BE49-F238E27FC236}">
+                <a16:creationId xmlns:a16="http://schemas.microsoft.com/office/drawing/2014/main" id="{5C85A9E5-FFCD-4D32-534E-D6A4A93763CC}"/>
+              </a:ext>
+            </a:extLst>
+          </p:cNvPr>
+          <p:cNvSpPr/>
+          <p:nvPr/>
+        </p:nvSpPr>
+        <p:spPr>
+          <a:xfrm>
+            <a:off x="5064463" y="3288446"/>
+            <a:ext cx="1451428" cy="244474"/>
+          </a:xfrm>
+          <a:prstGeom prst="wedgeRectCallout">
+            <a:avLst>
+              <a:gd name="adj1" fmla="val -53138"/>
+              <a:gd name="adj2" fmla="val 145179"/>
+            </a:avLst>
+          </a:prstGeom>
+        </p:spPr>
+        <p:style>
+          <a:lnRef idx="2">
+            <a:schemeClr val="accent2">
+              <a:shade val="50000"/>
+            </a:schemeClr>
+          </a:lnRef>
+          <a:fillRef idx="1">
+            <a:schemeClr val="accent2"/>
+          </a:fillRef>
+          <a:effectRef idx="0">
+            <a:schemeClr val="accent2"/>
+          </a:effectRef>
+          <a:fontRef idx="minor">
+            <a:schemeClr val="lt1"/>
+          </a:fontRef>
+        </p:style>
+        <p:txBody>
+          <a:bodyPr rtlCol="0" anchor="ctr"/>
+          <a:lstStyle/>
+          <a:p>
+            <a:pPr algn="ctr"/>
+            <a:r>
+              <a:rPr lang="en-US" sz="1400" dirty="0"/>
+              <a:t>redundant path</a:t>
+            </a:r>
+          </a:p>
+        </p:txBody>
+      </p:sp>
+      <p:sp>
+        <p:nvSpPr>
+          <p:cNvPr id="22" name="Speech Bubble: Rectangle 21">
+            <a:extLst>
+              <a:ext uri="{FF2B5EF4-FFF2-40B4-BE49-F238E27FC236}">
+                <a16:creationId xmlns:a16="http://schemas.microsoft.com/office/drawing/2014/main" id="{19E35196-5EC5-DBD4-0AF0-1426111055B9}"/>
+              </a:ext>
+            </a:extLst>
+          </p:cNvPr>
+          <p:cNvSpPr/>
+          <p:nvPr/>
+        </p:nvSpPr>
+        <p:spPr>
+          <a:xfrm>
+            <a:off x="227581" y="5167310"/>
+            <a:ext cx="915420" cy="487363"/>
+          </a:xfrm>
+          <a:prstGeom prst="wedgeRectCallout">
+            <a:avLst>
+              <a:gd name="adj1" fmla="val 57343"/>
+              <a:gd name="adj2" fmla="val 96673"/>
+            </a:avLst>
+          </a:prstGeom>
+        </p:spPr>
+        <p:style>
+          <a:lnRef idx="2">
+            <a:schemeClr val="accent6">
+              <a:shade val="50000"/>
+            </a:schemeClr>
+          </a:lnRef>
+          <a:fillRef idx="1">
+            <a:schemeClr val="accent6"/>
+          </a:fillRef>
+          <a:effectRef idx="0">
+            <a:schemeClr val="accent6"/>
+          </a:effectRef>
+          <a:fontRef idx="minor">
+            <a:schemeClr val="lt1"/>
+          </a:fontRef>
+        </p:style>
+        <p:txBody>
+          <a:bodyPr rtlCol="0" anchor="ctr"/>
+          <a:lstStyle/>
+          <a:p>
+            <a:pPr algn="ctr"/>
+            <a:r>
+              <a:rPr lang="en-US" sz="1400" dirty="0"/>
+              <a:t>Terminal &amp; utility</a:t>
             </a:r>
           </a:p>
         </p:txBody>
@@ -31201,7 +31723,7 @@
         <p:spPr>
           <a:xfrm>
             <a:off x="822960" y="325550"/>
-            <a:ext cx="7543800" cy="3574778"/>
+            <a:ext cx="7543800" cy="2951050"/>
           </a:xfrm>
           <a:effectLst>
             <a:outerShdw blurRad="50800" dist="38100" dir="2700000" algn="tl" rotWithShape="0">
@@ -32010,7 +32532,7 @@
         <p:spPr>
           <a:xfrm>
             <a:off x="628650" y="365126"/>
-            <a:ext cx="7219950" cy="1325563"/>
+            <a:ext cx="7886700" cy="1325563"/>
           </a:xfrm>
         </p:spPr>
         <p:txBody>
@@ -32019,13 +32541,13 @@
           <a:p>
             <a:r>
               <a:rPr lang="en-US" dirty="0"/>
-              <a:t>Nondeterministic Actions</a:t>
-            </a:r>
-          </a:p>
-        </p:txBody>
-      </p:sp>
-      <mc:AlternateContent xmlns:mc="http://schemas.openxmlformats.org/markup-compatibility/2006" xmlns:a14="http://schemas.microsoft.com/office/drawing/2010/main">
-        <mc:Choice Requires="a14">
+              <a:t>Recall: Nondeterministic Actions</a:t>
+            </a:r>
+          </a:p>
+        </p:txBody>
+      </p:sp>
+      <mc:AlternateContent xmlns:mc="http://schemas.openxmlformats.org/markup-compatibility/2006">
+        <mc:Choice xmlns:a14="http://schemas.microsoft.com/office/drawing/2010/main" Requires="a14">
           <p:sp>
             <p:nvSpPr>
               <p:cNvPr id="5" name="Content Placeholder 4">
@@ -32357,7 +32879,7 @@
             </p:txBody>
           </p:sp>
         </mc:Choice>
-        <mc:Fallback xmlns="">
+        <mc:Fallback>
           <p:sp>
             <p:nvSpPr>
               <p:cNvPr id="5" name="Content Placeholder 4">

--- a/slides/05_games.pptx
+++ b/slides/05_games.pptx
@@ -5,7 +5,7 @@
     <p:sldMasterId id="2147483708" r:id="rId1"/>
   </p:sldMasterIdLst>
   <p:notesMasterIdLst>
-    <p:notesMasterId r:id="rId44"/>
+    <p:notesMasterId r:id="rId43"/>
   </p:notesMasterIdLst>
   <p:sldIdLst>
     <p:sldId id="256" r:id="rId2"/>
@@ -48,8 +48,7 @@
     <p:sldId id="286" r:id="rId39"/>
     <p:sldId id="287" r:id="rId40"/>
     <p:sldId id="300" r:id="rId41"/>
-    <p:sldId id="305" r:id="rId42"/>
-    <p:sldId id="288" r:id="rId43"/>
+    <p:sldId id="288" r:id="rId42"/>
   </p:sldIdLst>
   <p:sldSz cx="9144000" cy="6858000" type="screen4x3"/>
   <p:notesSz cx="7315200" cy="9601200"/>
@@ -1131,8 +1130,8 @@
       </dsp:nvSpPr>
       <dsp:spPr>
         <a:xfrm rot="21300000">
-          <a:off x="19057" y="1378257"/>
-          <a:ext cx="6172184" cy="706808"/>
+          <a:off x="953950" y="941654"/>
+          <a:ext cx="5407299" cy="473077"/>
         </a:xfrm>
         <a:prstGeom prst="mathMinus">
           <a:avLst/>
@@ -1180,8 +1179,8 @@
       </dsp:nvSpPr>
       <dsp:spPr>
         <a:xfrm>
-          <a:off x="745236" y="173166"/>
-          <a:ext cx="1863090" cy="1385329"/>
+          <a:off x="877824" y="117819"/>
+          <a:ext cx="2194560" cy="942554"/>
         </a:xfrm>
         <a:prstGeom prst="downArrow">
           <a:avLst/>
@@ -1230,8 +1229,8 @@
       </dsp:nvSpPr>
       <dsp:spPr>
         <a:xfrm>
-          <a:off x="3291459" y="0"/>
-          <a:ext cx="1987296" cy="1454595"/>
+          <a:off x="3877055" y="0"/>
+          <a:ext cx="2340864" cy="989682"/>
         </a:xfrm>
         <a:prstGeom prst="rect">
           <a:avLst/>
@@ -1255,12 +1254,12 @@
         <a:fontRef idx="minor"/>
       </dsp:style>
       <dsp:txBody>
-        <a:bodyPr spcFirstLastPara="0" vert="horz" wrap="square" lIns="120904" tIns="120904" rIns="120904" bIns="120904" numCol="1" spcCol="1270" anchor="ctr" anchorCtr="0">
+        <a:bodyPr spcFirstLastPara="0" vert="horz" wrap="square" lIns="99568" tIns="99568" rIns="99568" bIns="99568" numCol="1" spcCol="1270" anchor="ctr" anchorCtr="0">
           <a:noAutofit/>
         </a:bodyPr>
         <a:lstStyle/>
         <a:p>
-          <a:pPr marL="0" lvl="0" indent="0" algn="ctr" defTabSz="755650">
+          <a:pPr marL="0" lvl="0" indent="0" algn="ctr" defTabSz="622300">
             <a:lnSpc>
               <a:spcPct val="90000"/>
             </a:lnSpc>
@@ -1274,18 +1273,18 @@
             <a:buNone/>
           </a:pPr>
           <a:r>
-            <a:rPr lang="en-US" sz="1700" b="1" kern="1200" dirty="0"/>
+            <a:rPr lang="en-US" sz="1400" b="1" kern="1200" dirty="0"/>
             <a:t>Exploration</a:t>
           </a:r>
           <a:r>
-            <a:rPr lang="en-US" sz="1700" kern="1200" dirty="0"/>
+            <a:rPr lang="en-US" sz="1400" kern="1200" dirty="0"/>
             <a:t>: expand from states that currently have no or few playouts.</a:t>
           </a:r>
         </a:p>
       </dsp:txBody>
       <dsp:txXfrm>
-        <a:off x="3291459" y="0"/>
-        <a:ext cx="1987296" cy="1454595"/>
+        <a:off x="3877055" y="0"/>
+        <a:ext cx="2340864" cy="989682"/>
       </dsp:txXfrm>
     </dsp:sp>
     <dsp:sp modelId="{EC55A2F8-97C2-4D3B-ADF8-DBE6FB6A38DF}">
@@ -1295,8 +1294,8 @@
       </dsp:nvSpPr>
       <dsp:spPr>
         <a:xfrm>
-          <a:off x="3601974" y="1904827"/>
-          <a:ext cx="1863090" cy="1385329"/>
+          <a:off x="4242816" y="1296012"/>
+          <a:ext cx="2194560" cy="942554"/>
         </a:xfrm>
         <a:prstGeom prst="upArrow">
           <a:avLst/>
@@ -1345,8 +1344,8 @@
       </dsp:nvSpPr>
       <dsp:spPr>
         <a:xfrm>
-          <a:off x="931545" y="2008727"/>
-          <a:ext cx="1987296" cy="1454595"/>
+          <a:off x="1097280" y="1366703"/>
+          <a:ext cx="2340864" cy="989682"/>
         </a:xfrm>
         <a:prstGeom prst="rect">
           <a:avLst/>
@@ -1370,12 +1369,12 @@
         <a:fontRef idx="minor"/>
       </dsp:style>
       <dsp:txBody>
-        <a:bodyPr spcFirstLastPara="0" vert="horz" wrap="square" lIns="120904" tIns="120904" rIns="120904" bIns="120904" numCol="1" spcCol="1270" anchor="ctr" anchorCtr="0">
+        <a:bodyPr spcFirstLastPara="0" vert="horz" wrap="square" lIns="99568" tIns="99568" rIns="99568" bIns="99568" numCol="1" spcCol="1270" anchor="ctr" anchorCtr="0">
           <a:noAutofit/>
         </a:bodyPr>
         <a:lstStyle/>
         <a:p>
-          <a:pPr marL="0" lvl="0" indent="0" algn="ctr" defTabSz="755650">
+          <a:pPr marL="0" lvl="0" indent="0" algn="ctr" defTabSz="622300">
             <a:lnSpc>
               <a:spcPct val="90000"/>
             </a:lnSpc>
@@ -1389,18 +1388,18 @@
             <a:buNone/>
           </a:pPr>
           <a:r>
-            <a:rPr lang="en-US" sz="1700" b="1" kern="1200" dirty="0"/>
+            <a:rPr lang="en-US" sz="1400" b="1" kern="1200" dirty="0"/>
             <a:t>Exploitation</a:t>
           </a:r>
           <a:r>
-            <a:rPr lang="en-US" sz="1700" kern="1200" dirty="0"/>
+            <a:rPr lang="en-US" sz="1400" kern="1200" dirty="0"/>
             <a:t>: more playouts for states that have done well to get more accurate estimates.</a:t>
           </a:r>
         </a:p>
       </dsp:txBody>
       <dsp:txXfrm>
-        <a:off x="931545" y="2008727"/>
-        <a:ext cx="1987296" cy="1454595"/>
+        <a:off x="1097280" y="1366703"/>
+        <a:ext cx="2340864" cy="989682"/>
       </dsp:txXfrm>
     </dsp:sp>
   </dsp:spTree>
@@ -2772,7 +2771,7 @@
             <a:fld id="{46E2045A-045A-4BC7-A4D3-1395440B1C3D}" type="datetimeFigureOut">
               <a:rPr lang="en-US" smtClean="0"/>
               <a:pPr/>
-              <a:t>10/26/2022</a:t>
+              <a:t>10/31/2022</a:t>
             </a:fld>
             <a:endParaRPr lang="en-US"/>
           </a:p>
@@ -8896,8 +8895,8 @@
           </a:p>
         </p:txBody>
       </p:sp>
-      <mc:AlternateContent xmlns:mc="http://schemas.openxmlformats.org/markup-compatibility/2006">
-        <mc:Choice xmlns:a14="http://schemas.microsoft.com/office/drawing/2010/main" Requires="a14">
+      <mc:AlternateContent xmlns:mc="http://schemas.openxmlformats.org/markup-compatibility/2006" xmlns:a14="http://schemas.microsoft.com/office/drawing/2010/main">
+        <mc:Choice Requires="a14">
           <p:sp>
             <p:nvSpPr>
               <p:cNvPr id="5" name="Content Placeholder 4">
@@ -9521,7 +9520,7 @@
             </p:txBody>
           </p:sp>
         </mc:Choice>
-        <mc:Fallback>
+        <mc:Fallback xmlns="">
           <p:sp>
             <p:nvSpPr>
               <p:cNvPr id="5" name="Content Placeholder 4">
@@ -9851,136 +9850,6 @@
           </a:p>
         </p:txBody>
       </p:sp>
-      <p:cxnSp>
-        <p:nvCxnSpPr>
-          <p:cNvPr id="3" name="Straight Arrow Connector 2">
-            <a:extLst>
-              <a:ext uri="{FF2B5EF4-FFF2-40B4-BE49-F238E27FC236}">
-                <a16:creationId xmlns:a16="http://schemas.microsoft.com/office/drawing/2014/main" id="{824E5006-E9A0-AB2A-3485-48CBE6BDC800}"/>
-              </a:ext>
-            </a:extLst>
-          </p:cNvPr>
-          <p:cNvCxnSpPr/>
-          <p:nvPr/>
-        </p:nvCxnSpPr>
-        <p:spPr>
-          <a:xfrm flipV="1">
-            <a:off x="2286000" y="4648200"/>
-            <a:ext cx="0" cy="1066800"/>
-          </a:xfrm>
-          <a:prstGeom prst="straightConnector1">
-            <a:avLst/>
-          </a:prstGeom>
-          <a:ln w="38100">
-            <a:solidFill>
-              <a:srgbClr val="FF0000"/>
-            </a:solidFill>
-            <a:tailEnd type="triangle"/>
-          </a:ln>
-        </p:spPr>
-        <p:style>
-          <a:lnRef idx="1">
-            <a:schemeClr val="accent1"/>
-          </a:lnRef>
-          <a:fillRef idx="0">
-            <a:schemeClr val="accent1"/>
-          </a:fillRef>
-          <a:effectRef idx="0">
-            <a:schemeClr val="accent1"/>
-          </a:effectRef>
-          <a:fontRef idx="minor">
-            <a:schemeClr val="tx1"/>
-          </a:fontRef>
-        </p:style>
-      </p:cxnSp>
-      <p:cxnSp>
-        <p:nvCxnSpPr>
-          <p:cNvPr id="5" name="Straight Arrow Connector 4">
-            <a:extLst>
-              <a:ext uri="{FF2B5EF4-FFF2-40B4-BE49-F238E27FC236}">
-                <a16:creationId xmlns:a16="http://schemas.microsoft.com/office/drawing/2014/main" id="{DEA7A600-94A4-5988-CD96-8E6E9F4B35E7}"/>
-              </a:ext>
-            </a:extLst>
-          </p:cNvPr>
-          <p:cNvCxnSpPr>
-            <a:cxnSpLocks/>
-          </p:cNvCxnSpPr>
-          <p:nvPr/>
-        </p:nvCxnSpPr>
-        <p:spPr>
-          <a:xfrm flipH="1" flipV="1">
-            <a:off x="2362200" y="4648200"/>
-            <a:ext cx="533400" cy="1066800"/>
-          </a:xfrm>
-          <a:prstGeom prst="straightConnector1">
-            <a:avLst/>
-          </a:prstGeom>
-          <a:ln w="38100">
-            <a:solidFill>
-              <a:srgbClr val="FF0000"/>
-            </a:solidFill>
-            <a:tailEnd type="triangle"/>
-          </a:ln>
-        </p:spPr>
-        <p:style>
-          <a:lnRef idx="1">
-            <a:schemeClr val="accent1"/>
-          </a:lnRef>
-          <a:fillRef idx="0">
-            <a:schemeClr val="accent1"/>
-          </a:fillRef>
-          <a:effectRef idx="0">
-            <a:schemeClr val="accent1"/>
-          </a:effectRef>
-          <a:fontRef idx="minor">
-            <a:schemeClr val="tx1"/>
-          </a:fontRef>
-        </p:style>
-      </p:cxnSp>
-      <p:cxnSp>
-        <p:nvCxnSpPr>
-          <p:cNvPr id="7" name="Straight Arrow Connector 6">
-            <a:extLst>
-              <a:ext uri="{FF2B5EF4-FFF2-40B4-BE49-F238E27FC236}">
-                <a16:creationId xmlns:a16="http://schemas.microsoft.com/office/drawing/2014/main" id="{76D3B910-985A-F12D-15D2-756F454C3AFE}"/>
-              </a:ext>
-            </a:extLst>
-          </p:cNvPr>
-          <p:cNvCxnSpPr>
-            <a:cxnSpLocks/>
-          </p:cNvCxnSpPr>
-          <p:nvPr/>
-        </p:nvCxnSpPr>
-        <p:spPr>
-          <a:xfrm flipH="1" flipV="1">
-            <a:off x="2428875" y="4648200"/>
-            <a:ext cx="1152525" cy="1066800"/>
-          </a:xfrm>
-          <a:prstGeom prst="straightConnector1">
-            <a:avLst/>
-          </a:prstGeom>
-          <a:ln w="38100">
-            <a:solidFill>
-              <a:srgbClr val="FF0000"/>
-            </a:solidFill>
-            <a:tailEnd type="triangle"/>
-          </a:ln>
-        </p:spPr>
-        <p:style>
-          <a:lnRef idx="1">
-            <a:schemeClr val="accent1"/>
-          </a:lnRef>
-          <a:fillRef idx="0">
-            <a:schemeClr val="accent1"/>
-          </a:fillRef>
-          <a:effectRef idx="0">
-            <a:schemeClr val="accent1"/>
-          </a:effectRef>
-          <a:fontRef idx="minor">
-            <a:schemeClr val="tx1"/>
-          </a:fontRef>
-        </p:style>
-      </p:cxnSp>
       <p:sp>
         <p:nvSpPr>
           <p:cNvPr id="8" name="TextBox 7">
@@ -9995,8 +9864,8 @@
         </p:nvSpPr>
         <p:spPr>
           <a:xfrm>
-            <a:off x="1977461" y="4371519"/>
-            <a:ext cx="542924" cy="369332"/>
+            <a:off x="2047876" y="4366112"/>
+            <a:ext cx="542924" cy="461665"/>
           </a:xfrm>
           <a:prstGeom prst="rect">
             <a:avLst/>
@@ -10011,53 +9880,22 @@
           <a:p>
             <a:pPr algn="ctr"/>
             <a:r>
-              <a:rPr lang="en-US" b="1" dirty="0">
+              <a:rPr lang="en-US" sz="2400" b="1" dirty="0">
                 <a:solidFill>
                   <a:srgbClr val="FF0000"/>
                 </a:solidFill>
               </a:rPr>
-              <a:t>-1 </a:t>
-            </a:r>
-            <a:endParaRPr lang="en-US" dirty="0"/>
-          </a:p>
-        </p:txBody>
-      </p:sp>
-      <p:sp>
-        <p:nvSpPr>
-          <p:cNvPr id="11" name="TextBox 10">
-            <a:extLst>
-              <a:ext uri="{FF2B5EF4-FFF2-40B4-BE49-F238E27FC236}">
-                <a16:creationId xmlns:a16="http://schemas.microsoft.com/office/drawing/2014/main" id="{975D4BE9-8E2D-316D-6DDD-849E3FB8858D}"/>
-              </a:ext>
-            </a:extLst>
-          </p:cNvPr>
-          <p:cNvSpPr txBox="1"/>
-          <p:nvPr/>
-        </p:nvSpPr>
-        <p:spPr>
-          <a:xfrm>
-            <a:off x="1579977" y="5043259"/>
-            <a:ext cx="551754" cy="369332"/>
-          </a:xfrm>
-          <a:prstGeom prst="rect">
-            <a:avLst/>
-          </a:prstGeom>
-          <a:noFill/>
-        </p:spPr>
-        <p:txBody>
-          <a:bodyPr wrap="none" rtlCol="0">
-            <a:spAutoFit/>
-          </a:bodyPr>
-          <a:lstStyle/>
-          <a:p>
-            <a:r>
-              <a:rPr lang="en-US" b="1" dirty="0">
+              <a:t>0</a:t>
+            </a:r>
+            <a:r>
+              <a:rPr lang="en-US" sz="1600" b="1" dirty="0">
                 <a:solidFill>
                   <a:srgbClr val="FF0000"/>
                 </a:solidFill>
               </a:rPr>
-              <a:t>min</a:t>
-            </a:r>
+              <a:t> </a:t>
+            </a:r>
+            <a:endParaRPr lang="en-US" sz="1600" dirty="0"/>
           </a:p>
         </p:txBody>
       </p:sp>
@@ -10075,8 +9913,8 @@
         </p:nvSpPr>
         <p:spPr>
           <a:xfrm>
-            <a:off x="990600" y="4371519"/>
-            <a:ext cx="910662" cy="429081"/>
+            <a:off x="990600" y="3429000"/>
+            <a:ext cx="1626412" cy="640560"/>
           </a:xfrm>
           <a:prstGeom prst="rect">
             <a:avLst/>
@@ -10110,6 +9948,209 @@
           <a:p>
             <a:pPr algn="ctr"/>
             <a:endParaRPr lang="en-US"/>
+          </a:p>
+        </p:txBody>
+      </p:sp>
+      <p:sp>
+        <p:nvSpPr>
+          <p:cNvPr id="9" name="TextBox 8">
+            <a:extLst>
+              <a:ext uri="{FF2B5EF4-FFF2-40B4-BE49-F238E27FC236}">
+                <a16:creationId xmlns:a16="http://schemas.microsoft.com/office/drawing/2014/main" id="{0249031B-BE6C-0732-9EB7-721B873C81A7}"/>
+              </a:ext>
+            </a:extLst>
+          </p:cNvPr>
+          <p:cNvSpPr txBox="1"/>
+          <p:nvPr/>
+        </p:nvSpPr>
+        <p:spPr>
+          <a:xfrm>
+            <a:off x="2662242" y="4375019"/>
+            <a:ext cx="542924" cy="461665"/>
+          </a:xfrm>
+          <a:prstGeom prst="rect">
+            <a:avLst/>
+          </a:prstGeom>
+          <a:noFill/>
+        </p:spPr>
+        <p:txBody>
+          <a:bodyPr wrap="square">
+            <a:spAutoFit/>
+          </a:bodyPr>
+          <a:lstStyle/>
+          <a:p>
+            <a:pPr algn="ctr"/>
+            <a:r>
+              <a:rPr lang="en-US" sz="2400" b="1" dirty="0">
+                <a:solidFill>
+                  <a:srgbClr val="FF0000"/>
+                </a:solidFill>
+              </a:rPr>
+              <a:t>1</a:t>
+            </a:r>
+            <a:r>
+              <a:rPr lang="en-US" sz="1600" b="1" dirty="0">
+                <a:solidFill>
+                  <a:srgbClr val="FF0000"/>
+                </a:solidFill>
+              </a:rPr>
+              <a:t> </a:t>
+            </a:r>
+            <a:endParaRPr lang="en-US" sz="1600" dirty="0"/>
+          </a:p>
+        </p:txBody>
+      </p:sp>
+      <p:sp>
+        <p:nvSpPr>
+          <p:cNvPr id="10" name="TextBox 9">
+            <a:extLst>
+              <a:ext uri="{FF2B5EF4-FFF2-40B4-BE49-F238E27FC236}">
+                <a16:creationId xmlns:a16="http://schemas.microsoft.com/office/drawing/2014/main" id="{006C8CAE-CA10-54E6-A856-B376D5C70D22}"/>
+              </a:ext>
+            </a:extLst>
+          </p:cNvPr>
+          <p:cNvSpPr txBox="1"/>
+          <p:nvPr/>
+        </p:nvSpPr>
+        <p:spPr>
+          <a:xfrm>
+            <a:off x="3462329" y="4361591"/>
+            <a:ext cx="542924" cy="461665"/>
+          </a:xfrm>
+          <a:prstGeom prst="rect">
+            <a:avLst/>
+          </a:prstGeom>
+          <a:noFill/>
+        </p:spPr>
+        <p:txBody>
+          <a:bodyPr wrap="square">
+            <a:spAutoFit/>
+          </a:bodyPr>
+          <a:lstStyle/>
+          <a:p>
+            <a:pPr algn="ctr"/>
+            <a:r>
+              <a:rPr lang="en-US" sz="2400" b="1" dirty="0">
+                <a:solidFill>
+                  <a:srgbClr val="FF0000"/>
+                </a:solidFill>
+              </a:rPr>
+              <a:t>1</a:t>
+            </a:r>
+            <a:r>
+              <a:rPr lang="en-US" sz="1600" b="1" dirty="0">
+                <a:solidFill>
+                  <a:srgbClr val="FF0000"/>
+                </a:solidFill>
+              </a:rPr>
+              <a:t> </a:t>
+            </a:r>
+            <a:endParaRPr lang="en-US" sz="1600" dirty="0"/>
+          </a:p>
+        </p:txBody>
+      </p:sp>
+      <p:sp>
+        <p:nvSpPr>
+          <p:cNvPr id="12" name="TextBox 11">
+            <a:extLst>
+              <a:ext uri="{FF2B5EF4-FFF2-40B4-BE49-F238E27FC236}">
+                <a16:creationId xmlns:a16="http://schemas.microsoft.com/office/drawing/2014/main" id="{4260B08C-0FFE-34C6-B19F-205E5B2C1C82}"/>
+              </a:ext>
+            </a:extLst>
+          </p:cNvPr>
+          <p:cNvSpPr txBox="1"/>
+          <p:nvPr/>
+        </p:nvSpPr>
+        <p:spPr>
+          <a:xfrm>
+            <a:off x="1966909" y="3537107"/>
+            <a:ext cx="542924" cy="461665"/>
+          </a:xfrm>
+          <a:prstGeom prst="rect">
+            <a:avLst/>
+          </a:prstGeom>
+          <a:noFill/>
+        </p:spPr>
+        <p:txBody>
+          <a:bodyPr wrap="square">
+            <a:spAutoFit/>
+          </a:bodyPr>
+          <a:lstStyle/>
+          <a:p>
+            <a:pPr algn="ctr"/>
+            <a:r>
+              <a:rPr lang="en-US" sz="2400" b="1" dirty="0">
+                <a:solidFill>
+                  <a:srgbClr val="FF0000"/>
+                </a:solidFill>
+              </a:rPr>
+              <a:t>?</a:t>
+            </a:r>
+            <a:r>
+              <a:rPr lang="en-US" sz="1600" b="1" dirty="0">
+                <a:solidFill>
+                  <a:srgbClr val="FF0000"/>
+                </a:solidFill>
+              </a:rPr>
+              <a:t> </a:t>
+            </a:r>
+            <a:endParaRPr lang="en-US" sz="1600" dirty="0"/>
+          </a:p>
+        </p:txBody>
+      </p:sp>
+      <p:sp>
+        <p:nvSpPr>
+          <p:cNvPr id="19" name="Speech Bubble: Rectangle with Corners Rounded 18">
+            <a:extLst>
+              <a:ext uri="{FF2B5EF4-FFF2-40B4-BE49-F238E27FC236}">
+                <a16:creationId xmlns:a16="http://schemas.microsoft.com/office/drawing/2014/main" id="{37611F62-9BD9-5C1C-8981-106668F61821}"/>
+              </a:ext>
+            </a:extLst>
+          </p:cNvPr>
+          <p:cNvSpPr/>
+          <p:nvPr/>
+        </p:nvSpPr>
+        <p:spPr>
+          <a:xfrm>
+            <a:off x="4648200" y="3429000"/>
+            <a:ext cx="1726390" cy="807240"/>
+          </a:xfrm>
+          <a:prstGeom prst="wedgeRoundRectCallout">
+            <a:avLst>
+              <a:gd name="adj1" fmla="val -178401"/>
+              <a:gd name="adj2" fmla="val -5465"/>
+              <a:gd name="adj3" fmla="val 16667"/>
+            </a:avLst>
+          </a:prstGeom>
+        </p:spPr>
+        <p:style>
+          <a:lnRef idx="2">
+            <a:schemeClr val="accent6">
+              <a:shade val="50000"/>
+            </a:schemeClr>
+          </a:lnRef>
+          <a:fillRef idx="1">
+            <a:schemeClr val="accent6"/>
+          </a:fillRef>
+          <a:effectRef idx="0">
+            <a:schemeClr val="accent6"/>
+          </a:effectRef>
+          <a:fontRef idx="minor">
+            <a:schemeClr val="lt1"/>
+          </a:fontRef>
+        </p:style>
+        <p:txBody>
+          <a:bodyPr rtlCol="0" anchor="ctr"/>
+          <a:lstStyle/>
+          <a:p>
+            <a:r>
+              <a:rPr lang="en-US" b="1" dirty="0">
+                <a:solidFill>
+                  <a:schemeClr val="bg1"/>
+                </a:solidFill>
+              </a:rPr>
+              <a:t>What is Max’s optimal move?</a:t>
+            </a:r>
           </a:p>
         </p:txBody>
       </p:sp>
@@ -10372,10 +10413,10 @@
       </p:cxnSp>
       <p:sp>
         <p:nvSpPr>
-          <p:cNvPr id="17" name="TextBox 16">
-            <a:extLst>
-              <a:ext uri="{FF2B5EF4-FFF2-40B4-BE49-F238E27FC236}">
-                <a16:creationId xmlns:a16="http://schemas.microsoft.com/office/drawing/2014/main" id="{859BBD4E-5181-40B7-983C-577CD944142A}"/>
+          <p:cNvPr id="18" name="TextBox 17">
+            <a:extLst>
+              <a:ext uri="{FF2B5EF4-FFF2-40B4-BE49-F238E27FC236}">
+                <a16:creationId xmlns:a16="http://schemas.microsoft.com/office/drawing/2014/main" id="{7693144F-D9DD-4B81-BBD5-4D7C7337FDF9}"/>
               </a:ext>
             </a:extLst>
           </p:cNvPr>
@@ -10384,7 +10425,7 @@
         </p:nvSpPr>
         <p:spPr>
           <a:xfrm>
-            <a:off x="1977461" y="4371519"/>
+            <a:off x="2645734" y="4374127"/>
             <a:ext cx="542924" cy="369332"/>
           </a:xfrm>
           <a:prstGeom prst="rect">
@@ -10405,7 +10446,7 @@
                   <a:srgbClr val="FF0000"/>
                 </a:solidFill>
               </a:rPr>
-              <a:t>-1 </a:t>
+              <a:t>1</a:t>
             </a:r>
             <a:endParaRPr lang="en-US" dirty="0"/>
           </a:p>
@@ -10413,10 +10454,10 @@
       </p:sp>
       <p:sp>
         <p:nvSpPr>
-          <p:cNvPr id="18" name="TextBox 17">
-            <a:extLst>
-              <a:ext uri="{FF2B5EF4-FFF2-40B4-BE49-F238E27FC236}">
-                <a16:creationId xmlns:a16="http://schemas.microsoft.com/office/drawing/2014/main" id="{7693144F-D9DD-4B81-BBD5-4D7C7337FDF9}"/>
+          <p:cNvPr id="19" name="TextBox 18">
+            <a:extLst>
+              <a:ext uri="{FF2B5EF4-FFF2-40B4-BE49-F238E27FC236}">
+                <a16:creationId xmlns:a16="http://schemas.microsoft.com/office/drawing/2014/main" id="{5AE735A0-FF2F-45F0-BFFD-DA2B683D5B15}"/>
               </a:ext>
             </a:extLst>
           </p:cNvPr>
@@ -10425,7 +10466,7 @@
         </p:nvSpPr>
         <p:spPr>
           <a:xfrm>
-            <a:off x="2645734" y="4374127"/>
+            <a:off x="3245645" y="4375025"/>
             <a:ext cx="542924" cy="369332"/>
           </a:xfrm>
           <a:prstGeom prst="rect">
@@ -10446,7 +10487,7 @@
                   <a:srgbClr val="FF0000"/>
                 </a:solidFill>
               </a:rPr>
-              <a:t>MV</a:t>
+              <a:t>1</a:t>
             </a:r>
             <a:endParaRPr lang="en-US" dirty="0"/>
           </a:p>
@@ -10454,10 +10495,10 @@
       </p:sp>
       <p:sp>
         <p:nvSpPr>
-          <p:cNvPr id="19" name="TextBox 18">
-            <a:extLst>
-              <a:ext uri="{FF2B5EF4-FFF2-40B4-BE49-F238E27FC236}">
-                <a16:creationId xmlns:a16="http://schemas.microsoft.com/office/drawing/2014/main" id="{5AE735A0-FF2F-45F0-BFFD-DA2B683D5B15}"/>
+          <p:cNvPr id="20" name="TextBox 19">
+            <a:extLst>
+              <a:ext uri="{FF2B5EF4-FFF2-40B4-BE49-F238E27FC236}">
+                <a16:creationId xmlns:a16="http://schemas.microsoft.com/office/drawing/2014/main" id="{EBB1A0A8-C82E-466F-AEC2-85F567829D2D}"/>
               </a:ext>
             </a:extLst>
           </p:cNvPr>
@@ -10466,7 +10507,7 @@
         </p:nvSpPr>
         <p:spPr>
           <a:xfrm>
-            <a:off x="3245645" y="4375025"/>
+            <a:off x="2014538" y="3556907"/>
             <a:ext cx="542924" cy="369332"/>
           </a:xfrm>
           <a:prstGeom prst="rect">
@@ -10487,48 +10528,7 @@
                   <a:srgbClr val="FF0000"/>
                 </a:solidFill>
               </a:rPr>
-              <a:t>MV</a:t>
-            </a:r>
-            <a:endParaRPr lang="en-US" dirty="0"/>
-          </a:p>
-        </p:txBody>
-      </p:sp>
-      <p:sp>
-        <p:nvSpPr>
-          <p:cNvPr id="20" name="TextBox 19">
-            <a:extLst>
-              <a:ext uri="{FF2B5EF4-FFF2-40B4-BE49-F238E27FC236}">
-                <a16:creationId xmlns:a16="http://schemas.microsoft.com/office/drawing/2014/main" id="{EBB1A0A8-C82E-466F-AEC2-85F567829D2D}"/>
-              </a:ext>
-            </a:extLst>
-          </p:cNvPr>
-          <p:cNvSpPr txBox="1"/>
-          <p:nvPr/>
-        </p:nvSpPr>
-        <p:spPr>
-          <a:xfrm>
-            <a:off x="2014538" y="3556907"/>
-            <a:ext cx="542924" cy="369332"/>
-          </a:xfrm>
-          <a:prstGeom prst="rect">
-            <a:avLst/>
-          </a:prstGeom>
-          <a:noFill/>
-        </p:spPr>
-        <p:txBody>
-          <a:bodyPr wrap="square">
-            <a:spAutoFit/>
-          </a:bodyPr>
-          <a:lstStyle/>
-          <a:p>
-            <a:pPr algn="ctr"/>
-            <a:r>
-              <a:rPr lang="en-US" b="1" dirty="0">
-                <a:solidFill>
-                  <a:srgbClr val="FF0000"/>
-                </a:solidFill>
-              </a:rPr>
-              <a:t>MV</a:t>
+              <a:t>1</a:t>
             </a:r>
             <a:endParaRPr lang="en-US" dirty="0"/>
           </a:p>
@@ -10545,7 +10545,6 @@
           </p:cNvPr>
           <p:cNvCxnSpPr>
             <a:cxnSpLocks/>
-            <a:stCxn id="17" idx="0"/>
           </p:cNvCxnSpPr>
           <p:nvPr/>
         </p:nvCxnSpPr>
@@ -11665,7 +11664,7 @@
         <p:spPr>
           <a:xfrm>
             <a:off x="4810983" y="3632855"/>
-            <a:ext cx="3258571" cy="2308324"/>
+            <a:ext cx="3258571" cy="2031325"/>
           </a:xfrm>
           <a:prstGeom prst="rect">
             <a:avLst/>
@@ -11700,19 +11699,81 @@
             <a:endParaRPr lang="en-US" dirty="0"/>
           </a:p>
           <a:p>
+            <a:pPr marL="285750" indent="-285750">
+              <a:buFont typeface="Arial" panose="020B0604020202020204" pitchFamily="34" charset="0"/>
+              <a:buChar char="•"/>
+            </a:pPr>
+            <a:r>
+              <a:rPr lang="en-US" b="1" dirty="0"/>
+              <a:t>Max</a:t>
+            </a:r>
             <a:r>
               <a:rPr lang="en-US" dirty="0"/>
-              <a:t>Max always picks the action that has the largest value.</a:t>
-            </a:r>
-          </a:p>
-          <a:p>
-            <a:endParaRPr lang="en-US" dirty="0"/>
-          </a:p>
-          <a:p>
+              <a:t> always picks the action that has the largest value.</a:t>
+            </a:r>
+          </a:p>
+          <a:p>
+            <a:pPr marL="285750" indent="-285750">
+              <a:buFont typeface="Arial" panose="020B0604020202020204" pitchFamily="34" charset="0"/>
+              <a:buChar char="•"/>
+            </a:pPr>
+            <a:r>
+              <a:rPr lang="en-US" b="1" dirty="0"/>
+              <a:t>Min</a:t>
+            </a:r>
             <a:r>
               <a:rPr lang="en-US" dirty="0"/>
-              <a:t>Min always picks the action that has the smallest value.</a:t>
-            </a:r>
+              <a:t> always picks the action that has the smallest value.</a:t>
+            </a:r>
+          </a:p>
+        </p:txBody>
+      </p:sp>
+      <p:sp>
+        <p:nvSpPr>
+          <p:cNvPr id="5" name="TextBox 4">
+            <a:extLst>
+              <a:ext uri="{FF2B5EF4-FFF2-40B4-BE49-F238E27FC236}">
+                <a16:creationId xmlns:a16="http://schemas.microsoft.com/office/drawing/2014/main" id="{0D34C3C6-3213-96D8-D585-18479E65DA0D}"/>
+              </a:ext>
+            </a:extLst>
+          </p:cNvPr>
+          <p:cNvSpPr txBox="1"/>
+          <p:nvPr/>
+        </p:nvSpPr>
+        <p:spPr>
+          <a:xfrm>
+            <a:off x="2032636" y="4307272"/>
+            <a:ext cx="542924" cy="461665"/>
+          </a:xfrm>
+          <a:prstGeom prst="rect">
+            <a:avLst/>
+          </a:prstGeom>
+          <a:noFill/>
+        </p:spPr>
+        <p:txBody>
+          <a:bodyPr wrap="square">
+            <a:spAutoFit/>
+          </a:bodyPr>
+          <a:lstStyle/>
+          <a:p>
+            <a:pPr algn="ctr"/>
+            <a:r>
+              <a:rPr lang="en-US" sz="2400" b="1" dirty="0">
+                <a:solidFill>
+                  <a:srgbClr val="FF0000"/>
+                </a:solidFill>
+              </a:rPr>
+              <a:t>0</a:t>
+            </a:r>
+            <a:r>
+              <a:rPr lang="en-US" sz="1600" b="1" dirty="0">
+                <a:solidFill>
+                  <a:srgbClr val="FF0000"/>
+                </a:solidFill>
+              </a:rPr>
+              <a:t> </a:t>
+            </a:r>
+            <a:endParaRPr lang="en-US" sz="1600" dirty="0"/>
           </a:p>
         </p:txBody>
       </p:sp>
@@ -13158,8 +13219,8 @@
           </a:p>
         </p:txBody>
       </p:sp>
-      <mc:AlternateContent xmlns:mc="http://schemas.openxmlformats.org/markup-compatibility/2006">
-        <mc:Choice xmlns:a14="http://schemas.microsoft.com/office/drawing/2010/main" Requires="a14">
+      <mc:AlternateContent xmlns:mc="http://schemas.openxmlformats.org/markup-compatibility/2006" xmlns:a14="http://schemas.microsoft.com/office/drawing/2010/main">
+        <mc:Choice Requires="a14">
           <p:sp>
             <p:nvSpPr>
               <p:cNvPr id="3" name="Content Placeholder 2">
@@ -13583,7 +13644,7 @@
             </p:txBody>
           </p:sp>
         </mc:Choice>
-        <mc:Fallback>
+        <mc:Fallback xmlns="">
           <p:sp>
             <p:nvSpPr>
               <p:cNvPr id="3" name="Content Placeholder 2">
@@ -15581,8 +15642,8 @@
           </p:sp>
         </mc:Fallback>
       </mc:AlternateContent>
-      <mc:AlternateContent xmlns:mc="http://schemas.openxmlformats.org/markup-compatibility/2006" xmlns:a14="http://schemas.microsoft.com/office/drawing/2010/main">
-        <mc:Choice Requires="a14">
+      <mc:AlternateContent xmlns:mc="http://schemas.openxmlformats.org/markup-compatibility/2006">
+        <mc:Choice xmlns:a14="http://schemas.microsoft.com/office/drawing/2010/main" Requires="a14">
           <p:sp>
             <p:nvSpPr>
               <p:cNvPr id="56" name="TextBox 55">
@@ -15619,7 +15680,7 @@
                     </m:oMathParaPr>
                     <m:oMath xmlns:m="http://schemas.openxmlformats.org/officeDocument/2006/math">
                       <m:r>
-                        <a:rPr lang="en-US" sz="1200" i="1" dirty="0" smtClean="0">
+                        <a:rPr lang="en-US" sz="1200" b="0" i="1" dirty="0" smtClean="0">
                           <a:solidFill>
                             <a:srgbClr val="FF0000"/>
                           </a:solidFill>
@@ -15648,7 +15709,7 @@
             </p:txBody>
           </p:sp>
         </mc:Choice>
-        <mc:Fallback xmlns="">
+        <mc:Fallback>
           <p:sp>
             <p:nvSpPr>
               <p:cNvPr id="56" name="TextBox 55">
@@ -15693,8 +15754,8 @@
           </p:sp>
         </mc:Fallback>
       </mc:AlternateContent>
-      <mc:AlternateContent xmlns:mc="http://schemas.openxmlformats.org/markup-compatibility/2006" xmlns:a14="http://schemas.microsoft.com/office/drawing/2010/main">
-        <mc:Choice Requires="a14">
+      <mc:AlternateContent xmlns:mc="http://schemas.openxmlformats.org/markup-compatibility/2006">
+        <mc:Choice xmlns:a14="http://schemas.microsoft.com/office/drawing/2010/main" Requires="a14">
           <p:sp>
             <p:nvSpPr>
               <p:cNvPr id="57" name="TextBox 56">
@@ -15731,7 +15792,7 @@
                     </m:oMathParaPr>
                     <m:oMath xmlns:m="http://schemas.openxmlformats.org/officeDocument/2006/math">
                       <m:r>
-                        <a:rPr lang="en-US" sz="1200" i="1" dirty="0" smtClean="0">
+                        <a:rPr lang="en-US" sz="1200" b="0" i="1" dirty="0" smtClean="0">
                           <a:solidFill>
                             <a:srgbClr val="FF0000"/>
                           </a:solidFill>
@@ -15760,7 +15821,7 @@
             </p:txBody>
           </p:sp>
         </mc:Choice>
-        <mc:Fallback xmlns="">
+        <mc:Fallback>
           <p:sp>
             <p:nvSpPr>
               <p:cNvPr id="57" name="TextBox 56">
@@ -15917,116 +15978,6 @@
           </p:sp>
         </mc:Fallback>
       </mc:AlternateContent>
-      <mc:AlternateContent xmlns:mc="http://schemas.openxmlformats.org/markup-compatibility/2006" xmlns:a14="http://schemas.microsoft.com/office/drawing/2010/main">
-        <mc:Choice Requires="a14">
-          <p:sp>
-            <p:nvSpPr>
-              <p:cNvPr id="60" name="TextBox 59">
-                <a:extLst>
-                  <a:ext uri="{FF2B5EF4-FFF2-40B4-BE49-F238E27FC236}">
-                    <a16:creationId xmlns:a16="http://schemas.microsoft.com/office/drawing/2014/main" id="{4E011972-2701-43D3-A2DB-9C23C3ADD87F}"/>
-                  </a:ext>
-                </a:extLst>
-              </p:cNvPr>
-              <p:cNvSpPr txBox="1"/>
-              <p:nvPr/>
-            </p:nvSpPr>
-            <p:spPr>
-              <a:xfrm>
-                <a:off x="4975899" y="3731246"/>
-                <a:ext cx="492412" cy="276999"/>
-              </a:xfrm>
-              <a:prstGeom prst="rect">
-                <a:avLst/>
-              </a:prstGeom>
-              <a:solidFill>
-                <a:schemeClr val="bg1"/>
-              </a:solidFill>
-            </p:spPr>
-            <p:txBody>
-              <a:bodyPr wrap="square" rtlCol="0">
-                <a:spAutoFit/>
-              </a:bodyPr>
-              <a:lstStyle/>
-              <a:p>
-                <a:pPr/>
-                <a14:m>
-                  <m:oMathPara xmlns:m="http://schemas.openxmlformats.org/officeDocument/2006/math">
-                    <m:oMathParaPr>
-                      <m:jc m:val="centerGroup"/>
-                    </m:oMathParaPr>
-                    <m:oMath xmlns:m="http://schemas.openxmlformats.org/officeDocument/2006/math">
-                      <m:r>
-                        <a:rPr lang="en-US" sz="1200" b="0" i="1" dirty="0" smtClean="0">
-                          <a:latin typeface="Cambria Math" panose="02040503050406030204" pitchFamily="18" charset="0"/>
-                        </a:rPr>
-                        <m:t>[ </m:t>
-                      </m:r>
-                      <m:r>
-                        <a:rPr lang="en-US" sz="1200" i="1" dirty="0" smtClean="0">
-                          <a:latin typeface="Cambria Math" panose="02040503050406030204" pitchFamily="18" charset="0"/>
-                        </a:rPr>
-                        <m:t>3</m:t>
-                      </m:r>
-                      <m:r>
-                        <a:rPr lang="en-US" sz="1200" b="0" i="1" dirty="0" smtClean="0">
-                          <a:latin typeface="Cambria Math" panose="02040503050406030204" pitchFamily="18" charset="0"/>
-                        </a:rPr>
-                        <m:t>, 2 ]</m:t>
-                      </m:r>
-                    </m:oMath>
-                  </m:oMathPara>
-                </a14:m>
-                <a:endParaRPr lang="en-US" sz="1200" dirty="0"/>
-              </a:p>
-            </p:txBody>
-          </p:sp>
-        </mc:Choice>
-        <mc:Fallback xmlns="">
-          <p:sp>
-            <p:nvSpPr>
-              <p:cNvPr id="60" name="TextBox 59">
-                <a:extLst>
-                  <a:ext uri="{FF2B5EF4-FFF2-40B4-BE49-F238E27FC236}">
-                    <a16:creationId xmlns:a16="http://schemas.microsoft.com/office/drawing/2014/main" id="{4E011972-2701-43D3-A2DB-9C23C3ADD87F}"/>
-                  </a:ext>
-                </a:extLst>
-              </p:cNvPr>
-              <p:cNvSpPr txBox="1">
-                <a:spLocks noRot="1" noChangeAspect="1" noMove="1" noResize="1" noEditPoints="1" noAdjustHandles="1" noChangeArrowheads="1" noChangeShapeType="1" noTextEdit="1"/>
-              </p:cNvSpPr>
-              <p:nvPr/>
-            </p:nvSpPr>
-            <p:spPr>
-              <a:xfrm>
-                <a:off x="4975899" y="3731246"/>
-                <a:ext cx="492412" cy="276999"/>
-              </a:xfrm>
-              <a:prstGeom prst="rect">
-                <a:avLst/>
-              </a:prstGeom>
-              <a:blipFill>
-                <a:blip r:embed="rId9"/>
-                <a:stretch>
-                  <a:fillRect r="-17284" b="-6522"/>
-                </a:stretch>
-              </a:blipFill>
-            </p:spPr>
-            <p:txBody>
-              <a:bodyPr/>
-              <a:lstStyle/>
-              <a:p>
-                <a:r>
-                  <a:rPr lang="en-US">
-                    <a:noFill/>
-                  </a:rPr>
-                  <a:t> </a:t>
-                </a:r>
-              </a:p>
-            </p:txBody>
-          </p:sp>
-        </mc:Fallback>
-      </mc:AlternateContent>
       <p:cxnSp>
         <p:nvCxnSpPr>
           <p:cNvPr id="20" name="Straight Arrow Connector 19">
@@ -16123,116 +16074,6 @@
           </a:p>
         </p:txBody>
       </p:sp>
-      <mc:AlternateContent xmlns:mc="http://schemas.openxmlformats.org/markup-compatibility/2006" xmlns:a14="http://schemas.microsoft.com/office/drawing/2010/main">
-        <mc:Choice Requires="a14">
-          <p:sp>
-            <p:nvSpPr>
-              <p:cNvPr id="63" name="TextBox 62">
-                <a:extLst>
-                  <a:ext uri="{FF2B5EF4-FFF2-40B4-BE49-F238E27FC236}">
-                    <a16:creationId xmlns:a16="http://schemas.microsoft.com/office/drawing/2014/main" id="{C3CBC97D-7CD6-4777-AC2A-3571C1220065}"/>
-                  </a:ext>
-                </a:extLst>
-              </p:cNvPr>
-              <p:cNvSpPr txBox="1"/>
-              <p:nvPr/>
-            </p:nvSpPr>
-            <p:spPr>
-              <a:xfrm>
-                <a:off x="2464996" y="5445096"/>
-                <a:ext cx="542982" cy="276999"/>
-              </a:xfrm>
-              <a:prstGeom prst="rect">
-                <a:avLst/>
-              </a:prstGeom>
-              <a:solidFill>
-                <a:schemeClr val="bg1"/>
-              </a:solidFill>
-            </p:spPr>
-            <p:txBody>
-              <a:bodyPr wrap="square" rtlCol="0">
-                <a:spAutoFit/>
-              </a:bodyPr>
-              <a:lstStyle/>
-              <a:p>
-                <a:pPr/>
-                <a14:m>
-                  <m:oMathPara xmlns:m="http://schemas.openxmlformats.org/officeDocument/2006/math">
-                    <m:oMathParaPr>
-                      <m:jc m:val="centerGroup"/>
-                    </m:oMathParaPr>
-                    <m:oMath xmlns:m="http://schemas.openxmlformats.org/officeDocument/2006/math">
-                      <m:r>
-                        <a:rPr lang="en-US" sz="1200" b="0" i="1" dirty="0" smtClean="0">
-                          <a:latin typeface="Cambria Math" panose="02040503050406030204" pitchFamily="18" charset="0"/>
-                        </a:rPr>
-                        <m:t>[ </m:t>
-                      </m:r>
-                      <m:r>
-                        <a:rPr lang="en-US" sz="1200" i="1" dirty="0" smtClean="0">
-                          <a:latin typeface="Cambria Math" panose="02040503050406030204" pitchFamily="18" charset="0"/>
-                        </a:rPr>
-                        <m:t>3</m:t>
-                      </m:r>
-                      <m:r>
-                        <a:rPr lang="en-US" sz="1200" b="0" i="1" dirty="0" smtClean="0">
-                          <a:latin typeface="Cambria Math" panose="02040503050406030204" pitchFamily="18" charset="0"/>
-                        </a:rPr>
-                        <m:t>, 14 ]</m:t>
-                      </m:r>
-                    </m:oMath>
-                  </m:oMathPara>
-                </a14:m>
-                <a:endParaRPr lang="en-US" sz="1200" dirty="0"/>
-              </a:p>
-            </p:txBody>
-          </p:sp>
-        </mc:Choice>
-        <mc:Fallback xmlns="">
-          <p:sp>
-            <p:nvSpPr>
-              <p:cNvPr id="63" name="TextBox 62">
-                <a:extLst>
-                  <a:ext uri="{FF2B5EF4-FFF2-40B4-BE49-F238E27FC236}">
-                    <a16:creationId xmlns:a16="http://schemas.microsoft.com/office/drawing/2014/main" id="{C3CBC97D-7CD6-4777-AC2A-3571C1220065}"/>
-                  </a:ext>
-                </a:extLst>
-              </p:cNvPr>
-              <p:cNvSpPr txBox="1">
-                <a:spLocks noRot="1" noChangeAspect="1" noMove="1" noResize="1" noEditPoints="1" noAdjustHandles="1" noChangeArrowheads="1" noChangeShapeType="1" noTextEdit="1"/>
-              </p:cNvSpPr>
-              <p:nvPr/>
-            </p:nvSpPr>
-            <p:spPr>
-              <a:xfrm>
-                <a:off x="2464996" y="5445096"/>
-                <a:ext cx="542982" cy="276999"/>
-              </a:xfrm>
-              <a:prstGeom prst="rect">
-                <a:avLst/>
-              </a:prstGeom>
-              <a:blipFill>
-                <a:blip r:embed="rId10"/>
-                <a:stretch>
-                  <a:fillRect r="-21348" b="-6522"/>
-                </a:stretch>
-              </a:blipFill>
-            </p:spPr>
-            <p:txBody>
-              <a:bodyPr/>
-              <a:lstStyle/>
-              <a:p>
-                <a:r>
-                  <a:rPr lang="en-US">
-                    <a:noFill/>
-                  </a:rPr>
-                  <a:t> </a:t>
-                </a:r>
-              </a:p>
-            </p:txBody>
-          </p:sp>
-        </mc:Fallback>
-      </mc:AlternateContent>
       <p:cxnSp>
         <p:nvCxnSpPr>
           <p:cNvPr id="64" name="Straight Arrow Connector 63">
@@ -16250,7 +16091,7 @@
         <p:spPr>
           <a:xfrm>
             <a:off x="5102361" y="3505200"/>
-            <a:ext cx="79239" cy="328307"/>
+            <a:ext cx="193539" cy="265115"/>
           </a:xfrm>
           <a:prstGeom prst="straightConnector1">
             <a:avLst/>
@@ -16259,7 +16100,8 @@
             <a:solidFill>
               <a:srgbClr val="FF0000"/>
             </a:solidFill>
-            <a:tailEnd type="triangle"/>
+            <a:headEnd type="triangle" w="med" len="med"/>
+            <a:tailEnd type="triangle" w="med" len="med"/>
           </a:ln>
         </p:spPr>
         <p:style>
@@ -16277,226 +16119,6 @@
           </a:fontRef>
         </p:style>
       </p:cxnSp>
-      <mc:AlternateContent xmlns:mc="http://schemas.openxmlformats.org/markup-compatibility/2006" xmlns:a14="http://schemas.microsoft.com/office/drawing/2010/main">
-        <mc:Choice Requires="a14">
-          <p:sp>
-            <p:nvSpPr>
-              <p:cNvPr id="67" name="TextBox 66">
-                <a:extLst>
-                  <a:ext uri="{FF2B5EF4-FFF2-40B4-BE49-F238E27FC236}">
-                    <a16:creationId xmlns:a16="http://schemas.microsoft.com/office/drawing/2014/main" id="{288BB839-8C0E-4BA9-B7E4-A1BA04A93F41}"/>
-                  </a:ext>
-                </a:extLst>
-              </p:cNvPr>
-              <p:cNvSpPr txBox="1"/>
-              <p:nvPr/>
-            </p:nvSpPr>
-            <p:spPr>
-              <a:xfrm>
-                <a:off x="1616246" y="5425048"/>
-                <a:ext cx="492412" cy="276999"/>
-              </a:xfrm>
-              <a:prstGeom prst="rect">
-                <a:avLst/>
-              </a:prstGeom>
-              <a:solidFill>
-                <a:schemeClr val="bg1"/>
-              </a:solidFill>
-            </p:spPr>
-            <p:txBody>
-              <a:bodyPr wrap="square" rtlCol="0">
-                <a:spAutoFit/>
-              </a:bodyPr>
-              <a:lstStyle/>
-              <a:p>
-                <a:pPr/>
-                <a14:m>
-                  <m:oMathPara xmlns:m="http://schemas.openxmlformats.org/officeDocument/2006/math">
-                    <m:oMathParaPr>
-                      <m:jc m:val="centerGroup"/>
-                    </m:oMathParaPr>
-                    <m:oMath xmlns:m="http://schemas.openxmlformats.org/officeDocument/2006/math">
-                      <m:r>
-                        <a:rPr lang="en-US" sz="1200" b="0" i="1" dirty="0" smtClean="0">
-                          <a:latin typeface="Cambria Math" panose="02040503050406030204" pitchFamily="18" charset="0"/>
-                        </a:rPr>
-                        <m:t>[ </m:t>
-                      </m:r>
-                      <m:r>
-                        <a:rPr lang="en-US" sz="1200" i="1" dirty="0" smtClean="0">
-                          <a:latin typeface="Cambria Math" panose="02040503050406030204" pitchFamily="18" charset="0"/>
-                        </a:rPr>
-                        <m:t>3</m:t>
-                      </m:r>
-                      <m:r>
-                        <a:rPr lang="en-US" sz="1200" b="0" i="1" dirty="0" smtClean="0">
-                          <a:latin typeface="Cambria Math" panose="02040503050406030204" pitchFamily="18" charset="0"/>
-                        </a:rPr>
-                        <m:t>, 2 ]</m:t>
-                      </m:r>
-                    </m:oMath>
-                  </m:oMathPara>
-                </a14:m>
-                <a:endParaRPr lang="en-US" sz="1200" dirty="0"/>
-              </a:p>
-            </p:txBody>
-          </p:sp>
-        </mc:Choice>
-        <mc:Fallback xmlns="">
-          <p:sp>
-            <p:nvSpPr>
-              <p:cNvPr id="67" name="TextBox 66">
-                <a:extLst>
-                  <a:ext uri="{FF2B5EF4-FFF2-40B4-BE49-F238E27FC236}">
-                    <a16:creationId xmlns:a16="http://schemas.microsoft.com/office/drawing/2014/main" id="{288BB839-8C0E-4BA9-B7E4-A1BA04A93F41}"/>
-                  </a:ext>
-                </a:extLst>
-              </p:cNvPr>
-              <p:cNvSpPr txBox="1">
-                <a:spLocks noRot="1" noChangeAspect="1" noMove="1" noResize="1" noEditPoints="1" noAdjustHandles="1" noChangeArrowheads="1" noChangeShapeType="1" noTextEdit="1"/>
-              </p:cNvSpPr>
-              <p:nvPr/>
-            </p:nvSpPr>
-            <p:spPr>
-              <a:xfrm>
-                <a:off x="1616246" y="5425048"/>
-                <a:ext cx="492412" cy="276999"/>
-              </a:xfrm>
-              <a:prstGeom prst="rect">
-                <a:avLst/>
-              </a:prstGeom>
-              <a:blipFill>
-                <a:blip r:embed="rId11"/>
-                <a:stretch>
-                  <a:fillRect r="-17284" b="-8889"/>
-                </a:stretch>
-              </a:blipFill>
-            </p:spPr>
-            <p:txBody>
-              <a:bodyPr/>
-              <a:lstStyle/>
-              <a:p>
-                <a:r>
-                  <a:rPr lang="en-US">
-                    <a:noFill/>
-                  </a:rPr>
-                  <a:t> </a:t>
-                </a:r>
-              </a:p>
-            </p:txBody>
-          </p:sp>
-        </mc:Fallback>
-      </mc:AlternateContent>
-      <mc:AlternateContent xmlns:mc="http://schemas.openxmlformats.org/markup-compatibility/2006" xmlns:a14="http://schemas.microsoft.com/office/drawing/2010/main">
-        <mc:Choice Requires="a14">
-          <p:sp>
-            <p:nvSpPr>
-              <p:cNvPr id="68" name="TextBox 67">
-                <a:extLst>
-                  <a:ext uri="{FF2B5EF4-FFF2-40B4-BE49-F238E27FC236}">
-                    <a16:creationId xmlns:a16="http://schemas.microsoft.com/office/drawing/2014/main" id="{1B40DC27-6679-4EEA-BEC2-F47E589B69B5}"/>
-                  </a:ext>
-                </a:extLst>
-              </p:cNvPr>
-              <p:cNvSpPr txBox="1"/>
-              <p:nvPr/>
-            </p:nvSpPr>
-            <p:spPr>
-              <a:xfrm>
-                <a:off x="4993988" y="5438001"/>
-                <a:ext cx="492412" cy="276999"/>
-              </a:xfrm>
-              <a:prstGeom prst="rect">
-                <a:avLst/>
-              </a:prstGeom>
-              <a:solidFill>
-                <a:schemeClr val="bg1"/>
-              </a:solidFill>
-            </p:spPr>
-            <p:txBody>
-              <a:bodyPr wrap="square" rtlCol="0">
-                <a:spAutoFit/>
-              </a:bodyPr>
-              <a:lstStyle/>
-              <a:p>
-                <a:pPr/>
-                <a14:m>
-                  <m:oMathPara xmlns:m="http://schemas.openxmlformats.org/officeDocument/2006/math">
-                    <m:oMathParaPr>
-                      <m:jc m:val="centerGroup"/>
-                    </m:oMathParaPr>
-                    <m:oMath xmlns:m="http://schemas.openxmlformats.org/officeDocument/2006/math">
-                      <m:r>
-                        <a:rPr lang="en-US" sz="1200" b="0" i="1" dirty="0" smtClean="0">
-                          <a:latin typeface="Cambria Math" panose="02040503050406030204" pitchFamily="18" charset="0"/>
-                        </a:rPr>
-                        <m:t>[ </m:t>
-                      </m:r>
-                      <m:r>
-                        <a:rPr lang="en-US" sz="1200" i="1" dirty="0" smtClean="0">
-                          <a:latin typeface="Cambria Math" panose="02040503050406030204" pitchFamily="18" charset="0"/>
-                        </a:rPr>
-                        <m:t>3</m:t>
-                      </m:r>
-                      <m:r>
-                        <a:rPr lang="en-US" sz="1200" b="0" i="1" dirty="0" smtClean="0">
-                          <a:latin typeface="Cambria Math" panose="02040503050406030204" pitchFamily="18" charset="0"/>
-                        </a:rPr>
-                        <m:t>, 2 ]</m:t>
-                      </m:r>
-                    </m:oMath>
-                  </m:oMathPara>
-                </a14:m>
-                <a:endParaRPr lang="en-US" sz="1200" dirty="0"/>
-              </a:p>
-            </p:txBody>
-          </p:sp>
-        </mc:Choice>
-        <mc:Fallback xmlns="">
-          <p:sp>
-            <p:nvSpPr>
-              <p:cNvPr id="68" name="TextBox 67">
-                <a:extLst>
-                  <a:ext uri="{FF2B5EF4-FFF2-40B4-BE49-F238E27FC236}">
-                    <a16:creationId xmlns:a16="http://schemas.microsoft.com/office/drawing/2014/main" id="{1B40DC27-6679-4EEA-BEC2-F47E589B69B5}"/>
-                  </a:ext>
-                </a:extLst>
-              </p:cNvPr>
-              <p:cNvSpPr txBox="1">
-                <a:spLocks noRot="1" noChangeAspect="1" noMove="1" noResize="1" noEditPoints="1" noAdjustHandles="1" noChangeArrowheads="1" noChangeShapeType="1" noTextEdit="1"/>
-              </p:cNvSpPr>
-              <p:nvPr/>
-            </p:nvSpPr>
-            <p:spPr>
-              <a:xfrm>
-                <a:off x="4993988" y="5438001"/>
-                <a:ext cx="492412" cy="276999"/>
-              </a:xfrm>
-              <a:prstGeom prst="rect">
-                <a:avLst/>
-              </a:prstGeom>
-              <a:blipFill>
-                <a:blip r:embed="rId9"/>
-                <a:stretch>
-                  <a:fillRect r="-17284" b="-6522"/>
-                </a:stretch>
-              </a:blipFill>
-            </p:spPr>
-            <p:txBody>
-              <a:bodyPr/>
-              <a:lstStyle/>
-              <a:p>
-                <a:r>
-                  <a:rPr lang="en-US">
-                    <a:noFill/>
-                  </a:rPr>
-                  <a:t> </a:t>
-                </a:r>
-              </a:p>
-            </p:txBody>
-          </p:sp>
-        </mc:Fallback>
-      </mc:AlternateContent>
       <p:cxnSp>
         <p:nvCxnSpPr>
           <p:cNvPr id="38" name="Straight Arrow Connector 37">
@@ -16668,7 +16290,7 @@
         <p:spPr>
           <a:xfrm>
             <a:off x="1699563" y="5105400"/>
-            <a:ext cx="914400" cy="445532"/>
+            <a:ext cx="1138049" cy="401776"/>
           </a:xfrm>
           <a:prstGeom prst="straightConnector1">
             <a:avLst/>
@@ -16677,7 +16299,8 @@
             <a:solidFill>
               <a:srgbClr val="FF0000"/>
             </a:solidFill>
-            <a:tailEnd type="triangle"/>
+            <a:headEnd type="triangle" w="med" len="med"/>
+            <a:tailEnd type="triangle" w="med" len="med"/>
           </a:ln>
         </p:spPr>
         <p:style>
@@ -16695,116 +16318,6 @@
           </a:fontRef>
         </p:style>
       </p:cxnSp>
-      <mc:AlternateContent xmlns:mc="http://schemas.openxmlformats.org/markup-compatibility/2006" xmlns:a14="http://schemas.microsoft.com/office/drawing/2010/main">
-        <mc:Choice Requires="a14">
-          <p:sp>
-            <p:nvSpPr>
-              <p:cNvPr id="78" name="TextBox 77">
-                <a:extLst>
-                  <a:ext uri="{FF2B5EF4-FFF2-40B4-BE49-F238E27FC236}">
-                    <a16:creationId xmlns:a16="http://schemas.microsoft.com/office/drawing/2014/main" id="{47271CAF-4E6C-4E7D-8159-44D9C1CBF223}"/>
-                  </a:ext>
-                </a:extLst>
-              </p:cNvPr>
-              <p:cNvSpPr txBox="1"/>
-              <p:nvPr/>
-            </p:nvSpPr>
-            <p:spPr>
-              <a:xfrm>
-                <a:off x="5919167" y="5453911"/>
-                <a:ext cx="492412" cy="276999"/>
-              </a:xfrm>
-              <a:prstGeom prst="rect">
-                <a:avLst/>
-              </a:prstGeom>
-              <a:solidFill>
-                <a:schemeClr val="bg1"/>
-              </a:solidFill>
-            </p:spPr>
-            <p:txBody>
-              <a:bodyPr wrap="square" rtlCol="0">
-                <a:spAutoFit/>
-              </a:bodyPr>
-              <a:lstStyle/>
-              <a:p>
-                <a:pPr/>
-                <a14:m>
-                  <m:oMathPara xmlns:m="http://schemas.openxmlformats.org/officeDocument/2006/math">
-                    <m:oMathParaPr>
-                      <m:jc m:val="centerGroup"/>
-                    </m:oMathParaPr>
-                    <m:oMath xmlns:m="http://schemas.openxmlformats.org/officeDocument/2006/math">
-                      <m:r>
-                        <a:rPr lang="en-US" sz="1200" b="0" i="1" dirty="0" smtClean="0">
-                          <a:latin typeface="Cambria Math" panose="02040503050406030204" pitchFamily="18" charset="0"/>
-                        </a:rPr>
-                        <m:t>[ </m:t>
-                      </m:r>
-                      <m:r>
-                        <a:rPr lang="en-US" sz="1200" i="1" dirty="0" smtClean="0">
-                          <a:latin typeface="Cambria Math" panose="02040503050406030204" pitchFamily="18" charset="0"/>
-                        </a:rPr>
-                        <m:t>3</m:t>
-                      </m:r>
-                      <m:r>
-                        <a:rPr lang="en-US" sz="1200" b="0" i="1" dirty="0" smtClean="0">
-                          <a:latin typeface="Cambria Math" panose="02040503050406030204" pitchFamily="18" charset="0"/>
-                        </a:rPr>
-                        <m:t>, 2 ]</m:t>
-                      </m:r>
-                    </m:oMath>
-                  </m:oMathPara>
-                </a14:m>
-                <a:endParaRPr lang="en-US" sz="1200" dirty="0"/>
-              </a:p>
-            </p:txBody>
-          </p:sp>
-        </mc:Choice>
-        <mc:Fallback xmlns="">
-          <p:sp>
-            <p:nvSpPr>
-              <p:cNvPr id="78" name="TextBox 77">
-                <a:extLst>
-                  <a:ext uri="{FF2B5EF4-FFF2-40B4-BE49-F238E27FC236}">
-                    <a16:creationId xmlns:a16="http://schemas.microsoft.com/office/drawing/2014/main" id="{47271CAF-4E6C-4E7D-8159-44D9C1CBF223}"/>
-                  </a:ext>
-                </a:extLst>
-              </p:cNvPr>
-              <p:cNvSpPr txBox="1">
-                <a:spLocks noRot="1" noChangeAspect="1" noMove="1" noResize="1" noEditPoints="1" noAdjustHandles="1" noChangeArrowheads="1" noChangeShapeType="1" noTextEdit="1"/>
-              </p:cNvSpPr>
-              <p:nvPr/>
-            </p:nvSpPr>
-            <p:spPr>
-              <a:xfrm>
-                <a:off x="5919167" y="5453911"/>
-                <a:ext cx="492412" cy="276999"/>
-              </a:xfrm>
-              <a:prstGeom prst="rect">
-                <a:avLst/>
-              </a:prstGeom>
-              <a:blipFill>
-                <a:blip r:embed="rId13"/>
-                <a:stretch>
-                  <a:fillRect r="-16049" b="-8889"/>
-                </a:stretch>
-              </a:blipFill>
-            </p:spPr>
-            <p:txBody>
-              <a:bodyPr/>
-              <a:lstStyle/>
-              <a:p>
-                <a:r>
-                  <a:rPr lang="en-US">
-                    <a:noFill/>
-                  </a:rPr>
-                  <a:t> </a:t>
-                </a:r>
-              </a:p>
-            </p:txBody>
-          </p:sp>
-        </mc:Fallback>
-      </mc:AlternateContent>
       <p:sp>
         <p:nvSpPr>
           <p:cNvPr id="54" name="Oval 53">
@@ -17338,8 +16851,8 @@
         </p:nvSpPr>
         <p:spPr>
           <a:xfrm>
-            <a:off x="4191000" y="3276600"/>
-            <a:ext cx="2928976" cy="838200"/>
+            <a:off x="4196612" y="3226832"/>
+            <a:ext cx="2743200" cy="838200"/>
           </a:xfrm>
           <a:prstGeom prst="wedgeRectCallout">
             <a:avLst>
@@ -17371,7 +16884,7 @@
             <a:pPr algn="ctr"/>
             <a:r>
               <a:rPr lang="en-US" sz="1400" dirty="0"/>
-              <a:t>Stop searching if Man finds an actions that has more value than the best move Mix has in another subtree.</a:t>
+              <a:t>Abandon subtree if Max finds an actions that has more value than the best known move Min has in another subtree.</a:t>
             </a:r>
           </a:p>
         </p:txBody>
@@ -17536,8 +17049,8 @@
         </p:nvSpPr>
         <p:spPr>
           <a:xfrm>
-            <a:off x="4152012" y="5815297"/>
-            <a:ext cx="2928976" cy="838200"/>
+            <a:off x="4228212" y="5815297"/>
+            <a:ext cx="2629788" cy="838200"/>
           </a:xfrm>
           <a:prstGeom prst="wedgeRectCallout">
             <a:avLst>
@@ -17569,7 +17082,7 @@
             <a:pPr algn="ctr"/>
             <a:r>
               <a:rPr lang="en-US" sz="1400" dirty="0"/>
-              <a:t>Stop searching if Min finds an actions that has less value than the best move Max has in another subtree.</a:t>
+              <a:t>Abandon subtree if Min finds an actions that has less value than the best known move Max has in another subtree.</a:t>
             </a:r>
           </a:p>
         </p:txBody>
@@ -18470,8 +17983,8 @@
           </a:p>
         </p:txBody>
       </p:sp>
-      <mc:AlternateContent xmlns:mc="http://schemas.openxmlformats.org/markup-compatibility/2006" xmlns:a14="http://schemas.microsoft.com/office/drawing/2010/main">
-        <mc:Choice Requires="a14">
+      <mc:AlternateContent xmlns:mc="http://schemas.openxmlformats.org/markup-compatibility/2006">
+        <mc:Choice xmlns:a14="http://schemas.microsoft.com/office/drawing/2010/main" Requires="a14">
           <p:sp>
             <p:nvSpPr>
               <p:cNvPr id="5" name="Content Placeholder 4">
@@ -18491,7 +18004,7 @@
             <p:spPr/>
             <p:txBody>
               <a:bodyPr>
-                <a:normAutofit fontScale="77500" lnSpcReduction="20000"/>
+                <a:normAutofit fontScale="62500" lnSpcReduction="20000"/>
               </a:bodyPr>
               <a:lstStyle/>
               <a:p>
@@ -18564,7 +18077,7 @@
                 </a:pPr>
                 <a:r>
                   <a:rPr lang="en-US" dirty="0"/>
-                  <a:t>Properties of the evaluation function:</a:t>
+                  <a:t>Needed properties of the evaluation function:</a:t>
                 </a:r>
               </a:p>
               <a:p>
@@ -18704,21 +18217,36 @@
                 </a:pPr>
                 <a:r>
                   <a:rPr lang="en-US" b="1" dirty="0"/>
-                  <a:t>Example</a:t>
+                  <a:t>Examples</a:t>
                 </a:r>
                 <a:r>
                   <a:rPr lang="en-US" dirty="0"/>
-                  <a:t>: A weighted linear function </a:t>
+                  <a:t>: </a:t>
                 </a:r>
               </a:p>
               <a:p>
-                <a:pPr marL="0" indent="0" algn="ctr">
-                  <a:buNone/>
+                <a:pPr marL="514350" indent="-514350">
+                  <a:buFont typeface="+mj-lt"/>
+                  <a:buAutoNum type="arabicPeriod"/>
                 </a:pPr>
+                <a:r>
+                  <a:rPr lang="en-US" sz="2600" dirty="0"/>
+                  <a:t>A weighted linear function </a:t>
+                </a:r>
+                <a:br>
+                  <a:rPr lang="en-US" sz="2600" i="1" dirty="0">
+                    <a:latin typeface="Cambria Math" panose="02040503050406030204" pitchFamily="18" charset="0"/>
+                  </a:rPr>
+                </a:br>
+                <a:br>
+                  <a:rPr lang="en-US" sz="2600" i="1" dirty="0">
+                    <a:latin typeface="Cambria Math" panose="02040503050406030204" pitchFamily="18" charset="0"/>
+                  </a:rPr>
+                </a:br>
                 <a14:m>
                   <m:oMath xmlns:m="http://schemas.openxmlformats.org/officeDocument/2006/math">
                     <m:r>
-                      <a:rPr lang="en-US" sz="2400" i="1">
+                      <a:rPr lang="en-US" sz="2600" i="1">
                         <a:latin typeface="Cambria Math" panose="02040503050406030204" pitchFamily="18" charset="0"/>
                       </a:rPr>
                       <m:t>𝐸𝑣𝑎𝑙</m:t>
@@ -18726,14 +18254,14 @@
                     <m:d>
                       <m:dPr>
                         <m:ctrlPr>
-                          <a:rPr lang="en-US" sz="2400" i="1">
+                          <a:rPr lang="en-US" sz="2600" i="1">
                             <a:latin typeface="Cambria Math" panose="02040503050406030204" pitchFamily="18" charset="0"/>
                           </a:rPr>
                         </m:ctrlPr>
                       </m:dPr>
                       <m:e>
                         <m:r>
-                          <a:rPr lang="en-US" sz="2400" i="1">
+                          <a:rPr lang="en-US" sz="2600" i="1">
                             <a:latin typeface="Cambria Math" panose="02040503050406030204" pitchFamily="18" charset="0"/>
                           </a:rPr>
                           <m:t>𝑠</m:t>
@@ -18741,7 +18269,7 @@
                       </m:e>
                     </m:d>
                     <m:r>
-                      <a:rPr lang="en-US" sz="2400" i="1">
+                      <a:rPr lang="en-US" sz="2600" i="1">
                         <a:latin typeface="Cambria Math" panose="02040503050406030204" pitchFamily="18" charset="0"/>
                       </a:rPr>
                       <m:t>=</m:t>
@@ -18749,14 +18277,14 @@
                     <m:sSub>
                       <m:sSubPr>
                         <m:ctrlPr>
-                          <a:rPr lang="en-US" sz="2400" i="1">
+                          <a:rPr lang="en-US" sz="2600" i="1">
                             <a:latin typeface="Cambria Math" panose="02040503050406030204" pitchFamily="18" charset="0"/>
                           </a:rPr>
                         </m:ctrlPr>
                       </m:sSubPr>
                       <m:e>
                         <m:r>
-                          <a:rPr lang="en-US" sz="2400" i="1">
+                          <a:rPr lang="en-US" sz="2600" i="1">
                             <a:latin typeface="Cambria Math" panose="02040503050406030204" pitchFamily="18" charset="0"/>
                           </a:rPr>
                           <m:t>𝑤</m:t>
@@ -18764,7 +18292,7 @@
                       </m:e>
                       <m:sub>
                         <m:r>
-                          <a:rPr lang="en-US" sz="2400" i="1">
+                          <a:rPr lang="en-US" sz="2600" i="1">
                             <a:latin typeface="Cambria Math" panose="02040503050406030204" pitchFamily="18" charset="0"/>
                           </a:rPr>
                           <m:t>1</m:t>
@@ -18774,14 +18302,14 @@
                     <m:sSub>
                       <m:sSubPr>
                         <m:ctrlPr>
-                          <a:rPr lang="en-US" sz="2400" i="1">
+                          <a:rPr lang="en-US" sz="2600" i="1">
                             <a:latin typeface="Cambria Math" panose="02040503050406030204" pitchFamily="18" charset="0"/>
                           </a:rPr>
                         </m:ctrlPr>
                       </m:sSubPr>
                       <m:e>
                         <m:r>
-                          <a:rPr lang="en-US" sz="2400" i="1">
+                          <a:rPr lang="en-US" sz="2600" i="1">
                             <a:latin typeface="Cambria Math" panose="02040503050406030204" pitchFamily="18" charset="0"/>
                           </a:rPr>
                           <m:t>𝑓</m:t>
@@ -18789,7 +18317,7 @@
                       </m:e>
                       <m:sub>
                         <m:r>
-                          <a:rPr lang="en-US" sz="2400" i="1">
+                          <a:rPr lang="en-US" sz="2600" i="1">
                             <a:latin typeface="Cambria Math" panose="02040503050406030204" pitchFamily="18" charset="0"/>
                           </a:rPr>
                           <m:t>1</m:t>
@@ -18799,14 +18327,14 @@
                     <m:d>
                       <m:dPr>
                         <m:ctrlPr>
-                          <a:rPr lang="en-US" sz="2400" i="1">
+                          <a:rPr lang="en-US" sz="2600" i="1">
                             <a:latin typeface="Cambria Math" panose="02040503050406030204" pitchFamily="18" charset="0"/>
                           </a:rPr>
                         </m:ctrlPr>
                       </m:dPr>
                       <m:e>
                         <m:r>
-                          <a:rPr lang="en-US" sz="2400" i="1">
+                          <a:rPr lang="en-US" sz="2600" i="1">
                             <a:latin typeface="Cambria Math" panose="02040503050406030204" pitchFamily="18" charset="0"/>
                           </a:rPr>
                           <m:t>𝑠</m:t>
@@ -18814,7 +18342,7 @@
                       </m:e>
                     </m:d>
                     <m:r>
-                      <a:rPr lang="en-US" sz="2400" i="1">
+                      <a:rPr lang="en-US" sz="2600" i="1">
                         <a:latin typeface="Cambria Math" panose="02040503050406030204" pitchFamily="18" charset="0"/>
                       </a:rPr>
                       <m:t>+</m:t>
@@ -18822,14 +18350,14 @@
                     <m:sSub>
                       <m:sSubPr>
                         <m:ctrlPr>
-                          <a:rPr lang="en-US" sz="2400" i="1">
+                          <a:rPr lang="en-US" sz="2600" i="1">
                             <a:latin typeface="Cambria Math" panose="02040503050406030204" pitchFamily="18" charset="0"/>
                           </a:rPr>
                         </m:ctrlPr>
                       </m:sSubPr>
                       <m:e>
                         <m:r>
-                          <a:rPr lang="en-US" sz="2400" i="1">
+                          <a:rPr lang="en-US" sz="2600" i="1">
                             <a:latin typeface="Cambria Math" panose="02040503050406030204" pitchFamily="18" charset="0"/>
                           </a:rPr>
                           <m:t>𝑤</m:t>
@@ -18837,7 +18365,7 @@
                       </m:e>
                       <m:sub>
                         <m:r>
-                          <a:rPr lang="en-US" sz="2400" i="1">
+                          <a:rPr lang="en-US" sz="2600" i="1">
                             <a:latin typeface="Cambria Math" panose="02040503050406030204" pitchFamily="18" charset="0"/>
                           </a:rPr>
                           <m:t>2</m:t>
@@ -18847,14 +18375,14 @@
                     <m:sSub>
                       <m:sSubPr>
                         <m:ctrlPr>
-                          <a:rPr lang="en-US" sz="2400" i="1">
+                          <a:rPr lang="en-US" sz="2600" i="1">
                             <a:latin typeface="Cambria Math" panose="02040503050406030204" pitchFamily="18" charset="0"/>
                           </a:rPr>
                         </m:ctrlPr>
                       </m:sSubPr>
                       <m:e>
                         <m:r>
-                          <a:rPr lang="en-US" sz="2400" i="1">
+                          <a:rPr lang="en-US" sz="2600" i="1">
                             <a:latin typeface="Cambria Math" panose="02040503050406030204" pitchFamily="18" charset="0"/>
                           </a:rPr>
                           <m:t>𝑓</m:t>
@@ -18862,7 +18390,7 @@
                       </m:e>
                       <m:sub>
                         <m:r>
-                          <a:rPr lang="en-US" sz="2400" i="1">
+                          <a:rPr lang="en-US" sz="2600" i="1">
                             <a:latin typeface="Cambria Math" panose="02040503050406030204" pitchFamily="18" charset="0"/>
                           </a:rPr>
                           <m:t>2</m:t>
@@ -18872,14 +18400,14 @@
                     <m:d>
                       <m:dPr>
                         <m:ctrlPr>
-                          <a:rPr lang="en-US" sz="2400" i="1">
+                          <a:rPr lang="en-US" sz="2600" i="1">
                             <a:latin typeface="Cambria Math" panose="02040503050406030204" pitchFamily="18" charset="0"/>
                           </a:rPr>
                         </m:ctrlPr>
                       </m:dPr>
                       <m:e>
                         <m:r>
-                          <a:rPr lang="en-US" sz="2400" i="1">
+                          <a:rPr lang="en-US" sz="2600" i="1">
                             <a:latin typeface="Cambria Math" panose="02040503050406030204" pitchFamily="18" charset="0"/>
                           </a:rPr>
                           <m:t>𝑠</m:t>
@@ -18887,7 +18415,7 @@
                       </m:e>
                     </m:d>
                     <m:r>
-                      <a:rPr lang="en-US" sz="2400" i="1">
+                      <a:rPr lang="en-US" sz="2600" i="1">
                         <a:latin typeface="Cambria Math" panose="02040503050406030204" pitchFamily="18" charset="0"/>
                       </a:rPr>
                       <m:t>+⋯+</m:t>
@@ -18895,14 +18423,14 @@
                     <m:sSub>
                       <m:sSubPr>
                         <m:ctrlPr>
-                          <a:rPr lang="en-US" sz="2400" i="1">
+                          <a:rPr lang="en-US" sz="2600" i="1">
                             <a:latin typeface="Cambria Math" panose="02040503050406030204" pitchFamily="18" charset="0"/>
                           </a:rPr>
                         </m:ctrlPr>
                       </m:sSubPr>
                       <m:e>
                         <m:r>
-                          <a:rPr lang="en-US" sz="2400" i="1">
+                          <a:rPr lang="en-US" sz="2600" i="1">
                             <a:latin typeface="Cambria Math" panose="02040503050406030204" pitchFamily="18" charset="0"/>
                           </a:rPr>
                           <m:t>𝑤</m:t>
@@ -18910,7 +18438,7 @@
                       </m:e>
                       <m:sub>
                         <m:r>
-                          <a:rPr lang="en-US" sz="2400" i="1">
+                          <a:rPr lang="en-US" sz="2600" i="1">
                             <a:latin typeface="Cambria Math" panose="02040503050406030204" pitchFamily="18" charset="0"/>
                           </a:rPr>
                           <m:t>𝑛</m:t>
@@ -18920,14 +18448,14 @@
                     <m:sSub>
                       <m:sSubPr>
                         <m:ctrlPr>
-                          <a:rPr lang="en-US" sz="2400" i="1">
+                          <a:rPr lang="en-US" sz="2600" i="1">
                             <a:latin typeface="Cambria Math" panose="02040503050406030204" pitchFamily="18" charset="0"/>
                           </a:rPr>
                         </m:ctrlPr>
                       </m:sSubPr>
                       <m:e>
                         <m:r>
-                          <a:rPr lang="en-US" sz="2400" i="1">
+                          <a:rPr lang="en-US" sz="2600" i="1">
                             <a:latin typeface="Cambria Math" panose="02040503050406030204" pitchFamily="18" charset="0"/>
                           </a:rPr>
                           <m:t>𝑓</m:t>
@@ -18935,7 +18463,7 @@
                       </m:e>
                       <m:sub>
                         <m:r>
-                          <a:rPr lang="en-US" sz="2400" i="1">
+                          <a:rPr lang="en-US" sz="2600" i="1">
                             <a:latin typeface="Cambria Math" panose="02040503050406030204" pitchFamily="18" charset="0"/>
                           </a:rPr>
                           <m:t>𝑛</m:t>
@@ -18943,19 +18471,19 @@
                       </m:sub>
                     </m:sSub>
                     <m:r>
-                      <a:rPr lang="en-US" sz="2400" i="1">
+                      <a:rPr lang="en-US" sz="2600" i="1">
                         <a:latin typeface="Cambria Math" panose="02040503050406030204" pitchFamily="18" charset="0"/>
                       </a:rPr>
                       <m:t>(</m:t>
                     </m:r>
                     <m:r>
-                      <a:rPr lang="en-US" sz="2400" i="1">
+                      <a:rPr lang="en-US" sz="2600" i="1">
                         <a:latin typeface="Cambria Math" panose="02040503050406030204" pitchFamily="18" charset="0"/>
                       </a:rPr>
                       <m:t>𝑠</m:t>
                     </m:r>
                     <m:r>
-                      <a:rPr lang="en-US" sz="2400" i="1">
+                      <a:rPr lang="en-US" sz="2600" i="1">
                         <a:latin typeface="Cambria Math" panose="02040503050406030204" pitchFamily="18" charset="0"/>
                       </a:rPr>
                       <m:t>)</m:t>
@@ -18963,16 +18491,17 @@
                   </m:oMath>
                 </a14:m>
                 <a:r>
-                  <a:rPr lang="en-US" sz="2400" dirty="0"/>
+                  <a:rPr lang="en-US" sz="2600" dirty="0"/>
                   <a:t>    </a:t>
                 </a:r>
-              </a:p>
-              <a:p>
-                <a:pPr marL="0" indent="0">
-                  <a:buNone/>
-                </a:pPr>
+                <a:br>
+                  <a:rPr lang="en-US" sz="2600" dirty="0"/>
+                </a:br>
+                <a:br>
+                  <a:rPr lang="en-US" sz="2600" dirty="0"/>
+                </a:br>
                 <a:r>
-                  <a:rPr lang="en-US" sz="2400" dirty="0"/>
+                  <a:rPr lang="en-US" sz="2600" dirty="0"/>
                   <a:t>where </a:t>
                 </a:r>
                 <a14:m>
@@ -18980,14 +18509,14 @@
                     <m:sSub>
                       <m:sSubPr>
                         <m:ctrlPr>
-                          <a:rPr lang="en-US" sz="2400" i="1" dirty="0">
+                          <a:rPr lang="en-US" sz="2600" i="1" dirty="0">
                             <a:latin typeface="Cambria Math" panose="02040503050406030204" pitchFamily="18" charset="0"/>
                           </a:rPr>
                         </m:ctrlPr>
                       </m:sSubPr>
                       <m:e>
                         <m:r>
-                          <a:rPr lang="en-US" sz="2400" i="1" dirty="0">
+                          <a:rPr lang="en-US" sz="2600" i="1" dirty="0">
                             <a:latin typeface="Cambria Math" panose="02040503050406030204" pitchFamily="18" charset="0"/>
                           </a:rPr>
                           <m:t>𝑓</m:t>
@@ -18995,7 +18524,7 @@
                       </m:e>
                       <m:sub>
                         <m:r>
-                          <a:rPr lang="en-US" sz="2400" i="1" dirty="0">
+                          <a:rPr lang="en-US" sz="2600" i="1" dirty="0">
                             <a:latin typeface="Cambria Math" panose="02040503050406030204" pitchFamily="18" charset="0"/>
                           </a:rPr>
                           <m:t>𝑖</m:t>
@@ -19003,7 +18532,7 @@
                       </m:sub>
                     </m:sSub>
                     <m:r>
-                      <a:rPr lang="en-US" sz="2400" i="1" dirty="0">
+                      <a:rPr lang="en-US" sz="2600" i="1" dirty="0">
                         <a:latin typeface="Cambria Math" panose="02040503050406030204" pitchFamily="18" charset="0"/>
                       </a:rPr>
                       <m:t> </m:t>
@@ -19011,8 +18540,18 @@
                   </m:oMath>
                 </a14:m>
                 <a:r>
-                  <a:rPr lang="en-US" sz="2400" dirty="0"/>
+                  <a:rPr lang="en-US" sz="2600" dirty="0"/>
                   <a:t>is a feature of the state (e.g., # of pieces captured in chess).</a:t>
+                </a:r>
+              </a:p>
+              <a:p>
+                <a:pPr marL="457200" indent="-457200">
+                  <a:buFont typeface="+mj-lt"/>
+                  <a:buAutoNum type="arabicPeriod"/>
+                </a:pPr>
+                <a:r>
+                  <a:rPr lang="en-US" sz="2600" dirty="0"/>
+                  <a:t>A deep neural network trained on complete games.</a:t>
                 </a:r>
               </a:p>
               <a:p>
@@ -19031,7 +18570,7 @@
             </p:txBody>
           </p:sp>
         </mc:Choice>
-        <mc:Fallback xmlns="">
+        <mc:Fallback>
           <p:sp>
             <p:nvSpPr>
               <p:cNvPr id="5" name="Content Placeholder 4">
@@ -19052,7 +18591,7 @@
               <a:blipFill>
                 <a:blip r:embed="rId2"/>
                 <a:stretch>
-                  <a:fillRect l="-1005" t="-2801" r="-1468" b="-700"/>
+                  <a:fillRect l="-618" t="-2241"/>
                 </a:stretch>
               </a:blipFill>
             </p:spPr>
@@ -23512,8 +23051,8 @@
           </a:p>
         </p:txBody>
       </p:sp>
-      <mc:AlternateContent xmlns:mc="http://schemas.openxmlformats.org/markup-compatibility/2006" xmlns:a14="http://schemas.microsoft.com/office/drawing/2010/main">
-        <mc:Choice Requires="a14">
+      <mc:AlternateContent xmlns:mc="http://schemas.openxmlformats.org/markup-compatibility/2006">
+        <mc:Choice xmlns:a14="http://schemas.microsoft.com/office/drawing/2010/main" Requires="a14">
           <p:sp>
             <p:nvSpPr>
               <p:cNvPr id="3" name="Content Placeholder 2">
@@ -23575,7 +23114,7 @@
                 </a14:m>
                 <a:r>
                   <a:rPr lang="en-US" dirty="0"/>
-                  <a:t> playouts from </a:t>
+                  <a:t> playouts from the </a:t>
                 </a:r>
                 <a:r>
                   <a:rPr lang="en-US" b="1" dirty="0"/>
@@ -23645,7 +23184,7 @@
             </p:txBody>
           </p:sp>
         </mc:Choice>
-        <mc:Fallback xmlns="">
+        <mc:Fallback>
           <p:sp>
             <p:nvSpPr>
               <p:cNvPr id="3" name="Content Placeholder 2">
@@ -23761,8 +23300,8 @@
         </p:nvSpPr>
         <p:spPr>
           <a:xfrm>
-            <a:off x="762000" y="1532041"/>
-            <a:ext cx="7886700" cy="1325563"/>
+            <a:off x="762000" y="1532040"/>
+            <a:ext cx="7886700" cy="2887559"/>
           </a:xfrm>
         </p:spPr>
         <p:txBody>
@@ -23775,8 +23314,12 @@
               <a:buNone/>
             </a:pPr>
             <a:r>
+              <a:rPr lang="en-US" b="1" dirty="0"/>
+              <a:t>Issue</a:t>
+            </a:r>
+            <a:r>
               <a:rPr lang="en-US" dirty="0"/>
-              <a:t>Pure Monte Carlo Search spends a lot of time to create playouts for bad moves.</a:t>
+              <a:t>: Pure Monte Carlo Search spends a lot of time to create playouts for bad moves.</a:t>
             </a:r>
           </a:p>
           <a:p>
@@ -23786,13 +23329,46 @@
             <a:pPr marL="0" indent="0">
               <a:buNone/>
             </a:pPr>
+            <a:endParaRPr lang="en-US" b="1" dirty="0"/>
+          </a:p>
+          <a:p>
+            <a:pPr marL="0" indent="0">
+              <a:buNone/>
+            </a:pPr>
+            <a:endParaRPr lang="en-US" b="1" dirty="0"/>
+          </a:p>
+          <a:p>
+            <a:pPr marL="0" indent="0">
+              <a:buNone/>
+            </a:pPr>
+            <a:endParaRPr lang="en-US" b="1" dirty="0"/>
+          </a:p>
+          <a:p>
+            <a:pPr marL="0" indent="0">
+              <a:buNone/>
+            </a:pPr>
+            <a:endParaRPr lang="en-US" b="1" dirty="0"/>
+          </a:p>
+          <a:p>
+            <a:pPr marL="0" indent="0">
+              <a:buNone/>
+            </a:pPr>
             <a:r>
               <a:rPr lang="en-US" b="1" dirty="0"/>
               <a:t>Select the starting state </a:t>
             </a:r>
             <a:r>
               <a:rPr lang="en-US" dirty="0"/>
-              <a:t>for playouts to focus on important parts of the game tree. It is a tradeoff between:</a:t>
+              <a:t>for playouts to focus on important parts of the game tree.</a:t>
+            </a:r>
+          </a:p>
+          <a:p>
+            <a:pPr marL="0" indent="0">
+              <a:buNone/>
+            </a:pPr>
+            <a:r>
+              <a:rPr lang="en-US" dirty="0"/>
+              <a:t>This presents the following tradeoff between:</a:t>
             </a:r>
           </a:p>
         </p:txBody>
@@ -23810,14 +23386,14 @@
           <p:nvPr>
             <p:extLst>
               <p:ext uri="{D42A27DB-BD31-4B8C-83A1-F6EECF244321}">
-                <p14:modId xmlns:p14="http://schemas.microsoft.com/office/powerpoint/2010/main" val="3350527145"/>
+                <p14:modId xmlns:p14="http://schemas.microsoft.com/office/powerpoint/2010/main" val="2643241084"/>
               </p:ext>
             </p:extLst>
           </p:nvPr>
         </p:nvGraphicFramePr>
         <p:xfrm>
-          <a:off x="1466850" y="3089877"/>
-          <a:ext cx="6210300" cy="3463323"/>
+          <a:off x="1066800" y="4349214"/>
+          <a:ext cx="7315200" cy="2356386"/>
         </p:xfrm>
         <a:graphic>
           <a:graphicData uri="http://schemas.openxmlformats.org/drawingml/2006/diagram">
@@ -23825,6 +23401,142 @@
           </a:graphicData>
         </a:graphic>
       </p:graphicFrame>
+      <p:pic>
+        <p:nvPicPr>
+          <p:cNvPr id="4" name="Picture 3">
+            <a:extLst>
+              <a:ext uri="{FF2B5EF4-FFF2-40B4-BE49-F238E27FC236}">
+                <a16:creationId xmlns:a16="http://schemas.microsoft.com/office/drawing/2014/main" id="{7C1CD09C-A35B-33E7-2B47-429EEA680367}"/>
+              </a:ext>
+            </a:extLst>
+          </p:cNvPr>
+          <p:cNvPicPr>
+            <a:picLocks noChangeAspect="1"/>
+          </p:cNvPicPr>
+          <p:nvPr/>
+        </p:nvPicPr>
+        <p:blipFill rotWithShape="1">
+          <a:blip r:embed="rId7"/>
+          <a:srcRect b="67721"/>
+          <a:stretch/>
+        </p:blipFill>
+        <p:spPr>
+          <a:xfrm>
+            <a:off x="628650" y="1981200"/>
+            <a:ext cx="5943600" cy="1166991"/>
+          </a:xfrm>
+          <a:prstGeom prst="rect">
+            <a:avLst/>
+          </a:prstGeom>
+        </p:spPr>
+      </p:pic>
+      <p:sp>
+        <p:nvSpPr>
+          <p:cNvPr id="5" name="Speech Bubble: Rectangle with Corners Rounded 4">
+            <a:extLst>
+              <a:ext uri="{FF2B5EF4-FFF2-40B4-BE49-F238E27FC236}">
+                <a16:creationId xmlns:a16="http://schemas.microsoft.com/office/drawing/2014/main" id="{F701E0A7-2BE2-8EF1-ED8B-EC8B3A23C0AF}"/>
+              </a:ext>
+            </a:extLst>
+          </p:cNvPr>
+          <p:cNvSpPr/>
+          <p:nvPr/>
+        </p:nvSpPr>
+        <p:spPr>
+          <a:xfrm>
+            <a:off x="6363100" y="2402293"/>
+            <a:ext cx="2418949" cy="838200"/>
+          </a:xfrm>
+          <a:prstGeom prst="wedgeRoundRectCallout">
+            <a:avLst>
+              <a:gd name="adj1" fmla="val -62657"/>
+              <a:gd name="adj2" fmla="val 9677"/>
+              <a:gd name="adj3" fmla="val 16667"/>
+            </a:avLst>
+          </a:prstGeom>
+        </p:spPr>
+        <p:style>
+          <a:lnRef idx="2">
+            <a:schemeClr val="accent6">
+              <a:shade val="50000"/>
+            </a:schemeClr>
+          </a:lnRef>
+          <a:fillRef idx="1">
+            <a:schemeClr val="accent6"/>
+          </a:fillRef>
+          <a:effectRef idx="0">
+            <a:schemeClr val="accent6"/>
+          </a:effectRef>
+          <a:fontRef idx="minor">
+            <a:schemeClr val="lt1"/>
+          </a:fontRef>
+        </p:style>
+        <p:txBody>
+          <a:bodyPr rtlCol="0" anchor="ctr"/>
+          <a:lstStyle/>
+          <a:p>
+            <a:pPr algn="ctr"/>
+            <a:r>
+              <a:rPr lang="en-US" dirty="0"/>
+              <a:t>Max can start each playout at any of these states.</a:t>
+            </a:r>
+          </a:p>
+        </p:txBody>
+      </p:sp>
+      <p:sp>
+        <p:nvSpPr>
+          <p:cNvPr id="7" name="Rectangle 6">
+            <a:extLst>
+              <a:ext uri="{FF2B5EF4-FFF2-40B4-BE49-F238E27FC236}">
+                <a16:creationId xmlns:a16="http://schemas.microsoft.com/office/drawing/2014/main" id="{1C0E6A99-3B67-24EE-AEAB-7BEC06FB2A64}"/>
+              </a:ext>
+            </a:extLst>
+          </p:cNvPr>
+          <p:cNvSpPr/>
+          <p:nvPr/>
+        </p:nvSpPr>
+        <p:spPr>
+          <a:xfrm>
+            <a:off x="1600200" y="2554693"/>
+            <a:ext cx="4648200" cy="767716"/>
+          </a:xfrm>
+          <a:prstGeom prst="rect">
+            <a:avLst/>
+          </a:prstGeom>
+          <a:noFill/>
+          <a:ln w="9525" cap="flat" cmpd="sng" algn="ctr">
+            <a:solidFill>
+              <a:schemeClr val="accent2"/>
+            </a:solidFill>
+            <a:prstDash val="solid"/>
+            <a:round/>
+            <a:headEnd type="none" w="med" len="med"/>
+            <a:tailEnd type="none" w="med" len="med"/>
+          </a:ln>
+        </p:spPr>
+        <p:style>
+          <a:lnRef idx="0">
+            <a:scrgbClr r="0" g="0" b="0"/>
+          </a:lnRef>
+          <a:fillRef idx="0">
+            <a:scrgbClr r="0" g="0" b="0"/>
+          </a:fillRef>
+          <a:effectRef idx="0">
+            <a:scrgbClr r="0" g="0" b="0"/>
+          </a:effectRef>
+          <a:fontRef idx="minor">
+            <a:schemeClr val="accent2"/>
+          </a:fontRef>
+        </p:style>
+        <p:txBody>
+          <a:bodyPr rtlCol="0" anchor="ctr"/>
+          <a:lstStyle/>
+          <a:p>
+            <a:pPr algn="ctr"/>
+            <a:endParaRPr lang="en-US"/>
+          </a:p>
+        </p:txBody>
+      </p:sp>
     </p:spTree>
     <p:extLst>
       <p:ext uri="{BB962C8B-B14F-4D97-AF65-F5344CB8AC3E}">
@@ -24290,8 +24002,8 @@
           </a:p>
         </p:txBody>
       </p:sp>
-      <mc:AlternateContent xmlns:mc="http://schemas.openxmlformats.org/markup-compatibility/2006" xmlns:a14="http://schemas.microsoft.com/office/drawing/2010/main">
-        <mc:Choice Requires="a14">
+      <mc:AlternateContent xmlns:mc="http://schemas.openxmlformats.org/markup-compatibility/2006">
+        <mc:Choice xmlns:a14="http://schemas.microsoft.com/office/drawing/2010/main" Requires="a14">
           <p:sp>
             <p:nvSpPr>
               <p:cNvPr id="8" name="Rectangle 7">
@@ -24307,7 +24019,7 @@
             <p:spPr>
               <a:xfrm>
                 <a:off x="767386" y="2708456"/>
-                <a:ext cx="6692153" cy="1094467"/>
+                <a:ext cx="6635534" cy="1094467"/>
               </a:xfrm>
               <a:prstGeom prst="rect">
                 <a:avLst/>
@@ -24322,13 +24034,13 @@
                 <a14:m>
                   <m:oMath xmlns:m="http://schemas.openxmlformats.org/officeDocument/2006/math">
                     <m:r>
-                      <a:rPr lang="en-US" sz="3200" i="1">
+                      <a:rPr lang="en-US" sz="3200" i="1" smtClean="0">
                         <a:latin typeface="Cambria Math" panose="02040503050406030204" pitchFamily="18" charset="0"/>
                       </a:rPr>
                       <m:t>𝑈𝐶𝐵</m:t>
                     </m:r>
                     <m:r>
-                      <a:rPr lang="en-US" sz="3200" i="1">
+                      <a:rPr lang="en-US" sz="3200" i="1" smtClean="0">
                         <a:latin typeface="Cambria Math" panose="02040503050406030204" pitchFamily="18" charset="0"/>
                       </a:rPr>
                       <m:t>1</m:t>
@@ -24447,62 +24159,69 @@
                             </m:ctrlPr>
                           </m:fPr>
                           <m:num>
-                            <m:r>
-                              <m:rPr>
-                                <m:sty m:val="p"/>
-                              </m:rPr>
-                              <a:rPr lang="en-US" sz="3200">
-                                <a:latin typeface="Cambria Math" panose="02040503050406030204" pitchFamily="18" charset="0"/>
-                              </a:rPr>
-                              <m:t>log</m:t>
-                            </m:r>
-                            <m:r>
-                              <a:rPr lang="en-US" sz="3200" i="1">
-                                <a:latin typeface="Cambria Math" panose="02040503050406030204" pitchFamily="18" charset="0"/>
-                              </a:rPr>
-                              <m:t>⁡(</m:t>
-                            </m:r>
-                            <m:r>
-                              <a:rPr lang="en-US" sz="3200" i="1">
-                                <a:latin typeface="Cambria Math" panose="02040503050406030204" pitchFamily="18" charset="0"/>
-                              </a:rPr>
-                              <m:t>𝑁</m:t>
-                            </m:r>
-                            <m:r>
-                              <a:rPr lang="en-US" sz="3200" i="1">
-                                <a:latin typeface="Cambria Math" panose="02040503050406030204" pitchFamily="18" charset="0"/>
-                              </a:rPr>
-                              <m:t>(</m:t>
-                            </m:r>
-                            <m:r>
-                              <a:rPr lang="en-US" sz="3200" i="1">
-                                <a:latin typeface="Cambria Math" panose="02040503050406030204" pitchFamily="18" charset="0"/>
-                              </a:rPr>
-                              <m:t>𝑃𝑎𝑟𝑒𝑛𝑡</m:t>
-                            </m:r>
-                            <m:d>
-                              <m:dPr>
+                            <m:func>
+                              <m:funcPr>
                                 <m:ctrlPr>
                                   <a:rPr lang="en-US" sz="3200" i="1">
                                     <a:latin typeface="Cambria Math" panose="02040503050406030204" pitchFamily="18" charset="0"/>
                                   </a:rPr>
                                 </m:ctrlPr>
-                              </m:dPr>
+                              </m:funcPr>
+                              <m:fName>
+                                <m:r>
+                                  <m:rPr>
+                                    <m:sty m:val="p"/>
+                                  </m:rPr>
+                                  <a:rPr lang="en-US" sz="3200">
+                                    <a:latin typeface="Cambria Math" panose="02040503050406030204" pitchFamily="18" charset="0"/>
+                                  </a:rPr>
+                                  <m:t>log</m:t>
+                                </m:r>
+                              </m:fName>
                               <m:e>
                                 <m:r>
                                   <a:rPr lang="en-US" sz="3200" i="1">
                                     <a:latin typeface="Cambria Math" panose="02040503050406030204" pitchFamily="18" charset="0"/>
                                   </a:rPr>
-                                  <m:t>𝑛</m:t>
+                                  <m:t>𝑁</m:t>
+                                </m:r>
+                                <m:r>
+                                  <a:rPr lang="en-US" sz="3200" i="1">
+                                    <a:latin typeface="Cambria Math" panose="02040503050406030204" pitchFamily="18" charset="0"/>
+                                  </a:rPr>
+                                  <m:t>(</m:t>
+                                </m:r>
+                                <m:r>
+                                  <a:rPr lang="en-US" sz="3200" i="1">
+                                    <a:latin typeface="Cambria Math" panose="02040503050406030204" pitchFamily="18" charset="0"/>
+                                  </a:rPr>
+                                  <m:t>𝑃𝑎𝑟𝑒𝑛𝑡</m:t>
+                                </m:r>
+                                <m:d>
+                                  <m:dPr>
+                                    <m:ctrlPr>
+                                      <a:rPr lang="en-US" sz="3200" i="1">
+                                        <a:latin typeface="Cambria Math" panose="02040503050406030204" pitchFamily="18" charset="0"/>
+                                      </a:rPr>
+                                    </m:ctrlPr>
+                                  </m:dPr>
+                                  <m:e>
+                                    <m:r>
+                                      <a:rPr lang="en-US" sz="3200" i="1">
+                                        <a:latin typeface="Cambria Math" panose="02040503050406030204" pitchFamily="18" charset="0"/>
+                                      </a:rPr>
+                                      <m:t>𝑛</m:t>
+                                    </m:r>
+                                  </m:e>
+                                </m:d>
+                                <m:r>
+                                  <a:rPr lang="en-US" sz="3200" i="1">
+                                    <a:latin typeface="Cambria Math" panose="02040503050406030204" pitchFamily="18" charset="0"/>
+                                  </a:rPr>
+                                  <m:t>)</m:t>
                                 </m:r>
                               </m:e>
-                            </m:d>
-                            <m:r>
-                              <a:rPr lang="en-US" sz="3200" i="1">
-                                <a:latin typeface="Cambria Math" panose="02040503050406030204" pitchFamily="18" charset="0"/>
-                              </a:rPr>
-                              <m:t>)</m:t>
-                            </m:r>
+                            </m:func>
                           </m:num>
                           <m:den>
                             <m:r>
@@ -24543,7 +24262,7 @@
             </p:txBody>
           </p:sp>
         </mc:Choice>
-        <mc:Fallback xmlns="">
+        <mc:Fallback>
           <p:sp>
             <p:nvSpPr>
               <p:cNvPr id="8" name="Rectangle 7">
@@ -24561,7 +24280,7 @@
             <p:spPr>
               <a:xfrm>
                 <a:off x="767386" y="2708456"/>
-                <a:ext cx="6692153" cy="1094467"/>
+                <a:ext cx="6635534" cy="1094467"/>
               </a:xfrm>
               <a:prstGeom prst="rect">
                 <a:avLst/>
@@ -24704,7 +24423,7 @@
         <p:spPr>
           <a:xfrm>
             <a:off x="628650" y="1825625"/>
-            <a:ext cx="7886700" cy="3707682"/>
+            <a:ext cx="7886700" cy="4095480"/>
           </a:xfrm>
           <a:prstGeom prst="rect">
             <a:avLst/>
@@ -24722,7 +24441,7 @@
             </a:pPr>
             <a:r>
               <a:rPr lang="en-US" dirty="0"/>
-              <a:t>We do not want to always start playouts from the current node, so we build a partial game tree and simulate from a node in that tree. </a:t>
+              <a:t>We do not need to always start playouts from the current node, we can build a partial game tree and simulate from any node in that tree. </a:t>
             </a:r>
           </a:p>
           <a:p>
@@ -24743,13 +24462,13 @@
           <a:p>
             <a:r>
               <a:rPr lang="en-US" dirty="0"/>
-              <a:t>We can only store a small part of the game tree.</a:t>
+              <a:t>We can use UCB1 so decide what part of the tree we should focus on for the next playout.</a:t>
             </a:r>
           </a:p>
           <a:p>
             <a:r>
               <a:rPr lang="en-US" dirty="0"/>
-              <a:t>We can use UCB1 so decide what part of the tree should focus on.</a:t>
+              <a:t>We can only store a small part of the game tree, so we do not store the complete playout runs.</a:t>
             </a:r>
           </a:p>
         </p:txBody>
@@ -27883,8 +27602,8 @@
           </a:p>
         </p:txBody>
       </p:sp>
-      <mc:AlternateContent xmlns:mc="http://schemas.openxmlformats.org/markup-compatibility/2006" xmlns:a14="http://schemas.microsoft.com/office/drawing/2010/main">
-        <mc:Choice Requires="a14">
+      <mc:AlternateContent xmlns:mc="http://schemas.openxmlformats.org/markup-compatibility/2006">
+        <mc:Choice xmlns:a14="http://schemas.microsoft.com/office/drawing/2010/main" Requires="a14">
           <p:sp>
             <p:nvSpPr>
               <p:cNvPr id="5" name="Content Placeholder 4">
@@ -27929,7 +27648,7 @@
                 </a14:m>
                 <a:r>
                   <a:rPr lang="en-US" dirty="0"/>
-                  <a:t> (e.g., dice, dealt cards) </a:t>
+                  <a:t> (e.g., dice, dealt cards).</a:t>
                 </a:r>
               </a:p>
               <a:p>
@@ -28659,7 +28378,7 @@
                 <a:pPr lvl="1"/>
                 <a:r>
                   <a:rPr lang="en-US" dirty="0"/>
-                  <a:t>Approximate </a:t>
+                  <a:t>Cut-off search and approximate </a:t>
                 </a:r>
                 <a:r>
                   <a:rPr lang="en-US" dirty="0" err="1"/>
@@ -28686,7 +28405,7 @@
             </p:txBody>
           </p:sp>
         </mc:Choice>
-        <mc:Fallback xmlns="">
+        <mc:Fallback>
           <p:sp>
             <p:nvSpPr>
               <p:cNvPr id="5" name="Content Placeholder 4">
@@ -28796,130 +28515,6 @@
 </file>
 
 <file path=ppt/slides/slide41.xml><?xml version="1.0" encoding="utf-8"?>
-<p:sld xmlns:a="http://schemas.openxmlformats.org/drawingml/2006/main" xmlns:r="http://schemas.openxmlformats.org/officeDocument/2006/relationships" xmlns:p="http://schemas.openxmlformats.org/presentationml/2006/main">
-  <p:cSld>
-    <p:spTree>
-      <p:nvGrpSpPr>
-        <p:cNvPr id="1" name=""/>
-        <p:cNvGrpSpPr/>
-        <p:nvPr/>
-      </p:nvGrpSpPr>
-      <p:grpSpPr>
-        <a:xfrm>
-          <a:off x="0" y="0"/>
-          <a:ext cx="0" cy="0"/>
-          <a:chOff x="0" y="0"/>
-          <a:chExt cx="0" cy="0"/>
-        </a:xfrm>
-      </p:grpSpPr>
-      <p:sp>
-        <p:nvSpPr>
-          <p:cNvPr id="2" name="Title 1">
-            <a:extLst>
-              <a:ext uri="{FF2B5EF4-FFF2-40B4-BE49-F238E27FC236}">
-                <a16:creationId xmlns:a16="http://schemas.microsoft.com/office/drawing/2014/main" id="{47F07165-16F2-40C2-BF6A-4E8074FA9BDB}"/>
-              </a:ext>
-            </a:extLst>
-          </p:cNvPr>
-          <p:cNvSpPr>
-            <a:spLocks noGrp="1"/>
-          </p:cNvSpPr>
-          <p:nvPr>
-            <p:ph type="title"/>
-          </p:nvPr>
-        </p:nvSpPr>
-        <p:spPr/>
-        <p:txBody>
-          <a:bodyPr/>
-          <a:lstStyle/>
-          <a:p>
-            <a:r>
-              <a:rPr lang="en-US" dirty="0"/>
-              <a:t>Other approaches</a:t>
-            </a:r>
-          </a:p>
-        </p:txBody>
-      </p:sp>
-      <p:sp>
-        <p:nvSpPr>
-          <p:cNvPr id="3" name="Content Placeholder 2">
-            <a:extLst>
-              <a:ext uri="{FF2B5EF4-FFF2-40B4-BE49-F238E27FC236}">
-                <a16:creationId xmlns:a16="http://schemas.microsoft.com/office/drawing/2014/main" id="{87EC6C22-F7E3-4510-BA9E-688BABDA6E18}"/>
-              </a:ext>
-            </a:extLst>
-          </p:cNvPr>
-          <p:cNvSpPr>
-            <a:spLocks noGrp="1"/>
-          </p:cNvSpPr>
-          <p:nvPr>
-            <p:ph idx="1"/>
-          </p:nvPr>
-        </p:nvSpPr>
-        <p:spPr/>
-        <p:txBody>
-          <a:bodyPr/>
-          <a:lstStyle/>
-          <a:p>
-            <a:pPr marL="0" indent="0">
-              <a:buNone/>
-            </a:pPr>
-            <a:r>
-              <a:rPr lang="en-US" dirty="0"/>
-              <a:t>The high branching factor favors:</a:t>
-            </a:r>
-          </a:p>
-          <a:p>
-            <a:pPr marL="0" indent="0">
-              <a:buNone/>
-            </a:pPr>
-            <a:endParaRPr lang="en-US" dirty="0"/>
-          </a:p>
-          <a:p>
-            <a:r>
-              <a:rPr lang="en-US" dirty="0"/>
-              <a:t>Heuristic </a:t>
-            </a:r>
-            <a:r>
-              <a:rPr lang="en-US" dirty="0" err="1"/>
-              <a:t>Expectiminimax</a:t>
-            </a:r>
-            <a:r>
-              <a:rPr lang="en-US" dirty="0"/>
-              <a:t> Search</a:t>
-            </a:r>
-          </a:p>
-          <a:p>
-            <a:r>
-              <a:rPr lang="en-US" dirty="0"/>
-              <a:t>Monte Carlo Tree Search</a:t>
-            </a:r>
-          </a:p>
-          <a:p>
-            <a:r>
-              <a:rPr lang="en-US" dirty="0"/>
-              <a:t>Learning evaluation functions from data with self-play (see machine learning).</a:t>
-            </a:r>
-          </a:p>
-          <a:p>
-            <a:endParaRPr lang="en-US" dirty="0"/>
-          </a:p>
-        </p:txBody>
-      </p:sp>
-    </p:spTree>
-    <p:extLst>
-      <p:ext uri="{BB962C8B-B14F-4D97-AF65-F5344CB8AC3E}">
-        <p14:creationId xmlns:p14="http://schemas.microsoft.com/office/powerpoint/2010/main" val="334533638"/>
-      </p:ext>
-    </p:extLst>
-  </p:cSld>
-  <p:clrMapOvr>
-    <a:masterClrMapping/>
-  </p:clrMapOvr>
-</p:sld>
-</file>
-
-<file path=ppt/slides/slide42.xml><?xml version="1.0" encoding="utf-8"?>
 <p:sld xmlns:a="http://schemas.openxmlformats.org/drawingml/2006/main" xmlns:r="http://schemas.openxmlformats.org/officeDocument/2006/relationships" xmlns:p="http://schemas.openxmlformats.org/presentationml/2006/main">
   <p:cSld>
     <p:bg>
@@ -29324,7 +28919,7 @@
         <p:spPr>
           <a:xfrm>
             <a:off x="4018788" y="640262"/>
-            <a:ext cx="3819289" cy="5760537"/>
+            <a:ext cx="3819289" cy="5989138"/>
           </a:xfrm>
         </p:spPr>
         <p:txBody>
@@ -29522,6 +29117,17 @@
                 </a:solidFill>
               </a:rPr>
               <a:t>Forward Pruning: ignore poor moves.</a:t>
+            </a:r>
+          </a:p>
+          <a:p>
+            <a:pPr lvl="1"/>
+            <a:r>
+              <a:rPr lang="en-US" sz="1600" dirty="0">
+                <a:solidFill>
+                  <a:schemeClr val="bg1"/>
+                </a:solidFill>
+              </a:rPr>
+              <a:t>Learn heuristic from data using MCTS </a:t>
             </a:r>
           </a:p>
           <a:p>
@@ -29707,7 +29313,7 @@
         </p:nvSpPr>
         <p:spPr>
           <a:xfrm rot="5400000">
-            <a:off x="7664343" y="5365858"/>
+            <a:off x="7664343" y="4527658"/>
             <a:ext cx="1652247" cy="369332"/>
           </a:xfrm>
           <a:prstGeom prst="rect">
@@ -29746,8 +29352,8 @@
         </p:nvSpPr>
         <p:spPr>
           <a:xfrm>
-            <a:off x="7924802" y="4946489"/>
-            <a:ext cx="76198" cy="997111"/>
+            <a:off x="7914274" y="3505200"/>
+            <a:ext cx="86726" cy="2712537"/>
           </a:xfrm>
           <a:prstGeom prst="rightBrace">
             <a:avLst>
@@ -29872,8 +29478,8 @@
           </a:prstGeom>
         </p:spPr>
       </p:pic>
-      <mc:AlternateContent xmlns:mc="http://schemas.openxmlformats.org/markup-compatibility/2006">
-        <mc:Choice xmlns:a14="http://schemas.microsoft.com/office/drawing/2010/main" Requires="a14">
+      <mc:AlternateContent xmlns:mc="http://schemas.openxmlformats.org/markup-compatibility/2006" xmlns:a14="http://schemas.microsoft.com/office/drawing/2010/main">
+        <mc:Choice Requires="a14">
           <p:sp>
             <p:nvSpPr>
               <p:cNvPr id="3" name="TextBox 2">
@@ -30139,7 +29745,7 @@
             </p:txBody>
           </p:sp>
         </mc:Choice>
-        <mc:Fallback>
+        <mc:Fallback xmlns="">
           <p:sp>
             <p:nvSpPr>
               <p:cNvPr id="3" name="TextBox 2">
@@ -32546,8 +32152,8 @@
           </a:p>
         </p:txBody>
       </p:sp>
-      <mc:AlternateContent xmlns:mc="http://schemas.openxmlformats.org/markup-compatibility/2006">
-        <mc:Choice xmlns:a14="http://schemas.microsoft.com/office/drawing/2010/main" Requires="a14">
+      <mc:AlternateContent xmlns:mc="http://schemas.openxmlformats.org/markup-compatibility/2006" xmlns:a14="http://schemas.microsoft.com/office/drawing/2010/main">
+        <mc:Choice Requires="a14">
           <p:sp>
             <p:nvSpPr>
               <p:cNvPr id="5" name="Content Placeholder 4">
@@ -32879,7 +32485,7 @@
             </p:txBody>
           </p:sp>
         </mc:Choice>
-        <mc:Fallback>
+        <mc:Fallback xmlns="">
           <p:sp>
             <p:nvSpPr>
               <p:cNvPr id="5" name="Content Placeholder 4">

--- a/slides/05_games.pptx
+++ b/slides/05_games.pptx
@@ -5,7 +5,7 @@
     <p:sldMasterId id="2147483708" r:id="rId1"/>
   </p:sldMasterIdLst>
   <p:notesMasterIdLst>
-    <p:notesMasterId r:id="rId43"/>
+    <p:notesMasterId r:id="rId44"/>
   </p:notesMasterIdLst>
   <p:sldIdLst>
     <p:sldId id="256" r:id="rId2"/>
@@ -30,25 +30,26 @@
     <p:sldId id="275" r:id="rId21"/>
     <p:sldId id="302" r:id="rId22"/>
     <p:sldId id="276" r:id="rId23"/>
-    <p:sldId id="277" r:id="rId24"/>
-    <p:sldId id="292" r:id="rId25"/>
-    <p:sldId id="289" r:id="rId26"/>
-    <p:sldId id="297" r:id="rId27"/>
-    <p:sldId id="278" r:id="rId28"/>
-    <p:sldId id="298" r:id="rId29"/>
-    <p:sldId id="279" r:id="rId30"/>
-    <p:sldId id="293" r:id="rId31"/>
-    <p:sldId id="280" r:id="rId32"/>
-    <p:sldId id="281" r:id="rId33"/>
-    <p:sldId id="282" r:id="rId34"/>
-    <p:sldId id="284" r:id="rId35"/>
-    <p:sldId id="304" r:id="rId36"/>
-    <p:sldId id="283" r:id="rId37"/>
-    <p:sldId id="303" r:id="rId38"/>
-    <p:sldId id="286" r:id="rId39"/>
-    <p:sldId id="287" r:id="rId40"/>
-    <p:sldId id="300" r:id="rId41"/>
-    <p:sldId id="288" r:id="rId42"/>
+    <p:sldId id="305" r:id="rId24"/>
+    <p:sldId id="277" r:id="rId25"/>
+    <p:sldId id="292" r:id="rId26"/>
+    <p:sldId id="289" r:id="rId27"/>
+    <p:sldId id="297" r:id="rId28"/>
+    <p:sldId id="278" r:id="rId29"/>
+    <p:sldId id="298" r:id="rId30"/>
+    <p:sldId id="279" r:id="rId31"/>
+    <p:sldId id="293" r:id="rId32"/>
+    <p:sldId id="280" r:id="rId33"/>
+    <p:sldId id="281" r:id="rId34"/>
+    <p:sldId id="282" r:id="rId35"/>
+    <p:sldId id="284" r:id="rId36"/>
+    <p:sldId id="304" r:id="rId37"/>
+    <p:sldId id="283" r:id="rId38"/>
+    <p:sldId id="303" r:id="rId39"/>
+    <p:sldId id="286" r:id="rId40"/>
+    <p:sldId id="287" r:id="rId41"/>
+    <p:sldId id="300" r:id="rId42"/>
+    <p:sldId id="288" r:id="rId43"/>
   </p:sldIdLst>
   <p:sldSz cx="9144000" cy="6858000" type="screen4x3"/>
   <p:notesSz cx="7315200" cy="9601200"/>
@@ -2771,7 +2772,7 @@
             <a:fld id="{46E2045A-045A-4BC7-A4D3-1395440B1C3D}" type="datetimeFigureOut">
               <a:rPr lang="en-US" smtClean="0"/>
               <a:pPr/>
-              <a:t>10/31/2022</a:t>
+              <a:t>11/2/2022</a:t>
             </a:fld>
             <a:endParaRPr lang="en-US"/>
           </a:p>
@@ -15642,8 +15643,8 @@
           </p:sp>
         </mc:Fallback>
       </mc:AlternateContent>
-      <mc:AlternateContent xmlns:mc="http://schemas.openxmlformats.org/markup-compatibility/2006">
-        <mc:Choice xmlns:a14="http://schemas.microsoft.com/office/drawing/2010/main" Requires="a14">
+      <mc:AlternateContent xmlns:mc="http://schemas.openxmlformats.org/markup-compatibility/2006" xmlns:a14="http://schemas.microsoft.com/office/drawing/2010/main">
+        <mc:Choice Requires="a14">
           <p:sp>
             <p:nvSpPr>
               <p:cNvPr id="56" name="TextBox 55">
@@ -15709,7 +15710,7 @@
             </p:txBody>
           </p:sp>
         </mc:Choice>
-        <mc:Fallback>
+        <mc:Fallback xmlns="">
           <p:sp>
             <p:nvSpPr>
               <p:cNvPr id="56" name="TextBox 55">
@@ -15754,8 +15755,8 @@
           </p:sp>
         </mc:Fallback>
       </mc:AlternateContent>
-      <mc:AlternateContent xmlns:mc="http://schemas.openxmlformats.org/markup-compatibility/2006">
-        <mc:Choice xmlns:a14="http://schemas.microsoft.com/office/drawing/2010/main" Requires="a14">
+      <mc:AlternateContent xmlns:mc="http://schemas.openxmlformats.org/markup-compatibility/2006" xmlns:a14="http://schemas.microsoft.com/office/drawing/2010/main">
+        <mc:Choice Requires="a14">
           <p:sp>
             <p:nvSpPr>
               <p:cNvPr id="57" name="TextBox 56">
@@ -15821,7 +15822,7 @@
             </p:txBody>
           </p:sp>
         </mc:Choice>
-        <mc:Fallback>
+        <mc:Fallback xmlns="">
           <p:sp>
             <p:nvSpPr>
               <p:cNvPr id="57" name="TextBox 56">
@@ -16759,86 +16760,6 @@
       </p:sp>
       <p:sp>
         <p:nvSpPr>
-          <p:cNvPr id="10" name="TextBox 9">
-            <a:extLst>
-              <a:ext uri="{FF2B5EF4-FFF2-40B4-BE49-F238E27FC236}">
-                <a16:creationId xmlns:a16="http://schemas.microsoft.com/office/drawing/2014/main" id="{F1C06FF1-A35B-4745-A762-7742FEDA0ADA}"/>
-              </a:ext>
-            </a:extLst>
-          </p:cNvPr>
-          <p:cNvSpPr txBox="1"/>
-          <p:nvPr/>
-        </p:nvSpPr>
-        <p:spPr>
-          <a:xfrm>
-            <a:off x="7239000" y="3443279"/>
-            <a:ext cx="1862176" cy="3077766"/>
-          </a:xfrm>
-          <a:prstGeom prst="rect">
-            <a:avLst/>
-          </a:prstGeom>
-        </p:spPr>
-        <p:style>
-          <a:lnRef idx="3">
-            <a:schemeClr val="lt1"/>
-          </a:lnRef>
-          <a:fillRef idx="1">
-            <a:schemeClr val="accent6"/>
-          </a:fillRef>
-          <a:effectRef idx="1">
-            <a:schemeClr val="accent6"/>
-          </a:effectRef>
-          <a:fontRef idx="minor">
-            <a:schemeClr val="lt1"/>
-          </a:fontRef>
-        </p:style>
-        <p:txBody>
-          <a:bodyPr wrap="square" rtlCol="0">
-            <a:spAutoFit/>
-          </a:bodyPr>
-          <a:lstStyle/>
-          <a:p>
-            <a:r>
-              <a:rPr lang="en-US" b="1" dirty="0"/>
-              <a:t>Notes</a:t>
-            </a:r>
-            <a:r>
-              <a:rPr lang="en-US" dirty="0"/>
-              <a:t>: </a:t>
-            </a:r>
-          </a:p>
-          <a:p>
-            <a:pPr marL="285750" indent="-285750">
-              <a:buFont typeface="Arial" panose="020B0604020202020204" pitchFamily="34" charset="0"/>
-              <a:buChar char="•"/>
-            </a:pPr>
-            <a:r>
-              <a:rPr lang="en-US" sz="1600" dirty="0"/>
-              <a:t>Pruning can be made more effective by </a:t>
-            </a:r>
-            <a:r>
-              <a:rPr lang="en-US" sz="1600" b="1" dirty="0"/>
-              <a:t>move ordering</a:t>
-            </a:r>
-            <a:r>
-              <a:rPr lang="en-US" sz="1600" dirty="0"/>
-              <a:t>: Check known good moves first to get a good bound early.</a:t>
-            </a:r>
-          </a:p>
-          <a:p>
-            <a:pPr marL="285750" indent="-285750">
-              <a:buFont typeface="Arial" panose="020B0604020202020204" pitchFamily="34" charset="0"/>
-              <a:buChar char="•"/>
-            </a:pPr>
-            <a:r>
-              <a:rPr lang="en-US" sz="1600" dirty="0"/>
-              <a:t>Optimal decision algorithms still scale poorly!</a:t>
-            </a:r>
-          </a:p>
-        </p:txBody>
-      </p:sp>
-      <p:sp>
-        <p:nvSpPr>
           <p:cNvPr id="2" name="Speech Bubble: Rectangle 1">
             <a:extLst>
               <a:ext uri="{FF2B5EF4-FFF2-40B4-BE49-F238E27FC236}">
@@ -17101,6 +17022,156 @@
 </file>
 
 <file path=ppt/slides/slide23.xml><?xml version="1.0" encoding="utf-8"?>
+<p:sld xmlns:a="http://schemas.openxmlformats.org/drawingml/2006/main" xmlns:r="http://schemas.openxmlformats.org/officeDocument/2006/relationships" xmlns:p="http://schemas.openxmlformats.org/presentationml/2006/main">
+  <p:cSld>
+    <p:spTree>
+      <p:nvGrpSpPr>
+        <p:cNvPr id="1" name=""/>
+        <p:cNvGrpSpPr/>
+        <p:nvPr/>
+      </p:nvGrpSpPr>
+      <p:grpSpPr>
+        <a:xfrm>
+          <a:off x="0" y="0"/>
+          <a:ext cx="0" cy="0"/>
+          <a:chOff x="0" y="0"/>
+          <a:chExt cx="0" cy="0"/>
+        </a:xfrm>
+      </p:grpSpPr>
+      <p:sp>
+        <p:nvSpPr>
+          <p:cNvPr id="2" name="Title 1">
+            <a:extLst>
+              <a:ext uri="{FF2B5EF4-FFF2-40B4-BE49-F238E27FC236}">
+                <a16:creationId xmlns:a16="http://schemas.microsoft.com/office/drawing/2014/main" id="{E1A8D6DE-1218-FDAF-3734-B4A4BB2D5E32}"/>
+              </a:ext>
+            </a:extLst>
+          </p:cNvPr>
+          <p:cNvSpPr>
+            <a:spLocks noGrp="1"/>
+          </p:cNvSpPr>
+          <p:nvPr>
+            <p:ph type="title"/>
+          </p:nvPr>
+        </p:nvSpPr>
+        <p:spPr/>
+        <p:txBody>
+          <a:bodyPr>
+            <a:normAutofit/>
+          </a:bodyPr>
+          <a:lstStyle/>
+          <a:p>
+            <a:r>
+              <a:rPr lang="en-US" sz="4000" dirty="0"/>
+              <a:t>Move Ordering for Alpha-Beta Search</a:t>
+            </a:r>
+          </a:p>
+        </p:txBody>
+      </p:sp>
+      <p:sp>
+        <p:nvSpPr>
+          <p:cNvPr id="3" name="Content Placeholder 2">
+            <a:extLst>
+              <a:ext uri="{FF2B5EF4-FFF2-40B4-BE49-F238E27FC236}">
+                <a16:creationId xmlns:a16="http://schemas.microsoft.com/office/drawing/2014/main" id="{1E63C81C-C722-6E32-05D7-279EB3694D55}"/>
+              </a:ext>
+            </a:extLst>
+          </p:cNvPr>
+          <p:cNvSpPr>
+            <a:spLocks noGrp="1"/>
+          </p:cNvSpPr>
+          <p:nvPr>
+            <p:ph idx="1"/>
+          </p:nvPr>
+        </p:nvSpPr>
+        <p:spPr/>
+        <p:txBody>
+          <a:bodyPr>
+            <a:normAutofit fontScale="77500" lnSpcReduction="20000"/>
+          </a:bodyPr>
+          <a:lstStyle/>
+          <a:p>
+            <a:r>
+              <a:rPr lang="en-US" b="1" dirty="0"/>
+              <a:t>Idea: </a:t>
+            </a:r>
+            <a:r>
+              <a:rPr lang="en-US" dirty="0"/>
+              <a:t>Pruning is more effective if good alpha-beta bounds can be found in the first few checked subtrees.</a:t>
+            </a:r>
+          </a:p>
+          <a:p>
+            <a:endParaRPr lang="en-US" dirty="0"/>
+          </a:p>
+          <a:p>
+            <a:r>
+              <a:rPr lang="en-US" b="1" dirty="0"/>
+              <a:t>Move ordering for DFS </a:t>
+            </a:r>
+            <a:r>
+              <a:rPr lang="en-US" dirty="0"/>
+              <a:t>= </a:t>
+            </a:r>
+            <a:r>
+              <a:rPr lang="en-US" sz="2800" dirty="0"/>
+              <a:t>Check good moves for </a:t>
+            </a:r>
+            <a:r>
+              <a:rPr lang="en-US" dirty="0"/>
+              <a:t>Min and Max </a:t>
+            </a:r>
+            <a:r>
+              <a:rPr lang="en-US" sz="2800" dirty="0"/>
+              <a:t>first.</a:t>
+            </a:r>
+          </a:p>
+          <a:p>
+            <a:endParaRPr lang="en-US" sz="2800" dirty="0"/>
+          </a:p>
+          <a:p>
+            <a:r>
+              <a:rPr lang="en-US" sz="2800" dirty="0"/>
+              <a:t>We need expert knowledge or some heuristic to determine what a good move is.</a:t>
+            </a:r>
+          </a:p>
+          <a:p>
+            <a:endParaRPr lang="en-US" dirty="0"/>
+          </a:p>
+          <a:p>
+            <a:endParaRPr lang="en-US" dirty="0"/>
+          </a:p>
+          <a:p>
+            <a:endParaRPr lang="en-US" dirty="0"/>
+          </a:p>
+          <a:p>
+            <a:r>
+              <a:rPr lang="en-US" b="1" dirty="0"/>
+              <a:t>Issue: </a:t>
+            </a:r>
+            <a:r>
+              <a:rPr lang="en-US" sz="2800" dirty="0"/>
+              <a:t>Optimal decision algorithms still scale poorly even when using alpha-beta pruning with move ordering.</a:t>
+            </a:r>
+          </a:p>
+          <a:p>
+            <a:endParaRPr lang="en-US" dirty="0"/>
+          </a:p>
+        </p:txBody>
+      </p:sp>
+    </p:spTree>
+    <p:extLst>
+      <p:ext uri="{BB962C8B-B14F-4D97-AF65-F5344CB8AC3E}">
+        <p14:creationId xmlns:p14="http://schemas.microsoft.com/office/powerpoint/2010/main" val="520730292"/>
+      </p:ext>
+    </p:extLst>
+  </p:cSld>
+  <p:clrMapOvr>
+    <a:masterClrMapping/>
+  </p:clrMapOvr>
+</p:sld>
+</file>
+
+<file path=ppt/slides/slide24.xml><?xml version="1.0" encoding="utf-8"?>
 <p:sld xmlns:a="http://schemas.openxmlformats.org/drawingml/2006/main" xmlns:r="http://schemas.openxmlformats.org/officeDocument/2006/relationships" xmlns:p="http://schemas.openxmlformats.org/presentationml/2006/main">
   <p:cSld>
     <p:bg>
@@ -17328,7 +17399,7 @@
 </p:sld>
 </file>
 
-<file path=ppt/slides/slide24.xml><?xml version="1.0" encoding="utf-8"?>
+<file path=ppt/slides/slide25.xml><?xml version="1.0" encoding="utf-8"?>
 <p:sld xmlns:a="http://schemas.openxmlformats.org/drawingml/2006/main" xmlns:r="http://schemas.openxmlformats.org/officeDocument/2006/relationships" xmlns:p="http://schemas.openxmlformats.org/presentationml/2006/main">
   <p:cSld>
     <p:bg>
@@ -17938,7 +18009,7 @@
 </p:sld>
 </file>
 
-<file path=ppt/slides/slide25.xml><?xml version="1.0" encoding="utf-8"?>
+<file path=ppt/slides/slide26.xml><?xml version="1.0" encoding="utf-8"?>
 <p:sld xmlns:a="http://schemas.openxmlformats.org/drawingml/2006/main" xmlns:r="http://schemas.openxmlformats.org/officeDocument/2006/relationships" xmlns:p="http://schemas.openxmlformats.org/presentationml/2006/main">
   <p:cSld>
     <p:spTree>
@@ -17983,8 +18054,8 @@
           </a:p>
         </p:txBody>
       </p:sp>
-      <mc:AlternateContent xmlns:mc="http://schemas.openxmlformats.org/markup-compatibility/2006">
-        <mc:Choice xmlns:a14="http://schemas.microsoft.com/office/drawing/2010/main" Requires="a14">
+      <mc:AlternateContent xmlns:mc="http://schemas.openxmlformats.org/markup-compatibility/2006" xmlns:a14="http://schemas.microsoft.com/office/drawing/2010/main">
+        <mc:Choice Requires="a14">
           <p:sp>
             <p:nvSpPr>
               <p:cNvPr id="5" name="Content Placeholder 4">
@@ -18570,7 +18641,7 @@
             </p:txBody>
           </p:sp>
         </mc:Choice>
-        <mc:Fallback>
+        <mc:Fallback xmlns="">
           <p:sp>
             <p:nvSpPr>
               <p:cNvPr id="5" name="Content Placeholder 4">
@@ -18623,7 +18694,7 @@
 </p:sld>
 </file>
 
-<file path=ppt/slides/slide26.xml><?xml version="1.0" encoding="utf-8"?>
+<file path=ppt/slides/slide27.xml><?xml version="1.0" encoding="utf-8"?>
 <p:sld xmlns:a="http://schemas.openxmlformats.org/drawingml/2006/main" xmlns:r="http://schemas.openxmlformats.org/officeDocument/2006/relationships" xmlns:p="http://schemas.openxmlformats.org/presentationml/2006/main">
   <p:cSld>
     <p:spTree>
@@ -19861,180 +19932,6 @@
     <p:extLst>
       <p:ext uri="{BB962C8B-B14F-4D97-AF65-F5344CB8AC3E}">
         <p14:creationId xmlns:p14="http://schemas.microsoft.com/office/powerpoint/2010/main" val="688209942"/>
-      </p:ext>
-    </p:extLst>
-  </p:cSld>
-  <p:clrMapOvr>
-    <a:masterClrMapping/>
-  </p:clrMapOvr>
-</p:sld>
-</file>
-
-<file path=ppt/slides/slide27.xml><?xml version="1.0" encoding="utf-8"?>
-<p:sld xmlns:a="http://schemas.openxmlformats.org/drawingml/2006/main" xmlns:r="http://schemas.openxmlformats.org/officeDocument/2006/relationships" xmlns:p="http://schemas.openxmlformats.org/presentationml/2006/main">
-  <p:cSld>
-    <p:spTree>
-      <p:nvGrpSpPr>
-        <p:cNvPr id="1" name=""/>
-        <p:cNvGrpSpPr/>
-        <p:nvPr/>
-      </p:nvGrpSpPr>
-      <p:grpSpPr>
-        <a:xfrm>
-          <a:off x="0" y="0"/>
-          <a:ext cx="0" cy="0"/>
-          <a:chOff x="0" y="0"/>
-          <a:chExt cx="0" cy="0"/>
-        </a:xfrm>
-      </p:grpSpPr>
-      <p:sp>
-        <p:nvSpPr>
-          <p:cNvPr id="4" name="Title 3">
-            <a:extLst>
-              <a:ext uri="{FF2B5EF4-FFF2-40B4-BE49-F238E27FC236}">
-                <a16:creationId xmlns:a16="http://schemas.microsoft.com/office/drawing/2014/main" id="{88FA1E8F-C7CE-4612-AADE-D5EE0193870F}"/>
-              </a:ext>
-            </a:extLst>
-          </p:cNvPr>
-          <p:cNvSpPr>
-            <a:spLocks noGrp="1"/>
-          </p:cNvSpPr>
-          <p:nvPr>
-            <p:ph type="title"/>
-          </p:nvPr>
-        </p:nvSpPr>
-        <p:spPr/>
-        <p:txBody>
-          <a:bodyPr/>
-          <a:lstStyle/>
-          <a:p>
-            <a:r>
-              <a:rPr lang="en-US" dirty="0"/>
-              <a:t>Forward pruning</a:t>
-            </a:r>
-          </a:p>
-        </p:txBody>
-      </p:sp>
-      <p:sp>
-        <p:nvSpPr>
-          <p:cNvPr id="5" name="Content Placeholder 4">
-            <a:extLst>
-              <a:ext uri="{FF2B5EF4-FFF2-40B4-BE49-F238E27FC236}">
-                <a16:creationId xmlns:a16="http://schemas.microsoft.com/office/drawing/2014/main" id="{72E9FF16-3582-40D1-A77B-69BFE9567D61}"/>
-              </a:ext>
-            </a:extLst>
-          </p:cNvPr>
-          <p:cNvSpPr>
-            <a:spLocks noGrp="1"/>
-          </p:cNvSpPr>
-          <p:nvPr>
-            <p:ph idx="1"/>
-          </p:nvPr>
-        </p:nvSpPr>
-        <p:spPr/>
-        <p:txBody>
-          <a:bodyPr>
-            <a:normAutofit fontScale="85000" lnSpcReduction="20000"/>
-          </a:bodyPr>
-          <a:lstStyle/>
-          <a:p>
-            <a:pPr marL="514350" indent="-514350">
-              <a:buFont typeface="+mj-lt"/>
-              <a:buAutoNum type="alphaLcPeriod"/>
-            </a:pPr>
-            <a:endParaRPr lang="en-US" b="1" dirty="0"/>
-          </a:p>
-          <a:p>
-            <a:pPr marL="0" indent="0">
-              <a:buNone/>
-            </a:pPr>
-            <a:r>
-              <a:rPr lang="en-US" dirty="0"/>
-              <a:t>To save time, we can prune moves that appear bad. </a:t>
-            </a:r>
-          </a:p>
-          <a:p>
-            <a:pPr marL="0" indent="0">
-              <a:buNone/>
-            </a:pPr>
-            <a:endParaRPr lang="en-US" dirty="0"/>
-          </a:p>
-          <a:p>
-            <a:pPr marL="0" indent="0">
-              <a:buNone/>
-            </a:pPr>
-            <a:r>
-              <a:rPr lang="en-US" dirty="0"/>
-              <a:t>There are many ways move quality can be evaluated:</a:t>
-            </a:r>
-          </a:p>
-          <a:p>
-            <a:pPr marL="0" indent="0">
-              <a:buNone/>
-            </a:pPr>
-            <a:endParaRPr lang="en-US" dirty="0"/>
-          </a:p>
-          <a:p>
-            <a:pPr lvl="1"/>
-            <a:r>
-              <a:rPr lang="en-US" dirty="0"/>
-              <a:t>Low heuristic value.</a:t>
-            </a:r>
-          </a:p>
-          <a:p>
-            <a:pPr lvl="1"/>
-            <a:r>
-              <a:rPr lang="en-US" dirty="0"/>
-              <a:t>Low evaluation value after shallow search (cut-off search).</a:t>
-            </a:r>
-          </a:p>
-          <a:p>
-            <a:pPr lvl="1"/>
-            <a:r>
-              <a:rPr lang="en-US" dirty="0"/>
-              <a:t>Past experience.</a:t>
-            </a:r>
-          </a:p>
-          <a:p>
-            <a:pPr marL="0" indent="0">
-              <a:buNone/>
-            </a:pPr>
-            <a:endParaRPr lang="en-US" dirty="0"/>
-          </a:p>
-          <a:p>
-            <a:pPr marL="0" indent="0">
-              <a:buNone/>
-            </a:pPr>
-            <a:endParaRPr lang="en-US" dirty="0"/>
-          </a:p>
-          <a:p>
-            <a:pPr marL="0" indent="0">
-              <a:buNone/>
-            </a:pPr>
-            <a:br>
-              <a:rPr lang="en-US" dirty="0"/>
-            </a:br>
-            <a:r>
-              <a:rPr lang="en-US" b="1" dirty="0"/>
-              <a:t>Issue</a:t>
-            </a:r>
-            <a:r>
-              <a:rPr lang="en-US" dirty="0"/>
-              <a:t>: May prune important moves.</a:t>
-            </a:r>
-          </a:p>
-          <a:p>
-            <a:endParaRPr lang="en-US" dirty="0"/>
-          </a:p>
-          <a:p>
-            <a:endParaRPr lang="en-US" dirty="0"/>
-          </a:p>
-        </p:txBody>
-      </p:sp>
-    </p:spTree>
-    <p:extLst>
-      <p:ext uri="{BB962C8B-B14F-4D97-AF65-F5344CB8AC3E}">
-        <p14:creationId xmlns:p14="http://schemas.microsoft.com/office/powerpoint/2010/main" val="3779540540"/>
       </p:ext>
     </p:extLst>
   </p:cSld>
@@ -20063,6 +19960,180 @@
       </p:grpSpPr>
       <p:sp>
         <p:nvSpPr>
+          <p:cNvPr id="4" name="Title 3">
+            <a:extLst>
+              <a:ext uri="{FF2B5EF4-FFF2-40B4-BE49-F238E27FC236}">
+                <a16:creationId xmlns:a16="http://schemas.microsoft.com/office/drawing/2014/main" id="{88FA1E8F-C7CE-4612-AADE-D5EE0193870F}"/>
+              </a:ext>
+            </a:extLst>
+          </p:cNvPr>
+          <p:cNvSpPr>
+            <a:spLocks noGrp="1"/>
+          </p:cNvSpPr>
+          <p:nvPr>
+            <p:ph type="title"/>
+          </p:nvPr>
+        </p:nvSpPr>
+        <p:spPr/>
+        <p:txBody>
+          <a:bodyPr/>
+          <a:lstStyle/>
+          <a:p>
+            <a:r>
+              <a:rPr lang="en-US" dirty="0"/>
+              <a:t>Forward pruning</a:t>
+            </a:r>
+          </a:p>
+        </p:txBody>
+      </p:sp>
+      <p:sp>
+        <p:nvSpPr>
+          <p:cNvPr id="5" name="Content Placeholder 4">
+            <a:extLst>
+              <a:ext uri="{FF2B5EF4-FFF2-40B4-BE49-F238E27FC236}">
+                <a16:creationId xmlns:a16="http://schemas.microsoft.com/office/drawing/2014/main" id="{72E9FF16-3582-40D1-A77B-69BFE9567D61}"/>
+              </a:ext>
+            </a:extLst>
+          </p:cNvPr>
+          <p:cNvSpPr>
+            <a:spLocks noGrp="1"/>
+          </p:cNvSpPr>
+          <p:nvPr>
+            <p:ph idx="1"/>
+          </p:nvPr>
+        </p:nvSpPr>
+        <p:spPr/>
+        <p:txBody>
+          <a:bodyPr>
+            <a:normAutofit fontScale="85000" lnSpcReduction="20000"/>
+          </a:bodyPr>
+          <a:lstStyle/>
+          <a:p>
+            <a:pPr marL="514350" indent="-514350">
+              <a:buFont typeface="+mj-lt"/>
+              <a:buAutoNum type="alphaLcPeriod"/>
+            </a:pPr>
+            <a:endParaRPr lang="en-US" b="1" dirty="0"/>
+          </a:p>
+          <a:p>
+            <a:pPr marL="0" indent="0">
+              <a:buNone/>
+            </a:pPr>
+            <a:r>
+              <a:rPr lang="en-US" dirty="0"/>
+              <a:t>To save time, we can prune moves that appear bad. </a:t>
+            </a:r>
+          </a:p>
+          <a:p>
+            <a:pPr marL="0" indent="0">
+              <a:buNone/>
+            </a:pPr>
+            <a:endParaRPr lang="en-US" dirty="0"/>
+          </a:p>
+          <a:p>
+            <a:pPr marL="0" indent="0">
+              <a:buNone/>
+            </a:pPr>
+            <a:r>
+              <a:rPr lang="en-US" dirty="0"/>
+              <a:t>There are many ways move quality can be evaluated:</a:t>
+            </a:r>
+          </a:p>
+          <a:p>
+            <a:pPr marL="0" indent="0">
+              <a:buNone/>
+            </a:pPr>
+            <a:endParaRPr lang="en-US" dirty="0"/>
+          </a:p>
+          <a:p>
+            <a:pPr lvl="1"/>
+            <a:r>
+              <a:rPr lang="en-US" dirty="0"/>
+              <a:t>Low heuristic value.</a:t>
+            </a:r>
+          </a:p>
+          <a:p>
+            <a:pPr lvl="1"/>
+            <a:r>
+              <a:rPr lang="en-US" dirty="0"/>
+              <a:t>Low evaluation value after shallow search (cut-off search).</a:t>
+            </a:r>
+          </a:p>
+          <a:p>
+            <a:pPr lvl="1"/>
+            <a:r>
+              <a:rPr lang="en-US" dirty="0"/>
+              <a:t>Past experience.</a:t>
+            </a:r>
+          </a:p>
+          <a:p>
+            <a:pPr marL="0" indent="0">
+              <a:buNone/>
+            </a:pPr>
+            <a:endParaRPr lang="en-US" dirty="0"/>
+          </a:p>
+          <a:p>
+            <a:pPr marL="0" indent="0">
+              <a:buNone/>
+            </a:pPr>
+            <a:endParaRPr lang="en-US" dirty="0"/>
+          </a:p>
+          <a:p>
+            <a:pPr marL="0" indent="0">
+              <a:buNone/>
+            </a:pPr>
+            <a:br>
+              <a:rPr lang="en-US" dirty="0"/>
+            </a:br>
+            <a:r>
+              <a:rPr lang="en-US" b="1" dirty="0"/>
+              <a:t>Issue</a:t>
+            </a:r>
+            <a:r>
+              <a:rPr lang="en-US" dirty="0"/>
+              <a:t>: May prune important moves.</a:t>
+            </a:r>
+          </a:p>
+          <a:p>
+            <a:endParaRPr lang="en-US" dirty="0"/>
+          </a:p>
+          <a:p>
+            <a:endParaRPr lang="en-US" dirty="0"/>
+          </a:p>
+        </p:txBody>
+      </p:sp>
+    </p:spTree>
+    <p:extLst>
+      <p:ext uri="{BB962C8B-B14F-4D97-AF65-F5344CB8AC3E}">
+        <p14:creationId xmlns:p14="http://schemas.microsoft.com/office/powerpoint/2010/main" val="3779540540"/>
+      </p:ext>
+    </p:extLst>
+  </p:cSld>
+  <p:clrMapOvr>
+    <a:masterClrMapping/>
+  </p:clrMapOvr>
+</p:sld>
+</file>
+
+<file path=ppt/slides/slide29.xml><?xml version="1.0" encoding="utf-8"?>
+<p:sld xmlns:a="http://schemas.openxmlformats.org/drawingml/2006/main" xmlns:r="http://schemas.openxmlformats.org/officeDocument/2006/relationships" xmlns:p="http://schemas.openxmlformats.org/presentationml/2006/main">
+  <p:cSld>
+    <p:spTree>
+      <p:nvGrpSpPr>
+        <p:cNvPr id="1" name=""/>
+        <p:cNvGrpSpPr/>
+        <p:nvPr/>
+      </p:nvGrpSpPr>
+      <p:grpSpPr>
+        <a:xfrm>
+          <a:off x="0" y="0"/>
+          <a:ext cx="0" cy="0"/>
+          <a:chOff x="0" y="0"/>
+          <a:chExt cx="0" cy="0"/>
+        </a:xfrm>
+      </p:grpSpPr>
+      <p:sp>
+        <p:nvSpPr>
           <p:cNvPr id="2" name="Title 1">
             <a:extLst>
               <a:ext uri="{FF2B5EF4-FFF2-40B4-BE49-F238E27FC236}">
@@ -21427,237 +21498,6 @@
   </p:cSld>
   <p:clrMapOvr>
     <a:masterClrMapping/>
-  </p:clrMapOvr>
-</p:sld>
-</file>
-
-<file path=ppt/slides/slide29.xml><?xml version="1.0" encoding="utf-8"?>
-<p:sld xmlns:a="http://schemas.openxmlformats.org/drawingml/2006/main" xmlns:r="http://schemas.openxmlformats.org/officeDocument/2006/relationships" xmlns:p="http://schemas.openxmlformats.org/presentationml/2006/main">
-  <p:cSld>
-    <p:bg>
-      <p:bgPr>
-        <a:solidFill>
-          <a:srgbClr val="000000"/>
-        </a:solidFill>
-        <a:effectLst/>
-      </p:bgPr>
-    </p:bg>
-    <p:spTree>
-      <p:nvGrpSpPr>
-        <p:cNvPr id="1" name=""/>
-        <p:cNvGrpSpPr/>
-        <p:nvPr/>
-      </p:nvGrpSpPr>
-      <p:grpSpPr>
-        <a:xfrm>
-          <a:off x="0" y="0"/>
-          <a:ext cx="0" cy="0"/>
-          <a:chOff x="0" y="0"/>
-          <a:chExt cx="0" cy="0"/>
-        </a:xfrm>
-      </p:grpSpPr>
-      <p:sp>
-        <p:nvSpPr>
-          <p:cNvPr id="71" name="Rectangle 70">
-            <a:extLst>
-              <a:ext uri="{FF2B5EF4-FFF2-40B4-BE49-F238E27FC236}">
-                <a16:creationId xmlns:a16="http://schemas.microsoft.com/office/drawing/2014/main" id="{71B2258F-86CA-4D4D-8270-BC05FCDEBFB3}"/>
-              </a:ext>
-              <a:ext uri="{C183D7F6-B498-43B3-948B-1728B52AA6E4}">
-                <adec:decorative xmlns:adec="http://schemas.microsoft.com/office/drawing/2017/decorative" val="1"/>
-              </a:ext>
-            </a:extLst>
-          </p:cNvPr>
-          <p:cNvSpPr>
-            <a:spLocks noGrp="1" noRot="1" noChangeAspect="1" noMove="1" noResize="1" noEditPoints="1" noAdjustHandles="1" noChangeArrowheads="1" noChangeShapeType="1" noTextEdit="1"/>
-          </p:cNvSpPr>
-          <p:nvPr>
-            <p:extLst>
-              <p:ext uri="{386F3935-93C4-4BCD-93E2-E3B085C9AB24}">
-                <p16:designElem xmlns:p16="http://schemas.microsoft.com/office/powerpoint/2015/main" val="1"/>
-              </p:ext>
-            </p:extLst>
-          </p:nvPr>
-        </p:nvSpPr>
-        <p:spPr>
-          <a:xfrm>
-            <a:off x="0" y="0"/>
-            <a:ext cx="9144000" cy="6857999"/>
-          </a:xfrm>
-          <a:prstGeom prst="rect">
-            <a:avLst/>
-          </a:prstGeom>
-          <a:solidFill>
-            <a:srgbClr val="000000"/>
-          </a:solidFill>
-          <a:ln>
-            <a:noFill/>
-          </a:ln>
-        </p:spPr>
-        <p:style>
-          <a:lnRef idx="2">
-            <a:schemeClr val="accent1">
-              <a:shade val="50000"/>
-            </a:schemeClr>
-          </a:lnRef>
-          <a:fillRef idx="1">
-            <a:schemeClr val="accent1"/>
-          </a:fillRef>
-          <a:effectRef idx="0">
-            <a:schemeClr val="accent1"/>
-          </a:effectRef>
-          <a:fontRef idx="minor">
-            <a:schemeClr val="lt1"/>
-          </a:fontRef>
-        </p:style>
-        <p:txBody>
-          <a:bodyPr rtlCol="0" anchor="ctr"/>
-          <a:lstStyle/>
-          <a:p>
-            <a:pPr algn="ctr"/>
-            <a:endParaRPr lang="en-US"/>
-          </a:p>
-        </p:txBody>
-      </p:sp>
-      <p:pic>
-        <p:nvPicPr>
-          <p:cNvPr id="3074" name="Picture 2" descr="Image result for roulette">
-            <a:extLst>
-              <a:ext uri="{FF2B5EF4-FFF2-40B4-BE49-F238E27FC236}">
-                <a16:creationId xmlns:a16="http://schemas.microsoft.com/office/drawing/2014/main" id="{AF3FA02C-9522-4D90-A733-E1DA50E241B2}"/>
-              </a:ext>
-            </a:extLst>
-          </p:cNvPr>
-          <p:cNvPicPr>
-            <a:picLocks noChangeAspect="1" noChangeArrowheads="1"/>
-          </p:cNvPicPr>
-          <p:nvPr/>
-        </p:nvPicPr>
-        <p:blipFill rotWithShape="1">
-          <a:blip r:embed="rId2">
-            <a:alphaModFix amt="50000"/>
-            <a:extLst>
-              <a:ext uri="{28A0092B-C50C-407E-A947-70E740481C1C}">
-                <a14:useLocalDpi xmlns:a14="http://schemas.microsoft.com/office/drawing/2010/main" val="0"/>
-              </a:ext>
-            </a:extLst>
-          </a:blip>
-          <a:srcRect l="6200" r="4799" b="-2"/>
-          <a:stretch/>
-        </p:blipFill>
-        <p:spPr bwMode="auto">
-          <a:xfrm>
-            <a:off x="20" y="1"/>
-            <a:ext cx="9143980" cy="6857999"/>
-          </a:xfrm>
-          <a:prstGeom prst="rect">
-            <a:avLst/>
-          </a:prstGeom>
-          <a:noFill/>
-          <a:extLst>
-            <a:ext uri="{909E8E84-426E-40DD-AFC4-6F175D3DCCD1}">
-              <a14:hiddenFill xmlns:a14="http://schemas.microsoft.com/office/drawing/2010/main">
-                <a:solidFill>
-                  <a:srgbClr val="FFFFFF"/>
-                </a:solidFill>
-              </a14:hiddenFill>
-            </a:ext>
-          </a:extLst>
-        </p:spPr>
-      </p:pic>
-      <p:sp>
-        <p:nvSpPr>
-          <p:cNvPr id="4" name="Title 3">
-            <a:extLst>
-              <a:ext uri="{FF2B5EF4-FFF2-40B4-BE49-F238E27FC236}">
-                <a16:creationId xmlns:a16="http://schemas.microsoft.com/office/drawing/2014/main" id="{37EB4577-A182-4DCC-9D58-BA5AD1F4F6B2}"/>
-              </a:ext>
-            </a:extLst>
-          </p:cNvPr>
-          <p:cNvSpPr>
-            <a:spLocks noGrp="1"/>
-          </p:cNvSpPr>
-          <p:nvPr>
-            <p:ph type="title"/>
-          </p:nvPr>
-        </p:nvSpPr>
-        <p:spPr>
-          <a:xfrm>
-            <a:off x="1143000" y="1122362"/>
-            <a:ext cx="6858000" cy="2900518"/>
-          </a:xfrm>
-        </p:spPr>
-        <p:txBody>
-          <a:bodyPr vert="horz" lIns="91440" tIns="45720" rIns="91440" bIns="45720" rtlCol="0" anchor="b">
-            <a:normAutofit/>
-          </a:bodyPr>
-          <a:lstStyle/>
-          <a:p>
-            <a:pPr algn="ctr"/>
-            <a:r>
-              <a:rPr lang="en-US" b="1" dirty="0">
-                <a:solidFill>
-                  <a:srgbClr val="FFFFFF"/>
-                </a:solidFill>
-                <a:effectLst>
-                  <a:outerShdw blurRad="38100" dist="38100" dir="2700000" algn="tl">
-                    <a:srgbClr val="000000">
-                      <a:alpha val="43137"/>
-                    </a:srgbClr>
-                  </a:outerShdw>
-                </a:effectLst>
-              </a:rPr>
-              <a:t>Monte Carlo Tree Search (MCTS)</a:t>
-            </a:r>
-          </a:p>
-        </p:txBody>
-      </p:sp>
-      <p:sp>
-        <p:nvSpPr>
-          <p:cNvPr id="5" name="Text Placeholder 4">
-            <a:extLst>
-              <a:ext uri="{FF2B5EF4-FFF2-40B4-BE49-F238E27FC236}">
-                <a16:creationId xmlns:a16="http://schemas.microsoft.com/office/drawing/2014/main" id="{4CB8F61D-4C0E-4612-A028-69D4839D73EC}"/>
-              </a:ext>
-            </a:extLst>
-          </p:cNvPr>
-          <p:cNvSpPr>
-            <a:spLocks noGrp="1"/>
-          </p:cNvSpPr>
-          <p:nvPr>
-            <p:ph type="body" idx="1"/>
-          </p:nvPr>
-        </p:nvSpPr>
-        <p:spPr>
-          <a:xfrm>
-            <a:off x="1143000" y="4159404"/>
-            <a:ext cx="6858000" cy="1098395"/>
-          </a:xfrm>
-        </p:spPr>
-        <p:txBody>
-          <a:bodyPr vert="horz" lIns="91440" tIns="45720" rIns="91440" bIns="45720" rtlCol="0">
-            <a:normAutofit/>
-          </a:bodyPr>
-          <a:lstStyle/>
-          <a:p>
-            <a:pPr algn="ctr"/>
-            <a:endParaRPr lang="en-US">
-              <a:solidFill>
-                <a:srgbClr val="FFFFFF"/>
-              </a:solidFill>
-            </a:endParaRPr>
-          </a:p>
-        </p:txBody>
-      </p:sp>
-    </p:spTree>
-    <p:extLst>
-      <p:ext uri="{BB962C8B-B14F-4D97-AF65-F5344CB8AC3E}">
-        <p14:creationId xmlns:p14="http://schemas.microsoft.com/office/powerpoint/2010/main" val="3688985318"/>
-      </p:ext>
-    </p:extLst>
-  </p:cSld>
-  <p:clrMapOvr>
-    <a:overrideClrMapping bg1="dk1" tx1="lt1" bg2="dk2" tx2="lt2" accent1="accent1" accent2="accent2" accent3="accent3" accent4="accent4" accent5="accent5" accent6="accent6" hlink="hlink" folHlink="folHlink"/>
   </p:clrMapOvr>
 </p:sld>
 </file>
@@ -22164,6 +22004,237 @@
     <p:bg>
       <p:bgPr>
         <a:solidFill>
+          <a:srgbClr val="000000"/>
+        </a:solidFill>
+        <a:effectLst/>
+      </p:bgPr>
+    </p:bg>
+    <p:spTree>
+      <p:nvGrpSpPr>
+        <p:cNvPr id="1" name=""/>
+        <p:cNvGrpSpPr/>
+        <p:nvPr/>
+      </p:nvGrpSpPr>
+      <p:grpSpPr>
+        <a:xfrm>
+          <a:off x="0" y="0"/>
+          <a:ext cx="0" cy="0"/>
+          <a:chOff x="0" y="0"/>
+          <a:chExt cx="0" cy="0"/>
+        </a:xfrm>
+      </p:grpSpPr>
+      <p:sp>
+        <p:nvSpPr>
+          <p:cNvPr id="71" name="Rectangle 70">
+            <a:extLst>
+              <a:ext uri="{FF2B5EF4-FFF2-40B4-BE49-F238E27FC236}">
+                <a16:creationId xmlns:a16="http://schemas.microsoft.com/office/drawing/2014/main" id="{71B2258F-86CA-4D4D-8270-BC05FCDEBFB3}"/>
+              </a:ext>
+              <a:ext uri="{C183D7F6-B498-43B3-948B-1728B52AA6E4}">
+                <adec:decorative xmlns:adec="http://schemas.microsoft.com/office/drawing/2017/decorative" val="1"/>
+              </a:ext>
+            </a:extLst>
+          </p:cNvPr>
+          <p:cNvSpPr>
+            <a:spLocks noGrp="1" noRot="1" noChangeAspect="1" noMove="1" noResize="1" noEditPoints="1" noAdjustHandles="1" noChangeArrowheads="1" noChangeShapeType="1" noTextEdit="1"/>
+          </p:cNvSpPr>
+          <p:nvPr>
+            <p:extLst>
+              <p:ext uri="{386F3935-93C4-4BCD-93E2-E3B085C9AB24}">
+                <p16:designElem xmlns:p16="http://schemas.microsoft.com/office/powerpoint/2015/main" val="1"/>
+              </p:ext>
+            </p:extLst>
+          </p:nvPr>
+        </p:nvSpPr>
+        <p:spPr>
+          <a:xfrm>
+            <a:off x="0" y="0"/>
+            <a:ext cx="9144000" cy="6857999"/>
+          </a:xfrm>
+          <a:prstGeom prst="rect">
+            <a:avLst/>
+          </a:prstGeom>
+          <a:solidFill>
+            <a:srgbClr val="000000"/>
+          </a:solidFill>
+          <a:ln>
+            <a:noFill/>
+          </a:ln>
+        </p:spPr>
+        <p:style>
+          <a:lnRef idx="2">
+            <a:schemeClr val="accent1">
+              <a:shade val="50000"/>
+            </a:schemeClr>
+          </a:lnRef>
+          <a:fillRef idx="1">
+            <a:schemeClr val="accent1"/>
+          </a:fillRef>
+          <a:effectRef idx="0">
+            <a:schemeClr val="accent1"/>
+          </a:effectRef>
+          <a:fontRef idx="minor">
+            <a:schemeClr val="lt1"/>
+          </a:fontRef>
+        </p:style>
+        <p:txBody>
+          <a:bodyPr rtlCol="0" anchor="ctr"/>
+          <a:lstStyle/>
+          <a:p>
+            <a:pPr algn="ctr"/>
+            <a:endParaRPr lang="en-US"/>
+          </a:p>
+        </p:txBody>
+      </p:sp>
+      <p:pic>
+        <p:nvPicPr>
+          <p:cNvPr id="3074" name="Picture 2" descr="Image result for roulette">
+            <a:extLst>
+              <a:ext uri="{FF2B5EF4-FFF2-40B4-BE49-F238E27FC236}">
+                <a16:creationId xmlns:a16="http://schemas.microsoft.com/office/drawing/2014/main" id="{AF3FA02C-9522-4D90-A733-E1DA50E241B2}"/>
+              </a:ext>
+            </a:extLst>
+          </p:cNvPr>
+          <p:cNvPicPr>
+            <a:picLocks noChangeAspect="1" noChangeArrowheads="1"/>
+          </p:cNvPicPr>
+          <p:nvPr/>
+        </p:nvPicPr>
+        <p:blipFill rotWithShape="1">
+          <a:blip r:embed="rId2">
+            <a:alphaModFix amt="50000"/>
+            <a:extLst>
+              <a:ext uri="{28A0092B-C50C-407E-A947-70E740481C1C}">
+                <a14:useLocalDpi xmlns:a14="http://schemas.microsoft.com/office/drawing/2010/main" val="0"/>
+              </a:ext>
+            </a:extLst>
+          </a:blip>
+          <a:srcRect l="6200" r="4799" b="-2"/>
+          <a:stretch/>
+        </p:blipFill>
+        <p:spPr bwMode="auto">
+          <a:xfrm>
+            <a:off x="20" y="1"/>
+            <a:ext cx="9143980" cy="6857999"/>
+          </a:xfrm>
+          <a:prstGeom prst="rect">
+            <a:avLst/>
+          </a:prstGeom>
+          <a:noFill/>
+          <a:extLst>
+            <a:ext uri="{909E8E84-426E-40DD-AFC4-6F175D3DCCD1}">
+              <a14:hiddenFill xmlns:a14="http://schemas.microsoft.com/office/drawing/2010/main">
+                <a:solidFill>
+                  <a:srgbClr val="FFFFFF"/>
+                </a:solidFill>
+              </a14:hiddenFill>
+            </a:ext>
+          </a:extLst>
+        </p:spPr>
+      </p:pic>
+      <p:sp>
+        <p:nvSpPr>
+          <p:cNvPr id="4" name="Title 3">
+            <a:extLst>
+              <a:ext uri="{FF2B5EF4-FFF2-40B4-BE49-F238E27FC236}">
+                <a16:creationId xmlns:a16="http://schemas.microsoft.com/office/drawing/2014/main" id="{37EB4577-A182-4DCC-9D58-BA5AD1F4F6B2}"/>
+              </a:ext>
+            </a:extLst>
+          </p:cNvPr>
+          <p:cNvSpPr>
+            <a:spLocks noGrp="1"/>
+          </p:cNvSpPr>
+          <p:nvPr>
+            <p:ph type="title"/>
+          </p:nvPr>
+        </p:nvSpPr>
+        <p:spPr>
+          <a:xfrm>
+            <a:off x="1143000" y="1122362"/>
+            <a:ext cx="6858000" cy="2900518"/>
+          </a:xfrm>
+        </p:spPr>
+        <p:txBody>
+          <a:bodyPr vert="horz" lIns="91440" tIns="45720" rIns="91440" bIns="45720" rtlCol="0" anchor="b">
+            <a:normAutofit/>
+          </a:bodyPr>
+          <a:lstStyle/>
+          <a:p>
+            <a:pPr algn="ctr"/>
+            <a:r>
+              <a:rPr lang="en-US" b="1" dirty="0">
+                <a:solidFill>
+                  <a:srgbClr val="FFFFFF"/>
+                </a:solidFill>
+                <a:effectLst>
+                  <a:outerShdw blurRad="38100" dist="38100" dir="2700000" algn="tl">
+                    <a:srgbClr val="000000">
+                      <a:alpha val="43137"/>
+                    </a:srgbClr>
+                  </a:outerShdw>
+                </a:effectLst>
+              </a:rPr>
+              <a:t>Monte Carlo Tree Search (MCTS)</a:t>
+            </a:r>
+          </a:p>
+        </p:txBody>
+      </p:sp>
+      <p:sp>
+        <p:nvSpPr>
+          <p:cNvPr id="5" name="Text Placeholder 4">
+            <a:extLst>
+              <a:ext uri="{FF2B5EF4-FFF2-40B4-BE49-F238E27FC236}">
+                <a16:creationId xmlns:a16="http://schemas.microsoft.com/office/drawing/2014/main" id="{4CB8F61D-4C0E-4612-A028-69D4839D73EC}"/>
+              </a:ext>
+            </a:extLst>
+          </p:cNvPr>
+          <p:cNvSpPr>
+            <a:spLocks noGrp="1"/>
+          </p:cNvSpPr>
+          <p:nvPr>
+            <p:ph type="body" idx="1"/>
+          </p:nvPr>
+        </p:nvSpPr>
+        <p:spPr>
+          <a:xfrm>
+            <a:off x="1143000" y="4159404"/>
+            <a:ext cx="6858000" cy="1098395"/>
+          </a:xfrm>
+        </p:spPr>
+        <p:txBody>
+          <a:bodyPr vert="horz" lIns="91440" tIns="45720" rIns="91440" bIns="45720" rtlCol="0">
+            <a:normAutofit/>
+          </a:bodyPr>
+          <a:lstStyle/>
+          <a:p>
+            <a:pPr algn="ctr"/>
+            <a:endParaRPr lang="en-US">
+              <a:solidFill>
+                <a:srgbClr val="FFFFFF"/>
+              </a:solidFill>
+            </a:endParaRPr>
+          </a:p>
+        </p:txBody>
+      </p:sp>
+    </p:spTree>
+    <p:extLst>
+      <p:ext uri="{BB962C8B-B14F-4D97-AF65-F5344CB8AC3E}">
+        <p14:creationId xmlns:p14="http://schemas.microsoft.com/office/powerpoint/2010/main" val="3688985318"/>
+      </p:ext>
+    </p:extLst>
+  </p:cSld>
+  <p:clrMapOvr>
+    <a:overrideClrMapping bg1="dk1" tx1="lt1" bg2="dk2" tx2="lt2" accent1="accent1" accent2="accent2" accent3="accent3" accent4="accent4" accent5="accent5" accent6="accent6" hlink="hlink" folHlink="folHlink"/>
+  </p:clrMapOvr>
+</p:sld>
+</file>
+
+<file path=ppt/slides/slide31.xml><?xml version="1.0" encoding="utf-8"?>
+<p:sld xmlns:a="http://schemas.openxmlformats.org/drawingml/2006/main" xmlns:r="http://schemas.openxmlformats.org/officeDocument/2006/relationships" xmlns:p="http://schemas.openxmlformats.org/presentationml/2006/main">
+  <p:cSld>
+    <p:bg>
+      <p:bgPr>
+        <a:solidFill>
           <a:schemeClr val="bg1"/>
         </a:solidFill>
         <a:effectLst/>
@@ -22780,7 +22851,7 @@
 </p:sld>
 </file>
 
-<file path=ppt/slides/slide31.xml><?xml version="1.0" encoding="utf-8"?>
+<file path=ppt/slides/slide32.xml><?xml version="1.0" encoding="utf-8"?>
 <p:sld xmlns:a="http://schemas.openxmlformats.org/drawingml/2006/main" xmlns:r="http://schemas.openxmlformats.org/officeDocument/2006/relationships" xmlns:p="http://schemas.openxmlformats.org/presentationml/2006/main">
   <p:cSld>
     <p:spTree>
@@ -23006,7 +23077,7 @@
 </p:sld>
 </file>
 
-<file path=ppt/slides/slide32.xml><?xml version="1.0" encoding="utf-8"?>
+<file path=ppt/slides/slide33.xml><?xml version="1.0" encoding="utf-8"?>
 <p:sld xmlns:a="http://schemas.openxmlformats.org/drawingml/2006/main" xmlns:r="http://schemas.openxmlformats.org/officeDocument/2006/relationships" xmlns:p="http://schemas.openxmlformats.org/presentationml/2006/main">
   <p:cSld>
     <p:spTree>
@@ -23051,8 +23122,8 @@
           </a:p>
         </p:txBody>
       </p:sp>
-      <mc:AlternateContent xmlns:mc="http://schemas.openxmlformats.org/markup-compatibility/2006">
-        <mc:Choice xmlns:a14="http://schemas.microsoft.com/office/drawing/2010/main" Requires="a14">
+      <mc:AlternateContent xmlns:mc="http://schemas.openxmlformats.org/markup-compatibility/2006" xmlns:a14="http://schemas.microsoft.com/office/drawing/2010/main">
+        <mc:Choice Requires="a14">
           <p:sp>
             <p:nvSpPr>
               <p:cNvPr id="3" name="Content Placeholder 2">
@@ -23184,7 +23255,7 @@
             </p:txBody>
           </p:sp>
         </mc:Choice>
-        <mc:Fallback>
+        <mc:Fallback xmlns="">
           <p:sp>
             <p:nvSpPr>
               <p:cNvPr id="3" name="Content Placeholder 2">
@@ -23237,7 +23308,7 @@
 </p:sld>
 </file>
 
-<file path=ppt/slides/slide33.xml><?xml version="1.0" encoding="utf-8"?>
+<file path=ppt/slides/slide34.xml><?xml version="1.0" encoding="utf-8"?>
 <p:sld xmlns:a="http://schemas.openxmlformats.org/drawingml/2006/main" xmlns:r="http://schemas.openxmlformats.org/officeDocument/2006/relationships" xmlns:p="http://schemas.openxmlformats.org/presentationml/2006/main">
   <p:cSld>
     <p:spTree>
@@ -23550,7 +23621,7 @@
 </p:sld>
 </file>
 
-<file path=ppt/slides/slide34.xml><?xml version="1.0" encoding="utf-8"?>
+<file path=ppt/slides/slide35.xml><?xml version="1.0" encoding="utf-8"?>
 <p:sld xmlns:a="http://schemas.openxmlformats.org/drawingml/2006/main" xmlns:r="http://schemas.openxmlformats.org/officeDocument/2006/relationships" xmlns:p="http://schemas.openxmlformats.org/presentationml/2006/main">
   <p:cSld>
     <p:spTree>
@@ -24002,8 +24073,8 @@
           </a:p>
         </p:txBody>
       </p:sp>
-      <mc:AlternateContent xmlns:mc="http://schemas.openxmlformats.org/markup-compatibility/2006">
-        <mc:Choice xmlns:a14="http://schemas.microsoft.com/office/drawing/2010/main" Requires="a14">
+      <mc:AlternateContent xmlns:mc="http://schemas.openxmlformats.org/markup-compatibility/2006" xmlns:a14="http://schemas.microsoft.com/office/drawing/2010/main">
+        <mc:Choice Requires="a14">
           <p:sp>
             <p:nvSpPr>
               <p:cNvPr id="8" name="Rectangle 7">
@@ -24262,7 +24333,7 @@
             </p:txBody>
           </p:sp>
         </mc:Choice>
-        <mc:Fallback>
+        <mc:Fallback xmlns="">
           <p:sp>
             <p:nvSpPr>
               <p:cNvPr id="8" name="Rectangle 7">
@@ -24359,133 +24430,6 @@
 </p:sld>
 </file>
 
-<file path=ppt/slides/slide35.xml><?xml version="1.0" encoding="utf-8"?>
-<p:sld xmlns:a="http://schemas.openxmlformats.org/drawingml/2006/main" xmlns:r="http://schemas.openxmlformats.org/officeDocument/2006/relationships" xmlns:p="http://schemas.openxmlformats.org/presentationml/2006/main">
-  <p:cSld>
-    <p:spTree>
-      <p:nvGrpSpPr>
-        <p:cNvPr id="1" name=""/>
-        <p:cNvGrpSpPr/>
-        <p:nvPr/>
-      </p:nvGrpSpPr>
-      <p:grpSpPr>
-        <a:xfrm>
-          <a:off x="0" y="0"/>
-          <a:ext cx="0" cy="0"/>
-          <a:chOff x="0" y="0"/>
-          <a:chExt cx="0" cy="0"/>
-        </a:xfrm>
-      </p:grpSpPr>
-      <p:sp>
-        <p:nvSpPr>
-          <p:cNvPr id="2" name="Title 1">
-            <a:extLst>
-              <a:ext uri="{FF2B5EF4-FFF2-40B4-BE49-F238E27FC236}">
-                <a16:creationId xmlns:a16="http://schemas.microsoft.com/office/drawing/2014/main" id="{880227DC-69CE-4119-811C-2E2E6619AC91}"/>
-              </a:ext>
-            </a:extLst>
-          </p:cNvPr>
-          <p:cNvSpPr>
-            <a:spLocks noGrp="1"/>
-          </p:cNvSpPr>
-          <p:nvPr>
-            <p:ph type="title"/>
-          </p:nvPr>
-        </p:nvSpPr>
-        <p:spPr/>
-        <p:txBody>
-          <a:bodyPr/>
-          <a:lstStyle/>
-          <a:p>
-            <a:r>
-              <a:rPr lang="en-US" dirty="0"/>
-              <a:t>Monte Carlo Tree Search</a:t>
-            </a:r>
-          </a:p>
-        </p:txBody>
-      </p:sp>
-      <p:sp>
-        <p:nvSpPr>
-          <p:cNvPr id="4" name="Content Placeholder 3">
-            <a:extLst>
-              <a:ext uri="{FF2B5EF4-FFF2-40B4-BE49-F238E27FC236}">
-                <a16:creationId xmlns:a16="http://schemas.microsoft.com/office/drawing/2014/main" id="{C361553B-AF17-4D46-85D3-15DB5C1790F2}"/>
-              </a:ext>
-            </a:extLst>
-          </p:cNvPr>
-          <p:cNvSpPr txBox="1">
-            <a:spLocks noGrp="1"/>
-          </p:cNvSpPr>
-          <p:nvPr>
-            <p:ph idx="1"/>
-          </p:nvPr>
-        </p:nvSpPr>
-        <p:spPr>
-          <a:xfrm>
-            <a:off x="628650" y="1825625"/>
-            <a:ext cx="7886700" cy="4095480"/>
-          </a:xfrm>
-          <a:prstGeom prst="rect">
-            <a:avLst/>
-          </a:prstGeom>
-          <a:noFill/>
-        </p:spPr>
-        <p:txBody>
-          <a:bodyPr wrap="square">
-            <a:spAutoFit/>
-          </a:bodyPr>
-          <a:lstStyle/>
-          <a:p>
-            <a:pPr marL="0" indent="0">
-              <a:buNone/>
-            </a:pPr>
-            <a:r>
-              <a:rPr lang="en-US" dirty="0"/>
-              <a:t>We do not need to always start playouts from the current node, we can build a partial game tree and simulate from any node in that tree. </a:t>
-            </a:r>
-          </a:p>
-          <a:p>
-            <a:pPr marL="0" indent="0">
-              <a:buNone/>
-            </a:pPr>
-            <a:endParaRPr lang="en-US" dirty="0"/>
-          </a:p>
-          <a:p>
-            <a:pPr marL="0" indent="0">
-              <a:buNone/>
-            </a:pPr>
-            <a:r>
-              <a:rPr lang="en-US" dirty="0"/>
-              <a:t>Important considerations:</a:t>
-            </a:r>
-          </a:p>
-          <a:p>
-            <a:r>
-              <a:rPr lang="en-US" dirty="0"/>
-              <a:t>We can use UCB1 so decide what part of the tree we should focus on for the next playout.</a:t>
-            </a:r>
-          </a:p>
-          <a:p>
-            <a:r>
-              <a:rPr lang="en-US" dirty="0"/>
-              <a:t>We can only store a small part of the game tree, so we do not store the complete playout runs.</a:t>
-            </a:r>
-          </a:p>
-        </p:txBody>
-      </p:sp>
-    </p:spTree>
-    <p:extLst>
-      <p:ext uri="{BB962C8B-B14F-4D97-AF65-F5344CB8AC3E}">
-        <p14:creationId xmlns:p14="http://schemas.microsoft.com/office/powerpoint/2010/main" val="1280639319"/>
-      </p:ext>
-    </p:extLst>
-  </p:cSld>
-  <p:clrMapOvr>
-    <a:masterClrMapping/>
-  </p:clrMapOvr>
-</p:sld>
-</file>
-
 <file path=ppt/slides/slide36.xml><?xml version="1.0" encoding="utf-8"?>
 <p:sld xmlns:a="http://schemas.openxmlformats.org/drawingml/2006/main" xmlns:r="http://schemas.openxmlformats.org/officeDocument/2006/relationships" xmlns:p="http://schemas.openxmlformats.org/presentationml/2006/main">
   <p:cSld>
@@ -24503,246 +24447,54 @@
           <a:chExt cx="0" cy="0"/>
         </a:xfrm>
       </p:grpSpPr>
-      <p:pic>
-        <p:nvPicPr>
-          <p:cNvPr id="4" name="Picture 3">
-            <a:extLst>
-              <a:ext uri="{FF2B5EF4-FFF2-40B4-BE49-F238E27FC236}">
-                <a16:creationId xmlns:a16="http://schemas.microsoft.com/office/drawing/2014/main" id="{A2183ED0-97C8-46A9-ACE4-0AB43323E179}"/>
-              </a:ext>
-            </a:extLst>
-          </p:cNvPr>
-          <p:cNvPicPr>
-            <a:picLocks noChangeAspect="1"/>
-          </p:cNvPicPr>
-          <p:nvPr/>
-        </p:nvPicPr>
-        <p:blipFill>
-          <a:blip r:embed="rId2"/>
-          <a:stretch>
-            <a:fillRect/>
-          </a:stretch>
-        </p:blipFill>
-        <p:spPr>
-          <a:xfrm>
-            <a:off x="381000" y="354114"/>
-            <a:ext cx="8171826" cy="2437212"/>
-          </a:xfrm>
-          <a:prstGeom prst="rect">
-            <a:avLst/>
-          </a:prstGeom>
-        </p:spPr>
-        <p:style>
-          <a:lnRef idx="2">
-            <a:schemeClr val="accent2"/>
-          </a:lnRef>
-          <a:fillRef idx="1">
-            <a:schemeClr val="lt1"/>
-          </a:fillRef>
-          <a:effectRef idx="0">
-            <a:schemeClr val="accent2"/>
-          </a:effectRef>
-          <a:fontRef idx="minor">
-            <a:schemeClr val="dk1"/>
-          </a:fontRef>
-        </p:style>
-      </p:pic>
-      <p:pic>
-        <p:nvPicPr>
-          <p:cNvPr id="5" name="Picture 4">
-            <a:extLst>
-              <a:ext uri="{FF2B5EF4-FFF2-40B4-BE49-F238E27FC236}">
-                <a16:creationId xmlns:a16="http://schemas.microsoft.com/office/drawing/2014/main" id="{FF83E86E-0770-4D97-B52D-C26C85CF9C39}"/>
-              </a:ext>
-            </a:extLst>
-          </p:cNvPr>
-          <p:cNvPicPr>
-            <a:picLocks noChangeAspect="1"/>
-          </p:cNvPicPr>
-          <p:nvPr/>
-        </p:nvPicPr>
-        <p:blipFill>
-          <a:blip r:embed="rId3"/>
-          <a:stretch>
-            <a:fillRect/>
-          </a:stretch>
-        </p:blipFill>
-        <p:spPr>
-          <a:xfrm>
-            <a:off x="978351" y="2819400"/>
-            <a:ext cx="7784649" cy="3189476"/>
-          </a:xfrm>
-          <a:prstGeom prst="rect">
-            <a:avLst/>
-          </a:prstGeom>
-        </p:spPr>
-      </p:pic>
-      <p:sp>
-        <p:nvSpPr>
-          <p:cNvPr id="6" name="Speech Bubble: Rectangle 5">
-            <a:extLst>
-              <a:ext uri="{FF2B5EF4-FFF2-40B4-BE49-F238E27FC236}">
-                <a16:creationId xmlns:a16="http://schemas.microsoft.com/office/drawing/2014/main" id="{559D4B9A-014D-421F-AD0F-76EDEBC51C3A}"/>
-              </a:ext>
-            </a:extLst>
-          </p:cNvPr>
-          <p:cNvSpPr/>
-          <p:nvPr/>
-        </p:nvSpPr>
-        <p:spPr>
-          <a:xfrm>
-            <a:off x="3901408" y="5961528"/>
-            <a:ext cx="2286000" cy="838200"/>
-          </a:xfrm>
-          <a:prstGeom prst="wedgeRectCallout">
-            <a:avLst>
-              <a:gd name="adj1" fmla="val -47565"/>
-              <a:gd name="adj2" fmla="val -93817"/>
-            </a:avLst>
-          </a:prstGeom>
-        </p:spPr>
-        <p:style>
-          <a:lnRef idx="3">
-            <a:schemeClr val="lt1"/>
-          </a:lnRef>
-          <a:fillRef idx="1">
-            <a:schemeClr val="accent6"/>
-          </a:fillRef>
-          <a:effectRef idx="1">
-            <a:schemeClr val="accent6"/>
-          </a:effectRef>
-          <a:fontRef idx="minor">
-            <a:schemeClr val="lt1"/>
-          </a:fontRef>
-        </p:style>
-        <p:txBody>
-          <a:bodyPr rtlCol="0" anchor="ctr"/>
-          <a:lstStyle/>
-          <a:p>
-            <a:pPr algn="ctr"/>
-            <a:r>
-              <a:rPr lang="en-US" sz="1600" dirty="0"/>
-              <a:t>Note: the simulation path is not recorded to preserve memory!</a:t>
-            </a:r>
-          </a:p>
-        </p:txBody>
-      </p:sp>
-      <p:sp>
-        <p:nvSpPr>
-          <p:cNvPr id="7" name="Speech Bubble: Rectangle 6">
-            <a:extLst>
-              <a:ext uri="{FF2B5EF4-FFF2-40B4-BE49-F238E27FC236}">
-                <a16:creationId xmlns:a16="http://schemas.microsoft.com/office/drawing/2014/main" id="{8384930E-C4A4-4194-BB17-475E43E41D5F}"/>
-              </a:ext>
-            </a:extLst>
-          </p:cNvPr>
-          <p:cNvSpPr/>
-          <p:nvPr/>
-        </p:nvSpPr>
-        <p:spPr>
-          <a:xfrm>
-            <a:off x="3400113" y="1295400"/>
-            <a:ext cx="2133600" cy="381000"/>
-          </a:xfrm>
-          <a:prstGeom prst="wedgeRectCallout">
-            <a:avLst>
-              <a:gd name="adj1" fmla="val -71362"/>
-              <a:gd name="adj2" fmla="val -25922"/>
-            </a:avLst>
-          </a:prstGeom>
-        </p:spPr>
-        <p:style>
-          <a:lnRef idx="3">
-            <a:schemeClr val="lt1"/>
-          </a:lnRef>
-          <a:fillRef idx="1">
-            <a:schemeClr val="accent6"/>
-          </a:fillRef>
-          <a:effectRef idx="1">
-            <a:schemeClr val="accent6"/>
-          </a:effectRef>
-          <a:fontRef idx="minor">
-            <a:schemeClr val="lt1"/>
-          </a:fontRef>
-        </p:style>
-        <p:txBody>
-          <a:bodyPr rtlCol="0" anchor="ctr"/>
-          <a:lstStyle/>
-          <a:p>
-            <a:pPr algn="ctr"/>
+      <p:sp>
+        <p:nvSpPr>
+          <p:cNvPr id="2" name="Title 1">
+            <a:extLst>
+              <a:ext uri="{FF2B5EF4-FFF2-40B4-BE49-F238E27FC236}">
+                <a16:creationId xmlns:a16="http://schemas.microsoft.com/office/drawing/2014/main" id="{880227DC-69CE-4119-811C-2E2E6619AC91}"/>
+              </a:ext>
+            </a:extLst>
+          </p:cNvPr>
+          <p:cNvSpPr>
+            <a:spLocks noGrp="1"/>
+          </p:cNvSpPr>
+          <p:nvPr>
+            <p:ph type="title"/>
+          </p:nvPr>
+        </p:nvSpPr>
+        <p:spPr/>
+        <p:txBody>
+          <a:bodyPr/>
+          <a:lstStyle/>
+          <a:p>
             <a:r>
               <a:rPr lang="en-US" dirty="0"/>
-              <a:t>Highest UCB1 score</a:t>
-            </a:r>
-          </a:p>
-        </p:txBody>
-      </p:sp>
-      <p:sp>
-        <p:nvSpPr>
-          <p:cNvPr id="8" name="Speech Bubble: Rectangle 7">
-            <a:extLst>
-              <a:ext uri="{FF2B5EF4-FFF2-40B4-BE49-F238E27FC236}">
-                <a16:creationId xmlns:a16="http://schemas.microsoft.com/office/drawing/2014/main" id="{F14742F9-67BA-4ED1-A2CE-411A6E61255D}"/>
-              </a:ext>
-            </a:extLst>
-          </p:cNvPr>
-          <p:cNvSpPr/>
-          <p:nvPr/>
-        </p:nvSpPr>
-        <p:spPr>
-          <a:xfrm>
-            <a:off x="5105400" y="1676400"/>
-            <a:ext cx="3352800" cy="643689"/>
-          </a:xfrm>
-          <a:prstGeom prst="wedgeRectCallout">
-            <a:avLst>
-              <a:gd name="adj1" fmla="val -70802"/>
-              <a:gd name="adj2" fmla="val 66494"/>
-            </a:avLst>
-          </a:prstGeom>
-        </p:spPr>
-        <p:style>
-          <a:lnRef idx="3">
-            <a:schemeClr val="lt1"/>
-          </a:lnRef>
-          <a:fillRef idx="1">
-            <a:schemeClr val="accent6"/>
-          </a:fillRef>
-          <a:effectRef idx="1">
-            <a:schemeClr val="accent6"/>
-          </a:effectRef>
-          <a:fontRef idx="minor">
-            <a:schemeClr val="lt1"/>
-          </a:fontRef>
-        </p:style>
-        <p:txBody>
-          <a:bodyPr rtlCol="0" anchor="ctr"/>
-          <a:lstStyle/>
-          <a:p>
-            <a:pPr algn="ctr"/>
-            <a:r>
-              <a:rPr lang="en-US" dirty="0"/>
-              <a:t>UCB1 selection favors win percentage more and more.</a:t>
-            </a:r>
-          </a:p>
-        </p:txBody>
-      </p:sp>
-      <p:sp>
-        <p:nvSpPr>
-          <p:cNvPr id="9" name="TextBox 8">
-            <a:extLst>
-              <a:ext uri="{FF2B5EF4-FFF2-40B4-BE49-F238E27FC236}">
-                <a16:creationId xmlns:a16="http://schemas.microsoft.com/office/drawing/2014/main" id="{E49ADF20-5360-4C46-9A0F-C4AC022BFFB2}"/>
-              </a:ext>
-            </a:extLst>
-          </p:cNvPr>
-          <p:cNvSpPr txBox="1"/>
-          <p:nvPr/>
-        </p:nvSpPr>
-        <p:spPr>
-          <a:xfrm>
-            <a:off x="2743200" y="2895600"/>
-            <a:ext cx="1084079" cy="276999"/>
+              <a:t>Monte Carlo Tree Search</a:t>
+            </a:r>
+          </a:p>
+        </p:txBody>
+      </p:sp>
+      <p:sp>
+        <p:nvSpPr>
+          <p:cNvPr id="4" name="Content Placeholder 3">
+            <a:extLst>
+              <a:ext uri="{FF2B5EF4-FFF2-40B4-BE49-F238E27FC236}">
+                <a16:creationId xmlns:a16="http://schemas.microsoft.com/office/drawing/2014/main" id="{C361553B-AF17-4D46-85D3-15DB5C1790F2}"/>
+              </a:ext>
+            </a:extLst>
+          </p:cNvPr>
+          <p:cNvSpPr txBox="1">
+            <a:spLocks noGrp="1"/>
+          </p:cNvSpPr>
+          <p:nvPr>
+            <p:ph idx="1"/>
+          </p:nvPr>
+        </p:nvSpPr>
+        <p:spPr>
+          <a:xfrm>
+            <a:off x="628650" y="1825625"/>
+            <a:ext cx="7886700" cy="4095480"/>
           </a:xfrm>
           <a:prstGeom prst="rect">
             <a:avLst/>
@@ -24750,1025 +24502,52 @@
           <a:noFill/>
         </p:spPr>
         <p:txBody>
-          <a:bodyPr wrap="none" rtlCol="0">
+          <a:bodyPr wrap="square">
             <a:spAutoFit/>
           </a:bodyPr>
           <a:lstStyle/>
           <a:p>
-            <a:r>
-              <a:rPr lang="en-US" sz="1200" dirty="0"/>
-              <a:t>Wins/Playouts</a:t>
-            </a:r>
-          </a:p>
-        </p:txBody>
-      </p:sp>
-      <p:sp>
-        <p:nvSpPr>
-          <p:cNvPr id="10" name="Oval 9">
-            <a:extLst>
-              <a:ext uri="{FF2B5EF4-FFF2-40B4-BE49-F238E27FC236}">
-                <a16:creationId xmlns:a16="http://schemas.microsoft.com/office/drawing/2014/main" id="{15C69B09-9D37-4124-A65C-8B45BABCAFB7}"/>
-              </a:ext>
-            </a:extLst>
-          </p:cNvPr>
-          <p:cNvSpPr/>
-          <p:nvPr/>
-        </p:nvSpPr>
-        <p:spPr>
-          <a:xfrm>
-            <a:off x="1128530" y="4648200"/>
-            <a:ext cx="381000" cy="381000"/>
-          </a:xfrm>
-          <a:prstGeom prst="ellipse">
-            <a:avLst/>
-          </a:prstGeom>
-          <a:noFill/>
-          <a:ln w="38100">
-            <a:solidFill>
-              <a:srgbClr val="FF0000"/>
-            </a:solidFill>
-          </a:ln>
-        </p:spPr>
-        <p:style>
-          <a:lnRef idx="2">
-            <a:schemeClr val="accent1">
-              <a:shade val="50000"/>
-            </a:schemeClr>
-          </a:lnRef>
-          <a:fillRef idx="1">
-            <a:schemeClr val="accent1"/>
-          </a:fillRef>
-          <a:effectRef idx="0">
-            <a:schemeClr val="accent1"/>
-          </a:effectRef>
-          <a:fontRef idx="minor">
-            <a:schemeClr val="lt1"/>
-          </a:fontRef>
-        </p:style>
-        <p:txBody>
-          <a:bodyPr rtlCol="0" anchor="ctr"/>
-          <a:lstStyle/>
-          <a:p>
-            <a:pPr algn="ctr"/>
-            <a:endParaRPr lang="en-US"/>
-          </a:p>
-        </p:txBody>
-      </p:sp>
-      <p:sp>
-        <p:nvSpPr>
-          <p:cNvPr id="11" name="Oval 10">
-            <a:extLst>
-              <a:ext uri="{FF2B5EF4-FFF2-40B4-BE49-F238E27FC236}">
-                <a16:creationId xmlns:a16="http://schemas.microsoft.com/office/drawing/2014/main" id="{8CA756EA-5537-4B96-9E24-93C99C7BC71F}"/>
-              </a:ext>
-            </a:extLst>
-          </p:cNvPr>
-          <p:cNvSpPr/>
-          <p:nvPr/>
-        </p:nvSpPr>
-        <p:spPr>
-          <a:xfrm>
-            <a:off x="6693352" y="4089549"/>
-            <a:ext cx="381000" cy="381000"/>
-          </a:xfrm>
-          <a:prstGeom prst="ellipse">
-            <a:avLst/>
-          </a:prstGeom>
-          <a:noFill/>
-          <a:ln w="38100">
-            <a:solidFill>
-              <a:srgbClr val="FF0000"/>
-            </a:solidFill>
-          </a:ln>
-        </p:spPr>
-        <p:style>
-          <a:lnRef idx="2">
-            <a:schemeClr val="accent1">
-              <a:shade val="50000"/>
-            </a:schemeClr>
-          </a:lnRef>
-          <a:fillRef idx="1">
-            <a:schemeClr val="accent1"/>
-          </a:fillRef>
-          <a:effectRef idx="0">
-            <a:schemeClr val="accent1"/>
-          </a:effectRef>
-          <a:fontRef idx="minor">
-            <a:schemeClr val="lt1"/>
-          </a:fontRef>
-        </p:style>
-        <p:txBody>
-          <a:bodyPr rtlCol="0" anchor="ctr"/>
-          <a:lstStyle/>
-          <a:p>
-            <a:pPr algn="ctr"/>
-            <a:endParaRPr lang="en-US"/>
-          </a:p>
-        </p:txBody>
-      </p:sp>
-      <p:sp>
-        <p:nvSpPr>
-          <p:cNvPr id="12" name="Oval 11">
-            <a:extLst>
-              <a:ext uri="{FF2B5EF4-FFF2-40B4-BE49-F238E27FC236}">
-                <a16:creationId xmlns:a16="http://schemas.microsoft.com/office/drawing/2014/main" id="{51D6C00C-0565-4048-9352-92A781CD61BC}"/>
-              </a:ext>
-            </a:extLst>
-          </p:cNvPr>
-          <p:cNvSpPr/>
-          <p:nvPr/>
-        </p:nvSpPr>
-        <p:spPr>
-          <a:xfrm>
-            <a:off x="6693352" y="3504012"/>
-            <a:ext cx="381000" cy="381000"/>
-          </a:xfrm>
-          <a:prstGeom prst="ellipse">
-            <a:avLst/>
-          </a:prstGeom>
-          <a:noFill/>
-          <a:ln w="38100">
-            <a:solidFill>
-              <a:srgbClr val="FF0000"/>
-            </a:solidFill>
-          </a:ln>
-        </p:spPr>
-        <p:style>
-          <a:lnRef idx="2">
-            <a:schemeClr val="accent1">
-              <a:shade val="50000"/>
-            </a:schemeClr>
-          </a:lnRef>
-          <a:fillRef idx="1">
-            <a:schemeClr val="accent1"/>
-          </a:fillRef>
-          <a:effectRef idx="0">
-            <a:schemeClr val="accent1"/>
-          </a:effectRef>
-          <a:fontRef idx="minor">
-            <a:schemeClr val="lt1"/>
-          </a:fontRef>
-        </p:style>
-        <p:txBody>
-          <a:bodyPr rtlCol="0" anchor="ctr"/>
-          <a:lstStyle/>
-          <a:p>
-            <a:pPr algn="ctr"/>
-            <a:endParaRPr lang="en-US"/>
-          </a:p>
-        </p:txBody>
-      </p:sp>
-      <p:sp>
-        <p:nvSpPr>
-          <p:cNvPr id="13" name="Oval 12">
-            <a:extLst>
-              <a:ext uri="{FF2B5EF4-FFF2-40B4-BE49-F238E27FC236}">
-                <a16:creationId xmlns:a16="http://schemas.microsoft.com/office/drawing/2014/main" id="{86018CB8-30CF-469B-8288-0444EE3BCAD4}"/>
-              </a:ext>
-            </a:extLst>
-          </p:cNvPr>
-          <p:cNvSpPr/>
-          <p:nvPr/>
-        </p:nvSpPr>
-        <p:spPr>
-          <a:xfrm>
-            <a:off x="7315200" y="2908652"/>
-            <a:ext cx="381000" cy="396026"/>
-          </a:xfrm>
-          <a:prstGeom prst="ellipse">
-            <a:avLst/>
-          </a:prstGeom>
-          <a:noFill/>
-          <a:ln w="38100">
-            <a:solidFill>
-              <a:srgbClr val="FF0000"/>
-            </a:solidFill>
-          </a:ln>
-        </p:spPr>
-        <p:style>
-          <a:lnRef idx="2">
-            <a:schemeClr val="accent1">
-              <a:shade val="50000"/>
-            </a:schemeClr>
-          </a:lnRef>
-          <a:fillRef idx="1">
-            <a:schemeClr val="accent1"/>
-          </a:fillRef>
-          <a:effectRef idx="0">
-            <a:schemeClr val="accent1"/>
-          </a:effectRef>
-          <a:fontRef idx="minor">
-            <a:schemeClr val="lt1"/>
-          </a:fontRef>
-        </p:style>
-        <p:txBody>
-          <a:bodyPr rtlCol="0" anchor="ctr"/>
-          <a:lstStyle/>
-          <a:p>
-            <a:pPr algn="ctr"/>
-            <a:endParaRPr lang="en-US"/>
-          </a:p>
-        </p:txBody>
-      </p:sp>
-      <p:sp>
-        <p:nvSpPr>
-          <p:cNvPr id="14" name="Oval 13">
-            <a:extLst>
-              <a:ext uri="{FF2B5EF4-FFF2-40B4-BE49-F238E27FC236}">
-                <a16:creationId xmlns:a16="http://schemas.microsoft.com/office/drawing/2014/main" id="{90B203F2-B256-499E-968C-FBC9A0FAC327}"/>
-              </a:ext>
-            </a:extLst>
-          </p:cNvPr>
-          <p:cNvSpPr/>
-          <p:nvPr/>
-        </p:nvSpPr>
-        <p:spPr>
-          <a:xfrm>
-            <a:off x="6121852" y="4635575"/>
-            <a:ext cx="381000" cy="381000"/>
-          </a:xfrm>
-          <a:prstGeom prst="ellipse">
-            <a:avLst/>
-          </a:prstGeom>
-          <a:noFill/>
-          <a:ln w="38100">
-            <a:solidFill>
-              <a:srgbClr val="FF0000"/>
-            </a:solidFill>
-          </a:ln>
-        </p:spPr>
-        <p:style>
-          <a:lnRef idx="2">
-            <a:schemeClr val="accent1">
-              <a:shade val="50000"/>
-            </a:schemeClr>
-          </a:lnRef>
-          <a:fillRef idx="1">
-            <a:schemeClr val="accent1"/>
-          </a:fillRef>
-          <a:effectRef idx="0">
-            <a:schemeClr val="accent1"/>
-          </a:effectRef>
-          <a:fontRef idx="minor">
-            <a:schemeClr val="lt1"/>
-          </a:fontRef>
-        </p:style>
-        <p:txBody>
-          <a:bodyPr rtlCol="0" anchor="ctr"/>
-          <a:lstStyle/>
-          <a:p>
-            <a:pPr algn="ctr"/>
-            <a:endParaRPr lang="en-US"/>
-          </a:p>
-        </p:txBody>
-      </p:sp>
-      <p:sp>
-        <p:nvSpPr>
-          <p:cNvPr id="15" name="TextBox 14">
-            <a:extLst>
-              <a:ext uri="{FF2B5EF4-FFF2-40B4-BE49-F238E27FC236}">
-                <a16:creationId xmlns:a16="http://schemas.microsoft.com/office/drawing/2014/main" id="{599F4839-3EDC-4379-B9CC-63887372CCD6}"/>
-              </a:ext>
-            </a:extLst>
-          </p:cNvPr>
-          <p:cNvSpPr txBox="1"/>
-          <p:nvPr/>
-        </p:nvSpPr>
-        <p:spPr>
-          <a:xfrm>
-            <a:off x="557598" y="2999601"/>
-            <a:ext cx="562911" cy="276999"/>
-          </a:xfrm>
-          <a:prstGeom prst="rect">
-            <a:avLst/>
-          </a:prstGeom>
-          <a:noFill/>
-        </p:spPr>
-        <p:txBody>
-          <a:bodyPr wrap="none" rtlCol="0">
-            <a:spAutoFit/>
-          </a:bodyPr>
-          <a:lstStyle/>
-          <a:p>
-            <a:r>
-              <a:rPr lang="en-US" sz="1200" dirty="0"/>
-              <a:t>White</a:t>
-            </a:r>
-          </a:p>
-        </p:txBody>
-      </p:sp>
-      <p:sp>
-        <p:nvSpPr>
-          <p:cNvPr id="16" name="TextBox 15">
-            <a:extLst>
-              <a:ext uri="{FF2B5EF4-FFF2-40B4-BE49-F238E27FC236}">
-                <a16:creationId xmlns:a16="http://schemas.microsoft.com/office/drawing/2014/main" id="{4DEA6A0B-F53D-480C-99D5-82DB6899E24E}"/>
-              </a:ext>
-            </a:extLst>
-          </p:cNvPr>
-          <p:cNvSpPr txBox="1"/>
-          <p:nvPr/>
-        </p:nvSpPr>
-        <p:spPr>
-          <a:xfrm>
-            <a:off x="557598" y="4089549"/>
-            <a:ext cx="562911" cy="276999"/>
-          </a:xfrm>
-          <a:prstGeom prst="rect">
-            <a:avLst/>
-          </a:prstGeom>
-          <a:noFill/>
-        </p:spPr>
-        <p:txBody>
-          <a:bodyPr wrap="none" rtlCol="0">
-            <a:spAutoFit/>
-          </a:bodyPr>
-          <a:lstStyle/>
-          <a:p>
-            <a:r>
-              <a:rPr lang="en-US" sz="1200" dirty="0"/>
-              <a:t>White</a:t>
-            </a:r>
-          </a:p>
-        </p:txBody>
-      </p:sp>
-      <p:sp>
-        <p:nvSpPr>
-          <p:cNvPr id="17" name="TextBox 16">
-            <a:extLst>
-              <a:ext uri="{FF2B5EF4-FFF2-40B4-BE49-F238E27FC236}">
-                <a16:creationId xmlns:a16="http://schemas.microsoft.com/office/drawing/2014/main" id="{4FB26089-CE33-4440-8867-7A807316C56E}"/>
-              </a:ext>
-            </a:extLst>
-          </p:cNvPr>
-          <p:cNvSpPr txBox="1"/>
-          <p:nvPr/>
-        </p:nvSpPr>
-        <p:spPr>
-          <a:xfrm>
-            <a:off x="557598" y="5179497"/>
-            <a:ext cx="562911" cy="276999"/>
-          </a:xfrm>
-          <a:prstGeom prst="rect">
-            <a:avLst/>
-          </a:prstGeom>
-          <a:noFill/>
-        </p:spPr>
-        <p:txBody>
-          <a:bodyPr wrap="none" rtlCol="0">
-            <a:spAutoFit/>
-          </a:bodyPr>
-          <a:lstStyle/>
-          <a:p>
-            <a:r>
-              <a:rPr lang="en-US" sz="1200" dirty="0"/>
-              <a:t>White</a:t>
-            </a:r>
-          </a:p>
-        </p:txBody>
-      </p:sp>
-      <p:cxnSp>
-        <p:nvCxnSpPr>
-          <p:cNvPr id="21" name="Straight Connector 20">
-            <a:extLst>
-              <a:ext uri="{FF2B5EF4-FFF2-40B4-BE49-F238E27FC236}">
-                <a16:creationId xmlns:a16="http://schemas.microsoft.com/office/drawing/2014/main" id="{D5A7904B-BA97-438D-83FF-897983384C78}"/>
-              </a:ext>
-            </a:extLst>
-          </p:cNvPr>
-          <p:cNvCxnSpPr/>
-          <p:nvPr/>
-        </p:nvCxnSpPr>
-        <p:spPr>
-          <a:xfrm>
-            <a:off x="685800" y="3352800"/>
-            <a:ext cx="7912552" cy="0"/>
-          </a:xfrm>
-          <a:prstGeom prst="line">
-            <a:avLst/>
-          </a:prstGeom>
-          <a:ln w="9525" cap="flat" cmpd="sng" algn="ctr">
-            <a:solidFill>
-              <a:schemeClr val="accent3"/>
-            </a:solidFill>
-            <a:prstDash val="dash"/>
-            <a:round/>
-            <a:headEnd type="none" w="med" len="med"/>
-            <a:tailEnd type="none" w="med" len="med"/>
-          </a:ln>
-        </p:spPr>
-        <p:style>
-          <a:lnRef idx="0">
-            <a:scrgbClr r="0" g="0" b="0"/>
-          </a:lnRef>
-          <a:fillRef idx="0">
-            <a:scrgbClr r="0" g="0" b="0"/>
-          </a:fillRef>
-          <a:effectRef idx="0">
-            <a:scrgbClr r="0" g="0" b="0"/>
-          </a:effectRef>
-          <a:fontRef idx="minor">
-            <a:schemeClr val="tx1"/>
-          </a:fontRef>
-        </p:style>
-      </p:cxnSp>
-      <p:cxnSp>
-        <p:nvCxnSpPr>
-          <p:cNvPr id="23" name="Straight Connector 22">
-            <a:extLst>
-              <a:ext uri="{FF2B5EF4-FFF2-40B4-BE49-F238E27FC236}">
-                <a16:creationId xmlns:a16="http://schemas.microsoft.com/office/drawing/2014/main" id="{84117894-7786-4518-8579-1E6221DB0E65}"/>
-              </a:ext>
-            </a:extLst>
-          </p:cNvPr>
-          <p:cNvCxnSpPr/>
-          <p:nvPr/>
-        </p:nvCxnSpPr>
-        <p:spPr>
-          <a:xfrm>
-            <a:off x="685800" y="3962400"/>
-            <a:ext cx="7912552" cy="0"/>
-          </a:xfrm>
-          <a:prstGeom prst="line">
-            <a:avLst/>
-          </a:prstGeom>
-          <a:ln w="9525" cap="flat" cmpd="sng" algn="ctr">
-            <a:solidFill>
-              <a:schemeClr val="accent3"/>
-            </a:solidFill>
-            <a:prstDash val="dash"/>
-            <a:round/>
-            <a:headEnd type="none" w="med" len="med"/>
-            <a:tailEnd type="none" w="med" len="med"/>
-          </a:ln>
-        </p:spPr>
-        <p:style>
-          <a:lnRef idx="0">
-            <a:scrgbClr r="0" g="0" b="0"/>
-          </a:lnRef>
-          <a:fillRef idx="0">
-            <a:scrgbClr r="0" g="0" b="0"/>
-          </a:fillRef>
-          <a:effectRef idx="0">
-            <a:scrgbClr r="0" g="0" b="0"/>
-          </a:effectRef>
-          <a:fontRef idx="minor">
-            <a:schemeClr val="tx1"/>
-          </a:fontRef>
-        </p:style>
-      </p:cxnSp>
-      <p:cxnSp>
-        <p:nvCxnSpPr>
-          <p:cNvPr id="24" name="Straight Connector 23">
-            <a:extLst>
-              <a:ext uri="{FF2B5EF4-FFF2-40B4-BE49-F238E27FC236}">
-                <a16:creationId xmlns:a16="http://schemas.microsoft.com/office/drawing/2014/main" id="{2AEADF8D-FF0D-4751-9CC4-1349724322A9}"/>
-              </a:ext>
-            </a:extLst>
-          </p:cNvPr>
-          <p:cNvCxnSpPr/>
-          <p:nvPr/>
-        </p:nvCxnSpPr>
-        <p:spPr>
-          <a:xfrm>
-            <a:off x="685800" y="4572000"/>
-            <a:ext cx="7912552" cy="0"/>
-          </a:xfrm>
-          <a:prstGeom prst="line">
-            <a:avLst/>
-          </a:prstGeom>
-          <a:ln w="9525" cap="flat" cmpd="sng" algn="ctr">
-            <a:solidFill>
-              <a:schemeClr val="accent3"/>
-            </a:solidFill>
-            <a:prstDash val="dash"/>
-            <a:round/>
-            <a:headEnd type="none" w="med" len="med"/>
-            <a:tailEnd type="none" w="med" len="med"/>
-          </a:ln>
-        </p:spPr>
-        <p:style>
-          <a:lnRef idx="0">
-            <a:scrgbClr r="0" g="0" b="0"/>
-          </a:lnRef>
-          <a:fillRef idx="0">
-            <a:scrgbClr r="0" g="0" b="0"/>
-          </a:fillRef>
-          <a:effectRef idx="0">
-            <a:scrgbClr r="0" g="0" b="0"/>
-          </a:effectRef>
-          <a:fontRef idx="minor">
-            <a:schemeClr val="tx1"/>
-          </a:fontRef>
-        </p:style>
-      </p:cxnSp>
-      <p:cxnSp>
-        <p:nvCxnSpPr>
-          <p:cNvPr id="25" name="Straight Connector 24">
-            <a:extLst>
-              <a:ext uri="{FF2B5EF4-FFF2-40B4-BE49-F238E27FC236}">
-                <a16:creationId xmlns:a16="http://schemas.microsoft.com/office/drawing/2014/main" id="{FE0ADEEF-F66F-4D2B-A3EA-DBA44B3245A7}"/>
-              </a:ext>
-            </a:extLst>
-          </p:cNvPr>
-          <p:cNvCxnSpPr/>
-          <p:nvPr/>
-        </p:nvCxnSpPr>
-        <p:spPr>
-          <a:xfrm>
-            <a:off x="698048" y="5105400"/>
-            <a:ext cx="7912552" cy="0"/>
-          </a:xfrm>
-          <a:prstGeom prst="line">
-            <a:avLst/>
-          </a:prstGeom>
-          <a:ln w="9525" cap="flat" cmpd="sng" algn="ctr">
-            <a:solidFill>
-              <a:schemeClr val="accent3"/>
-            </a:solidFill>
-            <a:prstDash val="dash"/>
-            <a:round/>
-            <a:headEnd type="none" w="med" len="med"/>
-            <a:tailEnd type="none" w="med" len="med"/>
-          </a:ln>
-        </p:spPr>
-        <p:style>
-          <a:lnRef idx="0">
-            <a:scrgbClr r="0" g="0" b="0"/>
-          </a:lnRef>
-          <a:fillRef idx="0">
-            <a:scrgbClr r="0" g="0" b="0"/>
-          </a:fillRef>
-          <a:effectRef idx="0">
-            <a:scrgbClr r="0" g="0" b="0"/>
-          </a:effectRef>
-          <a:fontRef idx="minor">
-            <a:schemeClr val="tx1"/>
-          </a:fontRef>
-        </p:style>
-      </p:cxnSp>
-      <p:sp>
-        <p:nvSpPr>
-          <p:cNvPr id="26" name="TextBox 25">
-            <a:extLst>
-              <a:ext uri="{FF2B5EF4-FFF2-40B4-BE49-F238E27FC236}">
-                <a16:creationId xmlns:a16="http://schemas.microsoft.com/office/drawing/2014/main" id="{75F504AB-4225-404B-8E4F-67D9B559C564}"/>
-              </a:ext>
-            </a:extLst>
-          </p:cNvPr>
-          <p:cNvSpPr txBox="1"/>
-          <p:nvPr/>
-        </p:nvSpPr>
-        <p:spPr>
-          <a:xfrm>
-            <a:off x="582412" y="3511112"/>
-            <a:ext cx="513282" cy="276999"/>
-          </a:xfrm>
-          <a:prstGeom prst="rect">
-            <a:avLst/>
-          </a:prstGeom>
-          <a:noFill/>
-        </p:spPr>
-        <p:txBody>
-          <a:bodyPr wrap="none" rtlCol="0">
-            <a:spAutoFit/>
-          </a:bodyPr>
-          <a:lstStyle/>
-          <a:p>
-            <a:r>
-              <a:rPr lang="en-US" sz="1200" dirty="0"/>
-              <a:t>Black</a:t>
-            </a:r>
-          </a:p>
-        </p:txBody>
-      </p:sp>
-      <p:sp>
-        <p:nvSpPr>
-          <p:cNvPr id="27" name="TextBox 26">
-            <a:extLst>
-              <a:ext uri="{FF2B5EF4-FFF2-40B4-BE49-F238E27FC236}">
-                <a16:creationId xmlns:a16="http://schemas.microsoft.com/office/drawing/2014/main" id="{1A7FB683-F9F5-43B3-8589-DE698C4B78D0}"/>
-              </a:ext>
-            </a:extLst>
-          </p:cNvPr>
-          <p:cNvSpPr txBox="1"/>
-          <p:nvPr/>
-        </p:nvSpPr>
-        <p:spPr>
-          <a:xfrm>
-            <a:off x="582412" y="4676001"/>
-            <a:ext cx="513282" cy="276999"/>
-          </a:xfrm>
-          <a:prstGeom prst="rect">
-            <a:avLst/>
-          </a:prstGeom>
-          <a:noFill/>
-        </p:spPr>
-        <p:txBody>
-          <a:bodyPr wrap="none" rtlCol="0">
-            <a:spAutoFit/>
-          </a:bodyPr>
-          <a:lstStyle/>
-          <a:p>
-            <a:r>
-              <a:rPr lang="en-US" sz="1200" dirty="0"/>
-              <a:t>Black</a:t>
-            </a:r>
-          </a:p>
-        </p:txBody>
-      </p:sp>
-      <p:sp>
-        <p:nvSpPr>
-          <p:cNvPr id="2" name="Rectangle 1">
-            <a:extLst>
-              <a:ext uri="{FF2B5EF4-FFF2-40B4-BE49-F238E27FC236}">
-                <a16:creationId xmlns:a16="http://schemas.microsoft.com/office/drawing/2014/main" id="{1516C8A5-634E-42CD-8F82-EA0BA9FFDD98}"/>
-              </a:ext>
-            </a:extLst>
-          </p:cNvPr>
-          <p:cNvSpPr/>
-          <p:nvPr/>
-        </p:nvSpPr>
-        <p:spPr>
-          <a:xfrm>
-            <a:off x="4800600" y="2362200"/>
-            <a:ext cx="3581400" cy="341000"/>
-          </a:xfrm>
-          <a:prstGeom prst="rect">
-            <a:avLst/>
-          </a:prstGeom>
-          <a:noFill/>
-          <a:ln w="28575">
-            <a:solidFill>
-              <a:srgbClr val="FF0000"/>
-            </a:solidFill>
-          </a:ln>
-        </p:spPr>
-        <p:style>
-          <a:lnRef idx="2">
-            <a:schemeClr val="accent1">
-              <a:shade val="50000"/>
-            </a:schemeClr>
-          </a:lnRef>
-          <a:fillRef idx="1">
-            <a:schemeClr val="accent1"/>
-          </a:fillRef>
-          <a:effectRef idx="0">
-            <a:schemeClr val="accent1"/>
-          </a:effectRef>
-          <a:fontRef idx="minor">
-            <a:schemeClr val="lt1"/>
-          </a:fontRef>
-        </p:style>
-        <p:txBody>
-          <a:bodyPr rtlCol="0" anchor="ctr"/>
-          <a:lstStyle/>
-          <a:p>
-            <a:pPr algn="ctr"/>
-            <a:endParaRPr lang="en-US"/>
-          </a:p>
-        </p:txBody>
-      </p:sp>
-      <p:sp>
-        <p:nvSpPr>
-          <p:cNvPr id="30" name="Speech Bubble: Rectangle 29">
-            <a:extLst>
-              <a:ext uri="{FF2B5EF4-FFF2-40B4-BE49-F238E27FC236}">
-                <a16:creationId xmlns:a16="http://schemas.microsoft.com/office/drawing/2014/main" id="{C9BDF8D7-13E9-4165-B976-38B6BC431C55}"/>
-              </a:ext>
-            </a:extLst>
-          </p:cNvPr>
-          <p:cNvSpPr/>
-          <p:nvPr/>
-        </p:nvSpPr>
-        <p:spPr>
-          <a:xfrm>
-            <a:off x="381000" y="5891549"/>
-            <a:ext cx="1673507" cy="838200"/>
-          </a:xfrm>
-          <a:prstGeom prst="wedgeRectCallout">
-            <a:avLst>
-              <a:gd name="adj1" fmla="val 4728"/>
-              <a:gd name="adj2" fmla="val -156247"/>
-            </a:avLst>
-          </a:prstGeom>
-        </p:spPr>
-        <p:style>
-          <a:lnRef idx="3">
-            <a:schemeClr val="lt1"/>
-          </a:lnRef>
-          <a:fillRef idx="1">
-            <a:schemeClr val="accent6"/>
-          </a:fillRef>
-          <a:effectRef idx="1">
-            <a:schemeClr val="accent6"/>
-          </a:effectRef>
-          <a:fontRef idx="minor">
-            <a:schemeClr val="lt1"/>
-          </a:fontRef>
-        </p:style>
-        <p:txBody>
-          <a:bodyPr rtlCol="0" anchor="ctr"/>
-          <a:lstStyle/>
-          <a:p>
-            <a:pPr algn="ctr"/>
-            <a:r>
-              <a:rPr lang="en-US" sz="1600" dirty="0"/>
-              <a:t>Select highest UCB1 score node</a:t>
-            </a:r>
-          </a:p>
-        </p:txBody>
-      </p:sp>
-      <p:cxnSp>
-        <p:nvCxnSpPr>
-          <p:cNvPr id="20" name="Straight Arrow Connector 19">
-            <a:extLst>
-              <a:ext uri="{FF2B5EF4-FFF2-40B4-BE49-F238E27FC236}">
-                <a16:creationId xmlns:a16="http://schemas.microsoft.com/office/drawing/2014/main" id="{B53CBDDA-6B85-4575-A1E1-1B7BBBAB1E91}"/>
-              </a:ext>
-            </a:extLst>
-          </p:cNvPr>
-          <p:cNvCxnSpPr>
-            <a:cxnSpLocks/>
-            <a:endCxn id="11" idx="3"/>
-          </p:cNvCxnSpPr>
-          <p:nvPr/>
-        </p:nvCxnSpPr>
-        <p:spPr>
-          <a:xfrm flipV="1">
-            <a:off x="6462028" y="4414753"/>
-            <a:ext cx="287120" cy="261248"/>
-          </a:xfrm>
-          <a:prstGeom prst="straightConnector1">
-            <a:avLst/>
-          </a:prstGeom>
-          <a:ln w="38100">
-            <a:solidFill>
-              <a:srgbClr val="FF0000"/>
-            </a:solidFill>
-            <a:tailEnd type="triangle"/>
-          </a:ln>
-        </p:spPr>
-        <p:style>
-          <a:lnRef idx="1">
-            <a:schemeClr val="accent1"/>
-          </a:lnRef>
-          <a:fillRef idx="0">
-            <a:schemeClr val="accent1"/>
-          </a:fillRef>
-          <a:effectRef idx="0">
-            <a:schemeClr val="accent1"/>
-          </a:effectRef>
-          <a:fontRef idx="minor">
-            <a:schemeClr val="tx1"/>
-          </a:fontRef>
-        </p:style>
-      </p:cxnSp>
-      <p:cxnSp>
-        <p:nvCxnSpPr>
-          <p:cNvPr id="31" name="Straight Arrow Connector 30">
-            <a:extLst>
-              <a:ext uri="{FF2B5EF4-FFF2-40B4-BE49-F238E27FC236}">
-                <a16:creationId xmlns:a16="http://schemas.microsoft.com/office/drawing/2014/main" id="{31C6647B-D2E9-4088-B616-4526DFA01760}"/>
-              </a:ext>
-            </a:extLst>
-          </p:cNvPr>
-          <p:cNvCxnSpPr>
-            <a:cxnSpLocks/>
-            <a:endCxn id="12" idx="4"/>
-          </p:cNvCxnSpPr>
-          <p:nvPr/>
-        </p:nvCxnSpPr>
-        <p:spPr>
-          <a:xfrm flipV="1">
-            <a:off x="6856599" y="3885012"/>
-            <a:ext cx="27253" cy="194624"/>
-          </a:xfrm>
-          <a:prstGeom prst="straightConnector1">
-            <a:avLst/>
-          </a:prstGeom>
-          <a:ln w="38100">
-            <a:solidFill>
-              <a:srgbClr val="FF0000"/>
-            </a:solidFill>
-            <a:tailEnd type="triangle"/>
-          </a:ln>
-        </p:spPr>
-        <p:style>
-          <a:lnRef idx="1">
-            <a:schemeClr val="accent1"/>
-          </a:lnRef>
-          <a:fillRef idx="0">
-            <a:schemeClr val="accent1"/>
-          </a:fillRef>
-          <a:effectRef idx="0">
-            <a:schemeClr val="accent1"/>
-          </a:effectRef>
-          <a:fontRef idx="minor">
-            <a:schemeClr val="tx1"/>
-          </a:fontRef>
-        </p:style>
-      </p:cxnSp>
-      <p:cxnSp>
-        <p:nvCxnSpPr>
-          <p:cNvPr id="33" name="Straight Arrow Connector 32">
-            <a:extLst>
-              <a:ext uri="{FF2B5EF4-FFF2-40B4-BE49-F238E27FC236}">
-                <a16:creationId xmlns:a16="http://schemas.microsoft.com/office/drawing/2014/main" id="{30872F81-6E7B-4D9A-AC33-1362C71DE966}"/>
-              </a:ext>
-            </a:extLst>
-          </p:cNvPr>
-          <p:cNvCxnSpPr>
-            <a:cxnSpLocks/>
-            <a:stCxn id="12" idx="7"/>
-            <a:endCxn id="13" idx="3"/>
-          </p:cNvCxnSpPr>
-          <p:nvPr/>
-        </p:nvCxnSpPr>
-        <p:spPr>
-          <a:xfrm flipV="1">
-            <a:off x="7018556" y="3246681"/>
-            <a:ext cx="352440" cy="313127"/>
-          </a:xfrm>
-          <a:prstGeom prst="straightConnector1">
-            <a:avLst/>
-          </a:prstGeom>
-          <a:ln w="38100">
-            <a:solidFill>
-              <a:srgbClr val="FF0000"/>
-            </a:solidFill>
-            <a:tailEnd type="triangle"/>
-          </a:ln>
-        </p:spPr>
-        <p:style>
-          <a:lnRef idx="1">
-            <a:schemeClr val="accent1"/>
-          </a:lnRef>
-          <a:fillRef idx="0">
-            <a:schemeClr val="accent1"/>
-          </a:fillRef>
-          <a:effectRef idx="0">
-            <a:schemeClr val="accent1"/>
-          </a:effectRef>
-          <a:fontRef idx="minor">
-            <a:schemeClr val="tx1"/>
-          </a:fontRef>
-        </p:style>
-      </p:cxnSp>
-      <p:sp>
-        <p:nvSpPr>
-          <p:cNvPr id="44" name="Oval 43">
-            <a:extLst>
-              <a:ext uri="{FF2B5EF4-FFF2-40B4-BE49-F238E27FC236}">
-                <a16:creationId xmlns:a16="http://schemas.microsoft.com/office/drawing/2014/main" id="{F6965377-92F5-478D-86E0-6BC8DC756AFF}"/>
-              </a:ext>
-            </a:extLst>
-          </p:cNvPr>
-          <p:cNvSpPr/>
-          <p:nvPr/>
-        </p:nvSpPr>
-        <p:spPr>
-          <a:xfrm>
-            <a:off x="6121852" y="5183508"/>
-            <a:ext cx="381000" cy="381000"/>
-          </a:xfrm>
-          <a:prstGeom prst="ellipse">
-            <a:avLst/>
-          </a:prstGeom>
-          <a:noFill/>
-          <a:ln w="38100">
-            <a:solidFill>
-              <a:srgbClr val="FF0000"/>
-            </a:solidFill>
-          </a:ln>
-        </p:spPr>
-        <p:style>
-          <a:lnRef idx="2">
-            <a:schemeClr val="accent1">
-              <a:shade val="50000"/>
-            </a:schemeClr>
-          </a:lnRef>
-          <a:fillRef idx="1">
-            <a:schemeClr val="accent1"/>
-          </a:fillRef>
-          <a:effectRef idx="0">
-            <a:schemeClr val="accent1"/>
-          </a:effectRef>
-          <a:fontRef idx="minor">
-            <a:schemeClr val="lt1"/>
-          </a:fontRef>
-        </p:style>
-        <p:txBody>
-          <a:bodyPr rtlCol="0" anchor="ctr"/>
-          <a:lstStyle/>
-          <a:p>
-            <a:pPr algn="ctr"/>
-            <a:endParaRPr lang="en-US"/>
-          </a:p>
-        </p:txBody>
-      </p:sp>
-      <p:cxnSp>
-        <p:nvCxnSpPr>
-          <p:cNvPr id="45" name="Straight Arrow Connector 44">
-            <a:extLst>
-              <a:ext uri="{FF2B5EF4-FFF2-40B4-BE49-F238E27FC236}">
-                <a16:creationId xmlns:a16="http://schemas.microsoft.com/office/drawing/2014/main" id="{A7BF5870-B5EE-44E4-A1B1-B29644B74F68}"/>
-              </a:ext>
-            </a:extLst>
-          </p:cNvPr>
-          <p:cNvCxnSpPr>
-            <a:cxnSpLocks/>
-            <a:stCxn id="44" idx="0"/>
-            <a:endCxn id="14" idx="4"/>
-          </p:cNvCxnSpPr>
-          <p:nvPr/>
-        </p:nvCxnSpPr>
-        <p:spPr>
-          <a:xfrm flipV="1">
-            <a:off x="6312352" y="5016575"/>
-            <a:ext cx="0" cy="166933"/>
-          </a:xfrm>
-          <a:prstGeom prst="straightConnector1">
-            <a:avLst/>
-          </a:prstGeom>
-          <a:ln w="38100">
-            <a:solidFill>
-              <a:srgbClr val="FF0000"/>
-            </a:solidFill>
-            <a:tailEnd type="triangle"/>
-          </a:ln>
-        </p:spPr>
-        <p:style>
-          <a:lnRef idx="1">
-            <a:schemeClr val="accent1"/>
-          </a:lnRef>
-          <a:fillRef idx="0">
-            <a:schemeClr val="accent1"/>
-          </a:fillRef>
-          <a:effectRef idx="0">
-            <a:schemeClr val="accent1"/>
-          </a:effectRef>
-          <a:fontRef idx="minor">
-            <a:schemeClr val="tx1"/>
-          </a:fontRef>
-        </p:style>
-      </p:cxnSp>
-      <p:sp>
-        <p:nvSpPr>
-          <p:cNvPr id="48" name="Oval 47">
-            <a:extLst>
-              <a:ext uri="{FF2B5EF4-FFF2-40B4-BE49-F238E27FC236}">
-                <a16:creationId xmlns:a16="http://schemas.microsoft.com/office/drawing/2014/main" id="{83CCEF06-F7F5-4DE5-9901-29E2DFF7A679}"/>
-              </a:ext>
-            </a:extLst>
-          </p:cNvPr>
-          <p:cNvSpPr/>
-          <p:nvPr/>
-        </p:nvSpPr>
-        <p:spPr>
-          <a:xfrm>
-            <a:off x="3633105" y="5194226"/>
-            <a:ext cx="381000" cy="381000"/>
-          </a:xfrm>
-          <a:prstGeom prst="ellipse">
-            <a:avLst/>
-          </a:prstGeom>
-          <a:noFill/>
-          <a:ln w="38100">
-            <a:solidFill>
-              <a:srgbClr val="FF0000"/>
-            </a:solidFill>
-          </a:ln>
-        </p:spPr>
-        <p:style>
-          <a:lnRef idx="2">
-            <a:schemeClr val="accent1">
-              <a:shade val="50000"/>
-            </a:schemeClr>
-          </a:lnRef>
-          <a:fillRef idx="1">
-            <a:schemeClr val="accent1"/>
-          </a:fillRef>
-          <a:effectRef idx="0">
-            <a:schemeClr val="accent1"/>
-          </a:effectRef>
-          <a:fontRef idx="minor">
-            <a:schemeClr val="lt1"/>
-          </a:fontRef>
-        </p:style>
-        <p:txBody>
-          <a:bodyPr rtlCol="0" anchor="ctr"/>
-          <a:lstStyle/>
-          <a:p>
-            <a:pPr algn="ctr"/>
-            <a:endParaRPr lang="en-US"/>
+            <a:pPr marL="0" indent="0">
+              <a:buNone/>
+            </a:pPr>
+            <a:r>
+              <a:rPr lang="en-US" dirty="0"/>
+              <a:t>We do not need to always start playouts from the current node, we can build a partial game tree and simulate from any node in that tree. </a:t>
+            </a:r>
+          </a:p>
+          <a:p>
+            <a:pPr marL="0" indent="0">
+              <a:buNone/>
+            </a:pPr>
+            <a:endParaRPr lang="en-US" dirty="0"/>
+          </a:p>
+          <a:p>
+            <a:pPr marL="0" indent="0">
+              <a:buNone/>
+            </a:pPr>
+            <a:r>
+              <a:rPr lang="en-US" dirty="0"/>
+              <a:t>Important considerations:</a:t>
+            </a:r>
+          </a:p>
+          <a:p>
+            <a:r>
+              <a:rPr lang="en-US" dirty="0"/>
+              <a:t>We can use UCB1 so decide what part of the tree we should focus on for the next playout.</a:t>
+            </a:r>
+          </a:p>
+          <a:p>
+            <a:r>
+              <a:rPr lang="en-US" dirty="0"/>
+              <a:t>We can only store a small part of the game tree, so we do not store the complete playout runs.</a:t>
+            </a:r>
           </a:p>
         </p:txBody>
       </p:sp>
     </p:spTree>
     <p:extLst>
       <p:ext uri="{BB962C8B-B14F-4D97-AF65-F5344CB8AC3E}">
-        <p14:creationId xmlns:p14="http://schemas.microsoft.com/office/powerpoint/2010/main" val="1770306866"/>
+        <p14:creationId xmlns:p14="http://schemas.microsoft.com/office/powerpoint/2010/main" val="1280639319"/>
       </p:ext>
     </p:extLst>
   </p:cSld>
@@ -25797,6 +24576,1298 @@
       </p:grpSpPr>
       <p:pic>
         <p:nvPicPr>
+          <p:cNvPr id="4" name="Picture 3">
+            <a:extLst>
+              <a:ext uri="{FF2B5EF4-FFF2-40B4-BE49-F238E27FC236}">
+                <a16:creationId xmlns:a16="http://schemas.microsoft.com/office/drawing/2014/main" id="{A2183ED0-97C8-46A9-ACE4-0AB43323E179}"/>
+              </a:ext>
+            </a:extLst>
+          </p:cNvPr>
+          <p:cNvPicPr>
+            <a:picLocks noChangeAspect="1"/>
+          </p:cNvPicPr>
+          <p:nvPr/>
+        </p:nvPicPr>
+        <p:blipFill>
+          <a:blip r:embed="rId2"/>
+          <a:stretch>
+            <a:fillRect/>
+          </a:stretch>
+        </p:blipFill>
+        <p:spPr>
+          <a:xfrm>
+            <a:off x="381000" y="354114"/>
+            <a:ext cx="8171826" cy="2437212"/>
+          </a:xfrm>
+          <a:prstGeom prst="rect">
+            <a:avLst/>
+          </a:prstGeom>
+        </p:spPr>
+        <p:style>
+          <a:lnRef idx="2">
+            <a:schemeClr val="accent2"/>
+          </a:lnRef>
+          <a:fillRef idx="1">
+            <a:schemeClr val="lt1"/>
+          </a:fillRef>
+          <a:effectRef idx="0">
+            <a:schemeClr val="accent2"/>
+          </a:effectRef>
+          <a:fontRef idx="minor">
+            <a:schemeClr val="dk1"/>
+          </a:fontRef>
+        </p:style>
+      </p:pic>
+      <p:pic>
+        <p:nvPicPr>
+          <p:cNvPr id="5" name="Picture 4">
+            <a:extLst>
+              <a:ext uri="{FF2B5EF4-FFF2-40B4-BE49-F238E27FC236}">
+                <a16:creationId xmlns:a16="http://schemas.microsoft.com/office/drawing/2014/main" id="{FF83E86E-0770-4D97-B52D-C26C85CF9C39}"/>
+              </a:ext>
+            </a:extLst>
+          </p:cNvPr>
+          <p:cNvPicPr>
+            <a:picLocks noChangeAspect="1"/>
+          </p:cNvPicPr>
+          <p:nvPr/>
+        </p:nvPicPr>
+        <p:blipFill>
+          <a:blip r:embed="rId3"/>
+          <a:stretch>
+            <a:fillRect/>
+          </a:stretch>
+        </p:blipFill>
+        <p:spPr>
+          <a:xfrm>
+            <a:off x="978351" y="2819400"/>
+            <a:ext cx="7784649" cy="3189476"/>
+          </a:xfrm>
+          <a:prstGeom prst="rect">
+            <a:avLst/>
+          </a:prstGeom>
+        </p:spPr>
+      </p:pic>
+      <p:sp>
+        <p:nvSpPr>
+          <p:cNvPr id="6" name="Speech Bubble: Rectangle 5">
+            <a:extLst>
+              <a:ext uri="{FF2B5EF4-FFF2-40B4-BE49-F238E27FC236}">
+                <a16:creationId xmlns:a16="http://schemas.microsoft.com/office/drawing/2014/main" id="{559D4B9A-014D-421F-AD0F-76EDEBC51C3A}"/>
+              </a:ext>
+            </a:extLst>
+          </p:cNvPr>
+          <p:cNvSpPr/>
+          <p:nvPr/>
+        </p:nvSpPr>
+        <p:spPr>
+          <a:xfrm>
+            <a:off x="3901408" y="5961528"/>
+            <a:ext cx="2286000" cy="838200"/>
+          </a:xfrm>
+          <a:prstGeom prst="wedgeRectCallout">
+            <a:avLst>
+              <a:gd name="adj1" fmla="val -47565"/>
+              <a:gd name="adj2" fmla="val -93817"/>
+            </a:avLst>
+          </a:prstGeom>
+        </p:spPr>
+        <p:style>
+          <a:lnRef idx="3">
+            <a:schemeClr val="lt1"/>
+          </a:lnRef>
+          <a:fillRef idx="1">
+            <a:schemeClr val="accent6"/>
+          </a:fillRef>
+          <a:effectRef idx="1">
+            <a:schemeClr val="accent6"/>
+          </a:effectRef>
+          <a:fontRef idx="minor">
+            <a:schemeClr val="lt1"/>
+          </a:fontRef>
+        </p:style>
+        <p:txBody>
+          <a:bodyPr rtlCol="0" anchor="ctr"/>
+          <a:lstStyle/>
+          <a:p>
+            <a:pPr algn="ctr"/>
+            <a:r>
+              <a:rPr lang="en-US" sz="1600" dirty="0"/>
+              <a:t>Note: the simulation path is not recorded to preserve memory!</a:t>
+            </a:r>
+          </a:p>
+        </p:txBody>
+      </p:sp>
+      <p:sp>
+        <p:nvSpPr>
+          <p:cNvPr id="7" name="Speech Bubble: Rectangle 6">
+            <a:extLst>
+              <a:ext uri="{FF2B5EF4-FFF2-40B4-BE49-F238E27FC236}">
+                <a16:creationId xmlns:a16="http://schemas.microsoft.com/office/drawing/2014/main" id="{8384930E-C4A4-4194-BB17-475E43E41D5F}"/>
+              </a:ext>
+            </a:extLst>
+          </p:cNvPr>
+          <p:cNvSpPr/>
+          <p:nvPr/>
+        </p:nvSpPr>
+        <p:spPr>
+          <a:xfrm>
+            <a:off x="3400113" y="1295400"/>
+            <a:ext cx="2133600" cy="381000"/>
+          </a:xfrm>
+          <a:prstGeom prst="wedgeRectCallout">
+            <a:avLst>
+              <a:gd name="adj1" fmla="val -71362"/>
+              <a:gd name="adj2" fmla="val -25922"/>
+            </a:avLst>
+          </a:prstGeom>
+        </p:spPr>
+        <p:style>
+          <a:lnRef idx="3">
+            <a:schemeClr val="lt1"/>
+          </a:lnRef>
+          <a:fillRef idx="1">
+            <a:schemeClr val="accent6"/>
+          </a:fillRef>
+          <a:effectRef idx="1">
+            <a:schemeClr val="accent6"/>
+          </a:effectRef>
+          <a:fontRef idx="minor">
+            <a:schemeClr val="lt1"/>
+          </a:fontRef>
+        </p:style>
+        <p:txBody>
+          <a:bodyPr rtlCol="0" anchor="ctr"/>
+          <a:lstStyle/>
+          <a:p>
+            <a:pPr algn="ctr"/>
+            <a:r>
+              <a:rPr lang="en-US" dirty="0"/>
+              <a:t>Highest UCB1 score</a:t>
+            </a:r>
+          </a:p>
+        </p:txBody>
+      </p:sp>
+      <p:sp>
+        <p:nvSpPr>
+          <p:cNvPr id="8" name="Speech Bubble: Rectangle 7">
+            <a:extLst>
+              <a:ext uri="{FF2B5EF4-FFF2-40B4-BE49-F238E27FC236}">
+                <a16:creationId xmlns:a16="http://schemas.microsoft.com/office/drawing/2014/main" id="{F14742F9-67BA-4ED1-A2CE-411A6E61255D}"/>
+              </a:ext>
+            </a:extLst>
+          </p:cNvPr>
+          <p:cNvSpPr/>
+          <p:nvPr/>
+        </p:nvSpPr>
+        <p:spPr>
+          <a:xfrm>
+            <a:off x="5105400" y="1676400"/>
+            <a:ext cx="3352800" cy="643689"/>
+          </a:xfrm>
+          <a:prstGeom prst="wedgeRectCallout">
+            <a:avLst>
+              <a:gd name="adj1" fmla="val -70802"/>
+              <a:gd name="adj2" fmla="val 66494"/>
+            </a:avLst>
+          </a:prstGeom>
+        </p:spPr>
+        <p:style>
+          <a:lnRef idx="3">
+            <a:schemeClr val="lt1"/>
+          </a:lnRef>
+          <a:fillRef idx="1">
+            <a:schemeClr val="accent6"/>
+          </a:fillRef>
+          <a:effectRef idx="1">
+            <a:schemeClr val="accent6"/>
+          </a:effectRef>
+          <a:fontRef idx="minor">
+            <a:schemeClr val="lt1"/>
+          </a:fontRef>
+        </p:style>
+        <p:txBody>
+          <a:bodyPr rtlCol="0" anchor="ctr"/>
+          <a:lstStyle/>
+          <a:p>
+            <a:pPr algn="ctr"/>
+            <a:r>
+              <a:rPr lang="en-US" dirty="0"/>
+              <a:t>UCB1 selection favors win percentage more and more.</a:t>
+            </a:r>
+          </a:p>
+        </p:txBody>
+      </p:sp>
+      <p:sp>
+        <p:nvSpPr>
+          <p:cNvPr id="9" name="TextBox 8">
+            <a:extLst>
+              <a:ext uri="{FF2B5EF4-FFF2-40B4-BE49-F238E27FC236}">
+                <a16:creationId xmlns:a16="http://schemas.microsoft.com/office/drawing/2014/main" id="{E49ADF20-5360-4C46-9A0F-C4AC022BFFB2}"/>
+              </a:ext>
+            </a:extLst>
+          </p:cNvPr>
+          <p:cNvSpPr txBox="1"/>
+          <p:nvPr/>
+        </p:nvSpPr>
+        <p:spPr>
+          <a:xfrm>
+            <a:off x="2743200" y="2895600"/>
+            <a:ext cx="1084079" cy="276999"/>
+          </a:xfrm>
+          <a:prstGeom prst="rect">
+            <a:avLst/>
+          </a:prstGeom>
+          <a:noFill/>
+        </p:spPr>
+        <p:txBody>
+          <a:bodyPr wrap="none" rtlCol="0">
+            <a:spAutoFit/>
+          </a:bodyPr>
+          <a:lstStyle/>
+          <a:p>
+            <a:r>
+              <a:rPr lang="en-US" sz="1200" dirty="0"/>
+              <a:t>Wins/Playouts</a:t>
+            </a:r>
+          </a:p>
+        </p:txBody>
+      </p:sp>
+      <p:sp>
+        <p:nvSpPr>
+          <p:cNvPr id="10" name="Oval 9">
+            <a:extLst>
+              <a:ext uri="{FF2B5EF4-FFF2-40B4-BE49-F238E27FC236}">
+                <a16:creationId xmlns:a16="http://schemas.microsoft.com/office/drawing/2014/main" id="{15C69B09-9D37-4124-A65C-8B45BABCAFB7}"/>
+              </a:ext>
+            </a:extLst>
+          </p:cNvPr>
+          <p:cNvSpPr/>
+          <p:nvPr/>
+        </p:nvSpPr>
+        <p:spPr>
+          <a:xfrm>
+            <a:off x="1128530" y="4648200"/>
+            <a:ext cx="381000" cy="381000"/>
+          </a:xfrm>
+          <a:prstGeom prst="ellipse">
+            <a:avLst/>
+          </a:prstGeom>
+          <a:noFill/>
+          <a:ln w="38100">
+            <a:solidFill>
+              <a:srgbClr val="FF0000"/>
+            </a:solidFill>
+          </a:ln>
+        </p:spPr>
+        <p:style>
+          <a:lnRef idx="2">
+            <a:schemeClr val="accent1">
+              <a:shade val="50000"/>
+            </a:schemeClr>
+          </a:lnRef>
+          <a:fillRef idx="1">
+            <a:schemeClr val="accent1"/>
+          </a:fillRef>
+          <a:effectRef idx="0">
+            <a:schemeClr val="accent1"/>
+          </a:effectRef>
+          <a:fontRef idx="minor">
+            <a:schemeClr val="lt1"/>
+          </a:fontRef>
+        </p:style>
+        <p:txBody>
+          <a:bodyPr rtlCol="0" anchor="ctr"/>
+          <a:lstStyle/>
+          <a:p>
+            <a:pPr algn="ctr"/>
+            <a:endParaRPr lang="en-US"/>
+          </a:p>
+        </p:txBody>
+      </p:sp>
+      <p:sp>
+        <p:nvSpPr>
+          <p:cNvPr id="11" name="Oval 10">
+            <a:extLst>
+              <a:ext uri="{FF2B5EF4-FFF2-40B4-BE49-F238E27FC236}">
+                <a16:creationId xmlns:a16="http://schemas.microsoft.com/office/drawing/2014/main" id="{8CA756EA-5537-4B96-9E24-93C99C7BC71F}"/>
+              </a:ext>
+            </a:extLst>
+          </p:cNvPr>
+          <p:cNvSpPr/>
+          <p:nvPr/>
+        </p:nvSpPr>
+        <p:spPr>
+          <a:xfrm>
+            <a:off x="6693352" y="4089549"/>
+            <a:ext cx="381000" cy="381000"/>
+          </a:xfrm>
+          <a:prstGeom prst="ellipse">
+            <a:avLst/>
+          </a:prstGeom>
+          <a:noFill/>
+          <a:ln w="38100">
+            <a:solidFill>
+              <a:srgbClr val="FF0000"/>
+            </a:solidFill>
+          </a:ln>
+        </p:spPr>
+        <p:style>
+          <a:lnRef idx="2">
+            <a:schemeClr val="accent1">
+              <a:shade val="50000"/>
+            </a:schemeClr>
+          </a:lnRef>
+          <a:fillRef idx="1">
+            <a:schemeClr val="accent1"/>
+          </a:fillRef>
+          <a:effectRef idx="0">
+            <a:schemeClr val="accent1"/>
+          </a:effectRef>
+          <a:fontRef idx="minor">
+            <a:schemeClr val="lt1"/>
+          </a:fontRef>
+        </p:style>
+        <p:txBody>
+          <a:bodyPr rtlCol="0" anchor="ctr"/>
+          <a:lstStyle/>
+          <a:p>
+            <a:pPr algn="ctr"/>
+            <a:endParaRPr lang="en-US"/>
+          </a:p>
+        </p:txBody>
+      </p:sp>
+      <p:sp>
+        <p:nvSpPr>
+          <p:cNvPr id="12" name="Oval 11">
+            <a:extLst>
+              <a:ext uri="{FF2B5EF4-FFF2-40B4-BE49-F238E27FC236}">
+                <a16:creationId xmlns:a16="http://schemas.microsoft.com/office/drawing/2014/main" id="{51D6C00C-0565-4048-9352-92A781CD61BC}"/>
+              </a:ext>
+            </a:extLst>
+          </p:cNvPr>
+          <p:cNvSpPr/>
+          <p:nvPr/>
+        </p:nvSpPr>
+        <p:spPr>
+          <a:xfrm>
+            <a:off x="6693352" y="3504012"/>
+            <a:ext cx="381000" cy="381000"/>
+          </a:xfrm>
+          <a:prstGeom prst="ellipse">
+            <a:avLst/>
+          </a:prstGeom>
+          <a:noFill/>
+          <a:ln w="38100">
+            <a:solidFill>
+              <a:srgbClr val="FF0000"/>
+            </a:solidFill>
+          </a:ln>
+        </p:spPr>
+        <p:style>
+          <a:lnRef idx="2">
+            <a:schemeClr val="accent1">
+              <a:shade val="50000"/>
+            </a:schemeClr>
+          </a:lnRef>
+          <a:fillRef idx="1">
+            <a:schemeClr val="accent1"/>
+          </a:fillRef>
+          <a:effectRef idx="0">
+            <a:schemeClr val="accent1"/>
+          </a:effectRef>
+          <a:fontRef idx="minor">
+            <a:schemeClr val="lt1"/>
+          </a:fontRef>
+        </p:style>
+        <p:txBody>
+          <a:bodyPr rtlCol="0" anchor="ctr"/>
+          <a:lstStyle/>
+          <a:p>
+            <a:pPr algn="ctr"/>
+            <a:endParaRPr lang="en-US"/>
+          </a:p>
+        </p:txBody>
+      </p:sp>
+      <p:sp>
+        <p:nvSpPr>
+          <p:cNvPr id="13" name="Oval 12">
+            <a:extLst>
+              <a:ext uri="{FF2B5EF4-FFF2-40B4-BE49-F238E27FC236}">
+                <a16:creationId xmlns:a16="http://schemas.microsoft.com/office/drawing/2014/main" id="{86018CB8-30CF-469B-8288-0444EE3BCAD4}"/>
+              </a:ext>
+            </a:extLst>
+          </p:cNvPr>
+          <p:cNvSpPr/>
+          <p:nvPr/>
+        </p:nvSpPr>
+        <p:spPr>
+          <a:xfrm>
+            <a:off x="7315200" y="2908652"/>
+            <a:ext cx="381000" cy="396026"/>
+          </a:xfrm>
+          <a:prstGeom prst="ellipse">
+            <a:avLst/>
+          </a:prstGeom>
+          <a:noFill/>
+          <a:ln w="38100">
+            <a:solidFill>
+              <a:srgbClr val="FF0000"/>
+            </a:solidFill>
+          </a:ln>
+        </p:spPr>
+        <p:style>
+          <a:lnRef idx="2">
+            <a:schemeClr val="accent1">
+              <a:shade val="50000"/>
+            </a:schemeClr>
+          </a:lnRef>
+          <a:fillRef idx="1">
+            <a:schemeClr val="accent1"/>
+          </a:fillRef>
+          <a:effectRef idx="0">
+            <a:schemeClr val="accent1"/>
+          </a:effectRef>
+          <a:fontRef idx="minor">
+            <a:schemeClr val="lt1"/>
+          </a:fontRef>
+        </p:style>
+        <p:txBody>
+          <a:bodyPr rtlCol="0" anchor="ctr"/>
+          <a:lstStyle/>
+          <a:p>
+            <a:pPr algn="ctr"/>
+            <a:endParaRPr lang="en-US"/>
+          </a:p>
+        </p:txBody>
+      </p:sp>
+      <p:sp>
+        <p:nvSpPr>
+          <p:cNvPr id="14" name="Oval 13">
+            <a:extLst>
+              <a:ext uri="{FF2B5EF4-FFF2-40B4-BE49-F238E27FC236}">
+                <a16:creationId xmlns:a16="http://schemas.microsoft.com/office/drawing/2014/main" id="{90B203F2-B256-499E-968C-FBC9A0FAC327}"/>
+              </a:ext>
+            </a:extLst>
+          </p:cNvPr>
+          <p:cNvSpPr/>
+          <p:nvPr/>
+        </p:nvSpPr>
+        <p:spPr>
+          <a:xfrm>
+            <a:off x="6121852" y="4635575"/>
+            <a:ext cx="381000" cy="381000"/>
+          </a:xfrm>
+          <a:prstGeom prst="ellipse">
+            <a:avLst/>
+          </a:prstGeom>
+          <a:noFill/>
+          <a:ln w="38100">
+            <a:solidFill>
+              <a:srgbClr val="FF0000"/>
+            </a:solidFill>
+          </a:ln>
+        </p:spPr>
+        <p:style>
+          <a:lnRef idx="2">
+            <a:schemeClr val="accent1">
+              <a:shade val="50000"/>
+            </a:schemeClr>
+          </a:lnRef>
+          <a:fillRef idx="1">
+            <a:schemeClr val="accent1"/>
+          </a:fillRef>
+          <a:effectRef idx="0">
+            <a:schemeClr val="accent1"/>
+          </a:effectRef>
+          <a:fontRef idx="minor">
+            <a:schemeClr val="lt1"/>
+          </a:fontRef>
+        </p:style>
+        <p:txBody>
+          <a:bodyPr rtlCol="0" anchor="ctr"/>
+          <a:lstStyle/>
+          <a:p>
+            <a:pPr algn="ctr"/>
+            <a:endParaRPr lang="en-US"/>
+          </a:p>
+        </p:txBody>
+      </p:sp>
+      <p:sp>
+        <p:nvSpPr>
+          <p:cNvPr id="15" name="TextBox 14">
+            <a:extLst>
+              <a:ext uri="{FF2B5EF4-FFF2-40B4-BE49-F238E27FC236}">
+                <a16:creationId xmlns:a16="http://schemas.microsoft.com/office/drawing/2014/main" id="{599F4839-3EDC-4379-B9CC-63887372CCD6}"/>
+              </a:ext>
+            </a:extLst>
+          </p:cNvPr>
+          <p:cNvSpPr txBox="1"/>
+          <p:nvPr/>
+        </p:nvSpPr>
+        <p:spPr>
+          <a:xfrm>
+            <a:off x="557598" y="2999601"/>
+            <a:ext cx="562911" cy="276999"/>
+          </a:xfrm>
+          <a:prstGeom prst="rect">
+            <a:avLst/>
+          </a:prstGeom>
+          <a:noFill/>
+        </p:spPr>
+        <p:txBody>
+          <a:bodyPr wrap="none" rtlCol="0">
+            <a:spAutoFit/>
+          </a:bodyPr>
+          <a:lstStyle/>
+          <a:p>
+            <a:r>
+              <a:rPr lang="en-US" sz="1200" dirty="0"/>
+              <a:t>White</a:t>
+            </a:r>
+          </a:p>
+        </p:txBody>
+      </p:sp>
+      <p:sp>
+        <p:nvSpPr>
+          <p:cNvPr id="16" name="TextBox 15">
+            <a:extLst>
+              <a:ext uri="{FF2B5EF4-FFF2-40B4-BE49-F238E27FC236}">
+                <a16:creationId xmlns:a16="http://schemas.microsoft.com/office/drawing/2014/main" id="{4DEA6A0B-F53D-480C-99D5-82DB6899E24E}"/>
+              </a:ext>
+            </a:extLst>
+          </p:cNvPr>
+          <p:cNvSpPr txBox="1"/>
+          <p:nvPr/>
+        </p:nvSpPr>
+        <p:spPr>
+          <a:xfrm>
+            <a:off x="557598" y="4089549"/>
+            <a:ext cx="562911" cy="276999"/>
+          </a:xfrm>
+          <a:prstGeom prst="rect">
+            <a:avLst/>
+          </a:prstGeom>
+          <a:noFill/>
+        </p:spPr>
+        <p:txBody>
+          <a:bodyPr wrap="none" rtlCol="0">
+            <a:spAutoFit/>
+          </a:bodyPr>
+          <a:lstStyle/>
+          <a:p>
+            <a:r>
+              <a:rPr lang="en-US" sz="1200" dirty="0"/>
+              <a:t>White</a:t>
+            </a:r>
+          </a:p>
+        </p:txBody>
+      </p:sp>
+      <p:sp>
+        <p:nvSpPr>
+          <p:cNvPr id="17" name="TextBox 16">
+            <a:extLst>
+              <a:ext uri="{FF2B5EF4-FFF2-40B4-BE49-F238E27FC236}">
+                <a16:creationId xmlns:a16="http://schemas.microsoft.com/office/drawing/2014/main" id="{4FB26089-CE33-4440-8867-7A807316C56E}"/>
+              </a:ext>
+            </a:extLst>
+          </p:cNvPr>
+          <p:cNvSpPr txBox="1"/>
+          <p:nvPr/>
+        </p:nvSpPr>
+        <p:spPr>
+          <a:xfrm>
+            <a:off x="557598" y="5179497"/>
+            <a:ext cx="562911" cy="276999"/>
+          </a:xfrm>
+          <a:prstGeom prst="rect">
+            <a:avLst/>
+          </a:prstGeom>
+          <a:noFill/>
+        </p:spPr>
+        <p:txBody>
+          <a:bodyPr wrap="none" rtlCol="0">
+            <a:spAutoFit/>
+          </a:bodyPr>
+          <a:lstStyle/>
+          <a:p>
+            <a:r>
+              <a:rPr lang="en-US" sz="1200" dirty="0"/>
+              <a:t>White</a:t>
+            </a:r>
+          </a:p>
+        </p:txBody>
+      </p:sp>
+      <p:cxnSp>
+        <p:nvCxnSpPr>
+          <p:cNvPr id="21" name="Straight Connector 20">
+            <a:extLst>
+              <a:ext uri="{FF2B5EF4-FFF2-40B4-BE49-F238E27FC236}">
+                <a16:creationId xmlns:a16="http://schemas.microsoft.com/office/drawing/2014/main" id="{D5A7904B-BA97-438D-83FF-897983384C78}"/>
+              </a:ext>
+            </a:extLst>
+          </p:cNvPr>
+          <p:cNvCxnSpPr/>
+          <p:nvPr/>
+        </p:nvCxnSpPr>
+        <p:spPr>
+          <a:xfrm>
+            <a:off x="685800" y="3352800"/>
+            <a:ext cx="7912552" cy="0"/>
+          </a:xfrm>
+          <a:prstGeom prst="line">
+            <a:avLst/>
+          </a:prstGeom>
+          <a:ln w="9525" cap="flat" cmpd="sng" algn="ctr">
+            <a:solidFill>
+              <a:schemeClr val="accent3"/>
+            </a:solidFill>
+            <a:prstDash val="dash"/>
+            <a:round/>
+            <a:headEnd type="none" w="med" len="med"/>
+            <a:tailEnd type="none" w="med" len="med"/>
+          </a:ln>
+        </p:spPr>
+        <p:style>
+          <a:lnRef idx="0">
+            <a:scrgbClr r="0" g="0" b="0"/>
+          </a:lnRef>
+          <a:fillRef idx="0">
+            <a:scrgbClr r="0" g="0" b="0"/>
+          </a:fillRef>
+          <a:effectRef idx="0">
+            <a:scrgbClr r="0" g="0" b="0"/>
+          </a:effectRef>
+          <a:fontRef idx="minor">
+            <a:schemeClr val="tx1"/>
+          </a:fontRef>
+        </p:style>
+      </p:cxnSp>
+      <p:cxnSp>
+        <p:nvCxnSpPr>
+          <p:cNvPr id="23" name="Straight Connector 22">
+            <a:extLst>
+              <a:ext uri="{FF2B5EF4-FFF2-40B4-BE49-F238E27FC236}">
+                <a16:creationId xmlns:a16="http://schemas.microsoft.com/office/drawing/2014/main" id="{84117894-7786-4518-8579-1E6221DB0E65}"/>
+              </a:ext>
+            </a:extLst>
+          </p:cNvPr>
+          <p:cNvCxnSpPr/>
+          <p:nvPr/>
+        </p:nvCxnSpPr>
+        <p:spPr>
+          <a:xfrm>
+            <a:off x="685800" y="3962400"/>
+            <a:ext cx="7912552" cy="0"/>
+          </a:xfrm>
+          <a:prstGeom prst="line">
+            <a:avLst/>
+          </a:prstGeom>
+          <a:ln w="9525" cap="flat" cmpd="sng" algn="ctr">
+            <a:solidFill>
+              <a:schemeClr val="accent3"/>
+            </a:solidFill>
+            <a:prstDash val="dash"/>
+            <a:round/>
+            <a:headEnd type="none" w="med" len="med"/>
+            <a:tailEnd type="none" w="med" len="med"/>
+          </a:ln>
+        </p:spPr>
+        <p:style>
+          <a:lnRef idx="0">
+            <a:scrgbClr r="0" g="0" b="0"/>
+          </a:lnRef>
+          <a:fillRef idx="0">
+            <a:scrgbClr r="0" g="0" b="0"/>
+          </a:fillRef>
+          <a:effectRef idx="0">
+            <a:scrgbClr r="0" g="0" b="0"/>
+          </a:effectRef>
+          <a:fontRef idx="minor">
+            <a:schemeClr val="tx1"/>
+          </a:fontRef>
+        </p:style>
+      </p:cxnSp>
+      <p:cxnSp>
+        <p:nvCxnSpPr>
+          <p:cNvPr id="24" name="Straight Connector 23">
+            <a:extLst>
+              <a:ext uri="{FF2B5EF4-FFF2-40B4-BE49-F238E27FC236}">
+                <a16:creationId xmlns:a16="http://schemas.microsoft.com/office/drawing/2014/main" id="{2AEADF8D-FF0D-4751-9CC4-1349724322A9}"/>
+              </a:ext>
+            </a:extLst>
+          </p:cNvPr>
+          <p:cNvCxnSpPr/>
+          <p:nvPr/>
+        </p:nvCxnSpPr>
+        <p:spPr>
+          <a:xfrm>
+            <a:off x="685800" y="4572000"/>
+            <a:ext cx="7912552" cy="0"/>
+          </a:xfrm>
+          <a:prstGeom prst="line">
+            <a:avLst/>
+          </a:prstGeom>
+          <a:ln w="9525" cap="flat" cmpd="sng" algn="ctr">
+            <a:solidFill>
+              <a:schemeClr val="accent3"/>
+            </a:solidFill>
+            <a:prstDash val="dash"/>
+            <a:round/>
+            <a:headEnd type="none" w="med" len="med"/>
+            <a:tailEnd type="none" w="med" len="med"/>
+          </a:ln>
+        </p:spPr>
+        <p:style>
+          <a:lnRef idx="0">
+            <a:scrgbClr r="0" g="0" b="0"/>
+          </a:lnRef>
+          <a:fillRef idx="0">
+            <a:scrgbClr r="0" g="0" b="0"/>
+          </a:fillRef>
+          <a:effectRef idx="0">
+            <a:scrgbClr r="0" g="0" b="0"/>
+          </a:effectRef>
+          <a:fontRef idx="minor">
+            <a:schemeClr val="tx1"/>
+          </a:fontRef>
+        </p:style>
+      </p:cxnSp>
+      <p:cxnSp>
+        <p:nvCxnSpPr>
+          <p:cNvPr id="25" name="Straight Connector 24">
+            <a:extLst>
+              <a:ext uri="{FF2B5EF4-FFF2-40B4-BE49-F238E27FC236}">
+                <a16:creationId xmlns:a16="http://schemas.microsoft.com/office/drawing/2014/main" id="{FE0ADEEF-F66F-4D2B-A3EA-DBA44B3245A7}"/>
+              </a:ext>
+            </a:extLst>
+          </p:cNvPr>
+          <p:cNvCxnSpPr/>
+          <p:nvPr/>
+        </p:nvCxnSpPr>
+        <p:spPr>
+          <a:xfrm>
+            <a:off x="698048" y="5105400"/>
+            <a:ext cx="7912552" cy="0"/>
+          </a:xfrm>
+          <a:prstGeom prst="line">
+            <a:avLst/>
+          </a:prstGeom>
+          <a:ln w="9525" cap="flat" cmpd="sng" algn="ctr">
+            <a:solidFill>
+              <a:schemeClr val="accent3"/>
+            </a:solidFill>
+            <a:prstDash val="dash"/>
+            <a:round/>
+            <a:headEnd type="none" w="med" len="med"/>
+            <a:tailEnd type="none" w="med" len="med"/>
+          </a:ln>
+        </p:spPr>
+        <p:style>
+          <a:lnRef idx="0">
+            <a:scrgbClr r="0" g="0" b="0"/>
+          </a:lnRef>
+          <a:fillRef idx="0">
+            <a:scrgbClr r="0" g="0" b="0"/>
+          </a:fillRef>
+          <a:effectRef idx="0">
+            <a:scrgbClr r="0" g="0" b="0"/>
+          </a:effectRef>
+          <a:fontRef idx="minor">
+            <a:schemeClr val="tx1"/>
+          </a:fontRef>
+        </p:style>
+      </p:cxnSp>
+      <p:sp>
+        <p:nvSpPr>
+          <p:cNvPr id="26" name="TextBox 25">
+            <a:extLst>
+              <a:ext uri="{FF2B5EF4-FFF2-40B4-BE49-F238E27FC236}">
+                <a16:creationId xmlns:a16="http://schemas.microsoft.com/office/drawing/2014/main" id="{75F504AB-4225-404B-8E4F-67D9B559C564}"/>
+              </a:ext>
+            </a:extLst>
+          </p:cNvPr>
+          <p:cNvSpPr txBox="1"/>
+          <p:nvPr/>
+        </p:nvSpPr>
+        <p:spPr>
+          <a:xfrm>
+            <a:off x="582412" y="3511112"/>
+            <a:ext cx="513282" cy="276999"/>
+          </a:xfrm>
+          <a:prstGeom prst="rect">
+            <a:avLst/>
+          </a:prstGeom>
+          <a:noFill/>
+        </p:spPr>
+        <p:txBody>
+          <a:bodyPr wrap="none" rtlCol="0">
+            <a:spAutoFit/>
+          </a:bodyPr>
+          <a:lstStyle/>
+          <a:p>
+            <a:r>
+              <a:rPr lang="en-US" sz="1200" dirty="0"/>
+              <a:t>Black</a:t>
+            </a:r>
+          </a:p>
+        </p:txBody>
+      </p:sp>
+      <p:sp>
+        <p:nvSpPr>
+          <p:cNvPr id="27" name="TextBox 26">
+            <a:extLst>
+              <a:ext uri="{FF2B5EF4-FFF2-40B4-BE49-F238E27FC236}">
+                <a16:creationId xmlns:a16="http://schemas.microsoft.com/office/drawing/2014/main" id="{1A7FB683-F9F5-43B3-8589-DE698C4B78D0}"/>
+              </a:ext>
+            </a:extLst>
+          </p:cNvPr>
+          <p:cNvSpPr txBox="1"/>
+          <p:nvPr/>
+        </p:nvSpPr>
+        <p:spPr>
+          <a:xfrm>
+            <a:off x="582412" y="4676001"/>
+            <a:ext cx="513282" cy="276999"/>
+          </a:xfrm>
+          <a:prstGeom prst="rect">
+            <a:avLst/>
+          </a:prstGeom>
+          <a:noFill/>
+        </p:spPr>
+        <p:txBody>
+          <a:bodyPr wrap="none" rtlCol="0">
+            <a:spAutoFit/>
+          </a:bodyPr>
+          <a:lstStyle/>
+          <a:p>
+            <a:r>
+              <a:rPr lang="en-US" sz="1200" dirty="0"/>
+              <a:t>Black</a:t>
+            </a:r>
+          </a:p>
+        </p:txBody>
+      </p:sp>
+      <p:sp>
+        <p:nvSpPr>
+          <p:cNvPr id="2" name="Rectangle 1">
+            <a:extLst>
+              <a:ext uri="{FF2B5EF4-FFF2-40B4-BE49-F238E27FC236}">
+                <a16:creationId xmlns:a16="http://schemas.microsoft.com/office/drawing/2014/main" id="{1516C8A5-634E-42CD-8F82-EA0BA9FFDD98}"/>
+              </a:ext>
+            </a:extLst>
+          </p:cNvPr>
+          <p:cNvSpPr/>
+          <p:nvPr/>
+        </p:nvSpPr>
+        <p:spPr>
+          <a:xfrm>
+            <a:off x="4800600" y="2362200"/>
+            <a:ext cx="3581400" cy="341000"/>
+          </a:xfrm>
+          <a:prstGeom prst="rect">
+            <a:avLst/>
+          </a:prstGeom>
+          <a:noFill/>
+          <a:ln w="28575">
+            <a:solidFill>
+              <a:srgbClr val="FF0000"/>
+            </a:solidFill>
+          </a:ln>
+        </p:spPr>
+        <p:style>
+          <a:lnRef idx="2">
+            <a:schemeClr val="accent1">
+              <a:shade val="50000"/>
+            </a:schemeClr>
+          </a:lnRef>
+          <a:fillRef idx="1">
+            <a:schemeClr val="accent1"/>
+          </a:fillRef>
+          <a:effectRef idx="0">
+            <a:schemeClr val="accent1"/>
+          </a:effectRef>
+          <a:fontRef idx="minor">
+            <a:schemeClr val="lt1"/>
+          </a:fontRef>
+        </p:style>
+        <p:txBody>
+          <a:bodyPr rtlCol="0" anchor="ctr"/>
+          <a:lstStyle/>
+          <a:p>
+            <a:pPr algn="ctr"/>
+            <a:endParaRPr lang="en-US"/>
+          </a:p>
+        </p:txBody>
+      </p:sp>
+      <p:sp>
+        <p:nvSpPr>
+          <p:cNvPr id="30" name="Speech Bubble: Rectangle 29">
+            <a:extLst>
+              <a:ext uri="{FF2B5EF4-FFF2-40B4-BE49-F238E27FC236}">
+                <a16:creationId xmlns:a16="http://schemas.microsoft.com/office/drawing/2014/main" id="{C9BDF8D7-13E9-4165-B976-38B6BC431C55}"/>
+              </a:ext>
+            </a:extLst>
+          </p:cNvPr>
+          <p:cNvSpPr/>
+          <p:nvPr/>
+        </p:nvSpPr>
+        <p:spPr>
+          <a:xfrm>
+            <a:off x="381000" y="5891549"/>
+            <a:ext cx="1673507" cy="838200"/>
+          </a:xfrm>
+          <a:prstGeom prst="wedgeRectCallout">
+            <a:avLst>
+              <a:gd name="adj1" fmla="val 4728"/>
+              <a:gd name="adj2" fmla="val -156247"/>
+            </a:avLst>
+          </a:prstGeom>
+        </p:spPr>
+        <p:style>
+          <a:lnRef idx="3">
+            <a:schemeClr val="lt1"/>
+          </a:lnRef>
+          <a:fillRef idx="1">
+            <a:schemeClr val="accent6"/>
+          </a:fillRef>
+          <a:effectRef idx="1">
+            <a:schemeClr val="accent6"/>
+          </a:effectRef>
+          <a:fontRef idx="minor">
+            <a:schemeClr val="lt1"/>
+          </a:fontRef>
+        </p:style>
+        <p:txBody>
+          <a:bodyPr rtlCol="0" anchor="ctr"/>
+          <a:lstStyle/>
+          <a:p>
+            <a:pPr algn="ctr"/>
+            <a:r>
+              <a:rPr lang="en-US" sz="1600" dirty="0"/>
+              <a:t>Select highest UCB1 score node</a:t>
+            </a:r>
+          </a:p>
+        </p:txBody>
+      </p:sp>
+      <p:cxnSp>
+        <p:nvCxnSpPr>
+          <p:cNvPr id="20" name="Straight Arrow Connector 19">
+            <a:extLst>
+              <a:ext uri="{FF2B5EF4-FFF2-40B4-BE49-F238E27FC236}">
+                <a16:creationId xmlns:a16="http://schemas.microsoft.com/office/drawing/2014/main" id="{B53CBDDA-6B85-4575-A1E1-1B7BBBAB1E91}"/>
+              </a:ext>
+            </a:extLst>
+          </p:cNvPr>
+          <p:cNvCxnSpPr>
+            <a:cxnSpLocks/>
+            <a:endCxn id="11" idx="3"/>
+          </p:cNvCxnSpPr>
+          <p:nvPr/>
+        </p:nvCxnSpPr>
+        <p:spPr>
+          <a:xfrm flipV="1">
+            <a:off x="6462028" y="4414753"/>
+            <a:ext cx="287120" cy="261248"/>
+          </a:xfrm>
+          <a:prstGeom prst="straightConnector1">
+            <a:avLst/>
+          </a:prstGeom>
+          <a:ln w="38100">
+            <a:solidFill>
+              <a:srgbClr val="FF0000"/>
+            </a:solidFill>
+            <a:tailEnd type="triangle"/>
+          </a:ln>
+        </p:spPr>
+        <p:style>
+          <a:lnRef idx="1">
+            <a:schemeClr val="accent1"/>
+          </a:lnRef>
+          <a:fillRef idx="0">
+            <a:schemeClr val="accent1"/>
+          </a:fillRef>
+          <a:effectRef idx="0">
+            <a:schemeClr val="accent1"/>
+          </a:effectRef>
+          <a:fontRef idx="minor">
+            <a:schemeClr val="tx1"/>
+          </a:fontRef>
+        </p:style>
+      </p:cxnSp>
+      <p:cxnSp>
+        <p:nvCxnSpPr>
+          <p:cNvPr id="31" name="Straight Arrow Connector 30">
+            <a:extLst>
+              <a:ext uri="{FF2B5EF4-FFF2-40B4-BE49-F238E27FC236}">
+                <a16:creationId xmlns:a16="http://schemas.microsoft.com/office/drawing/2014/main" id="{31C6647B-D2E9-4088-B616-4526DFA01760}"/>
+              </a:ext>
+            </a:extLst>
+          </p:cNvPr>
+          <p:cNvCxnSpPr>
+            <a:cxnSpLocks/>
+            <a:endCxn id="12" idx="4"/>
+          </p:cNvCxnSpPr>
+          <p:nvPr/>
+        </p:nvCxnSpPr>
+        <p:spPr>
+          <a:xfrm flipV="1">
+            <a:off x="6856599" y="3885012"/>
+            <a:ext cx="27253" cy="194624"/>
+          </a:xfrm>
+          <a:prstGeom prst="straightConnector1">
+            <a:avLst/>
+          </a:prstGeom>
+          <a:ln w="38100">
+            <a:solidFill>
+              <a:srgbClr val="FF0000"/>
+            </a:solidFill>
+            <a:tailEnd type="triangle"/>
+          </a:ln>
+        </p:spPr>
+        <p:style>
+          <a:lnRef idx="1">
+            <a:schemeClr val="accent1"/>
+          </a:lnRef>
+          <a:fillRef idx="0">
+            <a:schemeClr val="accent1"/>
+          </a:fillRef>
+          <a:effectRef idx="0">
+            <a:schemeClr val="accent1"/>
+          </a:effectRef>
+          <a:fontRef idx="minor">
+            <a:schemeClr val="tx1"/>
+          </a:fontRef>
+        </p:style>
+      </p:cxnSp>
+      <p:cxnSp>
+        <p:nvCxnSpPr>
+          <p:cNvPr id="33" name="Straight Arrow Connector 32">
+            <a:extLst>
+              <a:ext uri="{FF2B5EF4-FFF2-40B4-BE49-F238E27FC236}">
+                <a16:creationId xmlns:a16="http://schemas.microsoft.com/office/drawing/2014/main" id="{30872F81-6E7B-4D9A-AC33-1362C71DE966}"/>
+              </a:ext>
+            </a:extLst>
+          </p:cNvPr>
+          <p:cNvCxnSpPr>
+            <a:cxnSpLocks/>
+            <a:stCxn id="12" idx="7"/>
+            <a:endCxn id="13" idx="3"/>
+          </p:cNvCxnSpPr>
+          <p:nvPr/>
+        </p:nvCxnSpPr>
+        <p:spPr>
+          <a:xfrm flipV="1">
+            <a:off x="7018556" y="3246681"/>
+            <a:ext cx="352440" cy="313127"/>
+          </a:xfrm>
+          <a:prstGeom prst="straightConnector1">
+            <a:avLst/>
+          </a:prstGeom>
+          <a:ln w="38100">
+            <a:solidFill>
+              <a:srgbClr val="FF0000"/>
+            </a:solidFill>
+            <a:tailEnd type="triangle"/>
+          </a:ln>
+        </p:spPr>
+        <p:style>
+          <a:lnRef idx="1">
+            <a:schemeClr val="accent1"/>
+          </a:lnRef>
+          <a:fillRef idx="0">
+            <a:schemeClr val="accent1"/>
+          </a:fillRef>
+          <a:effectRef idx="0">
+            <a:schemeClr val="accent1"/>
+          </a:effectRef>
+          <a:fontRef idx="minor">
+            <a:schemeClr val="tx1"/>
+          </a:fontRef>
+        </p:style>
+      </p:cxnSp>
+      <p:sp>
+        <p:nvSpPr>
+          <p:cNvPr id="44" name="Oval 43">
+            <a:extLst>
+              <a:ext uri="{FF2B5EF4-FFF2-40B4-BE49-F238E27FC236}">
+                <a16:creationId xmlns:a16="http://schemas.microsoft.com/office/drawing/2014/main" id="{F6965377-92F5-478D-86E0-6BC8DC756AFF}"/>
+              </a:ext>
+            </a:extLst>
+          </p:cNvPr>
+          <p:cNvSpPr/>
+          <p:nvPr/>
+        </p:nvSpPr>
+        <p:spPr>
+          <a:xfrm>
+            <a:off x="6121852" y="5183508"/>
+            <a:ext cx="381000" cy="381000"/>
+          </a:xfrm>
+          <a:prstGeom prst="ellipse">
+            <a:avLst/>
+          </a:prstGeom>
+          <a:noFill/>
+          <a:ln w="38100">
+            <a:solidFill>
+              <a:srgbClr val="FF0000"/>
+            </a:solidFill>
+          </a:ln>
+        </p:spPr>
+        <p:style>
+          <a:lnRef idx="2">
+            <a:schemeClr val="accent1">
+              <a:shade val="50000"/>
+            </a:schemeClr>
+          </a:lnRef>
+          <a:fillRef idx="1">
+            <a:schemeClr val="accent1"/>
+          </a:fillRef>
+          <a:effectRef idx="0">
+            <a:schemeClr val="accent1"/>
+          </a:effectRef>
+          <a:fontRef idx="minor">
+            <a:schemeClr val="lt1"/>
+          </a:fontRef>
+        </p:style>
+        <p:txBody>
+          <a:bodyPr rtlCol="0" anchor="ctr"/>
+          <a:lstStyle/>
+          <a:p>
+            <a:pPr algn="ctr"/>
+            <a:endParaRPr lang="en-US"/>
+          </a:p>
+        </p:txBody>
+      </p:sp>
+      <p:cxnSp>
+        <p:nvCxnSpPr>
+          <p:cNvPr id="45" name="Straight Arrow Connector 44">
+            <a:extLst>
+              <a:ext uri="{FF2B5EF4-FFF2-40B4-BE49-F238E27FC236}">
+                <a16:creationId xmlns:a16="http://schemas.microsoft.com/office/drawing/2014/main" id="{A7BF5870-B5EE-44E4-A1B1-B29644B74F68}"/>
+              </a:ext>
+            </a:extLst>
+          </p:cNvPr>
+          <p:cNvCxnSpPr>
+            <a:cxnSpLocks/>
+            <a:stCxn id="44" idx="0"/>
+            <a:endCxn id="14" idx="4"/>
+          </p:cNvCxnSpPr>
+          <p:nvPr/>
+        </p:nvCxnSpPr>
+        <p:spPr>
+          <a:xfrm flipV="1">
+            <a:off x="6312352" y="5016575"/>
+            <a:ext cx="0" cy="166933"/>
+          </a:xfrm>
+          <a:prstGeom prst="straightConnector1">
+            <a:avLst/>
+          </a:prstGeom>
+          <a:ln w="38100">
+            <a:solidFill>
+              <a:srgbClr val="FF0000"/>
+            </a:solidFill>
+            <a:tailEnd type="triangle"/>
+          </a:ln>
+        </p:spPr>
+        <p:style>
+          <a:lnRef idx="1">
+            <a:schemeClr val="accent1"/>
+          </a:lnRef>
+          <a:fillRef idx="0">
+            <a:schemeClr val="accent1"/>
+          </a:fillRef>
+          <a:effectRef idx="0">
+            <a:schemeClr val="accent1"/>
+          </a:effectRef>
+          <a:fontRef idx="minor">
+            <a:schemeClr val="tx1"/>
+          </a:fontRef>
+        </p:style>
+      </p:cxnSp>
+      <p:sp>
+        <p:nvSpPr>
+          <p:cNvPr id="48" name="Oval 47">
+            <a:extLst>
+              <a:ext uri="{FF2B5EF4-FFF2-40B4-BE49-F238E27FC236}">
+                <a16:creationId xmlns:a16="http://schemas.microsoft.com/office/drawing/2014/main" id="{83CCEF06-F7F5-4DE5-9901-29E2DFF7A679}"/>
+              </a:ext>
+            </a:extLst>
+          </p:cNvPr>
+          <p:cNvSpPr/>
+          <p:nvPr/>
+        </p:nvSpPr>
+        <p:spPr>
+          <a:xfrm>
+            <a:off x="3633105" y="5194226"/>
+            <a:ext cx="381000" cy="381000"/>
+          </a:xfrm>
+          <a:prstGeom prst="ellipse">
+            <a:avLst/>
+          </a:prstGeom>
+          <a:noFill/>
+          <a:ln w="38100">
+            <a:solidFill>
+              <a:srgbClr val="FF0000"/>
+            </a:solidFill>
+          </a:ln>
+        </p:spPr>
+        <p:style>
+          <a:lnRef idx="2">
+            <a:schemeClr val="accent1">
+              <a:shade val="50000"/>
+            </a:schemeClr>
+          </a:lnRef>
+          <a:fillRef idx="1">
+            <a:schemeClr val="accent1"/>
+          </a:fillRef>
+          <a:effectRef idx="0">
+            <a:schemeClr val="accent1"/>
+          </a:effectRef>
+          <a:fontRef idx="minor">
+            <a:schemeClr val="lt1"/>
+          </a:fontRef>
+        </p:style>
+        <p:txBody>
+          <a:bodyPr rtlCol="0" anchor="ctr"/>
+          <a:lstStyle/>
+          <a:p>
+            <a:pPr algn="ctr"/>
+            <a:endParaRPr lang="en-US"/>
+          </a:p>
+        </p:txBody>
+      </p:sp>
+    </p:spTree>
+    <p:extLst>
+      <p:ext uri="{BB962C8B-B14F-4D97-AF65-F5344CB8AC3E}">
+        <p14:creationId xmlns:p14="http://schemas.microsoft.com/office/powerpoint/2010/main" val="1770306866"/>
+      </p:ext>
+    </p:extLst>
+  </p:cSld>
+  <p:clrMapOvr>
+    <a:masterClrMapping/>
+  </p:clrMapOvr>
+</p:sld>
+</file>
+
+<file path=ppt/slides/slide38.xml><?xml version="1.0" encoding="utf-8"?>
+<p:sld xmlns:a="http://schemas.openxmlformats.org/drawingml/2006/main" xmlns:r="http://schemas.openxmlformats.org/officeDocument/2006/relationships" xmlns:p="http://schemas.openxmlformats.org/presentationml/2006/main">
+  <p:cSld>
+    <p:spTree>
+      <p:nvGrpSpPr>
+        <p:cNvPr id="1" name=""/>
+        <p:cNvGrpSpPr/>
+        <p:nvPr/>
+      </p:nvGrpSpPr>
+      <p:grpSpPr>
+        <a:xfrm>
+          <a:off x="0" y="0"/>
+          <a:ext cx="0" cy="0"/>
+          <a:chOff x="0" y="0"/>
+          <a:chExt cx="0" cy="0"/>
+        </a:xfrm>
+      </p:grpSpPr>
+      <p:pic>
+        <p:nvPicPr>
           <p:cNvPr id="21" name="Picture 20">
             <a:extLst>
               <a:ext uri="{FF2B5EF4-FFF2-40B4-BE49-F238E27FC236}">
@@ -26593,7 +26664,7 @@
 </p:sld>
 </file>
 
-<file path=ppt/slides/slide38.xml><?xml version="1.0" encoding="utf-8"?>
+<file path=ppt/slides/slide39.xml><?xml version="1.0" encoding="utf-8"?>
 <p:sld xmlns:a="http://schemas.openxmlformats.org/drawingml/2006/main" xmlns:r="http://schemas.openxmlformats.org/officeDocument/2006/relationships" xmlns:p="http://schemas.openxmlformats.org/presentationml/2006/main">
   <p:cSld>
     <p:bg>
@@ -26823,288 +26894,6 @@
   </p:cSld>
   <p:clrMapOvr>
     <a:overrideClrMapping bg1="dk1" tx1="lt1" bg2="dk2" tx2="lt2" accent1="accent1" accent2="accent2" accent3="accent3" accent4="accent4" accent5="accent5" accent6="accent6" hlink="hlink" folHlink="folHlink"/>
-  </p:clrMapOvr>
-</p:sld>
-</file>
-
-<file path=ppt/slides/slide39.xml><?xml version="1.0" encoding="utf-8"?>
-<p:sld xmlns:a="http://schemas.openxmlformats.org/drawingml/2006/main" xmlns:r="http://schemas.openxmlformats.org/officeDocument/2006/relationships" xmlns:p="http://schemas.openxmlformats.org/presentationml/2006/main">
-  <p:cSld>
-    <p:spTree>
-      <p:nvGrpSpPr>
-        <p:cNvPr id="1" name=""/>
-        <p:cNvGrpSpPr/>
-        <p:nvPr/>
-      </p:nvGrpSpPr>
-      <p:grpSpPr>
-        <a:xfrm>
-          <a:off x="0" y="0"/>
-          <a:ext cx="0" cy="0"/>
-          <a:chOff x="0" y="0"/>
-          <a:chExt cx="0" cy="0"/>
-        </a:xfrm>
-      </p:grpSpPr>
-      <p:sp>
-        <p:nvSpPr>
-          <p:cNvPr id="4" name="Title 3">
-            <a:extLst>
-              <a:ext uri="{FF2B5EF4-FFF2-40B4-BE49-F238E27FC236}">
-                <a16:creationId xmlns:a16="http://schemas.microsoft.com/office/drawing/2014/main" id="{525AB14B-7B11-4861-A0E3-8B3461489556}"/>
-              </a:ext>
-            </a:extLst>
-          </p:cNvPr>
-          <p:cNvSpPr>
-            <a:spLocks noGrp="1"/>
-          </p:cNvSpPr>
-          <p:nvPr>
-            <p:ph type="title"/>
-          </p:nvPr>
-        </p:nvSpPr>
-        <p:spPr/>
-        <p:txBody>
-          <a:bodyPr/>
-          <a:lstStyle/>
-          <a:p>
-            <a:r>
-              <a:rPr lang="en-US" dirty="0"/>
-              <a:t>Stochastic Games</a:t>
-            </a:r>
-          </a:p>
-        </p:txBody>
-      </p:sp>
-      <mc:AlternateContent xmlns:mc="http://schemas.openxmlformats.org/markup-compatibility/2006" xmlns:a14="http://schemas.microsoft.com/office/drawing/2010/main">
-        <mc:Choice Requires="a14">
-          <p:sp>
-            <p:nvSpPr>
-              <p:cNvPr id="5" name="Content Placeholder 4">
-                <a:extLst>
-                  <a:ext uri="{FF2B5EF4-FFF2-40B4-BE49-F238E27FC236}">
-                    <a16:creationId xmlns:a16="http://schemas.microsoft.com/office/drawing/2014/main" id="{59040CDB-8DE8-4A3C-A1DE-CD1AA1D53E95}"/>
-                  </a:ext>
-                </a:extLst>
-              </p:cNvPr>
-              <p:cNvSpPr>
-                <a:spLocks noGrp="1"/>
-              </p:cNvSpPr>
-              <p:nvPr>
-                <p:ph idx="1"/>
-              </p:nvPr>
-            </p:nvSpPr>
-            <p:spPr>
-              <a:xfrm>
-                <a:off x="628650" y="1825625"/>
-                <a:ext cx="7886700" cy="765175"/>
-              </a:xfrm>
-            </p:spPr>
-            <p:txBody>
-              <a:bodyPr>
-                <a:normAutofit fontScale="85000" lnSpcReduction="20000"/>
-              </a:bodyPr>
-              <a:lstStyle/>
-              <a:p>
-                <a:r>
-                  <a:rPr lang="en-US" dirty="0"/>
-                  <a:t>Game includes a “random action” </a:t>
-                </a:r>
-                <a14:m>
-                  <m:oMath xmlns:m="http://schemas.openxmlformats.org/officeDocument/2006/math">
-                    <m:r>
-                      <a:rPr lang="en-US" i="1" dirty="0" smtClean="0">
-                        <a:latin typeface="Cambria Math" panose="02040503050406030204" pitchFamily="18" charset="0"/>
-                      </a:rPr>
-                      <m:t>𝑟</m:t>
-                    </m:r>
-                  </m:oMath>
-                </a14:m>
-                <a:r>
-                  <a:rPr lang="en-US" dirty="0"/>
-                  <a:t> (e.g., dice, dealt cards) </a:t>
-                </a:r>
-              </a:p>
-              <a:p>
-                <a:r>
-                  <a:rPr lang="en-US" dirty="0"/>
-                  <a:t>Add </a:t>
-                </a:r>
-                <a:r>
-                  <a:rPr lang="en-US" b="1" dirty="0"/>
-                  <a:t>chance nodes </a:t>
-                </a:r>
-                <a:r>
-                  <a:rPr lang="en-US" dirty="0"/>
-                  <a:t>that calculate the expected value.</a:t>
-                </a:r>
-              </a:p>
-              <a:p>
-                <a:endParaRPr lang="en-US" dirty="0"/>
-              </a:p>
-              <a:p>
-                <a:endParaRPr lang="en-US" dirty="0"/>
-              </a:p>
-              <a:p>
-                <a:endParaRPr lang="en-US" dirty="0"/>
-              </a:p>
-              <a:p>
-                <a:endParaRPr lang="en-US" dirty="0"/>
-              </a:p>
-              <a:p>
-                <a:pPr marL="0" indent="0">
-                  <a:buNone/>
-                </a:pPr>
-                <a:endParaRPr lang="en-US" dirty="0"/>
-              </a:p>
-            </p:txBody>
-          </p:sp>
-        </mc:Choice>
-        <mc:Fallback xmlns="">
-          <p:sp>
-            <p:nvSpPr>
-              <p:cNvPr id="5" name="Content Placeholder 4">
-                <a:extLst>
-                  <a:ext uri="{FF2B5EF4-FFF2-40B4-BE49-F238E27FC236}">
-                    <a16:creationId xmlns:a16="http://schemas.microsoft.com/office/drawing/2014/main" id="{59040CDB-8DE8-4A3C-A1DE-CD1AA1D53E95}"/>
-                  </a:ext>
-                </a:extLst>
-              </p:cNvPr>
-              <p:cNvSpPr>
-                <a:spLocks noGrp="1" noRot="1" noChangeAspect="1" noMove="1" noResize="1" noEditPoints="1" noAdjustHandles="1" noChangeArrowheads="1" noChangeShapeType="1" noTextEdit="1"/>
-              </p:cNvSpPr>
-              <p:nvPr>
-                <p:ph idx="1"/>
-              </p:nvPr>
-            </p:nvSpPr>
-            <p:spPr>
-              <a:xfrm>
-                <a:off x="628650" y="1825625"/>
-                <a:ext cx="7886700" cy="765175"/>
-              </a:xfrm>
-              <a:blipFill>
-                <a:blip r:embed="rId2"/>
-                <a:stretch>
-                  <a:fillRect l="-1005" t="-18254" b="-15079"/>
-                </a:stretch>
-              </a:blipFill>
-            </p:spPr>
-            <p:txBody>
-              <a:bodyPr/>
-              <a:lstStyle/>
-              <a:p>
-                <a:r>
-                  <a:rPr lang="en-US">
-                    <a:noFill/>
-                  </a:rPr>
-                  <a:t> </a:t>
-                </a:r>
-              </a:p>
-            </p:txBody>
-          </p:sp>
-        </mc:Fallback>
-      </mc:AlternateContent>
-      <p:pic>
-        <p:nvPicPr>
-          <p:cNvPr id="6" name="Picture 5">
-            <a:extLst>
-              <a:ext uri="{FF2B5EF4-FFF2-40B4-BE49-F238E27FC236}">
-                <a16:creationId xmlns:a16="http://schemas.microsoft.com/office/drawing/2014/main" id="{5E017E5A-62FF-4B56-9279-A88A9144BA86}"/>
-              </a:ext>
-            </a:extLst>
-          </p:cNvPr>
-          <p:cNvPicPr>
-            <a:picLocks noChangeAspect="1"/>
-          </p:cNvPicPr>
-          <p:nvPr/>
-        </p:nvPicPr>
-        <p:blipFill>
-          <a:blip r:embed="rId3"/>
-          <a:stretch>
-            <a:fillRect/>
-          </a:stretch>
-        </p:blipFill>
-        <p:spPr>
-          <a:xfrm>
-            <a:off x="4185684" y="2971800"/>
-            <a:ext cx="4590149" cy="3309827"/>
-          </a:xfrm>
-          <a:prstGeom prst="rect">
-            <a:avLst/>
-          </a:prstGeom>
-        </p:spPr>
-      </p:pic>
-      <p:pic>
-        <p:nvPicPr>
-          <p:cNvPr id="8" name="Picture 7">
-            <a:extLst>
-              <a:ext uri="{FF2B5EF4-FFF2-40B4-BE49-F238E27FC236}">
-                <a16:creationId xmlns:a16="http://schemas.microsoft.com/office/drawing/2014/main" id="{6271D193-65B7-4E8F-9588-C27770B1EBBA}"/>
-              </a:ext>
-            </a:extLst>
-          </p:cNvPr>
-          <p:cNvPicPr>
-            <a:picLocks noChangeAspect="1"/>
-          </p:cNvPicPr>
-          <p:nvPr/>
-        </p:nvPicPr>
-        <p:blipFill>
-          <a:blip r:embed="rId4"/>
-          <a:stretch>
-            <a:fillRect/>
-          </a:stretch>
-        </p:blipFill>
-        <p:spPr>
-          <a:xfrm>
-            <a:off x="304800" y="2859773"/>
-            <a:ext cx="3886200" cy="3533879"/>
-          </a:xfrm>
-          <a:prstGeom prst="rect">
-            <a:avLst/>
-          </a:prstGeom>
-        </p:spPr>
-      </p:pic>
-      <p:sp>
-        <p:nvSpPr>
-          <p:cNvPr id="9" name="TextBox 8">
-            <a:extLst>
-              <a:ext uri="{FF2B5EF4-FFF2-40B4-BE49-F238E27FC236}">
-                <a16:creationId xmlns:a16="http://schemas.microsoft.com/office/drawing/2014/main" id="{DBB0CC40-9191-4E88-8E2D-AA6E76931D05}"/>
-              </a:ext>
-            </a:extLst>
-          </p:cNvPr>
-          <p:cNvSpPr txBox="1"/>
-          <p:nvPr/>
-        </p:nvSpPr>
-        <p:spPr>
-          <a:xfrm>
-            <a:off x="3804684" y="6400800"/>
-            <a:ext cx="1905000" cy="369332"/>
-          </a:xfrm>
-          <a:prstGeom prst="rect">
-            <a:avLst/>
-          </a:prstGeom>
-          <a:noFill/>
-        </p:spPr>
-        <p:txBody>
-          <a:bodyPr wrap="square" rtlCol="0">
-            <a:spAutoFit/>
-          </a:bodyPr>
-          <a:lstStyle/>
-          <a:p>
-            <a:pPr algn="ctr"/>
-            <a:r>
-              <a:rPr lang="en-US" dirty="0"/>
-              <a:t>Backgammon</a:t>
-            </a:r>
-          </a:p>
-        </p:txBody>
-      </p:sp>
-    </p:spTree>
-    <p:extLst>
-      <p:ext uri="{BB962C8B-B14F-4D97-AF65-F5344CB8AC3E}">
-        <p14:creationId xmlns:p14="http://schemas.microsoft.com/office/powerpoint/2010/main" val="55184196"/>
-      </p:ext>
-    </p:extLst>
-  </p:cSld>
-  <p:clrMapOvr>
-    <a:masterClrMapping/>
   </p:clrMapOvr>
 </p:sld>
 </file>
@@ -27595,6 +27384,288 @@
           <a:lstStyle/>
           <a:p>
             <a:r>
+              <a:rPr lang="en-US" dirty="0"/>
+              <a:t>Stochastic Games</a:t>
+            </a:r>
+          </a:p>
+        </p:txBody>
+      </p:sp>
+      <mc:AlternateContent xmlns:mc="http://schemas.openxmlformats.org/markup-compatibility/2006" xmlns:a14="http://schemas.microsoft.com/office/drawing/2010/main">
+        <mc:Choice Requires="a14">
+          <p:sp>
+            <p:nvSpPr>
+              <p:cNvPr id="5" name="Content Placeholder 4">
+                <a:extLst>
+                  <a:ext uri="{FF2B5EF4-FFF2-40B4-BE49-F238E27FC236}">
+                    <a16:creationId xmlns:a16="http://schemas.microsoft.com/office/drawing/2014/main" id="{59040CDB-8DE8-4A3C-A1DE-CD1AA1D53E95}"/>
+                  </a:ext>
+                </a:extLst>
+              </p:cNvPr>
+              <p:cNvSpPr>
+                <a:spLocks noGrp="1"/>
+              </p:cNvSpPr>
+              <p:nvPr>
+                <p:ph idx="1"/>
+              </p:nvPr>
+            </p:nvSpPr>
+            <p:spPr>
+              <a:xfrm>
+                <a:off x="628650" y="1825625"/>
+                <a:ext cx="7886700" cy="765175"/>
+              </a:xfrm>
+            </p:spPr>
+            <p:txBody>
+              <a:bodyPr>
+                <a:normAutofit fontScale="85000" lnSpcReduction="20000"/>
+              </a:bodyPr>
+              <a:lstStyle/>
+              <a:p>
+                <a:r>
+                  <a:rPr lang="en-US" dirty="0"/>
+                  <a:t>Game includes a “random action” </a:t>
+                </a:r>
+                <a14:m>
+                  <m:oMath xmlns:m="http://schemas.openxmlformats.org/officeDocument/2006/math">
+                    <m:r>
+                      <a:rPr lang="en-US" i="1" dirty="0" smtClean="0">
+                        <a:latin typeface="Cambria Math" panose="02040503050406030204" pitchFamily="18" charset="0"/>
+                      </a:rPr>
+                      <m:t>𝑟</m:t>
+                    </m:r>
+                  </m:oMath>
+                </a14:m>
+                <a:r>
+                  <a:rPr lang="en-US" dirty="0"/>
+                  <a:t> (e.g., dice, dealt cards) </a:t>
+                </a:r>
+              </a:p>
+              <a:p>
+                <a:r>
+                  <a:rPr lang="en-US" dirty="0"/>
+                  <a:t>Add </a:t>
+                </a:r>
+                <a:r>
+                  <a:rPr lang="en-US" b="1" dirty="0"/>
+                  <a:t>chance nodes </a:t>
+                </a:r>
+                <a:r>
+                  <a:rPr lang="en-US" dirty="0"/>
+                  <a:t>that calculate the expected value.</a:t>
+                </a:r>
+              </a:p>
+              <a:p>
+                <a:endParaRPr lang="en-US" dirty="0"/>
+              </a:p>
+              <a:p>
+                <a:endParaRPr lang="en-US" dirty="0"/>
+              </a:p>
+              <a:p>
+                <a:endParaRPr lang="en-US" dirty="0"/>
+              </a:p>
+              <a:p>
+                <a:endParaRPr lang="en-US" dirty="0"/>
+              </a:p>
+              <a:p>
+                <a:pPr marL="0" indent="0">
+                  <a:buNone/>
+                </a:pPr>
+                <a:endParaRPr lang="en-US" dirty="0"/>
+              </a:p>
+            </p:txBody>
+          </p:sp>
+        </mc:Choice>
+        <mc:Fallback xmlns="">
+          <p:sp>
+            <p:nvSpPr>
+              <p:cNvPr id="5" name="Content Placeholder 4">
+                <a:extLst>
+                  <a:ext uri="{FF2B5EF4-FFF2-40B4-BE49-F238E27FC236}">
+                    <a16:creationId xmlns:a16="http://schemas.microsoft.com/office/drawing/2014/main" id="{59040CDB-8DE8-4A3C-A1DE-CD1AA1D53E95}"/>
+                  </a:ext>
+                </a:extLst>
+              </p:cNvPr>
+              <p:cNvSpPr>
+                <a:spLocks noGrp="1" noRot="1" noChangeAspect="1" noMove="1" noResize="1" noEditPoints="1" noAdjustHandles="1" noChangeArrowheads="1" noChangeShapeType="1" noTextEdit="1"/>
+              </p:cNvSpPr>
+              <p:nvPr>
+                <p:ph idx="1"/>
+              </p:nvPr>
+            </p:nvSpPr>
+            <p:spPr>
+              <a:xfrm>
+                <a:off x="628650" y="1825625"/>
+                <a:ext cx="7886700" cy="765175"/>
+              </a:xfrm>
+              <a:blipFill>
+                <a:blip r:embed="rId2"/>
+                <a:stretch>
+                  <a:fillRect l="-1005" t="-18254" b="-15079"/>
+                </a:stretch>
+              </a:blipFill>
+            </p:spPr>
+            <p:txBody>
+              <a:bodyPr/>
+              <a:lstStyle/>
+              <a:p>
+                <a:r>
+                  <a:rPr lang="en-US">
+                    <a:noFill/>
+                  </a:rPr>
+                  <a:t> </a:t>
+                </a:r>
+              </a:p>
+            </p:txBody>
+          </p:sp>
+        </mc:Fallback>
+      </mc:AlternateContent>
+      <p:pic>
+        <p:nvPicPr>
+          <p:cNvPr id="6" name="Picture 5">
+            <a:extLst>
+              <a:ext uri="{FF2B5EF4-FFF2-40B4-BE49-F238E27FC236}">
+                <a16:creationId xmlns:a16="http://schemas.microsoft.com/office/drawing/2014/main" id="{5E017E5A-62FF-4B56-9279-A88A9144BA86}"/>
+              </a:ext>
+            </a:extLst>
+          </p:cNvPr>
+          <p:cNvPicPr>
+            <a:picLocks noChangeAspect="1"/>
+          </p:cNvPicPr>
+          <p:nvPr/>
+        </p:nvPicPr>
+        <p:blipFill>
+          <a:blip r:embed="rId3"/>
+          <a:stretch>
+            <a:fillRect/>
+          </a:stretch>
+        </p:blipFill>
+        <p:spPr>
+          <a:xfrm>
+            <a:off x="4185684" y="2971800"/>
+            <a:ext cx="4590149" cy="3309827"/>
+          </a:xfrm>
+          <a:prstGeom prst="rect">
+            <a:avLst/>
+          </a:prstGeom>
+        </p:spPr>
+      </p:pic>
+      <p:pic>
+        <p:nvPicPr>
+          <p:cNvPr id="8" name="Picture 7">
+            <a:extLst>
+              <a:ext uri="{FF2B5EF4-FFF2-40B4-BE49-F238E27FC236}">
+                <a16:creationId xmlns:a16="http://schemas.microsoft.com/office/drawing/2014/main" id="{6271D193-65B7-4E8F-9588-C27770B1EBBA}"/>
+              </a:ext>
+            </a:extLst>
+          </p:cNvPr>
+          <p:cNvPicPr>
+            <a:picLocks noChangeAspect="1"/>
+          </p:cNvPicPr>
+          <p:nvPr/>
+        </p:nvPicPr>
+        <p:blipFill>
+          <a:blip r:embed="rId4"/>
+          <a:stretch>
+            <a:fillRect/>
+          </a:stretch>
+        </p:blipFill>
+        <p:spPr>
+          <a:xfrm>
+            <a:off x="304800" y="2859773"/>
+            <a:ext cx="3886200" cy="3533879"/>
+          </a:xfrm>
+          <a:prstGeom prst="rect">
+            <a:avLst/>
+          </a:prstGeom>
+        </p:spPr>
+      </p:pic>
+      <p:sp>
+        <p:nvSpPr>
+          <p:cNvPr id="9" name="TextBox 8">
+            <a:extLst>
+              <a:ext uri="{FF2B5EF4-FFF2-40B4-BE49-F238E27FC236}">
+                <a16:creationId xmlns:a16="http://schemas.microsoft.com/office/drawing/2014/main" id="{DBB0CC40-9191-4E88-8E2D-AA6E76931D05}"/>
+              </a:ext>
+            </a:extLst>
+          </p:cNvPr>
+          <p:cNvSpPr txBox="1"/>
+          <p:nvPr/>
+        </p:nvSpPr>
+        <p:spPr>
+          <a:xfrm>
+            <a:off x="3804684" y="6400800"/>
+            <a:ext cx="1905000" cy="369332"/>
+          </a:xfrm>
+          <a:prstGeom prst="rect">
+            <a:avLst/>
+          </a:prstGeom>
+          <a:noFill/>
+        </p:spPr>
+        <p:txBody>
+          <a:bodyPr wrap="square" rtlCol="0">
+            <a:spAutoFit/>
+          </a:bodyPr>
+          <a:lstStyle/>
+          <a:p>
+            <a:pPr algn="ctr"/>
+            <a:r>
+              <a:rPr lang="en-US" dirty="0"/>
+              <a:t>Backgammon</a:t>
+            </a:r>
+          </a:p>
+        </p:txBody>
+      </p:sp>
+    </p:spTree>
+    <p:extLst>
+      <p:ext uri="{BB962C8B-B14F-4D97-AF65-F5344CB8AC3E}">
+        <p14:creationId xmlns:p14="http://schemas.microsoft.com/office/powerpoint/2010/main" val="55184196"/>
+      </p:ext>
+    </p:extLst>
+  </p:cSld>
+  <p:clrMapOvr>
+    <a:masterClrMapping/>
+  </p:clrMapOvr>
+</p:sld>
+</file>
+
+<file path=ppt/slides/slide41.xml><?xml version="1.0" encoding="utf-8"?>
+<p:sld xmlns:a="http://schemas.openxmlformats.org/drawingml/2006/main" xmlns:r="http://schemas.openxmlformats.org/officeDocument/2006/relationships" xmlns:p="http://schemas.openxmlformats.org/presentationml/2006/main">
+  <p:cSld>
+    <p:spTree>
+      <p:nvGrpSpPr>
+        <p:cNvPr id="1" name=""/>
+        <p:cNvGrpSpPr/>
+        <p:nvPr/>
+      </p:nvGrpSpPr>
+      <p:grpSpPr>
+        <a:xfrm>
+          <a:off x="0" y="0"/>
+          <a:ext cx="0" cy="0"/>
+          <a:chOff x="0" y="0"/>
+          <a:chExt cx="0" cy="0"/>
+        </a:xfrm>
+      </p:grpSpPr>
+      <p:sp>
+        <p:nvSpPr>
+          <p:cNvPr id="4" name="Title 3">
+            <a:extLst>
+              <a:ext uri="{FF2B5EF4-FFF2-40B4-BE49-F238E27FC236}">
+                <a16:creationId xmlns:a16="http://schemas.microsoft.com/office/drawing/2014/main" id="{525AB14B-7B11-4861-A0E3-8B3461489556}"/>
+              </a:ext>
+            </a:extLst>
+          </p:cNvPr>
+          <p:cNvSpPr>
+            <a:spLocks noGrp="1"/>
+          </p:cNvSpPr>
+          <p:nvPr>
+            <p:ph type="title"/>
+          </p:nvPr>
+        </p:nvSpPr>
+        <p:spPr/>
+        <p:txBody>
+          <a:bodyPr/>
+          <a:lstStyle/>
+          <a:p>
+            <a:r>
               <a:rPr lang="en-US" dirty="0" err="1"/>
               <a:t>Expectiminimax</a:t>
             </a:r>
@@ -27602,8 +27673,8 @@
           </a:p>
         </p:txBody>
       </p:sp>
-      <mc:AlternateContent xmlns:mc="http://schemas.openxmlformats.org/markup-compatibility/2006">
-        <mc:Choice xmlns:a14="http://schemas.microsoft.com/office/drawing/2010/main" Requires="a14">
+      <mc:AlternateContent xmlns:mc="http://schemas.openxmlformats.org/markup-compatibility/2006" xmlns:a14="http://schemas.microsoft.com/office/drawing/2010/main">
+        <mc:Choice Requires="a14">
           <p:sp>
             <p:nvSpPr>
               <p:cNvPr id="5" name="Content Placeholder 4">
@@ -28405,7 +28476,7 @@
             </p:txBody>
           </p:sp>
         </mc:Choice>
-        <mc:Fallback>
+        <mc:Fallback xmlns="">
           <p:sp>
             <p:nvSpPr>
               <p:cNvPr id="5" name="Content Placeholder 4">
@@ -28514,7 +28585,7 @@
 </p:sld>
 </file>
 
-<file path=ppt/slides/slide41.xml><?xml version="1.0" encoding="utf-8"?>
+<file path=ppt/slides/slide42.xml><?xml version="1.0" encoding="utf-8"?>
 <p:sld xmlns:a="http://schemas.openxmlformats.org/drawingml/2006/main" xmlns:r="http://schemas.openxmlformats.org/officeDocument/2006/relationships" xmlns:p="http://schemas.openxmlformats.org/presentationml/2006/main">
   <p:cSld>
     <p:bg>

--- a/slides/05_games.pptx
+++ b/slides/05_games.pptx
@@ -980,7 +980,7 @@
           </a:r>
           <a:r>
             <a:rPr lang="en-US" dirty="0"/>
-            <a:t>: expand from states that currently have no or few playouts.</a:t>
+            <a:t>: perform more playouts from states that currently have no or few playouts.</a:t>
           </a:r>
         </a:p>
       </dgm:t>
@@ -1074,7 +1074,7 @@
       <dgm:spPr/>
     </dgm:pt>
     <dgm:pt modelId="{67A1BF2C-5C08-487D-9939-E0054ADCF853}" type="pres">
-      <dgm:prSet presAssocID="{C7B5598F-73EB-4086-9D15-AF21D84F01EB}" presName="downArrowText" presStyleLbl="revTx" presStyleIdx="0" presStyleCnt="2">
+      <dgm:prSet presAssocID="{C7B5598F-73EB-4086-9D15-AF21D84F01EB}" presName="downArrowText" presStyleLbl="revTx" presStyleIdx="0" presStyleCnt="2" custScaleX="154688">
         <dgm:presLayoutVars>
           <dgm:bulletEnabled val="1"/>
         </dgm:presLayoutVars>
@@ -1086,7 +1086,7 @@
       <dgm:spPr/>
     </dgm:pt>
     <dgm:pt modelId="{6BD5FF6F-C06C-42AF-A022-734E57BE2E2B}" type="pres">
-      <dgm:prSet presAssocID="{66875ED1-75C0-4ADD-A11A-6945BE084A09}" presName="upArrowText" presStyleLbl="revTx" presStyleIdx="1" presStyleCnt="2">
+      <dgm:prSet presAssocID="{66875ED1-75C0-4ADD-A11A-6945BE084A09}" presName="upArrowText" presStyleLbl="revTx" presStyleIdx="1" presStyleCnt="2" custScaleX="175846">
         <dgm:presLayoutVars>
           <dgm:bulletEnabled val="1"/>
         </dgm:presLayoutVars>
@@ -1131,8 +1131,8 @@
       </dsp:nvSpPr>
       <dsp:spPr>
         <a:xfrm rot="21300000">
-          <a:off x="953950" y="941654"/>
-          <a:ext cx="5407299" cy="473077"/>
+          <a:off x="1252214" y="801279"/>
+          <a:ext cx="4601220" cy="402554"/>
         </a:xfrm>
         <a:prstGeom prst="mathMinus">
           <a:avLst/>
@@ -1180,8 +1180,8 @@
       </dsp:nvSpPr>
       <dsp:spPr>
         <a:xfrm>
-          <a:off x="877824" y="117819"/>
-          <a:ext cx="2194560" cy="942554"/>
+          <a:off x="852678" y="100255"/>
+          <a:ext cx="2131695" cy="802045"/>
         </a:xfrm>
         <a:prstGeom prst="downArrow">
           <a:avLst/>
@@ -1230,8 +1230,8 @@
       </dsp:nvSpPr>
       <dsp:spPr>
         <a:xfrm>
-          <a:off x="3877055" y="0"/>
-          <a:ext cx="2340864" cy="989682"/>
+          <a:off x="3144244" y="0"/>
+          <a:ext cx="3517308" cy="842147"/>
         </a:xfrm>
         <a:prstGeom prst="rect">
           <a:avLst/>
@@ -1279,13 +1279,13 @@
           </a:r>
           <a:r>
             <a:rPr lang="en-US" sz="1400" kern="1200" dirty="0"/>
-            <a:t>: expand from states that currently have no or few playouts.</a:t>
+            <a:t>: perform more playouts from states that currently have no or few playouts.</a:t>
           </a:r>
         </a:p>
       </dsp:txBody>
       <dsp:txXfrm>
-        <a:off x="3877055" y="0"/>
-        <a:ext cx="2340864" cy="989682"/>
+        <a:off x="3144244" y="0"/>
+        <a:ext cx="3517308" cy="842147"/>
       </dsp:txXfrm>
     </dsp:sp>
     <dsp:sp modelId="{EC55A2F8-97C2-4D3B-ADF8-DBE6FB6A38DF}">
@@ -1295,8 +1295,8 @@
       </dsp:nvSpPr>
       <dsp:spPr>
         <a:xfrm>
-          <a:off x="4242816" y="1296012"/>
-          <a:ext cx="2194560" cy="942554"/>
+          <a:off x="4121277" y="1102812"/>
+          <a:ext cx="2131695" cy="802045"/>
         </a:xfrm>
         <a:prstGeom prst="upArrow">
           <a:avLst/>
@@ -1345,8 +1345,8 @@
       </dsp:nvSpPr>
       <dsp:spPr>
         <a:xfrm>
-          <a:off x="1097280" y="1366703"/>
-          <a:ext cx="2340864" cy="989682"/>
+          <a:off x="203551" y="1162966"/>
+          <a:ext cx="3998400" cy="842147"/>
         </a:xfrm>
         <a:prstGeom prst="rect">
           <a:avLst/>
@@ -1370,12 +1370,12 @@
         <a:fontRef idx="minor"/>
       </dsp:style>
       <dsp:txBody>
-        <a:bodyPr spcFirstLastPara="0" vert="horz" wrap="square" lIns="99568" tIns="99568" rIns="99568" bIns="99568" numCol="1" spcCol="1270" anchor="ctr" anchorCtr="0">
+        <a:bodyPr spcFirstLastPara="0" vert="horz" wrap="square" lIns="92456" tIns="92456" rIns="92456" bIns="92456" numCol="1" spcCol="1270" anchor="ctr" anchorCtr="0">
           <a:noAutofit/>
         </a:bodyPr>
         <a:lstStyle/>
         <a:p>
-          <a:pPr marL="0" lvl="0" indent="0" algn="ctr" defTabSz="622300">
+          <a:pPr marL="0" lvl="0" indent="0" algn="ctr" defTabSz="577850">
             <a:lnSpc>
               <a:spcPct val="90000"/>
             </a:lnSpc>
@@ -1389,18 +1389,18 @@
             <a:buNone/>
           </a:pPr>
           <a:r>
-            <a:rPr lang="en-US" sz="1400" b="1" kern="1200" dirty="0"/>
+            <a:rPr lang="en-US" sz="1300" b="1" kern="1200" dirty="0"/>
             <a:t>Exploitation</a:t>
           </a:r>
           <a:r>
-            <a:rPr lang="en-US" sz="1400" kern="1200" dirty="0"/>
+            <a:rPr lang="en-US" sz="1300" kern="1200" dirty="0"/>
             <a:t>: more playouts for states that have done well to get more accurate estimates.</a:t>
           </a:r>
         </a:p>
       </dsp:txBody>
       <dsp:txXfrm>
-        <a:off x="1097280" y="1366703"/>
-        <a:ext cx="2340864" cy="989682"/>
+        <a:off x="203551" y="1162966"/>
+        <a:ext cx="3998400" cy="842147"/>
       </dsp:txXfrm>
     </dsp:sp>
   </dsp:spTree>
@@ -2772,7 +2772,7 @@
             <a:fld id="{46E2045A-045A-4BC7-A4D3-1395440B1C3D}" type="datetimeFigureOut">
               <a:rPr lang="en-US" smtClean="0"/>
               <a:pPr/>
-              <a:t>11/2/2022</a:t>
+              <a:t>11/7/2022</a:t>
             </a:fld>
             <a:endParaRPr lang="en-US"/>
           </a:p>
@@ -23371,13 +23371,13 @@
         </p:nvSpPr>
         <p:spPr>
           <a:xfrm>
-            <a:off x="762000" y="1532040"/>
-            <a:ext cx="7886700" cy="2887559"/>
+            <a:off x="762000" y="2945395"/>
+            <a:ext cx="7886700" cy="1474204"/>
           </a:xfrm>
         </p:spPr>
         <p:txBody>
           <a:bodyPr>
-            <a:normAutofit fontScale="62500" lnSpcReduction="20000"/>
+            <a:normAutofit fontScale="70000" lnSpcReduction="20000"/>
           </a:bodyPr>
           <a:lstStyle/>
           <a:p>
@@ -23390,47 +23390,20 @@
             </a:r>
             <a:r>
               <a:rPr lang="en-US" dirty="0"/>
-              <a:t>: Pure Monte Carlo Search spends a lot of time to create playouts for bad moves.</a:t>
-            </a:r>
-          </a:p>
-          <a:p>
-            <a:endParaRPr lang="en-US" b="1" dirty="0"/>
+              <a:t>: Pure Monte Carlo Search spends a lot of time to create playouts for bad move.</a:t>
+            </a:r>
           </a:p>
           <a:p>
             <a:pPr marL="0" indent="0">
               <a:buNone/>
             </a:pPr>
-            <a:endParaRPr lang="en-US" b="1" dirty="0"/>
-          </a:p>
-          <a:p>
-            <a:pPr marL="0" indent="0">
-              <a:buNone/>
-            </a:pPr>
-            <a:endParaRPr lang="en-US" b="1" dirty="0"/>
-          </a:p>
-          <a:p>
-            <a:pPr marL="0" indent="0">
-              <a:buNone/>
-            </a:pPr>
-            <a:endParaRPr lang="en-US" b="1" dirty="0"/>
-          </a:p>
-          <a:p>
-            <a:pPr marL="0" indent="0">
-              <a:buNone/>
-            </a:pPr>
-            <a:endParaRPr lang="en-US" b="1" dirty="0"/>
-          </a:p>
-          <a:p>
-            <a:pPr marL="0" indent="0">
-              <a:buNone/>
-            </a:pPr>
             <a:r>
               <a:rPr lang="en-US" b="1" dirty="0"/>
-              <a:t>Select the starting state </a:t>
+              <a:t>Better: </a:t>
             </a:r>
             <a:r>
               <a:rPr lang="en-US" dirty="0"/>
-              <a:t>for playouts to focus on important parts of the game tree.</a:t>
+              <a:t>Select the starting state for playouts to focus on important parts of the game tree.</a:t>
             </a:r>
           </a:p>
           <a:p>
@@ -23457,14 +23430,14 @@
           <p:nvPr>
             <p:extLst>
               <p:ext uri="{D42A27DB-BD31-4B8C-83A1-F6EECF244321}">
-                <p14:modId xmlns:p14="http://schemas.microsoft.com/office/powerpoint/2010/main" val="2643241084"/>
+                <p14:modId xmlns:p14="http://schemas.microsoft.com/office/powerpoint/2010/main" val="2615511089"/>
               </p:ext>
             </p:extLst>
           </p:nvPr>
         </p:nvGraphicFramePr>
         <p:xfrm>
-          <a:off x="1066800" y="4349214"/>
-          <a:ext cx="7315200" cy="2356386"/>
+          <a:off x="1019175" y="4487760"/>
+          <a:ext cx="7105650" cy="2005114"/>
         </p:xfrm>
         <a:graphic>
           <a:graphicData uri="http://schemas.openxmlformats.org/drawingml/2006/diagram">
@@ -23493,7 +23466,7 @@
         </p:blipFill>
         <p:spPr>
           <a:xfrm>
-            <a:off x="628650" y="1981200"/>
+            <a:off x="304800" y="1447800"/>
             <a:ext cx="5943600" cy="1166991"/>
           </a:xfrm>
           <a:prstGeom prst="rect">
@@ -23515,13 +23488,13 @@
         </p:nvSpPr>
         <p:spPr>
           <a:xfrm>
-            <a:off x="6363100" y="2402293"/>
-            <a:ext cx="2418949" cy="838200"/>
+            <a:off x="6065921" y="1497517"/>
+            <a:ext cx="2418949" cy="1166991"/>
           </a:xfrm>
           <a:prstGeom prst="wedgeRoundRectCallout">
             <a:avLst>
-              <a:gd name="adj1" fmla="val -62657"/>
-              <a:gd name="adj2" fmla="val 9677"/>
+              <a:gd name="adj1" fmla="val -59076"/>
+              <a:gd name="adj2" fmla="val 3078"/>
               <a:gd name="adj3" fmla="val 16667"/>
             </a:avLst>
           </a:prstGeom>
@@ -23549,7 +23522,7 @@
             <a:pPr algn="ctr"/>
             <a:r>
               <a:rPr lang="en-US" dirty="0"/>
-              <a:t>Max can start each playout at any of these states.</a:t>
+              <a:t>Max can start each playout at any of these states. Which one should it choose?</a:t>
             </a:r>
           </a:p>
         </p:txBody>
@@ -23568,7 +23541,7 @@
         </p:nvSpPr>
         <p:spPr>
           <a:xfrm>
-            <a:off x="1600200" y="2554693"/>
+            <a:off x="1276350" y="2021293"/>
             <a:ext cx="4648200" cy="767716"/>
           </a:xfrm>
           <a:prstGeom prst="rect">
@@ -23720,7 +23693,15 @@
             </a:br>
             <a:r>
               <a:rPr lang="en-US" dirty="0"/>
-              <a:t>(=exploitation)</a:t>
+              <a:t>(=</a:t>
+            </a:r>
+            <a:r>
+              <a:rPr lang="en-US" b="1" dirty="0"/>
+              <a:t>exploitation</a:t>
+            </a:r>
+            <a:r>
+              <a:rPr lang="en-US" dirty="0"/>
+              <a:t>)</a:t>
             </a:r>
           </a:p>
         </p:txBody>
@@ -23862,8 +23843,8 @@
           </p:sp>
         </mc:Fallback>
       </mc:AlternateContent>
-      <mc:AlternateContent xmlns:mc="http://schemas.openxmlformats.org/markup-compatibility/2006" xmlns:a14="http://schemas.microsoft.com/office/drawing/2010/main">
-        <mc:Choice Requires="a14">
+      <mc:AlternateContent xmlns:mc="http://schemas.openxmlformats.org/markup-compatibility/2006">
+        <mc:Choice xmlns:a14="http://schemas.microsoft.com/office/drawing/2010/main" Requires="a14">
           <p:sp>
             <p:nvSpPr>
               <p:cNvPr id="6" name="Rectangle 5">
@@ -23878,7 +23859,7 @@
             </p:nvSpPr>
             <p:spPr>
               <a:xfrm>
-                <a:off x="3276600" y="5153188"/>
+                <a:off x="3276600" y="5031384"/>
                 <a:ext cx="5456878" cy="923330"/>
               </a:xfrm>
               <a:prstGeom prst="rect">
@@ -23978,7 +23959,7 @@
             </p:txBody>
           </p:sp>
         </mc:Choice>
-        <mc:Fallback xmlns="">
+        <mc:Fallback>
           <p:sp>
             <p:nvSpPr>
               <p:cNvPr id="6" name="Rectangle 5">
@@ -23995,7 +23976,7 @@
             </p:nvSpPr>
             <p:spPr>
               <a:xfrm>
-                <a:off x="3276600" y="5153188"/>
+                <a:off x="3276600" y="5031384"/>
                 <a:ext cx="5456878" cy="923330"/>
               </a:xfrm>
               <a:prstGeom prst="rect">
@@ -24023,56 +24004,141 @@
           </p:sp>
         </mc:Fallback>
       </mc:AlternateContent>
-      <p:sp>
-        <p:nvSpPr>
-          <p:cNvPr id="7" name="Speech Bubble: Rectangle 6">
-            <a:extLst>
-              <a:ext uri="{FF2B5EF4-FFF2-40B4-BE49-F238E27FC236}">
-                <a16:creationId xmlns:a16="http://schemas.microsoft.com/office/drawing/2014/main" id="{62C43127-75EC-4484-A5B5-BC85B9F9D740}"/>
-              </a:ext>
-            </a:extLst>
-          </p:cNvPr>
-          <p:cNvSpPr/>
-          <p:nvPr/>
-        </p:nvSpPr>
-        <p:spPr>
-          <a:xfrm>
-            <a:off x="4114800" y="4080797"/>
-            <a:ext cx="4190999" cy="762000"/>
-          </a:xfrm>
-          <a:prstGeom prst="wedgeRectCallout">
-            <a:avLst>
-              <a:gd name="adj1" fmla="val -5987"/>
-              <a:gd name="adj2" fmla="val -98258"/>
-            </a:avLst>
-          </a:prstGeom>
-        </p:spPr>
-        <p:style>
-          <a:lnRef idx="3">
-            <a:schemeClr val="lt1"/>
-          </a:lnRef>
-          <a:fillRef idx="1">
-            <a:schemeClr val="accent6"/>
-          </a:fillRef>
-          <a:effectRef idx="1">
-            <a:schemeClr val="accent6"/>
-          </a:effectRef>
-          <a:fontRef idx="minor">
-            <a:schemeClr val="lt1"/>
-          </a:fontRef>
-        </p:style>
-        <p:txBody>
-          <a:bodyPr rtlCol="0" anchor="ctr"/>
-          <a:lstStyle/>
-          <a:p>
-            <a:pPr algn="ctr"/>
-            <a:r>
-              <a:rPr lang="en-US" dirty="0"/>
-              <a:t>High for nodes with few playouts relative to the parent node (=exploration)</a:t>
-            </a:r>
-          </a:p>
-        </p:txBody>
-      </p:sp>
+      <mc:AlternateContent xmlns:mc="http://schemas.openxmlformats.org/markup-compatibility/2006">
+        <mc:Choice xmlns:a14="http://schemas.microsoft.com/office/drawing/2010/main" Requires="a14">
+          <p:sp>
+            <p:nvSpPr>
+              <p:cNvPr id="7" name="Speech Bubble: Rectangle 6">
+                <a:extLst>
+                  <a:ext uri="{FF2B5EF4-FFF2-40B4-BE49-F238E27FC236}">
+                    <a16:creationId xmlns:a16="http://schemas.microsoft.com/office/drawing/2014/main" id="{62C43127-75EC-4484-A5B5-BC85B9F9D740}"/>
+                  </a:ext>
+                </a:extLst>
+              </p:cNvPr>
+              <p:cNvSpPr/>
+              <p:nvPr/>
+            </p:nvSpPr>
+            <p:spPr>
+              <a:xfrm>
+                <a:off x="3810000" y="4080797"/>
+                <a:ext cx="5105400" cy="762000"/>
+              </a:xfrm>
+              <a:prstGeom prst="wedgeRectCallout">
+                <a:avLst>
+                  <a:gd name="adj1" fmla="val -5987"/>
+                  <a:gd name="adj2" fmla="val -98258"/>
+                </a:avLst>
+              </a:prstGeom>
+            </p:spPr>
+            <p:style>
+              <a:lnRef idx="3">
+                <a:schemeClr val="lt1"/>
+              </a:lnRef>
+              <a:fillRef idx="1">
+                <a:schemeClr val="accent6"/>
+              </a:fillRef>
+              <a:effectRef idx="1">
+                <a:schemeClr val="accent6"/>
+              </a:effectRef>
+              <a:fontRef idx="minor">
+                <a:schemeClr val="lt1"/>
+              </a:fontRef>
+            </p:style>
+            <p:txBody>
+              <a:bodyPr rtlCol="0" anchor="ctr"/>
+              <a:lstStyle/>
+              <a:p>
+                <a:pPr algn="ctr"/>
+                <a:r>
+                  <a:rPr lang="en-US" dirty="0"/>
+                  <a:t>High for nodes with few playouts relative to the parent node (=</a:t>
+                </a:r>
+                <a:r>
+                  <a:rPr lang="en-US" b="1" dirty="0"/>
+                  <a:t>exploration</a:t>
+                </a:r>
+                <a:r>
+                  <a:rPr lang="en-US" dirty="0"/>
+                  <a:t>). Goes to 0 for large </a:t>
+                </a:r>
+                <a14:m>
+                  <m:oMath xmlns:m="http://schemas.openxmlformats.org/officeDocument/2006/math">
+                    <m:r>
+                      <a:rPr lang="en-US" sz="1800" i="1" smtClean="0">
+                        <a:latin typeface="Cambria Math" panose="02040503050406030204" pitchFamily="18" charset="0"/>
+                      </a:rPr>
+                      <m:t>𝑁</m:t>
+                    </m:r>
+                    <m:r>
+                      <a:rPr lang="en-US" sz="1800" i="1" smtClean="0">
+                        <a:latin typeface="Cambria Math" panose="02040503050406030204" pitchFamily="18" charset="0"/>
+                      </a:rPr>
+                      <m:t>(</m:t>
+                    </m:r>
+                    <m:r>
+                      <a:rPr lang="en-US" sz="1800" i="1" smtClean="0">
+                        <a:latin typeface="Cambria Math" panose="02040503050406030204" pitchFamily="18" charset="0"/>
+                      </a:rPr>
+                      <m:t>𝑛</m:t>
+                    </m:r>
+                  </m:oMath>
+                </a14:m>
+                <a:r>
+                  <a:rPr lang="en-US" dirty="0"/>
+                  <a:t>)</a:t>
+                </a:r>
+              </a:p>
+            </p:txBody>
+          </p:sp>
+        </mc:Choice>
+        <mc:Fallback>
+          <p:sp>
+            <p:nvSpPr>
+              <p:cNvPr id="7" name="Speech Bubble: Rectangle 6">
+                <a:extLst>
+                  <a:ext uri="{FF2B5EF4-FFF2-40B4-BE49-F238E27FC236}">
+                    <a16:creationId xmlns:a16="http://schemas.microsoft.com/office/drawing/2014/main" id="{62C43127-75EC-4484-A5B5-BC85B9F9D740}"/>
+                  </a:ext>
+                </a:extLst>
+              </p:cNvPr>
+              <p:cNvSpPr>
+                <a:spLocks noRot="1" noChangeAspect="1" noMove="1" noResize="1" noEditPoints="1" noAdjustHandles="1" noChangeArrowheads="1" noChangeShapeType="1" noTextEdit="1"/>
+              </p:cNvSpPr>
+              <p:nvPr/>
+            </p:nvSpPr>
+            <p:spPr>
+              <a:xfrm>
+                <a:off x="3810000" y="4080797"/>
+                <a:ext cx="5105400" cy="762000"/>
+              </a:xfrm>
+              <a:prstGeom prst="wedgeRectCallout">
+                <a:avLst>
+                  <a:gd name="adj1" fmla="val -5987"/>
+                  <a:gd name="adj2" fmla="val -98258"/>
+                </a:avLst>
+              </a:prstGeom>
+              <a:blipFill>
+                <a:blip r:embed="rId4"/>
+                <a:stretch>
+                  <a:fillRect l="-476" r="-357" b="-2116"/>
+                </a:stretch>
+              </a:blipFill>
+            </p:spPr>
+            <p:txBody>
+              <a:bodyPr/>
+              <a:lstStyle/>
+              <a:p>
+                <a:r>
+                  <a:rPr lang="en-US">
+                    <a:noFill/>
+                  </a:rPr>
+                  <a:t> </a:t>
+                </a:r>
+              </a:p>
+            </p:txBody>
+          </p:sp>
+        </mc:Fallback>
+      </mc:AlternateContent>
       <mc:AlternateContent xmlns:mc="http://schemas.openxmlformats.org/markup-compatibility/2006" xmlns:a14="http://schemas.microsoft.com/office/drawing/2010/main">
         <mc:Choice Requires="a14">
           <p:sp>
@@ -24357,7 +24423,7 @@
                 <a:avLst/>
               </a:prstGeom>
               <a:blipFill>
-                <a:blip r:embed="rId4"/>
+                <a:blip r:embed="rId5"/>
                 <a:stretch>
                   <a:fillRect/>
                 </a:stretch>
@@ -24392,8 +24458,8 @@
         </p:nvSpPr>
         <p:spPr>
           <a:xfrm>
-            <a:off x="628650" y="6193031"/>
-            <a:ext cx="7097840" cy="461665"/>
+            <a:off x="919237" y="6193031"/>
+            <a:ext cx="7305526" cy="461665"/>
           </a:xfrm>
           <a:prstGeom prst="rect">
             <a:avLst/>
@@ -24408,7 +24474,7 @@
           <a:p>
             <a:r>
               <a:rPr lang="en-US" sz="2400" b="1" dirty="0"/>
-              <a:t>Playout strategy</a:t>
+              <a:t>Selection strategy</a:t>
             </a:r>
             <a:r>
               <a:rPr lang="en-US" sz="2400" dirty="0"/>
@@ -24494,7 +24560,7 @@
         <p:spPr>
           <a:xfrm>
             <a:off x="628650" y="1825625"/>
-            <a:ext cx="7886700" cy="4095480"/>
+            <a:ext cx="7886700" cy="4483279"/>
           </a:xfrm>
           <a:prstGeom prst="rect">
             <a:avLst/>
@@ -24512,7 +24578,15 @@
             </a:pPr>
             <a:r>
               <a:rPr lang="en-US" dirty="0"/>
-              <a:t>We do not need to always start playouts from the current node, we can build a partial game tree and simulate from any node in that tree. </a:t>
+              <a:t>We do not need to always start playouts from the current node, we can build a </a:t>
+            </a:r>
+            <a:r>
+              <a:rPr lang="en-US" b="1" dirty="0"/>
+              <a:t>partial game tree </a:t>
+            </a:r>
+            <a:r>
+              <a:rPr lang="en-US" dirty="0"/>
+              <a:t>and simulate from any node in that tree. </a:t>
             </a:r>
           </a:p>
           <a:p>
@@ -24533,13 +24607,29 @@
           <a:p>
             <a:r>
               <a:rPr lang="en-US" dirty="0"/>
-              <a:t>We can use UCB1 so decide what part of the tree we should focus on for the next playout.</a:t>
-            </a:r>
-          </a:p>
-          <a:p>
+              <a:t>We can use UCB1 as the </a:t>
+            </a:r>
+            <a:r>
+              <a:rPr lang="en-US" b="1" dirty="0"/>
+              <a:t>selection strategy</a:t>
+            </a:r>
             <a:r>
               <a:rPr lang="en-US" dirty="0"/>
-              <a:t>We can only store a small part of the game tree, so we do not store the complete playout runs.</a:t>
+              <a:t> to decide what part of the tree we should focus on for the next playout.</a:t>
+            </a:r>
+          </a:p>
+          <a:p>
+            <a:r>
+              <a:rPr lang="en-US" dirty="0"/>
+              <a:t>We can only store a small </a:t>
+            </a:r>
+            <a:r>
+              <a:rPr lang="en-US" b="1" dirty="0"/>
+              <a:t>part of the game tree</a:t>
+            </a:r>
+            <a:r>
+              <a:rPr lang="en-US" dirty="0"/>
+              <a:t>, so we do not store the complete playout runs.</a:t>
             </a:r>
           </a:p>
         </p:txBody>
@@ -25947,13 +26037,13 @@
         </p:spPr>
         <p:txBody>
           <a:bodyPr>
-            <a:normAutofit fontScale="92500" lnSpcReduction="10000"/>
+            <a:normAutofit fontScale="77500" lnSpcReduction="20000"/>
           </a:bodyPr>
           <a:lstStyle/>
           <a:p>
             <a:r>
               <a:rPr lang="en-US" dirty="0"/>
-              <a:t>Search to use up the time budget for the move.</a:t>
+              <a:t>Search and update partial tree to use up the time budget for the move.</a:t>
             </a:r>
           </a:p>
           <a:p>
@@ -29251,7 +29341,7 @@
                   <a:schemeClr val="bg1"/>
                 </a:solidFill>
               </a:rPr>
-              <a:t>Use modified UCB1 scores to expand the game tree.</a:t>
+              <a:t>Use modified UCB1 scores to expand the partial game tree.</a:t>
             </a:r>
           </a:p>
           <a:p>
@@ -29307,6 +29397,11 @@
               <a:gd name="adj2" fmla="val 50863"/>
             </a:avLst>
           </a:prstGeom>
+          <a:ln>
+            <a:solidFill>
+              <a:srgbClr val="FF0000"/>
+            </a:solidFill>
+          </a:ln>
         </p:spPr>
         <p:style>
           <a:lnRef idx="3">
@@ -29345,8 +29440,47 @@
         </p:nvSpPr>
         <p:spPr>
           <a:xfrm rot="5400000">
-            <a:off x="7034267" y="1576334"/>
+            <a:off x="6881867" y="1676686"/>
             <a:ext cx="2912400" cy="369332"/>
+          </a:xfrm>
+          <a:prstGeom prst="rect">
+            <a:avLst/>
+          </a:prstGeom>
+          <a:noFill/>
+        </p:spPr>
+        <p:txBody>
+          <a:bodyPr wrap="none" rtlCol="0">
+            <a:spAutoFit/>
+          </a:bodyPr>
+          <a:lstStyle/>
+          <a:p>
+            <a:r>
+              <a:rPr lang="en-US" b="1" dirty="0">
+                <a:solidFill>
+                  <a:srgbClr val="FF0000"/>
+                </a:solidFill>
+              </a:rPr>
+              <a:t>Scale only for tiny problems!</a:t>
+            </a:r>
+          </a:p>
+        </p:txBody>
+      </p:sp>
+      <p:sp>
+        <p:nvSpPr>
+          <p:cNvPr id="4" name="TextBox 3">
+            <a:extLst>
+              <a:ext uri="{FF2B5EF4-FFF2-40B4-BE49-F238E27FC236}">
+                <a16:creationId xmlns:a16="http://schemas.microsoft.com/office/drawing/2014/main" id="{536F8B9D-4311-4F59-A0A9-E15D4F9D7AB4}"/>
+              </a:ext>
+            </a:extLst>
+          </p:cNvPr>
+          <p:cNvSpPr txBox="1"/>
+          <p:nvPr/>
+        </p:nvSpPr>
+        <p:spPr>
+          <a:xfrm rot="5400000">
+            <a:off x="7498871" y="4730233"/>
+            <a:ext cx="1652247" cy="369332"/>
           </a:xfrm>
           <a:prstGeom prst="rect">
             <a:avLst/>
@@ -29365,45 +29499,6 @@
                   <a:schemeClr val="accent6"/>
                 </a:solidFill>
               </a:rPr>
-              <a:t>Scale only for tiny problems!</a:t>
-            </a:r>
-          </a:p>
-        </p:txBody>
-      </p:sp>
-      <p:sp>
-        <p:nvSpPr>
-          <p:cNvPr id="4" name="TextBox 3">
-            <a:extLst>
-              <a:ext uri="{FF2B5EF4-FFF2-40B4-BE49-F238E27FC236}">
-                <a16:creationId xmlns:a16="http://schemas.microsoft.com/office/drawing/2014/main" id="{536F8B9D-4311-4F59-A0A9-E15D4F9D7AB4}"/>
-              </a:ext>
-            </a:extLst>
-          </p:cNvPr>
-          <p:cNvSpPr txBox="1"/>
-          <p:nvPr/>
-        </p:nvSpPr>
-        <p:spPr>
-          <a:xfrm rot="5400000">
-            <a:off x="7664343" y="4527658"/>
-            <a:ext cx="1652247" cy="369332"/>
-          </a:xfrm>
-          <a:prstGeom prst="rect">
-            <a:avLst/>
-          </a:prstGeom>
-          <a:noFill/>
-        </p:spPr>
-        <p:txBody>
-          <a:bodyPr wrap="none" rtlCol="0">
-            <a:spAutoFit/>
-          </a:bodyPr>
-          <a:lstStyle/>
-          <a:p>
-            <a:r>
-              <a:rPr lang="en-US" b="1" dirty="0">
-                <a:solidFill>
-                  <a:schemeClr val="accent2"/>
-                </a:solidFill>
-              </a:rPr>
               <a:t>State of the Art</a:t>
             </a:r>
           </a:p>
@@ -29423,8 +29518,8 @@
         </p:nvSpPr>
         <p:spPr>
           <a:xfrm>
-            <a:off x="7914274" y="3505200"/>
-            <a:ext cx="86726" cy="2712537"/>
+            <a:off x="7924801" y="3612062"/>
+            <a:ext cx="76198" cy="2605675"/>
           </a:xfrm>
           <a:prstGeom prst="rightBrace">
             <a:avLst>
@@ -29432,11 +29527,7 @@
               <a:gd name="adj2" fmla="val 50863"/>
             </a:avLst>
           </a:prstGeom>
-          <a:ln>
-            <a:solidFill>
-              <a:schemeClr val="accent2"/>
-            </a:solidFill>
-          </a:ln>
+          <a:ln/>
         </p:spPr>
         <p:style>
           <a:lnRef idx="3">

--- a/slides/05_games.pptx
+++ b/slides/05_games.pptx
@@ -2772,7 +2772,7 @@
             <a:fld id="{46E2045A-045A-4BC7-A4D3-1395440B1C3D}" type="datetimeFigureOut">
               <a:rPr lang="en-US" smtClean="0"/>
               <a:pPr/>
-              <a:t>11/7/2022</a:t>
+              <a:t>8/11/2023</a:t>
             </a:fld>
             <a:endParaRPr lang="en-US"/>
           </a:p>
@@ -9571,6 +9571,134 @@
   <p:clrMapOvr>
     <a:masterClrMapping/>
   </p:clrMapOvr>
+  <p:timing>
+    <p:tnLst>
+      <p:par>
+        <p:cTn id="1" dur="indefinite" restart="never" nodeType="tmRoot">
+          <p:childTnLst>
+            <p:seq concurrent="1" nextAc="seek">
+              <p:cTn id="2" dur="indefinite" nodeType="mainSeq">
+                <p:childTnLst>
+                  <p:par>
+                    <p:cTn id="3" fill="hold">
+                      <p:stCondLst>
+                        <p:cond delay="indefinite"/>
+                      </p:stCondLst>
+                      <p:childTnLst>
+                        <p:par>
+                          <p:cTn id="4" fill="hold">
+                            <p:stCondLst>
+                              <p:cond delay="0"/>
+                            </p:stCondLst>
+                            <p:childTnLst>
+                              <p:par>
+                                <p:cTn id="5" presetID="1" presetClass="entr" presetSubtype="0" fill="hold" nodeType="clickEffect">
+                                  <p:stCondLst>
+                                    <p:cond delay="0"/>
+                                  </p:stCondLst>
+                                  <p:childTnLst>
+                                    <p:set>
+                                      <p:cBhvr>
+                                        <p:cTn id="6" dur="1" fill="hold">
+                                          <p:stCondLst>
+                                            <p:cond delay="0"/>
+                                          </p:stCondLst>
+                                        </p:cTn>
+                                        <p:tgtEl>
+                                          <p:spTgt spid="5">
+                                            <p:txEl>
+                                              <p:pRg st="4" end="4"/>
+                                            </p:txEl>
+                                          </p:spTgt>
+                                        </p:tgtEl>
+                                        <p:attrNameLst>
+                                          <p:attrName>style.visibility</p:attrName>
+                                        </p:attrNameLst>
+                                      </p:cBhvr>
+                                      <p:to>
+                                        <p:strVal val="visible"/>
+                                      </p:to>
+                                    </p:set>
+                                  </p:childTnLst>
+                                </p:cTn>
+                              </p:par>
+                            </p:childTnLst>
+                          </p:cTn>
+                        </p:par>
+                      </p:childTnLst>
+                    </p:cTn>
+                  </p:par>
+                  <p:par>
+                    <p:cTn id="7" fill="hold">
+                      <p:stCondLst>
+                        <p:cond delay="indefinite"/>
+                      </p:stCondLst>
+                      <p:childTnLst>
+                        <p:par>
+                          <p:cTn id="8" fill="hold">
+                            <p:stCondLst>
+                              <p:cond delay="0"/>
+                            </p:stCondLst>
+                            <p:childTnLst>
+                              <p:par>
+                                <p:cTn id="9" presetID="1" presetClass="entr" presetSubtype="0" fill="hold" nodeType="clickEffect">
+                                  <p:stCondLst>
+                                    <p:cond delay="0"/>
+                                  </p:stCondLst>
+                                  <p:childTnLst>
+                                    <p:set>
+                                      <p:cBhvr>
+                                        <p:cTn id="10" dur="1" fill="hold">
+                                          <p:stCondLst>
+                                            <p:cond delay="0"/>
+                                          </p:stCondLst>
+                                        </p:cTn>
+                                        <p:tgtEl>
+                                          <p:spTgt spid="5">
+                                            <p:txEl>
+                                              <p:pRg st="5" end="5"/>
+                                            </p:txEl>
+                                          </p:spTgt>
+                                        </p:tgtEl>
+                                        <p:attrNameLst>
+                                          <p:attrName>style.visibility</p:attrName>
+                                        </p:attrNameLst>
+                                      </p:cBhvr>
+                                      <p:to>
+                                        <p:strVal val="visible"/>
+                                      </p:to>
+                                    </p:set>
+                                  </p:childTnLst>
+                                </p:cTn>
+                              </p:par>
+                            </p:childTnLst>
+                          </p:cTn>
+                        </p:par>
+                      </p:childTnLst>
+                    </p:cTn>
+                  </p:par>
+                </p:childTnLst>
+              </p:cTn>
+              <p:prevCondLst>
+                <p:cond evt="onPrev" delay="0">
+                  <p:tgtEl>
+                    <p:sldTgt/>
+                  </p:tgtEl>
+                </p:cond>
+              </p:prevCondLst>
+              <p:nextCondLst>
+                <p:cond evt="onNext" delay="0">
+                  <p:tgtEl>
+                    <p:sldTgt/>
+                  </p:tgtEl>
+                </p:cond>
+              </p:nextCondLst>
+            </p:seq>
+          </p:childTnLst>
+        </p:cTn>
+      </p:par>
+    </p:tnLst>
+  </p:timing>
 </p:sld>
 </file>
 
@@ -10155,6 +10283,62 @@
           </a:p>
         </p:txBody>
       </p:sp>
+      <p:sp>
+        <p:nvSpPr>
+          <p:cNvPr id="3" name="Speech Bubble: Rectangle with Corners Rounded 2">
+            <a:extLst>
+              <a:ext uri="{FF2B5EF4-FFF2-40B4-BE49-F238E27FC236}">
+                <a16:creationId xmlns:a16="http://schemas.microsoft.com/office/drawing/2014/main" id="{9B7EA5C9-3F50-8BE1-FDF2-228EDC3D8409}"/>
+              </a:ext>
+            </a:extLst>
+          </p:cNvPr>
+          <p:cNvSpPr/>
+          <p:nvPr/>
+        </p:nvSpPr>
+        <p:spPr>
+          <a:xfrm>
+            <a:off x="4648200" y="4419636"/>
+            <a:ext cx="1726390" cy="807240"/>
+          </a:xfrm>
+          <a:prstGeom prst="wedgeRoundRectCallout">
+            <a:avLst>
+              <a:gd name="adj1" fmla="val -95341"/>
+              <a:gd name="adj2" fmla="val -26060"/>
+              <a:gd name="adj3" fmla="val 16667"/>
+            </a:avLst>
+          </a:prstGeom>
+        </p:spPr>
+        <p:style>
+          <a:lnRef idx="2">
+            <a:schemeClr val="accent6">
+              <a:shade val="50000"/>
+            </a:schemeClr>
+          </a:lnRef>
+          <a:fillRef idx="1">
+            <a:schemeClr val="accent6"/>
+          </a:fillRef>
+          <a:effectRef idx="0">
+            <a:schemeClr val="accent6"/>
+          </a:effectRef>
+          <a:fontRef idx="minor">
+            <a:schemeClr val="lt1"/>
+          </a:fontRef>
+        </p:style>
+        <p:txBody>
+          <a:bodyPr rtlCol="0" anchor="ctr"/>
+          <a:lstStyle/>
+          <a:p>
+            <a:r>
+              <a:rPr lang="en-US" b="1" dirty="0">
+                <a:solidFill>
+                  <a:schemeClr val="bg1"/>
+                </a:solidFill>
+              </a:rPr>
+              <a:t>How do we determine the MVs</a:t>
+            </a:r>
+          </a:p>
+        </p:txBody>
+      </p:sp>
     </p:spTree>
     <p:extLst>
       <p:ext uri="{BB962C8B-B14F-4D97-AF65-F5344CB8AC3E}">
@@ -10165,6 +10349,298 @@
   <p:clrMapOvr>
     <a:masterClrMapping/>
   </p:clrMapOvr>
+  <p:timing>
+    <p:tnLst>
+      <p:par>
+        <p:cTn id="1" dur="indefinite" restart="never" nodeType="tmRoot">
+          <p:childTnLst>
+            <p:seq concurrent="1" nextAc="seek">
+              <p:cTn id="2" dur="indefinite" nodeType="mainSeq">
+                <p:childTnLst>
+                  <p:par>
+                    <p:cTn id="3" fill="hold">
+                      <p:stCondLst>
+                        <p:cond delay="indefinite"/>
+                      </p:stCondLst>
+                      <p:childTnLst>
+                        <p:par>
+                          <p:cTn id="4" fill="hold">
+                            <p:stCondLst>
+                              <p:cond delay="0"/>
+                            </p:stCondLst>
+                            <p:childTnLst>
+                              <p:par>
+                                <p:cTn id="5" presetID="1" presetClass="entr" presetSubtype="0" fill="hold" grpId="0" nodeType="clickEffect">
+                                  <p:stCondLst>
+                                    <p:cond delay="0"/>
+                                  </p:stCondLst>
+                                  <p:childTnLst>
+                                    <p:set>
+                                      <p:cBhvr>
+                                        <p:cTn id="6" dur="1" fill="hold">
+                                          <p:stCondLst>
+                                            <p:cond delay="0"/>
+                                          </p:stCondLst>
+                                        </p:cTn>
+                                        <p:tgtEl>
+                                          <p:spTgt spid="6"/>
+                                        </p:tgtEl>
+                                        <p:attrNameLst>
+                                          <p:attrName>style.visibility</p:attrName>
+                                        </p:attrNameLst>
+                                      </p:cBhvr>
+                                      <p:to>
+                                        <p:strVal val="visible"/>
+                                      </p:to>
+                                    </p:set>
+                                  </p:childTnLst>
+                                </p:cTn>
+                              </p:par>
+                              <p:par>
+                                <p:cTn id="7" presetID="1" presetClass="entr" presetSubtype="0" fill="hold" grpId="0" nodeType="withEffect">
+                                  <p:stCondLst>
+                                    <p:cond delay="0"/>
+                                  </p:stCondLst>
+                                  <p:childTnLst>
+                                    <p:set>
+                                      <p:cBhvr>
+                                        <p:cTn id="8" dur="1" fill="hold">
+                                          <p:stCondLst>
+                                            <p:cond delay="0"/>
+                                          </p:stCondLst>
+                                        </p:cTn>
+                                        <p:tgtEl>
+                                          <p:spTgt spid="42"/>
+                                        </p:tgtEl>
+                                        <p:attrNameLst>
+                                          <p:attrName>style.visibility</p:attrName>
+                                        </p:attrNameLst>
+                                      </p:cBhvr>
+                                      <p:to>
+                                        <p:strVal val="visible"/>
+                                      </p:to>
+                                    </p:set>
+                                  </p:childTnLst>
+                                </p:cTn>
+                              </p:par>
+                              <p:par>
+                                <p:cTn id="9" presetID="1" presetClass="entr" presetSubtype="0" fill="hold" grpId="0" nodeType="withEffect">
+                                  <p:stCondLst>
+                                    <p:cond delay="0"/>
+                                  </p:stCondLst>
+                                  <p:childTnLst>
+                                    <p:set>
+                                      <p:cBhvr>
+                                        <p:cTn id="10" dur="1" fill="hold">
+                                          <p:stCondLst>
+                                            <p:cond delay="0"/>
+                                          </p:stCondLst>
+                                        </p:cTn>
+                                        <p:tgtEl>
+                                          <p:spTgt spid="43"/>
+                                        </p:tgtEl>
+                                        <p:attrNameLst>
+                                          <p:attrName>style.visibility</p:attrName>
+                                        </p:attrNameLst>
+                                      </p:cBhvr>
+                                      <p:to>
+                                        <p:strVal val="visible"/>
+                                      </p:to>
+                                    </p:set>
+                                  </p:childTnLst>
+                                </p:cTn>
+                              </p:par>
+                              <p:par>
+                                <p:cTn id="11" presetID="1" presetClass="entr" presetSubtype="0" fill="hold" grpId="0" nodeType="withEffect">
+                                  <p:stCondLst>
+                                    <p:cond delay="0"/>
+                                  </p:stCondLst>
+                                  <p:childTnLst>
+                                    <p:set>
+                                      <p:cBhvr>
+                                        <p:cTn id="12" dur="1" fill="hold">
+                                          <p:stCondLst>
+                                            <p:cond delay="0"/>
+                                          </p:stCondLst>
+                                        </p:cTn>
+                                        <p:tgtEl>
+                                          <p:spTgt spid="44"/>
+                                        </p:tgtEl>
+                                        <p:attrNameLst>
+                                          <p:attrName>style.visibility</p:attrName>
+                                        </p:attrNameLst>
+                                      </p:cBhvr>
+                                      <p:to>
+                                        <p:strVal val="visible"/>
+                                      </p:to>
+                                    </p:set>
+                                  </p:childTnLst>
+                                </p:cTn>
+                              </p:par>
+                            </p:childTnLst>
+                          </p:cTn>
+                        </p:par>
+                      </p:childTnLst>
+                    </p:cTn>
+                  </p:par>
+                  <p:par>
+                    <p:cTn id="13" fill="hold">
+                      <p:stCondLst>
+                        <p:cond delay="indefinite"/>
+                      </p:stCondLst>
+                      <p:childTnLst>
+                        <p:par>
+                          <p:cTn id="14" fill="hold">
+                            <p:stCondLst>
+                              <p:cond delay="0"/>
+                            </p:stCondLst>
+                            <p:childTnLst>
+                              <p:par>
+                                <p:cTn id="15" presetID="1" presetClass="entr" presetSubtype="0" fill="hold" grpId="0" nodeType="clickEffect">
+                                  <p:stCondLst>
+                                    <p:cond delay="0"/>
+                                  </p:stCondLst>
+                                  <p:childTnLst>
+                                    <p:set>
+                                      <p:cBhvr>
+                                        <p:cTn id="16" dur="1" fill="hold">
+                                          <p:stCondLst>
+                                            <p:cond delay="0"/>
+                                          </p:stCondLst>
+                                        </p:cTn>
+                                        <p:tgtEl>
+                                          <p:spTgt spid="3"/>
+                                        </p:tgtEl>
+                                        <p:attrNameLst>
+                                          <p:attrName>style.visibility</p:attrName>
+                                        </p:attrNameLst>
+                                      </p:cBhvr>
+                                      <p:to>
+                                        <p:strVal val="visible"/>
+                                      </p:to>
+                                    </p:set>
+                                  </p:childTnLst>
+                                </p:cTn>
+                              </p:par>
+                              <p:par>
+                                <p:cTn id="17" presetID="1" presetClass="entr" presetSubtype="0" fill="hold" grpId="0" nodeType="withEffect">
+                                  <p:stCondLst>
+                                    <p:cond delay="0"/>
+                                  </p:stCondLst>
+                                  <p:childTnLst>
+                                    <p:set>
+                                      <p:cBhvr>
+                                        <p:cTn id="18" dur="1" fill="hold">
+                                          <p:stCondLst>
+                                            <p:cond delay="0"/>
+                                          </p:stCondLst>
+                                        </p:cTn>
+                                        <p:tgtEl>
+                                          <p:spTgt spid="8"/>
+                                        </p:tgtEl>
+                                        <p:attrNameLst>
+                                          <p:attrName>style.visibility</p:attrName>
+                                        </p:attrNameLst>
+                                      </p:cBhvr>
+                                      <p:to>
+                                        <p:strVal val="visible"/>
+                                      </p:to>
+                                    </p:set>
+                                  </p:childTnLst>
+                                </p:cTn>
+                              </p:par>
+                              <p:par>
+                                <p:cTn id="19" presetID="1" presetClass="entr" presetSubtype="0" fill="hold" grpId="0" nodeType="withEffect">
+                                  <p:stCondLst>
+                                    <p:cond delay="0"/>
+                                  </p:stCondLst>
+                                  <p:childTnLst>
+                                    <p:set>
+                                      <p:cBhvr>
+                                        <p:cTn id="20" dur="1" fill="hold">
+                                          <p:stCondLst>
+                                            <p:cond delay="0"/>
+                                          </p:stCondLst>
+                                        </p:cTn>
+                                        <p:tgtEl>
+                                          <p:spTgt spid="9"/>
+                                        </p:tgtEl>
+                                        <p:attrNameLst>
+                                          <p:attrName>style.visibility</p:attrName>
+                                        </p:attrNameLst>
+                                      </p:cBhvr>
+                                      <p:to>
+                                        <p:strVal val="visible"/>
+                                      </p:to>
+                                    </p:set>
+                                  </p:childTnLst>
+                                </p:cTn>
+                              </p:par>
+                              <p:par>
+                                <p:cTn id="21" presetID="1" presetClass="entr" presetSubtype="0" fill="hold" grpId="0" nodeType="withEffect">
+                                  <p:stCondLst>
+                                    <p:cond delay="0"/>
+                                  </p:stCondLst>
+                                  <p:childTnLst>
+                                    <p:set>
+                                      <p:cBhvr>
+                                        <p:cTn id="22" dur="1" fill="hold">
+                                          <p:stCondLst>
+                                            <p:cond delay="0"/>
+                                          </p:stCondLst>
+                                        </p:cTn>
+                                        <p:tgtEl>
+                                          <p:spTgt spid="10"/>
+                                        </p:tgtEl>
+                                        <p:attrNameLst>
+                                          <p:attrName>style.visibility</p:attrName>
+                                        </p:attrNameLst>
+                                      </p:cBhvr>
+                                      <p:to>
+                                        <p:strVal val="visible"/>
+                                      </p:to>
+                                    </p:set>
+                                  </p:childTnLst>
+                                </p:cTn>
+                              </p:par>
+                            </p:childTnLst>
+                          </p:cTn>
+                        </p:par>
+                      </p:childTnLst>
+                    </p:cTn>
+                  </p:par>
+                </p:childTnLst>
+              </p:cTn>
+              <p:prevCondLst>
+                <p:cond evt="onPrev" delay="0">
+                  <p:tgtEl>
+                    <p:sldTgt/>
+                  </p:tgtEl>
+                </p:cond>
+              </p:prevCondLst>
+              <p:nextCondLst>
+                <p:cond evt="onNext" delay="0">
+                  <p:tgtEl>
+                    <p:sldTgt/>
+                  </p:tgtEl>
+                </p:cond>
+              </p:nextCondLst>
+            </p:seq>
+          </p:childTnLst>
+        </p:cTn>
+      </p:par>
+    </p:tnLst>
+    <p:bldLst>
+      <p:bldP spid="6" grpId="0"/>
+      <p:bldP spid="42" grpId="0" animBg="1"/>
+      <p:bldP spid="43" grpId="0" animBg="1"/>
+      <p:bldP spid="44" grpId="0" animBg="1"/>
+      <p:bldP spid="8" grpId="0"/>
+      <p:bldP spid="9" grpId="0"/>
+      <p:bldP spid="10" grpId="0"/>
+      <p:bldP spid="3" grpId="0" animBg="1"/>
+    </p:bldLst>
+  </p:timing>
 </p:sld>
 </file>
 
@@ -11788,6 +12264,1017 @@
   <p:clrMapOvr>
     <a:masterClrMapping/>
   </p:clrMapOvr>
+  <p:timing>
+    <p:tnLst>
+      <p:par>
+        <p:cTn id="1" dur="indefinite" restart="never" nodeType="tmRoot">
+          <p:childTnLst>
+            <p:seq concurrent="1" nextAc="seek">
+              <p:cTn id="2" dur="indefinite" nodeType="mainSeq">
+                <p:childTnLst>
+                  <p:par>
+                    <p:cTn id="3" fill="hold">
+                      <p:stCondLst>
+                        <p:cond delay="indefinite"/>
+                      </p:stCondLst>
+                      <p:childTnLst>
+                        <p:par>
+                          <p:cTn id="4" fill="hold">
+                            <p:stCondLst>
+                              <p:cond delay="0"/>
+                            </p:stCondLst>
+                            <p:childTnLst>
+                              <p:par>
+                                <p:cTn id="5" presetID="1" presetClass="entr" presetSubtype="0" fill="hold" nodeType="clickEffect">
+                                  <p:stCondLst>
+                                    <p:cond delay="0"/>
+                                  </p:stCondLst>
+                                  <p:childTnLst>
+                                    <p:set>
+                                      <p:cBhvr>
+                                        <p:cTn id="6" dur="1" fill="hold">
+                                          <p:stCondLst>
+                                            <p:cond delay="0"/>
+                                          </p:stCondLst>
+                                        </p:cTn>
+                                        <p:tgtEl>
+                                          <p:spTgt spid="8"/>
+                                        </p:tgtEl>
+                                        <p:attrNameLst>
+                                          <p:attrName>style.visibility</p:attrName>
+                                        </p:attrNameLst>
+                                      </p:cBhvr>
+                                      <p:to>
+                                        <p:strVal val="visible"/>
+                                      </p:to>
+                                    </p:set>
+                                  </p:childTnLst>
+                                </p:cTn>
+                              </p:par>
+                              <p:par>
+                                <p:cTn id="7" presetID="1" presetClass="entr" presetSubtype="0" fill="hold" grpId="0" nodeType="withEffect">
+                                  <p:stCondLst>
+                                    <p:cond delay="0"/>
+                                  </p:stCondLst>
+                                  <p:childTnLst>
+                                    <p:set>
+                                      <p:cBhvr>
+                                        <p:cTn id="8" dur="1" fill="hold">
+                                          <p:stCondLst>
+                                            <p:cond delay="0"/>
+                                          </p:stCondLst>
+                                        </p:cTn>
+                                        <p:tgtEl>
+                                          <p:spTgt spid="41"/>
+                                        </p:tgtEl>
+                                        <p:attrNameLst>
+                                          <p:attrName>style.visibility</p:attrName>
+                                        </p:attrNameLst>
+                                      </p:cBhvr>
+                                      <p:to>
+                                        <p:strVal val="visible"/>
+                                      </p:to>
+                                    </p:set>
+                                  </p:childTnLst>
+                                </p:cTn>
+                              </p:par>
+                              <p:par>
+                                <p:cTn id="9" presetID="1" presetClass="entr" presetSubtype="0" fill="hold" grpId="0" nodeType="withEffect">
+                                  <p:stCondLst>
+                                    <p:cond delay="0"/>
+                                  </p:stCondLst>
+                                  <p:childTnLst>
+                                    <p:set>
+                                      <p:cBhvr>
+                                        <p:cTn id="10" dur="1" fill="hold">
+                                          <p:stCondLst>
+                                            <p:cond delay="0"/>
+                                          </p:stCondLst>
+                                        </p:cTn>
+                                        <p:tgtEl>
+                                          <p:spTgt spid="40"/>
+                                        </p:tgtEl>
+                                        <p:attrNameLst>
+                                          <p:attrName>style.visibility</p:attrName>
+                                        </p:attrNameLst>
+                                      </p:cBhvr>
+                                      <p:to>
+                                        <p:strVal val="visible"/>
+                                      </p:to>
+                                    </p:set>
+                                  </p:childTnLst>
+                                </p:cTn>
+                              </p:par>
+                              <p:par>
+                                <p:cTn id="11" presetID="1" presetClass="entr" presetSubtype="0" fill="hold" nodeType="withEffect">
+                                  <p:stCondLst>
+                                    <p:cond delay="0"/>
+                                  </p:stCondLst>
+                                  <p:childTnLst>
+                                    <p:set>
+                                      <p:cBhvr>
+                                        <p:cTn id="12" dur="1" fill="hold">
+                                          <p:stCondLst>
+                                            <p:cond delay="0"/>
+                                          </p:stCondLst>
+                                        </p:cTn>
+                                        <p:tgtEl>
+                                          <p:spTgt spid="10"/>
+                                        </p:tgtEl>
+                                        <p:attrNameLst>
+                                          <p:attrName>style.visibility</p:attrName>
+                                        </p:attrNameLst>
+                                      </p:cBhvr>
+                                      <p:to>
+                                        <p:strVal val="visible"/>
+                                      </p:to>
+                                    </p:set>
+                                  </p:childTnLst>
+                                </p:cTn>
+                              </p:par>
+                              <p:par>
+                                <p:cTn id="13" presetID="1" presetClass="entr" presetSubtype="0" fill="hold" nodeType="withEffect">
+                                  <p:stCondLst>
+                                    <p:cond delay="0"/>
+                                  </p:stCondLst>
+                                  <p:childTnLst>
+                                    <p:set>
+                                      <p:cBhvr>
+                                        <p:cTn id="14" dur="1" fill="hold">
+                                          <p:stCondLst>
+                                            <p:cond delay="0"/>
+                                          </p:stCondLst>
+                                        </p:cTn>
+                                        <p:tgtEl>
+                                          <p:spTgt spid="12"/>
+                                        </p:tgtEl>
+                                        <p:attrNameLst>
+                                          <p:attrName>style.visibility</p:attrName>
+                                        </p:attrNameLst>
+                                      </p:cBhvr>
+                                      <p:to>
+                                        <p:strVal val="visible"/>
+                                      </p:to>
+                                    </p:set>
+                                  </p:childTnLst>
+                                </p:cTn>
+                              </p:par>
+                              <p:par>
+                                <p:cTn id="15" presetID="1" presetClass="entr" presetSubtype="0" fill="hold" grpId="0" nodeType="withEffect">
+                                  <p:stCondLst>
+                                    <p:cond delay="0"/>
+                                  </p:stCondLst>
+                                  <p:childTnLst>
+                                    <p:set>
+                                      <p:cBhvr>
+                                        <p:cTn id="16" dur="1" fill="hold">
+                                          <p:stCondLst>
+                                            <p:cond delay="0"/>
+                                          </p:stCondLst>
+                                        </p:cTn>
+                                        <p:tgtEl>
+                                          <p:spTgt spid="5"/>
+                                        </p:tgtEl>
+                                        <p:attrNameLst>
+                                          <p:attrName>style.visibility</p:attrName>
+                                        </p:attrNameLst>
+                                      </p:cBhvr>
+                                      <p:to>
+                                        <p:strVal val="visible"/>
+                                      </p:to>
+                                    </p:set>
+                                  </p:childTnLst>
+                                </p:cTn>
+                              </p:par>
+                              <p:par>
+                                <p:cTn id="17" presetID="10" presetClass="entr" presetSubtype="0" fill="hold" grpId="0" nodeType="withEffect">
+                                  <p:stCondLst>
+                                    <p:cond delay="0"/>
+                                  </p:stCondLst>
+                                  <p:childTnLst>
+                                    <p:set>
+                                      <p:cBhvr>
+                                        <p:cTn id="18" dur="1" fill="hold">
+                                          <p:stCondLst>
+                                            <p:cond delay="0"/>
+                                          </p:stCondLst>
+                                        </p:cTn>
+                                        <p:tgtEl>
+                                          <p:spTgt spid="18"/>
+                                        </p:tgtEl>
+                                        <p:attrNameLst>
+                                          <p:attrName>style.visibility</p:attrName>
+                                        </p:attrNameLst>
+                                      </p:cBhvr>
+                                      <p:to>
+                                        <p:strVal val="visible"/>
+                                      </p:to>
+                                    </p:set>
+                                    <p:animEffect transition="in" filter="fade">
+                                      <p:cBhvr>
+                                        <p:cTn id="19" dur="1000"/>
+                                        <p:tgtEl>
+                                          <p:spTgt spid="18"/>
+                                        </p:tgtEl>
+                                      </p:cBhvr>
+                                    </p:animEffect>
+                                  </p:childTnLst>
+                                </p:cTn>
+                              </p:par>
+                              <p:par>
+                                <p:cTn id="20" presetID="10" presetClass="entr" presetSubtype="0" fill="hold" grpId="0" nodeType="withEffect">
+                                  <p:stCondLst>
+                                    <p:cond delay="0"/>
+                                  </p:stCondLst>
+                                  <p:childTnLst>
+                                    <p:set>
+                                      <p:cBhvr>
+                                        <p:cTn id="21" dur="1" fill="hold">
+                                          <p:stCondLst>
+                                            <p:cond delay="0"/>
+                                          </p:stCondLst>
+                                        </p:cTn>
+                                        <p:tgtEl>
+                                          <p:spTgt spid="19"/>
+                                        </p:tgtEl>
+                                        <p:attrNameLst>
+                                          <p:attrName>style.visibility</p:attrName>
+                                        </p:attrNameLst>
+                                      </p:cBhvr>
+                                      <p:to>
+                                        <p:strVal val="visible"/>
+                                      </p:to>
+                                    </p:set>
+                                    <p:animEffect transition="in" filter="fade">
+                                      <p:cBhvr>
+                                        <p:cTn id="22" dur="1000"/>
+                                        <p:tgtEl>
+                                          <p:spTgt spid="19"/>
+                                        </p:tgtEl>
+                                      </p:cBhvr>
+                                    </p:animEffect>
+                                  </p:childTnLst>
+                                </p:cTn>
+                              </p:par>
+                            </p:childTnLst>
+                          </p:cTn>
+                        </p:par>
+                      </p:childTnLst>
+                    </p:cTn>
+                  </p:par>
+                  <p:par>
+                    <p:cTn id="23" fill="hold">
+                      <p:stCondLst>
+                        <p:cond delay="indefinite"/>
+                      </p:stCondLst>
+                      <p:childTnLst>
+                        <p:par>
+                          <p:cTn id="24" fill="hold">
+                            <p:stCondLst>
+                              <p:cond delay="0"/>
+                            </p:stCondLst>
+                            <p:childTnLst>
+                              <p:par>
+                                <p:cTn id="25" presetID="1" presetClass="entr" presetSubtype="0" fill="hold" grpId="0" nodeType="clickEffect">
+                                  <p:stCondLst>
+                                    <p:cond delay="0"/>
+                                  </p:stCondLst>
+                                  <p:childTnLst>
+                                    <p:set>
+                                      <p:cBhvr>
+                                        <p:cTn id="26" dur="1" fill="hold">
+                                          <p:stCondLst>
+                                            <p:cond delay="0"/>
+                                          </p:stCondLst>
+                                        </p:cTn>
+                                        <p:tgtEl>
+                                          <p:spTgt spid="39"/>
+                                        </p:tgtEl>
+                                        <p:attrNameLst>
+                                          <p:attrName>style.visibility</p:attrName>
+                                        </p:attrNameLst>
+                                      </p:cBhvr>
+                                      <p:to>
+                                        <p:strVal val="visible"/>
+                                      </p:to>
+                                    </p:set>
+                                  </p:childTnLst>
+                                </p:cTn>
+                              </p:par>
+                              <p:par>
+                                <p:cTn id="27" presetID="1" presetClass="entr" presetSubtype="0" fill="hold" nodeType="withEffect">
+                                  <p:stCondLst>
+                                    <p:cond delay="0"/>
+                                  </p:stCondLst>
+                                  <p:childTnLst>
+                                    <p:set>
+                                      <p:cBhvr>
+                                        <p:cTn id="28" dur="1" fill="hold">
+                                          <p:stCondLst>
+                                            <p:cond delay="0"/>
+                                          </p:stCondLst>
+                                        </p:cTn>
+                                        <p:tgtEl>
+                                          <p:spTgt spid="27"/>
+                                        </p:tgtEl>
+                                        <p:attrNameLst>
+                                          <p:attrName>style.visibility</p:attrName>
+                                        </p:attrNameLst>
+                                      </p:cBhvr>
+                                      <p:to>
+                                        <p:strVal val="visible"/>
+                                      </p:to>
+                                    </p:set>
+                                  </p:childTnLst>
+                                </p:cTn>
+                              </p:par>
+                              <p:par>
+                                <p:cTn id="29" presetID="1" presetClass="entr" presetSubtype="0" fill="hold" nodeType="withEffect">
+                                  <p:stCondLst>
+                                    <p:cond delay="0"/>
+                                  </p:stCondLst>
+                                  <p:childTnLst>
+                                    <p:set>
+                                      <p:cBhvr>
+                                        <p:cTn id="30" dur="1" fill="hold">
+                                          <p:stCondLst>
+                                            <p:cond delay="0"/>
+                                          </p:stCondLst>
+                                        </p:cTn>
+                                        <p:tgtEl>
+                                          <p:spTgt spid="29"/>
+                                        </p:tgtEl>
+                                        <p:attrNameLst>
+                                          <p:attrName>style.visibility</p:attrName>
+                                        </p:attrNameLst>
+                                      </p:cBhvr>
+                                      <p:to>
+                                        <p:strVal val="visible"/>
+                                      </p:to>
+                                    </p:set>
+                                  </p:childTnLst>
+                                </p:cTn>
+                              </p:par>
+                              <p:par>
+                                <p:cTn id="31" presetID="1" presetClass="entr" presetSubtype="0" fill="hold" nodeType="withEffect">
+                                  <p:stCondLst>
+                                    <p:cond delay="0"/>
+                                  </p:stCondLst>
+                                  <p:childTnLst>
+                                    <p:set>
+                                      <p:cBhvr>
+                                        <p:cTn id="32" dur="1" fill="hold">
+                                          <p:stCondLst>
+                                            <p:cond delay="0"/>
+                                          </p:stCondLst>
+                                        </p:cTn>
+                                        <p:tgtEl>
+                                          <p:spTgt spid="21"/>
+                                        </p:tgtEl>
+                                        <p:attrNameLst>
+                                          <p:attrName>style.visibility</p:attrName>
+                                        </p:attrNameLst>
+                                      </p:cBhvr>
+                                      <p:to>
+                                        <p:strVal val="visible"/>
+                                      </p:to>
+                                    </p:set>
+                                  </p:childTnLst>
+                                </p:cTn>
+                              </p:par>
+                              <p:par>
+                                <p:cTn id="33" presetID="1" presetClass="entr" presetSubtype="0" fill="hold" nodeType="withEffect">
+                                  <p:stCondLst>
+                                    <p:cond delay="0"/>
+                                  </p:stCondLst>
+                                  <p:childTnLst>
+                                    <p:set>
+                                      <p:cBhvr>
+                                        <p:cTn id="34" dur="1" fill="hold">
+                                          <p:stCondLst>
+                                            <p:cond delay="0"/>
+                                          </p:stCondLst>
+                                        </p:cTn>
+                                        <p:tgtEl>
+                                          <p:spTgt spid="24"/>
+                                        </p:tgtEl>
+                                        <p:attrNameLst>
+                                          <p:attrName>style.visibility</p:attrName>
+                                        </p:attrNameLst>
+                                      </p:cBhvr>
+                                      <p:to>
+                                        <p:strVal val="visible"/>
+                                      </p:to>
+                                    </p:set>
+                                  </p:childTnLst>
+                                </p:cTn>
+                              </p:par>
+                              <p:par>
+                                <p:cTn id="35" presetID="1" presetClass="entr" presetSubtype="0" fill="hold" grpId="0" nodeType="withEffect">
+                                  <p:stCondLst>
+                                    <p:cond delay="0"/>
+                                  </p:stCondLst>
+                                  <p:childTnLst>
+                                    <p:set>
+                                      <p:cBhvr>
+                                        <p:cTn id="36" dur="1" fill="hold">
+                                          <p:stCondLst>
+                                            <p:cond delay="0"/>
+                                          </p:stCondLst>
+                                        </p:cTn>
+                                        <p:tgtEl>
+                                          <p:spTgt spid="20"/>
+                                        </p:tgtEl>
+                                        <p:attrNameLst>
+                                          <p:attrName>style.visibility</p:attrName>
+                                        </p:attrNameLst>
+                                      </p:cBhvr>
+                                      <p:to>
+                                        <p:strVal val="visible"/>
+                                      </p:to>
+                                    </p:set>
+                                  </p:childTnLst>
+                                </p:cTn>
+                              </p:par>
+                              <p:par>
+                                <p:cTn id="37" presetID="10" presetClass="entr" presetSubtype="0" fill="hold" grpId="0" nodeType="withEffect">
+                                  <p:stCondLst>
+                                    <p:cond delay="0"/>
+                                  </p:stCondLst>
+                                  <p:childTnLst>
+                                    <p:set>
+                                      <p:cBhvr>
+                                        <p:cTn id="38" dur="1" fill="hold">
+                                          <p:stCondLst>
+                                            <p:cond delay="0"/>
+                                          </p:stCondLst>
+                                        </p:cTn>
+                                        <p:tgtEl>
+                                          <p:spTgt spid="45"/>
+                                        </p:tgtEl>
+                                        <p:attrNameLst>
+                                          <p:attrName>style.visibility</p:attrName>
+                                        </p:attrNameLst>
+                                      </p:cBhvr>
+                                      <p:to>
+                                        <p:strVal val="visible"/>
+                                      </p:to>
+                                    </p:set>
+                                    <p:animEffect transition="in" filter="fade">
+                                      <p:cBhvr>
+                                        <p:cTn id="39" dur="1000"/>
+                                        <p:tgtEl>
+                                          <p:spTgt spid="45"/>
+                                        </p:tgtEl>
+                                      </p:cBhvr>
+                                    </p:animEffect>
+                                  </p:childTnLst>
+                                </p:cTn>
+                              </p:par>
+                              <p:par>
+                                <p:cTn id="40" presetID="10" presetClass="entr" presetSubtype="0" fill="hold" grpId="0" nodeType="withEffect">
+                                  <p:stCondLst>
+                                    <p:cond delay="0"/>
+                                  </p:stCondLst>
+                                  <p:childTnLst>
+                                    <p:set>
+                                      <p:cBhvr>
+                                        <p:cTn id="41" dur="1" fill="hold">
+                                          <p:stCondLst>
+                                            <p:cond delay="0"/>
+                                          </p:stCondLst>
+                                        </p:cTn>
+                                        <p:tgtEl>
+                                          <p:spTgt spid="46"/>
+                                        </p:tgtEl>
+                                        <p:attrNameLst>
+                                          <p:attrName>style.visibility</p:attrName>
+                                        </p:attrNameLst>
+                                      </p:cBhvr>
+                                      <p:to>
+                                        <p:strVal val="visible"/>
+                                      </p:to>
+                                    </p:set>
+                                    <p:animEffect transition="in" filter="fade">
+                                      <p:cBhvr>
+                                        <p:cTn id="42" dur="500"/>
+                                        <p:tgtEl>
+                                          <p:spTgt spid="46"/>
+                                        </p:tgtEl>
+                                      </p:cBhvr>
+                                    </p:animEffect>
+                                  </p:childTnLst>
+                                </p:cTn>
+                              </p:par>
+                            </p:childTnLst>
+                          </p:cTn>
+                        </p:par>
+                      </p:childTnLst>
+                    </p:cTn>
+                  </p:par>
+                  <p:par>
+                    <p:cTn id="43" fill="hold">
+                      <p:stCondLst>
+                        <p:cond delay="indefinite"/>
+                      </p:stCondLst>
+                      <p:childTnLst>
+                        <p:par>
+                          <p:cTn id="44" fill="hold">
+                            <p:stCondLst>
+                              <p:cond delay="0"/>
+                            </p:stCondLst>
+                            <p:childTnLst>
+                              <p:par>
+                                <p:cTn id="45" presetID="1" presetClass="entr" presetSubtype="0" fill="hold" grpId="0" nodeType="clickEffect">
+                                  <p:stCondLst>
+                                    <p:cond delay="0"/>
+                                  </p:stCondLst>
+                                  <p:childTnLst>
+                                    <p:set>
+                                      <p:cBhvr>
+                                        <p:cTn id="46" dur="1" fill="hold">
+                                          <p:stCondLst>
+                                            <p:cond delay="0"/>
+                                          </p:stCondLst>
+                                        </p:cTn>
+                                        <p:tgtEl>
+                                          <p:spTgt spid="56"/>
+                                        </p:tgtEl>
+                                        <p:attrNameLst>
+                                          <p:attrName>style.visibility</p:attrName>
+                                        </p:attrNameLst>
+                                      </p:cBhvr>
+                                      <p:to>
+                                        <p:strVal val="visible"/>
+                                      </p:to>
+                                    </p:set>
+                                  </p:childTnLst>
+                                </p:cTn>
+                              </p:par>
+                              <p:par>
+                                <p:cTn id="47" presetID="1" presetClass="entr" presetSubtype="0" fill="hold" nodeType="withEffect">
+                                  <p:stCondLst>
+                                    <p:cond delay="0"/>
+                                  </p:stCondLst>
+                                  <p:childTnLst>
+                                    <p:set>
+                                      <p:cBhvr>
+                                        <p:cTn id="48" dur="1" fill="hold">
+                                          <p:stCondLst>
+                                            <p:cond delay="0"/>
+                                          </p:stCondLst>
+                                        </p:cTn>
+                                        <p:tgtEl>
+                                          <p:spTgt spid="58"/>
+                                        </p:tgtEl>
+                                        <p:attrNameLst>
+                                          <p:attrName>style.visibility</p:attrName>
+                                        </p:attrNameLst>
+                                      </p:cBhvr>
+                                      <p:to>
+                                        <p:strVal val="visible"/>
+                                      </p:to>
+                                    </p:set>
+                                  </p:childTnLst>
+                                </p:cTn>
+                              </p:par>
+                              <p:par>
+                                <p:cTn id="49" presetID="1" presetClass="entr" presetSubtype="0" fill="hold" nodeType="withEffect">
+                                  <p:stCondLst>
+                                    <p:cond delay="0"/>
+                                  </p:stCondLst>
+                                  <p:childTnLst>
+                                    <p:set>
+                                      <p:cBhvr>
+                                        <p:cTn id="50" dur="1" fill="hold">
+                                          <p:stCondLst>
+                                            <p:cond delay="0"/>
+                                          </p:stCondLst>
+                                        </p:cTn>
+                                        <p:tgtEl>
+                                          <p:spTgt spid="59"/>
+                                        </p:tgtEl>
+                                        <p:attrNameLst>
+                                          <p:attrName>style.visibility</p:attrName>
+                                        </p:attrNameLst>
+                                      </p:cBhvr>
+                                      <p:to>
+                                        <p:strVal val="visible"/>
+                                      </p:to>
+                                    </p:set>
+                                  </p:childTnLst>
+                                </p:cTn>
+                              </p:par>
+                              <p:par>
+                                <p:cTn id="51" presetID="1" presetClass="entr" presetSubtype="0" fill="hold" nodeType="withEffect">
+                                  <p:stCondLst>
+                                    <p:cond delay="0"/>
+                                  </p:stCondLst>
+                                  <p:childTnLst>
+                                    <p:set>
+                                      <p:cBhvr>
+                                        <p:cTn id="52" dur="1" fill="hold">
+                                          <p:stCondLst>
+                                            <p:cond delay="0"/>
+                                          </p:stCondLst>
+                                        </p:cTn>
+                                        <p:tgtEl>
+                                          <p:spTgt spid="60"/>
+                                        </p:tgtEl>
+                                        <p:attrNameLst>
+                                          <p:attrName>style.visibility</p:attrName>
+                                        </p:attrNameLst>
+                                      </p:cBhvr>
+                                      <p:to>
+                                        <p:strVal val="visible"/>
+                                      </p:to>
+                                    </p:set>
+                                  </p:childTnLst>
+                                </p:cTn>
+                              </p:par>
+                              <p:par>
+                                <p:cTn id="53" presetID="1" presetClass="entr" presetSubtype="0" fill="hold" nodeType="withEffect">
+                                  <p:stCondLst>
+                                    <p:cond delay="0"/>
+                                  </p:stCondLst>
+                                  <p:childTnLst>
+                                    <p:set>
+                                      <p:cBhvr>
+                                        <p:cTn id="54" dur="1" fill="hold">
+                                          <p:stCondLst>
+                                            <p:cond delay="0"/>
+                                          </p:stCondLst>
+                                        </p:cTn>
+                                        <p:tgtEl>
+                                          <p:spTgt spid="61"/>
+                                        </p:tgtEl>
+                                        <p:attrNameLst>
+                                          <p:attrName>style.visibility</p:attrName>
+                                        </p:attrNameLst>
+                                      </p:cBhvr>
+                                      <p:to>
+                                        <p:strVal val="visible"/>
+                                      </p:to>
+                                    </p:set>
+                                  </p:childTnLst>
+                                </p:cTn>
+                              </p:par>
+                              <p:par>
+                                <p:cTn id="55" presetID="1" presetClass="entr" presetSubtype="0" fill="hold" grpId="0" nodeType="withEffect">
+                                  <p:stCondLst>
+                                    <p:cond delay="0"/>
+                                  </p:stCondLst>
+                                  <p:childTnLst>
+                                    <p:set>
+                                      <p:cBhvr>
+                                        <p:cTn id="56" dur="1" fill="hold">
+                                          <p:stCondLst>
+                                            <p:cond delay="0"/>
+                                          </p:stCondLst>
+                                        </p:cTn>
+                                        <p:tgtEl>
+                                          <p:spTgt spid="47"/>
+                                        </p:tgtEl>
+                                        <p:attrNameLst>
+                                          <p:attrName>style.visibility</p:attrName>
+                                        </p:attrNameLst>
+                                      </p:cBhvr>
+                                      <p:to>
+                                        <p:strVal val="visible"/>
+                                      </p:to>
+                                    </p:set>
+                                  </p:childTnLst>
+                                </p:cTn>
+                              </p:par>
+                              <p:par>
+                                <p:cTn id="57" presetID="10" presetClass="entr" presetSubtype="0" fill="hold" grpId="0" nodeType="withEffect">
+                                  <p:stCondLst>
+                                    <p:cond delay="0"/>
+                                  </p:stCondLst>
+                                  <p:childTnLst>
+                                    <p:set>
+                                      <p:cBhvr>
+                                        <p:cTn id="58" dur="1" fill="hold">
+                                          <p:stCondLst>
+                                            <p:cond delay="0"/>
+                                          </p:stCondLst>
+                                        </p:cTn>
+                                        <p:tgtEl>
+                                          <p:spTgt spid="48"/>
+                                        </p:tgtEl>
+                                        <p:attrNameLst>
+                                          <p:attrName>style.visibility</p:attrName>
+                                        </p:attrNameLst>
+                                      </p:cBhvr>
+                                      <p:to>
+                                        <p:strVal val="visible"/>
+                                      </p:to>
+                                    </p:set>
+                                    <p:animEffect transition="in" filter="fade">
+                                      <p:cBhvr>
+                                        <p:cTn id="59" dur="1000"/>
+                                        <p:tgtEl>
+                                          <p:spTgt spid="48"/>
+                                        </p:tgtEl>
+                                      </p:cBhvr>
+                                    </p:animEffect>
+                                  </p:childTnLst>
+                                </p:cTn>
+                              </p:par>
+                              <p:par>
+                                <p:cTn id="60" presetID="10" presetClass="entr" presetSubtype="0" fill="hold" grpId="0" nodeType="withEffect">
+                                  <p:stCondLst>
+                                    <p:cond delay="0"/>
+                                  </p:stCondLst>
+                                  <p:childTnLst>
+                                    <p:set>
+                                      <p:cBhvr>
+                                        <p:cTn id="61" dur="1" fill="hold">
+                                          <p:stCondLst>
+                                            <p:cond delay="0"/>
+                                          </p:stCondLst>
+                                        </p:cTn>
+                                        <p:tgtEl>
+                                          <p:spTgt spid="49"/>
+                                        </p:tgtEl>
+                                        <p:attrNameLst>
+                                          <p:attrName>style.visibility</p:attrName>
+                                        </p:attrNameLst>
+                                      </p:cBhvr>
+                                      <p:to>
+                                        <p:strVal val="visible"/>
+                                      </p:to>
+                                    </p:set>
+                                    <p:animEffect transition="in" filter="fade">
+                                      <p:cBhvr>
+                                        <p:cTn id="62" dur="500"/>
+                                        <p:tgtEl>
+                                          <p:spTgt spid="49"/>
+                                        </p:tgtEl>
+                                      </p:cBhvr>
+                                    </p:animEffect>
+                                  </p:childTnLst>
+                                </p:cTn>
+                              </p:par>
+                              <p:par>
+                                <p:cTn id="63" presetID="10" presetClass="entr" presetSubtype="0" fill="hold" grpId="0" nodeType="withEffect">
+                                  <p:stCondLst>
+                                    <p:cond delay="0"/>
+                                  </p:stCondLst>
+                                  <p:childTnLst>
+                                    <p:set>
+                                      <p:cBhvr>
+                                        <p:cTn id="64" dur="1" fill="hold">
+                                          <p:stCondLst>
+                                            <p:cond delay="0"/>
+                                          </p:stCondLst>
+                                        </p:cTn>
+                                        <p:tgtEl>
+                                          <p:spTgt spid="50"/>
+                                        </p:tgtEl>
+                                        <p:attrNameLst>
+                                          <p:attrName>style.visibility</p:attrName>
+                                        </p:attrNameLst>
+                                      </p:cBhvr>
+                                      <p:to>
+                                        <p:strVal val="visible"/>
+                                      </p:to>
+                                    </p:set>
+                                    <p:animEffect transition="in" filter="fade">
+                                      <p:cBhvr>
+                                        <p:cTn id="65" dur="500"/>
+                                        <p:tgtEl>
+                                          <p:spTgt spid="50"/>
+                                        </p:tgtEl>
+                                      </p:cBhvr>
+                                    </p:animEffect>
+                                  </p:childTnLst>
+                                </p:cTn>
+                              </p:par>
+                              <p:par>
+                                <p:cTn id="66" presetID="10" presetClass="entr" presetSubtype="0" fill="hold" grpId="0" nodeType="withEffect">
+                                  <p:stCondLst>
+                                    <p:cond delay="0"/>
+                                  </p:stCondLst>
+                                  <p:childTnLst>
+                                    <p:set>
+                                      <p:cBhvr>
+                                        <p:cTn id="67" dur="1" fill="hold">
+                                          <p:stCondLst>
+                                            <p:cond delay="0"/>
+                                          </p:stCondLst>
+                                        </p:cTn>
+                                        <p:tgtEl>
+                                          <p:spTgt spid="51"/>
+                                        </p:tgtEl>
+                                        <p:attrNameLst>
+                                          <p:attrName>style.visibility</p:attrName>
+                                        </p:attrNameLst>
+                                      </p:cBhvr>
+                                      <p:to>
+                                        <p:strVal val="visible"/>
+                                      </p:to>
+                                    </p:set>
+                                    <p:animEffect transition="in" filter="fade">
+                                      <p:cBhvr>
+                                        <p:cTn id="68" dur="500"/>
+                                        <p:tgtEl>
+                                          <p:spTgt spid="51"/>
+                                        </p:tgtEl>
+                                      </p:cBhvr>
+                                    </p:animEffect>
+                                  </p:childTnLst>
+                                </p:cTn>
+                              </p:par>
+                              <p:par>
+                                <p:cTn id="69" presetID="10" presetClass="entr" presetSubtype="0" fill="hold" grpId="0" nodeType="withEffect">
+                                  <p:stCondLst>
+                                    <p:cond delay="0"/>
+                                  </p:stCondLst>
+                                  <p:childTnLst>
+                                    <p:set>
+                                      <p:cBhvr>
+                                        <p:cTn id="70" dur="1" fill="hold">
+                                          <p:stCondLst>
+                                            <p:cond delay="0"/>
+                                          </p:stCondLst>
+                                        </p:cTn>
+                                        <p:tgtEl>
+                                          <p:spTgt spid="52"/>
+                                        </p:tgtEl>
+                                        <p:attrNameLst>
+                                          <p:attrName>style.visibility</p:attrName>
+                                        </p:attrNameLst>
+                                      </p:cBhvr>
+                                      <p:to>
+                                        <p:strVal val="visible"/>
+                                      </p:to>
+                                    </p:set>
+                                    <p:animEffect transition="in" filter="fade">
+                                      <p:cBhvr>
+                                        <p:cTn id="71" dur="500"/>
+                                        <p:tgtEl>
+                                          <p:spTgt spid="52"/>
+                                        </p:tgtEl>
+                                      </p:cBhvr>
+                                    </p:animEffect>
+                                  </p:childTnLst>
+                                </p:cTn>
+                              </p:par>
+                              <p:par>
+                                <p:cTn id="72" presetID="10" presetClass="entr" presetSubtype="0" fill="hold" grpId="0" nodeType="withEffect">
+                                  <p:stCondLst>
+                                    <p:cond delay="0"/>
+                                  </p:stCondLst>
+                                  <p:childTnLst>
+                                    <p:set>
+                                      <p:cBhvr>
+                                        <p:cTn id="73" dur="1" fill="hold">
+                                          <p:stCondLst>
+                                            <p:cond delay="0"/>
+                                          </p:stCondLst>
+                                        </p:cTn>
+                                        <p:tgtEl>
+                                          <p:spTgt spid="53"/>
+                                        </p:tgtEl>
+                                        <p:attrNameLst>
+                                          <p:attrName>style.visibility</p:attrName>
+                                        </p:attrNameLst>
+                                      </p:cBhvr>
+                                      <p:to>
+                                        <p:strVal val="visible"/>
+                                      </p:to>
+                                    </p:set>
+                                    <p:animEffect transition="in" filter="fade">
+                                      <p:cBhvr>
+                                        <p:cTn id="74" dur="500"/>
+                                        <p:tgtEl>
+                                          <p:spTgt spid="53"/>
+                                        </p:tgtEl>
+                                      </p:cBhvr>
+                                    </p:animEffect>
+                                  </p:childTnLst>
+                                </p:cTn>
+                              </p:par>
+                              <p:par>
+                                <p:cTn id="75" presetID="10" presetClass="entr" presetSubtype="0" fill="hold" grpId="0" nodeType="withEffect">
+                                  <p:stCondLst>
+                                    <p:cond delay="0"/>
+                                  </p:stCondLst>
+                                  <p:childTnLst>
+                                    <p:set>
+                                      <p:cBhvr>
+                                        <p:cTn id="76" dur="1" fill="hold">
+                                          <p:stCondLst>
+                                            <p:cond delay="0"/>
+                                          </p:stCondLst>
+                                        </p:cTn>
+                                        <p:tgtEl>
+                                          <p:spTgt spid="54"/>
+                                        </p:tgtEl>
+                                        <p:attrNameLst>
+                                          <p:attrName>style.visibility</p:attrName>
+                                        </p:attrNameLst>
+                                      </p:cBhvr>
+                                      <p:to>
+                                        <p:strVal val="visible"/>
+                                      </p:to>
+                                    </p:set>
+                                    <p:animEffect transition="in" filter="fade">
+                                      <p:cBhvr>
+                                        <p:cTn id="77" dur="500"/>
+                                        <p:tgtEl>
+                                          <p:spTgt spid="54"/>
+                                        </p:tgtEl>
+                                      </p:cBhvr>
+                                    </p:animEffect>
+                                  </p:childTnLst>
+                                </p:cTn>
+                              </p:par>
+                              <p:par>
+                                <p:cTn id="78" presetID="10" presetClass="entr" presetSubtype="0" fill="hold" grpId="0" nodeType="withEffect">
+                                  <p:stCondLst>
+                                    <p:cond delay="0"/>
+                                  </p:stCondLst>
+                                  <p:childTnLst>
+                                    <p:set>
+                                      <p:cBhvr>
+                                        <p:cTn id="79" dur="1" fill="hold">
+                                          <p:stCondLst>
+                                            <p:cond delay="0"/>
+                                          </p:stCondLst>
+                                        </p:cTn>
+                                        <p:tgtEl>
+                                          <p:spTgt spid="55"/>
+                                        </p:tgtEl>
+                                        <p:attrNameLst>
+                                          <p:attrName>style.visibility</p:attrName>
+                                        </p:attrNameLst>
+                                      </p:cBhvr>
+                                      <p:to>
+                                        <p:strVal val="visible"/>
+                                      </p:to>
+                                    </p:set>
+                                    <p:animEffect transition="in" filter="fade">
+                                      <p:cBhvr>
+                                        <p:cTn id="80" dur="500"/>
+                                        <p:tgtEl>
+                                          <p:spTgt spid="55"/>
+                                        </p:tgtEl>
+                                      </p:cBhvr>
+                                    </p:animEffect>
+                                  </p:childTnLst>
+                                </p:cTn>
+                              </p:par>
+                            </p:childTnLst>
+                          </p:cTn>
+                        </p:par>
+                      </p:childTnLst>
+                    </p:cTn>
+                  </p:par>
+                </p:childTnLst>
+              </p:cTn>
+              <p:prevCondLst>
+                <p:cond evt="onPrev" delay="0">
+                  <p:tgtEl>
+                    <p:sldTgt/>
+                  </p:tgtEl>
+                </p:cond>
+              </p:prevCondLst>
+              <p:nextCondLst>
+                <p:cond evt="onNext" delay="0">
+                  <p:tgtEl>
+                    <p:sldTgt/>
+                  </p:tgtEl>
+                </p:cond>
+              </p:nextCondLst>
+            </p:seq>
+          </p:childTnLst>
+        </p:cTn>
+      </p:par>
+    </p:tnLst>
+    <p:bldLst>
+      <p:bldP spid="18" grpId="0"/>
+      <p:bldP spid="19" grpId="0"/>
+      <p:bldP spid="20" grpId="0"/>
+      <p:bldP spid="39" grpId="0"/>
+      <p:bldP spid="40" grpId="0"/>
+      <p:bldP spid="41" grpId="0"/>
+      <p:bldP spid="45" grpId="0"/>
+      <p:bldP spid="46" grpId="0"/>
+      <p:bldP spid="47" grpId="0"/>
+      <p:bldP spid="48" grpId="0"/>
+      <p:bldP spid="49" grpId="0"/>
+      <p:bldP spid="50" grpId="0"/>
+      <p:bldP spid="51" grpId="0"/>
+      <p:bldP spid="52" grpId="0"/>
+      <p:bldP spid="53" grpId="0"/>
+      <p:bldP spid="54" grpId="0"/>
+      <p:bldP spid="55" grpId="0"/>
+      <p:bldP spid="56" grpId="0"/>
+      <p:bldP spid="5" grpId="0"/>
+    </p:bldLst>
+  </p:timing>
 </p:sld>
 </file>
 
@@ -14479,6 +15966,289 @@
   <p:clrMapOvr>
     <a:masterClrMapping/>
   </p:clrMapOvr>
+  <p:timing>
+    <p:tnLst>
+      <p:par>
+        <p:cTn id="1" dur="indefinite" restart="never" nodeType="tmRoot">
+          <p:childTnLst>
+            <p:seq concurrent="1" nextAc="seek">
+              <p:cTn id="2" dur="indefinite" nodeType="mainSeq">
+                <p:childTnLst>
+                  <p:par>
+                    <p:cTn id="3" fill="hold">
+                      <p:stCondLst>
+                        <p:cond delay="indefinite"/>
+                      </p:stCondLst>
+                      <p:childTnLst>
+                        <p:par>
+                          <p:cTn id="4" fill="hold">
+                            <p:stCondLst>
+                              <p:cond delay="0"/>
+                            </p:stCondLst>
+                            <p:childTnLst>
+                              <p:par>
+                                <p:cTn id="5" presetID="1" presetClass="entr" presetSubtype="0" fill="hold" nodeType="clickEffect">
+                                  <p:stCondLst>
+                                    <p:cond delay="0"/>
+                                  </p:stCondLst>
+                                  <p:childTnLst>
+                                    <p:set>
+                                      <p:cBhvr>
+                                        <p:cTn id="6" dur="1" fill="hold">
+                                          <p:stCondLst>
+                                            <p:cond delay="0"/>
+                                          </p:stCondLst>
+                                        </p:cTn>
+                                        <p:tgtEl>
+                                          <p:spTgt spid="3">
+                                            <p:txEl>
+                                              <p:pRg st="2" end="2"/>
+                                            </p:txEl>
+                                          </p:spTgt>
+                                        </p:tgtEl>
+                                        <p:attrNameLst>
+                                          <p:attrName>style.visibility</p:attrName>
+                                        </p:attrNameLst>
+                                      </p:cBhvr>
+                                      <p:to>
+                                        <p:strVal val="visible"/>
+                                      </p:to>
+                                    </p:set>
+                                  </p:childTnLst>
+                                </p:cTn>
+                              </p:par>
+                              <p:par>
+                                <p:cTn id="7" presetID="1" presetClass="entr" presetSubtype="0" fill="hold" nodeType="withEffect">
+                                  <p:stCondLst>
+                                    <p:cond delay="0"/>
+                                  </p:stCondLst>
+                                  <p:childTnLst>
+                                    <p:set>
+                                      <p:cBhvr>
+                                        <p:cTn id="8" dur="1" fill="hold">
+                                          <p:stCondLst>
+                                            <p:cond delay="0"/>
+                                          </p:stCondLst>
+                                        </p:cTn>
+                                        <p:tgtEl>
+                                          <p:spTgt spid="3">
+                                            <p:txEl>
+                                              <p:pRg st="3" end="3"/>
+                                            </p:txEl>
+                                          </p:spTgt>
+                                        </p:tgtEl>
+                                        <p:attrNameLst>
+                                          <p:attrName>style.visibility</p:attrName>
+                                        </p:attrNameLst>
+                                      </p:cBhvr>
+                                      <p:to>
+                                        <p:strVal val="visible"/>
+                                      </p:to>
+                                    </p:set>
+                                  </p:childTnLst>
+                                </p:cTn>
+                              </p:par>
+                              <p:par>
+                                <p:cTn id="9" presetID="1" presetClass="entr" presetSubtype="0" fill="hold" nodeType="withEffect">
+                                  <p:stCondLst>
+                                    <p:cond delay="0"/>
+                                  </p:stCondLst>
+                                  <p:childTnLst>
+                                    <p:set>
+                                      <p:cBhvr>
+                                        <p:cTn id="10" dur="1" fill="hold">
+                                          <p:stCondLst>
+                                            <p:cond delay="0"/>
+                                          </p:stCondLst>
+                                        </p:cTn>
+                                        <p:tgtEl>
+                                          <p:spTgt spid="3">
+                                            <p:txEl>
+                                              <p:pRg st="4" end="4"/>
+                                            </p:txEl>
+                                          </p:spTgt>
+                                        </p:tgtEl>
+                                        <p:attrNameLst>
+                                          <p:attrName>style.visibility</p:attrName>
+                                        </p:attrNameLst>
+                                      </p:cBhvr>
+                                      <p:to>
+                                        <p:strVal val="visible"/>
+                                      </p:to>
+                                    </p:set>
+                                  </p:childTnLst>
+                                </p:cTn>
+                              </p:par>
+                              <p:par>
+                                <p:cTn id="11" presetID="1" presetClass="entr" presetSubtype="0" fill="hold" nodeType="withEffect">
+                                  <p:stCondLst>
+                                    <p:cond delay="0"/>
+                                  </p:stCondLst>
+                                  <p:childTnLst>
+                                    <p:set>
+                                      <p:cBhvr>
+                                        <p:cTn id="12" dur="1" fill="hold">
+                                          <p:stCondLst>
+                                            <p:cond delay="0"/>
+                                          </p:stCondLst>
+                                        </p:cTn>
+                                        <p:tgtEl>
+                                          <p:spTgt spid="3">
+                                            <p:txEl>
+                                              <p:pRg st="5" end="5"/>
+                                            </p:txEl>
+                                          </p:spTgt>
+                                        </p:tgtEl>
+                                        <p:attrNameLst>
+                                          <p:attrName>style.visibility</p:attrName>
+                                        </p:attrNameLst>
+                                      </p:cBhvr>
+                                      <p:to>
+                                        <p:strVal val="visible"/>
+                                      </p:to>
+                                    </p:set>
+                                  </p:childTnLst>
+                                </p:cTn>
+                              </p:par>
+                            </p:childTnLst>
+                          </p:cTn>
+                        </p:par>
+                      </p:childTnLst>
+                    </p:cTn>
+                  </p:par>
+                  <p:par>
+                    <p:cTn id="13" fill="hold">
+                      <p:stCondLst>
+                        <p:cond delay="indefinite"/>
+                      </p:stCondLst>
+                      <p:childTnLst>
+                        <p:par>
+                          <p:cTn id="14" fill="hold">
+                            <p:stCondLst>
+                              <p:cond delay="0"/>
+                            </p:stCondLst>
+                            <p:childTnLst>
+                              <p:par>
+                                <p:cTn id="15" presetID="1" presetClass="entr" presetSubtype="0" fill="hold" nodeType="clickEffect">
+                                  <p:stCondLst>
+                                    <p:cond delay="0"/>
+                                  </p:stCondLst>
+                                  <p:childTnLst>
+                                    <p:set>
+                                      <p:cBhvr>
+                                        <p:cTn id="16" dur="1" fill="hold">
+                                          <p:stCondLst>
+                                            <p:cond delay="0"/>
+                                          </p:stCondLst>
+                                        </p:cTn>
+                                        <p:tgtEl>
+                                          <p:spTgt spid="3">
+                                            <p:txEl>
+                                              <p:pRg st="7" end="7"/>
+                                            </p:txEl>
+                                          </p:spTgt>
+                                        </p:tgtEl>
+                                        <p:attrNameLst>
+                                          <p:attrName>style.visibility</p:attrName>
+                                        </p:attrNameLst>
+                                      </p:cBhvr>
+                                      <p:to>
+                                        <p:strVal val="visible"/>
+                                      </p:to>
+                                    </p:set>
+                                  </p:childTnLst>
+                                </p:cTn>
+                              </p:par>
+                              <p:par>
+                                <p:cTn id="17" presetID="1" presetClass="entr" presetSubtype="0" fill="hold" nodeType="withEffect">
+                                  <p:stCondLst>
+                                    <p:cond delay="0"/>
+                                  </p:stCondLst>
+                                  <p:childTnLst>
+                                    <p:set>
+                                      <p:cBhvr>
+                                        <p:cTn id="18" dur="1" fill="hold">
+                                          <p:stCondLst>
+                                            <p:cond delay="0"/>
+                                          </p:stCondLst>
+                                        </p:cTn>
+                                        <p:tgtEl>
+                                          <p:spTgt spid="3">
+                                            <p:txEl>
+                                              <p:pRg st="8" end="8"/>
+                                            </p:txEl>
+                                          </p:spTgt>
+                                        </p:tgtEl>
+                                        <p:attrNameLst>
+                                          <p:attrName>style.visibility</p:attrName>
+                                        </p:attrNameLst>
+                                      </p:cBhvr>
+                                      <p:to>
+                                        <p:strVal val="visible"/>
+                                      </p:to>
+                                    </p:set>
+                                  </p:childTnLst>
+                                </p:cTn>
+                              </p:par>
+                              <p:par>
+                                <p:cTn id="19" presetID="1" presetClass="entr" presetSubtype="0" fill="hold" nodeType="withEffect">
+                                  <p:stCondLst>
+                                    <p:cond delay="0"/>
+                                  </p:stCondLst>
+                                  <p:childTnLst>
+                                    <p:set>
+                                      <p:cBhvr>
+                                        <p:cTn id="20" dur="1" fill="hold">
+                                          <p:stCondLst>
+                                            <p:cond delay="0"/>
+                                          </p:stCondLst>
+                                        </p:cTn>
+                                        <p:tgtEl>
+                                          <p:spTgt spid="3">
+                                            <p:txEl>
+                                              <p:pRg st="9" end="9"/>
+                                            </p:txEl>
+                                          </p:spTgt>
+                                        </p:tgtEl>
+                                        <p:attrNameLst>
+                                          <p:attrName>style.visibility</p:attrName>
+                                        </p:attrNameLst>
+                                      </p:cBhvr>
+                                      <p:to>
+                                        <p:strVal val="visible"/>
+                                      </p:to>
+                                    </p:set>
+                                  </p:childTnLst>
+                                </p:cTn>
+                              </p:par>
+                            </p:childTnLst>
+                          </p:cTn>
+                        </p:par>
+                      </p:childTnLst>
+                    </p:cTn>
+                  </p:par>
+                </p:childTnLst>
+              </p:cTn>
+              <p:prevCondLst>
+                <p:cond evt="onPrev" delay="0">
+                  <p:tgtEl>
+                    <p:sldTgt/>
+                  </p:tgtEl>
+                </p:cond>
+              </p:prevCondLst>
+              <p:nextCondLst>
+                <p:cond evt="onNext" delay="0">
+                  <p:tgtEl>
+                    <p:sldTgt/>
+                  </p:tgtEl>
+                </p:cond>
+              </p:nextCondLst>
+            </p:seq>
+          </p:childTnLst>
+        </p:cTn>
+      </p:par>
+    </p:tnLst>
+  </p:timing>
 </p:sld>
 </file>
 
@@ -19938,6 +21708,719 @@
   <p:clrMapOvr>
     <a:masterClrMapping/>
   </p:clrMapOvr>
+  <p:timing>
+    <p:tnLst>
+      <p:par>
+        <p:cTn id="1" dur="indefinite" restart="never" nodeType="tmRoot">
+          <p:childTnLst>
+            <p:seq concurrent="1" nextAc="seek">
+              <p:cTn id="2" dur="indefinite" nodeType="mainSeq">
+                <p:childTnLst>
+                  <p:par>
+                    <p:cTn id="3" fill="hold">
+                      <p:stCondLst>
+                        <p:cond delay="indefinite"/>
+                      </p:stCondLst>
+                      <p:childTnLst>
+                        <p:par>
+                          <p:cTn id="4" fill="hold">
+                            <p:stCondLst>
+                              <p:cond delay="0"/>
+                            </p:stCondLst>
+                            <p:childTnLst>
+                              <p:par>
+                                <p:cTn id="5" presetID="1" presetClass="entr" presetSubtype="0" fill="hold" grpId="0" nodeType="clickEffect">
+                                  <p:stCondLst>
+                                    <p:cond delay="0"/>
+                                  </p:stCondLst>
+                                  <p:childTnLst>
+                                    <p:set>
+                                      <p:cBhvr>
+                                        <p:cTn id="6" dur="1" fill="hold">
+                                          <p:stCondLst>
+                                            <p:cond delay="0"/>
+                                          </p:stCondLst>
+                                        </p:cTn>
+                                        <p:tgtEl>
+                                          <p:spTgt spid="19"/>
+                                        </p:tgtEl>
+                                        <p:attrNameLst>
+                                          <p:attrName>style.visibility</p:attrName>
+                                        </p:attrNameLst>
+                                      </p:cBhvr>
+                                      <p:to>
+                                        <p:strVal val="visible"/>
+                                      </p:to>
+                                    </p:set>
+                                  </p:childTnLst>
+                                </p:cTn>
+                              </p:par>
+                              <p:par>
+                                <p:cTn id="7" presetID="1" presetClass="entr" presetSubtype="0" fill="hold" nodeType="withEffect">
+                                  <p:stCondLst>
+                                    <p:cond delay="0"/>
+                                  </p:stCondLst>
+                                  <p:childTnLst>
+                                    <p:set>
+                                      <p:cBhvr>
+                                        <p:cTn id="8" dur="1" fill="hold">
+                                          <p:stCondLst>
+                                            <p:cond delay="0"/>
+                                          </p:stCondLst>
+                                        </p:cTn>
+                                        <p:tgtEl>
+                                          <p:spTgt spid="13"/>
+                                        </p:tgtEl>
+                                        <p:attrNameLst>
+                                          <p:attrName>style.visibility</p:attrName>
+                                        </p:attrNameLst>
+                                      </p:cBhvr>
+                                      <p:to>
+                                        <p:strVal val="visible"/>
+                                      </p:to>
+                                    </p:set>
+                                  </p:childTnLst>
+                                </p:cTn>
+                              </p:par>
+                              <p:par>
+                                <p:cTn id="9" presetID="1" presetClass="entr" presetSubtype="0" fill="hold" nodeType="withEffect">
+                                  <p:stCondLst>
+                                    <p:cond delay="0"/>
+                                  </p:stCondLst>
+                                  <p:childTnLst>
+                                    <p:set>
+                                      <p:cBhvr>
+                                        <p:cTn id="10" dur="1" fill="hold">
+                                          <p:stCondLst>
+                                            <p:cond delay="0"/>
+                                          </p:stCondLst>
+                                        </p:cTn>
+                                        <p:tgtEl>
+                                          <p:spTgt spid="15"/>
+                                        </p:tgtEl>
+                                        <p:attrNameLst>
+                                          <p:attrName>style.visibility</p:attrName>
+                                        </p:attrNameLst>
+                                      </p:cBhvr>
+                                      <p:to>
+                                        <p:strVal val="visible"/>
+                                      </p:to>
+                                    </p:set>
+                                  </p:childTnLst>
+                                </p:cTn>
+                              </p:par>
+                              <p:par>
+                                <p:cTn id="11" presetID="1" presetClass="entr" presetSubtype="0" fill="hold" nodeType="withEffect">
+                                  <p:stCondLst>
+                                    <p:cond delay="0"/>
+                                  </p:stCondLst>
+                                  <p:childTnLst>
+                                    <p:set>
+                                      <p:cBhvr>
+                                        <p:cTn id="12" dur="1" fill="hold">
+                                          <p:stCondLst>
+                                            <p:cond delay="0"/>
+                                          </p:stCondLst>
+                                        </p:cTn>
+                                        <p:tgtEl>
+                                          <p:spTgt spid="5"/>
+                                        </p:tgtEl>
+                                        <p:attrNameLst>
+                                          <p:attrName>style.visibility</p:attrName>
+                                        </p:attrNameLst>
+                                      </p:cBhvr>
+                                      <p:to>
+                                        <p:strVal val="visible"/>
+                                      </p:to>
+                                    </p:set>
+                                  </p:childTnLst>
+                                </p:cTn>
+                              </p:par>
+                            </p:childTnLst>
+                          </p:cTn>
+                        </p:par>
+                      </p:childTnLst>
+                    </p:cTn>
+                  </p:par>
+                  <p:par>
+                    <p:cTn id="13" fill="hold">
+                      <p:stCondLst>
+                        <p:cond delay="indefinite"/>
+                      </p:stCondLst>
+                      <p:childTnLst>
+                        <p:par>
+                          <p:cTn id="14" fill="hold">
+                            <p:stCondLst>
+                              <p:cond delay="0"/>
+                            </p:stCondLst>
+                            <p:childTnLst>
+                              <p:par>
+                                <p:cTn id="15" presetID="1" presetClass="entr" presetSubtype="0" fill="hold" grpId="0" nodeType="clickEffect">
+                                  <p:stCondLst>
+                                    <p:cond delay="0"/>
+                                  </p:stCondLst>
+                                  <p:childTnLst>
+                                    <p:set>
+                                      <p:cBhvr>
+                                        <p:cTn id="16" dur="1" fill="hold">
+                                          <p:stCondLst>
+                                            <p:cond delay="0"/>
+                                          </p:stCondLst>
+                                        </p:cTn>
+                                        <p:tgtEl>
+                                          <p:spTgt spid="18"/>
+                                        </p:tgtEl>
+                                        <p:attrNameLst>
+                                          <p:attrName>style.visibility</p:attrName>
+                                        </p:attrNameLst>
+                                      </p:cBhvr>
+                                      <p:to>
+                                        <p:strVal val="visible"/>
+                                      </p:to>
+                                    </p:set>
+                                  </p:childTnLst>
+                                </p:cTn>
+                              </p:par>
+                              <p:par>
+                                <p:cTn id="17" presetID="1" presetClass="entr" presetSubtype="0" fill="hold" grpId="0" nodeType="withEffect">
+                                  <p:stCondLst>
+                                    <p:cond delay="0"/>
+                                  </p:stCondLst>
+                                  <p:childTnLst>
+                                    <p:set>
+                                      <p:cBhvr>
+                                        <p:cTn id="18" dur="1" fill="hold">
+                                          <p:stCondLst>
+                                            <p:cond delay="0"/>
+                                          </p:stCondLst>
+                                        </p:cTn>
+                                        <p:tgtEl>
+                                          <p:spTgt spid="12"/>
+                                        </p:tgtEl>
+                                        <p:attrNameLst>
+                                          <p:attrName>style.visibility</p:attrName>
+                                        </p:attrNameLst>
+                                      </p:cBhvr>
+                                      <p:to>
+                                        <p:strVal val="visible"/>
+                                      </p:to>
+                                    </p:set>
+                                  </p:childTnLst>
+                                </p:cTn>
+                              </p:par>
+                              <p:par>
+                                <p:cTn id="19" presetID="1" presetClass="entr" presetSubtype="0" fill="hold" grpId="0" nodeType="withEffect">
+                                  <p:stCondLst>
+                                    <p:cond delay="0"/>
+                                  </p:stCondLst>
+                                  <p:childTnLst>
+                                    <p:set>
+                                      <p:cBhvr>
+                                        <p:cTn id="20" dur="1" fill="hold">
+                                          <p:stCondLst>
+                                            <p:cond delay="0"/>
+                                          </p:stCondLst>
+                                        </p:cTn>
+                                        <p:tgtEl>
+                                          <p:spTgt spid="11"/>
+                                        </p:tgtEl>
+                                        <p:attrNameLst>
+                                          <p:attrName>style.visibility</p:attrName>
+                                        </p:attrNameLst>
+                                      </p:cBhvr>
+                                      <p:to>
+                                        <p:strVal val="visible"/>
+                                      </p:to>
+                                    </p:set>
+                                  </p:childTnLst>
+                                </p:cTn>
+                              </p:par>
+                              <p:par>
+                                <p:cTn id="21" presetID="1" presetClass="entr" presetSubtype="0" fill="hold" grpId="0" nodeType="withEffect">
+                                  <p:stCondLst>
+                                    <p:cond delay="0"/>
+                                  </p:stCondLst>
+                                  <p:childTnLst>
+                                    <p:set>
+                                      <p:cBhvr>
+                                        <p:cTn id="22" dur="1" fill="hold">
+                                          <p:stCondLst>
+                                            <p:cond delay="0"/>
+                                          </p:stCondLst>
+                                        </p:cTn>
+                                        <p:tgtEl>
+                                          <p:spTgt spid="10"/>
+                                        </p:tgtEl>
+                                        <p:attrNameLst>
+                                          <p:attrName>style.visibility</p:attrName>
+                                        </p:attrNameLst>
+                                      </p:cBhvr>
+                                      <p:to>
+                                        <p:strVal val="visible"/>
+                                      </p:to>
+                                    </p:set>
+                                  </p:childTnLst>
+                                </p:cTn>
+                              </p:par>
+                            </p:childTnLst>
+                          </p:cTn>
+                        </p:par>
+                      </p:childTnLst>
+                    </p:cTn>
+                  </p:par>
+                  <p:par>
+                    <p:cTn id="23" fill="hold">
+                      <p:stCondLst>
+                        <p:cond delay="indefinite"/>
+                      </p:stCondLst>
+                      <p:childTnLst>
+                        <p:par>
+                          <p:cTn id="24" fill="hold">
+                            <p:stCondLst>
+                              <p:cond delay="0"/>
+                            </p:stCondLst>
+                            <p:childTnLst>
+                              <p:par>
+                                <p:cTn id="25" presetID="1" presetClass="entr" presetSubtype="0" fill="hold" nodeType="clickEffect">
+                                  <p:stCondLst>
+                                    <p:cond delay="0"/>
+                                  </p:stCondLst>
+                                  <p:childTnLst>
+                                    <p:set>
+                                      <p:cBhvr>
+                                        <p:cTn id="26" dur="1" fill="hold">
+                                          <p:stCondLst>
+                                            <p:cond delay="0"/>
+                                          </p:stCondLst>
+                                        </p:cTn>
+                                        <p:tgtEl>
+                                          <p:spTgt spid="20"/>
+                                        </p:tgtEl>
+                                        <p:attrNameLst>
+                                          <p:attrName>style.visibility</p:attrName>
+                                        </p:attrNameLst>
+                                      </p:cBhvr>
+                                      <p:to>
+                                        <p:strVal val="visible"/>
+                                      </p:to>
+                                    </p:set>
+                                  </p:childTnLst>
+                                </p:cTn>
+                              </p:par>
+                              <p:par>
+                                <p:cTn id="27" presetID="1" presetClass="entr" presetSubtype="0" fill="hold" nodeType="withEffect">
+                                  <p:stCondLst>
+                                    <p:cond delay="0"/>
+                                  </p:stCondLst>
+                                  <p:childTnLst>
+                                    <p:set>
+                                      <p:cBhvr>
+                                        <p:cTn id="28" dur="1" fill="hold">
+                                          <p:stCondLst>
+                                            <p:cond delay="0"/>
+                                          </p:stCondLst>
+                                        </p:cTn>
+                                        <p:tgtEl>
+                                          <p:spTgt spid="21"/>
+                                        </p:tgtEl>
+                                        <p:attrNameLst>
+                                          <p:attrName>style.visibility</p:attrName>
+                                        </p:attrNameLst>
+                                      </p:cBhvr>
+                                      <p:to>
+                                        <p:strVal val="visible"/>
+                                      </p:to>
+                                    </p:set>
+                                  </p:childTnLst>
+                                </p:cTn>
+                              </p:par>
+                              <p:par>
+                                <p:cTn id="29" presetID="1" presetClass="entr" presetSubtype="0" fill="hold" nodeType="withEffect">
+                                  <p:stCondLst>
+                                    <p:cond delay="0"/>
+                                  </p:stCondLst>
+                                  <p:childTnLst>
+                                    <p:set>
+                                      <p:cBhvr>
+                                        <p:cTn id="30" dur="1" fill="hold">
+                                          <p:stCondLst>
+                                            <p:cond delay="0"/>
+                                          </p:stCondLst>
+                                        </p:cTn>
+                                        <p:tgtEl>
+                                          <p:spTgt spid="22"/>
+                                        </p:tgtEl>
+                                        <p:attrNameLst>
+                                          <p:attrName>style.visibility</p:attrName>
+                                        </p:attrNameLst>
+                                      </p:cBhvr>
+                                      <p:to>
+                                        <p:strVal val="visible"/>
+                                      </p:to>
+                                    </p:set>
+                                  </p:childTnLst>
+                                </p:cTn>
+                              </p:par>
+                              <p:par>
+                                <p:cTn id="31" presetID="1" presetClass="entr" presetSubtype="0" fill="hold" nodeType="withEffect">
+                                  <p:stCondLst>
+                                    <p:cond delay="0"/>
+                                  </p:stCondLst>
+                                  <p:childTnLst>
+                                    <p:set>
+                                      <p:cBhvr>
+                                        <p:cTn id="32" dur="1" fill="hold">
+                                          <p:stCondLst>
+                                            <p:cond delay="0"/>
+                                          </p:stCondLst>
+                                        </p:cTn>
+                                        <p:tgtEl>
+                                          <p:spTgt spid="23"/>
+                                        </p:tgtEl>
+                                        <p:attrNameLst>
+                                          <p:attrName>style.visibility</p:attrName>
+                                        </p:attrNameLst>
+                                      </p:cBhvr>
+                                      <p:to>
+                                        <p:strVal val="visible"/>
+                                      </p:to>
+                                    </p:set>
+                                  </p:childTnLst>
+                                </p:cTn>
+                              </p:par>
+                              <p:par>
+                                <p:cTn id="33" presetID="1" presetClass="entr" presetSubtype="0" fill="hold" grpId="0" nodeType="withEffect">
+                                  <p:stCondLst>
+                                    <p:cond delay="0"/>
+                                  </p:stCondLst>
+                                  <p:childTnLst>
+                                    <p:set>
+                                      <p:cBhvr>
+                                        <p:cTn id="34" dur="1" fill="hold">
+                                          <p:stCondLst>
+                                            <p:cond delay="0"/>
+                                          </p:stCondLst>
+                                        </p:cTn>
+                                        <p:tgtEl>
+                                          <p:spTgt spid="16"/>
+                                        </p:tgtEl>
+                                        <p:attrNameLst>
+                                          <p:attrName>style.visibility</p:attrName>
+                                        </p:attrNameLst>
+                                      </p:cBhvr>
+                                      <p:to>
+                                        <p:strVal val="visible"/>
+                                      </p:to>
+                                    </p:set>
+                                  </p:childTnLst>
+                                </p:cTn>
+                              </p:par>
+                              <p:par>
+                                <p:cTn id="35" presetID="1" presetClass="entr" presetSubtype="0" fill="hold" grpId="0" nodeType="withEffect">
+                                  <p:stCondLst>
+                                    <p:cond delay="0"/>
+                                  </p:stCondLst>
+                                  <p:childTnLst>
+                                    <p:set>
+                                      <p:cBhvr>
+                                        <p:cTn id="36" dur="1" fill="hold">
+                                          <p:stCondLst>
+                                            <p:cond delay="0"/>
+                                          </p:stCondLst>
+                                        </p:cTn>
+                                        <p:tgtEl>
+                                          <p:spTgt spid="17"/>
+                                        </p:tgtEl>
+                                        <p:attrNameLst>
+                                          <p:attrName>style.visibility</p:attrName>
+                                        </p:attrNameLst>
+                                      </p:cBhvr>
+                                      <p:to>
+                                        <p:strVal val="visible"/>
+                                      </p:to>
+                                    </p:set>
+                                  </p:childTnLst>
+                                </p:cTn>
+                              </p:par>
+                              <p:par>
+                                <p:cTn id="37" presetID="1" presetClass="entr" presetSubtype="0" fill="hold" grpId="0" nodeType="withEffect">
+                                  <p:stCondLst>
+                                    <p:cond delay="0"/>
+                                  </p:stCondLst>
+                                  <p:childTnLst>
+                                    <p:set>
+                                      <p:cBhvr>
+                                        <p:cTn id="38" dur="1" fill="hold">
+                                          <p:stCondLst>
+                                            <p:cond delay="0"/>
+                                          </p:stCondLst>
+                                        </p:cTn>
+                                        <p:tgtEl>
+                                          <p:spTgt spid="24"/>
+                                        </p:tgtEl>
+                                        <p:attrNameLst>
+                                          <p:attrName>style.visibility</p:attrName>
+                                        </p:attrNameLst>
+                                      </p:cBhvr>
+                                      <p:to>
+                                        <p:strVal val="visible"/>
+                                      </p:to>
+                                    </p:set>
+                                  </p:childTnLst>
+                                </p:cTn>
+                              </p:par>
+                              <p:par>
+                                <p:cTn id="39" presetID="1" presetClass="entr" presetSubtype="0" fill="hold" grpId="0" nodeType="withEffect">
+                                  <p:stCondLst>
+                                    <p:cond delay="0"/>
+                                  </p:stCondLst>
+                                  <p:childTnLst>
+                                    <p:set>
+                                      <p:cBhvr>
+                                        <p:cTn id="40" dur="1" fill="hold">
+                                          <p:stCondLst>
+                                            <p:cond delay="0"/>
+                                          </p:stCondLst>
+                                        </p:cTn>
+                                        <p:tgtEl>
+                                          <p:spTgt spid="25"/>
+                                        </p:tgtEl>
+                                        <p:attrNameLst>
+                                          <p:attrName>style.visibility</p:attrName>
+                                        </p:attrNameLst>
+                                      </p:cBhvr>
+                                      <p:to>
+                                        <p:strVal val="visible"/>
+                                      </p:to>
+                                    </p:set>
+                                  </p:childTnLst>
+                                </p:cTn>
+                              </p:par>
+                              <p:par>
+                                <p:cTn id="41" presetID="1" presetClass="entr" presetSubtype="0" fill="hold" grpId="0" nodeType="withEffect">
+                                  <p:stCondLst>
+                                    <p:cond delay="0"/>
+                                  </p:stCondLst>
+                                  <p:childTnLst>
+                                    <p:set>
+                                      <p:cBhvr>
+                                        <p:cTn id="42" dur="1" fill="hold">
+                                          <p:stCondLst>
+                                            <p:cond delay="0"/>
+                                          </p:stCondLst>
+                                        </p:cTn>
+                                        <p:tgtEl>
+                                          <p:spTgt spid="26"/>
+                                        </p:tgtEl>
+                                        <p:attrNameLst>
+                                          <p:attrName>style.visibility</p:attrName>
+                                        </p:attrNameLst>
+                                      </p:cBhvr>
+                                      <p:to>
+                                        <p:strVal val="visible"/>
+                                      </p:to>
+                                    </p:set>
+                                  </p:childTnLst>
+                                </p:cTn>
+                              </p:par>
+                              <p:par>
+                                <p:cTn id="43" presetID="1" presetClass="entr" presetSubtype="0" fill="hold" grpId="0" nodeType="withEffect">
+                                  <p:stCondLst>
+                                    <p:cond delay="0"/>
+                                  </p:stCondLst>
+                                  <p:childTnLst>
+                                    <p:set>
+                                      <p:cBhvr>
+                                        <p:cTn id="44" dur="1" fill="hold">
+                                          <p:stCondLst>
+                                            <p:cond delay="0"/>
+                                          </p:stCondLst>
+                                        </p:cTn>
+                                        <p:tgtEl>
+                                          <p:spTgt spid="27"/>
+                                        </p:tgtEl>
+                                        <p:attrNameLst>
+                                          <p:attrName>style.visibility</p:attrName>
+                                        </p:attrNameLst>
+                                      </p:cBhvr>
+                                      <p:to>
+                                        <p:strVal val="visible"/>
+                                      </p:to>
+                                    </p:set>
+                                  </p:childTnLst>
+                                </p:cTn>
+                              </p:par>
+                              <p:par>
+                                <p:cTn id="45" presetID="1" presetClass="entr" presetSubtype="0" fill="hold" grpId="0" nodeType="withEffect">
+                                  <p:stCondLst>
+                                    <p:cond delay="0"/>
+                                  </p:stCondLst>
+                                  <p:childTnLst>
+                                    <p:set>
+                                      <p:cBhvr>
+                                        <p:cTn id="46" dur="1" fill="hold">
+                                          <p:stCondLst>
+                                            <p:cond delay="0"/>
+                                          </p:stCondLst>
+                                        </p:cTn>
+                                        <p:tgtEl>
+                                          <p:spTgt spid="28"/>
+                                        </p:tgtEl>
+                                        <p:attrNameLst>
+                                          <p:attrName>style.visibility</p:attrName>
+                                        </p:attrNameLst>
+                                      </p:cBhvr>
+                                      <p:to>
+                                        <p:strVal val="visible"/>
+                                      </p:to>
+                                    </p:set>
+                                  </p:childTnLst>
+                                </p:cTn>
+                              </p:par>
+                              <p:par>
+                                <p:cTn id="47" presetID="1" presetClass="entr" presetSubtype="0" fill="hold" grpId="0" nodeType="withEffect">
+                                  <p:stCondLst>
+                                    <p:cond delay="0"/>
+                                  </p:stCondLst>
+                                  <p:childTnLst>
+                                    <p:set>
+                                      <p:cBhvr>
+                                        <p:cTn id="48" dur="1" fill="hold">
+                                          <p:stCondLst>
+                                            <p:cond delay="0"/>
+                                          </p:stCondLst>
+                                        </p:cTn>
+                                        <p:tgtEl>
+                                          <p:spTgt spid="29"/>
+                                        </p:tgtEl>
+                                        <p:attrNameLst>
+                                          <p:attrName>style.visibility</p:attrName>
+                                        </p:attrNameLst>
+                                      </p:cBhvr>
+                                      <p:to>
+                                        <p:strVal val="visible"/>
+                                      </p:to>
+                                    </p:set>
+                                  </p:childTnLst>
+                                </p:cTn>
+                              </p:par>
+                              <p:par>
+                                <p:cTn id="49" presetID="1" presetClass="entr" presetSubtype="0" fill="hold" grpId="0" nodeType="withEffect">
+                                  <p:stCondLst>
+                                    <p:cond delay="0"/>
+                                  </p:stCondLst>
+                                  <p:childTnLst>
+                                    <p:set>
+                                      <p:cBhvr>
+                                        <p:cTn id="50" dur="1" fill="hold">
+                                          <p:stCondLst>
+                                            <p:cond delay="0"/>
+                                          </p:stCondLst>
+                                        </p:cTn>
+                                        <p:tgtEl>
+                                          <p:spTgt spid="30"/>
+                                        </p:tgtEl>
+                                        <p:attrNameLst>
+                                          <p:attrName>style.visibility</p:attrName>
+                                        </p:attrNameLst>
+                                      </p:cBhvr>
+                                      <p:to>
+                                        <p:strVal val="visible"/>
+                                      </p:to>
+                                    </p:set>
+                                  </p:childTnLst>
+                                </p:cTn>
+                              </p:par>
+                            </p:childTnLst>
+                          </p:cTn>
+                        </p:par>
+                      </p:childTnLst>
+                    </p:cTn>
+                  </p:par>
+                  <p:par>
+                    <p:cTn id="51" fill="hold">
+                      <p:stCondLst>
+                        <p:cond delay="indefinite"/>
+                      </p:stCondLst>
+                      <p:childTnLst>
+                        <p:par>
+                          <p:cTn id="52" fill="hold">
+                            <p:stCondLst>
+                              <p:cond delay="0"/>
+                            </p:stCondLst>
+                            <p:childTnLst>
+                              <p:par>
+                                <p:cTn id="53" presetID="1" presetClass="entr" presetSubtype="0" fill="hold" grpId="0" nodeType="clickEffect">
+                                  <p:stCondLst>
+                                    <p:cond delay="0"/>
+                                  </p:stCondLst>
+                                  <p:childTnLst>
+                                    <p:set>
+                                      <p:cBhvr>
+                                        <p:cTn id="54" dur="1" fill="hold">
+                                          <p:stCondLst>
+                                            <p:cond delay="0"/>
+                                          </p:stCondLst>
+                                        </p:cTn>
+                                        <p:tgtEl>
+                                          <p:spTgt spid="36"/>
+                                        </p:tgtEl>
+                                        <p:attrNameLst>
+                                          <p:attrName>style.visibility</p:attrName>
+                                        </p:attrNameLst>
+                                      </p:cBhvr>
+                                      <p:to>
+                                        <p:strVal val="visible"/>
+                                      </p:to>
+                                    </p:set>
+                                  </p:childTnLst>
+                                </p:cTn>
+                              </p:par>
+                            </p:childTnLst>
+                          </p:cTn>
+                        </p:par>
+                      </p:childTnLst>
+                    </p:cTn>
+                  </p:par>
+                </p:childTnLst>
+              </p:cTn>
+              <p:prevCondLst>
+                <p:cond evt="onPrev" delay="0">
+                  <p:tgtEl>
+                    <p:sldTgt/>
+                  </p:tgtEl>
+                </p:cond>
+              </p:prevCondLst>
+              <p:nextCondLst>
+                <p:cond evt="onNext" delay="0">
+                  <p:tgtEl>
+                    <p:sldTgt/>
+                  </p:tgtEl>
+                </p:cond>
+              </p:nextCondLst>
+            </p:seq>
+          </p:childTnLst>
+        </p:cTn>
+      </p:par>
+    </p:tnLst>
+    <p:bldLst>
+      <p:bldP spid="10" grpId="0"/>
+      <p:bldP spid="11" grpId="0"/>
+      <p:bldP spid="12" grpId="0"/>
+      <p:bldP spid="18" grpId="0"/>
+      <p:bldP spid="19" grpId="0"/>
+      <p:bldP spid="16" grpId="0"/>
+      <p:bldP spid="17" grpId="0"/>
+      <p:bldP spid="24" grpId="0"/>
+      <p:bldP spid="25" grpId="0"/>
+      <p:bldP spid="26" grpId="0"/>
+      <p:bldP spid="27" grpId="0"/>
+      <p:bldP spid="28" grpId="0"/>
+      <p:bldP spid="29" grpId="0"/>
+      <p:bldP spid="30" grpId="0"/>
+      <p:bldP spid="36" grpId="0"/>
+    </p:bldLst>
+  </p:timing>
 </p:sld>
 </file>
 
@@ -21499,6 +23982,298 @@
   <p:clrMapOvr>
     <a:masterClrMapping/>
   </p:clrMapOvr>
+  <p:timing>
+    <p:tnLst>
+      <p:par>
+        <p:cTn id="1" dur="indefinite" restart="never" nodeType="tmRoot">
+          <p:childTnLst>
+            <p:seq concurrent="1" nextAc="seek">
+              <p:cTn id="2" dur="indefinite" nodeType="mainSeq">
+                <p:childTnLst>
+                  <p:par>
+                    <p:cTn id="3" fill="hold">
+                      <p:stCondLst>
+                        <p:cond delay="indefinite"/>
+                      </p:stCondLst>
+                      <p:childTnLst>
+                        <p:par>
+                          <p:cTn id="4" fill="hold">
+                            <p:stCondLst>
+                              <p:cond delay="0"/>
+                            </p:stCondLst>
+                            <p:childTnLst>
+                              <p:par>
+                                <p:cTn id="5" presetID="1" presetClass="entr" presetSubtype="0" fill="hold" grpId="0" nodeType="clickEffect">
+                                  <p:stCondLst>
+                                    <p:cond delay="0"/>
+                                  </p:stCondLst>
+                                  <p:childTnLst>
+                                    <p:set>
+                                      <p:cBhvr>
+                                        <p:cTn id="6" dur="1" fill="hold">
+                                          <p:stCondLst>
+                                            <p:cond delay="0"/>
+                                          </p:stCondLst>
+                                        </p:cTn>
+                                        <p:tgtEl>
+                                          <p:spTgt spid="27"/>
+                                        </p:tgtEl>
+                                        <p:attrNameLst>
+                                          <p:attrName>style.visibility</p:attrName>
+                                        </p:attrNameLst>
+                                      </p:cBhvr>
+                                      <p:to>
+                                        <p:strVal val="visible"/>
+                                      </p:to>
+                                    </p:set>
+                                  </p:childTnLst>
+                                </p:cTn>
+                              </p:par>
+                              <p:par>
+                                <p:cTn id="7" presetID="1" presetClass="entr" presetSubtype="0" fill="hold" grpId="0" nodeType="withEffect">
+                                  <p:stCondLst>
+                                    <p:cond delay="0"/>
+                                  </p:stCondLst>
+                                  <p:childTnLst>
+                                    <p:set>
+                                      <p:cBhvr>
+                                        <p:cTn id="8" dur="1" fill="hold">
+                                          <p:stCondLst>
+                                            <p:cond delay="0"/>
+                                          </p:stCondLst>
+                                        </p:cTn>
+                                        <p:tgtEl>
+                                          <p:spTgt spid="17"/>
+                                        </p:tgtEl>
+                                        <p:attrNameLst>
+                                          <p:attrName>style.visibility</p:attrName>
+                                        </p:attrNameLst>
+                                      </p:cBhvr>
+                                      <p:to>
+                                        <p:strVal val="visible"/>
+                                      </p:to>
+                                    </p:set>
+                                  </p:childTnLst>
+                                </p:cTn>
+                              </p:par>
+                              <p:par>
+                                <p:cTn id="9" presetID="1" presetClass="entr" presetSubtype="0" fill="hold" grpId="0" nodeType="withEffect">
+                                  <p:stCondLst>
+                                    <p:cond delay="0"/>
+                                  </p:stCondLst>
+                                  <p:childTnLst>
+                                    <p:set>
+                                      <p:cBhvr>
+                                        <p:cTn id="10" dur="1" fill="hold">
+                                          <p:stCondLst>
+                                            <p:cond delay="0"/>
+                                          </p:stCondLst>
+                                        </p:cTn>
+                                        <p:tgtEl>
+                                          <p:spTgt spid="3"/>
+                                        </p:tgtEl>
+                                        <p:attrNameLst>
+                                          <p:attrName>style.visibility</p:attrName>
+                                        </p:attrNameLst>
+                                      </p:cBhvr>
+                                      <p:to>
+                                        <p:strVal val="visible"/>
+                                      </p:to>
+                                    </p:set>
+                                  </p:childTnLst>
+                                </p:cTn>
+                              </p:par>
+                              <p:par>
+                                <p:cTn id="11" presetID="1" presetClass="entr" presetSubtype="0" fill="hold" grpId="0" nodeType="withEffect">
+                                  <p:stCondLst>
+                                    <p:cond delay="0"/>
+                                  </p:stCondLst>
+                                  <p:childTnLst>
+                                    <p:set>
+                                      <p:cBhvr>
+                                        <p:cTn id="12" dur="1" fill="hold">
+                                          <p:stCondLst>
+                                            <p:cond delay="0"/>
+                                          </p:stCondLst>
+                                        </p:cTn>
+                                        <p:tgtEl>
+                                          <p:spTgt spid="24"/>
+                                        </p:tgtEl>
+                                        <p:attrNameLst>
+                                          <p:attrName>style.visibility</p:attrName>
+                                        </p:attrNameLst>
+                                      </p:cBhvr>
+                                      <p:to>
+                                        <p:strVal val="visible"/>
+                                      </p:to>
+                                    </p:set>
+                                  </p:childTnLst>
+                                </p:cTn>
+                              </p:par>
+                              <p:par>
+                                <p:cTn id="13" presetID="1" presetClass="entr" presetSubtype="0" fill="hold" grpId="0" nodeType="withEffect">
+                                  <p:stCondLst>
+                                    <p:cond delay="0"/>
+                                  </p:stCondLst>
+                                  <p:childTnLst>
+                                    <p:set>
+                                      <p:cBhvr>
+                                        <p:cTn id="14" dur="1" fill="hold">
+                                          <p:stCondLst>
+                                            <p:cond delay="0"/>
+                                          </p:stCondLst>
+                                        </p:cTn>
+                                        <p:tgtEl>
+                                          <p:spTgt spid="26"/>
+                                        </p:tgtEl>
+                                        <p:attrNameLst>
+                                          <p:attrName>style.visibility</p:attrName>
+                                        </p:attrNameLst>
+                                      </p:cBhvr>
+                                      <p:to>
+                                        <p:strVal val="visible"/>
+                                      </p:to>
+                                    </p:set>
+                                  </p:childTnLst>
+                                </p:cTn>
+                              </p:par>
+                              <p:par>
+                                <p:cTn id="15" presetID="1" presetClass="entr" presetSubtype="0" fill="hold" grpId="0" nodeType="withEffect">
+                                  <p:stCondLst>
+                                    <p:cond delay="0"/>
+                                  </p:stCondLst>
+                                  <p:childTnLst>
+                                    <p:set>
+                                      <p:cBhvr>
+                                        <p:cTn id="16" dur="1" fill="hold">
+                                          <p:stCondLst>
+                                            <p:cond delay="0"/>
+                                          </p:stCondLst>
+                                        </p:cTn>
+                                        <p:tgtEl>
+                                          <p:spTgt spid="25"/>
+                                        </p:tgtEl>
+                                        <p:attrNameLst>
+                                          <p:attrName>style.visibility</p:attrName>
+                                        </p:attrNameLst>
+                                      </p:cBhvr>
+                                      <p:to>
+                                        <p:strVal val="visible"/>
+                                      </p:to>
+                                    </p:set>
+                                  </p:childTnLst>
+                                </p:cTn>
+                              </p:par>
+                            </p:childTnLst>
+                          </p:cTn>
+                        </p:par>
+                      </p:childTnLst>
+                    </p:cTn>
+                  </p:par>
+                  <p:par>
+                    <p:cTn id="17" fill="hold">
+                      <p:stCondLst>
+                        <p:cond delay="indefinite"/>
+                      </p:stCondLst>
+                      <p:childTnLst>
+                        <p:par>
+                          <p:cTn id="18" fill="hold">
+                            <p:stCondLst>
+                              <p:cond delay="0"/>
+                            </p:stCondLst>
+                            <p:childTnLst>
+                              <p:par>
+                                <p:cTn id="19" presetID="1" presetClass="entr" presetSubtype="0" fill="hold" grpId="0" nodeType="clickEffect">
+                                  <p:stCondLst>
+                                    <p:cond delay="0"/>
+                                  </p:stCondLst>
+                                  <p:childTnLst>
+                                    <p:set>
+                                      <p:cBhvr>
+                                        <p:cTn id="20" dur="1" fill="hold">
+                                          <p:stCondLst>
+                                            <p:cond delay="0"/>
+                                          </p:stCondLst>
+                                        </p:cTn>
+                                        <p:tgtEl>
+                                          <p:spTgt spid="10"/>
+                                        </p:tgtEl>
+                                        <p:attrNameLst>
+                                          <p:attrName>style.visibility</p:attrName>
+                                        </p:attrNameLst>
+                                      </p:cBhvr>
+                                      <p:to>
+                                        <p:strVal val="visible"/>
+                                      </p:to>
+                                    </p:set>
+                                  </p:childTnLst>
+                                </p:cTn>
+                              </p:par>
+                              <p:par>
+                                <p:cTn id="21" presetID="1" presetClass="entr" presetSubtype="0" fill="hold" grpId="0" nodeType="withEffect">
+                                  <p:stCondLst>
+                                    <p:cond delay="0"/>
+                                  </p:stCondLst>
+                                  <p:childTnLst>
+                                    <p:set>
+                                      <p:cBhvr>
+                                        <p:cTn id="22" dur="1" fill="hold">
+                                          <p:stCondLst>
+                                            <p:cond delay="0"/>
+                                          </p:stCondLst>
+                                        </p:cTn>
+                                        <p:tgtEl>
+                                          <p:spTgt spid="9"/>
+                                        </p:tgtEl>
+                                        <p:attrNameLst>
+                                          <p:attrName>style.visibility</p:attrName>
+                                        </p:attrNameLst>
+                                      </p:cBhvr>
+                                      <p:to>
+                                        <p:strVal val="visible"/>
+                                      </p:to>
+                                    </p:set>
+                                  </p:childTnLst>
+                                </p:cTn>
+                              </p:par>
+                            </p:childTnLst>
+                          </p:cTn>
+                        </p:par>
+                      </p:childTnLst>
+                    </p:cTn>
+                  </p:par>
+                </p:childTnLst>
+              </p:cTn>
+              <p:prevCondLst>
+                <p:cond evt="onPrev" delay="0">
+                  <p:tgtEl>
+                    <p:sldTgt/>
+                  </p:tgtEl>
+                </p:cond>
+              </p:prevCondLst>
+              <p:nextCondLst>
+                <p:cond evt="onNext" delay="0">
+                  <p:tgtEl>
+                    <p:sldTgt/>
+                  </p:tgtEl>
+                </p:cond>
+              </p:nextCondLst>
+            </p:seq>
+          </p:childTnLst>
+        </p:cTn>
+      </p:par>
+    </p:tnLst>
+    <p:bldLst>
+      <p:bldP spid="3" grpId="0"/>
+      <p:bldP spid="17" grpId="0"/>
+      <p:bldP spid="24" grpId="0"/>
+      <p:bldP spid="25" grpId="0"/>
+      <p:bldP spid="26" grpId="0"/>
+      <p:bldP spid="27" grpId="0"/>
+      <p:bldP spid="9" grpId="0" animBg="1"/>
+      <p:bldP spid="10" grpId="0" animBg="1"/>
+    </p:bldLst>
+  </p:timing>
 </p:sld>
 </file>
 
@@ -21995,6 +24770,134 @@
   <p:clrMapOvr>
     <a:masterClrMapping/>
   </p:clrMapOvr>
+  <p:timing>
+    <p:tnLst>
+      <p:par>
+        <p:cTn id="1" dur="indefinite" restart="never" nodeType="tmRoot">
+          <p:childTnLst>
+            <p:seq concurrent="1" nextAc="seek">
+              <p:cTn id="2" dur="indefinite" nodeType="mainSeq">
+                <p:childTnLst>
+                  <p:par>
+                    <p:cTn id="3" fill="hold">
+                      <p:stCondLst>
+                        <p:cond delay="indefinite"/>
+                      </p:stCondLst>
+                      <p:childTnLst>
+                        <p:par>
+                          <p:cTn id="4" fill="hold">
+                            <p:stCondLst>
+                              <p:cond delay="0"/>
+                            </p:stCondLst>
+                            <p:childTnLst>
+                              <p:par>
+                                <p:cTn id="5" presetID="1" presetClass="entr" presetSubtype="0" fill="hold" nodeType="clickEffect">
+                                  <p:stCondLst>
+                                    <p:cond delay="0"/>
+                                  </p:stCondLst>
+                                  <p:childTnLst>
+                                    <p:set>
+                                      <p:cBhvr>
+                                        <p:cTn id="6" dur="1" fill="hold">
+                                          <p:stCondLst>
+                                            <p:cond delay="0"/>
+                                          </p:stCondLst>
+                                        </p:cTn>
+                                        <p:tgtEl>
+                                          <p:spTgt spid="3">
+                                            <p:txEl>
+                                              <p:pRg st="7" end="7"/>
+                                            </p:txEl>
+                                          </p:spTgt>
+                                        </p:tgtEl>
+                                        <p:attrNameLst>
+                                          <p:attrName>style.visibility</p:attrName>
+                                        </p:attrNameLst>
+                                      </p:cBhvr>
+                                      <p:to>
+                                        <p:strVal val="visible"/>
+                                      </p:to>
+                                    </p:set>
+                                  </p:childTnLst>
+                                </p:cTn>
+                              </p:par>
+                            </p:childTnLst>
+                          </p:cTn>
+                        </p:par>
+                      </p:childTnLst>
+                    </p:cTn>
+                  </p:par>
+                  <p:par>
+                    <p:cTn id="7" fill="hold">
+                      <p:stCondLst>
+                        <p:cond delay="indefinite"/>
+                      </p:stCondLst>
+                      <p:childTnLst>
+                        <p:par>
+                          <p:cTn id="8" fill="hold">
+                            <p:stCondLst>
+                              <p:cond delay="0"/>
+                            </p:stCondLst>
+                            <p:childTnLst>
+                              <p:par>
+                                <p:cTn id="9" presetID="1" presetClass="entr" presetSubtype="0" fill="hold" nodeType="clickEffect">
+                                  <p:stCondLst>
+                                    <p:cond delay="0"/>
+                                  </p:stCondLst>
+                                  <p:childTnLst>
+                                    <p:set>
+                                      <p:cBhvr>
+                                        <p:cTn id="10" dur="1" fill="hold">
+                                          <p:stCondLst>
+                                            <p:cond delay="0"/>
+                                          </p:stCondLst>
+                                        </p:cTn>
+                                        <p:tgtEl>
+                                          <p:spTgt spid="3">
+                                            <p:txEl>
+                                              <p:pRg st="8" end="8"/>
+                                            </p:txEl>
+                                          </p:spTgt>
+                                        </p:tgtEl>
+                                        <p:attrNameLst>
+                                          <p:attrName>style.visibility</p:attrName>
+                                        </p:attrNameLst>
+                                      </p:cBhvr>
+                                      <p:to>
+                                        <p:strVal val="visible"/>
+                                      </p:to>
+                                    </p:set>
+                                  </p:childTnLst>
+                                </p:cTn>
+                              </p:par>
+                            </p:childTnLst>
+                          </p:cTn>
+                        </p:par>
+                      </p:childTnLst>
+                    </p:cTn>
+                  </p:par>
+                </p:childTnLst>
+              </p:cTn>
+              <p:prevCondLst>
+                <p:cond evt="onPrev" delay="0">
+                  <p:tgtEl>
+                    <p:sldTgt/>
+                  </p:tgtEl>
+                </p:cond>
+              </p:prevCondLst>
+              <p:nextCondLst>
+                <p:cond evt="onNext" delay="0">
+                  <p:tgtEl>
+                    <p:sldTgt/>
+                  </p:tgtEl>
+                </p:cond>
+              </p:nextCondLst>
+            </p:seq>
+          </p:childTnLst>
+        </p:cTn>
+      </p:par>
+    </p:tnLst>
+  </p:timing>
 </p:sld>
 </file>
 
@@ -23074,6 +25977,289 @@
   <p:clrMapOvr>
     <a:masterClrMapping/>
   </p:clrMapOvr>
+  <p:timing>
+    <p:tnLst>
+      <p:par>
+        <p:cTn id="1" dur="indefinite" restart="never" nodeType="tmRoot">
+          <p:childTnLst>
+            <p:seq concurrent="1" nextAc="seek">
+              <p:cTn id="2" dur="indefinite" nodeType="mainSeq">
+                <p:childTnLst>
+                  <p:par>
+                    <p:cTn id="3" fill="hold">
+                      <p:stCondLst>
+                        <p:cond delay="indefinite"/>
+                      </p:stCondLst>
+                      <p:childTnLst>
+                        <p:par>
+                          <p:cTn id="4" fill="hold">
+                            <p:stCondLst>
+                              <p:cond delay="0"/>
+                            </p:stCondLst>
+                            <p:childTnLst>
+                              <p:par>
+                                <p:cTn id="5" presetID="1" presetClass="entr" presetSubtype="0" fill="hold" nodeType="clickEffect">
+                                  <p:stCondLst>
+                                    <p:cond delay="0"/>
+                                  </p:stCondLst>
+                                  <p:childTnLst>
+                                    <p:set>
+                                      <p:cBhvr>
+                                        <p:cTn id="6" dur="1" fill="hold">
+                                          <p:stCondLst>
+                                            <p:cond delay="0"/>
+                                          </p:stCondLst>
+                                        </p:cTn>
+                                        <p:tgtEl>
+                                          <p:spTgt spid="3">
+                                            <p:txEl>
+                                              <p:pRg st="2" end="2"/>
+                                            </p:txEl>
+                                          </p:spTgt>
+                                        </p:tgtEl>
+                                        <p:attrNameLst>
+                                          <p:attrName>style.visibility</p:attrName>
+                                        </p:attrNameLst>
+                                      </p:cBhvr>
+                                      <p:to>
+                                        <p:strVal val="visible"/>
+                                      </p:to>
+                                    </p:set>
+                                  </p:childTnLst>
+                                </p:cTn>
+                              </p:par>
+                              <p:par>
+                                <p:cTn id="7" presetID="1" presetClass="entr" presetSubtype="0" fill="hold" nodeType="withEffect">
+                                  <p:stCondLst>
+                                    <p:cond delay="0"/>
+                                  </p:stCondLst>
+                                  <p:childTnLst>
+                                    <p:set>
+                                      <p:cBhvr>
+                                        <p:cTn id="8" dur="1" fill="hold">
+                                          <p:stCondLst>
+                                            <p:cond delay="0"/>
+                                          </p:stCondLst>
+                                        </p:cTn>
+                                        <p:tgtEl>
+                                          <p:spTgt spid="3">
+                                            <p:txEl>
+                                              <p:pRg st="3" end="3"/>
+                                            </p:txEl>
+                                          </p:spTgt>
+                                        </p:tgtEl>
+                                        <p:attrNameLst>
+                                          <p:attrName>style.visibility</p:attrName>
+                                        </p:attrNameLst>
+                                      </p:cBhvr>
+                                      <p:to>
+                                        <p:strVal val="visible"/>
+                                      </p:to>
+                                    </p:set>
+                                  </p:childTnLst>
+                                </p:cTn>
+                              </p:par>
+                              <p:par>
+                                <p:cTn id="9" presetID="1" presetClass="entr" presetSubtype="0" fill="hold" nodeType="withEffect">
+                                  <p:stCondLst>
+                                    <p:cond delay="0"/>
+                                  </p:stCondLst>
+                                  <p:childTnLst>
+                                    <p:set>
+                                      <p:cBhvr>
+                                        <p:cTn id="10" dur="1" fill="hold">
+                                          <p:stCondLst>
+                                            <p:cond delay="0"/>
+                                          </p:stCondLst>
+                                        </p:cTn>
+                                        <p:tgtEl>
+                                          <p:spTgt spid="3">
+                                            <p:txEl>
+                                              <p:pRg st="4" end="4"/>
+                                            </p:txEl>
+                                          </p:spTgt>
+                                        </p:tgtEl>
+                                        <p:attrNameLst>
+                                          <p:attrName>style.visibility</p:attrName>
+                                        </p:attrNameLst>
+                                      </p:cBhvr>
+                                      <p:to>
+                                        <p:strVal val="visible"/>
+                                      </p:to>
+                                    </p:set>
+                                  </p:childTnLst>
+                                </p:cTn>
+                              </p:par>
+                              <p:par>
+                                <p:cTn id="11" presetID="1" presetClass="entr" presetSubtype="0" fill="hold" nodeType="withEffect">
+                                  <p:stCondLst>
+                                    <p:cond delay="0"/>
+                                  </p:stCondLst>
+                                  <p:childTnLst>
+                                    <p:set>
+                                      <p:cBhvr>
+                                        <p:cTn id="12" dur="1" fill="hold">
+                                          <p:stCondLst>
+                                            <p:cond delay="0"/>
+                                          </p:stCondLst>
+                                        </p:cTn>
+                                        <p:tgtEl>
+                                          <p:spTgt spid="3">
+                                            <p:txEl>
+                                              <p:pRg st="5" end="5"/>
+                                            </p:txEl>
+                                          </p:spTgt>
+                                        </p:tgtEl>
+                                        <p:attrNameLst>
+                                          <p:attrName>style.visibility</p:attrName>
+                                        </p:attrNameLst>
+                                      </p:cBhvr>
+                                      <p:to>
+                                        <p:strVal val="visible"/>
+                                      </p:to>
+                                    </p:set>
+                                  </p:childTnLst>
+                                </p:cTn>
+                              </p:par>
+                            </p:childTnLst>
+                          </p:cTn>
+                        </p:par>
+                      </p:childTnLst>
+                    </p:cTn>
+                  </p:par>
+                  <p:par>
+                    <p:cTn id="13" fill="hold">
+                      <p:stCondLst>
+                        <p:cond delay="indefinite"/>
+                      </p:stCondLst>
+                      <p:childTnLst>
+                        <p:par>
+                          <p:cTn id="14" fill="hold">
+                            <p:stCondLst>
+                              <p:cond delay="0"/>
+                            </p:stCondLst>
+                            <p:childTnLst>
+                              <p:par>
+                                <p:cTn id="15" presetID="1" presetClass="entr" presetSubtype="0" fill="hold" nodeType="clickEffect">
+                                  <p:stCondLst>
+                                    <p:cond delay="0"/>
+                                  </p:stCondLst>
+                                  <p:childTnLst>
+                                    <p:set>
+                                      <p:cBhvr>
+                                        <p:cTn id="16" dur="1" fill="hold">
+                                          <p:stCondLst>
+                                            <p:cond delay="0"/>
+                                          </p:stCondLst>
+                                        </p:cTn>
+                                        <p:tgtEl>
+                                          <p:spTgt spid="3">
+                                            <p:txEl>
+                                              <p:pRg st="7" end="7"/>
+                                            </p:txEl>
+                                          </p:spTgt>
+                                        </p:tgtEl>
+                                        <p:attrNameLst>
+                                          <p:attrName>style.visibility</p:attrName>
+                                        </p:attrNameLst>
+                                      </p:cBhvr>
+                                      <p:to>
+                                        <p:strVal val="visible"/>
+                                      </p:to>
+                                    </p:set>
+                                  </p:childTnLst>
+                                </p:cTn>
+                              </p:par>
+                              <p:par>
+                                <p:cTn id="17" presetID="1" presetClass="entr" presetSubtype="0" fill="hold" nodeType="withEffect">
+                                  <p:stCondLst>
+                                    <p:cond delay="0"/>
+                                  </p:stCondLst>
+                                  <p:childTnLst>
+                                    <p:set>
+                                      <p:cBhvr>
+                                        <p:cTn id="18" dur="1" fill="hold">
+                                          <p:stCondLst>
+                                            <p:cond delay="0"/>
+                                          </p:stCondLst>
+                                        </p:cTn>
+                                        <p:tgtEl>
+                                          <p:spTgt spid="3">
+                                            <p:txEl>
+                                              <p:pRg st="8" end="8"/>
+                                            </p:txEl>
+                                          </p:spTgt>
+                                        </p:tgtEl>
+                                        <p:attrNameLst>
+                                          <p:attrName>style.visibility</p:attrName>
+                                        </p:attrNameLst>
+                                      </p:cBhvr>
+                                      <p:to>
+                                        <p:strVal val="visible"/>
+                                      </p:to>
+                                    </p:set>
+                                  </p:childTnLst>
+                                </p:cTn>
+                              </p:par>
+                              <p:par>
+                                <p:cTn id="19" presetID="1" presetClass="entr" presetSubtype="0" fill="hold" nodeType="withEffect">
+                                  <p:stCondLst>
+                                    <p:cond delay="0"/>
+                                  </p:stCondLst>
+                                  <p:childTnLst>
+                                    <p:set>
+                                      <p:cBhvr>
+                                        <p:cTn id="20" dur="1" fill="hold">
+                                          <p:stCondLst>
+                                            <p:cond delay="0"/>
+                                          </p:stCondLst>
+                                        </p:cTn>
+                                        <p:tgtEl>
+                                          <p:spTgt spid="3">
+                                            <p:txEl>
+                                              <p:pRg st="9" end="9"/>
+                                            </p:txEl>
+                                          </p:spTgt>
+                                        </p:tgtEl>
+                                        <p:attrNameLst>
+                                          <p:attrName>style.visibility</p:attrName>
+                                        </p:attrNameLst>
+                                      </p:cBhvr>
+                                      <p:to>
+                                        <p:strVal val="visible"/>
+                                      </p:to>
+                                    </p:set>
+                                  </p:childTnLst>
+                                </p:cTn>
+                              </p:par>
+                            </p:childTnLst>
+                          </p:cTn>
+                        </p:par>
+                      </p:childTnLst>
+                    </p:cTn>
+                  </p:par>
+                </p:childTnLst>
+              </p:cTn>
+              <p:prevCondLst>
+                <p:cond evt="onPrev" delay="0">
+                  <p:tgtEl>
+                    <p:sldTgt/>
+                  </p:tgtEl>
+                </p:cond>
+              </p:prevCondLst>
+              <p:nextCondLst>
+                <p:cond evt="onNext" delay="0">
+                  <p:tgtEl>
+                    <p:sldTgt/>
+                  </p:tgtEl>
+                </p:cond>
+              </p:nextCondLst>
+            </p:seq>
+          </p:childTnLst>
+        </p:cTn>
+      </p:par>
+    </p:tnLst>
+  </p:timing>
 </p:sld>
 </file>
 
@@ -23305,6 +26491,134 @@
   <p:clrMapOvr>
     <a:masterClrMapping/>
   </p:clrMapOvr>
+  <p:timing>
+    <p:tnLst>
+      <p:par>
+        <p:cTn id="1" dur="indefinite" restart="never" nodeType="tmRoot">
+          <p:childTnLst>
+            <p:seq concurrent="1" nextAc="seek">
+              <p:cTn id="2" dur="indefinite" nodeType="mainSeq">
+                <p:childTnLst>
+                  <p:par>
+                    <p:cTn id="3" fill="hold">
+                      <p:stCondLst>
+                        <p:cond delay="indefinite"/>
+                      </p:stCondLst>
+                      <p:childTnLst>
+                        <p:par>
+                          <p:cTn id="4" fill="hold">
+                            <p:stCondLst>
+                              <p:cond delay="0"/>
+                            </p:stCondLst>
+                            <p:childTnLst>
+                              <p:par>
+                                <p:cTn id="5" presetID="1" presetClass="entr" presetSubtype="0" fill="hold" nodeType="clickEffect">
+                                  <p:stCondLst>
+                                    <p:cond delay="0"/>
+                                  </p:stCondLst>
+                                  <p:childTnLst>
+                                    <p:set>
+                                      <p:cBhvr>
+                                        <p:cTn id="6" dur="1" fill="hold">
+                                          <p:stCondLst>
+                                            <p:cond delay="0"/>
+                                          </p:stCondLst>
+                                        </p:cTn>
+                                        <p:tgtEl>
+                                          <p:spTgt spid="3">
+                                            <p:txEl>
+                                              <p:pRg st="6" end="6"/>
+                                            </p:txEl>
+                                          </p:spTgt>
+                                        </p:tgtEl>
+                                        <p:attrNameLst>
+                                          <p:attrName>style.visibility</p:attrName>
+                                        </p:attrNameLst>
+                                      </p:cBhvr>
+                                      <p:to>
+                                        <p:strVal val="visible"/>
+                                      </p:to>
+                                    </p:set>
+                                  </p:childTnLst>
+                                </p:cTn>
+                              </p:par>
+                            </p:childTnLst>
+                          </p:cTn>
+                        </p:par>
+                      </p:childTnLst>
+                    </p:cTn>
+                  </p:par>
+                  <p:par>
+                    <p:cTn id="7" fill="hold">
+                      <p:stCondLst>
+                        <p:cond delay="indefinite"/>
+                      </p:stCondLst>
+                      <p:childTnLst>
+                        <p:par>
+                          <p:cTn id="8" fill="hold">
+                            <p:stCondLst>
+                              <p:cond delay="0"/>
+                            </p:stCondLst>
+                            <p:childTnLst>
+                              <p:par>
+                                <p:cTn id="9" presetID="1" presetClass="entr" presetSubtype="0" fill="hold" nodeType="clickEffect">
+                                  <p:stCondLst>
+                                    <p:cond delay="0"/>
+                                  </p:stCondLst>
+                                  <p:childTnLst>
+                                    <p:set>
+                                      <p:cBhvr>
+                                        <p:cTn id="10" dur="1" fill="hold">
+                                          <p:stCondLst>
+                                            <p:cond delay="0"/>
+                                          </p:stCondLst>
+                                        </p:cTn>
+                                        <p:tgtEl>
+                                          <p:spTgt spid="3">
+                                            <p:txEl>
+                                              <p:pRg st="7" end="7"/>
+                                            </p:txEl>
+                                          </p:spTgt>
+                                        </p:tgtEl>
+                                        <p:attrNameLst>
+                                          <p:attrName>style.visibility</p:attrName>
+                                        </p:attrNameLst>
+                                      </p:cBhvr>
+                                      <p:to>
+                                        <p:strVal val="visible"/>
+                                      </p:to>
+                                    </p:set>
+                                  </p:childTnLst>
+                                </p:cTn>
+                              </p:par>
+                            </p:childTnLst>
+                          </p:cTn>
+                        </p:par>
+                      </p:childTnLst>
+                    </p:cTn>
+                  </p:par>
+                </p:childTnLst>
+              </p:cTn>
+              <p:prevCondLst>
+                <p:cond evt="onPrev" delay="0">
+                  <p:tgtEl>
+                    <p:sldTgt/>
+                  </p:tgtEl>
+                </p:cond>
+              </p:prevCondLst>
+              <p:nextCondLst>
+                <p:cond evt="onNext" delay="0">
+                  <p:tgtEl>
+                    <p:sldTgt/>
+                  </p:tgtEl>
+                </p:cond>
+              </p:nextCondLst>
+            </p:seq>
+          </p:childTnLst>
+        </p:cTn>
+      </p:par>
+    </p:tnLst>
+  </p:timing>
 </p:sld>
 </file>
 
@@ -23591,6 +26905,148 @@
   <p:clrMapOvr>
     <a:masterClrMapping/>
   </p:clrMapOvr>
+  <p:timing>
+    <p:tnLst>
+      <p:par>
+        <p:cTn id="1" dur="indefinite" restart="never" nodeType="tmRoot">
+          <p:childTnLst>
+            <p:seq concurrent="1" nextAc="seek">
+              <p:cTn id="2" dur="indefinite" nodeType="mainSeq">
+                <p:childTnLst>
+                  <p:par>
+                    <p:cTn id="3" fill="hold">
+                      <p:stCondLst>
+                        <p:cond delay="indefinite"/>
+                      </p:stCondLst>
+                      <p:childTnLst>
+                        <p:par>
+                          <p:cTn id="4" fill="hold">
+                            <p:stCondLst>
+                              <p:cond delay="0"/>
+                            </p:stCondLst>
+                            <p:childTnLst>
+                              <p:par>
+                                <p:cTn id="5" presetID="1" presetClass="entr" presetSubtype="0" fill="hold" nodeType="clickEffect">
+                                  <p:stCondLst>
+                                    <p:cond delay="0"/>
+                                  </p:stCondLst>
+                                  <p:childTnLst>
+                                    <p:set>
+                                      <p:cBhvr>
+                                        <p:cTn id="6" dur="1" fill="hold">
+                                          <p:stCondLst>
+                                            <p:cond delay="0"/>
+                                          </p:stCondLst>
+                                        </p:cTn>
+                                        <p:tgtEl>
+                                          <p:spTgt spid="3">
+                                            <p:txEl>
+                                              <p:pRg st="1" end="1"/>
+                                            </p:txEl>
+                                          </p:spTgt>
+                                        </p:tgtEl>
+                                        <p:attrNameLst>
+                                          <p:attrName>style.visibility</p:attrName>
+                                        </p:attrNameLst>
+                                      </p:cBhvr>
+                                      <p:to>
+                                        <p:strVal val="visible"/>
+                                      </p:to>
+                                    </p:set>
+                                  </p:childTnLst>
+                                </p:cTn>
+                              </p:par>
+                              <p:par>
+                                <p:cTn id="7" presetID="1" presetClass="entr" presetSubtype="0" fill="hold" nodeType="withEffect">
+                                  <p:stCondLst>
+                                    <p:cond delay="0"/>
+                                  </p:stCondLst>
+                                  <p:childTnLst>
+                                    <p:set>
+                                      <p:cBhvr>
+                                        <p:cTn id="8" dur="1" fill="hold">
+                                          <p:stCondLst>
+                                            <p:cond delay="0"/>
+                                          </p:stCondLst>
+                                        </p:cTn>
+                                        <p:tgtEl>
+                                          <p:spTgt spid="3">
+                                            <p:txEl>
+                                              <p:pRg st="2" end="2"/>
+                                            </p:txEl>
+                                          </p:spTgt>
+                                        </p:tgtEl>
+                                        <p:attrNameLst>
+                                          <p:attrName>style.visibility</p:attrName>
+                                        </p:attrNameLst>
+                                      </p:cBhvr>
+                                      <p:to>
+                                        <p:strVal val="visible"/>
+                                      </p:to>
+                                    </p:set>
+                                  </p:childTnLst>
+                                </p:cTn>
+                              </p:par>
+                              <p:par>
+                                <p:cTn id="9" presetID="1" presetClass="entr" presetSubtype="0" fill="hold" grpId="0" nodeType="withEffect">
+                                  <p:stCondLst>
+                                    <p:cond delay="0"/>
+                                  </p:stCondLst>
+                                  <p:childTnLst>
+                                    <p:set>
+                                      <p:cBhvr>
+                                        <p:cTn id="10" dur="1" fill="hold">
+                                          <p:stCondLst>
+                                            <p:cond delay="0"/>
+                                          </p:stCondLst>
+                                        </p:cTn>
+                                        <p:tgtEl>
+                                          <p:spTgt spid="6"/>
+                                        </p:tgtEl>
+                                        <p:attrNameLst>
+                                          <p:attrName>style.visibility</p:attrName>
+                                        </p:attrNameLst>
+                                      </p:cBhvr>
+                                      <p:to>
+                                        <p:strVal val="visible"/>
+                                      </p:to>
+                                    </p:set>
+                                  </p:childTnLst>
+                                </p:cTn>
+                              </p:par>
+                            </p:childTnLst>
+                          </p:cTn>
+                        </p:par>
+                      </p:childTnLst>
+                    </p:cTn>
+                  </p:par>
+                </p:childTnLst>
+              </p:cTn>
+              <p:prevCondLst>
+                <p:cond evt="onPrev" delay="0">
+                  <p:tgtEl>
+                    <p:sldTgt/>
+                  </p:tgtEl>
+                </p:cond>
+              </p:prevCondLst>
+              <p:nextCondLst>
+                <p:cond evt="onNext" delay="0">
+                  <p:tgtEl>
+                    <p:sldTgt/>
+                  </p:tgtEl>
+                </p:cond>
+              </p:nextCondLst>
+            </p:seq>
+          </p:childTnLst>
+        </p:cTn>
+      </p:par>
+    </p:tnLst>
+    <p:bldLst>
+      <p:bldGraphic spid="6" grpId="0">
+        <p:bldAsOne/>
+      </p:bldGraphic>
+    </p:bldLst>
+  </p:timing>
 </p:sld>
 </file>
 
@@ -23843,8 +27299,8 @@
           </p:sp>
         </mc:Fallback>
       </mc:AlternateContent>
-      <mc:AlternateContent xmlns:mc="http://schemas.openxmlformats.org/markup-compatibility/2006">
-        <mc:Choice xmlns:a14="http://schemas.microsoft.com/office/drawing/2010/main" Requires="a14">
+      <mc:AlternateContent xmlns:mc="http://schemas.openxmlformats.org/markup-compatibility/2006" xmlns:a14="http://schemas.microsoft.com/office/drawing/2010/main">
+        <mc:Choice Requires="a14">
           <p:sp>
             <p:nvSpPr>
               <p:cNvPr id="6" name="Rectangle 5">
@@ -23959,7 +27415,7 @@
             </p:txBody>
           </p:sp>
         </mc:Choice>
-        <mc:Fallback>
+        <mc:Fallback xmlns="">
           <p:sp>
             <p:nvSpPr>
               <p:cNvPr id="6" name="Rectangle 5">
@@ -24004,8 +27460,8 @@
           </p:sp>
         </mc:Fallback>
       </mc:AlternateContent>
-      <mc:AlternateContent xmlns:mc="http://schemas.openxmlformats.org/markup-compatibility/2006">
-        <mc:Choice xmlns:a14="http://schemas.microsoft.com/office/drawing/2010/main" Requires="a14">
+      <mc:AlternateContent xmlns:mc="http://schemas.openxmlformats.org/markup-compatibility/2006" xmlns:a14="http://schemas.microsoft.com/office/drawing/2010/main">
+        <mc:Choice Requires="a14">
           <p:sp>
             <p:nvSpPr>
               <p:cNvPr id="7" name="Speech Bubble: Rectangle 6">
@@ -24091,7 +27547,7 @@
             </p:txBody>
           </p:sp>
         </mc:Choice>
-        <mc:Fallback>
+        <mc:Fallback xmlns="">
           <p:sp>
             <p:nvSpPr>
               <p:cNvPr id="7" name="Speech Bubble: Rectangle 6">
@@ -24493,6 +27949,176 @@
   <p:clrMapOvr>
     <a:masterClrMapping/>
   </p:clrMapOvr>
+  <p:timing>
+    <p:tnLst>
+      <p:par>
+        <p:cTn id="1" dur="indefinite" restart="never" nodeType="tmRoot">
+          <p:childTnLst>
+            <p:seq concurrent="1" nextAc="seek">
+              <p:cTn id="2" dur="indefinite" nodeType="mainSeq">
+                <p:childTnLst>
+                  <p:par>
+                    <p:cTn id="3" fill="hold">
+                      <p:stCondLst>
+                        <p:cond delay="indefinite"/>
+                      </p:stCondLst>
+                      <p:childTnLst>
+                        <p:par>
+                          <p:cTn id="4" fill="hold">
+                            <p:stCondLst>
+                              <p:cond delay="0"/>
+                            </p:stCondLst>
+                            <p:childTnLst>
+                              <p:par>
+                                <p:cTn id="5" presetID="1" presetClass="entr" presetSubtype="0" fill="hold" grpId="0" nodeType="clickEffect">
+                                  <p:stCondLst>
+                                    <p:cond delay="0"/>
+                                  </p:stCondLst>
+                                  <p:childTnLst>
+                                    <p:set>
+                                      <p:cBhvr>
+                                        <p:cTn id="6" dur="1" fill="hold">
+                                          <p:stCondLst>
+                                            <p:cond delay="0"/>
+                                          </p:stCondLst>
+                                        </p:cTn>
+                                        <p:tgtEl>
+                                          <p:spTgt spid="4"/>
+                                        </p:tgtEl>
+                                        <p:attrNameLst>
+                                          <p:attrName>style.visibility</p:attrName>
+                                        </p:attrNameLst>
+                                      </p:cBhvr>
+                                      <p:to>
+                                        <p:strVal val="visible"/>
+                                      </p:to>
+                                    </p:set>
+                                  </p:childTnLst>
+                                </p:cTn>
+                              </p:par>
+                            </p:childTnLst>
+                          </p:cTn>
+                        </p:par>
+                      </p:childTnLst>
+                    </p:cTn>
+                  </p:par>
+                  <p:par>
+                    <p:cTn id="7" fill="hold">
+                      <p:stCondLst>
+                        <p:cond delay="indefinite"/>
+                      </p:stCondLst>
+                      <p:childTnLst>
+                        <p:par>
+                          <p:cTn id="8" fill="hold">
+                            <p:stCondLst>
+                              <p:cond delay="0"/>
+                            </p:stCondLst>
+                            <p:childTnLst>
+                              <p:par>
+                                <p:cTn id="9" presetID="1" presetClass="entr" presetSubtype="0" fill="hold" grpId="0" nodeType="clickEffect">
+                                  <p:stCondLst>
+                                    <p:cond delay="0"/>
+                                  </p:stCondLst>
+                                  <p:childTnLst>
+                                    <p:set>
+                                      <p:cBhvr>
+                                        <p:cTn id="10" dur="1" fill="hold">
+                                          <p:stCondLst>
+                                            <p:cond delay="0"/>
+                                          </p:stCondLst>
+                                        </p:cTn>
+                                        <p:tgtEl>
+                                          <p:spTgt spid="7"/>
+                                        </p:tgtEl>
+                                        <p:attrNameLst>
+                                          <p:attrName>style.visibility</p:attrName>
+                                        </p:attrNameLst>
+                                      </p:cBhvr>
+                                      <p:to>
+                                        <p:strVal val="visible"/>
+                                      </p:to>
+                                    </p:set>
+                                  </p:childTnLst>
+                                </p:cTn>
+                              </p:par>
+                            </p:childTnLst>
+                          </p:cTn>
+                        </p:par>
+                      </p:childTnLst>
+                    </p:cTn>
+                  </p:par>
+                  <p:par>
+                    <p:cTn id="11" fill="hold">
+                      <p:stCondLst>
+                        <p:cond delay="indefinite"/>
+                      </p:stCondLst>
+                      <p:childTnLst>
+                        <p:par>
+                          <p:cTn id="12" fill="hold">
+                            <p:stCondLst>
+                              <p:cond delay="0"/>
+                            </p:stCondLst>
+                            <p:childTnLst>
+                              <p:par>
+                                <p:cTn id="13" presetID="1" presetClass="entr" presetSubtype="0" fill="hold" grpId="0" nodeType="clickEffect">
+                                  <p:stCondLst>
+                                    <p:cond delay="0"/>
+                                  </p:stCondLst>
+                                  <p:childTnLst>
+                                    <p:set>
+                                      <p:cBhvr>
+                                        <p:cTn id="14" dur="1" fill="hold">
+                                          <p:stCondLst>
+                                            <p:cond delay="0"/>
+                                          </p:stCondLst>
+                                        </p:cTn>
+                                        <p:tgtEl>
+                                          <p:spTgt spid="5"/>
+                                        </p:tgtEl>
+                                        <p:attrNameLst>
+                                          <p:attrName>style.visibility</p:attrName>
+                                        </p:attrNameLst>
+                                      </p:cBhvr>
+                                      <p:to>
+                                        <p:strVal val="visible"/>
+                                      </p:to>
+                                    </p:set>
+                                  </p:childTnLst>
+                                </p:cTn>
+                              </p:par>
+                            </p:childTnLst>
+                          </p:cTn>
+                        </p:par>
+                      </p:childTnLst>
+                    </p:cTn>
+                  </p:par>
+                </p:childTnLst>
+              </p:cTn>
+              <p:prevCondLst>
+                <p:cond evt="onPrev" delay="0">
+                  <p:tgtEl>
+                    <p:sldTgt/>
+                  </p:tgtEl>
+                </p:cond>
+              </p:prevCondLst>
+              <p:nextCondLst>
+                <p:cond evt="onNext" delay="0">
+                  <p:tgtEl>
+                    <p:sldTgt/>
+                  </p:tgtEl>
+                </p:cond>
+              </p:nextCondLst>
+            </p:seq>
+          </p:childTnLst>
+        </p:cTn>
+      </p:par>
+    </p:tnLst>
+    <p:bldLst>
+      <p:bldP spid="4" grpId="0" animBg="1"/>
+      <p:bldP spid="5" grpId="0" animBg="1"/>
+      <p:bldP spid="7" grpId="0" animBg="1"/>
+    </p:bldLst>
+  </p:timing>
 </p:sld>
 </file>
 
@@ -24560,7 +28186,7 @@
         <p:spPr>
           <a:xfrm>
             <a:off x="628650" y="1825625"/>
-            <a:ext cx="7886700" cy="4483279"/>
+            <a:ext cx="7886700" cy="4871077"/>
           </a:xfrm>
           <a:prstGeom prst="rect">
             <a:avLst/>
@@ -24615,7 +28241,7 @@
             </a:r>
             <a:r>
               <a:rPr lang="en-US" dirty="0"/>
-              <a:t> to decide what part of the tree we should focus on for the next playout.</a:t>
+              <a:t> to decide what part of the tree we should focus on for the next playout. This balances exploration and exploitation.</a:t>
             </a:r>
           </a:p>
           <a:p>
@@ -24852,13 +28478,13 @@
         </p:nvSpPr>
         <p:spPr>
           <a:xfrm>
-            <a:off x="5105400" y="1676400"/>
+            <a:off x="5694596" y="1244267"/>
             <a:ext cx="3352800" cy="643689"/>
           </a:xfrm>
           <a:prstGeom prst="wedgeRectCallout">
             <a:avLst>
-              <a:gd name="adj1" fmla="val -70802"/>
-              <a:gd name="adj2" fmla="val 66494"/>
+              <a:gd name="adj1" fmla="val -43219"/>
+              <a:gd name="adj2" fmla="val 122994"/>
             </a:avLst>
           </a:prstGeom>
         </p:spPr>
@@ -25604,13 +29230,13 @@
         </p:nvSpPr>
         <p:spPr>
           <a:xfrm>
-            <a:off x="381000" y="5891549"/>
-            <a:ext cx="1673507" cy="838200"/>
+            <a:off x="335216" y="5869761"/>
+            <a:ext cx="1828800" cy="634122"/>
           </a:xfrm>
           <a:prstGeom prst="wedgeRectCallout">
             <a:avLst>
-              <a:gd name="adj1" fmla="val 4728"/>
-              <a:gd name="adj2" fmla="val -156247"/>
+              <a:gd name="adj1" fmla="val 5296"/>
+              <a:gd name="adj2" fmla="val -203767"/>
             </a:avLst>
           </a:prstGeom>
         </p:spPr>
@@ -25635,7 +29261,7 @@
             <a:pPr algn="ctr"/>
             <a:r>
               <a:rPr lang="en-US" sz="1600" dirty="0"/>
-              <a:t>Select highest UCB1 score node</a:t>
+              <a:t>Select leaf with highest UCB1 score</a:t>
             </a:r>
           </a:p>
         </p:txBody>
@@ -25923,6 +29549,41 @@
           <a:p>
             <a:pPr algn="ctr"/>
             <a:endParaRPr lang="en-US"/>
+          </a:p>
+        </p:txBody>
+      </p:sp>
+      <p:sp>
+        <p:nvSpPr>
+          <p:cNvPr id="3" name="TextBox 2">
+            <a:extLst>
+              <a:ext uri="{FF2B5EF4-FFF2-40B4-BE49-F238E27FC236}">
+                <a16:creationId xmlns:a16="http://schemas.microsoft.com/office/drawing/2014/main" id="{031F2401-C24B-BEE2-AE42-07B900EFBDEE}"/>
+              </a:ext>
+            </a:extLst>
+          </p:cNvPr>
+          <p:cNvSpPr txBox="1"/>
+          <p:nvPr/>
+        </p:nvSpPr>
+        <p:spPr>
+          <a:xfrm>
+            <a:off x="6730097" y="5577683"/>
+            <a:ext cx="1281797" cy="276999"/>
+          </a:xfrm>
+          <a:prstGeom prst="rect">
+            <a:avLst/>
+          </a:prstGeom>
+          <a:noFill/>
+        </p:spPr>
+        <p:txBody>
+          <a:bodyPr wrap="square" rtlCol="0">
+            <a:spAutoFit/>
+          </a:bodyPr>
+          <a:lstStyle/>
+          <a:p>
+            <a:r>
+              <a:rPr lang="en-US" sz="1200" dirty="0"/>
+              <a:t>(update counts)</a:t>
+            </a:r>
           </a:p>
         </p:txBody>
       </p:sp>
@@ -26599,13 +30260,13 @@
         </p:nvSpPr>
         <p:spPr>
           <a:xfrm>
-            <a:off x="5381306" y="2920632"/>
+            <a:off x="5738653" y="2933912"/>
             <a:ext cx="2086294" cy="567956"/>
           </a:xfrm>
           <a:prstGeom prst="wedgeRectCallout">
             <a:avLst>
-              <a:gd name="adj1" fmla="val -243"/>
-              <a:gd name="adj2" fmla="val 152360"/>
+              <a:gd name="adj1" fmla="val -19667"/>
+              <a:gd name="adj2" fmla="val 156019"/>
             </a:avLst>
           </a:prstGeom>
         </p:spPr>
@@ -26738,6 +30399,55 @@
           <a:p>
             <a:pPr algn="ctr"/>
             <a:endParaRPr lang="en-US"/>
+          </a:p>
+        </p:txBody>
+      </p:sp>
+      <p:sp>
+        <p:nvSpPr>
+          <p:cNvPr id="6" name="Arrow: Right 5">
+            <a:extLst>
+              <a:ext uri="{FF2B5EF4-FFF2-40B4-BE49-F238E27FC236}">
+                <a16:creationId xmlns:a16="http://schemas.microsoft.com/office/drawing/2014/main" id="{91E623A6-F383-3AD1-BD09-E9E20EBF3FCA}"/>
+              </a:ext>
+            </a:extLst>
+          </p:cNvPr>
+          <p:cNvSpPr/>
+          <p:nvPr/>
+        </p:nvSpPr>
+        <p:spPr>
+          <a:xfrm>
+            <a:off x="4561947" y="4043743"/>
+            <a:ext cx="1000654" cy="1074340"/>
+          </a:xfrm>
+          <a:prstGeom prst="rightArrow">
+            <a:avLst/>
+          </a:prstGeom>
+        </p:spPr>
+        <p:style>
+          <a:lnRef idx="2">
+            <a:schemeClr val="accent1">
+              <a:shade val="15000"/>
+            </a:schemeClr>
+          </a:lnRef>
+          <a:fillRef idx="1">
+            <a:schemeClr val="accent1"/>
+          </a:fillRef>
+          <a:effectRef idx="0">
+            <a:schemeClr val="accent1"/>
+          </a:effectRef>
+          <a:fontRef idx="minor">
+            <a:schemeClr val="lt1"/>
+          </a:fontRef>
+        </p:style>
+        <p:txBody>
+          <a:bodyPr rtlCol="0" anchor="ctr"/>
+          <a:lstStyle/>
+          <a:p>
+            <a:pPr algn="ctr"/>
+            <a:r>
+              <a:rPr lang="en-US" dirty="0"/>
+              <a:t>After move</a:t>
+            </a:r>
           </a:p>
         </p:txBody>
       </p:sp>
@@ -27682,7 +31392,7 @@
         </p:nvSpPr>
         <p:spPr>
           <a:xfrm>
-            <a:off x="3804684" y="6400800"/>
+            <a:off x="1295400" y="6308208"/>
             <a:ext cx="1905000" cy="369332"/>
           </a:xfrm>
           <a:prstGeom prst="rect">
@@ -30346,13 +34056,15 @@
               </a:ext>
             </a:extLst>
           </p:cNvPr>
-          <p:cNvCxnSpPr/>
+          <p:cNvCxnSpPr>
+            <a:cxnSpLocks/>
+          </p:cNvCxnSpPr>
           <p:nvPr/>
         </p:nvCxnSpPr>
         <p:spPr>
-          <a:xfrm>
-            <a:off x="2286000" y="4022224"/>
-            <a:ext cx="0" cy="303033"/>
+          <a:xfrm flipH="1">
+            <a:off x="2362200" y="2264690"/>
+            <a:ext cx="2514600" cy="434966"/>
           </a:xfrm>
           <a:prstGeom prst="straightConnector1">
             <a:avLst/>
@@ -30641,6 +34353,490 @@
   <p:clrMapOvr>
     <a:masterClrMapping/>
   </p:clrMapOvr>
+  <p:timing>
+    <p:tnLst>
+      <p:par>
+        <p:cTn id="1" dur="indefinite" restart="never" nodeType="tmRoot">
+          <p:childTnLst>
+            <p:seq concurrent="1" nextAc="seek">
+              <p:cTn id="2" dur="indefinite" nodeType="mainSeq">
+                <p:childTnLst>
+                  <p:par>
+                    <p:cTn id="3" fill="hold">
+                      <p:stCondLst>
+                        <p:cond delay="indefinite"/>
+                      </p:stCondLst>
+                      <p:childTnLst>
+                        <p:par>
+                          <p:cTn id="4" fill="hold">
+                            <p:stCondLst>
+                              <p:cond delay="0"/>
+                            </p:stCondLst>
+                            <p:childTnLst>
+                              <p:par>
+                                <p:cTn id="5" presetID="1" presetClass="entr" presetSubtype="0" fill="hold" grpId="0" nodeType="clickEffect">
+                                  <p:stCondLst>
+                                    <p:cond delay="0"/>
+                                  </p:stCondLst>
+                                  <p:childTnLst>
+                                    <p:set>
+                                      <p:cBhvr>
+                                        <p:cTn id="6" dur="1" fill="hold">
+                                          <p:stCondLst>
+                                            <p:cond delay="0"/>
+                                          </p:stCondLst>
+                                        </p:cTn>
+                                        <p:tgtEl>
+                                          <p:spTgt spid="17"/>
+                                        </p:tgtEl>
+                                        <p:attrNameLst>
+                                          <p:attrName>style.visibility</p:attrName>
+                                        </p:attrNameLst>
+                                      </p:cBhvr>
+                                      <p:to>
+                                        <p:strVal val="visible"/>
+                                      </p:to>
+                                    </p:set>
+                                  </p:childTnLst>
+                                </p:cTn>
+                              </p:par>
+                            </p:childTnLst>
+                          </p:cTn>
+                        </p:par>
+                      </p:childTnLst>
+                    </p:cTn>
+                  </p:par>
+                  <p:par>
+                    <p:cTn id="7" fill="hold">
+                      <p:stCondLst>
+                        <p:cond delay="indefinite"/>
+                      </p:stCondLst>
+                      <p:childTnLst>
+                        <p:par>
+                          <p:cTn id="8" fill="hold">
+                            <p:stCondLst>
+                              <p:cond delay="0"/>
+                            </p:stCondLst>
+                            <p:childTnLst>
+                              <p:par>
+                                <p:cTn id="9" presetID="1" presetClass="entr" presetSubtype="0" fill="hold" grpId="0" nodeType="clickEffect">
+                                  <p:stCondLst>
+                                    <p:cond delay="0"/>
+                                  </p:stCondLst>
+                                  <p:childTnLst>
+                                    <p:set>
+                                      <p:cBhvr>
+                                        <p:cTn id="10" dur="1" fill="hold">
+                                          <p:stCondLst>
+                                            <p:cond delay="0"/>
+                                          </p:stCondLst>
+                                        </p:cTn>
+                                        <p:tgtEl>
+                                          <p:spTgt spid="14"/>
+                                        </p:tgtEl>
+                                        <p:attrNameLst>
+                                          <p:attrName>style.visibility</p:attrName>
+                                        </p:attrNameLst>
+                                      </p:cBhvr>
+                                      <p:to>
+                                        <p:strVal val="visible"/>
+                                      </p:to>
+                                    </p:set>
+                                  </p:childTnLst>
+                                </p:cTn>
+                              </p:par>
+                              <p:par>
+                                <p:cTn id="11" presetID="1" presetClass="entr" presetSubtype="0" fill="hold" nodeType="withEffect">
+                                  <p:stCondLst>
+                                    <p:cond delay="0"/>
+                                  </p:stCondLst>
+                                  <p:childTnLst>
+                                    <p:set>
+                                      <p:cBhvr>
+                                        <p:cTn id="12" dur="1" fill="hold">
+                                          <p:stCondLst>
+                                            <p:cond delay="0"/>
+                                          </p:stCondLst>
+                                        </p:cTn>
+                                        <p:tgtEl>
+                                          <p:spTgt spid="12"/>
+                                        </p:tgtEl>
+                                        <p:attrNameLst>
+                                          <p:attrName>style.visibility</p:attrName>
+                                        </p:attrNameLst>
+                                      </p:cBhvr>
+                                      <p:to>
+                                        <p:strVal val="visible"/>
+                                      </p:to>
+                                    </p:set>
+                                  </p:childTnLst>
+                                </p:cTn>
+                              </p:par>
+                            </p:childTnLst>
+                          </p:cTn>
+                        </p:par>
+                      </p:childTnLst>
+                    </p:cTn>
+                  </p:par>
+                  <p:par>
+                    <p:cTn id="13" fill="hold">
+                      <p:stCondLst>
+                        <p:cond delay="indefinite"/>
+                      </p:stCondLst>
+                      <p:childTnLst>
+                        <p:par>
+                          <p:cTn id="14" fill="hold">
+                            <p:stCondLst>
+                              <p:cond delay="0"/>
+                            </p:stCondLst>
+                            <p:childTnLst>
+                              <p:par>
+                                <p:cTn id="15" presetID="1" presetClass="entr" presetSubtype="0" fill="hold" grpId="0" nodeType="clickEffect">
+                                  <p:stCondLst>
+                                    <p:cond delay="0"/>
+                                  </p:stCondLst>
+                                  <p:childTnLst>
+                                    <p:set>
+                                      <p:cBhvr>
+                                        <p:cTn id="16" dur="1" fill="hold">
+                                          <p:stCondLst>
+                                            <p:cond delay="0"/>
+                                          </p:stCondLst>
+                                        </p:cTn>
+                                        <p:tgtEl>
+                                          <p:spTgt spid="22"/>
+                                        </p:tgtEl>
+                                        <p:attrNameLst>
+                                          <p:attrName>style.visibility</p:attrName>
+                                        </p:attrNameLst>
+                                      </p:cBhvr>
+                                      <p:to>
+                                        <p:strVal val="visible"/>
+                                      </p:to>
+                                    </p:set>
+                                  </p:childTnLst>
+                                </p:cTn>
+                              </p:par>
+                              <p:par>
+                                <p:cTn id="17" presetID="1" presetClass="entr" presetSubtype="0" fill="hold" grpId="0" nodeType="withEffect">
+                                  <p:stCondLst>
+                                    <p:cond delay="0"/>
+                                  </p:stCondLst>
+                                  <p:childTnLst>
+                                    <p:set>
+                                      <p:cBhvr>
+                                        <p:cTn id="18" dur="1" fill="hold">
+                                          <p:stCondLst>
+                                            <p:cond delay="0"/>
+                                          </p:stCondLst>
+                                        </p:cTn>
+                                        <p:tgtEl>
+                                          <p:spTgt spid="6"/>
+                                        </p:tgtEl>
+                                        <p:attrNameLst>
+                                          <p:attrName>style.visibility</p:attrName>
+                                        </p:attrNameLst>
+                                      </p:cBhvr>
+                                      <p:to>
+                                        <p:strVal val="visible"/>
+                                      </p:to>
+                                    </p:set>
+                                  </p:childTnLst>
+                                </p:cTn>
+                              </p:par>
+                            </p:childTnLst>
+                          </p:cTn>
+                        </p:par>
+                      </p:childTnLst>
+                    </p:cTn>
+                  </p:par>
+                  <p:par>
+                    <p:cTn id="19" fill="hold">
+                      <p:stCondLst>
+                        <p:cond delay="indefinite"/>
+                      </p:stCondLst>
+                      <p:childTnLst>
+                        <p:par>
+                          <p:cTn id="20" fill="hold">
+                            <p:stCondLst>
+                              <p:cond delay="0"/>
+                            </p:stCondLst>
+                            <p:childTnLst>
+                              <p:par>
+                                <p:cTn id="21" presetID="1" presetClass="entr" presetSubtype="0" fill="hold" grpId="0" nodeType="clickEffect">
+                                  <p:stCondLst>
+                                    <p:cond delay="0"/>
+                                  </p:stCondLst>
+                                  <p:childTnLst>
+                                    <p:set>
+                                      <p:cBhvr>
+                                        <p:cTn id="22" dur="1" fill="hold">
+                                          <p:stCondLst>
+                                            <p:cond delay="0"/>
+                                          </p:stCondLst>
+                                        </p:cTn>
+                                        <p:tgtEl>
+                                          <p:spTgt spid="20"/>
+                                        </p:tgtEl>
+                                        <p:attrNameLst>
+                                          <p:attrName>style.visibility</p:attrName>
+                                        </p:attrNameLst>
+                                      </p:cBhvr>
+                                      <p:to>
+                                        <p:strVal val="visible"/>
+                                      </p:to>
+                                    </p:set>
+                                  </p:childTnLst>
+                                </p:cTn>
+                              </p:par>
+                              <p:par>
+                                <p:cTn id="23" presetID="1" presetClass="entr" presetSubtype="0" fill="hold" nodeType="withEffect">
+                                  <p:stCondLst>
+                                    <p:cond delay="0"/>
+                                  </p:stCondLst>
+                                  <p:childTnLst>
+                                    <p:set>
+                                      <p:cBhvr>
+                                        <p:cTn id="24" dur="1" fill="hold">
+                                          <p:stCondLst>
+                                            <p:cond delay="0"/>
+                                          </p:stCondLst>
+                                        </p:cTn>
+                                        <p:tgtEl>
+                                          <p:spTgt spid="13"/>
+                                        </p:tgtEl>
+                                        <p:attrNameLst>
+                                          <p:attrName>style.visibility</p:attrName>
+                                        </p:attrNameLst>
+                                      </p:cBhvr>
+                                      <p:to>
+                                        <p:strVal val="visible"/>
+                                      </p:to>
+                                    </p:set>
+                                  </p:childTnLst>
+                                </p:cTn>
+                              </p:par>
+                              <p:par>
+                                <p:cTn id="25" presetID="1" presetClass="entr" presetSubtype="0" fill="hold" grpId="0" nodeType="withEffect">
+                                  <p:stCondLst>
+                                    <p:cond delay="0"/>
+                                  </p:stCondLst>
+                                  <p:childTnLst>
+                                    <p:set>
+                                      <p:cBhvr>
+                                        <p:cTn id="26" dur="1" fill="hold">
+                                          <p:stCondLst>
+                                            <p:cond delay="0"/>
+                                          </p:stCondLst>
+                                        </p:cTn>
+                                        <p:tgtEl>
+                                          <p:spTgt spid="16"/>
+                                        </p:tgtEl>
+                                        <p:attrNameLst>
+                                          <p:attrName>style.visibility</p:attrName>
+                                        </p:attrNameLst>
+                                      </p:cBhvr>
+                                      <p:to>
+                                        <p:strVal val="visible"/>
+                                      </p:to>
+                                    </p:set>
+                                  </p:childTnLst>
+                                </p:cTn>
+                              </p:par>
+                            </p:childTnLst>
+                          </p:cTn>
+                        </p:par>
+                      </p:childTnLst>
+                    </p:cTn>
+                  </p:par>
+                  <p:par>
+                    <p:cTn id="27" fill="hold">
+                      <p:stCondLst>
+                        <p:cond delay="indefinite"/>
+                      </p:stCondLst>
+                      <p:childTnLst>
+                        <p:par>
+                          <p:cTn id="28" fill="hold">
+                            <p:stCondLst>
+                              <p:cond delay="0"/>
+                            </p:stCondLst>
+                            <p:childTnLst>
+                              <p:par>
+                                <p:cTn id="29" presetID="1" presetClass="entr" presetSubtype="0" fill="hold" grpId="0" nodeType="clickEffect">
+                                  <p:stCondLst>
+                                    <p:cond delay="0"/>
+                                  </p:stCondLst>
+                                  <p:childTnLst>
+                                    <p:set>
+                                      <p:cBhvr>
+                                        <p:cTn id="30" dur="1" fill="hold">
+                                          <p:stCondLst>
+                                            <p:cond delay="0"/>
+                                          </p:stCondLst>
+                                        </p:cTn>
+                                        <p:tgtEl>
+                                          <p:spTgt spid="3"/>
+                                        </p:tgtEl>
+                                        <p:attrNameLst>
+                                          <p:attrName>style.visibility</p:attrName>
+                                        </p:attrNameLst>
+                                      </p:cBhvr>
+                                      <p:to>
+                                        <p:strVal val="visible"/>
+                                      </p:to>
+                                    </p:set>
+                                  </p:childTnLst>
+                                </p:cTn>
+                              </p:par>
+                              <p:par>
+                                <p:cTn id="31" presetID="1" presetClass="entr" presetSubtype="0" fill="hold" grpId="0" nodeType="withEffect">
+                                  <p:stCondLst>
+                                    <p:cond delay="0"/>
+                                  </p:stCondLst>
+                                  <p:childTnLst>
+                                    <p:set>
+                                      <p:cBhvr>
+                                        <p:cTn id="32" dur="1" fill="hold">
+                                          <p:stCondLst>
+                                            <p:cond delay="0"/>
+                                          </p:stCondLst>
+                                        </p:cTn>
+                                        <p:tgtEl>
+                                          <p:spTgt spid="10"/>
+                                        </p:tgtEl>
+                                        <p:attrNameLst>
+                                          <p:attrName>style.visibility</p:attrName>
+                                        </p:attrNameLst>
+                                      </p:cBhvr>
+                                      <p:to>
+                                        <p:strVal val="visible"/>
+                                      </p:to>
+                                    </p:set>
+                                  </p:childTnLst>
+                                </p:cTn>
+                              </p:par>
+                              <p:par>
+                                <p:cTn id="33" presetID="1" presetClass="entr" presetSubtype="0" fill="hold" grpId="0" nodeType="withEffect">
+                                  <p:stCondLst>
+                                    <p:cond delay="0"/>
+                                  </p:stCondLst>
+                                  <p:childTnLst>
+                                    <p:set>
+                                      <p:cBhvr>
+                                        <p:cTn id="34" dur="1" fill="hold">
+                                          <p:stCondLst>
+                                            <p:cond delay="0"/>
+                                          </p:stCondLst>
+                                        </p:cTn>
+                                        <p:tgtEl>
+                                          <p:spTgt spid="8"/>
+                                        </p:tgtEl>
+                                        <p:attrNameLst>
+                                          <p:attrName>style.visibility</p:attrName>
+                                        </p:attrNameLst>
+                                      </p:cBhvr>
+                                      <p:to>
+                                        <p:strVal val="visible"/>
+                                      </p:to>
+                                    </p:set>
+                                  </p:childTnLst>
+                                </p:cTn>
+                              </p:par>
+                              <p:par>
+                                <p:cTn id="35" presetID="1" presetClass="entr" presetSubtype="0" fill="hold" grpId="0" nodeType="withEffect">
+                                  <p:stCondLst>
+                                    <p:cond delay="0"/>
+                                  </p:stCondLst>
+                                  <p:childTnLst>
+                                    <p:set>
+                                      <p:cBhvr>
+                                        <p:cTn id="36" dur="1" fill="hold">
+                                          <p:stCondLst>
+                                            <p:cond delay="0"/>
+                                          </p:stCondLst>
+                                        </p:cTn>
+                                        <p:tgtEl>
+                                          <p:spTgt spid="5"/>
+                                        </p:tgtEl>
+                                        <p:attrNameLst>
+                                          <p:attrName>style.visibility</p:attrName>
+                                        </p:attrNameLst>
+                                      </p:cBhvr>
+                                      <p:to>
+                                        <p:strVal val="visible"/>
+                                      </p:to>
+                                    </p:set>
+                                  </p:childTnLst>
+                                </p:cTn>
+                              </p:par>
+                              <p:par>
+                                <p:cTn id="37" presetID="1" presetClass="entr" presetSubtype="0" fill="hold" grpId="0" nodeType="withEffect">
+                                  <p:stCondLst>
+                                    <p:cond delay="0"/>
+                                  </p:stCondLst>
+                                  <p:childTnLst>
+                                    <p:set>
+                                      <p:cBhvr>
+                                        <p:cTn id="38" dur="1" fill="hold">
+                                          <p:stCondLst>
+                                            <p:cond delay="0"/>
+                                          </p:stCondLst>
+                                        </p:cTn>
+                                        <p:tgtEl>
+                                          <p:spTgt spid="11"/>
+                                        </p:tgtEl>
+                                        <p:attrNameLst>
+                                          <p:attrName>style.visibility</p:attrName>
+                                        </p:attrNameLst>
+                                      </p:cBhvr>
+                                      <p:to>
+                                        <p:strVal val="visible"/>
+                                      </p:to>
+                                    </p:set>
+                                  </p:childTnLst>
+                                </p:cTn>
+                              </p:par>
+                            </p:childTnLst>
+                          </p:cTn>
+                        </p:par>
+                      </p:childTnLst>
+                    </p:cTn>
+                  </p:par>
+                </p:childTnLst>
+              </p:cTn>
+              <p:prevCondLst>
+                <p:cond evt="onPrev" delay="0">
+                  <p:tgtEl>
+                    <p:sldTgt/>
+                  </p:tgtEl>
+                </p:cond>
+              </p:prevCondLst>
+              <p:nextCondLst>
+                <p:cond evt="onNext" delay="0">
+                  <p:tgtEl>
+                    <p:sldTgt/>
+                  </p:tgtEl>
+                </p:cond>
+              </p:nextCondLst>
+            </p:seq>
+          </p:childTnLst>
+        </p:cTn>
+      </p:par>
+    </p:tnLst>
+    <p:bldLst>
+      <p:bldP spid="3" grpId="0" animBg="1"/>
+      <p:bldP spid="16" grpId="0" animBg="1"/>
+      <p:bldP spid="5" grpId="0"/>
+      <p:bldP spid="8" grpId="0"/>
+      <p:bldP spid="10" grpId="0"/>
+      <p:bldP spid="11" grpId="0"/>
+      <p:bldP spid="6" grpId="0" animBg="1"/>
+      <p:bldP spid="14" grpId="0" animBg="1"/>
+      <p:bldP spid="17" grpId="0" animBg="1"/>
+      <p:bldP spid="20" grpId="0" animBg="1"/>
+      <p:bldP spid="22" grpId="0" animBg="1"/>
+    </p:bldLst>
+  </p:timing>
 </p:sld>
 </file>
 
@@ -31264,6 +35460,209 @@
   <p:clrMapOvr>
     <a:overrideClrMapping bg1="dk1" tx1="lt1" bg2="dk2" tx2="lt2" accent1="accent1" accent2="accent2" accent3="accent3" accent4="accent4" accent5="accent5" accent6="accent6" hlink="hlink" folHlink="folHlink"/>
   </p:clrMapOvr>
+  <p:timing>
+    <p:tnLst>
+      <p:par>
+        <p:cTn id="1" dur="indefinite" restart="never" nodeType="tmRoot">
+          <p:childTnLst>
+            <p:seq concurrent="1" nextAc="seek">
+              <p:cTn id="2" dur="indefinite" nodeType="mainSeq">
+                <p:childTnLst>
+                  <p:par>
+                    <p:cTn id="3" fill="hold">
+                      <p:stCondLst>
+                        <p:cond delay="indefinite"/>
+                      </p:stCondLst>
+                      <p:childTnLst>
+                        <p:par>
+                          <p:cTn id="4" fill="hold">
+                            <p:stCondLst>
+                              <p:cond delay="0"/>
+                            </p:stCondLst>
+                            <p:childTnLst>
+                              <p:par>
+                                <p:cTn id="5" presetID="1" presetClass="entr" presetSubtype="0" fill="hold" nodeType="clickEffect">
+                                  <p:stCondLst>
+                                    <p:cond delay="0"/>
+                                  </p:stCondLst>
+                                  <p:childTnLst>
+                                    <p:set>
+                                      <p:cBhvr>
+                                        <p:cTn id="6" dur="1" fill="hold">
+                                          <p:stCondLst>
+                                            <p:cond delay="0"/>
+                                          </p:stCondLst>
+                                        </p:cTn>
+                                        <p:tgtEl>
+                                          <p:spTgt spid="3">
+                                            <p:txEl>
+                                              <p:pRg st="4" end="4"/>
+                                            </p:txEl>
+                                          </p:spTgt>
+                                        </p:tgtEl>
+                                        <p:attrNameLst>
+                                          <p:attrName>style.visibility</p:attrName>
+                                        </p:attrNameLst>
+                                      </p:cBhvr>
+                                      <p:to>
+                                        <p:strVal val="visible"/>
+                                      </p:to>
+                                    </p:set>
+                                  </p:childTnLst>
+                                </p:cTn>
+                              </p:par>
+                              <p:par>
+                                <p:cTn id="7" presetID="1" presetClass="entr" presetSubtype="0" fill="hold" nodeType="withEffect">
+                                  <p:stCondLst>
+                                    <p:cond delay="0"/>
+                                  </p:stCondLst>
+                                  <p:childTnLst>
+                                    <p:set>
+                                      <p:cBhvr>
+                                        <p:cTn id="8" dur="1" fill="hold">
+                                          <p:stCondLst>
+                                            <p:cond delay="0"/>
+                                          </p:stCondLst>
+                                        </p:cTn>
+                                        <p:tgtEl>
+                                          <p:spTgt spid="3">
+                                            <p:txEl>
+                                              <p:pRg st="5" end="5"/>
+                                            </p:txEl>
+                                          </p:spTgt>
+                                        </p:tgtEl>
+                                        <p:attrNameLst>
+                                          <p:attrName>style.visibility</p:attrName>
+                                        </p:attrNameLst>
+                                      </p:cBhvr>
+                                      <p:to>
+                                        <p:strVal val="visible"/>
+                                      </p:to>
+                                    </p:set>
+                                  </p:childTnLst>
+                                </p:cTn>
+                              </p:par>
+                              <p:par>
+                                <p:cTn id="9" presetID="1" presetClass="entr" presetSubtype="0" fill="hold" nodeType="withEffect">
+                                  <p:stCondLst>
+                                    <p:cond delay="0"/>
+                                  </p:stCondLst>
+                                  <p:childTnLst>
+                                    <p:set>
+                                      <p:cBhvr>
+                                        <p:cTn id="10" dur="1" fill="hold">
+                                          <p:stCondLst>
+                                            <p:cond delay="0"/>
+                                          </p:stCondLst>
+                                        </p:cTn>
+                                        <p:tgtEl>
+                                          <p:spTgt spid="3">
+                                            <p:txEl>
+                                              <p:pRg st="6" end="6"/>
+                                            </p:txEl>
+                                          </p:spTgt>
+                                        </p:tgtEl>
+                                        <p:attrNameLst>
+                                          <p:attrName>style.visibility</p:attrName>
+                                        </p:attrNameLst>
+                                      </p:cBhvr>
+                                      <p:to>
+                                        <p:strVal val="visible"/>
+                                      </p:to>
+                                    </p:set>
+                                  </p:childTnLst>
+                                </p:cTn>
+                              </p:par>
+                              <p:par>
+                                <p:cTn id="11" presetID="1" presetClass="entr" presetSubtype="0" fill="hold" nodeType="withEffect">
+                                  <p:stCondLst>
+                                    <p:cond delay="0"/>
+                                  </p:stCondLst>
+                                  <p:childTnLst>
+                                    <p:set>
+                                      <p:cBhvr>
+                                        <p:cTn id="12" dur="1" fill="hold">
+                                          <p:stCondLst>
+                                            <p:cond delay="0"/>
+                                          </p:stCondLst>
+                                        </p:cTn>
+                                        <p:tgtEl>
+                                          <p:spTgt spid="3">
+                                            <p:txEl>
+                                              <p:pRg st="7" end="7"/>
+                                            </p:txEl>
+                                          </p:spTgt>
+                                        </p:tgtEl>
+                                        <p:attrNameLst>
+                                          <p:attrName>style.visibility</p:attrName>
+                                        </p:attrNameLst>
+                                      </p:cBhvr>
+                                      <p:to>
+                                        <p:strVal val="visible"/>
+                                      </p:to>
+                                    </p:set>
+                                  </p:childTnLst>
+                                </p:cTn>
+                              </p:par>
+                              <p:par>
+                                <p:cTn id="13" presetID="1" presetClass="entr" presetSubtype="0" fill="hold" nodeType="withEffect">
+                                  <p:stCondLst>
+                                    <p:cond delay="0"/>
+                                  </p:stCondLst>
+                                  <p:childTnLst>
+                                    <p:set>
+                                      <p:cBhvr>
+                                        <p:cTn id="14" dur="1" fill="hold">
+                                          <p:stCondLst>
+                                            <p:cond delay="0"/>
+                                          </p:stCondLst>
+                                        </p:cTn>
+                                        <p:tgtEl>
+                                          <p:spTgt spid="3">
+                                            <p:txEl>
+                                              <p:pRg st="8" end="8"/>
+                                            </p:txEl>
+                                          </p:spTgt>
+                                        </p:tgtEl>
+                                        <p:attrNameLst>
+                                          <p:attrName>style.visibility</p:attrName>
+                                        </p:attrNameLst>
+                                      </p:cBhvr>
+                                      <p:to>
+                                        <p:strVal val="visible"/>
+                                      </p:to>
+                                    </p:set>
+                                  </p:childTnLst>
+                                </p:cTn>
+                              </p:par>
+                            </p:childTnLst>
+                          </p:cTn>
+                        </p:par>
+                      </p:childTnLst>
+                    </p:cTn>
+                  </p:par>
+                </p:childTnLst>
+              </p:cTn>
+              <p:prevCondLst>
+                <p:cond evt="onPrev" delay="0">
+                  <p:tgtEl>
+                    <p:sldTgt/>
+                  </p:tgtEl>
+                </p:cond>
+              </p:prevCondLst>
+              <p:nextCondLst>
+                <p:cond evt="onNext" delay="0">
+                  <p:tgtEl>
+                    <p:sldTgt/>
+                  </p:tgtEl>
+                </p:cond>
+              </p:nextCondLst>
+            </p:seq>
+          </p:childTnLst>
+        </p:cTn>
+      </p:par>
+    </p:tnLst>
+  </p:timing>
 </p:sld>
 </file>
 
@@ -32246,13 +36645,13 @@
         </p:nvSpPr>
         <p:spPr>
           <a:xfrm>
-            <a:off x="4575717" y="2667000"/>
+            <a:off x="4495800" y="3886200"/>
             <a:ext cx="4419600" cy="900111"/>
           </a:xfrm>
           <a:prstGeom prst="wedgeRectCallout">
             <a:avLst>
-              <a:gd name="adj1" fmla="val -19287"/>
-              <a:gd name="adj2" fmla="val 91043"/>
+              <a:gd name="adj1" fmla="val -74067"/>
+              <a:gd name="adj2" fmla="val -72882"/>
             </a:avLst>
           </a:prstGeom>
         </p:spPr>
@@ -32314,8 +36713,8 @@
           </a:p>
         </p:txBody>
       </p:sp>
-      <mc:AlternateContent xmlns:mc="http://schemas.openxmlformats.org/markup-compatibility/2006" xmlns:a14="http://schemas.microsoft.com/office/drawing/2010/main">
-        <mc:Choice Requires="a14">
+      <mc:AlternateContent xmlns:mc="http://schemas.openxmlformats.org/markup-compatibility/2006">
+        <mc:Choice xmlns:a14="http://schemas.microsoft.com/office/drawing/2010/main" Requires="a14">
           <p:sp>
             <p:nvSpPr>
               <p:cNvPr id="5" name="Content Placeholder 4">
@@ -32340,7 +36739,7 @@
             </p:spPr>
             <p:txBody>
               <a:bodyPr>
-                <a:normAutofit fontScale="77500" lnSpcReduction="20000"/>
+                <a:normAutofit fontScale="85000" lnSpcReduction="20000"/>
               </a:bodyPr>
               <a:lstStyle/>
               <a:p>
@@ -32357,20 +36756,8 @@
                 </a:r>
                 <a:r>
                   <a:rPr lang="en-US" dirty="0"/>
-                  <a:t>, we do not know what the opponents moves will be. This is the same situation as not being to sense the opponents moves during a real game which we have already modeled using nondeterministic actions.</a:t>
+                  <a:t>, we do not know what the opponents moves will be. We have already modeled this issue using nondeterministic actions.</a:t>
                 </a:r>
-              </a:p>
-              <a:p>
-                <a:pPr marL="0" indent="0">
-                  <a:buNone/>
-                </a:pPr>
-                <a:endParaRPr lang="en-US" dirty="0"/>
-              </a:p>
-              <a:p>
-                <a:pPr marL="0" indent="0">
-                  <a:buNone/>
-                </a:pPr>
-                <a:endParaRPr lang="en-US" dirty="0"/>
               </a:p>
               <a:p>
                 <a:pPr marL="0" indent="0">
@@ -32394,6 +36781,18 @@
                   </a:rPr>
                   <a:t>transition model need to describe uncertainty about the opponent's behavior.</a:t>
                 </a:r>
+                <a:endParaRPr lang="en-US" dirty="0"/>
+              </a:p>
+              <a:p>
+                <a:pPr marL="0" indent="0">
+                  <a:buNone/>
+                </a:pPr>
+                <a:endParaRPr lang="en-US" dirty="0"/>
+              </a:p>
+              <a:p>
+                <a:pPr marL="0" indent="0">
+                  <a:buNone/>
+                </a:pPr>
                 <a:endParaRPr lang="en-US" dirty="0"/>
               </a:p>
               <a:p>
@@ -32647,7 +37046,7 @@
             </p:txBody>
           </p:sp>
         </mc:Choice>
-        <mc:Fallback xmlns="">
+        <mc:Fallback>
           <p:sp>
             <p:nvSpPr>
               <p:cNvPr id="5" name="Content Placeholder 4">
@@ -32672,7 +37071,7 @@
               <a:blipFill>
                 <a:blip r:embed="rId2"/>
                 <a:stretch>
-                  <a:fillRect l="-1005" t="-2538" r="-1236"/>
+                  <a:fillRect l="-1159" t="-2919" r="-1391"/>
                 </a:stretch>
               </a:blipFill>
             </p:spPr>
@@ -32701,6 +37100,146 @@
   <p:clrMapOvr>
     <a:masterClrMapping/>
   </p:clrMapOvr>
+  <p:timing>
+    <p:tnLst>
+      <p:par>
+        <p:cTn id="1" dur="indefinite" restart="never" nodeType="tmRoot">
+          <p:childTnLst>
+            <p:seq concurrent="1" nextAc="seek">
+              <p:cTn id="2" dur="indefinite" nodeType="mainSeq">
+                <p:childTnLst>
+                  <p:par>
+                    <p:cTn id="3" fill="hold">
+                      <p:stCondLst>
+                        <p:cond delay="indefinite"/>
+                      </p:stCondLst>
+                      <p:childTnLst>
+                        <p:par>
+                          <p:cTn id="4" fill="hold">
+                            <p:stCondLst>
+                              <p:cond delay="0"/>
+                            </p:stCondLst>
+                            <p:childTnLst>
+                              <p:par>
+                                <p:cTn id="5" presetID="1" presetClass="entr" presetSubtype="0" fill="hold" nodeType="clickEffect">
+                                  <p:stCondLst>
+                                    <p:cond delay="0"/>
+                                  </p:stCondLst>
+                                  <p:childTnLst>
+                                    <p:set>
+                                      <p:cBhvr>
+                                        <p:cTn id="6" dur="1" fill="hold">
+                                          <p:stCondLst>
+                                            <p:cond delay="0"/>
+                                          </p:stCondLst>
+                                        </p:cTn>
+                                        <p:tgtEl>
+                                          <p:spTgt spid="5">
+                                            <p:txEl>
+                                              <p:pRg st="2" end="2"/>
+                                            </p:txEl>
+                                          </p:spTgt>
+                                        </p:tgtEl>
+                                        <p:attrNameLst>
+                                          <p:attrName>style.visibility</p:attrName>
+                                        </p:attrNameLst>
+                                      </p:cBhvr>
+                                      <p:to>
+                                        <p:strVal val="visible"/>
+                                      </p:to>
+                                    </p:set>
+                                  </p:childTnLst>
+                                </p:cTn>
+                              </p:par>
+                              <p:par>
+                                <p:cTn id="7" presetID="1" presetClass="entr" presetSubtype="0" fill="hold" nodeType="withEffect">
+                                  <p:stCondLst>
+                                    <p:cond delay="0"/>
+                                  </p:stCondLst>
+                                  <p:childTnLst>
+                                    <p:set>
+                                      <p:cBhvr>
+                                        <p:cTn id="8" dur="1" fill="hold">
+                                          <p:stCondLst>
+                                            <p:cond delay="0"/>
+                                          </p:stCondLst>
+                                        </p:cTn>
+                                        <p:tgtEl>
+                                          <p:spTgt spid="5">
+                                            <p:txEl>
+                                              <p:pRg st="5" end="5"/>
+                                            </p:txEl>
+                                          </p:spTgt>
+                                        </p:tgtEl>
+                                        <p:attrNameLst>
+                                          <p:attrName>style.visibility</p:attrName>
+                                        </p:attrNameLst>
+                                      </p:cBhvr>
+                                      <p:to>
+                                        <p:strVal val="visible"/>
+                                      </p:to>
+                                    </p:set>
+                                  </p:childTnLst>
+                                </p:cTn>
+                              </p:par>
+                              <p:par>
+                                <p:cTn id="9" presetID="1" presetClass="entr" presetSubtype="0" fill="hold" grpId="0" nodeType="withEffect">
+                                  <p:stCondLst>
+                                    <p:cond delay="0"/>
+                                  </p:stCondLst>
+                                  <p:childTnLst>
+                                    <p:set>
+                                      <p:cBhvr>
+                                        <p:cTn id="10" dur="1" fill="hold">
+                                          <p:stCondLst>
+                                            <p:cond delay="0"/>
+                                          </p:stCondLst>
+                                        </p:cTn>
+                                        <p:tgtEl>
+                                          <p:spTgt spid="2"/>
+                                        </p:tgtEl>
+                                        <p:attrNameLst>
+                                          <p:attrName>style.visibility</p:attrName>
+                                        </p:attrNameLst>
+                                      </p:cBhvr>
+                                      <p:to>
+                                        <p:strVal val="visible"/>
+                                      </p:to>
+                                    </p:set>
+                                  </p:childTnLst>
+                                </p:cTn>
+                              </p:par>
+                            </p:childTnLst>
+                          </p:cTn>
+                        </p:par>
+                      </p:childTnLst>
+                    </p:cTn>
+                  </p:par>
+                </p:childTnLst>
+              </p:cTn>
+              <p:prevCondLst>
+                <p:cond evt="onPrev" delay="0">
+                  <p:tgtEl>
+                    <p:sldTgt/>
+                  </p:tgtEl>
+                </p:cond>
+              </p:prevCondLst>
+              <p:nextCondLst>
+                <p:cond evt="onNext" delay="0">
+                  <p:tgtEl>
+                    <p:sldTgt/>
+                  </p:tgtEl>
+                </p:cond>
+              </p:nextCondLst>
+            </p:seq>
+          </p:childTnLst>
+        </p:cTn>
+      </p:par>
+    </p:tnLst>
+    <p:bldLst>
+      <p:bldP spid="2" grpId="0" animBg="1"/>
+    </p:bldLst>
+  </p:timing>
 </p:sld>
 </file>
 

--- a/slides/05_games.pptx
+++ b/slides/05_games.pptx
@@ -2772,7 +2772,7 @@
             <a:fld id="{46E2045A-045A-4BC7-A4D3-1395440B1C3D}" type="datetimeFigureOut">
               <a:rPr lang="en-US" smtClean="0"/>
               <a:pPr/>
-              <a:t>8/11/2023</a:t>
+              <a:t>8/30/2023</a:t>
             </a:fld>
             <a:endParaRPr lang="en-US"/>
           </a:p>
@@ -15361,6 +15361,7 @@
               <a:rPr lang="en-US" sz="1600" dirty="0"/>
               <a:t>perfect information (i.e., fully observable environment).</a:t>
             </a:r>
+            <a:endParaRPr lang="en-US" sz="2000" dirty="0"/>
           </a:p>
           <a:p>
             <a:endParaRPr lang="en-US" sz="2000" dirty="0"/>
@@ -31128,6 +31129,58 @@
             <a:r>
               <a:rPr lang="en-US" sz="2000" dirty="0"/>
               <a:t>Here player x is Max and player o is Min.</a:t>
+            </a:r>
+          </a:p>
+        </p:txBody>
+      </p:sp>
+      <p:sp>
+        <p:nvSpPr>
+          <p:cNvPr id="6" name="TextBox 5">
+            <a:extLst>
+              <a:ext uri="{FF2B5EF4-FFF2-40B4-BE49-F238E27FC236}">
+                <a16:creationId xmlns:a16="http://schemas.microsoft.com/office/drawing/2014/main" id="{269212AB-8DD7-9004-3B87-B2B1784AD06E}"/>
+              </a:ext>
+            </a:extLst>
+          </p:cNvPr>
+          <p:cNvSpPr txBox="1"/>
+          <p:nvPr/>
+        </p:nvSpPr>
+        <p:spPr>
+          <a:xfrm>
+            <a:off x="3962400" y="5943600"/>
+            <a:ext cx="4933950" cy="707886"/>
+          </a:xfrm>
+          <a:prstGeom prst="rect">
+            <a:avLst/>
+          </a:prstGeom>
+        </p:spPr>
+        <p:style>
+          <a:lnRef idx="3">
+            <a:schemeClr val="lt1"/>
+          </a:lnRef>
+          <a:fillRef idx="1">
+            <a:schemeClr val="accent2"/>
+          </a:fillRef>
+          <a:effectRef idx="1">
+            <a:schemeClr val="accent2"/>
+          </a:effectRef>
+          <a:fontRef idx="minor">
+            <a:schemeClr val="lt1"/>
+          </a:fontRef>
+        </p:style>
+        <p:txBody>
+          <a:bodyPr wrap="square" rtlCol="0">
+            <a:spAutoFit/>
+          </a:bodyPr>
+          <a:lstStyle/>
+          <a:p>
+            <a:r>
+              <a:rPr lang="en-US" sz="2000" b="1" dirty="0"/>
+              <a:t>Note</a:t>
+            </a:r>
+            <a:r>
+              <a:rPr lang="en-US" sz="2000" dirty="0"/>
+              <a:t>: This game still uses a goal-based agent that plans actions to reach a winning state!</a:t>
             </a:r>
           </a:p>
         </p:txBody>
@@ -36713,8 +36766,8 @@
           </a:p>
         </p:txBody>
       </p:sp>
-      <mc:AlternateContent xmlns:mc="http://schemas.openxmlformats.org/markup-compatibility/2006">
-        <mc:Choice xmlns:a14="http://schemas.microsoft.com/office/drawing/2010/main" Requires="a14">
+      <mc:AlternateContent xmlns:mc="http://schemas.openxmlformats.org/markup-compatibility/2006" xmlns:a14="http://schemas.microsoft.com/office/drawing/2010/main">
+        <mc:Choice Requires="a14">
           <p:sp>
             <p:nvSpPr>
               <p:cNvPr id="5" name="Content Placeholder 4">
@@ -37046,7 +37099,7 @@
             </p:txBody>
           </p:sp>
         </mc:Choice>
-        <mc:Fallback>
+        <mc:Fallback xmlns="">
           <p:sp>
             <p:nvSpPr>
               <p:cNvPr id="5" name="Content Placeholder 4">

--- a/slides/05_games.pptx
+++ b/slides/05_games.pptx
@@ -2772,7 +2772,7 @@
             <a:fld id="{46E2045A-045A-4BC7-A4D3-1395440B1C3D}" type="datetimeFigureOut">
               <a:rPr lang="en-US" smtClean="0"/>
               <a:pPr/>
-              <a:t>8/30/2023</a:t>
+              <a:t>10/25/2023</a:t>
             </a:fld>
             <a:endParaRPr lang="en-US"/>
           </a:p>
@@ -15333,7 +15333,10 @@
             </a:r>
           </a:p>
           <a:p>
-            <a:endParaRPr lang="en-US" sz="2000" dirty="0"/>
+            <a:r>
+              <a:rPr lang="en-US" sz="2000" dirty="0"/>
+              <a:t>Games are episodic.</a:t>
+            </a:r>
           </a:p>
           <a:p>
             <a:r>
@@ -24338,8 +24341,8 @@
           </a:p>
         </p:txBody>
       </p:sp>
-      <mc:AlternateContent xmlns:mc="http://schemas.openxmlformats.org/markup-compatibility/2006" xmlns:a14="http://schemas.microsoft.com/office/drawing/2010/main">
-        <mc:Choice Requires="a14">
+      <mc:AlternateContent xmlns:mc="http://schemas.openxmlformats.org/markup-compatibility/2006">
+        <mc:Choice xmlns:a14="http://schemas.microsoft.com/office/drawing/2010/main" Requires="a14">
           <p:sp>
             <p:nvSpPr>
               <p:cNvPr id="3" name="Content Placeholder 2">
@@ -24359,7 +24362,7 @@
             <p:spPr>
               <a:xfrm>
                 <a:off x="3724073" y="2438400"/>
-                <a:ext cx="4939867" cy="3785419"/>
+                <a:ext cx="5038927" cy="3785419"/>
               </a:xfrm>
             </p:spPr>
             <p:txBody>
@@ -24385,14 +24388,14 @@
                     <m:sSub>
                       <m:sSubPr>
                         <m:ctrlPr>
-                          <a:rPr lang="en-US" sz="1600" i="1">
+                          <a:rPr lang="en-US" sz="1400" i="1">
                             <a:latin typeface="Cambria Math" panose="02040503050406030204" pitchFamily="18" charset="0"/>
                           </a:rPr>
                         </m:ctrlPr>
                       </m:sSubPr>
                       <m:e>
                         <m:r>
-                          <a:rPr lang="en-US" sz="1600" i="1">
+                          <a:rPr lang="en-US" sz="1400" i="1">
                             <a:latin typeface="Cambria Math" panose="02040503050406030204" pitchFamily="18" charset="0"/>
                           </a:rPr>
                           <m:t>𝑠</m:t>
@@ -24400,7 +24403,7 @@
                       </m:e>
                       <m:sub>
                         <m:r>
-                          <a:rPr lang="en-US" sz="1600" i="1">
+                          <a:rPr lang="en-US" sz="1400" i="1">
                             <a:latin typeface="Cambria Math" panose="02040503050406030204" pitchFamily="18" charset="0"/>
                           </a:rPr>
                           <m:t>0</m:t>
@@ -24410,8 +24413,8 @@
                   </m:oMath>
                 </a14:m>
                 <a:r>
-                  <a:rPr lang="en-US" sz="1600" dirty="0"/>
-                  <a:t>		The initial state (position, board).</a:t>
+                  <a:rPr lang="en-US" sz="1400" dirty="0"/>
+                  <a:t>		The initial state (position, board, hand).</a:t>
                 </a:r>
               </a:p>
               <a:p>
@@ -24421,25 +24424,25 @@
                 <a14:m>
                   <m:oMath xmlns:m="http://schemas.openxmlformats.org/officeDocument/2006/math">
                     <m:r>
-                      <a:rPr lang="en-US" sz="1600" i="1">
+                      <a:rPr lang="en-US" sz="1400" i="1">
                         <a:latin typeface="Cambria Math" panose="02040503050406030204" pitchFamily="18" charset="0"/>
                       </a:rPr>
                       <m:t>𝐴𝑐𝑡𝑖𝑜𝑛𝑠</m:t>
                     </m:r>
                     <m:r>
-                      <a:rPr lang="en-US" sz="1600" i="1">
+                      <a:rPr lang="en-US" sz="1400" i="1">
                         <a:latin typeface="Cambria Math" panose="02040503050406030204" pitchFamily="18" charset="0"/>
                       </a:rPr>
                       <m:t>(</m:t>
                     </m:r>
                     <m:r>
-                      <a:rPr lang="en-US" sz="1600" i="1">
+                      <a:rPr lang="en-US" sz="1400" i="1">
                         <a:latin typeface="Cambria Math" panose="02040503050406030204" pitchFamily="18" charset="0"/>
                       </a:rPr>
                       <m:t>𝑠</m:t>
                     </m:r>
                     <m:r>
-                      <a:rPr lang="en-US" sz="1600" i="1">
+                      <a:rPr lang="en-US" sz="1400" i="1">
                         <a:latin typeface="Cambria Math" panose="02040503050406030204" pitchFamily="18" charset="0"/>
                       </a:rPr>
                       <m:t>)</m:t>
@@ -24447,13 +24450,13 @@
                   </m:oMath>
                 </a14:m>
                 <a:r>
-                  <a:rPr lang="en-US" sz="1600" dirty="0"/>
+                  <a:rPr lang="en-US" sz="1400" dirty="0"/>
                   <a:t> 	Legal moves in state </a:t>
                 </a:r>
                 <a14:m>
                   <m:oMath xmlns:m="http://schemas.openxmlformats.org/officeDocument/2006/math">
                     <m:r>
-                      <a:rPr lang="en-US" sz="1600" i="1">
+                      <a:rPr lang="en-US" sz="1400" i="1">
                         <a:latin typeface="Cambria Math" panose="02040503050406030204" pitchFamily="18" charset="0"/>
                       </a:rPr>
                       <m:t>𝑠</m:t>
@@ -24461,7 +24464,7 @@
                   </m:oMath>
                 </a14:m>
                 <a:r>
-                  <a:rPr lang="en-US" sz="1600" dirty="0"/>
+                  <a:rPr lang="en-US" sz="1400" dirty="0"/>
                   <a:t>. </a:t>
                 </a:r>
               </a:p>
@@ -24472,37 +24475,37 @@
                 <a14:m>
                   <m:oMath xmlns:m="http://schemas.openxmlformats.org/officeDocument/2006/math">
                     <m:r>
-                      <a:rPr lang="en-US" sz="1600" i="1">
+                      <a:rPr lang="en-US" sz="1400" i="1">
                         <a:latin typeface="Cambria Math" panose="02040503050406030204" pitchFamily="18" charset="0"/>
                       </a:rPr>
                       <m:t>𝑅𝑒𝑠𝑢𝑙𝑡</m:t>
                     </m:r>
                     <m:r>
-                      <a:rPr lang="en-US" sz="1600" i="1">
+                      <a:rPr lang="en-US" sz="1400" i="1">
                         <a:latin typeface="Cambria Math" panose="02040503050406030204" pitchFamily="18" charset="0"/>
                       </a:rPr>
                       <m:t>(</m:t>
                     </m:r>
                     <m:r>
-                      <a:rPr lang="en-US" sz="1600" i="1">
+                      <a:rPr lang="en-US" sz="1400" i="1">
                         <a:latin typeface="Cambria Math" panose="02040503050406030204" pitchFamily="18" charset="0"/>
                       </a:rPr>
                       <m:t>𝑠</m:t>
                     </m:r>
                     <m:r>
-                      <a:rPr lang="en-US" sz="1600" i="1">
+                      <a:rPr lang="en-US" sz="1400" i="1">
                         <a:latin typeface="Cambria Math" panose="02040503050406030204" pitchFamily="18" charset="0"/>
                       </a:rPr>
                       <m:t>,</m:t>
                     </m:r>
                     <m:r>
-                      <a:rPr lang="en-US" sz="1600" i="1">
+                      <a:rPr lang="en-US" sz="1400" i="1">
                         <a:latin typeface="Cambria Math" panose="02040503050406030204" pitchFamily="18" charset="0"/>
                       </a:rPr>
                       <m:t>𝑎</m:t>
                     </m:r>
                     <m:r>
-                      <a:rPr lang="en-US" sz="1600" i="1">
+                      <a:rPr lang="en-US" sz="1400" i="1">
                         <a:latin typeface="Cambria Math" panose="02040503050406030204" pitchFamily="18" charset="0"/>
                       </a:rPr>
                       <m:t>)</m:t>
@@ -24510,7 +24513,7 @@
                   </m:oMath>
                 </a14:m>
                 <a:r>
-                  <a:rPr lang="en-US" sz="1600" dirty="0"/>
+                  <a:rPr lang="en-US" sz="1400" dirty="0"/>
                   <a:t>	Transition model.</a:t>
                 </a:r>
               </a:p>
@@ -24521,31 +24524,31 @@
                 <a14:m>
                   <m:oMath xmlns:m="http://schemas.openxmlformats.org/officeDocument/2006/math">
                     <m:r>
-                      <a:rPr lang="en-US" sz="1600" b="0" i="1" smtClean="0">
+                      <a:rPr lang="en-US" sz="1400" b="0" i="1" smtClean="0">
                         <a:latin typeface="Cambria Math" panose="02040503050406030204" pitchFamily="18" charset="0"/>
                       </a:rPr>
                       <m:t>𝑇</m:t>
                     </m:r>
                     <m:r>
-                      <a:rPr lang="en-US" sz="1600" i="1">
+                      <a:rPr lang="en-US" sz="1400" i="1">
                         <a:latin typeface="Cambria Math" panose="02040503050406030204" pitchFamily="18" charset="0"/>
                       </a:rPr>
                       <m:t>𝑒𝑟𝑚𝑖𝑛𝑎𝑙</m:t>
                     </m:r>
                     <m:r>
-                      <a:rPr lang="en-US" sz="1600" i="1">
+                      <a:rPr lang="en-US" sz="1400" i="1">
                         <a:latin typeface="Cambria Math" panose="02040503050406030204" pitchFamily="18" charset="0"/>
                       </a:rPr>
                       <m:t>(</m:t>
                     </m:r>
                     <m:r>
-                      <a:rPr lang="en-US" sz="1600" i="1">
+                      <a:rPr lang="en-US" sz="1400" i="1">
                         <a:latin typeface="Cambria Math" panose="02040503050406030204" pitchFamily="18" charset="0"/>
                       </a:rPr>
                       <m:t>𝑠</m:t>
                     </m:r>
                     <m:r>
-                      <a:rPr lang="en-US" sz="1600" i="1">
+                      <a:rPr lang="en-US" sz="1400" i="1">
                         <a:latin typeface="Cambria Math" panose="02040503050406030204" pitchFamily="18" charset="0"/>
                       </a:rPr>
                       <m:t>)</m:t>
@@ -24553,7 +24556,7 @@
                   </m:oMath>
                 </a14:m>
                 <a:r>
-                  <a:rPr lang="en-US" sz="1600" dirty="0"/>
+                  <a:rPr lang="en-US" sz="1400" dirty="0"/>
                   <a:t> 	Test for terminal states.</a:t>
                 </a:r>
               </a:p>
@@ -24564,25 +24567,25 @@
                 <a14:m>
                   <m:oMath xmlns:m="http://schemas.openxmlformats.org/officeDocument/2006/math">
                     <m:r>
-                      <a:rPr lang="en-US" sz="1600" i="1">
+                      <a:rPr lang="en-US" sz="1400" i="1">
                         <a:latin typeface="Cambria Math" panose="02040503050406030204" pitchFamily="18" charset="0"/>
                       </a:rPr>
                       <m:t>𝑈𝑡𝑖𝑙𝑖𝑡𝑦</m:t>
                     </m:r>
                     <m:r>
-                      <a:rPr lang="en-US" sz="1600" i="1">
+                      <a:rPr lang="en-US" sz="1400" i="1">
                         <a:latin typeface="Cambria Math" panose="02040503050406030204" pitchFamily="18" charset="0"/>
                       </a:rPr>
                       <m:t>(</m:t>
                     </m:r>
                     <m:r>
-                      <a:rPr lang="en-US" sz="1600" i="1">
+                      <a:rPr lang="en-US" sz="1400" i="1">
                         <a:latin typeface="Cambria Math" panose="02040503050406030204" pitchFamily="18" charset="0"/>
                       </a:rPr>
                       <m:t>𝑠</m:t>
                     </m:r>
                     <m:r>
-                      <a:rPr lang="en-US" sz="1600" i="1">
+                      <a:rPr lang="en-US" sz="1400" i="1">
                         <a:latin typeface="Cambria Math" panose="02040503050406030204" pitchFamily="18" charset="0"/>
                       </a:rPr>
                       <m:t>)</m:t>
@@ -24590,8 +24593,8 @@
                   </m:oMath>
                 </a14:m>
                 <a:r>
-                  <a:rPr lang="en-US" sz="1600" dirty="0"/>
-                  <a:t>	Utility for player Max.</a:t>
+                  <a:rPr lang="en-US" sz="1400" dirty="0"/>
+                  <a:t>	Utility for player Max for terminal states.</a:t>
                 </a:r>
               </a:p>
               <a:p>
@@ -24620,7 +24623,7 @@
             </p:txBody>
           </p:sp>
         </mc:Choice>
-        <mc:Fallback xmlns="">
+        <mc:Fallback>
           <p:sp>
             <p:nvSpPr>
               <p:cNvPr id="3" name="Content Placeholder 2">
@@ -24640,12 +24643,12 @@
             <p:spPr>
               <a:xfrm>
                 <a:off x="3724073" y="2438400"/>
-                <a:ext cx="4939867" cy="3785419"/>
+                <a:ext cx="5038927" cy="3785419"/>
               </a:xfrm>
               <a:blipFill>
                 <a:blip r:embed="rId2"/>
                 <a:stretch>
-                  <a:fillRect l="-494" t="-1127" b="-4187"/>
+                  <a:fillRect l="-484" t="-1127" b="-483"/>
                 </a:stretch>
               </a:blipFill>
             </p:spPr>
@@ -30744,8 +30747,8 @@
           </a:p>
         </p:txBody>
       </p:sp>
-      <mc:AlternateContent xmlns:mc="http://schemas.openxmlformats.org/markup-compatibility/2006" xmlns:a14="http://schemas.microsoft.com/office/drawing/2010/main">
-        <mc:Choice Requires="a14">
+      <mc:AlternateContent xmlns:mc="http://schemas.openxmlformats.org/markup-compatibility/2006">
+        <mc:Choice xmlns:a14="http://schemas.microsoft.com/office/drawing/2010/main" Requires="a14">
           <p:sp>
             <p:nvSpPr>
               <p:cNvPr id="3" name="Content Placeholder 2">
@@ -30845,7 +30848,7 @@
                 </a14:m>
                 <a:r>
                   <a:rPr lang="en-US" sz="2400" dirty="0"/>
-                  <a:t>		Empty squares.</a:t>
+                  <a:t>		Play empty squares.</a:t>
                 </a:r>
               </a:p>
               <a:p>
@@ -30894,7 +30897,7 @@
                 </a14:m>
                 <a:r>
                   <a:rPr lang="en-US" sz="2400" dirty="0"/>
-                  <a:t>		Place symbol (x/o) on empty square.</a:t>
+                  <a:t>		Symbol (x/o) is placed on empty square.</a:t>
                 </a:r>
               </a:p>
               <a:p>
@@ -30992,7 +30995,7 @@
             </p:txBody>
           </p:sp>
         </mc:Choice>
-        <mc:Fallback xmlns="">
+        <mc:Fallback>
           <p:sp>
             <p:nvSpPr>
               <p:cNvPr id="3" name="Content Placeholder 2">
@@ -31147,8 +31150,8 @@
         </p:nvSpPr>
         <p:spPr>
           <a:xfrm>
-            <a:off x="3962400" y="5943600"/>
-            <a:ext cx="4933950" cy="707886"/>
+            <a:off x="3562350" y="5943600"/>
+            <a:ext cx="5334000" cy="707886"/>
           </a:xfrm>
           <a:prstGeom prst="rect">
             <a:avLst/>
@@ -31180,7 +31183,7 @@
             </a:r>
             <a:r>
               <a:rPr lang="en-US" sz="2000" dirty="0"/>
-              <a:t>: This game still uses a goal-based agent that plans actions to reach a winning state!</a:t>
+              <a:t>: This game still uses a goal-based agent that plans actions to reach a winning terminal  state!</a:t>
             </a:r>
           </a:p>
         </p:txBody>
@@ -33829,7 +33832,7 @@
           <p:nvPr/>
         </p:nvPicPr>
         <p:blipFill rotWithShape="1">
-          <a:blip r:embed="rId2"/>
+          <a:blip r:embed="rId3"/>
           <a:srcRect l="20780" t="50229" r="70729" b="24293"/>
           <a:stretch/>
         </p:blipFill>
@@ -34358,13 +34361,13 @@
         </p:nvSpPr>
         <p:spPr>
           <a:xfrm>
-            <a:off x="227581" y="5167310"/>
-            <a:ext cx="915420" cy="487363"/>
+            <a:off x="227580" y="5029200"/>
+            <a:ext cx="1067819" cy="625473"/>
           </a:xfrm>
           <a:prstGeom prst="wedgeRectCallout">
             <a:avLst>
-              <a:gd name="adj1" fmla="val 57343"/>
-              <a:gd name="adj2" fmla="val 96673"/>
+              <a:gd name="adj1" fmla="val 51634"/>
+              <a:gd name="adj2" fmla="val 82595"/>
             </a:avLst>
           </a:prstGeom>
         </p:spPr>
@@ -34391,7 +34394,55 @@
             <a:pPr algn="ctr"/>
             <a:r>
               <a:rPr lang="en-US" sz="1400" dirty="0"/>
-              <a:t>Terminal &amp; utility</a:t>
+              <a:t>Terminal states have utility</a:t>
+            </a:r>
+          </a:p>
+        </p:txBody>
+      </p:sp>
+      <p:sp>
+        <p:nvSpPr>
+          <p:cNvPr id="9" name="TextBox 8">
+            <a:extLst>
+              <a:ext uri="{FF2B5EF4-FFF2-40B4-BE49-F238E27FC236}">
+                <a16:creationId xmlns:a16="http://schemas.microsoft.com/office/drawing/2014/main" id="{991F581A-3959-5078-EF83-10D79F218BCC}"/>
+              </a:ext>
+            </a:extLst>
+          </p:cNvPr>
+          <p:cNvSpPr txBox="1"/>
+          <p:nvPr/>
+        </p:nvSpPr>
+        <p:spPr>
+          <a:xfrm>
+            <a:off x="304800" y="1345365"/>
+            <a:ext cx="1262512" cy="461665"/>
+          </a:xfrm>
+          <a:prstGeom prst="rect">
+            <a:avLst/>
+          </a:prstGeom>
+        </p:spPr>
+        <p:style>
+          <a:lnRef idx="3">
+            <a:schemeClr val="lt1"/>
+          </a:lnRef>
+          <a:fillRef idx="1">
+            <a:schemeClr val="accent2"/>
+          </a:fillRef>
+          <a:effectRef idx="1">
+            <a:schemeClr val="accent2"/>
+          </a:effectRef>
+          <a:fontRef idx="minor">
+            <a:schemeClr val="lt1"/>
+          </a:fontRef>
+        </p:style>
+        <p:txBody>
+          <a:bodyPr wrap="square" rtlCol="0">
+            <a:spAutoFit/>
+          </a:bodyPr>
+          <a:lstStyle/>
+          <a:p>
+            <a:r>
+              <a:rPr lang="en-US" sz="1200" dirty="0"/>
+              <a:t>Note: This game has no cycles!</a:t>
             </a:r>
           </a:p>
         </p:txBody>
@@ -34643,7 +34694,7 @@
                                 </p:cTn>
                               </p:par>
                               <p:par>
-                                <p:cTn id="23" presetID="1" presetClass="entr" presetSubtype="0" fill="hold" nodeType="withEffect">
+                                <p:cTn id="23" presetID="1" presetClass="entr" presetSubtype="0" fill="hold" grpId="0" nodeType="withEffect">
                                   <p:stCondLst>
                                     <p:cond delay="0"/>
                                   </p:stCondLst>
@@ -34651,6 +34702,33 @@
                                     <p:set>
                                       <p:cBhvr>
                                         <p:cTn id="24" dur="1" fill="hold">
+                                          <p:stCondLst>
+                                            <p:cond delay="0"/>
+                                          </p:stCondLst>
+                                        </p:cTn>
+                                        <p:tgtEl>
+                                          <p:spTgt spid="9"/>
+                                        </p:tgtEl>
+                                        <p:attrNameLst>
+                                          <p:attrName>style.visibility</p:attrName>
+                                        </p:attrNameLst>
+                                      </p:cBhvr>
+                                      <p:to>
+                                        <p:strVal val="visible"/>
+                                      </p:to>
+                                    </p:set>
+                                  </p:childTnLst>
+                                </p:cTn>
+                              </p:par>
+                              <p:par>
+                                <p:cTn id="25" presetID="1" presetClass="entr" presetSubtype="0" fill="hold" nodeType="withEffect">
+                                  <p:stCondLst>
+                                    <p:cond delay="0"/>
+                                  </p:stCondLst>
+                                  <p:childTnLst>
+                                    <p:set>
+                                      <p:cBhvr>
+                                        <p:cTn id="26" dur="1" fill="hold">
                                           <p:stCondLst>
                                             <p:cond delay="0"/>
                                           </p:stCondLst>
@@ -34670,14 +34748,14 @@
                                 </p:cTn>
                               </p:par>
                               <p:par>
-                                <p:cTn id="25" presetID="1" presetClass="entr" presetSubtype="0" fill="hold" grpId="0" nodeType="withEffect">
+                                <p:cTn id="27" presetID="1" presetClass="entr" presetSubtype="0" fill="hold" grpId="0" nodeType="withEffect">
                                   <p:stCondLst>
                                     <p:cond delay="0"/>
                                   </p:stCondLst>
                                   <p:childTnLst>
                                     <p:set>
                                       <p:cBhvr>
-                                        <p:cTn id="26" dur="1" fill="hold">
+                                        <p:cTn id="28" dur="1" fill="hold">
                                           <p:stCondLst>
                                             <p:cond delay="0"/>
                                           </p:stCondLst>
@@ -34703,46 +34781,19 @@
                     </p:cTn>
                   </p:par>
                   <p:par>
-                    <p:cTn id="27" fill="hold">
+                    <p:cTn id="29" fill="hold">
                       <p:stCondLst>
                         <p:cond delay="indefinite"/>
                       </p:stCondLst>
                       <p:childTnLst>
                         <p:par>
-                          <p:cTn id="28" fill="hold">
+                          <p:cTn id="30" fill="hold">
                             <p:stCondLst>
                               <p:cond delay="0"/>
                             </p:stCondLst>
                             <p:childTnLst>
                               <p:par>
-                                <p:cTn id="29" presetID="1" presetClass="entr" presetSubtype="0" fill="hold" grpId="0" nodeType="clickEffect">
-                                  <p:stCondLst>
-                                    <p:cond delay="0"/>
-                                  </p:stCondLst>
-                                  <p:childTnLst>
-                                    <p:set>
-                                      <p:cBhvr>
-                                        <p:cTn id="30" dur="1" fill="hold">
-                                          <p:stCondLst>
-                                            <p:cond delay="0"/>
-                                          </p:stCondLst>
-                                        </p:cTn>
-                                        <p:tgtEl>
-                                          <p:spTgt spid="3"/>
-                                        </p:tgtEl>
-                                        <p:attrNameLst>
-                                          <p:attrName>style.visibility</p:attrName>
-                                        </p:attrNameLst>
-                                      </p:cBhvr>
-                                      <p:to>
-                                        <p:strVal val="visible"/>
-                                      </p:to>
-                                    </p:set>
-                                  </p:childTnLst>
-                                </p:cTn>
-                              </p:par>
-                              <p:par>
-                                <p:cTn id="31" presetID="1" presetClass="entr" presetSubtype="0" fill="hold" grpId="0" nodeType="withEffect">
+                                <p:cTn id="31" presetID="1" presetClass="entr" presetSubtype="0" fill="hold" grpId="0" nodeType="clickEffect">
                                   <p:stCondLst>
                                     <p:cond delay="0"/>
                                   </p:stCondLst>
@@ -34755,7 +34806,7 @@
                                           </p:stCondLst>
                                         </p:cTn>
                                         <p:tgtEl>
-                                          <p:spTgt spid="10"/>
+                                          <p:spTgt spid="3"/>
                                         </p:tgtEl>
                                         <p:attrNameLst>
                                           <p:attrName>style.visibility</p:attrName>
@@ -34782,7 +34833,7 @@
                                           </p:stCondLst>
                                         </p:cTn>
                                         <p:tgtEl>
-                                          <p:spTgt spid="8"/>
+                                          <p:spTgt spid="10"/>
                                         </p:tgtEl>
                                         <p:attrNameLst>
                                           <p:attrName>style.visibility</p:attrName>
@@ -34809,7 +34860,7 @@
                                           </p:stCondLst>
                                         </p:cTn>
                                         <p:tgtEl>
-                                          <p:spTgt spid="5"/>
+                                          <p:spTgt spid="8"/>
                                         </p:tgtEl>
                                         <p:attrNameLst>
                                           <p:attrName>style.visibility</p:attrName>
@@ -34831,6 +34882,33 @@
                                     <p:set>
                                       <p:cBhvr>
                                         <p:cTn id="38" dur="1" fill="hold">
+                                          <p:stCondLst>
+                                            <p:cond delay="0"/>
+                                          </p:stCondLst>
+                                        </p:cTn>
+                                        <p:tgtEl>
+                                          <p:spTgt spid="5"/>
+                                        </p:tgtEl>
+                                        <p:attrNameLst>
+                                          <p:attrName>style.visibility</p:attrName>
+                                        </p:attrNameLst>
+                                      </p:cBhvr>
+                                      <p:to>
+                                        <p:strVal val="visible"/>
+                                      </p:to>
+                                    </p:set>
+                                  </p:childTnLst>
+                                </p:cTn>
+                              </p:par>
+                              <p:par>
+                                <p:cTn id="39" presetID="1" presetClass="entr" presetSubtype="0" fill="hold" grpId="0" nodeType="withEffect">
+                                  <p:stCondLst>
+                                    <p:cond delay="0"/>
+                                  </p:stCondLst>
+                                  <p:childTnLst>
+                                    <p:set>
+                                      <p:cBhvr>
+                                        <p:cTn id="40" dur="1" fill="hold">
                                           <p:stCondLst>
                                             <p:cond delay="0"/>
                                           </p:stCondLst>
@@ -34888,6 +34966,7 @@
       <p:bldP spid="17" grpId="0" animBg="1"/>
       <p:bldP spid="20" grpId="0" animBg="1"/>
       <p:bldP spid="22" grpId="0" animBg="1"/>
+      <p:bldP spid="9" grpId="0" animBg="1"/>
     </p:bldLst>
   </p:timing>
 </p:sld>

--- a/slides/05_games.pptx
+++ b/slides/05_games.pptx
@@ -1131,8 +1131,8 @@
       </dsp:nvSpPr>
       <dsp:spPr>
         <a:xfrm rot="21300000">
-          <a:off x="1252214" y="801279"/>
-          <a:ext cx="4601220" cy="402554"/>
+          <a:off x="979649" y="887917"/>
+          <a:ext cx="5098725" cy="446080"/>
         </a:xfrm>
         <a:prstGeom prst="mathMinus">
           <a:avLst/>
@@ -1180,8 +1180,8 @@
       </dsp:nvSpPr>
       <dsp:spPr>
         <a:xfrm>
-          <a:off x="852678" y="100255"/>
-          <a:ext cx="2131695" cy="802045"/>
+          <a:off x="846963" y="111095"/>
+          <a:ext cx="2117407" cy="888766"/>
         </a:xfrm>
         <a:prstGeom prst="downArrow">
           <a:avLst/>
@@ -1230,8 +1230,8 @@
       </dsp:nvSpPr>
       <dsp:spPr>
         <a:xfrm>
-          <a:off x="3144244" y="0"/>
-          <a:ext cx="3517308" cy="842147"/>
+          <a:off x="3123170" y="0"/>
+          <a:ext cx="3493733" cy="933204"/>
         </a:xfrm>
         <a:prstGeom prst="rect">
           <a:avLst/>
@@ -1255,12 +1255,12 @@
         <a:fontRef idx="minor"/>
       </dsp:style>
       <dsp:txBody>
-        <a:bodyPr spcFirstLastPara="0" vert="horz" wrap="square" lIns="99568" tIns="99568" rIns="99568" bIns="99568" numCol="1" spcCol="1270" anchor="ctr" anchorCtr="0">
+        <a:bodyPr spcFirstLastPara="0" vert="horz" wrap="square" lIns="106680" tIns="106680" rIns="106680" bIns="106680" numCol="1" spcCol="1270" anchor="ctr" anchorCtr="0">
           <a:noAutofit/>
         </a:bodyPr>
         <a:lstStyle/>
         <a:p>
-          <a:pPr marL="0" lvl="0" indent="0" algn="ctr" defTabSz="622300">
+          <a:pPr marL="0" lvl="0" indent="0" algn="ctr" defTabSz="666750">
             <a:lnSpc>
               <a:spcPct val="90000"/>
             </a:lnSpc>
@@ -1274,18 +1274,18 @@
             <a:buNone/>
           </a:pPr>
           <a:r>
-            <a:rPr lang="en-US" sz="1400" b="1" kern="1200" dirty="0"/>
+            <a:rPr lang="en-US" sz="1500" b="1" kern="1200" dirty="0"/>
             <a:t>Exploration</a:t>
           </a:r>
           <a:r>
-            <a:rPr lang="en-US" sz="1400" kern="1200" dirty="0"/>
+            <a:rPr lang="en-US" sz="1500" kern="1200" dirty="0"/>
             <a:t>: perform more playouts from states that currently have no or few playouts.</a:t>
           </a:r>
         </a:p>
       </dsp:txBody>
       <dsp:txXfrm>
-        <a:off x="3144244" y="0"/>
-        <a:ext cx="3517308" cy="842147"/>
+        <a:off x="3123170" y="0"/>
+        <a:ext cx="3493733" cy="933204"/>
       </dsp:txXfrm>
     </dsp:sp>
     <dsp:sp modelId="{EC55A2F8-97C2-4D3B-ADF8-DBE6FB6A38DF}">
@@ -1295,8 +1295,8 @@
       </dsp:nvSpPr>
       <dsp:spPr>
         <a:xfrm>
-          <a:off x="4121277" y="1102812"/>
-          <a:ext cx="2131695" cy="802045"/>
+          <a:off x="4093654" y="1222053"/>
+          <a:ext cx="2117407" cy="888766"/>
         </a:xfrm>
         <a:prstGeom prst="upArrow">
           <a:avLst/>
@@ -1345,8 +1345,8 @@
       </dsp:nvSpPr>
       <dsp:spPr>
         <a:xfrm>
-          <a:off x="203551" y="1162966"/>
-          <a:ext cx="3998400" cy="842147"/>
+          <a:off x="202187" y="1288711"/>
+          <a:ext cx="3971601" cy="933204"/>
         </a:xfrm>
         <a:prstGeom prst="rect">
           <a:avLst/>
@@ -1370,12 +1370,12 @@
         <a:fontRef idx="minor"/>
       </dsp:style>
       <dsp:txBody>
-        <a:bodyPr spcFirstLastPara="0" vert="horz" wrap="square" lIns="92456" tIns="92456" rIns="92456" bIns="92456" numCol="1" spcCol="1270" anchor="ctr" anchorCtr="0">
+        <a:bodyPr spcFirstLastPara="0" vert="horz" wrap="square" lIns="99568" tIns="99568" rIns="99568" bIns="99568" numCol="1" spcCol="1270" anchor="ctr" anchorCtr="0">
           <a:noAutofit/>
         </a:bodyPr>
         <a:lstStyle/>
         <a:p>
-          <a:pPr marL="0" lvl="0" indent="0" algn="ctr" defTabSz="577850">
+          <a:pPr marL="0" lvl="0" indent="0" algn="ctr" defTabSz="622300">
             <a:lnSpc>
               <a:spcPct val="90000"/>
             </a:lnSpc>
@@ -1389,18 +1389,18 @@
             <a:buNone/>
           </a:pPr>
           <a:r>
-            <a:rPr lang="en-US" sz="1300" b="1" kern="1200" dirty="0"/>
+            <a:rPr lang="en-US" sz="1400" b="1" kern="1200" dirty="0"/>
             <a:t>Exploitation</a:t>
           </a:r>
           <a:r>
-            <a:rPr lang="en-US" sz="1300" kern="1200" dirty="0"/>
+            <a:rPr lang="en-US" sz="1400" kern="1200" dirty="0"/>
             <a:t>: more playouts for states that have done well to get more accurate estimates.</a:t>
           </a:r>
         </a:p>
       </dsp:txBody>
       <dsp:txXfrm>
-        <a:off x="203551" y="1162966"/>
-        <a:ext cx="3998400" cy="842147"/>
+        <a:off x="202187" y="1288711"/>
+        <a:ext cx="3971601" cy="933204"/>
       </dsp:txXfrm>
     </dsp:sp>
   </dsp:spTree>
@@ -2772,7 +2772,7 @@
             <a:fld id="{46E2045A-045A-4BC7-A4D3-1395440B1C3D}" type="datetimeFigureOut">
               <a:rPr lang="en-US" smtClean="0"/>
               <a:pPr/>
-              <a:t>10/25/2023</a:t>
+              <a:t>10/30/2023</a:t>
             </a:fld>
             <a:endParaRPr lang="en-US"/>
           </a:p>
@@ -14560,7 +14560,59 @@
         <p:spPr>
           <a:xfrm>
             <a:off x="2971800" y="3612798"/>
-            <a:ext cx="2438400" cy="266687"/>
+            <a:ext cx="2438400" cy="502002"/>
+          </a:xfrm>
+          <a:prstGeom prst="wedgeRectCallout">
+            <a:avLst>
+              <a:gd name="adj1" fmla="val -82131"/>
+              <a:gd name="adj2" fmla="val -48300"/>
+            </a:avLst>
+          </a:prstGeom>
+        </p:spPr>
+        <p:style>
+          <a:lnRef idx="2">
+            <a:schemeClr val="accent1">
+              <a:shade val="50000"/>
+            </a:schemeClr>
+          </a:lnRef>
+          <a:fillRef idx="1">
+            <a:schemeClr val="accent1"/>
+          </a:fillRef>
+          <a:effectRef idx="0">
+            <a:schemeClr val="accent1"/>
+          </a:effectRef>
+          <a:fontRef idx="minor">
+            <a:schemeClr val="lt1"/>
+          </a:fontRef>
+        </p:style>
+        <p:txBody>
+          <a:bodyPr rtlCol="0" anchor="ctr"/>
+          <a:lstStyle/>
+          <a:p>
+            <a:pPr algn="ctr"/>
+            <a:r>
+              <a:rPr lang="en-US" dirty="0"/>
+              <a:t>Found a better action? Find the maximum.</a:t>
+            </a:r>
+          </a:p>
+        </p:txBody>
+      </p:sp>
+      <p:sp>
+        <p:nvSpPr>
+          <p:cNvPr id="9" name="Speech Bubble: Rectangle 8">
+            <a:extLst>
+              <a:ext uri="{FF2B5EF4-FFF2-40B4-BE49-F238E27FC236}">
+                <a16:creationId xmlns:a16="http://schemas.microsoft.com/office/drawing/2014/main" id="{AF5EA241-61A6-49F9-9962-CFEED31B432F}"/>
+              </a:ext>
+            </a:extLst>
+          </p:cNvPr>
+          <p:cNvSpPr/>
+          <p:nvPr/>
+        </p:nvSpPr>
+        <p:spPr>
+          <a:xfrm>
+            <a:off x="2895600" y="5791200"/>
+            <a:ext cx="2438400" cy="551960"/>
           </a:xfrm>
           <a:prstGeom prst="wedgeRectCallout">
             <a:avLst>
@@ -14595,56 +14647,11 @@
               <a:t>Found a better action?</a:t>
             </a:r>
           </a:p>
-        </p:txBody>
-      </p:sp>
-      <p:sp>
-        <p:nvSpPr>
-          <p:cNvPr id="9" name="Speech Bubble: Rectangle 8">
-            <a:extLst>
-              <a:ext uri="{FF2B5EF4-FFF2-40B4-BE49-F238E27FC236}">
-                <a16:creationId xmlns:a16="http://schemas.microsoft.com/office/drawing/2014/main" id="{AF5EA241-61A6-49F9-9962-CFEED31B432F}"/>
-              </a:ext>
-            </a:extLst>
-          </p:cNvPr>
-          <p:cNvSpPr/>
-          <p:nvPr/>
-        </p:nvSpPr>
-        <p:spPr>
-          <a:xfrm>
-            <a:off x="2971800" y="5848840"/>
-            <a:ext cx="2438400" cy="266687"/>
-          </a:xfrm>
-          <a:prstGeom prst="wedgeRectCallout">
-            <a:avLst>
-              <a:gd name="adj1" fmla="val -80742"/>
-              <a:gd name="adj2" fmla="val -37506"/>
-            </a:avLst>
-          </a:prstGeom>
-        </p:spPr>
-        <p:style>
-          <a:lnRef idx="2">
-            <a:schemeClr val="accent1">
-              <a:shade val="50000"/>
-            </a:schemeClr>
-          </a:lnRef>
-          <a:fillRef idx="1">
-            <a:schemeClr val="accent1"/>
-          </a:fillRef>
-          <a:effectRef idx="0">
-            <a:schemeClr val="accent1"/>
-          </a:effectRef>
-          <a:fontRef idx="minor">
-            <a:schemeClr val="lt1"/>
-          </a:fontRef>
-        </p:style>
-        <p:txBody>
-          <a:bodyPr rtlCol="0" anchor="ctr"/>
-          <a:lstStyle/>
           <a:p>
             <a:pPr algn="ctr"/>
             <a:r>
               <a:rPr lang="en-US" dirty="0"/>
-              <a:t>Found a better action?</a:t>
+              <a:t>Find the minimum.</a:t>
             </a:r>
           </a:p>
         </p:txBody>
@@ -17295,8 +17302,8 @@
           </a:fontRef>
         </p:style>
       </p:cxnSp>
-      <mc:AlternateContent xmlns:mc="http://schemas.openxmlformats.org/markup-compatibility/2006" xmlns:a14="http://schemas.microsoft.com/office/drawing/2010/main">
-        <mc:Choice Requires="a14">
+      <mc:AlternateContent xmlns:mc="http://schemas.openxmlformats.org/markup-compatibility/2006">
+        <mc:Choice xmlns:a14="http://schemas.microsoft.com/office/drawing/2010/main" Requires="a14">
           <p:sp>
             <p:nvSpPr>
               <p:cNvPr id="51" name="TextBox 50">
@@ -17311,8 +17318,8 @@
             </p:nvSpPr>
             <p:spPr>
               <a:xfrm>
-                <a:off x="7289396" y="4924961"/>
-                <a:ext cx="1652521" cy="1323439"/>
+                <a:off x="7309106" y="4924961"/>
+                <a:ext cx="1670078" cy="1323439"/>
               </a:xfrm>
               <a:prstGeom prst="rect">
                 <a:avLst/>
@@ -17340,7 +17347,14 @@
               <a:p>
                 <a:r>
                   <a:rPr lang="en-US" sz="1600" dirty="0"/>
-                  <a:t>Once a subtree is fully evaluated, the interval has a length of 0 (</a:t>
+                  <a:t>Once a subtree is fully evaluated, the interval has a length of 0 </a:t>
+                </a:r>
+                <a:br>
+                  <a:rPr lang="en-US" sz="1600" dirty="0"/>
+                </a:br>
+                <a:r>
+                  <a:rPr lang="en-US" sz="1600" dirty="0"/>
+                  <a:t>(</a:t>
                 </a:r>
                 <a14:m>
                   <m:oMath xmlns:m="http://schemas.openxmlformats.org/officeDocument/2006/math">
@@ -17372,7 +17386,7 @@
             </p:txBody>
           </p:sp>
         </mc:Choice>
-        <mc:Fallback xmlns="">
+        <mc:Fallback>
           <p:sp>
             <p:nvSpPr>
               <p:cNvPr id="51" name="TextBox 50">
@@ -17389,8 +17403,8 @@
             </p:nvSpPr>
             <p:spPr>
               <a:xfrm>
-                <a:off x="7289396" y="4924961"/>
-                <a:ext cx="1652521" cy="1323439"/>
+                <a:off x="7309106" y="4924961"/>
+                <a:ext cx="1670078" cy="1323439"/>
               </a:xfrm>
               <a:prstGeom prst="rect">
                 <a:avLst/>
@@ -17398,7 +17412,7 @@
               <a:blipFill>
                 <a:blip r:embed="rId5"/>
                 <a:stretch>
-                  <a:fillRect l="-1825" t="-909" r="-1095" b="-4091"/>
+                  <a:fillRect l="-1444" t="-909" b="-4091"/>
                 </a:stretch>
               </a:blipFill>
             </p:spPr>
@@ -18579,7 +18593,7 @@
             <a:pPr algn="ctr"/>
             <a:r>
               <a:rPr lang="en-US" sz="1400" dirty="0"/>
-              <a:t>Abandon subtree if Max finds an actions that has more value than the best known move Min has in another subtree.</a:t>
+              <a:t>Abandon subtree if Max finds an actions that has more value than the best-known move Min has in another subtree.</a:t>
             </a:r>
           </a:p>
         </p:txBody>
@@ -18777,7 +18791,7 @@
             <a:pPr algn="ctr"/>
             <a:r>
               <a:rPr lang="en-US" sz="1400" dirty="0"/>
-              <a:t>Abandon subtree if Min finds an actions that has less value than the best known move Max has in another subtree.</a:t>
+              <a:t>Abandon subtree if Min finds an actions that has less value than the best-known move Max has in another subtree.</a:t>
             </a:r>
           </a:p>
         </p:txBody>
@@ -22983,8 +22997,8 @@
         </p:nvSpPr>
         <p:spPr>
           <a:xfrm>
-            <a:off x="6122732" y="2300230"/>
-            <a:ext cx="304800" cy="523220"/>
+            <a:off x="5605613" y="2300230"/>
+            <a:ext cx="821919" cy="523220"/>
           </a:xfrm>
           <a:prstGeom prst="rect">
             <a:avLst/>
@@ -23133,8 +23147,8 @@
         </p:nvSpPr>
         <p:spPr>
           <a:xfrm>
-            <a:off x="6906027" y="1686580"/>
-            <a:ext cx="1552173" cy="523220"/>
+            <a:off x="6324600" y="1686580"/>
+            <a:ext cx="2624287" cy="523220"/>
           </a:xfrm>
           <a:prstGeom prst="rect">
             <a:avLst/>
@@ -23156,14 +23170,14 @@
               <a:t>x </a:t>
             </a:r>
             <a:r>
-              <a:rPr lang="en-US" sz="2000" dirty="0">
+              <a:rPr lang="en-US" sz="1600" dirty="0">
                 <a:solidFill>
                   <a:srgbClr val="FF0000"/>
                 </a:solidFill>
               </a:rPr>
-              <a:t>… pruned</a:t>
-            </a:r>
-            <a:endParaRPr lang="en-US" sz="2800" dirty="0">
+              <a:t>… prune low HMV actions</a:t>
+            </a:r>
+            <a:endParaRPr lang="en-US" sz="2000" dirty="0">
               <a:solidFill>
                 <a:srgbClr val="FF0000"/>
               </a:solidFill>
@@ -23182,13 +23196,14 @@
           </p:cNvPr>
           <p:cNvCxnSpPr>
             <a:cxnSpLocks/>
+            <a:endCxn id="4" idx="3"/>
           </p:cNvCxnSpPr>
           <p:nvPr/>
         </p:nvCxnSpPr>
         <p:spPr>
           <a:xfrm>
             <a:off x="762000" y="4114801"/>
-            <a:ext cx="4218785" cy="9278"/>
+            <a:ext cx="7543800" cy="32447"/>
           </a:xfrm>
           <a:prstGeom prst="line">
             <a:avLst/>
@@ -23885,50 +23900,6 @@
       </p:sp>
       <p:sp>
         <p:nvSpPr>
-          <p:cNvPr id="9" name="Right Brace 8">
-            <a:extLst>
-              <a:ext uri="{FF2B5EF4-FFF2-40B4-BE49-F238E27FC236}">
-                <a16:creationId xmlns:a16="http://schemas.microsoft.com/office/drawing/2014/main" id="{5AD0988B-B84F-479E-B50E-EB4DFF1C3F0C}"/>
-              </a:ext>
-            </a:extLst>
-          </p:cNvPr>
-          <p:cNvSpPr/>
-          <p:nvPr/>
-        </p:nvSpPr>
-        <p:spPr>
-          <a:xfrm rot="5400000">
-            <a:off x="5444940" y="2403660"/>
-            <a:ext cx="216271" cy="1809752"/>
-          </a:xfrm>
-          <a:prstGeom prst="rightBrace">
-            <a:avLst/>
-          </a:prstGeom>
-        </p:spPr>
-        <p:style>
-          <a:lnRef idx="1">
-            <a:schemeClr val="accent1"/>
-          </a:lnRef>
-          <a:fillRef idx="0">
-            <a:schemeClr val="accent1"/>
-          </a:fillRef>
-          <a:effectRef idx="0">
-            <a:schemeClr val="accent1"/>
-          </a:effectRef>
-          <a:fontRef idx="minor">
-            <a:schemeClr val="tx1"/>
-          </a:fontRef>
-        </p:style>
-        <p:txBody>
-          <a:bodyPr rtlCol="0" anchor="ctr"/>
-          <a:lstStyle/>
-          <a:p>
-            <a:pPr algn="ctr"/>
-            <a:endParaRPr lang="en-US"/>
-          </a:p>
-        </p:txBody>
-      </p:sp>
-      <p:sp>
-        <p:nvSpPr>
           <p:cNvPr id="10" name="TextBox 9">
             <a:extLst>
               <a:ext uri="{FF2B5EF4-FFF2-40B4-BE49-F238E27FC236}">
@@ -23976,6 +23947,129 @@
           </a:p>
         </p:txBody>
       </p:sp>
+      <p:cxnSp>
+        <p:nvCxnSpPr>
+          <p:cNvPr id="7" name="Straight Arrow Connector 6">
+            <a:extLst>
+              <a:ext uri="{FF2B5EF4-FFF2-40B4-BE49-F238E27FC236}">
+                <a16:creationId xmlns:a16="http://schemas.microsoft.com/office/drawing/2014/main" id="{D8F76615-1DE4-C6C8-D0E2-671D50092CC2}"/>
+              </a:ext>
+            </a:extLst>
+          </p:cNvPr>
+          <p:cNvCxnSpPr>
+            <a:cxnSpLocks/>
+          </p:cNvCxnSpPr>
+          <p:nvPr/>
+        </p:nvCxnSpPr>
+        <p:spPr>
+          <a:xfrm>
+            <a:off x="4876802" y="3149896"/>
+            <a:ext cx="295274" cy="279104"/>
+          </a:xfrm>
+          <a:prstGeom prst="straightConnector1">
+            <a:avLst/>
+          </a:prstGeom>
+          <a:ln>
+            <a:tailEnd type="triangle"/>
+          </a:ln>
+        </p:spPr>
+        <p:style>
+          <a:lnRef idx="3">
+            <a:schemeClr val="accent1"/>
+          </a:lnRef>
+          <a:fillRef idx="0">
+            <a:schemeClr val="accent1"/>
+          </a:fillRef>
+          <a:effectRef idx="2">
+            <a:schemeClr val="accent1"/>
+          </a:effectRef>
+          <a:fontRef idx="minor">
+            <a:schemeClr val="tx1"/>
+          </a:fontRef>
+        </p:style>
+      </p:cxnSp>
+      <p:cxnSp>
+        <p:nvCxnSpPr>
+          <p:cNvPr id="11" name="Straight Arrow Connector 10">
+            <a:extLst>
+              <a:ext uri="{FF2B5EF4-FFF2-40B4-BE49-F238E27FC236}">
+                <a16:creationId xmlns:a16="http://schemas.microsoft.com/office/drawing/2014/main" id="{83D3AFB8-A28D-4B7F-AEEA-3B2ADA2968EB}"/>
+              </a:ext>
+            </a:extLst>
+          </p:cNvPr>
+          <p:cNvCxnSpPr>
+            <a:cxnSpLocks/>
+          </p:cNvCxnSpPr>
+          <p:nvPr/>
+        </p:nvCxnSpPr>
+        <p:spPr>
+          <a:xfrm flipH="1">
+            <a:off x="5460444" y="3126489"/>
+            <a:ext cx="80726" cy="302511"/>
+          </a:xfrm>
+          <a:prstGeom prst="straightConnector1">
+            <a:avLst/>
+          </a:prstGeom>
+          <a:ln>
+            <a:tailEnd type="triangle"/>
+          </a:ln>
+        </p:spPr>
+        <p:style>
+          <a:lnRef idx="3">
+            <a:schemeClr val="accent1"/>
+          </a:lnRef>
+          <a:fillRef idx="0">
+            <a:schemeClr val="accent1"/>
+          </a:fillRef>
+          <a:effectRef idx="2">
+            <a:schemeClr val="accent1"/>
+          </a:effectRef>
+          <a:fontRef idx="minor">
+            <a:schemeClr val="tx1"/>
+          </a:fontRef>
+        </p:style>
+      </p:cxnSp>
+      <p:cxnSp>
+        <p:nvCxnSpPr>
+          <p:cNvPr id="21" name="Straight Arrow Connector 20">
+            <a:extLst>
+              <a:ext uri="{FF2B5EF4-FFF2-40B4-BE49-F238E27FC236}">
+                <a16:creationId xmlns:a16="http://schemas.microsoft.com/office/drawing/2014/main" id="{EB277017-6EFB-70DA-1820-6F4A23FA9FF0}"/>
+              </a:ext>
+            </a:extLst>
+          </p:cNvPr>
+          <p:cNvCxnSpPr>
+            <a:cxnSpLocks/>
+          </p:cNvCxnSpPr>
+          <p:nvPr/>
+        </p:nvCxnSpPr>
+        <p:spPr>
+          <a:xfrm flipH="1">
+            <a:off x="6477000" y="3124434"/>
+            <a:ext cx="359453" cy="283067"/>
+          </a:xfrm>
+          <a:prstGeom prst="straightConnector1">
+            <a:avLst/>
+          </a:prstGeom>
+          <a:ln>
+            <a:tailEnd type="triangle"/>
+          </a:ln>
+        </p:spPr>
+        <p:style>
+          <a:lnRef idx="3">
+            <a:schemeClr val="accent1"/>
+          </a:lnRef>
+          <a:fillRef idx="0">
+            <a:schemeClr val="accent1"/>
+          </a:fillRef>
+          <a:effectRef idx="2">
+            <a:schemeClr val="accent1"/>
+          </a:effectRef>
+          <a:fontRef idx="minor">
+            <a:schemeClr val="tx1"/>
+          </a:fontRef>
+        </p:style>
+      </p:cxnSp>
     </p:spTree>
     <p:extLst>
       <p:ext uri="{BB962C8B-B14F-4D97-AF65-F5344CB8AC3E}">
@@ -24168,6 +24262,33 @@
                                   </p:childTnLst>
                                 </p:cTn>
                               </p:par>
+                              <p:par>
+                                <p:cTn id="17" presetID="1" presetClass="entr" presetSubtype="0" fill="hold" grpId="0" nodeType="withEffect">
+                                  <p:stCondLst>
+                                    <p:cond delay="0"/>
+                                  </p:stCondLst>
+                                  <p:childTnLst>
+                                    <p:set>
+                                      <p:cBhvr>
+                                        <p:cTn id="18" dur="1" fill="hold">
+                                          <p:stCondLst>
+                                            <p:cond delay="0"/>
+                                          </p:stCondLst>
+                                        </p:cTn>
+                                        <p:tgtEl>
+                                          <p:spTgt spid="28"/>
+                                        </p:tgtEl>
+                                        <p:attrNameLst>
+                                          <p:attrName>style.visibility</p:attrName>
+                                        </p:attrNameLst>
+                                      </p:cBhvr>
+                                      <p:to>
+                                        <p:strVal val="visible"/>
+                                      </p:to>
+                                    </p:set>
+                                  </p:childTnLst>
+                                </p:cTn>
+                              </p:par>
                             </p:childTnLst>
                           </p:cTn>
                         </p:par>
@@ -24175,26 +24296,26 @@
                     </p:cTn>
                   </p:par>
                   <p:par>
-                    <p:cTn id="17" fill="hold">
+                    <p:cTn id="19" fill="hold">
                       <p:stCondLst>
                         <p:cond delay="indefinite"/>
                       </p:stCondLst>
                       <p:childTnLst>
                         <p:par>
-                          <p:cTn id="18" fill="hold">
+                          <p:cTn id="20" fill="hold">
                             <p:stCondLst>
                               <p:cond delay="0"/>
                             </p:stCondLst>
                             <p:childTnLst>
                               <p:par>
-                                <p:cTn id="19" presetID="1" presetClass="entr" presetSubtype="0" fill="hold" grpId="0" nodeType="clickEffect">
+                                <p:cTn id="21" presetID="1" presetClass="entr" presetSubtype="0" fill="hold" grpId="0" nodeType="clickEffect">
                                   <p:stCondLst>
                                     <p:cond delay="0"/>
                                   </p:stCondLst>
                                   <p:childTnLst>
                                     <p:set>
                                       <p:cBhvr>
-                                        <p:cTn id="20" dur="1" fill="hold">
+                                        <p:cTn id="22" dur="1" fill="hold">
                                           <p:stCondLst>
                                             <p:cond delay="0"/>
                                           </p:stCondLst>
@@ -24214,20 +24335,74 @@
                                 </p:cTn>
                               </p:par>
                               <p:par>
-                                <p:cTn id="21" presetID="1" presetClass="entr" presetSubtype="0" fill="hold" grpId="0" nodeType="withEffect">
+                                <p:cTn id="23" presetID="1" presetClass="entr" presetSubtype="0" fill="hold" nodeType="withEffect">
                                   <p:stCondLst>
                                     <p:cond delay="0"/>
                                   </p:stCondLst>
                                   <p:childTnLst>
                                     <p:set>
                                       <p:cBhvr>
-                                        <p:cTn id="22" dur="1" fill="hold">
+                                        <p:cTn id="24" dur="1" fill="hold">
                                           <p:stCondLst>
                                             <p:cond delay="0"/>
                                           </p:stCondLst>
                                         </p:cTn>
                                         <p:tgtEl>
-                                          <p:spTgt spid="9"/>
+                                          <p:spTgt spid="7"/>
+                                        </p:tgtEl>
+                                        <p:attrNameLst>
+                                          <p:attrName>style.visibility</p:attrName>
+                                        </p:attrNameLst>
+                                      </p:cBhvr>
+                                      <p:to>
+                                        <p:strVal val="visible"/>
+                                      </p:to>
+                                    </p:set>
+                                  </p:childTnLst>
+                                </p:cTn>
+                              </p:par>
+                              <p:par>
+                                <p:cTn id="25" presetID="1" presetClass="entr" presetSubtype="0" fill="hold" nodeType="withEffect">
+                                  <p:stCondLst>
+                                    <p:cond delay="0"/>
+                                  </p:stCondLst>
+                                  <p:childTnLst>
+                                    <p:set>
+                                      <p:cBhvr>
+                                        <p:cTn id="26" dur="1" fill="hold">
+                                          <p:stCondLst>
+                                            <p:cond delay="0"/>
+                                          </p:stCondLst>
+                                        </p:cTn>
+                                        <p:tgtEl>
+                                          <p:spTgt spid="11"/>
+                                        </p:tgtEl>
+                                        <p:attrNameLst>
+                                          <p:attrName>style.visibility</p:attrName>
+                                        </p:attrNameLst>
+                                      </p:cBhvr>
+                                      <p:to>
+                                        <p:strVal val="visible"/>
+                                      </p:to>
+                                    </p:set>
+                                  </p:childTnLst>
+                                </p:cTn>
+                              </p:par>
+                              <p:par>
+                                <p:cTn id="27" presetID="1" presetClass="entr" presetSubtype="0" fill="hold" nodeType="withEffect">
+                                  <p:stCondLst>
+                                    <p:cond delay="0"/>
+                                  </p:stCondLst>
+                                  <p:childTnLst>
+                                    <p:set>
+                                      <p:cBhvr>
+                                        <p:cTn id="28" dur="1" fill="hold">
+                                          <p:stCondLst>
+                                            <p:cond delay="0"/>
+                                          </p:stCondLst>
+                                        </p:cTn>
+                                        <p:tgtEl>
+                                          <p:spTgt spid="21"/>
                                         </p:tgtEl>
                                         <p:attrNameLst>
                                           <p:attrName>style.visibility</p:attrName>
@@ -24274,7 +24449,7 @@
       <p:bldP spid="25" grpId="0"/>
       <p:bldP spid="26" grpId="0"/>
       <p:bldP spid="27" grpId="0"/>
-      <p:bldP spid="9" grpId="0" animBg="1"/>
+      <p:bldP spid="28" grpId="0"/>
       <p:bldP spid="10" grpId="0" animBg="1"/>
     </p:bldLst>
   </p:timing>
@@ -24341,8 +24516,8 @@
           </a:p>
         </p:txBody>
       </p:sp>
-      <mc:AlternateContent xmlns:mc="http://schemas.openxmlformats.org/markup-compatibility/2006">
-        <mc:Choice xmlns:a14="http://schemas.microsoft.com/office/drawing/2010/main" Requires="a14">
+      <mc:AlternateContent xmlns:mc="http://schemas.openxmlformats.org/markup-compatibility/2006" xmlns:a14="http://schemas.microsoft.com/office/drawing/2010/main">
+        <mc:Choice Requires="a14">
           <p:sp>
             <p:nvSpPr>
               <p:cNvPr id="3" name="Content Placeholder 2">
@@ -24623,7 +24798,7 @@
             </p:txBody>
           </p:sp>
         </mc:Choice>
-        <mc:Fallback>
+        <mc:Fallback xmlns="">
           <p:sp>
             <p:nvSpPr>
               <p:cNvPr id="3" name="Content Placeholder 2">
@@ -25803,8 +25978,8 @@
           </a:p>
         </p:txBody>
       </p:sp>
-      <mc:AlternateContent xmlns:mc="http://schemas.openxmlformats.org/markup-compatibility/2006" xmlns:a14="http://schemas.microsoft.com/office/drawing/2010/main">
-        <mc:Choice Requires="a14">
+      <mc:AlternateContent xmlns:mc="http://schemas.openxmlformats.org/markup-compatibility/2006">
+        <mc:Choice xmlns:a14="http://schemas.microsoft.com/office/drawing/2010/main" Requires="a14">
           <p:sp>
             <p:nvSpPr>
               <p:cNvPr id="3" name="Content Placeholder 2">
@@ -25878,7 +26053,7 @@
                 </a:r>
                 <a:r>
                   <a:rPr lang="en-US" dirty="0"/>
-                  <a:t>: How to choose moves during the simulation runs? Example policies: </a:t>
+                  <a:t>: How to choose moves during the simulation runs? Example playout policies: </a:t>
                 </a:r>
               </a:p>
               <a:p>
@@ -25931,7 +26106,7 @@
             </p:txBody>
           </p:sp>
         </mc:Choice>
-        <mc:Fallback xmlns="">
+        <mc:Fallback>
           <p:sp>
             <p:nvSpPr>
               <p:cNvPr id="3" name="Content Placeholder 2">
@@ -26312,8 +26487,8 @@
           </a:p>
         </p:txBody>
       </p:sp>
-      <mc:AlternateContent xmlns:mc="http://schemas.openxmlformats.org/markup-compatibility/2006" xmlns:a14="http://schemas.microsoft.com/office/drawing/2010/main">
-        <mc:Choice Requires="a14">
+      <mc:AlternateContent xmlns:mc="http://schemas.openxmlformats.org/markup-compatibility/2006">
+        <mc:Choice xmlns:a14="http://schemas.microsoft.com/office/drawing/2010/main" Requires="a14">
           <p:sp>
             <p:nvSpPr>
               <p:cNvPr id="3" name="Content Placeholder 2">
@@ -26333,7 +26508,7 @@
             <p:spPr/>
             <p:txBody>
               <a:bodyPr>
-                <a:normAutofit lnSpcReduction="10000"/>
+                <a:normAutofit fontScale="92500" lnSpcReduction="20000"/>
               </a:bodyPr>
               <a:lstStyle/>
               <a:p>
@@ -26393,7 +26568,7 @@
                 </a:pPr>
                 <a:r>
                   <a:rPr lang="en-US" dirty="0"/>
-                  <a:t>Select the move that leads the highest win percentage.</a:t>
+                  <a:t>Select the move that leads to the highest win percentage.</a:t>
                 </a:r>
               </a:p>
               <a:p>
@@ -26405,7 +26580,7 @@
               <a:p>
                 <a:r>
                   <a:rPr lang="en-US" b="1" dirty="0"/>
-                  <a:t>Guarantee</a:t>
+                  <a:t>Optimality Guarantee</a:t>
                 </a:r>
                 <a:r>
                   <a:rPr lang="en-US" dirty="0"/>
@@ -26433,19 +26608,46 @@
                 </a:r>
               </a:p>
               <a:p>
+                <a:endParaRPr lang="en-US" dirty="0"/>
+              </a:p>
+              <a:p>
+                <a:r>
+                  <a:rPr lang="en-US" dirty="0"/>
+                  <a:t>Typical strategy for </a:t>
+                </a:r>
+                <a14:m>
+                  <m:oMath xmlns:m="http://schemas.openxmlformats.org/officeDocument/2006/math">
+                    <m:r>
+                      <a:rPr lang="en-US" i="1" dirty="0">
+                        <a:latin typeface="Cambria Math" panose="02040503050406030204" pitchFamily="18" charset="0"/>
+                      </a:rPr>
+                      <m:t>𝑁</m:t>
+                    </m:r>
+                    <m:r>
+                      <a:rPr lang="en-US" i="1" dirty="0">
+                        <a:latin typeface="Cambria Math" panose="02040503050406030204" pitchFamily="18" charset="0"/>
+                      </a:rPr>
+                      <m:t> </m:t>
+                    </m:r>
+                  </m:oMath>
+                </a14:m>
+                <a:r>
+                  <a:rPr lang="en-US" dirty="0"/>
+                  <a:t>: </a:t>
+                </a:r>
                 <a:r>
                   <a:rPr lang="en-US" b="1" dirty="0"/>
                   <a:t>Do as many playouts as you can </a:t>
                 </a:r>
                 <a:r>
                   <a:rPr lang="en-US" dirty="0"/>
-                  <a:t>given the available time. </a:t>
+                  <a:t>given the available time budget for the move. </a:t>
                 </a:r>
               </a:p>
             </p:txBody>
           </p:sp>
         </mc:Choice>
-        <mc:Fallback xmlns="">
+        <mc:Fallback>
           <p:sp>
             <p:nvSpPr>
               <p:cNvPr id="3" name="Content Placeholder 2">
@@ -26466,7 +26668,7 @@
               <a:blipFill>
                 <a:blip r:embed="rId2"/>
                 <a:stretch>
-                  <a:fillRect l="-1546" t="-3081" r="-2628"/>
+                  <a:fillRect l="-1391" t="-3501" r="-1777"/>
                 </a:stretch>
               </a:blipFill>
             </p:spPr>
@@ -26580,7 +26782,7 @@
                                         <p:tgtEl>
                                           <p:spTgt spid="3">
                                             <p:txEl>
-                                              <p:pRg st="7" end="7"/>
+                                              <p:pRg st="8" end="8"/>
                                             </p:txEl>
                                           </p:spTgt>
                                         </p:tgtEl>
@@ -26690,12 +26892,12 @@
         <p:spPr>
           <a:xfrm>
             <a:off x="762000" y="2945395"/>
-            <a:ext cx="7886700" cy="1474204"/>
+            <a:ext cx="7886700" cy="1325563"/>
           </a:xfrm>
         </p:spPr>
         <p:txBody>
           <a:bodyPr>
-            <a:normAutofit fontScale="70000" lnSpcReduction="20000"/>
+            <a:normAutofit fontScale="62500" lnSpcReduction="20000"/>
           </a:bodyPr>
           <a:lstStyle/>
           <a:p>
@@ -26721,7 +26923,7 @@
             </a:r>
             <a:r>
               <a:rPr lang="en-US" dirty="0"/>
-              <a:t>Select the starting state for playouts to focus on important parts of the game tree.</a:t>
+              <a:t>Select the starting state for playouts to focus on important parts of the game tree (i.e., good moves).</a:t>
             </a:r>
           </a:p>
           <a:p>
@@ -26730,7 +26932,7 @@
             </a:pPr>
             <a:r>
               <a:rPr lang="en-US" dirty="0"/>
-              <a:t>This presents the following tradeoff between:</a:t>
+              <a:t>This presents the following tradeoff:</a:t>
             </a:r>
           </a:p>
         </p:txBody>
@@ -26748,14 +26950,14 @@
           <p:nvPr>
             <p:extLst>
               <p:ext uri="{D42A27DB-BD31-4B8C-83A1-F6EECF244321}">
-                <p14:modId xmlns:p14="http://schemas.microsoft.com/office/powerpoint/2010/main" val="2615511089"/>
+                <p14:modId xmlns:p14="http://schemas.microsoft.com/office/powerpoint/2010/main" val="2772981492"/>
               </p:ext>
             </p:extLst>
           </p:nvPr>
         </p:nvGraphicFramePr>
         <p:xfrm>
-          <a:off x="1019175" y="4487760"/>
-          <a:ext cx="7105650" cy="2005114"/>
+          <a:off x="1019175" y="4270958"/>
+          <a:ext cx="7058025" cy="2221916"/>
         </p:xfrm>
         <a:graphic>
           <a:graphicData uri="http://schemas.openxmlformats.org/drawingml/2006/diagram">
@@ -27166,8 +27368,8 @@
           </a:p>
         </p:txBody>
       </p:sp>
-      <mc:AlternateContent xmlns:mc="http://schemas.openxmlformats.org/markup-compatibility/2006" xmlns:a14="http://schemas.microsoft.com/office/drawing/2010/main">
-        <mc:Choice Requires="a14">
+      <mc:AlternateContent xmlns:mc="http://schemas.openxmlformats.org/markup-compatibility/2006">
+        <mc:Choice xmlns:a14="http://schemas.microsoft.com/office/drawing/2010/main" Requires="a14">
           <p:sp>
             <p:nvSpPr>
               <p:cNvPr id="5" name="Speech Bubble: Rectangle 4">
@@ -27197,10 +27399,10 @@
                 <a:schemeClr val="lt1"/>
               </a:lnRef>
               <a:fillRef idx="1">
-                <a:schemeClr val="accent6"/>
+                <a:schemeClr val="accent4"/>
               </a:fillRef>
               <a:effectRef idx="1">
-                <a:schemeClr val="accent6"/>
+                <a:schemeClr val="accent4"/>
               </a:effectRef>
               <a:fontRef idx="minor">
                 <a:schemeClr val="lt1"/>
@@ -27255,7 +27457,7 @@
             </p:txBody>
           </p:sp>
         </mc:Choice>
-        <mc:Fallback xmlns="">
+        <mc:Fallback>
           <p:sp>
             <p:nvSpPr>
               <p:cNvPr id="5" name="Speech Bubble: Rectangle 4">
@@ -27464,8 +27666,8 @@
           </p:sp>
         </mc:Fallback>
       </mc:AlternateContent>
-      <mc:AlternateContent xmlns:mc="http://schemas.openxmlformats.org/markup-compatibility/2006" xmlns:a14="http://schemas.microsoft.com/office/drawing/2010/main">
-        <mc:Choice Requires="a14">
+      <mc:AlternateContent xmlns:mc="http://schemas.openxmlformats.org/markup-compatibility/2006">
+        <mc:Choice xmlns:a14="http://schemas.microsoft.com/office/drawing/2010/main" Requires="a14">
           <p:sp>
             <p:nvSpPr>
               <p:cNvPr id="7" name="Speech Bubble: Rectangle 6">
@@ -27495,10 +27697,10 @@
                 <a:schemeClr val="lt1"/>
               </a:lnRef>
               <a:fillRef idx="1">
-                <a:schemeClr val="accent6"/>
+                <a:schemeClr val="accent5"/>
               </a:fillRef>
               <a:effectRef idx="1">
-                <a:schemeClr val="accent6"/>
+                <a:schemeClr val="accent5"/>
               </a:effectRef>
               <a:fontRef idx="minor">
                 <a:schemeClr val="lt1"/>
@@ -27551,7 +27753,7 @@
             </p:txBody>
           </p:sp>
         </mc:Choice>
-        <mc:Fallback xmlns="">
+        <mc:Fallback>
           <p:sp>
             <p:nvSpPr>
               <p:cNvPr id="7" name="Speech Bubble: Rectangle 6">
@@ -28166,7 +28368,7 @@
           <a:p>
             <a:r>
               <a:rPr lang="en-US" dirty="0"/>
-              <a:t>Monte Carlo Tree Search</a:t>
+              <a:t>Monte Carlo Tree Search (MCTS)</a:t>
             </a:r>
           </a:p>
         </p:txBody>
@@ -28190,7 +28392,7 @@
         <p:spPr>
           <a:xfrm>
             <a:off x="628650" y="1825625"/>
-            <a:ext cx="7886700" cy="4871077"/>
+            <a:ext cx="7886700" cy="4389920"/>
           </a:xfrm>
           <a:prstGeom prst="rect">
             <a:avLst/>
@@ -28207,58 +28409,75 @@
               <a:buNone/>
             </a:pPr>
             <a:r>
-              <a:rPr lang="en-US" dirty="0"/>
-              <a:t>We do not need to always start playouts from the current node, we can build a </a:t>
-            </a:r>
-            <a:r>
-              <a:rPr lang="en-US" b="1" dirty="0"/>
-              <a:t>partial game tree </a:t>
-            </a:r>
-            <a:r>
-              <a:rPr lang="en-US" dirty="0"/>
-              <a:t>and simulate from any node in that tree. </a:t>
+              <a:rPr lang="en-US" sz="2400" b="1" dirty="0"/>
+              <a:t>Pure Monte Carlo </a:t>
+            </a:r>
+            <a:r>
+              <a:rPr lang="en-US" sz="2400" dirty="0"/>
+              <a:t>search always start playouts from a given state.</a:t>
             </a:r>
           </a:p>
           <a:p>
             <a:pPr marL="0" indent="0">
               <a:buNone/>
             </a:pPr>
-            <a:endParaRPr lang="en-US" dirty="0"/>
+            <a:r>
+              <a:rPr lang="en-US" sz="2400" b="1" dirty="0"/>
+              <a:t>Monte Carlo Tree Search </a:t>
+            </a:r>
+            <a:r>
+              <a:rPr lang="en-US" sz="2400" dirty="0"/>
+              <a:t>builds a </a:t>
+            </a:r>
+            <a:r>
+              <a:rPr lang="en-US" sz="2400" b="1" dirty="0"/>
+              <a:t>partial game tree </a:t>
+            </a:r>
+            <a:r>
+              <a:rPr lang="en-US" sz="2400" dirty="0"/>
+              <a:t>and can start playouts from any state (node) in that tree. </a:t>
+            </a:r>
           </a:p>
           <a:p>
             <a:pPr marL="0" indent="0">
               <a:buNone/>
             </a:pPr>
-            <a:r>
-              <a:rPr lang="en-US" dirty="0"/>
+            <a:endParaRPr lang="en-US" sz="2400" dirty="0"/>
+          </a:p>
+          <a:p>
+            <a:pPr marL="0" indent="0">
+              <a:buNone/>
+            </a:pPr>
+            <a:r>
+              <a:rPr lang="en-US" sz="2400" dirty="0"/>
               <a:t>Important considerations:</a:t>
             </a:r>
           </a:p>
           <a:p>
             <a:r>
-              <a:rPr lang="en-US" dirty="0"/>
+              <a:rPr lang="en-US" sz="2400" dirty="0"/>
               <a:t>We can use UCB1 as the </a:t>
             </a:r>
             <a:r>
-              <a:rPr lang="en-US" b="1" dirty="0"/>
+              <a:rPr lang="en-US" sz="2400" b="1" dirty="0"/>
               <a:t>selection strategy</a:t>
             </a:r>
             <a:r>
-              <a:rPr lang="en-US" dirty="0"/>
+              <a:rPr lang="en-US" sz="2400" dirty="0"/>
               <a:t> to decide what part of the tree we should focus on for the next playout. This balances exploration and exploitation.</a:t>
             </a:r>
           </a:p>
           <a:p>
             <a:r>
-              <a:rPr lang="en-US" dirty="0"/>
-              <a:t>We can only store a small </a:t>
-            </a:r>
-            <a:r>
-              <a:rPr lang="en-US" b="1" dirty="0"/>
+              <a:rPr lang="en-US" sz="2400" dirty="0"/>
+              <a:t>We typically can only store a small </a:t>
+            </a:r>
+            <a:r>
+              <a:rPr lang="en-US" sz="2400" b="1" dirty="0"/>
               <a:t>part of the game tree</a:t>
             </a:r>
             <a:r>
-              <a:rPr lang="en-US" dirty="0"/>
+              <a:rPr lang="en-US" sz="2400" dirty="0"/>
               <a:t>, so we do not store the complete playout runs.</a:t>
             </a:r>
           </a:p>
@@ -29708,7 +29927,7 @@
           <a:p>
             <a:r>
               <a:rPr lang="en-US" dirty="0"/>
-              <a:t>Search and update partial tree to use up the time budget for the move.</a:t>
+              <a:t>Search and update a partial tree to use up the time budget for the move.</a:t>
             </a:r>
           </a:p>
           <a:p>
@@ -30465,6 +30684,207 @@
   <p:clrMapOvr>
     <a:masterClrMapping/>
   </p:clrMapOvr>
+  <p:timing>
+    <p:tnLst>
+      <p:par>
+        <p:cTn id="1" dur="indefinite" restart="never" nodeType="tmRoot">
+          <p:childTnLst>
+            <p:seq concurrent="1" nextAc="seek">
+              <p:cTn id="2" dur="indefinite" nodeType="mainSeq">
+                <p:childTnLst>
+                  <p:par>
+                    <p:cTn id="3" fill="hold">
+                      <p:stCondLst>
+                        <p:cond delay="indefinite"/>
+                      </p:stCondLst>
+                      <p:childTnLst>
+                        <p:par>
+                          <p:cTn id="4" fill="hold">
+                            <p:stCondLst>
+                              <p:cond delay="0"/>
+                            </p:stCondLst>
+                            <p:childTnLst>
+                              <p:par>
+                                <p:cTn id="5" presetID="1" presetClass="entr" presetSubtype="0" fill="hold" grpId="0" nodeType="clickEffect">
+                                  <p:stCondLst>
+                                    <p:cond delay="0"/>
+                                  </p:stCondLst>
+                                  <p:childTnLst>
+                                    <p:set>
+                                      <p:cBhvr>
+                                        <p:cTn id="6" dur="1" fill="hold">
+                                          <p:stCondLst>
+                                            <p:cond delay="0"/>
+                                          </p:stCondLst>
+                                        </p:cTn>
+                                        <p:tgtEl>
+                                          <p:spTgt spid="25"/>
+                                        </p:tgtEl>
+                                        <p:attrNameLst>
+                                          <p:attrName>style.visibility</p:attrName>
+                                        </p:attrNameLst>
+                                      </p:cBhvr>
+                                      <p:to>
+                                        <p:strVal val="visible"/>
+                                      </p:to>
+                                    </p:set>
+                                  </p:childTnLst>
+                                </p:cTn>
+                              </p:par>
+                              <p:par>
+                                <p:cTn id="7" presetID="1" presetClass="entr" presetSubtype="0" fill="hold" grpId="0" nodeType="withEffect">
+                                  <p:stCondLst>
+                                    <p:cond delay="0"/>
+                                  </p:stCondLst>
+                                  <p:childTnLst>
+                                    <p:set>
+                                      <p:cBhvr>
+                                        <p:cTn id="8" dur="1" fill="hold">
+                                          <p:stCondLst>
+                                            <p:cond delay="0"/>
+                                          </p:stCondLst>
+                                        </p:cTn>
+                                        <p:tgtEl>
+                                          <p:spTgt spid="6"/>
+                                        </p:tgtEl>
+                                        <p:attrNameLst>
+                                          <p:attrName>style.visibility</p:attrName>
+                                        </p:attrNameLst>
+                                      </p:cBhvr>
+                                      <p:to>
+                                        <p:strVal val="visible"/>
+                                      </p:to>
+                                    </p:set>
+                                  </p:childTnLst>
+                                </p:cTn>
+                              </p:par>
+                              <p:par>
+                                <p:cTn id="9" presetID="1" presetClass="entr" presetSubtype="0" fill="hold" nodeType="withEffect">
+                                  <p:stCondLst>
+                                    <p:cond delay="0"/>
+                                  </p:stCondLst>
+                                  <p:childTnLst>
+                                    <p:set>
+                                      <p:cBhvr>
+                                        <p:cTn id="10" dur="1" fill="hold">
+                                          <p:stCondLst>
+                                            <p:cond delay="0"/>
+                                          </p:stCondLst>
+                                        </p:cTn>
+                                        <p:tgtEl>
+                                          <p:spTgt spid="21"/>
+                                        </p:tgtEl>
+                                        <p:attrNameLst>
+                                          <p:attrName>style.visibility</p:attrName>
+                                        </p:attrNameLst>
+                                      </p:cBhvr>
+                                      <p:to>
+                                        <p:strVal val="visible"/>
+                                      </p:to>
+                                    </p:set>
+                                  </p:childTnLst>
+                                </p:cTn>
+                              </p:par>
+                              <p:par>
+                                <p:cTn id="11" presetID="1" presetClass="entr" presetSubtype="0" fill="hold" grpId="0" nodeType="withEffect">
+                                  <p:stCondLst>
+                                    <p:cond delay="0"/>
+                                  </p:stCondLst>
+                                  <p:childTnLst>
+                                    <p:set>
+                                      <p:cBhvr>
+                                        <p:cTn id="12" dur="1" fill="hold">
+                                          <p:stCondLst>
+                                            <p:cond delay="0"/>
+                                          </p:stCondLst>
+                                        </p:cTn>
+                                        <p:tgtEl>
+                                          <p:spTgt spid="26"/>
+                                        </p:tgtEl>
+                                        <p:attrNameLst>
+                                          <p:attrName>style.visibility</p:attrName>
+                                        </p:attrNameLst>
+                                      </p:cBhvr>
+                                      <p:to>
+                                        <p:strVal val="visible"/>
+                                      </p:to>
+                                    </p:set>
+                                  </p:childTnLst>
+                                </p:cTn>
+                              </p:par>
+                            </p:childTnLst>
+                          </p:cTn>
+                        </p:par>
+                        <p:par>
+                          <p:cTn id="13" fill="hold">
+                            <p:stCondLst>
+                              <p:cond delay="0"/>
+                            </p:stCondLst>
+                            <p:childTnLst>
+                              <p:par>
+                                <p:cTn id="14" presetID="1" presetClass="entr" presetSubtype="0" fill="hold" nodeType="afterEffect">
+                                  <p:stCondLst>
+                                    <p:cond delay="0"/>
+                                  </p:stCondLst>
+                                  <p:childTnLst>
+                                    <p:set>
+                                      <p:cBhvr>
+                                        <p:cTn id="15" dur="1" fill="hold">
+                                          <p:stCondLst>
+                                            <p:cond delay="0"/>
+                                          </p:stCondLst>
+                                        </p:cTn>
+                                        <p:tgtEl>
+                                          <p:spTgt spid="3">
+                                            <p:txEl>
+                                              <p:pRg st="1" end="1"/>
+                                            </p:txEl>
+                                          </p:spTgt>
+                                        </p:tgtEl>
+                                        <p:attrNameLst>
+                                          <p:attrName>style.visibility</p:attrName>
+                                        </p:attrNameLst>
+                                      </p:cBhvr>
+                                      <p:to>
+                                        <p:strVal val="visible"/>
+                                      </p:to>
+                                    </p:set>
+                                  </p:childTnLst>
+                                </p:cTn>
+                              </p:par>
+                            </p:childTnLst>
+                          </p:cTn>
+                        </p:par>
+                      </p:childTnLst>
+                    </p:cTn>
+                  </p:par>
+                </p:childTnLst>
+              </p:cTn>
+              <p:prevCondLst>
+                <p:cond evt="onPrev" delay="0">
+                  <p:tgtEl>
+                    <p:sldTgt/>
+                  </p:tgtEl>
+                </p:cond>
+              </p:prevCondLst>
+              <p:nextCondLst>
+                <p:cond evt="onNext" delay="0">
+                  <p:tgtEl>
+                    <p:sldTgt/>
+                  </p:tgtEl>
+                </p:cond>
+              </p:nextCondLst>
+            </p:seq>
+          </p:childTnLst>
+        </p:cTn>
+      </p:par>
+    </p:tnLst>
+    <p:bldLst>
+      <p:bldP spid="25" grpId="0" animBg="1"/>
+      <p:bldP spid="26" grpId="0" animBg="1"/>
+      <p:bldP spid="6" grpId="0" animBg="1"/>
+    </p:bldLst>
+  </p:timing>
 </p:sld>
 </file>
 
@@ -30747,8 +31167,8 @@
           </a:p>
         </p:txBody>
       </p:sp>
-      <mc:AlternateContent xmlns:mc="http://schemas.openxmlformats.org/markup-compatibility/2006">
-        <mc:Choice xmlns:a14="http://schemas.microsoft.com/office/drawing/2010/main" Requires="a14">
+      <mc:AlternateContent xmlns:mc="http://schemas.openxmlformats.org/markup-compatibility/2006" xmlns:a14="http://schemas.microsoft.com/office/drawing/2010/main">
+        <mc:Choice Requires="a14">
           <p:sp>
             <p:nvSpPr>
               <p:cNvPr id="3" name="Content Placeholder 2">
@@ -30995,7 +31415,7 @@
             </p:txBody>
           </p:sp>
         </mc:Choice>
-        <mc:Fallback>
+        <mc:Fallback xmlns="">
           <p:sp>
             <p:nvSpPr>
               <p:cNvPr id="3" name="Content Placeholder 2">
@@ -33406,6 +33826,35 @@
           </a:prstGeom>
         </p:spPr>
       </p:pic>
+      <p:pic>
+        <p:nvPicPr>
+          <p:cNvPr id="15" name="Picture 14">
+            <a:extLst>
+              <a:ext uri="{FF2B5EF4-FFF2-40B4-BE49-F238E27FC236}">
+                <a16:creationId xmlns:a16="http://schemas.microsoft.com/office/drawing/2014/main" id="{DEBC66EB-52F1-37CC-C861-DA25F3FB39B3}"/>
+              </a:ext>
+            </a:extLst>
+          </p:cNvPr>
+          <p:cNvPicPr>
+            <a:picLocks noChangeAspect="1"/>
+          </p:cNvPicPr>
+          <p:nvPr/>
+        </p:nvPicPr>
+        <p:blipFill rotWithShape="1">
+          <a:blip r:embed="rId2"/>
+          <a:srcRect l="21698" t="50522" r="71698" b="35151"/>
+          <a:stretch/>
+        </p:blipFill>
+        <p:spPr>
+          <a:xfrm>
+            <a:off x="4756234" y="4186713"/>
+            <a:ext cx="533400" cy="703943"/>
+          </a:xfrm>
+          <a:prstGeom prst="rect">
+            <a:avLst/>
+          </a:prstGeom>
+        </p:spPr>
+      </p:pic>
       <mc:AlternateContent xmlns:mc="http://schemas.openxmlformats.org/markup-compatibility/2006" xmlns:a14="http://schemas.microsoft.com/office/drawing/2010/main">
         <mc:Choice Requires="a14">
           <p:sp>
@@ -33817,35 +34266,6 @@
           </a:p>
         </p:txBody>
       </p:sp>
-      <p:pic>
-        <p:nvPicPr>
-          <p:cNvPr id="7" name="Picture 6">
-            <a:extLst>
-              <a:ext uri="{FF2B5EF4-FFF2-40B4-BE49-F238E27FC236}">
-                <a16:creationId xmlns:a16="http://schemas.microsoft.com/office/drawing/2014/main" id="{FC81C63D-4E67-4F6A-A5B3-A9BAA1F5F24B}"/>
-              </a:ext>
-            </a:extLst>
-          </p:cNvPr>
-          <p:cNvPicPr>
-            <a:picLocks noChangeAspect="1"/>
-          </p:cNvPicPr>
-          <p:nvPr/>
-        </p:nvPicPr>
-        <p:blipFill rotWithShape="1">
-          <a:blip r:embed="rId3"/>
-          <a:srcRect l="20780" t="50229" r="70729" b="24293"/>
-          <a:stretch/>
-        </p:blipFill>
-        <p:spPr>
-          <a:xfrm>
-            <a:off x="4648200" y="4158344"/>
-            <a:ext cx="685799" cy="1251856"/>
-          </a:xfrm>
-          <a:prstGeom prst="rect">
-            <a:avLst/>
-          </a:prstGeom>
-        </p:spPr>
-      </p:pic>
       <p:sp>
         <p:nvSpPr>
           <p:cNvPr id="5" name="TextBox 4">
@@ -34748,7 +35168,7 @@
                                 </p:cTn>
                               </p:par>
                               <p:par>
-                                <p:cTn id="27" presetID="1" presetClass="entr" presetSubtype="0" fill="hold" grpId="0" nodeType="withEffect">
+                                <p:cTn id="27" presetID="1" presetClass="entr" presetSubtype="0" fill="hold" nodeType="withEffect">
                                   <p:stCondLst>
                                     <p:cond delay="0"/>
                                   </p:stCondLst>
@@ -34756,6 +35176,33 @@
                                     <p:set>
                                       <p:cBhvr>
                                         <p:cTn id="28" dur="1" fill="hold">
+                                          <p:stCondLst>
+                                            <p:cond delay="0"/>
+                                          </p:stCondLst>
+                                        </p:cTn>
+                                        <p:tgtEl>
+                                          <p:spTgt spid="15"/>
+                                        </p:tgtEl>
+                                        <p:attrNameLst>
+                                          <p:attrName>style.visibility</p:attrName>
+                                        </p:attrNameLst>
+                                      </p:cBhvr>
+                                      <p:to>
+                                        <p:strVal val="visible"/>
+                                      </p:to>
+                                    </p:set>
+                                  </p:childTnLst>
+                                </p:cTn>
+                              </p:par>
+                              <p:par>
+                                <p:cTn id="29" presetID="1" presetClass="entr" presetSubtype="0" fill="hold" grpId="0" nodeType="withEffect">
+                                  <p:stCondLst>
+                                    <p:cond delay="0"/>
+                                  </p:stCondLst>
+                                  <p:childTnLst>
+                                    <p:set>
+                                      <p:cBhvr>
+                                        <p:cTn id="30" dur="1" fill="hold">
                                           <p:stCondLst>
                                             <p:cond delay="0"/>
                                           </p:stCondLst>
@@ -34781,46 +35228,19 @@
                     </p:cTn>
                   </p:par>
                   <p:par>
-                    <p:cTn id="29" fill="hold">
+                    <p:cTn id="31" fill="hold">
                       <p:stCondLst>
                         <p:cond delay="indefinite"/>
                       </p:stCondLst>
                       <p:childTnLst>
                         <p:par>
-                          <p:cTn id="30" fill="hold">
+                          <p:cTn id="32" fill="hold">
                             <p:stCondLst>
                               <p:cond delay="0"/>
                             </p:stCondLst>
                             <p:childTnLst>
                               <p:par>
-                                <p:cTn id="31" presetID="1" presetClass="entr" presetSubtype="0" fill="hold" grpId="0" nodeType="clickEffect">
-                                  <p:stCondLst>
-                                    <p:cond delay="0"/>
-                                  </p:stCondLst>
-                                  <p:childTnLst>
-                                    <p:set>
-                                      <p:cBhvr>
-                                        <p:cTn id="32" dur="1" fill="hold">
-                                          <p:stCondLst>
-                                            <p:cond delay="0"/>
-                                          </p:stCondLst>
-                                        </p:cTn>
-                                        <p:tgtEl>
-                                          <p:spTgt spid="3"/>
-                                        </p:tgtEl>
-                                        <p:attrNameLst>
-                                          <p:attrName>style.visibility</p:attrName>
-                                        </p:attrNameLst>
-                                      </p:cBhvr>
-                                      <p:to>
-                                        <p:strVal val="visible"/>
-                                      </p:to>
-                                    </p:set>
-                                  </p:childTnLst>
-                                </p:cTn>
-                              </p:par>
-                              <p:par>
-                                <p:cTn id="33" presetID="1" presetClass="entr" presetSubtype="0" fill="hold" grpId="0" nodeType="withEffect">
+                                <p:cTn id="33" presetID="1" presetClass="entr" presetSubtype="0" fill="hold" grpId="0" nodeType="clickEffect">
                                   <p:stCondLst>
                                     <p:cond delay="0"/>
                                   </p:stCondLst>
@@ -34833,7 +35253,7 @@
                                           </p:stCondLst>
                                         </p:cTn>
                                         <p:tgtEl>
-                                          <p:spTgt spid="10"/>
+                                          <p:spTgt spid="3"/>
                                         </p:tgtEl>
                                         <p:attrNameLst>
                                           <p:attrName>style.visibility</p:attrName>
@@ -34860,7 +35280,7 @@
                                           </p:stCondLst>
                                         </p:cTn>
                                         <p:tgtEl>
-                                          <p:spTgt spid="8"/>
+                                          <p:spTgt spid="10"/>
                                         </p:tgtEl>
                                         <p:attrNameLst>
                                           <p:attrName>style.visibility</p:attrName>
@@ -34887,7 +35307,7 @@
                                           </p:stCondLst>
                                         </p:cTn>
                                         <p:tgtEl>
-                                          <p:spTgt spid="5"/>
+                                          <p:spTgt spid="8"/>
                                         </p:tgtEl>
                                         <p:attrNameLst>
                                           <p:attrName>style.visibility</p:attrName>
@@ -34909,6 +35329,33 @@
                                     <p:set>
                                       <p:cBhvr>
                                         <p:cTn id="40" dur="1" fill="hold">
+                                          <p:stCondLst>
+                                            <p:cond delay="0"/>
+                                          </p:stCondLst>
+                                        </p:cTn>
+                                        <p:tgtEl>
+                                          <p:spTgt spid="5"/>
+                                        </p:tgtEl>
+                                        <p:attrNameLst>
+                                          <p:attrName>style.visibility</p:attrName>
+                                        </p:attrNameLst>
+                                      </p:cBhvr>
+                                      <p:to>
+                                        <p:strVal val="visible"/>
+                                      </p:to>
+                                    </p:set>
+                                  </p:childTnLst>
+                                </p:cTn>
+                              </p:par>
+                              <p:par>
+                                <p:cTn id="41" presetID="1" presetClass="entr" presetSubtype="0" fill="hold" grpId="0" nodeType="withEffect">
+                                  <p:stCondLst>
+                                    <p:cond delay="0"/>
+                                  </p:stCondLst>
+                                  <p:childTnLst>
+                                    <p:set>
+                                      <p:cBhvr>
+                                        <p:cTn id="42" dur="1" fill="hold">
                                           <p:stCondLst>
                                             <p:cond delay="0"/>
                                           </p:stCondLst>

--- a/slides/05_games.pptx
+++ b/slides/05_games.pptx
@@ -2772,7 +2772,7 @@
             <a:fld id="{46E2045A-045A-4BC7-A4D3-1395440B1C3D}" type="datetimeFigureOut">
               <a:rPr lang="en-US" smtClean="0"/>
               <a:pPr/>
-              <a:t>10/30/2023</a:t>
+              <a:t>11/1/2023</a:t>
             </a:fld>
             <a:endParaRPr lang="en-US"/>
           </a:p>
@@ -17302,8 +17302,8 @@
           </a:fontRef>
         </p:style>
       </p:cxnSp>
-      <mc:AlternateContent xmlns:mc="http://schemas.openxmlformats.org/markup-compatibility/2006">
-        <mc:Choice xmlns:a14="http://schemas.microsoft.com/office/drawing/2010/main" Requires="a14">
+      <mc:AlternateContent xmlns:mc="http://schemas.openxmlformats.org/markup-compatibility/2006" xmlns:a14="http://schemas.microsoft.com/office/drawing/2010/main">
+        <mc:Choice Requires="a14">
           <p:sp>
             <p:nvSpPr>
               <p:cNvPr id="51" name="TextBox 50">
@@ -17386,7 +17386,7 @@
             </p:txBody>
           </p:sp>
         </mc:Choice>
-        <mc:Fallback>
+        <mc:Fallback xmlns="">
           <p:sp>
             <p:nvSpPr>
               <p:cNvPr id="51" name="TextBox 50">
@@ -20573,13 +20573,15 @@
               </a:ext>
             </a:extLst>
           </p:cNvPr>
-          <p:cNvCxnSpPr/>
+          <p:cNvCxnSpPr>
+            <a:cxnSpLocks/>
+          </p:cNvCxnSpPr>
           <p:nvPr/>
         </p:nvCxnSpPr>
         <p:spPr>
           <a:xfrm>
             <a:off x="762000" y="4114800"/>
-            <a:ext cx="7315200" cy="0"/>
+            <a:ext cx="7753350" cy="0"/>
           </a:xfrm>
           <a:prstGeom prst="line">
             <a:avLst/>
@@ -21458,8 +21460,8 @@
         </p:nvSpPr>
         <p:spPr>
           <a:xfrm>
-            <a:off x="5257800" y="1323807"/>
-            <a:ext cx="4292008" cy="369332"/>
+            <a:off x="5143289" y="1295962"/>
+            <a:ext cx="4292008" cy="307777"/>
           </a:xfrm>
           <a:prstGeom prst="rect">
             <a:avLst/>
@@ -21474,14 +21476,14 @@
           <a:p>
             <a:pPr algn="ctr"/>
             <a:r>
-              <a:rPr lang="en-US" b="1" dirty="0">
+              <a:rPr lang="en-US" sz="1400" b="1" dirty="0">
                 <a:solidFill>
                   <a:srgbClr val="FF0000"/>
                 </a:solidFill>
               </a:rPr>
               <a:t>HMV = heuristic minimax value</a:t>
             </a:r>
-            <a:endParaRPr lang="en-US" dirty="0"/>
+            <a:endParaRPr lang="en-US" sz="1400" dirty="0"/>
           </a:p>
         </p:txBody>
       </p:sp>
@@ -21508,7 +21510,7 @@
           <a:noFill/>
         </p:spPr>
         <p:txBody>
-          <a:bodyPr wrap="none" rtlCol="0">
+          <a:bodyPr wrap="square" rtlCol="0">
             <a:spAutoFit/>
           </a:bodyPr>
           <a:lstStyle/>
@@ -21543,7 +21545,7 @@
           <a:noFill/>
         </p:spPr>
         <p:txBody>
-          <a:bodyPr wrap="none" rtlCol="0">
+          <a:bodyPr wrap="square" rtlCol="0">
             <a:spAutoFit/>
           </a:bodyPr>
           <a:lstStyle/>
@@ -21578,7 +21580,7 @@
           <a:noFill/>
         </p:spPr>
         <p:txBody>
-          <a:bodyPr wrap="none" rtlCol="0">
+          <a:bodyPr wrap="square" rtlCol="0">
             <a:spAutoFit/>
           </a:bodyPr>
           <a:lstStyle/>
@@ -21613,7 +21615,7 @@
           <a:noFill/>
         </p:spPr>
         <p:txBody>
-          <a:bodyPr wrap="none" rtlCol="0">
+          <a:bodyPr wrap="square" rtlCol="0">
             <a:spAutoFit/>
           </a:bodyPr>
           <a:lstStyle/>
@@ -21648,7 +21650,7 @@
           <a:noFill/>
         </p:spPr>
         <p:txBody>
-          <a:bodyPr wrap="none" rtlCol="0">
+          <a:bodyPr wrap="square" rtlCol="0">
             <a:spAutoFit/>
           </a:bodyPr>
           <a:lstStyle/>
@@ -21713,6 +21715,54 @@
               <a:t> the highest HMV</a:t>
             </a:r>
             <a:endParaRPr lang="en-US" sz="1600" dirty="0"/>
+          </a:p>
+        </p:txBody>
+      </p:sp>
+      <p:sp>
+        <p:nvSpPr>
+          <p:cNvPr id="46" name="TextBox 45">
+            <a:extLst>
+              <a:ext uri="{FF2B5EF4-FFF2-40B4-BE49-F238E27FC236}">
+                <a16:creationId xmlns:a16="http://schemas.microsoft.com/office/drawing/2014/main" id="{80EA9C53-3F07-F8E1-1F5E-D326AE1351B4}"/>
+              </a:ext>
+            </a:extLst>
+          </p:cNvPr>
+          <p:cNvSpPr txBox="1"/>
+          <p:nvPr/>
+        </p:nvSpPr>
+        <p:spPr>
+          <a:xfrm>
+            <a:off x="5576001" y="5957475"/>
+            <a:ext cx="2571752" cy="646331"/>
+          </a:xfrm>
+          <a:prstGeom prst="rect">
+            <a:avLst/>
+          </a:prstGeom>
+        </p:spPr>
+        <p:style>
+          <a:lnRef idx="3">
+            <a:schemeClr val="lt1"/>
+          </a:lnRef>
+          <a:fillRef idx="1">
+            <a:schemeClr val="accent6"/>
+          </a:fillRef>
+          <a:effectRef idx="1">
+            <a:schemeClr val="accent6"/>
+          </a:effectRef>
+          <a:fontRef idx="minor">
+            <a:schemeClr val="lt1"/>
+          </a:fontRef>
+        </p:style>
+        <p:txBody>
+          <a:bodyPr wrap="square" rtlCol="0">
+            <a:spAutoFit/>
+          </a:bodyPr>
+          <a:lstStyle/>
+          <a:p>
+            <a:r>
+              <a:rPr lang="en-US" dirty="0"/>
+              <a:t>This is also called: search with a “look ahead” of 2</a:t>
+            </a:r>
           </a:p>
         </p:txBody>
       </p:sp>
@@ -22394,6 +22444,33 @@
                                   </p:childTnLst>
                                 </p:cTn>
                               </p:par>
+                              <p:par>
+                                <p:cTn id="55" presetID="1" presetClass="entr" presetSubtype="0" fill="hold" grpId="0" nodeType="withEffect">
+                                  <p:stCondLst>
+                                    <p:cond delay="0"/>
+                                  </p:stCondLst>
+                                  <p:childTnLst>
+                                    <p:set>
+                                      <p:cBhvr>
+                                        <p:cTn id="56" dur="1" fill="hold">
+                                          <p:stCondLst>
+                                            <p:cond delay="0"/>
+                                          </p:stCondLst>
+                                        </p:cTn>
+                                        <p:tgtEl>
+                                          <p:spTgt spid="46"/>
+                                        </p:tgtEl>
+                                        <p:attrNameLst>
+                                          <p:attrName>style.visibility</p:attrName>
+                                        </p:attrNameLst>
+                                      </p:cBhvr>
+                                      <p:to>
+                                        <p:strVal val="visible"/>
+                                      </p:to>
+                                    </p:set>
+                                  </p:childTnLst>
+                                </p:cTn>
+                              </p:par>
                             </p:childTnLst>
                           </p:cTn>
                         </p:par>
@@ -22437,6 +22514,7 @@
       <p:bldP spid="29" grpId="0"/>
       <p:bldP spid="30" grpId="0"/>
       <p:bldP spid="36" grpId="0"/>
+      <p:bldP spid="46" grpId="0" animBg="1"/>
     </p:bldLst>
   </p:timing>
 </p:sld>
@@ -25999,7 +26077,7 @@
             <p:spPr/>
             <p:txBody>
               <a:bodyPr>
-                <a:normAutofit fontScale="85000" lnSpcReduction="20000"/>
+                <a:normAutofit fontScale="77500" lnSpcReduction="20000"/>
               </a:bodyPr>
               <a:lstStyle/>
               <a:p>
@@ -26090,7 +26168,7 @@
                 <a:pPr lvl="1"/>
                 <a:r>
                   <a:rPr lang="en-US" dirty="0"/>
-                  <a:t>High branching factor (many possible moves).</a:t>
+                  <a:t>High branching factor (many possible moves make the tree very wide).</a:t>
                 </a:r>
               </a:p>
               <a:p>
@@ -26127,7 +26205,7 @@
               <a:blipFill>
                 <a:blip r:embed="rId2"/>
                 <a:stretch>
-                  <a:fillRect l="-1005" t="-3221" r="-618"/>
+                  <a:fillRect l="-850" t="-2801" r="-1468"/>
                 </a:stretch>
               </a:blipFill>
             </p:spPr>
@@ -26568,7 +26646,7 @@
                 </a:pPr>
                 <a:r>
                   <a:rPr lang="en-US" dirty="0"/>
-                  <a:t>Select the move that leads to the highest win percentage.</a:t>
+                  <a:t>Select the move that results in the highest win percentage.</a:t>
                 </a:r>
               </a:p>
               <a:p>
@@ -27042,7 +27120,7 @@
             <a:pPr algn="ctr"/>
             <a:r>
               <a:rPr lang="en-US" dirty="0"/>
-              <a:t>Max can start each playout at any of these states. Which one should it choose?</a:t>
+              <a:t>Max can start a playout at any of these states. Which one should it choose?</a:t>
             </a:r>
           </a:p>
         </p:txBody>
@@ -27368,8 +27446,8 @@
           </a:p>
         </p:txBody>
       </p:sp>
-      <mc:AlternateContent xmlns:mc="http://schemas.openxmlformats.org/markup-compatibility/2006">
-        <mc:Choice xmlns:a14="http://schemas.microsoft.com/office/drawing/2010/main" Requires="a14">
+      <mc:AlternateContent xmlns:mc="http://schemas.openxmlformats.org/markup-compatibility/2006" xmlns:a14="http://schemas.microsoft.com/office/drawing/2010/main">
+        <mc:Choice Requires="a14">
           <p:sp>
             <p:nvSpPr>
               <p:cNvPr id="5" name="Speech Bubble: Rectangle 4">
@@ -27457,7 +27535,7 @@
             </p:txBody>
           </p:sp>
         </mc:Choice>
-        <mc:Fallback>
+        <mc:Fallback xmlns="">
           <p:sp>
             <p:nvSpPr>
               <p:cNvPr id="5" name="Speech Bubble: Rectangle 4">
@@ -27666,8 +27744,8 @@
           </p:sp>
         </mc:Fallback>
       </mc:AlternateContent>
-      <mc:AlternateContent xmlns:mc="http://schemas.openxmlformats.org/markup-compatibility/2006">
-        <mc:Choice xmlns:a14="http://schemas.microsoft.com/office/drawing/2010/main" Requires="a14">
+      <mc:AlternateContent xmlns:mc="http://schemas.openxmlformats.org/markup-compatibility/2006" xmlns:a14="http://schemas.microsoft.com/office/drawing/2010/main">
+        <mc:Choice Requires="a14">
           <p:sp>
             <p:nvSpPr>
               <p:cNvPr id="7" name="Speech Bubble: Rectangle 6">
@@ -27753,7 +27831,7 @@
             </p:txBody>
           </p:sp>
         </mc:Choice>
-        <mc:Fallback>
+        <mc:Fallback xmlns="">
           <p:sp>
             <p:nvSpPr>
               <p:cNvPr id="7" name="Speech Bubble: Rectangle 6">

--- a/slides/05_games.pptx
+++ b/slides/05_games.pptx
@@ -2772,7 +2772,7 @@
             <a:fld id="{46E2045A-045A-4BC7-A4D3-1395440B1C3D}" type="datetimeFigureOut">
               <a:rPr lang="en-US" smtClean="0"/>
               <a:pPr/>
-              <a:t>12/8/2023</a:t>
+              <a:t>3/20/2024</a:t>
             </a:fld>
             <a:endParaRPr lang="en-US"/>
           </a:p>
@@ -9122,85 +9122,49 @@
                               <m:func>
                                 <m:funcPr>
                                   <m:ctrlPr>
-                                    <a:rPr lang="en-US" sz="1900" b="0" i="1" smtClean="0">
+                                    <a:rPr lang="en-US" sz="1900" i="1">
                                       <a:latin typeface="Cambria Math" panose="02040503050406030204" pitchFamily="18" charset="0"/>
                                     </a:rPr>
                                   </m:ctrlPr>
                                 </m:funcPr>
                                 <m:fName>
-                                  <m:func>
-                                    <m:funcPr>
+                                  <m:limLow>
+                                    <m:limLowPr>
                                       <m:ctrlPr>
-                                        <a:rPr lang="en-US" sz="1900" b="0" i="1" smtClean="0">
+                                        <a:rPr lang="en-US" sz="1900" i="1">
                                           <a:latin typeface="Cambria Math" panose="02040503050406030204" pitchFamily="18" charset="0"/>
                                         </a:rPr>
                                       </m:ctrlPr>
-                                    </m:funcPr>
-                                    <m:fName>
-                                      <m:limLow>
-                                        <m:limLowPr>
-                                          <m:ctrlPr>
-                                            <a:rPr lang="en-US" sz="1900" b="0" i="1" smtClean="0">
-                                              <a:latin typeface="Cambria Math" panose="02040503050406030204" pitchFamily="18" charset="0"/>
-                                            </a:rPr>
-                                          </m:ctrlPr>
-                                        </m:limLowPr>
-                                        <m:e>
-                                          <m:r>
-                                            <m:rPr>
-                                              <m:sty m:val="p"/>
-                                            </m:rPr>
-                                            <a:rPr lang="en-US" sz="1900" b="0" i="0" smtClean="0">
-                                              <a:latin typeface="Cambria Math" panose="02040503050406030204" pitchFamily="18" charset="0"/>
-                                            </a:rPr>
-                                            <m:t>max</m:t>
-                                          </m:r>
-                                        </m:e>
-                                        <m:lim>
-                                          <m:r>
-                                            <a:rPr lang="en-US" sz="1900" b="0" i="1" smtClean="0">
-                                              <a:latin typeface="Cambria Math" panose="02040503050406030204" pitchFamily="18" charset="0"/>
-                                            </a:rPr>
-                                            <m:t>𝑎</m:t>
-                                          </m:r>
-                                          <m:r>
-                                            <a:rPr lang="en-US" sz="1900" b="0" i="1" smtClean="0">
-                                              <a:latin typeface="Cambria Math" panose="02040503050406030204" pitchFamily="18" charset="0"/>
-                                            </a:rPr>
-                                            <m:t>∈</m:t>
-                                          </m:r>
-                                          <m:r>
-                                            <a:rPr lang="en-US" sz="1900" b="0" i="1" smtClean="0">
-                                              <a:latin typeface="Cambria Math" panose="02040503050406030204" pitchFamily="18" charset="0"/>
-                                            </a:rPr>
-                                            <m:t>𝐴𝑐𝑡𝑖𝑜𝑛𝑠</m:t>
-                                          </m:r>
-                                          <m:d>
-                                            <m:dPr>
-                                              <m:ctrlPr>
-                                                <a:rPr lang="en-US" sz="1900" b="0" i="1" smtClean="0">
-                                                  <a:latin typeface="Cambria Math" panose="02040503050406030204" pitchFamily="18" charset="0"/>
-                                                </a:rPr>
-                                              </m:ctrlPr>
-                                            </m:dPr>
-                                            <m:e>
-                                              <m:r>
-                                                <a:rPr lang="en-US" sz="1900" b="0" i="1" smtClean="0">
-                                                  <a:latin typeface="Cambria Math" panose="02040503050406030204" pitchFamily="18" charset="0"/>
-                                                </a:rPr>
-                                                <m:t>𝑠</m:t>
-                                              </m:r>
-                                            </m:e>
-                                          </m:d>
-                                        </m:lim>
-                                      </m:limLow>
-                                    </m:fName>
+                                    </m:limLowPr>
                                     <m:e>
+                                      <m:r>
+                                        <m:rPr>
+                                          <m:sty m:val="p"/>
+                                        </m:rPr>
+                                        <a:rPr lang="en-US" sz="1900">
+                                          <a:latin typeface="Cambria Math" panose="02040503050406030204" pitchFamily="18" charset="0"/>
+                                        </a:rPr>
+                                        <m:t>max</m:t>
+                                      </m:r>
+                                    </m:e>
+                                    <m:lim>
                                       <m:r>
                                         <a:rPr lang="en-US" sz="1900" i="1">
                                           <a:latin typeface="Cambria Math" panose="02040503050406030204" pitchFamily="18" charset="0"/>
                                         </a:rPr>
-                                        <m:t>𝑀𝑖𝑛𝑖𝑚𝑎𝑥</m:t>
+                                        <m:t>𝑎</m:t>
+                                      </m:r>
+                                      <m:r>
+                                        <a:rPr lang="en-US" sz="1900" i="1">
+                                          <a:latin typeface="Cambria Math" panose="02040503050406030204" pitchFamily="18" charset="0"/>
+                                        </a:rPr>
+                                        <m:t>∈</m:t>
+                                      </m:r>
+                                      <m:r>
+                                        <a:rPr lang="en-US" sz="1900" i="1">
+                                          <a:latin typeface="Cambria Math" panose="02040503050406030204" pitchFamily="18" charset="0"/>
+                                        </a:rPr>
+                                        <m:t>𝐴𝑐𝑡𝑖𝑜𝑛𝑠</m:t>
                                       </m:r>
                                       <m:d>
                                         <m:dPr>
@@ -9215,50 +9179,68 @@
                                             <a:rPr lang="en-US" sz="1900" i="1">
                                               <a:latin typeface="Cambria Math" panose="02040503050406030204" pitchFamily="18" charset="0"/>
                                             </a:rPr>
-                                            <m:t>𝑅𝑒𝑠𝑢𝑙𝑡</m:t>
+                                            <m:t>𝑠</m:t>
                                           </m:r>
-                                          <m:d>
-                                            <m:dPr>
-                                              <m:ctrlPr>
-                                                <a:rPr lang="en-US" sz="1900" i="1">
-                                                  <a:latin typeface="Cambria Math" panose="02040503050406030204" pitchFamily="18" charset="0"/>
-                                                </a:rPr>
-                                              </m:ctrlPr>
-                                            </m:dPr>
-                                            <m:e>
-                                              <m:r>
-                                                <a:rPr lang="en-US" sz="1900" i="1">
-                                                  <a:latin typeface="Cambria Math" panose="02040503050406030204" pitchFamily="18" charset="0"/>
-                                                </a:rPr>
-                                                <m:t>𝑠</m:t>
-                                              </m:r>
-                                              <m:r>
-                                                <a:rPr lang="en-US" sz="1900" i="1">
-                                                  <a:latin typeface="Cambria Math" panose="02040503050406030204" pitchFamily="18" charset="0"/>
-                                                </a:rPr>
-                                                <m:t>,</m:t>
-                                              </m:r>
-                                              <m:r>
-                                                <a:rPr lang="en-US" sz="1900" i="1">
-                                                  <a:latin typeface="Cambria Math" panose="02040503050406030204" pitchFamily="18" charset="0"/>
-                                                </a:rPr>
-                                                <m:t>𝑎</m:t>
-                                              </m:r>
-                                            </m:e>
-                                          </m:d>
+                                        </m:e>
+                                      </m:d>
+                                    </m:lim>
+                                  </m:limLow>
+                                </m:fName>
+                                <m:e>
+                                  <m:r>
+                                    <a:rPr lang="en-US" sz="1900" i="1">
+                                      <a:latin typeface="Cambria Math" panose="02040503050406030204" pitchFamily="18" charset="0"/>
+                                    </a:rPr>
+                                    <m:t>𝑀𝑖𝑛𝑖𝑚𝑎𝑥</m:t>
+                                  </m:r>
+                                  <m:d>
+                                    <m:dPr>
+                                      <m:ctrlPr>
+                                        <a:rPr lang="en-US" sz="1900" i="1">
+                                          <a:latin typeface="Cambria Math" panose="02040503050406030204" pitchFamily="18" charset="0"/>
+                                        </a:rPr>
+                                      </m:ctrlPr>
+                                    </m:dPr>
+                                    <m:e>
+                                      <m:r>
+                                        <a:rPr lang="en-US" sz="1900" i="1">
+                                          <a:latin typeface="Cambria Math" panose="02040503050406030204" pitchFamily="18" charset="0"/>
+                                        </a:rPr>
+                                        <m:t>𝑅𝑒𝑠𝑢𝑙𝑡</m:t>
+                                      </m:r>
+                                      <m:d>
+                                        <m:dPr>
+                                          <m:ctrlPr>
+                                            <a:rPr lang="en-US" sz="1900" i="1">
+                                              <a:latin typeface="Cambria Math" panose="02040503050406030204" pitchFamily="18" charset="0"/>
+                                            </a:rPr>
+                                          </m:ctrlPr>
+                                        </m:dPr>
+                                        <m:e>
+                                          <m:r>
+                                            <a:rPr lang="en-US" sz="1900" i="1">
+                                              <a:latin typeface="Cambria Math" panose="02040503050406030204" pitchFamily="18" charset="0"/>
+                                            </a:rPr>
+                                            <m:t>𝑠</m:t>
+                                          </m:r>
+                                          <m:r>
+                                            <a:rPr lang="en-US" sz="1900" i="1">
+                                              <a:latin typeface="Cambria Math" panose="02040503050406030204" pitchFamily="18" charset="0"/>
+                                            </a:rPr>
+                                            <m:t>,</m:t>
+                                          </m:r>
+                                          <m:r>
+                                            <a:rPr lang="en-US" sz="1900" i="1">
+                                              <a:latin typeface="Cambria Math" panose="02040503050406030204" pitchFamily="18" charset="0"/>
+                                            </a:rPr>
+                                            <m:t>𝑎</m:t>
+                                          </m:r>
                                         </m:e>
                                       </m:d>
                                     </m:e>
-                                  </m:func>
-                                </m:fName>
-                                <m:e/>
+                                  </m:d>
+                                </m:e>
                               </m:func>
-                              <m:r>
-                                <a:rPr lang="en-US" sz="1900" b="0" i="1" smtClean="0">
-                                  <a:latin typeface="Cambria Math" panose="02040503050406030204" pitchFamily="18" charset="0"/>
-                                </a:rPr>
-                                <m:t>  </m:t>
-                              </m:r>
                               <m:r>
                                 <m:rPr>
                                   <m:nor/>
@@ -9266,7 +9248,7 @@
                                 <a:rPr lang="en-US" sz="1900" b="0" i="0" smtClean="0">
                                   <a:latin typeface="Cambria Math" panose="02040503050406030204" pitchFamily="18" charset="0"/>
                                 </a:rPr>
-                                <m:t>    </m:t>
+                                <m:t>           </m:t>
                               </m:r>
                               <m:r>
                                 <m:rPr>
@@ -9571,134 +9553,6 @@
   <p:clrMapOvr>
     <a:masterClrMapping/>
   </p:clrMapOvr>
-  <p:timing>
-    <p:tnLst>
-      <p:par>
-        <p:cTn id="1" dur="indefinite" restart="never" nodeType="tmRoot">
-          <p:childTnLst>
-            <p:seq concurrent="1" nextAc="seek">
-              <p:cTn id="2" dur="indefinite" nodeType="mainSeq">
-                <p:childTnLst>
-                  <p:par>
-                    <p:cTn id="3" fill="hold">
-                      <p:stCondLst>
-                        <p:cond delay="indefinite"/>
-                      </p:stCondLst>
-                      <p:childTnLst>
-                        <p:par>
-                          <p:cTn id="4" fill="hold">
-                            <p:stCondLst>
-                              <p:cond delay="0"/>
-                            </p:stCondLst>
-                            <p:childTnLst>
-                              <p:par>
-                                <p:cTn id="5" presetID="1" presetClass="entr" presetSubtype="0" fill="hold" nodeType="clickEffect">
-                                  <p:stCondLst>
-                                    <p:cond delay="0"/>
-                                  </p:stCondLst>
-                                  <p:childTnLst>
-                                    <p:set>
-                                      <p:cBhvr>
-                                        <p:cTn id="6" dur="1" fill="hold">
-                                          <p:stCondLst>
-                                            <p:cond delay="0"/>
-                                          </p:stCondLst>
-                                        </p:cTn>
-                                        <p:tgtEl>
-                                          <p:spTgt spid="5">
-                                            <p:txEl>
-                                              <p:pRg st="4" end="4"/>
-                                            </p:txEl>
-                                          </p:spTgt>
-                                        </p:tgtEl>
-                                        <p:attrNameLst>
-                                          <p:attrName>style.visibility</p:attrName>
-                                        </p:attrNameLst>
-                                      </p:cBhvr>
-                                      <p:to>
-                                        <p:strVal val="visible"/>
-                                      </p:to>
-                                    </p:set>
-                                  </p:childTnLst>
-                                </p:cTn>
-                              </p:par>
-                            </p:childTnLst>
-                          </p:cTn>
-                        </p:par>
-                      </p:childTnLst>
-                    </p:cTn>
-                  </p:par>
-                  <p:par>
-                    <p:cTn id="7" fill="hold">
-                      <p:stCondLst>
-                        <p:cond delay="indefinite"/>
-                      </p:stCondLst>
-                      <p:childTnLst>
-                        <p:par>
-                          <p:cTn id="8" fill="hold">
-                            <p:stCondLst>
-                              <p:cond delay="0"/>
-                            </p:stCondLst>
-                            <p:childTnLst>
-                              <p:par>
-                                <p:cTn id="9" presetID="1" presetClass="entr" presetSubtype="0" fill="hold" nodeType="clickEffect">
-                                  <p:stCondLst>
-                                    <p:cond delay="0"/>
-                                  </p:stCondLst>
-                                  <p:childTnLst>
-                                    <p:set>
-                                      <p:cBhvr>
-                                        <p:cTn id="10" dur="1" fill="hold">
-                                          <p:stCondLst>
-                                            <p:cond delay="0"/>
-                                          </p:stCondLst>
-                                        </p:cTn>
-                                        <p:tgtEl>
-                                          <p:spTgt spid="5">
-                                            <p:txEl>
-                                              <p:pRg st="5" end="5"/>
-                                            </p:txEl>
-                                          </p:spTgt>
-                                        </p:tgtEl>
-                                        <p:attrNameLst>
-                                          <p:attrName>style.visibility</p:attrName>
-                                        </p:attrNameLst>
-                                      </p:cBhvr>
-                                      <p:to>
-                                        <p:strVal val="visible"/>
-                                      </p:to>
-                                    </p:set>
-                                  </p:childTnLst>
-                                </p:cTn>
-                              </p:par>
-                            </p:childTnLst>
-                          </p:cTn>
-                        </p:par>
-                      </p:childTnLst>
-                    </p:cTn>
-                  </p:par>
-                </p:childTnLst>
-              </p:cTn>
-              <p:prevCondLst>
-                <p:cond evt="onPrev" delay="0">
-                  <p:tgtEl>
-                    <p:sldTgt/>
-                  </p:tgtEl>
-                </p:cond>
-              </p:prevCondLst>
-              <p:nextCondLst>
-                <p:cond evt="onNext" delay="0">
-                  <p:tgtEl>
-                    <p:sldTgt/>
-                  </p:tgtEl>
-                </p:cond>
-              </p:nextCondLst>
-            </p:seq>
-          </p:childTnLst>
-        </p:cTn>
-      </p:par>
-    </p:tnLst>
-  </p:timing>
 </p:sld>
 </file>
 
@@ -14420,8 +14274,8 @@
           </a:p>
         </p:txBody>
       </p:sp>
-      <mc:AlternateContent xmlns:mc="http://schemas.openxmlformats.org/markup-compatibility/2006">
-        <mc:Choice xmlns:a14="http://schemas.microsoft.com/office/drawing/2010/main" Requires="a14">
+      <mc:AlternateContent xmlns:mc="http://schemas.openxmlformats.org/markup-compatibility/2006" xmlns:a14="http://schemas.microsoft.com/office/drawing/2010/main">
+        <mc:Choice Requires="a14">
           <p:sp>
             <p:nvSpPr>
               <p:cNvPr id="51" name="TextBox 50">
@@ -14450,6 +14304,7 @@
               </a:bodyPr>
               <a:lstStyle/>
               <a:p>
+                <a:pPr/>
                 <a14:m>
                   <m:oMathPara xmlns:m="http://schemas.openxmlformats.org/officeDocument/2006/math">
                     <m:oMathParaPr>
@@ -14489,7 +14344,7 @@
             </p:txBody>
           </p:sp>
         </mc:Choice>
-        <mc:Fallback>
+        <mc:Fallback xmlns="">
           <p:sp>
             <p:nvSpPr>
               <p:cNvPr id="51" name="TextBox 50">
@@ -14534,8 +14389,8 @@
           </p:sp>
         </mc:Fallback>
       </mc:AlternateContent>
-      <mc:AlternateContent xmlns:mc="http://schemas.openxmlformats.org/markup-compatibility/2006">
-        <mc:Choice xmlns:a14="http://schemas.microsoft.com/office/drawing/2010/main" Requires="a14">
+      <mc:AlternateContent xmlns:mc="http://schemas.openxmlformats.org/markup-compatibility/2006" xmlns:a14="http://schemas.microsoft.com/office/drawing/2010/main">
+        <mc:Choice Requires="a14">
           <p:sp>
             <p:nvSpPr>
               <p:cNvPr id="52" name="TextBox 51">
@@ -14564,6 +14419,7 @@
               </a:bodyPr>
               <a:lstStyle/>
               <a:p>
+                <a:pPr/>
                 <a14:m>
                   <m:oMathPara xmlns:m="http://schemas.openxmlformats.org/officeDocument/2006/math">
                     <m:oMathParaPr>
@@ -14603,7 +14459,7 @@
             </p:txBody>
           </p:sp>
         </mc:Choice>
-        <mc:Fallback>
+        <mc:Fallback xmlns="">
           <p:sp>
             <p:nvSpPr>
               <p:cNvPr id="52" name="TextBox 51">
@@ -14648,8 +14504,8 @@
           </p:sp>
         </mc:Fallback>
       </mc:AlternateContent>
-      <mc:AlternateContent xmlns:mc="http://schemas.openxmlformats.org/markup-compatibility/2006">
-        <mc:Choice xmlns:a14="http://schemas.microsoft.com/office/drawing/2010/main" Requires="a14">
+      <mc:AlternateContent xmlns:mc="http://schemas.openxmlformats.org/markup-compatibility/2006" xmlns:a14="http://schemas.microsoft.com/office/drawing/2010/main">
+        <mc:Choice Requires="a14">
           <p:sp>
             <p:nvSpPr>
               <p:cNvPr id="53" name="TextBox 52">
@@ -14678,6 +14534,7 @@
               </a:bodyPr>
               <a:lstStyle/>
               <a:p>
+                <a:pPr/>
                 <a14:m>
                   <m:oMathPara xmlns:m="http://schemas.openxmlformats.org/officeDocument/2006/math">
                     <m:oMathParaPr>
@@ -14717,7 +14574,7 @@
             </p:txBody>
           </p:sp>
         </mc:Choice>
-        <mc:Fallback>
+        <mc:Fallback xmlns="">
           <p:sp>
             <p:nvSpPr>
               <p:cNvPr id="53" name="TextBox 52">
@@ -14762,8 +14619,8 @@
           </p:sp>
         </mc:Fallback>
       </mc:AlternateContent>
-      <mc:AlternateContent xmlns:mc="http://schemas.openxmlformats.org/markup-compatibility/2006">
-        <mc:Choice xmlns:a14="http://schemas.microsoft.com/office/drawing/2010/main" Requires="a14">
+      <mc:AlternateContent xmlns:mc="http://schemas.openxmlformats.org/markup-compatibility/2006" xmlns:a14="http://schemas.microsoft.com/office/drawing/2010/main">
+        <mc:Choice Requires="a14">
           <p:sp>
             <p:nvSpPr>
               <p:cNvPr id="54" name="TextBox 53">
@@ -14792,6 +14649,7 @@
               </a:bodyPr>
               <a:lstStyle/>
               <a:p>
+                <a:pPr/>
                 <a14:m>
                   <m:oMathPara xmlns:m="http://schemas.openxmlformats.org/officeDocument/2006/math">
                     <m:oMathParaPr>
@@ -14831,7 +14689,7 @@
             </p:txBody>
           </p:sp>
         </mc:Choice>
-        <mc:Fallback>
+        <mc:Fallback xmlns="">
           <p:sp>
             <p:nvSpPr>
               <p:cNvPr id="54" name="TextBox 53">
@@ -14876,8 +14734,8 @@
           </p:sp>
         </mc:Fallback>
       </mc:AlternateContent>
-      <mc:AlternateContent xmlns:mc="http://schemas.openxmlformats.org/markup-compatibility/2006">
-        <mc:Choice xmlns:a14="http://schemas.microsoft.com/office/drawing/2010/main" Requires="a14">
+      <mc:AlternateContent xmlns:mc="http://schemas.openxmlformats.org/markup-compatibility/2006" xmlns:a14="http://schemas.microsoft.com/office/drawing/2010/main">
+        <mc:Choice Requires="a14">
           <p:sp>
             <p:nvSpPr>
               <p:cNvPr id="55" name="TextBox 54">
@@ -14906,6 +14764,7 @@
               </a:bodyPr>
               <a:lstStyle/>
               <a:p>
+                <a:pPr/>
                 <a14:m>
                   <m:oMathPara xmlns:m="http://schemas.openxmlformats.org/officeDocument/2006/math">
                     <m:oMathParaPr>
@@ -14945,7 +14804,7 @@
             </p:txBody>
           </p:sp>
         </mc:Choice>
-        <mc:Fallback>
+        <mc:Fallback xmlns="">
           <p:sp>
             <p:nvSpPr>
               <p:cNvPr id="55" name="TextBox 54">
@@ -14990,8 +14849,8 @@
           </p:sp>
         </mc:Fallback>
       </mc:AlternateContent>
-      <mc:AlternateContent xmlns:mc="http://schemas.openxmlformats.org/markup-compatibility/2006">
-        <mc:Choice xmlns:a14="http://schemas.microsoft.com/office/drawing/2010/main" Requires="a14">
+      <mc:AlternateContent xmlns:mc="http://schemas.openxmlformats.org/markup-compatibility/2006" xmlns:a14="http://schemas.microsoft.com/office/drawing/2010/main">
+        <mc:Choice Requires="a14">
           <p:sp>
             <p:nvSpPr>
               <p:cNvPr id="56" name="TextBox 55">
@@ -15020,6 +14879,7 @@
               </a:bodyPr>
               <a:lstStyle/>
               <a:p>
+                <a:pPr/>
                 <a14:m>
                   <m:oMathPara xmlns:m="http://schemas.openxmlformats.org/officeDocument/2006/math">
                     <m:oMathParaPr>
@@ -15059,7 +14919,7 @@
             </p:txBody>
           </p:sp>
         </mc:Choice>
-        <mc:Fallback>
+        <mc:Fallback xmlns="">
           <p:sp>
             <p:nvSpPr>
               <p:cNvPr id="56" name="TextBox 55">
@@ -15104,8 +14964,8 @@
           </p:sp>
         </mc:Fallback>
       </mc:AlternateContent>
-      <mc:AlternateContent xmlns:mc="http://schemas.openxmlformats.org/markup-compatibility/2006">
-        <mc:Choice xmlns:a14="http://schemas.microsoft.com/office/drawing/2010/main" Requires="a14">
+      <mc:AlternateContent xmlns:mc="http://schemas.openxmlformats.org/markup-compatibility/2006" xmlns:a14="http://schemas.microsoft.com/office/drawing/2010/main">
+        <mc:Choice Requires="a14">
           <p:sp>
             <p:nvSpPr>
               <p:cNvPr id="57" name="TextBox 56">
@@ -15134,6 +14994,7 @@
               </a:bodyPr>
               <a:lstStyle/>
               <a:p>
+                <a:pPr/>
                 <a14:m>
                   <m:oMathPara xmlns:m="http://schemas.openxmlformats.org/officeDocument/2006/math">
                     <m:oMathParaPr>
@@ -15173,7 +15034,7 @@
             </p:txBody>
           </p:sp>
         </mc:Choice>
-        <mc:Fallback>
+        <mc:Fallback xmlns="">
           <p:sp>
             <p:nvSpPr>
               <p:cNvPr id="57" name="TextBox 56">
@@ -15218,8 +15079,8 @@
           </p:sp>
         </mc:Fallback>
       </mc:AlternateContent>
-      <mc:AlternateContent xmlns:mc="http://schemas.openxmlformats.org/markup-compatibility/2006">
-        <mc:Choice xmlns:a14="http://schemas.microsoft.com/office/drawing/2010/main" Requires="a14">
+      <mc:AlternateContent xmlns:mc="http://schemas.openxmlformats.org/markup-compatibility/2006" xmlns:a14="http://schemas.microsoft.com/office/drawing/2010/main">
+        <mc:Choice Requires="a14">
           <p:sp>
             <p:nvSpPr>
               <p:cNvPr id="58" name="TextBox 57">
@@ -15248,6 +15109,7 @@
               </a:bodyPr>
               <a:lstStyle/>
               <a:p>
+                <a:pPr/>
                 <a14:m>
                   <m:oMathPara xmlns:m="http://schemas.openxmlformats.org/officeDocument/2006/math">
                     <m:oMathParaPr>
@@ -15287,7 +15149,7 @@
             </p:txBody>
           </p:sp>
         </mc:Choice>
-        <mc:Fallback>
+        <mc:Fallback xmlns="">
           <p:sp>
             <p:nvSpPr>
               <p:cNvPr id="58" name="TextBox 57">
@@ -15332,8 +15194,8 @@
           </p:sp>
         </mc:Fallback>
       </mc:AlternateContent>
-      <mc:AlternateContent xmlns:mc="http://schemas.openxmlformats.org/markup-compatibility/2006">
-        <mc:Choice xmlns:a14="http://schemas.microsoft.com/office/drawing/2010/main" Requires="a14">
+      <mc:AlternateContent xmlns:mc="http://schemas.openxmlformats.org/markup-compatibility/2006" xmlns:a14="http://schemas.microsoft.com/office/drawing/2010/main">
+        <mc:Choice Requires="a14">
           <p:sp>
             <p:nvSpPr>
               <p:cNvPr id="59" name="TextBox 58">
@@ -15362,6 +15224,7 @@
               </a:bodyPr>
               <a:lstStyle/>
               <a:p>
+                <a:pPr/>
                 <a14:m>
                   <m:oMathPara xmlns:m="http://schemas.openxmlformats.org/officeDocument/2006/math">
                     <m:oMathParaPr>
@@ -15401,7 +15264,7 @@
             </p:txBody>
           </p:sp>
         </mc:Choice>
-        <mc:Fallback>
+        <mc:Fallback xmlns="">
           <p:sp>
             <p:nvSpPr>
               <p:cNvPr id="59" name="TextBox 58">
@@ -15446,8 +15309,8 @@
           </p:sp>
         </mc:Fallback>
       </mc:AlternateContent>
-      <mc:AlternateContent xmlns:mc="http://schemas.openxmlformats.org/markup-compatibility/2006">
-        <mc:Choice xmlns:a14="http://schemas.microsoft.com/office/drawing/2010/main" Requires="a14">
+      <mc:AlternateContent xmlns:mc="http://schemas.openxmlformats.org/markup-compatibility/2006" xmlns:a14="http://schemas.microsoft.com/office/drawing/2010/main">
+        <mc:Choice Requires="a14">
           <p:sp>
             <p:nvSpPr>
               <p:cNvPr id="60" name="TextBox 59">
@@ -15476,6 +15339,7 @@
               </a:bodyPr>
               <a:lstStyle/>
               <a:p>
+                <a:pPr/>
                 <a14:m>
                   <m:oMathPara xmlns:m="http://schemas.openxmlformats.org/officeDocument/2006/math">
                     <m:oMathParaPr>
@@ -15515,7 +15379,7 @@
             </p:txBody>
           </p:sp>
         </mc:Choice>
-        <mc:Fallback>
+        <mc:Fallback xmlns="">
           <p:sp>
             <p:nvSpPr>
               <p:cNvPr id="60" name="TextBox 59">
@@ -15560,8 +15424,8 @@
           </p:sp>
         </mc:Fallback>
       </mc:AlternateContent>
-      <mc:AlternateContent xmlns:mc="http://schemas.openxmlformats.org/markup-compatibility/2006">
-        <mc:Choice xmlns:a14="http://schemas.microsoft.com/office/drawing/2010/main" Requires="a14">
+      <mc:AlternateContent xmlns:mc="http://schemas.openxmlformats.org/markup-compatibility/2006" xmlns:a14="http://schemas.microsoft.com/office/drawing/2010/main">
+        <mc:Choice Requires="a14">
           <p:sp>
             <p:nvSpPr>
               <p:cNvPr id="61" name="TextBox 60">
@@ -15590,6 +15454,7 @@
               </a:bodyPr>
               <a:lstStyle/>
               <a:p>
+                <a:pPr/>
                 <a14:m>
                   <m:oMathPara xmlns:m="http://schemas.openxmlformats.org/officeDocument/2006/math">
                     <m:oMathParaPr>
@@ -15629,7 +15494,7 @@
             </p:txBody>
           </p:sp>
         </mc:Choice>
-        <mc:Fallback>
+        <mc:Fallback xmlns="">
           <p:sp>
             <p:nvSpPr>
               <p:cNvPr id="61" name="TextBox 60">
@@ -15674,8 +15539,8 @@
           </p:sp>
         </mc:Fallback>
       </mc:AlternateContent>
-      <mc:AlternateContent xmlns:mc="http://schemas.openxmlformats.org/markup-compatibility/2006">
-        <mc:Choice xmlns:a14="http://schemas.microsoft.com/office/drawing/2010/main" Requires="a14">
+      <mc:AlternateContent xmlns:mc="http://schemas.openxmlformats.org/markup-compatibility/2006" xmlns:a14="http://schemas.microsoft.com/office/drawing/2010/main">
+        <mc:Choice Requires="a14">
           <p:sp>
             <p:nvSpPr>
               <p:cNvPr id="62" name="TextBox 61">
@@ -15704,6 +15569,7 @@
               </a:bodyPr>
               <a:lstStyle/>
               <a:p>
+                <a:pPr/>
                 <a14:m>
                   <m:oMathPara xmlns:m="http://schemas.openxmlformats.org/officeDocument/2006/math">
                     <m:oMathParaPr>
@@ -15743,7 +15609,7 @@
             </p:txBody>
           </p:sp>
         </mc:Choice>
-        <mc:Fallback>
+        <mc:Fallback xmlns="">
           <p:sp>
             <p:nvSpPr>
               <p:cNvPr id="62" name="TextBox 61">
@@ -21399,7 +21265,7 @@
             <a:pPr algn="ctr"/>
             <a:r>
               <a:rPr lang="en-US" dirty="0"/>
-              <a:t>2</a:t>
+              <a:t>-5</a:t>
             </a:r>
           </a:p>
         </p:txBody>
@@ -21448,7 +21314,7 @@
             <a:pPr algn="ctr"/>
             <a:r>
               <a:rPr lang="en-US" dirty="0"/>
-              <a:t>-5</a:t>
+              <a:t>2</a:t>
             </a:r>
           </a:p>
         </p:txBody>
@@ -22288,8 +22154,8 @@
           </a:p>
         </p:txBody>
       </p:sp>
-      <mc:AlternateContent xmlns:mc="http://schemas.openxmlformats.org/markup-compatibility/2006">
-        <mc:Choice xmlns:a14="http://schemas.microsoft.com/office/drawing/2010/main" Requires="a14">
+      <mc:AlternateContent xmlns:mc="http://schemas.openxmlformats.org/markup-compatibility/2006" xmlns:a14="http://schemas.microsoft.com/office/drawing/2010/main">
+        <mc:Choice Requires="a14">
           <p:sp>
             <p:nvSpPr>
               <p:cNvPr id="51" name="TextBox 50">
@@ -22318,6 +22184,7 @@
               </a:bodyPr>
               <a:lstStyle/>
               <a:p>
+                <a:pPr/>
                 <a14:m>
                   <m:oMathPara xmlns:m="http://schemas.openxmlformats.org/officeDocument/2006/math">
                     <m:oMathParaPr>
@@ -22357,7 +22224,7 @@
             </p:txBody>
           </p:sp>
         </mc:Choice>
-        <mc:Fallback>
+        <mc:Fallback xmlns="">
           <p:sp>
             <p:nvSpPr>
               <p:cNvPr id="51" name="TextBox 50">
@@ -22402,8 +22269,8 @@
           </p:sp>
         </mc:Fallback>
       </mc:AlternateContent>
-      <mc:AlternateContent xmlns:mc="http://schemas.openxmlformats.org/markup-compatibility/2006">
-        <mc:Choice xmlns:a14="http://schemas.microsoft.com/office/drawing/2010/main" Requires="a14">
+      <mc:AlternateContent xmlns:mc="http://schemas.openxmlformats.org/markup-compatibility/2006" xmlns:a14="http://schemas.microsoft.com/office/drawing/2010/main">
+        <mc:Choice Requires="a14">
           <p:sp>
             <p:nvSpPr>
               <p:cNvPr id="52" name="TextBox 51">
@@ -22432,6 +22299,7 @@
               </a:bodyPr>
               <a:lstStyle/>
               <a:p>
+                <a:pPr/>
                 <a14:m>
                   <m:oMathPara xmlns:m="http://schemas.openxmlformats.org/officeDocument/2006/math">
                     <m:oMathParaPr>
@@ -22471,7 +22339,7 @@
             </p:txBody>
           </p:sp>
         </mc:Choice>
-        <mc:Fallback>
+        <mc:Fallback xmlns="">
           <p:sp>
             <p:nvSpPr>
               <p:cNvPr id="52" name="TextBox 51">
@@ -22516,8 +22384,8 @@
           </p:sp>
         </mc:Fallback>
       </mc:AlternateContent>
-      <mc:AlternateContent xmlns:mc="http://schemas.openxmlformats.org/markup-compatibility/2006">
-        <mc:Choice xmlns:a14="http://schemas.microsoft.com/office/drawing/2010/main" Requires="a14">
+      <mc:AlternateContent xmlns:mc="http://schemas.openxmlformats.org/markup-compatibility/2006" xmlns:a14="http://schemas.microsoft.com/office/drawing/2010/main">
+        <mc:Choice Requires="a14">
           <p:sp>
             <p:nvSpPr>
               <p:cNvPr id="53" name="TextBox 52">
@@ -22546,6 +22414,7 @@
               </a:bodyPr>
               <a:lstStyle/>
               <a:p>
+                <a:pPr/>
                 <a14:m>
                   <m:oMathPara xmlns:m="http://schemas.openxmlformats.org/officeDocument/2006/math">
                     <m:oMathParaPr>
@@ -22585,7 +22454,7 @@
             </p:txBody>
           </p:sp>
         </mc:Choice>
-        <mc:Fallback>
+        <mc:Fallback xmlns="">
           <p:sp>
             <p:nvSpPr>
               <p:cNvPr id="53" name="TextBox 52">
@@ -22630,8 +22499,8 @@
           </p:sp>
         </mc:Fallback>
       </mc:AlternateContent>
-      <mc:AlternateContent xmlns:mc="http://schemas.openxmlformats.org/markup-compatibility/2006">
-        <mc:Choice xmlns:a14="http://schemas.microsoft.com/office/drawing/2010/main" Requires="a14">
+      <mc:AlternateContent xmlns:mc="http://schemas.openxmlformats.org/markup-compatibility/2006" xmlns:a14="http://schemas.microsoft.com/office/drawing/2010/main">
+        <mc:Choice Requires="a14">
           <p:sp>
             <p:nvSpPr>
               <p:cNvPr id="54" name="TextBox 53">
@@ -22660,6 +22529,7 @@
               </a:bodyPr>
               <a:lstStyle/>
               <a:p>
+                <a:pPr/>
                 <a14:m>
                   <m:oMathPara xmlns:m="http://schemas.openxmlformats.org/officeDocument/2006/math">
                     <m:oMathParaPr>
@@ -22699,7 +22569,7 @@
             </p:txBody>
           </p:sp>
         </mc:Choice>
-        <mc:Fallback>
+        <mc:Fallback xmlns="">
           <p:sp>
             <p:nvSpPr>
               <p:cNvPr id="54" name="TextBox 53">
@@ -22744,8 +22614,8 @@
           </p:sp>
         </mc:Fallback>
       </mc:AlternateContent>
-      <mc:AlternateContent xmlns:mc="http://schemas.openxmlformats.org/markup-compatibility/2006">
-        <mc:Choice xmlns:a14="http://schemas.microsoft.com/office/drawing/2010/main" Requires="a14">
+      <mc:AlternateContent xmlns:mc="http://schemas.openxmlformats.org/markup-compatibility/2006" xmlns:a14="http://schemas.microsoft.com/office/drawing/2010/main">
+        <mc:Choice Requires="a14">
           <p:sp>
             <p:nvSpPr>
               <p:cNvPr id="55" name="TextBox 54">
@@ -22774,6 +22644,7 @@
               </a:bodyPr>
               <a:lstStyle/>
               <a:p>
+                <a:pPr/>
                 <a14:m>
                   <m:oMathPara xmlns:m="http://schemas.openxmlformats.org/officeDocument/2006/math">
                     <m:oMathParaPr>
@@ -22813,7 +22684,7 @@
             </p:txBody>
           </p:sp>
         </mc:Choice>
-        <mc:Fallback>
+        <mc:Fallback xmlns="">
           <p:sp>
             <p:nvSpPr>
               <p:cNvPr id="55" name="TextBox 54">
@@ -22858,8 +22729,8 @@
           </p:sp>
         </mc:Fallback>
       </mc:AlternateContent>
-      <mc:AlternateContent xmlns:mc="http://schemas.openxmlformats.org/markup-compatibility/2006">
-        <mc:Choice xmlns:a14="http://schemas.microsoft.com/office/drawing/2010/main" Requires="a14">
+      <mc:AlternateContent xmlns:mc="http://schemas.openxmlformats.org/markup-compatibility/2006" xmlns:a14="http://schemas.microsoft.com/office/drawing/2010/main">
+        <mc:Choice Requires="a14">
           <p:sp>
             <p:nvSpPr>
               <p:cNvPr id="56" name="TextBox 55">
@@ -22888,6 +22759,7 @@
               </a:bodyPr>
               <a:lstStyle/>
               <a:p>
+                <a:pPr/>
                 <a14:m>
                   <m:oMathPara xmlns:m="http://schemas.openxmlformats.org/officeDocument/2006/math">
                     <m:oMathParaPr>
@@ -22927,7 +22799,7 @@
             </p:txBody>
           </p:sp>
         </mc:Choice>
-        <mc:Fallback>
+        <mc:Fallback xmlns="">
           <p:sp>
             <p:nvSpPr>
               <p:cNvPr id="56" name="TextBox 55">
@@ -22972,8 +22844,8 @@
           </p:sp>
         </mc:Fallback>
       </mc:AlternateContent>
-      <mc:AlternateContent xmlns:mc="http://schemas.openxmlformats.org/markup-compatibility/2006">
-        <mc:Choice xmlns:a14="http://schemas.microsoft.com/office/drawing/2010/main" Requires="a14">
+      <mc:AlternateContent xmlns:mc="http://schemas.openxmlformats.org/markup-compatibility/2006" xmlns:a14="http://schemas.microsoft.com/office/drawing/2010/main">
+        <mc:Choice Requires="a14">
           <p:sp>
             <p:nvSpPr>
               <p:cNvPr id="57" name="TextBox 56">
@@ -23002,6 +22874,7 @@
               </a:bodyPr>
               <a:lstStyle/>
               <a:p>
+                <a:pPr/>
                 <a14:m>
                   <m:oMathPara xmlns:m="http://schemas.openxmlformats.org/officeDocument/2006/math">
                     <m:oMathParaPr>
@@ -23041,7 +22914,7 @@
             </p:txBody>
           </p:sp>
         </mc:Choice>
-        <mc:Fallback>
+        <mc:Fallback xmlns="">
           <p:sp>
             <p:nvSpPr>
               <p:cNvPr id="57" name="TextBox 56">
@@ -23086,8 +22959,8 @@
           </p:sp>
         </mc:Fallback>
       </mc:AlternateContent>
-      <mc:AlternateContent xmlns:mc="http://schemas.openxmlformats.org/markup-compatibility/2006">
-        <mc:Choice xmlns:a14="http://schemas.microsoft.com/office/drawing/2010/main" Requires="a14">
+      <mc:AlternateContent xmlns:mc="http://schemas.openxmlformats.org/markup-compatibility/2006" xmlns:a14="http://schemas.microsoft.com/office/drawing/2010/main">
+        <mc:Choice Requires="a14">
           <p:sp>
             <p:nvSpPr>
               <p:cNvPr id="58" name="TextBox 57">
@@ -23116,6 +22989,7 @@
               </a:bodyPr>
               <a:lstStyle/>
               <a:p>
+                <a:pPr/>
                 <a14:m>
                   <m:oMathPara xmlns:m="http://schemas.openxmlformats.org/officeDocument/2006/math">
                     <m:oMathParaPr>
@@ -23155,7 +23029,7 @@
             </p:txBody>
           </p:sp>
         </mc:Choice>
-        <mc:Fallback>
+        <mc:Fallback xmlns="">
           <p:sp>
             <p:nvSpPr>
               <p:cNvPr id="58" name="TextBox 57">
@@ -23200,8 +23074,8 @@
           </p:sp>
         </mc:Fallback>
       </mc:AlternateContent>
-      <mc:AlternateContent xmlns:mc="http://schemas.openxmlformats.org/markup-compatibility/2006">
-        <mc:Choice xmlns:a14="http://schemas.microsoft.com/office/drawing/2010/main" Requires="a14">
+      <mc:AlternateContent xmlns:mc="http://schemas.openxmlformats.org/markup-compatibility/2006" xmlns:a14="http://schemas.microsoft.com/office/drawing/2010/main">
+        <mc:Choice Requires="a14">
           <p:sp>
             <p:nvSpPr>
               <p:cNvPr id="59" name="TextBox 58">
@@ -23230,6 +23104,7 @@
               </a:bodyPr>
               <a:lstStyle/>
               <a:p>
+                <a:pPr/>
                 <a14:m>
                   <m:oMathPara xmlns:m="http://schemas.openxmlformats.org/officeDocument/2006/math">
                     <m:oMathParaPr>
@@ -23269,7 +23144,7 @@
             </p:txBody>
           </p:sp>
         </mc:Choice>
-        <mc:Fallback>
+        <mc:Fallback xmlns="">
           <p:sp>
             <p:nvSpPr>
               <p:cNvPr id="59" name="TextBox 58">
@@ -23314,8 +23189,8 @@
           </p:sp>
         </mc:Fallback>
       </mc:AlternateContent>
-      <mc:AlternateContent xmlns:mc="http://schemas.openxmlformats.org/markup-compatibility/2006">
-        <mc:Choice xmlns:a14="http://schemas.microsoft.com/office/drawing/2010/main" Requires="a14">
+      <mc:AlternateContent xmlns:mc="http://schemas.openxmlformats.org/markup-compatibility/2006" xmlns:a14="http://schemas.microsoft.com/office/drawing/2010/main">
+        <mc:Choice Requires="a14">
           <p:sp>
             <p:nvSpPr>
               <p:cNvPr id="60" name="TextBox 59">
@@ -23344,6 +23219,7 @@
               </a:bodyPr>
               <a:lstStyle/>
               <a:p>
+                <a:pPr/>
                 <a14:m>
                   <m:oMathPara xmlns:m="http://schemas.openxmlformats.org/officeDocument/2006/math">
                     <m:oMathParaPr>
@@ -23383,7 +23259,7 @@
             </p:txBody>
           </p:sp>
         </mc:Choice>
-        <mc:Fallback>
+        <mc:Fallback xmlns="">
           <p:sp>
             <p:nvSpPr>
               <p:cNvPr id="60" name="TextBox 59">
@@ -23428,8 +23304,8 @@
           </p:sp>
         </mc:Fallback>
       </mc:AlternateContent>
-      <mc:AlternateContent xmlns:mc="http://schemas.openxmlformats.org/markup-compatibility/2006">
-        <mc:Choice xmlns:a14="http://schemas.microsoft.com/office/drawing/2010/main" Requires="a14">
+      <mc:AlternateContent xmlns:mc="http://schemas.openxmlformats.org/markup-compatibility/2006" xmlns:a14="http://schemas.microsoft.com/office/drawing/2010/main">
+        <mc:Choice Requires="a14">
           <p:sp>
             <p:nvSpPr>
               <p:cNvPr id="61" name="TextBox 60">
@@ -23458,6 +23334,7 @@
               </a:bodyPr>
               <a:lstStyle/>
               <a:p>
+                <a:pPr/>
                 <a14:m>
                   <m:oMathPara xmlns:m="http://schemas.openxmlformats.org/officeDocument/2006/math">
                     <m:oMathParaPr>
@@ -23497,7 +23374,7 @@
             </p:txBody>
           </p:sp>
         </mc:Choice>
-        <mc:Fallback>
+        <mc:Fallback xmlns="">
           <p:sp>
             <p:nvSpPr>
               <p:cNvPr id="61" name="TextBox 60">
@@ -23542,8 +23419,8 @@
           </p:sp>
         </mc:Fallback>
       </mc:AlternateContent>
-      <mc:AlternateContent xmlns:mc="http://schemas.openxmlformats.org/markup-compatibility/2006">
-        <mc:Choice xmlns:a14="http://schemas.microsoft.com/office/drawing/2010/main" Requires="a14">
+      <mc:AlternateContent xmlns:mc="http://schemas.openxmlformats.org/markup-compatibility/2006" xmlns:a14="http://schemas.microsoft.com/office/drawing/2010/main">
+        <mc:Choice Requires="a14">
           <p:sp>
             <p:nvSpPr>
               <p:cNvPr id="62" name="TextBox 61">
@@ -23572,6 +23449,7 @@
               </a:bodyPr>
               <a:lstStyle/>
               <a:p>
+                <a:pPr/>
                 <a14:m>
                   <m:oMathPara xmlns:m="http://schemas.openxmlformats.org/officeDocument/2006/math">
                     <m:oMathParaPr>
@@ -23611,7 +23489,7 @@
             </p:txBody>
           </p:sp>
         </mc:Choice>
-        <mc:Fallback>
+        <mc:Fallback xmlns="">
           <p:sp>
             <p:nvSpPr>
               <p:cNvPr id="62" name="TextBox 61">
@@ -23855,8 +23733,8 @@
           </a:p>
         </p:txBody>
       </p:sp>
-      <mc:AlternateContent xmlns:mc="http://schemas.openxmlformats.org/markup-compatibility/2006">
-        <mc:Choice xmlns:a14="http://schemas.microsoft.com/office/drawing/2010/main" Requires="a14">
+      <mc:AlternateContent xmlns:mc="http://schemas.openxmlformats.org/markup-compatibility/2006" xmlns:a14="http://schemas.microsoft.com/office/drawing/2010/main">
+        <mc:Choice Requires="a14">
           <p:sp>
             <p:nvSpPr>
               <p:cNvPr id="77" name="TextBox 76">
@@ -23885,6 +23763,7 @@
               </a:bodyPr>
               <a:lstStyle/>
               <a:p>
+                <a:pPr/>
                 <a14:m>
                   <m:oMathPara xmlns:m="http://schemas.openxmlformats.org/officeDocument/2006/math">
                     <m:oMathParaPr>
@@ -23929,7 +23808,7 @@
             </p:txBody>
           </p:sp>
         </mc:Choice>
-        <mc:Fallback>
+        <mc:Fallback xmlns="">
           <p:sp>
             <p:nvSpPr>
               <p:cNvPr id="77" name="TextBox 76">
@@ -23991,7 +23870,7 @@
             <p:spPr>
               <a:xfrm>
                 <a:off x="313458" y="5183562"/>
-                <a:ext cx="7886700" cy="923330"/>
+                <a:ext cx="7886700" cy="1200329"/>
               </a:xfrm>
               <a:prstGeom prst="rect">
                 <a:avLst/>
@@ -24058,6 +23937,16 @@
                 </a:pPr>
                 <a:r>
                   <a:rPr lang="en-US" dirty="0"/>
+                  <a:t>What is the optimal move sequence?</a:t>
+                </a:r>
+              </a:p>
+              <a:p>
+                <a:pPr marL="285750" indent="-285750">
+                  <a:buFont typeface="Arial" panose="020B0604020202020204" pitchFamily="34" charset="0"/>
+                  <a:buChar char="•"/>
+                </a:pPr>
+                <a:r>
+                  <a:rPr lang="en-US" dirty="0"/>
                   <a:t>What part of the tree can be pruned?</a:t>
                 </a:r>
               </a:p>
@@ -24092,7 +23981,7 @@
             <p:spPr>
               <a:xfrm>
                 <a:off x="313458" y="5183562"/>
-                <a:ext cx="7886700" cy="923330"/>
+                <a:ext cx="7886700" cy="1200329"/>
               </a:xfrm>
               <a:prstGeom prst="rect">
                 <a:avLst/>
@@ -24100,7 +23989,7 @@
               <a:blipFill>
                 <a:blip r:embed="rId15"/>
                 <a:stretch>
-                  <a:fillRect l="-464" t="-3289" b="-9211"/>
+                  <a:fillRect l="-464" t="-2538" b="-7107"/>
                 </a:stretch>
               </a:blipFill>
             </p:spPr>
@@ -24119,8 +24008,8 @@
           </p:sp>
         </mc:Fallback>
       </mc:AlternateContent>
-      <mc:AlternateContent xmlns:mc="http://schemas.openxmlformats.org/markup-compatibility/2006">
-        <mc:Choice xmlns:a14="http://schemas.microsoft.com/office/drawing/2010/main" Requires="a14">
+      <mc:AlternateContent xmlns:mc="http://schemas.openxmlformats.org/markup-compatibility/2006" xmlns:a14="http://schemas.microsoft.com/office/drawing/2010/main">
+        <mc:Choice Requires="a14">
           <p:sp>
             <p:nvSpPr>
               <p:cNvPr id="3" name="TextBox 2">
@@ -24149,6 +24038,7 @@
               </a:bodyPr>
               <a:lstStyle/>
               <a:p>
+                <a:pPr/>
                 <a14:m>
                   <m:oMathPara xmlns:m="http://schemas.openxmlformats.org/officeDocument/2006/math">
                     <m:oMathParaPr>
@@ -24193,7 +24083,7 @@
             </p:txBody>
           </p:sp>
         </mc:Choice>
-        <mc:Fallback>
+        <mc:Fallback xmlns="">
           <p:sp>
             <p:nvSpPr>
               <p:cNvPr id="3" name="TextBox 2">
@@ -24238,8 +24128,8 @@
           </p:sp>
         </mc:Fallback>
       </mc:AlternateContent>
-      <mc:AlternateContent xmlns:mc="http://schemas.openxmlformats.org/markup-compatibility/2006">
-        <mc:Choice xmlns:a14="http://schemas.microsoft.com/office/drawing/2010/main" Requires="a14">
+      <mc:AlternateContent xmlns:mc="http://schemas.openxmlformats.org/markup-compatibility/2006" xmlns:a14="http://schemas.microsoft.com/office/drawing/2010/main">
+        <mc:Choice Requires="a14">
           <p:sp>
             <p:nvSpPr>
               <p:cNvPr id="8" name="TextBox 7">
@@ -24268,6 +24158,7 @@
               </a:bodyPr>
               <a:lstStyle/>
               <a:p>
+                <a:pPr/>
                 <a14:m>
                   <m:oMathPara xmlns:m="http://schemas.openxmlformats.org/officeDocument/2006/math">
                     <m:oMathParaPr>
@@ -24312,7 +24203,7 @@
             </p:txBody>
           </p:sp>
         </mc:Choice>
-        <mc:Fallback>
+        <mc:Fallback xmlns="">
           <p:sp>
             <p:nvSpPr>
               <p:cNvPr id="8" name="TextBox 7">
@@ -24357,8 +24248,8 @@
           </p:sp>
         </mc:Fallback>
       </mc:AlternateContent>
-      <mc:AlternateContent xmlns:mc="http://schemas.openxmlformats.org/markup-compatibility/2006">
-        <mc:Choice xmlns:a14="http://schemas.microsoft.com/office/drawing/2010/main" Requires="a14">
+      <mc:AlternateContent xmlns:mc="http://schemas.openxmlformats.org/markup-compatibility/2006" xmlns:a14="http://schemas.microsoft.com/office/drawing/2010/main">
+        <mc:Choice Requires="a14">
           <p:sp>
             <p:nvSpPr>
               <p:cNvPr id="12" name="TextBox 11">
@@ -24387,6 +24278,7 @@
               </a:bodyPr>
               <a:lstStyle/>
               <a:p>
+                <a:pPr/>
                 <a14:m>
                   <m:oMathPara xmlns:m="http://schemas.openxmlformats.org/officeDocument/2006/math">
                     <m:oMathParaPr>
@@ -24431,7 +24323,7 @@
             </p:txBody>
           </p:sp>
         </mc:Choice>
-        <mc:Fallback>
+        <mc:Fallback xmlns="">
           <p:sp>
             <p:nvSpPr>
               <p:cNvPr id="12" name="TextBox 11">
@@ -39463,8 +39355,8 @@
           </a:prstGeom>
         </p:spPr>
       </p:pic>
-      <mc:AlternateContent xmlns:mc="http://schemas.openxmlformats.org/markup-compatibility/2006">
-        <mc:Choice xmlns:a14="http://schemas.microsoft.com/office/drawing/2010/main" Requires="a14">
+      <mc:AlternateContent xmlns:mc="http://schemas.openxmlformats.org/markup-compatibility/2006" xmlns:a14="http://schemas.microsoft.com/office/drawing/2010/main">
+        <mc:Choice Requires="a14">
           <p:sp>
             <p:nvSpPr>
               <p:cNvPr id="3" name="TextBox 2">
@@ -39730,7 +39622,7 @@
             </p:txBody>
           </p:sp>
         </mc:Choice>
-        <mc:Fallback>
+        <mc:Fallback xmlns="">
           <p:sp>
             <p:nvSpPr>
               <p:cNvPr id="3" name="TextBox 2">

--- a/slides/05_games.pptx
+++ b/slides/05_games.pptx
@@ -5,51 +5,53 @@
     <p:sldMasterId id="2147483708" r:id="rId1"/>
   </p:sldMasterIdLst>
   <p:notesMasterIdLst>
-    <p:notesMasterId r:id="rId44"/>
+    <p:notesMasterId r:id="rId46"/>
   </p:notesMasterIdLst>
   <p:sldIdLst>
     <p:sldId id="256" r:id="rId2"/>
-    <p:sldId id="259" r:id="rId3"/>
-    <p:sldId id="267" r:id="rId4"/>
-    <p:sldId id="268" r:id="rId5"/>
-    <p:sldId id="269" r:id="rId6"/>
-    <p:sldId id="265" r:id="rId7"/>
-    <p:sldId id="258" r:id="rId8"/>
-    <p:sldId id="290" r:id="rId9"/>
-    <p:sldId id="260" r:id="rId10"/>
-    <p:sldId id="264" r:id="rId11"/>
-    <p:sldId id="301" r:id="rId12"/>
-    <p:sldId id="270" r:id="rId13"/>
-    <p:sldId id="291" r:id="rId14"/>
-    <p:sldId id="271" r:id="rId15"/>
-    <p:sldId id="294" r:id="rId16"/>
-    <p:sldId id="272" r:id="rId17"/>
-    <p:sldId id="306" r:id="rId18"/>
-    <p:sldId id="274" r:id="rId19"/>
-    <p:sldId id="275" r:id="rId20"/>
-    <p:sldId id="302" r:id="rId21"/>
-    <p:sldId id="276" r:id="rId22"/>
-    <p:sldId id="305" r:id="rId23"/>
-    <p:sldId id="307" r:id="rId24"/>
-    <p:sldId id="277" r:id="rId25"/>
-    <p:sldId id="292" r:id="rId26"/>
-    <p:sldId id="289" r:id="rId27"/>
-    <p:sldId id="297" r:id="rId28"/>
-    <p:sldId id="278" r:id="rId29"/>
-    <p:sldId id="298" r:id="rId30"/>
-    <p:sldId id="279" r:id="rId31"/>
-    <p:sldId id="293" r:id="rId32"/>
-    <p:sldId id="280" r:id="rId33"/>
-    <p:sldId id="281" r:id="rId34"/>
-    <p:sldId id="282" r:id="rId35"/>
-    <p:sldId id="284" r:id="rId36"/>
-    <p:sldId id="304" r:id="rId37"/>
-    <p:sldId id="283" r:id="rId38"/>
-    <p:sldId id="303" r:id="rId39"/>
-    <p:sldId id="286" r:id="rId40"/>
-    <p:sldId id="287" r:id="rId41"/>
-    <p:sldId id="300" r:id="rId42"/>
-    <p:sldId id="288" r:id="rId43"/>
+    <p:sldId id="394" r:id="rId3"/>
+    <p:sldId id="259" r:id="rId4"/>
+    <p:sldId id="267" r:id="rId5"/>
+    <p:sldId id="268" r:id="rId6"/>
+    <p:sldId id="396" r:id="rId7"/>
+    <p:sldId id="269" r:id="rId8"/>
+    <p:sldId id="265" r:id="rId9"/>
+    <p:sldId id="258" r:id="rId10"/>
+    <p:sldId id="290" r:id="rId11"/>
+    <p:sldId id="260" r:id="rId12"/>
+    <p:sldId id="264" r:id="rId13"/>
+    <p:sldId id="301" r:id="rId14"/>
+    <p:sldId id="270" r:id="rId15"/>
+    <p:sldId id="291" r:id="rId16"/>
+    <p:sldId id="271" r:id="rId17"/>
+    <p:sldId id="294" r:id="rId18"/>
+    <p:sldId id="272" r:id="rId19"/>
+    <p:sldId id="306" r:id="rId20"/>
+    <p:sldId id="274" r:id="rId21"/>
+    <p:sldId id="275" r:id="rId22"/>
+    <p:sldId id="302" r:id="rId23"/>
+    <p:sldId id="276" r:id="rId24"/>
+    <p:sldId id="305" r:id="rId25"/>
+    <p:sldId id="307" r:id="rId26"/>
+    <p:sldId id="277" r:id="rId27"/>
+    <p:sldId id="292" r:id="rId28"/>
+    <p:sldId id="289" r:id="rId29"/>
+    <p:sldId id="297" r:id="rId30"/>
+    <p:sldId id="278" r:id="rId31"/>
+    <p:sldId id="298" r:id="rId32"/>
+    <p:sldId id="279" r:id="rId33"/>
+    <p:sldId id="293" r:id="rId34"/>
+    <p:sldId id="280" r:id="rId35"/>
+    <p:sldId id="281" r:id="rId36"/>
+    <p:sldId id="282" r:id="rId37"/>
+    <p:sldId id="284" r:id="rId38"/>
+    <p:sldId id="304" r:id="rId39"/>
+    <p:sldId id="283" r:id="rId40"/>
+    <p:sldId id="303" r:id="rId41"/>
+    <p:sldId id="286" r:id="rId42"/>
+    <p:sldId id="287" r:id="rId43"/>
+    <p:sldId id="300" r:id="rId44"/>
+    <p:sldId id="288" r:id="rId45"/>
   </p:sldIdLst>
   <p:sldSz cx="9144000" cy="6858000" type="screen4x3"/>
   <p:notesSz cx="7315200" cy="9601200"/>
@@ -168,6 +170,753 @@
 </file>
 
 <file path=ppt/diagrams/colors1.xml><?xml version="1.0" encoding="utf-8"?>
+<dgm:colorsDef xmlns:dgm="http://schemas.openxmlformats.org/drawingml/2006/diagram" xmlns:a="http://schemas.openxmlformats.org/drawingml/2006/main" uniqueId="urn:microsoft.com/office/officeart/2005/8/colors/accent1_2">
+  <dgm:title val=""/>
+  <dgm:desc val=""/>
+  <dgm:catLst>
+    <dgm:cat type="accent1" pri="11200"/>
+  </dgm:catLst>
+  <dgm:styleLbl name="node0">
+    <dgm:fillClrLst meth="repeat">
+      <a:schemeClr val="accent1"/>
+    </dgm:fillClrLst>
+    <dgm:linClrLst meth="repeat">
+      <a:schemeClr val="lt1"/>
+    </dgm:linClrLst>
+    <dgm:effectClrLst/>
+    <dgm:txLinClrLst/>
+    <dgm:txFillClrLst/>
+    <dgm:txEffectClrLst/>
+  </dgm:styleLbl>
+  <dgm:styleLbl name="alignNode1">
+    <dgm:fillClrLst meth="repeat">
+      <a:schemeClr val="accent1"/>
+    </dgm:fillClrLst>
+    <dgm:linClrLst meth="repeat">
+      <a:schemeClr val="accent1"/>
+    </dgm:linClrLst>
+    <dgm:effectClrLst/>
+    <dgm:txLinClrLst/>
+    <dgm:txFillClrLst/>
+    <dgm:txEffectClrLst/>
+  </dgm:styleLbl>
+  <dgm:styleLbl name="node1">
+    <dgm:fillClrLst meth="repeat">
+      <a:schemeClr val="accent1"/>
+    </dgm:fillClrLst>
+    <dgm:linClrLst meth="repeat">
+      <a:schemeClr val="lt1"/>
+    </dgm:linClrLst>
+    <dgm:effectClrLst/>
+    <dgm:txLinClrLst/>
+    <dgm:txFillClrLst/>
+    <dgm:txEffectClrLst/>
+  </dgm:styleLbl>
+  <dgm:styleLbl name="lnNode1">
+    <dgm:fillClrLst meth="repeat">
+      <a:schemeClr val="accent1"/>
+    </dgm:fillClrLst>
+    <dgm:linClrLst meth="repeat">
+      <a:schemeClr val="lt1"/>
+    </dgm:linClrLst>
+    <dgm:effectClrLst/>
+    <dgm:txLinClrLst/>
+    <dgm:txFillClrLst/>
+    <dgm:txEffectClrLst/>
+  </dgm:styleLbl>
+  <dgm:styleLbl name="vennNode1">
+    <dgm:fillClrLst meth="repeat">
+      <a:schemeClr val="accent1">
+        <a:alpha val="50000"/>
+      </a:schemeClr>
+    </dgm:fillClrLst>
+    <dgm:linClrLst meth="repeat">
+      <a:schemeClr val="lt1"/>
+    </dgm:linClrLst>
+    <dgm:effectClrLst/>
+    <dgm:txLinClrLst/>
+    <dgm:txFillClrLst/>
+    <dgm:txEffectClrLst/>
+  </dgm:styleLbl>
+  <dgm:styleLbl name="node2">
+    <dgm:fillClrLst meth="repeat">
+      <a:schemeClr val="accent1"/>
+    </dgm:fillClrLst>
+    <dgm:linClrLst meth="repeat">
+      <a:schemeClr val="lt1"/>
+    </dgm:linClrLst>
+    <dgm:effectClrLst/>
+    <dgm:txLinClrLst/>
+    <dgm:txFillClrLst/>
+    <dgm:txEffectClrLst/>
+  </dgm:styleLbl>
+  <dgm:styleLbl name="node3">
+    <dgm:fillClrLst meth="repeat">
+      <a:schemeClr val="accent1"/>
+    </dgm:fillClrLst>
+    <dgm:linClrLst meth="repeat">
+      <a:schemeClr val="lt1"/>
+    </dgm:linClrLst>
+    <dgm:effectClrLst/>
+    <dgm:txLinClrLst/>
+    <dgm:txFillClrLst/>
+    <dgm:txEffectClrLst/>
+  </dgm:styleLbl>
+  <dgm:styleLbl name="node4">
+    <dgm:fillClrLst meth="repeat">
+      <a:schemeClr val="accent1"/>
+    </dgm:fillClrLst>
+    <dgm:linClrLst meth="repeat">
+      <a:schemeClr val="lt1"/>
+    </dgm:linClrLst>
+    <dgm:effectClrLst/>
+    <dgm:txLinClrLst/>
+    <dgm:txFillClrLst/>
+    <dgm:txEffectClrLst/>
+  </dgm:styleLbl>
+  <dgm:styleLbl name="fgImgPlace1">
+    <dgm:fillClrLst meth="repeat">
+      <a:schemeClr val="accent1">
+        <a:tint val="50000"/>
+      </a:schemeClr>
+    </dgm:fillClrLst>
+    <dgm:linClrLst meth="repeat">
+      <a:schemeClr val="lt1"/>
+    </dgm:linClrLst>
+    <dgm:effectClrLst/>
+    <dgm:txLinClrLst/>
+    <dgm:txFillClrLst meth="repeat">
+      <a:schemeClr val="lt1"/>
+    </dgm:txFillClrLst>
+    <dgm:txEffectClrLst/>
+  </dgm:styleLbl>
+  <dgm:styleLbl name="alignImgPlace1">
+    <dgm:fillClrLst meth="repeat">
+      <a:schemeClr val="accent1">
+        <a:tint val="50000"/>
+      </a:schemeClr>
+    </dgm:fillClrLst>
+    <dgm:linClrLst meth="repeat">
+      <a:schemeClr val="lt1"/>
+    </dgm:linClrLst>
+    <dgm:effectClrLst/>
+    <dgm:txLinClrLst/>
+    <dgm:txFillClrLst meth="repeat">
+      <a:schemeClr val="lt1"/>
+    </dgm:txFillClrLst>
+    <dgm:txEffectClrLst/>
+  </dgm:styleLbl>
+  <dgm:styleLbl name="bgImgPlace1">
+    <dgm:fillClrLst meth="repeat">
+      <a:schemeClr val="accent1">
+        <a:tint val="50000"/>
+      </a:schemeClr>
+    </dgm:fillClrLst>
+    <dgm:linClrLst meth="repeat">
+      <a:schemeClr val="lt1"/>
+    </dgm:linClrLst>
+    <dgm:effectClrLst/>
+    <dgm:txLinClrLst/>
+    <dgm:txFillClrLst meth="repeat">
+      <a:schemeClr val="lt1"/>
+    </dgm:txFillClrLst>
+    <dgm:txEffectClrLst/>
+  </dgm:styleLbl>
+  <dgm:styleLbl name="sibTrans2D1">
+    <dgm:fillClrLst meth="repeat">
+      <a:schemeClr val="accent1">
+        <a:tint val="60000"/>
+      </a:schemeClr>
+    </dgm:fillClrLst>
+    <dgm:linClrLst meth="repeat">
+      <a:schemeClr val="accent1">
+        <a:tint val="60000"/>
+      </a:schemeClr>
+    </dgm:linClrLst>
+    <dgm:effectClrLst/>
+    <dgm:txLinClrLst/>
+    <dgm:txFillClrLst/>
+    <dgm:txEffectClrLst/>
+  </dgm:styleLbl>
+  <dgm:styleLbl name="fgSibTrans2D1">
+    <dgm:fillClrLst meth="repeat">
+      <a:schemeClr val="accent1">
+        <a:tint val="60000"/>
+      </a:schemeClr>
+    </dgm:fillClrLst>
+    <dgm:linClrLst meth="repeat">
+      <a:schemeClr val="accent1">
+        <a:tint val="60000"/>
+      </a:schemeClr>
+    </dgm:linClrLst>
+    <dgm:effectClrLst/>
+    <dgm:txLinClrLst/>
+    <dgm:txFillClrLst/>
+    <dgm:txEffectClrLst/>
+  </dgm:styleLbl>
+  <dgm:styleLbl name="bgSibTrans2D1">
+    <dgm:fillClrLst meth="repeat">
+      <a:schemeClr val="accent1">
+        <a:tint val="60000"/>
+      </a:schemeClr>
+    </dgm:fillClrLst>
+    <dgm:linClrLst meth="repeat">
+      <a:schemeClr val="accent1">
+        <a:tint val="60000"/>
+      </a:schemeClr>
+    </dgm:linClrLst>
+    <dgm:effectClrLst/>
+    <dgm:txLinClrLst/>
+    <dgm:txFillClrLst/>
+    <dgm:txEffectClrLst/>
+  </dgm:styleLbl>
+  <dgm:styleLbl name="sibTrans1D1">
+    <dgm:fillClrLst meth="repeat">
+      <a:schemeClr val="accent1"/>
+    </dgm:fillClrLst>
+    <dgm:linClrLst meth="repeat">
+      <a:schemeClr val="accent1"/>
+    </dgm:linClrLst>
+    <dgm:effectClrLst/>
+    <dgm:txLinClrLst/>
+    <dgm:txFillClrLst meth="repeat">
+      <a:schemeClr val="tx1"/>
+    </dgm:txFillClrLst>
+    <dgm:txEffectClrLst/>
+  </dgm:styleLbl>
+  <dgm:styleLbl name="callout">
+    <dgm:fillClrLst meth="repeat">
+      <a:schemeClr val="accent1"/>
+    </dgm:fillClrLst>
+    <dgm:linClrLst meth="repeat">
+      <a:schemeClr val="accent1">
+        <a:tint val="50000"/>
+      </a:schemeClr>
+    </dgm:linClrLst>
+    <dgm:effectClrLst/>
+    <dgm:txLinClrLst/>
+    <dgm:txFillClrLst meth="repeat">
+      <a:schemeClr val="tx1"/>
+    </dgm:txFillClrLst>
+    <dgm:txEffectClrLst/>
+  </dgm:styleLbl>
+  <dgm:styleLbl name="asst0">
+    <dgm:fillClrLst meth="repeat">
+      <a:schemeClr val="accent1"/>
+    </dgm:fillClrLst>
+    <dgm:linClrLst meth="repeat">
+      <a:schemeClr val="lt1"/>
+    </dgm:linClrLst>
+    <dgm:effectClrLst/>
+    <dgm:txLinClrLst/>
+    <dgm:txFillClrLst/>
+    <dgm:txEffectClrLst/>
+  </dgm:styleLbl>
+  <dgm:styleLbl name="asst1">
+    <dgm:fillClrLst meth="repeat">
+      <a:schemeClr val="accent1"/>
+    </dgm:fillClrLst>
+    <dgm:linClrLst meth="repeat">
+      <a:schemeClr val="lt1"/>
+    </dgm:linClrLst>
+    <dgm:effectClrLst/>
+    <dgm:txLinClrLst/>
+    <dgm:txFillClrLst/>
+    <dgm:txEffectClrLst/>
+  </dgm:styleLbl>
+  <dgm:styleLbl name="asst2">
+    <dgm:fillClrLst meth="repeat">
+      <a:schemeClr val="accent1"/>
+    </dgm:fillClrLst>
+    <dgm:linClrLst meth="repeat">
+      <a:schemeClr val="lt1"/>
+    </dgm:linClrLst>
+    <dgm:effectClrLst/>
+    <dgm:txLinClrLst/>
+    <dgm:txFillClrLst/>
+    <dgm:txEffectClrLst/>
+  </dgm:styleLbl>
+  <dgm:styleLbl name="asst3">
+    <dgm:fillClrLst meth="repeat">
+      <a:schemeClr val="accent1"/>
+    </dgm:fillClrLst>
+    <dgm:linClrLst meth="repeat">
+      <a:schemeClr val="lt1"/>
+    </dgm:linClrLst>
+    <dgm:effectClrLst/>
+    <dgm:txLinClrLst/>
+    <dgm:txFillClrLst/>
+    <dgm:txEffectClrLst/>
+  </dgm:styleLbl>
+  <dgm:styleLbl name="asst4">
+    <dgm:fillClrLst meth="repeat">
+      <a:schemeClr val="accent1"/>
+    </dgm:fillClrLst>
+    <dgm:linClrLst meth="repeat">
+      <a:schemeClr val="lt1"/>
+    </dgm:linClrLst>
+    <dgm:effectClrLst/>
+    <dgm:txLinClrLst/>
+    <dgm:txFillClrLst/>
+    <dgm:txEffectClrLst/>
+  </dgm:styleLbl>
+  <dgm:styleLbl name="parChTrans2D1">
+    <dgm:fillClrLst meth="repeat">
+      <a:schemeClr val="accent1">
+        <a:tint val="60000"/>
+      </a:schemeClr>
+    </dgm:fillClrLst>
+    <dgm:linClrLst meth="repeat">
+      <a:schemeClr val="accent1">
+        <a:tint val="60000"/>
+      </a:schemeClr>
+    </dgm:linClrLst>
+    <dgm:effectClrLst/>
+    <dgm:txLinClrLst/>
+    <dgm:txFillClrLst meth="repeat">
+      <a:schemeClr val="lt1"/>
+    </dgm:txFillClrLst>
+    <dgm:txEffectClrLst/>
+  </dgm:styleLbl>
+  <dgm:styleLbl name="parChTrans2D2">
+    <dgm:fillClrLst meth="repeat">
+      <a:schemeClr val="accent1"/>
+    </dgm:fillClrLst>
+    <dgm:linClrLst meth="repeat">
+      <a:schemeClr val="accent1"/>
+    </dgm:linClrLst>
+    <dgm:effectClrLst/>
+    <dgm:txLinClrLst/>
+    <dgm:txFillClrLst meth="repeat">
+      <a:schemeClr val="lt1"/>
+    </dgm:txFillClrLst>
+    <dgm:txEffectClrLst/>
+  </dgm:styleLbl>
+  <dgm:styleLbl name="parChTrans2D3">
+    <dgm:fillClrLst meth="repeat">
+      <a:schemeClr val="accent1"/>
+    </dgm:fillClrLst>
+    <dgm:linClrLst meth="repeat">
+      <a:schemeClr val="accent1"/>
+    </dgm:linClrLst>
+    <dgm:effectClrLst/>
+    <dgm:txLinClrLst/>
+    <dgm:txFillClrLst meth="repeat">
+      <a:schemeClr val="lt1"/>
+    </dgm:txFillClrLst>
+    <dgm:txEffectClrLst/>
+  </dgm:styleLbl>
+  <dgm:styleLbl name="parChTrans2D4">
+    <dgm:fillClrLst meth="repeat">
+      <a:schemeClr val="accent1"/>
+    </dgm:fillClrLst>
+    <dgm:linClrLst meth="repeat">
+      <a:schemeClr val="accent1"/>
+    </dgm:linClrLst>
+    <dgm:effectClrLst/>
+    <dgm:txLinClrLst/>
+    <dgm:txFillClrLst meth="repeat">
+      <a:schemeClr val="lt1"/>
+    </dgm:txFillClrLst>
+    <dgm:txEffectClrLst/>
+  </dgm:styleLbl>
+  <dgm:styleLbl name="parChTrans1D1">
+    <dgm:fillClrLst meth="repeat">
+      <a:schemeClr val="accent1"/>
+    </dgm:fillClrLst>
+    <dgm:linClrLst meth="repeat">
+      <a:schemeClr val="accent1">
+        <a:shade val="60000"/>
+      </a:schemeClr>
+    </dgm:linClrLst>
+    <dgm:effectClrLst/>
+    <dgm:txLinClrLst/>
+    <dgm:txFillClrLst meth="repeat">
+      <a:schemeClr val="tx1"/>
+    </dgm:txFillClrLst>
+    <dgm:txEffectClrLst/>
+  </dgm:styleLbl>
+  <dgm:styleLbl name="parChTrans1D2">
+    <dgm:fillClrLst meth="repeat">
+      <a:schemeClr val="accent1"/>
+    </dgm:fillClrLst>
+    <dgm:linClrLst meth="repeat">
+      <a:schemeClr val="accent1">
+        <a:shade val="60000"/>
+      </a:schemeClr>
+    </dgm:linClrLst>
+    <dgm:effectClrLst/>
+    <dgm:txLinClrLst/>
+    <dgm:txFillClrLst meth="repeat">
+      <a:schemeClr val="tx1"/>
+    </dgm:txFillClrLst>
+    <dgm:txEffectClrLst/>
+  </dgm:styleLbl>
+  <dgm:styleLbl name="parChTrans1D3">
+    <dgm:fillClrLst meth="repeat">
+      <a:schemeClr val="accent1"/>
+    </dgm:fillClrLst>
+    <dgm:linClrLst meth="repeat">
+      <a:schemeClr val="accent1">
+        <a:shade val="80000"/>
+      </a:schemeClr>
+    </dgm:linClrLst>
+    <dgm:effectClrLst/>
+    <dgm:txLinClrLst/>
+    <dgm:txFillClrLst meth="repeat">
+      <a:schemeClr val="tx1"/>
+    </dgm:txFillClrLst>
+    <dgm:txEffectClrLst/>
+  </dgm:styleLbl>
+  <dgm:styleLbl name="parChTrans1D4">
+    <dgm:fillClrLst meth="repeat">
+      <a:schemeClr val="accent1"/>
+    </dgm:fillClrLst>
+    <dgm:linClrLst meth="repeat">
+      <a:schemeClr val="accent1">
+        <a:shade val="80000"/>
+      </a:schemeClr>
+    </dgm:linClrLst>
+    <dgm:effectClrLst/>
+    <dgm:txLinClrLst/>
+    <dgm:txFillClrLst meth="repeat">
+      <a:schemeClr val="tx1"/>
+    </dgm:txFillClrLst>
+    <dgm:txEffectClrLst/>
+  </dgm:styleLbl>
+  <dgm:styleLbl name="fgAcc1">
+    <dgm:fillClrLst meth="repeat">
+      <a:schemeClr val="lt1">
+        <a:alpha val="90000"/>
+      </a:schemeClr>
+    </dgm:fillClrLst>
+    <dgm:linClrLst meth="repeat">
+      <a:schemeClr val="accent1"/>
+    </dgm:linClrLst>
+    <dgm:effectClrLst/>
+    <dgm:txLinClrLst/>
+    <dgm:txFillClrLst meth="repeat">
+      <a:schemeClr val="dk1"/>
+    </dgm:txFillClrLst>
+    <dgm:txEffectClrLst/>
+  </dgm:styleLbl>
+  <dgm:styleLbl name="conFgAcc1">
+    <dgm:fillClrLst meth="repeat">
+      <a:schemeClr val="lt1">
+        <a:alpha val="90000"/>
+      </a:schemeClr>
+    </dgm:fillClrLst>
+    <dgm:linClrLst meth="repeat">
+      <a:schemeClr val="accent1"/>
+    </dgm:linClrLst>
+    <dgm:effectClrLst/>
+    <dgm:txLinClrLst/>
+    <dgm:txFillClrLst meth="repeat">
+      <a:schemeClr val="dk1"/>
+    </dgm:txFillClrLst>
+    <dgm:txEffectClrLst/>
+  </dgm:styleLbl>
+  <dgm:styleLbl name="alignAcc1">
+    <dgm:fillClrLst meth="repeat">
+      <a:schemeClr val="lt1">
+        <a:alpha val="90000"/>
+      </a:schemeClr>
+    </dgm:fillClrLst>
+    <dgm:linClrLst meth="repeat">
+      <a:schemeClr val="accent1"/>
+    </dgm:linClrLst>
+    <dgm:effectClrLst/>
+    <dgm:txLinClrLst/>
+    <dgm:txFillClrLst meth="repeat">
+      <a:schemeClr val="dk1"/>
+    </dgm:txFillClrLst>
+    <dgm:txEffectClrLst/>
+  </dgm:styleLbl>
+  <dgm:styleLbl name="trAlignAcc1">
+    <dgm:fillClrLst meth="repeat">
+      <a:schemeClr val="lt1">
+        <a:alpha val="40000"/>
+      </a:schemeClr>
+    </dgm:fillClrLst>
+    <dgm:linClrLst meth="repeat">
+      <a:schemeClr val="accent1"/>
+    </dgm:linClrLst>
+    <dgm:effectClrLst/>
+    <dgm:txLinClrLst/>
+    <dgm:txFillClrLst meth="repeat">
+      <a:schemeClr val="dk1"/>
+    </dgm:txFillClrLst>
+    <dgm:txEffectClrLst/>
+  </dgm:styleLbl>
+  <dgm:styleLbl name="bgAcc1">
+    <dgm:fillClrLst meth="repeat">
+      <a:schemeClr val="lt1">
+        <a:alpha val="90000"/>
+      </a:schemeClr>
+    </dgm:fillClrLst>
+    <dgm:linClrLst meth="repeat">
+      <a:schemeClr val="accent1"/>
+    </dgm:linClrLst>
+    <dgm:effectClrLst/>
+    <dgm:txLinClrLst/>
+    <dgm:txFillClrLst meth="repeat">
+      <a:schemeClr val="dk1"/>
+    </dgm:txFillClrLst>
+    <dgm:txEffectClrLst/>
+  </dgm:styleLbl>
+  <dgm:styleLbl name="solidFgAcc1">
+    <dgm:fillClrLst meth="repeat">
+      <a:schemeClr val="lt1"/>
+    </dgm:fillClrLst>
+    <dgm:linClrLst meth="repeat">
+      <a:schemeClr val="accent1"/>
+    </dgm:linClrLst>
+    <dgm:effectClrLst/>
+    <dgm:txLinClrLst/>
+    <dgm:txFillClrLst meth="repeat">
+      <a:schemeClr val="dk1"/>
+    </dgm:txFillClrLst>
+    <dgm:txEffectClrLst/>
+  </dgm:styleLbl>
+  <dgm:styleLbl name="solidAlignAcc1">
+    <dgm:fillClrLst meth="repeat">
+      <a:schemeClr val="lt1"/>
+    </dgm:fillClrLst>
+    <dgm:linClrLst meth="repeat">
+      <a:schemeClr val="accent1"/>
+    </dgm:linClrLst>
+    <dgm:effectClrLst/>
+    <dgm:txLinClrLst/>
+    <dgm:txFillClrLst meth="repeat">
+      <a:schemeClr val="dk1"/>
+    </dgm:txFillClrLst>
+    <dgm:txEffectClrLst/>
+  </dgm:styleLbl>
+  <dgm:styleLbl name="solidBgAcc1">
+    <dgm:fillClrLst meth="repeat">
+      <a:schemeClr val="lt1"/>
+    </dgm:fillClrLst>
+    <dgm:linClrLst meth="repeat">
+      <a:schemeClr val="accent1"/>
+    </dgm:linClrLst>
+    <dgm:effectClrLst/>
+    <dgm:txLinClrLst/>
+    <dgm:txFillClrLst meth="repeat">
+      <a:schemeClr val="dk1"/>
+    </dgm:txFillClrLst>
+    <dgm:txEffectClrLst/>
+  </dgm:styleLbl>
+  <dgm:styleLbl name="fgAccFollowNode1">
+    <dgm:fillClrLst meth="repeat">
+      <a:schemeClr val="accent1">
+        <a:alpha val="90000"/>
+        <a:tint val="40000"/>
+      </a:schemeClr>
+    </dgm:fillClrLst>
+    <dgm:linClrLst meth="repeat">
+      <a:schemeClr val="accent1">
+        <a:alpha val="90000"/>
+        <a:tint val="40000"/>
+      </a:schemeClr>
+    </dgm:linClrLst>
+    <dgm:effectClrLst/>
+    <dgm:txLinClrLst/>
+    <dgm:txFillClrLst meth="repeat">
+      <a:schemeClr val="dk1"/>
+    </dgm:txFillClrLst>
+    <dgm:txEffectClrLst/>
+  </dgm:styleLbl>
+  <dgm:styleLbl name="alignAccFollowNode1">
+    <dgm:fillClrLst meth="repeat">
+      <a:schemeClr val="accent1">
+        <a:alpha val="90000"/>
+        <a:tint val="40000"/>
+      </a:schemeClr>
+    </dgm:fillClrLst>
+    <dgm:linClrLst meth="repeat">
+      <a:schemeClr val="accent1">
+        <a:alpha val="90000"/>
+        <a:tint val="40000"/>
+      </a:schemeClr>
+    </dgm:linClrLst>
+    <dgm:effectClrLst/>
+    <dgm:txLinClrLst/>
+    <dgm:txFillClrLst meth="repeat">
+      <a:schemeClr val="dk1"/>
+    </dgm:txFillClrLst>
+    <dgm:txEffectClrLst/>
+  </dgm:styleLbl>
+  <dgm:styleLbl name="bgAccFollowNode1">
+    <dgm:fillClrLst meth="repeat">
+      <a:schemeClr val="accent1">
+        <a:alpha val="90000"/>
+        <a:tint val="40000"/>
+      </a:schemeClr>
+    </dgm:fillClrLst>
+    <dgm:linClrLst meth="repeat">
+      <a:schemeClr val="accent1">
+        <a:alpha val="90000"/>
+        <a:tint val="40000"/>
+      </a:schemeClr>
+    </dgm:linClrLst>
+    <dgm:effectClrLst/>
+    <dgm:txLinClrLst/>
+    <dgm:txFillClrLst meth="repeat">
+      <a:schemeClr val="dk1"/>
+    </dgm:txFillClrLst>
+    <dgm:txEffectClrLst/>
+  </dgm:styleLbl>
+  <dgm:styleLbl name="fgAcc0">
+    <dgm:fillClrLst meth="repeat">
+      <a:schemeClr val="lt1">
+        <a:alpha val="90000"/>
+      </a:schemeClr>
+    </dgm:fillClrLst>
+    <dgm:linClrLst meth="repeat">
+      <a:schemeClr val="accent1"/>
+    </dgm:linClrLst>
+    <dgm:effectClrLst/>
+    <dgm:txLinClrLst/>
+    <dgm:txFillClrLst meth="repeat">
+      <a:schemeClr val="dk1"/>
+    </dgm:txFillClrLst>
+    <dgm:txEffectClrLst/>
+  </dgm:styleLbl>
+  <dgm:styleLbl name="fgAcc2">
+    <dgm:fillClrLst meth="repeat">
+      <a:schemeClr val="lt1">
+        <a:alpha val="90000"/>
+      </a:schemeClr>
+    </dgm:fillClrLst>
+    <dgm:linClrLst meth="repeat">
+      <a:schemeClr val="accent1"/>
+    </dgm:linClrLst>
+    <dgm:effectClrLst/>
+    <dgm:txLinClrLst/>
+    <dgm:txFillClrLst meth="repeat">
+      <a:schemeClr val="dk1"/>
+    </dgm:txFillClrLst>
+    <dgm:txEffectClrLst/>
+  </dgm:styleLbl>
+  <dgm:styleLbl name="fgAcc3">
+    <dgm:fillClrLst meth="repeat">
+      <a:schemeClr val="lt1">
+        <a:alpha val="90000"/>
+      </a:schemeClr>
+    </dgm:fillClrLst>
+    <dgm:linClrLst meth="repeat">
+      <a:schemeClr val="accent1"/>
+    </dgm:linClrLst>
+    <dgm:effectClrLst/>
+    <dgm:txLinClrLst/>
+    <dgm:txFillClrLst meth="repeat">
+      <a:schemeClr val="dk1"/>
+    </dgm:txFillClrLst>
+    <dgm:txEffectClrLst/>
+  </dgm:styleLbl>
+  <dgm:styleLbl name="fgAcc4">
+    <dgm:fillClrLst meth="repeat">
+      <a:schemeClr val="lt1">
+        <a:alpha val="90000"/>
+      </a:schemeClr>
+    </dgm:fillClrLst>
+    <dgm:linClrLst meth="repeat">
+      <a:schemeClr val="accent1"/>
+    </dgm:linClrLst>
+    <dgm:effectClrLst/>
+    <dgm:txLinClrLst/>
+    <dgm:txFillClrLst meth="repeat">
+      <a:schemeClr val="dk1"/>
+    </dgm:txFillClrLst>
+    <dgm:txEffectClrLst/>
+  </dgm:styleLbl>
+  <dgm:styleLbl name="bgShp">
+    <dgm:fillClrLst meth="repeat">
+      <a:schemeClr val="accent1">
+        <a:tint val="40000"/>
+      </a:schemeClr>
+    </dgm:fillClrLst>
+    <dgm:linClrLst meth="repeat">
+      <a:schemeClr val="accent1"/>
+    </dgm:linClrLst>
+    <dgm:effectClrLst/>
+    <dgm:txLinClrLst/>
+    <dgm:txFillClrLst meth="repeat">
+      <a:schemeClr val="dk1"/>
+    </dgm:txFillClrLst>
+    <dgm:txEffectClrLst/>
+  </dgm:styleLbl>
+  <dgm:styleLbl name="dkBgShp">
+    <dgm:fillClrLst meth="repeat">
+      <a:schemeClr val="accent1">
+        <a:shade val="80000"/>
+      </a:schemeClr>
+    </dgm:fillClrLst>
+    <dgm:linClrLst meth="repeat">
+      <a:schemeClr val="accent1"/>
+    </dgm:linClrLst>
+    <dgm:effectClrLst/>
+    <dgm:txLinClrLst/>
+    <dgm:txFillClrLst meth="repeat">
+      <a:schemeClr val="lt1"/>
+    </dgm:txFillClrLst>
+    <dgm:txEffectClrLst/>
+  </dgm:styleLbl>
+  <dgm:styleLbl name="trBgShp">
+    <dgm:fillClrLst meth="repeat">
+      <a:schemeClr val="accent1">
+        <a:tint val="50000"/>
+        <a:alpha val="40000"/>
+      </a:schemeClr>
+    </dgm:fillClrLst>
+    <dgm:linClrLst meth="repeat">
+      <a:schemeClr val="accent1"/>
+    </dgm:linClrLst>
+    <dgm:effectClrLst/>
+    <dgm:txLinClrLst/>
+    <dgm:txFillClrLst meth="repeat">
+      <a:schemeClr val="lt1"/>
+    </dgm:txFillClrLst>
+    <dgm:txEffectClrLst/>
+  </dgm:styleLbl>
+  <dgm:styleLbl name="fgShp">
+    <dgm:fillClrLst meth="repeat">
+      <a:schemeClr val="accent1">
+        <a:tint val="60000"/>
+      </a:schemeClr>
+    </dgm:fillClrLst>
+    <dgm:linClrLst meth="repeat">
+      <a:schemeClr val="lt1"/>
+    </dgm:linClrLst>
+    <dgm:effectClrLst/>
+    <dgm:txLinClrLst/>
+    <dgm:txFillClrLst meth="repeat">
+      <a:schemeClr val="dk1"/>
+    </dgm:txFillClrLst>
+    <dgm:txEffectClrLst/>
+  </dgm:styleLbl>
+  <dgm:styleLbl name="revTx">
+    <dgm:fillClrLst meth="repeat">
+      <a:schemeClr val="lt1">
+        <a:alpha val="0"/>
+      </a:schemeClr>
+    </dgm:fillClrLst>
+    <dgm:linClrLst meth="repeat">
+      <a:schemeClr val="dk1">
+        <a:alpha val="0"/>
+      </a:schemeClr>
+    </dgm:linClrLst>
+    <dgm:effectClrLst/>
+    <dgm:txLinClrLst/>
+    <dgm:txFillClrLst meth="repeat">
+      <a:schemeClr val="tx1"/>
+    </dgm:txFillClrLst>
+    <dgm:txEffectClrLst/>
+  </dgm:styleLbl>
+</dgm:colorsDef>
+</file>
+
+<file path=ppt/diagrams/colors2.xml><?xml version="1.0" encoding="utf-8"?>
 <dgm:colorsDef xmlns:dgm="http://schemas.openxmlformats.org/drawingml/2006/diagram" xmlns:a="http://schemas.openxmlformats.org/drawingml/2006/main" uniqueId="urn:microsoft.com/office/officeart/2005/8/colors/colorful5">
   <dgm:title val=""/>
   <dgm:desc val=""/>
@@ -952,6 +1701,355 @@
 <file path=ppt/diagrams/data1.xml><?xml version="1.0" encoding="utf-8"?>
 <dgm:dataModel xmlns:dgm="http://schemas.openxmlformats.org/drawingml/2006/diagram" xmlns:a="http://schemas.openxmlformats.org/drawingml/2006/main">
   <dgm:ptLst>
+    <dgm:pt modelId="{277C6803-CA4B-420D-A759-A0176716CDEC}" type="doc">
+      <dgm:prSet loTypeId="urn:microsoft.com/office/officeart/2005/8/layout/hProcess9" loCatId="process" qsTypeId="urn:microsoft.com/office/officeart/2005/8/quickstyle/simple1" qsCatId="simple" csTypeId="urn:microsoft.com/office/officeart/2005/8/colors/accent1_2" csCatId="accent1" phldr="1"/>
+      <dgm:spPr/>
+      <dgm:t>
+        <a:bodyPr/>
+        <a:lstStyle/>
+        <a:p>
+          <a:endParaRPr lang="en-US"/>
+        </a:p>
+      </dgm:t>
+    </dgm:pt>
+    <dgm:pt modelId="{0BB3CC82-3478-4D41-B047-5280D6218386}">
+      <dgm:prSet/>
+      <dgm:spPr/>
+      <dgm:t>
+        <a:bodyPr/>
+        <a:lstStyle/>
+        <a:p>
+          <a:r>
+            <a:rPr lang="en-US" dirty="0"/>
+            <a:t>What are two-player zero-sum games with deterministic game mechanics?</a:t>
+          </a:r>
+        </a:p>
+      </dgm:t>
+    </dgm:pt>
+    <dgm:pt modelId="{EC9FA683-7C9F-4F3C-9D7B-F4134175B941}" type="parTrans" cxnId="{4D78158A-6127-4485-9228-4830BE8F9308}">
+      <dgm:prSet/>
+      <dgm:spPr/>
+      <dgm:t>
+        <a:bodyPr/>
+        <a:lstStyle/>
+        <a:p>
+          <a:endParaRPr lang="en-US"/>
+        </a:p>
+      </dgm:t>
+    </dgm:pt>
+    <dgm:pt modelId="{4AA0B62A-EBAA-4094-BAAD-7D30DA2065F6}" type="sibTrans" cxnId="{4D78158A-6127-4485-9228-4830BE8F9308}">
+      <dgm:prSet/>
+      <dgm:spPr/>
+      <dgm:t>
+        <a:bodyPr/>
+        <a:lstStyle/>
+        <a:p>
+          <a:endParaRPr lang="en-US"/>
+        </a:p>
+      </dgm:t>
+    </dgm:pt>
+    <dgm:pt modelId="{87E2C9DA-AF71-49BE-8463-230D4FAEACDF}">
+      <dgm:prSet/>
+      <dgm:spPr/>
+      <dgm:t>
+        <a:bodyPr/>
+        <a:lstStyle/>
+        <a:p>
+          <a:r>
+            <a:rPr lang="en-US" dirty="0"/>
+            <a:t>Games as </a:t>
+          </a:r>
+          <a:br>
+            <a:rPr lang="en-US" dirty="0"/>
+          </a:br>
+          <a:r>
+            <a:rPr lang="en-US" dirty="0"/>
+            <a:t>Search Problems</a:t>
+          </a:r>
+        </a:p>
+      </dgm:t>
+    </dgm:pt>
+    <dgm:pt modelId="{7ED67AEE-3EFA-42A3-9FB2-7E51CBD1AD0A}" type="parTrans" cxnId="{73BAC23A-4B06-47EF-832B-1E7F17048948}">
+      <dgm:prSet/>
+      <dgm:spPr/>
+      <dgm:t>
+        <a:bodyPr/>
+        <a:lstStyle/>
+        <a:p>
+          <a:endParaRPr lang="en-US"/>
+        </a:p>
+      </dgm:t>
+    </dgm:pt>
+    <dgm:pt modelId="{4D78A9AF-DCE9-40A1-968E-8A84669BB17C}" type="sibTrans" cxnId="{73BAC23A-4B06-47EF-832B-1E7F17048948}">
+      <dgm:prSet/>
+      <dgm:spPr/>
+      <dgm:t>
+        <a:bodyPr/>
+        <a:lstStyle/>
+        <a:p>
+          <a:endParaRPr lang="en-US"/>
+        </a:p>
+      </dgm:t>
+    </dgm:pt>
+    <dgm:pt modelId="{4A686FD9-F517-4034-849B-38895D14ED95}">
+      <dgm:prSet/>
+      <dgm:spPr/>
+      <dgm:t>
+        <a:bodyPr/>
+        <a:lstStyle/>
+        <a:p>
+          <a:r>
+            <a:rPr lang="en-US" b="1" dirty="0"/>
+            <a:t>Exact Methods</a:t>
+          </a:r>
+          <a:br>
+            <a:rPr lang="en-US" dirty="0"/>
+          </a:br>
+          <a:br>
+            <a:rPr lang="en-US" dirty="0"/>
+          </a:br>
+          <a:r>
+            <a:rPr lang="en-US" dirty="0"/>
+            <a:t>Non-deterministic Actions</a:t>
+          </a:r>
+          <a:br>
+            <a:rPr lang="en-US" dirty="0"/>
+          </a:br>
+          <a:br>
+            <a:rPr lang="en-US" dirty="0"/>
+          </a:br>
+          <a:r>
+            <a:rPr lang="en-US" dirty="0"/>
+            <a:t> Minimax Search</a:t>
+          </a:r>
+        </a:p>
+      </dgm:t>
+    </dgm:pt>
+    <dgm:pt modelId="{B5AC7067-DFCC-4F66-B792-E6FD34576449}" type="parTrans" cxnId="{9F78771E-D83F-4FE3-A44B-F778098C046F}">
+      <dgm:prSet/>
+      <dgm:spPr/>
+      <dgm:t>
+        <a:bodyPr/>
+        <a:lstStyle/>
+        <a:p>
+          <a:endParaRPr lang="en-US"/>
+        </a:p>
+      </dgm:t>
+    </dgm:pt>
+    <dgm:pt modelId="{C9797574-41BD-42CD-B50E-64C62694529C}" type="sibTrans" cxnId="{9F78771E-D83F-4FE3-A44B-F778098C046F}">
+      <dgm:prSet/>
+      <dgm:spPr/>
+      <dgm:t>
+        <a:bodyPr/>
+        <a:lstStyle/>
+        <a:p>
+          <a:endParaRPr lang="en-US"/>
+        </a:p>
+      </dgm:t>
+    </dgm:pt>
+    <dgm:pt modelId="{74B4ED53-1771-488D-ABAD-21D1DA690E51}">
+      <dgm:prSet/>
+      <dgm:spPr/>
+      <dgm:t>
+        <a:bodyPr/>
+        <a:lstStyle/>
+        <a:p>
+          <a:r>
+            <a:rPr lang="en-US" b="1" dirty="0"/>
+            <a:t>Heuristic Methods</a:t>
+          </a:r>
+          <a:br>
+            <a:rPr lang="en-US" dirty="0"/>
+          </a:br>
+          <a:br>
+            <a:rPr lang="en-US" dirty="0"/>
+          </a:br>
+          <a:r>
+            <a:rPr lang="en-US" dirty="0"/>
+            <a:t>Heuristic Alpha-Beta Tree Search</a:t>
+          </a:r>
+          <a:br>
+            <a:rPr lang="en-US" dirty="0"/>
+          </a:br>
+          <a:br>
+            <a:rPr lang="en-US" dirty="0"/>
+          </a:br>
+          <a:r>
+            <a:rPr lang="en-US" dirty="0"/>
+            <a:t>Monte Carlo Tree search</a:t>
+          </a:r>
+        </a:p>
+      </dgm:t>
+    </dgm:pt>
+    <dgm:pt modelId="{6EE8B661-5343-4B26-B6C6-894D5D8A7773}" type="parTrans" cxnId="{ABB642C9-CEA5-4E8F-847C-482E95851269}">
+      <dgm:prSet/>
+      <dgm:spPr/>
+      <dgm:t>
+        <a:bodyPr/>
+        <a:lstStyle/>
+        <a:p>
+          <a:endParaRPr lang="en-US"/>
+        </a:p>
+      </dgm:t>
+    </dgm:pt>
+    <dgm:pt modelId="{877A99D1-B351-4E05-99E6-5FAD7B69E1C8}" type="sibTrans" cxnId="{ABB642C9-CEA5-4E8F-847C-482E95851269}">
+      <dgm:prSet/>
+      <dgm:spPr/>
+      <dgm:t>
+        <a:bodyPr/>
+        <a:lstStyle/>
+        <a:p>
+          <a:endParaRPr lang="en-US"/>
+        </a:p>
+      </dgm:t>
+    </dgm:pt>
+    <dgm:pt modelId="{9227DA0E-23FC-4CFA-8C59-414EB0E01F6C}">
+      <dgm:prSet/>
+      <dgm:spPr/>
+      <dgm:t>
+        <a:bodyPr/>
+        <a:lstStyle/>
+        <a:p>
+          <a:r>
+            <a:rPr lang="en-US" dirty="0"/>
+            <a:t>Stochastic Games</a:t>
+          </a:r>
+        </a:p>
+      </dgm:t>
+    </dgm:pt>
+    <dgm:pt modelId="{3DB6186E-4551-43E5-86B1-E1DD65E0DC9E}" type="parTrans" cxnId="{E42A713B-7206-49A5-9A6C-85CF3F2FC3FC}">
+      <dgm:prSet/>
+      <dgm:spPr/>
+      <dgm:t>
+        <a:bodyPr/>
+        <a:lstStyle/>
+        <a:p>
+          <a:endParaRPr lang="en-US"/>
+        </a:p>
+      </dgm:t>
+    </dgm:pt>
+    <dgm:pt modelId="{5AFFAE01-E256-4EE8-9509-B262F1BD23CD}" type="sibTrans" cxnId="{E42A713B-7206-49A5-9A6C-85CF3F2FC3FC}">
+      <dgm:prSet/>
+      <dgm:spPr/>
+      <dgm:t>
+        <a:bodyPr/>
+        <a:lstStyle/>
+        <a:p>
+          <a:endParaRPr lang="en-US"/>
+        </a:p>
+      </dgm:t>
+    </dgm:pt>
+    <dgm:pt modelId="{93623590-CF4A-4CD2-BB6E-ABC5C3F4BECF}" type="pres">
+      <dgm:prSet presAssocID="{277C6803-CA4B-420D-A759-A0176716CDEC}" presName="CompostProcess" presStyleCnt="0">
+        <dgm:presLayoutVars>
+          <dgm:dir/>
+          <dgm:resizeHandles val="exact"/>
+        </dgm:presLayoutVars>
+      </dgm:prSet>
+      <dgm:spPr/>
+    </dgm:pt>
+    <dgm:pt modelId="{9754C195-A9F0-4F0D-A6D2-0DD1520FF8CB}" type="pres">
+      <dgm:prSet presAssocID="{277C6803-CA4B-420D-A759-A0176716CDEC}" presName="arrow" presStyleLbl="bgShp" presStyleIdx="0" presStyleCnt="1"/>
+      <dgm:spPr/>
+    </dgm:pt>
+    <dgm:pt modelId="{2940AEB7-E777-4807-BDF0-EF3FA0BEEEC2}" type="pres">
+      <dgm:prSet presAssocID="{277C6803-CA4B-420D-A759-A0176716CDEC}" presName="linearProcess" presStyleCnt="0"/>
+      <dgm:spPr/>
+    </dgm:pt>
+    <dgm:pt modelId="{C49C918E-2348-45D8-9BB6-36FC3910AEE6}" type="pres">
+      <dgm:prSet presAssocID="{0BB3CC82-3478-4D41-B047-5280D6218386}" presName="textNode" presStyleLbl="node1" presStyleIdx="0" presStyleCnt="5">
+        <dgm:presLayoutVars>
+          <dgm:bulletEnabled val="1"/>
+        </dgm:presLayoutVars>
+      </dgm:prSet>
+      <dgm:spPr/>
+    </dgm:pt>
+    <dgm:pt modelId="{C2900225-7812-4D77-ADCE-66E4758CD0CA}" type="pres">
+      <dgm:prSet presAssocID="{4AA0B62A-EBAA-4094-BAAD-7D30DA2065F6}" presName="sibTrans" presStyleCnt="0"/>
+      <dgm:spPr/>
+    </dgm:pt>
+    <dgm:pt modelId="{20161611-1CCB-49E5-BCD6-160E7AE8C6F1}" type="pres">
+      <dgm:prSet presAssocID="{87E2C9DA-AF71-49BE-8463-230D4FAEACDF}" presName="textNode" presStyleLbl="node1" presStyleIdx="1" presStyleCnt="5">
+        <dgm:presLayoutVars>
+          <dgm:bulletEnabled val="1"/>
+        </dgm:presLayoutVars>
+      </dgm:prSet>
+      <dgm:spPr/>
+    </dgm:pt>
+    <dgm:pt modelId="{86916C63-1FAF-43F8-B295-0A3F60413D66}" type="pres">
+      <dgm:prSet presAssocID="{4D78A9AF-DCE9-40A1-968E-8A84669BB17C}" presName="sibTrans" presStyleCnt="0"/>
+      <dgm:spPr/>
+    </dgm:pt>
+    <dgm:pt modelId="{FE566455-4387-4F3B-93FD-63039231E455}" type="pres">
+      <dgm:prSet presAssocID="{4A686FD9-F517-4034-849B-38895D14ED95}" presName="textNode" presStyleLbl="node1" presStyleIdx="2" presStyleCnt="5">
+        <dgm:presLayoutVars>
+          <dgm:bulletEnabled val="1"/>
+        </dgm:presLayoutVars>
+      </dgm:prSet>
+      <dgm:spPr/>
+    </dgm:pt>
+    <dgm:pt modelId="{7685ED58-3418-4846-9665-E14742C7BD0B}" type="pres">
+      <dgm:prSet presAssocID="{C9797574-41BD-42CD-B50E-64C62694529C}" presName="sibTrans" presStyleCnt="0"/>
+      <dgm:spPr/>
+    </dgm:pt>
+    <dgm:pt modelId="{FC3C55A0-84B2-4F6E-AB59-77725D722C40}" type="pres">
+      <dgm:prSet presAssocID="{74B4ED53-1771-488D-ABAD-21D1DA690E51}" presName="textNode" presStyleLbl="node1" presStyleIdx="3" presStyleCnt="5">
+        <dgm:presLayoutVars>
+          <dgm:bulletEnabled val="1"/>
+        </dgm:presLayoutVars>
+      </dgm:prSet>
+      <dgm:spPr/>
+    </dgm:pt>
+    <dgm:pt modelId="{7FE43F55-AB52-4260-A2ED-9324174B1544}" type="pres">
+      <dgm:prSet presAssocID="{877A99D1-B351-4E05-99E6-5FAD7B69E1C8}" presName="sibTrans" presStyleCnt="0"/>
+      <dgm:spPr/>
+    </dgm:pt>
+    <dgm:pt modelId="{06064AD5-8D7F-4BDF-925D-EFA8045701F9}" type="pres">
+      <dgm:prSet presAssocID="{9227DA0E-23FC-4CFA-8C59-414EB0E01F6C}" presName="textNode" presStyleLbl="node1" presStyleIdx="4" presStyleCnt="5">
+        <dgm:presLayoutVars>
+          <dgm:bulletEnabled val="1"/>
+        </dgm:presLayoutVars>
+      </dgm:prSet>
+      <dgm:spPr/>
+    </dgm:pt>
+  </dgm:ptLst>
+  <dgm:cxnLst>
+    <dgm:cxn modelId="{9F78771E-D83F-4FE3-A44B-F778098C046F}" srcId="{277C6803-CA4B-420D-A759-A0176716CDEC}" destId="{4A686FD9-F517-4034-849B-38895D14ED95}" srcOrd="2" destOrd="0" parTransId="{B5AC7067-DFCC-4F66-B792-E6FD34576449}" sibTransId="{C9797574-41BD-42CD-B50E-64C62694529C}"/>
+    <dgm:cxn modelId="{C2500236-EA4A-468D-BB1C-6B3E83AB6481}" type="presOf" srcId="{4A686FD9-F517-4034-849B-38895D14ED95}" destId="{FE566455-4387-4F3B-93FD-63039231E455}" srcOrd="0" destOrd="0" presId="urn:microsoft.com/office/officeart/2005/8/layout/hProcess9"/>
+    <dgm:cxn modelId="{73BAC23A-4B06-47EF-832B-1E7F17048948}" srcId="{277C6803-CA4B-420D-A759-A0176716CDEC}" destId="{87E2C9DA-AF71-49BE-8463-230D4FAEACDF}" srcOrd="1" destOrd="0" parTransId="{7ED67AEE-3EFA-42A3-9FB2-7E51CBD1AD0A}" sibTransId="{4D78A9AF-DCE9-40A1-968E-8A84669BB17C}"/>
+    <dgm:cxn modelId="{E42A713B-7206-49A5-9A6C-85CF3F2FC3FC}" srcId="{277C6803-CA4B-420D-A759-A0176716CDEC}" destId="{9227DA0E-23FC-4CFA-8C59-414EB0E01F6C}" srcOrd="4" destOrd="0" parTransId="{3DB6186E-4551-43E5-86B1-E1DD65E0DC9E}" sibTransId="{5AFFAE01-E256-4EE8-9509-B262F1BD23CD}"/>
+    <dgm:cxn modelId="{4D78158A-6127-4485-9228-4830BE8F9308}" srcId="{277C6803-CA4B-420D-A759-A0176716CDEC}" destId="{0BB3CC82-3478-4D41-B047-5280D6218386}" srcOrd="0" destOrd="0" parTransId="{EC9FA683-7C9F-4F3C-9D7B-F4134175B941}" sibTransId="{4AA0B62A-EBAA-4094-BAAD-7D30DA2065F6}"/>
+    <dgm:cxn modelId="{98D54D8A-0966-471A-8A03-F463E3E4FD3D}" type="presOf" srcId="{0BB3CC82-3478-4D41-B047-5280D6218386}" destId="{C49C918E-2348-45D8-9BB6-36FC3910AEE6}" srcOrd="0" destOrd="0" presId="urn:microsoft.com/office/officeart/2005/8/layout/hProcess9"/>
+    <dgm:cxn modelId="{0879C9B3-3FFE-43F3-8448-762C7FD9BC6F}" type="presOf" srcId="{74B4ED53-1771-488D-ABAD-21D1DA690E51}" destId="{FC3C55A0-84B2-4F6E-AB59-77725D722C40}" srcOrd="0" destOrd="0" presId="urn:microsoft.com/office/officeart/2005/8/layout/hProcess9"/>
+    <dgm:cxn modelId="{ABB642C9-CEA5-4E8F-847C-482E95851269}" srcId="{277C6803-CA4B-420D-A759-A0176716CDEC}" destId="{74B4ED53-1771-488D-ABAD-21D1DA690E51}" srcOrd="3" destOrd="0" parTransId="{6EE8B661-5343-4B26-B6C6-894D5D8A7773}" sibTransId="{877A99D1-B351-4E05-99E6-5FAD7B69E1C8}"/>
+    <dgm:cxn modelId="{20A242CC-255D-4EE4-BD4B-A2F5ED9DCAE9}" type="presOf" srcId="{9227DA0E-23FC-4CFA-8C59-414EB0E01F6C}" destId="{06064AD5-8D7F-4BDF-925D-EFA8045701F9}" srcOrd="0" destOrd="0" presId="urn:microsoft.com/office/officeart/2005/8/layout/hProcess9"/>
+    <dgm:cxn modelId="{169141CD-0342-4B63-B721-5243A4C779D4}" type="presOf" srcId="{87E2C9DA-AF71-49BE-8463-230D4FAEACDF}" destId="{20161611-1CCB-49E5-BCD6-160E7AE8C6F1}" srcOrd="0" destOrd="0" presId="urn:microsoft.com/office/officeart/2005/8/layout/hProcess9"/>
+    <dgm:cxn modelId="{AA7D7CDF-7AD0-4080-94E1-5E5B41B38130}" type="presOf" srcId="{277C6803-CA4B-420D-A759-A0176716CDEC}" destId="{93623590-CF4A-4CD2-BB6E-ABC5C3F4BECF}" srcOrd="0" destOrd="0" presId="urn:microsoft.com/office/officeart/2005/8/layout/hProcess9"/>
+    <dgm:cxn modelId="{04508D0A-E7F3-4AA3-8620-DE44F159C331}" type="presParOf" srcId="{93623590-CF4A-4CD2-BB6E-ABC5C3F4BECF}" destId="{9754C195-A9F0-4F0D-A6D2-0DD1520FF8CB}" srcOrd="0" destOrd="0" presId="urn:microsoft.com/office/officeart/2005/8/layout/hProcess9"/>
+    <dgm:cxn modelId="{A97CB21C-F932-44CD-819E-E60A00C0FBE8}" type="presParOf" srcId="{93623590-CF4A-4CD2-BB6E-ABC5C3F4BECF}" destId="{2940AEB7-E777-4807-BDF0-EF3FA0BEEEC2}" srcOrd="1" destOrd="0" presId="urn:microsoft.com/office/officeart/2005/8/layout/hProcess9"/>
+    <dgm:cxn modelId="{9F985081-4E40-4F93-88C2-35AF4C953A4F}" type="presParOf" srcId="{2940AEB7-E777-4807-BDF0-EF3FA0BEEEC2}" destId="{C49C918E-2348-45D8-9BB6-36FC3910AEE6}" srcOrd="0" destOrd="0" presId="urn:microsoft.com/office/officeart/2005/8/layout/hProcess9"/>
+    <dgm:cxn modelId="{E1E358F4-BD8A-484C-9D85-B88F8CB9FFD4}" type="presParOf" srcId="{2940AEB7-E777-4807-BDF0-EF3FA0BEEEC2}" destId="{C2900225-7812-4D77-ADCE-66E4758CD0CA}" srcOrd="1" destOrd="0" presId="urn:microsoft.com/office/officeart/2005/8/layout/hProcess9"/>
+    <dgm:cxn modelId="{DCDC86E0-345B-4170-8F4C-A1A9BC75C0FC}" type="presParOf" srcId="{2940AEB7-E777-4807-BDF0-EF3FA0BEEEC2}" destId="{20161611-1CCB-49E5-BCD6-160E7AE8C6F1}" srcOrd="2" destOrd="0" presId="urn:microsoft.com/office/officeart/2005/8/layout/hProcess9"/>
+    <dgm:cxn modelId="{CD089FAC-7D3F-4F18-9A53-AA6C7921B4E3}" type="presParOf" srcId="{2940AEB7-E777-4807-BDF0-EF3FA0BEEEC2}" destId="{86916C63-1FAF-43F8-B295-0A3F60413D66}" srcOrd="3" destOrd="0" presId="urn:microsoft.com/office/officeart/2005/8/layout/hProcess9"/>
+    <dgm:cxn modelId="{2DC080EA-34FA-4231-9E1B-88EF50C76450}" type="presParOf" srcId="{2940AEB7-E777-4807-BDF0-EF3FA0BEEEC2}" destId="{FE566455-4387-4F3B-93FD-63039231E455}" srcOrd="4" destOrd="0" presId="urn:microsoft.com/office/officeart/2005/8/layout/hProcess9"/>
+    <dgm:cxn modelId="{85238898-3046-480A-8E6E-7930658D5180}" type="presParOf" srcId="{2940AEB7-E777-4807-BDF0-EF3FA0BEEEC2}" destId="{7685ED58-3418-4846-9665-E14742C7BD0B}" srcOrd="5" destOrd="0" presId="urn:microsoft.com/office/officeart/2005/8/layout/hProcess9"/>
+    <dgm:cxn modelId="{16A2F90B-22A4-4C2B-BB52-9B391B6CA0CC}" type="presParOf" srcId="{2940AEB7-E777-4807-BDF0-EF3FA0BEEEC2}" destId="{FC3C55A0-84B2-4F6E-AB59-77725D722C40}" srcOrd="6" destOrd="0" presId="urn:microsoft.com/office/officeart/2005/8/layout/hProcess9"/>
+    <dgm:cxn modelId="{0899D7B3-468F-45E2-93F4-858C142C714C}" type="presParOf" srcId="{2940AEB7-E777-4807-BDF0-EF3FA0BEEEC2}" destId="{7FE43F55-AB52-4260-A2ED-9324174B1544}" srcOrd="7" destOrd="0" presId="urn:microsoft.com/office/officeart/2005/8/layout/hProcess9"/>
+    <dgm:cxn modelId="{B3E9E043-F09A-4C38-BD91-AEB54C390C3D}" type="presParOf" srcId="{2940AEB7-E777-4807-BDF0-EF3FA0BEEEC2}" destId="{06064AD5-8D7F-4BDF-925D-EFA8045701F9}" srcOrd="8" destOrd="0" presId="urn:microsoft.com/office/officeart/2005/8/layout/hProcess9"/>
+  </dgm:cxnLst>
+  <dgm:bg/>
+  <dgm:whole/>
+  <dgm:extLst>
+    <a:ext uri="http://schemas.microsoft.com/office/drawing/2008/diagram">
+      <dsp:dataModelExt xmlns:dsp="http://schemas.microsoft.com/office/drawing/2008/diagram" relId="rId6" minVer="http://schemas.openxmlformats.org/drawingml/2006/diagram"/>
+    </a:ext>
+  </dgm:extLst>
+</dgm:dataModel>
+</file>
+
+<file path=ppt/diagrams/data2.xml><?xml version="1.0" encoding="utf-8"?>
+<dgm:dataModel xmlns:dgm="http://schemas.openxmlformats.org/drawingml/2006/diagram" xmlns:a="http://schemas.openxmlformats.org/drawingml/2006/main">
+  <dgm:ptLst>
     <dgm:pt modelId="{9011FFE4-074F-49F2-B536-C057DBA83543}" type="doc">
       <dgm:prSet loTypeId="urn:microsoft.com/office/officeart/2005/8/layout/arrow3" loCatId="relationship" qsTypeId="urn:microsoft.com/office/officeart/2005/8/quickstyle/simple1" qsCatId="simple" csTypeId="urn:microsoft.com/office/officeart/2005/8/colors/colorful5" csCatId="colorful" phldr="1"/>
       <dgm:spPr/>
@@ -1117,6 +2215,495 @@
 </file>
 
 <file path=ppt/diagrams/drawing1.xml><?xml version="1.0" encoding="utf-8"?>
+<dsp:drawing xmlns:dgm="http://schemas.openxmlformats.org/drawingml/2006/diagram" xmlns:dsp="http://schemas.microsoft.com/office/drawing/2008/diagram" xmlns:a="http://schemas.openxmlformats.org/drawingml/2006/main">
+  <dsp:spTree>
+    <dsp:nvGrpSpPr>
+      <dsp:cNvPr id="0" name=""/>
+      <dsp:cNvGrpSpPr/>
+    </dsp:nvGrpSpPr>
+    <dsp:grpSpPr/>
+    <dsp:sp modelId="{9754C195-A9F0-4F0D-A6D2-0DD1520FF8CB}">
+      <dsp:nvSpPr>
+        <dsp:cNvPr id="0" name=""/>
+        <dsp:cNvSpPr/>
+      </dsp:nvSpPr>
+      <dsp:spPr>
+        <a:xfrm>
+          <a:off x="591502" y="0"/>
+          <a:ext cx="6703695" cy="4351338"/>
+        </a:xfrm>
+        <a:prstGeom prst="rightArrow">
+          <a:avLst/>
+        </a:prstGeom>
+        <a:solidFill>
+          <a:schemeClr val="accent1">
+            <a:tint val="40000"/>
+            <a:hueOff val="0"/>
+            <a:satOff val="0"/>
+            <a:lumOff val="0"/>
+            <a:alphaOff val="0"/>
+          </a:schemeClr>
+        </a:solidFill>
+        <a:ln>
+          <a:noFill/>
+        </a:ln>
+        <a:effectLst/>
+      </dsp:spPr>
+      <dsp:style>
+        <a:lnRef idx="0">
+          <a:scrgbClr r="0" g="0" b="0"/>
+        </a:lnRef>
+        <a:fillRef idx="1">
+          <a:scrgbClr r="0" g="0" b="0"/>
+        </a:fillRef>
+        <a:effectRef idx="0">
+          <a:scrgbClr r="0" g="0" b="0"/>
+        </a:effectRef>
+        <a:fontRef idx="minor"/>
+      </dsp:style>
+    </dsp:sp>
+    <dsp:sp modelId="{C49C918E-2348-45D8-9BB6-36FC3910AEE6}">
+      <dsp:nvSpPr>
+        <dsp:cNvPr id="0" name=""/>
+        <dsp:cNvSpPr/>
+      </dsp:nvSpPr>
+      <dsp:spPr>
+        <a:xfrm>
+          <a:off x="3465" y="1305401"/>
+          <a:ext cx="1515340" cy="1740535"/>
+        </a:xfrm>
+        <a:prstGeom prst="roundRect">
+          <a:avLst/>
+        </a:prstGeom>
+        <a:solidFill>
+          <a:schemeClr val="accent1">
+            <a:hueOff val="0"/>
+            <a:satOff val="0"/>
+            <a:lumOff val="0"/>
+            <a:alphaOff val="0"/>
+          </a:schemeClr>
+        </a:solidFill>
+        <a:ln w="12700" cap="flat" cmpd="sng" algn="ctr">
+          <a:solidFill>
+            <a:schemeClr val="lt1">
+              <a:hueOff val="0"/>
+              <a:satOff val="0"/>
+              <a:lumOff val="0"/>
+              <a:alphaOff val="0"/>
+            </a:schemeClr>
+          </a:solidFill>
+          <a:prstDash val="solid"/>
+          <a:miter lim="800000"/>
+        </a:ln>
+        <a:effectLst/>
+      </dsp:spPr>
+      <dsp:style>
+        <a:lnRef idx="2">
+          <a:scrgbClr r="0" g="0" b="0"/>
+        </a:lnRef>
+        <a:fillRef idx="1">
+          <a:scrgbClr r="0" g="0" b="0"/>
+        </a:fillRef>
+        <a:effectRef idx="0">
+          <a:scrgbClr r="0" g="0" b="0"/>
+        </a:effectRef>
+        <a:fontRef idx="minor">
+          <a:schemeClr val="lt1"/>
+        </a:fontRef>
+      </dsp:style>
+      <dsp:txBody>
+        <a:bodyPr spcFirstLastPara="0" vert="horz" wrap="square" lIns="49530" tIns="49530" rIns="49530" bIns="49530" numCol="1" spcCol="1270" anchor="ctr" anchorCtr="0">
+          <a:noAutofit/>
+        </a:bodyPr>
+        <a:lstStyle/>
+        <a:p>
+          <a:pPr marL="0" lvl="0" indent="0" algn="ctr" defTabSz="577850">
+            <a:lnSpc>
+              <a:spcPct val="90000"/>
+            </a:lnSpc>
+            <a:spcBef>
+              <a:spcPct val="0"/>
+            </a:spcBef>
+            <a:spcAft>
+              <a:spcPct val="35000"/>
+            </a:spcAft>
+            <a:buNone/>
+          </a:pPr>
+          <a:r>
+            <a:rPr lang="en-US" sz="1300" kern="1200" dirty="0"/>
+            <a:t>What are two-player zero-sum games with deterministic game mechanics?</a:t>
+          </a:r>
+        </a:p>
+      </dsp:txBody>
+      <dsp:txXfrm>
+        <a:off x="77438" y="1379374"/>
+        <a:ext cx="1367394" cy="1592589"/>
+      </dsp:txXfrm>
+    </dsp:sp>
+    <dsp:sp modelId="{20161611-1CCB-49E5-BCD6-160E7AE8C6F1}">
+      <dsp:nvSpPr>
+        <dsp:cNvPr id="0" name=""/>
+        <dsp:cNvSpPr/>
+      </dsp:nvSpPr>
+      <dsp:spPr>
+        <a:xfrm>
+          <a:off x="1594572" y="1305401"/>
+          <a:ext cx="1515340" cy="1740535"/>
+        </a:xfrm>
+        <a:prstGeom prst="roundRect">
+          <a:avLst/>
+        </a:prstGeom>
+        <a:solidFill>
+          <a:schemeClr val="accent1">
+            <a:hueOff val="0"/>
+            <a:satOff val="0"/>
+            <a:lumOff val="0"/>
+            <a:alphaOff val="0"/>
+          </a:schemeClr>
+        </a:solidFill>
+        <a:ln w="12700" cap="flat" cmpd="sng" algn="ctr">
+          <a:solidFill>
+            <a:schemeClr val="lt1">
+              <a:hueOff val="0"/>
+              <a:satOff val="0"/>
+              <a:lumOff val="0"/>
+              <a:alphaOff val="0"/>
+            </a:schemeClr>
+          </a:solidFill>
+          <a:prstDash val="solid"/>
+          <a:miter lim="800000"/>
+        </a:ln>
+        <a:effectLst/>
+      </dsp:spPr>
+      <dsp:style>
+        <a:lnRef idx="2">
+          <a:scrgbClr r="0" g="0" b="0"/>
+        </a:lnRef>
+        <a:fillRef idx="1">
+          <a:scrgbClr r="0" g="0" b="0"/>
+        </a:fillRef>
+        <a:effectRef idx="0">
+          <a:scrgbClr r="0" g="0" b="0"/>
+        </a:effectRef>
+        <a:fontRef idx="minor">
+          <a:schemeClr val="lt1"/>
+        </a:fontRef>
+      </dsp:style>
+      <dsp:txBody>
+        <a:bodyPr spcFirstLastPara="0" vert="horz" wrap="square" lIns="49530" tIns="49530" rIns="49530" bIns="49530" numCol="1" spcCol="1270" anchor="ctr" anchorCtr="0">
+          <a:noAutofit/>
+        </a:bodyPr>
+        <a:lstStyle/>
+        <a:p>
+          <a:pPr marL="0" lvl="0" indent="0" algn="ctr" defTabSz="577850">
+            <a:lnSpc>
+              <a:spcPct val="90000"/>
+            </a:lnSpc>
+            <a:spcBef>
+              <a:spcPct val="0"/>
+            </a:spcBef>
+            <a:spcAft>
+              <a:spcPct val="35000"/>
+            </a:spcAft>
+            <a:buNone/>
+          </a:pPr>
+          <a:r>
+            <a:rPr lang="en-US" sz="1300" kern="1200" dirty="0"/>
+            <a:t>Games as </a:t>
+          </a:r>
+          <a:br>
+            <a:rPr lang="en-US" sz="1300" kern="1200" dirty="0"/>
+          </a:br>
+          <a:r>
+            <a:rPr lang="en-US" sz="1300" kern="1200" dirty="0"/>
+            <a:t>Search Problems</a:t>
+          </a:r>
+        </a:p>
+      </dsp:txBody>
+      <dsp:txXfrm>
+        <a:off x="1668545" y="1379374"/>
+        <a:ext cx="1367394" cy="1592589"/>
+      </dsp:txXfrm>
+    </dsp:sp>
+    <dsp:sp modelId="{FE566455-4387-4F3B-93FD-63039231E455}">
+      <dsp:nvSpPr>
+        <dsp:cNvPr id="0" name=""/>
+        <dsp:cNvSpPr/>
+      </dsp:nvSpPr>
+      <dsp:spPr>
+        <a:xfrm>
+          <a:off x="3185679" y="1305401"/>
+          <a:ext cx="1515340" cy="1740535"/>
+        </a:xfrm>
+        <a:prstGeom prst="roundRect">
+          <a:avLst/>
+        </a:prstGeom>
+        <a:solidFill>
+          <a:schemeClr val="accent1">
+            <a:hueOff val="0"/>
+            <a:satOff val="0"/>
+            <a:lumOff val="0"/>
+            <a:alphaOff val="0"/>
+          </a:schemeClr>
+        </a:solidFill>
+        <a:ln w="12700" cap="flat" cmpd="sng" algn="ctr">
+          <a:solidFill>
+            <a:schemeClr val="lt1">
+              <a:hueOff val="0"/>
+              <a:satOff val="0"/>
+              <a:lumOff val="0"/>
+              <a:alphaOff val="0"/>
+            </a:schemeClr>
+          </a:solidFill>
+          <a:prstDash val="solid"/>
+          <a:miter lim="800000"/>
+        </a:ln>
+        <a:effectLst/>
+      </dsp:spPr>
+      <dsp:style>
+        <a:lnRef idx="2">
+          <a:scrgbClr r="0" g="0" b="0"/>
+        </a:lnRef>
+        <a:fillRef idx="1">
+          <a:scrgbClr r="0" g="0" b="0"/>
+        </a:fillRef>
+        <a:effectRef idx="0">
+          <a:scrgbClr r="0" g="0" b="0"/>
+        </a:effectRef>
+        <a:fontRef idx="minor">
+          <a:schemeClr val="lt1"/>
+        </a:fontRef>
+      </dsp:style>
+      <dsp:txBody>
+        <a:bodyPr spcFirstLastPara="0" vert="horz" wrap="square" lIns="49530" tIns="49530" rIns="49530" bIns="49530" numCol="1" spcCol="1270" anchor="ctr" anchorCtr="0">
+          <a:noAutofit/>
+        </a:bodyPr>
+        <a:lstStyle/>
+        <a:p>
+          <a:pPr marL="0" lvl="0" indent="0" algn="ctr" defTabSz="577850">
+            <a:lnSpc>
+              <a:spcPct val="90000"/>
+            </a:lnSpc>
+            <a:spcBef>
+              <a:spcPct val="0"/>
+            </a:spcBef>
+            <a:spcAft>
+              <a:spcPct val="35000"/>
+            </a:spcAft>
+            <a:buNone/>
+          </a:pPr>
+          <a:r>
+            <a:rPr lang="en-US" sz="1300" b="1" kern="1200" dirty="0"/>
+            <a:t>Exact Methods</a:t>
+          </a:r>
+          <a:br>
+            <a:rPr lang="en-US" sz="1300" kern="1200" dirty="0"/>
+          </a:br>
+          <a:br>
+            <a:rPr lang="en-US" sz="1300" kern="1200" dirty="0"/>
+          </a:br>
+          <a:r>
+            <a:rPr lang="en-US" sz="1300" kern="1200" dirty="0"/>
+            <a:t>Non-deterministic Actions</a:t>
+          </a:r>
+          <a:br>
+            <a:rPr lang="en-US" sz="1300" kern="1200" dirty="0"/>
+          </a:br>
+          <a:br>
+            <a:rPr lang="en-US" sz="1300" kern="1200" dirty="0"/>
+          </a:br>
+          <a:r>
+            <a:rPr lang="en-US" sz="1300" kern="1200" dirty="0"/>
+            <a:t> Minimax Search</a:t>
+          </a:r>
+        </a:p>
+      </dsp:txBody>
+      <dsp:txXfrm>
+        <a:off x="3259652" y="1379374"/>
+        <a:ext cx="1367394" cy="1592589"/>
+      </dsp:txXfrm>
+    </dsp:sp>
+    <dsp:sp modelId="{FC3C55A0-84B2-4F6E-AB59-77725D722C40}">
+      <dsp:nvSpPr>
+        <dsp:cNvPr id="0" name=""/>
+        <dsp:cNvSpPr/>
+      </dsp:nvSpPr>
+      <dsp:spPr>
+        <a:xfrm>
+          <a:off x="4776787" y="1305401"/>
+          <a:ext cx="1515340" cy="1740535"/>
+        </a:xfrm>
+        <a:prstGeom prst="roundRect">
+          <a:avLst/>
+        </a:prstGeom>
+        <a:solidFill>
+          <a:schemeClr val="accent1">
+            <a:hueOff val="0"/>
+            <a:satOff val="0"/>
+            <a:lumOff val="0"/>
+            <a:alphaOff val="0"/>
+          </a:schemeClr>
+        </a:solidFill>
+        <a:ln w="12700" cap="flat" cmpd="sng" algn="ctr">
+          <a:solidFill>
+            <a:schemeClr val="lt1">
+              <a:hueOff val="0"/>
+              <a:satOff val="0"/>
+              <a:lumOff val="0"/>
+              <a:alphaOff val="0"/>
+            </a:schemeClr>
+          </a:solidFill>
+          <a:prstDash val="solid"/>
+          <a:miter lim="800000"/>
+        </a:ln>
+        <a:effectLst/>
+      </dsp:spPr>
+      <dsp:style>
+        <a:lnRef idx="2">
+          <a:scrgbClr r="0" g="0" b="0"/>
+        </a:lnRef>
+        <a:fillRef idx="1">
+          <a:scrgbClr r="0" g="0" b="0"/>
+        </a:fillRef>
+        <a:effectRef idx="0">
+          <a:scrgbClr r="0" g="0" b="0"/>
+        </a:effectRef>
+        <a:fontRef idx="minor">
+          <a:schemeClr val="lt1"/>
+        </a:fontRef>
+      </dsp:style>
+      <dsp:txBody>
+        <a:bodyPr spcFirstLastPara="0" vert="horz" wrap="square" lIns="49530" tIns="49530" rIns="49530" bIns="49530" numCol="1" spcCol="1270" anchor="ctr" anchorCtr="0">
+          <a:noAutofit/>
+        </a:bodyPr>
+        <a:lstStyle/>
+        <a:p>
+          <a:pPr marL="0" lvl="0" indent="0" algn="ctr" defTabSz="577850">
+            <a:lnSpc>
+              <a:spcPct val="90000"/>
+            </a:lnSpc>
+            <a:spcBef>
+              <a:spcPct val="0"/>
+            </a:spcBef>
+            <a:spcAft>
+              <a:spcPct val="35000"/>
+            </a:spcAft>
+            <a:buNone/>
+          </a:pPr>
+          <a:r>
+            <a:rPr lang="en-US" sz="1300" b="1" kern="1200" dirty="0"/>
+            <a:t>Heuristic Methods</a:t>
+          </a:r>
+          <a:br>
+            <a:rPr lang="en-US" sz="1300" kern="1200" dirty="0"/>
+          </a:br>
+          <a:br>
+            <a:rPr lang="en-US" sz="1300" kern="1200" dirty="0"/>
+          </a:br>
+          <a:r>
+            <a:rPr lang="en-US" sz="1300" kern="1200" dirty="0"/>
+            <a:t>Heuristic Alpha-Beta Tree Search</a:t>
+          </a:r>
+          <a:br>
+            <a:rPr lang="en-US" sz="1300" kern="1200" dirty="0"/>
+          </a:br>
+          <a:br>
+            <a:rPr lang="en-US" sz="1300" kern="1200" dirty="0"/>
+          </a:br>
+          <a:r>
+            <a:rPr lang="en-US" sz="1300" kern="1200" dirty="0"/>
+            <a:t>Monte Carlo Tree search</a:t>
+          </a:r>
+        </a:p>
+      </dsp:txBody>
+      <dsp:txXfrm>
+        <a:off x="4850760" y="1379374"/>
+        <a:ext cx="1367394" cy="1592589"/>
+      </dsp:txXfrm>
+    </dsp:sp>
+    <dsp:sp modelId="{06064AD5-8D7F-4BDF-925D-EFA8045701F9}">
+      <dsp:nvSpPr>
+        <dsp:cNvPr id="0" name=""/>
+        <dsp:cNvSpPr/>
+      </dsp:nvSpPr>
+      <dsp:spPr>
+        <a:xfrm>
+          <a:off x="6367894" y="1305401"/>
+          <a:ext cx="1515340" cy="1740535"/>
+        </a:xfrm>
+        <a:prstGeom prst="roundRect">
+          <a:avLst/>
+        </a:prstGeom>
+        <a:solidFill>
+          <a:schemeClr val="accent1">
+            <a:hueOff val="0"/>
+            <a:satOff val="0"/>
+            <a:lumOff val="0"/>
+            <a:alphaOff val="0"/>
+          </a:schemeClr>
+        </a:solidFill>
+        <a:ln w="12700" cap="flat" cmpd="sng" algn="ctr">
+          <a:solidFill>
+            <a:schemeClr val="lt1">
+              <a:hueOff val="0"/>
+              <a:satOff val="0"/>
+              <a:lumOff val="0"/>
+              <a:alphaOff val="0"/>
+            </a:schemeClr>
+          </a:solidFill>
+          <a:prstDash val="solid"/>
+          <a:miter lim="800000"/>
+        </a:ln>
+        <a:effectLst/>
+      </dsp:spPr>
+      <dsp:style>
+        <a:lnRef idx="2">
+          <a:scrgbClr r="0" g="0" b="0"/>
+        </a:lnRef>
+        <a:fillRef idx="1">
+          <a:scrgbClr r="0" g="0" b="0"/>
+        </a:fillRef>
+        <a:effectRef idx="0">
+          <a:scrgbClr r="0" g="0" b="0"/>
+        </a:effectRef>
+        <a:fontRef idx="minor">
+          <a:schemeClr val="lt1"/>
+        </a:fontRef>
+      </dsp:style>
+      <dsp:txBody>
+        <a:bodyPr spcFirstLastPara="0" vert="horz" wrap="square" lIns="49530" tIns="49530" rIns="49530" bIns="49530" numCol="1" spcCol="1270" anchor="ctr" anchorCtr="0">
+          <a:noAutofit/>
+        </a:bodyPr>
+        <a:lstStyle/>
+        <a:p>
+          <a:pPr marL="0" lvl="0" indent="0" algn="ctr" defTabSz="577850">
+            <a:lnSpc>
+              <a:spcPct val="90000"/>
+            </a:lnSpc>
+            <a:spcBef>
+              <a:spcPct val="0"/>
+            </a:spcBef>
+            <a:spcAft>
+              <a:spcPct val="35000"/>
+            </a:spcAft>
+            <a:buNone/>
+          </a:pPr>
+          <a:r>
+            <a:rPr lang="en-US" sz="1300" kern="1200" dirty="0"/>
+            <a:t>Stochastic Games</a:t>
+          </a:r>
+        </a:p>
+      </dsp:txBody>
+      <dsp:txXfrm>
+        <a:off x="6441867" y="1379374"/>
+        <a:ext cx="1367394" cy="1592589"/>
+      </dsp:txXfrm>
+    </dsp:sp>
+  </dsp:spTree>
+</dsp:drawing>
+</file>
+
+<file path=ppt/diagrams/drawing2.xml><?xml version="1.0" encoding="utf-8"?>
 <dsp:drawing xmlns:dgm="http://schemas.openxmlformats.org/drawingml/2006/diagram" xmlns:dsp="http://schemas.microsoft.com/office/drawing/2008/diagram" xmlns:a="http://schemas.openxmlformats.org/drawingml/2006/main">
   <dsp:spTree>
     <dsp:nvGrpSpPr>
@@ -1408,6 +2995,160 @@
 </file>
 
 <file path=ppt/diagrams/layout1.xml><?xml version="1.0" encoding="utf-8"?>
+<dgm:layoutDef xmlns:dgm="http://schemas.openxmlformats.org/drawingml/2006/diagram" xmlns:a="http://schemas.openxmlformats.org/drawingml/2006/main" uniqueId="urn:microsoft.com/office/officeart/2005/8/layout/hProcess9">
+  <dgm:title val=""/>
+  <dgm:desc val=""/>
+  <dgm:catLst>
+    <dgm:cat type="process" pri="5000"/>
+    <dgm:cat type="convert" pri="13000"/>
+  </dgm:catLst>
+  <dgm:sampData useDef="1">
+    <dgm:dataModel>
+      <dgm:ptLst/>
+      <dgm:bg/>
+      <dgm:whole/>
+    </dgm:dataModel>
+  </dgm:sampData>
+  <dgm:styleData>
+    <dgm:dataModel>
+      <dgm:ptLst>
+        <dgm:pt modelId="0" type="doc"/>
+        <dgm:pt modelId="1"/>
+        <dgm:pt modelId="2"/>
+      </dgm:ptLst>
+      <dgm:cxnLst>
+        <dgm:cxn modelId="3" srcId="0" destId="1" srcOrd="0" destOrd="0"/>
+        <dgm:cxn modelId="4" srcId="0" destId="2" srcOrd="1" destOrd="0"/>
+      </dgm:cxnLst>
+      <dgm:bg/>
+      <dgm:whole/>
+    </dgm:dataModel>
+  </dgm:styleData>
+  <dgm:clrData>
+    <dgm:dataModel>
+      <dgm:ptLst>
+        <dgm:pt modelId="0" type="doc"/>
+        <dgm:pt modelId="1"/>
+        <dgm:pt modelId="2"/>
+        <dgm:pt modelId="3"/>
+        <dgm:pt modelId="4"/>
+      </dgm:ptLst>
+      <dgm:cxnLst>
+        <dgm:cxn modelId="5" srcId="0" destId="1" srcOrd="0" destOrd="0"/>
+        <dgm:cxn modelId="6" srcId="0" destId="2" srcOrd="1" destOrd="0"/>
+        <dgm:cxn modelId="7" srcId="0" destId="3" srcOrd="2" destOrd="0"/>
+        <dgm:cxn modelId="8" srcId="0" destId="4" srcOrd="3" destOrd="0"/>
+      </dgm:cxnLst>
+      <dgm:bg/>
+      <dgm:whole/>
+    </dgm:dataModel>
+  </dgm:clrData>
+  <dgm:layoutNode name="CompostProcess">
+    <dgm:varLst>
+      <dgm:dir/>
+      <dgm:resizeHandles val="exact"/>
+    </dgm:varLst>
+    <dgm:alg type="composite">
+      <dgm:param type="horzAlign" val="ctr"/>
+      <dgm:param type="vertAlign" val="mid"/>
+    </dgm:alg>
+    <dgm:shape xmlns:r="http://schemas.openxmlformats.org/officeDocument/2006/relationships" r:blip="">
+      <dgm:adjLst/>
+    </dgm:shape>
+    <dgm:presOf/>
+    <dgm:constrLst>
+      <dgm:constr type="w" for="ch" forName="arrow" refType="w" fact="0.85"/>
+      <dgm:constr type="h" for="ch" forName="arrow" refType="h"/>
+      <dgm:constr type="ctrX" for="ch" forName="arrow" refType="w" fact="0.5"/>
+      <dgm:constr type="ctrY" for="ch" forName="arrow" refType="h" fact="0.5"/>
+      <dgm:constr type="w" for="ch" forName="linearProcess" refType="w"/>
+      <dgm:constr type="h" for="ch" forName="linearProcess" refType="h" fact="0.4"/>
+      <dgm:constr type="ctrX" for="ch" forName="linearProcess" refType="w" fact="0.5"/>
+      <dgm:constr type="ctrY" for="ch" forName="linearProcess" refType="h" fact="0.5"/>
+    </dgm:constrLst>
+    <dgm:ruleLst/>
+    <dgm:layoutNode name="arrow" styleLbl="bgShp">
+      <dgm:alg type="sp"/>
+      <dgm:choose name="Name0">
+        <dgm:if name="Name1" func="var" arg="dir" op="equ" val="norm">
+          <dgm:shape xmlns:r="http://schemas.openxmlformats.org/officeDocument/2006/relationships" type="rightArrow" r:blip="">
+            <dgm:adjLst/>
+          </dgm:shape>
+        </dgm:if>
+        <dgm:else name="Name2">
+          <dgm:shape xmlns:r="http://schemas.openxmlformats.org/officeDocument/2006/relationships" type="leftArrow" r:blip="">
+            <dgm:adjLst/>
+          </dgm:shape>
+        </dgm:else>
+      </dgm:choose>
+      <dgm:presOf/>
+      <dgm:constrLst/>
+      <dgm:ruleLst/>
+    </dgm:layoutNode>
+    <dgm:layoutNode name="linearProcess">
+      <dgm:choose name="Name3">
+        <dgm:if name="Name4" func="var" arg="dir" op="equ" val="norm">
+          <dgm:alg type="lin"/>
+        </dgm:if>
+        <dgm:else name="Name5">
+          <dgm:alg type="lin">
+            <dgm:param type="linDir" val="fromR"/>
+          </dgm:alg>
+        </dgm:else>
+      </dgm:choose>
+      <dgm:shape xmlns:r="http://schemas.openxmlformats.org/officeDocument/2006/relationships" r:blip="">
+        <dgm:adjLst/>
+      </dgm:shape>
+      <dgm:presOf/>
+      <dgm:constrLst>
+        <dgm:constr type="userA" for="ch" ptType="node" refType="w"/>
+        <dgm:constr type="h" for="ch" ptType="node" refType="h"/>
+        <dgm:constr type="w" for="ch" ptType="node" op="equ"/>
+        <dgm:constr type="w" for="ch" forName="sibTrans" refType="w" fact="0.05"/>
+        <dgm:constr type="primFontSz" for="ch" ptType="node" op="equ" val="65"/>
+      </dgm:constrLst>
+      <dgm:ruleLst/>
+      <dgm:forEach name="Name6" axis="ch" ptType="node">
+        <dgm:layoutNode name="textNode" styleLbl="node1">
+          <dgm:varLst>
+            <dgm:bulletEnabled val="1"/>
+          </dgm:varLst>
+          <dgm:alg type="tx"/>
+          <dgm:shape xmlns:r="http://schemas.openxmlformats.org/officeDocument/2006/relationships" type="roundRect" r:blip="">
+            <dgm:adjLst/>
+          </dgm:shape>
+          <dgm:presOf axis="desOrSelf" ptType="node"/>
+          <dgm:constrLst>
+            <dgm:constr type="userA"/>
+            <dgm:constr type="w" refType="userA" fact="0.3"/>
+            <dgm:constr type="tMarg" refType="primFontSz" fact="0.3"/>
+            <dgm:constr type="bMarg" refType="primFontSz" fact="0.3"/>
+            <dgm:constr type="lMarg" refType="primFontSz" fact="0.3"/>
+            <dgm:constr type="rMarg" refType="primFontSz" fact="0.3"/>
+          </dgm:constrLst>
+          <dgm:ruleLst>
+            <dgm:rule type="w" val="NaN" fact="1" max="NaN"/>
+            <dgm:rule type="primFontSz" val="5" fact="NaN" max="NaN"/>
+          </dgm:ruleLst>
+        </dgm:layoutNode>
+        <dgm:forEach name="Name7" axis="followSib" ptType="sibTrans" cnt="1">
+          <dgm:layoutNode name="sibTrans">
+            <dgm:alg type="sp"/>
+            <dgm:shape xmlns:r="http://schemas.openxmlformats.org/officeDocument/2006/relationships" r:blip="">
+              <dgm:adjLst/>
+            </dgm:shape>
+            <dgm:presOf/>
+            <dgm:constrLst/>
+            <dgm:ruleLst/>
+          </dgm:layoutNode>
+        </dgm:forEach>
+      </dgm:forEach>
+    </dgm:layoutNode>
+  </dgm:layoutNode>
+</dgm:layoutDef>
+</file>
+
+<file path=ppt/diagrams/layout2.xml><?xml version="1.0" encoding="utf-8"?>
 <dgm:layoutDef xmlns:dgm="http://schemas.openxmlformats.org/drawingml/2006/diagram" xmlns:a="http://schemas.openxmlformats.org/drawingml/2006/main" uniqueId="urn:microsoft.com/office/officeart/2005/8/layout/arrow3">
   <dgm:title val=""/>
   <dgm:desc val=""/>
@@ -2689,6 +4430,1040 @@
 </dgm:styleDef>
 </file>
 
+<file path=ppt/diagrams/quickStyle2.xml><?xml version="1.0" encoding="utf-8"?>
+<dgm:styleDef xmlns:dgm="http://schemas.openxmlformats.org/drawingml/2006/diagram" xmlns:a="http://schemas.openxmlformats.org/drawingml/2006/main" uniqueId="urn:microsoft.com/office/officeart/2005/8/quickstyle/simple1">
+  <dgm:title val=""/>
+  <dgm:desc val=""/>
+  <dgm:catLst>
+    <dgm:cat type="simple" pri="10100"/>
+  </dgm:catLst>
+  <dgm:scene3d>
+    <a:camera prst="orthographicFront"/>
+    <a:lightRig rig="threePt" dir="t"/>
+  </dgm:scene3d>
+  <dgm:styleLbl name="node0">
+    <dgm:scene3d>
+      <a:camera prst="orthographicFront"/>
+      <a:lightRig rig="threePt" dir="t"/>
+    </dgm:scene3d>
+    <dgm:sp3d/>
+    <dgm:txPr/>
+    <dgm:style>
+      <a:lnRef idx="2">
+        <a:scrgbClr r="0" g="0" b="0"/>
+      </a:lnRef>
+      <a:fillRef idx="1">
+        <a:scrgbClr r="0" g="0" b="0"/>
+      </a:fillRef>
+      <a:effectRef idx="0">
+        <a:scrgbClr r="0" g="0" b="0"/>
+      </a:effectRef>
+      <a:fontRef idx="minor">
+        <a:schemeClr val="lt1"/>
+      </a:fontRef>
+    </dgm:style>
+  </dgm:styleLbl>
+  <dgm:styleLbl name="lnNode1">
+    <dgm:scene3d>
+      <a:camera prst="orthographicFront"/>
+      <a:lightRig rig="threePt" dir="t"/>
+    </dgm:scene3d>
+    <dgm:sp3d/>
+    <dgm:txPr/>
+    <dgm:style>
+      <a:lnRef idx="2">
+        <a:scrgbClr r="0" g="0" b="0"/>
+      </a:lnRef>
+      <a:fillRef idx="1">
+        <a:scrgbClr r="0" g="0" b="0"/>
+      </a:fillRef>
+      <a:effectRef idx="0">
+        <a:scrgbClr r="0" g="0" b="0"/>
+      </a:effectRef>
+      <a:fontRef idx="minor">
+        <a:schemeClr val="lt1"/>
+      </a:fontRef>
+    </dgm:style>
+  </dgm:styleLbl>
+  <dgm:styleLbl name="vennNode1">
+    <dgm:scene3d>
+      <a:camera prst="orthographicFront"/>
+      <a:lightRig rig="threePt" dir="t"/>
+    </dgm:scene3d>
+    <dgm:sp3d/>
+    <dgm:txPr/>
+    <dgm:style>
+      <a:lnRef idx="2">
+        <a:scrgbClr r="0" g="0" b="0"/>
+      </a:lnRef>
+      <a:fillRef idx="1">
+        <a:scrgbClr r="0" g="0" b="0"/>
+      </a:fillRef>
+      <a:effectRef idx="0">
+        <a:scrgbClr r="0" g="0" b="0"/>
+      </a:effectRef>
+      <a:fontRef idx="minor">
+        <a:schemeClr val="tx1"/>
+      </a:fontRef>
+    </dgm:style>
+  </dgm:styleLbl>
+  <dgm:styleLbl name="alignNode1">
+    <dgm:scene3d>
+      <a:camera prst="orthographicFront"/>
+      <a:lightRig rig="threePt" dir="t"/>
+    </dgm:scene3d>
+    <dgm:sp3d/>
+    <dgm:txPr/>
+    <dgm:style>
+      <a:lnRef idx="2">
+        <a:scrgbClr r="0" g="0" b="0"/>
+      </a:lnRef>
+      <a:fillRef idx="1">
+        <a:scrgbClr r="0" g="0" b="0"/>
+      </a:fillRef>
+      <a:effectRef idx="0">
+        <a:scrgbClr r="0" g="0" b="0"/>
+      </a:effectRef>
+      <a:fontRef idx="minor">
+        <a:schemeClr val="lt1"/>
+      </a:fontRef>
+    </dgm:style>
+  </dgm:styleLbl>
+  <dgm:styleLbl name="node1">
+    <dgm:scene3d>
+      <a:camera prst="orthographicFront"/>
+      <a:lightRig rig="threePt" dir="t"/>
+    </dgm:scene3d>
+    <dgm:sp3d/>
+    <dgm:txPr/>
+    <dgm:style>
+      <a:lnRef idx="2">
+        <a:scrgbClr r="0" g="0" b="0"/>
+      </a:lnRef>
+      <a:fillRef idx="1">
+        <a:scrgbClr r="0" g="0" b="0"/>
+      </a:fillRef>
+      <a:effectRef idx="0">
+        <a:scrgbClr r="0" g="0" b="0"/>
+      </a:effectRef>
+      <a:fontRef idx="minor">
+        <a:schemeClr val="lt1"/>
+      </a:fontRef>
+    </dgm:style>
+  </dgm:styleLbl>
+  <dgm:styleLbl name="node2">
+    <dgm:scene3d>
+      <a:camera prst="orthographicFront"/>
+      <a:lightRig rig="threePt" dir="t"/>
+    </dgm:scene3d>
+    <dgm:sp3d/>
+    <dgm:txPr/>
+    <dgm:style>
+      <a:lnRef idx="2">
+        <a:scrgbClr r="0" g="0" b="0"/>
+      </a:lnRef>
+      <a:fillRef idx="1">
+        <a:scrgbClr r="0" g="0" b="0"/>
+      </a:fillRef>
+      <a:effectRef idx="0">
+        <a:scrgbClr r="0" g="0" b="0"/>
+      </a:effectRef>
+      <a:fontRef idx="minor">
+        <a:schemeClr val="lt1"/>
+      </a:fontRef>
+    </dgm:style>
+  </dgm:styleLbl>
+  <dgm:styleLbl name="node3">
+    <dgm:scene3d>
+      <a:camera prst="orthographicFront"/>
+      <a:lightRig rig="threePt" dir="t"/>
+    </dgm:scene3d>
+    <dgm:sp3d/>
+    <dgm:txPr/>
+    <dgm:style>
+      <a:lnRef idx="2">
+        <a:scrgbClr r="0" g="0" b="0"/>
+      </a:lnRef>
+      <a:fillRef idx="1">
+        <a:scrgbClr r="0" g="0" b="0"/>
+      </a:fillRef>
+      <a:effectRef idx="0">
+        <a:scrgbClr r="0" g="0" b="0"/>
+      </a:effectRef>
+      <a:fontRef idx="minor">
+        <a:schemeClr val="lt1"/>
+      </a:fontRef>
+    </dgm:style>
+  </dgm:styleLbl>
+  <dgm:styleLbl name="node4">
+    <dgm:scene3d>
+      <a:camera prst="orthographicFront"/>
+      <a:lightRig rig="threePt" dir="t"/>
+    </dgm:scene3d>
+    <dgm:sp3d/>
+    <dgm:txPr/>
+    <dgm:style>
+      <a:lnRef idx="2">
+        <a:scrgbClr r="0" g="0" b="0"/>
+      </a:lnRef>
+      <a:fillRef idx="1">
+        <a:scrgbClr r="0" g="0" b="0"/>
+      </a:fillRef>
+      <a:effectRef idx="0">
+        <a:scrgbClr r="0" g="0" b="0"/>
+      </a:effectRef>
+      <a:fontRef idx="minor">
+        <a:schemeClr val="lt1"/>
+      </a:fontRef>
+    </dgm:style>
+  </dgm:styleLbl>
+  <dgm:styleLbl name="fgImgPlace1">
+    <dgm:scene3d>
+      <a:camera prst="orthographicFront"/>
+      <a:lightRig rig="threePt" dir="t"/>
+    </dgm:scene3d>
+    <dgm:sp3d/>
+    <dgm:txPr/>
+    <dgm:style>
+      <a:lnRef idx="2">
+        <a:scrgbClr r="0" g="0" b="0"/>
+      </a:lnRef>
+      <a:fillRef idx="1">
+        <a:scrgbClr r="0" g="0" b="0"/>
+      </a:fillRef>
+      <a:effectRef idx="0">
+        <a:scrgbClr r="0" g="0" b="0"/>
+      </a:effectRef>
+      <a:fontRef idx="minor"/>
+    </dgm:style>
+  </dgm:styleLbl>
+  <dgm:styleLbl name="alignImgPlace1">
+    <dgm:scene3d>
+      <a:camera prst="orthographicFront"/>
+      <a:lightRig rig="threePt" dir="t"/>
+    </dgm:scene3d>
+    <dgm:sp3d/>
+    <dgm:txPr/>
+    <dgm:style>
+      <a:lnRef idx="2">
+        <a:scrgbClr r="0" g="0" b="0"/>
+      </a:lnRef>
+      <a:fillRef idx="1">
+        <a:scrgbClr r="0" g="0" b="0"/>
+      </a:fillRef>
+      <a:effectRef idx="0">
+        <a:scrgbClr r="0" g="0" b="0"/>
+      </a:effectRef>
+      <a:fontRef idx="minor"/>
+    </dgm:style>
+  </dgm:styleLbl>
+  <dgm:styleLbl name="bgImgPlace1">
+    <dgm:scene3d>
+      <a:camera prst="orthographicFront"/>
+      <a:lightRig rig="threePt" dir="t"/>
+    </dgm:scene3d>
+    <dgm:sp3d/>
+    <dgm:txPr/>
+    <dgm:style>
+      <a:lnRef idx="2">
+        <a:scrgbClr r="0" g="0" b="0"/>
+      </a:lnRef>
+      <a:fillRef idx="1">
+        <a:scrgbClr r="0" g="0" b="0"/>
+      </a:fillRef>
+      <a:effectRef idx="0">
+        <a:scrgbClr r="0" g="0" b="0"/>
+      </a:effectRef>
+      <a:fontRef idx="minor"/>
+    </dgm:style>
+  </dgm:styleLbl>
+  <dgm:styleLbl name="sibTrans2D1">
+    <dgm:scene3d>
+      <a:camera prst="orthographicFront"/>
+      <a:lightRig rig="threePt" dir="t"/>
+    </dgm:scene3d>
+    <dgm:sp3d/>
+    <dgm:txPr/>
+    <dgm:style>
+      <a:lnRef idx="0">
+        <a:scrgbClr r="0" g="0" b="0"/>
+      </a:lnRef>
+      <a:fillRef idx="1">
+        <a:scrgbClr r="0" g="0" b="0"/>
+      </a:fillRef>
+      <a:effectRef idx="0">
+        <a:scrgbClr r="0" g="0" b="0"/>
+      </a:effectRef>
+      <a:fontRef idx="minor">
+        <a:schemeClr val="lt1"/>
+      </a:fontRef>
+    </dgm:style>
+  </dgm:styleLbl>
+  <dgm:styleLbl name="fgSibTrans2D1">
+    <dgm:scene3d>
+      <a:camera prst="orthographicFront"/>
+      <a:lightRig rig="threePt" dir="t"/>
+    </dgm:scene3d>
+    <dgm:sp3d/>
+    <dgm:txPr/>
+    <dgm:style>
+      <a:lnRef idx="0">
+        <a:scrgbClr r="0" g="0" b="0"/>
+      </a:lnRef>
+      <a:fillRef idx="1">
+        <a:scrgbClr r="0" g="0" b="0"/>
+      </a:fillRef>
+      <a:effectRef idx="0">
+        <a:scrgbClr r="0" g="0" b="0"/>
+      </a:effectRef>
+      <a:fontRef idx="minor">
+        <a:schemeClr val="lt1"/>
+      </a:fontRef>
+    </dgm:style>
+  </dgm:styleLbl>
+  <dgm:styleLbl name="bgSibTrans2D1">
+    <dgm:scene3d>
+      <a:camera prst="orthographicFront"/>
+      <a:lightRig rig="threePt" dir="t"/>
+    </dgm:scene3d>
+    <dgm:sp3d/>
+    <dgm:txPr/>
+    <dgm:style>
+      <a:lnRef idx="0">
+        <a:scrgbClr r="0" g="0" b="0"/>
+      </a:lnRef>
+      <a:fillRef idx="1">
+        <a:scrgbClr r="0" g="0" b="0"/>
+      </a:fillRef>
+      <a:effectRef idx="0">
+        <a:scrgbClr r="0" g="0" b="0"/>
+      </a:effectRef>
+      <a:fontRef idx="minor">
+        <a:schemeClr val="lt1"/>
+      </a:fontRef>
+    </dgm:style>
+  </dgm:styleLbl>
+  <dgm:styleLbl name="sibTrans1D1">
+    <dgm:scene3d>
+      <a:camera prst="orthographicFront"/>
+      <a:lightRig rig="threePt" dir="t"/>
+    </dgm:scene3d>
+    <dgm:sp3d/>
+    <dgm:txPr/>
+    <dgm:style>
+      <a:lnRef idx="1">
+        <a:scrgbClr r="0" g="0" b="0"/>
+      </a:lnRef>
+      <a:fillRef idx="0">
+        <a:scrgbClr r="0" g="0" b="0"/>
+      </a:fillRef>
+      <a:effectRef idx="0">
+        <a:scrgbClr r="0" g="0" b="0"/>
+      </a:effectRef>
+      <a:fontRef idx="minor"/>
+    </dgm:style>
+  </dgm:styleLbl>
+  <dgm:styleLbl name="callout">
+    <dgm:scene3d>
+      <a:camera prst="orthographicFront"/>
+      <a:lightRig rig="threePt" dir="t"/>
+    </dgm:scene3d>
+    <dgm:sp3d/>
+    <dgm:txPr/>
+    <dgm:style>
+      <a:lnRef idx="2">
+        <a:scrgbClr r="0" g="0" b="0"/>
+      </a:lnRef>
+      <a:fillRef idx="1">
+        <a:scrgbClr r="0" g="0" b="0"/>
+      </a:fillRef>
+      <a:effectRef idx="0">
+        <a:scrgbClr r="0" g="0" b="0"/>
+      </a:effectRef>
+      <a:fontRef idx="minor"/>
+    </dgm:style>
+  </dgm:styleLbl>
+  <dgm:styleLbl name="asst0">
+    <dgm:scene3d>
+      <a:camera prst="orthographicFront"/>
+      <a:lightRig rig="threePt" dir="t"/>
+    </dgm:scene3d>
+    <dgm:sp3d/>
+    <dgm:txPr/>
+    <dgm:style>
+      <a:lnRef idx="2">
+        <a:scrgbClr r="0" g="0" b="0"/>
+      </a:lnRef>
+      <a:fillRef idx="1">
+        <a:scrgbClr r="0" g="0" b="0"/>
+      </a:fillRef>
+      <a:effectRef idx="0">
+        <a:scrgbClr r="0" g="0" b="0"/>
+      </a:effectRef>
+      <a:fontRef idx="minor">
+        <a:schemeClr val="lt1"/>
+      </a:fontRef>
+    </dgm:style>
+  </dgm:styleLbl>
+  <dgm:styleLbl name="asst1">
+    <dgm:scene3d>
+      <a:camera prst="orthographicFront"/>
+      <a:lightRig rig="threePt" dir="t"/>
+    </dgm:scene3d>
+    <dgm:sp3d/>
+    <dgm:txPr/>
+    <dgm:style>
+      <a:lnRef idx="2">
+        <a:scrgbClr r="0" g="0" b="0"/>
+      </a:lnRef>
+      <a:fillRef idx="1">
+        <a:scrgbClr r="0" g="0" b="0"/>
+      </a:fillRef>
+      <a:effectRef idx="0">
+        <a:scrgbClr r="0" g="0" b="0"/>
+      </a:effectRef>
+      <a:fontRef idx="minor">
+        <a:schemeClr val="lt1"/>
+      </a:fontRef>
+    </dgm:style>
+  </dgm:styleLbl>
+  <dgm:styleLbl name="asst2">
+    <dgm:scene3d>
+      <a:camera prst="orthographicFront"/>
+      <a:lightRig rig="threePt" dir="t"/>
+    </dgm:scene3d>
+    <dgm:sp3d/>
+    <dgm:txPr/>
+    <dgm:style>
+      <a:lnRef idx="2">
+        <a:scrgbClr r="0" g="0" b="0"/>
+      </a:lnRef>
+      <a:fillRef idx="1">
+        <a:scrgbClr r="0" g="0" b="0"/>
+      </a:fillRef>
+      <a:effectRef idx="0">
+        <a:scrgbClr r="0" g="0" b="0"/>
+      </a:effectRef>
+      <a:fontRef idx="minor">
+        <a:schemeClr val="lt1"/>
+      </a:fontRef>
+    </dgm:style>
+  </dgm:styleLbl>
+  <dgm:styleLbl name="asst3">
+    <dgm:scene3d>
+      <a:camera prst="orthographicFront"/>
+      <a:lightRig rig="threePt" dir="t"/>
+    </dgm:scene3d>
+    <dgm:sp3d/>
+    <dgm:txPr/>
+    <dgm:style>
+      <a:lnRef idx="2">
+        <a:scrgbClr r="0" g="0" b="0"/>
+      </a:lnRef>
+      <a:fillRef idx="1">
+        <a:scrgbClr r="0" g="0" b="0"/>
+      </a:fillRef>
+      <a:effectRef idx="0">
+        <a:scrgbClr r="0" g="0" b="0"/>
+      </a:effectRef>
+      <a:fontRef idx="minor">
+        <a:schemeClr val="lt1"/>
+      </a:fontRef>
+    </dgm:style>
+  </dgm:styleLbl>
+  <dgm:styleLbl name="asst4">
+    <dgm:scene3d>
+      <a:camera prst="orthographicFront"/>
+      <a:lightRig rig="threePt" dir="t"/>
+    </dgm:scene3d>
+    <dgm:sp3d/>
+    <dgm:txPr/>
+    <dgm:style>
+      <a:lnRef idx="2">
+        <a:scrgbClr r="0" g="0" b="0"/>
+      </a:lnRef>
+      <a:fillRef idx="1">
+        <a:scrgbClr r="0" g="0" b="0"/>
+      </a:fillRef>
+      <a:effectRef idx="0">
+        <a:scrgbClr r="0" g="0" b="0"/>
+      </a:effectRef>
+      <a:fontRef idx="minor">
+        <a:schemeClr val="lt1"/>
+      </a:fontRef>
+    </dgm:style>
+  </dgm:styleLbl>
+  <dgm:styleLbl name="parChTrans2D1">
+    <dgm:scene3d>
+      <a:camera prst="orthographicFront"/>
+      <a:lightRig rig="threePt" dir="t"/>
+    </dgm:scene3d>
+    <dgm:sp3d/>
+    <dgm:txPr/>
+    <dgm:style>
+      <a:lnRef idx="2">
+        <a:scrgbClr r="0" g="0" b="0"/>
+      </a:lnRef>
+      <a:fillRef idx="1">
+        <a:scrgbClr r="0" g="0" b="0"/>
+      </a:fillRef>
+      <a:effectRef idx="0">
+        <a:scrgbClr r="0" g="0" b="0"/>
+      </a:effectRef>
+      <a:fontRef idx="minor">
+        <a:schemeClr val="lt1"/>
+      </a:fontRef>
+    </dgm:style>
+  </dgm:styleLbl>
+  <dgm:styleLbl name="parChTrans2D2">
+    <dgm:scene3d>
+      <a:camera prst="orthographicFront"/>
+      <a:lightRig rig="threePt" dir="t"/>
+    </dgm:scene3d>
+    <dgm:sp3d/>
+    <dgm:txPr/>
+    <dgm:style>
+      <a:lnRef idx="2">
+        <a:scrgbClr r="0" g="0" b="0"/>
+      </a:lnRef>
+      <a:fillRef idx="1">
+        <a:scrgbClr r="0" g="0" b="0"/>
+      </a:fillRef>
+      <a:effectRef idx="0">
+        <a:scrgbClr r="0" g="0" b="0"/>
+      </a:effectRef>
+      <a:fontRef idx="minor">
+        <a:schemeClr val="lt1"/>
+      </a:fontRef>
+    </dgm:style>
+  </dgm:styleLbl>
+  <dgm:styleLbl name="parChTrans2D3">
+    <dgm:scene3d>
+      <a:camera prst="orthographicFront"/>
+      <a:lightRig rig="threePt" dir="t"/>
+    </dgm:scene3d>
+    <dgm:sp3d/>
+    <dgm:txPr/>
+    <dgm:style>
+      <a:lnRef idx="2">
+        <a:scrgbClr r="0" g="0" b="0"/>
+      </a:lnRef>
+      <a:fillRef idx="1">
+        <a:scrgbClr r="0" g="0" b="0"/>
+      </a:fillRef>
+      <a:effectRef idx="0">
+        <a:scrgbClr r="0" g="0" b="0"/>
+      </a:effectRef>
+      <a:fontRef idx="minor">
+        <a:schemeClr val="lt1"/>
+      </a:fontRef>
+    </dgm:style>
+  </dgm:styleLbl>
+  <dgm:styleLbl name="parChTrans2D4">
+    <dgm:scene3d>
+      <a:camera prst="orthographicFront"/>
+      <a:lightRig rig="threePt" dir="t"/>
+    </dgm:scene3d>
+    <dgm:sp3d/>
+    <dgm:txPr/>
+    <dgm:style>
+      <a:lnRef idx="2">
+        <a:scrgbClr r="0" g="0" b="0"/>
+      </a:lnRef>
+      <a:fillRef idx="1">
+        <a:scrgbClr r="0" g="0" b="0"/>
+      </a:fillRef>
+      <a:effectRef idx="0">
+        <a:scrgbClr r="0" g="0" b="0"/>
+      </a:effectRef>
+      <a:fontRef idx="minor">
+        <a:schemeClr val="lt1"/>
+      </a:fontRef>
+    </dgm:style>
+  </dgm:styleLbl>
+  <dgm:styleLbl name="parChTrans1D1">
+    <dgm:scene3d>
+      <a:camera prst="orthographicFront"/>
+      <a:lightRig rig="threePt" dir="t"/>
+    </dgm:scene3d>
+    <dgm:sp3d/>
+    <dgm:txPr/>
+    <dgm:style>
+      <a:lnRef idx="2">
+        <a:scrgbClr r="0" g="0" b="0"/>
+      </a:lnRef>
+      <a:fillRef idx="0">
+        <a:scrgbClr r="0" g="0" b="0"/>
+      </a:fillRef>
+      <a:effectRef idx="0">
+        <a:scrgbClr r="0" g="0" b="0"/>
+      </a:effectRef>
+      <a:fontRef idx="minor"/>
+    </dgm:style>
+  </dgm:styleLbl>
+  <dgm:styleLbl name="parChTrans1D2">
+    <dgm:scene3d>
+      <a:camera prst="orthographicFront"/>
+      <a:lightRig rig="threePt" dir="t"/>
+    </dgm:scene3d>
+    <dgm:sp3d/>
+    <dgm:txPr/>
+    <dgm:style>
+      <a:lnRef idx="2">
+        <a:scrgbClr r="0" g="0" b="0"/>
+      </a:lnRef>
+      <a:fillRef idx="0">
+        <a:scrgbClr r="0" g="0" b="0"/>
+      </a:fillRef>
+      <a:effectRef idx="0">
+        <a:scrgbClr r="0" g="0" b="0"/>
+      </a:effectRef>
+      <a:fontRef idx="minor"/>
+    </dgm:style>
+  </dgm:styleLbl>
+  <dgm:styleLbl name="parChTrans1D3">
+    <dgm:scene3d>
+      <a:camera prst="orthographicFront"/>
+      <a:lightRig rig="threePt" dir="t"/>
+    </dgm:scene3d>
+    <dgm:sp3d/>
+    <dgm:txPr/>
+    <dgm:style>
+      <a:lnRef idx="2">
+        <a:scrgbClr r="0" g="0" b="0"/>
+      </a:lnRef>
+      <a:fillRef idx="0">
+        <a:scrgbClr r="0" g="0" b="0"/>
+      </a:fillRef>
+      <a:effectRef idx="0">
+        <a:scrgbClr r="0" g="0" b="0"/>
+      </a:effectRef>
+      <a:fontRef idx="minor"/>
+    </dgm:style>
+  </dgm:styleLbl>
+  <dgm:styleLbl name="parChTrans1D4">
+    <dgm:scene3d>
+      <a:camera prst="orthographicFront"/>
+      <a:lightRig rig="threePt" dir="t"/>
+    </dgm:scene3d>
+    <dgm:sp3d/>
+    <dgm:txPr/>
+    <dgm:style>
+      <a:lnRef idx="2">
+        <a:scrgbClr r="0" g="0" b="0"/>
+      </a:lnRef>
+      <a:fillRef idx="0">
+        <a:scrgbClr r="0" g="0" b="0"/>
+      </a:fillRef>
+      <a:effectRef idx="0">
+        <a:scrgbClr r="0" g="0" b="0"/>
+      </a:effectRef>
+      <a:fontRef idx="minor"/>
+    </dgm:style>
+  </dgm:styleLbl>
+  <dgm:styleLbl name="fgAcc1">
+    <dgm:scene3d>
+      <a:camera prst="orthographicFront"/>
+      <a:lightRig rig="threePt" dir="t"/>
+    </dgm:scene3d>
+    <dgm:sp3d/>
+    <dgm:txPr/>
+    <dgm:style>
+      <a:lnRef idx="2">
+        <a:scrgbClr r="0" g="0" b="0"/>
+      </a:lnRef>
+      <a:fillRef idx="1">
+        <a:scrgbClr r="0" g="0" b="0"/>
+      </a:fillRef>
+      <a:effectRef idx="0">
+        <a:scrgbClr r="0" g="0" b="0"/>
+      </a:effectRef>
+      <a:fontRef idx="minor"/>
+    </dgm:style>
+  </dgm:styleLbl>
+  <dgm:styleLbl name="conFgAcc1">
+    <dgm:scene3d>
+      <a:camera prst="orthographicFront"/>
+      <a:lightRig rig="threePt" dir="t"/>
+    </dgm:scene3d>
+    <dgm:sp3d/>
+    <dgm:txPr/>
+    <dgm:style>
+      <a:lnRef idx="2">
+        <a:scrgbClr r="0" g="0" b="0"/>
+      </a:lnRef>
+      <a:fillRef idx="1">
+        <a:scrgbClr r="0" g="0" b="0"/>
+      </a:fillRef>
+      <a:effectRef idx="0">
+        <a:scrgbClr r="0" g="0" b="0"/>
+      </a:effectRef>
+      <a:fontRef idx="minor"/>
+    </dgm:style>
+  </dgm:styleLbl>
+  <dgm:styleLbl name="alignAcc1">
+    <dgm:scene3d>
+      <a:camera prst="orthographicFront"/>
+      <a:lightRig rig="threePt" dir="t"/>
+    </dgm:scene3d>
+    <dgm:sp3d/>
+    <dgm:txPr/>
+    <dgm:style>
+      <a:lnRef idx="2">
+        <a:scrgbClr r="0" g="0" b="0"/>
+      </a:lnRef>
+      <a:fillRef idx="1">
+        <a:scrgbClr r="0" g="0" b="0"/>
+      </a:fillRef>
+      <a:effectRef idx="0">
+        <a:scrgbClr r="0" g="0" b="0"/>
+      </a:effectRef>
+      <a:fontRef idx="minor"/>
+    </dgm:style>
+  </dgm:styleLbl>
+  <dgm:styleLbl name="trAlignAcc1">
+    <dgm:scene3d>
+      <a:camera prst="orthographicFront"/>
+      <a:lightRig rig="threePt" dir="t"/>
+    </dgm:scene3d>
+    <dgm:sp3d/>
+    <dgm:txPr/>
+    <dgm:style>
+      <a:lnRef idx="1">
+        <a:scrgbClr r="0" g="0" b="0"/>
+      </a:lnRef>
+      <a:fillRef idx="1">
+        <a:scrgbClr r="0" g="0" b="0"/>
+      </a:fillRef>
+      <a:effectRef idx="0">
+        <a:scrgbClr r="0" g="0" b="0"/>
+      </a:effectRef>
+      <a:fontRef idx="minor"/>
+    </dgm:style>
+  </dgm:styleLbl>
+  <dgm:styleLbl name="bgAcc1">
+    <dgm:scene3d>
+      <a:camera prst="orthographicFront"/>
+      <a:lightRig rig="threePt" dir="t"/>
+    </dgm:scene3d>
+    <dgm:sp3d/>
+    <dgm:txPr/>
+    <dgm:style>
+      <a:lnRef idx="2">
+        <a:scrgbClr r="0" g="0" b="0"/>
+      </a:lnRef>
+      <a:fillRef idx="1">
+        <a:scrgbClr r="0" g="0" b="0"/>
+      </a:fillRef>
+      <a:effectRef idx="0">
+        <a:scrgbClr r="0" g="0" b="0"/>
+      </a:effectRef>
+      <a:fontRef idx="minor"/>
+    </dgm:style>
+  </dgm:styleLbl>
+  <dgm:styleLbl name="solidFgAcc1">
+    <dgm:scene3d>
+      <a:camera prst="orthographicFront"/>
+      <a:lightRig rig="threePt" dir="t"/>
+    </dgm:scene3d>
+    <dgm:sp3d/>
+    <dgm:txPr/>
+    <dgm:style>
+      <a:lnRef idx="2">
+        <a:scrgbClr r="0" g="0" b="0"/>
+      </a:lnRef>
+      <a:fillRef idx="1">
+        <a:scrgbClr r="0" g="0" b="0"/>
+      </a:fillRef>
+      <a:effectRef idx="0">
+        <a:scrgbClr r="0" g="0" b="0"/>
+      </a:effectRef>
+      <a:fontRef idx="minor"/>
+    </dgm:style>
+  </dgm:styleLbl>
+  <dgm:styleLbl name="solidAlignAcc1">
+    <dgm:scene3d>
+      <a:camera prst="orthographicFront"/>
+      <a:lightRig rig="threePt" dir="t"/>
+    </dgm:scene3d>
+    <dgm:sp3d/>
+    <dgm:txPr/>
+    <dgm:style>
+      <a:lnRef idx="2">
+        <a:scrgbClr r="0" g="0" b="0"/>
+      </a:lnRef>
+      <a:fillRef idx="1">
+        <a:scrgbClr r="0" g="0" b="0"/>
+      </a:fillRef>
+      <a:effectRef idx="0">
+        <a:scrgbClr r="0" g="0" b="0"/>
+      </a:effectRef>
+      <a:fontRef idx="minor"/>
+    </dgm:style>
+  </dgm:styleLbl>
+  <dgm:styleLbl name="solidBgAcc1">
+    <dgm:scene3d>
+      <a:camera prst="orthographicFront"/>
+      <a:lightRig rig="threePt" dir="t"/>
+    </dgm:scene3d>
+    <dgm:sp3d/>
+    <dgm:txPr/>
+    <dgm:style>
+      <a:lnRef idx="2">
+        <a:scrgbClr r="0" g="0" b="0"/>
+      </a:lnRef>
+      <a:fillRef idx="1">
+        <a:scrgbClr r="0" g="0" b="0"/>
+      </a:fillRef>
+      <a:effectRef idx="0">
+        <a:scrgbClr r="0" g="0" b="0"/>
+      </a:effectRef>
+      <a:fontRef idx="minor"/>
+    </dgm:style>
+  </dgm:styleLbl>
+  <dgm:styleLbl name="fgAccFollowNode1">
+    <dgm:scene3d>
+      <a:camera prst="orthographicFront"/>
+      <a:lightRig rig="threePt" dir="t"/>
+    </dgm:scene3d>
+    <dgm:sp3d/>
+    <dgm:txPr/>
+    <dgm:style>
+      <a:lnRef idx="2">
+        <a:scrgbClr r="0" g="0" b="0"/>
+      </a:lnRef>
+      <a:fillRef idx="1">
+        <a:scrgbClr r="0" g="0" b="0"/>
+      </a:fillRef>
+      <a:effectRef idx="0">
+        <a:scrgbClr r="0" g="0" b="0"/>
+      </a:effectRef>
+      <a:fontRef idx="minor"/>
+    </dgm:style>
+  </dgm:styleLbl>
+  <dgm:styleLbl name="alignAccFollowNode1">
+    <dgm:scene3d>
+      <a:camera prst="orthographicFront"/>
+      <a:lightRig rig="threePt" dir="t"/>
+    </dgm:scene3d>
+    <dgm:sp3d/>
+    <dgm:txPr/>
+    <dgm:style>
+      <a:lnRef idx="2">
+        <a:scrgbClr r="0" g="0" b="0"/>
+      </a:lnRef>
+      <a:fillRef idx="1">
+        <a:scrgbClr r="0" g="0" b="0"/>
+      </a:fillRef>
+      <a:effectRef idx="0">
+        <a:scrgbClr r="0" g="0" b="0"/>
+      </a:effectRef>
+      <a:fontRef idx="minor"/>
+    </dgm:style>
+  </dgm:styleLbl>
+  <dgm:styleLbl name="bgAccFollowNode1">
+    <dgm:scene3d>
+      <a:camera prst="orthographicFront"/>
+      <a:lightRig rig="threePt" dir="t"/>
+    </dgm:scene3d>
+    <dgm:sp3d/>
+    <dgm:txPr/>
+    <dgm:style>
+      <a:lnRef idx="2">
+        <a:scrgbClr r="0" g="0" b="0"/>
+      </a:lnRef>
+      <a:fillRef idx="1">
+        <a:scrgbClr r="0" g="0" b="0"/>
+      </a:fillRef>
+      <a:effectRef idx="0">
+        <a:scrgbClr r="0" g="0" b="0"/>
+      </a:effectRef>
+      <a:fontRef idx="minor"/>
+    </dgm:style>
+  </dgm:styleLbl>
+  <dgm:styleLbl name="fgAcc0">
+    <dgm:scene3d>
+      <a:camera prst="orthographicFront"/>
+      <a:lightRig rig="threePt" dir="t"/>
+    </dgm:scene3d>
+    <dgm:sp3d/>
+    <dgm:txPr/>
+    <dgm:style>
+      <a:lnRef idx="2">
+        <a:scrgbClr r="0" g="0" b="0"/>
+      </a:lnRef>
+      <a:fillRef idx="1">
+        <a:scrgbClr r="0" g="0" b="0"/>
+      </a:fillRef>
+      <a:effectRef idx="0">
+        <a:scrgbClr r="0" g="0" b="0"/>
+      </a:effectRef>
+      <a:fontRef idx="minor"/>
+    </dgm:style>
+  </dgm:styleLbl>
+  <dgm:styleLbl name="fgAcc2">
+    <dgm:scene3d>
+      <a:camera prst="orthographicFront"/>
+      <a:lightRig rig="threePt" dir="t"/>
+    </dgm:scene3d>
+    <dgm:sp3d/>
+    <dgm:txPr/>
+    <dgm:style>
+      <a:lnRef idx="2">
+        <a:scrgbClr r="0" g="0" b="0"/>
+      </a:lnRef>
+      <a:fillRef idx="1">
+        <a:scrgbClr r="0" g="0" b="0"/>
+      </a:fillRef>
+      <a:effectRef idx="0">
+        <a:scrgbClr r="0" g="0" b="0"/>
+      </a:effectRef>
+      <a:fontRef idx="minor"/>
+    </dgm:style>
+  </dgm:styleLbl>
+  <dgm:styleLbl name="fgAcc3">
+    <dgm:scene3d>
+      <a:camera prst="orthographicFront"/>
+      <a:lightRig rig="threePt" dir="t"/>
+    </dgm:scene3d>
+    <dgm:sp3d/>
+    <dgm:txPr/>
+    <dgm:style>
+      <a:lnRef idx="2">
+        <a:scrgbClr r="0" g="0" b="0"/>
+      </a:lnRef>
+      <a:fillRef idx="1">
+        <a:scrgbClr r="0" g="0" b="0"/>
+      </a:fillRef>
+      <a:effectRef idx="0">
+        <a:scrgbClr r="0" g="0" b="0"/>
+      </a:effectRef>
+      <a:fontRef idx="minor"/>
+    </dgm:style>
+  </dgm:styleLbl>
+  <dgm:styleLbl name="fgAcc4">
+    <dgm:scene3d>
+      <a:camera prst="orthographicFront"/>
+      <a:lightRig rig="threePt" dir="t"/>
+    </dgm:scene3d>
+    <dgm:sp3d/>
+    <dgm:txPr/>
+    <dgm:style>
+      <a:lnRef idx="2">
+        <a:scrgbClr r="0" g="0" b="0"/>
+      </a:lnRef>
+      <a:fillRef idx="1">
+        <a:scrgbClr r="0" g="0" b="0"/>
+      </a:fillRef>
+      <a:effectRef idx="0">
+        <a:scrgbClr r="0" g="0" b="0"/>
+      </a:effectRef>
+      <a:fontRef idx="minor"/>
+    </dgm:style>
+  </dgm:styleLbl>
+  <dgm:styleLbl name="bgShp">
+    <dgm:scene3d>
+      <a:camera prst="orthographicFront"/>
+      <a:lightRig rig="threePt" dir="t"/>
+    </dgm:scene3d>
+    <dgm:sp3d/>
+    <dgm:txPr/>
+    <dgm:style>
+      <a:lnRef idx="0">
+        <a:scrgbClr r="0" g="0" b="0"/>
+      </a:lnRef>
+      <a:fillRef idx="1">
+        <a:scrgbClr r="0" g="0" b="0"/>
+      </a:fillRef>
+      <a:effectRef idx="0">
+        <a:scrgbClr r="0" g="0" b="0"/>
+      </a:effectRef>
+      <a:fontRef idx="minor"/>
+    </dgm:style>
+  </dgm:styleLbl>
+  <dgm:styleLbl name="dkBgShp">
+    <dgm:scene3d>
+      <a:camera prst="orthographicFront"/>
+      <a:lightRig rig="threePt" dir="t"/>
+    </dgm:scene3d>
+    <dgm:sp3d/>
+    <dgm:txPr/>
+    <dgm:style>
+      <a:lnRef idx="0">
+        <a:scrgbClr r="0" g="0" b="0"/>
+      </a:lnRef>
+      <a:fillRef idx="1">
+        <a:scrgbClr r="0" g="0" b="0"/>
+      </a:fillRef>
+      <a:effectRef idx="0">
+        <a:scrgbClr r="0" g="0" b="0"/>
+      </a:effectRef>
+      <a:fontRef idx="minor"/>
+    </dgm:style>
+  </dgm:styleLbl>
+  <dgm:styleLbl name="trBgShp">
+    <dgm:scene3d>
+      <a:camera prst="orthographicFront"/>
+      <a:lightRig rig="threePt" dir="t"/>
+    </dgm:scene3d>
+    <dgm:sp3d/>
+    <dgm:txPr/>
+    <dgm:style>
+      <a:lnRef idx="0">
+        <a:scrgbClr r="0" g="0" b="0"/>
+      </a:lnRef>
+      <a:fillRef idx="1">
+        <a:scrgbClr r="0" g="0" b="0"/>
+      </a:fillRef>
+      <a:effectRef idx="0">
+        <a:scrgbClr r="0" g="0" b="0"/>
+      </a:effectRef>
+      <a:fontRef idx="minor"/>
+    </dgm:style>
+  </dgm:styleLbl>
+  <dgm:styleLbl name="fgShp">
+    <dgm:scene3d>
+      <a:camera prst="orthographicFront"/>
+      <a:lightRig rig="threePt" dir="t"/>
+    </dgm:scene3d>
+    <dgm:sp3d/>
+    <dgm:txPr/>
+    <dgm:style>
+      <a:lnRef idx="2">
+        <a:scrgbClr r="0" g="0" b="0"/>
+      </a:lnRef>
+      <a:fillRef idx="1">
+        <a:scrgbClr r="0" g="0" b="0"/>
+      </a:fillRef>
+      <a:effectRef idx="0">
+        <a:scrgbClr r="0" g="0" b="0"/>
+      </a:effectRef>
+      <a:fontRef idx="minor"/>
+    </dgm:style>
+  </dgm:styleLbl>
+  <dgm:styleLbl name="revTx">
+    <dgm:scene3d>
+      <a:camera prst="orthographicFront"/>
+      <a:lightRig rig="threePt" dir="t"/>
+    </dgm:scene3d>
+    <dgm:sp3d/>
+    <dgm:txPr/>
+    <dgm:style>
+      <a:lnRef idx="0">
+        <a:scrgbClr r="0" g="0" b="0"/>
+      </a:lnRef>
+      <a:fillRef idx="0">
+        <a:scrgbClr r="0" g="0" b="0"/>
+      </a:fillRef>
+      <a:effectRef idx="0">
+        <a:scrgbClr r="0" g="0" b="0"/>
+      </a:effectRef>
+      <a:fontRef idx="minor"/>
+    </dgm:style>
+  </dgm:styleLbl>
+</dgm:styleDef>
+</file>
+
 <file path=ppt/notesMasters/notesMaster1.xml><?xml version="1.0" encoding="utf-8"?>
 <p:notesMaster xmlns:a="http://schemas.openxmlformats.org/drawingml/2006/main" xmlns:r="http://schemas.openxmlformats.org/officeDocument/2006/relationships" xmlns:p="http://schemas.openxmlformats.org/presentationml/2006/main">
   <p:cSld>
@@ -2772,7 +5547,7 @@
             <a:fld id="{46E2045A-045A-4BC7-A4D3-1395440B1C3D}" type="datetimeFigureOut">
               <a:rPr lang="en-US" smtClean="0"/>
               <a:pPr/>
-              <a:t>3/20/2024</a:t>
+              <a:t>8/8/2024</a:t>
             </a:fld>
             <a:endParaRPr lang="en-US"/>
           </a:p>
@@ -3103,7 +5878,7 @@
             <a:fld id="{CA8F1D18-9638-4932-8910-B6EDCB447AA8}" type="slidenum">
               <a:rPr lang="en-US" smtClean="0"/>
               <a:pPr/>
-              <a:t>10</a:t>
+              <a:t>12</a:t>
             </a:fld>
             <a:endParaRPr lang="en-US"/>
           </a:p>
@@ -6691,6 +9466,1257 @@
 <file path=ppt/slides/slide10.xml><?xml version="1.0" encoding="utf-8"?>
 <p:sld xmlns:a="http://schemas.openxmlformats.org/drawingml/2006/main" xmlns:r="http://schemas.openxmlformats.org/officeDocument/2006/relationships" xmlns:p="http://schemas.openxmlformats.org/presentationml/2006/main">
   <p:cSld>
+    <p:bg>
+      <p:bgPr>
+        <a:solidFill>
+          <a:schemeClr val="bg1"/>
+        </a:solidFill>
+        <a:effectLst/>
+      </p:bgPr>
+    </p:bg>
+    <p:spTree>
+      <p:nvGrpSpPr>
+        <p:cNvPr id="1" name=""/>
+        <p:cNvGrpSpPr/>
+        <p:nvPr/>
+      </p:nvGrpSpPr>
+      <p:grpSpPr>
+        <a:xfrm>
+          <a:off x="0" y="0"/>
+          <a:ext cx="0" cy="0"/>
+          <a:chOff x="0" y="0"/>
+          <a:chExt cx="0" cy="0"/>
+        </a:xfrm>
+      </p:grpSpPr>
+      <p:sp useBgFill="1">
+        <p:nvSpPr>
+          <p:cNvPr id="8" name="Rectangle 7">
+            <a:extLst>
+              <a:ext uri="{FF2B5EF4-FFF2-40B4-BE49-F238E27FC236}">
+                <a16:creationId xmlns:a16="http://schemas.microsoft.com/office/drawing/2014/main" id="{C7FA33FF-088D-4F16-95A2-2C64D353DEA8}"/>
+              </a:ext>
+              <a:ext uri="{C183D7F6-B498-43B3-948B-1728B52AA6E4}">
+                <adec:decorative xmlns:adec="http://schemas.microsoft.com/office/drawing/2017/decorative" val="1"/>
+              </a:ext>
+            </a:extLst>
+          </p:cNvPr>
+          <p:cNvSpPr>
+            <a:spLocks noGrp="1" noRot="1" noChangeAspect="1" noMove="1" noResize="1" noEditPoints="1" noAdjustHandles="1" noChangeArrowheads="1" noChangeShapeType="1" noTextEdit="1"/>
+          </p:cNvSpPr>
+          <p:nvPr>
+            <p:extLst>
+              <p:ext uri="{386F3935-93C4-4BCD-93E2-E3B085C9AB24}">
+                <p16:designElem xmlns:p16="http://schemas.microsoft.com/office/powerpoint/2015/main" val="1"/>
+              </p:ext>
+            </p:extLst>
+          </p:nvPr>
+        </p:nvSpPr>
+        <p:spPr>
+          <a:xfrm>
+            <a:off x="1143" y="0"/>
+            <a:ext cx="9141714" cy="6858000"/>
+          </a:xfrm>
+          <a:prstGeom prst="rect">
+            <a:avLst/>
+          </a:prstGeom>
+          <a:ln>
+            <a:noFill/>
+          </a:ln>
+        </p:spPr>
+        <p:style>
+          <a:lnRef idx="2">
+            <a:schemeClr val="accent1">
+              <a:shade val="50000"/>
+            </a:schemeClr>
+          </a:lnRef>
+          <a:fillRef idx="1">
+            <a:schemeClr val="accent1"/>
+          </a:fillRef>
+          <a:effectRef idx="0">
+            <a:schemeClr val="accent1"/>
+          </a:effectRef>
+          <a:fontRef idx="minor">
+            <a:schemeClr val="lt1"/>
+          </a:fontRef>
+        </p:style>
+        <p:txBody>
+          <a:bodyPr rtlCol="0" anchor="ctr"/>
+          <a:lstStyle/>
+          <a:p>
+            <a:pPr marL="0" marR="0" lvl="0" indent="0" algn="ctr" defTabSz="914400" rtl="0" eaLnBrk="1" fontAlgn="auto" latinLnBrk="0" hangingPunct="1">
+              <a:lnSpc>
+                <a:spcPct val="100000"/>
+              </a:lnSpc>
+              <a:spcBef>
+                <a:spcPts val="0"/>
+              </a:spcBef>
+              <a:spcAft>
+                <a:spcPts val="0"/>
+              </a:spcAft>
+              <a:buClrTx/>
+              <a:buSzTx/>
+              <a:buFontTx/>
+              <a:buNone/>
+              <a:tabLst/>
+              <a:defRPr/>
+            </a:pPr>
+            <a:endParaRPr kumimoji="0" lang="en-US" sz="1800" b="0" i="0" u="none" strike="noStrike" kern="1200" cap="none" spc="0" normalizeH="0" baseline="0" noProof="0">
+              <a:ln>
+                <a:noFill/>
+              </a:ln>
+              <a:solidFill>
+                <a:prstClr val="white"/>
+              </a:solidFill>
+              <a:effectLst/>
+              <a:uLnTx/>
+              <a:uFillTx/>
+              <a:latin typeface="Calibri" panose="020F0502020204030204"/>
+              <a:ea typeface="+mn-ea"/>
+              <a:cs typeface="+mn-cs"/>
+            </a:endParaRPr>
+          </a:p>
+        </p:txBody>
+      </p:sp>
+      <p:sp>
+        <p:nvSpPr>
+          <p:cNvPr id="10" name="Rectangle 9">
+            <a:extLst>
+              <a:ext uri="{FF2B5EF4-FFF2-40B4-BE49-F238E27FC236}">
+                <a16:creationId xmlns:a16="http://schemas.microsoft.com/office/drawing/2014/main" id="{A376EFB1-01CF-419F-ABF1-2AF02BBFCBD1}"/>
+              </a:ext>
+              <a:ext uri="{C183D7F6-B498-43B3-948B-1728B52AA6E4}">
+                <adec:decorative xmlns:adec="http://schemas.microsoft.com/office/drawing/2017/decorative" val="1"/>
+              </a:ext>
+            </a:extLst>
+          </p:cNvPr>
+          <p:cNvSpPr>
+            <a:spLocks noGrp="1" noRot="1" noChangeAspect="1" noMove="1" noResize="1" noEditPoints="1" noAdjustHandles="1" noChangeArrowheads="1" noChangeShapeType="1" noTextEdit="1"/>
+          </p:cNvSpPr>
+          <p:nvPr>
+            <p:extLst>
+              <p:ext uri="{386F3935-93C4-4BCD-93E2-E3B085C9AB24}">
+                <p16:designElem xmlns:p16="http://schemas.microsoft.com/office/powerpoint/2015/main" val="1"/>
+              </p:ext>
+            </p:extLst>
+          </p:nvPr>
+        </p:nvSpPr>
+        <p:spPr>
+          <a:xfrm>
+            <a:off x="0" y="0"/>
+            <a:ext cx="3531870" cy="6858000"/>
+          </a:xfrm>
+          <a:prstGeom prst="rect">
+            <a:avLst/>
+          </a:prstGeom>
+          <a:solidFill>
+            <a:schemeClr val="tx1">
+              <a:alpha val="81000"/>
+            </a:schemeClr>
+          </a:solidFill>
+          <a:ln>
+            <a:noFill/>
+          </a:ln>
+        </p:spPr>
+        <p:style>
+          <a:lnRef idx="2">
+            <a:schemeClr val="accent1">
+              <a:shade val="50000"/>
+            </a:schemeClr>
+          </a:lnRef>
+          <a:fillRef idx="1">
+            <a:schemeClr val="accent1"/>
+          </a:fillRef>
+          <a:effectRef idx="0">
+            <a:schemeClr val="accent1"/>
+          </a:effectRef>
+          <a:fontRef idx="minor">
+            <a:schemeClr val="lt1"/>
+          </a:fontRef>
+        </p:style>
+        <p:txBody>
+          <a:bodyPr rtlCol="0" anchor="ctr"/>
+          <a:lstStyle/>
+          <a:p>
+            <a:pPr marL="0" marR="0" lvl="0" indent="0" algn="ctr" defTabSz="914400" rtl="0" eaLnBrk="1" fontAlgn="auto" latinLnBrk="0" hangingPunct="1">
+              <a:lnSpc>
+                <a:spcPct val="100000"/>
+              </a:lnSpc>
+              <a:spcBef>
+                <a:spcPts val="0"/>
+              </a:spcBef>
+              <a:spcAft>
+                <a:spcPts val="0"/>
+              </a:spcAft>
+              <a:buClrTx/>
+              <a:buSzTx/>
+              <a:buFontTx/>
+              <a:buNone/>
+              <a:tabLst/>
+              <a:defRPr/>
+            </a:pPr>
+            <a:endParaRPr kumimoji="0" lang="en-US" sz="1800" b="0" i="0" u="none" strike="noStrike" kern="1200" cap="none" spc="0" normalizeH="0" baseline="0" noProof="0">
+              <a:ln>
+                <a:noFill/>
+              </a:ln>
+              <a:solidFill>
+                <a:prstClr val="white"/>
+              </a:solidFill>
+              <a:effectLst/>
+              <a:uLnTx/>
+              <a:uFillTx/>
+              <a:latin typeface="Calibri" panose="020F0502020204030204"/>
+              <a:ea typeface="+mn-ea"/>
+              <a:cs typeface="+mn-cs"/>
+            </a:endParaRPr>
+          </a:p>
+        </p:txBody>
+      </p:sp>
+      <p:sp>
+        <p:nvSpPr>
+          <p:cNvPr id="12" name="Freeform: Shape 11">
+            <a:extLst>
+              <a:ext uri="{FF2B5EF4-FFF2-40B4-BE49-F238E27FC236}">
+                <a16:creationId xmlns:a16="http://schemas.microsoft.com/office/drawing/2014/main" id="{FF9DEA15-78BD-4750-AA18-B9F28A6D5AB8}"/>
+              </a:ext>
+              <a:ext uri="{C183D7F6-B498-43B3-948B-1728B52AA6E4}">
+                <adec:decorative xmlns:adec="http://schemas.microsoft.com/office/drawing/2017/decorative" val="1"/>
+              </a:ext>
+            </a:extLst>
+          </p:cNvPr>
+          <p:cNvSpPr>
+            <a:spLocks noGrp="1" noRot="1" noChangeAspect="1" noMove="1" noResize="1" noEditPoints="1" noAdjustHandles="1" noChangeArrowheads="1" noChangeShapeType="1" noTextEdit="1"/>
+          </p:cNvSpPr>
+          <p:nvPr>
+            <p:extLst>
+              <p:ext uri="{386F3935-93C4-4BCD-93E2-E3B085C9AB24}">
+                <p16:designElem xmlns:p16="http://schemas.microsoft.com/office/powerpoint/2015/main" val="1"/>
+              </p:ext>
+            </p:extLst>
+          </p:nvPr>
+        </p:nvSpPr>
+        <p:spPr>
+          <a:xfrm>
+            <a:off x="0" y="0"/>
+            <a:ext cx="2463248" cy="6858000"/>
+          </a:xfrm>
+          <a:custGeom>
+            <a:avLst/>
+            <a:gdLst>
+              <a:gd name="connsiteX0" fmla="*/ 0 w 4319042"/>
+              <a:gd name="connsiteY0" fmla="*/ 0 h 6858000"/>
+              <a:gd name="connsiteX1" fmla="*/ 1142888 w 4319042"/>
+              <a:gd name="connsiteY1" fmla="*/ 0 h 6858000"/>
+              <a:gd name="connsiteX2" fmla="*/ 4319042 w 4319042"/>
+              <a:gd name="connsiteY2" fmla="*/ 6858000 h 6858000"/>
+              <a:gd name="connsiteX3" fmla="*/ 0 w 4319042"/>
+              <a:gd name="connsiteY3" fmla="*/ 6858000 h 6858000"/>
+            </a:gdLst>
+            <a:ahLst/>
+            <a:cxnLst>
+              <a:cxn ang="0">
+                <a:pos x="connsiteX0" y="connsiteY0"/>
+              </a:cxn>
+              <a:cxn ang="0">
+                <a:pos x="connsiteX1" y="connsiteY1"/>
+              </a:cxn>
+              <a:cxn ang="0">
+                <a:pos x="connsiteX2" y="connsiteY2"/>
+              </a:cxn>
+              <a:cxn ang="0">
+                <a:pos x="connsiteX3" y="connsiteY3"/>
+              </a:cxn>
+            </a:cxnLst>
+            <a:rect l="l" t="t" r="r" b="b"/>
+            <a:pathLst>
+              <a:path w="4319042" h="6858000">
+                <a:moveTo>
+                  <a:pt x="0" y="0"/>
+                </a:moveTo>
+                <a:lnTo>
+                  <a:pt x="1142888" y="0"/>
+                </a:lnTo>
+                <a:lnTo>
+                  <a:pt x="4319042" y="6858000"/>
+                </a:lnTo>
+                <a:lnTo>
+                  <a:pt x="0" y="6858000"/>
+                </a:lnTo>
+                <a:close/>
+              </a:path>
+            </a:pathLst>
+          </a:custGeom>
+          <a:solidFill>
+            <a:schemeClr val="tx1">
+              <a:alpha val="35000"/>
+            </a:schemeClr>
+          </a:solidFill>
+          <a:ln>
+            <a:noFill/>
+          </a:ln>
+        </p:spPr>
+        <p:style>
+          <a:lnRef idx="2">
+            <a:schemeClr val="accent1">
+              <a:shade val="50000"/>
+            </a:schemeClr>
+          </a:lnRef>
+          <a:fillRef idx="1">
+            <a:schemeClr val="accent1"/>
+          </a:fillRef>
+          <a:effectRef idx="0">
+            <a:schemeClr val="accent1"/>
+          </a:effectRef>
+          <a:fontRef idx="minor">
+            <a:schemeClr val="lt1"/>
+          </a:fontRef>
+        </p:style>
+        <p:txBody>
+          <a:bodyPr wrap="square" rtlCol="0" anchor="ctr">
+            <a:noAutofit/>
+          </a:bodyPr>
+          <a:lstStyle/>
+          <a:p>
+            <a:pPr marL="0" marR="0" lvl="0" indent="0" algn="ctr" defTabSz="914400" rtl="0" eaLnBrk="1" fontAlgn="auto" latinLnBrk="0" hangingPunct="1">
+              <a:lnSpc>
+                <a:spcPct val="100000"/>
+              </a:lnSpc>
+              <a:spcBef>
+                <a:spcPts val="0"/>
+              </a:spcBef>
+              <a:spcAft>
+                <a:spcPts val="0"/>
+              </a:spcAft>
+              <a:buClrTx/>
+              <a:buSzTx/>
+              <a:buFontTx/>
+              <a:buNone/>
+              <a:tabLst/>
+              <a:defRPr/>
+            </a:pPr>
+            <a:endParaRPr kumimoji="0" lang="en-US" sz="1800" b="0" i="0" u="none" strike="noStrike" kern="1200" cap="none" spc="0" normalizeH="0" baseline="0" noProof="0">
+              <a:ln>
+                <a:noFill/>
+              </a:ln>
+              <a:solidFill>
+                <a:prstClr val="white"/>
+              </a:solidFill>
+              <a:effectLst/>
+              <a:uLnTx/>
+              <a:uFillTx/>
+              <a:latin typeface="Calibri" panose="020F0502020204030204"/>
+              <a:ea typeface="+mn-ea"/>
+              <a:cs typeface="+mn-cs"/>
+            </a:endParaRPr>
+          </a:p>
+        </p:txBody>
+      </p:sp>
+      <p:sp>
+        <p:nvSpPr>
+          <p:cNvPr id="2" name="Title 1">
+            <a:extLst>
+              <a:ext uri="{FF2B5EF4-FFF2-40B4-BE49-F238E27FC236}">
+                <a16:creationId xmlns:a16="http://schemas.microsoft.com/office/drawing/2014/main" id="{B97AF7D7-48F3-4CC0-89F9-14A70C49FFC5}"/>
+              </a:ext>
+            </a:extLst>
+          </p:cNvPr>
+          <p:cNvSpPr>
+            <a:spLocks noGrp="1"/>
+          </p:cNvSpPr>
+          <p:nvPr>
+            <p:ph type="title"/>
+          </p:nvPr>
+        </p:nvSpPr>
+        <p:spPr>
+          <a:xfrm>
+            <a:off x="603504" y="640080"/>
+            <a:ext cx="2462022" cy="5257800"/>
+          </a:xfrm>
+        </p:spPr>
+        <p:txBody>
+          <a:bodyPr>
+            <a:normAutofit/>
+          </a:bodyPr>
+          <a:lstStyle/>
+          <a:p>
+            <a:r>
+              <a:rPr lang="en-US" sz="3700">
+                <a:solidFill>
+                  <a:schemeClr val="bg1"/>
+                </a:solidFill>
+              </a:rPr>
+              <a:t>Methods for Adversarial Games</a:t>
+            </a:r>
+          </a:p>
+        </p:txBody>
+      </p:sp>
+      <p:sp>
+        <p:nvSpPr>
+          <p:cNvPr id="3" name="Content Placeholder 2">
+            <a:extLst>
+              <a:ext uri="{FF2B5EF4-FFF2-40B4-BE49-F238E27FC236}">
+                <a16:creationId xmlns:a16="http://schemas.microsoft.com/office/drawing/2014/main" id="{60DC2DFB-044D-434A-9634-A2762FA456AE}"/>
+              </a:ext>
+            </a:extLst>
+          </p:cNvPr>
+          <p:cNvSpPr>
+            <a:spLocks noGrp="1"/>
+          </p:cNvSpPr>
+          <p:nvPr>
+            <p:ph idx="1"/>
+          </p:nvPr>
+        </p:nvSpPr>
+        <p:spPr>
+          <a:xfrm>
+            <a:off x="4018788" y="640081"/>
+            <a:ext cx="4518490" cy="5257800"/>
+          </a:xfrm>
+        </p:spPr>
+        <p:txBody>
+          <a:bodyPr anchor="ctr">
+            <a:normAutofit/>
+          </a:bodyPr>
+          <a:lstStyle/>
+          <a:p>
+            <a:pPr marL="0" indent="0">
+              <a:buNone/>
+            </a:pPr>
+            <a:r>
+              <a:rPr lang="en-US" sz="1600" b="1" dirty="0"/>
+              <a:t>Exact Methods</a:t>
+            </a:r>
+          </a:p>
+          <a:p>
+            <a:r>
+              <a:rPr lang="en-US" sz="1600" b="1" dirty="0"/>
+              <a:t>Model as nondeterministic actions</a:t>
+            </a:r>
+            <a:r>
+              <a:rPr lang="en-US" sz="1600" dirty="0"/>
+              <a:t>: The opponent is seen as part of an environment with nondeterministic actions. Non-determinism is the result of the unknown moves by the opponent. We</a:t>
+            </a:r>
+            <a:r>
+              <a:rPr lang="en-US" sz="1600" b="1" dirty="0"/>
+              <a:t> consider all possible moves</a:t>
+            </a:r>
+            <a:r>
+              <a:rPr lang="en-US" sz="1600" dirty="0"/>
+              <a:t> by the opponent.</a:t>
+            </a:r>
+          </a:p>
+          <a:p>
+            <a:r>
+              <a:rPr lang="en-US" sz="1600" b="1" dirty="0">
+                <a:solidFill>
+                  <a:schemeClr val="bg1">
+                    <a:lumMod val="75000"/>
+                  </a:schemeClr>
+                </a:solidFill>
+              </a:rPr>
+              <a:t>Find optimal decisions</a:t>
+            </a:r>
+            <a:r>
+              <a:rPr lang="en-US" sz="1600" dirty="0">
+                <a:solidFill>
+                  <a:schemeClr val="bg1">
+                    <a:lumMod val="75000"/>
+                  </a:schemeClr>
+                </a:solidFill>
+              </a:rPr>
+              <a:t>: Minimax search and Alpha-Beta pruning where </a:t>
+            </a:r>
+            <a:r>
+              <a:rPr lang="en-US" sz="1600" b="1" dirty="0">
+                <a:solidFill>
+                  <a:schemeClr val="bg1">
+                    <a:lumMod val="75000"/>
+                  </a:schemeClr>
+                </a:solidFill>
+              </a:rPr>
+              <a:t>each player plays optimal </a:t>
+            </a:r>
+            <a:r>
+              <a:rPr lang="en-US" sz="1600" dirty="0">
+                <a:solidFill>
+                  <a:schemeClr val="bg1">
+                    <a:lumMod val="75000"/>
+                  </a:schemeClr>
+                </a:solidFill>
+              </a:rPr>
+              <a:t>to the end of the game.</a:t>
+            </a:r>
+          </a:p>
+          <a:p>
+            <a:pPr marL="0" indent="0">
+              <a:buNone/>
+            </a:pPr>
+            <a:endParaRPr lang="en-US" sz="1600" b="1" dirty="0">
+              <a:solidFill>
+                <a:schemeClr val="bg1">
+                  <a:lumMod val="75000"/>
+                </a:schemeClr>
+              </a:solidFill>
+            </a:endParaRPr>
+          </a:p>
+          <a:p>
+            <a:pPr marL="0" indent="0">
+              <a:buNone/>
+            </a:pPr>
+            <a:r>
+              <a:rPr lang="en-US" sz="1600" b="1" dirty="0">
+                <a:solidFill>
+                  <a:schemeClr val="bg1">
+                    <a:lumMod val="75000"/>
+                  </a:schemeClr>
+                </a:solidFill>
+              </a:rPr>
+              <a:t>Heuristic Methods </a:t>
+            </a:r>
+            <a:br>
+              <a:rPr lang="en-US" sz="1600" b="1" dirty="0">
+                <a:solidFill>
+                  <a:schemeClr val="bg1">
+                    <a:lumMod val="75000"/>
+                  </a:schemeClr>
+                </a:solidFill>
+              </a:rPr>
+            </a:br>
+            <a:r>
+              <a:rPr lang="en-US" sz="1600" dirty="0">
+                <a:solidFill>
+                  <a:schemeClr val="bg1">
+                    <a:lumMod val="75000"/>
+                  </a:schemeClr>
+                </a:solidFill>
+              </a:rPr>
+              <a:t>(game tree is too large)</a:t>
+            </a:r>
+          </a:p>
+          <a:p>
+            <a:r>
+              <a:rPr lang="en-US" sz="1600" b="1" dirty="0">
+                <a:solidFill>
+                  <a:schemeClr val="bg1">
+                    <a:lumMod val="75000"/>
+                  </a:schemeClr>
+                </a:solidFill>
+              </a:rPr>
+              <a:t>Heuristic Alpha-Beta Tree Search</a:t>
+            </a:r>
+            <a:r>
+              <a:rPr lang="en-US" sz="1600" dirty="0">
+                <a:solidFill>
+                  <a:schemeClr val="bg1">
+                    <a:lumMod val="75000"/>
+                  </a:schemeClr>
+                </a:solidFill>
+              </a:rPr>
+              <a:t>: </a:t>
+            </a:r>
+          </a:p>
+          <a:p>
+            <a:pPr marL="914400" lvl="1" indent="-457200">
+              <a:buFont typeface="+mj-lt"/>
+              <a:buAutoNum type="alphaLcPeriod"/>
+            </a:pPr>
+            <a:r>
+              <a:rPr lang="en-US" sz="1600" dirty="0">
+                <a:solidFill>
+                  <a:schemeClr val="bg1">
+                    <a:lumMod val="75000"/>
+                  </a:schemeClr>
+                </a:solidFill>
+              </a:rPr>
+              <a:t>Cut off game tree and use heuristic for utility. </a:t>
+            </a:r>
+          </a:p>
+          <a:p>
+            <a:pPr marL="914400" lvl="1" indent="-457200">
+              <a:buFont typeface="+mj-lt"/>
+              <a:buAutoNum type="alphaLcPeriod"/>
+            </a:pPr>
+            <a:r>
+              <a:rPr lang="en-US" sz="1600" dirty="0">
+                <a:solidFill>
+                  <a:schemeClr val="bg1">
+                    <a:lumMod val="75000"/>
+                  </a:schemeClr>
+                </a:solidFill>
+              </a:rPr>
+              <a:t>Forward Pruning: ignore poor moves.</a:t>
+            </a:r>
+          </a:p>
+          <a:p>
+            <a:r>
+              <a:rPr lang="en-US" sz="1600" b="1" dirty="0">
+                <a:solidFill>
+                  <a:schemeClr val="bg1">
+                    <a:lumMod val="75000"/>
+                  </a:schemeClr>
+                </a:solidFill>
+              </a:rPr>
+              <a:t>Monte Carlo Tree search</a:t>
+            </a:r>
+            <a:r>
+              <a:rPr lang="en-US" sz="1600" dirty="0">
+                <a:solidFill>
+                  <a:schemeClr val="bg1">
+                    <a:lumMod val="75000"/>
+                  </a:schemeClr>
+                </a:solidFill>
+              </a:rPr>
+              <a:t>: Estimate utility of a state by simulating complete games and average the utility.</a:t>
+            </a:r>
+          </a:p>
+          <a:p>
+            <a:endParaRPr lang="en-US" sz="1600" dirty="0"/>
+          </a:p>
+        </p:txBody>
+      </p:sp>
+    </p:spTree>
+    <p:extLst>
+      <p:ext uri="{BB962C8B-B14F-4D97-AF65-F5344CB8AC3E}">
+        <p14:creationId xmlns:p14="http://schemas.microsoft.com/office/powerpoint/2010/main" val="870312030"/>
+      </p:ext>
+    </p:extLst>
+  </p:cSld>
+  <p:clrMapOvr>
+    <a:masterClrMapping/>
+  </p:clrMapOvr>
+</p:sld>
+</file>
+
+<file path=ppt/slides/slide11.xml><?xml version="1.0" encoding="utf-8"?>
+<p:sld xmlns:a="http://schemas.openxmlformats.org/drawingml/2006/main" xmlns:r="http://schemas.openxmlformats.org/officeDocument/2006/relationships" xmlns:p="http://schemas.openxmlformats.org/presentationml/2006/main">
+  <p:cSld>
+    <p:spTree>
+      <p:nvGrpSpPr>
+        <p:cNvPr id="1" name=""/>
+        <p:cNvGrpSpPr/>
+        <p:nvPr/>
+      </p:nvGrpSpPr>
+      <p:grpSpPr>
+        <a:xfrm>
+          <a:off x="0" y="0"/>
+          <a:ext cx="0" cy="0"/>
+          <a:chOff x="0" y="0"/>
+          <a:chExt cx="0" cy="0"/>
+        </a:xfrm>
+      </p:grpSpPr>
+      <p:sp>
+        <p:nvSpPr>
+          <p:cNvPr id="2" name="Speech Bubble: Rectangle 1">
+            <a:extLst>
+              <a:ext uri="{FF2B5EF4-FFF2-40B4-BE49-F238E27FC236}">
+                <a16:creationId xmlns:a16="http://schemas.microsoft.com/office/drawing/2014/main" id="{F0DF4C3C-B98A-4A79-9C13-8AE44680CC92}"/>
+              </a:ext>
+            </a:extLst>
+          </p:cNvPr>
+          <p:cNvSpPr/>
+          <p:nvPr/>
+        </p:nvSpPr>
+        <p:spPr>
+          <a:xfrm>
+            <a:off x="4495800" y="3886200"/>
+            <a:ext cx="4419600" cy="900111"/>
+          </a:xfrm>
+          <a:prstGeom prst="wedgeRectCallout">
+            <a:avLst>
+              <a:gd name="adj1" fmla="val -74067"/>
+              <a:gd name="adj2" fmla="val -72882"/>
+            </a:avLst>
+          </a:prstGeom>
+        </p:spPr>
+        <p:style>
+          <a:lnRef idx="3">
+            <a:schemeClr val="lt1"/>
+          </a:lnRef>
+          <a:fillRef idx="1">
+            <a:schemeClr val="accent6"/>
+          </a:fillRef>
+          <a:effectRef idx="1">
+            <a:schemeClr val="accent6"/>
+          </a:effectRef>
+          <a:fontRef idx="minor">
+            <a:schemeClr val="lt1"/>
+          </a:fontRef>
+        </p:style>
+        <p:txBody>
+          <a:bodyPr rtlCol="0" anchor="ctr"/>
+          <a:lstStyle/>
+          <a:p>
+            <a:r>
+              <a:rPr lang="en-US" dirty="0"/>
+              <a:t>Each action consists of the move by the player and all possible (i.e., nondeterministic) responses by the opponent.</a:t>
+            </a:r>
+          </a:p>
+        </p:txBody>
+      </p:sp>
+      <p:sp>
+        <p:nvSpPr>
+          <p:cNvPr id="4" name="Title 3">
+            <a:extLst>
+              <a:ext uri="{FF2B5EF4-FFF2-40B4-BE49-F238E27FC236}">
+                <a16:creationId xmlns:a16="http://schemas.microsoft.com/office/drawing/2014/main" id="{5BB004D9-BB78-4C90-99E9-26B51D24751A}"/>
+              </a:ext>
+            </a:extLst>
+          </p:cNvPr>
+          <p:cNvSpPr>
+            <a:spLocks noGrp="1"/>
+          </p:cNvSpPr>
+          <p:nvPr>
+            <p:ph type="title"/>
+          </p:nvPr>
+        </p:nvSpPr>
+        <p:spPr>
+          <a:xfrm>
+            <a:off x="628650" y="365126"/>
+            <a:ext cx="7886700" cy="1325563"/>
+          </a:xfrm>
+        </p:spPr>
+        <p:txBody>
+          <a:bodyPr/>
+          <a:lstStyle/>
+          <a:p>
+            <a:r>
+              <a:rPr lang="en-US" dirty="0"/>
+              <a:t>Recall: Nondeterministic Actions</a:t>
+            </a:r>
+          </a:p>
+        </p:txBody>
+      </p:sp>
+      <mc:AlternateContent xmlns:mc="http://schemas.openxmlformats.org/markup-compatibility/2006" xmlns:a14="http://schemas.microsoft.com/office/drawing/2010/main">
+        <mc:Choice Requires="a14">
+          <p:sp>
+            <p:nvSpPr>
+              <p:cNvPr id="5" name="Content Placeholder 4">
+                <a:extLst>
+                  <a:ext uri="{FF2B5EF4-FFF2-40B4-BE49-F238E27FC236}">
+                    <a16:creationId xmlns:a16="http://schemas.microsoft.com/office/drawing/2014/main" id="{A98A81B8-EC8C-4D15-A4D6-463770E10AC9}"/>
+                  </a:ext>
+                </a:extLst>
+              </p:cNvPr>
+              <p:cNvSpPr>
+                <a:spLocks noGrp="1"/>
+              </p:cNvSpPr>
+              <p:nvPr>
+                <p:ph idx="1"/>
+              </p:nvPr>
+            </p:nvSpPr>
+            <p:spPr>
+              <a:xfrm>
+                <a:off x="628650" y="1690689"/>
+                <a:ext cx="7886700" cy="4802185"/>
+              </a:xfrm>
+            </p:spPr>
+            <p:txBody>
+              <a:bodyPr>
+                <a:normAutofit fontScale="85000" lnSpcReduction="20000"/>
+              </a:bodyPr>
+              <a:lstStyle/>
+              <a:p>
+                <a:pPr marL="0" indent="0">
+                  <a:buNone/>
+                </a:pPr>
+                <a:r>
+                  <a:rPr lang="en-US" dirty="0"/>
+                  <a:t>For </a:t>
+                </a:r>
+                <a:r>
+                  <a:rPr lang="en-US" b="1" dirty="0"/>
+                  <a:t>planning</a:t>
+                </a:r>
+                <a:r>
+                  <a:rPr lang="en-US" dirty="0"/>
+                  <a:t>, we do not know what the opponents moves will be. We have already modeled this issue using nondeterministic actions.</a:t>
+                </a:r>
+              </a:p>
+              <a:p>
+                <a:pPr marL="0" indent="0">
+                  <a:buNone/>
+                </a:pPr>
+                <a:endParaRPr lang="en-US" dirty="0"/>
+              </a:p>
+              <a:p>
+                <a:pPr marL="0" indent="0">
+                  <a:buNone/>
+                </a:pPr>
+                <a:r>
+                  <a:rPr lang="en-US" dirty="0"/>
+                  <a:t>Outcome of actions in the environment is nondeterministic = </a:t>
+                </a:r>
+                <a:r>
+                  <a:rPr lang="en-US" b="1" dirty="0">
+                    <a:solidFill>
+                      <a:srgbClr val="FF0000"/>
+                    </a:solidFill>
+                  </a:rPr>
+                  <a:t>transition model need to describe uncertainty about the opponent's behavior.</a:t>
+                </a:r>
+                <a:endParaRPr lang="en-US" dirty="0"/>
+              </a:p>
+              <a:p>
+                <a:pPr marL="0" indent="0">
+                  <a:buNone/>
+                </a:pPr>
+                <a:endParaRPr lang="en-US" dirty="0"/>
+              </a:p>
+              <a:p>
+                <a:pPr marL="0" indent="0">
+                  <a:buNone/>
+                </a:pPr>
+                <a:endParaRPr lang="en-US" dirty="0"/>
+              </a:p>
+              <a:p>
+                <a:pPr marL="0" indent="0">
+                  <a:buNone/>
+                </a:pPr>
+                <a:r>
+                  <a:rPr lang="en-US" dirty="0"/>
+                  <a:t>Example transition: </a:t>
+                </a:r>
+                <a:br>
+                  <a:rPr lang="en-US" dirty="0"/>
+                </a:br>
+                <a:br>
+                  <a:rPr lang="en-US" b="0" i="1" dirty="0">
+                    <a:latin typeface="Cambria Math" panose="02040503050406030204" pitchFamily="18" charset="0"/>
+                  </a:rPr>
+                </a:br>
+                <a:r>
+                  <a:rPr lang="en-US" b="0" i="1" dirty="0">
+                    <a:latin typeface="Cambria Math" panose="02040503050406030204" pitchFamily="18" charset="0"/>
+                  </a:rPr>
+                  <a:t>		</a:t>
+                </a:r>
+                <a14:m>
+                  <m:oMath xmlns:m="http://schemas.openxmlformats.org/officeDocument/2006/math">
+                    <m:r>
+                      <a:rPr lang="en-US" b="0" i="1" smtClean="0">
+                        <a:latin typeface="Cambria Math" panose="02040503050406030204" pitchFamily="18" charset="0"/>
+                      </a:rPr>
+                      <m:t>𝑅𝑒𝑠𝑢𝑙𝑡𝑠</m:t>
+                    </m:r>
+                    <m:d>
+                      <m:dPr>
+                        <m:ctrlPr>
+                          <a:rPr lang="en-US" b="0" i="1" smtClean="0">
+                            <a:latin typeface="Cambria Math" panose="02040503050406030204" pitchFamily="18" charset="0"/>
+                          </a:rPr>
+                        </m:ctrlPr>
+                      </m:dPr>
+                      <m:e>
+                        <m:sSub>
+                          <m:sSubPr>
+                            <m:ctrlPr>
+                              <a:rPr lang="en-US" b="0" i="1" smtClean="0">
+                                <a:latin typeface="Cambria Math" panose="02040503050406030204" pitchFamily="18" charset="0"/>
+                              </a:rPr>
+                            </m:ctrlPr>
+                          </m:sSubPr>
+                          <m:e>
+                            <m:r>
+                              <a:rPr lang="en-US" b="0" i="1" smtClean="0">
+                                <a:latin typeface="Cambria Math" panose="02040503050406030204" pitchFamily="18" charset="0"/>
+                              </a:rPr>
+                              <m:t>𝑠</m:t>
+                            </m:r>
+                          </m:e>
+                          <m:sub>
+                            <m:r>
+                              <a:rPr lang="en-US" b="0" i="1" smtClean="0">
+                                <a:latin typeface="Cambria Math" panose="02040503050406030204" pitchFamily="18" charset="0"/>
+                              </a:rPr>
+                              <m:t>1</m:t>
+                            </m:r>
+                          </m:sub>
+                        </m:sSub>
+                        <m:r>
+                          <a:rPr lang="en-US" b="0" i="1" smtClean="0">
+                            <a:latin typeface="Cambria Math" panose="02040503050406030204" pitchFamily="18" charset="0"/>
+                          </a:rPr>
+                          <m:t>,</m:t>
+                        </m:r>
+                        <m:r>
+                          <a:rPr lang="en-US" b="0" i="1" smtClean="0">
+                            <a:latin typeface="Cambria Math" panose="02040503050406030204" pitchFamily="18" charset="0"/>
+                          </a:rPr>
+                          <m:t>𝑎</m:t>
+                        </m:r>
+                      </m:e>
+                    </m:d>
+                    <m:r>
+                      <a:rPr lang="en-US" b="0" i="1" smtClean="0">
+                        <a:latin typeface="Cambria Math" panose="02040503050406030204" pitchFamily="18" charset="0"/>
+                      </a:rPr>
+                      <m:t>= </m:t>
+                    </m:r>
+                    <m:d>
+                      <m:dPr>
+                        <m:begChr m:val="{"/>
+                        <m:endChr m:val="}"/>
+                        <m:ctrlPr>
+                          <a:rPr lang="en-US" b="0" i="1" smtClean="0">
+                            <a:latin typeface="Cambria Math" panose="02040503050406030204" pitchFamily="18" charset="0"/>
+                          </a:rPr>
+                        </m:ctrlPr>
+                      </m:dPr>
+                      <m:e>
+                        <m:sSub>
+                          <m:sSubPr>
+                            <m:ctrlPr>
+                              <a:rPr lang="en-US" b="0" i="1" smtClean="0">
+                                <a:latin typeface="Cambria Math" panose="02040503050406030204" pitchFamily="18" charset="0"/>
+                              </a:rPr>
+                            </m:ctrlPr>
+                          </m:sSubPr>
+                          <m:e>
+                            <m:r>
+                              <a:rPr lang="en-US" b="0" i="1" smtClean="0">
+                                <a:latin typeface="Cambria Math" panose="02040503050406030204" pitchFamily="18" charset="0"/>
+                              </a:rPr>
+                              <m:t>𝑠</m:t>
+                            </m:r>
+                          </m:e>
+                          <m:sub>
+                            <m:r>
+                              <a:rPr lang="en-US" b="0" i="1" smtClean="0">
+                                <a:latin typeface="Cambria Math" panose="02040503050406030204" pitchFamily="18" charset="0"/>
+                              </a:rPr>
+                              <m:t>2</m:t>
+                            </m:r>
+                          </m:sub>
+                        </m:sSub>
+                        <m:r>
+                          <a:rPr lang="en-US" b="0" i="1" smtClean="0">
+                            <a:latin typeface="Cambria Math" panose="02040503050406030204" pitchFamily="18" charset="0"/>
+                          </a:rPr>
+                          <m:t>,</m:t>
+                        </m:r>
+                        <m:sSub>
+                          <m:sSubPr>
+                            <m:ctrlPr>
+                              <a:rPr lang="en-US" b="0" i="1" smtClean="0">
+                                <a:latin typeface="Cambria Math" panose="02040503050406030204" pitchFamily="18" charset="0"/>
+                              </a:rPr>
+                            </m:ctrlPr>
+                          </m:sSubPr>
+                          <m:e>
+                            <m:r>
+                              <a:rPr lang="en-US" b="0" i="1" smtClean="0">
+                                <a:latin typeface="Cambria Math" panose="02040503050406030204" pitchFamily="18" charset="0"/>
+                              </a:rPr>
+                              <m:t>𝑠</m:t>
+                            </m:r>
+                          </m:e>
+                          <m:sub>
+                            <m:r>
+                              <a:rPr lang="en-US" b="0" i="1" smtClean="0">
+                                <a:latin typeface="Cambria Math" panose="02040503050406030204" pitchFamily="18" charset="0"/>
+                              </a:rPr>
+                              <m:t>4</m:t>
+                            </m:r>
+                          </m:sub>
+                        </m:sSub>
+                        <m:r>
+                          <a:rPr lang="en-US" b="0" i="1" smtClean="0">
+                            <a:latin typeface="Cambria Math" panose="02040503050406030204" pitchFamily="18" charset="0"/>
+                          </a:rPr>
+                          <m:t>,</m:t>
+                        </m:r>
+                        <m:sSub>
+                          <m:sSubPr>
+                            <m:ctrlPr>
+                              <a:rPr lang="en-US" b="0" i="1" smtClean="0">
+                                <a:latin typeface="Cambria Math" panose="02040503050406030204" pitchFamily="18" charset="0"/>
+                              </a:rPr>
+                            </m:ctrlPr>
+                          </m:sSubPr>
+                          <m:e>
+                            <m:r>
+                              <a:rPr lang="en-US" b="0" i="1" smtClean="0">
+                                <a:latin typeface="Cambria Math" panose="02040503050406030204" pitchFamily="18" charset="0"/>
+                              </a:rPr>
+                              <m:t>𝑠</m:t>
+                            </m:r>
+                          </m:e>
+                          <m:sub>
+                            <m:r>
+                              <a:rPr lang="en-US" b="0" i="1" smtClean="0">
+                                <a:latin typeface="Cambria Math" panose="02040503050406030204" pitchFamily="18" charset="0"/>
+                              </a:rPr>
+                              <m:t>5</m:t>
+                            </m:r>
+                          </m:sub>
+                        </m:sSub>
+                      </m:e>
+                    </m:d>
+                  </m:oMath>
+                </a14:m>
+                <a:r>
+                  <a:rPr lang="en-US" dirty="0"/>
+                  <a:t> </a:t>
+                </a:r>
+                <a:br>
+                  <a:rPr lang="en-US" dirty="0"/>
+                </a:br>
+                <a:br>
+                  <a:rPr lang="en-US" dirty="0"/>
+                </a:br>
+                <a:r>
+                  <a:rPr lang="en-US" dirty="0"/>
+                  <a:t>i.e., action </a:t>
+                </a:r>
+                <a14:m>
+                  <m:oMath xmlns:m="http://schemas.openxmlformats.org/officeDocument/2006/math">
+                    <m:r>
+                      <a:rPr lang="en-US" b="0" i="1" smtClean="0">
+                        <a:latin typeface="Cambria Math" panose="02040503050406030204" pitchFamily="18" charset="0"/>
+                      </a:rPr>
+                      <m:t>𝑎</m:t>
+                    </m:r>
+                  </m:oMath>
+                </a14:m>
+                <a:r>
+                  <a:rPr lang="en-US" dirty="0"/>
+                  <a:t> in </a:t>
+                </a:r>
+                <a14:m>
+                  <m:oMath xmlns:m="http://schemas.openxmlformats.org/officeDocument/2006/math">
+                    <m:sSub>
+                      <m:sSubPr>
+                        <m:ctrlPr>
+                          <a:rPr lang="en-US" i="1" dirty="0" smtClean="0">
+                            <a:latin typeface="Cambria Math" panose="02040503050406030204" pitchFamily="18" charset="0"/>
+                          </a:rPr>
+                        </m:ctrlPr>
+                      </m:sSubPr>
+                      <m:e>
+                        <m:r>
+                          <a:rPr lang="en-US" i="1" dirty="0" smtClean="0">
+                            <a:latin typeface="Cambria Math" panose="02040503050406030204" pitchFamily="18" charset="0"/>
+                          </a:rPr>
+                          <m:t>𝑠</m:t>
+                        </m:r>
+                      </m:e>
+                      <m:sub>
+                        <m:r>
+                          <a:rPr lang="en-US" i="1" dirty="0" smtClean="0">
+                            <a:latin typeface="Cambria Math" panose="02040503050406030204" pitchFamily="18" charset="0"/>
+                          </a:rPr>
+                          <m:t>1</m:t>
+                        </m:r>
+                      </m:sub>
+                    </m:sSub>
+                  </m:oMath>
+                </a14:m>
+                <a:r>
+                  <a:rPr lang="en-US" dirty="0"/>
+                  <a:t> can lead to one of several states (which is called a belief state of the agent). </a:t>
+                </a:r>
+              </a:p>
+            </p:txBody>
+          </p:sp>
+        </mc:Choice>
+        <mc:Fallback xmlns="">
+          <p:sp>
+            <p:nvSpPr>
+              <p:cNvPr id="5" name="Content Placeholder 4">
+                <a:extLst>
+                  <a:ext uri="{FF2B5EF4-FFF2-40B4-BE49-F238E27FC236}">
+                    <a16:creationId xmlns:a16="http://schemas.microsoft.com/office/drawing/2014/main" id="{A98A81B8-EC8C-4D15-A4D6-463770E10AC9}"/>
+                  </a:ext>
+                </a:extLst>
+              </p:cNvPr>
+              <p:cNvSpPr>
+                <a:spLocks noGrp="1" noRot="1" noChangeAspect="1" noMove="1" noResize="1" noEditPoints="1" noAdjustHandles="1" noChangeArrowheads="1" noChangeShapeType="1" noTextEdit="1"/>
+              </p:cNvSpPr>
+              <p:nvPr>
+                <p:ph idx="1"/>
+              </p:nvPr>
+            </p:nvSpPr>
+            <p:spPr>
+              <a:xfrm>
+                <a:off x="628650" y="1690689"/>
+                <a:ext cx="7886700" cy="4802185"/>
+              </a:xfrm>
+              <a:blipFill>
+                <a:blip r:embed="rId2"/>
+                <a:stretch>
+                  <a:fillRect l="-1159" t="-2919" r="-1391"/>
+                </a:stretch>
+              </a:blipFill>
+            </p:spPr>
+            <p:txBody>
+              <a:bodyPr/>
+              <a:lstStyle/>
+              <a:p>
+                <a:r>
+                  <a:rPr lang="en-US">
+                    <a:noFill/>
+                  </a:rPr>
+                  <a:t> </a:t>
+                </a:r>
+              </a:p>
+            </p:txBody>
+          </p:sp>
+        </mc:Fallback>
+      </mc:AlternateContent>
+    </p:spTree>
+    <p:extLst>
+      <p:ext uri="{BB962C8B-B14F-4D97-AF65-F5344CB8AC3E}">
+        <p14:creationId xmlns:p14="http://schemas.microsoft.com/office/powerpoint/2010/main" val="2366450124"/>
+      </p:ext>
+    </p:extLst>
+  </p:cSld>
+  <p:clrMapOvr>
+    <a:masterClrMapping/>
+  </p:clrMapOvr>
+  <p:timing>
+    <p:tnLst>
+      <p:par>
+        <p:cTn id="1" dur="indefinite" restart="never" nodeType="tmRoot">
+          <p:childTnLst>
+            <p:seq concurrent="1" nextAc="seek">
+              <p:cTn id="2" dur="indefinite" nodeType="mainSeq">
+                <p:childTnLst>
+                  <p:par>
+                    <p:cTn id="3" fill="hold">
+                      <p:stCondLst>
+                        <p:cond delay="indefinite"/>
+                      </p:stCondLst>
+                      <p:childTnLst>
+                        <p:par>
+                          <p:cTn id="4" fill="hold">
+                            <p:stCondLst>
+                              <p:cond delay="0"/>
+                            </p:stCondLst>
+                            <p:childTnLst>
+                              <p:par>
+                                <p:cTn id="5" presetID="1" presetClass="entr" presetSubtype="0" fill="hold" nodeType="clickEffect">
+                                  <p:stCondLst>
+                                    <p:cond delay="0"/>
+                                  </p:stCondLst>
+                                  <p:childTnLst>
+                                    <p:set>
+                                      <p:cBhvr>
+                                        <p:cTn id="6" dur="1" fill="hold">
+                                          <p:stCondLst>
+                                            <p:cond delay="0"/>
+                                          </p:stCondLst>
+                                        </p:cTn>
+                                        <p:tgtEl>
+                                          <p:spTgt spid="5">
+                                            <p:txEl>
+                                              <p:pRg st="2" end="2"/>
+                                            </p:txEl>
+                                          </p:spTgt>
+                                        </p:tgtEl>
+                                        <p:attrNameLst>
+                                          <p:attrName>style.visibility</p:attrName>
+                                        </p:attrNameLst>
+                                      </p:cBhvr>
+                                      <p:to>
+                                        <p:strVal val="visible"/>
+                                      </p:to>
+                                    </p:set>
+                                  </p:childTnLst>
+                                </p:cTn>
+                              </p:par>
+                              <p:par>
+                                <p:cTn id="7" presetID="1" presetClass="entr" presetSubtype="0" fill="hold" nodeType="withEffect">
+                                  <p:stCondLst>
+                                    <p:cond delay="0"/>
+                                  </p:stCondLst>
+                                  <p:childTnLst>
+                                    <p:set>
+                                      <p:cBhvr>
+                                        <p:cTn id="8" dur="1" fill="hold">
+                                          <p:stCondLst>
+                                            <p:cond delay="0"/>
+                                          </p:stCondLst>
+                                        </p:cTn>
+                                        <p:tgtEl>
+                                          <p:spTgt spid="5">
+                                            <p:txEl>
+                                              <p:pRg st="5" end="5"/>
+                                            </p:txEl>
+                                          </p:spTgt>
+                                        </p:tgtEl>
+                                        <p:attrNameLst>
+                                          <p:attrName>style.visibility</p:attrName>
+                                        </p:attrNameLst>
+                                      </p:cBhvr>
+                                      <p:to>
+                                        <p:strVal val="visible"/>
+                                      </p:to>
+                                    </p:set>
+                                  </p:childTnLst>
+                                </p:cTn>
+                              </p:par>
+                              <p:par>
+                                <p:cTn id="9" presetID="1" presetClass="entr" presetSubtype="0" fill="hold" grpId="0" nodeType="withEffect">
+                                  <p:stCondLst>
+                                    <p:cond delay="0"/>
+                                  </p:stCondLst>
+                                  <p:childTnLst>
+                                    <p:set>
+                                      <p:cBhvr>
+                                        <p:cTn id="10" dur="1" fill="hold">
+                                          <p:stCondLst>
+                                            <p:cond delay="0"/>
+                                          </p:stCondLst>
+                                        </p:cTn>
+                                        <p:tgtEl>
+                                          <p:spTgt spid="2"/>
+                                        </p:tgtEl>
+                                        <p:attrNameLst>
+                                          <p:attrName>style.visibility</p:attrName>
+                                        </p:attrNameLst>
+                                      </p:cBhvr>
+                                      <p:to>
+                                        <p:strVal val="visible"/>
+                                      </p:to>
+                                    </p:set>
+                                  </p:childTnLst>
+                                </p:cTn>
+                              </p:par>
+                            </p:childTnLst>
+                          </p:cTn>
+                        </p:par>
+                      </p:childTnLst>
+                    </p:cTn>
+                  </p:par>
+                </p:childTnLst>
+              </p:cTn>
+              <p:prevCondLst>
+                <p:cond evt="onPrev" delay="0">
+                  <p:tgtEl>
+                    <p:sldTgt/>
+                  </p:tgtEl>
+                </p:cond>
+              </p:prevCondLst>
+              <p:nextCondLst>
+                <p:cond evt="onNext" delay="0">
+                  <p:tgtEl>
+                    <p:sldTgt/>
+                  </p:tgtEl>
+                </p:cond>
+              </p:nextCondLst>
+            </p:seq>
+          </p:childTnLst>
+        </p:cTn>
+      </p:par>
+    </p:tnLst>
+    <p:bldLst>
+      <p:bldP spid="2" grpId="0" animBg="1"/>
+    </p:bldLst>
+  </p:timing>
+</p:sld>
+</file>
+
+<file path=ppt/slides/slide12.xml><?xml version="1.0" encoding="utf-8"?>
+<p:sld xmlns:a="http://schemas.openxmlformats.org/drawingml/2006/main" xmlns:r="http://schemas.openxmlformats.org/officeDocument/2006/relationships" xmlns:p="http://schemas.openxmlformats.org/presentationml/2006/main">
+  <p:cSld>
     <p:spTree>
       <p:nvGrpSpPr>
         <p:cNvPr id="1" name=""/>
@@ -7304,7 +11330,7 @@
 </p:sld>
 </file>
 
-<file path=ppt/slides/slide11.xml><?xml version="1.0" encoding="utf-8"?>
+<file path=ppt/slides/slide13.xml><?xml version="1.0" encoding="utf-8"?>
 <p:sld xmlns:a="http://schemas.openxmlformats.org/drawingml/2006/main" xmlns:r="http://schemas.openxmlformats.org/officeDocument/2006/relationships" xmlns:p="http://schemas.openxmlformats.org/presentationml/2006/main">
   <p:cSld>
     <p:spTree>
@@ -7909,7 +11935,7 @@
 </p:sld>
 </file>
 
-<file path=ppt/slides/slide12.xml><?xml version="1.0" encoding="utf-8"?>
+<file path=ppt/slides/slide14.xml><?xml version="1.0" encoding="utf-8"?>
 <p:sld xmlns:a="http://schemas.openxmlformats.org/drawingml/2006/main" xmlns:r="http://schemas.openxmlformats.org/officeDocument/2006/relationships" xmlns:p="http://schemas.openxmlformats.org/presentationml/2006/main">
   <p:cSld>
     <p:bg>
@@ -8235,7 +12261,7 @@
 </p:sld>
 </file>
 
-<file path=ppt/slides/slide13.xml><?xml version="1.0" encoding="utf-8"?>
+<file path=ppt/slides/slide15.xml><?xml version="1.0" encoding="utf-8"?>
 <p:sld xmlns:a="http://schemas.openxmlformats.org/drawingml/2006/main" xmlns:r="http://schemas.openxmlformats.org/officeDocument/2006/relationships" xmlns:p="http://schemas.openxmlformats.org/presentationml/2006/main">
   <p:cSld>
     <p:bg>
@@ -8851,7 +12877,7 @@
 </p:sld>
 </file>
 
-<file path=ppt/slides/slide14.xml><?xml version="1.0" encoding="utf-8"?>
+<file path=ppt/slides/slide16.xml><?xml version="1.0" encoding="utf-8"?>
 <p:sld xmlns:a="http://schemas.openxmlformats.org/drawingml/2006/main" xmlns:r="http://schemas.openxmlformats.org/officeDocument/2006/relationships" xmlns:p="http://schemas.openxmlformats.org/presentationml/2006/main">
   <p:cSld>
     <p:spTree>
@@ -8896,8 +12922,8 @@
           </a:p>
         </p:txBody>
       </p:sp>
-      <mc:AlternateContent xmlns:mc="http://schemas.openxmlformats.org/markup-compatibility/2006">
-        <mc:Choice xmlns:a14="http://schemas.microsoft.com/office/drawing/2010/main" Requires="a14">
+      <mc:AlternateContent xmlns:mc="http://schemas.openxmlformats.org/markup-compatibility/2006" xmlns:a14="http://schemas.microsoft.com/office/drawing/2010/main">
+        <mc:Choice Requires="a14">
           <p:sp>
             <p:nvSpPr>
               <p:cNvPr id="5" name="Content Placeholder 4">
@@ -9503,7 +13529,7 @@
             </p:txBody>
           </p:sp>
         </mc:Choice>
-        <mc:Fallback>
+        <mc:Fallback xmlns="">
           <p:sp>
             <p:nvSpPr>
               <p:cNvPr id="5" name="Content Placeholder 4">
@@ -9556,7 +13582,7 @@
 </p:sld>
 </file>
 
-<file path=ppt/slides/slide15.xml><?xml version="1.0" encoding="utf-8"?>
+<file path=ppt/slides/slide17.xml><?xml version="1.0" encoding="utf-8"?>
 <p:sld xmlns:a="http://schemas.openxmlformats.org/drawingml/2006/main" xmlns:r="http://schemas.openxmlformats.org/officeDocument/2006/relationships" xmlns:p="http://schemas.openxmlformats.org/presentationml/2006/main">
   <p:cSld>
     <p:spTree>
@@ -12275,7 +16301,7 @@
 </p:sld>
 </file>
 
-<file path=ppt/slides/slide16.xml><?xml version="1.0" encoding="utf-8"?>
+<file path=ppt/slides/slide18.xml><?xml version="1.0" encoding="utf-8"?>
 <p:sld xmlns:a="http://schemas.openxmlformats.org/drawingml/2006/main" xmlns:r="http://schemas.openxmlformats.org/officeDocument/2006/relationships" xmlns:p="http://schemas.openxmlformats.org/presentationml/2006/main">
   <p:cSld>
     <p:spTree>
@@ -12985,7 +17011,7 @@
 </p:sld>
 </file>
 
-<file path=ppt/slides/slide17.xml><?xml version="1.0" encoding="utf-8"?>
+<file path=ppt/slides/slide19.xml><?xml version="1.0" encoding="utf-8"?>
 <p:sld xmlns:a="http://schemas.openxmlformats.org/drawingml/2006/main" xmlns:r="http://schemas.openxmlformats.org/officeDocument/2006/relationships" xmlns:p="http://schemas.openxmlformats.org/presentationml/2006/main">
   <p:cSld>
     <p:spTree>
@@ -16569,7 +20595,96 @@
 </p:sld>
 </file>
 
-<file path=ppt/slides/slide18.xml><?xml version="1.0" encoding="utf-8"?>
+<file path=ppt/slides/slide2.xml><?xml version="1.0" encoding="utf-8"?>
+<p:sld xmlns:a="http://schemas.openxmlformats.org/drawingml/2006/main" xmlns:r="http://schemas.openxmlformats.org/officeDocument/2006/relationships" xmlns:p="http://schemas.openxmlformats.org/presentationml/2006/main">
+  <p:cSld>
+    <p:spTree>
+      <p:nvGrpSpPr>
+        <p:cNvPr id="1" name=""/>
+        <p:cNvGrpSpPr/>
+        <p:nvPr/>
+      </p:nvGrpSpPr>
+      <p:grpSpPr>
+        <a:xfrm>
+          <a:off x="0" y="0"/>
+          <a:ext cx="0" cy="0"/>
+          <a:chOff x="0" y="0"/>
+          <a:chExt cx="0" cy="0"/>
+        </a:xfrm>
+      </p:grpSpPr>
+      <p:sp>
+        <p:nvSpPr>
+          <p:cNvPr id="2" name="Title 1">
+            <a:extLst>
+              <a:ext uri="{FF2B5EF4-FFF2-40B4-BE49-F238E27FC236}">
+                <a16:creationId xmlns:a16="http://schemas.microsoft.com/office/drawing/2014/main" id="{0637A84F-7178-4E19-A3E7-3440EE65CBC6}"/>
+              </a:ext>
+            </a:extLst>
+          </p:cNvPr>
+          <p:cNvSpPr>
+            <a:spLocks noGrp="1"/>
+          </p:cNvSpPr>
+          <p:nvPr>
+            <p:ph type="title"/>
+          </p:nvPr>
+        </p:nvSpPr>
+        <p:spPr/>
+        <p:txBody>
+          <a:bodyPr/>
+          <a:lstStyle/>
+          <a:p>
+            <a:r>
+              <a:rPr lang="en-US" dirty="0"/>
+              <a:t>Contents</a:t>
+            </a:r>
+          </a:p>
+        </p:txBody>
+      </p:sp>
+      <p:graphicFrame>
+        <p:nvGraphicFramePr>
+          <p:cNvPr id="7" name="Content Placeholder 6">
+            <a:extLst>
+              <a:ext uri="{FF2B5EF4-FFF2-40B4-BE49-F238E27FC236}">
+                <a16:creationId xmlns:a16="http://schemas.microsoft.com/office/drawing/2014/main" id="{B238EBBB-C40E-49A2-AEE3-55232539867E}"/>
+              </a:ext>
+            </a:extLst>
+          </p:cNvPr>
+          <p:cNvGraphicFramePr>
+            <a:graphicFrameLocks noGrp="1"/>
+          </p:cNvGraphicFramePr>
+          <p:nvPr>
+            <p:ph idx="1"/>
+            <p:extLst>
+              <p:ext uri="{D42A27DB-BD31-4B8C-83A1-F6EECF244321}">
+                <p14:modId xmlns:p14="http://schemas.microsoft.com/office/powerpoint/2010/main" val="1107811992"/>
+              </p:ext>
+            </p:extLst>
+          </p:nvPr>
+        </p:nvGraphicFramePr>
+        <p:xfrm>
+          <a:off x="628650" y="1825625"/>
+          <a:ext cx="7886700" cy="4351338"/>
+        </p:xfrm>
+        <a:graphic>
+          <a:graphicData uri="http://schemas.openxmlformats.org/drawingml/2006/diagram">
+            <dgm:relIds xmlns:dgm="http://schemas.openxmlformats.org/drawingml/2006/diagram" xmlns:r="http://schemas.openxmlformats.org/officeDocument/2006/relationships" r:dm="rId2" r:lo="rId3" r:qs="rId4" r:cs="rId5"/>
+          </a:graphicData>
+        </a:graphic>
+      </p:graphicFrame>
+    </p:spTree>
+    <p:extLst>
+      <p:ext uri="{BB962C8B-B14F-4D97-AF65-F5344CB8AC3E}">
+        <p14:creationId xmlns:p14="http://schemas.microsoft.com/office/powerpoint/2010/main" val="4100430873"/>
+      </p:ext>
+    </p:extLst>
+  </p:cSld>
+  <p:clrMapOvr>
+    <a:masterClrMapping/>
+  </p:clrMapOvr>
+</p:sld>
+</file>
+
+<file path=ppt/slides/slide20.xml><?xml version="1.0" encoding="utf-8"?>
 <p:sld xmlns:a="http://schemas.openxmlformats.org/drawingml/2006/main" xmlns:r="http://schemas.openxmlformats.org/officeDocument/2006/relationships" xmlns:p="http://schemas.openxmlformats.org/presentationml/2006/main">
   <p:cSld>
     <p:spTree>
@@ -17146,7 +21261,7 @@
 </p:sld>
 </file>
 
-<file path=ppt/slides/slide19.xml><?xml version="1.0" encoding="utf-8"?>
+<file path=ppt/slides/slide21.xml><?xml version="1.0" encoding="utf-8"?>
 <p:sld xmlns:a="http://schemas.openxmlformats.org/drawingml/2006/main" xmlns:r="http://schemas.openxmlformats.org/officeDocument/2006/relationships" xmlns:p="http://schemas.openxmlformats.org/presentationml/2006/main">
   <p:cSld>
     <p:spTree>
@@ -17890,280 +22005,7 @@
 </p:sld>
 </file>
 
-<file path=ppt/slides/slide2.xml><?xml version="1.0" encoding="utf-8"?>
-<p:sld xmlns:a="http://schemas.openxmlformats.org/drawingml/2006/main" xmlns:r="http://schemas.openxmlformats.org/officeDocument/2006/relationships" xmlns:p="http://schemas.openxmlformats.org/presentationml/2006/main">
-  <p:cSld>
-    <p:bg>
-      <p:bgPr>
-        <a:solidFill>
-          <a:schemeClr val="bg1"/>
-        </a:solidFill>
-        <a:effectLst/>
-      </p:bgPr>
-    </p:bg>
-    <p:spTree>
-      <p:nvGrpSpPr>
-        <p:cNvPr id="1" name=""/>
-        <p:cNvGrpSpPr/>
-        <p:nvPr/>
-      </p:nvGrpSpPr>
-      <p:grpSpPr>
-        <a:xfrm>
-          <a:off x="0" y="0"/>
-          <a:ext cx="0" cy="0"/>
-          <a:chOff x="0" y="0"/>
-          <a:chExt cx="0" cy="0"/>
-        </a:xfrm>
-      </p:grpSpPr>
-      <p:sp>
-        <p:nvSpPr>
-          <p:cNvPr id="4" name="Title 3">
-            <a:extLst>
-              <a:ext uri="{FF2B5EF4-FFF2-40B4-BE49-F238E27FC236}">
-                <a16:creationId xmlns:a16="http://schemas.microsoft.com/office/drawing/2014/main" id="{673AB63A-583D-4BBD-914A-0A8056D0F4A2}"/>
-              </a:ext>
-            </a:extLst>
-          </p:cNvPr>
-          <p:cNvSpPr>
-            <a:spLocks noGrp="1"/>
-          </p:cNvSpPr>
-          <p:nvPr>
-            <p:ph type="title"/>
-          </p:nvPr>
-        </p:nvSpPr>
-        <p:spPr>
-          <a:xfrm>
-            <a:off x="3724072" y="629268"/>
-            <a:ext cx="4939868" cy="1286160"/>
-          </a:xfrm>
-        </p:spPr>
-        <p:txBody>
-          <a:bodyPr anchor="b">
-            <a:normAutofit/>
-          </a:bodyPr>
-          <a:lstStyle/>
-          <a:p>
-            <a:r>
-              <a:rPr lang="en-US" dirty="0"/>
-              <a:t>Games</a:t>
-            </a:r>
-          </a:p>
-        </p:txBody>
-      </p:sp>
-      <p:sp>
-        <p:nvSpPr>
-          <p:cNvPr id="5" name="Content Placeholder 4">
-            <a:extLst>
-              <a:ext uri="{FF2B5EF4-FFF2-40B4-BE49-F238E27FC236}">
-                <a16:creationId xmlns:a16="http://schemas.microsoft.com/office/drawing/2014/main" id="{3C1F6EBF-AF35-4215-9C0C-E67FFF86834E}"/>
-              </a:ext>
-            </a:extLst>
-          </p:cNvPr>
-          <p:cNvSpPr>
-            <a:spLocks noGrp="1"/>
-          </p:cNvSpPr>
-          <p:nvPr>
-            <p:ph idx="1"/>
-          </p:nvPr>
-        </p:nvSpPr>
-        <p:spPr>
-          <a:xfrm>
-            <a:off x="3724073" y="2438400"/>
-            <a:ext cx="4939867" cy="3785419"/>
-          </a:xfrm>
-        </p:spPr>
-        <p:txBody>
-          <a:bodyPr>
-            <a:normAutofit fontScale="85000" lnSpcReduction="10000"/>
-          </a:bodyPr>
-          <a:lstStyle/>
-          <a:p>
-            <a:r>
-              <a:rPr lang="en-US" sz="2000" dirty="0"/>
-              <a:t>Games typically confront the agent with a competitive (adversarial) environment affected by an opponent (strategic environment).</a:t>
-            </a:r>
-          </a:p>
-          <a:p>
-            <a:r>
-              <a:rPr lang="en-US" sz="2000" dirty="0"/>
-              <a:t>Games are episodic.</a:t>
-            </a:r>
-          </a:p>
-          <a:p>
-            <a:r>
-              <a:rPr lang="en-US" sz="2000" dirty="0"/>
-              <a:t>We will focus on planning for</a:t>
-            </a:r>
-          </a:p>
-          <a:p>
-            <a:pPr lvl="1"/>
-            <a:r>
-              <a:rPr lang="en-US" sz="1600" dirty="0"/>
-              <a:t>two-player zero-sum games with </a:t>
-            </a:r>
-          </a:p>
-          <a:p>
-            <a:pPr lvl="1"/>
-            <a:r>
-              <a:rPr lang="en-US" sz="1600" dirty="0"/>
-              <a:t>deterministic game mechanics and </a:t>
-            </a:r>
-          </a:p>
-          <a:p>
-            <a:pPr lvl="1"/>
-            <a:r>
-              <a:rPr lang="en-US" sz="1600" dirty="0"/>
-              <a:t>perfect information (i.e., fully observable environment).</a:t>
-            </a:r>
-            <a:endParaRPr lang="en-US" sz="2000" dirty="0"/>
-          </a:p>
-          <a:p>
-            <a:endParaRPr lang="en-US" sz="2000" dirty="0"/>
-          </a:p>
-          <a:p>
-            <a:r>
-              <a:rPr lang="en-US" sz="2000" dirty="0"/>
-              <a:t>We call the two players: </a:t>
-            </a:r>
-          </a:p>
-          <a:p>
-            <a:pPr marL="914400" lvl="1" indent="-457200">
-              <a:buFont typeface="+mj-lt"/>
-              <a:buAutoNum type="arabicParenR"/>
-            </a:pPr>
-            <a:r>
-              <a:rPr lang="en-US" sz="2000" b="1" dirty="0"/>
-              <a:t>Max</a:t>
-            </a:r>
-            <a:r>
-              <a:rPr lang="en-US" sz="2000" dirty="0"/>
-              <a:t> tries to maximize his utility.</a:t>
-            </a:r>
-          </a:p>
-          <a:p>
-            <a:pPr marL="914400" lvl="1" indent="-457200">
-              <a:buFont typeface="+mj-lt"/>
-              <a:buAutoNum type="arabicParenR"/>
-            </a:pPr>
-            <a:r>
-              <a:rPr lang="en-US" sz="2000" b="1" dirty="0"/>
-              <a:t>Min</a:t>
-            </a:r>
-            <a:r>
-              <a:rPr lang="en-US" sz="2000" dirty="0"/>
-              <a:t> tries to minimize Max’s utility since it is a zero-sum game.</a:t>
-            </a:r>
-          </a:p>
-        </p:txBody>
-      </p:sp>
-      <p:pic>
-        <p:nvPicPr>
-          <p:cNvPr id="7" name="Picture 6" descr="Metal tic-tac-toe game pieces">
-            <a:extLst>
-              <a:ext uri="{FF2B5EF4-FFF2-40B4-BE49-F238E27FC236}">
-                <a16:creationId xmlns:a16="http://schemas.microsoft.com/office/drawing/2014/main" id="{175FC947-2DD1-4775-8699-AB039B7D98A1}"/>
-              </a:ext>
-            </a:extLst>
-          </p:cNvPr>
-          <p:cNvPicPr>
-            <a:picLocks noChangeAspect="1"/>
-          </p:cNvPicPr>
-          <p:nvPr/>
-        </p:nvPicPr>
-        <p:blipFill rotWithShape="1">
-          <a:blip r:embed="rId2">
-            <a:extLst>
-              <a:ext uri="{BEBA8EAE-BF5A-486C-A8C5-ECC9F3942E4B}">
-                <a14:imgProps xmlns:a14="http://schemas.microsoft.com/office/drawing/2010/main">
-                  <a14:imgLayer r:embed="rId3">
-                    <a14:imgEffect>
-                      <a14:saturation sat="0"/>
-                    </a14:imgEffect>
-                  </a14:imgLayer>
-                </a14:imgProps>
-              </a:ext>
-            </a:extLst>
-          </a:blip>
-          <a:srcRect l="24221" r="37758"/>
-          <a:stretch/>
-        </p:blipFill>
-        <p:spPr>
-          <a:xfrm>
-            <a:off x="20" y="10"/>
-            <a:ext cx="3476673" cy="6857990"/>
-          </a:xfrm>
-          <a:prstGeom prst="rect">
-            <a:avLst/>
-          </a:prstGeom>
-          <a:effectLst/>
-        </p:spPr>
-      </p:pic>
-      <p:cxnSp>
-        <p:nvCxnSpPr>
-          <p:cNvPr id="11" name="Straight Connector 10">
-            <a:extLst>
-              <a:ext uri="{FF2B5EF4-FFF2-40B4-BE49-F238E27FC236}">
-                <a16:creationId xmlns:a16="http://schemas.microsoft.com/office/drawing/2014/main" id="{A7F400EE-A8A5-48AF-B4D6-291B52C6F0B0}"/>
-              </a:ext>
-              <a:ext uri="{C183D7F6-B498-43B3-948B-1728B52AA6E4}">
-                <adec:decorative xmlns:adec="http://schemas.microsoft.com/office/drawing/2017/decorative" val="1"/>
-              </a:ext>
-            </a:extLst>
-          </p:cNvPr>
-          <p:cNvCxnSpPr>
-            <a:cxnSpLocks noGrp="1" noRot="1" noChangeAspect="1" noMove="1" noResize="1" noEditPoints="1" noAdjustHandles="1" noChangeArrowheads="1" noChangeShapeType="1"/>
-          </p:cNvCxnSpPr>
-          <p:nvPr>
-            <p:extLst>
-              <p:ext uri="{386F3935-93C4-4BCD-93E2-E3B085C9AB24}">
-                <p16:designElem xmlns:p16="http://schemas.microsoft.com/office/powerpoint/2015/main" val="1"/>
-              </p:ext>
-            </p:extLst>
-          </p:nvPr>
-        </p:nvCxnSpPr>
-        <p:spPr>
-          <a:xfrm>
-            <a:off x="3810700" y="2115117"/>
-            <a:ext cx="4732020" cy="0"/>
-          </a:xfrm>
-          <a:prstGeom prst="line">
-            <a:avLst/>
-          </a:prstGeom>
-          <a:ln w="19050">
-            <a:solidFill>
-              <a:srgbClr val="5C8BBB"/>
-            </a:solidFill>
-          </a:ln>
-        </p:spPr>
-        <p:style>
-          <a:lnRef idx="1">
-            <a:schemeClr val="accent1"/>
-          </a:lnRef>
-          <a:fillRef idx="0">
-            <a:schemeClr val="accent1"/>
-          </a:fillRef>
-          <a:effectRef idx="0">
-            <a:schemeClr val="accent1"/>
-          </a:effectRef>
-          <a:fontRef idx="minor">
-            <a:schemeClr val="tx1"/>
-          </a:fontRef>
-        </p:style>
-      </p:cxnSp>
-    </p:spTree>
-    <p:extLst>
-      <p:ext uri="{BB962C8B-B14F-4D97-AF65-F5344CB8AC3E}">
-        <p14:creationId xmlns:p14="http://schemas.microsoft.com/office/powerpoint/2010/main" val="1068800212"/>
-      </p:ext>
-    </p:extLst>
-  </p:cSld>
-  <p:clrMapOvr>
-    <a:masterClrMapping/>
-  </p:clrMapOvr>
-</p:sld>
-</file>
-
-<file path=ppt/slides/slide20.xml><?xml version="1.0" encoding="utf-8"?>
+<file path=ppt/slides/slide22.xml><?xml version="1.0" encoding="utf-8"?>
 <p:sld xmlns:a="http://schemas.openxmlformats.org/drawingml/2006/main" xmlns:r="http://schemas.openxmlformats.org/officeDocument/2006/relationships" xmlns:p="http://schemas.openxmlformats.org/presentationml/2006/main">
   <p:cSld>
     <p:spTree>
@@ -20228,7 +24070,7 @@
 </p:sld>
 </file>
 
-<file path=ppt/slides/slide21.xml><?xml version="1.0" encoding="utf-8"?>
+<file path=ppt/slides/slide23.xml><?xml version="1.0" encoding="utf-8"?>
 <p:sld xmlns:a="http://schemas.openxmlformats.org/drawingml/2006/main" xmlns:r="http://schemas.openxmlformats.org/officeDocument/2006/relationships" xmlns:p="http://schemas.openxmlformats.org/presentationml/2006/main">
   <p:cSld>
     <p:spTree>
@@ -20709,7 +24551,7 @@
 </p:sld>
 </file>
 
-<file path=ppt/slides/slide22.xml><?xml version="1.0" encoding="utf-8"?>
+<file path=ppt/slides/slide24.xml><?xml version="1.0" encoding="utf-8"?>
 <p:sld xmlns:a="http://schemas.openxmlformats.org/drawingml/2006/main" xmlns:r="http://schemas.openxmlformats.org/officeDocument/2006/relationships" xmlns:p="http://schemas.openxmlformats.org/presentationml/2006/main">
   <p:cSld>
     <p:spTree>
@@ -20859,7 +24701,7 @@
 </p:sld>
 </file>
 
-<file path=ppt/slides/slide23.xml><?xml version="1.0" encoding="utf-8"?>
+<file path=ppt/slides/slide25.xml><?xml version="1.0" encoding="utf-8"?>
 <p:sld xmlns:a="http://schemas.openxmlformats.org/drawingml/2006/main" xmlns:r="http://schemas.openxmlformats.org/officeDocument/2006/relationships" xmlns:p="http://schemas.openxmlformats.org/presentationml/2006/main">
   <p:cSld>
     <p:spTree>
@@ -23853,8 +27695,8 @@
           </p:sp>
         </mc:Fallback>
       </mc:AlternateContent>
-      <mc:AlternateContent xmlns:mc="http://schemas.openxmlformats.org/markup-compatibility/2006">
-        <mc:Choice xmlns:a14="http://schemas.microsoft.com/office/drawing/2010/main" Requires="a14">
+      <mc:AlternateContent xmlns:mc="http://schemas.openxmlformats.org/markup-compatibility/2006" xmlns:a14="http://schemas.microsoft.com/office/drawing/2010/main">
+        <mc:Choice Requires="a14">
           <p:sp>
             <p:nvSpPr>
               <p:cNvPr id="81" name="TextBox 80">
@@ -23963,7 +27805,7 @@
             </p:txBody>
           </p:sp>
         </mc:Choice>
-        <mc:Fallback>
+        <mc:Fallback xmlns="">
           <p:sp>
             <p:nvSpPr>
               <p:cNvPr id="81" name="TextBox 80">
@@ -24381,7 +28223,7 @@
 </p:sld>
 </file>
 
-<file path=ppt/slides/slide24.xml><?xml version="1.0" encoding="utf-8"?>
+<file path=ppt/slides/slide26.xml><?xml version="1.0" encoding="utf-8"?>
 <p:sld xmlns:a="http://schemas.openxmlformats.org/drawingml/2006/main" xmlns:r="http://schemas.openxmlformats.org/officeDocument/2006/relationships" xmlns:p="http://schemas.openxmlformats.org/presentationml/2006/main">
   <p:cSld>
     <p:bg>
@@ -24609,7 +28451,7 @@
 </p:sld>
 </file>
 
-<file path=ppt/slides/slide25.xml><?xml version="1.0" encoding="utf-8"?>
+<file path=ppt/slides/slide27.xml><?xml version="1.0" encoding="utf-8"?>
 <p:sld xmlns:a="http://schemas.openxmlformats.org/drawingml/2006/main" xmlns:r="http://schemas.openxmlformats.org/officeDocument/2006/relationships" xmlns:p="http://schemas.openxmlformats.org/presentationml/2006/main">
   <p:cSld>
     <p:bg>
@@ -25219,7 +29061,7 @@
 </p:sld>
 </file>
 
-<file path=ppt/slides/slide26.xml><?xml version="1.0" encoding="utf-8"?>
+<file path=ppt/slides/slide28.xml><?xml version="1.0" encoding="utf-8"?>
 <p:sld xmlns:a="http://schemas.openxmlformats.org/drawingml/2006/main" xmlns:r="http://schemas.openxmlformats.org/officeDocument/2006/relationships" xmlns:p="http://schemas.openxmlformats.org/presentationml/2006/main">
   <p:cSld>
     <p:spTree>
@@ -25904,7 +29746,7 @@
 </p:sld>
 </file>
 
-<file path=ppt/slides/slide27.xml><?xml version="1.0" encoding="utf-8"?>
+<file path=ppt/slides/slide29.xml><?xml version="1.0" encoding="utf-8"?>
 <p:sld xmlns:a="http://schemas.openxmlformats.org/drawingml/2006/main" xmlns:r="http://schemas.openxmlformats.org/officeDocument/2006/relationships" xmlns:p="http://schemas.openxmlformats.org/presentationml/2006/main">
   <p:cSld>
     <p:spTree>
@@ -27942,7 +31784,280 @@
 </p:sld>
 </file>
 
-<file path=ppt/slides/slide28.xml><?xml version="1.0" encoding="utf-8"?>
+<file path=ppt/slides/slide3.xml><?xml version="1.0" encoding="utf-8"?>
+<p:sld xmlns:a="http://schemas.openxmlformats.org/drawingml/2006/main" xmlns:r="http://schemas.openxmlformats.org/officeDocument/2006/relationships" xmlns:p="http://schemas.openxmlformats.org/presentationml/2006/main">
+  <p:cSld>
+    <p:bg>
+      <p:bgPr>
+        <a:solidFill>
+          <a:schemeClr val="bg1"/>
+        </a:solidFill>
+        <a:effectLst/>
+      </p:bgPr>
+    </p:bg>
+    <p:spTree>
+      <p:nvGrpSpPr>
+        <p:cNvPr id="1" name=""/>
+        <p:cNvGrpSpPr/>
+        <p:nvPr/>
+      </p:nvGrpSpPr>
+      <p:grpSpPr>
+        <a:xfrm>
+          <a:off x="0" y="0"/>
+          <a:ext cx="0" cy="0"/>
+          <a:chOff x="0" y="0"/>
+          <a:chExt cx="0" cy="0"/>
+        </a:xfrm>
+      </p:grpSpPr>
+      <p:sp>
+        <p:nvSpPr>
+          <p:cNvPr id="4" name="Title 3">
+            <a:extLst>
+              <a:ext uri="{FF2B5EF4-FFF2-40B4-BE49-F238E27FC236}">
+                <a16:creationId xmlns:a16="http://schemas.microsoft.com/office/drawing/2014/main" id="{673AB63A-583D-4BBD-914A-0A8056D0F4A2}"/>
+              </a:ext>
+            </a:extLst>
+          </p:cNvPr>
+          <p:cNvSpPr>
+            <a:spLocks noGrp="1"/>
+          </p:cNvSpPr>
+          <p:nvPr>
+            <p:ph type="title"/>
+          </p:nvPr>
+        </p:nvSpPr>
+        <p:spPr>
+          <a:xfrm>
+            <a:off x="3724072" y="629268"/>
+            <a:ext cx="4939868" cy="1286160"/>
+          </a:xfrm>
+        </p:spPr>
+        <p:txBody>
+          <a:bodyPr anchor="b">
+            <a:normAutofit/>
+          </a:bodyPr>
+          <a:lstStyle/>
+          <a:p>
+            <a:r>
+              <a:rPr lang="en-US" dirty="0"/>
+              <a:t>Games</a:t>
+            </a:r>
+          </a:p>
+        </p:txBody>
+      </p:sp>
+      <p:sp>
+        <p:nvSpPr>
+          <p:cNvPr id="5" name="Content Placeholder 4">
+            <a:extLst>
+              <a:ext uri="{FF2B5EF4-FFF2-40B4-BE49-F238E27FC236}">
+                <a16:creationId xmlns:a16="http://schemas.microsoft.com/office/drawing/2014/main" id="{3C1F6EBF-AF35-4215-9C0C-E67FFF86834E}"/>
+              </a:ext>
+            </a:extLst>
+          </p:cNvPr>
+          <p:cNvSpPr>
+            <a:spLocks noGrp="1"/>
+          </p:cNvSpPr>
+          <p:nvPr>
+            <p:ph idx="1"/>
+          </p:nvPr>
+        </p:nvSpPr>
+        <p:spPr>
+          <a:xfrm>
+            <a:off x="3724073" y="2438400"/>
+            <a:ext cx="4939867" cy="3785419"/>
+          </a:xfrm>
+        </p:spPr>
+        <p:txBody>
+          <a:bodyPr>
+            <a:normAutofit fontScale="85000" lnSpcReduction="10000"/>
+          </a:bodyPr>
+          <a:lstStyle/>
+          <a:p>
+            <a:r>
+              <a:rPr lang="en-US" sz="2000" dirty="0"/>
+              <a:t>Games typically confront the agent with a competitive (adversarial) environment affected by an opponent (strategic environment).</a:t>
+            </a:r>
+          </a:p>
+          <a:p>
+            <a:r>
+              <a:rPr lang="en-US" sz="2000" dirty="0"/>
+              <a:t>Games are episodic.</a:t>
+            </a:r>
+          </a:p>
+          <a:p>
+            <a:r>
+              <a:rPr lang="en-US" sz="2000" dirty="0"/>
+              <a:t>We will focus on planning for</a:t>
+            </a:r>
+          </a:p>
+          <a:p>
+            <a:pPr lvl="1"/>
+            <a:r>
+              <a:rPr lang="en-US" sz="1600" dirty="0"/>
+              <a:t>two-player zero-sum games with </a:t>
+            </a:r>
+          </a:p>
+          <a:p>
+            <a:pPr lvl="1"/>
+            <a:r>
+              <a:rPr lang="en-US" sz="1600" dirty="0"/>
+              <a:t>deterministic game mechanics and </a:t>
+            </a:r>
+          </a:p>
+          <a:p>
+            <a:pPr lvl="1"/>
+            <a:r>
+              <a:rPr lang="en-US" sz="1600" dirty="0"/>
+              <a:t>perfect information (i.e., fully observable environment).</a:t>
+            </a:r>
+            <a:endParaRPr lang="en-US" sz="2000" dirty="0"/>
+          </a:p>
+          <a:p>
+            <a:endParaRPr lang="en-US" sz="2000" dirty="0"/>
+          </a:p>
+          <a:p>
+            <a:r>
+              <a:rPr lang="en-US" sz="2000" dirty="0"/>
+              <a:t>We call the two players: </a:t>
+            </a:r>
+          </a:p>
+          <a:p>
+            <a:pPr marL="914400" lvl="1" indent="-457200">
+              <a:buFont typeface="+mj-lt"/>
+              <a:buAutoNum type="arabicParenR"/>
+            </a:pPr>
+            <a:r>
+              <a:rPr lang="en-US" sz="2000" b="1" dirty="0"/>
+              <a:t>Max</a:t>
+            </a:r>
+            <a:r>
+              <a:rPr lang="en-US" sz="2000" dirty="0"/>
+              <a:t> tries to maximize his utility.</a:t>
+            </a:r>
+          </a:p>
+          <a:p>
+            <a:pPr marL="914400" lvl="1" indent="-457200">
+              <a:buFont typeface="+mj-lt"/>
+              <a:buAutoNum type="arabicParenR"/>
+            </a:pPr>
+            <a:r>
+              <a:rPr lang="en-US" sz="2000" b="1" dirty="0"/>
+              <a:t>Min</a:t>
+            </a:r>
+            <a:r>
+              <a:rPr lang="en-US" sz="2000" dirty="0"/>
+              <a:t> tries to minimize Max’s utility since it is a zero-sum game.</a:t>
+            </a:r>
+          </a:p>
+        </p:txBody>
+      </p:sp>
+      <p:pic>
+        <p:nvPicPr>
+          <p:cNvPr id="7" name="Picture 6" descr="Metal tic-tac-toe game pieces">
+            <a:extLst>
+              <a:ext uri="{FF2B5EF4-FFF2-40B4-BE49-F238E27FC236}">
+                <a16:creationId xmlns:a16="http://schemas.microsoft.com/office/drawing/2014/main" id="{175FC947-2DD1-4775-8699-AB039B7D98A1}"/>
+              </a:ext>
+            </a:extLst>
+          </p:cNvPr>
+          <p:cNvPicPr>
+            <a:picLocks noChangeAspect="1"/>
+          </p:cNvPicPr>
+          <p:nvPr/>
+        </p:nvPicPr>
+        <p:blipFill rotWithShape="1">
+          <a:blip r:embed="rId2">
+            <a:extLst>
+              <a:ext uri="{BEBA8EAE-BF5A-486C-A8C5-ECC9F3942E4B}">
+                <a14:imgProps xmlns:a14="http://schemas.microsoft.com/office/drawing/2010/main">
+                  <a14:imgLayer r:embed="rId3">
+                    <a14:imgEffect>
+                      <a14:saturation sat="0"/>
+                    </a14:imgEffect>
+                  </a14:imgLayer>
+                </a14:imgProps>
+              </a:ext>
+            </a:extLst>
+          </a:blip>
+          <a:srcRect l="24221" r="37758"/>
+          <a:stretch/>
+        </p:blipFill>
+        <p:spPr>
+          <a:xfrm>
+            <a:off x="20" y="10"/>
+            <a:ext cx="3476673" cy="6857990"/>
+          </a:xfrm>
+          <a:prstGeom prst="rect">
+            <a:avLst/>
+          </a:prstGeom>
+          <a:effectLst/>
+        </p:spPr>
+      </p:pic>
+      <p:cxnSp>
+        <p:nvCxnSpPr>
+          <p:cNvPr id="11" name="Straight Connector 10">
+            <a:extLst>
+              <a:ext uri="{FF2B5EF4-FFF2-40B4-BE49-F238E27FC236}">
+                <a16:creationId xmlns:a16="http://schemas.microsoft.com/office/drawing/2014/main" id="{A7F400EE-A8A5-48AF-B4D6-291B52C6F0B0}"/>
+              </a:ext>
+              <a:ext uri="{C183D7F6-B498-43B3-948B-1728B52AA6E4}">
+                <adec:decorative xmlns:adec="http://schemas.microsoft.com/office/drawing/2017/decorative" val="1"/>
+              </a:ext>
+            </a:extLst>
+          </p:cNvPr>
+          <p:cNvCxnSpPr>
+            <a:cxnSpLocks noGrp="1" noRot="1" noChangeAspect="1" noMove="1" noResize="1" noEditPoints="1" noAdjustHandles="1" noChangeArrowheads="1" noChangeShapeType="1"/>
+          </p:cNvCxnSpPr>
+          <p:nvPr>
+            <p:extLst>
+              <p:ext uri="{386F3935-93C4-4BCD-93E2-E3B085C9AB24}">
+                <p16:designElem xmlns:p16="http://schemas.microsoft.com/office/powerpoint/2015/main" val="1"/>
+              </p:ext>
+            </p:extLst>
+          </p:nvPr>
+        </p:nvCxnSpPr>
+        <p:spPr>
+          <a:xfrm>
+            <a:off x="3810700" y="2115117"/>
+            <a:ext cx="4732020" cy="0"/>
+          </a:xfrm>
+          <a:prstGeom prst="line">
+            <a:avLst/>
+          </a:prstGeom>
+          <a:ln w="19050">
+            <a:solidFill>
+              <a:srgbClr val="5C8BBB"/>
+            </a:solidFill>
+          </a:ln>
+        </p:spPr>
+        <p:style>
+          <a:lnRef idx="1">
+            <a:schemeClr val="accent1"/>
+          </a:lnRef>
+          <a:fillRef idx="0">
+            <a:schemeClr val="accent1"/>
+          </a:fillRef>
+          <a:effectRef idx="0">
+            <a:schemeClr val="accent1"/>
+          </a:effectRef>
+          <a:fontRef idx="minor">
+            <a:schemeClr val="tx1"/>
+          </a:fontRef>
+        </p:style>
+      </p:cxnSp>
+    </p:spTree>
+    <p:extLst>
+      <p:ext uri="{BB962C8B-B14F-4D97-AF65-F5344CB8AC3E}">
+        <p14:creationId xmlns:p14="http://schemas.microsoft.com/office/powerpoint/2010/main" val="1068800212"/>
+      </p:ext>
+    </p:extLst>
+  </p:cSld>
+  <p:clrMapOvr>
+    <a:masterClrMapping/>
+  </p:clrMapOvr>
+</p:sld>
+</file>
+
+<file path=ppt/slides/slide30.xml><?xml version="1.0" encoding="utf-8"?>
 <p:sld xmlns:a="http://schemas.openxmlformats.org/drawingml/2006/main" xmlns:r="http://schemas.openxmlformats.org/officeDocument/2006/relationships" xmlns:p="http://schemas.openxmlformats.org/presentationml/2006/main">
   <p:cSld>
     <p:spTree>
@@ -28116,7 +32231,7 @@
 </p:sld>
 </file>
 
-<file path=ppt/slides/slide29.xml><?xml version="1.0" encoding="utf-8"?>
+<file path=ppt/slides/slide31.xml><?xml version="1.0" encoding="utf-8"?>
 <p:sld xmlns:a="http://schemas.openxmlformats.org/drawingml/2006/main" xmlns:r="http://schemas.openxmlformats.org/officeDocument/2006/relationships" xmlns:p="http://schemas.openxmlformats.org/presentationml/2006/main">
   <p:cSld>
     <p:spTree>
@@ -29956,631 +34071,7 @@
 </p:sld>
 </file>
 
-<file path=ppt/slides/slide3.xml><?xml version="1.0" encoding="utf-8"?>
-<p:sld xmlns:a="http://schemas.openxmlformats.org/drawingml/2006/main" xmlns:r="http://schemas.openxmlformats.org/officeDocument/2006/relationships" xmlns:p="http://schemas.openxmlformats.org/presentationml/2006/main">
-  <p:cSld>
-    <p:bg>
-      <p:bgPr>
-        <a:solidFill>
-          <a:schemeClr val="bg1"/>
-        </a:solidFill>
-        <a:effectLst/>
-      </p:bgPr>
-    </p:bg>
-    <p:spTree>
-      <p:nvGrpSpPr>
-        <p:cNvPr id="1" name=""/>
-        <p:cNvGrpSpPr/>
-        <p:nvPr/>
-      </p:nvGrpSpPr>
-      <p:grpSpPr>
-        <a:xfrm>
-          <a:off x="0" y="0"/>
-          <a:ext cx="0" cy="0"/>
-          <a:chOff x="0" y="0"/>
-          <a:chExt cx="0" cy="0"/>
-        </a:xfrm>
-      </p:grpSpPr>
-      <p:sp>
-        <p:nvSpPr>
-          <p:cNvPr id="2" name="Title 1">
-            <a:extLst>
-              <a:ext uri="{FF2B5EF4-FFF2-40B4-BE49-F238E27FC236}">
-                <a16:creationId xmlns:a16="http://schemas.microsoft.com/office/drawing/2014/main" id="{BD828217-054C-40B5-85A9-DE0A5B353D0A}"/>
-              </a:ext>
-            </a:extLst>
-          </p:cNvPr>
-          <p:cNvSpPr>
-            <a:spLocks noGrp="1"/>
-          </p:cNvSpPr>
-          <p:nvPr>
-            <p:ph type="title"/>
-          </p:nvPr>
-        </p:nvSpPr>
-        <p:spPr>
-          <a:xfrm>
-            <a:off x="3724072" y="629268"/>
-            <a:ext cx="4939867" cy="1286160"/>
-          </a:xfrm>
-        </p:spPr>
-        <p:txBody>
-          <a:bodyPr anchor="b">
-            <a:normAutofit/>
-          </a:bodyPr>
-          <a:lstStyle/>
-          <a:p>
-            <a:r>
-              <a:rPr lang="en-US" sz="4100" dirty="0"/>
-              <a:t>Definition of a Game</a:t>
-            </a:r>
-          </a:p>
-        </p:txBody>
-      </p:sp>
-      <mc:AlternateContent xmlns:mc="http://schemas.openxmlformats.org/markup-compatibility/2006" xmlns:a14="http://schemas.microsoft.com/office/drawing/2010/main">
-        <mc:Choice Requires="a14">
-          <p:sp>
-            <p:nvSpPr>
-              <p:cNvPr id="3" name="Content Placeholder 2">
-                <a:extLst>
-                  <a:ext uri="{FF2B5EF4-FFF2-40B4-BE49-F238E27FC236}">
-                    <a16:creationId xmlns:a16="http://schemas.microsoft.com/office/drawing/2014/main" id="{CA91934C-64CB-4EB4-BD68-E07D357C904F}"/>
-                  </a:ext>
-                </a:extLst>
-              </p:cNvPr>
-              <p:cNvSpPr>
-                <a:spLocks noGrp="1"/>
-              </p:cNvSpPr>
-              <p:nvPr>
-                <p:ph idx="1"/>
-              </p:nvPr>
-            </p:nvSpPr>
-            <p:spPr>
-              <a:xfrm>
-                <a:off x="3724073" y="2438400"/>
-                <a:ext cx="5038927" cy="3785419"/>
-              </a:xfrm>
-            </p:spPr>
-            <p:txBody>
-              <a:bodyPr>
-                <a:noAutofit/>
-              </a:bodyPr>
-              <a:lstStyle/>
-              <a:p>
-                <a:r>
-                  <a:rPr lang="en-US" sz="1600" b="1" dirty="0"/>
-                  <a:t>Definition:</a:t>
-                </a:r>
-                <a:endParaRPr lang="en-US" sz="2000" i="1" dirty="0">
-                  <a:latin typeface="Cambria Math" panose="02040503050406030204" pitchFamily="18" charset="0"/>
-                </a:endParaRPr>
-              </a:p>
-              <a:p>
-                <a:pPr marL="457200" lvl="1" indent="0">
-                  <a:buNone/>
-                </a:pPr>
-                <a14:m>
-                  <m:oMath xmlns:m="http://schemas.openxmlformats.org/officeDocument/2006/math">
-                    <m:sSub>
-                      <m:sSubPr>
-                        <m:ctrlPr>
-                          <a:rPr lang="en-US" sz="1400" i="1">
-                            <a:latin typeface="Cambria Math" panose="02040503050406030204" pitchFamily="18" charset="0"/>
-                          </a:rPr>
-                        </m:ctrlPr>
-                      </m:sSubPr>
-                      <m:e>
-                        <m:r>
-                          <a:rPr lang="en-US" sz="1400" i="1">
-                            <a:latin typeface="Cambria Math" panose="02040503050406030204" pitchFamily="18" charset="0"/>
-                          </a:rPr>
-                          <m:t>𝑠</m:t>
-                        </m:r>
-                      </m:e>
-                      <m:sub>
-                        <m:r>
-                          <a:rPr lang="en-US" sz="1400" i="1">
-                            <a:latin typeface="Cambria Math" panose="02040503050406030204" pitchFamily="18" charset="0"/>
-                          </a:rPr>
-                          <m:t>0</m:t>
-                        </m:r>
-                      </m:sub>
-                    </m:sSub>
-                  </m:oMath>
-                </a14:m>
-                <a:r>
-                  <a:rPr lang="en-US" sz="1400" dirty="0"/>
-                  <a:t>		The initial state (position, board, hand).</a:t>
-                </a:r>
-              </a:p>
-              <a:p>
-                <a:pPr marL="457200" lvl="1" indent="0">
-                  <a:buNone/>
-                </a:pPr>
-                <a14:m>
-                  <m:oMath xmlns:m="http://schemas.openxmlformats.org/officeDocument/2006/math">
-                    <m:r>
-                      <a:rPr lang="en-US" sz="1400" i="1">
-                        <a:latin typeface="Cambria Math" panose="02040503050406030204" pitchFamily="18" charset="0"/>
-                      </a:rPr>
-                      <m:t>𝐴𝑐𝑡𝑖𝑜𝑛𝑠</m:t>
-                    </m:r>
-                    <m:r>
-                      <a:rPr lang="en-US" sz="1400" i="1">
-                        <a:latin typeface="Cambria Math" panose="02040503050406030204" pitchFamily="18" charset="0"/>
-                      </a:rPr>
-                      <m:t>(</m:t>
-                    </m:r>
-                    <m:r>
-                      <a:rPr lang="en-US" sz="1400" i="1">
-                        <a:latin typeface="Cambria Math" panose="02040503050406030204" pitchFamily="18" charset="0"/>
-                      </a:rPr>
-                      <m:t>𝑠</m:t>
-                    </m:r>
-                    <m:r>
-                      <a:rPr lang="en-US" sz="1400" i="1">
-                        <a:latin typeface="Cambria Math" panose="02040503050406030204" pitchFamily="18" charset="0"/>
-                      </a:rPr>
-                      <m:t>)</m:t>
-                    </m:r>
-                  </m:oMath>
-                </a14:m>
-                <a:r>
-                  <a:rPr lang="en-US" sz="1400" dirty="0"/>
-                  <a:t> 	Legal moves in state </a:t>
-                </a:r>
-                <a14:m>
-                  <m:oMath xmlns:m="http://schemas.openxmlformats.org/officeDocument/2006/math">
-                    <m:r>
-                      <a:rPr lang="en-US" sz="1400" i="1">
-                        <a:latin typeface="Cambria Math" panose="02040503050406030204" pitchFamily="18" charset="0"/>
-                      </a:rPr>
-                      <m:t>𝑠</m:t>
-                    </m:r>
-                  </m:oMath>
-                </a14:m>
-                <a:r>
-                  <a:rPr lang="en-US" sz="1400" dirty="0"/>
-                  <a:t>. </a:t>
-                </a:r>
-              </a:p>
-              <a:p>
-                <a:pPr marL="457200" lvl="1" indent="0">
-                  <a:buNone/>
-                </a:pPr>
-                <a14:m>
-                  <m:oMath xmlns:m="http://schemas.openxmlformats.org/officeDocument/2006/math">
-                    <m:r>
-                      <a:rPr lang="en-US" sz="1400" i="1">
-                        <a:latin typeface="Cambria Math" panose="02040503050406030204" pitchFamily="18" charset="0"/>
-                      </a:rPr>
-                      <m:t>𝑅𝑒𝑠𝑢𝑙𝑡</m:t>
-                    </m:r>
-                    <m:r>
-                      <a:rPr lang="en-US" sz="1400" i="1">
-                        <a:latin typeface="Cambria Math" panose="02040503050406030204" pitchFamily="18" charset="0"/>
-                      </a:rPr>
-                      <m:t>(</m:t>
-                    </m:r>
-                    <m:r>
-                      <a:rPr lang="en-US" sz="1400" i="1">
-                        <a:latin typeface="Cambria Math" panose="02040503050406030204" pitchFamily="18" charset="0"/>
-                      </a:rPr>
-                      <m:t>𝑠</m:t>
-                    </m:r>
-                    <m:r>
-                      <a:rPr lang="en-US" sz="1400" i="1">
-                        <a:latin typeface="Cambria Math" panose="02040503050406030204" pitchFamily="18" charset="0"/>
-                      </a:rPr>
-                      <m:t>,</m:t>
-                    </m:r>
-                    <m:r>
-                      <a:rPr lang="en-US" sz="1400" i="1">
-                        <a:latin typeface="Cambria Math" panose="02040503050406030204" pitchFamily="18" charset="0"/>
-                      </a:rPr>
-                      <m:t>𝑎</m:t>
-                    </m:r>
-                    <m:r>
-                      <a:rPr lang="en-US" sz="1400" i="1">
-                        <a:latin typeface="Cambria Math" panose="02040503050406030204" pitchFamily="18" charset="0"/>
-                      </a:rPr>
-                      <m:t>)</m:t>
-                    </m:r>
-                  </m:oMath>
-                </a14:m>
-                <a:r>
-                  <a:rPr lang="en-US" sz="1400" dirty="0"/>
-                  <a:t>	Transition model.</a:t>
-                </a:r>
-              </a:p>
-              <a:p>
-                <a:pPr marL="457200" lvl="1" indent="0">
-                  <a:buNone/>
-                </a:pPr>
-                <a14:m>
-                  <m:oMath xmlns:m="http://schemas.openxmlformats.org/officeDocument/2006/math">
-                    <m:r>
-                      <a:rPr lang="en-US" sz="1400" b="0" i="1" smtClean="0">
-                        <a:latin typeface="Cambria Math" panose="02040503050406030204" pitchFamily="18" charset="0"/>
-                      </a:rPr>
-                      <m:t>𝑇</m:t>
-                    </m:r>
-                    <m:r>
-                      <a:rPr lang="en-US" sz="1400" i="1">
-                        <a:latin typeface="Cambria Math" panose="02040503050406030204" pitchFamily="18" charset="0"/>
-                      </a:rPr>
-                      <m:t>𝑒𝑟𝑚𝑖𝑛𝑎𝑙</m:t>
-                    </m:r>
-                    <m:r>
-                      <a:rPr lang="en-US" sz="1400" i="1">
-                        <a:latin typeface="Cambria Math" panose="02040503050406030204" pitchFamily="18" charset="0"/>
-                      </a:rPr>
-                      <m:t>(</m:t>
-                    </m:r>
-                    <m:r>
-                      <a:rPr lang="en-US" sz="1400" i="1">
-                        <a:latin typeface="Cambria Math" panose="02040503050406030204" pitchFamily="18" charset="0"/>
-                      </a:rPr>
-                      <m:t>𝑠</m:t>
-                    </m:r>
-                    <m:r>
-                      <a:rPr lang="en-US" sz="1400" i="1">
-                        <a:latin typeface="Cambria Math" panose="02040503050406030204" pitchFamily="18" charset="0"/>
-                      </a:rPr>
-                      <m:t>)</m:t>
-                    </m:r>
-                  </m:oMath>
-                </a14:m>
-                <a:r>
-                  <a:rPr lang="en-US" sz="1400" dirty="0"/>
-                  <a:t> 	Test for terminal states.</a:t>
-                </a:r>
-              </a:p>
-              <a:p>
-                <a:pPr marL="457200" lvl="1" indent="0">
-                  <a:buNone/>
-                </a:pPr>
-                <a14:m>
-                  <m:oMath xmlns:m="http://schemas.openxmlformats.org/officeDocument/2006/math">
-                    <m:r>
-                      <a:rPr lang="en-US" sz="1400" i="1">
-                        <a:latin typeface="Cambria Math" panose="02040503050406030204" pitchFamily="18" charset="0"/>
-                      </a:rPr>
-                      <m:t>𝑈𝑡𝑖𝑙𝑖𝑡𝑦</m:t>
-                    </m:r>
-                    <m:r>
-                      <a:rPr lang="en-US" sz="1400" i="1">
-                        <a:latin typeface="Cambria Math" panose="02040503050406030204" pitchFamily="18" charset="0"/>
-                      </a:rPr>
-                      <m:t>(</m:t>
-                    </m:r>
-                    <m:r>
-                      <a:rPr lang="en-US" sz="1400" i="1">
-                        <a:latin typeface="Cambria Math" panose="02040503050406030204" pitchFamily="18" charset="0"/>
-                      </a:rPr>
-                      <m:t>𝑠</m:t>
-                    </m:r>
-                    <m:r>
-                      <a:rPr lang="en-US" sz="1400" i="1">
-                        <a:latin typeface="Cambria Math" panose="02040503050406030204" pitchFamily="18" charset="0"/>
-                      </a:rPr>
-                      <m:t>)</m:t>
-                    </m:r>
-                  </m:oMath>
-                </a14:m>
-                <a:r>
-                  <a:rPr lang="en-US" sz="1400" dirty="0"/>
-                  <a:t>	Utility for player Max for terminal states.</a:t>
-                </a:r>
-              </a:p>
-              <a:p>
-                <a:endParaRPr lang="en-US" sz="1600" dirty="0"/>
-              </a:p>
-              <a:p>
-                <a:r>
-                  <a:rPr lang="en-US" sz="1600" b="1" dirty="0"/>
-                  <a:t>State space</a:t>
-                </a:r>
-                <a:r>
-                  <a:rPr lang="en-US" sz="1600" dirty="0"/>
-                  <a:t>: a graph defined by the initial state and the transition function containing all reachable states (e.g., chess positions).</a:t>
-                </a:r>
-              </a:p>
-              <a:p>
-                <a:r>
-                  <a:rPr lang="en-US" sz="1600" b="1" dirty="0"/>
-                  <a:t>Game tree</a:t>
-                </a:r>
-                <a:r>
-                  <a:rPr lang="en-US" sz="1600" dirty="0"/>
-                  <a:t>: a search tree superimposed on the state space. A complete game tree follows every sequence from the current state to the terminal state (the game ends).</a:t>
-                </a:r>
-              </a:p>
-            </p:txBody>
-          </p:sp>
-        </mc:Choice>
-        <mc:Fallback xmlns="">
-          <p:sp>
-            <p:nvSpPr>
-              <p:cNvPr id="3" name="Content Placeholder 2">
-                <a:extLst>
-                  <a:ext uri="{FF2B5EF4-FFF2-40B4-BE49-F238E27FC236}">
-                    <a16:creationId xmlns:a16="http://schemas.microsoft.com/office/drawing/2014/main" id="{CA91934C-64CB-4EB4-BD68-E07D357C904F}"/>
-                  </a:ext>
-                </a:extLst>
-              </p:cNvPr>
-              <p:cNvSpPr>
-                <a:spLocks noGrp="1" noRot="1" noChangeAspect="1" noMove="1" noResize="1" noEditPoints="1" noAdjustHandles="1" noChangeArrowheads="1" noChangeShapeType="1" noTextEdit="1"/>
-              </p:cNvSpPr>
-              <p:nvPr>
-                <p:ph idx="1"/>
-              </p:nvPr>
-            </p:nvSpPr>
-            <p:spPr>
-              <a:xfrm>
-                <a:off x="3724073" y="2438400"/>
-                <a:ext cx="5038927" cy="3785419"/>
-              </a:xfrm>
-              <a:blipFill>
-                <a:blip r:embed="rId2"/>
-                <a:stretch>
-                  <a:fillRect l="-484" t="-1127" b="-483"/>
-                </a:stretch>
-              </a:blipFill>
-            </p:spPr>
-            <p:txBody>
-              <a:bodyPr/>
-              <a:lstStyle/>
-              <a:p>
-                <a:r>
-                  <a:rPr lang="en-US">
-                    <a:noFill/>
-                  </a:rPr>
-                  <a:t> </a:t>
-                </a:r>
-              </a:p>
-            </p:txBody>
-          </p:sp>
-        </mc:Fallback>
-      </mc:AlternateContent>
-      <p:cxnSp>
-        <p:nvCxnSpPr>
-          <p:cNvPr id="9" name="Straight Connector 8">
-            <a:extLst>
-              <a:ext uri="{FF2B5EF4-FFF2-40B4-BE49-F238E27FC236}">
-                <a16:creationId xmlns:a16="http://schemas.microsoft.com/office/drawing/2014/main" id="{A7F400EE-A8A5-48AF-B4D6-291B52C6F0B0}"/>
-              </a:ext>
-              <a:ext uri="{C183D7F6-B498-43B3-948B-1728B52AA6E4}">
-                <adec:decorative xmlns:adec="http://schemas.microsoft.com/office/drawing/2017/decorative" val="1"/>
-              </a:ext>
-            </a:extLst>
-          </p:cNvPr>
-          <p:cNvCxnSpPr>
-            <a:cxnSpLocks noGrp="1" noRot="1" noChangeAspect="1" noMove="1" noResize="1" noEditPoints="1" noAdjustHandles="1" noChangeArrowheads="1" noChangeShapeType="1"/>
-          </p:cNvCxnSpPr>
-          <p:nvPr>
-            <p:extLst>
-              <p:ext uri="{386F3935-93C4-4BCD-93E2-E3B085C9AB24}">
-                <p16:designElem xmlns:p16="http://schemas.microsoft.com/office/powerpoint/2015/main" val="1"/>
-              </p:ext>
-            </p:extLst>
-          </p:nvPr>
-        </p:nvCxnSpPr>
-        <p:spPr>
-          <a:xfrm>
-            <a:off x="3810700" y="2115117"/>
-            <a:ext cx="4732020" cy="0"/>
-          </a:xfrm>
-          <a:prstGeom prst="line">
-            <a:avLst/>
-          </a:prstGeom>
-          <a:ln w="19050">
-            <a:solidFill>
-              <a:schemeClr val="accent1"/>
-            </a:solidFill>
-          </a:ln>
-        </p:spPr>
-        <p:style>
-          <a:lnRef idx="1">
-            <a:schemeClr val="accent1"/>
-          </a:lnRef>
-          <a:fillRef idx="0">
-            <a:schemeClr val="accent1"/>
-          </a:fillRef>
-          <a:effectRef idx="0">
-            <a:schemeClr val="accent1"/>
-          </a:effectRef>
-          <a:fontRef idx="minor">
-            <a:schemeClr val="tx1"/>
-          </a:fontRef>
-        </p:style>
-      </p:cxnSp>
-      <p:pic>
-        <p:nvPicPr>
-          <p:cNvPr id="6" name="Picture 2" descr="Reflected Chess pieces">
-            <a:extLst>
-              <a:ext uri="{FF2B5EF4-FFF2-40B4-BE49-F238E27FC236}">
-                <a16:creationId xmlns:a16="http://schemas.microsoft.com/office/drawing/2014/main" id="{932AC7A2-B898-4053-9E19-C47E7A2F3659}"/>
-              </a:ext>
-            </a:extLst>
-          </p:cNvPr>
-          <p:cNvPicPr>
-            <a:picLocks noChangeAspect="1" noChangeArrowheads="1"/>
-          </p:cNvPicPr>
-          <p:nvPr/>
-        </p:nvPicPr>
-        <p:blipFill rotWithShape="1">
-          <a:blip r:embed="rId3">
-            <a:extLst>
-              <a:ext uri="{28A0092B-C50C-407E-A947-70E740481C1C}">
-                <a14:useLocalDpi xmlns:a14="http://schemas.microsoft.com/office/drawing/2010/main" val="0"/>
-              </a:ext>
-            </a:extLst>
-          </a:blip>
-          <a:srcRect l="47863" t="1982" r="19372" b="938"/>
-          <a:stretch/>
-        </p:blipFill>
-        <p:spPr bwMode="auto">
-          <a:xfrm>
-            <a:off x="0" y="0"/>
-            <a:ext cx="3384395" cy="6842361"/>
-          </a:xfrm>
-          <a:prstGeom prst="rect">
-            <a:avLst/>
-          </a:prstGeom>
-          <a:noFill/>
-          <a:extLst>
-            <a:ext uri="{909E8E84-426E-40DD-AFC4-6F175D3DCCD1}">
-              <a14:hiddenFill xmlns:a14="http://schemas.microsoft.com/office/drawing/2010/main">
-                <a:solidFill>
-                  <a:srgbClr val="FFFFFF"/>
-                </a:solidFill>
-              </a14:hiddenFill>
-            </a:ext>
-          </a:extLst>
-        </p:spPr>
-      </p:pic>
-    </p:spTree>
-    <p:extLst>
-      <p:ext uri="{BB962C8B-B14F-4D97-AF65-F5344CB8AC3E}">
-        <p14:creationId xmlns:p14="http://schemas.microsoft.com/office/powerpoint/2010/main" val="2636748950"/>
-      </p:ext>
-    </p:extLst>
-  </p:cSld>
-  <p:clrMapOvr>
-    <a:masterClrMapping/>
-  </p:clrMapOvr>
-  <p:timing>
-    <p:tnLst>
-      <p:par>
-        <p:cTn id="1" dur="indefinite" restart="never" nodeType="tmRoot">
-          <p:childTnLst>
-            <p:seq concurrent="1" nextAc="seek">
-              <p:cTn id="2" dur="indefinite" nodeType="mainSeq">
-                <p:childTnLst>
-                  <p:par>
-                    <p:cTn id="3" fill="hold">
-                      <p:stCondLst>
-                        <p:cond delay="indefinite"/>
-                      </p:stCondLst>
-                      <p:childTnLst>
-                        <p:par>
-                          <p:cTn id="4" fill="hold">
-                            <p:stCondLst>
-                              <p:cond delay="0"/>
-                            </p:stCondLst>
-                            <p:childTnLst>
-                              <p:par>
-                                <p:cTn id="5" presetID="1" presetClass="entr" presetSubtype="0" fill="hold" nodeType="clickEffect">
-                                  <p:stCondLst>
-                                    <p:cond delay="0"/>
-                                  </p:stCondLst>
-                                  <p:childTnLst>
-                                    <p:set>
-                                      <p:cBhvr>
-                                        <p:cTn id="6" dur="1" fill="hold">
-                                          <p:stCondLst>
-                                            <p:cond delay="0"/>
-                                          </p:stCondLst>
-                                        </p:cTn>
-                                        <p:tgtEl>
-                                          <p:spTgt spid="3">
-                                            <p:txEl>
-                                              <p:pRg st="7" end="7"/>
-                                            </p:txEl>
-                                          </p:spTgt>
-                                        </p:tgtEl>
-                                        <p:attrNameLst>
-                                          <p:attrName>style.visibility</p:attrName>
-                                        </p:attrNameLst>
-                                      </p:cBhvr>
-                                      <p:to>
-                                        <p:strVal val="visible"/>
-                                      </p:to>
-                                    </p:set>
-                                  </p:childTnLst>
-                                </p:cTn>
-                              </p:par>
-                            </p:childTnLst>
-                          </p:cTn>
-                        </p:par>
-                      </p:childTnLst>
-                    </p:cTn>
-                  </p:par>
-                  <p:par>
-                    <p:cTn id="7" fill="hold">
-                      <p:stCondLst>
-                        <p:cond delay="indefinite"/>
-                      </p:stCondLst>
-                      <p:childTnLst>
-                        <p:par>
-                          <p:cTn id="8" fill="hold">
-                            <p:stCondLst>
-                              <p:cond delay="0"/>
-                            </p:stCondLst>
-                            <p:childTnLst>
-                              <p:par>
-                                <p:cTn id="9" presetID="1" presetClass="entr" presetSubtype="0" fill="hold" nodeType="clickEffect">
-                                  <p:stCondLst>
-                                    <p:cond delay="0"/>
-                                  </p:stCondLst>
-                                  <p:childTnLst>
-                                    <p:set>
-                                      <p:cBhvr>
-                                        <p:cTn id="10" dur="1" fill="hold">
-                                          <p:stCondLst>
-                                            <p:cond delay="0"/>
-                                          </p:stCondLst>
-                                        </p:cTn>
-                                        <p:tgtEl>
-                                          <p:spTgt spid="3">
-                                            <p:txEl>
-                                              <p:pRg st="8" end="8"/>
-                                            </p:txEl>
-                                          </p:spTgt>
-                                        </p:tgtEl>
-                                        <p:attrNameLst>
-                                          <p:attrName>style.visibility</p:attrName>
-                                        </p:attrNameLst>
-                                      </p:cBhvr>
-                                      <p:to>
-                                        <p:strVal val="visible"/>
-                                      </p:to>
-                                    </p:set>
-                                  </p:childTnLst>
-                                </p:cTn>
-                              </p:par>
-                            </p:childTnLst>
-                          </p:cTn>
-                        </p:par>
-                      </p:childTnLst>
-                    </p:cTn>
-                  </p:par>
-                </p:childTnLst>
-              </p:cTn>
-              <p:prevCondLst>
-                <p:cond evt="onPrev" delay="0">
-                  <p:tgtEl>
-                    <p:sldTgt/>
-                  </p:tgtEl>
-                </p:cond>
-              </p:prevCondLst>
-              <p:nextCondLst>
-                <p:cond evt="onNext" delay="0">
-                  <p:tgtEl>
-                    <p:sldTgt/>
-                  </p:tgtEl>
-                </p:cond>
-              </p:nextCondLst>
-            </p:seq>
-          </p:childTnLst>
-        </p:cTn>
-      </p:par>
-    </p:tnLst>
-  </p:timing>
-</p:sld>
-</file>
-
-<file path=ppt/slides/slide30.xml><?xml version="1.0" encoding="utf-8"?>
+<file path=ppt/slides/slide32.xml><?xml version="1.0" encoding="utf-8"?>
 <p:sld xmlns:a="http://schemas.openxmlformats.org/drawingml/2006/main" xmlns:r="http://schemas.openxmlformats.org/officeDocument/2006/relationships" xmlns:p="http://schemas.openxmlformats.org/presentationml/2006/main">
   <p:cSld>
     <p:bg>
@@ -30811,7 +34302,7 @@
 </p:sld>
 </file>
 
-<file path=ppt/slides/slide31.xml><?xml version="1.0" encoding="utf-8"?>
+<file path=ppt/slides/slide33.xml><?xml version="1.0" encoding="utf-8"?>
 <p:sld xmlns:a="http://schemas.openxmlformats.org/drawingml/2006/main" xmlns:r="http://schemas.openxmlformats.org/officeDocument/2006/relationships" xmlns:p="http://schemas.openxmlformats.org/presentationml/2006/main">
   <p:cSld>
     <p:bg>
@@ -31433,7 +34924,7 @@
 </p:sld>
 </file>
 
-<file path=ppt/slides/slide32.xml><?xml version="1.0" encoding="utf-8"?>
+<file path=ppt/slides/slide34.xml><?xml version="1.0" encoding="utf-8"?>
 <p:sld xmlns:a="http://schemas.openxmlformats.org/drawingml/2006/main" xmlns:r="http://schemas.openxmlformats.org/officeDocument/2006/relationships" xmlns:p="http://schemas.openxmlformats.org/presentationml/2006/main">
   <p:cSld>
     <p:spTree>
@@ -31942,7 +35433,7 @@
 </p:sld>
 </file>
 
-<file path=ppt/slides/slide33.xml><?xml version="1.0" encoding="utf-8"?>
+<file path=ppt/slides/slide35.xml><?xml version="1.0" encoding="utf-8"?>
 <p:sld xmlns:a="http://schemas.openxmlformats.org/drawingml/2006/main" xmlns:r="http://schemas.openxmlformats.org/officeDocument/2006/relationships" xmlns:p="http://schemas.openxmlformats.org/presentationml/2006/main">
   <p:cSld>
     <p:spTree>
@@ -32328,7 +35819,7 @@
 </p:sld>
 </file>
 
-<file path=ppt/slides/slide34.xml><?xml version="1.0" encoding="utf-8"?>
+<file path=ppt/slides/slide36.xml><?xml version="1.0" encoding="utf-8"?>
 <p:sld xmlns:a="http://schemas.openxmlformats.org/drawingml/2006/main" xmlns:r="http://schemas.openxmlformats.org/officeDocument/2006/relationships" xmlns:p="http://schemas.openxmlformats.org/presentationml/2006/main">
   <p:cSld>
     <p:spTree>
@@ -32756,7 +36247,7 @@
 </p:sld>
 </file>
 
-<file path=ppt/slides/slide35.xml><?xml version="1.0" encoding="utf-8"?>
+<file path=ppt/slides/slide37.xml><?xml version="1.0" encoding="utf-8"?>
 <p:sld xmlns:a="http://schemas.openxmlformats.org/drawingml/2006/main" xmlns:r="http://schemas.openxmlformats.org/officeDocument/2006/relationships" xmlns:p="http://schemas.openxmlformats.org/presentationml/2006/main">
   <p:cSld>
     <p:spTree>
@@ -33828,7 +37319,7 @@
 </p:sld>
 </file>
 
-<file path=ppt/slides/slide36.xml><?xml version="1.0" encoding="utf-8"?>
+<file path=ppt/slides/slide38.xml><?xml version="1.0" encoding="utf-8"?>
 <p:sld xmlns:a="http://schemas.openxmlformats.org/drawingml/2006/main" xmlns:r="http://schemas.openxmlformats.org/officeDocument/2006/relationships" xmlns:p="http://schemas.openxmlformats.org/presentationml/2006/main">
   <p:cSld>
     <p:spTree>
@@ -33996,7 +37487,7 @@
 </p:sld>
 </file>
 
-<file path=ppt/slides/slide37.xml><?xml version="1.0" encoding="utf-8"?>
+<file path=ppt/slides/slide39.xml><?xml version="1.0" encoding="utf-8"?>
 <p:sld xmlns:a="http://schemas.openxmlformats.org/drawingml/2006/main" xmlns:r="http://schemas.openxmlformats.org/officeDocument/2006/relationships" xmlns:p="http://schemas.openxmlformats.org/presentationml/2006/main">
   <p:cSld>
     <p:spTree>
@@ -35323,7 +38814,483 @@
 </p:sld>
 </file>
 
-<file path=ppt/slides/slide38.xml><?xml version="1.0" encoding="utf-8"?>
+<file path=ppt/slides/slide4.xml><?xml version="1.0" encoding="utf-8"?>
+<p:sld xmlns:a="http://schemas.openxmlformats.org/drawingml/2006/main" xmlns:r="http://schemas.openxmlformats.org/officeDocument/2006/relationships" xmlns:p="http://schemas.openxmlformats.org/presentationml/2006/main">
+  <p:cSld>
+    <p:bg>
+      <p:bgPr>
+        <a:solidFill>
+          <a:schemeClr val="bg1"/>
+        </a:solidFill>
+        <a:effectLst/>
+      </p:bgPr>
+    </p:bg>
+    <p:spTree>
+      <p:nvGrpSpPr>
+        <p:cNvPr id="1" name=""/>
+        <p:cNvGrpSpPr/>
+        <p:nvPr/>
+      </p:nvGrpSpPr>
+      <p:grpSpPr>
+        <a:xfrm>
+          <a:off x="0" y="0"/>
+          <a:ext cx="0" cy="0"/>
+          <a:chOff x="0" y="0"/>
+          <a:chExt cx="0" cy="0"/>
+        </a:xfrm>
+      </p:grpSpPr>
+      <p:sp>
+        <p:nvSpPr>
+          <p:cNvPr id="2" name="Title 1">
+            <a:extLst>
+              <a:ext uri="{FF2B5EF4-FFF2-40B4-BE49-F238E27FC236}">
+                <a16:creationId xmlns:a16="http://schemas.microsoft.com/office/drawing/2014/main" id="{BD828217-054C-40B5-85A9-DE0A5B353D0A}"/>
+              </a:ext>
+            </a:extLst>
+          </p:cNvPr>
+          <p:cNvSpPr>
+            <a:spLocks noGrp="1"/>
+          </p:cNvSpPr>
+          <p:nvPr>
+            <p:ph type="title"/>
+          </p:nvPr>
+        </p:nvSpPr>
+        <p:spPr>
+          <a:xfrm>
+            <a:off x="3724072" y="629268"/>
+            <a:ext cx="4939867" cy="1286160"/>
+          </a:xfrm>
+        </p:spPr>
+        <p:txBody>
+          <a:bodyPr anchor="b">
+            <a:normAutofit/>
+          </a:bodyPr>
+          <a:lstStyle/>
+          <a:p>
+            <a:r>
+              <a:rPr lang="en-US" sz="4100" dirty="0"/>
+              <a:t>Definition of a Game</a:t>
+            </a:r>
+          </a:p>
+        </p:txBody>
+      </p:sp>
+      <mc:AlternateContent xmlns:mc="http://schemas.openxmlformats.org/markup-compatibility/2006">
+        <mc:Choice xmlns:a14="http://schemas.microsoft.com/office/drawing/2010/main" Requires="a14">
+          <p:sp>
+            <p:nvSpPr>
+              <p:cNvPr id="3" name="Content Placeholder 2">
+                <a:extLst>
+                  <a:ext uri="{FF2B5EF4-FFF2-40B4-BE49-F238E27FC236}">
+                    <a16:creationId xmlns:a16="http://schemas.microsoft.com/office/drawing/2014/main" id="{CA91934C-64CB-4EB4-BD68-E07D357C904F}"/>
+                  </a:ext>
+                </a:extLst>
+              </p:cNvPr>
+              <p:cNvSpPr>
+                <a:spLocks noGrp="1"/>
+              </p:cNvSpPr>
+              <p:nvPr>
+                <p:ph idx="1"/>
+              </p:nvPr>
+            </p:nvSpPr>
+            <p:spPr>
+              <a:xfrm>
+                <a:off x="3724073" y="2590800"/>
+                <a:ext cx="5038927" cy="3633019"/>
+              </a:xfrm>
+            </p:spPr>
+            <p:txBody>
+              <a:bodyPr>
+                <a:noAutofit/>
+              </a:bodyPr>
+              <a:lstStyle/>
+              <a:p>
+                <a:pPr marL="0" indent="0">
+                  <a:buNone/>
+                </a:pPr>
+                <a:r>
+                  <a:rPr lang="en-US" sz="1600" b="1" dirty="0"/>
+                  <a:t>Definition:</a:t>
+                </a:r>
+                <a:endParaRPr lang="en-US" sz="2000" i="1" dirty="0">
+                  <a:latin typeface="Cambria Math" panose="02040503050406030204" pitchFamily="18" charset="0"/>
+                </a:endParaRPr>
+              </a:p>
+              <a:p>
+                <a:pPr marL="457200" lvl="1" indent="0">
+                  <a:buNone/>
+                </a:pPr>
+                <a14:m>
+                  <m:oMath xmlns:m="http://schemas.openxmlformats.org/officeDocument/2006/math">
+                    <m:sSub>
+                      <m:sSubPr>
+                        <m:ctrlPr>
+                          <a:rPr lang="en-US" sz="1400" i="1">
+                            <a:latin typeface="Cambria Math" panose="02040503050406030204" pitchFamily="18" charset="0"/>
+                          </a:rPr>
+                        </m:ctrlPr>
+                      </m:sSubPr>
+                      <m:e>
+                        <m:r>
+                          <a:rPr lang="en-US" sz="1400" i="1">
+                            <a:latin typeface="Cambria Math" panose="02040503050406030204" pitchFamily="18" charset="0"/>
+                          </a:rPr>
+                          <m:t>𝑠</m:t>
+                        </m:r>
+                      </m:e>
+                      <m:sub>
+                        <m:r>
+                          <a:rPr lang="en-US" sz="1400" i="1">
+                            <a:latin typeface="Cambria Math" panose="02040503050406030204" pitchFamily="18" charset="0"/>
+                          </a:rPr>
+                          <m:t>0</m:t>
+                        </m:r>
+                      </m:sub>
+                    </m:sSub>
+                  </m:oMath>
+                </a14:m>
+                <a:r>
+                  <a:rPr lang="en-US" sz="1400" dirty="0"/>
+                  <a:t>		The initial state (position, board, hand).</a:t>
+                </a:r>
+              </a:p>
+              <a:p>
+                <a:pPr marL="457200" lvl="1" indent="0">
+                  <a:buNone/>
+                </a:pPr>
+                <a14:m>
+                  <m:oMath xmlns:m="http://schemas.openxmlformats.org/officeDocument/2006/math">
+                    <m:r>
+                      <a:rPr lang="en-US" sz="1400" i="1">
+                        <a:latin typeface="Cambria Math" panose="02040503050406030204" pitchFamily="18" charset="0"/>
+                      </a:rPr>
+                      <m:t>𝐴𝑐𝑡𝑖𝑜𝑛𝑠</m:t>
+                    </m:r>
+                    <m:r>
+                      <a:rPr lang="en-US" sz="1400" i="1">
+                        <a:latin typeface="Cambria Math" panose="02040503050406030204" pitchFamily="18" charset="0"/>
+                      </a:rPr>
+                      <m:t>(</m:t>
+                    </m:r>
+                    <m:r>
+                      <a:rPr lang="en-US" sz="1400" i="1">
+                        <a:latin typeface="Cambria Math" panose="02040503050406030204" pitchFamily="18" charset="0"/>
+                      </a:rPr>
+                      <m:t>𝑠</m:t>
+                    </m:r>
+                    <m:r>
+                      <a:rPr lang="en-US" sz="1400" i="1">
+                        <a:latin typeface="Cambria Math" panose="02040503050406030204" pitchFamily="18" charset="0"/>
+                      </a:rPr>
+                      <m:t>)</m:t>
+                    </m:r>
+                  </m:oMath>
+                </a14:m>
+                <a:r>
+                  <a:rPr lang="en-US" sz="1400" dirty="0"/>
+                  <a:t> 	Legal moves in state </a:t>
+                </a:r>
+                <a14:m>
+                  <m:oMath xmlns:m="http://schemas.openxmlformats.org/officeDocument/2006/math">
+                    <m:r>
+                      <a:rPr lang="en-US" sz="1400" i="1">
+                        <a:latin typeface="Cambria Math" panose="02040503050406030204" pitchFamily="18" charset="0"/>
+                      </a:rPr>
+                      <m:t>𝑠</m:t>
+                    </m:r>
+                  </m:oMath>
+                </a14:m>
+                <a:r>
+                  <a:rPr lang="en-US" sz="1400" dirty="0"/>
+                  <a:t>. </a:t>
+                </a:r>
+              </a:p>
+              <a:p>
+                <a:pPr marL="457200" lvl="1" indent="0">
+                  <a:buNone/>
+                </a:pPr>
+                <a14:m>
+                  <m:oMath xmlns:m="http://schemas.openxmlformats.org/officeDocument/2006/math">
+                    <m:r>
+                      <a:rPr lang="en-US" sz="1400" i="1">
+                        <a:latin typeface="Cambria Math" panose="02040503050406030204" pitchFamily="18" charset="0"/>
+                      </a:rPr>
+                      <m:t>𝑅𝑒𝑠𝑢𝑙𝑡</m:t>
+                    </m:r>
+                    <m:r>
+                      <a:rPr lang="en-US" sz="1400" i="1">
+                        <a:latin typeface="Cambria Math" panose="02040503050406030204" pitchFamily="18" charset="0"/>
+                      </a:rPr>
+                      <m:t>(</m:t>
+                    </m:r>
+                    <m:r>
+                      <a:rPr lang="en-US" sz="1400" i="1">
+                        <a:latin typeface="Cambria Math" panose="02040503050406030204" pitchFamily="18" charset="0"/>
+                      </a:rPr>
+                      <m:t>𝑠</m:t>
+                    </m:r>
+                    <m:r>
+                      <a:rPr lang="en-US" sz="1400" i="1">
+                        <a:latin typeface="Cambria Math" panose="02040503050406030204" pitchFamily="18" charset="0"/>
+                      </a:rPr>
+                      <m:t>,</m:t>
+                    </m:r>
+                    <m:r>
+                      <a:rPr lang="en-US" sz="1400" i="1">
+                        <a:latin typeface="Cambria Math" panose="02040503050406030204" pitchFamily="18" charset="0"/>
+                      </a:rPr>
+                      <m:t>𝑎</m:t>
+                    </m:r>
+                    <m:r>
+                      <a:rPr lang="en-US" sz="1400" i="1">
+                        <a:latin typeface="Cambria Math" panose="02040503050406030204" pitchFamily="18" charset="0"/>
+                      </a:rPr>
+                      <m:t>)</m:t>
+                    </m:r>
+                  </m:oMath>
+                </a14:m>
+                <a:r>
+                  <a:rPr lang="en-US" sz="1400" dirty="0"/>
+                  <a:t>	Transition model.</a:t>
+                </a:r>
+              </a:p>
+              <a:p>
+                <a:pPr marL="457200" lvl="1" indent="0">
+                  <a:buNone/>
+                </a:pPr>
+                <a14:m>
+                  <m:oMath xmlns:m="http://schemas.openxmlformats.org/officeDocument/2006/math">
+                    <m:r>
+                      <a:rPr lang="en-US" sz="1400" b="0" i="1" smtClean="0">
+                        <a:latin typeface="Cambria Math" panose="02040503050406030204" pitchFamily="18" charset="0"/>
+                      </a:rPr>
+                      <m:t>𝑇</m:t>
+                    </m:r>
+                    <m:r>
+                      <a:rPr lang="en-US" sz="1400" i="1">
+                        <a:latin typeface="Cambria Math" panose="02040503050406030204" pitchFamily="18" charset="0"/>
+                      </a:rPr>
+                      <m:t>𝑒𝑟𝑚𝑖𝑛𝑎𝑙</m:t>
+                    </m:r>
+                    <m:r>
+                      <a:rPr lang="en-US" sz="1400" i="1">
+                        <a:latin typeface="Cambria Math" panose="02040503050406030204" pitchFamily="18" charset="0"/>
+                      </a:rPr>
+                      <m:t>(</m:t>
+                    </m:r>
+                    <m:r>
+                      <a:rPr lang="en-US" sz="1400" i="1">
+                        <a:latin typeface="Cambria Math" panose="02040503050406030204" pitchFamily="18" charset="0"/>
+                      </a:rPr>
+                      <m:t>𝑠</m:t>
+                    </m:r>
+                    <m:r>
+                      <a:rPr lang="en-US" sz="1400" i="1">
+                        <a:latin typeface="Cambria Math" panose="02040503050406030204" pitchFamily="18" charset="0"/>
+                      </a:rPr>
+                      <m:t>)</m:t>
+                    </m:r>
+                  </m:oMath>
+                </a14:m>
+                <a:r>
+                  <a:rPr lang="en-US" sz="1400" dirty="0"/>
+                  <a:t> 	Test for terminal states.</a:t>
+                </a:r>
+              </a:p>
+              <a:p>
+                <a:pPr marL="457200" lvl="1" indent="0">
+                  <a:buNone/>
+                </a:pPr>
+                <a14:m>
+                  <m:oMath xmlns:m="http://schemas.openxmlformats.org/officeDocument/2006/math">
+                    <m:r>
+                      <a:rPr lang="en-US" sz="1400" i="1">
+                        <a:latin typeface="Cambria Math" panose="02040503050406030204" pitchFamily="18" charset="0"/>
+                      </a:rPr>
+                      <m:t>𝑈𝑡𝑖𝑙𝑖𝑡𝑦</m:t>
+                    </m:r>
+                    <m:r>
+                      <a:rPr lang="en-US" sz="1400" i="1">
+                        <a:latin typeface="Cambria Math" panose="02040503050406030204" pitchFamily="18" charset="0"/>
+                      </a:rPr>
+                      <m:t>(</m:t>
+                    </m:r>
+                    <m:r>
+                      <a:rPr lang="en-US" sz="1400" i="1">
+                        <a:latin typeface="Cambria Math" panose="02040503050406030204" pitchFamily="18" charset="0"/>
+                      </a:rPr>
+                      <m:t>𝑠</m:t>
+                    </m:r>
+                    <m:r>
+                      <a:rPr lang="en-US" sz="1400" i="1">
+                        <a:latin typeface="Cambria Math" panose="02040503050406030204" pitchFamily="18" charset="0"/>
+                      </a:rPr>
+                      <m:t>)</m:t>
+                    </m:r>
+                  </m:oMath>
+                </a14:m>
+                <a:r>
+                  <a:rPr lang="en-US" sz="1400" dirty="0"/>
+                  <a:t>	Utility for player Max for terminal states.</a:t>
+                </a:r>
+              </a:p>
+            </p:txBody>
+          </p:sp>
+        </mc:Choice>
+        <mc:Fallback>
+          <p:sp>
+            <p:nvSpPr>
+              <p:cNvPr id="3" name="Content Placeholder 2">
+                <a:extLst>
+                  <a:ext uri="{FF2B5EF4-FFF2-40B4-BE49-F238E27FC236}">
+                    <a16:creationId xmlns:a16="http://schemas.microsoft.com/office/drawing/2014/main" id="{CA91934C-64CB-4EB4-BD68-E07D357C904F}"/>
+                  </a:ext>
+                </a:extLst>
+              </p:cNvPr>
+              <p:cNvSpPr>
+                <a:spLocks noGrp="1" noRot="1" noChangeAspect="1" noMove="1" noResize="1" noEditPoints="1" noAdjustHandles="1" noChangeArrowheads="1" noChangeShapeType="1" noTextEdit="1"/>
+              </p:cNvSpPr>
+              <p:nvPr>
+                <p:ph idx="1"/>
+              </p:nvPr>
+            </p:nvSpPr>
+            <p:spPr>
+              <a:xfrm>
+                <a:off x="3724073" y="2590800"/>
+                <a:ext cx="5038927" cy="3633019"/>
+              </a:xfrm>
+              <a:blipFill>
+                <a:blip r:embed="rId2"/>
+                <a:stretch>
+                  <a:fillRect l="-726" t="-1174"/>
+                </a:stretch>
+              </a:blipFill>
+            </p:spPr>
+            <p:txBody>
+              <a:bodyPr/>
+              <a:lstStyle/>
+              <a:p>
+                <a:r>
+                  <a:rPr lang="en-US">
+                    <a:noFill/>
+                  </a:rPr>
+                  <a:t> </a:t>
+                </a:r>
+              </a:p>
+            </p:txBody>
+          </p:sp>
+        </mc:Fallback>
+      </mc:AlternateContent>
+      <p:cxnSp>
+        <p:nvCxnSpPr>
+          <p:cNvPr id="9" name="Straight Connector 8">
+            <a:extLst>
+              <a:ext uri="{FF2B5EF4-FFF2-40B4-BE49-F238E27FC236}">
+                <a16:creationId xmlns:a16="http://schemas.microsoft.com/office/drawing/2014/main" id="{A7F400EE-A8A5-48AF-B4D6-291B52C6F0B0}"/>
+              </a:ext>
+              <a:ext uri="{C183D7F6-B498-43B3-948B-1728B52AA6E4}">
+                <adec:decorative xmlns:adec="http://schemas.microsoft.com/office/drawing/2017/decorative" val="1"/>
+              </a:ext>
+            </a:extLst>
+          </p:cNvPr>
+          <p:cNvCxnSpPr>
+            <a:cxnSpLocks noGrp="1" noRot="1" noChangeAspect="1" noMove="1" noResize="1" noEditPoints="1" noAdjustHandles="1" noChangeArrowheads="1" noChangeShapeType="1"/>
+          </p:cNvCxnSpPr>
+          <p:nvPr>
+            <p:extLst>
+              <p:ext uri="{386F3935-93C4-4BCD-93E2-E3B085C9AB24}">
+                <p16:designElem xmlns:p16="http://schemas.microsoft.com/office/powerpoint/2015/main" val="1"/>
+              </p:ext>
+            </p:extLst>
+          </p:nvPr>
+        </p:nvCxnSpPr>
+        <p:spPr>
+          <a:xfrm>
+            <a:off x="3810700" y="2115117"/>
+            <a:ext cx="4732020" cy="0"/>
+          </a:xfrm>
+          <a:prstGeom prst="line">
+            <a:avLst/>
+          </a:prstGeom>
+          <a:ln w="19050">
+            <a:solidFill>
+              <a:schemeClr val="accent1"/>
+            </a:solidFill>
+          </a:ln>
+        </p:spPr>
+        <p:style>
+          <a:lnRef idx="1">
+            <a:schemeClr val="accent1"/>
+          </a:lnRef>
+          <a:fillRef idx="0">
+            <a:schemeClr val="accent1"/>
+          </a:fillRef>
+          <a:effectRef idx="0">
+            <a:schemeClr val="accent1"/>
+          </a:effectRef>
+          <a:fontRef idx="minor">
+            <a:schemeClr val="tx1"/>
+          </a:fontRef>
+        </p:style>
+      </p:cxnSp>
+      <p:pic>
+        <p:nvPicPr>
+          <p:cNvPr id="6" name="Picture 2" descr="Reflected Chess pieces">
+            <a:extLst>
+              <a:ext uri="{FF2B5EF4-FFF2-40B4-BE49-F238E27FC236}">
+                <a16:creationId xmlns:a16="http://schemas.microsoft.com/office/drawing/2014/main" id="{932AC7A2-B898-4053-9E19-C47E7A2F3659}"/>
+              </a:ext>
+            </a:extLst>
+          </p:cNvPr>
+          <p:cNvPicPr>
+            <a:picLocks noChangeAspect="1" noChangeArrowheads="1"/>
+          </p:cNvPicPr>
+          <p:nvPr/>
+        </p:nvPicPr>
+        <p:blipFill rotWithShape="1">
+          <a:blip r:embed="rId3">
+            <a:extLst>
+              <a:ext uri="{28A0092B-C50C-407E-A947-70E740481C1C}">
+                <a14:useLocalDpi xmlns:a14="http://schemas.microsoft.com/office/drawing/2010/main" val="0"/>
+              </a:ext>
+            </a:extLst>
+          </a:blip>
+          <a:srcRect l="47863" t="1982" r="19372" b="938"/>
+          <a:stretch/>
+        </p:blipFill>
+        <p:spPr bwMode="auto">
+          <a:xfrm>
+            <a:off x="0" y="0"/>
+            <a:ext cx="3384395" cy="6842361"/>
+          </a:xfrm>
+          <a:prstGeom prst="rect">
+            <a:avLst/>
+          </a:prstGeom>
+          <a:noFill/>
+          <a:extLst>
+            <a:ext uri="{909E8E84-426E-40DD-AFC4-6F175D3DCCD1}">
+              <a14:hiddenFill xmlns:a14="http://schemas.microsoft.com/office/drawing/2010/main">
+                <a:solidFill>
+                  <a:srgbClr val="FFFFFF"/>
+                </a:solidFill>
+              </a14:hiddenFill>
+            </a:ext>
+          </a:extLst>
+        </p:spPr>
+      </p:pic>
+    </p:spTree>
+    <p:extLst>
+      <p:ext uri="{BB962C8B-B14F-4D97-AF65-F5344CB8AC3E}">
+        <p14:creationId xmlns:p14="http://schemas.microsoft.com/office/powerpoint/2010/main" val="2636748950"/>
+      </p:ext>
+    </p:extLst>
+  </p:cSld>
+  <p:clrMapOvr>
+    <a:masterClrMapping/>
+  </p:clrMapOvr>
+</p:sld>
+</file>
+
+<file path=ppt/slides/slide40.xml><?xml version="1.0" encoding="utf-8"?>
 <p:sld xmlns:a="http://schemas.openxmlformats.org/drawingml/2006/main" xmlns:r="http://schemas.openxmlformats.org/officeDocument/2006/relationships" xmlns:p="http://schemas.openxmlformats.org/presentationml/2006/main">
   <p:cSld>
     <p:spTree>
@@ -36388,7 +40355,7 @@
 </p:sld>
 </file>
 
-<file path=ppt/slides/slide39.xml><?xml version="1.0" encoding="utf-8"?>
+<file path=ppt/slides/slide41.xml><?xml version="1.0" encoding="utf-8"?>
 <p:sld xmlns:a="http://schemas.openxmlformats.org/drawingml/2006/main" xmlns:r="http://schemas.openxmlformats.org/officeDocument/2006/relationships" xmlns:p="http://schemas.openxmlformats.org/presentationml/2006/main">
   <p:cSld>
     <p:bg>
@@ -36622,506 +40589,7 @@
 </p:sld>
 </file>
 
-<file path=ppt/slides/slide4.xml><?xml version="1.0" encoding="utf-8"?>
-<p:sld xmlns:a="http://schemas.openxmlformats.org/drawingml/2006/main" xmlns:r="http://schemas.openxmlformats.org/officeDocument/2006/relationships" xmlns:p="http://schemas.openxmlformats.org/presentationml/2006/main">
-  <p:cSld>
-    <p:spTree>
-      <p:nvGrpSpPr>
-        <p:cNvPr id="1" name=""/>
-        <p:cNvGrpSpPr/>
-        <p:nvPr/>
-      </p:nvGrpSpPr>
-      <p:grpSpPr>
-        <a:xfrm>
-          <a:off x="0" y="0"/>
-          <a:ext cx="0" cy="0"/>
-          <a:chOff x="0" y="0"/>
-          <a:chExt cx="0" cy="0"/>
-        </a:xfrm>
-      </p:grpSpPr>
-      <p:sp>
-        <p:nvSpPr>
-          <p:cNvPr id="2" name="Title 1">
-            <a:extLst>
-              <a:ext uri="{FF2B5EF4-FFF2-40B4-BE49-F238E27FC236}">
-                <a16:creationId xmlns:a16="http://schemas.microsoft.com/office/drawing/2014/main" id="{F0EB8DA0-F19D-42E7-B106-99DA6BC8B3C0}"/>
-              </a:ext>
-            </a:extLst>
-          </p:cNvPr>
-          <p:cNvSpPr>
-            <a:spLocks noGrp="1"/>
-          </p:cNvSpPr>
-          <p:nvPr>
-            <p:ph type="title"/>
-          </p:nvPr>
-        </p:nvSpPr>
-        <p:spPr/>
-        <p:txBody>
-          <a:bodyPr/>
-          <a:lstStyle/>
-          <a:p>
-            <a:r>
-              <a:rPr lang="en-US" dirty="0"/>
-              <a:t>Example: Tic-tac-toe</a:t>
-            </a:r>
-          </a:p>
-        </p:txBody>
-      </p:sp>
-      <mc:AlternateContent xmlns:mc="http://schemas.openxmlformats.org/markup-compatibility/2006" xmlns:a14="http://schemas.microsoft.com/office/drawing/2010/main">
-        <mc:Choice Requires="a14">
-          <p:sp>
-            <p:nvSpPr>
-              <p:cNvPr id="3" name="Content Placeholder 2">
-                <a:extLst>
-                  <a:ext uri="{FF2B5EF4-FFF2-40B4-BE49-F238E27FC236}">
-                    <a16:creationId xmlns:a16="http://schemas.microsoft.com/office/drawing/2014/main" id="{5EF77323-E4B1-4168-B791-DFDF7C7ADB94}"/>
-                  </a:ext>
-                </a:extLst>
-              </p:cNvPr>
-              <p:cNvSpPr>
-                <a:spLocks noGrp="1"/>
-              </p:cNvSpPr>
-              <p:nvPr>
-                <p:ph idx="1"/>
-              </p:nvPr>
-            </p:nvSpPr>
-            <p:spPr>
-              <a:xfrm>
-                <a:off x="628650" y="2362199"/>
-                <a:ext cx="7981950" cy="3814763"/>
-              </a:xfrm>
-            </p:spPr>
-            <p:txBody>
-              <a:bodyPr>
-                <a:normAutofit/>
-              </a:bodyPr>
-              <a:lstStyle/>
-              <a:p>
-                <a:pPr marL="0" indent="0">
-                  <a:buNone/>
-                </a:pPr>
-                <a14:m>
-                  <m:oMath xmlns:m="http://schemas.openxmlformats.org/officeDocument/2006/math">
-                    <m:sSub>
-                      <m:sSubPr>
-                        <m:ctrlPr>
-                          <a:rPr lang="en-US" sz="2400" i="1" smtClean="0">
-                            <a:latin typeface="Cambria Math" panose="02040503050406030204" pitchFamily="18" charset="0"/>
-                          </a:rPr>
-                        </m:ctrlPr>
-                      </m:sSubPr>
-                      <m:e>
-                        <m:r>
-                          <a:rPr lang="en-US" sz="2400" i="1">
-                            <a:latin typeface="Cambria Math" panose="02040503050406030204" pitchFamily="18" charset="0"/>
-                          </a:rPr>
-                          <m:t>𝑠</m:t>
-                        </m:r>
-                      </m:e>
-                      <m:sub>
-                        <m:r>
-                          <a:rPr lang="en-US" sz="2400" i="1">
-                            <a:latin typeface="Cambria Math" panose="02040503050406030204" pitchFamily="18" charset="0"/>
-                          </a:rPr>
-                          <m:t>0</m:t>
-                        </m:r>
-                      </m:sub>
-                    </m:sSub>
-                  </m:oMath>
-                </a14:m>
-                <a:r>
-                  <a:rPr lang="en-US" sz="2400" dirty="0"/>
-                  <a:t> 			Empty board.</a:t>
-                </a:r>
-              </a:p>
-              <a:p>
-                <a:pPr marL="0" indent="0">
-                  <a:buNone/>
-                </a:pPr>
-                <a14:m>
-                  <m:oMath xmlns:m="http://schemas.openxmlformats.org/officeDocument/2006/math">
-                    <m:r>
-                      <a:rPr lang="en-US" sz="2400" i="1">
-                        <a:latin typeface="Cambria Math" panose="02040503050406030204" pitchFamily="18" charset="0"/>
-                      </a:rPr>
-                      <m:t>𝐴𝑐𝑡𝑖𝑜𝑛𝑠</m:t>
-                    </m:r>
-                    <m:r>
-                      <a:rPr lang="en-US" sz="2400" i="1">
-                        <a:latin typeface="Cambria Math" panose="02040503050406030204" pitchFamily="18" charset="0"/>
-                      </a:rPr>
-                      <m:t>(</m:t>
-                    </m:r>
-                    <m:r>
-                      <a:rPr lang="en-US" sz="2400" i="1">
-                        <a:latin typeface="Cambria Math" panose="02040503050406030204" pitchFamily="18" charset="0"/>
-                      </a:rPr>
-                      <m:t>𝑠</m:t>
-                    </m:r>
-                    <m:r>
-                      <a:rPr lang="en-US" sz="2400" i="1">
-                        <a:latin typeface="Cambria Math" panose="02040503050406030204" pitchFamily="18" charset="0"/>
-                      </a:rPr>
-                      <m:t>)</m:t>
-                    </m:r>
-                  </m:oMath>
-                </a14:m>
-                <a:r>
-                  <a:rPr lang="en-US" sz="2400" dirty="0"/>
-                  <a:t>		Play empty squares.</a:t>
-                </a:r>
-              </a:p>
-              <a:p>
-                <a:pPr marL="0" indent="0">
-                  <a:buNone/>
-                </a:pPr>
-                <a14:m>
-                  <m:oMath xmlns:m="http://schemas.openxmlformats.org/officeDocument/2006/math">
-                    <m:r>
-                      <a:rPr lang="en-US" sz="2400" i="1">
-                        <a:latin typeface="Cambria Math" panose="02040503050406030204" pitchFamily="18" charset="0"/>
-                      </a:rPr>
-                      <m:t>𝑅𝑒𝑠𝑢𝑙𝑡</m:t>
-                    </m:r>
-                    <m:r>
-                      <a:rPr lang="en-US" sz="2400" i="1">
-                        <a:latin typeface="Cambria Math" panose="02040503050406030204" pitchFamily="18" charset="0"/>
-                      </a:rPr>
-                      <m:t>(</m:t>
-                    </m:r>
-                    <m:r>
-                      <a:rPr lang="en-US" sz="2400" i="1">
-                        <a:latin typeface="Cambria Math" panose="02040503050406030204" pitchFamily="18" charset="0"/>
-                      </a:rPr>
-                      <m:t>𝑠</m:t>
-                    </m:r>
-                    <m:r>
-                      <a:rPr lang="en-US" sz="2400" i="1">
-                        <a:latin typeface="Cambria Math" panose="02040503050406030204" pitchFamily="18" charset="0"/>
-                      </a:rPr>
-                      <m:t>,</m:t>
-                    </m:r>
-                    <m:r>
-                      <a:rPr lang="en-US" sz="2400" i="1">
-                        <a:latin typeface="Cambria Math" panose="02040503050406030204" pitchFamily="18" charset="0"/>
-                      </a:rPr>
-                      <m:t>𝑎</m:t>
-                    </m:r>
-                    <m:r>
-                      <a:rPr lang="en-US" sz="2400" i="1">
-                        <a:latin typeface="Cambria Math" panose="02040503050406030204" pitchFamily="18" charset="0"/>
-                      </a:rPr>
-                      <m:t>)</m:t>
-                    </m:r>
-                  </m:oMath>
-                </a14:m>
-                <a:r>
-                  <a:rPr lang="en-US" sz="2400" dirty="0"/>
-                  <a:t>		Symbol (x/o) is placed on empty square.</a:t>
-                </a:r>
-              </a:p>
-              <a:p>
-                <a:pPr marL="0" indent="0">
-                  <a:buNone/>
-                </a:pPr>
-                <a14:m>
-                  <m:oMath xmlns:m="http://schemas.openxmlformats.org/officeDocument/2006/math">
-                    <m:r>
-                      <a:rPr lang="en-US" sz="2400" b="0" i="1" smtClean="0">
-                        <a:latin typeface="Cambria Math" panose="02040503050406030204" pitchFamily="18" charset="0"/>
-                      </a:rPr>
-                      <m:t>𝑇𝑒</m:t>
-                    </m:r>
-                    <m:r>
-                      <a:rPr lang="en-US" sz="2400" i="1">
-                        <a:latin typeface="Cambria Math" panose="02040503050406030204" pitchFamily="18" charset="0"/>
-                      </a:rPr>
-                      <m:t>𝑟𝑚𝑖𝑛𝑎𝑙</m:t>
-                    </m:r>
-                    <m:r>
-                      <a:rPr lang="en-US" sz="2400" i="1">
-                        <a:latin typeface="Cambria Math" panose="02040503050406030204" pitchFamily="18" charset="0"/>
-                      </a:rPr>
-                      <m:t>(</m:t>
-                    </m:r>
-                    <m:r>
-                      <a:rPr lang="en-US" sz="2400" i="1">
-                        <a:latin typeface="Cambria Math" panose="02040503050406030204" pitchFamily="18" charset="0"/>
-                      </a:rPr>
-                      <m:t>𝑠</m:t>
-                    </m:r>
-                    <m:r>
-                      <a:rPr lang="en-US" sz="2400" i="1">
-                        <a:latin typeface="Cambria Math" panose="02040503050406030204" pitchFamily="18" charset="0"/>
-                      </a:rPr>
-                      <m:t>)</m:t>
-                    </m:r>
-                  </m:oMath>
-                </a14:m>
-                <a:r>
-                  <a:rPr lang="en-US" sz="2400" dirty="0"/>
-                  <a:t>	 	Did a player win or is the game a draw?</a:t>
-                </a:r>
-              </a:p>
-              <a:p>
-                <a:pPr marL="0" indent="0">
-                  <a:buNone/>
-                </a:pPr>
-                <a14:m>
-                  <m:oMath xmlns:m="http://schemas.openxmlformats.org/officeDocument/2006/math">
-                    <m:r>
-                      <a:rPr lang="en-US" sz="2400" i="1">
-                        <a:latin typeface="Cambria Math" panose="02040503050406030204" pitchFamily="18" charset="0"/>
-                      </a:rPr>
-                      <m:t>𝑈𝑡𝑖𝑙𝑖𝑡𝑦</m:t>
-                    </m:r>
-                    <m:r>
-                      <a:rPr lang="en-US" sz="2400" i="1">
-                        <a:latin typeface="Cambria Math" panose="02040503050406030204" pitchFamily="18" charset="0"/>
-                      </a:rPr>
-                      <m:t>(</m:t>
-                    </m:r>
-                    <m:r>
-                      <a:rPr lang="en-US" sz="2400" i="1">
-                        <a:latin typeface="Cambria Math" panose="02040503050406030204" pitchFamily="18" charset="0"/>
-                      </a:rPr>
-                      <m:t>𝑠</m:t>
-                    </m:r>
-                    <m:r>
-                      <a:rPr lang="en-US" sz="2400" i="1">
-                        <a:latin typeface="Cambria Math" panose="02040503050406030204" pitchFamily="18" charset="0"/>
-                      </a:rPr>
-                      <m:t>)</m:t>
-                    </m:r>
-                  </m:oMath>
-                </a14:m>
-                <a:r>
-                  <a:rPr lang="en-US" sz="2400" dirty="0"/>
-                  <a:t>		+1 if x wins, -1 if o wins and 0 for a draw.</a:t>
-                </a:r>
-              </a:p>
-              <a:p>
-                <a:pPr marL="0" indent="0">
-                  <a:buNone/>
-                </a:pPr>
-                <a:r>
-                  <a:rPr lang="en-US" sz="2400" dirty="0"/>
-                  <a:t>			Utility is only defined for terminal states.</a:t>
-                </a:r>
-              </a:p>
-              <a:p>
-                <a:endParaRPr lang="en-US" sz="2400" dirty="0"/>
-              </a:p>
-            </p:txBody>
-          </p:sp>
-        </mc:Choice>
-        <mc:Fallback xmlns="">
-          <p:sp>
-            <p:nvSpPr>
-              <p:cNvPr id="3" name="Content Placeholder 2">
-                <a:extLst>
-                  <a:ext uri="{FF2B5EF4-FFF2-40B4-BE49-F238E27FC236}">
-                    <a16:creationId xmlns:a16="http://schemas.microsoft.com/office/drawing/2014/main" id="{5EF77323-E4B1-4168-B791-DFDF7C7ADB94}"/>
-                  </a:ext>
-                </a:extLst>
-              </p:cNvPr>
-              <p:cNvSpPr>
-                <a:spLocks noGrp="1" noRot="1" noChangeAspect="1" noMove="1" noResize="1" noEditPoints="1" noAdjustHandles="1" noChangeArrowheads="1" noChangeShapeType="1" noTextEdit="1"/>
-              </p:cNvSpPr>
-              <p:nvPr>
-                <p:ph idx="1"/>
-              </p:nvPr>
-            </p:nvSpPr>
-            <p:spPr>
-              <a:xfrm>
-                <a:off x="628650" y="2362199"/>
-                <a:ext cx="7981950" cy="3814763"/>
-              </a:xfrm>
-              <a:blipFill>
-                <a:blip r:embed="rId2"/>
-                <a:stretch>
-                  <a:fillRect l="-611" t="-2077" r="-840"/>
-                </a:stretch>
-              </a:blipFill>
-            </p:spPr>
-            <p:txBody>
-              <a:bodyPr/>
-              <a:lstStyle/>
-              <a:p>
-                <a:r>
-                  <a:rPr lang="en-US">
-                    <a:noFill/>
-                  </a:rPr>
-                  <a:t> </a:t>
-                </a:r>
-              </a:p>
-            </p:txBody>
-          </p:sp>
-        </mc:Fallback>
-      </mc:AlternateContent>
-      <p:pic>
-        <p:nvPicPr>
-          <p:cNvPr id="2050" name="Picture 2" descr="Image result for tic tac toe">
-            <a:extLst>
-              <a:ext uri="{FF2B5EF4-FFF2-40B4-BE49-F238E27FC236}">
-                <a16:creationId xmlns:a16="http://schemas.microsoft.com/office/drawing/2014/main" id="{F68A6481-403B-4C1E-92D1-373A514882D5}"/>
-              </a:ext>
-            </a:extLst>
-          </p:cNvPr>
-          <p:cNvPicPr>
-            <a:picLocks noChangeAspect="1" noChangeArrowheads="1"/>
-          </p:cNvPicPr>
-          <p:nvPr/>
-        </p:nvPicPr>
-        <p:blipFill>
-          <a:blip r:embed="rId3" cstate="print">
-            <a:extLst>
-              <a:ext uri="{28A0092B-C50C-407E-A947-70E740481C1C}">
-                <a14:useLocalDpi xmlns:a14="http://schemas.microsoft.com/office/drawing/2010/main" val="0"/>
-              </a:ext>
-            </a:extLst>
-          </a:blip>
-          <a:srcRect/>
-          <a:stretch>
-            <a:fillRect/>
-          </a:stretch>
-        </p:blipFill>
-        <p:spPr bwMode="auto">
-          <a:xfrm>
-            <a:off x="5967397" y="401221"/>
-            <a:ext cx="2547953" cy="2265779"/>
-          </a:xfrm>
-          <a:prstGeom prst="rect">
-            <a:avLst/>
-          </a:prstGeom>
-          <a:noFill/>
-          <a:extLst>
-            <a:ext uri="{909E8E84-426E-40DD-AFC4-6F175D3DCCD1}">
-              <a14:hiddenFill xmlns:a14="http://schemas.microsoft.com/office/drawing/2010/main">
-                <a:solidFill>
-                  <a:srgbClr val="FFFFFF"/>
-                </a:solidFill>
-              </a14:hiddenFill>
-            </a:ext>
-          </a:extLst>
-        </p:spPr>
-      </p:pic>
-      <p:sp>
-        <p:nvSpPr>
-          <p:cNvPr id="4" name="Speech Bubble: Rectangle 3">
-            <a:extLst>
-              <a:ext uri="{FF2B5EF4-FFF2-40B4-BE49-F238E27FC236}">
-                <a16:creationId xmlns:a16="http://schemas.microsoft.com/office/drawing/2014/main" id="{FC16888F-411D-4B9A-B95F-9197D878E77C}"/>
-              </a:ext>
-            </a:extLst>
-          </p:cNvPr>
-          <p:cNvSpPr/>
-          <p:nvPr/>
-        </p:nvSpPr>
-        <p:spPr>
-          <a:xfrm>
-            <a:off x="838200" y="5414962"/>
-            <a:ext cx="2514600" cy="762000"/>
-          </a:xfrm>
-          <a:prstGeom prst="wedgeRectCallout">
-            <a:avLst>
-              <a:gd name="adj1" fmla="val 53330"/>
-              <a:gd name="adj2" fmla="val -187640"/>
-            </a:avLst>
-          </a:prstGeom>
-        </p:spPr>
-        <p:style>
-          <a:lnRef idx="3">
-            <a:schemeClr val="lt1"/>
-          </a:lnRef>
-          <a:fillRef idx="1">
-            <a:schemeClr val="accent6"/>
-          </a:fillRef>
-          <a:effectRef idx="1">
-            <a:schemeClr val="accent6"/>
-          </a:effectRef>
-          <a:fontRef idx="minor">
-            <a:schemeClr val="lt1"/>
-          </a:fontRef>
-        </p:style>
-        <p:txBody>
-          <a:bodyPr rtlCol="0" anchor="ctr"/>
-          <a:lstStyle/>
-          <a:p>
-            <a:pPr algn="ctr"/>
-            <a:r>
-              <a:rPr lang="en-US" sz="2000" dirty="0"/>
-              <a:t>Here player x is Max and player o is Min.</a:t>
-            </a:r>
-          </a:p>
-        </p:txBody>
-      </p:sp>
-      <p:sp>
-        <p:nvSpPr>
-          <p:cNvPr id="6" name="TextBox 5">
-            <a:extLst>
-              <a:ext uri="{FF2B5EF4-FFF2-40B4-BE49-F238E27FC236}">
-                <a16:creationId xmlns:a16="http://schemas.microsoft.com/office/drawing/2014/main" id="{269212AB-8DD7-9004-3B87-B2B1784AD06E}"/>
-              </a:ext>
-            </a:extLst>
-          </p:cNvPr>
-          <p:cNvSpPr txBox="1"/>
-          <p:nvPr/>
-        </p:nvSpPr>
-        <p:spPr>
-          <a:xfrm>
-            <a:off x="3562350" y="5943600"/>
-            <a:ext cx="5334000" cy="707886"/>
-          </a:xfrm>
-          <a:prstGeom prst="rect">
-            <a:avLst/>
-          </a:prstGeom>
-        </p:spPr>
-        <p:style>
-          <a:lnRef idx="3">
-            <a:schemeClr val="lt1"/>
-          </a:lnRef>
-          <a:fillRef idx="1">
-            <a:schemeClr val="accent2"/>
-          </a:fillRef>
-          <a:effectRef idx="1">
-            <a:schemeClr val="accent2"/>
-          </a:effectRef>
-          <a:fontRef idx="minor">
-            <a:schemeClr val="lt1"/>
-          </a:fontRef>
-        </p:style>
-        <p:txBody>
-          <a:bodyPr wrap="square" rtlCol="0">
-            <a:spAutoFit/>
-          </a:bodyPr>
-          <a:lstStyle/>
-          <a:p>
-            <a:r>
-              <a:rPr lang="en-US" sz="2000" b="1" dirty="0"/>
-              <a:t>Note</a:t>
-            </a:r>
-            <a:r>
-              <a:rPr lang="en-US" sz="2000" dirty="0"/>
-              <a:t>: This game still uses a goal-based agent that plans actions to reach a winning terminal  state!</a:t>
-            </a:r>
-          </a:p>
-        </p:txBody>
-      </p:sp>
-    </p:spTree>
-    <p:extLst>
-      <p:ext uri="{BB962C8B-B14F-4D97-AF65-F5344CB8AC3E}">
-        <p14:creationId xmlns:p14="http://schemas.microsoft.com/office/powerpoint/2010/main" val="872051194"/>
-      </p:ext>
-    </p:extLst>
-  </p:cSld>
-  <p:clrMapOvr>
-    <a:masterClrMapping/>
-  </p:clrMapOvr>
-</p:sld>
-</file>
-
-<file path=ppt/slides/slide40.xml><?xml version="1.0" encoding="utf-8"?>
+<file path=ppt/slides/slide42.xml><?xml version="1.0" encoding="utf-8"?>
 <p:sld xmlns:a="http://schemas.openxmlformats.org/drawingml/2006/main" xmlns:r="http://schemas.openxmlformats.org/officeDocument/2006/relationships" xmlns:p="http://schemas.openxmlformats.org/presentationml/2006/main">
   <p:cSld>
     <p:spTree>
@@ -37403,7 +40871,7 @@
 </p:sld>
 </file>
 
-<file path=ppt/slides/slide41.xml><?xml version="1.0" encoding="utf-8"?>
+<file path=ppt/slides/slide43.xml><?xml version="1.0" encoding="utf-8"?>
 <p:sld xmlns:a="http://schemas.openxmlformats.org/drawingml/2006/main" xmlns:r="http://schemas.openxmlformats.org/officeDocument/2006/relationships" xmlns:p="http://schemas.openxmlformats.org/presentationml/2006/main">
   <p:cSld>
     <p:spTree>
@@ -38361,7 +41829,7 @@
 </p:sld>
 </file>
 
-<file path=ppt/slides/slide42.xml><?xml version="1.0" encoding="utf-8"?>
+<file path=ppt/slides/slide44.xml><?xml version="1.0" encoding="utf-8"?>
 <p:sld xmlns:a="http://schemas.openxmlformats.org/drawingml/2006/main" xmlns:r="http://schemas.openxmlformats.org/officeDocument/2006/relationships" xmlns:p="http://schemas.openxmlformats.org/presentationml/2006/main">
   <p:cSld>
     <p:bg>
@@ -39252,6 +42720,652 @@
 </file>
 
 <file path=ppt/slides/slide5.xml><?xml version="1.0" encoding="utf-8"?>
+<p:sld xmlns:a="http://schemas.openxmlformats.org/drawingml/2006/main" xmlns:r="http://schemas.openxmlformats.org/officeDocument/2006/relationships" xmlns:p="http://schemas.openxmlformats.org/presentationml/2006/main">
+  <p:cSld>
+    <p:spTree>
+      <p:nvGrpSpPr>
+        <p:cNvPr id="1" name=""/>
+        <p:cNvGrpSpPr/>
+        <p:nvPr/>
+      </p:nvGrpSpPr>
+      <p:grpSpPr>
+        <a:xfrm>
+          <a:off x="0" y="0"/>
+          <a:ext cx="0" cy="0"/>
+          <a:chOff x="0" y="0"/>
+          <a:chExt cx="0" cy="0"/>
+        </a:xfrm>
+      </p:grpSpPr>
+      <p:sp>
+        <p:nvSpPr>
+          <p:cNvPr id="2" name="Title 1">
+            <a:extLst>
+              <a:ext uri="{FF2B5EF4-FFF2-40B4-BE49-F238E27FC236}">
+                <a16:creationId xmlns:a16="http://schemas.microsoft.com/office/drawing/2014/main" id="{F0EB8DA0-F19D-42E7-B106-99DA6BC8B3C0}"/>
+              </a:ext>
+            </a:extLst>
+          </p:cNvPr>
+          <p:cNvSpPr>
+            <a:spLocks noGrp="1"/>
+          </p:cNvSpPr>
+          <p:nvPr>
+            <p:ph type="title"/>
+          </p:nvPr>
+        </p:nvSpPr>
+        <p:spPr/>
+        <p:txBody>
+          <a:bodyPr/>
+          <a:lstStyle/>
+          <a:p>
+            <a:r>
+              <a:rPr lang="en-US" dirty="0"/>
+              <a:t>Example: Tic-tac-toe</a:t>
+            </a:r>
+          </a:p>
+        </p:txBody>
+      </p:sp>
+      <mc:AlternateContent xmlns:mc="http://schemas.openxmlformats.org/markup-compatibility/2006" xmlns:a14="http://schemas.microsoft.com/office/drawing/2010/main">
+        <mc:Choice Requires="a14">
+          <p:sp>
+            <p:nvSpPr>
+              <p:cNvPr id="3" name="Content Placeholder 2">
+                <a:extLst>
+                  <a:ext uri="{FF2B5EF4-FFF2-40B4-BE49-F238E27FC236}">
+                    <a16:creationId xmlns:a16="http://schemas.microsoft.com/office/drawing/2014/main" id="{5EF77323-E4B1-4168-B791-DFDF7C7ADB94}"/>
+                  </a:ext>
+                </a:extLst>
+              </p:cNvPr>
+              <p:cNvSpPr>
+                <a:spLocks noGrp="1"/>
+              </p:cNvSpPr>
+              <p:nvPr>
+                <p:ph idx="1"/>
+              </p:nvPr>
+            </p:nvSpPr>
+            <p:spPr>
+              <a:xfrm>
+                <a:off x="628650" y="2362199"/>
+                <a:ext cx="7981950" cy="3814763"/>
+              </a:xfrm>
+            </p:spPr>
+            <p:txBody>
+              <a:bodyPr>
+                <a:normAutofit/>
+              </a:bodyPr>
+              <a:lstStyle/>
+              <a:p>
+                <a:pPr marL="0" indent="0">
+                  <a:buNone/>
+                </a:pPr>
+                <a14:m>
+                  <m:oMath xmlns:m="http://schemas.openxmlformats.org/officeDocument/2006/math">
+                    <m:sSub>
+                      <m:sSubPr>
+                        <m:ctrlPr>
+                          <a:rPr lang="en-US" sz="2400" i="1" smtClean="0">
+                            <a:latin typeface="Cambria Math" panose="02040503050406030204" pitchFamily="18" charset="0"/>
+                          </a:rPr>
+                        </m:ctrlPr>
+                      </m:sSubPr>
+                      <m:e>
+                        <m:r>
+                          <a:rPr lang="en-US" sz="2400" i="1">
+                            <a:latin typeface="Cambria Math" panose="02040503050406030204" pitchFamily="18" charset="0"/>
+                          </a:rPr>
+                          <m:t>𝑠</m:t>
+                        </m:r>
+                      </m:e>
+                      <m:sub>
+                        <m:r>
+                          <a:rPr lang="en-US" sz="2400" i="1">
+                            <a:latin typeface="Cambria Math" panose="02040503050406030204" pitchFamily="18" charset="0"/>
+                          </a:rPr>
+                          <m:t>0</m:t>
+                        </m:r>
+                      </m:sub>
+                    </m:sSub>
+                  </m:oMath>
+                </a14:m>
+                <a:r>
+                  <a:rPr lang="en-US" sz="2400" dirty="0"/>
+                  <a:t> 			Empty board.</a:t>
+                </a:r>
+              </a:p>
+              <a:p>
+                <a:pPr marL="0" indent="0">
+                  <a:buNone/>
+                </a:pPr>
+                <a14:m>
+                  <m:oMath xmlns:m="http://schemas.openxmlformats.org/officeDocument/2006/math">
+                    <m:r>
+                      <a:rPr lang="en-US" sz="2400" i="1">
+                        <a:latin typeface="Cambria Math" panose="02040503050406030204" pitchFamily="18" charset="0"/>
+                      </a:rPr>
+                      <m:t>𝐴𝑐𝑡𝑖𝑜𝑛𝑠</m:t>
+                    </m:r>
+                    <m:r>
+                      <a:rPr lang="en-US" sz="2400" i="1">
+                        <a:latin typeface="Cambria Math" panose="02040503050406030204" pitchFamily="18" charset="0"/>
+                      </a:rPr>
+                      <m:t>(</m:t>
+                    </m:r>
+                    <m:r>
+                      <a:rPr lang="en-US" sz="2400" i="1">
+                        <a:latin typeface="Cambria Math" panose="02040503050406030204" pitchFamily="18" charset="0"/>
+                      </a:rPr>
+                      <m:t>𝑠</m:t>
+                    </m:r>
+                    <m:r>
+                      <a:rPr lang="en-US" sz="2400" i="1">
+                        <a:latin typeface="Cambria Math" panose="02040503050406030204" pitchFamily="18" charset="0"/>
+                      </a:rPr>
+                      <m:t>)</m:t>
+                    </m:r>
+                  </m:oMath>
+                </a14:m>
+                <a:r>
+                  <a:rPr lang="en-US" sz="2400" dirty="0"/>
+                  <a:t>		Play empty squares.</a:t>
+                </a:r>
+              </a:p>
+              <a:p>
+                <a:pPr marL="0" indent="0">
+                  <a:buNone/>
+                </a:pPr>
+                <a14:m>
+                  <m:oMath xmlns:m="http://schemas.openxmlformats.org/officeDocument/2006/math">
+                    <m:r>
+                      <a:rPr lang="en-US" sz="2400" i="1">
+                        <a:latin typeface="Cambria Math" panose="02040503050406030204" pitchFamily="18" charset="0"/>
+                      </a:rPr>
+                      <m:t>𝑅𝑒𝑠𝑢𝑙𝑡</m:t>
+                    </m:r>
+                    <m:r>
+                      <a:rPr lang="en-US" sz="2400" i="1">
+                        <a:latin typeface="Cambria Math" panose="02040503050406030204" pitchFamily="18" charset="0"/>
+                      </a:rPr>
+                      <m:t>(</m:t>
+                    </m:r>
+                    <m:r>
+                      <a:rPr lang="en-US" sz="2400" i="1">
+                        <a:latin typeface="Cambria Math" panose="02040503050406030204" pitchFamily="18" charset="0"/>
+                      </a:rPr>
+                      <m:t>𝑠</m:t>
+                    </m:r>
+                    <m:r>
+                      <a:rPr lang="en-US" sz="2400" i="1">
+                        <a:latin typeface="Cambria Math" panose="02040503050406030204" pitchFamily="18" charset="0"/>
+                      </a:rPr>
+                      <m:t>,</m:t>
+                    </m:r>
+                    <m:r>
+                      <a:rPr lang="en-US" sz="2400" i="1">
+                        <a:latin typeface="Cambria Math" panose="02040503050406030204" pitchFamily="18" charset="0"/>
+                      </a:rPr>
+                      <m:t>𝑎</m:t>
+                    </m:r>
+                    <m:r>
+                      <a:rPr lang="en-US" sz="2400" i="1">
+                        <a:latin typeface="Cambria Math" panose="02040503050406030204" pitchFamily="18" charset="0"/>
+                      </a:rPr>
+                      <m:t>)</m:t>
+                    </m:r>
+                  </m:oMath>
+                </a14:m>
+                <a:r>
+                  <a:rPr lang="en-US" sz="2400" dirty="0"/>
+                  <a:t>		Symbol (x/o) is placed on empty square.</a:t>
+                </a:r>
+              </a:p>
+              <a:p>
+                <a:pPr marL="0" indent="0">
+                  <a:buNone/>
+                </a:pPr>
+                <a14:m>
+                  <m:oMath xmlns:m="http://schemas.openxmlformats.org/officeDocument/2006/math">
+                    <m:r>
+                      <a:rPr lang="en-US" sz="2400" b="0" i="1" smtClean="0">
+                        <a:latin typeface="Cambria Math" panose="02040503050406030204" pitchFamily="18" charset="0"/>
+                      </a:rPr>
+                      <m:t>𝑇𝑒</m:t>
+                    </m:r>
+                    <m:r>
+                      <a:rPr lang="en-US" sz="2400" i="1">
+                        <a:latin typeface="Cambria Math" panose="02040503050406030204" pitchFamily="18" charset="0"/>
+                      </a:rPr>
+                      <m:t>𝑟𝑚𝑖𝑛𝑎𝑙</m:t>
+                    </m:r>
+                    <m:r>
+                      <a:rPr lang="en-US" sz="2400" i="1">
+                        <a:latin typeface="Cambria Math" panose="02040503050406030204" pitchFamily="18" charset="0"/>
+                      </a:rPr>
+                      <m:t>(</m:t>
+                    </m:r>
+                    <m:r>
+                      <a:rPr lang="en-US" sz="2400" i="1">
+                        <a:latin typeface="Cambria Math" panose="02040503050406030204" pitchFamily="18" charset="0"/>
+                      </a:rPr>
+                      <m:t>𝑠</m:t>
+                    </m:r>
+                    <m:r>
+                      <a:rPr lang="en-US" sz="2400" i="1">
+                        <a:latin typeface="Cambria Math" panose="02040503050406030204" pitchFamily="18" charset="0"/>
+                      </a:rPr>
+                      <m:t>)</m:t>
+                    </m:r>
+                  </m:oMath>
+                </a14:m>
+                <a:r>
+                  <a:rPr lang="en-US" sz="2400" dirty="0"/>
+                  <a:t>	 	Did a player win or is the game a draw?</a:t>
+                </a:r>
+              </a:p>
+              <a:p>
+                <a:pPr marL="0" indent="0">
+                  <a:buNone/>
+                </a:pPr>
+                <a14:m>
+                  <m:oMath xmlns:m="http://schemas.openxmlformats.org/officeDocument/2006/math">
+                    <m:r>
+                      <a:rPr lang="en-US" sz="2400" i="1">
+                        <a:latin typeface="Cambria Math" panose="02040503050406030204" pitchFamily="18" charset="0"/>
+                      </a:rPr>
+                      <m:t>𝑈𝑡𝑖𝑙𝑖𝑡𝑦</m:t>
+                    </m:r>
+                    <m:r>
+                      <a:rPr lang="en-US" sz="2400" i="1">
+                        <a:latin typeface="Cambria Math" panose="02040503050406030204" pitchFamily="18" charset="0"/>
+                      </a:rPr>
+                      <m:t>(</m:t>
+                    </m:r>
+                    <m:r>
+                      <a:rPr lang="en-US" sz="2400" i="1">
+                        <a:latin typeface="Cambria Math" panose="02040503050406030204" pitchFamily="18" charset="0"/>
+                      </a:rPr>
+                      <m:t>𝑠</m:t>
+                    </m:r>
+                    <m:r>
+                      <a:rPr lang="en-US" sz="2400" i="1">
+                        <a:latin typeface="Cambria Math" panose="02040503050406030204" pitchFamily="18" charset="0"/>
+                      </a:rPr>
+                      <m:t>)</m:t>
+                    </m:r>
+                  </m:oMath>
+                </a14:m>
+                <a:r>
+                  <a:rPr lang="en-US" sz="2400" dirty="0"/>
+                  <a:t>		+1 if x wins, -1 if o wins and 0 for a draw.</a:t>
+                </a:r>
+              </a:p>
+              <a:p>
+                <a:pPr marL="0" indent="0">
+                  <a:buNone/>
+                </a:pPr>
+                <a:r>
+                  <a:rPr lang="en-US" sz="2400" dirty="0"/>
+                  <a:t>			Utility is only defined for terminal states.</a:t>
+                </a:r>
+              </a:p>
+              <a:p>
+                <a:endParaRPr lang="en-US" sz="2400" dirty="0"/>
+              </a:p>
+            </p:txBody>
+          </p:sp>
+        </mc:Choice>
+        <mc:Fallback xmlns="">
+          <p:sp>
+            <p:nvSpPr>
+              <p:cNvPr id="3" name="Content Placeholder 2">
+                <a:extLst>
+                  <a:ext uri="{FF2B5EF4-FFF2-40B4-BE49-F238E27FC236}">
+                    <a16:creationId xmlns:a16="http://schemas.microsoft.com/office/drawing/2014/main" id="{5EF77323-E4B1-4168-B791-DFDF7C7ADB94}"/>
+                  </a:ext>
+                </a:extLst>
+              </p:cNvPr>
+              <p:cNvSpPr>
+                <a:spLocks noGrp="1" noRot="1" noChangeAspect="1" noMove="1" noResize="1" noEditPoints="1" noAdjustHandles="1" noChangeArrowheads="1" noChangeShapeType="1" noTextEdit="1"/>
+              </p:cNvSpPr>
+              <p:nvPr>
+                <p:ph idx="1"/>
+              </p:nvPr>
+            </p:nvSpPr>
+            <p:spPr>
+              <a:xfrm>
+                <a:off x="628650" y="2362199"/>
+                <a:ext cx="7981950" cy="3814763"/>
+              </a:xfrm>
+              <a:blipFill>
+                <a:blip r:embed="rId2"/>
+                <a:stretch>
+                  <a:fillRect l="-611" t="-2077" r="-840"/>
+                </a:stretch>
+              </a:blipFill>
+            </p:spPr>
+            <p:txBody>
+              <a:bodyPr/>
+              <a:lstStyle/>
+              <a:p>
+                <a:r>
+                  <a:rPr lang="en-US">
+                    <a:noFill/>
+                  </a:rPr>
+                  <a:t> </a:t>
+                </a:r>
+              </a:p>
+            </p:txBody>
+          </p:sp>
+        </mc:Fallback>
+      </mc:AlternateContent>
+      <p:pic>
+        <p:nvPicPr>
+          <p:cNvPr id="2050" name="Picture 2" descr="Image result for tic tac toe">
+            <a:extLst>
+              <a:ext uri="{FF2B5EF4-FFF2-40B4-BE49-F238E27FC236}">
+                <a16:creationId xmlns:a16="http://schemas.microsoft.com/office/drawing/2014/main" id="{F68A6481-403B-4C1E-92D1-373A514882D5}"/>
+              </a:ext>
+            </a:extLst>
+          </p:cNvPr>
+          <p:cNvPicPr>
+            <a:picLocks noChangeAspect="1" noChangeArrowheads="1"/>
+          </p:cNvPicPr>
+          <p:nvPr/>
+        </p:nvPicPr>
+        <p:blipFill>
+          <a:blip r:embed="rId3" cstate="print">
+            <a:extLst>
+              <a:ext uri="{28A0092B-C50C-407E-A947-70E740481C1C}">
+                <a14:useLocalDpi xmlns:a14="http://schemas.microsoft.com/office/drawing/2010/main" val="0"/>
+              </a:ext>
+            </a:extLst>
+          </a:blip>
+          <a:srcRect/>
+          <a:stretch>
+            <a:fillRect/>
+          </a:stretch>
+        </p:blipFill>
+        <p:spPr bwMode="auto">
+          <a:xfrm>
+            <a:off x="5967397" y="401221"/>
+            <a:ext cx="2547953" cy="2265779"/>
+          </a:xfrm>
+          <a:prstGeom prst="rect">
+            <a:avLst/>
+          </a:prstGeom>
+          <a:noFill/>
+          <a:extLst>
+            <a:ext uri="{909E8E84-426E-40DD-AFC4-6F175D3DCCD1}">
+              <a14:hiddenFill xmlns:a14="http://schemas.microsoft.com/office/drawing/2010/main">
+                <a:solidFill>
+                  <a:srgbClr val="FFFFFF"/>
+                </a:solidFill>
+              </a14:hiddenFill>
+            </a:ext>
+          </a:extLst>
+        </p:spPr>
+      </p:pic>
+      <p:sp>
+        <p:nvSpPr>
+          <p:cNvPr id="4" name="Speech Bubble: Rectangle 3">
+            <a:extLst>
+              <a:ext uri="{FF2B5EF4-FFF2-40B4-BE49-F238E27FC236}">
+                <a16:creationId xmlns:a16="http://schemas.microsoft.com/office/drawing/2014/main" id="{FC16888F-411D-4B9A-B95F-9197D878E77C}"/>
+              </a:ext>
+            </a:extLst>
+          </p:cNvPr>
+          <p:cNvSpPr/>
+          <p:nvPr/>
+        </p:nvSpPr>
+        <p:spPr>
+          <a:xfrm>
+            <a:off x="838200" y="5414962"/>
+            <a:ext cx="2514600" cy="762000"/>
+          </a:xfrm>
+          <a:prstGeom prst="wedgeRectCallout">
+            <a:avLst>
+              <a:gd name="adj1" fmla="val 53330"/>
+              <a:gd name="adj2" fmla="val -187640"/>
+            </a:avLst>
+          </a:prstGeom>
+        </p:spPr>
+        <p:style>
+          <a:lnRef idx="3">
+            <a:schemeClr val="lt1"/>
+          </a:lnRef>
+          <a:fillRef idx="1">
+            <a:schemeClr val="accent6"/>
+          </a:fillRef>
+          <a:effectRef idx="1">
+            <a:schemeClr val="accent6"/>
+          </a:effectRef>
+          <a:fontRef idx="minor">
+            <a:schemeClr val="lt1"/>
+          </a:fontRef>
+        </p:style>
+        <p:txBody>
+          <a:bodyPr rtlCol="0" anchor="ctr"/>
+          <a:lstStyle/>
+          <a:p>
+            <a:pPr algn="ctr"/>
+            <a:r>
+              <a:rPr lang="en-US" sz="2000" dirty="0"/>
+              <a:t>Here player x is Max and player o is Min.</a:t>
+            </a:r>
+          </a:p>
+        </p:txBody>
+      </p:sp>
+      <p:sp>
+        <p:nvSpPr>
+          <p:cNvPr id="6" name="TextBox 5">
+            <a:extLst>
+              <a:ext uri="{FF2B5EF4-FFF2-40B4-BE49-F238E27FC236}">
+                <a16:creationId xmlns:a16="http://schemas.microsoft.com/office/drawing/2014/main" id="{269212AB-8DD7-9004-3B87-B2B1784AD06E}"/>
+              </a:ext>
+            </a:extLst>
+          </p:cNvPr>
+          <p:cNvSpPr txBox="1"/>
+          <p:nvPr/>
+        </p:nvSpPr>
+        <p:spPr>
+          <a:xfrm>
+            <a:off x="3562350" y="5943600"/>
+            <a:ext cx="5334000" cy="707886"/>
+          </a:xfrm>
+          <a:prstGeom prst="rect">
+            <a:avLst/>
+          </a:prstGeom>
+        </p:spPr>
+        <p:style>
+          <a:lnRef idx="3">
+            <a:schemeClr val="lt1"/>
+          </a:lnRef>
+          <a:fillRef idx="1">
+            <a:schemeClr val="accent2"/>
+          </a:fillRef>
+          <a:effectRef idx="1">
+            <a:schemeClr val="accent2"/>
+          </a:effectRef>
+          <a:fontRef idx="minor">
+            <a:schemeClr val="lt1"/>
+          </a:fontRef>
+        </p:style>
+        <p:txBody>
+          <a:bodyPr wrap="square" rtlCol="0">
+            <a:spAutoFit/>
+          </a:bodyPr>
+          <a:lstStyle/>
+          <a:p>
+            <a:r>
+              <a:rPr lang="en-US" sz="2000" b="1" dirty="0"/>
+              <a:t>Note</a:t>
+            </a:r>
+            <a:r>
+              <a:rPr lang="en-US" sz="2000" dirty="0"/>
+              <a:t>: This game still uses a goal-based agent that plans actions to reach a winning terminal  state!</a:t>
+            </a:r>
+          </a:p>
+        </p:txBody>
+      </p:sp>
+    </p:spTree>
+    <p:extLst>
+      <p:ext uri="{BB962C8B-B14F-4D97-AF65-F5344CB8AC3E}">
+        <p14:creationId xmlns:p14="http://schemas.microsoft.com/office/powerpoint/2010/main" val="872051194"/>
+      </p:ext>
+    </p:extLst>
+  </p:cSld>
+  <p:clrMapOvr>
+    <a:masterClrMapping/>
+  </p:clrMapOvr>
+</p:sld>
+</file>
+
+<file path=ppt/slides/slide6.xml><?xml version="1.0" encoding="utf-8"?>
+<p:sld xmlns:a="http://schemas.openxmlformats.org/drawingml/2006/main" xmlns:r="http://schemas.openxmlformats.org/officeDocument/2006/relationships" xmlns:p="http://schemas.openxmlformats.org/presentationml/2006/main">
+  <p:cSld>
+    <p:spTree>
+      <p:nvGrpSpPr>
+        <p:cNvPr id="1" name=""/>
+        <p:cNvGrpSpPr/>
+        <p:nvPr/>
+      </p:nvGrpSpPr>
+      <p:grpSpPr>
+        <a:xfrm>
+          <a:off x="0" y="0"/>
+          <a:ext cx="0" cy="0"/>
+          <a:chOff x="0" y="0"/>
+          <a:chExt cx="0" cy="0"/>
+        </a:xfrm>
+      </p:grpSpPr>
+      <p:sp>
+        <p:nvSpPr>
+          <p:cNvPr id="2" name="Title 1">
+            <a:extLst>
+              <a:ext uri="{FF2B5EF4-FFF2-40B4-BE49-F238E27FC236}">
+                <a16:creationId xmlns:a16="http://schemas.microsoft.com/office/drawing/2014/main" id="{CCE93EA7-47B0-C759-E592-812CF630DDA5}"/>
+              </a:ext>
+            </a:extLst>
+          </p:cNvPr>
+          <p:cNvSpPr>
+            <a:spLocks noGrp="1"/>
+          </p:cNvSpPr>
+          <p:nvPr>
+            <p:ph type="title"/>
+          </p:nvPr>
+        </p:nvSpPr>
+        <p:spPr/>
+        <p:txBody>
+          <a:bodyPr/>
+          <a:lstStyle/>
+          <a:p>
+            <a:r>
+              <a:rPr lang="en-US" sz="4400" dirty="0"/>
+              <a:t>Games as Search Problems</a:t>
+            </a:r>
+            <a:endParaRPr lang="en-US" dirty="0"/>
+          </a:p>
+        </p:txBody>
+      </p:sp>
+      <p:sp>
+        <p:nvSpPr>
+          <p:cNvPr id="3" name="Content Placeholder 2">
+            <a:extLst>
+              <a:ext uri="{FF2B5EF4-FFF2-40B4-BE49-F238E27FC236}">
+                <a16:creationId xmlns:a16="http://schemas.microsoft.com/office/drawing/2014/main" id="{48CCB962-4D43-8FB6-E8E6-221BA64813C6}"/>
+              </a:ext>
+            </a:extLst>
+          </p:cNvPr>
+          <p:cNvSpPr>
+            <a:spLocks noGrp="1"/>
+          </p:cNvSpPr>
+          <p:nvPr>
+            <p:ph idx="1"/>
+          </p:nvPr>
+        </p:nvSpPr>
+        <p:spPr/>
+        <p:txBody>
+          <a:bodyPr>
+            <a:normAutofit fontScale="92500" lnSpcReduction="20000"/>
+          </a:bodyPr>
+          <a:lstStyle/>
+          <a:p>
+            <a:r>
+              <a:rPr lang="en-US" dirty="0"/>
+              <a:t>Making a move is a </a:t>
+            </a:r>
+            <a:r>
+              <a:rPr lang="en-US" b="1" dirty="0"/>
+              <a:t>decision problem</a:t>
+            </a:r>
+            <a:r>
+              <a:rPr lang="en-US" dirty="0"/>
+              <a:t> that can be addressed as a</a:t>
+            </a:r>
+            <a:r>
+              <a:rPr lang="en-US" sz="2800" dirty="0"/>
+              <a:t> </a:t>
+            </a:r>
+            <a:r>
+              <a:rPr lang="en-US" sz="2800" b="1" dirty="0"/>
+              <a:t>search problem. </a:t>
+            </a:r>
+            <a:r>
+              <a:rPr lang="en-US" sz="2800" dirty="0"/>
+              <a:t>We need to search for sequences of moves that lead to a winning position.</a:t>
+            </a:r>
+            <a:endParaRPr lang="en-US" sz="2800" b="1" dirty="0"/>
+          </a:p>
+          <a:p>
+            <a:endParaRPr lang="en-US" sz="2800" b="1" dirty="0"/>
+          </a:p>
+          <a:p>
+            <a:r>
+              <a:rPr lang="en-US" sz="2800" b="1" dirty="0"/>
+              <a:t>Search p</a:t>
+            </a:r>
+            <a:r>
+              <a:rPr lang="en-US" b="1" dirty="0"/>
+              <a:t>roblems have a s</a:t>
+            </a:r>
+            <a:r>
+              <a:rPr lang="en-US" sz="2800" b="1" dirty="0"/>
+              <a:t>tate space</a:t>
+            </a:r>
+            <a:r>
+              <a:rPr lang="en-US" sz="2800" dirty="0"/>
+              <a:t>: a graph defined by the initial state and the transition function containing all reachable states (e.g., chess positions).</a:t>
+            </a:r>
+          </a:p>
+          <a:p>
+            <a:endParaRPr lang="en-US" sz="2800" b="1" dirty="0"/>
+          </a:p>
+          <a:p>
+            <a:r>
+              <a:rPr lang="en-US" sz="2800" b="1" dirty="0"/>
+              <a:t>For games we consider a game tree:</a:t>
+            </a:r>
+            <a:r>
+              <a:rPr lang="en-US" sz="2800" dirty="0"/>
+              <a:t> A complete game tree follows every sequence from the current state to the terminal state (the game ends). It consists of the set of paths through the state space representing all possible games that can be played.</a:t>
+            </a:r>
+          </a:p>
+          <a:p>
+            <a:endParaRPr lang="en-US" dirty="0"/>
+          </a:p>
+        </p:txBody>
+      </p:sp>
+    </p:spTree>
+    <p:extLst>
+      <p:ext uri="{BB962C8B-B14F-4D97-AF65-F5344CB8AC3E}">
+        <p14:creationId xmlns:p14="http://schemas.microsoft.com/office/powerpoint/2010/main" val="1971402541"/>
+      </p:ext>
+    </p:extLst>
+  </p:cSld>
+  <p:clrMapOvr>
+    <a:masterClrMapping/>
+  </p:clrMapOvr>
+</p:sld>
+</file>
+
+<file path=ppt/slides/slide7.xml><?xml version="1.0" encoding="utf-8"?>
 <p:sld xmlns:a="http://schemas.openxmlformats.org/drawingml/2006/main" xmlns:r="http://schemas.openxmlformats.org/officeDocument/2006/relationships" xmlns:p="http://schemas.openxmlformats.org/presentationml/2006/main">
   <p:cSld>
     <p:spTree>
@@ -40919,7 +45033,7 @@
 </p:sld>
 </file>
 
-<file path=ppt/slides/slide6.xml><?xml version="1.0" encoding="utf-8"?>
+<file path=ppt/slides/slide8.xml><?xml version="1.0" encoding="utf-8"?>
 <p:sld xmlns:a="http://schemas.openxmlformats.org/drawingml/2006/main" xmlns:r="http://schemas.openxmlformats.org/officeDocument/2006/relationships" xmlns:p="http://schemas.openxmlformats.org/presentationml/2006/main">
   <p:cSld>
     <p:bg>
@@ -41745,7 +45859,7 @@
 </p:sld>
 </file>
 
-<file path=ppt/slides/slide7.xml><?xml version="1.0" encoding="utf-8"?>
+<file path=ppt/slides/slide9.xml><?xml version="1.0" encoding="utf-8"?>
 <p:sld xmlns:a="http://schemas.openxmlformats.org/drawingml/2006/main" xmlns:r="http://schemas.openxmlformats.org/officeDocument/2006/relationships" xmlns:p="http://schemas.openxmlformats.org/presentationml/2006/main">
   <p:cSld>
     <p:bg>
@@ -42068,1257 +46182,6 @@
   <p:clrMapOvr>
     <a:masterClrMapping/>
   </p:clrMapOvr>
-</p:sld>
-</file>
-
-<file path=ppt/slides/slide8.xml><?xml version="1.0" encoding="utf-8"?>
-<p:sld xmlns:a="http://schemas.openxmlformats.org/drawingml/2006/main" xmlns:r="http://schemas.openxmlformats.org/officeDocument/2006/relationships" xmlns:p="http://schemas.openxmlformats.org/presentationml/2006/main">
-  <p:cSld>
-    <p:bg>
-      <p:bgPr>
-        <a:solidFill>
-          <a:schemeClr val="bg1"/>
-        </a:solidFill>
-        <a:effectLst/>
-      </p:bgPr>
-    </p:bg>
-    <p:spTree>
-      <p:nvGrpSpPr>
-        <p:cNvPr id="1" name=""/>
-        <p:cNvGrpSpPr/>
-        <p:nvPr/>
-      </p:nvGrpSpPr>
-      <p:grpSpPr>
-        <a:xfrm>
-          <a:off x="0" y="0"/>
-          <a:ext cx="0" cy="0"/>
-          <a:chOff x="0" y="0"/>
-          <a:chExt cx="0" cy="0"/>
-        </a:xfrm>
-      </p:grpSpPr>
-      <p:sp useBgFill="1">
-        <p:nvSpPr>
-          <p:cNvPr id="8" name="Rectangle 7">
-            <a:extLst>
-              <a:ext uri="{FF2B5EF4-FFF2-40B4-BE49-F238E27FC236}">
-                <a16:creationId xmlns:a16="http://schemas.microsoft.com/office/drawing/2014/main" id="{C7FA33FF-088D-4F16-95A2-2C64D353DEA8}"/>
-              </a:ext>
-              <a:ext uri="{C183D7F6-B498-43B3-948B-1728B52AA6E4}">
-                <adec:decorative xmlns:adec="http://schemas.microsoft.com/office/drawing/2017/decorative" val="1"/>
-              </a:ext>
-            </a:extLst>
-          </p:cNvPr>
-          <p:cNvSpPr>
-            <a:spLocks noGrp="1" noRot="1" noChangeAspect="1" noMove="1" noResize="1" noEditPoints="1" noAdjustHandles="1" noChangeArrowheads="1" noChangeShapeType="1" noTextEdit="1"/>
-          </p:cNvSpPr>
-          <p:nvPr>
-            <p:extLst>
-              <p:ext uri="{386F3935-93C4-4BCD-93E2-E3B085C9AB24}">
-                <p16:designElem xmlns:p16="http://schemas.microsoft.com/office/powerpoint/2015/main" val="1"/>
-              </p:ext>
-            </p:extLst>
-          </p:nvPr>
-        </p:nvSpPr>
-        <p:spPr>
-          <a:xfrm>
-            <a:off x="1143" y="0"/>
-            <a:ext cx="9141714" cy="6858000"/>
-          </a:xfrm>
-          <a:prstGeom prst="rect">
-            <a:avLst/>
-          </a:prstGeom>
-          <a:ln>
-            <a:noFill/>
-          </a:ln>
-        </p:spPr>
-        <p:style>
-          <a:lnRef idx="2">
-            <a:schemeClr val="accent1">
-              <a:shade val="50000"/>
-            </a:schemeClr>
-          </a:lnRef>
-          <a:fillRef idx="1">
-            <a:schemeClr val="accent1"/>
-          </a:fillRef>
-          <a:effectRef idx="0">
-            <a:schemeClr val="accent1"/>
-          </a:effectRef>
-          <a:fontRef idx="minor">
-            <a:schemeClr val="lt1"/>
-          </a:fontRef>
-        </p:style>
-        <p:txBody>
-          <a:bodyPr rtlCol="0" anchor="ctr"/>
-          <a:lstStyle/>
-          <a:p>
-            <a:pPr marL="0" marR="0" lvl="0" indent="0" algn="ctr" defTabSz="914400" rtl="0" eaLnBrk="1" fontAlgn="auto" latinLnBrk="0" hangingPunct="1">
-              <a:lnSpc>
-                <a:spcPct val="100000"/>
-              </a:lnSpc>
-              <a:spcBef>
-                <a:spcPts val="0"/>
-              </a:spcBef>
-              <a:spcAft>
-                <a:spcPts val="0"/>
-              </a:spcAft>
-              <a:buClrTx/>
-              <a:buSzTx/>
-              <a:buFontTx/>
-              <a:buNone/>
-              <a:tabLst/>
-              <a:defRPr/>
-            </a:pPr>
-            <a:endParaRPr kumimoji="0" lang="en-US" sz="1800" b="0" i="0" u="none" strike="noStrike" kern="1200" cap="none" spc="0" normalizeH="0" baseline="0" noProof="0">
-              <a:ln>
-                <a:noFill/>
-              </a:ln>
-              <a:solidFill>
-                <a:prstClr val="white"/>
-              </a:solidFill>
-              <a:effectLst/>
-              <a:uLnTx/>
-              <a:uFillTx/>
-              <a:latin typeface="Calibri" panose="020F0502020204030204"/>
-              <a:ea typeface="+mn-ea"/>
-              <a:cs typeface="+mn-cs"/>
-            </a:endParaRPr>
-          </a:p>
-        </p:txBody>
-      </p:sp>
-      <p:sp>
-        <p:nvSpPr>
-          <p:cNvPr id="10" name="Rectangle 9">
-            <a:extLst>
-              <a:ext uri="{FF2B5EF4-FFF2-40B4-BE49-F238E27FC236}">
-                <a16:creationId xmlns:a16="http://schemas.microsoft.com/office/drawing/2014/main" id="{A376EFB1-01CF-419F-ABF1-2AF02BBFCBD1}"/>
-              </a:ext>
-              <a:ext uri="{C183D7F6-B498-43B3-948B-1728B52AA6E4}">
-                <adec:decorative xmlns:adec="http://schemas.microsoft.com/office/drawing/2017/decorative" val="1"/>
-              </a:ext>
-            </a:extLst>
-          </p:cNvPr>
-          <p:cNvSpPr>
-            <a:spLocks noGrp="1" noRot="1" noChangeAspect="1" noMove="1" noResize="1" noEditPoints="1" noAdjustHandles="1" noChangeArrowheads="1" noChangeShapeType="1" noTextEdit="1"/>
-          </p:cNvSpPr>
-          <p:nvPr>
-            <p:extLst>
-              <p:ext uri="{386F3935-93C4-4BCD-93E2-E3B085C9AB24}">
-                <p16:designElem xmlns:p16="http://schemas.microsoft.com/office/powerpoint/2015/main" val="1"/>
-              </p:ext>
-            </p:extLst>
-          </p:nvPr>
-        </p:nvSpPr>
-        <p:spPr>
-          <a:xfrm>
-            <a:off x="0" y="0"/>
-            <a:ext cx="3531870" cy="6858000"/>
-          </a:xfrm>
-          <a:prstGeom prst="rect">
-            <a:avLst/>
-          </a:prstGeom>
-          <a:solidFill>
-            <a:schemeClr val="tx1">
-              <a:alpha val="81000"/>
-            </a:schemeClr>
-          </a:solidFill>
-          <a:ln>
-            <a:noFill/>
-          </a:ln>
-        </p:spPr>
-        <p:style>
-          <a:lnRef idx="2">
-            <a:schemeClr val="accent1">
-              <a:shade val="50000"/>
-            </a:schemeClr>
-          </a:lnRef>
-          <a:fillRef idx="1">
-            <a:schemeClr val="accent1"/>
-          </a:fillRef>
-          <a:effectRef idx="0">
-            <a:schemeClr val="accent1"/>
-          </a:effectRef>
-          <a:fontRef idx="minor">
-            <a:schemeClr val="lt1"/>
-          </a:fontRef>
-        </p:style>
-        <p:txBody>
-          <a:bodyPr rtlCol="0" anchor="ctr"/>
-          <a:lstStyle/>
-          <a:p>
-            <a:pPr marL="0" marR="0" lvl="0" indent="0" algn="ctr" defTabSz="914400" rtl="0" eaLnBrk="1" fontAlgn="auto" latinLnBrk="0" hangingPunct="1">
-              <a:lnSpc>
-                <a:spcPct val="100000"/>
-              </a:lnSpc>
-              <a:spcBef>
-                <a:spcPts val="0"/>
-              </a:spcBef>
-              <a:spcAft>
-                <a:spcPts val="0"/>
-              </a:spcAft>
-              <a:buClrTx/>
-              <a:buSzTx/>
-              <a:buFontTx/>
-              <a:buNone/>
-              <a:tabLst/>
-              <a:defRPr/>
-            </a:pPr>
-            <a:endParaRPr kumimoji="0" lang="en-US" sz="1800" b="0" i="0" u="none" strike="noStrike" kern="1200" cap="none" spc="0" normalizeH="0" baseline="0" noProof="0">
-              <a:ln>
-                <a:noFill/>
-              </a:ln>
-              <a:solidFill>
-                <a:prstClr val="white"/>
-              </a:solidFill>
-              <a:effectLst/>
-              <a:uLnTx/>
-              <a:uFillTx/>
-              <a:latin typeface="Calibri" panose="020F0502020204030204"/>
-              <a:ea typeface="+mn-ea"/>
-              <a:cs typeface="+mn-cs"/>
-            </a:endParaRPr>
-          </a:p>
-        </p:txBody>
-      </p:sp>
-      <p:sp>
-        <p:nvSpPr>
-          <p:cNvPr id="12" name="Freeform: Shape 11">
-            <a:extLst>
-              <a:ext uri="{FF2B5EF4-FFF2-40B4-BE49-F238E27FC236}">
-                <a16:creationId xmlns:a16="http://schemas.microsoft.com/office/drawing/2014/main" id="{FF9DEA15-78BD-4750-AA18-B9F28A6D5AB8}"/>
-              </a:ext>
-              <a:ext uri="{C183D7F6-B498-43B3-948B-1728B52AA6E4}">
-                <adec:decorative xmlns:adec="http://schemas.microsoft.com/office/drawing/2017/decorative" val="1"/>
-              </a:ext>
-            </a:extLst>
-          </p:cNvPr>
-          <p:cNvSpPr>
-            <a:spLocks noGrp="1" noRot="1" noChangeAspect="1" noMove="1" noResize="1" noEditPoints="1" noAdjustHandles="1" noChangeArrowheads="1" noChangeShapeType="1" noTextEdit="1"/>
-          </p:cNvSpPr>
-          <p:nvPr>
-            <p:extLst>
-              <p:ext uri="{386F3935-93C4-4BCD-93E2-E3B085C9AB24}">
-                <p16:designElem xmlns:p16="http://schemas.microsoft.com/office/powerpoint/2015/main" val="1"/>
-              </p:ext>
-            </p:extLst>
-          </p:nvPr>
-        </p:nvSpPr>
-        <p:spPr>
-          <a:xfrm>
-            <a:off x="0" y="0"/>
-            <a:ext cx="2463248" cy="6858000"/>
-          </a:xfrm>
-          <a:custGeom>
-            <a:avLst/>
-            <a:gdLst>
-              <a:gd name="connsiteX0" fmla="*/ 0 w 4319042"/>
-              <a:gd name="connsiteY0" fmla="*/ 0 h 6858000"/>
-              <a:gd name="connsiteX1" fmla="*/ 1142888 w 4319042"/>
-              <a:gd name="connsiteY1" fmla="*/ 0 h 6858000"/>
-              <a:gd name="connsiteX2" fmla="*/ 4319042 w 4319042"/>
-              <a:gd name="connsiteY2" fmla="*/ 6858000 h 6858000"/>
-              <a:gd name="connsiteX3" fmla="*/ 0 w 4319042"/>
-              <a:gd name="connsiteY3" fmla="*/ 6858000 h 6858000"/>
-            </a:gdLst>
-            <a:ahLst/>
-            <a:cxnLst>
-              <a:cxn ang="0">
-                <a:pos x="connsiteX0" y="connsiteY0"/>
-              </a:cxn>
-              <a:cxn ang="0">
-                <a:pos x="connsiteX1" y="connsiteY1"/>
-              </a:cxn>
-              <a:cxn ang="0">
-                <a:pos x="connsiteX2" y="connsiteY2"/>
-              </a:cxn>
-              <a:cxn ang="0">
-                <a:pos x="connsiteX3" y="connsiteY3"/>
-              </a:cxn>
-            </a:cxnLst>
-            <a:rect l="l" t="t" r="r" b="b"/>
-            <a:pathLst>
-              <a:path w="4319042" h="6858000">
-                <a:moveTo>
-                  <a:pt x="0" y="0"/>
-                </a:moveTo>
-                <a:lnTo>
-                  <a:pt x="1142888" y="0"/>
-                </a:lnTo>
-                <a:lnTo>
-                  <a:pt x="4319042" y="6858000"/>
-                </a:lnTo>
-                <a:lnTo>
-                  <a:pt x="0" y="6858000"/>
-                </a:lnTo>
-                <a:close/>
-              </a:path>
-            </a:pathLst>
-          </a:custGeom>
-          <a:solidFill>
-            <a:schemeClr val="tx1">
-              <a:alpha val="35000"/>
-            </a:schemeClr>
-          </a:solidFill>
-          <a:ln>
-            <a:noFill/>
-          </a:ln>
-        </p:spPr>
-        <p:style>
-          <a:lnRef idx="2">
-            <a:schemeClr val="accent1">
-              <a:shade val="50000"/>
-            </a:schemeClr>
-          </a:lnRef>
-          <a:fillRef idx="1">
-            <a:schemeClr val="accent1"/>
-          </a:fillRef>
-          <a:effectRef idx="0">
-            <a:schemeClr val="accent1"/>
-          </a:effectRef>
-          <a:fontRef idx="minor">
-            <a:schemeClr val="lt1"/>
-          </a:fontRef>
-        </p:style>
-        <p:txBody>
-          <a:bodyPr wrap="square" rtlCol="0" anchor="ctr">
-            <a:noAutofit/>
-          </a:bodyPr>
-          <a:lstStyle/>
-          <a:p>
-            <a:pPr marL="0" marR="0" lvl="0" indent="0" algn="ctr" defTabSz="914400" rtl="0" eaLnBrk="1" fontAlgn="auto" latinLnBrk="0" hangingPunct="1">
-              <a:lnSpc>
-                <a:spcPct val="100000"/>
-              </a:lnSpc>
-              <a:spcBef>
-                <a:spcPts val="0"/>
-              </a:spcBef>
-              <a:spcAft>
-                <a:spcPts val="0"/>
-              </a:spcAft>
-              <a:buClrTx/>
-              <a:buSzTx/>
-              <a:buFontTx/>
-              <a:buNone/>
-              <a:tabLst/>
-              <a:defRPr/>
-            </a:pPr>
-            <a:endParaRPr kumimoji="0" lang="en-US" sz="1800" b="0" i="0" u="none" strike="noStrike" kern="1200" cap="none" spc="0" normalizeH="0" baseline="0" noProof="0">
-              <a:ln>
-                <a:noFill/>
-              </a:ln>
-              <a:solidFill>
-                <a:prstClr val="white"/>
-              </a:solidFill>
-              <a:effectLst/>
-              <a:uLnTx/>
-              <a:uFillTx/>
-              <a:latin typeface="Calibri" panose="020F0502020204030204"/>
-              <a:ea typeface="+mn-ea"/>
-              <a:cs typeface="+mn-cs"/>
-            </a:endParaRPr>
-          </a:p>
-        </p:txBody>
-      </p:sp>
-      <p:sp>
-        <p:nvSpPr>
-          <p:cNvPr id="2" name="Title 1">
-            <a:extLst>
-              <a:ext uri="{FF2B5EF4-FFF2-40B4-BE49-F238E27FC236}">
-                <a16:creationId xmlns:a16="http://schemas.microsoft.com/office/drawing/2014/main" id="{B97AF7D7-48F3-4CC0-89F9-14A70C49FFC5}"/>
-              </a:ext>
-            </a:extLst>
-          </p:cNvPr>
-          <p:cNvSpPr>
-            <a:spLocks noGrp="1"/>
-          </p:cNvSpPr>
-          <p:nvPr>
-            <p:ph type="title"/>
-          </p:nvPr>
-        </p:nvSpPr>
-        <p:spPr>
-          <a:xfrm>
-            <a:off x="603504" y="640080"/>
-            <a:ext cx="2462022" cy="5257800"/>
-          </a:xfrm>
-        </p:spPr>
-        <p:txBody>
-          <a:bodyPr>
-            <a:normAutofit/>
-          </a:bodyPr>
-          <a:lstStyle/>
-          <a:p>
-            <a:r>
-              <a:rPr lang="en-US" sz="3700">
-                <a:solidFill>
-                  <a:schemeClr val="bg1"/>
-                </a:solidFill>
-              </a:rPr>
-              <a:t>Methods for Adversarial Games</a:t>
-            </a:r>
-          </a:p>
-        </p:txBody>
-      </p:sp>
-      <p:sp>
-        <p:nvSpPr>
-          <p:cNvPr id="3" name="Content Placeholder 2">
-            <a:extLst>
-              <a:ext uri="{FF2B5EF4-FFF2-40B4-BE49-F238E27FC236}">
-                <a16:creationId xmlns:a16="http://schemas.microsoft.com/office/drawing/2014/main" id="{60DC2DFB-044D-434A-9634-A2762FA456AE}"/>
-              </a:ext>
-            </a:extLst>
-          </p:cNvPr>
-          <p:cNvSpPr>
-            <a:spLocks noGrp="1"/>
-          </p:cNvSpPr>
-          <p:nvPr>
-            <p:ph idx="1"/>
-          </p:nvPr>
-        </p:nvSpPr>
-        <p:spPr>
-          <a:xfrm>
-            <a:off x="4018788" y="640081"/>
-            <a:ext cx="4518490" cy="5257800"/>
-          </a:xfrm>
-        </p:spPr>
-        <p:txBody>
-          <a:bodyPr anchor="ctr">
-            <a:normAutofit/>
-          </a:bodyPr>
-          <a:lstStyle/>
-          <a:p>
-            <a:pPr marL="0" indent="0">
-              <a:buNone/>
-            </a:pPr>
-            <a:r>
-              <a:rPr lang="en-US" sz="1600" b="1" dirty="0"/>
-              <a:t>Exact Methods</a:t>
-            </a:r>
-          </a:p>
-          <a:p>
-            <a:r>
-              <a:rPr lang="en-US" sz="1600" b="1" dirty="0"/>
-              <a:t>Model as nondeterministic actions</a:t>
-            </a:r>
-            <a:r>
-              <a:rPr lang="en-US" sz="1600" dirty="0"/>
-              <a:t>: The opponent is seen as part of an environment with nondeterministic actions. Non-determinism is the result of the unknown moves by the opponent. We</a:t>
-            </a:r>
-            <a:r>
-              <a:rPr lang="en-US" sz="1600" b="1" dirty="0"/>
-              <a:t> consider all possible moves</a:t>
-            </a:r>
-            <a:r>
-              <a:rPr lang="en-US" sz="1600" dirty="0"/>
-              <a:t> by the opponent.</a:t>
-            </a:r>
-          </a:p>
-          <a:p>
-            <a:r>
-              <a:rPr lang="en-US" sz="1600" b="1" dirty="0">
-                <a:solidFill>
-                  <a:schemeClr val="bg1">
-                    <a:lumMod val="75000"/>
-                  </a:schemeClr>
-                </a:solidFill>
-              </a:rPr>
-              <a:t>Find optimal decisions</a:t>
-            </a:r>
-            <a:r>
-              <a:rPr lang="en-US" sz="1600" dirty="0">
-                <a:solidFill>
-                  <a:schemeClr val="bg1">
-                    <a:lumMod val="75000"/>
-                  </a:schemeClr>
-                </a:solidFill>
-              </a:rPr>
-              <a:t>: Minimax search and Alpha-Beta pruning where </a:t>
-            </a:r>
-            <a:r>
-              <a:rPr lang="en-US" sz="1600" b="1" dirty="0">
-                <a:solidFill>
-                  <a:schemeClr val="bg1">
-                    <a:lumMod val="75000"/>
-                  </a:schemeClr>
-                </a:solidFill>
-              </a:rPr>
-              <a:t>each player plays optimal </a:t>
-            </a:r>
-            <a:r>
-              <a:rPr lang="en-US" sz="1600" dirty="0">
-                <a:solidFill>
-                  <a:schemeClr val="bg1">
-                    <a:lumMod val="75000"/>
-                  </a:schemeClr>
-                </a:solidFill>
-              </a:rPr>
-              <a:t>to the end of the game.</a:t>
-            </a:r>
-          </a:p>
-          <a:p>
-            <a:pPr marL="0" indent="0">
-              <a:buNone/>
-            </a:pPr>
-            <a:endParaRPr lang="en-US" sz="1600" b="1" dirty="0">
-              <a:solidFill>
-                <a:schemeClr val="bg1">
-                  <a:lumMod val="75000"/>
-                </a:schemeClr>
-              </a:solidFill>
-            </a:endParaRPr>
-          </a:p>
-          <a:p>
-            <a:pPr marL="0" indent="0">
-              <a:buNone/>
-            </a:pPr>
-            <a:r>
-              <a:rPr lang="en-US" sz="1600" b="1" dirty="0">
-                <a:solidFill>
-                  <a:schemeClr val="bg1">
-                    <a:lumMod val="75000"/>
-                  </a:schemeClr>
-                </a:solidFill>
-              </a:rPr>
-              <a:t>Heuristic Methods </a:t>
-            </a:r>
-            <a:br>
-              <a:rPr lang="en-US" sz="1600" b="1" dirty="0">
-                <a:solidFill>
-                  <a:schemeClr val="bg1">
-                    <a:lumMod val="75000"/>
-                  </a:schemeClr>
-                </a:solidFill>
-              </a:rPr>
-            </a:br>
-            <a:r>
-              <a:rPr lang="en-US" sz="1600" dirty="0">
-                <a:solidFill>
-                  <a:schemeClr val="bg1">
-                    <a:lumMod val="75000"/>
-                  </a:schemeClr>
-                </a:solidFill>
-              </a:rPr>
-              <a:t>(game tree is too large)</a:t>
-            </a:r>
-          </a:p>
-          <a:p>
-            <a:r>
-              <a:rPr lang="en-US" sz="1600" b="1" dirty="0">
-                <a:solidFill>
-                  <a:schemeClr val="bg1">
-                    <a:lumMod val="75000"/>
-                  </a:schemeClr>
-                </a:solidFill>
-              </a:rPr>
-              <a:t>Heuristic Alpha-Beta Tree Search</a:t>
-            </a:r>
-            <a:r>
-              <a:rPr lang="en-US" sz="1600" dirty="0">
-                <a:solidFill>
-                  <a:schemeClr val="bg1">
-                    <a:lumMod val="75000"/>
-                  </a:schemeClr>
-                </a:solidFill>
-              </a:rPr>
-              <a:t>: </a:t>
-            </a:r>
-          </a:p>
-          <a:p>
-            <a:pPr marL="914400" lvl="1" indent="-457200">
-              <a:buFont typeface="+mj-lt"/>
-              <a:buAutoNum type="alphaLcPeriod"/>
-            </a:pPr>
-            <a:r>
-              <a:rPr lang="en-US" sz="1600" dirty="0">
-                <a:solidFill>
-                  <a:schemeClr val="bg1">
-                    <a:lumMod val="75000"/>
-                  </a:schemeClr>
-                </a:solidFill>
-              </a:rPr>
-              <a:t>Cut off game tree and use heuristic for utility. </a:t>
-            </a:r>
-          </a:p>
-          <a:p>
-            <a:pPr marL="914400" lvl="1" indent="-457200">
-              <a:buFont typeface="+mj-lt"/>
-              <a:buAutoNum type="alphaLcPeriod"/>
-            </a:pPr>
-            <a:r>
-              <a:rPr lang="en-US" sz="1600" dirty="0">
-                <a:solidFill>
-                  <a:schemeClr val="bg1">
-                    <a:lumMod val="75000"/>
-                  </a:schemeClr>
-                </a:solidFill>
-              </a:rPr>
-              <a:t>Forward Pruning: ignore poor moves.</a:t>
-            </a:r>
-          </a:p>
-          <a:p>
-            <a:r>
-              <a:rPr lang="en-US" sz="1600" b="1" dirty="0">
-                <a:solidFill>
-                  <a:schemeClr val="bg1">
-                    <a:lumMod val="75000"/>
-                  </a:schemeClr>
-                </a:solidFill>
-              </a:rPr>
-              <a:t>Monte Carlo Tree search</a:t>
-            </a:r>
-            <a:r>
-              <a:rPr lang="en-US" sz="1600" dirty="0">
-                <a:solidFill>
-                  <a:schemeClr val="bg1">
-                    <a:lumMod val="75000"/>
-                  </a:schemeClr>
-                </a:solidFill>
-              </a:rPr>
-              <a:t>: Estimate utility of a state by simulating complete games and average the utility.</a:t>
-            </a:r>
-          </a:p>
-          <a:p>
-            <a:endParaRPr lang="en-US" sz="1600" dirty="0"/>
-          </a:p>
-        </p:txBody>
-      </p:sp>
-    </p:spTree>
-    <p:extLst>
-      <p:ext uri="{BB962C8B-B14F-4D97-AF65-F5344CB8AC3E}">
-        <p14:creationId xmlns:p14="http://schemas.microsoft.com/office/powerpoint/2010/main" val="870312030"/>
-      </p:ext>
-    </p:extLst>
-  </p:cSld>
-  <p:clrMapOvr>
-    <a:masterClrMapping/>
-  </p:clrMapOvr>
-</p:sld>
-</file>
-
-<file path=ppt/slides/slide9.xml><?xml version="1.0" encoding="utf-8"?>
-<p:sld xmlns:a="http://schemas.openxmlformats.org/drawingml/2006/main" xmlns:r="http://schemas.openxmlformats.org/officeDocument/2006/relationships" xmlns:p="http://schemas.openxmlformats.org/presentationml/2006/main">
-  <p:cSld>
-    <p:spTree>
-      <p:nvGrpSpPr>
-        <p:cNvPr id="1" name=""/>
-        <p:cNvGrpSpPr/>
-        <p:nvPr/>
-      </p:nvGrpSpPr>
-      <p:grpSpPr>
-        <a:xfrm>
-          <a:off x="0" y="0"/>
-          <a:ext cx="0" cy="0"/>
-          <a:chOff x="0" y="0"/>
-          <a:chExt cx="0" cy="0"/>
-        </a:xfrm>
-      </p:grpSpPr>
-      <p:sp>
-        <p:nvSpPr>
-          <p:cNvPr id="2" name="Speech Bubble: Rectangle 1">
-            <a:extLst>
-              <a:ext uri="{FF2B5EF4-FFF2-40B4-BE49-F238E27FC236}">
-                <a16:creationId xmlns:a16="http://schemas.microsoft.com/office/drawing/2014/main" id="{F0DF4C3C-B98A-4A79-9C13-8AE44680CC92}"/>
-              </a:ext>
-            </a:extLst>
-          </p:cNvPr>
-          <p:cNvSpPr/>
-          <p:nvPr/>
-        </p:nvSpPr>
-        <p:spPr>
-          <a:xfrm>
-            <a:off x="4495800" y="3886200"/>
-            <a:ext cx="4419600" cy="900111"/>
-          </a:xfrm>
-          <a:prstGeom prst="wedgeRectCallout">
-            <a:avLst>
-              <a:gd name="adj1" fmla="val -74067"/>
-              <a:gd name="adj2" fmla="val -72882"/>
-            </a:avLst>
-          </a:prstGeom>
-        </p:spPr>
-        <p:style>
-          <a:lnRef idx="3">
-            <a:schemeClr val="lt1"/>
-          </a:lnRef>
-          <a:fillRef idx="1">
-            <a:schemeClr val="accent6"/>
-          </a:fillRef>
-          <a:effectRef idx="1">
-            <a:schemeClr val="accent6"/>
-          </a:effectRef>
-          <a:fontRef idx="minor">
-            <a:schemeClr val="lt1"/>
-          </a:fontRef>
-        </p:style>
-        <p:txBody>
-          <a:bodyPr rtlCol="0" anchor="ctr"/>
-          <a:lstStyle/>
-          <a:p>
-            <a:r>
-              <a:rPr lang="en-US" dirty="0"/>
-              <a:t>Each action consists of the move by the player and all possible (i.e., nondeterministic) responses by the opponent.</a:t>
-            </a:r>
-          </a:p>
-        </p:txBody>
-      </p:sp>
-      <p:sp>
-        <p:nvSpPr>
-          <p:cNvPr id="4" name="Title 3">
-            <a:extLst>
-              <a:ext uri="{FF2B5EF4-FFF2-40B4-BE49-F238E27FC236}">
-                <a16:creationId xmlns:a16="http://schemas.microsoft.com/office/drawing/2014/main" id="{5BB004D9-BB78-4C90-99E9-26B51D24751A}"/>
-              </a:ext>
-            </a:extLst>
-          </p:cNvPr>
-          <p:cNvSpPr>
-            <a:spLocks noGrp="1"/>
-          </p:cNvSpPr>
-          <p:nvPr>
-            <p:ph type="title"/>
-          </p:nvPr>
-        </p:nvSpPr>
-        <p:spPr>
-          <a:xfrm>
-            <a:off x="628650" y="365126"/>
-            <a:ext cx="7886700" cy="1325563"/>
-          </a:xfrm>
-        </p:spPr>
-        <p:txBody>
-          <a:bodyPr/>
-          <a:lstStyle/>
-          <a:p>
-            <a:r>
-              <a:rPr lang="en-US" dirty="0"/>
-              <a:t>Recall: Nondeterministic Actions</a:t>
-            </a:r>
-          </a:p>
-        </p:txBody>
-      </p:sp>
-      <mc:AlternateContent xmlns:mc="http://schemas.openxmlformats.org/markup-compatibility/2006" xmlns:a14="http://schemas.microsoft.com/office/drawing/2010/main">
-        <mc:Choice Requires="a14">
-          <p:sp>
-            <p:nvSpPr>
-              <p:cNvPr id="5" name="Content Placeholder 4">
-                <a:extLst>
-                  <a:ext uri="{FF2B5EF4-FFF2-40B4-BE49-F238E27FC236}">
-                    <a16:creationId xmlns:a16="http://schemas.microsoft.com/office/drawing/2014/main" id="{A98A81B8-EC8C-4D15-A4D6-463770E10AC9}"/>
-                  </a:ext>
-                </a:extLst>
-              </p:cNvPr>
-              <p:cNvSpPr>
-                <a:spLocks noGrp="1"/>
-              </p:cNvSpPr>
-              <p:nvPr>
-                <p:ph idx="1"/>
-              </p:nvPr>
-            </p:nvSpPr>
-            <p:spPr>
-              <a:xfrm>
-                <a:off x="628650" y="1690689"/>
-                <a:ext cx="7886700" cy="4802185"/>
-              </a:xfrm>
-            </p:spPr>
-            <p:txBody>
-              <a:bodyPr>
-                <a:normAutofit fontScale="85000" lnSpcReduction="20000"/>
-              </a:bodyPr>
-              <a:lstStyle/>
-              <a:p>
-                <a:pPr marL="0" indent="0">
-                  <a:buNone/>
-                </a:pPr>
-                <a:r>
-                  <a:rPr lang="en-US" dirty="0"/>
-                  <a:t>For </a:t>
-                </a:r>
-                <a:r>
-                  <a:rPr lang="en-US" b="1" dirty="0"/>
-                  <a:t>planning</a:t>
-                </a:r>
-                <a:r>
-                  <a:rPr lang="en-US" dirty="0"/>
-                  <a:t>, we do not know what the opponents moves will be. We have already modeled this issue using nondeterministic actions.</a:t>
-                </a:r>
-              </a:p>
-              <a:p>
-                <a:pPr marL="0" indent="0">
-                  <a:buNone/>
-                </a:pPr>
-                <a:endParaRPr lang="en-US" dirty="0"/>
-              </a:p>
-              <a:p>
-                <a:pPr marL="0" indent="0">
-                  <a:buNone/>
-                </a:pPr>
-                <a:r>
-                  <a:rPr lang="en-US" dirty="0"/>
-                  <a:t>Outcome of actions in the environment is nondeterministic = </a:t>
-                </a:r>
-                <a:r>
-                  <a:rPr lang="en-US" b="1" dirty="0">
-                    <a:solidFill>
-                      <a:srgbClr val="FF0000"/>
-                    </a:solidFill>
-                  </a:rPr>
-                  <a:t>transition model need to describe uncertainty about the opponent's behavior.</a:t>
-                </a:r>
-                <a:endParaRPr lang="en-US" dirty="0"/>
-              </a:p>
-              <a:p>
-                <a:pPr marL="0" indent="0">
-                  <a:buNone/>
-                </a:pPr>
-                <a:endParaRPr lang="en-US" dirty="0"/>
-              </a:p>
-              <a:p>
-                <a:pPr marL="0" indent="0">
-                  <a:buNone/>
-                </a:pPr>
-                <a:endParaRPr lang="en-US" dirty="0"/>
-              </a:p>
-              <a:p>
-                <a:pPr marL="0" indent="0">
-                  <a:buNone/>
-                </a:pPr>
-                <a:r>
-                  <a:rPr lang="en-US" dirty="0"/>
-                  <a:t>Example transition: </a:t>
-                </a:r>
-                <a:br>
-                  <a:rPr lang="en-US" dirty="0"/>
-                </a:br>
-                <a:br>
-                  <a:rPr lang="en-US" b="0" i="1" dirty="0">
-                    <a:latin typeface="Cambria Math" panose="02040503050406030204" pitchFamily="18" charset="0"/>
-                  </a:rPr>
-                </a:br>
-                <a:r>
-                  <a:rPr lang="en-US" b="0" i="1" dirty="0">
-                    <a:latin typeface="Cambria Math" panose="02040503050406030204" pitchFamily="18" charset="0"/>
-                  </a:rPr>
-                  <a:t>		</a:t>
-                </a:r>
-                <a14:m>
-                  <m:oMath xmlns:m="http://schemas.openxmlformats.org/officeDocument/2006/math">
-                    <m:r>
-                      <a:rPr lang="en-US" b="0" i="1" smtClean="0">
-                        <a:latin typeface="Cambria Math" panose="02040503050406030204" pitchFamily="18" charset="0"/>
-                      </a:rPr>
-                      <m:t>𝑅𝑒𝑠𝑢𝑙𝑡𝑠</m:t>
-                    </m:r>
-                    <m:d>
-                      <m:dPr>
-                        <m:ctrlPr>
-                          <a:rPr lang="en-US" b="0" i="1" smtClean="0">
-                            <a:latin typeface="Cambria Math" panose="02040503050406030204" pitchFamily="18" charset="0"/>
-                          </a:rPr>
-                        </m:ctrlPr>
-                      </m:dPr>
-                      <m:e>
-                        <m:sSub>
-                          <m:sSubPr>
-                            <m:ctrlPr>
-                              <a:rPr lang="en-US" b="0" i="1" smtClean="0">
-                                <a:latin typeface="Cambria Math" panose="02040503050406030204" pitchFamily="18" charset="0"/>
-                              </a:rPr>
-                            </m:ctrlPr>
-                          </m:sSubPr>
-                          <m:e>
-                            <m:r>
-                              <a:rPr lang="en-US" b="0" i="1" smtClean="0">
-                                <a:latin typeface="Cambria Math" panose="02040503050406030204" pitchFamily="18" charset="0"/>
-                              </a:rPr>
-                              <m:t>𝑠</m:t>
-                            </m:r>
-                          </m:e>
-                          <m:sub>
-                            <m:r>
-                              <a:rPr lang="en-US" b="0" i="1" smtClean="0">
-                                <a:latin typeface="Cambria Math" panose="02040503050406030204" pitchFamily="18" charset="0"/>
-                              </a:rPr>
-                              <m:t>1</m:t>
-                            </m:r>
-                          </m:sub>
-                        </m:sSub>
-                        <m:r>
-                          <a:rPr lang="en-US" b="0" i="1" smtClean="0">
-                            <a:latin typeface="Cambria Math" panose="02040503050406030204" pitchFamily="18" charset="0"/>
-                          </a:rPr>
-                          <m:t>,</m:t>
-                        </m:r>
-                        <m:r>
-                          <a:rPr lang="en-US" b="0" i="1" smtClean="0">
-                            <a:latin typeface="Cambria Math" panose="02040503050406030204" pitchFamily="18" charset="0"/>
-                          </a:rPr>
-                          <m:t>𝑎</m:t>
-                        </m:r>
-                      </m:e>
-                    </m:d>
-                    <m:r>
-                      <a:rPr lang="en-US" b="0" i="1" smtClean="0">
-                        <a:latin typeface="Cambria Math" panose="02040503050406030204" pitchFamily="18" charset="0"/>
-                      </a:rPr>
-                      <m:t>= </m:t>
-                    </m:r>
-                    <m:d>
-                      <m:dPr>
-                        <m:begChr m:val="{"/>
-                        <m:endChr m:val="}"/>
-                        <m:ctrlPr>
-                          <a:rPr lang="en-US" b="0" i="1" smtClean="0">
-                            <a:latin typeface="Cambria Math" panose="02040503050406030204" pitchFamily="18" charset="0"/>
-                          </a:rPr>
-                        </m:ctrlPr>
-                      </m:dPr>
-                      <m:e>
-                        <m:sSub>
-                          <m:sSubPr>
-                            <m:ctrlPr>
-                              <a:rPr lang="en-US" b="0" i="1" smtClean="0">
-                                <a:latin typeface="Cambria Math" panose="02040503050406030204" pitchFamily="18" charset="0"/>
-                              </a:rPr>
-                            </m:ctrlPr>
-                          </m:sSubPr>
-                          <m:e>
-                            <m:r>
-                              <a:rPr lang="en-US" b="0" i="1" smtClean="0">
-                                <a:latin typeface="Cambria Math" panose="02040503050406030204" pitchFamily="18" charset="0"/>
-                              </a:rPr>
-                              <m:t>𝑠</m:t>
-                            </m:r>
-                          </m:e>
-                          <m:sub>
-                            <m:r>
-                              <a:rPr lang="en-US" b="0" i="1" smtClean="0">
-                                <a:latin typeface="Cambria Math" panose="02040503050406030204" pitchFamily="18" charset="0"/>
-                              </a:rPr>
-                              <m:t>2</m:t>
-                            </m:r>
-                          </m:sub>
-                        </m:sSub>
-                        <m:r>
-                          <a:rPr lang="en-US" b="0" i="1" smtClean="0">
-                            <a:latin typeface="Cambria Math" panose="02040503050406030204" pitchFamily="18" charset="0"/>
-                          </a:rPr>
-                          <m:t>,</m:t>
-                        </m:r>
-                        <m:sSub>
-                          <m:sSubPr>
-                            <m:ctrlPr>
-                              <a:rPr lang="en-US" b="0" i="1" smtClean="0">
-                                <a:latin typeface="Cambria Math" panose="02040503050406030204" pitchFamily="18" charset="0"/>
-                              </a:rPr>
-                            </m:ctrlPr>
-                          </m:sSubPr>
-                          <m:e>
-                            <m:r>
-                              <a:rPr lang="en-US" b="0" i="1" smtClean="0">
-                                <a:latin typeface="Cambria Math" panose="02040503050406030204" pitchFamily="18" charset="0"/>
-                              </a:rPr>
-                              <m:t>𝑠</m:t>
-                            </m:r>
-                          </m:e>
-                          <m:sub>
-                            <m:r>
-                              <a:rPr lang="en-US" b="0" i="1" smtClean="0">
-                                <a:latin typeface="Cambria Math" panose="02040503050406030204" pitchFamily="18" charset="0"/>
-                              </a:rPr>
-                              <m:t>4</m:t>
-                            </m:r>
-                          </m:sub>
-                        </m:sSub>
-                        <m:r>
-                          <a:rPr lang="en-US" b="0" i="1" smtClean="0">
-                            <a:latin typeface="Cambria Math" panose="02040503050406030204" pitchFamily="18" charset="0"/>
-                          </a:rPr>
-                          <m:t>,</m:t>
-                        </m:r>
-                        <m:sSub>
-                          <m:sSubPr>
-                            <m:ctrlPr>
-                              <a:rPr lang="en-US" b="0" i="1" smtClean="0">
-                                <a:latin typeface="Cambria Math" panose="02040503050406030204" pitchFamily="18" charset="0"/>
-                              </a:rPr>
-                            </m:ctrlPr>
-                          </m:sSubPr>
-                          <m:e>
-                            <m:r>
-                              <a:rPr lang="en-US" b="0" i="1" smtClean="0">
-                                <a:latin typeface="Cambria Math" panose="02040503050406030204" pitchFamily="18" charset="0"/>
-                              </a:rPr>
-                              <m:t>𝑠</m:t>
-                            </m:r>
-                          </m:e>
-                          <m:sub>
-                            <m:r>
-                              <a:rPr lang="en-US" b="0" i="1" smtClean="0">
-                                <a:latin typeface="Cambria Math" panose="02040503050406030204" pitchFamily="18" charset="0"/>
-                              </a:rPr>
-                              <m:t>5</m:t>
-                            </m:r>
-                          </m:sub>
-                        </m:sSub>
-                      </m:e>
-                    </m:d>
-                  </m:oMath>
-                </a14:m>
-                <a:r>
-                  <a:rPr lang="en-US" dirty="0"/>
-                  <a:t> </a:t>
-                </a:r>
-                <a:br>
-                  <a:rPr lang="en-US" dirty="0"/>
-                </a:br>
-                <a:br>
-                  <a:rPr lang="en-US" dirty="0"/>
-                </a:br>
-                <a:r>
-                  <a:rPr lang="en-US" dirty="0"/>
-                  <a:t>i.e., action </a:t>
-                </a:r>
-                <a14:m>
-                  <m:oMath xmlns:m="http://schemas.openxmlformats.org/officeDocument/2006/math">
-                    <m:r>
-                      <a:rPr lang="en-US" b="0" i="1" smtClean="0">
-                        <a:latin typeface="Cambria Math" panose="02040503050406030204" pitchFamily="18" charset="0"/>
-                      </a:rPr>
-                      <m:t>𝑎</m:t>
-                    </m:r>
-                  </m:oMath>
-                </a14:m>
-                <a:r>
-                  <a:rPr lang="en-US" dirty="0"/>
-                  <a:t> in </a:t>
-                </a:r>
-                <a14:m>
-                  <m:oMath xmlns:m="http://schemas.openxmlformats.org/officeDocument/2006/math">
-                    <m:sSub>
-                      <m:sSubPr>
-                        <m:ctrlPr>
-                          <a:rPr lang="en-US" i="1" dirty="0" smtClean="0">
-                            <a:latin typeface="Cambria Math" panose="02040503050406030204" pitchFamily="18" charset="0"/>
-                          </a:rPr>
-                        </m:ctrlPr>
-                      </m:sSubPr>
-                      <m:e>
-                        <m:r>
-                          <a:rPr lang="en-US" i="1" dirty="0" smtClean="0">
-                            <a:latin typeface="Cambria Math" panose="02040503050406030204" pitchFamily="18" charset="0"/>
-                          </a:rPr>
-                          <m:t>𝑠</m:t>
-                        </m:r>
-                      </m:e>
-                      <m:sub>
-                        <m:r>
-                          <a:rPr lang="en-US" i="1" dirty="0" smtClean="0">
-                            <a:latin typeface="Cambria Math" panose="02040503050406030204" pitchFamily="18" charset="0"/>
-                          </a:rPr>
-                          <m:t>1</m:t>
-                        </m:r>
-                      </m:sub>
-                    </m:sSub>
-                  </m:oMath>
-                </a14:m>
-                <a:r>
-                  <a:rPr lang="en-US" dirty="0"/>
-                  <a:t> can lead to one of several states (which is called a belief state of the agent). </a:t>
-                </a:r>
-              </a:p>
-            </p:txBody>
-          </p:sp>
-        </mc:Choice>
-        <mc:Fallback xmlns="">
-          <p:sp>
-            <p:nvSpPr>
-              <p:cNvPr id="5" name="Content Placeholder 4">
-                <a:extLst>
-                  <a:ext uri="{FF2B5EF4-FFF2-40B4-BE49-F238E27FC236}">
-                    <a16:creationId xmlns:a16="http://schemas.microsoft.com/office/drawing/2014/main" id="{A98A81B8-EC8C-4D15-A4D6-463770E10AC9}"/>
-                  </a:ext>
-                </a:extLst>
-              </p:cNvPr>
-              <p:cNvSpPr>
-                <a:spLocks noGrp="1" noRot="1" noChangeAspect="1" noMove="1" noResize="1" noEditPoints="1" noAdjustHandles="1" noChangeArrowheads="1" noChangeShapeType="1" noTextEdit="1"/>
-              </p:cNvSpPr>
-              <p:nvPr>
-                <p:ph idx="1"/>
-              </p:nvPr>
-            </p:nvSpPr>
-            <p:spPr>
-              <a:xfrm>
-                <a:off x="628650" y="1690689"/>
-                <a:ext cx="7886700" cy="4802185"/>
-              </a:xfrm>
-              <a:blipFill>
-                <a:blip r:embed="rId2"/>
-                <a:stretch>
-                  <a:fillRect l="-1159" t="-2919" r="-1391"/>
-                </a:stretch>
-              </a:blipFill>
-            </p:spPr>
-            <p:txBody>
-              <a:bodyPr/>
-              <a:lstStyle/>
-              <a:p>
-                <a:r>
-                  <a:rPr lang="en-US">
-                    <a:noFill/>
-                  </a:rPr>
-                  <a:t> </a:t>
-                </a:r>
-              </a:p>
-            </p:txBody>
-          </p:sp>
-        </mc:Fallback>
-      </mc:AlternateContent>
-    </p:spTree>
-    <p:extLst>
-      <p:ext uri="{BB962C8B-B14F-4D97-AF65-F5344CB8AC3E}">
-        <p14:creationId xmlns:p14="http://schemas.microsoft.com/office/powerpoint/2010/main" val="2366450124"/>
-      </p:ext>
-    </p:extLst>
-  </p:cSld>
-  <p:clrMapOvr>
-    <a:masterClrMapping/>
-  </p:clrMapOvr>
-  <p:timing>
-    <p:tnLst>
-      <p:par>
-        <p:cTn id="1" dur="indefinite" restart="never" nodeType="tmRoot">
-          <p:childTnLst>
-            <p:seq concurrent="1" nextAc="seek">
-              <p:cTn id="2" dur="indefinite" nodeType="mainSeq">
-                <p:childTnLst>
-                  <p:par>
-                    <p:cTn id="3" fill="hold">
-                      <p:stCondLst>
-                        <p:cond delay="indefinite"/>
-                      </p:stCondLst>
-                      <p:childTnLst>
-                        <p:par>
-                          <p:cTn id="4" fill="hold">
-                            <p:stCondLst>
-                              <p:cond delay="0"/>
-                            </p:stCondLst>
-                            <p:childTnLst>
-                              <p:par>
-                                <p:cTn id="5" presetID="1" presetClass="entr" presetSubtype="0" fill="hold" nodeType="clickEffect">
-                                  <p:stCondLst>
-                                    <p:cond delay="0"/>
-                                  </p:stCondLst>
-                                  <p:childTnLst>
-                                    <p:set>
-                                      <p:cBhvr>
-                                        <p:cTn id="6" dur="1" fill="hold">
-                                          <p:stCondLst>
-                                            <p:cond delay="0"/>
-                                          </p:stCondLst>
-                                        </p:cTn>
-                                        <p:tgtEl>
-                                          <p:spTgt spid="5">
-                                            <p:txEl>
-                                              <p:pRg st="2" end="2"/>
-                                            </p:txEl>
-                                          </p:spTgt>
-                                        </p:tgtEl>
-                                        <p:attrNameLst>
-                                          <p:attrName>style.visibility</p:attrName>
-                                        </p:attrNameLst>
-                                      </p:cBhvr>
-                                      <p:to>
-                                        <p:strVal val="visible"/>
-                                      </p:to>
-                                    </p:set>
-                                  </p:childTnLst>
-                                </p:cTn>
-                              </p:par>
-                              <p:par>
-                                <p:cTn id="7" presetID="1" presetClass="entr" presetSubtype="0" fill="hold" nodeType="withEffect">
-                                  <p:stCondLst>
-                                    <p:cond delay="0"/>
-                                  </p:stCondLst>
-                                  <p:childTnLst>
-                                    <p:set>
-                                      <p:cBhvr>
-                                        <p:cTn id="8" dur="1" fill="hold">
-                                          <p:stCondLst>
-                                            <p:cond delay="0"/>
-                                          </p:stCondLst>
-                                        </p:cTn>
-                                        <p:tgtEl>
-                                          <p:spTgt spid="5">
-                                            <p:txEl>
-                                              <p:pRg st="5" end="5"/>
-                                            </p:txEl>
-                                          </p:spTgt>
-                                        </p:tgtEl>
-                                        <p:attrNameLst>
-                                          <p:attrName>style.visibility</p:attrName>
-                                        </p:attrNameLst>
-                                      </p:cBhvr>
-                                      <p:to>
-                                        <p:strVal val="visible"/>
-                                      </p:to>
-                                    </p:set>
-                                  </p:childTnLst>
-                                </p:cTn>
-                              </p:par>
-                              <p:par>
-                                <p:cTn id="9" presetID="1" presetClass="entr" presetSubtype="0" fill="hold" grpId="0" nodeType="withEffect">
-                                  <p:stCondLst>
-                                    <p:cond delay="0"/>
-                                  </p:stCondLst>
-                                  <p:childTnLst>
-                                    <p:set>
-                                      <p:cBhvr>
-                                        <p:cTn id="10" dur="1" fill="hold">
-                                          <p:stCondLst>
-                                            <p:cond delay="0"/>
-                                          </p:stCondLst>
-                                        </p:cTn>
-                                        <p:tgtEl>
-                                          <p:spTgt spid="2"/>
-                                        </p:tgtEl>
-                                        <p:attrNameLst>
-                                          <p:attrName>style.visibility</p:attrName>
-                                        </p:attrNameLst>
-                                      </p:cBhvr>
-                                      <p:to>
-                                        <p:strVal val="visible"/>
-                                      </p:to>
-                                    </p:set>
-                                  </p:childTnLst>
-                                </p:cTn>
-                              </p:par>
-                            </p:childTnLst>
-                          </p:cTn>
-                        </p:par>
-                      </p:childTnLst>
-                    </p:cTn>
-                  </p:par>
-                </p:childTnLst>
-              </p:cTn>
-              <p:prevCondLst>
-                <p:cond evt="onPrev" delay="0">
-                  <p:tgtEl>
-                    <p:sldTgt/>
-                  </p:tgtEl>
-                </p:cond>
-              </p:prevCondLst>
-              <p:nextCondLst>
-                <p:cond evt="onNext" delay="0">
-                  <p:tgtEl>
-                    <p:sldTgt/>
-                  </p:tgtEl>
-                </p:cond>
-              </p:nextCondLst>
-            </p:seq>
-          </p:childTnLst>
-        </p:cTn>
-      </p:par>
-    </p:tnLst>
-    <p:bldLst>
-      <p:bldP spid="2" grpId="0" animBg="1"/>
-    </p:bldLst>
-  </p:timing>
 </p:sld>
 </file>
 

--- a/slides/05_games.pptx
+++ b/slides/05_games.pptx
@@ -224,6 +224,10 @@
             <p14:sldId id="286"/>
             <p14:sldId id="287"/>
             <p14:sldId id="300"/>
+          </p14:sldIdLst>
+        </p14:section>
+        <p14:section name="Wrap up" id="{F656B63C-8C1F-4C48-B983-F70B9145C75C}">
+          <p14:sldIdLst>
             <p14:sldId id="288"/>
           </p14:sldIdLst>
         </p14:section>
@@ -5625,7 +5629,7 @@
             <a:fld id="{46E2045A-045A-4BC7-A4D3-1395440B1C3D}" type="datetimeFigureOut">
               <a:rPr lang="en-US" smtClean="0"/>
               <a:pPr/>
-              <a:t>12/6/2024</a:t>
+              <a:t>2/11/2025</a:t>
             </a:fld>
             <a:endParaRPr lang="en-US"/>
           </a:p>
@@ -17653,8 +17657,8 @@
             </a:p>
           </p:txBody>
         </p:sp>
-        <mc:AlternateContent xmlns:mc="http://schemas.openxmlformats.org/markup-compatibility/2006">
-          <mc:Choice xmlns:a14="http://schemas.microsoft.com/office/drawing/2010/main" Requires="a14">
+        <mc:AlternateContent xmlns:mc="http://schemas.openxmlformats.org/markup-compatibility/2006" xmlns:a14="http://schemas.microsoft.com/office/drawing/2010/main">
+          <mc:Choice Requires="a14">
             <p:sp>
               <p:nvSpPr>
                 <p:cNvPr id="51" name="TextBox 50">
@@ -17723,7 +17727,7 @@
               </p:txBody>
             </p:sp>
           </mc:Choice>
-          <mc:Fallback>
+          <mc:Fallback xmlns="">
             <p:sp>
               <p:nvSpPr>
                 <p:cNvPr id="51" name="TextBox 50">
@@ -17768,8 +17772,8 @@
             </p:sp>
           </mc:Fallback>
         </mc:AlternateContent>
-        <mc:AlternateContent xmlns:mc="http://schemas.openxmlformats.org/markup-compatibility/2006">
-          <mc:Choice xmlns:a14="http://schemas.microsoft.com/office/drawing/2010/main" Requires="a14">
+        <mc:AlternateContent xmlns:mc="http://schemas.openxmlformats.org/markup-compatibility/2006" xmlns:a14="http://schemas.microsoft.com/office/drawing/2010/main">
+          <mc:Choice Requires="a14">
             <p:sp>
               <p:nvSpPr>
                 <p:cNvPr id="52" name="TextBox 51">
@@ -17838,7 +17842,7 @@
               </p:txBody>
             </p:sp>
           </mc:Choice>
-          <mc:Fallback>
+          <mc:Fallback xmlns="">
             <p:sp>
               <p:nvSpPr>
                 <p:cNvPr id="52" name="TextBox 51">
@@ -17883,8 +17887,8 @@
             </p:sp>
           </mc:Fallback>
         </mc:AlternateContent>
-        <mc:AlternateContent xmlns:mc="http://schemas.openxmlformats.org/markup-compatibility/2006">
-          <mc:Choice xmlns:a14="http://schemas.microsoft.com/office/drawing/2010/main" Requires="a14">
+        <mc:AlternateContent xmlns:mc="http://schemas.openxmlformats.org/markup-compatibility/2006" xmlns:a14="http://schemas.microsoft.com/office/drawing/2010/main">
+          <mc:Choice Requires="a14">
             <p:sp>
               <p:nvSpPr>
                 <p:cNvPr id="53" name="TextBox 52">
@@ -17953,7 +17957,7 @@
               </p:txBody>
             </p:sp>
           </mc:Choice>
-          <mc:Fallback>
+          <mc:Fallback xmlns="">
             <p:sp>
               <p:nvSpPr>
                 <p:cNvPr id="53" name="TextBox 52">
@@ -17998,8 +18002,8 @@
             </p:sp>
           </mc:Fallback>
         </mc:AlternateContent>
-        <mc:AlternateContent xmlns:mc="http://schemas.openxmlformats.org/markup-compatibility/2006">
-          <mc:Choice xmlns:a14="http://schemas.microsoft.com/office/drawing/2010/main" Requires="a14">
+        <mc:AlternateContent xmlns:mc="http://schemas.openxmlformats.org/markup-compatibility/2006" xmlns:a14="http://schemas.microsoft.com/office/drawing/2010/main">
+          <mc:Choice Requires="a14">
             <p:sp>
               <p:nvSpPr>
                 <p:cNvPr id="54" name="TextBox 53">
@@ -18068,7 +18072,7 @@
               </p:txBody>
             </p:sp>
           </mc:Choice>
-          <mc:Fallback>
+          <mc:Fallback xmlns="">
             <p:sp>
               <p:nvSpPr>
                 <p:cNvPr id="54" name="TextBox 53">
@@ -18113,8 +18117,8 @@
             </p:sp>
           </mc:Fallback>
         </mc:AlternateContent>
-        <mc:AlternateContent xmlns:mc="http://schemas.openxmlformats.org/markup-compatibility/2006">
-          <mc:Choice xmlns:a14="http://schemas.microsoft.com/office/drawing/2010/main" Requires="a14">
+        <mc:AlternateContent xmlns:mc="http://schemas.openxmlformats.org/markup-compatibility/2006" xmlns:a14="http://schemas.microsoft.com/office/drawing/2010/main">
+          <mc:Choice Requires="a14">
             <p:sp>
               <p:nvSpPr>
                 <p:cNvPr id="55" name="TextBox 54">
@@ -18183,7 +18187,7 @@
               </p:txBody>
             </p:sp>
           </mc:Choice>
-          <mc:Fallback>
+          <mc:Fallback xmlns="">
             <p:sp>
               <p:nvSpPr>
                 <p:cNvPr id="55" name="TextBox 54">
@@ -18228,8 +18232,8 @@
             </p:sp>
           </mc:Fallback>
         </mc:AlternateContent>
-        <mc:AlternateContent xmlns:mc="http://schemas.openxmlformats.org/markup-compatibility/2006">
-          <mc:Choice xmlns:a14="http://schemas.microsoft.com/office/drawing/2010/main" Requires="a14">
+        <mc:AlternateContent xmlns:mc="http://schemas.openxmlformats.org/markup-compatibility/2006" xmlns:a14="http://schemas.microsoft.com/office/drawing/2010/main">
+          <mc:Choice Requires="a14">
             <p:sp>
               <p:nvSpPr>
                 <p:cNvPr id="56" name="TextBox 55">
@@ -18298,7 +18302,7 @@
               </p:txBody>
             </p:sp>
           </mc:Choice>
-          <mc:Fallback>
+          <mc:Fallback xmlns="">
             <p:sp>
               <p:nvSpPr>
                 <p:cNvPr id="56" name="TextBox 55">
@@ -18343,8 +18347,8 @@
             </p:sp>
           </mc:Fallback>
         </mc:AlternateContent>
-        <mc:AlternateContent xmlns:mc="http://schemas.openxmlformats.org/markup-compatibility/2006">
-          <mc:Choice xmlns:a14="http://schemas.microsoft.com/office/drawing/2010/main" Requires="a14">
+        <mc:AlternateContent xmlns:mc="http://schemas.openxmlformats.org/markup-compatibility/2006" xmlns:a14="http://schemas.microsoft.com/office/drawing/2010/main">
+          <mc:Choice Requires="a14">
             <p:sp>
               <p:nvSpPr>
                 <p:cNvPr id="57" name="TextBox 56">
@@ -18413,7 +18417,7 @@
               </p:txBody>
             </p:sp>
           </mc:Choice>
-          <mc:Fallback>
+          <mc:Fallback xmlns="">
             <p:sp>
               <p:nvSpPr>
                 <p:cNvPr id="57" name="TextBox 56">
@@ -18458,8 +18462,8 @@
             </p:sp>
           </mc:Fallback>
         </mc:AlternateContent>
-        <mc:AlternateContent xmlns:mc="http://schemas.openxmlformats.org/markup-compatibility/2006">
-          <mc:Choice xmlns:a14="http://schemas.microsoft.com/office/drawing/2010/main" Requires="a14">
+        <mc:AlternateContent xmlns:mc="http://schemas.openxmlformats.org/markup-compatibility/2006" xmlns:a14="http://schemas.microsoft.com/office/drawing/2010/main">
+          <mc:Choice Requires="a14">
             <p:sp>
               <p:nvSpPr>
                 <p:cNvPr id="58" name="TextBox 57">
@@ -18528,7 +18532,7 @@
               </p:txBody>
             </p:sp>
           </mc:Choice>
-          <mc:Fallback>
+          <mc:Fallback xmlns="">
             <p:sp>
               <p:nvSpPr>
                 <p:cNvPr id="58" name="TextBox 57">
@@ -18573,8 +18577,8 @@
             </p:sp>
           </mc:Fallback>
         </mc:AlternateContent>
-        <mc:AlternateContent xmlns:mc="http://schemas.openxmlformats.org/markup-compatibility/2006">
-          <mc:Choice xmlns:a14="http://schemas.microsoft.com/office/drawing/2010/main" Requires="a14">
+        <mc:AlternateContent xmlns:mc="http://schemas.openxmlformats.org/markup-compatibility/2006" xmlns:a14="http://schemas.microsoft.com/office/drawing/2010/main">
+          <mc:Choice Requires="a14">
             <p:sp>
               <p:nvSpPr>
                 <p:cNvPr id="59" name="TextBox 58">
@@ -18643,7 +18647,7 @@
               </p:txBody>
             </p:sp>
           </mc:Choice>
-          <mc:Fallback>
+          <mc:Fallback xmlns="">
             <p:sp>
               <p:nvSpPr>
                 <p:cNvPr id="59" name="TextBox 58">
@@ -18688,8 +18692,8 @@
             </p:sp>
           </mc:Fallback>
         </mc:AlternateContent>
-        <mc:AlternateContent xmlns:mc="http://schemas.openxmlformats.org/markup-compatibility/2006">
-          <mc:Choice xmlns:a14="http://schemas.microsoft.com/office/drawing/2010/main" Requires="a14">
+        <mc:AlternateContent xmlns:mc="http://schemas.openxmlformats.org/markup-compatibility/2006" xmlns:a14="http://schemas.microsoft.com/office/drawing/2010/main">
+          <mc:Choice Requires="a14">
             <p:sp>
               <p:nvSpPr>
                 <p:cNvPr id="60" name="TextBox 59">
@@ -18758,7 +18762,7 @@
               </p:txBody>
             </p:sp>
           </mc:Choice>
-          <mc:Fallback>
+          <mc:Fallback xmlns="">
             <p:sp>
               <p:nvSpPr>
                 <p:cNvPr id="60" name="TextBox 59">
@@ -18803,8 +18807,8 @@
             </p:sp>
           </mc:Fallback>
         </mc:AlternateContent>
-        <mc:AlternateContent xmlns:mc="http://schemas.openxmlformats.org/markup-compatibility/2006">
-          <mc:Choice xmlns:a14="http://schemas.microsoft.com/office/drawing/2010/main" Requires="a14">
+        <mc:AlternateContent xmlns:mc="http://schemas.openxmlformats.org/markup-compatibility/2006" xmlns:a14="http://schemas.microsoft.com/office/drawing/2010/main">
+          <mc:Choice Requires="a14">
             <p:sp>
               <p:nvSpPr>
                 <p:cNvPr id="61" name="TextBox 60">
@@ -18873,7 +18877,7 @@
               </p:txBody>
             </p:sp>
           </mc:Choice>
-          <mc:Fallback>
+          <mc:Fallback xmlns="">
             <p:sp>
               <p:nvSpPr>
                 <p:cNvPr id="61" name="TextBox 60">
@@ -18918,8 +18922,8 @@
             </p:sp>
           </mc:Fallback>
         </mc:AlternateContent>
-        <mc:AlternateContent xmlns:mc="http://schemas.openxmlformats.org/markup-compatibility/2006">
-          <mc:Choice xmlns:a14="http://schemas.microsoft.com/office/drawing/2010/main" Requires="a14">
+        <mc:AlternateContent xmlns:mc="http://schemas.openxmlformats.org/markup-compatibility/2006" xmlns:a14="http://schemas.microsoft.com/office/drawing/2010/main">
+          <mc:Choice Requires="a14">
             <p:sp>
               <p:nvSpPr>
                 <p:cNvPr id="62" name="TextBox 61">
@@ -18988,7 +18992,7 @@
               </p:txBody>
             </p:sp>
           </mc:Choice>
-          <mc:Fallback>
+          <mc:Fallback xmlns="">
             <p:sp>
               <p:nvSpPr>
                 <p:cNvPr id="62" name="TextBox 61">
@@ -20757,8 +20761,8 @@
             </a:p>
           </p:txBody>
         </p:sp>
-        <mc:AlternateContent xmlns:mc="http://schemas.openxmlformats.org/markup-compatibility/2006">
-          <mc:Choice xmlns:a14="http://schemas.microsoft.com/office/drawing/2010/main" Requires="a14">
+        <mc:AlternateContent xmlns:mc="http://schemas.openxmlformats.org/markup-compatibility/2006" xmlns:a14="http://schemas.microsoft.com/office/drawing/2010/main">
+          <mc:Choice Requires="a14">
             <p:sp>
               <p:nvSpPr>
                 <p:cNvPr id="9" name="TextBox 8">
@@ -20841,7 +20845,7 @@
               </p:txBody>
             </p:sp>
           </mc:Choice>
-          <mc:Fallback>
+          <mc:Fallback xmlns="">
             <p:sp>
               <p:nvSpPr>
                 <p:cNvPr id="9" name="TextBox 8">
@@ -20886,8 +20890,8 @@
             </p:sp>
           </mc:Fallback>
         </mc:AlternateContent>
-        <mc:AlternateContent xmlns:mc="http://schemas.openxmlformats.org/markup-compatibility/2006">
-          <mc:Choice xmlns:a14="http://schemas.microsoft.com/office/drawing/2010/main" Requires="a14">
+        <mc:AlternateContent xmlns:mc="http://schemas.openxmlformats.org/markup-compatibility/2006" xmlns:a14="http://schemas.microsoft.com/office/drawing/2010/main">
+          <mc:Choice Requires="a14">
             <p:sp>
               <p:nvSpPr>
                 <p:cNvPr id="10" name="TextBox 9">
@@ -20986,7 +20990,7 @@
               </p:txBody>
             </p:sp>
           </mc:Choice>
-          <mc:Fallback>
+          <mc:Fallback xmlns="">
             <p:sp>
               <p:nvSpPr>
                 <p:cNvPr id="10" name="TextBox 9">
@@ -21643,8 +21647,8 @@
             </a:fontRef>
           </p:style>
         </p:cxnSp>
-        <mc:AlternateContent xmlns:mc="http://schemas.openxmlformats.org/markup-compatibility/2006">
-          <mc:Choice xmlns:a14="http://schemas.microsoft.com/office/drawing/2010/main" Requires="a14">
+        <mc:AlternateContent xmlns:mc="http://schemas.openxmlformats.org/markup-compatibility/2006" xmlns:a14="http://schemas.microsoft.com/office/drawing/2010/main">
+          <mc:Choice Requires="a14">
             <p:sp>
               <p:nvSpPr>
                 <p:cNvPr id="51" name="TextBox 50">
@@ -21727,7 +21731,7 @@
               </p:txBody>
             </p:sp>
           </mc:Choice>
-          <mc:Fallback>
+          <mc:Fallback xmlns="">
             <p:sp>
               <p:nvSpPr>
                 <p:cNvPr id="51" name="TextBox 50">
@@ -21772,8 +21776,8 @@
             </p:sp>
           </mc:Fallback>
         </mc:AlternateContent>
-        <mc:AlternateContent xmlns:mc="http://schemas.openxmlformats.org/markup-compatibility/2006">
-          <mc:Choice xmlns:a14="http://schemas.microsoft.com/office/drawing/2010/main" Requires="a14">
+        <mc:AlternateContent xmlns:mc="http://schemas.openxmlformats.org/markup-compatibility/2006" xmlns:a14="http://schemas.microsoft.com/office/drawing/2010/main">
+          <mc:Choice Requires="a14">
             <p:sp>
               <p:nvSpPr>
                 <p:cNvPr id="56" name="TextBox 55">
@@ -21839,7 +21843,7 @@
               </p:txBody>
             </p:sp>
           </mc:Choice>
-          <mc:Fallback>
+          <mc:Fallback xmlns="">
             <p:sp>
               <p:nvSpPr>
                 <p:cNvPr id="56" name="TextBox 55">
@@ -21884,8 +21888,8 @@
             </p:sp>
           </mc:Fallback>
         </mc:AlternateContent>
-        <mc:AlternateContent xmlns:mc="http://schemas.openxmlformats.org/markup-compatibility/2006">
-          <mc:Choice xmlns:a14="http://schemas.microsoft.com/office/drawing/2010/main" Requires="a14">
+        <mc:AlternateContent xmlns:mc="http://schemas.openxmlformats.org/markup-compatibility/2006" xmlns:a14="http://schemas.microsoft.com/office/drawing/2010/main">
+          <mc:Choice Requires="a14">
             <p:sp>
               <p:nvSpPr>
                 <p:cNvPr id="57" name="TextBox 56">
@@ -21951,7 +21955,7 @@
               </p:txBody>
             </p:sp>
           </mc:Choice>
-          <mc:Fallback>
+          <mc:Fallback xmlns="">
             <p:sp>
               <p:nvSpPr>
                 <p:cNvPr id="57" name="TextBox 56">
@@ -21996,8 +22000,8 @@
             </p:sp>
           </mc:Fallback>
         </mc:AlternateContent>
-        <mc:AlternateContent xmlns:mc="http://schemas.openxmlformats.org/markup-compatibility/2006">
-          <mc:Choice xmlns:a14="http://schemas.microsoft.com/office/drawing/2010/main" Requires="a14">
+        <mc:AlternateContent xmlns:mc="http://schemas.openxmlformats.org/markup-compatibility/2006" xmlns:a14="http://schemas.microsoft.com/office/drawing/2010/main">
+          <mc:Choice Requires="a14">
             <p:sp>
               <p:nvSpPr>
                 <p:cNvPr id="58" name="TextBox 57">
@@ -22063,7 +22067,7 @@
               </p:txBody>
             </p:sp>
           </mc:Choice>
-          <mc:Fallback>
+          <mc:Fallback xmlns="">
             <p:sp>
               <p:nvSpPr>
                 <p:cNvPr id="58" name="TextBox 57">
@@ -22293,8 +22297,8 @@
             </a:fontRef>
           </p:style>
         </p:cxnSp>
-        <mc:AlternateContent xmlns:mc="http://schemas.openxmlformats.org/markup-compatibility/2006">
-          <mc:Choice xmlns:a14="http://schemas.microsoft.com/office/drawing/2010/main" Requires="a14">
+        <mc:AlternateContent xmlns:mc="http://schemas.openxmlformats.org/markup-compatibility/2006" xmlns:a14="http://schemas.microsoft.com/office/drawing/2010/main">
+          <mc:Choice Requires="a14">
             <p:sp>
               <p:nvSpPr>
                 <p:cNvPr id="72" name="TextBox 71">
@@ -22358,7 +22362,7 @@
               </p:txBody>
             </p:sp>
           </mc:Choice>
-          <mc:Fallback>
+          <mc:Fallback xmlns="">
             <p:sp>
               <p:nvSpPr>
                 <p:cNvPr id="72" name="TextBox 71">
@@ -22544,8 +22548,8 @@
             </a:fontRef>
           </p:style>
         </p:cxnSp>
-        <mc:AlternateContent xmlns:mc="http://schemas.openxmlformats.org/markup-compatibility/2006">
-          <mc:Choice xmlns:a14="http://schemas.microsoft.com/office/drawing/2010/main" Requires="a14">
+        <mc:AlternateContent xmlns:mc="http://schemas.openxmlformats.org/markup-compatibility/2006" xmlns:a14="http://schemas.microsoft.com/office/drawing/2010/main">
+          <mc:Choice Requires="a14">
             <p:sp>
               <p:nvSpPr>
                 <p:cNvPr id="79" name="TextBox 78">
@@ -22611,7 +22615,7 @@
               </p:txBody>
             </p:sp>
           </mc:Choice>
-          <mc:Fallback>
+          <mc:Fallback xmlns="">
             <p:sp>
               <p:nvSpPr>
                 <p:cNvPr id="79" name="TextBox 78">
@@ -24675,8 +24679,8 @@
             </a:p>
           </p:txBody>
         </p:sp>
-        <mc:AlternateContent xmlns:mc="http://schemas.openxmlformats.org/markup-compatibility/2006">
-          <mc:Choice xmlns:a14="http://schemas.microsoft.com/office/drawing/2010/main" Requires="a14">
+        <mc:AlternateContent xmlns:mc="http://schemas.openxmlformats.org/markup-compatibility/2006" xmlns:a14="http://schemas.microsoft.com/office/drawing/2010/main">
+          <mc:Choice Requires="a14">
             <p:sp>
               <p:nvSpPr>
                 <p:cNvPr id="51" name="TextBox 50">
@@ -24745,7 +24749,7 @@
               </p:txBody>
             </p:sp>
           </mc:Choice>
-          <mc:Fallback>
+          <mc:Fallback xmlns="">
             <p:sp>
               <p:nvSpPr>
                 <p:cNvPr id="51" name="TextBox 50">
@@ -24790,8 +24794,8 @@
             </p:sp>
           </mc:Fallback>
         </mc:AlternateContent>
-        <mc:AlternateContent xmlns:mc="http://schemas.openxmlformats.org/markup-compatibility/2006">
-          <mc:Choice xmlns:a14="http://schemas.microsoft.com/office/drawing/2010/main" Requires="a14">
+        <mc:AlternateContent xmlns:mc="http://schemas.openxmlformats.org/markup-compatibility/2006" xmlns:a14="http://schemas.microsoft.com/office/drawing/2010/main">
+          <mc:Choice Requires="a14">
             <p:sp>
               <p:nvSpPr>
                 <p:cNvPr id="52" name="TextBox 51">
@@ -24860,7 +24864,7 @@
               </p:txBody>
             </p:sp>
           </mc:Choice>
-          <mc:Fallback>
+          <mc:Fallback xmlns="">
             <p:sp>
               <p:nvSpPr>
                 <p:cNvPr id="52" name="TextBox 51">
@@ -24905,8 +24909,8 @@
             </p:sp>
           </mc:Fallback>
         </mc:AlternateContent>
-        <mc:AlternateContent xmlns:mc="http://schemas.openxmlformats.org/markup-compatibility/2006">
-          <mc:Choice xmlns:a14="http://schemas.microsoft.com/office/drawing/2010/main" Requires="a14">
+        <mc:AlternateContent xmlns:mc="http://schemas.openxmlformats.org/markup-compatibility/2006" xmlns:a14="http://schemas.microsoft.com/office/drawing/2010/main">
+          <mc:Choice Requires="a14">
             <p:sp>
               <p:nvSpPr>
                 <p:cNvPr id="53" name="TextBox 52">
@@ -24975,7 +24979,7 @@
               </p:txBody>
             </p:sp>
           </mc:Choice>
-          <mc:Fallback>
+          <mc:Fallback xmlns="">
             <p:sp>
               <p:nvSpPr>
                 <p:cNvPr id="53" name="TextBox 52">
@@ -25020,8 +25024,8 @@
             </p:sp>
           </mc:Fallback>
         </mc:AlternateContent>
-        <mc:AlternateContent xmlns:mc="http://schemas.openxmlformats.org/markup-compatibility/2006">
-          <mc:Choice xmlns:a14="http://schemas.microsoft.com/office/drawing/2010/main" Requires="a14">
+        <mc:AlternateContent xmlns:mc="http://schemas.openxmlformats.org/markup-compatibility/2006" xmlns:a14="http://schemas.microsoft.com/office/drawing/2010/main">
+          <mc:Choice Requires="a14">
             <p:sp>
               <p:nvSpPr>
                 <p:cNvPr id="54" name="TextBox 53">
@@ -25090,7 +25094,7 @@
               </p:txBody>
             </p:sp>
           </mc:Choice>
-          <mc:Fallback>
+          <mc:Fallback xmlns="">
             <p:sp>
               <p:nvSpPr>
                 <p:cNvPr id="54" name="TextBox 53">
@@ -25135,8 +25139,8 @@
             </p:sp>
           </mc:Fallback>
         </mc:AlternateContent>
-        <mc:AlternateContent xmlns:mc="http://schemas.openxmlformats.org/markup-compatibility/2006">
-          <mc:Choice xmlns:a14="http://schemas.microsoft.com/office/drawing/2010/main" Requires="a14">
+        <mc:AlternateContent xmlns:mc="http://schemas.openxmlformats.org/markup-compatibility/2006" xmlns:a14="http://schemas.microsoft.com/office/drawing/2010/main">
+          <mc:Choice Requires="a14">
             <p:sp>
               <p:nvSpPr>
                 <p:cNvPr id="55" name="TextBox 54">
@@ -25205,7 +25209,7 @@
               </p:txBody>
             </p:sp>
           </mc:Choice>
-          <mc:Fallback>
+          <mc:Fallback xmlns="">
             <p:sp>
               <p:nvSpPr>
                 <p:cNvPr id="55" name="TextBox 54">
@@ -25250,8 +25254,8 @@
             </p:sp>
           </mc:Fallback>
         </mc:AlternateContent>
-        <mc:AlternateContent xmlns:mc="http://schemas.openxmlformats.org/markup-compatibility/2006">
-          <mc:Choice xmlns:a14="http://schemas.microsoft.com/office/drawing/2010/main" Requires="a14">
+        <mc:AlternateContent xmlns:mc="http://schemas.openxmlformats.org/markup-compatibility/2006" xmlns:a14="http://schemas.microsoft.com/office/drawing/2010/main">
+          <mc:Choice Requires="a14">
             <p:sp>
               <p:nvSpPr>
                 <p:cNvPr id="56" name="TextBox 55">
@@ -25320,7 +25324,7 @@
               </p:txBody>
             </p:sp>
           </mc:Choice>
-          <mc:Fallback>
+          <mc:Fallback xmlns="">
             <p:sp>
               <p:nvSpPr>
                 <p:cNvPr id="56" name="TextBox 55">
@@ -25365,8 +25369,8 @@
             </p:sp>
           </mc:Fallback>
         </mc:AlternateContent>
-        <mc:AlternateContent xmlns:mc="http://schemas.openxmlformats.org/markup-compatibility/2006">
-          <mc:Choice xmlns:a14="http://schemas.microsoft.com/office/drawing/2010/main" Requires="a14">
+        <mc:AlternateContent xmlns:mc="http://schemas.openxmlformats.org/markup-compatibility/2006" xmlns:a14="http://schemas.microsoft.com/office/drawing/2010/main">
+          <mc:Choice Requires="a14">
             <p:sp>
               <p:nvSpPr>
                 <p:cNvPr id="57" name="TextBox 56">
@@ -25435,7 +25439,7 @@
               </p:txBody>
             </p:sp>
           </mc:Choice>
-          <mc:Fallback>
+          <mc:Fallback xmlns="">
             <p:sp>
               <p:nvSpPr>
                 <p:cNvPr id="57" name="TextBox 56">
@@ -25480,8 +25484,8 @@
             </p:sp>
           </mc:Fallback>
         </mc:AlternateContent>
-        <mc:AlternateContent xmlns:mc="http://schemas.openxmlformats.org/markup-compatibility/2006">
-          <mc:Choice xmlns:a14="http://schemas.microsoft.com/office/drawing/2010/main" Requires="a14">
+        <mc:AlternateContent xmlns:mc="http://schemas.openxmlformats.org/markup-compatibility/2006" xmlns:a14="http://schemas.microsoft.com/office/drawing/2010/main">
+          <mc:Choice Requires="a14">
             <p:sp>
               <p:nvSpPr>
                 <p:cNvPr id="58" name="TextBox 57">
@@ -25550,7 +25554,7 @@
               </p:txBody>
             </p:sp>
           </mc:Choice>
-          <mc:Fallback>
+          <mc:Fallback xmlns="">
             <p:sp>
               <p:nvSpPr>
                 <p:cNvPr id="58" name="TextBox 57">
@@ -25595,8 +25599,8 @@
             </p:sp>
           </mc:Fallback>
         </mc:AlternateContent>
-        <mc:AlternateContent xmlns:mc="http://schemas.openxmlformats.org/markup-compatibility/2006">
-          <mc:Choice xmlns:a14="http://schemas.microsoft.com/office/drawing/2010/main" Requires="a14">
+        <mc:AlternateContent xmlns:mc="http://schemas.openxmlformats.org/markup-compatibility/2006" xmlns:a14="http://schemas.microsoft.com/office/drawing/2010/main">
+          <mc:Choice Requires="a14">
             <p:sp>
               <p:nvSpPr>
                 <p:cNvPr id="59" name="TextBox 58">
@@ -25665,7 +25669,7 @@
               </p:txBody>
             </p:sp>
           </mc:Choice>
-          <mc:Fallback>
+          <mc:Fallback xmlns="">
             <p:sp>
               <p:nvSpPr>
                 <p:cNvPr id="59" name="TextBox 58">
@@ -25710,8 +25714,8 @@
             </p:sp>
           </mc:Fallback>
         </mc:AlternateContent>
-        <mc:AlternateContent xmlns:mc="http://schemas.openxmlformats.org/markup-compatibility/2006">
-          <mc:Choice xmlns:a14="http://schemas.microsoft.com/office/drawing/2010/main" Requires="a14">
+        <mc:AlternateContent xmlns:mc="http://schemas.openxmlformats.org/markup-compatibility/2006" xmlns:a14="http://schemas.microsoft.com/office/drawing/2010/main">
+          <mc:Choice Requires="a14">
             <p:sp>
               <p:nvSpPr>
                 <p:cNvPr id="60" name="TextBox 59">
@@ -25780,7 +25784,7 @@
               </p:txBody>
             </p:sp>
           </mc:Choice>
-          <mc:Fallback>
+          <mc:Fallback xmlns="">
             <p:sp>
               <p:nvSpPr>
                 <p:cNvPr id="60" name="TextBox 59">
@@ -25825,8 +25829,8 @@
             </p:sp>
           </mc:Fallback>
         </mc:AlternateContent>
-        <mc:AlternateContent xmlns:mc="http://schemas.openxmlformats.org/markup-compatibility/2006">
-          <mc:Choice xmlns:a14="http://schemas.microsoft.com/office/drawing/2010/main" Requires="a14">
+        <mc:AlternateContent xmlns:mc="http://schemas.openxmlformats.org/markup-compatibility/2006" xmlns:a14="http://schemas.microsoft.com/office/drawing/2010/main">
+          <mc:Choice Requires="a14">
             <p:sp>
               <p:nvSpPr>
                 <p:cNvPr id="61" name="TextBox 60">
@@ -25895,7 +25899,7 @@
               </p:txBody>
             </p:sp>
           </mc:Choice>
-          <mc:Fallback>
+          <mc:Fallback xmlns="">
             <p:sp>
               <p:nvSpPr>
                 <p:cNvPr id="61" name="TextBox 60">
@@ -25940,8 +25944,8 @@
             </p:sp>
           </mc:Fallback>
         </mc:AlternateContent>
-        <mc:AlternateContent xmlns:mc="http://schemas.openxmlformats.org/markup-compatibility/2006">
-          <mc:Choice xmlns:a14="http://schemas.microsoft.com/office/drawing/2010/main" Requires="a14">
+        <mc:AlternateContent xmlns:mc="http://schemas.openxmlformats.org/markup-compatibility/2006" xmlns:a14="http://schemas.microsoft.com/office/drawing/2010/main">
+          <mc:Choice Requires="a14">
             <p:sp>
               <p:nvSpPr>
                 <p:cNvPr id="62" name="TextBox 61">
@@ -26010,7 +26014,7 @@
               </p:txBody>
             </p:sp>
           </mc:Choice>
-          <mc:Fallback>
+          <mc:Fallback xmlns="">
             <p:sp>
               <p:nvSpPr>
                 <p:cNvPr id="62" name="TextBox 61">
@@ -26254,8 +26258,8 @@
             </a:p>
           </p:txBody>
         </p:sp>
-        <mc:AlternateContent xmlns:mc="http://schemas.openxmlformats.org/markup-compatibility/2006">
-          <mc:Choice xmlns:a14="http://schemas.microsoft.com/office/drawing/2010/main" Requires="a14">
+        <mc:AlternateContent xmlns:mc="http://schemas.openxmlformats.org/markup-compatibility/2006" xmlns:a14="http://schemas.microsoft.com/office/drawing/2010/main">
+          <mc:Choice Requires="a14">
             <p:sp>
               <p:nvSpPr>
                 <p:cNvPr id="77" name="TextBox 76">
@@ -26329,7 +26333,7 @@
               </p:txBody>
             </p:sp>
           </mc:Choice>
-          <mc:Fallback>
+          <mc:Fallback xmlns="">
             <p:sp>
               <p:nvSpPr>
                 <p:cNvPr id="77" name="TextBox 76">
@@ -26374,8 +26378,8 @@
             </p:sp>
           </mc:Fallback>
         </mc:AlternateContent>
-        <mc:AlternateContent xmlns:mc="http://schemas.openxmlformats.org/markup-compatibility/2006">
-          <mc:Choice xmlns:a14="http://schemas.microsoft.com/office/drawing/2010/main" Requires="a14">
+        <mc:AlternateContent xmlns:mc="http://schemas.openxmlformats.org/markup-compatibility/2006" xmlns:a14="http://schemas.microsoft.com/office/drawing/2010/main">
+          <mc:Choice Requires="a14">
             <p:sp>
               <p:nvSpPr>
                 <p:cNvPr id="3" name="TextBox 2">
@@ -26449,7 +26453,7 @@
               </p:txBody>
             </p:sp>
           </mc:Choice>
-          <mc:Fallback>
+          <mc:Fallback xmlns="">
             <p:sp>
               <p:nvSpPr>
                 <p:cNvPr id="3" name="TextBox 2">
@@ -26494,8 +26498,8 @@
             </p:sp>
           </mc:Fallback>
         </mc:AlternateContent>
-        <mc:AlternateContent xmlns:mc="http://schemas.openxmlformats.org/markup-compatibility/2006">
-          <mc:Choice xmlns:a14="http://schemas.microsoft.com/office/drawing/2010/main" Requires="a14">
+        <mc:AlternateContent xmlns:mc="http://schemas.openxmlformats.org/markup-compatibility/2006" xmlns:a14="http://schemas.microsoft.com/office/drawing/2010/main">
+          <mc:Choice Requires="a14">
             <p:sp>
               <p:nvSpPr>
                 <p:cNvPr id="8" name="TextBox 7">
@@ -26569,7 +26573,7 @@
               </p:txBody>
             </p:sp>
           </mc:Choice>
-          <mc:Fallback>
+          <mc:Fallback xmlns="">
             <p:sp>
               <p:nvSpPr>
                 <p:cNvPr id="8" name="TextBox 7">
@@ -26614,8 +26618,8 @@
             </p:sp>
           </mc:Fallback>
         </mc:AlternateContent>
-        <mc:AlternateContent xmlns:mc="http://schemas.openxmlformats.org/markup-compatibility/2006">
-          <mc:Choice xmlns:a14="http://schemas.microsoft.com/office/drawing/2010/main" Requires="a14">
+        <mc:AlternateContent xmlns:mc="http://schemas.openxmlformats.org/markup-compatibility/2006" xmlns:a14="http://schemas.microsoft.com/office/drawing/2010/main">
+          <mc:Choice Requires="a14">
             <p:sp>
               <p:nvSpPr>
                 <p:cNvPr id="12" name="TextBox 11">
@@ -26689,7 +26693,7 @@
               </p:txBody>
             </p:sp>
           </mc:Choice>
-          <mc:Fallback>
+          <mc:Fallback xmlns="">
             <p:sp>
               <p:nvSpPr>
                 <p:cNvPr id="12" name="TextBox 11">
@@ -28360,8 +28364,8 @@
             </a:p>
           </p:txBody>
         </p:sp>
-        <mc:AlternateContent xmlns:mc="http://schemas.openxmlformats.org/markup-compatibility/2006">
-          <mc:Choice xmlns:a14="http://schemas.microsoft.com/office/drawing/2010/main" Requires="a14">
+        <mc:AlternateContent xmlns:mc="http://schemas.openxmlformats.org/markup-compatibility/2006" xmlns:a14="http://schemas.microsoft.com/office/drawing/2010/main">
+          <mc:Choice Requires="a14">
             <p:sp>
               <p:nvSpPr>
                 <p:cNvPr id="51" name="TextBox 50">
@@ -28430,7 +28434,7 @@
               </p:txBody>
             </p:sp>
           </mc:Choice>
-          <mc:Fallback>
+          <mc:Fallback xmlns="">
             <p:sp>
               <p:nvSpPr>
                 <p:cNvPr id="51" name="TextBox 50">
@@ -28475,8 +28479,8 @@
             </p:sp>
           </mc:Fallback>
         </mc:AlternateContent>
-        <mc:AlternateContent xmlns:mc="http://schemas.openxmlformats.org/markup-compatibility/2006">
-          <mc:Choice xmlns:a14="http://schemas.microsoft.com/office/drawing/2010/main" Requires="a14">
+        <mc:AlternateContent xmlns:mc="http://schemas.openxmlformats.org/markup-compatibility/2006" xmlns:a14="http://schemas.microsoft.com/office/drawing/2010/main">
+          <mc:Choice Requires="a14">
             <p:sp>
               <p:nvSpPr>
                 <p:cNvPr id="52" name="TextBox 51">
@@ -28545,7 +28549,7 @@
               </p:txBody>
             </p:sp>
           </mc:Choice>
-          <mc:Fallback>
+          <mc:Fallback xmlns="">
             <p:sp>
               <p:nvSpPr>
                 <p:cNvPr id="52" name="TextBox 51">
@@ -28590,8 +28594,8 @@
             </p:sp>
           </mc:Fallback>
         </mc:AlternateContent>
-        <mc:AlternateContent xmlns:mc="http://schemas.openxmlformats.org/markup-compatibility/2006">
-          <mc:Choice xmlns:a14="http://schemas.microsoft.com/office/drawing/2010/main" Requires="a14">
+        <mc:AlternateContent xmlns:mc="http://schemas.openxmlformats.org/markup-compatibility/2006" xmlns:a14="http://schemas.microsoft.com/office/drawing/2010/main">
+          <mc:Choice Requires="a14">
             <p:sp>
               <p:nvSpPr>
                 <p:cNvPr id="53" name="TextBox 52">
@@ -28660,7 +28664,7 @@
               </p:txBody>
             </p:sp>
           </mc:Choice>
-          <mc:Fallback>
+          <mc:Fallback xmlns="">
             <p:sp>
               <p:nvSpPr>
                 <p:cNvPr id="53" name="TextBox 52">
@@ -28705,8 +28709,8 @@
             </p:sp>
           </mc:Fallback>
         </mc:AlternateContent>
-        <mc:AlternateContent xmlns:mc="http://schemas.openxmlformats.org/markup-compatibility/2006">
-          <mc:Choice xmlns:a14="http://schemas.microsoft.com/office/drawing/2010/main" Requires="a14">
+        <mc:AlternateContent xmlns:mc="http://schemas.openxmlformats.org/markup-compatibility/2006" xmlns:a14="http://schemas.microsoft.com/office/drawing/2010/main">
+          <mc:Choice Requires="a14">
             <p:sp>
               <p:nvSpPr>
                 <p:cNvPr id="54" name="TextBox 53">
@@ -28775,7 +28779,7 @@
               </p:txBody>
             </p:sp>
           </mc:Choice>
-          <mc:Fallback>
+          <mc:Fallback xmlns="">
             <p:sp>
               <p:nvSpPr>
                 <p:cNvPr id="54" name="TextBox 53">
@@ -28820,8 +28824,8 @@
             </p:sp>
           </mc:Fallback>
         </mc:AlternateContent>
-        <mc:AlternateContent xmlns:mc="http://schemas.openxmlformats.org/markup-compatibility/2006">
-          <mc:Choice xmlns:a14="http://schemas.microsoft.com/office/drawing/2010/main" Requires="a14">
+        <mc:AlternateContent xmlns:mc="http://schemas.openxmlformats.org/markup-compatibility/2006" xmlns:a14="http://schemas.microsoft.com/office/drawing/2010/main">
+          <mc:Choice Requires="a14">
             <p:sp>
               <p:nvSpPr>
                 <p:cNvPr id="55" name="TextBox 54">
@@ -28890,7 +28894,7 @@
               </p:txBody>
             </p:sp>
           </mc:Choice>
-          <mc:Fallback>
+          <mc:Fallback xmlns="">
             <p:sp>
               <p:nvSpPr>
                 <p:cNvPr id="55" name="TextBox 54">
@@ -28935,8 +28939,8 @@
             </p:sp>
           </mc:Fallback>
         </mc:AlternateContent>
-        <mc:AlternateContent xmlns:mc="http://schemas.openxmlformats.org/markup-compatibility/2006">
-          <mc:Choice xmlns:a14="http://schemas.microsoft.com/office/drawing/2010/main" Requires="a14">
+        <mc:AlternateContent xmlns:mc="http://schemas.openxmlformats.org/markup-compatibility/2006" xmlns:a14="http://schemas.microsoft.com/office/drawing/2010/main">
+          <mc:Choice Requires="a14">
             <p:sp>
               <p:nvSpPr>
                 <p:cNvPr id="56" name="TextBox 55">
@@ -29005,7 +29009,7 @@
               </p:txBody>
             </p:sp>
           </mc:Choice>
-          <mc:Fallback>
+          <mc:Fallback xmlns="">
             <p:sp>
               <p:nvSpPr>
                 <p:cNvPr id="56" name="TextBox 55">
@@ -29050,8 +29054,8 @@
             </p:sp>
           </mc:Fallback>
         </mc:AlternateContent>
-        <mc:AlternateContent xmlns:mc="http://schemas.openxmlformats.org/markup-compatibility/2006">
-          <mc:Choice xmlns:a14="http://schemas.microsoft.com/office/drawing/2010/main" Requires="a14">
+        <mc:AlternateContent xmlns:mc="http://schemas.openxmlformats.org/markup-compatibility/2006" xmlns:a14="http://schemas.microsoft.com/office/drawing/2010/main">
+          <mc:Choice Requires="a14">
             <p:sp>
               <p:nvSpPr>
                 <p:cNvPr id="57" name="TextBox 56">
@@ -29120,7 +29124,7 @@
               </p:txBody>
             </p:sp>
           </mc:Choice>
-          <mc:Fallback>
+          <mc:Fallback xmlns="">
             <p:sp>
               <p:nvSpPr>
                 <p:cNvPr id="57" name="TextBox 56">
@@ -29165,8 +29169,8 @@
             </p:sp>
           </mc:Fallback>
         </mc:AlternateContent>
-        <mc:AlternateContent xmlns:mc="http://schemas.openxmlformats.org/markup-compatibility/2006">
-          <mc:Choice xmlns:a14="http://schemas.microsoft.com/office/drawing/2010/main" Requires="a14">
+        <mc:AlternateContent xmlns:mc="http://schemas.openxmlformats.org/markup-compatibility/2006" xmlns:a14="http://schemas.microsoft.com/office/drawing/2010/main">
+          <mc:Choice Requires="a14">
             <p:sp>
               <p:nvSpPr>
                 <p:cNvPr id="58" name="TextBox 57">
@@ -29235,7 +29239,7 @@
               </p:txBody>
             </p:sp>
           </mc:Choice>
-          <mc:Fallback>
+          <mc:Fallback xmlns="">
             <p:sp>
               <p:nvSpPr>
                 <p:cNvPr id="58" name="TextBox 57">
@@ -29280,8 +29284,8 @@
             </p:sp>
           </mc:Fallback>
         </mc:AlternateContent>
-        <mc:AlternateContent xmlns:mc="http://schemas.openxmlformats.org/markup-compatibility/2006">
-          <mc:Choice xmlns:a14="http://schemas.microsoft.com/office/drawing/2010/main" Requires="a14">
+        <mc:AlternateContent xmlns:mc="http://schemas.openxmlformats.org/markup-compatibility/2006" xmlns:a14="http://schemas.microsoft.com/office/drawing/2010/main">
+          <mc:Choice Requires="a14">
             <p:sp>
               <p:nvSpPr>
                 <p:cNvPr id="59" name="TextBox 58">
@@ -29350,7 +29354,7 @@
               </p:txBody>
             </p:sp>
           </mc:Choice>
-          <mc:Fallback>
+          <mc:Fallback xmlns="">
             <p:sp>
               <p:nvSpPr>
                 <p:cNvPr id="59" name="TextBox 58">
@@ -29395,8 +29399,8 @@
             </p:sp>
           </mc:Fallback>
         </mc:AlternateContent>
-        <mc:AlternateContent xmlns:mc="http://schemas.openxmlformats.org/markup-compatibility/2006">
-          <mc:Choice xmlns:a14="http://schemas.microsoft.com/office/drawing/2010/main" Requires="a14">
+        <mc:AlternateContent xmlns:mc="http://schemas.openxmlformats.org/markup-compatibility/2006" xmlns:a14="http://schemas.microsoft.com/office/drawing/2010/main">
+          <mc:Choice Requires="a14">
             <p:sp>
               <p:nvSpPr>
                 <p:cNvPr id="60" name="TextBox 59">
@@ -29465,7 +29469,7 @@
               </p:txBody>
             </p:sp>
           </mc:Choice>
-          <mc:Fallback>
+          <mc:Fallback xmlns="">
             <p:sp>
               <p:nvSpPr>
                 <p:cNvPr id="60" name="TextBox 59">
@@ -29510,8 +29514,8 @@
             </p:sp>
           </mc:Fallback>
         </mc:AlternateContent>
-        <mc:AlternateContent xmlns:mc="http://schemas.openxmlformats.org/markup-compatibility/2006">
-          <mc:Choice xmlns:a14="http://schemas.microsoft.com/office/drawing/2010/main" Requires="a14">
+        <mc:AlternateContent xmlns:mc="http://schemas.openxmlformats.org/markup-compatibility/2006" xmlns:a14="http://schemas.microsoft.com/office/drawing/2010/main">
+          <mc:Choice Requires="a14">
             <p:sp>
               <p:nvSpPr>
                 <p:cNvPr id="61" name="TextBox 60">
@@ -29580,7 +29584,7 @@
               </p:txBody>
             </p:sp>
           </mc:Choice>
-          <mc:Fallback>
+          <mc:Fallback xmlns="">
             <p:sp>
               <p:nvSpPr>
                 <p:cNvPr id="61" name="TextBox 60">
@@ -29625,8 +29629,8 @@
             </p:sp>
           </mc:Fallback>
         </mc:AlternateContent>
-        <mc:AlternateContent xmlns:mc="http://schemas.openxmlformats.org/markup-compatibility/2006">
-          <mc:Choice xmlns:a14="http://schemas.microsoft.com/office/drawing/2010/main" Requires="a14">
+        <mc:AlternateContent xmlns:mc="http://schemas.openxmlformats.org/markup-compatibility/2006" xmlns:a14="http://schemas.microsoft.com/office/drawing/2010/main">
+          <mc:Choice Requires="a14">
             <p:sp>
               <p:nvSpPr>
                 <p:cNvPr id="62" name="TextBox 61">
@@ -29695,7 +29699,7 @@
               </p:txBody>
             </p:sp>
           </mc:Choice>
-          <mc:Fallback>
+          <mc:Fallback xmlns="">
             <p:sp>
               <p:nvSpPr>
                 <p:cNvPr id="62" name="TextBox 61">
@@ -29939,8 +29943,8 @@
             </a:p>
           </p:txBody>
         </p:sp>
-        <mc:AlternateContent xmlns:mc="http://schemas.openxmlformats.org/markup-compatibility/2006">
-          <mc:Choice xmlns:a14="http://schemas.microsoft.com/office/drawing/2010/main" Requires="a14">
+        <mc:AlternateContent xmlns:mc="http://schemas.openxmlformats.org/markup-compatibility/2006" xmlns:a14="http://schemas.microsoft.com/office/drawing/2010/main">
+          <mc:Choice Requires="a14">
             <p:sp>
               <p:nvSpPr>
                 <p:cNvPr id="77" name="TextBox 76">
@@ -30014,7 +30018,7 @@
               </p:txBody>
             </p:sp>
           </mc:Choice>
-          <mc:Fallback>
+          <mc:Fallback xmlns="">
             <p:sp>
               <p:nvSpPr>
                 <p:cNvPr id="77" name="TextBox 76">
@@ -30059,8 +30063,8 @@
             </p:sp>
           </mc:Fallback>
         </mc:AlternateContent>
-        <mc:AlternateContent xmlns:mc="http://schemas.openxmlformats.org/markup-compatibility/2006">
-          <mc:Choice xmlns:a14="http://schemas.microsoft.com/office/drawing/2010/main" Requires="a14">
+        <mc:AlternateContent xmlns:mc="http://schemas.openxmlformats.org/markup-compatibility/2006" xmlns:a14="http://schemas.microsoft.com/office/drawing/2010/main">
+          <mc:Choice Requires="a14">
             <p:sp>
               <p:nvSpPr>
                 <p:cNvPr id="3" name="TextBox 2">
@@ -30134,7 +30138,7 @@
               </p:txBody>
             </p:sp>
           </mc:Choice>
-          <mc:Fallback>
+          <mc:Fallback xmlns="">
             <p:sp>
               <p:nvSpPr>
                 <p:cNvPr id="3" name="TextBox 2">
@@ -30179,8 +30183,8 @@
             </p:sp>
           </mc:Fallback>
         </mc:AlternateContent>
-        <mc:AlternateContent xmlns:mc="http://schemas.openxmlformats.org/markup-compatibility/2006">
-          <mc:Choice xmlns:a14="http://schemas.microsoft.com/office/drawing/2010/main" Requires="a14">
+        <mc:AlternateContent xmlns:mc="http://schemas.openxmlformats.org/markup-compatibility/2006" xmlns:a14="http://schemas.microsoft.com/office/drawing/2010/main">
+          <mc:Choice Requires="a14">
             <p:sp>
               <p:nvSpPr>
                 <p:cNvPr id="8" name="TextBox 7">
@@ -30254,7 +30258,7 @@
               </p:txBody>
             </p:sp>
           </mc:Choice>
-          <mc:Fallback>
+          <mc:Fallback xmlns="">
             <p:sp>
               <p:nvSpPr>
                 <p:cNvPr id="8" name="TextBox 7">
@@ -30299,8 +30303,8 @@
             </p:sp>
           </mc:Fallback>
         </mc:AlternateContent>
-        <mc:AlternateContent xmlns:mc="http://schemas.openxmlformats.org/markup-compatibility/2006">
-          <mc:Choice xmlns:a14="http://schemas.microsoft.com/office/drawing/2010/main" Requires="a14">
+        <mc:AlternateContent xmlns:mc="http://schemas.openxmlformats.org/markup-compatibility/2006" xmlns:a14="http://schemas.microsoft.com/office/drawing/2010/main">
+          <mc:Choice Requires="a14">
             <p:sp>
               <p:nvSpPr>
                 <p:cNvPr id="12" name="TextBox 11">
@@ -30374,7 +30378,7 @@
               </p:txBody>
             </p:sp>
           </mc:Choice>
-          <mc:Fallback>
+          <mc:Fallback xmlns="">
             <p:sp>
               <p:nvSpPr>
                 <p:cNvPr id="12" name="TextBox 11">
@@ -37638,8 +37642,8 @@
           </a:p>
         </p:txBody>
       </p:sp>
-      <mc:AlternateContent xmlns:mc="http://schemas.openxmlformats.org/markup-compatibility/2006">
-        <mc:Choice xmlns:a14="http://schemas.microsoft.com/office/drawing/2010/main" Requires="a14">
+      <mc:AlternateContent xmlns:mc="http://schemas.openxmlformats.org/markup-compatibility/2006" xmlns:a14="http://schemas.microsoft.com/office/drawing/2010/main">
+        <mc:Choice Requires="a14">
           <p:sp>
             <p:nvSpPr>
               <p:cNvPr id="8" name="Rectangle 7">
@@ -37898,7 +37902,7 @@
             </p:txBody>
           </p:sp>
         </mc:Choice>
-        <mc:Fallback>
+        <mc:Fallback xmlns="">
           <p:sp>
             <p:nvSpPr>
               <p:cNvPr id="8" name="Rectangle 7">
@@ -37943,8 +37947,8 @@
           </p:sp>
         </mc:Fallback>
       </mc:AlternateContent>
-      <mc:AlternateContent xmlns:mc="http://schemas.openxmlformats.org/markup-compatibility/2006">
-        <mc:Choice xmlns:a14="http://schemas.microsoft.com/office/drawing/2010/main" Requires="a14">
+      <mc:AlternateContent xmlns:mc="http://schemas.openxmlformats.org/markup-compatibility/2006" xmlns:a14="http://schemas.microsoft.com/office/drawing/2010/main">
+        <mc:Choice Requires="a14">
           <p:sp>
             <p:nvSpPr>
               <p:cNvPr id="6" name="Rectangle 5">
@@ -38059,7 +38063,7 @@
             </p:txBody>
           </p:sp>
         </mc:Choice>
-        <mc:Fallback>
+        <mc:Fallback xmlns="">
           <p:sp>
             <p:nvSpPr>
               <p:cNvPr id="6" name="Rectangle 5">
@@ -38172,8 +38176,8 @@
           </a:p>
         </p:txBody>
       </p:sp>
-      <mc:AlternateContent xmlns:mc="http://schemas.openxmlformats.org/markup-compatibility/2006">
-        <mc:Choice xmlns:a14="http://schemas.microsoft.com/office/drawing/2010/main" Requires="a14">
+      <mc:AlternateContent xmlns:mc="http://schemas.openxmlformats.org/markup-compatibility/2006" xmlns:a14="http://schemas.microsoft.com/office/drawing/2010/main">
+        <mc:Choice Requires="a14">
           <p:sp>
             <p:nvSpPr>
               <p:cNvPr id="5" name="Speech Bubble: Rectangle 4">
@@ -38264,7 +38268,7 @@
             </p:txBody>
           </p:sp>
         </mc:Choice>
-        <mc:Fallback>
+        <mc:Fallback xmlns="">
           <p:sp>
             <p:nvSpPr>
               <p:cNvPr id="5" name="Speech Bubble: Rectangle 4">
@@ -38315,8 +38319,8 @@
           </p:sp>
         </mc:Fallback>
       </mc:AlternateContent>
-      <mc:AlternateContent xmlns:mc="http://schemas.openxmlformats.org/markup-compatibility/2006">
-        <mc:Choice xmlns:a14="http://schemas.microsoft.com/office/drawing/2010/main" Requires="a14">
+      <mc:AlternateContent xmlns:mc="http://schemas.openxmlformats.org/markup-compatibility/2006" xmlns:a14="http://schemas.microsoft.com/office/drawing/2010/main">
+        <mc:Choice Requires="a14">
           <p:sp>
             <p:nvSpPr>
               <p:cNvPr id="7" name="Speech Bubble: Rectangle 6">
@@ -38405,7 +38409,7 @@
             </p:txBody>
           </p:sp>
         </mc:Choice>
-        <mc:Fallback>
+        <mc:Fallback xmlns="">
           <p:sp>
             <p:nvSpPr>
               <p:cNvPr id="7" name="Speech Bubble: Rectangle 6">
@@ -45017,8 +45021,8 @@
             </a:p>
           </p:txBody>
         </p:sp>
-        <mc:AlternateContent xmlns:mc="http://schemas.openxmlformats.org/markup-compatibility/2006">
-          <mc:Choice xmlns:a14="http://schemas.microsoft.com/office/drawing/2010/main" Requires="a14">
+        <mc:AlternateContent xmlns:mc="http://schemas.openxmlformats.org/markup-compatibility/2006" xmlns:a14="http://schemas.microsoft.com/office/drawing/2010/main">
+          <mc:Choice Requires="a14">
             <p:sp>
               <p:nvSpPr>
                 <p:cNvPr id="10" name="TextBox 9">
@@ -45074,7 +45078,7 @@
               </p:txBody>
             </p:sp>
           </mc:Choice>
-          <mc:Fallback>
+          <mc:Fallback xmlns="">
             <p:sp>
               <p:nvSpPr>
                 <p:cNvPr id="10" name="TextBox 9">

--- a/slides/05_games.pptx
+++ b/slides/05_games.pptx
@@ -5,7 +5,7 @@
     <p:sldMasterId id="2147483708" r:id="rId1"/>
   </p:sldMasterIdLst>
   <p:notesMasterIdLst>
-    <p:notesMasterId r:id="rId47"/>
+    <p:notesMasterId r:id="rId48"/>
   </p:notesMasterIdLst>
   <p:sldIdLst>
     <p:sldId id="256" r:id="rId2"/>
@@ -23,36 +23,37 @@
     <p:sldId id="301" r:id="rId14"/>
     <p:sldId id="270" r:id="rId15"/>
     <p:sldId id="291" r:id="rId16"/>
-    <p:sldId id="271" r:id="rId17"/>
-    <p:sldId id="294" r:id="rId18"/>
-    <p:sldId id="272" r:id="rId19"/>
-    <p:sldId id="306" r:id="rId20"/>
-    <p:sldId id="274" r:id="rId21"/>
-    <p:sldId id="275" r:id="rId22"/>
-    <p:sldId id="302" r:id="rId23"/>
-    <p:sldId id="276" r:id="rId24"/>
-    <p:sldId id="397" r:id="rId25"/>
-    <p:sldId id="305" r:id="rId26"/>
-    <p:sldId id="307" r:id="rId27"/>
-    <p:sldId id="277" r:id="rId28"/>
-    <p:sldId id="292" r:id="rId29"/>
-    <p:sldId id="289" r:id="rId30"/>
-    <p:sldId id="297" r:id="rId31"/>
-    <p:sldId id="278" r:id="rId32"/>
-    <p:sldId id="298" r:id="rId33"/>
-    <p:sldId id="279" r:id="rId34"/>
-    <p:sldId id="293" r:id="rId35"/>
-    <p:sldId id="280" r:id="rId36"/>
-    <p:sldId id="281" r:id="rId37"/>
-    <p:sldId id="282" r:id="rId38"/>
-    <p:sldId id="284" r:id="rId39"/>
-    <p:sldId id="304" r:id="rId40"/>
-    <p:sldId id="283" r:id="rId41"/>
-    <p:sldId id="303" r:id="rId42"/>
-    <p:sldId id="286" r:id="rId43"/>
-    <p:sldId id="287" r:id="rId44"/>
-    <p:sldId id="300" r:id="rId45"/>
-    <p:sldId id="288" r:id="rId46"/>
+    <p:sldId id="398" r:id="rId17"/>
+    <p:sldId id="271" r:id="rId18"/>
+    <p:sldId id="294" r:id="rId19"/>
+    <p:sldId id="272" r:id="rId20"/>
+    <p:sldId id="306" r:id="rId21"/>
+    <p:sldId id="274" r:id="rId22"/>
+    <p:sldId id="275" r:id="rId23"/>
+    <p:sldId id="302" r:id="rId24"/>
+    <p:sldId id="276" r:id="rId25"/>
+    <p:sldId id="397" r:id="rId26"/>
+    <p:sldId id="305" r:id="rId27"/>
+    <p:sldId id="307" r:id="rId28"/>
+    <p:sldId id="277" r:id="rId29"/>
+    <p:sldId id="292" r:id="rId30"/>
+    <p:sldId id="289" r:id="rId31"/>
+    <p:sldId id="297" r:id="rId32"/>
+    <p:sldId id="278" r:id="rId33"/>
+    <p:sldId id="298" r:id="rId34"/>
+    <p:sldId id="279" r:id="rId35"/>
+    <p:sldId id="293" r:id="rId36"/>
+    <p:sldId id="280" r:id="rId37"/>
+    <p:sldId id="281" r:id="rId38"/>
+    <p:sldId id="282" r:id="rId39"/>
+    <p:sldId id="284" r:id="rId40"/>
+    <p:sldId id="304" r:id="rId41"/>
+    <p:sldId id="283" r:id="rId42"/>
+    <p:sldId id="303" r:id="rId43"/>
+    <p:sldId id="286" r:id="rId44"/>
+    <p:sldId id="287" r:id="rId45"/>
+    <p:sldId id="300" r:id="rId46"/>
+    <p:sldId id="288" r:id="rId47"/>
   </p:sldIdLst>
   <p:sldSz cx="9144000" cy="6858000" type="screen4x3"/>
   <p:notesSz cx="7315200" cy="9601200"/>
@@ -183,6 +184,7 @@
           <p14:sldIdLst>
             <p14:sldId id="270"/>
             <p14:sldId id="291"/>
+            <p14:sldId id="398"/>
             <p14:sldId id="271"/>
             <p14:sldId id="294"/>
             <p14:sldId id="272"/>
@@ -5629,7 +5631,7 @@
             <a:fld id="{46E2045A-045A-4BC7-A4D3-1395440B1C3D}" type="datetimeFigureOut">
               <a:rPr lang="en-US" smtClean="0"/>
               <a:pPr/>
-              <a:t>2/11/2025</a:t>
+              <a:t>3/24/2025</a:t>
             </a:fld>
             <a:endParaRPr lang="en-US"/>
           </a:p>
@@ -13195,6 +13197,406 @@
   <p:cSld>
     <p:spTree>
       <p:nvGrpSpPr>
+        <p:cNvPr id="1" name="">
+          <a:extLst>
+            <a:ext uri="{FF2B5EF4-FFF2-40B4-BE49-F238E27FC236}">
+              <a16:creationId xmlns:a16="http://schemas.microsoft.com/office/drawing/2014/main" id="{5FD69EF4-242C-2168-CD64-1FFC54E856F0}"/>
+            </a:ext>
+          </a:extLst>
+        </p:cNvPr>
+        <p:cNvGrpSpPr/>
+        <p:nvPr/>
+      </p:nvGrpSpPr>
+      <p:grpSpPr>
+        <a:xfrm>
+          <a:off x="0" y="0"/>
+          <a:ext cx="0" cy="0"/>
+          <a:chOff x="0" y="0"/>
+          <a:chExt cx="0" cy="0"/>
+        </a:xfrm>
+      </p:grpSpPr>
+      <p:sp>
+        <p:nvSpPr>
+          <p:cNvPr id="2" name="Title 1">
+            <a:extLst>
+              <a:ext uri="{FF2B5EF4-FFF2-40B4-BE49-F238E27FC236}">
+                <a16:creationId xmlns:a16="http://schemas.microsoft.com/office/drawing/2014/main" id="{EC5FD8CE-9AF9-5B89-6369-A583ADF5CB2F}"/>
+              </a:ext>
+            </a:extLst>
+          </p:cNvPr>
+          <p:cNvSpPr>
+            <a:spLocks noGrp="1"/>
+          </p:cNvSpPr>
+          <p:nvPr>
+            <p:ph type="title"/>
+          </p:nvPr>
+        </p:nvSpPr>
+        <p:spPr/>
+        <p:txBody>
+          <a:bodyPr/>
+          <a:lstStyle/>
+          <a:p>
+            <a:r>
+              <a:rPr lang="en-US" dirty="0"/>
+              <a:t>Immediate vs. Long-Term Rewards</a:t>
+            </a:r>
+          </a:p>
+        </p:txBody>
+      </p:sp>
+      <p:pic>
+        <p:nvPicPr>
+          <p:cNvPr id="4" name="Picture 3">
+            <a:extLst>
+              <a:ext uri="{FF2B5EF4-FFF2-40B4-BE49-F238E27FC236}">
+                <a16:creationId xmlns:a16="http://schemas.microsoft.com/office/drawing/2014/main" id="{EAF3ACD5-8A29-1536-7C76-2A432518C3DA}"/>
+              </a:ext>
+            </a:extLst>
+          </p:cNvPr>
+          <p:cNvPicPr>
+            <a:picLocks noChangeAspect="1"/>
+          </p:cNvPicPr>
+          <p:nvPr/>
+        </p:nvPicPr>
+        <p:blipFill>
+          <a:blip r:embed="rId2"/>
+          <a:stretch>
+            <a:fillRect/>
+          </a:stretch>
+        </p:blipFill>
+        <p:spPr>
+          <a:xfrm>
+            <a:off x="228600" y="1690689"/>
+            <a:ext cx="8077200" cy="4913117"/>
+          </a:xfrm>
+          <a:prstGeom prst="rect">
+            <a:avLst/>
+          </a:prstGeom>
+        </p:spPr>
+      </p:pic>
+      <p:grpSp>
+        <p:nvGrpSpPr>
+          <p:cNvPr id="11" name="Group 10">
+            <a:extLst>
+              <a:ext uri="{FF2B5EF4-FFF2-40B4-BE49-F238E27FC236}">
+                <a16:creationId xmlns:a16="http://schemas.microsoft.com/office/drawing/2014/main" id="{BB924ADA-6569-FF6E-C091-DD99B0727B5B}"/>
+              </a:ext>
+            </a:extLst>
+          </p:cNvPr>
+          <p:cNvGrpSpPr/>
+          <p:nvPr/>
+        </p:nvGrpSpPr>
+        <p:grpSpPr>
+          <a:xfrm>
+            <a:off x="2047876" y="6220154"/>
+            <a:ext cx="1685915" cy="333046"/>
+            <a:chOff x="2047876" y="6220154"/>
+            <a:chExt cx="1685915" cy="333046"/>
+          </a:xfrm>
+        </p:grpSpPr>
+        <p:sp>
+          <p:nvSpPr>
+            <p:cNvPr id="42" name="Rectangle 41">
+              <a:extLst>
+                <a:ext uri="{FF2B5EF4-FFF2-40B4-BE49-F238E27FC236}">
+                  <a16:creationId xmlns:a16="http://schemas.microsoft.com/office/drawing/2014/main" id="{B7B20CE6-CA91-A5D1-AA45-21CB9D6F0BA1}"/>
+                </a:ext>
+              </a:extLst>
+            </p:cNvPr>
+            <p:cNvSpPr/>
+            <p:nvPr/>
+          </p:nvSpPr>
+          <p:spPr>
+            <a:xfrm>
+              <a:off x="2047876" y="6220154"/>
+              <a:ext cx="380991" cy="321378"/>
+            </a:xfrm>
+            <a:prstGeom prst="rect">
+              <a:avLst/>
+            </a:prstGeom>
+            <a:noFill/>
+            <a:ln w="28575">
+              <a:solidFill>
+                <a:srgbClr val="FF0000"/>
+              </a:solidFill>
+            </a:ln>
+          </p:spPr>
+          <p:style>
+            <a:lnRef idx="2">
+              <a:schemeClr val="accent1">
+                <a:shade val="50000"/>
+              </a:schemeClr>
+            </a:lnRef>
+            <a:fillRef idx="1">
+              <a:schemeClr val="accent1"/>
+            </a:fillRef>
+            <a:effectRef idx="0">
+              <a:schemeClr val="accent1"/>
+            </a:effectRef>
+            <a:fontRef idx="minor">
+              <a:schemeClr val="lt1"/>
+            </a:fontRef>
+          </p:style>
+          <p:txBody>
+            <a:bodyPr rtlCol="0" anchor="ctr"/>
+            <a:lstStyle/>
+            <a:p>
+              <a:pPr algn="ctr"/>
+              <a:endParaRPr lang="en-US"/>
+            </a:p>
+          </p:txBody>
+        </p:sp>
+        <p:sp>
+          <p:nvSpPr>
+            <p:cNvPr id="43" name="Rectangle 42">
+              <a:extLst>
+                <a:ext uri="{FF2B5EF4-FFF2-40B4-BE49-F238E27FC236}">
+                  <a16:creationId xmlns:a16="http://schemas.microsoft.com/office/drawing/2014/main" id="{A6FFFD27-BAE1-556A-AA89-2EDBAD84A20D}"/>
+                </a:ext>
+              </a:extLst>
+            </p:cNvPr>
+            <p:cNvSpPr/>
+            <p:nvPr/>
+          </p:nvSpPr>
+          <p:spPr>
+            <a:xfrm>
+              <a:off x="2743209" y="6231822"/>
+              <a:ext cx="380991" cy="321378"/>
+            </a:xfrm>
+            <a:prstGeom prst="rect">
+              <a:avLst/>
+            </a:prstGeom>
+            <a:noFill/>
+            <a:ln w="28575">
+              <a:solidFill>
+                <a:srgbClr val="FF0000"/>
+              </a:solidFill>
+            </a:ln>
+          </p:spPr>
+          <p:style>
+            <a:lnRef idx="2">
+              <a:schemeClr val="accent1">
+                <a:shade val="50000"/>
+              </a:schemeClr>
+            </a:lnRef>
+            <a:fillRef idx="1">
+              <a:schemeClr val="accent1"/>
+            </a:fillRef>
+            <a:effectRef idx="0">
+              <a:schemeClr val="accent1"/>
+            </a:effectRef>
+            <a:fontRef idx="minor">
+              <a:schemeClr val="lt1"/>
+            </a:fontRef>
+          </p:style>
+          <p:txBody>
+            <a:bodyPr rtlCol="0" anchor="ctr"/>
+            <a:lstStyle/>
+            <a:p>
+              <a:pPr algn="ctr"/>
+              <a:endParaRPr lang="en-US"/>
+            </a:p>
+          </p:txBody>
+        </p:sp>
+        <p:sp>
+          <p:nvSpPr>
+            <p:cNvPr id="44" name="Rectangle 43">
+              <a:extLst>
+                <a:ext uri="{FF2B5EF4-FFF2-40B4-BE49-F238E27FC236}">
+                  <a16:creationId xmlns:a16="http://schemas.microsoft.com/office/drawing/2014/main" id="{33104DE5-FD36-CB40-3350-8559F0D0E469}"/>
+                </a:ext>
+              </a:extLst>
+            </p:cNvPr>
+            <p:cNvSpPr/>
+            <p:nvPr/>
+          </p:nvSpPr>
+          <p:spPr>
+            <a:xfrm>
+              <a:off x="3352800" y="6231822"/>
+              <a:ext cx="380991" cy="321378"/>
+            </a:xfrm>
+            <a:prstGeom prst="rect">
+              <a:avLst/>
+            </a:prstGeom>
+            <a:noFill/>
+            <a:ln w="28575">
+              <a:solidFill>
+                <a:srgbClr val="FF0000"/>
+              </a:solidFill>
+            </a:ln>
+          </p:spPr>
+          <p:style>
+            <a:lnRef idx="2">
+              <a:schemeClr val="accent1">
+                <a:shade val="50000"/>
+              </a:schemeClr>
+            </a:lnRef>
+            <a:fillRef idx="1">
+              <a:schemeClr val="accent1"/>
+            </a:fillRef>
+            <a:effectRef idx="0">
+              <a:schemeClr val="accent1"/>
+            </a:effectRef>
+            <a:fontRef idx="minor">
+              <a:schemeClr val="lt1"/>
+            </a:fontRef>
+          </p:style>
+          <p:txBody>
+            <a:bodyPr rtlCol="0" anchor="ctr"/>
+            <a:lstStyle/>
+            <a:p>
+              <a:pPr algn="ctr"/>
+              <a:endParaRPr lang="en-US"/>
+            </a:p>
+          </p:txBody>
+        </p:sp>
+      </p:grpSp>
+      <p:sp>
+        <p:nvSpPr>
+          <p:cNvPr id="9" name="TextBox 8">
+            <a:extLst>
+              <a:ext uri="{FF2B5EF4-FFF2-40B4-BE49-F238E27FC236}">
+                <a16:creationId xmlns:a16="http://schemas.microsoft.com/office/drawing/2014/main" id="{37A9565A-AC27-B94C-E739-44848F0AB20C}"/>
+              </a:ext>
+            </a:extLst>
+          </p:cNvPr>
+          <p:cNvSpPr txBox="1"/>
+          <p:nvPr/>
+        </p:nvSpPr>
+        <p:spPr>
+          <a:xfrm>
+            <a:off x="4419600" y="3476767"/>
+            <a:ext cx="4467235" cy="2800767"/>
+          </a:xfrm>
+          <a:prstGeom prst="rect">
+            <a:avLst/>
+          </a:prstGeom>
+        </p:spPr>
+        <p:style>
+          <a:lnRef idx="3">
+            <a:schemeClr val="lt1"/>
+          </a:lnRef>
+          <a:fillRef idx="1">
+            <a:schemeClr val="accent6"/>
+          </a:fillRef>
+          <a:effectRef idx="1">
+            <a:schemeClr val="accent6"/>
+          </a:effectRef>
+          <a:fontRef idx="minor">
+            <a:schemeClr val="lt1"/>
+          </a:fontRef>
+        </p:style>
+        <p:txBody>
+          <a:bodyPr wrap="square" rtlCol="0">
+            <a:spAutoFit/>
+          </a:bodyPr>
+          <a:lstStyle/>
+          <a:p>
+            <a:r>
+              <a:rPr lang="en-US" sz="1600" dirty="0"/>
+              <a:t>Utility for terminal states is known. We call this the</a:t>
+            </a:r>
+            <a:r>
+              <a:rPr lang="en-US" sz="1600" b="1" dirty="0"/>
+              <a:t> immediate reward </a:t>
+            </a:r>
+            <a:r>
+              <a:rPr lang="en-US" sz="1600" dirty="0"/>
+              <a:t>of the state.</a:t>
+            </a:r>
+          </a:p>
+          <a:p>
+            <a:endParaRPr lang="en-US" sz="1600" dirty="0"/>
+          </a:p>
+          <a:p>
+            <a:r>
+              <a:rPr lang="en-US" sz="1600" dirty="0"/>
+              <a:t>The immediate reward of all non-terminal states is here 0. But, how good is it to be in any of the other states? We need to complete the game and see. This is called the (expected) </a:t>
+            </a:r>
+            <a:r>
+              <a:rPr lang="en-US" sz="1600" b="1" dirty="0"/>
+              <a:t>long-term reward </a:t>
+            </a:r>
+            <a:r>
+              <a:rPr lang="en-US" sz="1600" dirty="0"/>
+              <a:t>of the state.</a:t>
+            </a:r>
+          </a:p>
+          <a:p>
+            <a:endParaRPr lang="en-US" sz="1600" dirty="0"/>
+          </a:p>
+          <a:p>
+            <a:r>
+              <a:rPr lang="en-US" sz="1600" dirty="0"/>
+              <a:t>The </a:t>
+            </a:r>
+            <a:r>
+              <a:rPr lang="en-US" sz="1600" b="1" dirty="0"/>
+              <a:t>optimal decision </a:t>
+            </a:r>
+            <a:r>
+              <a:rPr lang="en-US" sz="1600" dirty="0"/>
+              <a:t>is to always choose the action that leads to the highest long-term reward state. </a:t>
+            </a:r>
+          </a:p>
+        </p:txBody>
+      </p:sp>
+      <p:sp>
+        <p:nvSpPr>
+          <p:cNvPr id="17" name="TextBox 16">
+            <a:extLst>
+              <a:ext uri="{FF2B5EF4-FFF2-40B4-BE49-F238E27FC236}">
+                <a16:creationId xmlns:a16="http://schemas.microsoft.com/office/drawing/2